--- a/bootstrap/src/bootstrap-slides.pptx
+++ b/bootstrap/src/bootstrap-slides.pptx
@@ -5,7 +5,7 @@
     <p:sldMasterId id="2147483648" r:id="rId1"/>
   </p:sldMasterIdLst>
   <p:notesMasterIdLst>
-    <p:notesMasterId r:id="rId23"/>
+    <p:notesMasterId r:id="rId30"/>
   </p:notesMasterIdLst>
   <p:sldIdLst>
     <p:sldId id="256" r:id="rId2"/>
@@ -29,6 +29,13 @@
     <p:sldId id="274" r:id="rId20"/>
     <p:sldId id="275" r:id="rId21"/>
     <p:sldId id="276" r:id="rId22"/>
+    <p:sldId id="277" r:id="rId23"/>
+    <p:sldId id="278" r:id="rId24"/>
+    <p:sldId id="279" r:id="rId25"/>
+    <p:sldId id="280" r:id="rId26"/>
+    <p:sldId id="281" r:id="rId27"/>
+    <p:sldId id="282" r:id="rId28"/>
+    <p:sldId id="283" r:id="rId29"/>
   </p:sldIdLst>
   <p:sldSz cx="9144000" cy="5143500" type="screen16x9"/>
   <p:notesSz cx="6858000" cy="9144000"/>
@@ -864,21 +871,103 @@
             </a:pPr>
             <a:r>
               <a:rPr/>
-              <a:t>The jackknife, as called the “leave-one-out” method was proposed in 1949 as a method for estimating bias and calculating standard errors by Quenouille. It got the name “jackknife” by John Tukey because he felt it was a useful tool for a variety of settings.</a:t>
-            </a:r>
-          </a:p>
-          <a:p>
-            <a:pPr lvl="0" indent="0" marL="0">
-              <a:buNone/>
-            </a:pPr>
-          </a:p>
-          <a:p>
-            <a:pPr lvl="0" indent="0" marL="0">
-              <a:buNone/>
-            </a:pPr>
-            <a:r>
-              <a:rPr/>
-              <a:t>You create subsamples by leaving one data point out. With five data points, you have five subsamples.</a:t>
+              <a:t>I want to provide a bit of historical context. Before the bootstrap came along, researchers relied on a variety of mathematical theorems like the Central Limit Theorem and extensions to the Central Limit Theorem to estimate bias, calculate standard errors, produce confidence intervals, and test hypotheses.</a:t>
+            </a:r>
+          </a:p>
+          <a:p>
+            <a:pPr lvl="0" indent="0" marL="0">
+              <a:buNone/>
+            </a:pPr>
+          </a:p>
+          <a:p>
+            <a:pPr lvl="0" indent="0" marL="0">
+              <a:buNone/>
+            </a:pPr>
+            <a:r>
+              <a:rPr/>
+              <a:t>The bootstrap represents an early attempt to use the power of computer simulation to estimate bias, calculate standard errors, produce confidence intervals, and test hypotheses. The bootstrap provides these answers in many settings where you can’t find a variation on the Central Limit Theorem that would apply or when you don’t trust the approximation. I’ll provide a brief overview of the jackknife, an earlier approach that the bootstrap was based on. Then I’ll talk about Bradley Efron’s work in the 1970’s and 1980’s to develop the bootstrap and to establish the mathematical principles that make the bootstrap work in so many different areas. Finally, I will talk about how bootstrapping came to be relied on in various machine learning algorithms.</a:t>
+            </a:r>
+          </a:p>
+        </p:txBody>
+      </p:sp>
+      <p:sp>
+        <p:nvSpPr>
+          <p:cNvPr id="4" name="Slide Number Placeholder 3"/>
+          <p:cNvSpPr>
+            <a:spLocks noGrp="1"/>
+          </p:cNvSpPr>
+          <p:nvPr>
+            <p:ph type="sldNum" sz="quarter" idx="10"/>
+          </p:nvPr>
+        </p:nvSpPr>
+        <p:spPr/>
+        <p:txBody>
+          <a:bodyPr/>
+          <a:lstStyle/>
+          <a:p>
+            <a:fld id="{18BDFEC3-8487-43E8-A154-7C12CBC1FFF2}" type="slidenum">
+              <a:rPr lang="en-US"/>
+              <a:t>3</a:t>
+            </a:fld>
+            <a:endParaRPr lang="en-US"/>
+          </a:p>
+        </p:txBody>
+      </p:sp>
+    </p:spTree>
+  </p:cSld>
+</p:notes>
+</file>
+
+<file path=ppt/notesSlides/notesSlide3.xml><?xml version="1.0" encoding="utf-8"?>
+<p:notes xmlns:a="http://schemas.openxmlformats.org/drawingml/2006/main" xmlns:r="http://schemas.openxmlformats.org/officeDocument/2006/relationships" xmlns:p="http://schemas.openxmlformats.org/presentationml/2006/main">
+  <p:cSld>
+    <p:spTree>
+      <p:nvGrpSpPr>
+        <p:cNvPr id="1" name=""/>
+        <p:cNvGrpSpPr/>
+        <p:nvPr/>
+      </p:nvGrpSpPr>
+      <p:grpSpPr>
+        <a:xfrm>
+          <a:off x="0" y="0"/>
+          <a:ext cx="0" cy="0"/>
+          <a:chOff x="0" y="0"/>
+          <a:chExt cx="0" cy="0"/>
+        </a:xfrm>
+      </p:grpSpPr>
+      <p:sp>
+        <p:nvSpPr>
+          <p:cNvPr id="2" name="Slide Image Placeholder 1"/>
+          <p:cNvSpPr>
+            <a:spLocks noGrp="1" noRot="1" noChangeAspect="1"/>
+          </p:cNvSpPr>
+          <p:nvPr>
+            <p:ph type="sldImg"/>
+          </p:nvPr>
+        </p:nvSpPr>
+        <p:spPr/>
+      </p:sp>
+      <p:sp>
+        <p:nvSpPr>
+          <p:cNvPr id="3" name="Notes Placeholder 2"/>
+          <p:cNvSpPr>
+            <a:spLocks noGrp="1"/>
+          </p:cNvSpPr>
+          <p:nvPr>
+            <p:ph type="body" idx="1"/>
+          </p:nvPr>
+        </p:nvSpPr>
+        <p:spPr/>
+        <p:txBody>
+          <a:bodyPr/>
+          <a:lstStyle/>
+          <a:p>
+            <a:pPr lvl="0" indent="0" marL="0">
+              <a:buNone/>
+            </a:pPr>
+            <a:r>
+              <a:rPr/>
+              <a:t>I need to start with a book that I used when I was in graduate school. The title is “Approximation Theorems in Mathematical Statistics” by Rboery Serfling. It was all about the variety of ways to show that some statistic followed an asymptotic normal distribution.</a:t>
             </a:r>
           </a:p>
         </p:txBody>
@@ -901,6 +990,638 @@
             <a:fld id="{18BDFEC3-8487-43E8-A154-7C12CBC1FFF2}" type="slidenum">
               <a:rPr lang="en-US"/>
               <a:t>4</a:t>
+            </a:fld>
+            <a:endParaRPr lang="en-US"/>
+          </a:p>
+        </p:txBody>
+      </p:sp>
+    </p:spTree>
+  </p:cSld>
+</p:notes>
+</file>
+
+<file path=ppt/notesSlides/notesSlide4.xml><?xml version="1.0" encoding="utf-8"?>
+<p:notes xmlns:a="http://schemas.openxmlformats.org/drawingml/2006/main" xmlns:r="http://schemas.openxmlformats.org/officeDocument/2006/relationships" xmlns:p="http://schemas.openxmlformats.org/presentationml/2006/main">
+  <p:cSld>
+    <p:spTree>
+      <p:nvGrpSpPr>
+        <p:cNvPr id="1" name=""/>
+        <p:cNvGrpSpPr/>
+        <p:nvPr/>
+      </p:nvGrpSpPr>
+      <p:grpSpPr>
+        <a:xfrm>
+          <a:off x="0" y="0"/>
+          <a:ext cx="0" cy="0"/>
+          <a:chOff x="0" y="0"/>
+          <a:chExt cx="0" cy="0"/>
+        </a:xfrm>
+      </p:grpSpPr>
+      <p:sp>
+        <p:nvSpPr>
+          <p:cNvPr id="2" name="Slide Image Placeholder 1"/>
+          <p:cNvSpPr>
+            <a:spLocks noGrp="1" noRot="1" noChangeAspect="1"/>
+          </p:cNvSpPr>
+          <p:nvPr>
+            <p:ph type="sldImg"/>
+          </p:nvPr>
+        </p:nvSpPr>
+        <p:spPr/>
+      </p:sp>
+      <p:sp>
+        <p:nvSpPr>
+          <p:cNvPr id="3" name="Notes Placeholder 2"/>
+          <p:cNvSpPr>
+            <a:spLocks noGrp="1"/>
+          </p:cNvSpPr>
+          <p:nvPr>
+            <p:ph type="body" idx="1"/>
+          </p:nvPr>
+        </p:nvSpPr>
+        <p:spPr/>
+        <p:txBody>
+          <a:bodyPr/>
+          <a:lstStyle/>
+          <a:p>
+            <a:pPr lvl="0" indent="0" marL="0">
+              <a:buNone/>
+            </a:pPr>
+            <a:r>
+              <a:rPr/>
+              <a:t>I’m sure you’re all familiar with the Central Limit Theorem. It states that the average of independent identically distributed random variables is approximately normal.</a:t>
+            </a:r>
+          </a:p>
+          <a:p>
+            <a:pPr lvl="0" indent="0" marL="0">
+              <a:buNone/>
+            </a:pPr>
+          </a:p>
+          <a:p>
+            <a:pPr lvl="0" indent="0" marL="0">
+              <a:buNone/>
+            </a:pPr>
+            <a:r>
+              <a:rPr/>
+              <a:t>The rule of thumb is that you can trust the normal approximation when the sample size is greater than 30. There is a lot that you can quibble about with respect to the cut-off of 30, but we’re not going to get too fussy about this.</a:t>
+            </a:r>
+          </a:p>
+        </p:txBody>
+      </p:sp>
+      <p:sp>
+        <p:nvSpPr>
+          <p:cNvPr id="4" name="Slide Number Placeholder 3"/>
+          <p:cNvSpPr>
+            <a:spLocks noGrp="1"/>
+          </p:cNvSpPr>
+          <p:nvPr>
+            <p:ph type="sldNum" sz="quarter" idx="10"/>
+          </p:nvPr>
+        </p:nvSpPr>
+        <p:spPr/>
+        <p:txBody>
+          <a:bodyPr/>
+          <a:lstStyle/>
+          <a:p>
+            <a:fld id="{18BDFEC3-8487-43E8-A154-7C12CBC1FFF2}" type="slidenum">
+              <a:rPr lang="en-US"/>
+              <a:t>5</a:t>
+            </a:fld>
+            <a:endParaRPr lang="en-US"/>
+          </a:p>
+        </p:txBody>
+      </p:sp>
+    </p:spTree>
+  </p:cSld>
+</p:notes>
+</file>
+
+<file path=ppt/notesSlides/notesSlide5.xml><?xml version="1.0" encoding="utf-8"?>
+<p:notes xmlns:a="http://schemas.openxmlformats.org/drawingml/2006/main" xmlns:r="http://schemas.openxmlformats.org/officeDocument/2006/relationships" xmlns:p="http://schemas.openxmlformats.org/presentationml/2006/main">
+  <p:cSld>
+    <p:spTree>
+      <p:nvGrpSpPr>
+        <p:cNvPr id="1" name=""/>
+        <p:cNvGrpSpPr/>
+        <p:nvPr/>
+      </p:nvGrpSpPr>
+      <p:grpSpPr>
+        <a:xfrm>
+          <a:off x="0" y="0"/>
+          <a:ext cx="0" cy="0"/>
+          <a:chOff x="0" y="0"/>
+          <a:chExt cx="0" cy="0"/>
+        </a:xfrm>
+      </p:grpSpPr>
+      <p:sp>
+        <p:nvSpPr>
+          <p:cNvPr id="2" name="Slide Image Placeholder 1"/>
+          <p:cNvSpPr>
+            <a:spLocks noGrp="1" noRot="1" noChangeAspect="1"/>
+          </p:cNvSpPr>
+          <p:nvPr>
+            <p:ph type="sldImg"/>
+          </p:nvPr>
+        </p:nvSpPr>
+        <p:spPr/>
+      </p:sp>
+      <p:sp>
+        <p:nvSpPr>
+          <p:cNvPr id="3" name="Notes Placeholder 2"/>
+          <p:cNvSpPr>
+            <a:spLocks noGrp="1"/>
+          </p:cNvSpPr>
+          <p:nvPr>
+            <p:ph type="body" idx="1"/>
+          </p:nvPr>
+        </p:nvSpPr>
+        <p:spPr/>
+        <p:txBody>
+          <a:bodyPr/>
+          <a:lstStyle/>
+          <a:p>
+            <a:pPr lvl="0" indent="0" marL="0">
+              <a:buNone/>
+            </a:pPr>
+            <a:r>
+              <a:rPr/>
+              <a:t>You can also show easily that the expected value of the sample mean is mu (the sample mean is an unbiased estimate of the population mean) and that the variance of the sample mean is the variance of an individual X value divided by the sample size n.</a:t>
+            </a:r>
+          </a:p>
+        </p:txBody>
+      </p:sp>
+      <p:sp>
+        <p:nvSpPr>
+          <p:cNvPr id="4" name="Slide Number Placeholder 3"/>
+          <p:cNvSpPr>
+            <a:spLocks noGrp="1"/>
+          </p:cNvSpPr>
+          <p:nvPr>
+            <p:ph type="sldNum" sz="quarter" idx="10"/>
+          </p:nvPr>
+        </p:nvSpPr>
+        <p:spPr/>
+        <p:txBody>
+          <a:bodyPr/>
+          <a:lstStyle/>
+          <a:p>
+            <a:fld id="{18BDFEC3-8487-43E8-A154-7C12CBC1FFF2}" type="slidenum">
+              <a:rPr lang="en-US"/>
+              <a:t>6</a:t>
+            </a:fld>
+            <a:endParaRPr lang="en-US"/>
+          </a:p>
+        </p:txBody>
+      </p:sp>
+    </p:spTree>
+  </p:cSld>
+</p:notes>
+</file>
+
+<file path=ppt/notesSlides/notesSlide6.xml><?xml version="1.0" encoding="utf-8"?>
+<p:notes xmlns:a="http://schemas.openxmlformats.org/drawingml/2006/main" xmlns:r="http://schemas.openxmlformats.org/officeDocument/2006/relationships" xmlns:p="http://schemas.openxmlformats.org/presentationml/2006/main">
+  <p:cSld>
+    <p:spTree>
+      <p:nvGrpSpPr>
+        <p:cNvPr id="1" name=""/>
+        <p:cNvGrpSpPr/>
+        <p:nvPr/>
+      </p:nvGrpSpPr>
+      <p:grpSpPr>
+        <a:xfrm>
+          <a:off x="0" y="0"/>
+          <a:ext cx="0" cy="0"/>
+          <a:chOff x="0" y="0"/>
+          <a:chExt cx="0" cy="0"/>
+        </a:xfrm>
+      </p:grpSpPr>
+      <p:sp>
+        <p:nvSpPr>
+          <p:cNvPr id="2" name="Slide Image Placeholder 1"/>
+          <p:cNvSpPr>
+            <a:spLocks noGrp="1" noRot="1" noChangeAspect="1"/>
+          </p:cNvSpPr>
+          <p:nvPr>
+            <p:ph type="sldImg"/>
+          </p:nvPr>
+        </p:nvSpPr>
+        <p:spPr/>
+      </p:sp>
+      <p:sp>
+        <p:nvSpPr>
+          <p:cNvPr id="3" name="Notes Placeholder 2"/>
+          <p:cNvSpPr>
+            <a:spLocks noGrp="1"/>
+          </p:cNvSpPr>
+          <p:nvPr>
+            <p:ph type="body" idx="1"/>
+          </p:nvPr>
+        </p:nvSpPr>
+        <p:spPr/>
+        <p:txBody>
+          <a:bodyPr/>
+          <a:lstStyle/>
+          <a:p>
+            <a:pPr lvl="0" indent="0" marL="0">
+              <a:buNone/>
+            </a:pPr>
+            <a:r>
+              <a:rPr/>
+              <a:t>What about more complex settings?</a:t>
+            </a:r>
+          </a:p>
+          <a:p>
+            <a:pPr lvl="0" indent="0" marL="0">
+              <a:buNone/>
+            </a:pPr>
+          </a:p>
+          <a:p>
+            <a:pPr lvl="0" indent="0" marL="0">
+              <a:buNone/>
+            </a:pPr>
+            <a:r>
+              <a:rPr/>
+              <a:t>What if the sample size is not large enough to rely on the Central Limit Theorem?</a:t>
+            </a:r>
+          </a:p>
+          <a:p>
+            <a:pPr lvl="0" indent="0" marL="0">
+              <a:buNone/>
+            </a:pPr>
+          </a:p>
+          <a:p>
+            <a:pPr lvl="0" indent="0" marL="0">
+              <a:buNone/>
+            </a:pPr>
+            <a:r>
+              <a:rPr/>
+              <a:t>What if you are measuring the mean absolute deviation (the average of the absolute values of each individual value minus the sample mean) or the interquartile range (the difference between the 75th percentile and the 25th percentile).</a:t>
+            </a:r>
+          </a:p>
+          <a:p>
+            <a:pPr lvl="0" indent="0" marL="0">
+              <a:buNone/>
+            </a:pPr>
+          </a:p>
+          <a:p>
+            <a:pPr lvl="0" indent="0" marL="0">
+              <a:buNone/>
+            </a:pPr>
+            <a:r>
+              <a:rPr/>
+              <a:t>If you are really clever and if you understand all the approximation theorems in Robert Serfling’s book, you will know how to establish an approximation to these statistics (usually a normal approximation, but sometimes there are other distributions like the chi-square distribution that represent a good approximation).</a:t>
+            </a:r>
+          </a:p>
+          <a:p>
+            <a:pPr lvl="0" indent="0" marL="0">
+              <a:buNone/>
+            </a:pPr>
+          </a:p>
+          <a:p>
+            <a:pPr lvl="0" indent="0" marL="0">
+              <a:buNone/>
+            </a:pPr>
+            <a:r>
+              <a:rPr/>
+              <a:t>But an even more fundamental question is what do you do when the sample size is not large enough to justify the use of the Central Limit Theorem? I put down n&lt;30 here, but in some settings (well behaved distributions without much skewness and only a weak tendency to produce outliers), you might get by with only 10 observations. Other times (extremely skewed distributions and/or a strong tendency to produce outliers), even a sample size of 300 is inadequate to assume an approximately normal distribution.</a:t>
+            </a:r>
+          </a:p>
+          <a:p>
+            <a:pPr lvl="0" indent="0" marL="0">
+              <a:buNone/>
+            </a:pPr>
+          </a:p>
+          <a:p>
+            <a:pPr lvl="0" indent="0" marL="0">
+              <a:buNone/>
+            </a:pPr>
+            <a:r>
+              <a:rPr/>
+              <a:t>It turns out that you can use simulations involving the data itself to establish an underlying distribution.</a:t>
+            </a:r>
+          </a:p>
+        </p:txBody>
+      </p:sp>
+      <p:sp>
+        <p:nvSpPr>
+          <p:cNvPr id="4" name="Slide Number Placeholder 3"/>
+          <p:cNvSpPr>
+            <a:spLocks noGrp="1"/>
+          </p:cNvSpPr>
+          <p:nvPr>
+            <p:ph type="sldNum" sz="quarter" idx="10"/>
+          </p:nvPr>
+        </p:nvSpPr>
+        <p:spPr/>
+        <p:txBody>
+          <a:bodyPr/>
+          <a:lstStyle/>
+          <a:p>
+            <a:fld id="{18BDFEC3-8487-43E8-A154-7C12CBC1FFF2}" type="slidenum">
+              <a:rPr lang="en-US"/>
+              <a:t>7</a:t>
+            </a:fld>
+            <a:endParaRPr lang="en-US"/>
+          </a:p>
+        </p:txBody>
+      </p:sp>
+    </p:spTree>
+  </p:cSld>
+</p:notes>
+</file>
+
+<file path=ppt/notesSlides/notesSlide7.xml><?xml version="1.0" encoding="utf-8"?>
+<p:notes xmlns:a="http://schemas.openxmlformats.org/drawingml/2006/main" xmlns:r="http://schemas.openxmlformats.org/officeDocument/2006/relationships" xmlns:p="http://schemas.openxmlformats.org/presentationml/2006/main">
+  <p:cSld>
+    <p:spTree>
+      <p:nvGrpSpPr>
+        <p:cNvPr id="1" name=""/>
+        <p:cNvGrpSpPr/>
+        <p:nvPr/>
+      </p:nvGrpSpPr>
+      <p:grpSpPr>
+        <a:xfrm>
+          <a:off x="0" y="0"/>
+          <a:ext cx="0" cy="0"/>
+          <a:chOff x="0" y="0"/>
+          <a:chExt cx="0" cy="0"/>
+        </a:xfrm>
+      </p:grpSpPr>
+      <p:sp>
+        <p:nvSpPr>
+          <p:cNvPr id="2" name="Slide Image Placeholder 1"/>
+          <p:cNvSpPr>
+            <a:spLocks noGrp="1" noRot="1" noChangeAspect="1"/>
+          </p:cNvSpPr>
+          <p:nvPr>
+            <p:ph type="sldImg"/>
+          </p:nvPr>
+        </p:nvSpPr>
+        <p:spPr/>
+      </p:sp>
+      <p:sp>
+        <p:nvSpPr>
+          <p:cNvPr id="3" name="Notes Placeholder 2"/>
+          <p:cNvSpPr>
+            <a:spLocks noGrp="1"/>
+          </p:cNvSpPr>
+          <p:nvPr>
+            <p:ph type="body" idx="1"/>
+          </p:nvPr>
+        </p:nvSpPr>
+        <p:spPr/>
+        <p:txBody>
+          <a:bodyPr/>
+          <a:lstStyle/>
+          <a:p>
+            <a:pPr lvl="0" indent="0" marL="0">
+              <a:buNone/>
+            </a:pPr>
+            <a:r>
+              <a:rPr/>
+              <a:t>The jackknife, as called the “leave-one-out” method was proposed in 1949 as a method for estimating bias and calculating standard errors by Quenouille. It got the name “jackknife” by John Tukey because he felt it was a useful tool for a variety of settings.</a:t>
+            </a:r>
+          </a:p>
+          <a:p>
+            <a:pPr lvl="0" indent="0" marL="0">
+              <a:buNone/>
+            </a:pPr>
+          </a:p>
+          <a:p>
+            <a:pPr lvl="0" indent="0" marL="0">
+              <a:buNone/>
+            </a:pPr>
+            <a:r>
+              <a:rPr/>
+              <a:t>You create subsamples by leaving one data point out. With five data points, you have five subsamples.</a:t>
+            </a:r>
+          </a:p>
+        </p:txBody>
+      </p:sp>
+      <p:sp>
+        <p:nvSpPr>
+          <p:cNvPr id="4" name="Slide Number Placeholder 3"/>
+          <p:cNvSpPr>
+            <a:spLocks noGrp="1"/>
+          </p:cNvSpPr>
+          <p:nvPr>
+            <p:ph type="sldNum" sz="quarter" idx="10"/>
+          </p:nvPr>
+        </p:nvSpPr>
+        <p:spPr/>
+        <p:txBody>
+          <a:bodyPr/>
+          <a:lstStyle/>
+          <a:p>
+            <a:fld id="{18BDFEC3-8487-43E8-A154-7C12CBC1FFF2}" type="slidenum">
+              <a:rPr lang="en-US"/>
+              <a:t>8</a:t>
+            </a:fld>
+            <a:endParaRPr lang="en-US"/>
+          </a:p>
+        </p:txBody>
+      </p:sp>
+    </p:spTree>
+  </p:cSld>
+</p:notes>
+</file>
+
+<file path=ppt/notesSlides/notesSlide8.xml><?xml version="1.0" encoding="utf-8"?>
+<p:notes xmlns:a="http://schemas.openxmlformats.org/drawingml/2006/main" xmlns:r="http://schemas.openxmlformats.org/officeDocument/2006/relationships" xmlns:p="http://schemas.openxmlformats.org/presentationml/2006/main">
+  <p:cSld>
+    <p:spTree>
+      <p:nvGrpSpPr>
+        <p:cNvPr id="1" name=""/>
+        <p:cNvGrpSpPr/>
+        <p:nvPr/>
+      </p:nvGrpSpPr>
+      <p:grpSpPr>
+        <a:xfrm>
+          <a:off x="0" y="0"/>
+          <a:ext cx="0" cy="0"/>
+          <a:chOff x="0" y="0"/>
+          <a:chExt cx="0" cy="0"/>
+        </a:xfrm>
+      </p:grpSpPr>
+      <p:sp>
+        <p:nvSpPr>
+          <p:cNvPr id="2" name="Slide Image Placeholder 1"/>
+          <p:cNvSpPr>
+            <a:spLocks noGrp="1" noRot="1" noChangeAspect="1"/>
+          </p:cNvSpPr>
+          <p:nvPr>
+            <p:ph type="sldImg"/>
+          </p:nvPr>
+        </p:nvSpPr>
+        <p:spPr/>
+      </p:sp>
+      <p:sp>
+        <p:nvSpPr>
+          <p:cNvPr id="3" name="Notes Placeholder 2"/>
+          <p:cNvSpPr>
+            <a:spLocks noGrp="1"/>
+          </p:cNvSpPr>
+          <p:nvPr>
+            <p:ph type="body" idx="1"/>
+          </p:nvPr>
+        </p:nvSpPr>
+        <p:spPr/>
+        <p:txBody>
+          <a:bodyPr/>
+          <a:lstStyle/>
+          <a:p>
+            <a:pPr lvl="0" indent="0" marL="0">
+              <a:buNone/>
+            </a:pPr>
+            <a:r>
+              <a:rPr/>
+              <a:t>This image is from a White House ceremony where Bradley Efron received the President’s National Medal of Science. I was quite shocked when I found this picture a few days ago, and I’ve been trying to call Joe Biden ever since to see where my medal is. Seriously, you have to be a really special statistician to deserve an honor like this.</a:t>
+            </a:r>
+          </a:p>
+          <a:p>
+            <a:pPr lvl="0" indent="0" marL="0">
+              <a:buNone/>
+            </a:pPr>
+          </a:p>
+          <a:p>
+            <a:pPr lvl="0" indent="0" marL="0">
+              <a:buNone/>
+            </a:pPr>
+            <a:r>
+              <a:rPr/>
+              <a:t>Most of the information about Bradley Efron comes from</a:t>
+            </a:r>
+          </a:p>
+          <a:p>
+            <a:pPr lvl="0" indent="0" marL="0">
+              <a:buNone/>
+            </a:pPr>
+          </a:p>
+          <a:p>
+            <a:pPr lvl="0" indent="0" marL="0">
+              <a:buNone/>
+            </a:pPr>
+            <a:r>
+              <a:rPr/>
+              <a:t>Denise LaFontaine. The History of Bootstrapping: Tracing the Development of Resampling With Replacement. The Mathematics Enthusiast 2021, 18(1). Available in pdf format.</a:t>
+            </a:r>
+          </a:p>
+          <a:p>
+            <a:pPr lvl="0" indent="0" marL="0">
+              <a:buNone/>
+            </a:pPr>
+          </a:p>
+          <a:p>
+            <a:pPr lvl="0" indent="0" marL="0">
+              <a:buNone/>
+            </a:pPr>
+            <a:r>
+              <a:rPr/>
+              <a:t>Bradley Efron entered the PhD program in Statistics at Stanford University in 1960. He was influenced by one of the faculty at Stanford, Rupert Miller, who was working on establishing conditions under which the jackknife did or did not perform well. Shortly after graduating, Dr. Efron started working on an approach that would fix some of the shortcomings of the jackknife.</a:t>
+            </a:r>
+          </a:p>
+        </p:txBody>
+      </p:sp>
+      <p:sp>
+        <p:nvSpPr>
+          <p:cNvPr id="4" name="Slide Number Placeholder 3"/>
+          <p:cNvSpPr>
+            <a:spLocks noGrp="1"/>
+          </p:cNvSpPr>
+          <p:nvPr>
+            <p:ph type="sldNum" sz="quarter" idx="10"/>
+          </p:nvPr>
+        </p:nvSpPr>
+        <p:spPr/>
+        <p:txBody>
+          <a:bodyPr/>
+          <a:lstStyle/>
+          <a:p>
+            <a:fld id="{18BDFEC3-8487-43E8-A154-7C12CBC1FFF2}" type="slidenum">
+              <a:rPr lang="en-US"/>
+              <a:t>11</a:t>
+            </a:fld>
+            <a:endParaRPr lang="en-US"/>
+          </a:p>
+        </p:txBody>
+      </p:sp>
+    </p:spTree>
+  </p:cSld>
+</p:notes>
+</file>
+
+<file path=ppt/notesSlides/notesSlide9.xml><?xml version="1.0" encoding="utf-8"?>
+<p:notes xmlns:a="http://schemas.openxmlformats.org/drawingml/2006/main" xmlns:r="http://schemas.openxmlformats.org/officeDocument/2006/relationships" xmlns:p="http://schemas.openxmlformats.org/presentationml/2006/main">
+  <p:cSld>
+    <p:spTree>
+      <p:nvGrpSpPr>
+        <p:cNvPr id="1" name=""/>
+        <p:cNvGrpSpPr/>
+        <p:nvPr/>
+      </p:nvGrpSpPr>
+      <p:grpSpPr>
+        <a:xfrm>
+          <a:off x="0" y="0"/>
+          <a:ext cx="0" cy="0"/>
+          <a:chOff x="0" y="0"/>
+          <a:chExt cx="0" cy="0"/>
+        </a:xfrm>
+      </p:grpSpPr>
+      <p:sp>
+        <p:nvSpPr>
+          <p:cNvPr id="2" name="Slide Image Placeholder 1"/>
+          <p:cNvSpPr>
+            <a:spLocks noGrp="1" noRot="1" noChangeAspect="1"/>
+          </p:cNvSpPr>
+          <p:nvPr>
+            <p:ph type="sldImg"/>
+          </p:nvPr>
+        </p:nvSpPr>
+        <p:spPr/>
+      </p:sp>
+      <p:sp>
+        <p:nvSpPr>
+          <p:cNvPr id="3" name="Notes Placeholder 2"/>
+          <p:cNvSpPr>
+            <a:spLocks noGrp="1"/>
+          </p:cNvSpPr>
+          <p:nvPr>
+            <p:ph type="body" idx="1"/>
+          </p:nvPr>
+        </p:nvSpPr>
+        <p:spPr/>
+        <p:txBody>
+          <a:bodyPr/>
+          <a:lstStyle/>
+          <a:p>
+            <a:pPr lvl="0" indent="0" marL="0">
+              <a:buNone/>
+            </a:pPr>
+            <a:r>
+              <a:rPr/>
+              <a:t>This is a histogram of the 500 bootstrapped estimates of the mean absolute deviation. Notice that it is “patchy” and does not follow a smooth bell shaped curve. This is an important issue that we will address when computing confidence intervals.</a:t>
+            </a:r>
+          </a:p>
+        </p:txBody>
+      </p:sp>
+      <p:sp>
+        <p:nvSpPr>
+          <p:cNvPr id="4" name="Slide Number Placeholder 3"/>
+          <p:cNvSpPr>
+            <a:spLocks noGrp="1"/>
+          </p:cNvSpPr>
+          <p:nvPr>
+            <p:ph type="sldNum" sz="quarter" idx="10"/>
+          </p:nvPr>
+        </p:nvSpPr>
+        <p:spPr/>
+        <p:txBody>
+          <a:bodyPr/>
+          <a:lstStyle/>
+          <a:p>
+            <a:fld id="{18BDFEC3-8487-43E8-A154-7C12CBC1FFF2}" type="slidenum">
+              <a:rPr lang="en-US"/>
+              <a:t>15</a:t>
             </a:fld>
             <a:endParaRPr lang="en-US"/>
           </a:p>
@@ -4007,7 +4728,7 @@
             </a:pPr>
             <a:r>
               <a:rPr/>
-              <a:t>Break #1</a:t>
+              <a:t>The jackknife (3/3)</a:t>
             </a:r>
           </a:p>
         </p:txBody>
@@ -4030,28 +4751,21 @@
             <a:pPr lvl="0"/>
             <a:r>
               <a:rPr/>
-              <a:t>What have you learned</a:t>
-            </a:r>
-          </a:p>
-          <a:p>
-            <a:pPr lvl="1"/>
-            <a:r>
-              <a:rPr/>
-              <a:t>History of the bootstrap</a:t>
+              <a:t>MAD (Full sample) = 1.68</a:t>
             </a:r>
           </a:p>
           <a:p>
             <a:pPr lvl="0"/>
             <a:r>
               <a:rPr/>
-              <a:t>What’s coming next</a:t>
-            </a:r>
-          </a:p>
-          <a:p>
-            <a:pPr lvl="1"/>
-            <a:r>
-              <a:rPr/>
-              <a:t>Reasons for using the bootstrap</a:t>
+              <a:t>Average MAD (Jackknife subsamples) = 1.6</a:t>
+            </a:r>
+          </a:p>
+          <a:p>
+            <a:pPr lvl="0"/>
+            <a:r>
+              <a:rPr/>
+              <a:t>Standard deviation MAD (Jackknife subsamples) = 0.285</a:t>
             </a:r>
           </a:p>
         </p:txBody>
@@ -4098,51 +4812,67 @@
             </a:pPr>
             <a:r>
               <a:rPr/>
-              <a:t>Reasons for using the bootstrap</a:t>
-            </a:r>
-          </a:p>
-        </p:txBody>
-      </p:sp>
-      <p:sp>
-        <p:nvSpPr>
-          <p:cNvPr id="3" name="Content Placeholder 2"/>
-          <p:cNvSpPr>
-            <a:spLocks noGrp="1"/>
-          </p:cNvSpPr>
-          <p:nvPr>
-            <p:ph idx="1"/>
-          </p:nvPr>
-        </p:nvSpPr>
-        <p:spPr/>
-        <p:txBody>
-          <a:bodyPr/>
-          <a:lstStyle/>
-          <a:p>
-            <a:pPr lvl="0"/>
-            <a:r>
-              <a:rPr/>
-              <a:t>Estimate bias</a:t>
-            </a:r>
-          </a:p>
-          <a:p>
-            <a:pPr lvl="0"/>
-            <a:r>
-              <a:rPr/>
-              <a:t>Calculate standard errors</a:t>
-            </a:r>
-          </a:p>
-          <a:p>
-            <a:pPr lvl="0"/>
-            <a:r>
-              <a:rPr/>
-              <a:t>Compute confidence intervals</a:t>
-            </a:r>
-          </a:p>
-          <a:p>
-            <a:pPr lvl="0"/>
-            <a:r>
-              <a:rPr/>
-              <a:t>Test hypotheses</a:t>
+              <a:t>Bradley Efron’s contribution (1/5)</a:t>
+            </a:r>
+          </a:p>
+        </p:txBody>
+      </p:sp>
+      <p:pic>
+        <p:nvPicPr>
+          <p:cNvPr descr="fig:  ../images/bradley-efron-02.jpg" id="0" name="Picture 1"/>
+          <p:cNvPicPr>
+            <a:picLocks noGrp="1" noChangeAspect="1"/>
+          </p:cNvPicPr>
+          <p:nvPr/>
+        </p:nvPicPr>
+        <p:blipFill>
+          <a:blip r:embed="rId3"/>
+          <a:stretch>
+            <a:fillRect/>
+          </a:stretch>
+        </p:blipFill>
+        <p:spPr bwMode="auto">
+          <a:xfrm>
+            <a:off x="2273300" y="1193800"/>
+            <a:ext cx="4584700" cy="2882900"/>
+          </a:xfrm>
+          <a:prstGeom prst="rect">
+            <a:avLst/>
+          </a:prstGeom>
+          <a:noFill/>
+          <a:ln w="9525">
+            <a:noFill/>
+            <a:headEnd/>
+            <a:tailEnd/>
+          </a:ln>
+        </p:spPr>
+      </p:pic>
+      <p:sp>
+        <p:nvSpPr>
+          <p:cNvPr id="1" name="TextBox 3"/>
+          <p:cNvSpPr txBox="1"/>
+          <p:nvPr/>
+        </p:nvSpPr>
+        <p:spPr>
+          <a:xfrm>
+            <a:off x="457200" y="4076700"/>
+            <a:ext cx="8229600" cy="508000"/>
+          </a:xfrm>
+          <a:prstGeom prst="rect">
+            <a:avLst/>
+          </a:prstGeom>
+          <a:noFill/>
+        </p:spPr>
+        <p:txBody>
+          <a:bodyPr/>
+          <a:lstStyle/>
+          <a:p>
+            <a:pPr lvl="0" indent="0" marL="0" algn="ctr">
+              <a:buNone/>
+            </a:pPr>
+            <a:r>
+              <a:rPr/>
+              <a:t>Figure 1. Photograph of Bradley Efron with President Bush</a:t>
             </a:r>
           </a:p>
         </p:txBody>
@@ -4189,7 +4919,77 @@
             </a:pPr>
             <a:r>
               <a:rPr/>
-              <a:t>Estimate bias</a:t>
+              <a:t>Bradley Efron’s contribution (2/5)</a:t>
+            </a:r>
+          </a:p>
+        </p:txBody>
+      </p:sp>
+      <p:sp>
+        <p:nvSpPr>
+          <p:cNvPr id="3" name="Content Placeholder 2"/>
+          <p:cNvSpPr>
+            <a:spLocks noGrp="1"/>
+          </p:cNvSpPr>
+          <p:nvPr>
+            <p:ph idx="1"/>
+          </p:nvPr>
+        </p:nvSpPr>
+        <p:spPr/>
+        <p:txBody>
+          <a:bodyPr/>
+          <a:lstStyle/>
+          <a:p>
+            <a:pPr lvl="0" indent="0" marL="0">
+              <a:buNone/>
+            </a:pPr>
+            <a:r>
+              <a:rPr/>
+              <a:t>The bootstrap sample=sampling with replacement.</a:t>
+            </a:r>
+          </a:p>
+          <a:p>
+            <a:pPr lvl="0" indent="0" marL="0">
+              <a:buNone/>
+            </a:pPr>
+            <a:r>
+              <a:rPr/>
+              <a:t>Bootstrap sample #1: (7, 2, 5, 3, 5)</a:t>
+            </a:r>
+          </a:p>
+          <a:p>
+            <a:pPr lvl="0" indent="0" marL="0">
+              <a:buNone/>
+            </a:pPr>
+            <a:r>
+              <a:rPr/>
+              <a:t>Bootstrap sample #2: (5, 7, 3, 5, 7)</a:t>
+            </a:r>
+          </a:p>
+          <a:p>
+            <a:pPr lvl="0" indent="0" marL="0">
+              <a:buNone/>
+            </a:pPr>
+            <a:r>
+              <a:rPr/>
+              <a:t>Bootstrap sample #3: (7, 2, 2, 2, 2)</a:t>
+            </a:r>
+          </a:p>
+          <a:p>
+            <a:pPr lvl="0" indent="0" marL="0">
+              <a:buNone/>
+            </a:pPr>
+            <a:r>
+              <a:rPr/>
+              <a:t>…</a:t>
+            </a:r>
+          </a:p>
+          <a:p>
+            <a:pPr lvl="0" indent="0" marL="0">
+              <a:buNone/>
+            </a:pPr>
+            <a:r>
+              <a:rPr/>
+              <a:t>Bootstrap sample #500: (7, 7, 3, 2, 7)</a:t>
             </a:r>
           </a:p>
         </p:txBody>
@@ -4236,7 +5036,68 @@
             </a:pPr>
             <a:r>
               <a:rPr/>
-              <a:t>Calculate standard errors</a:t>
+              <a:t>Bradley Efron’s contribution (3/5)</a:t>
+            </a:r>
+          </a:p>
+        </p:txBody>
+      </p:sp>
+      <p:sp>
+        <p:nvSpPr>
+          <p:cNvPr id="3" name="Content Placeholder 2"/>
+          <p:cNvSpPr>
+            <a:spLocks noGrp="1"/>
+          </p:cNvSpPr>
+          <p:nvPr>
+            <p:ph idx="1"/>
+          </p:nvPr>
+        </p:nvSpPr>
+        <p:spPr/>
+        <p:txBody>
+          <a:bodyPr/>
+          <a:lstStyle/>
+          <a:p>
+            <a:pPr lvl="0" indent="0" marL="0">
+              <a:buNone/>
+            </a:pPr>
+            <a:r>
+              <a:rPr/>
+              <a:t>MAD(7, 2, 5, 3, 5) = 1.52</a:t>
+            </a:r>
+          </a:p>
+          <a:p>
+            <a:pPr lvl="0" indent="0" marL="0">
+              <a:buNone/>
+            </a:pPr>
+            <a:r>
+              <a:rPr/>
+              <a:t>MAD(5, 7, 3, 5, 7) = 1.28</a:t>
+            </a:r>
+          </a:p>
+          <a:p>
+            <a:pPr lvl="0" indent="0" marL="0">
+              <a:buNone/>
+            </a:pPr>
+            <a:r>
+              <a:rPr/>
+              <a:t>MAD(7, 2, 2, 2, 2) = 1.6</a:t>
+            </a:r>
+          </a:p>
+          <a:p>
+            <a:pPr lvl="0" indent="0" marL="0">
+              <a:buNone/>
+            </a:pPr>
+            <a:r>
+              <a:rPr/>
+              <a:t>…</a:t>
+            </a:r>
+          </a:p>
+          <a:p>
+            <a:pPr lvl="0" indent="0" marL="0">
+              <a:buNone/>
+            </a:pPr>
+            <a:r>
+              <a:rPr/>
+              <a:t>MAD(7, 7, 3, 2, 7) = 2.16</a:t>
             </a:r>
           </a:p>
         </p:txBody>
@@ -4283,7 +5144,44 @@
             </a:pPr>
             <a:r>
               <a:rPr/>
-              <a:t>Compute confidence intervals</a:t>
+              <a:t>Bradley Efron’s contribution (4/5)</a:t>
+            </a:r>
+          </a:p>
+        </p:txBody>
+      </p:sp>
+      <p:sp>
+        <p:nvSpPr>
+          <p:cNvPr id="3" name="Content Placeholder 2"/>
+          <p:cNvSpPr>
+            <a:spLocks noGrp="1"/>
+          </p:cNvSpPr>
+          <p:nvPr>
+            <p:ph idx="1"/>
+          </p:nvPr>
+        </p:nvSpPr>
+        <p:spPr/>
+        <p:txBody>
+          <a:bodyPr/>
+          <a:lstStyle/>
+          <a:p>
+            <a:pPr lvl="0"/>
+            <a:r>
+              <a:rPr/>
+              <a:t>MAD (Full sample) = 1.68</a:t>
+            </a:r>
+          </a:p>
+          <a:p>
+            <a:pPr lvl="0"/>
+            <a:r>
+              <a:rPr/>
+              <a:t>Average MAD (Bootstrap samples) = 1.405</a:t>
+            </a:r>
+          </a:p>
+          <a:p>
+            <a:pPr lvl="0"/>
+            <a:r>
+              <a:rPr/>
+              <a:t>Standard deviation MAD (Bootstrap samples) = 0.461</a:t>
             </a:r>
           </a:p>
         </p:txBody>
@@ -4330,7 +5228,67 @@
             </a:pPr>
             <a:r>
               <a:rPr/>
-              <a:t>Test hypotheses</a:t>
+              <a:t>Bradley Efron’s contribution (5/5)</a:t>
+            </a:r>
+          </a:p>
+        </p:txBody>
+      </p:sp>
+      <p:pic>
+        <p:nvPicPr>
+          <p:cNvPr descr="fig:  ../images/histogram01.png" id="0" name="Picture 1"/>
+          <p:cNvPicPr>
+            <a:picLocks noGrp="1" noChangeAspect="1"/>
+          </p:cNvPicPr>
+          <p:nvPr/>
+        </p:nvPicPr>
+        <p:blipFill>
+          <a:blip r:embed="rId3"/>
+          <a:stretch>
+            <a:fillRect/>
+          </a:stretch>
+        </p:blipFill>
+        <p:spPr bwMode="auto">
+          <a:xfrm>
+            <a:off x="3124200" y="1193800"/>
+            <a:ext cx="2882900" cy="2882900"/>
+          </a:xfrm>
+          <a:prstGeom prst="rect">
+            <a:avLst/>
+          </a:prstGeom>
+          <a:noFill/>
+          <a:ln w="9525">
+            <a:noFill/>
+            <a:headEnd/>
+            <a:tailEnd/>
+          </a:ln>
+        </p:spPr>
+      </p:pic>
+      <p:sp>
+        <p:nvSpPr>
+          <p:cNvPr id="1" name="TextBox 3"/>
+          <p:cNvSpPr txBox="1"/>
+          <p:nvPr/>
+        </p:nvSpPr>
+        <p:spPr>
+          <a:xfrm>
+            <a:off x="457200" y="4076700"/>
+            <a:ext cx="8229600" cy="508000"/>
+          </a:xfrm>
+          <a:prstGeom prst="rect">
+            <a:avLst/>
+          </a:prstGeom>
+          <a:noFill/>
+        </p:spPr>
+        <p:txBody>
+          <a:bodyPr/>
+          <a:lstStyle/>
+          <a:p>
+            <a:pPr lvl="0" indent="0" marL="0" algn="ctr">
+              <a:buNone/>
+            </a:pPr>
+            <a:r>
+              <a:rPr/>
+              <a:t>Figure 1. Histogram of bootstrapped estimates</a:t>
             </a:r>
           </a:p>
         </p:txBody>
@@ -4377,51 +5335,7 @@
             </a:pPr>
             <a:r>
               <a:rPr/>
-              <a:t>Break #2</a:t>
-            </a:r>
-          </a:p>
-        </p:txBody>
-      </p:sp>
-      <p:sp>
-        <p:nvSpPr>
-          <p:cNvPr id="3" name="Content Placeholder 2"/>
-          <p:cNvSpPr>
-            <a:spLocks noGrp="1"/>
-          </p:cNvSpPr>
-          <p:nvPr>
-            <p:ph idx="1"/>
-          </p:nvPr>
-        </p:nvSpPr>
-        <p:spPr/>
-        <p:txBody>
-          <a:bodyPr/>
-          <a:lstStyle/>
-          <a:p>
-            <a:pPr lvl="0"/>
-            <a:r>
-              <a:rPr/>
-              <a:t>What you have learned</a:t>
-            </a:r>
-          </a:p>
-          <a:p>
-            <a:pPr lvl="1"/>
-            <a:r>
-              <a:rPr/>
-              <a:t>Purposes of the bootstrap</a:t>
-            </a:r>
-          </a:p>
-          <a:p>
-            <a:pPr lvl="0"/>
-            <a:r>
-              <a:rPr/>
-              <a:t>What’s coming next</a:t>
-            </a:r>
-          </a:p>
-          <a:p>
-            <a:pPr lvl="1"/>
-            <a:r>
-              <a:rPr/>
-              <a:t>Mechanics</a:t>
+              <a:t>Bagging</a:t>
             </a:r>
           </a:p>
         </p:txBody>
@@ -4468,7 +5382,7 @@
             </a:pPr>
             <a:r>
               <a:rPr/>
-              <a:t>Mechanics</a:t>
+              <a:t>Break #1</a:t>
             </a:r>
           </a:p>
         </p:txBody>
@@ -4491,56 +5405,28 @@
             <a:pPr lvl="0"/>
             <a:r>
               <a:rPr/>
-              <a:t>Resampling</a:t>
+              <a:t>What have you learned</a:t>
+            </a:r>
+          </a:p>
+          <a:p>
+            <a:pPr lvl="1"/>
+            <a:r>
+              <a:rPr/>
+              <a:t>History of the bootstrap</a:t>
             </a:r>
           </a:p>
           <a:p>
             <a:pPr lvl="0"/>
             <a:r>
               <a:rPr/>
-              <a:t>Bootstrap estimates</a:t>
-            </a:r>
-          </a:p>
-          <a:p>
-            <a:pPr lvl="0"/>
-            <a:r>
-              <a:rPr/>
-              <a:t>Bias calculation</a:t>
-            </a:r>
-          </a:p>
-          <a:p>
-            <a:pPr lvl="0"/>
-            <a:r>
-              <a:rPr/>
-              <a:t>Standard error calculation</a:t>
-            </a:r>
-          </a:p>
-          <a:p>
-            <a:pPr lvl="0"/>
-            <a:r>
-              <a:rPr/>
-              <a:t>Confidence interval</a:t>
+              <a:t>What’s coming next</a:t>
             </a:r>
           </a:p>
           <a:p>
             <a:pPr lvl="1"/>
             <a:r>
               <a:rPr/>
-              <a:t>Percentile method</a:t>
-            </a:r>
-          </a:p>
-          <a:p>
-            <a:pPr lvl="1"/>
-            <a:r>
-              <a:rPr/>
-              <a:t>Bias corrected and adjusted method</a:t>
-            </a:r>
-          </a:p>
-          <a:p>
-            <a:pPr lvl="0"/>
-            <a:r>
-              <a:rPr/>
-              <a:t>Hypothesis tests</a:t>
+              <a:t>Reasons for using the bootstrap</a:t>
             </a:r>
           </a:p>
         </p:txBody>
@@ -4587,7 +5473,7 @@
             </a:pPr>
             <a:r>
               <a:rPr/>
-              <a:t>Break #3</a:t>
+              <a:t>Reasons for using the bootstrap</a:t>
             </a:r>
           </a:p>
         </p:txBody>
@@ -4610,28 +5496,28 @@
             <a:pPr lvl="0"/>
             <a:r>
               <a:rPr/>
-              <a:t>What have you learned</a:t>
-            </a:r>
-          </a:p>
-          <a:p>
-            <a:pPr lvl="1"/>
-            <a:r>
-              <a:rPr/>
-              <a:t>Mechanics</a:t>
+              <a:t>Estimate bias</a:t>
             </a:r>
           </a:p>
           <a:p>
             <a:pPr lvl="0"/>
             <a:r>
               <a:rPr/>
-              <a:t>What’s coming next</a:t>
-            </a:r>
-          </a:p>
-          <a:p>
-            <a:pPr lvl="1"/>
-            <a:r>
-              <a:rPr/>
-              <a:t>Software</a:t>
+              <a:t>Calculate standard errors</a:t>
+            </a:r>
+          </a:p>
+          <a:p>
+            <a:pPr lvl="0"/>
+            <a:r>
+              <a:rPr/>
+              <a:t>Compute confidence intervals</a:t>
+            </a:r>
+          </a:p>
+          <a:p>
+            <a:pPr lvl="0"/>
+            <a:r>
+              <a:rPr/>
+              <a:t>Test hypotheses</a:t>
             </a:r>
           </a:p>
         </p:txBody>
@@ -4678,7 +5564,7 @@
             </a:pPr>
             <a:r>
               <a:rPr/>
-              <a:t>Software</a:t>
+              <a:t>Estimate bias</a:t>
             </a:r>
           </a:p>
         </p:txBody>
@@ -4921,37 +5807,7 @@
             </a:pPr>
             <a:r>
               <a:rPr/>
-              <a:t>Special issues</a:t>
-            </a:r>
-          </a:p>
-        </p:txBody>
-      </p:sp>
-      <p:sp>
-        <p:nvSpPr>
-          <p:cNvPr id="3" name="Content Placeholder 2"/>
-          <p:cNvSpPr>
-            <a:spLocks noGrp="1"/>
-          </p:cNvSpPr>
-          <p:nvPr>
-            <p:ph idx="1"/>
-          </p:nvPr>
-        </p:nvSpPr>
-        <p:spPr/>
-        <p:txBody>
-          <a:bodyPr/>
-          <a:lstStyle/>
-          <a:p>
-            <a:pPr lvl="0"/>
-            <a:r>
-              <a:rPr/>
-              <a:t>Time series</a:t>
-            </a:r>
-          </a:p>
-          <a:p>
-            <a:pPr lvl="0"/>
-            <a:r>
-              <a:rPr/>
-              <a:t>Regression models</a:t>
+              <a:t>Calculate standard errors</a:t>
             </a:r>
           </a:p>
         </p:txBody>
@@ -4998,6 +5854,525 @@
             </a:pPr>
             <a:r>
               <a:rPr/>
+              <a:t>Compute confidence intervals</a:t>
+            </a:r>
+          </a:p>
+        </p:txBody>
+      </p:sp>
+    </p:spTree>
+  </p:cSld>
+</p:sld>
+</file>
+
+<file path=ppt/slides/slide22.xml><?xml version="1.0" encoding="utf-8"?>
+<p:sld xmlns:a="http://schemas.openxmlformats.org/drawingml/2006/main" xmlns:r="http://schemas.openxmlformats.org/officeDocument/2006/relationships" xmlns:p="http://schemas.openxmlformats.org/presentationml/2006/main">
+  <p:cSld>
+    <p:spTree>
+      <p:nvGrpSpPr>
+        <p:cNvPr id="1" name=""/>
+        <p:cNvGrpSpPr/>
+        <p:nvPr/>
+      </p:nvGrpSpPr>
+      <p:grpSpPr>
+        <a:xfrm>
+          <a:off x="0" y="0"/>
+          <a:ext cx="0" cy="0"/>
+          <a:chOff x="0" y="0"/>
+          <a:chExt cx="0" cy="0"/>
+        </a:xfrm>
+      </p:grpSpPr>
+      <p:sp>
+        <p:nvSpPr>
+          <p:cNvPr id="2" name="Title 1"/>
+          <p:cNvSpPr>
+            <a:spLocks noGrp="1"/>
+          </p:cNvSpPr>
+          <p:nvPr>
+            <p:ph type="title"/>
+          </p:nvPr>
+        </p:nvSpPr>
+        <p:spPr/>
+        <p:txBody>
+          <a:bodyPr/>
+          <a:lstStyle/>
+          <a:p>
+            <a:pPr lvl="0" indent="0" marL="0">
+              <a:buNone/>
+            </a:pPr>
+            <a:r>
+              <a:rPr/>
+              <a:t>Test hypotheses</a:t>
+            </a:r>
+          </a:p>
+        </p:txBody>
+      </p:sp>
+    </p:spTree>
+  </p:cSld>
+</p:sld>
+</file>
+
+<file path=ppt/slides/slide23.xml><?xml version="1.0" encoding="utf-8"?>
+<p:sld xmlns:a="http://schemas.openxmlformats.org/drawingml/2006/main" xmlns:r="http://schemas.openxmlformats.org/officeDocument/2006/relationships" xmlns:p="http://schemas.openxmlformats.org/presentationml/2006/main">
+  <p:cSld>
+    <p:spTree>
+      <p:nvGrpSpPr>
+        <p:cNvPr id="1" name=""/>
+        <p:cNvGrpSpPr/>
+        <p:nvPr/>
+      </p:nvGrpSpPr>
+      <p:grpSpPr>
+        <a:xfrm>
+          <a:off x="0" y="0"/>
+          <a:ext cx="0" cy="0"/>
+          <a:chOff x="0" y="0"/>
+          <a:chExt cx="0" cy="0"/>
+        </a:xfrm>
+      </p:grpSpPr>
+      <p:sp>
+        <p:nvSpPr>
+          <p:cNvPr id="2" name="Title 1"/>
+          <p:cNvSpPr>
+            <a:spLocks noGrp="1"/>
+          </p:cNvSpPr>
+          <p:nvPr>
+            <p:ph type="title"/>
+          </p:nvPr>
+        </p:nvSpPr>
+        <p:spPr/>
+        <p:txBody>
+          <a:bodyPr/>
+          <a:lstStyle/>
+          <a:p>
+            <a:pPr lvl="0" indent="0" marL="0">
+              <a:buNone/>
+            </a:pPr>
+            <a:r>
+              <a:rPr/>
+              <a:t>Break #2</a:t>
+            </a:r>
+          </a:p>
+        </p:txBody>
+      </p:sp>
+      <p:sp>
+        <p:nvSpPr>
+          <p:cNvPr id="3" name="Content Placeholder 2"/>
+          <p:cNvSpPr>
+            <a:spLocks noGrp="1"/>
+          </p:cNvSpPr>
+          <p:nvPr>
+            <p:ph idx="1"/>
+          </p:nvPr>
+        </p:nvSpPr>
+        <p:spPr/>
+        <p:txBody>
+          <a:bodyPr/>
+          <a:lstStyle/>
+          <a:p>
+            <a:pPr lvl="0"/>
+            <a:r>
+              <a:rPr/>
+              <a:t>What you have learned</a:t>
+            </a:r>
+          </a:p>
+          <a:p>
+            <a:pPr lvl="1"/>
+            <a:r>
+              <a:rPr/>
+              <a:t>Purposes of the bootstrap</a:t>
+            </a:r>
+          </a:p>
+          <a:p>
+            <a:pPr lvl="0"/>
+            <a:r>
+              <a:rPr/>
+              <a:t>What’s coming next</a:t>
+            </a:r>
+          </a:p>
+          <a:p>
+            <a:pPr lvl="1"/>
+            <a:r>
+              <a:rPr/>
+              <a:t>Mechanics</a:t>
+            </a:r>
+          </a:p>
+        </p:txBody>
+      </p:sp>
+    </p:spTree>
+  </p:cSld>
+</p:sld>
+</file>
+
+<file path=ppt/slides/slide24.xml><?xml version="1.0" encoding="utf-8"?>
+<p:sld xmlns:a="http://schemas.openxmlformats.org/drawingml/2006/main" xmlns:r="http://schemas.openxmlformats.org/officeDocument/2006/relationships" xmlns:p="http://schemas.openxmlformats.org/presentationml/2006/main">
+  <p:cSld>
+    <p:spTree>
+      <p:nvGrpSpPr>
+        <p:cNvPr id="1" name=""/>
+        <p:cNvGrpSpPr/>
+        <p:nvPr/>
+      </p:nvGrpSpPr>
+      <p:grpSpPr>
+        <a:xfrm>
+          <a:off x="0" y="0"/>
+          <a:ext cx="0" cy="0"/>
+          <a:chOff x="0" y="0"/>
+          <a:chExt cx="0" cy="0"/>
+        </a:xfrm>
+      </p:grpSpPr>
+      <p:sp>
+        <p:nvSpPr>
+          <p:cNvPr id="2" name="Title 1"/>
+          <p:cNvSpPr>
+            <a:spLocks noGrp="1"/>
+          </p:cNvSpPr>
+          <p:nvPr>
+            <p:ph type="title"/>
+          </p:nvPr>
+        </p:nvSpPr>
+        <p:spPr/>
+        <p:txBody>
+          <a:bodyPr/>
+          <a:lstStyle/>
+          <a:p>
+            <a:pPr lvl="0" indent="0" marL="0">
+              <a:buNone/>
+            </a:pPr>
+            <a:r>
+              <a:rPr/>
+              <a:t>Mechanics</a:t>
+            </a:r>
+          </a:p>
+        </p:txBody>
+      </p:sp>
+      <p:sp>
+        <p:nvSpPr>
+          <p:cNvPr id="3" name="Content Placeholder 2"/>
+          <p:cNvSpPr>
+            <a:spLocks noGrp="1"/>
+          </p:cNvSpPr>
+          <p:nvPr>
+            <p:ph idx="1"/>
+          </p:nvPr>
+        </p:nvSpPr>
+        <p:spPr/>
+        <p:txBody>
+          <a:bodyPr/>
+          <a:lstStyle/>
+          <a:p>
+            <a:pPr lvl="0"/>
+            <a:r>
+              <a:rPr/>
+              <a:t>Resampling</a:t>
+            </a:r>
+          </a:p>
+          <a:p>
+            <a:pPr lvl="0"/>
+            <a:r>
+              <a:rPr/>
+              <a:t>Bootstrap estimates</a:t>
+            </a:r>
+          </a:p>
+          <a:p>
+            <a:pPr lvl="0"/>
+            <a:r>
+              <a:rPr/>
+              <a:t>Bias calculation</a:t>
+            </a:r>
+          </a:p>
+          <a:p>
+            <a:pPr lvl="0"/>
+            <a:r>
+              <a:rPr/>
+              <a:t>Standard error calculation</a:t>
+            </a:r>
+          </a:p>
+          <a:p>
+            <a:pPr lvl="0"/>
+            <a:r>
+              <a:rPr/>
+              <a:t>Confidence interval</a:t>
+            </a:r>
+          </a:p>
+          <a:p>
+            <a:pPr lvl="1"/>
+            <a:r>
+              <a:rPr/>
+              <a:t>Percentile method</a:t>
+            </a:r>
+          </a:p>
+          <a:p>
+            <a:pPr lvl="1"/>
+            <a:r>
+              <a:rPr/>
+              <a:t>Bias corrected and adjusted method</a:t>
+            </a:r>
+          </a:p>
+          <a:p>
+            <a:pPr lvl="0"/>
+            <a:r>
+              <a:rPr/>
+              <a:t>Hypothesis tests</a:t>
+            </a:r>
+          </a:p>
+        </p:txBody>
+      </p:sp>
+    </p:spTree>
+  </p:cSld>
+</p:sld>
+</file>
+
+<file path=ppt/slides/slide25.xml><?xml version="1.0" encoding="utf-8"?>
+<p:sld xmlns:a="http://schemas.openxmlformats.org/drawingml/2006/main" xmlns:r="http://schemas.openxmlformats.org/officeDocument/2006/relationships" xmlns:p="http://schemas.openxmlformats.org/presentationml/2006/main">
+  <p:cSld>
+    <p:spTree>
+      <p:nvGrpSpPr>
+        <p:cNvPr id="1" name=""/>
+        <p:cNvGrpSpPr/>
+        <p:nvPr/>
+      </p:nvGrpSpPr>
+      <p:grpSpPr>
+        <a:xfrm>
+          <a:off x="0" y="0"/>
+          <a:ext cx="0" cy="0"/>
+          <a:chOff x="0" y="0"/>
+          <a:chExt cx="0" cy="0"/>
+        </a:xfrm>
+      </p:grpSpPr>
+      <p:sp>
+        <p:nvSpPr>
+          <p:cNvPr id="2" name="Title 1"/>
+          <p:cNvSpPr>
+            <a:spLocks noGrp="1"/>
+          </p:cNvSpPr>
+          <p:nvPr>
+            <p:ph type="title"/>
+          </p:nvPr>
+        </p:nvSpPr>
+        <p:spPr/>
+        <p:txBody>
+          <a:bodyPr/>
+          <a:lstStyle/>
+          <a:p>
+            <a:pPr lvl="0" indent="0" marL="0">
+              <a:buNone/>
+            </a:pPr>
+            <a:r>
+              <a:rPr/>
+              <a:t>Break #3</a:t>
+            </a:r>
+          </a:p>
+        </p:txBody>
+      </p:sp>
+      <p:sp>
+        <p:nvSpPr>
+          <p:cNvPr id="3" name="Content Placeholder 2"/>
+          <p:cNvSpPr>
+            <a:spLocks noGrp="1"/>
+          </p:cNvSpPr>
+          <p:nvPr>
+            <p:ph idx="1"/>
+          </p:nvPr>
+        </p:nvSpPr>
+        <p:spPr/>
+        <p:txBody>
+          <a:bodyPr/>
+          <a:lstStyle/>
+          <a:p>
+            <a:pPr lvl="0"/>
+            <a:r>
+              <a:rPr/>
+              <a:t>What have you learned</a:t>
+            </a:r>
+          </a:p>
+          <a:p>
+            <a:pPr lvl="1"/>
+            <a:r>
+              <a:rPr/>
+              <a:t>Mechanics</a:t>
+            </a:r>
+          </a:p>
+          <a:p>
+            <a:pPr lvl="0"/>
+            <a:r>
+              <a:rPr/>
+              <a:t>What’s coming next</a:t>
+            </a:r>
+          </a:p>
+          <a:p>
+            <a:pPr lvl="1"/>
+            <a:r>
+              <a:rPr/>
+              <a:t>Software</a:t>
+            </a:r>
+          </a:p>
+        </p:txBody>
+      </p:sp>
+    </p:spTree>
+  </p:cSld>
+</p:sld>
+</file>
+
+<file path=ppt/slides/slide26.xml><?xml version="1.0" encoding="utf-8"?>
+<p:sld xmlns:a="http://schemas.openxmlformats.org/drawingml/2006/main" xmlns:r="http://schemas.openxmlformats.org/officeDocument/2006/relationships" xmlns:p="http://schemas.openxmlformats.org/presentationml/2006/main">
+  <p:cSld>
+    <p:spTree>
+      <p:nvGrpSpPr>
+        <p:cNvPr id="1" name=""/>
+        <p:cNvGrpSpPr/>
+        <p:nvPr/>
+      </p:nvGrpSpPr>
+      <p:grpSpPr>
+        <a:xfrm>
+          <a:off x="0" y="0"/>
+          <a:ext cx="0" cy="0"/>
+          <a:chOff x="0" y="0"/>
+          <a:chExt cx="0" cy="0"/>
+        </a:xfrm>
+      </p:grpSpPr>
+      <p:sp>
+        <p:nvSpPr>
+          <p:cNvPr id="2" name="Title 1"/>
+          <p:cNvSpPr>
+            <a:spLocks noGrp="1"/>
+          </p:cNvSpPr>
+          <p:nvPr>
+            <p:ph type="title"/>
+          </p:nvPr>
+        </p:nvSpPr>
+        <p:spPr/>
+        <p:txBody>
+          <a:bodyPr/>
+          <a:lstStyle/>
+          <a:p>
+            <a:pPr lvl="0" indent="0" marL="0">
+              <a:buNone/>
+            </a:pPr>
+            <a:r>
+              <a:rPr/>
+              <a:t>Software</a:t>
+            </a:r>
+          </a:p>
+        </p:txBody>
+      </p:sp>
+    </p:spTree>
+  </p:cSld>
+</p:sld>
+</file>
+
+<file path=ppt/slides/slide27.xml><?xml version="1.0" encoding="utf-8"?>
+<p:sld xmlns:a="http://schemas.openxmlformats.org/drawingml/2006/main" xmlns:r="http://schemas.openxmlformats.org/officeDocument/2006/relationships" xmlns:p="http://schemas.openxmlformats.org/presentationml/2006/main">
+  <p:cSld>
+    <p:spTree>
+      <p:nvGrpSpPr>
+        <p:cNvPr id="1" name=""/>
+        <p:cNvGrpSpPr/>
+        <p:nvPr/>
+      </p:nvGrpSpPr>
+      <p:grpSpPr>
+        <a:xfrm>
+          <a:off x="0" y="0"/>
+          <a:ext cx="0" cy="0"/>
+          <a:chOff x="0" y="0"/>
+          <a:chExt cx="0" cy="0"/>
+        </a:xfrm>
+      </p:grpSpPr>
+      <p:sp>
+        <p:nvSpPr>
+          <p:cNvPr id="2" name="Title 1"/>
+          <p:cNvSpPr>
+            <a:spLocks noGrp="1"/>
+          </p:cNvSpPr>
+          <p:nvPr>
+            <p:ph type="title"/>
+          </p:nvPr>
+        </p:nvSpPr>
+        <p:spPr/>
+        <p:txBody>
+          <a:bodyPr/>
+          <a:lstStyle/>
+          <a:p>
+            <a:pPr lvl="0" indent="0" marL="0">
+              <a:buNone/>
+            </a:pPr>
+            <a:r>
+              <a:rPr/>
+              <a:t>Special issues</a:t>
+            </a:r>
+          </a:p>
+        </p:txBody>
+      </p:sp>
+      <p:sp>
+        <p:nvSpPr>
+          <p:cNvPr id="3" name="Content Placeholder 2"/>
+          <p:cNvSpPr>
+            <a:spLocks noGrp="1"/>
+          </p:cNvSpPr>
+          <p:nvPr>
+            <p:ph idx="1"/>
+          </p:nvPr>
+        </p:nvSpPr>
+        <p:spPr/>
+        <p:txBody>
+          <a:bodyPr/>
+          <a:lstStyle/>
+          <a:p>
+            <a:pPr lvl="0"/>
+            <a:r>
+              <a:rPr/>
+              <a:t>Time series</a:t>
+            </a:r>
+          </a:p>
+          <a:p>
+            <a:pPr lvl="0"/>
+            <a:r>
+              <a:rPr/>
+              <a:t>Regression models</a:t>
+            </a:r>
+          </a:p>
+        </p:txBody>
+      </p:sp>
+    </p:spTree>
+  </p:cSld>
+</p:sld>
+</file>
+
+<file path=ppt/slides/slide28.xml><?xml version="1.0" encoding="utf-8"?>
+<p:sld xmlns:a="http://schemas.openxmlformats.org/drawingml/2006/main" xmlns:r="http://schemas.openxmlformats.org/officeDocument/2006/relationships" xmlns:p="http://schemas.openxmlformats.org/presentationml/2006/main">
+  <p:cSld>
+    <p:spTree>
+      <p:nvGrpSpPr>
+        <p:cNvPr id="1" name=""/>
+        <p:cNvGrpSpPr/>
+        <p:nvPr/>
+      </p:nvGrpSpPr>
+      <p:grpSpPr>
+        <a:xfrm>
+          <a:off x="0" y="0"/>
+          <a:ext cx="0" cy="0"/>
+          <a:chOff x="0" y="0"/>
+          <a:chExt cx="0" cy="0"/>
+        </a:xfrm>
+      </p:grpSpPr>
+      <p:sp>
+        <p:nvSpPr>
+          <p:cNvPr id="2" name="Title 1"/>
+          <p:cNvSpPr>
+            <a:spLocks noGrp="1"/>
+          </p:cNvSpPr>
+          <p:nvPr>
+            <p:ph type="title"/>
+          </p:nvPr>
+        </p:nvSpPr>
+        <p:spPr/>
+        <p:txBody>
+          <a:bodyPr/>
+          <a:lstStyle/>
+          <a:p>
+            <a:pPr lvl="0" indent="0" marL="0">
+              <a:buNone/>
+            </a:pPr>
+            <a:r>
+              <a:rPr/>
               <a:t>Summary</a:t>
             </a:r>
           </a:p>
@@ -5112,6 +6487,13 @@
             <a:pPr lvl="0"/>
             <a:r>
               <a:rPr/>
+              <a:t>Can you rely on asymptotic normality?</a:t>
+            </a:r>
+          </a:p>
+          <a:p>
+            <a:pPr lvl="0"/>
+            <a:r>
+              <a:rPr/>
               <a:t>The jackknife</a:t>
             </a:r>
           </a:p>
@@ -5137,6 +6519,877 @@
 </file>
 
 <file path=ppt/slides/slide4.xml><?xml version="1.0" encoding="utf-8"?>
+<p:sld xmlns:a="http://schemas.openxmlformats.org/drawingml/2006/main" xmlns:r="http://schemas.openxmlformats.org/officeDocument/2006/relationships" xmlns:p="http://schemas.openxmlformats.org/presentationml/2006/main">
+  <p:cSld>
+    <p:spTree>
+      <p:nvGrpSpPr>
+        <p:cNvPr id="1" name=""/>
+        <p:cNvGrpSpPr/>
+        <p:nvPr/>
+      </p:nvGrpSpPr>
+      <p:grpSpPr>
+        <a:xfrm>
+          <a:off x="0" y="0"/>
+          <a:ext cx="0" cy="0"/>
+          <a:chOff x="0" y="0"/>
+          <a:chExt cx="0" cy="0"/>
+        </a:xfrm>
+      </p:grpSpPr>
+      <p:sp>
+        <p:nvSpPr>
+          <p:cNvPr id="2" name="Title 1"/>
+          <p:cNvSpPr>
+            <a:spLocks noGrp="1"/>
+          </p:cNvSpPr>
+          <p:nvPr>
+            <p:ph type="title"/>
+          </p:nvPr>
+        </p:nvSpPr>
+        <p:spPr/>
+        <p:txBody>
+          <a:bodyPr/>
+          <a:lstStyle/>
+          <a:p>
+            <a:pPr lvl="0" indent="0" marL="0">
+              <a:buNone/>
+            </a:pPr>
+            <a:r>
+              <a:rPr/>
+              <a:t>Can we rely on asymptotic normality? (1/4)</a:t>
+            </a:r>
+          </a:p>
+        </p:txBody>
+      </p:sp>
+      <p:pic>
+        <p:nvPicPr>
+          <p:cNvPr descr="fig:  ../images/serfling-book-cover.jpg" id="0" name="Picture 1"/>
+          <p:cNvPicPr>
+            <a:picLocks noGrp="1" noChangeAspect="1"/>
+          </p:cNvPicPr>
+          <p:nvPr/>
+        </p:nvPicPr>
+        <p:blipFill>
+          <a:blip r:embed="rId3"/>
+          <a:stretch>
+            <a:fillRect/>
+          </a:stretch>
+        </p:blipFill>
+        <p:spPr bwMode="auto">
+          <a:xfrm>
+            <a:off x="3619500" y="1193800"/>
+            <a:ext cx="1905000" cy="2882900"/>
+          </a:xfrm>
+          <a:prstGeom prst="rect">
+            <a:avLst/>
+          </a:prstGeom>
+          <a:noFill/>
+          <a:ln w="9525">
+            <a:noFill/>
+            <a:headEnd/>
+            <a:tailEnd/>
+          </a:ln>
+        </p:spPr>
+      </p:pic>
+      <p:sp>
+        <p:nvSpPr>
+          <p:cNvPr id="1" name="TextBox 3"/>
+          <p:cNvSpPr txBox="1"/>
+          <p:nvPr/>
+        </p:nvSpPr>
+        <p:spPr>
+          <a:xfrm>
+            <a:off x="457200" y="4076700"/>
+            <a:ext cx="8229600" cy="508000"/>
+          </a:xfrm>
+          <a:prstGeom prst="rect">
+            <a:avLst/>
+          </a:prstGeom>
+          <a:noFill/>
+        </p:spPr>
+        <p:txBody>
+          <a:bodyPr/>
+          <a:lstStyle/>
+          <a:p>
+            <a:pPr lvl="0" indent="0" marL="0" algn="ctr">
+              <a:buNone/>
+            </a:pPr>
+            <a:r>
+              <a:rPr/>
+              <a:t>Figure 1. Cover of book by Robert Serfling</a:t>
+            </a:r>
+          </a:p>
+        </p:txBody>
+      </p:sp>
+    </p:spTree>
+  </p:cSld>
+</p:sld>
+</file>
+
+<file path=ppt/slides/slide5.xml><?xml version="1.0" encoding="utf-8"?>
+<p:sld xmlns:a="http://schemas.openxmlformats.org/drawingml/2006/main" xmlns:r="http://schemas.openxmlformats.org/officeDocument/2006/relationships" xmlns:p="http://schemas.openxmlformats.org/presentationml/2006/main">
+  <p:cSld>
+    <p:spTree>
+      <p:nvGrpSpPr>
+        <p:cNvPr id="1" name=""/>
+        <p:cNvGrpSpPr/>
+        <p:nvPr/>
+      </p:nvGrpSpPr>
+      <p:grpSpPr>
+        <a:xfrm>
+          <a:off x="0" y="0"/>
+          <a:ext cx="0" cy="0"/>
+          <a:chOff x="0" y="0"/>
+          <a:chExt cx="0" cy="0"/>
+        </a:xfrm>
+      </p:grpSpPr>
+      <p:sp>
+        <p:nvSpPr>
+          <p:cNvPr id="2" name="Title 1"/>
+          <p:cNvSpPr>
+            <a:spLocks noGrp="1"/>
+          </p:cNvSpPr>
+          <p:nvPr>
+            <p:ph type="title"/>
+          </p:nvPr>
+        </p:nvSpPr>
+        <p:spPr/>
+        <p:txBody>
+          <a:bodyPr/>
+          <a:lstStyle/>
+          <a:p>
+            <a:pPr lvl="0" indent="0" marL="0">
+              <a:buNone/>
+            </a:pPr>
+            <a:r>
+              <a:rPr/>
+              <a:t>Can we rely on asymptotic normality? (2/4)</a:t>
+            </a:r>
+          </a:p>
+        </p:txBody>
+      </p:sp>
+      <mc:AlternateContent xmlns:mc="http://schemas.openxmlformats.org/markup-compatibility/2006">
+        <mc:Choice xmlns:a14="http://schemas.microsoft.com/office/drawing/2010/main" Requires="a14">
+          <p:sp>
+            <p:nvSpPr>
+              <p:cNvPr id="3" name="Content Placeholder 2"/>
+              <p:cNvSpPr>
+                <a:spLocks noGrp="1"/>
+              </p:cNvSpPr>
+              <p:nvPr>
+                <p:ph idx="1"/>
+              </p:nvPr>
+            </p:nvSpPr>
+            <p:spPr/>
+            <p:txBody>
+              <a:bodyPr/>
+              <a:lstStyle/>
+              <a:p>
+                <a:pPr lvl="0" indent="0" marL="0">
+                  <a:buNone/>
+                </a:pPr>
+                <a14:m>
+                  <m:oMath xmlns:m="http://schemas.openxmlformats.org/officeDocument/2006/math">
+                    <m:acc>
+                      <m:accPr>
+                        <m:chr m:val="‾"/>
+                      </m:accPr>
+                      <m:e>
+                        <m:r>
+                          <m:t>X</m:t>
+                        </m:r>
+                      </m:e>
+                    </m:acc>
+                    <m:r>
+                      <m:rPr>
+                        <m:sty m:val="p"/>
+                      </m:rPr>
+                      <m:t>=</m:t>
+                    </m:r>
+                    <m:f>
+                      <m:fPr>
+                        <m:type m:val="bar"/>
+                      </m:fPr>
+                      <m:num>
+                        <m:r>
+                          <m:t>1</m:t>
+                        </m:r>
+                      </m:num>
+                      <m:den>
+                        <m:r>
+                          <m:t>n</m:t>
+                        </m:r>
+                      </m:den>
+                    </m:f>
+                    <m:r>
+                      <m:t>Σ</m:t>
+                    </m:r>
+                    <m:sSub>
+                      <m:e>
+                        <m:r>
+                          <m:t>X</m:t>
+                        </m:r>
+                      </m:e>
+                      <m:sub>
+                        <m:r>
+                          <m:t>i</m:t>
+                        </m:r>
+                      </m:sub>
+                    </m:sSub>
+                  </m:oMath>
+                </a14:m>
+                <a:r>
+                  <a:rPr/>
+                  <a:t> is approximately normal if</a:t>
+                </a:r>
+              </a:p>
+              <a:p>
+                <a:pPr lvl="0"/>
+                <a:r>
+                  <a:rPr/>
+                  <a:t>The </a:t>
+                </a:r>
+                <a14:m>
+                  <m:oMath xmlns:m="http://schemas.openxmlformats.org/officeDocument/2006/math">
+                    <m:sSub>
+                      <m:e>
+                        <m:r>
+                          <m:t>X</m:t>
+                        </m:r>
+                      </m:e>
+                      <m:sub>
+                        <m:r>
+                          <m:t>i</m:t>
+                        </m:r>
+                      </m:sub>
+                    </m:sSub>
+                  </m:oMath>
+                </a14:m>
+                <a:r>
+                  <a:rPr/>
+                  <a:t> all come from the same distribution</a:t>
+                </a:r>
+              </a:p>
+              <a:p>
+                <a:pPr lvl="0"/>
+                <a:r>
+                  <a:rPr/>
+                  <a:t>The </a:t>
+                </a:r>
+                <a14:m>
+                  <m:oMath xmlns:m="http://schemas.openxmlformats.org/officeDocument/2006/math">
+                    <m:sSub>
+                      <m:e>
+                        <m:r>
+                          <m:t>X</m:t>
+                        </m:r>
+                      </m:e>
+                      <m:sub>
+                        <m:r>
+                          <m:t>i</m:t>
+                        </m:r>
+                      </m:sub>
+                    </m:sSub>
+                  </m:oMath>
+                </a14:m>
+                <a:r>
+                  <a:rPr/>
+                  <a:t>’s are all independent</a:t>
+                </a:r>
+              </a:p>
+              <a:p>
+                <a:pPr lvl="0"/>
+                <a:r>
+                  <a:rPr/>
+                  <a:t>The </a:t>
+                </a:r>
+                <a14:m>
+                  <m:oMath xmlns:m="http://schemas.openxmlformats.org/officeDocument/2006/math">
+                    <m:sSub>
+                      <m:e>
+                        <m:r>
+                          <m:t>X</m:t>
+                        </m:r>
+                      </m:e>
+                      <m:sub>
+                        <m:r>
+                          <m:t>i</m:t>
+                        </m:r>
+                      </m:sub>
+                    </m:sSub>
+                  </m:oMath>
+                </a14:m>
+                <a:r>
+                  <a:rPr/>
+                  <a:t> have a finite second moment</a:t>
+                </a:r>
+              </a:p>
+              <a:p>
+                <a:pPr lvl="0" indent="0" marL="0">
+                  <a:buNone/>
+                </a:pPr>
+                <a:r>
+                  <a:rPr/>
+                  <a:t>A more precise statement</a:t>
+                </a:r>
+              </a:p>
+              <a:p>
+                <a:pPr lvl="0"/>
+                <a14:m>
+                  <m:oMath xmlns:m="http://schemas.openxmlformats.org/officeDocument/2006/math">
+                    <m:r>
+                      <m:t>l</m:t>
+                    </m:r>
+                    <m:r>
+                      <m:t>i</m:t>
+                    </m:r>
+                    <m:sSub>
+                      <m:e>
+                        <m:r>
+                          <m:t>m</m:t>
+                        </m:r>
+                      </m:e>
+                      <m:sub>
+                        <m:r>
+                          <m:t>n</m:t>
+                        </m:r>
+                        <m:r>
+                          <m:rPr>
+                            <m:sty m:val="p"/>
+                          </m:rPr>
+                          <m:t>→</m:t>
+                        </m:r>
+                        <m:r>
+                          <m:rPr>
+                            <m:sty m:val="p"/>
+                          </m:rPr>
+                          <m:t>∞</m:t>
+                        </m:r>
+                      </m:sub>
+                    </m:sSub>
+                    <m:r>
+                      <m:t> </m:t>
+                    </m:r>
+                    <m:f>
+                      <m:fPr>
+                        <m:type m:val="bar"/>
+                      </m:fPr>
+                      <m:num>
+                        <m:acc>
+                          <m:accPr>
+                            <m:chr m:val="‾"/>
+                          </m:accPr>
+                          <m:e>
+                            <m:r>
+                              <m:t>X</m:t>
+                            </m:r>
+                          </m:e>
+                        </m:acc>
+                        <m:r>
+                          <m:rPr>
+                            <m:sty m:val="p"/>
+                          </m:rPr>
+                          <m:t>−</m:t>
+                        </m:r>
+                        <m:r>
+                          <m:t>μ</m:t>
+                        </m:r>
+                      </m:num>
+                      <m:den>
+                        <m:r>
+                          <m:t>σ</m:t>
+                        </m:r>
+                        <m:r>
+                          <m:rPr>
+                            <m:sty m:val="p"/>
+                          </m:rPr>
+                          <m:t>/</m:t>
+                        </m:r>
+                        <m:rad>
+                          <m:radPr>
+                            <m:degHide m:val="1"/>
+                          </m:radPr>
+                          <m:deg/>
+                          <m:e>
+                            <m:r>
+                              <m:t>n</m:t>
+                            </m:r>
+                          </m:e>
+                        </m:rad>
+                      </m:den>
+                    </m:f>
+                    <m:r>
+                      <m:rPr>
+                        <m:sty m:val="p"/>
+                      </m:rPr>
+                      <m:t>=</m:t>
+                    </m:r>
+                    <m:r>
+                      <m:t>N</m:t>
+                    </m:r>
+                    <m:d>
+                      <m:dPr>
+                        <m:begChr m:val="("/>
+                        <m:endChr m:val=")"/>
+                        <m:sepChr m:val=""/>
+                        <m:grow/>
+                      </m:dPr>
+                      <m:e>
+                        <m:r>
+                          <m:t>0</m:t>
+                        </m:r>
+                        <m:r>
+                          <m:rPr>
+                            <m:sty m:val="p"/>
+                          </m:rPr>
+                          <m:t>,</m:t>
+                        </m:r>
+                        <m:r>
+                          <m:t>1</m:t>
+                        </m:r>
+                      </m:e>
+                    </m:d>
+                  </m:oMath>
+                </a14:m>
+              </a:p>
+            </p:txBody>
+          </p:sp>
+        </mc:Choice>
+      </mc:AlternateContent>
+    </p:spTree>
+  </p:cSld>
+</p:sld>
+</file>
+
+<file path=ppt/slides/slide6.xml><?xml version="1.0" encoding="utf-8"?>
+<p:sld xmlns:a="http://schemas.openxmlformats.org/drawingml/2006/main" xmlns:r="http://schemas.openxmlformats.org/officeDocument/2006/relationships" xmlns:p="http://schemas.openxmlformats.org/presentationml/2006/main">
+  <p:cSld>
+    <p:spTree>
+      <p:nvGrpSpPr>
+        <p:cNvPr id="1" name=""/>
+        <p:cNvGrpSpPr/>
+        <p:nvPr/>
+      </p:nvGrpSpPr>
+      <p:grpSpPr>
+        <a:xfrm>
+          <a:off x="0" y="0"/>
+          <a:ext cx="0" cy="0"/>
+          <a:chOff x="0" y="0"/>
+          <a:chExt cx="0" cy="0"/>
+        </a:xfrm>
+      </p:grpSpPr>
+      <p:sp>
+        <p:nvSpPr>
+          <p:cNvPr id="2" name="Title 1"/>
+          <p:cNvSpPr>
+            <a:spLocks noGrp="1"/>
+          </p:cNvSpPr>
+          <p:nvPr>
+            <p:ph type="title"/>
+          </p:nvPr>
+        </p:nvSpPr>
+        <p:spPr/>
+        <p:txBody>
+          <a:bodyPr/>
+          <a:lstStyle/>
+          <a:p>
+            <a:pPr lvl="0" indent="0" marL="0">
+              <a:buNone/>
+            </a:pPr>
+            <a:r>
+              <a:rPr/>
+              <a:t>Can we rely on asymptotic normality? (3/4)</a:t>
+            </a:r>
+          </a:p>
+        </p:txBody>
+      </p:sp>
+      <mc:AlternateContent xmlns:mc="http://schemas.openxmlformats.org/markup-compatibility/2006">
+        <mc:Choice xmlns:a14="http://schemas.microsoft.com/office/drawing/2010/main" Requires="a14">
+          <p:sp>
+            <p:nvSpPr>
+              <p:cNvPr id="3" name="Content Placeholder 2"/>
+              <p:cNvSpPr>
+                <a:spLocks noGrp="1"/>
+              </p:cNvSpPr>
+              <p:nvPr>
+                <p:ph idx="1"/>
+              </p:nvPr>
+            </p:nvSpPr>
+            <p:spPr/>
+            <p:txBody>
+              <a:bodyPr/>
+              <a:lstStyle/>
+              <a:p>
+                <a:pPr lvl="0" indent="0" marL="0">
+                  <a:buNone/>
+                </a:pPr>
+                <a:r>
+                  <a:rPr/>
+                  <a:t>Furthermore,</a:t>
+                </a:r>
+              </a:p>
+              <a:p>
+                <a:pPr lvl="0" indent="0" marL="0">
+                  <a:buNone/>
+                </a:pPr>
+                <a14:m>
+                  <m:oMath xmlns:m="http://schemas.openxmlformats.org/officeDocument/2006/math">
+                    <m:r>
+                      <m:t>E</m:t>
+                    </m:r>
+                    <m:d>
+                      <m:dPr>
+                        <m:begChr m:val="["/>
+                        <m:endChr m:val="]"/>
+                        <m:sepChr m:val=""/>
+                        <m:grow/>
+                      </m:dPr>
+                      <m:e>
+                        <m:acc>
+                          <m:accPr>
+                            <m:chr m:val="‾"/>
+                          </m:accPr>
+                          <m:e>
+                            <m:r>
+                              <m:t>X</m:t>
+                            </m:r>
+                          </m:e>
+                        </m:acc>
+                      </m:e>
+                    </m:d>
+                    <m:r>
+                      <m:rPr>
+                        <m:sty m:val="p"/>
+                      </m:rPr>
+                      <m:t>=</m:t>
+                    </m:r>
+                    <m:r>
+                      <m:t>μ</m:t>
+                    </m:r>
+                  </m:oMath>
+                </a14:m>
+              </a:p>
+              <a:p>
+                <a:pPr lvl="0" indent="0" marL="0">
+                  <a:buNone/>
+                </a:pPr>
+                <a14:m>
+                  <m:oMath xmlns:m="http://schemas.openxmlformats.org/officeDocument/2006/math">
+                    <m:r>
+                      <m:t>V</m:t>
+                    </m:r>
+                    <m:r>
+                      <m:t>a</m:t>
+                    </m:r>
+                    <m:r>
+                      <m:t>r</m:t>
+                    </m:r>
+                    <m:d>
+                      <m:dPr>
+                        <m:begChr m:val="("/>
+                        <m:endChr m:val=")"/>
+                        <m:sepChr m:val=""/>
+                        <m:grow/>
+                      </m:dPr>
+                      <m:e>
+                        <m:acc>
+                          <m:accPr>
+                            <m:chr m:val="‾"/>
+                          </m:accPr>
+                          <m:e>
+                            <m:r>
+                              <m:t>X</m:t>
+                            </m:r>
+                          </m:e>
+                        </m:acc>
+                      </m:e>
+                    </m:d>
+                    <m:r>
+                      <m:rPr>
+                        <m:sty m:val="p"/>
+                      </m:rPr>
+                      <m:t>=</m:t>
+                    </m:r>
+                    <m:f>
+                      <m:fPr>
+                        <m:type m:val="bar"/>
+                      </m:fPr>
+                      <m:num>
+                        <m:sSup>
+                          <m:e>
+                            <m:r>
+                              <m:t>σ</m:t>
+                            </m:r>
+                          </m:e>
+                          <m:sup>
+                            <m:r>
+                              <m:t>2</m:t>
+                            </m:r>
+                          </m:sup>
+                        </m:sSup>
+                      </m:num>
+                      <m:den>
+                        <m:r>
+                          <m:t>n</m:t>
+                        </m:r>
+                      </m:den>
+                    </m:f>
+                  </m:oMath>
+                </a14:m>
+              </a:p>
+            </p:txBody>
+          </p:sp>
+        </mc:Choice>
+      </mc:AlternateContent>
+    </p:spTree>
+  </p:cSld>
+</p:sld>
+</file>
+
+<file path=ppt/slides/slide7.xml><?xml version="1.0" encoding="utf-8"?>
+<p:sld xmlns:a="http://schemas.openxmlformats.org/drawingml/2006/main" xmlns:r="http://schemas.openxmlformats.org/officeDocument/2006/relationships" xmlns:p="http://schemas.openxmlformats.org/presentationml/2006/main">
+  <p:cSld>
+    <p:spTree>
+      <p:nvGrpSpPr>
+        <p:cNvPr id="1" name=""/>
+        <p:cNvGrpSpPr/>
+        <p:nvPr/>
+      </p:nvGrpSpPr>
+      <p:grpSpPr>
+        <a:xfrm>
+          <a:off x="0" y="0"/>
+          <a:ext cx="0" cy="0"/>
+          <a:chOff x="0" y="0"/>
+          <a:chExt cx="0" cy="0"/>
+        </a:xfrm>
+      </p:grpSpPr>
+      <p:sp>
+        <p:nvSpPr>
+          <p:cNvPr id="2" name="Title 1"/>
+          <p:cNvSpPr>
+            <a:spLocks noGrp="1"/>
+          </p:cNvSpPr>
+          <p:nvPr>
+            <p:ph type="title"/>
+          </p:nvPr>
+        </p:nvSpPr>
+        <p:spPr/>
+        <p:txBody>
+          <a:bodyPr/>
+          <a:lstStyle/>
+          <a:p>
+            <a:pPr lvl="0" indent="0" marL="0">
+              <a:buNone/>
+            </a:pPr>
+            <a:r>
+              <a:rPr/>
+              <a:t>Can we rely on asymptotic normality? (4/4)</a:t>
+            </a:r>
+          </a:p>
+        </p:txBody>
+      </p:sp>
+      <mc:AlternateContent xmlns:mc="http://schemas.openxmlformats.org/markup-compatibility/2006">
+        <mc:Choice xmlns:a14="http://schemas.microsoft.com/office/drawing/2010/main" Requires="a14">
+          <p:sp>
+            <p:nvSpPr>
+              <p:cNvPr id="3" name="Content Placeholder 2"/>
+              <p:cNvSpPr>
+                <a:spLocks noGrp="1"/>
+              </p:cNvSpPr>
+              <p:nvPr>
+                <p:ph idx="1"/>
+              </p:nvPr>
+            </p:nvSpPr>
+            <p:spPr/>
+            <p:txBody>
+              <a:bodyPr/>
+              <a:lstStyle/>
+              <a:p>
+                <a:pPr lvl="0" indent="0" marL="0">
+                  <a:buNone/>
+                </a:pPr>
+                <a:r>
+                  <a:rPr/>
+                  <a:t>What about:</a:t>
+                </a:r>
+              </a:p>
+              <a:p>
+                <a:pPr lvl="0" indent="0" marL="0">
+                  <a:buNone/>
+                </a:pPr>
+                <a14:m>
+                  <m:oMath xmlns:m="http://schemas.openxmlformats.org/officeDocument/2006/math">
+                    <m:r>
+                      <m:t>M</m:t>
+                    </m:r>
+                    <m:r>
+                      <m:t>A</m:t>
+                    </m:r>
+                    <m:r>
+                      <m:t>D</m:t>
+                    </m:r>
+                    <m:d>
+                      <m:dPr>
+                        <m:begChr m:val="("/>
+                        <m:endChr m:val=")"/>
+                        <m:sepChr m:val=""/>
+                        <m:grow/>
+                      </m:dPr>
+                      <m:e>
+                        <m:r>
+                          <m:t>X</m:t>
+                        </m:r>
+                      </m:e>
+                    </m:d>
+                    <m:r>
+                      <m:rPr>
+                        <m:sty m:val="p"/>
+                      </m:rPr>
+                      <m:t>=</m:t>
+                    </m:r>
+                    <m:f>
+                      <m:fPr>
+                        <m:type m:val="bar"/>
+                      </m:fPr>
+                      <m:num>
+                        <m:r>
+                          <m:t>1</m:t>
+                        </m:r>
+                      </m:num>
+                      <m:den>
+                        <m:r>
+                          <m:t>n</m:t>
+                        </m:r>
+                      </m:den>
+                    </m:f>
+                    <m:r>
+                      <m:t>Σ</m:t>
+                    </m:r>
+                    <m:d>
+                      <m:dPr>
+                        <m:begChr m:val="|"/>
+                        <m:endChr m:val="|"/>
+                        <m:sepChr m:val=""/>
+                        <m:grow/>
+                      </m:dPr>
+                      <m:e>
+                        <m:sSub>
+                          <m:e>
+                            <m:r>
+                              <m:t>X</m:t>
+                            </m:r>
+                          </m:e>
+                          <m:sub>
+                            <m:r>
+                              <m:t>i</m:t>
+                            </m:r>
+                          </m:sub>
+                        </m:sSub>
+                        <m:r>
+                          <m:rPr>
+                            <m:sty m:val="p"/>
+                          </m:rPr>
+                          <m:t>−</m:t>
+                        </m:r>
+                        <m:acc>
+                          <m:accPr>
+                            <m:chr m:val="‾"/>
+                          </m:accPr>
+                          <m:e>
+                            <m:r>
+                              <m:t>X</m:t>
+                            </m:r>
+                          </m:e>
+                        </m:acc>
+                      </m:e>
+                    </m:d>
+                  </m:oMath>
+                </a14:m>
+              </a:p>
+              <a:p>
+                <a:pPr lvl="0" indent="0" marL="0">
+                  <a:buNone/>
+                </a:pPr>
+                <a14:m>
+                  <m:oMath xmlns:m="http://schemas.openxmlformats.org/officeDocument/2006/math">
+                    <m:r>
+                      <m:t>I</m:t>
+                    </m:r>
+                    <m:r>
+                      <m:t>Q</m:t>
+                    </m:r>
+                    <m:r>
+                      <m:t>R</m:t>
+                    </m:r>
+                    <m:r>
+                      <m:rPr>
+                        <m:sty m:val="p"/>
+                      </m:rPr>
+                      <m:t>=</m:t>
+                    </m:r>
+                    <m:sSub>
+                      <m:e>
+                        <m:r>
+                          <m:t>X</m:t>
+                        </m:r>
+                      </m:e>
+                      <m:sub>
+                        <m:r>
+                          <m:t>.75</m:t>
+                        </m:r>
+                      </m:sub>
+                    </m:sSub>
+                    <m:r>
+                      <m:rPr>
+                        <m:sty m:val="p"/>
+                      </m:rPr>
+                      <m:t>−</m:t>
+                    </m:r>
+                    <m:sSub>
+                      <m:e>
+                        <m:r>
+                          <m:t>X</m:t>
+                        </m:r>
+                      </m:e>
+                      <m:sub>
+                        <m:r>
+                          <m:t>.25</m:t>
+                        </m:r>
+                      </m:sub>
+                    </m:sSub>
+                  </m:oMath>
+                </a14:m>
+              </a:p>
+              <a:p>
+                <a:pPr lvl="0" indent="0" marL="0">
+                  <a:buNone/>
+                </a:pPr>
+                <a14:m>
+                  <m:oMath xmlns:m="http://schemas.openxmlformats.org/officeDocument/2006/math">
+                    <m:r>
+                      <m:t>n</m:t>
+                    </m:r>
+                    <m:r>
+                      <m:rPr>
+                        <m:sty m:val="p"/>
+                      </m:rPr>
+                      <m:t>&lt;</m:t>
+                    </m:r>
+                    <m:r>
+                      <m:t>30</m:t>
+                    </m:r>
+                  </m:oMath>
+                </a14:m>
+              </a:p>
+            </p:txBody>
+          </p:sp>
+        </mc:Choice>
+      </mc:AlternateContent>
+    </p:spTree>
+  </p:cSld>
+</p:sld>
+</file>
+
+<file path=ppt/slides/slide8.xml><?xml version="1.0" encoding="utf-8"?>
 <p:sld xmlns:a="http://schemas.openxmlformats.org/drawingml/2006/main" xmlns:r="http://schemas.openxmlformats.org/officeDocument/2006/relationships" xmlns:p="http://schemas.openxmlformats.org/presentationml/2006/main">
   <p:cSld>
     <p:spTree>
@@ -5775,7 +8028,7 @@
 </p:sld>
 </file>
 
-<file path=ppt/slides/slide5.xml><?xml version="1.0" encoding="utf-8"?>
+<file path=ppt/slides/slide9.xml><?xml version="1.0" encoding="utf-8"?>
 <p:sld xmlns:a="http://schemas.openxmlformats.org/drawingml/2006/main" xmlns:r="http://schemas.openxmlformats.org/officeDocument/2006/relationships" xmlns:p="http://schemas.openxmlformats.org/presentationml/2006/main">
   <p:cSld>
     <p:spTree>
@@ -5848,111 +8101,6 @@
                     <m:r>
                       <m:t>D</m:t>
                     </m:r>
-                    <m:d>
-                      <m:dPr>
-                        <m:begChr m:val="("/>
-                        <m:endChr m:val=")"/>
-                        <m:sepChr m:val=""/>
-                        <m:grow/>
-                      </m:dPr>
-                      <m:e>
-                        <m:r>
-                          <m:t>X</m:t>
-                        </m:r>
-                      </m:e>
-                    </m:d>
-                    <m:r>
-                      <m:rPr>
-                        <m:sty m:val="p"/>
-                      </m:rPr>
-                      <m:t>=</m:t>
-                    </m:r>
-                    <m:f>
-                      <m:fPr>
-                        <m:type m:val="bar"/>
-                      </m:fPr>
-                      <m:num>
-                        <m:r>
-                          <m:t>1</m:t>
-                        </m:r>
-                      </m:num>
-                      <m:den>
-                        <m:r>
-                          <m:t>n</m:t>
-                        </m:r>
-                      </m:den>
-                    </m:f>
-                    <m:r>
-                      <m:t>Σ</m:t>
-                    </m:r>
-                    <m:d>
-                      <m:dPr>
-                        <m:begChr m:val="|"/>
-                        <m:endChr m:val="|"/>
-                        <m:sepChr m:val=""/>
-                        <m:grow/>
-                      </m:dPr>
-                      <m:e>
-                        <m:sSub>
-                          <m:e>
-                            <m:r>
-                              <m:t>X</m:t>
-                            </m:r>
-                          </m:e>
-                          <m:sub>
-                            <m:r>
-                              <m:t>i</m:t>
-                            </m:r>
-                          </m:sub>
-                        </m:sSub>
-                        <m:r>
-                          <m:rPr>
-                            <m:sty m:val="p"/>
-                          </m:rPr>
-                          <m:t>−</m:t>
-                        </m:r>
-                        <m:acc>
-                          <m:accPr>
-                            <m:chr m:val="‾"/>
-                          </m:accPr>
-                          <m:e>
-                            <m:r>
-                              <m:t>X</m:t>
-                            </m:r>
-                          </m:e>
-                        </m:acc>
-                      </m:e>
-                    </m:d>
-                  </m:oMath>
-                </a14:m>
-              </a:p>
-              <a:p>
-                <a:pPr lvl="0" indent="0" marL="0">
-                  <a:buNone/>
-                </a:pPr>
-                <a14:m>
-                  <m:oMath xmlns:m="http://schemas.openxmlformats.org/officeDocument/2006/math">
-                    <m:r>
-                      <m:t> </m:t>
-                    </m:r>
-                  </m:oMath>
-                </a14:m>
-              </a:p>
-              <a:p>
-                <a:pPr lvl="0" indent="0" marL="0">
-                  <a:buNone/>
-                </a:pPr>
-                <a14:m>
-                  <m:oMath xmlns:m="http://schemas.openxmlformats.org/officeDocument/2006/math">
-                    <m:r>
-                      <m:t>M</m:t>
-                    </m:r>
-                    <m:r>
-                      <m:t>A</m:t>
-                    </m:r>
-                    <m:r>
-                      <m:t>D</m:t>
-                    </m:r>
                   </m:oMath>
                 </a14:m>
                 <a:r>
@@ -5960,73 +8108,6 @@
                   <a:t> (2, 3, 7, 5, 6) = 1.68</a:t>
                 </a:r>
               </a:p>
-            </p:txBody>
-          </p:sp>
-        </mc:Choice>
-      </mc:AlternateContent>
-    </p:spTree>
-  </p:cSld>
-</p:sld>
-</file>
-
-<file path=ppt/slides/slide6.xml><?xml version="1.0" encoding="utf-8"?>
-<p:sld xmlns:a="http://schemas.openxmlformats.org/drawingml/2006/main" xmlns:r="http://schemas.openxmlformats.org/officeDocument/2006/relationships" xmlns:p="http://schemas.openxmlformats.org/presentationml/2006/main">
-  <p:cSld>
-    <p:spTree>
-      <p:nvGrpSpPr>
-        <p:cNvPr id="1" name=""/>
-        <p:cNvGrpSpPr/>
-        <p:nvPr/>
-      </p:nvGrpSpPr>
-      <p:grpSpPr>
-        <a:xfrm>
-          <a:off x="0" y="0"/>
-          <a:ext cx="0" cy="0"/>
-          <a:chOff x="0" y="0"/>
-          <a:chExt cx="0" cy="0"/>
-        </a:xfrm>
-      </p:grpSpPr>
-      <p:sp>
-        <p:nvSpPr>
-          <p:cNvPr id="2" name="Title 1"/>
-          <p:cNvSpPr>
-            <a:spLocks noGrp="1"/>
-          </p:cNvSpPr>
-          <p:nvPr>
-            <p:ph type="title"/>
-          </p:nvPr>
-        </p:nvSpPr>
-        <p:spPr/>
-        <p:txBody>
-          <a:bodyPr/>
-          <a:lstStyle/>
-          <a:p>
-            <a:pPr lvl="0" indent="0" marL="0">
-              <a:buNone/>
-            </a:pPr>
-            <a:r>
-              <a:rPr/>
-              <a:t>The jackknife (3/3)</a:t>
-            </a:r>
-          </a:p>
-        </p:txBody>
-      </p:sp>
-      <mc:AlternateContent xmlns:mc="http://schemas.openxmlformats.org/markup-compatibility/2006">
-        <mc:Choice xmlns:a14="http://schemas.microsoft.com/office/drawing/2010/main" Requires="a14">
-          <p:sp>
-            <p:nvSpPr>
-              <p:cNvPr id="3" name="Content Placeholder 2"/>
-              <p:cNvSpPr>
-                <a:spLocks noGrp="1"/>
-              </p:cNvSpPr>
-              <p:nvPr>
-                <p:ph idx="1"/>
-              </p:nvPr>
-            </p:nvSpPr>
-            <p:spPr/>
-            <p:txBody>
-              <a:bodyPr/>
-              <a:lstStyle/>
               <a:p>
                 <a:pPr lvl="0" indent="0" marL="0">
                   <a:buNone/>
@@ -6153,251 +8234,6 @@
           </p:sp>
         </mc:Choice>
       </mc:AlternateContent>
-    </p:spTree>
-  </p:cSld>
-</p:sld>
-</file>
-
-<file path=ppt/slides/slide7.xml><?xml version="1.0" encoding="utf-8"?>
-<p:sld xmlns:a="http://schemas.openxmlformats.org/drawingml/2006/main" xmlns:r="http://schemas.openxmlformats.org/officeDocument/2006/relationships" xmlns:p="http://schemas.openxmlformats.org/presentationml/2006/main">
-  <p:cSld>
-    <p:spTree>
-      <p:nvGrpSpPr>
-        <p:cNvPr id="1" name=""/>
-        <p:cNvGrpSpPr/>
-        <p:nvPr/>
-      </p:nvGrpSpPr>
-      <p:grpSpPr>
-        <a:xfrm>
-          <a:off x="0" y="0"/>
-          <a:ext cx="0" cy="0"/>
-          <a:chOff x="0" y="0"/>
-          <a:chExt cx="0" cy="0"/>
-        </a:xfrm>
-      </p:grpSpPr>
-      <p:sp>
-        <p:nvSpPr>
-          <p:cNvPr id="2" name="Title 1"/>
-          <p:cNvSpPr>
-            <a:spLocks noGrp="1"/>
-          </p:cNvSpPr>
-          <p:nvPr>
-            <p:ph type="title"/>
-          </p:nvPr>
-        </p:nvSpPr>
-        <p:spPr/>
-        <p:txBody>
-          <a:bodyPr/>
-          <a:lstStyle/>
-          <a:p>
-            <a:pPr lvl="0" indent="0" marL="0">
-              <a:buNone/>
-            </a:pPr>
-            <a:r>
-              <a:rPr/>
-              <a:t>The jackknife (4/4)</a:t>
-            </a:r>
-          </a:p>
-        </p:txBody>
-      </p:sp>
-      <p:sp>
-        <p:nvSpPr>
-          <p:cNvPr id="3" name="Content Placeholder 2"/>
-          <p:cNvSpPr>
-            <a:spLocks noGrp="1"/>
-          </p:cNvSpPr>
-          <p:nvPr>
-            <p:ph idx="1"/>
-          </p:nvPr>
-        </p:nvSpPr>
-        <p:spPr/>
-        <p:txBody>
-          <a:bodyPr/>
-          <a:lstStyle/>
-          <a:p>
-            <a:pPr lvl="0"/>
-            <a:r>
-              <a:rPr/>
-              <a:t>MAD (Full sample) = 1.68</a:t>
-            </a:r>
-          </a:p>
-          <a:p>
-            <a:pPr lvl="0"/>
-            <a:r>
-              <a:rPr/>
-              <a:t>Average MAD (Jackknife subsamples) = 1.6</a:t>
-            </a:r>
-          </a:p>
-          <a:p>
-            <a:pPr lvl="0"/>
-            <a:r>
-              <a:rPr/>
-              <a:t>Estimated bias = 0.08</a:t>
-            </a:r>
-          </a:p>
-          <a:p>
-            <a:pPr lvl="0"/>
-            <a:r>
-              <a:rPr/>
-              <a:t>Standard deviation MAD (Jackknife subsamples) = 0.285</a:t>
-            </a:r>
-          </a:p>
-        </p:txBody>
-      </p:sp>
-    </p:spTree>
-  </p:cSld>
-</p:sld>
-</file>
-
-<file path=ppt/slides/slide8.xml><?xml version="1.0" encoding="utf-8"?>
-<p:sld xmlns:a="http://schemas.openxmlformats.org/drawingml/2006/main" xmlns:r="http://schemas.openxmlformats.org/officeDocument/2006/relationships" xmlns:p="http://schemas.openxmlformats.org/presentationml/2006/main">
-  <p:cSld>
-    <p:spTree>
-      <p:nvGrpSpPr>
-        <p:cNvPr id="1" name=""/>
-        <p:cNvGrpSpPr/>
-        <p:nvPr/>
-      </p:nvGrpSpPr>
-      <p:grpSpPr>
-        <a:xfrm>
-          <a:off x="0" y="0"/>
-          <a:ext cx="0" cy="0"/>
-          <a:chOff x="0" y="0"/>
-          <a:chExt cx="0" cy="0"/>
-        </a:xfrm>
-      </p:grpSpPr>
-      <p:sp>
-        <p:nvSpPr>
-          <p:cNvPr id="2" name="Title 1"/>
-          <p:cNvSpPr>
-            <a:spLocks noGrp="1"/>
-          </p:cNvSpPr>
-          <p:nvPr>
-            <p:ph type="title"/>
-          </p:nvPr>
-        </p:nvSpPr>
-        <p:spPr/>
-        <p:txBody>
-          <a:bodyPr/>
-          <a:lstStyle/>
-          <a:p>
-            <a:pPr lvl="0" indent="0" marL="0">
-              <a:buNone/>
-            </a:pPr>
-            <a:r>
-              <a:rPr/>
-              <a:t>Bradley Efron</a:t>
-            </a:r>
-          </a:p>
-        </p:txBody>
-      </p:sp>
-      <p:pic>
-        <p:nvPicPr>
-          <p:cNvPr descr="fig:  ../images/bradley-efron-02.jpg" id="0" name="Picture 1"/>
-          <p:cNvPicPr>
-            <a:picLocks noGrp="1" noChangeAspect="1"/>
-          </p:cNvPicPr>
-          <p:nvPr/>
-        </p:nvPicPr>
-        <p:blipFill>
-          <a:blip r:embed="rId2"/>
-          <a:stretch>
-            <a:fillRect/>
-          </a:stretch>
-        </p:blipFill>
-        <p:spPr bwMode="auto">
-          <a:xfrm>
-            <a:off x="2273300" y="1193800"/>
-            <a:ext cx="4584700" cy="2882900"/>
-          </a:xfrm>
-          <a:prstGeom prst="rect">
-            <a:avLst/>
-          </a:prstGeom>
-          <a:noFill/>
-          <a:ln w="9525">
-            <a:noFill/>
-            <a:headEnd/>
-            <a:tailEnd/>
-          </a:ln>
-        </p:spPr>
-      </p:pic>
-      <p:sp>
-        <p:nvSpPr>
-          <p:cNvPr id="1" name="TextBox 3"/>
-          <p:cNvSpPr txBox="1"/>
-          <p:nvPr/>
-        </p:nvSpPr>
-        <p:spPr>
-          <a:xfrm>
-            <a:off x="457200" y="4076700"/>
-            <a:ext cx="8229600" cy="508000"/>
-          </a:xfrm>
-          <a:prstGeom prst="rect">
-            <a:avLst/>
-          </a:prstGeom>
-          <a:noFill/>
-        </p:spPr>
-        <p:txBody>
-          <a:bodyPr/>
-          <a:lstStyle/>
-          <a:p>
-            <a:pPr lvl="0" indent="0" marL="0" algn="ctr">
-              <a:buNone/>
-            </a:pPr>
-            <a:r>
-              <a:rPr/>
-              <a:t>Figure 1. Photograph of Bradley Efron from Wikipedia</a:t>
-            </a:r>
-          </a:p>
-        </p:txBody>
-      </p:sp>
-    </p:spTree>
-  </p:cSld>
-</p:sld>
-</file>
-
-<file path=ppt/slides/slide9.xml><?xml version="1.0" encoding="utf-8"?>
-<p:sld xmlns:a="http://schemas.openxmlformats.org/drawingml/2006/main" xmlns:r="http://schemas.openxmlformats.org/officeDocument/2006/relationships" xmlns:p="http://schemas.openxmlformats.org/presentationml/2006/main">
-  <p:cSld>
-    <p:spTree>
-      <p:nvGrpSpPr>
-        <p:cNvPr id="1" name=""/>
-        <p:cNvGrpSpPr/>
-        <p:nvPr/>
-      </p:nvGrpSpPr>
-      <p:grpSpPr>
-        <a:xfrm>
-          <a:off x="0" y="0"/>
-          <a:ext cx="0" cy="0"/>
-          <a:chOff x="0" y="0"/>
-          <a:chExt cx="0" cy="0"/>
-        </a:xfrm>
-      </p:grpSpPr>
-      <p:sp>
-        <p:nvSpPr>
-          <p:cNvPr id="2" name="Title 1"/>
-          <p:cNvSpPr>
-            <a:spLocks noGrp="1"/>
-          </p:cNvSpPr>
-          <p:nvPr>
-            <p:ph type="title"/>
-          </p:nvPr>
-        </p:nvSpPr>
-        <p:spPr/>
-        <p:txBody>
-          <a:bodyPr/>
-          <a:lstStyle/>
-          <a:p>
-            <a:pPr lvl="0" indent="0" marL="0">
-              <a:buNone/>
-            </a:pPr>
-            <a:r>
-              <a:rPr/>
-              <a:t>Bagging</a:t>
-            </a:r>
-          </a:p>
-        </p:txBody>
-      </p:sp>
     </p:spTree>
   </p:cSld>
 </p:sld>

--- a/bootstrap/src/bootstrap-slides.pptx
+++ b/bootstrap/src/bootstrap-slides.pptx
@@ -5,7 +5,7 @@
     <p:sldMasterId id="2147483648" r:id="rId1"/>
   </p:sldMasterIdLst>
   <p:notesMasterIdLst>
-    <p:notesMasterId r:id="rId30"/>
+    <p:notesMasterId r:id="rId34"/>
   </p:notesMasterIdLst>
   <p:sldIdLst>
     <p:sldId id="256" r:id="rId2"/>
@@ -36,6 +36,10 @@
     <p:sldId id="281" r:id="rId27"/>
     <p:sldId id="282" r:id="rId28"/>
     <p:sldId id="283" r:id="rId29"/>
+    <p:sldId id="284" r:id="rId30"/>
+    <p:sldId id="285" r:id="rId31"/>
+    <p:sldId id="286" r:id="rId32"/>
+    <p:sldId id="287" r:id="rId33"/>
   </p:sldIdLst>
   <p:sldSz cx="9144000" cy="5143500" type="screen16x9"/>
   <p:notesSz cx="6858000" cy="9144000"/>
@@ -822,6 +826,528 @@
 </p:notes>
 </file>
 
+<file path=ppt/notesSlides/notesSlide10.xml><?xml version="1.0" encoding="utf-8"?>
+<p:notes xmlns:a="http://schemas.openxmlformats.org/drawingml/2006/main" xmlns:r="http://schemas.openxmlformats.org/officeDocument/2006/relationships" xmlns:p="http://schemas.openxmlformats.org/presentationml/2006/main">
+  <p:cSld>
+    <p:spTree>
+      <p:nvGrpSpPr>
+        <p:cNvPr id="1" name=""/>
+        <p:cNvGrpSpPr/>
+        <p:nvPr/>
+      </p:nvGrpSpPr>
+      <p:grpSpPr>
+        <a:xfrm>
+          <a:off x="0" y="0"/>
+          <a:ext cx="0" cy="0"/>
+          <a:chOff x="0" y="0"/>
+          <a:chExt cx="0" cy="0"/>
+        </a:xfrm>
+      </p:grpSpPr>
+      <p:sp>
+        <p:nvSpPr>
+          <p:cNvPr id="2" name="Slide Image Placeholder 1"/>
+          <p:cNvSpPr>
+            <a:spLocks noGrp="1" noRot="1" noChangeAspect="1"/>
+          </p:cNvSpPr>
+          <p:nvPr>
+            <p:ph type="sldImg"/>
+          </p:nvPr>
+        </p:nvSpPr>
+        <p:spPr/>
+      </p:sp>
+      <p:sp>
+        <p:nvSpPr>
+          <p:cNvPr id="3" name="Notes Placeholder 2"/>
+          <p:cNvSpPr>
+            <a:spLocks noGrp="1"/>
+          </p:cNvSpPr>
+          <p:nvPr>
+            <p:ph type="body" idx="1"/>
+          </p:nvPr>
+        </p:nvSpPr>
+        <p:spPr/>
+        <p:txBody>
+          <a:bodyPr/>
+          <a:lstStyle/>
+          <a:p>
+            <a:pPr lvl="0" indent="0" marL="0">
+              <a:buNone/>
+            </a:pPr>
+            <a:r>
+              <a:rPr/>
+              <a:t>This is a histogram of the 500 bootstrapped estimates of the mean absolute deviation. Notice that it is “patchy” and does not follow a smooth bell shaped curve. This is an important issue that we will address when computing confidence intervals.</a:t>
+            </a:r>
+          </a:p>
+        </p:txBody>
+      </p:sp>
+      <p:sp>
+        <p:nvSpPr>
+          <p:cNvPr id="4" name="Slide Number Placeholder 3"/>
+          <p:cNvSpPr>
+            <a:spLocks noGrp="1"/>
+          </p:cNvSpPr>
+          <p:nvPr>
+            <p:ph type="sldNum" sz="quarter" idx="10"/>
+          </p:nvPr>
+        </p:nvSpPr>
+        <p:spPr/>
+        <p:txBody>
+          <a:bodyPr/>
+          <a:lstStyle/>
+          <a:p>
+            <a:fld id="{18BDFEC3-8487-43E8-A154-7C12CBC1FFF2}" type="slidenum">
+              <a:rPr lang="en-US"/>
+              <a:t>16</a:t>
+            </a:fld>
+            <a:endParaRPr lang="en-US"/>
+          </a:p>
+        </p:txBody>
+      </p:sp>
+    </p:spTree>
+  </p:cSld>
+</p:notes>
+</file>
+
+<file path=ppt/notesSlides/notesSlide11.xml><?xml version="1.0" encoding="utf-8"?>
+<p:notes xmlns:a="http://schemas.openxmlformats.org/drawingml/2006/main" xmlns:r="http://schemas.openxmlformats.org/officeDocument/2006/relationships" xmlns:p="http://schemas.openxmlformats.org/presentationml/2006/main">
+  <p:cSld>
+    <p:spTree>
+      <p:nvGrpSpPr>
+        <p:cNvPr id="1" name=""/>
+        <p:cNvGrpSpPr/>
+        <p:nvPr/>
+      </p:nvGrpSpPr>
+      <p:grpSpPr>
+        <a:xfrm>
+          <a:off x="0" y="0"/>
+          <a:ext cx="0" cy="0"/>
+          <a:chOff x="0" y="0"/>
+          <a:chExt cx="0" cy="0"/>
+        </a:xfrm>
+      </p:grpSpPr>
+      <p:sp>
+        <p:nvSpPr>
+          <p:cNvPr id="2" name="Slide Image Placeholder 1"/>
+          <p:cNvSpPr>
+            <a:spLocks noGrp="1" noRot="1" noChangeAspect="1"/>
+          </p:cNvSpPr>
+          <p:nvPr>
+            <p:ph type="sldImg"/>
+          </p:nvPr>
+        </p:nvSpPr>
+        <p:spPr/>
+      </p:sp>
+      <p:sp>
+        <p:nvSpPr>
+          <p:cNvPr id="3" name="Notes Placeholder 2"/>
+          <p:cNvSpPr>
+            <a:spLocks noGrp="1"/>
+          </p:cNvSpPr>
+          <p:nvPr>
+            <p:ph type="body" idx="1"/>
+          </p:nvPr>
+        </p:nvSpPr>
+        <p:spPr/>
+        <p:txBody>
+          <a:bodyPr/>
+          <a:lstStyle/>
+          <a:p>
+            <a:pPr lvl="0" indent="0" marL="0">
+              <a:buNone/>
+            </a:pPr>
+            <a:r>
+              <a:rPr/>
+              <a:t>I want to briefly address an important application of the bootstrap to machine learning. Bagging is a portmanteau, a combination and shortening of two words: bootstrap aggregation.</a:t>
+            </a:r>
+          </a:p>
+          <a:p>
+            <a:pPr lvl="0" indent="0" marL="0">
+              <a:buNone/>
+            </a:pPr>
+          </a:p>
+          <a:p>
+            <a:pPr lvl="0" indent="0" marL="0">
+              <a:buNone/>
+            </a:pPr>
+            <a:r>
+              <a:rPr/>
+              <a:t>The basic building block for bagging in the random forest model is the CART model, Classification and Regression Trees.</a:t>
+            </a:r>
+          </a:p>
+        </p:txBody>
+      </p:sp>
+      <p:sp>
+        <p:nvSpPr>
+          <p:cNvPr id="4" name="Slide Number Placeholder 3"/>
+          <p:cNvSpPr>
+            <a:spLocks noGrp="1"/>
+          </p:cNvSpPr>
+          <p:nvPr>
+            <p:ph type="sldNum" sz="quarter" idx="10"/>
+          </p:nvPr>
+        </p:nvSpPr>
+        <p:spPr/>
+        <p:txBody>
+          <a:bodyPr/>
+          <a:lstStyle/>
+          <a:p>
+            <a:fld id="{18BDFEC3-8487-43E8-A154-7C12CBC1FFF2}" type="slidenum">
+              <a:rPr lang="en-US"/>
+              <a:t>17</a:t>
+            </a:fld>
+            <a:endParaRPr lang="en-US"/>
+          </a:p>
+        </p:txBody>
+      </p:sp>
+    </p:spTree>
+  </p:cSld>
+</p:notes>
+</file>
+
+<file path=ppt/notesSlides/notesSlide12.xml><?xml version="1.0" encoding="utf-8"?>
+<p:notes xmlns:a="http://schemas.openxmlformats.org/drawingml/2006/main" xmlns:r="http://schemas.openxmlformats.org/officeDocument/2006/relationships" xmlns:p="http://schemas.openxmlformats.org/presentationml/2006/main">
+  <p:cSld>
+    <p:spTree>
+      <p:nvGrpSpPr>
+        <p:cNvPr id="1" name=""/>
+        <p:cNvGrpSpPr/>
+        <p:nvPr/>
+      </p:nvGrpSpPr>
+      <p:grpSpPr>
+        <a:xfrm>
+          <a:off x="0" y="0"/>
+          <a:ext cx="0" cy="0"/>
+          <a:chOff x="0" y="0"/>
+          <a:chExt cx="0" cy="0"/>
+        </a:xfrm>
+      </p:grpSpPr>
+      <p:sp>
+        <p:nvSpPr>
+          <p:cNvPr id="2" name="Slide Image Placeholder 1"/>
+          <p:cNvSpPr>
+            <a:spLocks noGrp="1" noRot="1" noChangeAspect="1"/>
+          </p:cNvSpPr>
+          <p:nvPr>
+            <p:ph type="sldImg"/>
+          </p:nvPr>
+        </p:nvSpPr>
+        <p:spPr/>
+      </p:sp>
+      <p:sp>
+        <p:nvSpPr>
+          <p:cNvPr id="3" name="Notes Placeholder 2"/>
+          <p:cNvSpPr>
+            <a:spLocks noGrp="1"/>
+          </p:cNvSpPr>
+          <p:nvPr>
+            <p:ph type="body" idx="1"/>
+          </p:nvPr>
+        </p:nvSpPr>
+        <p:spPr/>
+        <p:txBody>
+          <a:bodyPr/>
+          <a:lstStyle/>
+          <a:p>
+            <a:pPr lvl="0" indent="0" marL="0">
+              <a:buNone/>
+            </a:pPr>
+            <a:r>
+              <a:rPr/>
+              <a:t>A regression tree is a model used for continuous outcomes. It finds optimal splits of the data that create subgroups where the outcome variable shows very little variation. This is an example from the Statology blog on how to fit CART models.</a:t>
+            </a:r>
+          </a:p>
+          <a:p>
+            <a:pPr lvl="0" indent="0" marL="0">
+              <a:buNone/>
+            </a:pPr>
+          </a:p>
+          <a:p>
+            <a:pPr lvl="0" indent="0" marL="0">
+              <a:buNone/>
+            </a:pPr>
+            <a:r>
+              <a:rPr/>
+              <a:t>Zach Bobbitt. How to Fit Classification and Regression Trees in R. Statology blog, 2020-11-22. Available in html format.</a:t>
+            </a:r>
+          </a:p>
+          <a:p>
+            <a:pPr lvl="0" indent="0" marL="0">
+              <a:buNone/>
+            </a:pPr>
+          </a:p>
+          <a:p>
+            <a:pPr lvl="0" indent="0" marL="0">
+              <a:buNone/>
+            </a:pPr>
+            <a:r>
+              <a:rPr/>
+              <a:t>The graph shows a prediction model for baseball player salaries. If the numbers seem low, it is because the data comes form 1987. The first split is between years in the league. If it is less than 4.5, the node to the left shows a mean salary of 225.83 thousand dollars. If it is greater than 4.5, the node to the right shows an additional split: were the number of home runs less than 16.5, then another split is the number of home runs also less than 8.5 then the mean salary is 502.81 thousand dollars. I won’t go through every branch, but each of the final nodes is a combination of splits involving years in the league or home runs.</a:t>
+            </a:r>
+          </a:p>
+        </p:txBody>
+      </p:sp>
+      <p:sp>
+        <p:nvSpPr>
+          <p:cNvPr id="4" name="Slide Number Placeholder 3"/>
+          <p:cNvSpPr>
+            <a:spLocks noGrp="1"/>
+          </p:cNvSpPr>
+          <p:nvPr>
+            <p:ph type="sldNum" sz="quarter" idx="10"/>
+          </p:nvPr>
+        </p:nvSpPr>
+        <p:spPr/>
+        <p:txBody>
+          <a:bodyPr/>
+          <a:lstStyle/>
+          <a:p>
+            <a:fld id="{18BDFEC3-8487-43E8-A154-7C12CBC1FFF2}" type="slidenum">
+              <a:rPr lang="en-US"/>
+              <a:t>18</a:t>
+            </a:fld>
+            <a:endParaRPr lang="en-US"/>
+          </a:p>
+        </p:txBody>
+      </p:sp>
+    </p:spTree>
+  </p:cSld>
+</p:notes>
+</file>
+
+<file path=ppt/notesSlides/notesSlide13.xml><?xml version="1.0" encoding="utf-8"?>
+<p:notes xmlns:a="http://schemas.openxmlformats.org/drawingml/2006/main" xmlns:r="http://schemas.openxmlformats.org/officeDocument/2006/relationships" xmlns:p="http://schemas.openxmlformats.org/presentationml/2006/main">
+  <p:cSld>
+    <p:spTree>
+      <p:nvGrpSpPr>
+        <p:cNvPr id="1" name=""/>
+        <p:cNvGrpSpPr/>
+        <p:nvPr/>
+      </p:nvGrpSpPr>
+      <p:grpSpPr>
+        <a:xfrm>
+          <a:off x="0" y="0"/>
+          <a:ext cx="0" cy="0"/>
+          <a:chOff x="0" y="0"/>
+          <a:chExt cx="0" cy="0"/>
+        </a:xfrm>
+      </p:grpSpPr>
+      <p:sp>
+        <p:nvSpPr>
+          <p:cNvPr id="2" name="Slide Image Placeholder 1"/>
+          <p:cNvSpPr>
+            <a:spLocks noGrp="1" noRot="1" noChangeAspect="1"/>
+          </p:cNvSpPr>
+          <p:nvPr>
+            <p:ph type="sldImg"/>
+          </p:nvPr>
+        </p:nvSpPr>
+        <p:spPr/>
+      </p:sp>
+      <p:sp>
+        <p:nvSpPr>
+          <p:cNvPr id="3" name="Notes Placeholder 2"/>
+          <p:cNvSpPr>
+            <a:spLocks noGrp="1"/>
+          </p:cNvSpPr>
+          <p:nvPr>
+            <p:ph type="body" idx="1"/>
+          </p:nvPr>
+        </p:nvSpPr>
+        <p:spPr/>
+        <p:txBody>
+          <a:bodyPr/>
+          <a:lstStyle/>
+          <a:p>
+            <a:pPr lvl="0" indent="0" marL="0">
+              <a:buNone/>
+            </a:pPr>
+            <a:r>
+              <a:rPr/>
+              <a:t>This is an example of a classification tree. You use a classification tree when you are predicting a binary outcome.</a:t>
+            </a:r>
+          </a:p>
+          <a:p>
+            <a:pPr lvl="0" indent="0" marL="0">
+              <a:buNone/>
+            </a:pPr>
+          </a:p>
+          <a:p>
+            <a:pPr lvl="0" indent="0" marL="0">
+              <a:buNone/>
+            </a:pPr>
+            <a:r>
+              <a:rPr/>
+              <a:t>This is an example from the Wikipedia page on decision tree learning. It is work by Gilgoldm and published under a Creative Commons open source license (CC BY-SA 4.0) and is available for download here.</a:t>
+            </a:r>
+          </a:p>
+          <a:p>
+            <a:pPr lvl="0" indent="0" marL="0">
+              <a:buNone/>
+            </a:pPr>
+          </a:p>
+          <a:p>
+            <a:pPr lvl="0" indent="0" marL="0">
+              <a:buNone/>
+            </a:pPr>
+            <a:r>
+              <a:rPr/>
+              <a:t>Both classification trees and regression trees have a tendency to overfit the data. They are also highly sensitive to small changes in the data. In fact, I would have a hard time recommending the use of these models at all.</a:t>
+            </a:r>
+          </a:p>
+          <a:p>
+            <a:pPr lvl="0" indent="0" marL="0">
+              <a:buNone/>
+            </a:pPr>
+          </a:p>
+          <a:p>
+            <a:pPr lvl="0" indent="0" marL="0">
+              <a:buNone/>
+            </a:pPr>
+            <a:r>
+              <a:rPr/>
+              <a:t>There is an approach, however, that largely overcomes these concerns. It is called an ensemble approach. You combine multiple regression or classification trees into a “forest.” And you do this with the help of the bootstrap.</a:t>
+            </a:r>
+          </a:p>
+        </p:txBody>
+      </p:sp>
+      <p:sp>
+        <p:nvSpPr>
+          <p:cNvPr id="4" name="Slide Number Placeholder 3"/>
+          <p:cNvSpPr>
+            <a:spLocks noGrp="1"/>
+          </p:cNvSpPr>
+          <p:nvPr>
+            <p:ph type="sldNum" sz="quarter" idx="10"/>
+          </p:nvPr>
+        </p:nvSpPr>
+        <p:spPr/>
+        <p:txBody>
+          <a:bodyPr/>
+          <a:lstStyle/>
+          <a:p>
+            <a:fld id="{18BDFEC3-8487-43E8-A154-7C12CBC1FFF2}" type="slidenum">
+              <a:rPr lang="en-US"/>
+              <a:t>19</a:t>
+            </a:fld>
+            <a:endParaRPr lang="en-US"/>
+          </a:p>
+        </p:txBody>
+      </p:sp>
+    </p:spTree>
+  </p:cSld>
+</p:notes>
+</file>
+
+<file path=ppt/notesSlides/notesSlide14.xml><?xml version="1.0" encoding="utf-8"?>
+<p:notes xmlns:a="http://schemas.openxmlformats.org/drawingml/2006/main" xmlns:r="http://schemas.openxmlformats.org/officeDocument/2006/relationships" xmlns:p="http://schemas.openxmlformats.org/presentationml/2006/main">
+  <p:cSld>
+    <p:spTree>
+      <p:nvGrpSpPr>
+        <p:cNvPr id="1" name=""/>
+        <p:cNvGrpSpPr/>
+        <p:nvPr/>
+      </p:nvGrpSpPr>
+      <p:grpSpPr>
+        <a:xfrm>
+          <a:off x="0" y="0"/>
+          <a:ext cx="0" cy="0"/>
+          <a:chOff x="0" y="0"/>
+          <a:chExt cx="0" cy="0"/>
+        </a:xfrm>
+      </p:grpSpPr>
+      <p:sp>
+        <p:nvSpPr>
+          <p:cNvPr id="2" name="Slide Image Placeholder 1"/>
+          <p:cNvSpPr>
+            <a:spLocks noGrp="1" noRot="1" noChangeAspect="1"/>
+          </p:cNvSpPr>
+          <p:nvPr>
+            <p:ph type="sldImg"/>
+          </p:nvPr>
+        </p:nvSpPr>
+        <p:spPr/>
+      </p:sp>
+      <p:sp>
+        <p:nvSpPr>
+          <p:cNvPr id="3" name="Notes Placeholder 2"/>
+          <p:cNvSpPr>
+            <a:spLocks noGrp="1"/>
+          </p:cNvSpPr>
+          <p:nvPr>
+            <p:ph type="body" idx="1"/>
+          </p:nvPr>
+        </p:nvSpPr>
+        <p:spPr/>
+        <p:txBody>
+          <a:bodyPr/>
+          <a:lstStyle/>
+          <a:p>
+            <a:pPr lvl="0" indent="0" marL="0">
+              <a:buNone/>
+            </a:pPr>
+            <a:r>
+              <a:rPr/>
+              <a:t>In bagging, you fit a model (in the case of Random Forests, you fit a CART model) to a few hundred or thousand bootstrap samples. Get predicted values for each model. Average those predicted values across all the bootstrap samples.</a:t>
+            </a:r>
+          </a:p>
+          <a:p>
+            <a:pPr lvl="0" indent="0" marL="0">
+              <a:buNone/>
+            </a:pPr>
+          </a:p>
+          <a:p>
+            <a:pPr lvl="0" indent="0" marL="0">
+              <a:buNone/>
+            </a:pPr>
+            <a:r>
+              <a:rPr/>
+              <a:t>There are some additional enhancements to the Random Forest models, but the key element is the bagging step.</a:t>
+            </a:r>
+          </a:p>
+          <a:p>
+            <a:pPr lvl="0" indent="0" marL="0">
+              <a:buNone/>
+            </a:pPr>
+          </a:p>
+          <a:p>
+            <a:pPr lvl="0" indent="0" marL="0">
+              <a:buNone/>
+            </a:pPr>
+            <a:r>
+              <a:rPr/>
+              <a:t>Note: Each bootstrap sample might produce a different set of independent variables, so you can’t say anything directly about which variables help the most in predicting the outcome. You can’t get p-values or confidence intervals for individual independent variables. There are some indirect ways to assess this, but I will not talk about these.</a:t>
+            </a:r>
+          </a:p>
+        </p:txBody>
+      </p:sp>
+      <p:sp>
+        <p:nvSpPr>
+          <p:cNvPr id="4" name="Slide Number Placeholder 3"/>
+          <p:cNvSpPr>
+            <a:spLocks noGrp="1"/>
+          </p:cNvSpPr>
+          <p:nvPr>
+            <p:ph type="sldNum" sz="quarter" idx="10"/>
+          </p:nvPr>
+        </p:nvSpPr>
+        <p:spPr/>
+        <p:txBody>
+          <a:bodyPr/>
+          <a:lstStyle/>
+          <a:p>
+            <a:fld id="{18BDFEC3-8487-43E8-A154-7C12CBC1FFF2}" type="slidenum">
+              <a:rPr lang="en-US"/>
+              <a:t>20</a:t>
+            </a:fld>
+            <a:endParaRPr lang="en-US"/>
+          </a:p>
+        </p:txBody>
+      </p:sp>
+    </p:spTree>
+  </p:cSld>
+</p:notes>
+</file>
+
 <file path=ppt/notesSlides/notesSlide2.xml><?xml version="1.0" encoding="utf-8"?>
 <p:notes xmlns:a="http://schemas.openxmlformats.org/drawingml/2006/main" xmlns:r="http://schemas.openxmlformats.org/officeDocument/2006/relationships" xmlns:p="http://schemas.openxmlformats.org/presentationml/2006/main">
   <p:cSld>
@@ -1379,21 +1905,7 @@
             </a:pPr>
             <a:r>
               <a:rPr/>
-              <a:t>The jackknife, as called the “leave-one-out” method was proposed in 1949 as a method for estimating bias and calculating standard errors by Quenouille. It got the name “jackknife” by John Tukey because he felt it was a useful tool for a variety of settings.</a:t>
-            </a:r>
-          </a:p>
-          <a:p>
-            <a:pPr lvl="0" indent="0" marL="0">
-              <a:buNone/>
-            </a:pPr>
-          </a:p>
-          <a:p>
-            <a:pPr lvl="0" indent="0" marL="0">
-              <a:buNone/>
-            </a:pPr>
-            <a:r>
-              <a:rPr/>
-              <a:t>You create subsamples by leaving one data point out. With five data points, you have five subsamples.</a:t>
+              <a:t>The jackknife was first developed in 1949 by Maurice Quenouille and was extended to a more general setting by John Tukey in the 1950s. Dr. Tukey was fond of giving clever names to various statistical terms. He was the one, for example, who coined the term “bit” as a shorted form of binary digit. He chose the name “jackknife” for the Quenouille approach because the jackknife is an all-purpose tool.</a:t>
             </a:r>
           </a:p>
         </p:txBody>
@@ -1475,49 +1987,21 @@
             </a:pPr>
             <a:r>
               <a:rPr/>
-              <a:t>This image is from a White House ceremony where Bradley Efron received the President’s National Medal of Science. I was quite shocked when I found this picture a few days ago, and I’ve been trying to call Joe Biden ever since to see where my medal is. Seriously, you have to be a really special statistician to deserve an honor like this.</a:t>
-            </a:r>
-          </a:p>
-          <a:p>
-            <a:pPr lvl="0" indent="0" marL="0">
-              <a:buNone/>
-            </a:pPr>
-          </a:p>
-          <a:p>
-            <a:pPr lvl="0" indent="0" marL="0">
-              <a:buNone/>
-            </a:pPr>
-            <a:r>
-              <a:rPr/>
-              <a:t>Most of the information about Bradley Efron comes from</a:t>
-            </a:r>
-          </a:p>
-          <a:p>
-            <a:pPr lvl="0" indent="0" marL="0">
-              <a:buNone/>
-            </a:pPr>
-          </a:p>
-          <a:p>
-            <a:pPr lvl="0" indent="0" marL="0">
-              <a:buNone/>
-            </a:pPr>
-            <a:r>
-              <a:rPr/>
-              <a:t>Denise LaFontaine. The History of Bootstrapping: Tracing the Development of Resampling With Replacement. The Mathematics Enthusiast 2021, 18(1). Available in pdf format.</a:t>
-            </a:r>
-          </a:p>
-          <a:p>
-            <a:pPr lvl="0" indent="0" marL="0">
-              <a:buNone/>
-            </a:pPr>
-          </a:p>
-          <a:p>
-            <a:pPr lvl="0" indent="0" marL="0">
-              <a:buNone/>
-            </a:pPr>
-            <a:r>
-              <a:rPr/>
-              <a:t>Bradley Efron entered the PhD program in Statistics at Stanford University in 1960. He was influenced by one of the faculty at Stanford, Rupert Miller, who was working on establishing conditions under which the jackknife did or did not perform well. Shortly after graduating, Dr. Efron started working on an approach that would fix some of the shortcomings of the jackknife.</a:t>
+              <a:t>The jackknife, as called the “leave-one-out” method was proposed in 1949 as a method for estimating bias and calculating standard errors by Quenouille. It got the name “jackknife” by John Tukey because he felt it was a useful tool for a variety of settings.</a:t>
+            </a:r>
+          </a:p>
+          <a:p>
+            <a:pPr lvl="0" indent="0" marL="0">
+              <a:buNone/>
+            </a:pPr>
+          </a:p>
+          <a:p>
+            <a:pPr lvl="0" indent="0" marL="0">
+              <a:buNone/>
+            </a:pPr>
+            <a:r>
+              <a:rPr/>
+              <a:t>You create subsamples by leaving one data point out. With five data points, you have five subsamples.</a:t>
             </a:r>
           </a:p>
         </p:txBody>
@@ -1539,7 +2023,7 @@
           <a:p>
             <a:fld id="{18BDFEC3-8487-43E8-A154-7C12CBC1FFF2}" type="slidenum">
               <a:rPr lang="en-US"/>
-              <a:t>11</a:t>
+              <a:t>9</a:t>
             </a:fld>
             <a:endParaRPr lang="en-US"/>
           </a:p>
@@ -1599,7 +2083,49 @@
             </a:pPr>
             <a:r>
               <a:rPr/>
-              <a:t>This is a histogram of the 500 bootstrapped estimates of the mean absolute deviation. Notice that it is “patchy” and does not follow a smooth bell shaped curve. This is an important issue that we will address when computing confidence intervals.</a:t>
+              <a:t>This image is from a White House ceremony where Bradley Efron received the President’s National Medal of Science. I was quite shocked when I found this picture a few days ago, and I’ve been trying to call Joe Biden ever since to see where my medal is. Seriously, you have to be a really special statistician to deserve an honor like this.</a:t>
+            </a:r>
+          </a:p>
+          <a:p>
+            <a:pPr lvl="0" indent="0" marL="0">
+              <a:buNone/>
+            </a:pPr>
+          </a:p>
+          <a:p>
+            <a:pPr lvl="0" indent="0" marL="0">
+              <a:buNone/>
+            </a:pPr>
+            <a:r>
+              <a:rPr/>
+              <a:t>Most of the information about Bradley Efron comes from</a:t>
+            </a:r>
+          </a:p>
+          <a:p>
+            <a:pPr lvl="0" indent="0" marL="0">
+              <a:buNone/>
+            </a:pPr>
+          </a:p>
+          <a:p>
+            <a:pPr lvl="0" indent="0" marL="0">
+              <a:buNone/>
+            </a:pPr>
+            <a:r>
+              <a:rPr/>
+              <a:t>Denise LaFontaine. The History of Bootstrapping: Tracing the Development of Resampling With Replacement. The Mathematics Enthusiast 2021, 18(1). Available in pdf format.</a:t>
+            </a:r>
+          </a:p>
+          <a:p>
+            <a:pPr lvl="0" indent="0" marL="0">
+              <a:buNone/>
+            </a:pPr>
+          </a:p>
+          <a:p>
+            <a:pPr lvl="0" indent="0" marL="0">
+              <a:buNone/>
+            </a:pPr>
+            <a:r>
+              <a:rPr/>
+              <a:t>Bradley Efron entered the PhD program in Statistics at Stanford University in 1960. He was influenced by one of the faculty at Stanford, Rupert Miller, who was working on establishing conditions under which the jackknife did or did not perform well. Shortly after graduating, Dr. Efron started working on an approach that would fix some of the shortcomings of the jackknife.</a:t>
             </a:r>
           </a:p>
         </p:txBody>
@@ -1621,7 +2147,7 @@
           <a:p>
             <a:fld id="{18BDFEC3-8487-43E8-A154-7C12CBC1FFF2}" type="slidenum">
               <a:rPr lang="en-US"/>
-              <a:t>15</a:t>
+              <a:t>12</a:t>
             </a:fld>
             <a:endParaRPr lang="en-US"/>
           </a:p>
@@ -4728,3344 +5254,7 @@
             </a:pPr>
             <a:r>
               <a:rPr/>
-              <a:t>The jackknife (3/3)</a:t>
-            </a:r>
-          </a:p>
-        </p:txBody>
-      </p:sp>
-      <p:sp>
-        <p:nvSpPr>
-          <p:cNvPr id="3" name="Content Placeholder 2"/>
-          <p:cNvSpPr>
-            <a:spLocks noGrp="1"/>
-          </p:cNvSpPr>
-          <p:nvPr>
-            <p:ph idx="1"/>
-          </p:nvPr>
-        </p:nvSpPr>
-        <p:spPr/>
-        <p:txBody>
-          <a:bodyPr/>
-          <a:lstStyle/>
-          <a:p>
-            <a:pPr lvl="0"/>
-            <a:r>
-              <a:rPr/>
-              <a:t>MAD (Full sample) = 1.68</a:t>
-            </a:r>
-          </a:p>
-          <a:p>
-            <a:pPr lvl="0"/>
-            <a:r>
-              <a:rPr/>
-              <a:t>Average MAD (Jackknife subsamples) = 1.6</a:t>
-            </a:r>
-          </a:p>
-          <a:p>
-            <a:pPr lvl="0"/>
-            <a:r>
-              <a:rPr/>
-              <a:t>Standard deviation MAD (Jackknife subsamples) = 0.285</a:t>
-            </a:r>
-          </a:p>
-        </p:txBody>
-      </p:sp>
-    </p:spTree>
-  </p:cSld>
-</p:sld>
-</file>
-
-<file path=ppt/slides/slide11.xml><?xml version="1.0" encoding="utf-8"?>
-<p:sld xmlns:a="http://schemas.openxmlformats.org/drawingml/2006/main" xmlns:r="http://schemas.openxmlformats.org/officeDocument/2006/relationships" xmlns:p="http://schemas.openxmlformats.org/presentationml/2006/main">
-  <p:cSld>
-    <p:spTree>
-      <p:nvGrpSpPr>
-        <p:cNvPr id="1" name=""/>
-        <p:cNvGrpSpPr/>
-        <p:nvPr/>
-      </p:nvGrpSpPr>
-      <p:grpSpPr>
-        <a:xfrm>
-          <a:off x="0" y="0"/>
-          <a:ext cx="0" cy="0"/>
-          <a:chOff x="0" y="0"/>
-          <a:chExt cx="0" cy="0"/>
-        </a:xfrm>
-      </p:grpSpPr>
-      <p:sp>
-        <p:nvSpPr>
-          <p:cNvPr id="2" name="Title 1"/>
-          <p:cNvSpPr>
-            <a:spLocks noGrp="1"/>
-          </p:cNvSpPr>
-          <p:nvPr>
-            <p:ph type="title"/>
-          </p:nvPr>
-        </p:nvSpPr>
-        <p:spPr/>
-        <p:txBody>
-          <a:bodyPr/>
-          <a:lstStyle/>
-          <a:p>
-            <a:pPr lvl="0" indent="0" marL="0">
-              <a:buNone/>
-            </a:pPr>
-            <a:r>
-              <a:rPr/>
-              <a:t>Bradley Efron’s contribution (1/5)</a:t>
-            </a:r>
-          </a:p>
-        </p:txBody>
-      </p:sp>
-      <p:pic>
-        <p:nvPicPr>
-          <p:cNvPr descr="fig:  ../images/bradley-efron-02.jpg" id="0" name="Picture 1"/>
-          <p:cNvPicPr>
-            <a:picLocks noGrp="1" noChangeAspect="1"/>
-          </p:cNvPicPr>
-          <p:nvPr/>
-        </p:nvPicPr>
-        <p:blipFill>
-          <a:blip r:embed="rId3"/>
-          <a:stretch>
-            <a:fillRect/>
-          </a:stretch>
-        </p:blipFill>
-        <p:spPr bwMode="auto">
-          <a:xfrm>
-            <a:off x="2273300" y="1193800"/>
-            <a:ext cx="4584700" cy="2882900"/>
-          </a:xfrm>
-          <a:prstGeom prst="rect">
-            <a:avLst/>
-          </a:prstGeom>
-          <a:noFill/>
-          <a:ln w="9525">
-            <a:noFill/>
-            <a:headEnd/>
-            <a:tailEnd/>
-          </a:ln>
-        </p:spPr>
-      </p:pic>
-      <p:sp>
-        <p:nvSpPr>
-          <p:cNvPr id="1" name="TextBox 3"/>
-          <p:cNvSpPr txBox="1"/>
-          <p:nvPr/>
-        </p:nvSpPr>
-        <p:spPr>
-          <a:xfrm>
-            <a:off x="457200" y="4076700"/>
-            <a:ext cx="8229600" cy="508000"/>
-          </a:xfrm>
-          <a:prstGeom prst="rect">
-            <a:avLst/>
-          </a:prstGeom>
-          <a:noFill/>
-        </p:spPr>
-        <p:txBody>
-          <a:bodyPr/>
-          <a:lstStyle/>
-          <a:p>
-            <a:pPr lvl="0" indent="0" marL="0" algn="ctr">
-              <a:buNone/>
-            </a:pPr>
-            <a:r>
-              <a:rPr/>
-              <a:t>Figure 1. Photograph of Bradley Efron with President Bush</a:t>
-            </a:r>
-          </a:p>
-        </p:txBody>
-      </p:sp>
-    </p:spTree>
-  </p:cSld>
-</p:sld>
-</file>
-
-<file path=ppt/slides/slide12.xml><?xml version="1.0" encoding="utf-8"?>
-<p:sld xmlns:a="http://schemas.openxmlformats.org/drawingml/2006/main" xmlns:r="http://schemas.openxmlformats.org/officeDocument/2006/relationships" xmlns:p="http://schemas.openxmlformats.org/presentationml/2006/main">
-  <p:cSld>
-    <p:spTree>
-      <p:nvGrpSpPr>
-        <p:cNvPr id="1" name=""/>
-        <p:cNvGrpSpPr/>
-        <p:nvPr/>
-      </p:nvGrpSpPr>
-      <p:grpSpPr>
-        <a:xfrm>
-          <a:off x="0" y="0"/>
-          <a:ext cx="0" cy="0"/>
-          <a:chOff x="0" y="0"/>
-          <a:chExt cx="0" cy="0"/>
-        </a:xfrm>
-      </p:grpSpPr>
-      <p:sp>
-        <p:nvSpPr>
-          <p:cNvPr id="2" name="Title 1"/>
-          <p:cNvSpPr>
-            <a:spLocks noGrp="1"/>
-          </p:cNvSpPr>
-          <p:nvPr>
-            <p:ph type="title"/>
-          </p:nvPr>
-        </p:nvSpPr>
-        <p:spPr/>
-        <p:txBody>
-          <a:bodyPr/>
-          <a:lstStyle/>
-          <a:p>
-            <a:pPr lvl="0" indent="0" marL="0">
-              <a:buNone/>
-            </a:pPr>
-            <a:r>
-              <a:rPr/>
-              <a:t>Bradley Efron’s contribution (2/5)</a:t>
-            </a:r>
-          </a:p>
-        </p:txBody>
-      </p:sp>
-      <p:sp>
-        <p:nvSpPr>
-          <p:cNvPr id="3" name="Content Placeholder 2"/>
-          <p:cNvSpPr>
-            <a:spLocks noGrp="1"/>
-          </p:cNvSpPr>
-          <p:nvPr>
-            <p:ph idx="1"/>
-          </p:nvPr>
-        </p:nvSpPr>
-        <p:spPr/>
-        <p:txBody>
-          <a:bodyPr/>
-          <a:lstStyle/>
-          <a:p>
-            <a:pPr lvl="0" indent="0" marL="0">
-              <a:buNone/>
-            </a:pPr>
-            <a:r>
-              <a:rPr/>
-              <a:t>The bootstrap sample=sampling with replacement.</a:t>
-            </a:r>
-          </a:p>
-          <a:p>
-            <a:pPr lvl="0" indent="0" marL="0">
-              <a:buNone/>
-            </a:pPr>
-            <a:r>
-              <a:rPr/>
-              <a:t>Bootstrap sample #1: (7, 2, 5, 3, 5)</a:t>
-            </a:r>
-          </a:p>
-          <a:p>
-            <a:pPr lvl="0" indent="0" marL="0">
-              <a:buNone/>
-            </a:pPr>
-            <a:r>
-              <a:rPr/>
-              <a:t>Bootstrap sample #2: (5, 7, 3, 5, 7)</a:t>
-            </a:r>
-          </a:p>
-          <a:p>
-            <a:pPr lvl="0" indent="0" marL="0">
-              <a:buNone/>
-            </a:pPr>
-            <a:r>
-              <a:rPr/>
-              <a:t>Bootstrap sample #3: (7, 2, 2, 2, 2)</a:t>
-            </a:r>
-          </a:p>
-          <a:p>
-            <a:pPr lvl="0" indent="0" marL="0">
-              <a:buNone/>
-            </a:pPr>
-            <a:r>
-              <a:rPr/>
-              <a:t>…</a:t>
-            </a:r>
-          </a:p>
-          <a:p>
-            <a:pPr lvl="0" indent="0" marL="0">
-              <a:buNone/>
-            </a:pPr>
-            <a:r>
-              <a:rPr/>
-              <a:t>Bootstrap sample #500: (7, 7, 3, 2, 7)</a:t>
-            </a:r>
-          </a:p>
-        </p:txBody>
-      </p:sp>
-    </p:spTree>
-  </p:cSld>
-</p:sld>
-</file>
-
-<file path=ppt/slides/slide13.xml><?xml version="1.0" encoding="utf-8"?>
-<p:sld xmlns:a="http://schemas.openxmlformats.org/drawingml/2006/main" xmlns:r="http://schemas.openxmlformats.org/officeDocument/2006/relationships" xmlns:p="http://schemas.openxmlformats.org/presentationml/2006/main">
-  <p:cSld>
-    <p:spTree>
-      <p:nvGrpSpPr>
-        <p:cNvPr id="1" name=""/>
-        <p:cNvGrpSpPr/>
-        <p:nvPr/>
-      </p:nvGrpSpPr>
-      <p:grpSpPr>
-        <a:xfrm>
-          <a:off x="0" y="0"/>
-          <a:ext cx="0" cy="0"/>
-          <a:chOff x="0" y="0"/>
-          <a:chExt cx="0" cy="0"/>
-        </a:xfrm>
-      </p:grpSpPr>
-      <p:sp>
-        <p:nvSpPr>
-          <p:cNvPr id="2" name="Title 1"/>
-          <p:cNvSpPr>
-            <a:spLocks noGrp="1"/>
-          </p:cNvSpPr>
-          <p:nvPr>
-            <p:ph type="title"/>
-          </p:nvPr>
-        </p:nvSpPr>
-        <p:spPr/>
-        <p:txBody>
-          <a:bodyPr/>
-          <a:lstStyle/>
-          <a:p>
-            <a:pPr lvl="0" indent="0" marL="0">
-              <a:buNone/>
-            </a:pPr>
-            <a:r>
-              <a:rPr/>
-              <a:t>Bradley Efron’s contribution (3/5)</a:t>
-            </a:r>
-          </a:p>
-        </p:txBody>
-      </p:sp>
-      <p:sp>
-        <p:nvSpPr>
-          <p:cNvPr id="3" name="Content Placeholder 2"/>
-          <p:cNvSpPr>
-            <a:spLocks noGrp="1"/>
-          </p:cNvSpPr>
-          <p:nvPr>
-            <p:ph idx="1"/>
-          </p:nvPr>
-        </p:nvSpPr>
-        <p:spPr/>
-        <p:txBody>
-          <a:bodyPr/>
-          <a:lstStyle/>
-          <a:p>
-            <a:pPr lvl="0" indent="0" marL="0">
-              <a:buNone/>
-            </a:pPr>
-            <a:r>
-              <a:rPr/>
-              <a:t>MAD(7, 2, 5, 3, 5) = 1.52</a:t>
-            </a:r>
-          </a:p>
-          <a:p>
-            <a:pPr lvl="0" indent="0" marL="0">
-              <a:buNone/>
-            </a:pPr>
-            <a:r>
-              <a:rPr/>
-              <a:t>MAD(5, 7, 3, 5, 7) = 1.28</a:t>
-            </a:r>
-          </a:p>
-          <a:p>
-            <a:pPr lvl="0" indent="0" marL="0">
-              <a:buNone/>
-            </a:pPr>
-            <a:r>
-              <a:rPr/>
-              <a:t>MAD(7, 2, 2, 2, 2) = 1.6</a:t>
-            </a:r>
-          </a:p>
-          <a:p>
-            <a:pPr lvl="0" indent="0" marL="0">
-              <a:buNone/>
-            </a:pPr>
-            <a:r>
-              <a:rPr/>
-              <a:t>…</a:t>
-            </a:r>
-          </a:p>
-          <a:p>
-            <a:pPr lvl="0" indent="0" marL="0">
-              <a:buNone/>
-            </a:pPr>
-            <a:r>
-              <a:rPr/>
-              <a:t>MAD(7, 7, 3, 2, 7) = 2.16</a:t>
-            </a:r>
-          </a:p>
-        </p:txBody>
-      </p:sp>
-    </p:spTree>
-  </p:cSld>
-</p:sld>
-</file>
-
-<file path=ppt/slides/slide14.xml><?xml version="1.0" encoding="utf-8"?>
-<p:sld xmlns:a="http://schemas.openxmlformats.org/drawingml/2006/main" xmlns:r="http://schemas.openxmlformats.org/officeDocument/2006/relationships" xmlns:p="http://schemas.openxmlformats.org/presentationml/2006/main">
-  <p:cSld>
-    <p:spTree>
-      <p:nvGrpSpPr>
-        <p:cNvPr id="1" name=""/>
-        <p:cNvGrpSpPr/>
-        <p:nvPr/>
-      </p:nvGrpSpPr>
-      <p:grpSpPr>
-        <a:xfrm>
-          <a:off x="0" y="0"/>
-          <a:ext cx="0" cy="0"/>
-          <a:chOff x="0" y="0"/>
-          <a:chExt cx="0" cy="0"/>
-        </a:xfrm>
-      </p:grpSpPr>
-      <p:sp>
-        <p:nvSpPr>
-          <p:cNvPr id="2" name="Title 1"/>
-          <p:cNvSpPr>
-            <a:spLocks noGrp="1"/>
-          </p:cNvSpPr>
-          <p:nvPr>
-            <p:ph type="title"/>
-          </p:nvPr>
-        </p:nvSpPr>
-        <p:spPr/>
-        <p:txBody>
-          <a:bodyPr/>
-          <a:lstStyle/>
-          <a:p>
-            <a:pPr lvl="0" indent="0" marL="0">
-              <a:buNone/>
-            </a:pPr>
-            <a:r>
-              <a:rPr/>
-              <a:t>Bradley Efron’s contribution (4/5)</a:t>
-            </a:r>
-          </a:p>
-        </p:txBody>
-      </p:sp>
-      <p:sp>
-        <p:nvSpPr>
-          <p:cNvPr id="3" name="Content Placeholder 2"/>
-          <p:cNvSpPr>
-            <a:spLocks noGrp="1"/>
-          </p:cNvSpPr>
-          <p:nvPr>
-            <p:ph idx="1"/>
-          </p:nvPr>
-        </p:nvSpPr>
-        <p:spPr/>
-        <p:txBody>
-          <a:bodyPr/>
-          <a:lstStyle/>
-          <a:p>
-            <a:pPr lvl="0"/>
-            <a:r>
-              <a:rPr/>
-              <a:t>MAD (Full sample) = 1.68</a:t>
-            </a:r>
-          </a:p>
-          <a:p>
-            <a:pPr lvl="0"/>
-            <a:r>
-              <a:rPr/>
-              <a:t>Average MAD (Bootstrap samples) = 1.405</a:t>
-            </a:r>
-          </a:p>
-          <a:p>
-            <a:pPr lvl="0"/>
-            <a:r>
-              <a:rPr/>
-              <a:t>Standard deviation MAD (Bootstrap samples) = 0.461</a:t>
-            </a:r>
-          </a:p>
-        </p:txBody>
-      </p:sp>
-    </p:spTree>
-  </p:cSld>
-</p:sld>
-</file>
-
-<file path=ppt/slides/slide15.xml><?xml version="1.0" encoding="utf-8"?>
-<p:sld xmlns:a="http://schemas.openxmlformats.org/drawingml/2006/main" xmlns:r="http://schemas.openxmlformats.org/officeDocument/2006/relationships" xmlns:p="http://schemas.openxmlformats.org/presentationml/2006/main">
-  <p:cSld>
-    <p:spTree>
-      <p:nvGrpSpPr>
-        <p:cNvPr id="1" name=""/>
-        <p:cNvGrpSpPr/>
-        <p:nvPr/>
-      </p:nvGrpSpPr>
-      <p:grpSpPr>
-        <a:xfrm>
-          <a:off x="0" y="0"/>
-          <a:ext cx="0" cy="0"/>
-          <a:chOff x="0" y="0"/>
-          <a:chExt cx="0" cy="0"/>
-        </a:xfrm>
-      </p:grpSpPr>
-      <p:sp>
-        <p:nvSpPr>
-          <p:cNvPr id="2" name="Title 1"/>
-          <p:cNvSpPr>
-            <a:spLocks noGrp="1"/>
-          </p:cNvSpPr>
-          <p:nvPr>
-            <p:ph type="title"/>
-          </p:nvPr>
-        </p:nvSpPr>
-        <p:spPr/>
-        <p:txBody>
-          <a:bodyPr/>
-          <a:lstStyle/>
-          <a:p>
-            <a:pPr lvl="0" indent="0" marL="0">
-              <a:buNone/>
-            </a:pPr>
-            <a:r>
-              <a:rPr/>
-              <a:t>Bradley Efron’s contribution (5/5)</a:t>
-            </a:r>
-          </a:p>
-        </p:txBody>
-      </p:sp>
-      <p:pic>
-        <p:nvPicPr>
-          <p:cNvPr descr="fig:  ../images/histogram01.png" id="0" name="Picture 1"/>
-          <p:cNvPicPr>
-            <a:picLocks noGrp="1" noChangeAspect="1"/>
-          </p:cNvPicPr>
-          <p:nvPr/>
-        </p:nvPicPr>
-        <p:blipFill>
-          <a:blip r:embed="rId3"/>
-          <a:stretch>
-            <a:fillRect/>
-          </a:stretch>
-        </p:blipFill>
-        <p:spPr bwMode="auto">
-          <a:xfrm>
-            <a:off x="3124200" y="1193800"/>
-            <a:ext cx="2882900" cy="2882900"/>
-          </a:xfrm>
-          <a:prstGeom prst="rect">
-            <a:avLst/>
-          </a:prstGeom>
-          <a:noFill/>
-          <a:ln w="9525">
-            <a:noFill/>
-            <a:headEnd/>
-            <a:tailEnd/>
-          </a:ln>
-        </p:spPr>
-      </p:pic>
-      <p:sp>
-        <p:nvSpPr>
-          <p:cNvPr id="1" name="TextBox 3"/>
-          <p:cNvSpPr txBox="1"/>
-          <p:nvPr/>
-        </p:nvSpPr>
-        <p:spPr>
-          <a:xfrm>
-            <a:off x="457200" y="4076700"/>
-            <a:ext cx="8229600" cy="508000"/>
-          </a:xfrm>
-          <a:prstGeom prst="rect">
-            <a:avLst/>
-          </a:prstGeom>
-          <a:noFill/>
-        </p:spPr>
-        <p:txBody>
-          <a:bodyPr/>
-          <a:lstStyle/>
-          <a:p>
-            <a:pPr lvl="0" indent="0" marL="0" algn="ctr">
-              <a:buNone/>
-            </a:pPr>
-            <a:r>
-              <a:rPr/>
-              <a:t>Figure 1. Histogram of bootstrapped estimates</a:t>
-            </a:r>
-          </a:p>
-        </p:txBody>
-      </p:sp>
-    </p:spTree>
-  </p:cSld>
-</p:sld>
-</file>
-
-<file path=ppt/slides/slide16.xml><?xml version="1.0" encoding="utf-8"?>
-<p:sld xmlns:a="http://schemas.openxmlformats.org/drawingml/2006/main" xmlns:r="http://schemas.openxmlformats.org/officeDocument/2006/relationships" xmlns:p="http://schemas.openxmlformats.org/presentationml/2006/main">
-  <p:cSld>
-    <p:spTree>
-      <p:nvGrpSpPr>
-        <p:cNvPr id="1" name=""/>
-        <p:cNvGrpSpPr/>
-        <p:nvPr/>
-      </p:nvGrpSpPr>
-      <p:grpSpPr>
-        <a:xfrm>
-          <a:off x="0" y="0"/>
-          <a:ext cx="0" cy="0"/>
-          <a:chOff x="0" y="0"/>
-          <a:chExt cx="0" cy="0"/>
-        </a:xfrm>
-      </p:grpSpPr>
-      <p:sp>
-        <p:nvSpPr>
-          <p:cNvPr id="2" name="Title 1"/>
-          <p:cNvSpPr>
-            <a:spLocks noGrp="1"/>
-          </p:cNvSpPr>
-          <p:nvPr>
-            <p:ph type="title"/>
-          </p:nvPr>
-        </p:nvSpPr>
-        <p:spPr/>
-        <p:txBody>
-          <a:bodyPr/>
-          <a:lstStyle/>
-          <a:p>
-            <a:pPr lvl="0" indent="0" marL="0">
-              <a:buNone/>
-            </a:pPr>
-            <a:r>
-              <a:rPr/>
-              <a:t>Bagging</a:t>
-            </a:r>
-          </a:p>
-        </p:txBody>
-      </p:sp>
-    </p:spTree>
-  </p:cSld>
-</p:sld>
-</file>
-
-<file path=ppt/slides/slide17.xml><?xml version="1.0" encoding="utf-8"?>
-<p:sld xmlns:a="http://schemas.openxmlformats.org/drawingml/2006/main" xmlns:r="http://schemas.openxmlformats.org/officeDocument/2006/relationships" xmlns:p="http://schemas.openxmlformats.org/presentationml/2006/main">
-  <p:cSld>
-    <p:spTree>
-      <p:nvGrpSpPr>
-        <p:cNvPr id="1" name=""/>
-        <p:cNvGrpSpPr/>
-        <p:nvPr/>
-      </p:nvGrpSpPr>
-      <p:grpSpPr>
-        <a:xfrm>
-          <a:off x="0" y="0"/>
-          <a:ext cx="0" cy="0"/>
-          <a:chOff x="0" y="0"/>
-          <a:chExt cx="0" cy="0"/>
-        </a:xfrm>
-      </p:grpSpPr>
-      <p:sp>
-        <p:nvSpPr>
-          <p:cNvPr id="2" name="Title 1"/>
-          <p:cNvSpPr>
-            <a:spLocks noGrp="1"/>
-          </p:cNvSpPr>
-          <p:nvPr>
-            <p:ph type="title"/>
-          </p:nvPr>
-        </p:nvSpPr>
-        <p:spPr/>
-        <p:txBody>
-          <a:bodyPr/>
-          <a:lstStyle/>
-          <a:p>
-            <a:pPr lvl="0" indent="0" marL="0">
-              <a:buNone/>
-            </a:pPr>
-            <a:r>
-              <a:rPr/>
-              <a:t>Break #1</a:t>
-            </a:r>
-          </a:p>
-        </p:txBody>
-      </p:sp>
-      <p:sp>
-        <p:nvSpPr>
-          <p:cNvPr id="3" name="Content Placeholder 2"/>
-          <p:cNvSpPr>
-            <a:spLocks noGrp="1"/>
-          </p:cNvSpPr>
-          <p:nvPr>
-            <p:ph idx="1"/>
-          </p:nvPr>
-        </p:nvSpPr>
-        <p:spPr/>
-        <p:txBody>
-          <a:bodyPr/>
-          <a:lstStyle/>
-          <a:p>
-            <a:pPr lvl="0"/>
-            <a:r>
-              <a:rPr/>
-              <a:t>What have you learned</a:t>
-            </a:r>
-          </a:p>
-          <a:p>
-            <a:pPr lvl="1"/>
-            <a:r>
-              <a:rPr/>
-              <a:t>History of the bootstrap</a:t>
-            </a:r>
-          </a:p>
-          <a:p>
-            <a:pPr lvl="0"/>
-            <a:r>
-              <a:rPr/>
-              <a:t>What’s coming next</a:t>
-            </a:r>
-          </a:p>
-          <a:p>
-            <a:pPr lvl="1"/>
-            <a:r>
-              <a:rPr/>
-              <a:t>Reasons for using the bootstrap</a:t>
-            </a:r>
-          </a:p>
-        </p:txBody>
-      </p:sp>
-    </p:spTree>
-  </p:cSld>
-</p:sld>
-</file>
-
-<file path=ppt/slides/slide18.xml><?xml version="1.0" encoding="utf-8"?>
-<p:sld xmlns:a="http://schemas.openxmlformats.org/drawingml/2006/main" xmlns:r="http://schemas.openxmlformats.org/officeDocument/2006/relationships" xmlns:p="http://schemas.openxmlformats.org/presentationml/2006/main">
-  <p:cSld>
-    <p:spTree>
-      <p:nvGrpSpPr>
-        <p:cNvPr id="1" name=""/>
-        <p:cNvGrpSpPr/>
-        <p:nvPr/>
-      </p:nvGrpSpPr>
-      <p:grpSpPr>
-        <a:xfrm>
-          <a:off x="0" y="0"/>
-          <a:ext cx="0" cy="0"/>
-          <a:chOff x="0" y="0"/>
-          <a:chExt cx="0" cy="0"/>
-        </a:xfrm>
-      </p:grpSpPr>
-      <p:sp>
-        <p:nvSpPr>
-          <p:cNvPr id="2" name="Title 1"/>
-          <p:cNvSpPr>
-            <a:spLocks noGrp="1"/>
-          </p:cNvSpPr>
-          <p:nvPr>
-            <p:ph type="title"/>
-          </p:nvPr>
-        </p:nvSpPr>
-        <p:spPr/>
-        <p:txBody>
-          <a:bodyPr/>
-          <a:lstStyle/>
-          <a:p>
-            <a:pPr lvl="0" indent="0" marL="0">
-              <a:buNone/>
-            </a:pPr>
-            <a:r>
-              <a:rPr/>
-              <a:t>Reasons for using the bootstrap</a:t>
-            </a:r>
-          </a:p>
-        </p:txBody>
-      </p:sp>
-      <p:sp>
-        <p:nvSpPr>
-          <p:cNvPr id="3" name="Content Placeholder 2"/>
-          <p:cNvSpPr>
-            <a:spLocks noGrp="1"/>
-          </p:cNvSpPr>
-          <p:nvPr>
-            <p:ph idx="1"/>
-          </p:nvPr>
-        </p:nvSpPr>
-        <p:spPr/>
-        <p:txBody>
-          <a:bodyPr/>
-          <a:lstStyle/>
-          <a:p>
-            <a:pPr lvl="0"/>
-            <a:r>
-              <a:rPr/>
-              <a:t>Estimate bias</a:t>
-            </a:r>
-          </a:p>
-          <a:p>
-            <a:pPr lvl="0"/>
-            <a:r>
-              <a:rPr/>
-              <a:t>Calculate standard errors</a:t>
-            </a:r>
-          </a:p>
-          <a:p>
-            <a:pPr lvl="0"/>
-            <a:r>
-              <a:rPr/>
-              <a:t>Compute confidence intervals</a:t>
-            </a:r>
-          </a:p>
-          <a:p>
-            <a:pPr lvl="0"/>
-            <a:r>
-              <a:rPr/>
-              <a:t>Test hypotheses</a:t>
-            </a:r>
-          </a:p>
-        </p:txBody>
-      </p:sp>
-    </p:spTree>
-  </p:cSld>
-</p:sld>
-</file>
-
-<file path=ppt/slides/slide19.xml><?xml version="1.0" encoding="utf-8"?>
-<p:sld xmlns:a="http://schemas.openxmlformats.org/drawingml/2006/main" xmlns:r="http://schemas.openxmlformats.org/officeDocument/2006/relationships" xmlns:p="http://schemas.openxmlformats.org/presentationml/2006/main">
-  <p:cSld>
-    <p:spTree>
-      <p:nvGrpSpPr>
-        <p:cNvPr id="1" name=""/>
-        <p:cNvGrpSpPr/>
-        <p:nvPr/>
-      </p:nvGrpSpPr>
-      <p:grpSpPr>
-        <a:xfrm>
-          <a:off x="0" y="0"/>
-          <a:ext cx="0" cy="0"/>
-          <a:chOff x="0" y="0"/>
-          <a:chExt cx="0" cy="0"/>
-        </a:xfrm>
-      </p:grpSpPr>
-      <p:sp>
-        <p:nvSpPr>
-          <p:cNvPr id="2" name="Title 1"/>
-          <p:cNvSpPr>
-            <a:spLocks noGrp="1"/>
-          </p:cNvSpPr>
-          <p:nvPr>
-            <p:ph type="title"/>
-          </p:nvPr>
-        </p:nvSpPr>
-        <p:spPr/>
-        <p:txBody>
-          <a:bodyPr/>
-          <a:lstStyle/>
-          <a:p>
-            <a:pPr lvl="0" indent="0" marL="0">
-              <a:buNone/>
-            </a:pPr>
-            <a:r>
-              <a:rPr/>
-              <a:t>Estimate bias</a:t>
-            </a:r>
-          </a:p>
-        </p:txBody>
-      </p:sp>
-    </p:spTree>
-  </p:cSld>
-</p:sld>
-</file>
-
-<file path=ppt/slides/slide2.xml><?xml version="1.0" encoding="utf-8"?>
-<p:sld xmlns:a="http://schemas.openxmlformats.org/drawingml/2006/main" xmlns:r="http://schemas.openxmlformats.org/officeDocument/2006/relationships" xmlns:p="http://schemas.openxmlformats.org/presentationml/2006/main">
-  <p:cSld>
-    <p:spTree>
-      <p:nvGrpSpPr>
-        <p:cNvPr id="1" name=""/>
-        <p:cNvGrpSpPr/>
-        <p:nvPr/>
-      </p:nvGrpSpPr>
-      <p:grpSpPr>
-        <a:xfrm>
-          <a:off x="0" y="0"/>
-          <a:ext cx="0" cy="0"/>
-          <a:chOff x="0" y="0"/>
-          <a:chExt cx="0" cy="0"/>
-        </a:xfrm>
-      </p:grpSpPr>
-      <p:sp>
-        <p:nvSpPr>
-          <p:cNvPr id="2" name="Title 1"/>
-          <p:cNvSpPr>
-            <a:spLocks noGrp="1"/>
-          </p:cNvSpPr>
-          <p:nvPr>
-            <p:ph type="title"/>
-          </p:nvPr>
-        </p:nvSpPr>
-        <p:spPr/>
-        <p:txBody>
-          <a:bodyPr/>
-          <a:lstStyle/>
-          <a:p>
-            <a:pPr lvl="0" indent="0" marL="0">
-              <a:buNone/>
-            </a:pPr>
-            <a:r>
-              <a:rPr/>
-              <a:t>Outline</a:t>
-            </a:r>
-          </a:p>
-        </p:txBody>
-      </p:sp>
-      <p:sp>
-        <p:nvSpPr>
-          <p:cNvPr id="3" name="Content Placeholder 2"/>
-          <p:cNvSpPr>
-            <a:spLocks noGrp="1"/>
-          </p:cNvSpPr>
-          <p:nvPr>
-            <p:ph idx="1"/>
-          </p:nvPr>
-        </p:nvSpPr>
-        <p:spPr/>
-        <p:txBody>
-          <a:bodyPr/>
-          <a:lstStyle/>
-          <a:p>
-            <a:pPr lvl="0"/>
-            <a:r>
-              <a:rPr/>
-              <a:t>History</a:t>
-            </a:r>
-          </a:p>
-          <a:p>
-            <a:pPr lvl="1"/>
-            <a:r>
-              <a:rPr/>
-              <a:t>The jackknife</a:t>
-            </a:r>
-          </a:p>
-          <a:p>
-            <a:pPr lvl="1"/>
-            <a:r>
-              <a:rPr/>
-              <a:t>Bradley Efron’s work</a:t>
-            </a:r>
-          </a:p>
-          <a:p>
-            <a:pPr lvl="1"/>
-            <a:r>
-              <a:rPr/>
-              <a:t>Bagging</a:t>
-            </a:r>
-          </a:p>
-          <a:p>
-            <a:pPr lvl="0"/>
-            <a:r>
-              <a:rPr/>
-              <a:t>Purpose</a:t>
-            </a:r>
-          </a:p>
-          <a:p>
-            <a:pPr lvl="1"/>
-            <a:r>
-              <a:rPr/>
-              <a:t>Estimate bias</a:t>
-            </a:r>
-          </a:p>
-          <a:p>
-            <a:pPr lvl="1"/>
-            <a:r>
-              <a:rPr/>
-              <a:t>Calculate standard errors</a:t>
-            </a:r>
-          </a:p>
-          <a:p>
-            <a:pPr lvl="1"/>
-            <a:r>
-              <a:rPr/>
-              <a:t>Compute confidence intervals</a:t>
-            </a:r>
-          </a:p>
-          <a:p>
-            <a:pPr lvl="1"/>
-            <a:r>
-              <a:rPr/>
-              <a:t>Test hypotheses</a:t>
-            </a:r>
-          </a:p>
-          <a:p>
-            <a:pPr lvl="0"/>
-            <a:r>
-              <a:rPr/>
-              <a:t>Resampling mechanics</a:t>
-            </a:r>
-          </a:p>
-          <a:p>
-            <a:pPr lvl="0"/>
-            <a:r>
-              <a:rPr/>
-              <a:t>Calculations</a:t>
-            </a:r>
-          </a:p>
-          <a:p>
-            <a:pPr lvl="1"/>
-            <a:r>
-              <a:rPr/>
-              <a:t>Bias</a:t>
-            </a:r>
-          </a:p>
-          <a:p>
-            <a:pPr lvl="1"/>
-            <a:r>
-              <a:rPr/>
-              <a:t>Standard error</a:t>
-            </a:r>
-          </a:p>
-          <a:p>
-            <a:pPr lvl="1"/>
-            <a:r>
-              <a:rPr/>
-              <a:t>Percentile confidence interval</a:t>
-            </a:r>
-          </a:p>
-          <a:p>
-            <a:pPr lvl="1"/>
-            <a:r>
-              <a:rPr/>
-              <a:t>Bias corrected intervals</a:t>
-            </a:r>
-          </a:p>
-          <a:p>
-            <a:pPr lvl="0"/>
-            <a:r>
-              <a:rPr/>
-              <a:t>Software</a:t>
-            </a:r>
-          </a:p>
-          <a:p>
-            <a:pPr lvl="1"/>
-            <a:r>
-              <a:rPr/>
-              <a:t>SAS</a:t>
-            </a:r>
-          </a:p>
-          <a:p>
-            <a:pPr lvl="1"/>
-            <a:r>
-              <a:rPr/>
-              <a:t>Stata</a:t>
-            </a:r>
-          </a:p>
-          <a:p>
-            <a:pPr lvl="1"/>
-            <a:r>
-              <a:rPr/>
-              <a:t>R</a:t>
-            </a:r>
-          </a:p>
-        </p:txBody>
-      </p:sp>
-    </p:spTree>
-  </p:cSld>
-</p:sld>
-</file>
-
-<file path=ppt/slides/slide20.xml><?xml version="1.0" encoding="utf-8"?>
-<p:sld xmlns:a="http://schemas.openxmlformats.org/drawingml/2006/main" xmlns:r="http://schemas.openxmlformats.org/officeDocument/2006/relationships" xmlns:p="http://schemas.openxmlformats.org/presentationml/2006/main">
-  <p:cSld>
-    <p:spTree>
-      <p:nvGrpSpPr>
-        <p:cNvPr id="1" name=""/>
-        <p:cNvGrpSpPr/>
-        <p:nvPr/>
-      </p:nvGrpSpPr>
-      <p:grpSpPr>
-        <a:xfrm>
-          <a:off x="0" y="0"/>
-          <a:ext cx="0" cy="0"/>
-          <a:chOff x="0" y="0"/>
-          <a:chExt cx="0" cy="0"/>
-        </a:xfrm>
-      </p:grpSpPr>
-      <p:sp>
-        <p:nvSpPr>
-          <p:cNvPr id="2" name="Title 1"/>
-          <p:cNvSpPr>
-            <a:spLocks noGrp="1"/>
-          </p:cNvSpPr>
-          <p:nvPr>
-            <p:ph type="title"/>
-          </p:nvPr>
-        </p:nvSpPr>
-        <p:spPr/>
-        <p:txBody>
-          <a:bodyPr/>
-          <a:lstStyle/>
-          <a:p>
-            <a:pPr lvl="0" indent="0" marL="0">
-              <a:buNone/>
-            </a:pPr>
-            <a:r>
-              <a:rPr/>
-              <a:t>Calculate standard errors</a:t>
-            </a:r>
-          </a:p>
-        </p:txBody>
-      </p:sp>
-    </p:spTree>
-  </p:cSld>
-</p:sld>
-</file>
-
-<file path=ppt/slides/slide21.xml><?xml version="1.0" encoding="utf-8"?>
-<p:sld xmlns:a="http://schemas.openxmlformats.org/drawingml/2006/main" xmlns:r="http://schemas.openxmlformats.org/officeDocument/2006/relationships" xmlns:p="http://schemas.openxmlformats.org/presentationml/2006/main">
-  <p:cSld>
-    <p:spTree>
-      <p:nvGrpSpPr>
-        <p:cNvPr id="1" name=""/>
-        <p:cNvGrpSpPr/>
-        <p:nvPr/>
-      </p:nvGrpSpPr>
-      <p:grpSpPr>
-        <a:xfrm>
-          <a:off x="0" y="0"/>
-          <a:ext cx="0" cy="0"/>
-          <a:chOff x="0" y="0"/>
-          <a:chExt cx="0" cy="0"/>
-        </a:xfrm>
-      </p:grpSpPr>
-      <p:sp>
-        <p:nvSpPr>
-          <p:cNvPr id="2" name="Title 1"/>
-          <p:cNvSpPr>
-            <a:spLocks noGrp="1"/>
-          </p:cNvSpPr>
-          <p:nvPr>
-            <p:ph type="title"/>
-          </p:nvPr>
-        </p:nvSpPr>
-        <p:spPr/>
-        <p:txBody>
-          <a:bodyPr/>
-          <a:lstStyle/>
-          <a:p>
-            <a:pPr lvl="0" indent="0" marL="0">
-              <a:buNone/>
-            </a:pPr>
-            <a:r>
-              <a:rPr/>
-              <a:t>Compute confidence intervals</a:t>
-            </a:r>
-          </a:p>
-        </p:txBody>
-      </p:sp>
-    </p:spTree>
-  </p:cSld>
-</p:sld>
-</file>
-
-<file path=ppt/slides/slide22.xml><?xml version="1.0" encoding="utf-8"?>
-<p:sld xmlns:a="http://schemas.openxmlformats.org/drawingml/2006/main" xmlns:r="http://schemas.openxmlformats.org/officeDocument/2006/relationships" xmlns:p="http://schemas.openxmlformats.org/presentationml/2006/main">
-  <p:cSld>
-    <p:spTree>
-      <p:nvGrpSpPr>
-        <p:cNvPr id="1" name=""/>
-        <p:cNvGrpSpPr/>
-        <p:nvPr/>
-      </p:nvGrpSpPr>
-      <p:grpSpPr>
-        <a:xfrm>
-          <a:off x="0" y="0"/>
-          <a:ext cx="0" cy="0"/>
-          <a:chOff x="0" y="0"/>
-          <a:chExt cx="0" cy="0"/>
-        </a:xfrm>
-      </p:grpSpPr>
-      <p:sp>
-        <p:nvSpPr>
-          <p:cNvPr id="2" name="Title 1"/>
-          <p:cNvSpPr>
-            <a:spLocks noGrp="1"/>
-          </p:cNvSpPr>
-          <p:nvPr>
-            <p:ph type="title"/>
-          </p:nvPr>
-        </p:nvSpPr>
-        <p:spPr/>
-        <p:txBody>
-          <a:bodyPr/>
-          <a:lstStyle/>
-          <a:p>
-            <a:pPr lvl="0" indent="0" marL="0">
-              <a:buNone/>
-            </a:pPr>
-            <a:r>
-              <a:rPr/>
-              <a:t>Test hypotheses</a:t>
-            </a:r>
-          </a:p>
-        </p:txBody>
-      </p:sp>
-    </p:spTree>
-  </p:cSld>
-</p:sld>
-</file>
-
-<file path=ppt/slides/slide23.xml><?xml version="1.0" encoding="utf-8"?>
-<p:sld xmlns:a="http://schemas.openxmlformats.org/drawingml/2006/main" xmlns:r="http://schemas.openxmlformats.org/officeDocument/2006/relationships" xmlns:p="http://schemas.openxmlformats.org/presentationml/2006/main">
-  <p:cSld>
-    <p:spTree>
-      <p:nvGrpSpPr>
-        <p:cNvPr id="1" name=""/>
-        <p:cNvGrpSpPr/>
-        <p:nvPr/>
-      </p:nvGrpSpPr>
-      <p:grpSpPr>
-        <a:xfrm>
-          <a:off x="0" y="0"/>
-          <a:ext cx="0" cy="0"/>
-          <a:chOff x="0" y="0"/>
-          <a:chExt cx="0" cy="0"/>
-        </a:xfrm>
-      </p:grpSpPr>
-      <p:sp>
-        <p:nvSpPr>
-          <p:cNvPr id="2" name="Title 1"/>
-          <p:cNvSpPr>
-            <a:spLocks noGrp="1"/>
-          </p:cNvSpPr>
-          <p:nvPr>
-            <p:ph type="title"/>
-          </p:nvPr>
-        </p:nvSpPr>
-        <p:spPr/>
-        <p:txBody>
-          <a:bodyPr/>
-          <a:lstStyle/>
-          <a:p>
-            <a:pPr lvl="0" indent="0" marL="0">
-              <a:buNone/>
-            </a:pPr>
-            <a:r>
-              <a:rPr/>
-              <a:t>Break #2</a:t>
-            </a:r>
-          </a:p>
-        </p:txBody>
-      </p:sp>
-      <p:sp>
-        <p:nvSpPr>
-          <p:cNvPr id="3" name="Content Placeholder 2"/>
-          <p:cNvSpPr>
-            <a:spLocks noGrp="1"/>
-          </p:cNvSpPr>
-          <p:nvPr>
-            <p:ph idx="1"/>
-          </p:nvPr>
-        </p:nvSpPr>
-        <p:spPr/>
-        <p:txBody>
-          <a:bodyPr/>
-          <a:lstStyle/>
-          <a:p>
-            <a:pPr lvl="0"/>
-            <a:r>
-              <a:rPr/>
-              <a:t>What you have learned</a:t>
-            </a:r>
-          </a:p>
-          <a:p>
-            <a:pPr lvl="1"/>
-            <a:r>
-              <a:rPr/>
-              <a:t>Purposes of the bootstrap</a:t>
-            </a:r>
-          </a:p>
-          <a:p>
-            <a:pPr lvl="0"/>
-            <a:r>
-              <a:rPr/>
-              <a:t>What’s coming next</a:t>
-            </a:r>
-          </a:p>
-          <a:p>
-            <a:pPr lvl="1"/>
-            <a:r>
-              <a:rPr/>
-              <a:t>Mechanics</a:t>
-            </a:r>
-          </a:p>
-        </p:txBody>
-      </p:sp>
-    </p:spTree>
-  </p:cSld>
-</p:sld>
-</file>
-
-<file path=ppt/slides/slide24.xml><?xml version="1.0" encoding="utf-8"?>
-<p:sld xmlns:a="http://schemas.openxmlformats.org/drawingml/2006/main" xmlns:r="http://schemas.openxmlformats.org/officeDocument/2006/relationships" xmlns:p="http://schemas.openxmlformats.org/presentationml/2006/main">
-  <p:cSld>
-    <p:spTree>
-      <p:nvGrpSpPr>
-        <p:cNvPr id="1" name=""/>
-        <p:cNvGrpSpPr/>
-        <p:nvPr/>
-      </p:nvGrpSpPr>
-      <p:grpSpPr>
-        <a:xfrm>
-          <a:off x="0" y="0"/>
-          <a:ext cx="0" cy="0"/>
-          <a:chOff x="0" y="0"/>
-          <a:chExt cx="0" cy="0"/>
-        </a:xfrm>
-      </p:grpSpPr>
-      <p:sp>
-        <p:nvSpPr>
-          <p:cNvPr id="2" name="Title 1"/>
-          <p:cNvSpPr>
-            <a:spLocks noGrp="1"/>
-          </p:cNvSpPr>
-          <p:nvPr>
-            <p:ph type="title"/>
-          </p:nvPr>
-        </p:nvSpPr>
-        <p:spPr/>
-        <p:txBody>
-          <a:bodyPr/>
-          <a:lstStyle/>
-          <a:p>
-            <a:pPr lvl="0" indent="0" marL="0">
-              <a:buNone/>
-            </a:pPr>
-            <a:r>
-              <a:rPr/>
-              <a:t>Mechanics</a:t>
-            </a:r>
-          </a:p>
-        </p:txBody>
-      </p:sp>
-      <p:sp>
-        <p:nvSpPr>
-          <p:cNvPr id="3" name="Content Placeholder 2"/>
-          <p:cNvSpPr>
-            <a:spLocks noGrp="1"/>
-          </p:cNvSpPr>
-          <p:nvPr>
-            <p:ph idx="1"/>
-          </p:nvPr>
-        </p:nvSpPr>
-        <p:spPr/>
-        <p:txBody>
-          <a:bodyPr/>
-          <a:lstStyle/>
-          <a:p>
-            <a:pPr lvl="0"/>
-            <a:r>
-              <a:rPr/>
-              <a:t>Resampling</a:t>
-            </a:r>
-          </a:p>
-          <a:p>
-            <a:pPr lvl="0"/>
-            <a:r>
-              <a:rPr/>
-              <a:t>Bootstrap estimates</a:t>
-            </a:r>
-          </a:p>
-          <a:p>
-            <a:pPr lvl="0"/>
-            <a:r>
-              <a:rPr/>
-              <a:t>Bias calculation</a:t>
-            </a:r>
-          </a:p>
-          <a:p>
-            <a:pPr lvl="0"/>
-            <a:r>
-              <a:rPr/>
-              <a:t>Standard error calculation</a:t>
-            </a:r>
-          </a:p>
-          <a:p>
-            <a:pPr lvl="0"/>
-            <a:r>
-              <a:rPr/>
-              <a:t>Confidence interval</a:t>
-            </a:r>
-          </a:p>
-          <a:p>
-            <a:pPr lvl="1"/>
-            <a:r>
-              <a:rPr/>
-              <a:t>Percentile method</a:t>
-            </a:r>
-          </a:p>
-          <a:p>
-            <a:pPr lvl="1"/>
-            <a:r>
-              <a:rPr/>
-              <a:t>Bias corrected and adjusted method</a:t>
-            </a:r>
-          </a:p>
-          <a:p>
-            <a:pPr lvl="0"/>
-            <a:r>
-              <a:rPr/>
-              <a:t>Hypothesis tests</a:t>
-            </a:r>
-          </a:p>
-        </p:txBody>
-      </p:sp>
-    </p:spTree>
-  </p:cSld>
-</p:sld>
-</file>
-
-<file path=ppt/slides/slide25.xml><?xml version="1.0" encoding="utf-8"?>
-<p:sld xmlns:a="http://schemas.openxmlformats.org/drawingml/2006/main" xmlns:r="http://schemas.openxmlformats.org/officeDocument/2006/relationships" xmlns:p="http://schemas.openxmlformats.org/presentationml/2006/main">
-  <p:cSld>
-    <p:spTree>
-      <p:nvGrpSpPr>
-        <p:cNvPr id="1" name=""/>
-        <p:cNvGrpSpPr/>
-        <p:nvPr/>
-      </p:nvGrpSpPr>
-      <p:grpSpPr>
-        <a:xfrm>
-          <a:off x="0" y="0"/>
-          <a:ext cx="0" cy="0"/>
-          <a:chOff x="0" y="0"/>
-          <a:chExt cx="0" cy="0"/>
-        </a:xfrm>
-      </p:grpSpPr>
-      <p:sp>
-        <p:nvSpPr>
-          <p:cNvPr id="2" name="Title 1"/>
-          <p:cNvSpPr>
-            <a:spLocks noGrp="1"/>
-          </p:cNvSpPr>
-          <p:nvPr>
-            <p:ph type="title"/>
-          </p:nvPr>
-        </p:nvSpPr>
-        <p:spPr/>
-        <p:txBody>
-          <a:bodyPr/>
-          <a:lstStyle/>
-          <a:p>
-            <a:pPr lvl="0" indent="0" marL="0">
-              <a:buNone/>
-            </a:pPr>
-            <a:r>
-              <a:rPr/>
-              <a:t>Break #3</a:t>
-            </a:r>
-          </a:p>
-        </p:txBody>
-      </p:sp>
-      <p:sp>
-        <p:nvSpPr>
-          <p:cNvPr id="3" name="Content Placeholder 2"/>
-          <p:cNvSpPr>
-            <a:spLocks noGrp="1"/>
-          </p:cNvSpPr>
-          <p:nvPr>
-            <p:ph idx="1"/>
-          </p:nvPr>
-        </p:nvSpPr>
-        <p:spPr/>
-        <p:txBody>
-          <a:bodyPr/>
-          <a:lstStyle/>
-          <a:p>
-            <a:pPr lvl="0"/>
-            <a:r>
-              <a:rPr/>
-              <a:t>What have you learned</a:t>
-            </a:r>
-          </a:p>
-          <a:p>
-            <a:pPr lvl="1"/>
-            <a:r>
-              <a:rPr/>
-              <a:t>Mechanics</a:t>
-            </a:r>
-          </a:p>
-          <a:p>
-            <a:pPr lvl="0"/>
-            <a:r>
-              <a:rPr/>
-              <a:t>What’s coming next</a:t>
-            </a:r>
-          </a:p>
-          <a:p>
-            <a:pPr lvl="1"/>
-            <a:r>
-              <a:rPr/>
-              <a:t>Software</a:t>
-            </a:r>
-          </a:p>
-        </p:txBody>
-      </p:sp>
-    </p:spTree>
-  </p:cSld>
-</p:sld>
-</file>
-
-<file path=ppt/slides/slide26.xml><?xml version="1.0" encoding="utf-8"?>
-<p:sld xmlns:a="http://schemas.openxmlformats.org/drawingml/2006/main" xmlns:r="http://schemas.openxmlformats.org/officeDocument/2006/relationships" xmlns:p="http://schemas.openxmlformats.org/presentationml/2006/main">
-  <p:cSld>
-    <p:spTree>
-      <p:nvGrpSpPr>
-        <p:cNvPr id="1" name=""/>
-        <p:cNvGrpSpPr/>
-        <p:nvPr/>
-      </p:nvGrpSpPr>
-      <p:grpSpPr>
-        <a:xfrm>
-          <a:off x="0" y="0"/>
-          <a:ext cx="0" cy="0"/>
-          <a:chOff x="0" y="0"/>
-          <a:chExt cx="0" cy="0"/>
-        </a:xfrm>
-      </p:grpSpPr>
-      <p:sp>
-        <p:nvSpPr>
-          <p:cNvPr id="2" name="Title 1"/>
-          <p:cNvSpPr>
-            <a:spLocks noGrp="1"/>
-          </p:cNvSpPr>
-          <p:nvPr>
-            <p:ph type="title"/>
-          </p:nvPr>
-        </p:nvSpPr>
-        <p:spPr/>
-        <p:txBody>
-          <a:bodyPr/>
-          <a:lstStyle/>
-          <a:p>
-            <a:pPr lvl="0" indent="0" marL="0">
-              <a:buNone/>
-            </a:pPr>
-            <a:r>
-              <a:rPr/>
-              <a:t>Software</a:t>
-            </a:r>
-          </a:p>
-        </p:txBody>
-      </p:sp>
-    </p:spTree>
-  </p:cSld>
-</p:sld>
-</file>
-
-<file path=ppt/slides/slide27.xml><?xml version="1.0" encoding="utf-8"?>
-<p:sld xmlns:a="http://schemas.openxmlformats.org/drawingml/2006/main" xmlns:r="http://schemas.openxmlformats.org/officeDocument/2006/relationships" xmlns:p="http://schemas.openxmlformats.org/presentationml/2006/main">
-  <p:cSld>
-    <p:spTree>
-      <p:nvGrpSpPr>
-        <p:cNvPr id="1" name=""/>
-        <p:cNvGrpSpPr/>
-        <p:nvPr/>
-      </p:nvGrpSpPr>
-      <p:grpSpPr>
-        <a:xfrm>
-          <a:off x="0" y="0"/>
-          <a:ext cx="0" cy="0"/>
-          <a:chOff x="0" y="0"/>
-          <a:chExt cx="0" cy="0"/>
-        </a:xfrm>
-      </p:grpSpPr>
-      <p:sp>
-        <p:nvSpPr>
-          <p:cNvPr id="2" name="Title 1"/>
-          <p:cNvSpPr>
-            <a:spLocks noGrp="1"/>
-          </p:cNvSpPr>
-          <p:nvPr>
-            <p:ph type="title"/>
-          </p:nvPr>
-        </p:nvSpPr>
-        <p:spPr/>
-        <p:txBody>
-          <a:bodyPr/>
-          <a:lstStyle/>
-          <a:p>
-            <a:pPr lvl="0" indent="0" marL="0">
-              <a:buNone/>
-            </a:pPr>
-            <a:r>
-              <a:rPr/>
-              <a:t>Special issues</a:t>
-            </a:r>
-          </a:p>
-        </p:txBody>
-      </p:sp>
-      <p:sp>
-        <p:nvSpPr>
-          <p:cNvPr id="3" name="Content Placeholder 2"/>
-          <p:cNvSpPr>
-            <a:spLocks noGrp="1"/>
-          </p:cNvSpPr>
-          <p:nvPr>
-            <p:ph idx="1"/>
-          </p:nvPr>
-        </p:nvSpPr>
-        <p:spPr/>
-        <p:txBody>
-          <a:bodyPr/>
-          <a:lstStyle/>
-          <a:p>
-            <a:pPr lvl="0"/>
-            <a:r>
-              <a:rPr/>
-              <a:t>Time series</a:t>
-            </a:r>
-          </a:p>
-          <a:p>
-            <a:pPr lvl="0"/>
-            <a:r>
-              <a:rPr/>
-              <a:t>Regression models</a:t>
-            </a:r>
-          </a:p>
-        </p:txBody>
-      </p:sp>
-    </p:spTree>
-  </p:cSld>
-</p:sld>
-</file>
-
-<file path=ppt/slides/slide28.xml><?xml version="1.0" encoding="utf-8"?>
-<p:sld xmlns:a="http://schemas.openxmlformats.org/drawingml/2006/main" xmlns:r="http://schemas.openxmlformats.org/officeDocument/2006/relationships" xmlns:p="http://schemas.openxmlformats.org/presentationml/2006/main">
-  <p:cSld>
-    <p:spTree>
-      <p:nvGrpSpPr>
-        <p:cNvPr id="1" name=""/>
-        <p:cNvGrpSpPr/>
-        <p:nvPr/>
-      </p:nvGrpSpPr>
-      <p:grpSpPr>
-        <a:xfrm>
-          <a:off x="0" y="0"/>
-          <a:ext cx="0" cy="0"/>
-          <a:chOff x="0" y="0"/>
-          <a:chExt cx="0" cy="0"/>
-        </a:xfrm>
-      </p:grpSpPr>
-      <p:sp>
-        <p:nvSpPr>
-          <p:cNvPr id="2" name="Title 1"/>
-          <p:cNvSpPr>
-            <a:spLocks noGrp="1"/>
-          </p:cNvSpPr>
-          <p:nvPr>
-            <p:ph type="title"/>
-          </p:nvPr>
-        </p:nvSpPr>
-        <p:spPr/>
-        <p:txBody>
-          <a:bodyPr/>
-          <a:lstStyle/>
-          <a:p>
-            <a:pPr lvl="0" indent="0" marL="0">
-              <a:buNone/>
-            </a:pPr>
-            <a:r>
-              <a:rPr/>
-              <a:t>Summary</a:t>
-            </a:r>
-          </a:p>
-        </p:txBody>
-      </p:sp>
-      <p:sp>
-        <p:nvSpPr>
-          <p:cNvPr id="3" name="Content Placeholder 2"/>
-          <p:cNvSpPr>
-            <a:spLocks noGrp="1"/>
-          </p:cNvSpPr>
-          <p:nvPr>
-            <p:ph idx="1"/>
-          </p:nvPr>
-        </p:nvSpPr>
-        <p:spPr/>
-        <p:txBody>
-          <a:bodyPr/>
-          <a:lstStyle/>
-          <a:p>
-            <a:pPr lvl="0"/>
-            <a:r>
-              <a:rPr/>
-              <a:t>History</a:t>
-            </a:r>
-          </a:p>
-          <a:p>
-            <a:pPr lvl="0"/>
-            <a:r>
-              <a:rPr/>
-              <a:t>Purpose</a:t>
-            </a:r>
-          </a:p>
-          <a:p>
-            <a:pPr lvl="0"/>
-            <a:r>
-              <a:rPr/>
-              <a:t>Calculations</a:t>
-            </a:r>
-          </a:p>
-          <a:p>
-            <a:pPr lvl="0"/>
-            <a:r>
-              <a:rPr/>
-              <a:t>Software</a:t>
-            </a:r>
-          </a:p>
-        </p:txBody>
-      </p:sp>
-    </p:spTree>
-  </p:cSld>
-</p:sld>
-</file>
-
-<file path=ppt/slides/slide3.xml><?xml version="1.0" encoding="utf-8"?>
-<p:sld xmlns:a="http://schemas.openxmlformats.org/drawingml/2006/main" xmlns:r="http://schemas.openxmlformats.org/officeDocument/2006/relationships" xmlns:p="http://schemas.openxmlformats.org/presentationml/2006/main">
-  <p:cSld>
-    <p:spTree>
-      <p:nvGrpSpPr>
-        <p:cNvPr id="1" name=""/>
-        <p:cNvGrpSpPr/>
-        <p:nvPr/>
-      </p:nvGrpSpPr>
-      <p:grpSpPr>
-        <a:xfrm>
-          <a:off x="0" y="0"/>
-          <a:ext cx="0" cy="0"/>
-          <a:chOff x="0" y="0"/>
-          <a:chExt cx="0" cy="0"/>
-        </a:xfrm>
-      </p:grpSpPr>
-      <p:sp>
-        <p:nvSpPr>
-          <p:cNvPr id="2" name="Title 1"/>
-          <p:cNvSpPr>
-            <a:spLocks noGrp="1"/>
-          </p:cNvSpPr>
-          <p:nvPr>
-            <p:ph type="title"/>
-          </p:nvPr>
-        </p:nvSpPr>
-        <p:spPr/>
-        <p:txBody>
-          <a:bodyPr/>
-          <a:lstStyle/>
-          <a:p>
-            <a:pPr lvl="0" indent="0" marL="0">
-              <a:buNone/>
-            </a:pPr>
-            <a:r>
-              <a:rPr/>
-              <a:t>History of the bootstrap</a:t>
-            </a:r>
-          </a:p>
-        </p:txBody>
-      </p:sp>
-      <p:sp>
-        <p:nvSpPr>
-          <p:cNvPr id="3" name="Content Placeholder 2"/>
-          <p:cNvSpPr>
-            <a:spLocks noGrp="1"/>
-          </p:cNvSpPr>
-          <p:nvPr>
-            <p:ph idx="1"/>
-          </p:nvPr>
-        </p:nvSpPr>
-        <p:spPr/>
-        <p:txBody>
-          <a:bodyPr/>
-          <a:lstStyle/>
-          <a:p>
-            <a:pPr lvl="0"/>
-            <a:r>
-              <a:rPr/>
-              <a:t>Can you rely on asymptotic normality?</a:t>
-            </a:r>
-          </a:p>
-          <a:p>
-            <a:pPr lvl="0"/>
-            <a:r>
-              <a:rPr/>
-              <a:t>The jackknife</a:t>
-            </a:r>
-          </a:p>
-          <a:p>
-            <a:pPr lvl="0"/>
-            <a:r>
-              <a:rPr/>
-              <a:t>Bradley Efron’s contributions</a:t>
-            </a:r>
-          </a:p>
-          <a:p>
-            <a:pPr lvl="0"/>
-            <a:r>
-              <a:rPr/>
-              <a:t>Recent application: bagging</a:t>
-            </a:r>
-          </a:p>
-        </p:txBody>
-      </p:sp>
-    </p:spTree>
-  </p:cSld>
-</p:sld>
-</file>
-
-<file path=ppt/slides/slide4.xml><?xml version="1.0" encoding="utf-8"?>
-<p:sld xmlns:a="http://schemas.openxmlformats.org/drawingml/2006/main" xmlns:r="http://schemas.openxmlformats.org/officeDocument/2006/relationships" xmlns:p="http://schemas.openxmlformats.org/presentationml/2006/main">
-  <p:cSld>
-    <p:spTree>
-      <p:nvGrpSpPr>
-        <p:cNvPr id="1" name=""/>
-        <p:cNvGrpSpPr/>
-        <p:nvPr/>
-      </p:nvGrpSpPr>
-      <p:grpSpPr>
-        <a:xfrm>
-          <a:off x="0" y="0"/>
-          <a:ext cx="0" cy="0"/>
-          <a:chOff x="0" y="0"/>
-          <a:chExt cx="0" cy="0"/>
-        </a:xfrm>
-      </p:grpSpPr>
-      <p:sp>
-        <p:nvSpPr>
-          <p:cNvPr id="2" name="Title 1"/>
-          <p:cNvSpPr>
-            <a:spLocks noGrp="1"/>
-          </p:cNvSpPr>
-          <p:nvPr>
-            <p:ph type="title"/>
-          </p:nvPr>
-        </p:nvSpPr>
-        <p:spPr/>
-        <p:txBody>
-          <a:bodyPr/>
-          <a:lstStyle/>
-          <a:p>
-            <a:pPr lvl="0" indent="0" marL="0">
-              <a:buNone/>
-            </a:pPr>
-            <a:r>
-              <a:rPr/>
-              <a:t>Can we rely on asymptotic normality? (1/4)</a:t>
-            </a:r>
-          </a:p>
-        </p:txBody>
-      </p:sp>
-      <p:pic>
-        <p:nvPicPr>
-          <p:cNvPr descr="fig:  ../images/serfling-book-cover.jpg" id="0" name="Picture 1"/>
-          <p:cNvPicPr>
-            <a:picLocks noGrp="1" noChangeAspect="1"/>
-          </p:cNvPicPr>
-          <p:nvPr/>
-        </p:nvPicPr>
-        <p:blipFill>
-          <a:blip r:embed="rId3"/>
-          <a:stretch>
-            <a:fillRect/>
-          </a:stretch>
-        </p:blipFill>
-        <p:spPr bwMode="auto">
-          <a:xfrm>
-            <a:off x="3619500" y="1193800"/>
-            <a:ext cx="1905000" cy="2882900"/>
-          </a:xfrm>
-          <a:prstGeom prst="rect">
-            <a:avLst/>
-          </a:prstGeom>
-          <a:noFill/>
-          <a:ln w="9525">
-            <a:noFill/>
-            <a:headEnd/>
-            <a:tailEnd/>
-          </a:ln>
-        </p:spPr>
-      </p:pic>
-      <p:sp>
-        <p:nvSpPr>
-          <p:cNvPr id="1" name="TextBox 3"/>
-          <p:cNvSpPr txBox="1"/>
-          <p:nvPr/>
-        </p:nvSpPr>
-        <p:spPr>
-          <a:xfrm>
-            <a:off x="457200" y="4076700"/>
-            <a:ext cx="8229600" cy="508000"/>
-          </a:xfrm>
-          <a:prstGeom prst="rect">
-            <a:avLst/>
-          </a:prstGeom>
-          <a:noFill/>
-        </p:spPr>
-        <p:txBody>
-          <a:bodyPr/>
-          <a:lstStyle/>
-          <a:p>
-            <a:pPr lvl="0" indent="0" marL="0" algn="ctr">
-              <a:buNone/>
-            </a:pPr>
-            <a:r>
-              <a:rPr/>
-              <a:t>Figure 1. Cover of book by Robert Serfling</a:t>
-            </a:r>
-          </a:p>
-        </p:txBody>
-      </p:sp>
-    </p:spTree>
-  </p:cSld>
-</p:sld>
-</file>
-
-<file path=ppt/slides/slide5.xml><?xml version="1.0" encoding="utf-8"?>
-<p:sld xmlns:a="http://schemas.openxmlformats.org/drawingml/2006/main" xmlns:r="http://schemas.openxmlformats.org/officeDocument/2006/relationships" xmlns:p="http://schemas.openxmlformats.org/presentationml/2006/main">
-  <p:cSld>
-    <p:spTree>
-      <p:nvGrpSpPr>
-        <p:cNvPr id="1" name=""/>
-        <p:cNvGrpSpPr/>
-        <p:nvPr/>
-      </p:nvGrpSpPr>
-      <p:grpSpPr>
-        <a:xfrm>
-          <a:off x="0" y="0"/>
-          <a:ext cx="0" cy="0"/>
-          <a:chOff x="0" y="0"/>
-          <a:chExt cx="0" cy="0"/>
-        </a:xfrm>
-      </p:grpSpPr>
-      <p:sp>
-        <p:nvSpPr>
-          <p:cNvPr id="2" name="Title 1"/>
-          <p:cNvSpPr>
-            <a:spLocks noGrp="1"/>
-          </p:cNvSpPr>
-          <p:nvPr>
-            <p:ph type="title"/>
-          </p:nvPr>
-        </p:nvSpPr>
-        <p:spPr/>
-        <p:txBody>
-          <a:bodyPr/>
-          <a:lstStyle/>
-          <a:p>
-            <a:pPr lvl="0" indent="0" marL="0">
-              <a:buNone/>
-            </a:pPr>
-            <a:r>
-              <a:rPr/>
-              <a:t>Can we rely on asymptotic normality? (2/4)</a:t>
-            </a:r>
-          </a:p>
-        </p:txBody>
-      </p:sp>
-      <mc:AlternateContent xmlns:mc="http://schemas.openxmlformats.org/markup-compatibility/2006">
-        <mc:Choice xmlns:a14="http://schemas.microsoft.com/office/drawing/2010/main" Requires="a14">
-          <p:sp>
-            <p:nvSpPr>
-              <p:cNvPr id="3" name="Content Placeholder 2"/>
-              <p:cNvSpPr>
-                <a:spLocks noGrp="1"/>
-              </p:cNvSpPr>
-              <p:nvPr>
-                <p:ph idx="1"/>
-              </p:nvPr>
-            </p:nvSpPr>
-            <p:spPr/>
-            <p:txBody>
-              <a:bodyPr/>
-              <a:lstStyle/>
-              <a:p>
-                <a:pPr lvl="0" indent="0" marL="0">
-                  <a:buNone/>
-                </a:pPr>
-                <a14:m>
-                  <m:oMath xmlns:m="http://schemas.openxmlformats.org/officeDocument/2006/math">
-                    <m:acc>
-                      <m:accPr>
-                        <m:chr m:val="‾"/>
-                      </m:accPr>
-                      <m:e>
-                        <m:r>
-                          <m:t>X</m:t>
-                        </m:r>
-                      </m:e>
-                    </m:acc>
-                    <m:r>
-                      <m:rPr>
-                        <m:sty m:val="p"/>
-                      </m:rPr>
-                      <m:t>=</m:t>
-                    </m:r>
-                    <m:f>
-                      <m:fPr>
-                        <m:type m:val="bar"/>
-                      </m:fPr>
-                      <m:num>
-                        <m:r>
-                          <m:t>1</m:t>
-                        </m:r>
-                      </m:num>
-                      <m:den>
-                        <m:r>
-                          <m:t>n</m:t>
-                        </m:r>
-                      </m:den>
-                    </m:f>
-                    <m:r>
-                      <m:t>Σ</m:t>
-                    </m:r>
-                    <m:sSub>
-                      <m:e>
-                        <m:r>
-                          <m:t>X</m:t>
-                        </m:r>
-                      </m:e>
-                      <m:sub>
-                        <m:r>
-                          <m:t>i</m:t>
-                        </m:r>
-                      </m:sub>
-                    </m:sSub>
-                  </m:oMath>
-                </a14:m>
-                <a:r>
-                  <a:rPr/>
-                  <a:t> is approximately normal if</a:t>
-                </a:r>
-              </a:p>
-              <a:p>
-                <a:pPr lvl="0"/>
-                <a:r>
-                  <a:rPr/>
-                  <a:t>The </a:t>
-                </a:r>
-                <a14:m>
-                  <m:oMath xmlns:m="http://schemas.openxmlformats.org/officeDocument/2006/math">
-                    <m:sSub>
-                      <m:e>
-                        <m:r>
-                          <m:t>X</m:t>
-                        </m:r>
-                      </m:e>
-                      <m:sub>
-                        <m:r>
-                          <m:t>i</m:t>
-                        </m:r>
-                      </m:sub>
-                    </m:sSub>
-                  </m:oMath>
-                </a14:m>
-                <a:r>
-                  <a:rPr/>
-                  <a:t> all come from the same distribution</a:t>
-                </a:r>
-              </a:p>
-              <a:p>
-                <a:pPr lvl="0"/>
-                <a:r>
-                  <a:rPr/>
-                  <a:t>The </a:t>
-                </a:r>
-                <a14:m>
-                  <m:oMath xmlns:m="http://schemas.openxmlformats.org/officeDocument/2006/math">
-                    <m:sSub>
-                      <m:e>
-                        <m:r>
-                          <m:t>X</m:t>
-                        </m:r>
-                      </m:e>
-                      <m:sub>
-                        <m:r>
-                          <m:t>i</m:t>
-                        </m:r>
-                      </m:sub>
-                    </m:sSub>
-                  </m:oMath>
-                </a14:m>
-                <a:r>
-                  <a:rPr/>
-                  <a:t>’s are all independent</a:t>
-                </a:r>
-              </a:p>
-              <a:p>
-                <a:pPr lvl="0"/>
-                <a:r>
-                  <a:rPr/>
-                  <a:t>The </a:t>
-                </a:r>
-                <a14:m>
-                  <m:oMath xmlns:m="http://schemas.openxmlformats.org/officeDocument/2006/math">
-                    <m:sSub>
-                      <m:e>
-                        <m:r>
-                          <m:t>X</m:t>
-                        </m:r>
-                      </m:e>
-                      <m:sub>
-                        <m:r>
-                          <m:t>i</m:t>
-                        </m:r>
-                      </m:sub>
-                    </m:sSub>
-                  </m:oMath>
-                </a14:m>
-                <a:r>
-                  <a:rPr/>
-                  <a:t> have a finite second moment</a:t>
-                </a:r>
-              </a:p>
-              <a:p>
-                <a:pPr lvl="0" indent="0" marL="0">
-                  <a:buNone/>
-                </a:pPr>
-                <a:r>
-                  <a:rPr/>
-                  <a:t>A more precise statement</a:t>
-                </a:r>
-              </a:p>
-              <a:p>
-                <a:pPr lvl="0"/>
-                <a14:m>
-                  <m:oMath xmlns:m="http://schemas.openxmlformats.org/officeDocument/2006/math">
-                    <m:r>
-                      <m:t>l</m:t>
-                    </m:r>
-                    <m:r>
-                      <m:t>i</m:t>
-                    </m:r>
-                    <m:sSub>
-                      <m:e>
-                        <m:r>
-                          <m:t>m</m:t>
-                        </m:r>
-                      </m:e>
-                      <m:sub>
-                        <m:r>
-                          <m:t>n</m:t>
-                        </m:r>
-                        <m:r>
-                          <m:rPr>
-                            <m:sty m:val="p"/>
-                          </m:rPr>
-                          <m:t>→</m:t>
-                        </m:r>
-                        <m:r>
-                          <m:rPr>
-                            <m:sty m:val="p"/>
-                          </m:rPr>
-                          <m:t>∞</m:t>
-                        </m:r>
-                      </m:sub>
-                    </m:sSub>
-                    <m:r>
-                      <m:t> </m:t>
-                    </m:r>
-                    <m:f>
-                      <m:fPr>
-                        <m:type m:val="bar"/>
-                      </m:fPr>
-                      <m:num>
-                        <m:acc>
-                          <m:accPr>
-                            <m:chr m:val="‾"/>
-                          </m:accPr>
-                          <m:e>
-                            <m:r>
-                              <m:t>X</m:t>
-                            </m:r>
-                          </m:e>
-                        </m:acc>
-                        <m:r>
-                          <m:rPr>
-                            <m:sty m:val="p"/>
-                          </m:rPr>
-                          <m:t>−</m:t>
-                        </m:r>
-                        <m:r>
-                          <m:t>μ</m:t>
-                        </m:r>
-                      </m:num>
-                      <m:den>
-                        <m:r>
-                          <m:t>σ</m:t>
-                        </m:r>
-                        <m:r>
-                          <m:rPr>
-                            <m:sty m:val="p"/>
-                          </m:rPr>
-                          <m:t>/</m:t>
-                        </m:r>
-                        <m:rad>
-                          <m:radPr>
-                            <m:degHide m:val="1"/>
-                          </m:radPr>
-                          <m:deg/>
-                          <m:e>
-                            <m:r>
-                              <m:t>n</m:t>
-                            </m:r>
-                          </m:e>
-                        </m:rad>
-                      </m:den>
-                    </m:f>
-                    <m:r>
-                      <m:rPr>
-                        <m:sty m:val="p"/>
-                      </m:rPr>
-                      <m:t>=</m:t>
-                    </m:r>
-                    <m:r>
-                      <m:t>N</m:t>
-                    </m:r>
-                    <m:d>
-                      <m:dPr>
-                        <m:begChr m:val="("/>
-                        <m:endChr m:val=")"/>
-                        <m:sepChr m:val=""/>
-                        <m:grow/>
-                      </m:dPr>
-                      <m:e>
-                        <m:r>
-                          <m:t>0</m:t>
-                        </m:r>
-                        <m:r>
-                          <m:rPr>
-                            <m:sty m:val="p"/>
-                          </m:rPr>
-                          <m:t>,</m:t>
-                        </m:r>
-                        <m:r>
-                          <m:t>1</m:t>
-                        </m:r>
-                      </m:e>
-                    </m:d>
-                  </m:oMath>
-                </a14:m>
-              </a:p>
-            </p:txBody>
-          </p:sp>
-        </mc:Choice>
-      </mc:AlternateContent>
-    </p:spTree>
-  </p:cSld>
-</p:sld>
-</file>
-
-<file path=ppt/slides/slide6.xml><?xml version="1.0" encoding="utf-8"?>
-<p:sld xmlns:a="http://schemas.openxmlformats.org/drawingml/2006/main" xmlns:r="http://schemas.openxmlformats.org/officeDocument/2006/relationships" xmlns:p="http://schemas.openxmlformats.org/presentationml/2006/main">
-  <p:cSld>
-    <p:spTree>
-      <p:nvGrpSpPr>
-        <p:cNvPr id="1" name=""/>
-        <p:cNvGrpSpPr/>
-        <p:nvPr/>
-      </p:nvGrpSpPr>
-      <p:grpSpPr>
-        <a:xfrm>
-          <a:off x="0" y="0"/>
-          <a:ext cx="0" cy="0"/>
-          <a:chOff x="0" y="0"/>
-          <a:chExt cx="0" cy="0"/>
-        </a:xfrm>
-      </p:grpSpPr>
-      <p:sp>
-        <p:nvSpPr>
-          <p:cNvPr id="2" name="Title 1"/>
-          <p:cNvSpPr>
-            <a:spLocks noGrp="1"/>
-          </p:cNvSpPr>
-          <p:nvPr>
-            <p:ph type="title"/>
-          </p:nvPr>
-        </p:nvSpPr>
-        <p:spPr/>
-        <p:txBody>
-          <a:bodyPr/>
-          <a:lstStyle/>
-          <a:p>
-            <a:pPr lvl="0" indent="0" marL="0">
-              <a:buNone/>
-            </a:pPr>
-            <a:r>
-              <a:rPr/>
-              <a:t>Can we rely on asymptotic normality? (3/4)</a:t>
-            </a:r>
-          </a:p>
-        </p:txBody>
-      </p:sp>
-      <mc:AlternateContent xmlns:mc="http://schemas.openxmlformats.org/markup-compatibility/2006">
-        <mc:Choice xmlns:a14="http://schemas.microsoft.com/office/drawing/2010/main" Requires="a14">
-          <p:sp>
-            <p:nvSpPr>
-              <p:cNvPr id="3" name="Content Placeholder 2"/>
-              <p:cNvSpPr>
-                <a:spLocks noGrp="1"/>
-              </p:cNvSpPr>
-              <p:nvPr>
-                <p:ph idx="1"/>
-              </p:nvPr>
-            </p:nvSpPr>
-            <p:spPr/>
-            <p:txBody>
-              <a:bodyPr/>
-              <a:lstStyle/>
-              <a:p>
-                <a:pPr lvl="0" indent="0" marL="0">
-                  <a:buNone/>
-                </a:pPr>
-                <a:r>
-                  <a:rPr/>
-                  <a:t>Furthermore,</a:t>
-                </a:r>
-              </a:p>
-              <a:p>
-                <a:pPr lvl="0" indent="0" marL="0">
-                  <a:buNone/>
-                </a:pPr>
-                <a14:m>
-                  <m:oMath xmlns:m="http://schemas.openxmlformats.org/officeDocument/2006/math">
-                    <m:r>
-                      <m:t>E</m:t>
-                    </m:r>
-                    <m:d>
-                      <m:dPr>
-                        <m:begChr m:val="["/>
-                        <m:endChr m:val="]"/>
-                        <m:sepChr m:val=""/>
-                        <m:grow/>
-                      </m:dPr>
-                      <m:e>
-                        <m:acc>
-                          <m:accPr>
-                            <m:chr m:val="‾"/>
-                          </m:accPr>
-                          <m:e>
-                            <m:r>
-                              <m:t>X</m:t>
-                            </m:r>
-                          </m:e>
-                        </m:acc>
-                      </m:e>
-                    </m:d>
-                    <m:r>
-                      <m:rPr>
-                        <m:sty m:val="p"/>
-                      </m:rPr>
-                      <m:t>=</m:t>
-                    </m:r>
-                    <m:r>
-                      <m:t>μ</m:t>
-                    </m:r>
-                  </m:oMath>
-                </a14:m>
-              </a:p>
-              <a:p>
-                <a:pPr lvl="0" indent="0" marL="0">
-                  <a:buNone/>
-                </a:pPr>
-                <a14:m>
-                  <m:oMath xmlns:m="http://schemas.openxmlformats.org/officeDocument/2006/math">
-                    <m:r>
-                      <m:t>V</m:t>
-                    </m:r>
-                    <m:r>
-                      <m:t>a</m:t>
-                    </m:r>
-                    <m:r>
-                      <m:t>r</m:t>
-                    </m:r>
-                    <m:d>
-                      <m:dPr>
-                        <m:begChr m:val="("/>
-                        <m:endChr m:val=")"/>
-                        <m:sepChr m:val=""/>
-                        <m:grow/>
-                      </m:dPr>
-                      <m:e>
-                        <m:acc>
-                          <m:accPr>
-                            <m:chr m:val="‾"/>
-                          </m:accPr>
-                          <m:e>
-                            <m:r>
-                              <m:t>X</m:t>
-                            </m:r>
-                          </m:e>
-                        </m:acc>
-                      </m:e>
-                    </m:d>
-                    <m:r>
-                      <m:rPr>
-                        <m:sty m:val="p"/>
-                      </m:rPr>
-                      <m:t>=</m:t>
-                    </m:r>
-                    <m:f>
-                      <m:fPr>
-                        <m:type m:val="bar"/>
-                      </m:fPr>
-                      <m:num>
-                        <m:sSup>
-                          <m:e>
-                            <m:r>
-                              <m:t>σ</m:t>
-                            </m:r>
-                          </m:e>
-                          <m:sup>
-                            <m:r>
-                              <m:t>2</m:t>
-                            </m:r>
-                          </m:sup>
-                        </m:sSup>
-                      </m:num>
-                      <m:den>
-                        <m:r>
-                          <m:t>n</m:t>
-                        </m:r>
-                      </m:den>
-                    </m:f>
-                  </m:oMath>
-                </a14:m>
-              </a:p>
-            </p:txBody>
-          </p:sp>
-        </mc:Choice>
-      </mc:AlternateContent>
-    </p:spTree>
-  </p:cSld>
-</p:sld>
-</file>
-
-<file path=ppt/slides/slide7.xml><?xml version="1.0" encoding="utf-8"?>
-<p:sld xmlns:a="http://schemas.openxmlformats.org/drawingml/2006/main" xmlns:r="http://schemas.openxmlformats.org/officeDocument/2006/relationships" xmlns:p="http://schemas.openxmlformats.org/presentationml/2006/main">
-  <p:cSld>
-    <p:spTree>
-      <p:nvGrpSpPr>
-        <p:cNvPr id="1" name=""/>
-        <p:cNvGrpSpPr/>
-        <p:nvPr/>
-      </p:nvGrpSpPr>
-      <p:grpSpPr>
-        <a:xfrm>
-          <a:off x="0" y="0"/>
-          <a:ext cx="0" cy="0"/>
-          <a:chOff x="0" y="0"/>
-          <a:chExt cx="0" cy="0"/>
-        </a:xfrm>
-      </p:grpSpPr>
-      <p:sp>
-        <p:nvSpPr>
-          <p:cNvPr id="2" name="Title 1"/>
-          <p:cNvSpPr>
-            <a:spLocks noGrp="1"/>
-          </p:cNvSpPr>
-          <p:nvPr>
-            <p:ph type="title"/>
-          </p:nvPr>
-        </p:nvSpPr>
-        <p:spPr/>
-        <p:txBody>
-          <a:bodyPr/>
-          <a:lstStyle/>
-          <a:p>
-            <a:pPr lvl="0" indent="0" marL="0">
-              <a:buNone/>
-            </a:pPr>
-            <a:r>
-              <a:rPr/>
-              <a:t>Can we rely on asymptotic normality? (4/4)</a:t>
-            </a:r>
-          </a:p>
-        </p:txBody>
-      </p:sp>
-      <mc:AlternateContent xmlns:mc="http://schemas.openxmlformats.org/markup-compatibility/2006">
-        <mc:Choice xmlns:a14="http://schemas.microsoft.com/office/drawing/2010/main" Requires="a14">
-          <p:sp>
-            <p:nvSpPr>
-              <p:cNvPr id="3" name="Content Placeholder 2"/>
-              <p:cNvSpPr>
-                <a:spLocks noGrp="1"/>
-              </p:cNvSpPr>
-              <p:nvPr>
-                <p:ph idx="1"/>
-              </p:nvPr>
-            </p:nvSpPr>
-            <p:spPr/>
-            <p:txBody>
-              <a:bodyPr/>
-              <a:lstStyle/>
-              <a:p>
-                <a:pPr lvl="0" indent="0" marL="0">
-                  <a:buNone/>
-                </a:pPr>
-                <a:r>
-                  <a:rPr/>
-                  <a:t>What about:</a:t>
-                </a:r>
-              </a:p>
-              <a:p>
-                <a:pPr lvl="0" indent="0" marL="0">
-                  <a:buNone/>
-                </a:pPr>
-                <a14:m>
-                  <m:oMath xmlns:m="http://schemas.openxmlformats.org/officeDocument/2006/math">
-                    <m:r>
-                      <m:t>M</m:t>
-                    </m:r>
-                    <m:r>
-                      <m:t>A</m:t>
-                    </m:r>
-                    <m:r>
-                      <m:t>D</m:t>
-                    </m:r>
-                    <m:d>
-                      <m:dPr>
-                        <m:begChr m:val="("/>
-                        <m:endChr m:val=")"/>
-                        <m:sepChr m:val=""/>
-                        <m:grow/>
-                      </m:dPr>
-                      <m:e>
-                        <m:r>
-                          <m:t>X</m:t>
-                        </m:r>
-                      </m:e>
-                    </m:d>
-                    <m:r>
-                      <m:rPr>
-                        <m:sty m:val="p"/>
-                      </m:rPr>
-                      <m:t>=</m:t>
-                    </m:r>
-                    <m:f>
-                      <m:fPr>
-                        <m:type m:val="bar"/>
-                      </m:fPr>
-                      <m:num>
-                        <m:r>
-                          <m:t>1</m:t>
-                        </m:r>
-                      </m:num>
-                      <m:den>
-                        <m:r>
-                          <m:t>n</m:t>
-                        </m:r>
-                      </m:den>
-                    </m:f>
-                    <m:r>
-                      <m:t>Σ</m:t>
-                    </m:r>
-                    <m:d>
-                      <m:dPr>
-                        <m:begChr m:val="|"/>
-                        <m:endChr m:val="|"/>
-                        <m:sepChr m:val=""/>
-                        <m:grow/>
-                      </m:dPr>
-                      <m:e>
-                        <m:sSub>
-                          <m:e>
-                            <m:r>
-                              <m:t>X</m:t>
-                            </m:r>
-                          </m:e>
-                          <m:sub>
-                            <m:r>
-                              <m:t>i</m:t>
-                            </m:r>
-                          </m:sub>
-                        </m:sSub>
-                        <m:r>
-                          <m:rPr>
-                            <m:sty m:val="p"/>
-                          </m:rPr>
-                          <m:t>−</m:t>
-                        </m:r>
-                        <m:acc>
-                          <m:accPr>
-                            <m:chr m:val="‾"/>
-                          </m:accPr>
-                          <m:e>
-                            <m:r>
-                              <m:t>X</m:t>
-                            </m:r>
-                          </m:e>
-                        </m:acc>
-                      </m:e>
-                    </m:d>
-                  </m:oMath>
-                </a14:m>
-              </a:p>
-              <a:p>
-                <a:pPr lvl="0" indent="0" marL="0">
-                  <a:buNone/>
-                </a:pPr>
-                <a14:m>
-                  <m:oMath xmlns:m="http://schemas.openxmlformats.org/officeDocument/2006/math">
-                    <m:r>
-                      <m:t>I</m:t>
-                    </m:r>
-                    <m:r>
-                      <m:t>Q</m:t>
-                    </m:r>
-                    <m:r>
-                      <m:t>R</m:t>
-                    </m:r>
-                    <m:r>
-                      <m:rPr>
-                        <m:sty m:val="p"/>
-                      </m:rPr>
-                      <m:t>=</m:t>
-                    </m:r>
-                    <m:sSub>
-                      <m:e>
-                        <m:r>
-                          <m:t>X</m:t>
-                        </m:r>
-                      </m:e>
-                      <m:sub>
-                        <m:r>
-                          <m:t>.75</m:t>
-                        </m:r>
-                      </m:sub>
-                    </m:sSub>
-                    <m:r>
-                      <m:rPr>
-                        <m:sty m:val="p"/>
-                      </m:rPr>
-                      <m:t>−</m:t>
-                    </m:r>
-                    <m:sSub>
-                      <m:e>
-                        <m:r>
-                          <m:t>X</m:t>
-                        </m:r>
-                      </m:e>
-                      <m:sub>
-                        <m:r>
-                          <m:t>.25</m:t>
-                        </m:r>
-                      </m:sub>
-                    </m:sSub>
-                  </m:oMath>
-                </a14:m>
-              </a:p>
-              <a:p>
-                <a:pPr lvl="0" indent="0" marL="0">
-                  <a:buNone/>
-                </a:pPr>
-                <a14:m>
-                  <m:oMath xmlns:m="http://schemas.openxmlformats.org/officeDocument/2006/math">
-                    <m:r>
-                      <m:t>n</m:t>
-                    </m:r>
-                    <m:r>
-                      <m:rPr>
-                        <m:sty m:val="p"/>
-                      </m:rPr>
-                      <m:t>&lt;</m:t>
-                    </m:r>
-                    <m:r>
-                      <m:t>30</m:t>
-                    </m:r>
-                  </m:oMath>
-                </a14:m>
-              </a:p>
-            </p:txBody>
-          </p:sp>
-        </mc:Choice>
-      </mc:AlternateContent>
-    </p:spTree>
-  </p:cSld>
-</p:sld>
-</file>
-
-<file path=ppt/slides/slide8.xml><?xml version="1.0" encoding="utf-8"?>
-<p:sld xmlns:a="http://schemas.openxmlformats.org/drawingml/2006/main" xmlns:r="http://schemas.openxmlformats.org/officeDocument/2006/relationships" xmlns:p="http://schemas.openxmlformats.org/presentationml/2006/main">
-  <p:cSld>
-    <p:spTree>
-      <p:nvGrpSpPr>
-        <p:cNvPr id="1" name=""/>
-        <p:cNvGrpSpPr/>
-        <p:nvPr/>
-      </p:nvGrpSpPr>
-      <p:grpSpPr>
-        <a:xfrm>
-          <a:off x="0" y="0"/>
-          <a:ext cx="0" cy="0"/>
-          <a:chOff x="0" y="0"/>
-          <a:chExt cx="0" cy="0"/>
-        </a:xfrm>
-      </p:grpSpPr>
-      <p:sp>
-        <p:nvSpPr>
-          <p:cNvPr id="2" name="Title 1"/>
-          <p:cNvSpPr>
-            <a:spLocks noGrp="1"/>
-          </p:cNvSpPr>
-          <p:nvPr>
-            <p:ph type="title"/>
-          </p:nvPr>
-        </p:nvSpPr>
-        <p:spPr/>
-        <p:txBody>
-          <a:bodyPr/>
-          <a:lstStyle/>
-          <a:p>
-            <a:pPr lvl="0" indent="0" marL="0">
-              <a:buNone/>
-            </a:pPr>
-            <a:r>
-              <a:rPr/>
-              <a:t>The jackknife (1/3)</a:t>
-            </a:r>
-          </a:p>
-        </p:txBody>
-      </p:sp>
-      <mc:AlternateContent xmlns:mc="http://schemas.openxmlformats.org/markup-compatibility/2006">
-        <mc:Choice xmlns:a14="http://schemas.microsoft.com/office/drawing/2010/main" Requires="a14">
-          <p:sp>
-            <p:nvSpPr>
-              <p:cNvPr id="3" name="Content Placeholder 2"/>
-              <p:cNvSpPr>
-                <a:spLocks noGrp="1"/>
-              </p:cNvSpPr>
-              <p:nvPr>
-                <p:ph idx="1"/>
-              </p:nvPr>
-            </p:nvSpPr>
-            <p:spPr/>
-            <p:txBody>
-              <a:bodyPr/>
-              <a:lstStyle/>
-              <a:p>
-                <a:pPr lvl="0" indent="0" marL="0">
-                  <a:buNone/>
-                </a:pPr>
-                <a14:m>
-                  <m:oMath xmlns:m="http://schemas.openxmlformats.org/officeDocument/2006/math">
-                    <m:r>
-                      <m:t>X</m:t>
-                    </m:r>
-                    <m:r>
-                      <m:t> </m:t>
-                    </m:r>
-                    <m:r>
-                      <m:t> </m:t>
-                    </m:r>
-                    <m:r>
-                      <m:t> </m:t>
-                    </m:r>
-                    <m:r>
-                      <m:t> </m:t>
-                    </m:r>
-                    <m:r>
-                      <m:t> </m:t>
-                    </m:r>
-                    <m:r>
-                      <m:t> </m:t>
-                    </m:r>
-                    <m:r>
-                      <m:rPr>
-                        <m:sty m:val="p"/>
-                      </m:rPr>
-                      <m:t>=</m:t>
-                    </m:r>
-                    <m:d>
-                      <m:dPr>
-                        <m:begChr m:val="("/>
-                        <m:endChr m:val=")"/>
-                        <m:sepChr m:val=""/>
-                        <m:grow/>
-                      </m:dPr>
-                      <m:e>
-                        <m:r>
-                          <m:t>2</m:t>
-                        </m:r>
-                        <m:r>
-                          <m:rPr>
-                            <m:sty m:val="p"/>
-                          </m:rPr>
-                          <m:t>,</m:t>
-                        </m:r>
-                        <m:r>
-                          <m:t>3</m:t>
-                        </m:r>
-                        <m:r>
-                          <m:rPr>
-                            <m:sty m:val="p"/>
-                          </m:rPr>
-                          <m:t>,</m:t>
-                        </m:r>
-                        <m:r>
-                          <m:t>7</m:t>
-                        </m:r>
-                        <m:r>
-                          <m:rPr>
-                            <m:sty m:val="p"/>
-                          </m:rPr>
-                          <m:t>,</m:t>
-                        </m:r>
-                        <m:r>
-                          <m:t>5</m:t>
-                        </m:r>
-                        <m:r>
-                          <m:rPr>
-                            <m:sty m:val="p"/>
-                          </m:rPr>
-                          <m:t>,</m:t>
-                        </m:r>
-                        <m:r>
-                          <m:t>6</m:t>
-                        </m:r>
-                      </m:e>
-                    </m:d>
-                  </m:oMath>
-                </a14:m>
-              </a:p>
-              <a:p>
-                <a:pPr lvl="0" indent="0" marL="0">
-                  <a:buNone/>
-                </a:pPr>
-                <a14:m>
-                  <m:oMath xmlns:m="http://schemas.openxmlformats.org/officeDocument/2006/math">
-                    <m:r>
-                      <m:t> </m:t>
-                    </m:r>
-                  </m:oMath>
-                </a14:m>
-              </a:p>
-              <a:p>
-                <a:pPr lvl="0" indent="0" marL="0">
-                  <a:buNone/>
-                </a:pPr>
-                <a14:m>
-                  <m:oMath xmlns:m="http://schemas.openxmlformats.org/officeDocument/2006/math">
-                    <m:sSup>
-                      <m:e>
-                        <m:r>
-                          <m:t>X</m:t>
-                        </m:r>
-                      </m:e>
-                      <m:sup>
-                        <m:d>
-                          <m:dPr>
-                            <m:begChr m:val="("/>
-                            <m:endChr m:val=")"/>
-                            <m:sepChr m:val=""/>
-                            <m:grow/>
-                          </m:dPr>
-                          <m:e>
-                            <m:r>
-                              <m:rPr>
-                                <m:sty m:val="p"/>
-                              </m:rPr>
-                              <m:t>−</m:t>
-                            </m:r>
-                            <m:r>
-                              <m:t>1</m:t>
-                            </m:r>
-                          </m:e>
-                        </m:d>
-                      </m:sup>
-                    </m:sSup>
-                    <m:r>
-                      <m:rPr>
-                        <m:sty m:val="p"/>
-                      </m:rPr>
-                      <m:t>=</m:t>
-                    </m:r>
-                    <m:d>
-                      <m:dPr>
-                        <m:begChr m:val="("/>
-                        <m:endChr m:val=")"/>
-                        <m:sepChr m:val=""/>
-                        <m:grow/>
-                      </m:dPr>
-                      <m:e>
-                        <m:r>
-                          <m:t> </m:t>
-                        </m:r>
-                        <m:r>
-                          <m:t> </m:t>
-                        </m:r>
-                        <m:r>
-                          <m:rPr>
-                            <m:sty m:val="p"/>
-                          </m:rPr>
-                          <m:t>,</m:t>
-                        </m:r>
-                        <m:r>
-                          <m:t>3</m:t>
-                        </m:r>
-                        <m:r>
-                          <m:rPr>
-                            <m:sty m:val="p"/>
-                          </m:rPr>
-                          <m:t>,</m:t>
-                        </m:r>
-                        <m:r>
-                          <m:t>7</m:t>
-                        </m:r>
-                        <m:r>
-                          <m:rPr>
-                            <m:sty m:val="p"/>
-                          </m:rPr>
-                          <m:t>,</m:t>
-                        </m:r>
-                        <m:r>
-                          <m:t>5</m:t>
-                        </m:r>
-                        <m:r>
-                          <m:rPr>
-                            <m:sty m:val="p"/>
-                          </m:rPr>
-                          <m:t>,</m:t>
-                        </m:r>
-                        <m:r>
-                          <m:t>6</m:t>
-                        </m:r>
-                      </m:e>
-                    </m:d>
-                  </m:oMath>
-                </a14:m>
-              </a:p>
-              <a:p>
-                <a:pPr lvl="0" indent="0" marL="0">
-                  <a:buNone/>
-                </a:pPr>
-                <a14:m>
-                  <m:oMath xmlns:m="http://schemas.openxmlformats.org/officeDocument/2006/math">
-                    <m:sSup>
-                      <m:e>
-                        <m:r>
-                          <m:t>X</m:t>
-                        </m:r>
-                      </m:e>
-                      <m:sup>
-                        <m:d>
-                          <m:dPr>
-                            <m:begChr m:val="("/>
-                            <m:endChr m:val=")"/>
-                            <m:sepChr m:val=""/>
-                            <m:grow/>
-                          </m:dPr>
-                          <m:e>
-                            <m:r>
-                              <m:rPr>
-                                <m:sty m:val="p"/>
-                              </m:rPr>
-                              <m:t>−</m:t>
-                            </m:r>
-                            <m:r>
-                              <m:t>2</m:t>
-                            </m:r>
-                          </m:e>
-                        </m:d>
-                      </m:sup>
-                    </m:sSup>
-                    <m:r>
-                      <m:rPr>
-                        <m:sty m:val="p"/>
-                      </m:rPr>
-                      <m:t>=</m:t>
-                    </m:r>
-                    <m:d>
-                      <m:dPr>
-                        <m:begChr m:val="("/>
-                        <m:endChr m:val=")"/>
-                        <m:sepChr m:val=""/>
-                        <m:grow/>
-                      </m:dPr>
-                      <m:e>
-                        <m:r>
-                          <m:t>2</m:t>
-                        </m:r>
-                        <m:r>
-                          <m:rPr>
-                            <m:sty m:val="p"/>
-                          </m:rPr>
-                          <m:t>,</m:t>
-                        </m:r>
-                        <m:r>
-                          <m:t> </m:t>
-                        </m:r>
-                        <m:r>
-                          <m:t> </m:t>
-                        </m:r>
-                        <m:r>
-                          <m:rPr>
-                            <m:sty m:val="p"/>
-                          </m:rPr>
-                          <m:t>,</m:t>
-                        </m:r>
-                        <m:r>
-                          <m:t>7</m:t>
-                        </m:r>
-                        <m:r>
-                          <m:rPr>
-                            <m:sty m:val="p"/>
-                          </m:rPr>
-                          <m:t>,</m:t>
-                        </m:r>
-                        <m:r>
-                          <m:t>5</m:t>
-                        </m:r>
-                        <m:r>
-                          <m:rPr>
-                            <m:sty m:val="p"/>
-                          </m:rPr>
-                          <m:t>,</m:t>
-                        </m:r>
-                        <m:r>
-                          <m:t>6</m:t>
-                        </m:r>
-                      </m:e>
-                    </m:d>
-                  </m:oMath>
-                </a14:m>
-              </a:p>
-              <a:p>
-                <a:pPr lvl="0" indent="0" marL="0">
-                  <a:buNone/>
-                </a:pPr>
-                <a14:m>
-                  <m:oMath xmlns:m="http://schemas.openxmlformats.org/officeDocument/2006/math">
-                    <m:sSup>
-                      <m:e>
-                        <m:r>
-                          <m:t>X</m:t>
-                        </m:r>
-                      </m:e>
-                      <m:sup>
-                        <m:d>
-                          <m:dPr>
-                            <m:begChr m:val="("/>
-                            <m:endChr m:val=")"/>
-                            <m:sepChr m:val=""/>
-                            <m:grow/>
-                          </m:dPr>
-                          <m:e>
-                            <m:r>
-                              <m:rPr>
-                                <m:sty m:val="p"/>
-                              </m:rPr>
-                              <m:t>−</m:t>
-                            </m:r>
-                            <m:r>
-                              <m:t>3</m:t>
-                            </m:r>
-                          </m:e>
-                        </m:d>
-                      </m:sup>
-                    </m:sSup>
-                    <m:r>
-                      <m:rPr>
-                        <m:sty m:val="p"/>
-                      </m:rPr>
-                      <m:t>=</m:t>
-                    </m:r>
-                    <m:d>
-                      <m:dPr>
-                        <m:begChr m:val="("/>
-                        <m:endChr m:val=")"/>
-                        <m:sepChr m:val=""/>
-                        <m:grow/>
-                      </m:dPr>
-                      <m:e>
-                        <m:r>
-                          <m:t>2</m:t>
-                        </m:r>
-                        <m:r>
-                          <m:rPr>
-                            <m:sty m:val="p"/>
-                          </m:rPr>
-                          <m:t>,</m:t>
-                        </m:r>
-                        <m:r>
-                          <m:t>3</m:t>
-                        </m:r>
-                        <m:r>
-                          <m:rPr>
-                            <m:sty m:val="p"/>
-                          </m:rPr>
-                          <m:t>,</m:t>
-                        </m:r>
-                        <m:r>
-                          <m:t> </m:t>
-                        </m:r>
-                        <m:r>
-                          <m:t> </m:t>
-                        </m:r>
-                        <m:r>
-                          <m:rPr>
-                            <m:sty m:val="p"/>
-                          </m:rPr>
-                          <m:t>,</m:t>
-                        </m:r>
-                        <m:r>
-                          <m:t>5</m:t>
-                        </m:r>
-                        <m:r>
-                          <m:rPr>
-                            <m:sty m:val="p"/>
-                          </m:rPr>
-                          <m:t>,</m:t>
-                        </m:r>
-                        <m:r>
-                          <m:t>6</m:t>
-                        </m:r>
-                      </m:e>
-                    </m:d>
-                  </m:oMath>
-                </a14:m>
-              </a:p>
-              <a:p>
-                <a:pPr lvl="0" indent="0" marL="0">
-                  <a:buNone/>
-                </a:pPr>
-                <a14:m>
-                  <m:oMath xmlns:m="http://schemas.openxmlformats.org/officeDocument/2006/math">
-                    <m:sSup>
-                      <m:e>
-                        <m:r>
-                          <m:t>X</m:t>
-                        </m:r>
-                      </m:e>
-                      <m:sup>
-                        <m:d>
-                          <m:dPr>
-                            <m:begChr m:val="("/>
-                            <m:endChr m:val=")"/>
-                            <m:sepChr m:val=""/>
-                            <m:grow/>
-                          </m:dPr>
-                          <m:e>
-                            <m:r>
-                              <m:rPr>
-                                <m:sty m:val="p"/>
-                              </m:rPr>
-                              <m:t>−</m:t>
-                            </m:r>
-                            <m:r>
-                              <m:t>4</m:t>
-                            </m:r>
-                          </m:e>
-                        </m:d>
-                      </m:sup>
-                    </m:sSup>
-                    <m:r>
-                      <m:rPr>
-                        <m:sty m:val="p"/>
-                      </m:rPr>
-                      <m:t>=</m:t>
-                    </m:r>
-                    <m:d>
-                      <m:dPr>
-                        <m:begChr m:val="("/>
-                        <m:endChr m:val=")"/>
-                        <m:sepChr m:val=""/>
-                        <m:grow/>
-                      </m:dPr>
-                      <m:e>
-                        <m:r>
-                          <m:t>2</m:t>
-                        </m:r>
-                        <m:r>
-                          <m:rPr>
-                            <m:sty m:val="p"/>
-                          </m:rPr>
-                          <m:t>,</m:t>
-                        </m:r>
-                        <m:r>
-                          <m:t>3</m:t>
-                        </m:r>
-                        <m:r>
-                          <m:rPr>
-                            <m:sty m:val="p"/>
-                          </m:rPr>
-                          <m:t>,</m:t>
-                        </m:r>
-                        <m:r>
-                          <m:t>7</m:t>
-                        </m:r>
-                        <m:r>
-                          <m:rPr>
-                            <m:sty m:val="p"/>
-                          </m:rPr>
-                          <m:t>,</m:t>
-                        </m:r>
-                        <m:r>
-                          <m:t> </m:t>
-                        </m:r>
-                        <m:r>
-                          <m:t> </m:t>
-                        </m:r>
-                        <m:r>
-                          <m:rPr>
-                            <m:sty m:val="p"/>
-                          </m:rPr>
-                          <m:t>,</m:t>
-                        </m:r>
-                        <m:r>
-                          <m:t>6</m:t>
-                        </m:r>
-                      </m:e>
-                    </m:d>
-                  </m:oMath>
-                </a14:m>
-              </a:p>
-              <a:p>
-                <a:pPr lvl="0" indent="0" marL="0">
-                  <a:buNone/>
-                </a:pPr>
-                <a14:m>
-                  <m:oMath xmlns:m="http://schemas.openxmlformats.org/officeDocument/2006/math">
-                    <m:sSup>
-                      <m:e>
-                        <m:r>
-                          <m:t>X</m:t>
-                        </m:r>
-                      </m:e>
-                      <m:sup>
-                        <m:d>
-                          <m:dPr>
-                            <m:begChr m:val="("/>
-                            <m:endChr m:val=")"/>
-                            <m:sepChr m:val=""/>
-                            <m:grow/>
-                          </m:dPr>
-                          <m:e>
-                            <m:r>
-                              <m:rPr>
-                                <m:sty m:val="p"/>
-                              </m:rPr>
-                              <m:t>−</m:t>
-                            </m:r>
-                            <m:r>
-                              <m:t>5</m:t>
-                            </m:r>
-                          </m:e>
-                        </m:d>
-                      </m:sup>
-                    </m:sSup>
-                    <m:r>
-                      <m:rPr>
-                        <m:sty m:val="p"/>
-                      </m:rPr>
-                      <m:t>=</m:t>
-                    </m:r>
-                    <m:d>
-                      <m:dPr>
-                        <m:begChr m:val="("/>
-                        <m:endChr m:val=")"/>
-                        <m:sepChr m:val=""/>
-                        <m:grow/>
-                      </m:dPr>
-                      <m:e>
-                        <m:r>
-                          <m:t>2</m:t>
-                        </m:r>
-                        <m:r>
-                          <m:rPr>
-                            <m:sty m:val="p"/>
-                          </m:rPr>
-                          <m:t>,</m:t>
-                        </m:r>
-                        <m:r>
-                          <m:t>3</m:t>
-                        </m:r>
-                        <m:r>
-                          <m:rPr>
-                            <m:sty m:val="p"/>
-                          </m:rPr>
-                          <m:t>,</m:t>
-                        </m:r>
-                        <m:r>
-                          <m:t>7</m:t>
-                        </m:r>
-                        <m:r>
-                          <m:rPr>
-                            <m:sty m:val="p"/>
-                          </m:rPr>
-                          <m:t>,</m:t>
-                        </m:r>
-                        <m:r>
-                          <m:t>5</m:t>
-                        </m:r>
-                        <m:r>
-                          <m:rPr>
-                            <m:sty m:val="p"/>
-                          </m:rPr>
-                          <m:t>,</m:t>
-                        </m:r>
-                        <m:r>
-                          <m:t> </m:t>
-                        </m:r>
-                        <m:r>
-                          <m:t> </m:t>
-                        </m:r>
-                      </m:e>
-                    </m:d>
-                  </m:oMath>
-                </a14:m>
-              </a:p>
-            </p:txBody>
-          </p:sp>
-        </mc:Choice>
-      </mc:AlternateContent>
-    </p:spTree>
-  </p:cSld>
-</p:sld>
-</file>
-
-<file path=ppt/slides/slide9.xml><?xml version="1.0" encoding="utf-8"?>
-<p:sld xmlns:a="http://schemas.openxmlformats.org/drawingml/2006/main" xmlns:r="http://schemas.openxmlformats.org/officeDocument/2006/relationships" xmlns:p="http://schemas.openxmlformats.org/presentationml/2006/main">
-  <p:cSld>
-    <p:spTree>
-      <p:nvGrpSpPr>
-        <p:cNvPr id="1" name=""/>
-        <p:cNvGrpSpPr/>
-        <p:nvPr/>
-      </p:nvGrpSpPr>
-      <p:grpSpPr>
-        <a:xfrm>
-          <a:off x="0" y="0"/>
-          <a:ext cx="0" cy="0"/>
-          <a:chOff x="0" y="0"/>
-          <a:chExt cx="0" cy="0"/>
-        </a:xfrm>
-      </p:grpSpPr>
-      <p:sp>
-        <p:nvSpPr>
-          <p:cNvPr id="2" name="Title 1"/>
-          <p:cNvSpPr>
-            <a:spLocks noGrp="1"/>
-          </p:cNvSpPr>
-          <p:nvPr>
-            <p:ph type="title"/>
-          </p:nvPr>
-        </p:nvSpPr>
-        <p:spPr/>
-        <p:txBody>
-          <a:bodyPr/>
-          <a:lstStyle/>
-          <a:p>
-            <a:pPr lvl="0" indent="0" marL="0">
-              <a:buNone/>
-            </a:pPr>
-            <a:r>
-              <a:rPr/>
-              <a:t>The jackknife (2/3)</a:t>
+              <a:t>The jackknife (3/4)</a:t>
             </a:r>
           </a:p>
         </p:txBody>
@@ -8229,6 +5418,4918 @@
                   <a:rPr/>
                   <a:t> (2, 3, 7, 5) = 1.75</a:t>
                 </a:r>
+              </a:p>
+            </p:txBody>
+          </p:sp>
+        </mc:Choice>
+      </mc:AlternateContent>
+    </p:spTree>
+  </p:cSld>
+</p:sld>
+</file>
+
+<file path=ppt/slides/slide11.xml><?xml version="1.0" encoding="utf-8"?>
+<p:sld xmlns:a="http://schemas.openxmlformats.org/drawingml/2006/main" xmlns:r="http://schemas.openxmlformats.org/officeDocument/2006/relationships" xmlns:p="http://schemas.openxmlformats.org/presentationml/2006/main">
+  <p:cSld>
+    <p:spTree>
+      <p:nvGrpSpPr>
+        <p:cNvPr id="1" name=""/>
+        <p:cNvGrpSpPr/>
+        <p:nvPr/>
+      </p:nvGrpSpPr>
+      <p:grpSpPr>
+        <a:xfrm>
+          <a:off x="0" y="0"/>
+          <a:ext cx="0" cy="0"/>
+          <a:chOff x="0" y="0"/>
+          <a:chExt cx="0" cy="0"/>
+        </a:xfrm>
+      </p:grpSpPr>
+      <p:sp>
+        <p:nvSpPr>
+          <p:cNvPr id="2" name="Title 1"/>
+          <p:cNvSpPr>
+            <a:spLocks noGrp="1"/>
+          </p:cNvSpPr>
+          <p:nvPr>
+            <p:ph type="title"/>
+          </p:nvPr>
+        </p:nvSpPr>
+        <p:spPr/>
+        <p:txBody>
+          <a:bodyPr/>
+          <a:lstStyle/>
+          <a:p>
+            <a:pPr lvl="0" indent="0" marL="0">
+              <a:buNone/>
+            </a:pPr>
+            <a:r>
+              <a:rPr/>
+              <a:t>The jackknife (4/4)</a:t>
+            </a:r>
+          </a:p>
+        </p:txBody>
+      </p:sp>
+      <p:sp>
+        <p:nvSpPr>
+          <p:cNvPr id="3" name="Content Placeholder 2"/>
+          <p:cNvSpPr>
+            <a:spLocks noGrp="1"/>
+          </p:cNvSpPr>
+          <p:nvPr>
+            <p:ph idx="1"/>
+          </p:nvPr>
+        </p:nvSpPr>
+        <p:spPr/>
+        <p:txBody>
+          <a:bodyPr/>
+          <a:lstStyle/>
+          <a:p>
+            <a:pPr lvl="0"/>
+            <a:r>
+              <a:rPr/>
+              <a:t>MAD (Full sample) = 1.68</a:t>
+            </a:r>
+          </a:p>
+          <a:p>
+            <a:pPr lvl="0"/>
+            <a:r>
+              <a:rPr/>
+              <a:t>Average MAD (Jackknife subsamples) = 1.6</a:t>
+            </a:r>
+          </a:p>
+          <a:p>
+            <a:pPr lvl="0"/>
+            <a:r>
+              <a:rPr/>
+              <a:t>Standard deviation MAD (Jackknife subsamples) = 0.285</a:t>
+            </a:r>
+          </a:p>
+        </p:txBody>
+      </p:sp>
+    </p:spTree>
+  </p:cSld>
+</p:sld>
+</file>
+
+<file path=ppt/slides/slide12.xml><?xml version="1.0" encoding="utf-8"?>
+<p:sld xmlns:a="http://schemas.openxmlformats.org/drawingml/2006/main" xmlns:r="http://schemas.openxmlformats.org/officeDocument/2006/relationships" xmlns:p="http://schemas.openxmlformats.org/presentationml/2006/main">
+  <p:cSld>
+    <p:spTree>
+      <p:nvGrpSpPr>
+        <p:cNvPr id="1" name=""/>
+        <p:cNvGrpSpPr/>
+        <p:nvPr/>
+      </p:nvGrpSpPr>
+      <p:grpSpPr>
+        <a:xfrm>
+          <a:off x="0" y="0"/>
+          <a:ext cx="0" cy="0"/>
+          <a:chOff x="0" y="0"/>
+          <a:chExt cx="0" cy="0"/>
+        </a:xfrm>
+      </p:grpSpPr>
+      <p:sp>
+        <p:nvSpPr>
+          <p:cNvPr id="2" name="Title 1"/>
+          <p:cNvSpPr>
+            <a:spLocks noGrp="1"/>
+          </p:cNvSpPr>
+          <p:nvPr>
+            <p:ph type="title"/>
+          </p:nvPr>
+        </p:nvSpPr>
+        <p:spPr/>
+        <p:txBody>
+          <a:bodyPr/>
+          <a:lstStyle/>
+          <a:p>
+            <a:pPr lvl="0" indent="0" marL="0">
+              <a:buNone/>
+            </a:pPr>
+            <a:r>
+              <a:rPr/>
+              <a:t>Bradley Efron’s contribution (1/5)</a:t>
+            </a:r>
+          </a:p>
+        </p:txBody>
+      </p:sp>
+      <p:pic>
+        <p:nvPicPr>
+          <p:cNvPr descr="fig:  ../images/bradley-efron-02.jpg" id="0" name="Picture 1"/>
+          <p:cNvPicPr>
+            <a:picLocks noGrp="1" noChangeAspect="1"/>
+          </p:cNvPicPr>
+          <p:nvPr/>
+        </p:nvPicPr>
+        <p:blipFill>
+          <a:blip r:embed="rId3"/>
+          <a:stretch>
+            <a:fillRect/>
+          </a:stretch>
+        </p:blipFill>
+        <p:spPr bwMode="auto">
+          <a:xfrm>
+            <a:off x="2273300" y="1193800"/>
+            <a:ext cx="4584700" cy="2882900"/>
+          </a:xfrm>
+          <a:prstGeom prst="rect">
+            <a:avLst/>
+          </a:prstGeom>
+          <a:noFill/>
+          <a:ln w="9525">
+            <a:noFill/>
+            <a:headEnd/>
+            <a:tailEnd/>
+          </a:ln>
+        </p:spPr>
+      </p:pic>
+      <p:sp>
+        <p:nvSpPr>
+          <p:cNvPr id="1" name="TextBox 3"/>
+          <p:cNvSpPr txBox="1"/>
+          <p:nvPr/>
+        </p:nvSpPr>
+        <p:spPr>
+          <a:xfrm>
+            <a:off x="457200" y="4076700"/>
+            <a:ext cx="8229600" cy="508000"/>
+          </a:xfrm>
+          <a:prstGeom prst="rect">
+            <a:avLst/>
+          </a:prstGeom>
+          <a:noFill/>
+        </p:spPr>
+        <p:txBody>
+          <a:bodyPr/>
+          <a:lstStyle/>
+          <a:p>
+            <a:pPr lvl="0" indent="0" marL="0" algn="ctr">
+              <a:buNone/>
+            </a:pPr>
+            <a:r>
+              <a:rPr/>
+              <a:t>Figure 1. Photograph of Bradley Efron with President Bush</a:t>
+            </a:r>
+          </a:p>
+        </p:txBody>
+      </p:sp>
+    </p:spTree>
+  </p:cSld>
+</p:sld>
+</file>
+
+<file path=ppt/slides/slide13.xml><?xml version="1.0" encoding="utf-8"?>
+<p:sld xmlns:a="http://schemas.openxmlformats.org/drawingml/2006/main" xmlns:r="http://schemas.openxmlformats.org/officeDocument/2006/relationships" xmlns:p="http://schemas.openxmlformats.org/presentationml/2006/main">
+  <p:cSld>
+    <p:spTree>
+      <p:nvGrpSpPr>
+        <p:cNvPr id="1" name=""/>
+        <p:cNvGrpSpPr/>
+        <p:nvPr/>
+      </p:nvGrpSpPr>
+      <p:grpSpPr>
+        <a:xfrm>
+          <a:off x="0" y="0"/>
+          <a:ext cx="0" cy="0"/>
+          <a:chOff x="0" y="0"/>
+          <a:chExt cx="0" cy="0"/>
+        </a:xfrm>
+      </p:grpSpPr>
+      <p:sp>
+        <p:nvSpPr>
+          <p:cNvPr id="2" name="Title 1"/>
+          <p:cNvSpPr>
+            <a:spLocks noGrp="1"/>
+          </p:cNvSpPr>
+          <p:nvPr>
+            <p:ph type="title"/>
+          </p:nvPr>
+        </p:nvSpPr>
+        <p:spPr/>
+        <p:txBody>
+          <a:bodyPr/>
+          <a:lstStyle/>
+          <a:p>
+            <a:pPr lvl="0" indent="0" marL="0">
+              <a:buNone/>
+            </a:pPr>
+            <a:r>
+              <a:rPr/>
+              <a:t>Bradley Efron’s contribution (2/5)</a:t>
+            </a:r>
+          </a:p>
+        </p:txBody>
+      </p:sp>
+      <p:sp>
+        <p:nvSpPr>
+          <p:cNvPr id="3" name="Content Placeholder 2"/>
+          <p:cNvSpPr>
+            <a:spLocks noGrp="1"/>
+          </p:cNvSpPr>
+          <p:nvPr>
+            <p:ph idx="1"/>
+          </p:nvPr>
+        </p:nvSpPr>
+        <p:spPr/>
+        <p:txBody>
+          <a:bodyPr/>
+          <a:lstStyle/>
+          <a:p>
+            <a:pPr lvl="0" indent="0" marL="0">
+              <a:buNone/>
+            </a:pPr>
+            <a:r>
+              <a:rPr/>
+              <a:t>The bootstrap sample=sampling with replacement.</a:t>
+            </a:r>
+          </a:p>
+          <a:p>
+            <a:pPr lvl="0" indent="0" marL="0">
+              <a:buNone/>
+            </a:pPr>
+            <a:r>
+              <a:rPr/>
+              <a:t>Bootstrap sample #1: (7, 2, 5, 3, 5)</a:t>
+            </a:r>
+          </a:p>
+          <a:p>
+            <a:pPr lvl="0" indent="0" marL="0">
+              <a:buNone/>
+            </a:pPr>
+            <a:r>
+              <a:rPr/>
+              <a:t>Bootstrap sample #2: (5, 7, 3, 5, 7)</a:t>
+            </a:r>
+          </a:p>
+          <a:p>
+            <a:pPr lvl="0" indent="0" marL="0">
+              <a:buNone/>
+            </a:pPr>
+            <a:r>
+              <a:rPr/>
+              <a:t>Bootstrap sample #3: (7, 2, 2, 2, 2)</a:t>
+            </a:r>
+          </a:p>
+          <a:p>
+            <a:pPr lvl="0" indent="0" marL="0">
+              <a:buNone/>
+            </a:pPr>
+            <a:r>
+              <a:rPr/>
+              <a:t>…</a:t>
+            </a:r>
+          </a:p>
+          <a:p>
+            <a:pPr lvl="0" indent="0" marL="0">
+              <a:buNone/>
+            </a:pPr>
+            <a:r>
+              <a:rPr/>
+              <a:t>Bootstrap sample #500: (7, 7, 3, 2, 7)</a:t>
+            </a:r>
+          </a:p>
+        </p:txBody>
+      </p:sp>
+    </p:spTree>
+  </p:cSld>
+</p:sld>
+</file>
+
+<file path=ppt/slides/slide14.xml><?xml version="1.0" encoding="utf-8"?>
+<p:sld xmlns:a="http://schemas.openxmlformats.org/drawingml/2006/main" xmlns:r="http://schemas.openxmlformats.org/officeDocument/2006/relationships" xmlns:p="http://schemas.openxmlformats.org/presentationml/2006/main">
+  <p:cSld>
+    <p:spTree>
+      <p:nvGrpSpPr>
+        <p:cNvPr id="1" name=""/>
+        <p:cNvGrpSpPr/>
+        <p:nvPr/>
+      </p:nvGrpSpPr>
+      <p:grpSpPr>
+        <a:xfrm>
+          <a:off x="0" y="0"/>
+          <a:ext cx="0" cy="0"/>
+          <a:chOff x="0" y="0"/>
+          <a:chExt cx="0" cy="0"/>
+        </a:xfrm>
+      </p:grpSpPr>
+      <p:sp>
+        <p:nvSpPr>
+          <p:cNvPr id="2" name="Title 1"/>
+          <p:cNvSpPr>
+            <a:spLocks noGrp="1"/>
+          </p:cNvSpPr>
+          <p:nvPr>
+            <p:ph type="title"/>
+          </p:nvPr>
+        </p:nvSpPr>
+        <p:spPr/>
+        <p:txBody>
+          <a:bodyPr/>
+          <a:lstStyle/>
+          <a:p>
+            <a:pPr lvl="0" indent="0" marL="0">
+              <a:buNone/>
+            </a:pPr>
+            <a:r>
+              <a:rPr/>
+              <a:t>Bradley Efron’s contribution (3/5)</a:t>
+            </a:r>
+          </a:p>
+        </p:txBody>
+      </p:sp>
+      <p:sp>
+        <p:nvSpPr>
+          <p:cNvPr id="3" name="Content Placeholder 2"/>
+          <p:cNvSpPr>
+            <a:spLocks noGrp="1"/>
+          </p:cNvSpPr>
+          <p:nvPr>
+            <p:ph idx="1"/>
+          </p:nvPr>
+        </p:nvSpPr>
+        <p:spPr/>
+        <p:txBody>
+          <a:bodyPr/>
+          <a:lstStyle/>
+          <a:p>
+            <a:pPr lvl="0" indent="0" marL="0">
+              <a:buNone/>
+            </a:pPr>
+            <a:r>
+              <a:rPr/>
+              <a:t>MAD(7, 2, 5, 3, 5) = 1.52</a:t>
+            </a:r>
+          </a:p>
+          <a:p>
+            <a:pPr lvl="0" indent="0" marL="0">
+              <a:buNone/>
+            </a:pPr>
+            <a:r>
+              <a:rPr/>
+              <a:t>MAD(5, 7, 3, 5, 7) = 1.28</a:t>
+            </a:r>
+          </a:p>
+          <a:p>
+            <a:pPr lvl="0" indent="0" marL="0">
+              <a:buNone/>
+            </a:pPr>
+            <a:r>
+              <a:rPr/>
+              <a:t>MAD(7, 2, 2, 2, 2) = 1.6</a:t>
+            </a:r>
+          </a:p>
+          <a:p>
+            <a:pPr lvl="0" indent="0" marL="0">
+              <a:buNone/>
+            </a:pPr>
+            <a:r>
+              <a:rPr/>
+              <a:t>…</a:t>
+            </a:r>
+          </a:p>
+          <a:p>
+            <a:pPr lvl="0" indent="0" marL="0">
+              <a:buNone/>
+            </a:pPr>
+            <a:r>
+              <a:rPr/>
+              <a:t>MAD(7, 7, 3, 2, 7) = 2.16</a:t>
+            </a:r>
+          </a:p>
+        </p:txBody>
+      </p:sp>
+    </p:spTree>
+  </p:cSld>
+</p:sld>
+</file>
+
+<file path=ppt/slides/slide15.xml><?xml version="1.0" encoding="utf-8"?>
+<p:sld xmlns:a="http://schemas.openxmlformats.org/drawingml/2006/main" xmlns:r="http://schemas.openxmlformats.org/officeDocument/2006/relationships" xmlns:p="http://schemas.openxmlformats.org/presentationml/2006/main">
+  <p:cSld>
+    <p:spTree>
+      <p:nvGrpSpPr>
+        <p:cNvPr id="1" name=""/>
+        <p:cNvGrpSpPr/>
+        <p:nvPr/>
+      </p:nvGrpSpPr>
+      <p:grpSpPr>
+        <a:xfrm>
+          <a:off x="0" y="0"/>
+          <a:ext cx="0" cy="0"/>
+          <a:chOff x="0" y="0"/>
+          <a:chExt cx="0" cy="0"/>
+        </a:xfrm>
+      </p:grpSpPr>
+      <p:sp>
+        <p:nvSpPr>
+          <p:cNvPr id="2" name="Title 1"/>
+          <p:cNvSpPr>
+            <a:spLocks noGrp="1"/>
+          </p:cNvSpPr>
+          <p:nvPr>
+            <p:ph type="title"/>
+          </p:nvPr>
+        </p:nvSpPr>
+        <p:spPr/>
+        <p:txBody>
+          <a:bodyPr/>
+          <a:lstStyle/>
+          <a:p>
+            <a:pPr lvl="0" indent="0" marL="0">
+              <a:buNone/>
+            </a:pPr>
+            <a:r>
+              <a:rPr/>
+              <a:t>Bradley Efron’s contribution (4/5)</a:t>
+            </a:r>
+          </a:p>
+        </p:txBody>
+      </p:sp>
+      <p:sp>
+        <p:nvSpPr>
+          <p:cNvPr id="3" name="Content Placeholder 2"/>
+          <p:cNvSpPr>
+            <a:spLocks noGrp="1"/>
+          </p:cNvSpPr>
+          <p:nvPr>
+            <p:ph idx="1"/>
+          </p:nvPr>
+        </p:nvSpPr>
+        <p:spPr/>
+        <p:txBody>
+          <a:bodyPr/>
+          <a:lstStyle/>
+          <a:p>
+            <a:pPr lvl="0"/>
+            <a:r>
+              <a:rPr/>
+              <a:t>MAD (Full sample) = 1.68</a:t>
+            </a:r>
+          </a:p>
+          <a:p>
+            <a:pPr lvl="0"/>
+            <a:r>
+              <a:rPr/>
+              <a:t>Average MAD (Bootstrap samples) = 1.405</a:t>
+            </a:r>
+          </a:p>
+          <a:p>
+            <a:pPr lvl="0"/>
+            <a:r>
+              <a:rPr/>
+              <a:t>Standard deviation MAD (Bootstrap samples) = 0.461</a:t>
+            </a:r>
+          </a:p>
+        </p:txBody>
+      </p:sp>
+    </p:spTree>
+  </p:cSld>
+</p:sld>
+</file>
+
+<file path=ppt/slides/slide16.xml><?xml version="1.0" encoding="utf-8"?>
+<p:sld xmlns:a="http://schemas.openxmlformats.org/drawingml/2006/main" xmlns:r="http://schemas.openxmlformats.org/officeDocument/2006/relationships" xmlns:p="http://schemas.openxmlformats.org/presentationml/2006/main">
+  <p:cSld>
+    <p:spTree>
+      <p:nvGrpSpPr>
+        <p:cNvPr id="1" name=""/>
+        <p:cNvGrpSpPr/>
+        <p:nvPr/>
+      </p:nvGrpSpPr>
+      <p:grpSpPr>
+        <a:xfrm>
+          <a:off x="0" y="0"/>
+          <a:ext cx="0" cy="0"/>
+          <a:chOff x="0" y="0"/>
+          <a:chExt cx="0" cy="0"/>
+        </a:xfrm>
+      </p:grpSpPr>
+      <p:sp>
+        <p:nvSpPr>
+          <p:cNvPr id="2" name="Title 1"/>
+          <p:cNvSpPr>
+            <a:spLocks noGrp="1"/>
+          </p:cNvSpPr>
+          <p:nvPr>
+            <p:ph type="title"/>
+          </p:nvPr>
+        </p:nvSpPr>
+        <p:spPr/>
+        <p:txBody>
+          <a:bodyPr/>
+          <a:lstStyle/>
+          <a:p>
+            <a:pPr lvl="0" indent="0" marL="0">
+              <a:buNone/>
+            </a:pPr>
+            <a:r>
+              <a:rPr/>
+              <a:t>Bradley Efron’s contribution (5/5)</a:t>
+            </a:r>
+          </a:p>
+        </p:txBody>
+      </p:sp>
+      <p:pic>
+        <p:nvPicPr>
+          <p:cNvPr descr="fig:  ../images/histogram01.png" id="0" name="Picture 1"/>
+          <p:cNvPicPr>
+            <a:picLocks noGrp="1" noChangeAspect="1"/>
+          </p:cNvPicPr>
+          <p:nvPr/>
+        </p:nvPicPr>
+        <p:blipFill>
+          <a:blip r:embed="rId3"/>
+          <a:stretch>
+            <a:fillRect/>
+          </a:stretch>
+        </p:blipFill>
+        <p:spPr bwMode="auto">
+          <a:xfrm>
+            <a:off x="3124200" y="1193800"/>
+            <a:ext cx="2882900" cy="2882900"/>
+          </a:xfrm>
+          <a:prstGeom prst="rect">
+            <a:avLst/>
+          </a:prstGeom>
+          <a:noFill/>
+          <a:ln w="9525">
+            <a:noFill/>
+            <a:headEnd/>
+            <a:tailEnd/>
+          </a:ln>
+        </p:spPr>
+      </p:pic>
+      <p:sp>
+        <p:nvSpPr>
+          <p:cNvPr id="1" name="TextBox 3"/>
+          <p:cNvSpPr txBox="1"/>
+          <p:nvPr/>
+        </p:nvSpPr>
+        <p:spPr>
+          <a:xfrm>
+            <a:off x="457200" y="4076700"/>
+            <a:ext cx="8229600" cy="508000"/>
+          </a:xfrm>
+          <a:prstGeom prst="rect">
+            <a:avLst/>
+          </a:prstGeom>
+          <a:noFill/>
+        </p:spPr>
+        <p:txBody>
+          <a:bodyPr/>
+          <a:lstStyle/>
+          <a:p>
+            <a:pPr lvl="0" indent="0" marL="0" algn="ctr">
+              <a:buNone/>
+            </a:pPr>
+            <a:r>
+              <a:rPr/>
+              <a:t>Figure 1. Histogram of bootstrapped estimates</a:t>
+            </a:r>
+          </a:p>
+        </p:txBody>
+      </p:sp>
+    </p:spTree>
+  </p:cSld>
+</p:sld>
+</file>
+
+<file path=ppt/slides/slide17.xml><?xml version="1.0" encoding="utf-8"?>
+<p:sld xmlns:a="http://schemas.openxmlformats.org/drawingml/2006/main" xmlns:r="http://schemas.openxmlformats.org/officeDocument/2006/relationships" xmlns:p="http://schemas.openxmlformats.org/presentationml/2006/main">
+  <p:cSld>
+    <p:spTree>
+      <p:nvGrpSpPr>
+        <p:cNvPr id="1" name=""/>
+        <p:cNvGrpSpPr/>
+        <p:nvPr/>
+      </p:nvGrpSpPr>
+      <p:grpSpPr>
+        <a:xfrm>
+          <a:off x="0" y="0"/>
+          <a:ext cx="0" cy="0"/>
+          <a:chOff x="0" y="0"/>
+          <a:chExt cx="0" cy="0"/>
+        </a:xfrm>
+      </p:grpSpPr>
+      <p:sp>
+        <p:nvSpPr>
+          <p:cNvPr id="2" name="Title 1"/>
+          <p:cNvSpPr>
+            <a:spLocks noGrp="1"/>
+          </p:cNvSpPr>
+          <p:nvPr>
+            <p:ph type="title"/>
+          </p:nvPr>
+        </p:nvSpPr>
+        <p:spPr/>
+        <p:txBody>
+          <a:bodyPr/>
+          <a:lstStyle/>
+          <a:p>
+            <a:pPr lvl="0" indent="0" marL="0">
+              <a:buNone/>
+            </a:pPr>
+            <a:r>
+              <a:rPr/>
+              <a:t>Bagging (1/4)</a:t>
+            </a:r>
+          </a:p>
+        </p:txBody>
+      </p:sp>
+      <p:sp>
+        <p:nvSpPr>
+          <p:cNvPr id="3" name="Content Placeholder 2"/>
+          <p:cNvSpPr>
+            <a:spLocks noGrp="1"/>
+          </p:cNvSpPr>
+          <p:nvPr>
+            <p:ph idx="1"/>
+          </p:nvPr>
+        </p:nvSpPr>
+        <p:spPr/>
+        <p:txBody>
+          <a:bodyPr/>
+          <a:lstStyle/>
+          <a:p>
+            <a:pPr lvl="0"/>
+            <a:r>
+              <a:rPr/>
+              <a:t>Portmanteau for bootstrap aggregation</a:t>
+            </a:r>
+          </a:p>
+          <a:p>
+            <a:pPr lvl="1"/>
+            <a:r>
+              <a:rPr/>
+              <a:t>Used in random forests</a:t>
+            </a:r>
+          </a:p>
+          <a:p>
+            <a:pPr lvl="0"/>
+            <a:r>
+              <a:rPr/>
+              <a:t>Developed by Leo Breiman in 1996</a:t>
+            </a:r>
+          </a:p>
+          <a:p>
+            <a:pPr lvl="0"/>
+            <a:r>
+              <a:rPr/>
+              <a:t>Start with CART model</a:t>
+            </a:r>
+          </a:p>
+          <a:p>
+            <a:pPr lvl="1"/>
+            <a:r>
+              <a:rPr/>
+              <a:t>Classification And Regression Tree</a:t>
+            </a:r>
+          </a:p>
+        </p:txBody>
+      </p:sp>
+    </p:spTree>
+  </p:cSld>
+</p:sld>
+</file>
+
+<file path=ppt/slides/slide18.xml><?xml version="1.0" encoding="utf-8"?>
+<p:sld xmlns:a="http://schemas.openxmlformats.org/drawingml/2006/main" xmlns:r="http://schemas.openxmlformats.org/officeDocument/2006/relationships" xmlns:p="http://schemas.openxmlformats.org/presentationml/2006/main">
+  <p:cSld>
+    <p:spTree>
+      <p:nvGrpSpPr>
+        <p:cNvPr id="1" name=""/>
+        <p:cNvGrpSpPr/>
+        <p:nvPr/>
+      </p:nvGrpSpPr>
+      <p:grpSpPr>
+        <a:xfrm>
+          <a:off x="0" y="0"/>
+          <a:ext cx="0" cy="0"/>
+          <a:chOff x="0" y="0"/>
+          <a:chExt cx="0" cy="0"/>
+        </a:xfrm>
+      </p:grpSpPr>
+      <p:sp>
+        <p:nvSpPr>
+          <p:cNvPr id="2" name="Title 1"/>
+          <p:cNvSpPr>
+            <a:spLocks noGrp="1"/>
+          </p:cNvSpPr>
+          <p:nvPr>
+            <p:ph type="title"/>
+          </p:nvPr>
+        </p:nvSpPr>
+        <p:spPr/>
+        <p:txBody>
+          <a:bodyPr/>
+          <a:lstStyle/>
+          <a:p>
+            <a:pPr lvl="0" indent="0" marL="0">
+              <a:buNone/>
+            </a:pPr>
+            <a:r>
+              <a:rPr/>
+              <a:t>Bagging (2/4)</a:t>
+            </a:r>
+          </a:p>
+        </p:txBody>
+      </p:sp>
+      <p:pic>
+        <p:nvPicPr>
+          <p:cNvPr descr="fig:  ../images/regression-tree.png" id="0" name="Picture 1"/>
+          <p:cNvPicPr>
+            <a:picLocks noGrp="1" noChangeAspect="1"/>
+          </p:cNvPicPr>
+          <p:nvPr/>
+        </p:nvPicPr>
+        <p:blipFill>
+          <a:blip r:embed="rId3"/>
+          <a:stretch>
+            <a:fillRect/>
+          </a:stretch>
+        </p:blipFill>
+        <p:spPr bwMode="auto">
+          <a:xfrm>
+            <a:off x="2692400" y="1193800"/>
+            <a:ext cx="3759200" cy="2882900"/>
+          </a:xfrm>
+          <a:prstGeom prst="rect">
+            <a:avLst/>
+          </a:prstGeom>
+          <a:noFill/>
+          <a:ln w="9525">
+            <a:noFill/>
+            <a:headEnd/>
+            <a:tailEnd/>
+          </a:ln>
+        </p:spPr>
+      </p:pic>
+      <p:sp>
+        <p:nvSpPr>
+          <p:cNvPr id="1" name="TextBox 3"/>
+          <p:cNvSpPr txBox="1"/>
+          <p:nvPr/>
+        </p:nvSpPr>
+        <p:spPr>
+          <a:xfrm>
+            <a:off x="457200" y="4076700"/>
+            <a:ext cx="8229600" cy="508000"/>
+          </a:xfrm>
+          <a:prstGeom prst="rect">
+            <a:avLst/>
+          </a:prstGeom>
+          <a:noFill/>
+        </p:spPr>
+        <p:txBody>
+          <a:bodyPr/>
+          <a:lstStyle/>
+          <a:p>
+            <a:pPr lvl="0" indent="0" marL="0" algn="ctr">
+              <a:buNone/>
+            </a:pPr>
+            <a:r>
+              <a:rPr/>
+              <a:t>Figure 1. Illustration of a regression tree</a:t>
+            </a:r>
+          </a:p>
+        </p:txBody>
+      </p:sp>
+    </p:spTree>
+  </p:cSld>
+</p:sld>
+</file>
+
+<file path=ppt/slides/slide19.xml><?xml version="1.0" encoding="utf-8"?>
+<p:sld xmlns:a="http://schemas.openxmlformats.org/drawingml/2006/main" xmlns:r="http://schemas.openxmlformats.org/officeDocument/2006/relationships" xmlns:p="http://schemas.openxmlformats.org/presentationml/2006/main">
+  <p:cSld>
+    <p:spTree>
+      <p:nvGrpSpPr>
+        <p:cNvPr id="1" name=""/>
+        <p:cNvGrpSpPr/>
+        <p:nvPr/>
+      </p:nvGrpSpPr>
+      <p:grpSpPr>
+        <a:xfrm>
+          <a:off x="0" y="0"/>
+          <a:ext cx="0" cy="0"/>
+          <a:chOff x="0" y="0"/>
+          <a:chExt cx="0" cy="0"/>
+        </a:xfrm>
+      </p:grpSpPr>
+      <p:sp>
+        <p:nvSpPr>
+          <p:cNvPr id="2" name="Title 1"/>
+          <p:cNvSpPr>
+            <a:spLocks noGrp="1"/>
+          </p:cNvSpPr>
+          <p:nvPr>
+            <p:ph type="title"/>
+          </p:nvPr>
+        </p:nvSpPr>
+        <p:spPr/>
+        <p:txBody>
+          <a:bodyPr/>
+          <a:lstStyle/>
+          <a:p>
+            <a:pPr lvl="0" indent="0" marL="0">
+              <a:buNone/>
+            </a:pPr>
+            <a:r>
+              <a:rPr/>
+              <a:t>Bagging (3/4)</a:t>
+            </a:r>
+          </a:p>
+        </p:txBody>
+      </p:sp>
+      <p:pic>
+        <p:nvPicPr>
+          <p:cNvPr descr="fig:  ../images/classification-tree.jpg" id="0" name="Picture 1"/>
+          <p:cNvPicPr>
+            <a:picLocks noGrp="1" noChangeAspect="1"/>
+          </p:cNvPicPr>
+          <p:nvPr/>
+        </p:nvPicPr>
+        <p:blipFill>
+          <a:blip r:embed="rId3"/>
+          <a:stretch>
+            <a:fillRect/>
+          </a:stretch>
+        </p:blipFill>
+        <p:spPr bwMode="auto">
+          <a:xfrm>
+            <a:off x="3175000" y="1193800"/>
+            <a:ext cx="2781300" cy="2882900"/>
+          </a:xfrm>
+          <a:prstGeom prst="rect">
+            <a:avLst/>
+          </a:prstGeom>
+          <a:noFill/>
+          <a:ln w="9525">
+            <a:noFill/>
+            <a:headEnd/>
+            <a:tailEnd/>
+          </a:ln>
+        </p:spPr>
+      </p:pic>
+      <p:sp>
+        <p:nvSpPr>
+          <p:cNvPr id="1" name="TextBox 3"/>
+          <p:cNvSpPr txBox="1"/>
+          <p:nvPr/>
+        </p:nvSpPr>
+        <p:spPr>
+          <a:xfrm>
+            <a:off x="457200" y="4076700"/>
+            <a:ext cx="8229600" cy="508000"/>
+          </a:xfrm>
+          <a:prstGeom prst="rect">
+            <a:avLst/>
+          </a:prstGeom>
+          <a:noFill/>
+        </p:spPr>
+        <p:txBody>
+          <a:bodyPr/>
+          <a:lstStyle/>
+          <a:p>
+            <a:pPr lvl="0" indent="0" marL="0" algn="ctr">
+              <a:buNone/>
+            </a:pPr>
+            <a:r>
+              <a:rPr/>
+              <a:t>Figure 1. Image of a classification tree</a:t>
+            </a:r>
+          </a:p>
+        </p:txBody>
+      </p:sp>
+    </p:spTree>
+  </p:cSld>
+</p:sld>
+</file>
+
+<file path=ppt/slides/slide2.xml><?xml version="1.0" encoding="utf-8"?>
+<p:sld xmlns:a="http://schemas.openxmlformats.org/drawingml/2006/main" xmlns:r="http://schemas.openxmlformats.org/officeDocument/2006/relationships" xmlns:p="http://schemas.openxmlformats.org/presentationml/2006/main">
+  <p:cSld>
+    <p:spTree>
+      <p:nvGrpSpPr>
+        <p:cNvPr id="1" name=""/>
+        <p:cNvGrpSpPr/>
+        <p:nvPr/>
+      </p:nvGrpSpPr>
+      <p:grpSpPr>
+        <a:xfrm>
+          <a:off x="0" y="0"/>
+          <a:ext cx="0" cy="0"/>
+          <a:chOff x="0" y="0"/>
+          <a:chExt cx="0" cy="0"/>
+        </a:xfrm>
+      </p:grpSpPr>
+      <p:sp>
+        <p:nvSpPr>
+          <p:cNvPr id="2" name="Title 1"/>
+          <p:cNvSpPr>
+            <a:spLocks noGrp="1"/>
+          </p:cNvSpPr>
+          <p:nvPr>
+            <p:ph type="title"/>
+          </p:nvPr>
+        </p:nvSpPr>
+        <p:spPr/>
+        <p:txBody>
+          <a:bodyPr/>
+          <a:lstStyle/>
+          <a:p>
+            <a:pPr lvl="0" indent="0" marL="0">
+              <a:buNone/>
+            </a:pPr>
+            <a:r>
+              <a:rPr/>
+              <a:t>Outline</a:t>
+            </a:r>
+          </a:p>
+        </p:txBody>
+      </p:sp>
+      <p:sp>
+        <p:nvSpPr>
+          <p:cNvPr id="3" name="Content Placeholder 2"/>
+          <p:cNvSpPr>
+            <a:spLocks noGrp="1"/>
+          </p:cNvSpPr>
+          <p:nvPr>
+            <p:ph idx="1"/>
+          </p:nvPr>
+        </p:nvSpPr>
+        <p:spPr/>
+        <p:txBody>
+          <a:bodyPr/>
+          <a:lstStyle/>
+          <a:p>
+            <a:pPr lvl="0"/>
+            <a:r>
+              <a:rPr/>
+              <a:t>History</a:t>
+            </a:r>
+          </a:p>
+          <a:p>
+            <a:pPr lvl="1"/>
+            <a:r>
+              <a:rPr/>
+              <a:t>The jackknife</a:t>
+            </a:r>
+          </a:p>
+          <a:p>
+            <a:pPr lvl="1"/>
+            <a:r>
+              <a:rPr/>
+              <a:t>Bradley Efron’s work</a:t>
+            </a:r>
+          </a:p>
+          <a:p>
+            <a:pPr lvl="1"/>
+            <a:r>
+              <a:rPr/>
+              <a:t>Bagging</a:t>
+            </a:r>
+          </a:p>
+          <a:p>
+            <a:pPr lvl="0"/>
+            <a:r>
+              <a:rPr/>
+              <a:t>Purpose</a:t>
+            </a:r>
+          </a:p>
+          <a:p>
+            <a:pPr lvl="1"/>
+            <a:r>
+              <a:rPr/>
+              <a:t>Estimate bias</a:t>
+            </a:r>
+          </a:p>
+          <a:p>
+            <a:pPr lvl="1"/>
+            <a:r>
+              <a:rPr/>
+              <a:t>Calculate standard errors</a:t>
+            </a:r>
+          </a:p>
+          <a:p>
+            <a:pPr lvl="1"/>
+            <a:r>
+              <a:rPr/>
+              <a:t>Compute confidence intervals</a:t>
+            </a:r>
+          </a:p>
+          <a:p>
+            <a:pPr lvl="1"/>
+            <a:r>
+              <a:rPr/>
+              <a:t>Test hypotheses</a:t>
+            </a:r>
+          </a:p>
+          <a:p>
+            <a:pPr lvl="0"/>
+            <a:r>
+              <a:rPr/>
+              <a:t>Resampling mechanics</a:t>
+            </a:r>
+          </a:p>
+          <a:p>
+            <a:pPr lvl="0"/>
+            <a:r>
+              <a:rPr/>
+              <a:t>Calculations</a:t>
+            </a:r>
+          </a:p>
+          <a:p>
+            <a:pPr lvl="1"/>
+            <a:r>
+              <a:rPr/>
+              <a:t>Bias</a:t>
+            </a:r>
+          </a:p>
+          <a:p>
+            <a:pPr lvl="1"/>
+            <a:r>
+              <a:rPr/>
+              <a:t>Standard error</a:t>
+            </a:r>
+          </a:p>
+          <a:p>
+            <a:pPr lvl="1"/>
+            <a:r>
+              <a:rPr/>
+              <a:t>Percentile confidence interval</a:t>
+            </a:r>
+          </a:p>
+          <a:p>
+            <a:pPr lvl="1"/>
+            <a:r>
+              <a:rPr/>
+              <a:t>Bias corrected intervals</a:t>
+            </a:r>
+          </a:p>
+          <a:p>
+            <a:pPr lvl="0"/>
+            <a:r>
+              <a:rPr/>
+              <a:t>Software</a:t>
+            </a:r>
+          </a:p>
+          <a:p>
+            <a:pPr lvl="1"/>
+            <a:r>
+              <a:rPr/>
+              <a:t>SAS</a:t>
+            </a:r>
+          </a:p>
+          <a:p>
+            <a:pPr lvl="1"/>
+            <a:r>
+              <a:rPr/>
+              <a:t>Stata</a:t>
+            </a:r>
+          </a:p>
+          <a:p>
+            <a:pPr lvl="1"/>
+            <a:r>
+              <a:rPr/>
+              <a:t>R</a:t>
+            </a:r>
+          </a:p>
+        </p:txBody>
+      </p:sp>
+    </p:spTree>
+  </p:cSld>
+</p:sld>
+</file>
+
+<file path=ppt/slides/slide20.xml><?xml version="1.0" encoding="utf-8"?>
+<p:sld xmlns:a="http://schemas.openxmlformats.org/drawingml/2006/main" xmlns:r="http://schemas.openxmlformats.org/officeDocument/2006/relationships" xmlns:p="http://schemas.openxmlformats.org/presentationml/2006/main">
+  <p:cSld>
+    <p:spTree>
+      <p:nvGrpSpPr>
+        <p:cNvPr id="1" name=""/>
+        <p:cNvGrpSpPr/>
+        <p:nvPr/>
+      </p:nvGrpSpPr>
+      <p:grpSpPr>
+        <a:xfrm>
+          <a:off x="0" y="0"/>
+          <a:ext cx="0" cy="0"/>
+          <a:chOff x="0" y="0"/>
+          <a:chExt cx="0" cy="0"/>
+        </a:xfrm>
+      </p:grpSpPr>
+      <p:sp>
+        <p:nvSpPr>
+          <p:cNvPr id="2" name="Title 1"/>
+          <p:cNvSpPr>
+            <a:spLocks noGrp="1"/>
+          </p:cNvSpPr>
+          <p:nvPr>
+            <p:ph type="title"/>
+          </p:nvPr>
+        </p:nvSpPr>
+        <p:spPr/>
+        <p:txBody>
+          <a:bodyPr/>
+          <a:lstStyle/>
+          <a:p>
+            <a:pPr lvl="0" indent="0" marL="0">
+              <a:buNone/>
+            </a:pPr>
+            <a:r>
+              <a:rPr/>
+              <a:t>Bagging (4/4)</a:t>
+            </a:r>
+          </a:p>
+        </p:txBody>
+      </p:sp>
+      <mc:AlternateContent xmlns:mc="http://schemas.openxmlformats.org/markup-compatibility/2006">
+        <mc:Choice xmlns:a14="http://schemas.microsoft.com/office/drawing/2010/main" Requires="a14">
+          <p:sp>
+            <p:nvSpPr>
+              <p:cNvPr id="3" name="Content Placeholder 2"/>
+              <p:cNvSpPr>
+                <a:spLocks noGrp="1"/>
+              </p:cNvSpPr>
+              <p:nvPr>
+                <p:ph idx="1"/>
+              </p:nvPr>
+            </p:nvSpPr>
+            <p:spPr/>
+            <p:txBody>
+              <a:bodyPr/>
+              <a:lstStyle/>
+              <a:p>
+                <a:pPr lvl="0" indent="0" marL="0">
+                  <a:buNone/>
+                </a:pPr>
+                <a:r>
+                  <a:rPr/>
+                  <a:t>Bootstrap sample b=1: CART model predictions, </a:t>
+                </a:r>
+                <a14:m>
+                  <m:oMath xmlns:m="http://schemas.openxmlformats.org/officeDocument/2006/math">
+                    <m:sSub>
+                      <m:e>
+                        <m:acc>
+                          <m:accPr>
+                            <m:chr m:val="̂"/>
+                          </m:accPr>
+                          <m:e>
+                            <m:r>
+                              <m:t>Y</m:t>
+                            </m:r>
+                          </m:e>
+                        </m:acc>
+                      </m:e>
+                      <m:sub>
+                        <m:d>
+                          <m:dPr>
+                            <m:begChr m:val="("/>
+                            <m:endChr m:val=")"/>
+                            <m:sepChr m:val=""/>
+                            <m:grow/>
+                          </m:dPr>
+                          <m:e>
+                            <m:r>
+                              <m:t>1</m:t>
+                            </m:r>
+                          </m:e>
+                        </m:d>
+                      </m:sub>
+                    </m:sSub>
+                  </m:oMath>
+                </a14:m>
+              </a:p>
+              <a:p>
+                <a:pPr lvl="0" indent="0" marL="0">
+                  <a:buNone/>
+                </a:pPr>
+                <a:r>
+                  <a:rPr/>
+                  <a:t>Bootstrap sample b=2: CART model predictions, </a:t>
+                </a:r>
+                <a14:m>
+                  <m:oMath xmlns:m="http://schemas.openxmlformats.org/officeDocument/2006/math">
+                    <m:sSub>
+                      <m:e>
+                        <m:acc>
+                          <m:accPr>
+                            <m:chr m:val="̂"/>
+                          </m:accPr>
+                          <m:e>
+                            <m:r>
+                              <m:t>Y</m:t>
+                            </m:r>
+                          </m:e>
+                        </m:acc>
+                      </m:e>
+                      <m:sub>
+                        <m:d>
+                          <m:dPr>
+                            <m:begChr m:val="("/>
+                            <m:endChr m:val=")"/>
+                            <m:sepChr m:val=""/>
+                            <m:grow/>
+                          </m:dPr>
+                          <m:e>
+                            <m:r>
+                              <m:t>2</m:t>
+                            </m:r>
+                          </m:e>
+                        </m:d>
+                      </m:sub>
+                    </m:sSub>
+                  </m:oMath>
+                </a14:m>
+              </a:p>
+              <a:p>
+                <a:pPr lvl="0" indent="0" marL="0">
+                  <a:buNone/>
+                </a:pPr>
+                <a:r>
+                  <a:rPr/>
+                  <a:t>Bootstrap sample b=3: CART model predictions, </a:t>
+                </a:r>
+                <a14:m>
+                  <m:oMath xmlns:m="http://schemas.openxmlformats.org/officeDocument/2006/math">
+                    <m:sSub>
+                      <m:e>
+                        <m:acc>
+                          <m:accPr>
+                            <m:chr m:val="̂"/>
+                          </m:accPr>
+                          <m:e>
+                            <m:r>
+                              <m:t>Y</m:t>
+                            </m:r>
+                          </m:e>
+                        </m:acc>
+                      </m:e>
+                      <m:sub>
+                        <m:d>
+                          <m:dPr>
+                            <m:begChr m:val="("/>
+                            <m:endChr m:val=")"/>
+                            <m:sepChr m:val=""/>
+                            <m:grow/>
+                          </m:dPr>
+                          <m:e>
+                            <m:r>
+                              <m:t>3</m:t>
+                            </m:r>
+                          </m:e>
+                        </m:d>
+                      </m:sub>
+                    </m:sSub>
+                  </m:oMath>
+                </a14:m>
+              </a:p>
+              <a:p>
+                <a:pPr lvl="0" indent="0" marL="0">
+                  <a:buNone/>
+                </a:pPr>
+                <a:r>
+                  <a:rPr/>
+                  <a:t>…</a:t>
+                </a:r>
+              </a:p>
+              <a:p>
+                <a:pPr lvl="0" indent="0" marL="0">
+                  <a:buNone/>
+                </a:pPr>
+                <a:r>
+                  <a:rPr/>
+                  <a:t>Bootstrap sample b=B: CART model predictions, </a:t>
+                </a:r>
+                <a14:m>
+                  <m:oMath xmlns:m="http://schemas.openxmlformats.org/officeDocument/2006/math">
+                    <m:sSub>
+                      <m:e>
+                        <m:acc>
+                          <m:accPr>
+                            <m:chr m:val="̂"/>
+                          </m:accPr>
+                          <m:e>
+                            <m:r>
+                              <m:t>Y</m:t>
+                            </m:r>
+                          </m:e>
+                        </m:acc>
+                      </m:e>
+                      <m:sub>
+                        <m:d>
+                          <m:dPr>
+                            <m:begChr m:val="("/>
+                            <m:endChr m:val=")"/>
+                            <m:sepChr m:val=""/>
+                            <m:grow/>
+                          </m:dPr>
+                          <m:e>
+                            <m:r>
+                              <m:t>B</m:t>
+                            </m:r>
+                          </m:e>
+                        </m:d>
+                      </m:sub>
+                    </m:sSub>
+                  </m:oMath>
+                </a14:m>
+              </a:p>
+              <a:p>
+                <a:pPr lvl="0" indent="0" marL="0">
+                  <a:buNone/>
+                </a:pPr>
+                <a:r>
+                  <a:rPr/>
+                  <a:t>Final prediction: </a:t>
+                </a:r>
+                <a14:m>
+                  <m:oMath xmlns:m="http://schemas.openxmlformats.org/officeDocument/2006/math">
+                    <m:f>
+                      <m:fPr>
+                        <m:type m:val="bar"/>
+                      </m:fPr>
+                      <m:num>
+                        <m:r>
+                          <m:t>1</m:t>
+                        </m:r>
+                      </m:num>
+                      <m:den>
+                        <m:r>
+                          <m:t>B</m:t>
+                        </m:r>
+                      </m:den>
+                    </m:f>
+                    <m:nary>
+                      <m:naryPr>
+                        <m:chr m:val="∑"/>
+                        <m:limLoc m:val="undOvr"/>
+                        <m:subHide m:val="0"/>
+                        <m:supHide m:val="0"/>
+                      </m:naryPr>
+                      <m:sub>
+                        <m:r>
+                          <m:t>b</m:t>
+                        </m:r>
+                        <m:r>
+                          <m:rPr>
+                            <m:sty m:val="p"/>
+                          </m:rPr>
+                          <m:t>=</m:t>
+                        </m:r>
+                        <m:r>
+                          <m:t>1</m:t>
+                        </m:r>
+                      </m:sub>
+                      <m:sup>
+                        <m:r>
+                          <m:t>B</m:t>
+                        </m:r>
+                      </m:sup>
+                      <m:e>
+                        <m:r>
+                          <m:t> </m:t>
+                        </m:r>
+                      </m:e>
+                    </m:nary>
+                    <m:sSub>
+                      <m:e>
+                        <m:acc>
+                          <m:accPr>
+                            <m:chr m:val="̂"/>
+                          </m:accPr>
+                          <m:e>
+                            <m:r>
+                              <m:t>Y</m:t>
+                            </m:r>
+                          </m:e>
+                        </m:acc>
+                      </m:e>
+                      <m:sub>
+                        <m:r>
+                          <m:t>b</m:t>
+                        </m:r>
+                      </m:sub>
+                    </m:sSub>
+                  </m:oMath>
+                </a14:m>
+              </a:p>
+            </p:txBody>
+          </p:sp>
+        </mc:Choice>
+      </mc:AlternateContent>
+    </p:spTree>
+  </p:cSld>
+</p:sld>
+</file>
+
+<file path=ppt/slides/slide21.xml><?xml version="1.0" encoding="utf-8"?>
+<p:sld xmlns:a="http://schemas.openxmlformats.org/drawingml/2006/main" xmlns:r="http://schemas.openxmlformats.org/officeDocument/2006/relationships" xmlns:p="http://schemas.openxmlformats.org/presentationml/2006/main">
+  <p:cSld>
+    <p:spTree>
+      <p:nvGrpSpPr>
+        <p:cNvPr id="1" name=""/>
+        <p:cNvGrpSpPr/>
+        <p:nvPr/>
+      </p:nvGrpSpPr>
+      <p:grpSpPr>
+        <a:xfrm>
+          <a:off x="0" y="0"/>
+          <a:ext cx="0" cy="0"/>
+          <a:chOff x="0" y="0"/>
+          <a:chExt cx="0" cy="0"/>
+        </a:xfrm>
+      </p:grpSpPr>
+      <p:sp>
+        <p:nvSpPr>
+          <p:cNvPr id="2" name="Title 1"/>
+          <p:cNvSpPr>
+            <a:spLocks noGrp="1"/>
+          </p:cNvSpPr>
+          <p:nvPr>
+            <p:ph type="title"/>
+          </p:nvPr>
+        </p:nvSpPr>
+        <p:spPr/>
+        <p:txBody>
+          <a:bodyPr/>
+          <a:lstStyle/>
+          <a:p>
+            <a:pPr lvl="0" indent="0" marL="0">
+              <a:buNone/>
+            </a:pPr>
+            <a:r>
+              <a:rPr/>
+              <a:t>Break #1</a:t>
+            </a:r>
+          </a:p>
+        </p:txBody>
+      </p:sp>
+      <p:sp>
+        <p:nvSpPr>
+          <p:cNvPr id="3" name="Content Placeholder 2"/>
+          <p:cNvSpPr>
+            <a:spLocks noGrp="1"/>
+          </p:cNvSpPr>
+          <p:nvPr>
+            <p:ph idx="1"/>
+          </p:nvPr>
+        </p:nvSpPr>
+        <p:spPr/>
+        <p:txBody>
+          <a:bodyPr/>
+          <a:lstStyle/>
+          <a:p>
+            <a:pPr lvl="0"/>
+            <a:r>
+              <a:rPr/>
+              <a:t>What have you learned</a:t>
+            </a:r>
+          </a:p>
+          <a:p>
+            <a:pPr lvl="1"/>
+            <a:r>
+              <a:rPr/>
+              <a:t>History of the bootstrap</a:t>
+            </a:r>
+          </a:p>
+          <a:p>
+            <a:pPr lvl="0"/>
+            <a:r>
+              <a:rPr/>
+              <a:t>What’s coming next</a:t>
+            </a:r>
+          </a:p>
+          <a:p>
+            <a:pPr lvl="1"/>
+            <a:r>
+              <a:rPr/>
+              <a:t>Reasons for using the bootstrap</a:t>
+            </a:r>
+          </a:p>
+        </p:txBody>
+      </p:sp>
+    </p:spTree>
+  </p:cSld>
+</p:sld>
+</file>
+
+<file path=ppt/slides/slide22.xml><?xml version="1.0" encoding="utf-8"?>
+<p:sld xmlns:a="http://schemas.openxmlformats.org/drawingml/2006/main" xmlns:r="http://schemas.openxmlformats.org/officeDocument/2006/relationships" xmlns:p="http://schemas.openxmlformats.org/presentationml/2006/main">
+  <p:cSld>
+    <p:spTree>
+      <p:nvGrpSpPr>
+        <p:cNvPr id="1" name=""/>
+        <p:cNvGrpSpPr/>
+        <p:nvPr/>
+      </p:nvGrpSpPr>
+      <p:grpSpPr>
+        <a:xfrm>
+          <a:off x="0" y="0"/>
+          <a:ext cx="0" cy="0"/>
+          <a:chOff x="0" y="0"/>
+          <a:chExt cx="0" cy="0"/>
+        </a:xfrm>
+      </p:grpSpPr>
+      <p:sp>
+        <p:nvSpPr>
+          <p:cNvPr id="2" name="Title 1"/>
+          <p:cNvSpPr>
+            <a:spLocks noGrp="1"/>
+          </p:cNvSpPr>
+          <p:nvPr>
+            <p:ph type="title"/>
+          </p:nvPr>
+        </p:nvSpPr>
+        <p:spPr/>
+        <p:txBody>
+          <a:bodyPr/>
+          <a:lstStyle/>
+          <a:p>
+            <a:pPr lvl="0" indent="0" marL="0">
+              <a:buNone/>
+            </a:pPr>
+            <a:r>
+              <a:rPr/>
+              <a:t>Reasons for using the bootstrap</a:t>
+            </a:r>
+          </a:p>
+        </p:txBody>
+      </p:sp>
+      <p:sp>
+        <p:nvSpPr>
+          <p:cNvPr id="3" name="Content Placeholder 2"/>
+          <p:cNvSpPr>
+            <a:spLocks noGrp="1"/>
+          </p:cNvSpPr>
+          <p:nvPr>
+            <p:ph idx="1"/>
+          </p:nvPr>
+        </p:nvSpPr>
+        <p:spPr/>
+        <p:txBody>
+          <a:bodyPr/>
+          <a:lstStyle/>
+          <a:p>
+            <a:pPr lvl="0"/>
+            <a:r>
+              <a:rPr/>
+              <a:t>Estimate bias</a:t>
+            </a:r>
+          </a:p>
+          <a:p>
+            <a:pPr lvl="0"/>
+            <a:r>
+              <a:rPr/>
+              <a:t>Calculate standard errors</a:t>
+            </a:r>
+          </a:p>
+          <a:p>
+            <a:pPr lvl="0"/>
+            <a:r>
+              <a:rPr/>
+              <a:t>Compute confidence intervals</a:t>
+            </a:r>
+          </a:p>
+          <a:p>
+            <a:pPr lvl="0"/>
+            <a:r>
+              <a:rPr/>
+              <a:t>Test hypotheses</a:t>
+            </a:r>
+          </a:p>
+        </p:txBody>
+      </p:sp>
+    </p:spTree>
+  </p:cSld>
+</p:sld>
+</file>
+
+<file path=ppt/slides/slide23.xml><?xml version="1.0" encoding="utf-8"?>
+<p:sld xmlns:a="http://schemas.openxmlformats.org/drawingml/2006/main" xmlns:r="http://schemas.openxmlformats.org/officeDocument/2006/relationships" xmlns:p="http://schemas.openxmlformats.org/presentationml/2006/main">
+  <p:cSld>
+    <p:spTree>
+      <p:nvGrpSpPr>
+        <p:cNvPr id="1" name=""/>
+        <p:cNvGrpSpPr/>
+        <p:nvPr/>
+      </p:nvGrpSpPr>
+      <p:grpSpPr>
+        <a:xfrm>
+          <a:off x="0" y="0"/>
+          <a:ext cx="0" cy="0"/>
+          <a:chOff x="0" y="0"/>
+          <a:chExt cx="0" cy="0"/>
+        </a:xfrm>
+      </p:grpSpPr>
+      <p:sp>
+        <p:nvSpPr>
+          <p:cNvPr id="2" name="Title 1"/>
+          <p:cNvSpPr>
+            <a:spLocks noGrp="1"/>
+          </p:cNvSpPr>
+          <p:nvPr>
+            <p:ph type="title"/>
+          </p:nvPr>
+        </p:nvSpPr>
+        <p:spPr/>
+        <p:txBody>
+          <a:bodyPr/>
+          <a:lstStyle/>
+          <a:p>
+            <a:pPr lvl="0" indent="0" marL="0">
+              <a:buNone/>
+            </a:pPr>
+            <a:r>
+              <a:rPr/>
+              <a:t>Estimate bias</a:t>
+            </a:r>
+          </a:p>
+        </p:txBody>
+      </p:sp>
+      <mc:AlternateContent xmlns:mc="http://schemas.openxmlformats.org/markup-compatibility/2006">
+        <mc:Choice xmlns:a14="http://schemas.microsoft.com/office/drawing/2010/main" Requires="a14">
+          <p:sp>
+            <p:nvSpPr>
+              <p:cNvPr id="3" name="Content Placeholder 2"/>
+              <p:cNvSpPr>
+                <a:spLocks noGrp="1"/>
+              </p:cNvSpPr>
+              <p:nvPr>
+                <p:ph idx="1"/>
+              </p:nvPr>
+            </p:nvSpPr>
+            <p:spPr/>
+            <p:txBody>
+              <a:bodyPr/>
+              <a:lstStyle/>
+              <a:p>
+                <a:pPr lvl="0"/>
+                <a14:m>
+                  <m:oMath xmlns:m="http://schemas.openxmlformats.org/officeDocument/2006/math">
+                    <m:acc>
+                      <m:accPr>
+                        <m:chr m:val="̂"/>
+                      </m:accPr>
+                      <m:e>
+                        <m:r>
+                          <m:t>θ</m:t>
+                        </m:r>
+                      </m:e>
+                    </m:acc>
+                    <m:r>
+                      <m:rPr>
+                        <m:sty m:val="p"/>
+                      </m:rPr>
+                      <m:t>=</m:t>
+                    </m:r>
+                    <m:acc>
+                      <m:accPr>
+                        <m:chr m:val="̂"/>
+                      </m:accPr>
+                      <m:e>
+                        <m:r>
+                          <m:t>θ</m:t>
+                        </m:r>
+                      </m:e>
+                    </m:acc>
+                    <m:d>
+                      <m:dPr>
+                        <m:begChr m:val="("/>
+                        <m:endChr m:val=")"/>
+                        <m:sepChr m:val=""/>
+                        <m:grow/>
+                      </m:dPr>
+                      <m:e>
+                        <m:sSub>
+                          <m:e>
+                            <m:r>
+                              <m:t>X</m:t>
+                            </m:r>
+                          </m:e>
+                          <m:sub>
+                            <m:r>
+                              <m:t>1</m:t>
+                            </m:r>
+                          </m:sub>
+                        </m:sSub>
+                        <m:r>
+                          <m:rPr>
+                            <m:sty m:val="p"/>
+                          </m:rPr>
+                          <m:t>,</m:t>
+                        </m:r>
+                        <m:sSub>
+                          <m:e>
+                            <m:r>
+                              <m:t>X</m:t>
+                            </m:r>
+                          </m:e>
+                          <m:sub>
+                            <m:r>
+                              <m:t>2</m:t>
+                            </m:r>
+                          </m:sub>
+                        </m:sSub>
+                        <m:r>
+                          <m:rPr>
+                            <m:sty m:val="p"/>
+                          </m:rPr>
+                          <m:t>,</m:t>
+                        </m:r>
+                        <m:r>
+                          <m:rPr>
+                            <m:sty m:val="p"/>
+                          </m:rPr>
+                          <m:t>.</m:t>
+                        </m:r>
+                        <m:r>
+                          <m:rPr>
+                            <m:sty m:val="p"/>
+                          </m:rPr>
+                          <m:t>.</m:t>
+                        </m:r>
+                        <m:r>
+                          <m:rPr>
+                            <m:sty m:val="p"/>
+                          </m:rPr>
+                          <m:t>.</m:t>
+                        </m:r>
+                        <m:r>
+                          <m:rPr>
+                            <m:sty m:val="p"/>
+                          </m:rPr>
+                          <m:t>,</m:t>
+                        </m:r>
+                        <m:sSub>
+                          <m:e>
+                            <m:r>
+                              <m:t>X</m:t>
+                            </m:r>
+                          </m:e>
+                          <m:sub>
+                            <m:r>
+                              <m:t>n</m:t>
+                            </m:r>
+                          </m:sub>
+                        </m:sSub>
+                      </m:e>
+                    </m:d>
+                  </m:oMath>
+                </a14:m>
+                <a:r>
+                  <a:rPr/>
+                  <a:t> is an estimate of </a:t>
+                </a:r>
+                <a14:m>
+                  <m:oMath xmlns:m="http://schemas.openxmlformats.org/officeDocument/2006/math">
+                    <m:r>
+                      <m:t>θ</m:t>
+                    </m:r>
+                  </m:oMath>
+                </a14:m>
+                <a:r>
+                  <a:rPr/>
+                  <a:t>.</a:t>
+                </a:r>
+              </a:p>
+              <a:p>
+                <a:pPr lvl="0"/>
+                <a:r>
+                  <a:rPr/>
+                  <a:t>Recalculate for B bootstrap samples</a:t>
+                </a:r>
+              </a:p>
+              <a:p>
+                <a:pPr lvl="1"/>
+                <a14:m>
+                  <m:oMath xmlns:m="http://schemas.openxmlformats.org/officeDocument/2006/math">
+                    <m:sSup>
+                      <m:e>
+                        <m:acc>
+                          <m:accPr>
+                            <m:chr m:val="̂"/>
+                          </m:accPr>
+                          <m:e>
+                            <m:r>
+                              <m:t>θ</m:t>
+                            </m:r>
+                          </m:e>
+                        </m:acc>
+                      </m:e>
+                      <m:sup>
+                        <m:d>
+                          <m:dPr>
+                            <m:begChr m:val="("/>
+                            <m:endChr m:val=")"/>
+                            <m:sepChr m:val=""/>
+                            <m:grow/>
+                          </m:dPr>
+                          <m:e>
+                            <m:r>
+                              <m:t>1</m:t>
+                            </m:r>
+                          </m:e>
+                        </m:d>
+                      </m:sup>
+                    </m:sSup>
+                    <m:r>
+                      <m:rPr>
+                        <m:sty m:val="p"/>
+                      </m:rPr>
+                      <m:t>=</m:t>
+                    </m:r>
+                    <m:acc>
+                      <m:accPr>
+                        <m:chr m:val="̂"/>
+                      </m:accPr>
+                      <m:e>
+                        <m:r>
+                          <m:t>θ</m:t>
+                        </m:r>
+                      </m:e>
+                    </m:acc>
+                    <m:d>
+                      <m:dPr>
+                        <m:begChr m:val="("/>
+                        <m:endChr m:val=")"/>
+                        <m:sepChr m:val=""/>
+                        <m:grow/>
+                      </m:dPr>
+                      <m:e>
+                        <m:sSubSup>
+                          <m:e>
+                            <m:r>
+                              <m:t>X</m:t>
+                            </m:r>
+                          </m:e>
+                          <m:sub>
+                            <m:r>
+                              <m:t>1</m:t>
+                            </m:r>
+                          </m:sub>
+                          <m:sup>
+                            <m:d>
+                              <m:dPr>
+                                <m:begChr m:val="("/>
+                                <m:endChr m:val=")"/>
+                                <m:sepChr m:val=""/>
+                                <m:grow/>
+                              </m:dPr>
+                              <m:e>
+                                <m:r>
+                                  <m:t>1</m:t>
+                                </m:r>
+                              </m:e>
+                            </m:d>
+                          </m:sup>
+                        </m:sSubSup>
+                        <m:r>
+                          <m:rPr>
+                            <m:sty m:val="p"/>
+                          </m:rPr>
+                          <m:t>,</m:t>
+                        </m:r>
+                        <m:sSubSup>
+                          <m:e>
+                            <m:r>
+                              <m:t>X</m:t>
+                            </m:r>
+                          </m:e>
+                          <m:sub>
+                            <m:r>
+                              <m:t>2</m:t>
+                            </m:r>
+                          </m:sub>
+                          <m:sup>
+                            <m:d>
+                              <m:dPr>
+                                <m:begChr m:val="("/>
+                                <m:endChr m:val=")"/>
+                                <m:sepChr m:val=""/>
+                                <m:grow/>
+                              </m:dPr>
+                              <m:e>
+                                <m:r>
+                                  <m:t>1</m:t>
+                                </m:r>
+                              </m:e>
+                            </m:d>
+                          </m:sup>
+                        </m:sSubSup>
+                        <m:r>
+                          <m:rPr>
+                            <m:sty m:val="p"/>
+                          </m:rPr>
+                          <m:t>,</m:t>
+                        </m:r>
+                        <m:r>
+                          <m:rPr>
+                            <m:sty m:val="p"/>
+                          </m:rPr>
+                          <m:t>.</m:t>
+                        </m:r>
+                        <m:r>
+                          <m:rPr>
+                            <m:sty m:val="p"/>
+                          </m:rPr>
+                          <m:t>.</m:t>
+                        </m:r>
+                        <m:r>
+                          <m:rPr>
+                            <m:sty m:val="p"/>
+                          </m:rPr>
+                          <m:t>.</m:t>
+                        </m:r>
+                        <m:r>
+                          <m:rPr>
+                            <m:sty m:val="p"/>
+                          </m:rPr>
+                          <m:t>,</m:t>
+                        </m:r>
+                        <m:sSubSup>
+                          <m:e>
+                            <m:r>
+                              <m:t>X</m:t>
+                            </m:r>
+                          </m:e>
+                          <m:sub>
+                            <m:r>
+                              <m:t>n</m:t>
+                            </m:r>
+                          </m:sub>
+                          <m:sup>
+                            <m:d>
+                              <m:dPr>
+                                <m:begChr m:val="("/>
+                                <m:endChr m:val=")"/>
+                                <m:sepChr m:val=""/>
+                                <m:grow/>
+                              </m:dPr>
+                              <m:e>
+                                <m:r>
+                                  <m:t>1</m:t>
+                                </m:r>
+                              </m:e>
+                            </m:d>
+                          </m:sup>
+                        </m:sSubSup>
+                      </m:e>
+                    </m:d>
+                  </m:oMath>
+                </a14:m>
+              </a:p>
+              <a:p>
+                <a:pPr lvl="1"/>
+                <a14:m>
+                  <m:oMath xmlns:m="http://schemas.openxmlformats.org/officeDocument/2006/math">
+                    <m:sSup>
+                      <m:e>
+                        <m:acc>
+                          <m:accPr>
+                            <m:chr m:val="̂"/>
+                          </m:accPr>
+                          <m:e>
+                            <m:r>
+                              <m:t>θ</m:t>
+                            </m:r>
+                          </m:e>
+                        </m:acc>
+                      </m:e>
+                      <m:sup>
+                        <m:d>
+                          <m:dPr>
+                            <m:begChr m:val="("/>
+                            <m:endChr m:val=")"/>
+                            <m:sepChr m:val=""/>
+                            <m:grow/>
+                          </m:dPr>
+                          <m:e>
+                            <m:r>
+                              <m:t>2</m:t>
+                            </m:r>
+                          </m:e>
+                        </m:d>
+                      </m:sup>
+                    </m:sSup>
+                    <m:r>
+                      <m:rPr>
+                        <m:sty m:val="p"/>
+                      </m:rPr>
+                      <m:t>=</m:t>
+                    </m:r>
+                    <m:acc>
+                      <m:accPr>
+                        <m:chr m:val="̂"/>
+                      </m:accPr>
+                      <m:e>
+                        <m:r>
+                          <m:t>θ</m:t>
+                        </m:r>
+                      </m:e>
+                    </m:acc>
+                    <m:d>
+                      <m:dPr>
+                        <m:begChr m:val="("/>
+                        <m:endChr m:val=")"/>
+                        <m:sepChr m:val=""/>
+                        <m:grow/>
+                      </m:dPr>
+                      <m:e>
+                        <m:sSubSup>
+                          <m:e>
+                            <m:r>
+                              <m:t>X</m:t>
+                            </m:r>
+                          </m:e>
+                          <m:sub>
+                            <m:r>
+                              <m:t>1</m:t>
+                            </m:r>
+                          </m:sub>
+                          <m:sup>
+                            <m:d>
+                              <m:dPr>
+                                <m:begChr m:val="("/>
+                                <m:endChr m:val=")"/>
+                                <m:sepChr m:val=""/>
+                                <m:grow/>
+                              </m:dPr>
+                              <m:e>
+                                <m:r>
+                                  <m:t>2</m:t>
+                                </m:r>
+                              </m:e>
+                            </m:d>
+                          </m:sup>
+                        </m:sSubSup>
+                        <m:r>
+                          <m:rPr>
+                            <m:sty m:val="p"/>
+                          </m:rPr>
+                          <m:t>,</m:t>
+                        </m:r>
+                        <m:sSubSup>
+                          <m:e>
+                            <m:r>
+                              <m:t>X</m:t>
+                            </m:r>
+                          </m:e>
+                          <m:sub>
+                            <m:r>
+                              <m:t>2</m:t>
+                            </m:r>
+                          </m:sub>
+                          <m:sup>
+                            <m:d>
+                              <m:dPr>
+                                <m:begChr m:val="("/>
+                                <m:endChr m:val=")"/>
+                                <m:sepChr m:val=""/>
+                                <m:grow/>
+                              </m:dPr>
+                              <m:e>
+                                <m:r>
+                                  <m:t>2</m:t>
+                                </m:r>
+                              </m:e>
+                            </m:d>
+                          </m:sup>
+                        </m:sSubSup>
+                        <m:r>
+                          <m:rPr>
+                            <m:sty m:val="p"/>
+                          </m:rPr>
+                          <m:t>,</m:t>
+                        </m:r>
+                        <m:r>
+                          <m:rPr>
+                            <m:sty m:val="p"/>
+                          </m:rPr>
+                          <m:t>.</m:t>
+                        </m:r>
+                        <m:r>
+                          <m:rPr>
+                            <m:sty m:val="p"/>
+                          </m:rPr>
+                          <m:t>.</m:t>
+                        </m:r>
+                        <m:r>
+                          <m:rPr>
+                            <m:sty m:val="p"/>
+                          </m:rPr>
+                          <m:t>.</m:t>
+                        </m:r>
+                        <m:r>
+                          <m:rPr>
+                            <m:sty m:val="p"/>
+                          </m:rPr>
+                          <m:t>,</m:t>
+                        </m:r>
+                        <m:sSubSup>
+                          <m:e>
+                            <m:r>
+                              <m:t>X</m:t>
+                            </m:r>
+                          </m:e>
+                          <m:sub>
+                            <m:r>
+                              <m:t>n</m:t>
+                            </m:r>
+                          </m:sub>
+                          <m:sup>
+                            <m:d>
+                              <m:dPr>
+                                <m:begChr m:val="("/>
+                                <m:endChr m:val=")"/>
+                                <m:sepChr m:val=""/>
+                                <m:grow/>
+                              </m:dPr>
+                              <m:e>
+                                <m:r>
+                                  <m:t>2</m:t>
+                                </m:r>
+                              </m:e>
+                            </m:d>
+                          </m:sup>
+                        </m:sSubSup>
+                      </m:e>
+                    </m:d>
+                  </m:oMath>
+                </a14:m>
+              </a:p>
+              <a:p>
+                <a:pPr lvl="1"/>
+                <a:r>
+                  <a:rPr/>
+                  <a:t>…</a:t>
+                </a:r>
+              </a:p>
+              <a:p>
+                <a:pPr lvl="1"/>
+                <a14:m>
+                  <m:oMath xmlns:m="http://schemas.openxmlformats.org/officeDocument/2006/math">
+                    <m:sSup>
+                      <m:e>
+                        <m:acc>
+                          <m:accPr>
+                            <m:chr m:val="̂"/>
+                          </m:accPr>
+                          <m:e>
+                            <m:r>
+                              <m:t>θ</m:t>
+                            </m:r>
+                          </m:e>
+                        </m:acc>
+                      </m:e>
+                      <m:sup>
+                        <m:d>
+                          <m:dPr>
+                            <m:begChr m:val="("/>
+                            <m:endChr m:val=")"/>
+                            <m:sepChr m:val=""/>
+                            <m:grow/>
+                          </m:dPr>
+                          <m:e>
+                            <m:r>
+                              <m:t>B</m:t>
+                            </m:r>
+                          </m:e>
+                        </m:d>
+                      </m:sup>
+                    </m:sSup>
+                    <m:r>
+                      <m:rPr>
+                        <m:sty m:val="p"/>
+                      </m:rPr>
+                      <m:t>=</m:t>
+                    </m:r>
+                    <m:acc>
+                      <m:accPr>
+                        <m:chr m:val="̂"/>
+                      </m:accPr>
+                      <m:e>
+                        <m:r>
+                          <m:t>θ</m:t>
+                        </m:r>
+                      </m:e>
+                    </m:acc>
+                    <m:d>
+                      <m:dPr>
+                        <m:begChr m:val="("/>
+                        <m:endChr m:val=")"/>
+                        <m:sepChr m:val=""/>
+                        <m:grow/>
+                      </m:dPr>
+                      <m:e>
+                        <m:sSubSup>
+                          <m:e>
+                            <m:r>
+                              <m:t>X</m:t>
+                            </m:r>
+                          </m:e>
+                          <m:sub>
+                            <m:r>
+                              <m:t>1</m:t>
+                            </m:r>
+                          </m:sub>
+                          <m:sup>
+                            <m:d>
+                              <m:dPr>
+                                <m:begChr m:val="("/>
+                                <m:endChr m:val=")"/>
+                                <m:sepChr m:val=""/>
+                                <m:grow/>
+                              </m:dPr>
+                              <m:e>
+                                <m:r>
+                                  <m:t>B</m:t>
+                                </m:r>
+                              </m:e>
+                            </m:d>
+                          </m:sup>
+                        </m:sSubSup>
+                        <m:r>
+                          <m:rPr>
+                            <m:sty m:val="p"/>
+                          </m:rPr>
+                          <m:t>,</m:t>
+                        </m:r>
+                        <m:sSubSup>
+                          <m:e>
+                            <m:r>
+                              <m:t>X</m:t>
+                            </m:r>
+                          </m:e>
+                          <m:sub>
+                            <m:r>
+                              <m:t>2</m:t>
+                            </m:r>
+                          </m:sub>
+                          <m:sup>
+                            <m:d>
+                              <m:dPr>
+                                <m:begChr m:val="("/>
+                                <m:endChr m:val=")"/>
+                                <m:sepChr m:val=""/>
+                                <m:grow/>
+                              </m:dPr>
+                              <m:e>
+                                <m:r>
+                                  <m:t>B</m:t>
+                                </m:r>
+                              </m:e>
+                            </m:d>
+                          </m:sup>
+                        </m:sSubSup>
+                        <m:r>
+                          <m:rPr>
+                            <m:sty m:val="p"/>
+                          </m:rPr>
+                          <m:t>,</m:t>
+                        </m:r>
+                        <m:r>
+                          <m:rPr>
+                            <m:sty m:val="p"/>
+                          </m:rPr>
+                          <m:t>.</m:t>
+                        </m:r>
+                        <m:r>
+                          <m:rPr>
+                            <m:sty m:val="p"/>
+                          </m:rPr>
+                          <m:t>.</m:t>
+                        </m:r>
+                        <m:r>
+                          <m:rPr>
+                            <m:sty m:val="p"/>
+                          </m:rPr>
+                          <m:t>.</m:t>
+                        </m:r>
+                        <m:r>
+                          <m:rPr>
+                            <m:sty m:val="p"/>
+                          </m:rPr>
+                          <m:t>,</m:t>
+                        </m:r>
+                        <m:sSubSup>
+                          <m:e>
+                            <m:r>
+                              <m:t>X</m:t>
+                            </m:r>
+                          </m:e>
+                          <m:sub>
+                            <m:r>
+                              <m:t>n</m:t>
+                            </m:r>
+                          </m:sub>
+                          <m:sup>
+                            <m:d>
+                              <m:dPr>
+                                <m:begChr m:val="("/>
+                                <m:endChr m:val=")"/>
+                                <m:sepChr m:val=""/>
+                                <m:grow/>
+                              </m:dPr>
+                              <m:e>
+                                <m:r>
+                                  <m:t>B</m:t>
+                                </m:r>
+                              </m:e>
+                            </m:d>
+                          </m:sup>
+                        </m:sSubSup>
+                      </m:e>
+                    </m:d>
+                  </m:oMath>
+                </a14:m>
+              </a:p>
+              <a:p>
+                <a:pPr lvl="0"/>
+                <a:r>
+                  <a:rPr/>
+                  <a:t>Compare the bootstrap average to the original estimate</a:t>
+                </a:r>
+              </a:p>
+              <a:p>
+                <a:pPr lvl="1"/>
+                <a14:m>
+                  <m:oMath xmlns:m="http://schemas.openxmlformats.org/officeDocument/2006/math">
+                    <m:f>
+                      <m:fPr>
+                        <m:type m:val="bar"/>
+                      </m:fPr>
+                      <m:num>
+                        <m:r>
+                          <m:t>1</m:t>
+                        </m:r>
+                      </m:num>
+                      <m:den>
+                        <m:r>
+                          <m:t>B</m:t>
+                        </m:r>
+                      </m:den>
+                    </m:f>
+                    <m:nary>
+                      <m:naryPr>
+                        <m:chr m:val="∑"/>
+                        <m:limLoc m:val="undOvr"/>
+                        <m:subHide m:val="0"/>
+                        <m:supHide m:val="0"/>
+                      </m:naryPr>
+                      <m:sub>
+                        <m:r>
+                          <m:t>b</m:t>
+                        </m:r>
+                        <m:r>
+                          <m:rPr>
+                            <m:sty m:val="p"/>
+                          </m:rPr>
+                          <m:t>=</m:t>
+                        </m:r>
+                        <m:r>
+                          <m:t>1</m:t>
+                        </m:r>
+                      </m:sub>
+                      <m:sup>
+                        <m:r>
+                          <m:t>B</m:t>
+                        </m:r>
+                      </m:sup>
+                      <m:e>
+                        <m:sSup>
+                          <m:e>
+                            <m:acc>
+                              <m:accPr>
+                                <m:chr m:val="̂"/>
+                              </m:accPr>
+                              <m:e>
+                                <m:r>
+                                  <m:t>θ</m:t>
+                                </m:r>
+                              </m:e>
+                            </m:acc>
+                          </m:e>
+                          <m:sup>
+                            <m:d>
+                              <m:dPr>
+                                <m:begChr m:val="("/>
+                                <m:endChr m:val=")"/>
+                                <m:sepChr m:val=""/>
+                                <m:grow/>
+                              </m:dPr>
+                              <m:e>
+                                <m:r>
+                                  <m:t>b</m:t>
+                                </m:r>
+                              </m:e>
+                            </m:d>
+                          </m:sup>
+                        </m:sSup>
+                      </m:e>
+                    </m:nary>
+                    <m:r>
+                      <m:rPr>
+                        <m:sty m:val="p"/>
+                      </m:rPr>
+                      <m:t>−</m:t>
+                    </m:r>
+                    <m:acc>
+                      <m:accPr>
+                        <m:chr m:val="̂"/>
+                      </m:accPr>
+                      <m:e>
+                        <m:r>
+                          <m:t>θ</m:t>
+                        </m:r>
+                      </m:e>
+                    </m:acc>
+                  </m:oMath>
+                </a14:m>
+              </a:p>
+            </p:txBody>
+          </p:sp>
+        </mc:Choice>
+      </mc:AlternateContent>
+    </p:spTree>
+  </p:cSld>
+</p:sld>
+</file>
+
+<file path=ppt/slides/slide24.xml><?xml version="1.0" encoding="utf-8"?>
+<p:sld xmlns:a="http://schemas.openxmlformats.org/drawingml/2006/main" xmlns:r="http://schemas.openxmlformats.org/officeDocument/2006/relationships" xmlns:p="http://schemas.openxmlformats.org/presentationml/2006/main">
+  <p:cSld>
+    <p:spTree>
+      <p:nvGrpSpPr>
+        <p:cNvPr id="1" name=""/>
+        <p:cNvGrpSpPr/>
+        <p:nvPr/>
+      </p:nvGrpSpPr>
+      <p:grpSpPr>
+        <a:xfrm>
+          <a:off x="0" y="0"/>
+          <a:ext cx="0" cy="0"/>
+          <a:chOff x="0" y="0"/>
+          <a:chExt cx="0" cy="0"/>
+        </a:xfrm>
+      </p:grpSpPr>
+      <p:sp>
+        <p:nvSpPr>
+          <p:cNvPr id="2" name="Title 1"/>
+          <p:cNvSpPr>
+            <a:spLocks noGrp="1"/>
+          </p:cNvSpPr>
+          <p:nvPr>
+            <p:ph type="title"/>
+          </p:nvPr>
+        </p:nvSpPr>
+        <p:spPr/>
+        <p:txBody>
+          <a:bodyPr/>
+          <a:lstStyle/>
+          <a:p>
+            <a:pPr lvl="0" indent="0" marL="0">
+              <a:buNone/>
+            </a:pPr>
+            <a:r>
+              <a:rPr/>
+              <a:t>Calculate standard errors</a:t>
+            </a:r>
+          </a:p>
+        </p:txBody>
+      </p:sp>
+    </p:spTree>
+  </p:cSld>
+</p:sld>
+</file>
+
+<file path=ppt/slides/slide25.xml><?xml version="1.0" encoding="utf-8"?>
+<p:sld xmlns:a="http://schemas.openxmlformats.org/drawingml/2006/main" xmlns:r="http://schemas.openxmlformats.org/officeDocument/2006/relationships" xmlns:p="http://schemas.openxmlformats.org/presentationml/2006/main">
+  <p:cSld>
+    <p:spTree>
+      <p:nvGrpSpPr>
+        <p:cNvPr id="1" name=""/>
+        <p:cNvGrpSpPr/>
+        <p:nvPr/>
+      </p:nvGrpSpPr>
+      <p:grpSpPr>
+        <a:xfrm>
+          <a:off x="0" y="0"/>
+          <a:ext cx="0" cy="0"/>
+          <a:chOff x="0" y="0"/>
+          <a:chExt cx="0" cy="0"/>
+        </a:xfrm>
+      </p:grpSpPr>
+      <p:sp>
+        <p:nvSpPr>
+          <p:cNvPr id="2" name="Title 1"/>
+          <p:cNvSpPr>
+            <a:spLocks noGrp="1"/>
+          </p:cNvSpPr>
+          <p:nvPr>
+            <p:ph type="title"/>
+          </p:nvPr>
+        </p:nvSpPr>
+        <p:spPr/>
+        <p:txBody>
+          <a:bodyPr/>
+          <a:lstStyle/>
+          <a:p>
+            <a:pPr lvl="0" indent="0" marL="0">
+              <a:buNone/>
+            </a:pPr>
+            <a:r>
+              <a:rPr/>
+              <a:t>Compute confidence intervals</a:t>
+            </a:r>
+          </a:p>
+        </p:txBody>
+      </p:sp>
+    </p:spTree>
+  </p:cSld>
+</p:sld>
+</file>
+
+<file path=ppt/slides/slide26.xml><?xml version="1.0" encoding="utf-8"?>
+<p:sld xmlns:a="http://schemas.openxmlformats.org/drawingml/2006/main" xmlns:r="http://schemas.openxmlformats.org/officeDocument/2006/relationships" xmlns:p="http://schemas.openxmlformats.org/presentationml/2006/main">
+  <p:cSld>
+    <p:spTree>
+      <p:nvGrpSpPr>
+        <p:cNvPr id="1" name=""/>
+        <p:cNvGrpSpPr/>
+        <p:nvPr/>
+      </p:nvGrpSpPr>
+      <p:grpSpPr>
+        <a:xfrm>
+          <a:off x="0" y="0"/>
+          <a:ext cx="0" cy="0"/>
+          <a:chOff x="0" y="0"/>
+          <a:chExt cx="0" cy="0"/>
+        </a:xfrm>
+      </p:grpSpPr>
+      <p:sp>
+        <p:nvSpPr>
+          <p:cNvPr id="2" name="Title 1"/>
+          <p:cNvSpPr>
+            <a:spLocks noGrp="1"/>
+          </p:cNvSpPr>
+          <p:nvPr>
+            <p:ph type="title"/>
+          </p:nvPr>
+        </p:nvSpPr>
+        <p:spPr/>
+        <p:txBody>
+          <a:bodyPr/>
+          <a:lstStyle/>
+          <a:p>
+            <a:pPr lvl="0" indent="0" marL="0">
+              <a:buNone/>
+            </a:pPr>
+            <a:r>
+              <a:rPr/>
+              <a:t>Test hypotheses</a:t>
+            </a:r>
+          </a:p>
+        </p:txBody>
+      </p:sp>
+    </p:spTree>
+  </p:cSld>
+</p:sld>
+</file>
+
+<file path=ppt/slides/slide27.xml><?xml version="1.0" encoding="utf-8"?>
+<p:sld xmlns:a="http://schemas.openxmlformats.org/drawingml/2006/main" xmlns:r="http://schemas.openxmlformats.org/officeDocument/2006/relationships" xmlns:p="http://schemas.openxmlformats.org/presentationml/2006/main">
+  <p:cSld>
+    <p:spTree>
+      <p:nvGrpSpPr>
+        <p:cNvPr id="1" name=""/>
+        <p:cNvGrpSpPr/>
+        <p:nvPr/>
+      </p:nvGrpSpPr>
+      <p:grpSpPr>
+        <a:xfrm>
+          <a:off x="0" y="0"/>
+          <a:ext cx="0" cy="0"/>
+          <a:chOff x="0" y="0"/>
+          <a:chExt cx="0" cy="0"/>
+        </a:xfrm>
+      </p:grpSpPr>
+      <p:sp>
+        <p:nvSpPr>
+          <p:cNvPr id="2" name="Title 1"/>
+          <p:cNvSpPr>
+            <a:spLocks noGrp="1"/>
+          </p:cNvSpPr>
+          <p:nvPr>
+            <p:ph type="title"/>
+          </p:nvPr>
+        </p:nvSpPr>
+        <p:spPr/>
+        <p:txBody>
+          <a:bodyPr/>
+          <a:lstStyle/>
+          <a:p>
+            <a:pPr lvl="0" indent="0" marL="0">
+              <a:buNone/>
+            </a:pPr>
+            <a:r>
+              <a:rPr/>
+              <a:t>Break #2</a:t>
+            </a:r>
+          </a:p>
+        </p:txBody>
+      </p:sp>
+      <p:sp>
+        <p:nvSpPr>
+          <p:cNvPr id="3" name="Content Placeholder 2"/>
+          <p:cNvSpPr>
+            <a:spLocks noGrp="1"/>
+          </p:cNvSpPr>
+          <p:nvPr>
+            <p:ph idx="1"/>
+          </p:nvPr>
+        </p:nvSpPr>
+        <p:spPr/>
+        <p:txBody>
+          <a:bodyPr/>
+          <a:lstStyle/>
+          <a:p>
+            <a:pPr lvl="0"/>
+            <a:r>
+              <a:rPr/>
+              <a:t>What you have learned</a:t>
+            </a:r>
+          </a:p>
+          <a:p>
+            <a:pPr lvl="1"/>
+            <a:r>
+              <a:rPr/>
+              <a:t>Purposes of the bootstrap</a:t>
+            </a:r>
+          </a:p>
+          <a:p>
+            <a:pPr lvl="0"/>
+            <a:r>
+              <a:rPr/>
+              <a:t>What’s coming next</a:t>
+            </a:r>
+          </a:p>
+          <a:p>
+            <a:pPr lvl="1"/>
+            <a:r>
+              <a:rPr/>
+              <a:t>Mechanics</a:t>
+            </a:r>
+          </a:p>
+        </p:txBody>
+      </p:sp>
+    </p:spTree>
+  </p:cSld>
+</p:sld>
+</file>
+
+<file path=ppt/slides/slide28.xml><?xml version="1.0" encoding="utf-8"?>
+<p:sld xmlns:a="http://schemas.openxmlformats.org/drawingml/2006/main" xmlns:r="http://schemas.openxmlformats.org/officeDocument/2006/relationships" xmlns:p="http://schemas.openxmlformats.org/presentationml/2006/main">
+  <p:cSld>
+    <p:spTree>
+      <p:nvGrpSpPr>
+        <p:cNvPr id="1" name=""/>
+        <p:cNvGrpSpPr/>
+        <p:nvPr/>
+      </p:nvGrpSpPr>
+      <p:grpSpPr>
+        <a:xfrm>
+          <a:off x="0" y="0"/>
+          <a:ext cx="0" cy="0"/>
+          <a:chOff x="0" y="0"/>
+          <a:chExt cx="0" cy="0"/>
+        </a:xfrm>
+      </p:grpSpPr>
+      <p:sp>
+        <p:nvSpPr>
+          <p:cNvPr id="2" name="Title 1"/>
+          <p:cNvSpPr>
+            <a:spLocks noGrp="1"/>
+          </p:cNvSpPr>
+          <p:nvPr>
+            <p:ph type="title"/>
+          </p:nvPr>
+        </p:nvSpPr>
+        <p:spPr/>
+        <p:txBody>
+          <a:bodyPr/>
+          <a:lstStyle/>
+          <a:p>
+            <a:pPr lvl="0" indent="0" marL="0">
+              <a:buNone/>
+            </a:pPr>
+            <a:r>
+              <a:rPr/>
+              <a:t>Mechanics</a:t>
+            </a:r>
+          </a:p>
+        </p:txBody>
+      </p:sp>
+      <p:sp>
+        <p:nvSpPr>
+          <p:cNvPr id="3" name="Content Placeholder 2"/>
+          <p:cNvSpPr>
+            <a:spLocks noGrp="1"/>
+          </p:cNvSpPr>
+          <p:nvPr>
+            <p:ph idx="1"/>
+          </p:nvPr>
+        </p:nvSpPr>
+        <p:spPr/>
+        <p:txBody>
+          <a:bodyPr/>
+          <a:lstStyle/>
+          <a:p>
+            <a:pPr lvl="0"/>
+            <a:r>
+              <a:rPr/>
+              <a:t>Resampling</a:t>
+            </a:r>
+          </a:p>
+          <a:p>
+            <a:pPr lvl="0"/>
+            <a:r>
+              <a:rPr/>
+              <a:t>Bootstrap estimates</a:t>
+            </a:r>
+          </a:p>
+          <a:p>
+            <a:pPr lvl="0"/>
+            <a:r>
+              <a:rPr/>
+              <a:t>Bias calculation</a:t>
+            </a:r>
+          </a:p>
+          <a:p>
+            <a:pPr lvl="0"/>
+            <a:r>
+              <a:rPr/>
+              <a:t>Standard error calculation</a:t>
+            </a:r>
+          </a:p>
+          <a:p>
+            <a:pPr lvl="0"/>
+            <a:r>
+              <a:rPr/>
+              <a:t>Confidence interval</a:t>
+            </a:r>
+          </a:p>
+          <a:p>
+            <a:pPr lvl="1"/>
+            <a:r>
+              <a:rPr/>
+              <a:t>Percentile method</a:t>
+            </a:r>
+          </a:p>
+          <a:p>
+            <a:pPr lvl="1"/>
+            <a:r>
+              <a:rPr/>
+              <a:t>Bias corrected and adjusted method</a:t>
+            </a:r>
+          </a:p>
+          <a:p>
+            <a:pPr lvl="0"/>
+            <a:r>
+              <a:rPr/>
+              <a:t>Hypothesis tests</a:t>
+            </a:r>
+          </a:p>
+        </p:txBody>
+      </p:sp>
+    </p:spTree>
+  </p:cSld>
+</p:sld>
+</file>
+
+<file path=ppt/slides/slide29.xml><?xml version="1.0" encoding="utf-8"?>
+<p:sld xmlns:a="http://schemas.openxmlformats.org/drawingml/2006/main" xmlns:r="http://schemas.openxmlformats.org/officeDocument/2006/relationships" xmlns:p="http://schemas.openxmlformats.org/presentationml/2006/main">
+  <p:cSld>
+    <p:spTree>
+      <p:nvGrpSpPr>
+        <p:cNvPr id="1" name=""/>
+        <p:cNvGrpSpPr/>
+        <p:nvPr/>
+      </p:nvGrpSpPr>
+      <p:grpSpPr>
+        <a:xfrm>
+          <a:off x="0" y="0"/>
+          <a:ext cx="0" cy="0"/>
+          <a:chOff x="0" y="0"/>
+          <a:chExt cx="0" cy="0"/>
+        </a:xfrm>
+      </p:grpSpPr>
+      <p:sp>
+        <p:nvSpPr>
+          <p:cNvPr id="2" name="Title 1"/>
+          <p:cNvSpPr>
+            <a:spLocks noGrp="1"/>
+          </p:cNvSpPr>
+          <p:nvPr>
+            <p:ph type="title"/>
+          </p:nvPr>
+        </p:nvSpPr>
+        <p:spPr/>
+        <p:txBody>
+          <a:bodyPr/>
+          <a:lstStyle/>
+          <a:p>
+            <a:pPr lvl="0" indent="0" marL="0">
+              <a:buNone/>
+            </a:pPr>
+            <a:r>
+              <a:rPr/>
+              <a:t>Break #3</a:t>
+            </a:r>
+          </a:p>
+        </p:txBody>
+      </p:sp>
+      <p:sp>
+        <p:nvSpPr>
+          <p:cNvPr id="3" name="Content Placeholder 2"/>
+          <p:cNvSpPr>
+            <a:spLocks noGrp="1"/>
+          </p:cNvSpPr>
+          <p:nvPr>
+            <p:ph idx="1"/>
+          </p:nvPr>
+        </p:nvSpPr>
+        <p:spPr/>
+        <p:txBody>
+          <a:bodyPr/>
+          <a:lstStyle/>
+          <a:p>
+            <a:pPr lvl="0"/>
+            <a:r>
+              <a:rPr/>
+              <a:t>What have you learned</a:t>
+            </a:r>
+          </a:p>
+          <a:p>
+            <a:pPr lvl="1"/>
+            <a:r>
+              <a:rPr/>
+              <a:t>Mechanics</a:t>
+            </a:r>
+          </a:p>
+          <a:p>
+            <a:pPr lvl="0"/>
+            <a:r>
+              <a:rPr/>
+              <a:t>What’s coming next</a:t>
+            </a:r>
+          </a:p>
+          <a:p>
+            <a:pPr lvl="1"/>
+            <a:r>
+              <a:rPr/>
+              <a:t>Software</a:t>
+            </a:r>
+          </a:p>
+        </p:txBody>
+      </p:sp>
+    </p:spTree>
+  </p:cSld>
+</p:sld>
+</file>
+
+<file path=ppt/slides/slide3.xml><?xml version="1.0" encoding="utf-8"?>
+<p:sld xmlns:a="http://schemas.openxmlformats.org/drawingml/2006/main" xmlns:r="http://schemas.openxmlformats.org/officeDocument/2006/relationships" xmlns:p="http://schemas.openxmlformats.org/presentationml/2006/main">
+  <p:cSld>
+    <p:spTree>
+      <p:nvGrpSpPr>
+        <p:cNvPr id="1" name=""/>
+        <p:cNvGrpSpPr/>
+        <p:nvPr/>
+      </p:nvGrpSpPr>
+      <p:grpSpPr>
+        <a:xfrm>
+          <a:off x="0" y="0"/>
+          <a:ext cx="0" cy="0"/>
+          <a:chOff x="0" y="0"/>
+          <a:chExt cx="0" cy="0"/>
+        </a:xfrm>
+      </p:grpSpPr>
+      <p:sp>
+        <p:nvSpPr>
+          <p:cNvPr id="2" name="Title 1"/>
+          <p:cNvSpPr>
+            <a:spLocks noGrp="1"/>
+          </p:cNvSpPr>
+          <p:nvPr>
+            <p:ph type="title"/>
+          </p:nvPr>
+        </p:nvSpPr>
+        <p:spPr/>
+        <p:txBody>
+          <a:bodyPr/>
+          <a:lstStyle/>
+          <a:p>
+            <a:pPr lvl="0" indent="0" marL="0">
+              <a:buNone/>
+            </a:pPr>
+            <a:r>
+              <a:rPr/>
+              <a:t>History of the bootstrap</a:t>
+            </a:r>
+          </a:p>
+        </p:txBody>
+      </p:sp>
+      <p:sp>
+        <p:nvSpPr>
+          <p:cNvPr id="3" name="Content Placeholder 2"/>
+          <p:cNvSpPr>
+            <a:spLocks noGrp="1"/>
+          </p:cNvSpPr>
+          <p:nvPr>
+            <p:ph idx="1"/>
+          </p:nvPr>
+        </p:nvSpPr>
+        <p:spPr/>
+        <p:txBody>
+          <a:bodyPr/>
+          <a:lstStyle/>
+          <a:p>
+            <a:pPr lvl="0"/>
+            <a:r>
+              <a:rPr/>
+              <a:t>Can you rely on asymptotic normality?</a:t>
+            </a:r>
+          </a:p>
+          <a:p>
+            <a:pPr lvl="0"/>
+            <a:r>
+              <a:rPr/>
+              <a:t>The jackknife</a:t>
+            </a:r>
+          </a:p>
+          <a:p>
+            <a:pPr lvl="0"/>
+            <a:r>
+              <a:rPr/>
+              <a:t>Bradley Efron’s contributions</a:t>
+            </a:r>
+          </a:p>
+          <a:p>
+            <a:pPr lvl="0"/>
+            <a:r>
+              <a:rPr/>
+              <a:t>Recent application: bagging</a:t>
+            </a:r>
+          </a:p>
+        </p:txBody>
+      </p:sp>
+    </p:spTree>
+  </p:cSld>
+</p:sld>
+</file>
+
+<file path=ppt/slides/slide30.xml><?xml version="1.0" encoding="utf-8"?>
+<p:sld xmlns:a="http://schemas.openxmlformats.org/drawingml/2006/main" xmlns:r="http://schemas.openxmlformats.org/officeDocument/2006/relationships" xmlns:p="http://schemas.openxmlformats.org/presentationml/2006/main">
+  <p:cSld>
+    <p:spTree>
+      <p:nvGrpSpPr>
+        <p:cNvPr id="1" name=""/>
+        <p:cNvGrpSpPr/>
+        <p:nvPr/>
+      </p:nvGrpSpPr>
+      <p:grpSpPr>
+        <a:xfrm>
+          <a:off x="0" y="0"/>
+          <a:ext cx="0" cy="0"/>
+          <a:chOff x="0" y="0"/>
+          <a:chExt cx="0" cy="0"/>
+        </a:xfrm>
+      </p:grpSpPr>
+      <p:sp>
+        <p:nvSpPr>
+          <p:cNvPr id="2" name="Title 1"/>
+          <p:cNvSpPr>
+            <a:spLocks noGrp="1"/>
+          </p:cNvSpPr>
+          <p:nvPr>
+            <p:ph type="title"/>
+          </p:nvPr>
+        </p:nvSpPr>
+        <p:spPr/>
+        <p:txBody>
+          <a:bodyPr/>
+          <a:lstStyle/>
+          <a:p>
+            <a:pPr lvl="0" indent="0" marL="0">
+              <a:buNone/>
+            </a:pPr>
+            <a:r>
+              <a:rPr/>
+              <a:t>Software</a:t>
+            </a:r>
+          </a:p>
+        </p:txBody>
+      </p:sp>
+    </p:spTree>
+  </p:cSld>
+</p:sld>
+</file>
+
+<file path=ppt/slides/slide31.xml><?xml version="1.0" encoding="utf-8"?>
+<p:sld xmlns:a="http://schemas.openxmlformats.org/drawingml/2006/main" xmlns:r="http://schemas.openxmlformats.org/officeDocument/2006/relationships" xmlns:p="http://schemas.openxmlformats.org/presentationml/2006/main">
+  <p:cSld>
+    <p:spTree>
+      <p:nvGrpSpPr>
+        <p:cNvPr id="1" name=""/>
+        <p:cNvGrpSpPr/>
+        <p:nvPr/>
+      </p:nvGrpSpPr>
+      <p:grpSpPr>
+        <a:xfrm>
+          <a:off x="0" y="0"/>
+          <a:ext cx="0" cy="0"/>
+          <a:chOff x="0" y="0"/>
+          <a:chExt cx="0" cy="0"/>
+        </a:xfrm>
+      </p:grpSpPr>
+      <p:sp>
+        <p:nvSpPr>
+          <p:cNvPr id="2" name="Title 1"/>
+          <p:cNvSpPr>
+            <a:spLocks noGrp="1"/>
+          </p:cNvSpPr>
+          <p:nvPr>
+            <p:ph type="title"/>
+          </p:nvPr>
+        </p:nvSpPr>
+        <p:spPr/>
+        <p:txBody>
+          <a:bodyPr/>
+          <a:lstStyle/>
+          <a:p>
+            <a:pPr lvl="0" indent="0" marL="0">
+              <a:buNone/>
+            </a:pPr>
+            <a:r>
+              <a:rPr/>
+              <a:t>Special issues</a:t>
+            </a:r>
+          </a:p>
+        </p:txBody>
+      </p:sp>
+      <p:sp>
+        <p:nvSpPr>
+          <p:cNvPr id="3" name="Content Placeholder 2"/>
+          <p:cNvSpPr>
+            <a:spLocks noGrp="1"/>
+          </p:cNvSpPr>
+          <p:nvPr>
+            <p:ph idx="1"/>
+          </p:nvPr>
+        </p:nvSpPr>
+        <p:spPr/>
+        <p:txBody>
+          <a:bodyPr/>
+          <a:lstStyle/>
+          <a:p>
+            <a:pPr lvl="0"/>
+            <a:r>
+              <a:rPr/>
+              <a:t>Time series</a:t>
+            </a:r>
+          </a:p>
+          <a:p>
+            <a:pPr lvl="0"/>
+            <a:r>
+              <a:rPr/>
+              <a:t>Regression models</a:t>
+            </a:r>
+          </a:p>
+        </p:txBody>
+      </p:sp>
+    </p:spTree>
+  </p:cSld>
+</p:sld>
+</file>
+
+<file path=ppt/slides/slide32.xml><?xml version="1.0" encoding="utf-8"?>
+<p:sld xmlns:a="http://schemas.openxmlformats.org/drawingml/2006/main" xmlns:r="http://schemas.openxmlformats.org/officeDocument/2006/relationships" xmlns:p="http://schemas.openxmlformats.org/presentationml/2006/main">
+  <p:cSld>
+    <p:spTree>
+      <p:nvGrpSpPr>
+        <p:cNvPr id="1" name=""/>
+        <p:cNvGrpSpPr/>
+        <p:nvPr/>
+      </p:nvGrpSpPr>
+      <p:grpSpPr>
+        <a:xfrm>
+          <a:off x="0" y="0"/>
+          <a:ext cx="0" cy="0"/>
+          <a:chOff x="0" y="0"/>
+          <a:chExt cx="0" cy="0"/>
+        </a:xfrm>
+      </p:grpSpPr>
+      <p:sp>
+        <p:nvSpPr>
+          <p:cNvPr id="2" name="Title 1"/>
+          <p:cNvSpPr>
+            <a:spLocks noGrp="1"/>
+          </p:cNvSpPr>
+          <p:nvPr>
+            <p:ph type="title"/>
+          </p:nvPr>
+        </p:nvSpPr>
+        <p:spPr/>
+        <p:txBody>
+          <a:bodyPr/>
+          <a:lstStyle/>
+          <a:p>
+            <a:pPr lvl="0" indent="0" marL="0">
+              <a:buNone/>
+            </a:pPr>
+            <a:r>
+              <a:rPr/>
+              <a:t>Summary</a:t>
+            </a:r>
+          </a:p>
+        </p:txBody>
+      </p:sp>
+      <p:sp>
+        <p:nvSpPr>
+          <p:cNvPr id="3" name="Content Placeholder 2"/>
+          <p:cNvSpPr>
+            <a:spLocks noGrp="1"/>
+          </p:cNvSpPr>
+          <p:nvPr>
+            <p:ph idx="1"/>
+          </p:nvPr>
+        </p:nvSpPr>
+        <p:spPr/>
+        <p:txBody>
+          <a:bodyPr/>
+          <a:lstStyle/>
+          <a:p>
+            <a:pPr lvl="0"/>
+            <a:r>
+              <a:rPr/>
+              <a:t>History</a:t>
+            </a:r>
+          </a:p>
+          <a:p>
+            <a:pPr lvl="0"/>
+            <a:r>
+              <a:rPr/>
+              <a:t>Purpose</a:t>
+            </a:r>
+          </a:p>
+          <a:p>
+            <a:pPr lvl="0"/>
+            <a:r>
+              <a:rPr/>
+              <a:t>Calculations</a:t>
+            </a:r>
+          </a:p>
+          <a:p>
+            <a:pPr lvl="0"/>
+            <a:r>
+              <a:rPr/>
+              <a:t>Software</a:t>
+            </a:r>
+          </a:p>
+        </p:txBody>
+      </p:sp>
+    </p:spTree>
+  </p:cSld>
+</p:sld>
+</file>
+
+<file path=ppt/slides/slide4.xml><?xml version="1.0" encoding="utf-8"?>
+<p:sld xmlns:a="http://schemas.openxmlformats.org/drawingml/2006/main" xmlns:r="http://schemas.openxmlformats.org/officeDocument/2006/relationships" xmlns:p="http://schemas.openxmlformats.org/presentationml/2006/main">
+  <p:cSld>
+    <p:spTree>
+      <p:nvGrpSpPr>
+        <p:cNvPr id="1" name=""/>
+        <p:cNvGrpSpPr/>
+        <p:nvPr/>
+      </p:nvGrpSpPr>
+      <p:grpSpPr>
+        <a:xfrm>
+          <a:off x="0" y="0"/>
+          <a:ext cx="0" cy="0"/>
+          <a:chOff x="0" y="0"/>
+          <a:chExt cx="0" cy="0"/>
+        </a:xfrm>
+      </p:grpSpPr>
+      <p:sp>
+        <p:nvSpPr>
+          <p:cNvPr id="2" name="Title 1"/>
+          <p:cNvSpPr>
+            <a:spLocks noGrp="1"/>
+          </p:cNvSpPr>
+          <p:nvPr>
+            <p:ph type="title"/>
+          </p:nvPr>
+        </p:nvSpPr>
+        <p:spPr/>
+        <p:txBody>
+          <a:bodyPr/>
+          <a:lstStyle/>
+          <a:p>
+            <a:pPr lvl="0" indent="0" marL="0">
+              <a:buNone/>
+            </a:pPr>
+            <a:r>
+              <a:rPr/>
+              <a:t>Can we rely on asymptotic normality? (1/4)</a:t>
+            </a:r>
+          </a:p>
+        </p:txBody>
+      </p:sp>
+      <p:pic>
+        <p:nvPicPr>
+          <p:cNvPr descr="fig:  ../images/serfling-book-cover.jpg" id="0" name="Picture 1"/>
+          <p:cNvPicPr>
+            <a:picLocks noGrp="1" noChangeAspect="1"/>
+          </p:cNvPicPr>
+          <p:nvPr/>
+        </p:nvPicPr>
+        <p:blipFill>
+          <a:blip r:embed="rId3"/>
+          <a:stretch>
+            <a:fillRect/>
+          </a:stretch>
+        </p:blipFill>
+        <p:spPr bwMode="auto">
+          <a:xfrm>
+            <a:off x="3619500" y="1193800"/>
+            <a:ext cx="1905000" cy="2882900"/>
+          </a:xfrm>
+          <a:prstGeom prst="rect">
+            <a:avLst/>
+          </a:prstGeom>
+          <a:noFill/>
+          <a:ln w="9525">
+            <a:noFill/>
+            <a:headEnd/>
+            <a:tailEnd/>
+          </a:ln>
+        </p:spPr>
+      </p:pic>
+      <p:sp>
+        <p:nvSpPr>
+          <p:cNvPr id="1" name="TextBox 3"/>
+          <p:cNvSpPr txBox="1"/>
+          <p:nvPr/>
+        </p:nvSpPr>
+        <p:spPr>
+          <a:xfrm>
+            <a:off x="457200" y="4076700"/>
+            <a:ext cx="8229600" cy="508000"/>
+          </a:xfrm>
+          <a:prstGeom prst="rect">
+            <a:avLst/>
+          </a:prstGeom>
+          <a:noFill/>
+        </p:spPr>
+        <p:txBody>
+          <a:bodyPr/>
+          <a:lstStyle/>
+          <a:p>
+            <a:pPr lvl="0" indent="0" marL="0" algn="ctr">
+              <a:buNone/>
+            </a:pPr>
+            <a:r>
+              <a:rPr/>
+              <a:t>Figure 1. Cover of book by Robert Serfling</a:t>
+            </a:r>
+          </a:p>
+        </p:txBody>
+      </p:sp>
+    </p:spTree>
+  </p:cSld>
+</p:sld>
+</file>
+
+<file path=ppt/slides/slide5.xml><?xml version="1.0" encoding="utf-8"?>
+<p:sld xmlns:a="http://schemas.openxmlformats.org/drawingml/2006/main" xmlns:r="http://schemas.openxmlformats.org/officeDocument/2006/relationships" xmlns:p="http://schemas.openxmlformats.org/presentationml/2006/main">
+  <p:cSld>
+    <p:spTree>
+      <p:nvGrpSpPr>
+        <p:cNvPr id="1" name=""/>
+        <p:cNvGrpSpPr/>
+        <p:nvPr/>
+      </p:nvGrpSpPr>
+      <p:grpSpPr>
+        <a:xfrm>
+          <a:off x="0" y="0"/>
+          <a:ext cx="0" cy="0"/>
+          <a:chOff x="0" y="0"/>
+          <a:chExt cx="0" cy="0"/>
+        </a:xfrm>
+      </p:grpSpPr>
+      <p:sp>
+        <p:nvSpPr>
+          <p:cNvPr id="2" name="Title 1"/>
+          <p:cNvSpPr>
+            <a:spLocks noGrp="1"/>
+          </p:cNvSpPr>
+          <p:nvPr>
+            <p:ph type="title"/>
+          </p:nvPr>
+        </p:nvSpPr>
+        <p:spPr/>
+        <p:txBody>
+          <a:bodyPr/>
+          <a:lstStyle/>
+          <a:p>
+            <a:pPr lvl="0" indent="0" marL="0">
+              <a:buNone/>
+            </a:pPr>
+            <a:r>
+              <a:rPr/>
+              <a:t>Can we rely on asymptotic normality? (2/4)</a:t>
+            </a:r>
+          </a:p>
+        </p:txBody>
+      </p:sp>
+      <mc:AlternateContent xmlns:mc="http://schemas.openxmlformats.org/markup-compatibility/2006">
+        <mc:Choice xmlns:a14="http://schemas.microsoft.com/office/drawing/2010/main" Requires="a14">
+          <p:sp>
+            <p:nvSpPr>
+              <p:cNvPr id="3" name="Content Placeholder 2"/>
+              <p:cNvSpPr>
+                <a:spLocks noGrp="1"/>
+              </p:cNvSpPr>
+              <p:nvPr>
+                <p:ph idx="1"/>
+              </p:nvPr>
+            </p:nvSpPr>
+            <p:spPr/>
+            <p:txBody>
+              <a:bodyPr/>
+              <a:lstStyle/>
+              <a:p>
+                <a:pPr lvl="0" indent="0" marL="0">
+                  <a:buNone/>
+                </a:pPr>
+                <a14:m>
+                  <m:oMath xmlns:m="http://schemas.openxmlformats.org/officeDocument/2006/math">
+                    <m:acc>
+                      <m:accPr>
+                        <m:chr m:val="‾"/>
+                      </m:accPr>
+                      <m:e>
+                        <m:r>
+                          <m:t>X</m:t>
+                        </m:r>
+                      </m:e>
+                    </m:acc>
+                    <m:r>
+                      <m:rPr>
+                        <m:sty m:val="p"/>
+                      </m:rPr>
+                      <m:t>=</m:t>
+                    </m:r>
+                    <m:f>
+                      <m:fPr>
+                        <m:type m:val="bar"/>
+                      </m:fPr>
+                      <m:num>
+                        <m:r>
+                          <m:t>1</m:t>
+                        </m:r>
+                      </m:num>
+                      <m:den>
+                        <m:r>
+                          <m:t>n</m:t>
+                        </m:r>
+                      </m:den>
+                    </m:f>
+                    <m:nary>
+                      <m:naryPr>
+                        <m:chr m:val="∑"/>
+                        <m:limLoc m:val="undOvr"/>
+                        <m:subHide m:val="0"/>
+                        <m:supHide m:val="0"/>
+                      </m:naryPr>
+                      <m:sub>
+                        <m:r>
+                          <m:t>i</m:t>
+                        </m:r>
+                        <m:r>
+                          <m:rPr>
+                            <m:sty m:val="p"/>
+                          </m:rPr>
+                          <m:t>=</m:t>
+                        </m:r>
+                        <m:r>
+                          <m:t>1</m:t>
+                        </m:r>
+                      </m:sub>
+                      <m:sup>
+                        <m:r>
+                          <m:t>n</m:t>
+                        </m:r>
+                      </m:sup>
+                      <m:e>
+                        <m:sSub>
+                          <m:e>
+                            <m:r>
+                              <m:t>X</m:t>
+                            </m:r>
+                          </m:e>
+                          <m:sub>
+                            <m:r>
+                              <m:t>i</m:t>
+                            </m:r>
+                          </m:sub>
+                        </m:sSub>
+                      </m:e>
+                    </m:nary>
+                  </m:oMath>
+                </a14:m>
+                <a:r>
+                  <a:rPr/>
+                  <a:t> is approximately normal if</a:t>
+                </a:r>
+              </a:p>
+              <a:p>
+                <a:pPr lvl="0"/>
+                <a:r>
+                  <a:rPr/>
+                  <a:t>The </a:t>
+                </a:r>
+                <a14:m>
+                  <m:oMath xmlns:m="http://schemas.openxmlformats.org/officeDocument/2006/math">
+                    <m:sSub>
+                      <m:e>
+                        <m:r>
+                          <m:t>X</m:t>
+                        </m:r>
+                      </m:e>
+                      <m:sub>
+                        <m:r>
+                          <m:t>i</m:t>
+                        </m:r>
+                      </m:sub>
+                    </m:sSub>
+                  </m:oMath>
+                </a14:m>
+                <a:r>
+                  <a:rPr/>
+                  <a:t> all come from the same distribution</a:t>
+                </a:r>
+              </a:p>
+              <a:p>
+                <a:pPr lvl="0"/>
+                <a:r>
+                  <a:rPr/>
+                  <a:t>The </a:t>
+                </a:r>
+                <a14:m>
+                  <m:oMath xmlns:m="http://schemas.openxmlformats.org/officeDocument/2006/math">
+                    <m:sSub>
+                      <m:e>
+                        <m:r>
+                          <m:t>X</m:t>
+                        </m:r>
+                      </m:e>
+                      <m:sub>
+                        <m:r>
+                          <m:t>i</m:t>
+                        </m:r>
+                      </m:sub>
+                    </m:sSub>
+                  </m:oMath>
+                </a14:m>
+                <a:r>
+                  <a:rPr/>
+                  <a:t>’s are all independent</a:t>
+                </a:r>
+              </a:p>
+              <a:p>
+                <a:pPr lvl="0"/>
+                <a:r>
+                  <a:rPr/>
+                  <a:t>The </a:t>
+                </a:r>
+                <a14:m>
+                  <m:oMath xmlns:m="http://schemas.openxmlformats.org/officeDocument/2006/math">
+                    <m:sSub>
+                      <m:e>
+                        <m:r>
+                          <m:t>X</m:t>
+                        </m:r>
+                      </m:e>
+                      <m:sub>
+                        <m:r>
+                          <m:t>i</m:t>
+                        </m:r>
+                      </m:sub>
+                    </m:sSub>
+                  </m:oMath>
+                </a14:m>
+                <a:r>
+                  <a:rPr/>
+                  <a:t> have a finite second moment</a:t>
+                </a:r>
+              </a:p>
+              <a:p>
+                <a:pPr lvl="0" indent="0" marL="0">
+                  <a:buNone/>
+                </a:pPr>
+                <a:r>
+                  <a:rPr/>
+                  <a:t>A more precise statement</a:t>
+                </a:r>
+              </a:p>
+              <a:p>
+                <a:pPr lvl="0"/>
+                <a14:m>
+                  <m:oMath xmlns:m="http://schemas.openxmlformats.org/officeDocument/2006/math">
+                    <m:r>
+                      <m:t>l</m:t>
+                    </m:r>
+                    <m:r>
+                      <m:t>i</m:t>
+                    </m:r>
+                    <m:sSub>
+                      <m:e>
+                        <m:r>
+                          <m:t>m</m:t>
+                        </m:r>
+                      </m:e>
+                      <m:sub>
+                        <m:r>
+                          <m:t>n</m:t>
+                        </m:r>
+                        <m:r>
+                          <m:rPr>
+                            <m:sty m:val="p"/>
+                          </m:rPr>
+                          <m:t>→</m:t>
+                        </m:r>
+                        <m:r>
+                          <m:rPr>
+                            <m:sty m:val="p"/>
+                          </m:rPr>
+                          <m:t>∞</m:t>
+                        </m:r>
+                      </m:sub>
+                    </m:sSub>
+                    <m:r>
+                      <m:t> </m:t>
+                    </m:r>
+                    <m:f>
+                      <m:fPr>
+                        <m:type m:val="bar"/>
+                      </m:fPr>
+                      <m:num>
+                        <m:acc>
+                          <m:accPr>
+                            <m:chr m:val="‾"/>
+                          </m:accPr>
+                          <m:e>
+                            <m:r>
+                              <m:t>X</m:t>
+                            </m:r>
+                          </m:e>
+                        </m:acc>
+                        <m:r>
+                          <m:rPr>
+                            <m:sty m:val="p"/>
+                          </m:rPr>
+                          <m:t>−</m:t>
+                        </m:r>
+                        <m:r>
+                          <m:t>μ</m:t>
+                        </m:r>
+                      </m:num>
+                      <m:den>
+                        <m:r>
+                          <m:t>σ</m:t>
+                        </m:r>
+                        <m:r>
+                          <m:rPr>
+                            <m:sty m:val="p"/>
+                          </m:rPr>
+                          <m:t>/</m:t>
+                        </m:r>
+                        <m:rad>
+                          <m:radPr>
+                            <m:degHide m:val="1"/>
+                          </m:radPr>
+                          <m:deg/>
+                          <m:e>
+                            <m:r>
+                              <m:t>n</m:t>
+                            </m:r>
+                          </m:e>
+                        </m:rad>
+                      </m:den>
+                    </m:f>
+                    <m:r>
+                      <m:rPr>
+                        <m:sty m:val="p"/>
+                      </m:rPr>
+                      <m:t>=</m:t>
+                    </m:r>
+                    <m:r>
+                      <m:t>N</m:t>
+                    </m:r>
+                    <m:d>
+                      <m:dPr>
+                        <m:begChr m:val="("/>
+                        <m:endChr m:val=")"/>
+                        <m:sepChr m:val=""/>
+                        <m:grow/>
+                      </m:dPr>
+                      <m:e>
+                        <m:r>
+                          <m:t>0</m:t>
+                        </m:r>
+                        <m:r>
+                          <m:rPr>
+                            <m:sty m:val="p"/>
+                          </m:rPr>
+                          <m:t>,</m:t>
+                        </m:r>
+                        <m:r>
+                          <m:t>1</m:t>
+                        </m:r>
+                      </m:e>
+                    </m:d>
+                  </m:oMath>
+                </a14:m>
+              </a:p>
+            </p:txBody>
+          </p:sp>
+        </mc:Choice>
+      </mc:AlternateContent>
+    </p:spTree>
+  </p:cSld>
+</p:sld>
+</file>
+
+<file path=ppt/slides/slide6.xml><?xml version="1.0" encoding="utf-8"?>
+<p:sld xmlns:a="http://schemas.openxmlformats.org/drawingml/2006/main" xmlns:r="http://schemas.openxmlformats.org/officeDocument/2006/relationships" xmlns:p="http://schemas.openxmlformats.org/presentationml/2006/main">
+  <p:cSld>
+    <p:spTree>
+      <p:nvGrpSpPr>
+        <p:cNvPr id="1" name=""/>
+        <p:cNvGrpSpPr/>
+        <p:nvPr/>
+      </p:nvGrpSpPr>
+      <p:grpSpPr>
+        <a:xfrm>
+          <a:off x="0" y="0"/>
+          <a:ext cx="0" cy="0"/>
+          <a:chOff x="0" y="0"/>
+          <a:chExt cx="0" cy="0"/>
+        </a:xfrm>
+      </p:grpSpPr>
+      <p:sp>
+        <p:nvSpPr>
+          <p:cNvPr id="2" name="Title 1"/>
+          <p:cNvSpPr>
+            <a:spLocks noGrp="1"/>
+          </p:cNvSpPr>
+          <p:nvPr>
+            <p:ph type="title"/>
+          </p:nvPr>
+        </p:nvSpPr>
+        <p:spPr/>
+        <p:txBody>
+          <a:bodyPr/>
+          <a:lstStyle/>
+          <a:p>
+            <a:pPr lvl="0" indent="0" marL="0">
+              <a:buNone/>
+            </a:pPr>
+            <a:r>
+              <a:rPr/>
+              <a:t>Can we rely on asymptotic normality? (3/4)</a:t>
+            </a:r>
+          </a:p>
+        </p:txBody>
+      </p:sp>
+      <mc:AlternateContent xmlns:mc="http://schemas.openxmlformats.org/markup-compatibility/2006">
+        <mc:Choice xmlns:a14="http://schemas.microsoft.com/office/drawing/2010/main" Requires="a14">
+          <p:sp>
+            <p:nvSpPr>
+              <p:cNvPr id="3" name="Content Placeholder 2"/>
+              <p:cNvSpPr>
+                <a:spLocks noGrp="1"/>
+              </p:cNvSpPr>
+              <p:nvPr>
+                <p:ph idx="1"/>
+              </p:nvPr>
+            </p:nvSpPr>
+            <p:spPr/>
+            <p:txBody>
+              <a:bodyPr/>
+              <a:lstStyle/>
+              <a:p>
+                <a:pPr lvl="0" indent="0" marL="0">
+                  <a:buNone/>
+                </a:pPr>
+                <a:r>
+                  <a:rPr/>
+                  <a:t>Furthermore,</a:t>
+                </a:r>
+              </a:p>
+              <a:p>
+                <a:pPr lvl="0" indent="0" marL="0">
+                  <a:buNone/>
+                </a:pPr>
+                <a14:m>
+                  <m:oMath xmlns:m="http://schemas.openxmlformats.org/officeDocument/2006/math">
+                    <m:r>
+                      <m:t>E</m:t>
+                    </m:r>
+                    <m:d>
+                      <m:dPr>
+                        <m:begChr m:val="["/>
+                        <m:endChr m:val="]"/>
+                        <m:sepChr m:val=""/>
+                        <m:grow/>
+                      </m:dPr>
+                      <m:e>
+                        <m:acc>
+                          <m:accPr>
+                            <m:chr m:val="‾"/>
+                          </m:accPr>
+                          <m:e>
+                            <m:r>
+                              <m:t>X</m:t>
+                            </m:r>
+                          </m:e>
+                        </m:acc>
+                      </m:e>
+                    </m:d>
+                    <m:r>
+                      <m:rPr>
+                        <m:sty m:val="p"/>
+                      </m:rPr>
+                      <m:t>=</m:t>
+                    </m:r>
+                    <m:r>
+                      <m:t>μ</m:t>
+                    </m:r>
+                  </m:oMath>
+                </a14:m>
+              </a:p>
+              <a:p>
+                <a:pPr lvl="0" indent="0" marL="0">
+                  <a:buNone/>
+                </a:pPr>
+                <a14:m>
+                  <m:oMath xmlns:m="http://schemas.openxmlformats.org/officeDocument/2006/math">
+                    <m:r>
+                      <m:t>V</m:t>
+                    </m:r>
+                    <m:r>
+                      <m:t>a</m:t>
+                    </m:r>
+                    <m:r>
+                      <m:t>r</m:t>
+                    </m:r>
+                    <m:d>
+                      <m:dPr>
+                        <m:begChr m:val="("/>
+                        <m:endChr m:val=")"/>
+                        <m:sepChr m:val=""/>
+                        <m:grow/>
+                      </m:dPr>
+                      <m:e>
+                        <m:acc>
+                          <m:accPr>
+                            <m:chr m:val="‾"/>
+                          </m:accPr>
+                          <m:e>
+                            <m:r>
+                              <m:t>X</m:t>
+                            </m:r>
+                          </m:e>
+                        </m:acc>
+                      </m:e>
+                    </m:d>
+                    <m:r>
+                      <m:rPr>
+                        <m:sty m:val="p"/>
+                      </m:rPr>
+                      <m:t>=</m:t>
+                    </m:r>
+                    <m:f>
+                      <m:fPr>
+                        <m:type m:val="bar"/>
+                      </m:fPr>
+                      <m:num>
+                        <m:sSup>
+                          <m:e>
+                            <m:r>
+                              <m:t>σ</m:t>
+                            </m:r>
+                          </m:e>
+                          <m:sup>
+                            <m:r>
+                              <m:t>2</m:t>
+                            </m:r>
+                          </m:sup>
+                        </m:sSup>
+                      </m:num>
+                      <m:den>
+                        <m:r>
+                          <m:t>n</m:t>
+                        </m:r>
+                      </m:den>
+                    </m:f>
+                  </m:oMath>
+                </a14:m>
+              </a:p>
+            </p:txBody>
+          </p:sp>
+        </mc:Choice>
+      </mc:AlternateContent>
+    </p:spTree>
+  </p:cSld>
+</p:sld>
+</file>
+
+<file path=ppt/slides/slide7.xml><?xml version="1.0" encoding="utf-8"?>
+<p:sld xmlns:a="http://schemas.openxmlformats.org/drawingml/2006/main" xmlns:r="http://schemas.openxmlformats.org/officeDocument/2006/relationships" xmlns:p="http://schemas.openxmlformats.org/presentationml/2006/main">
+  <p:cSld>
+    <p:spTree>
+      <p:nvGrpSpPr>
+        <p:cNvPr id="1" name=""/>
+        <p:cNvGrpSpPr/>
+        <p:nvPr/>
+      </p:nvGrpSpPr>
+      <p:grpSpPr>
+        <a:xfrm>
+          <a:off x="0" y="0"/>
+          <a:ext cx="0" cy="0"/>
+          <a:chOff x="0" y="0"/>
+          <a:chExt cx="0" cy="0"/>
+        </a:xfrm>
+      </p:grpSpPr>
+      <p:sp>
+        <p:nvSpPr>
+          <p:cNvPr id="2" name="Title 1"/>
+          <p:cNvSpPr>
+            <a:spLocks noGrp="1"/>
+          </p:cNvSpPr>
+          <p:nvPr>
+            <p:ph type="title"/>
+          </p:nvPr>
+        </p:nvSpPr>
+        <p:spPr/>
+        <p:txBody>
+          <a:bodyPr/>
+          <a:lstStyle/>
+          <a:p>
+            <a:pPr lvl="0" indent="0" marL="0">
+              <a:buNone/>
+            </a:pPr>
+            <a:r>
+              <a:rPr/>
+              <a:t>Can we rely on asymptotic normality? (4/4)</a:t>
+            </a:r>
+          </a:p>
+        </p:txBody>
+      </p:sp>
+      <mc:AlternateContent xmlns:mc="http://schemas.openxmlformats.org/markup-compatibility/2006">
+        <mc:Choice xmlns:a14="http://schemas.microsoft.com/office/drawing/2010/main" Requires="a14">
+          <p:sp>
+            <p:nvSpPr>
+              <p:cNvPr id="3" name="Content Placeholder 2"/>
+              <p:cNvSpPr>
+                <a:spLocks noGrp="1"/>
+              </p:cNvSpPr>
+              <p:nvPr>
+                <p:ph idx="1"/>
+              </p:nvPr>
+            </p:nvSpPr>
+            <p:spPr/>
+            <p:txBody>
+              <a:bodyPr/>
+              <a:lstStyle/>
+              <a:p>
+                <a:pPr lvl="0" indent="0" marL="0">
+                  <a:buNone/>
+                </a:pPr>
+                <a:r>
+                  <a:rPr/>
+                  <a:t>What about:</a:t>
+                </a:r>
+              </a:p>
+              <a:p>
+                <a:pPr lvl="0" indent="0" marL="0">
+                  <a:buNone/>
+                </a:pPr>
+                <a14:m>
+                  <m:oMath xmlns:m="http://schemas.openxmlformats.org/officeDocument/2006/math">
+                    <m:r>
+                      <m:t>M</m:t>
+                    </m:r>
+                    <m:r>
+                      <m:t>A</m:t>
+                    </m:r>
+                    <m:r>
+                      <m:t>D</m:t>
+                    </m:r>
+                    <m:d>
+                      <m:dPr>
+                        <m:begChr m:val="("/>
+                        <m:endChr m:val=")"/>
+                        <m:sepChr m:val=""/>
+                        <m:grow/>
+                      </m:dPr>
+                      <m:e>
+                        <m:r>
+                          <m:t>X</m:t>
+                        </m:r>
+                      </m:e>
+                    </m:d>
+                    <m:r>
+                      <m:rPr>
+                        <m:sty m:val="p"/>
+                      </m:rPr>
+                      <m:t>=</m:t>
+                    </m:r>
+                    <m:f>
+                      <m:fPr>
+                        <m:type m:val="bar"/>
+                      </m:fPr>
+                      <m:num>
+                        <m:r>
+                          <m:t>1</m:t>
+                        </m:r>
+                      </m:num>
+                      <m:den>
+                        <m:r>
+                          <m:t>n</m:t>
+                        </m:r>
+                      </m:den>
+                    </m:f>
+                    <m:nary>
+                      <m:naryPr>
+                        <m:chr m:val="∑"/>
+                        <m:limLoc m:val="undOvr"/>
+                        <m:subHide m:val="0"/>
+                        <m:supHide m:val="0"/>
+                      </m:naryPr>
+                      <m:sub>
+                        <m:r>
+                          <m:t>i</m:t>
+                        </m:r>
+                        <m:r>
+                          <m:rPr>
+                            <m:sty m:val="p"/>
+                          </m:rPr>
+                          <m:t>=</m:t>
+                        </m:r>
+                        <m:r>
+                          <m:t>1</m:t>
+                        </m:r>
+                      </m:sub>
+                      <m:sup>
+                        <m:r>
+                          <m:t>n</m:t>
+                        </m:r>
+                      </m:sup>
+                      <m:e>
+                        <m:d>
+                          <m:dPr>
+                            <m:begChr m:val="|"/>
+                            <m:endChr m:val="|"/>
+                            <m:sepChr m:val=""/>
+                            <m:grow/>
+                          </m:dPr>
+                          <m:e>
+                            <m:sSub>
+                              <m:e>
+                                <m:r>
+                                  <m:t>X</m:t>
+                                </m:r>
+                              </m:e>
+                              <m:sub>
+                                <m:r>
+                                  <m:t>i</m:t>
+                                </m:r>
+                              </m:sub>
+                            </m:sSub>
+                            <m:r>
+                              <m:rPr>
+                                <m:sty m:val="p"/>
+                              </m:rPr>
+                              <m:t>−</m:t>
+                            </m:r>
+                            <m:acc>
+                              <m:accPr>
+                                <m:chr m:val="‾"/>
+                              </m:accPr>
+                              <m:e>
+                                <m:r>
+                                  <m:t>X</m:t>
+                                </m:r>
+                              </m:e>
+                            </m:acc>
+                          </m:e>
+                        </m:d>
+                      </m:e>
+                    </m:nary>
+                  </m:oMath>
+                </a14:m>
+              </a:p>
+              <a:p>
+                <a:pPr lvl="0" indent="0" marL="0">
+                  <a:buNone/>
+                </a:pPr>
+                <a14:m>
+                  <m:oMath xmlns:m="http://schemas.openxmlformats.org/officeDocument/2006/math">
+                    <m:r>
+                      <m:t> </m:t>
+                    </m:r>
+                  </m:oMath>
+                </a14:m>
+              </a:p>
+              <a:p>
+                <a:pPr lvl="0" indent="0" marL="0">
+                  <a:buNone/>
+                </a:pPr>
+                <a14:m>
+                  <m:oMath xmlns:m="http://schemas.openxmlformats.org/officeDocument/2006/math">
+                    <m:r>
+                      <m:t>I</m:t>
+                    </m:r>
+                    <m:r>
+                      <m:t>Q</m:t>
+                    </m:r>
+                    <m:r>
+                      <m:t>R</m:t>
+                    </m:r>
+                    <m:r>
+                      <m:rPr>
+                        <m:sty m:val="p"/>
+                      </m:rPr>
+                      <m:t>=</m:t>
+                    </m:r>
+                    <m:sSub>
+                      <m:e>
+                        <m:r>
+                          <m:t>X</m:t>
+                        </m:r>
+                      </m:e>
+                      <m:sub>
+                        <m:r>
+                          <m:t>.75</m:t>
+                        </m:r>
+                      </m:sub>
+                    </m:sSub>
+                    <m:r>
+                      <m:rPr>
+                        <m:sty m:val="p"/>
+                      </m:rPr>
+                      <m:t>−</m:t>
+                    </m:r>
+                    <m:sSub>
+                      <m:e>
+                        <m:r>
+                          <m:t>X</m:t>
+                        </m:r>
+                      </m:e>
+                      <m:sub>
+                        <m:r>
+                          <m:t>.25</m:t>
+                        </m:r>
+                      </m:sub>
+                    </m:sSub>
+                  </m:oMath>
+                </a14:m>
+              </a:p>
+              <a:p>
+                <a:pPr lvl="0" indent="0" marL="0">
+                  <a:buNone/>
+                </a:pPr>
+                <a14:m>
+                  <m:oMath xmlns:m="http://schemas.openxmlformats.org/officeDocument/2006/math">
+                    <m:r>
+                      <m:t> </m:t>
+                    </m:r>
+                  </m:oMath>
+                </a14:m>
+              </a:p>
+              <a:p>
+                <a:pPr lvl="0" indent="0" marL="0">
+                  <a:buNone/>
+                </a:pPr>
+                <a14:m>
+                  <m:oMath xmlns:m="http://schemas.openxmlformats.org/officeDocument/2006/math">
+                    <m:r>
+                      <m:t>n</m:t>
+                    </m:r>
+                    <m:r>
+                      <m:rPr>
+                        <m:sty m:val="p"/>
+                      </m:rPr>
+                      <m:t>&lt;</m:t>
+                    </m:r>
+                    <m:r>
+                      <m:t>30</m:t>
+                    </m:r>
+                  </m:oMath>
+                </a14:m>
+              </a:p>
+            </p:txBody>
+          </p:sp>
+        </mc:Choice>
+      </mc:AlternateContent>
+    </p:spTree>
+  </p:cSld>
+</p:sld>
+</file>
+
+<file path=ppt/slides/slide8.xml><?xml version="1.0" encoding="utf-8"?>
+<p:sld xmlns:a="http://schemas.openxmlformats.org/drawingml/2006/main" xmlns:r="http://schemas.openxmlformats.org/officeDocument/2006/relationships" xmlns:p="http://schemas.openxmlformats.org/presentationml/2006/main">
+  <p:cSld>
+    <p:spTree>
+      <p:nvGrpSpPr>
+        <p:cNvPr id="1" name=""/>
+        <p:cNvGrpSpPr/>
+        <p:nvPr/>
+      </p:nvGrpSpPr>
+      <p:grpSpPr>
+        <a:xfrm>
+          <a:off x="0" y="0"/>
+          <a:ext cx="0" cy="0"/>
+          <a:chOff x="0" y="0"/>
+          <a:chExt cx="0" cy="0"/>
+        </a:xfrm>
+      </p:grpSpPr>
+      <p:sp>
+        <p:nvSpPr>
+          <p:cNvPr id="2" name="Title 1"/>
+          <p:cNvSpPr>
+            <a:spLocks noGrp="1"/>
+          </p:cNvSpPr>
+          <p:nvPr>
+            <p:ph type="title"/>
+          </p:nvPr>
+        </p:nvSpPr>
+        <p:spPr/>
+        <p:txBody>
+          <a:bodyPr/>
+          <a:lstStyle/>
+          <a:p>
+            <a:pPr lvl="0" indent="0" marL="0">
+              <a:buNone/>
+            </a:pPr>
+            <a:r>
+              <a:rPr/>
+              <a:t>The jackknife (1/4)</a:t>
+            </a:r>
+          </a:p>
+        </p:txBody>
+      </p:sp>
+      <p:pic>
+        <p:nvPicPr>
+          <p:cNvPr descr="fig:  ../images/jackknife-image.png" id="0" name="Picture 1"/>
+          <p:cNvPicPr>
+            <a:picLocks noGrp="1" noChangeAspect="1"/>
+          </p:cNvPicPr>
+          <p:nvPr/>
+        </p:nvPicPr>
+        <p:blipFill>
+          <a:blip r:embed="rId3"/>
+          <a:stretch>
+            <a:fillRect/>
+          </a:stretch>
+        </p:blipFill>
+        <p:spPr bwMode="auto">
+          <a:xfrm>
+            <a:off x="457200" y="1549400"/>
+            <a:ext cx="8229600" cy="2171700"/>
+          </a:xfrm>
+          <a:prstGeom prst="rect">
+            <a:avLst/>
+          </a:prstGeom>
+          <a:noFill/>
+          <a:ln w="9525">
+            <a:noFill/>
+            <a:headEnd/>
+            <a:tailEnd/>
+          </a:ln>
+        </p:spPr>
+      </p:pic>
+      <p:sp>
+        <p:nvSpPr>
+          <p:cNvPr id="1" name="TextBox 3"/>
+          <p:cNvSpPr txBox="1"/>
+          <p:nvPr/>
+        </p:nvSpPr>
+        <p:spPr>
+          <a:xfrm>
+            <a:off x="457200" y="4076700"/>
+            <a:ext cx="8229600" cy="508000"/>
+          </a:xfrm>
+          <a:prstGeom prst="rect">
+            <a:avLst/>
+          </a:prstGeom>
+          <a:noFill/>
+        </p:spPr>
+        <p:txBody>
+          <a:bodyPr/>
+          <a:lstStyle/>
+          <a:p>
+            <a:pPr lvl="0" indent="0" marL="0" algn="ctr">
+              <a:buNone/>
+            </a:pPr>
+            <a:r>
+              <a:rPr/>
+              <a:t>Figure 1. Image of a jackknife</a:t>
+            </a:r>
+          </a:p>
+        </p:txBody>
+      </p:sp>
+    </p:spTree>
+  </p:cSld>
+</p:sld>
+</file>
+
+<file path=ppt/slides/slide9.xml><?xml version="1.0" encoding="utf-8"?>
+<p:sld xmlns:a="http://schemas.openxmlformats.org/drawingml/2006/main" xmlns:r="http://schemas.openxmlformats.org/officeDocument/2006/relationships" xmlns:p="http://schemas.openxmlformats.org/presentationml/2006/main">
+  <p:cSld>
+    <p:spTree>
+      <p:nvGrpSpPr>
+        <p:cNvPr id="1" name=""/>
+        <p:cNvGrpSpPr/>
+        <p:nvPr/>
+      </p:nvGrpSpPr>
+      <p:grpSpPr>
+        <a:xfrm>
+          <a:off x="0" y="0"/>
+          <a:ext cx="0" cy="0"/>
+          <a:chOff x="0" y="0"/>
+          <a:chExt cx="0" cy="0"/>
+        </a:xfrm>
+      </p:grpSpPr>
+      <p:sp>
+        <p:nvSpPr>
+          <p:cNvPr id="2" name="Title 1"/>
+          <p:cNvSpPr>
+            <a:spLocks noGrp="1"/>
+          </p:cNvSpPr>
+          <p:nvPr>
+            <p:ph type="title"/>
+          </p:nvPr>
+        </p:nvSpPr>
+        <p:spPr/>
+        <p:txBody>
+          <a:bodyPr/>
+          <a:lstStyle/>
+          <a:p>
+            <a:pPr lvl="0" indent="0" marL="0">
+              <a:buNone/>
+            </a:pPr>
+            <a:r>
+              <a:rPr/>
+              <a:t>The jackknife (2/4)</a:t>
+            </a:r>
+          </a:p>
+        </p:txBody>
+      </p:sp>
+      <mc:AlternateContent xmlns:mc="http://schemas.openxmlformats.org/markup-compatibility/2006">
+        <mc:Choice xmlns:a14="http://schemas.microsoft.com/office/drawing/2010/main" Requires="a14">
+          <p:sp>
+            <p:nvSpPr>
+              <p:cNvPr id="3" name="Content Placeholder 2"/>
+              <p:cNvSpPr>
+                <a:spLocks noGrp="1"/>
+              </p:cNvSpPr>
+              <p:nvPr>
+                <p:ph idx="1"/>
+              </p:nvPr>
+            </p:nvSpPr>
+            <p:spPr/>
+            <p:txBody>
+              <a:bodyPr/>
+              <a:lstStyle/>
+              <a:p>
+                <a:pPr lvl="0" indent="0" marL="0">
+                  <a:buNone/>
+                </a:pPr>
+                <a14:m>
+                  <m:oMath xmlns:m="http://schemas.openxmlformats.org/officeDocument/2006/math">
+                    <m:r>
+                      <m:t>X</m:t>
+                    </m:r>
+                    <m:r>
+                      <m:t> </m:t>
+                    </m:r>
+                    <m:r>
+                      <m:t> </m:t>
+                    </m:r>
+                    <m:r>
+                      <m:t> </m:t>
+                    </m:r>
+                    <m:r>
+                      <m:t> </m:t>
+                    </m:r>
+                    <m:r>
+                      <m:t> </m:t>
+                    </m:r>
+                    <m:r>
+                      <m:t> </m:t>
+                    </m:r>
+                    <m:r>
+                      <m:rPr>
+                        <m:sty m:val="p"/>
+                      </m:rPr>
+                      <m:t>=</m:t>
+                    </m:r>
+                    <m:d>
+                      <m:dPr>
+                        <m:begChr m:val="("/>
+                        <m:endChr m:val=")"/>
+                        <m:sepChr m:val=""/>
+                        <m:grow/>
+                      </m:dPr>
+                      <m:e>
+                        <m:r>
+                          <m:t>2</m:t>
+                        </m:r>
+                        <m:r>
+                          <m:rPr>
+                            <m:sty m:val="p"/>
+                          </m:rPr>
+                          <m:t>,</m:t>
+                        </m:r>
+                        <m:r>
+                          <m:t>3</m:t>
+                        </m:r>
+                        <m:r>
+                          <m:rPr>
+                            <m:sty m:val="p"/>
+                          </m:rPr>
+                          <m:t>,</m:t>
+                        </m:r>
+                        <m:r>
+                          <m:t>7</m:t>
+                        </m:r>
+                        <m:r>
+                          <m:rPr>
+                            <m:sty m:val="p"/>
+                          </m:rPr>
+                          <m:t>,</m:t>
+                        </m:r>
+                        <m:r>
+                          <m:t>5</m:t>
+                        </m:r>
+                        <m:r>
+                          <m:rPr>
+                            <m:sty m:val="p"/>
+                          </m:rPr>
+                          <m:t>,</m:t>
+                        </m:r>
+                        <m:r>
+                          <m:t>6</m:t>
+                        </m:r>
+                      </m:e>
+                    </m:d>
+                  </m:oMath>
+                </a14:m>
+              </a:p>
+              <a:p>
+                <a:pPr lvl="0" indent="0" marL="0">
+                  <a:buNone/>
+                </a:pPr>
+                <a14:m>
+                  <m:oMath xmlns:m="http://schemas.openxmlformats.org/officeDocument/2006/math">
+                    <m:r>
+                      <m:t> </m:t>
+                    </m:r>
+                  </m:oMath>
+                </a14:m>
+              </a:p>
+              <a:p>
+                <a:pPr lvl="0" indent="0" marL="0">
+                  <a:buNone/>
+                </a:pPr>
+                <a14:m>
+                  <m:oMath xmlns:m="http://schemas.openxmlformats.org/officeDocument/2006/math">
+                    <m:sSup>
+                      <m:e>
+                        <m:r>
+                          <m:t>X</m:t>
+                        </m:r>
+                      </m:e>
+                      <m:sup>
+                        <m:d>
+                          <m:dPr>
+                            <m:begChr m:val="("/>
+                            <m:endChr m:val=")"/>
+                            <m:sepChr m:val=""/>
+                            <m:grow/>
+                          </m:dPr>
+                          <m:e>
+                            <m:r>
+                              <m:rPr>
+                                <m:sty m:val="p"/>
+                              </m:rPr>
+                              <m:t>−</m:t>
+                            </m:r>
+                            <m:r>
+                              <m:t>1</m:t>
+                            </m:r>
+                          </m:e>
+                        </m:d>
+                      </m:sup>
+                    </m:sSup>
+                    <m:r>
+                      <m:rPr>
+                        <m:sty m:val="p"/>
+                      </m:rPr>
+                      <m:t>=</m:t>
+                    </m:r>
+                    <m:d>
+                      <m:dPr>
+                        <m:begChr m:val="("/>
+                        <m:endChr m:val=")"/>
+                        <m:sepChr m:val=""/>
+                        <m:grow/>
+                      </m:dPr>
+                      <m:e>
+                        <m:r>
+                          <m:t> </m:t>
+                        </m:r>
+                        <m:r>
+                          <m:t> </m:t>
+                        </m:r>
+                        <m:r>
+                          <m:rPr>
+                            <m:sty m:val="p"/>
+                          </m:rPr>
+                          <m:t>,</m:t>
+                        </m:r>
+                        <m:r>
+                          <m:t>3</m:t>
+                        </m:r>
+                        <m:r>
+                          <m:rPr>
+                            <m:sty m:val="p"/>
+                          </m:rPr>
+                          <m:t>,</m:t>
+                        </m:r>
+                        <m:r>
+                          <m:t>7</m:t>
+                        </m:r>
+                        <m:r>
+                          <m:rPr>
+                            <m:sty m:val="p"/>
+                          </m:rPr>
+                          <m:t>,</m:t>
+                        </m:r>
+                        <m:r>
+                          <m:t>5</m:t>
+                        </m:r>
+                        <m:r>
+                          <m:rPr>
+                            <m:sty m:val="p"/>
+                          </m:rPr>
+                          <m:t>,</m:t>
+                        </m:r>
+                        <m:r>
+                          <m:t>6</m:t>
+                        </m:r>
+                      </m:e>
+                    </m:d>
+                  </m:oMath>
+                </a14:m>
+              </a:p>
+              <a:p>
+                <a:pPr lvl="0" indent="0" marL="0">
+                  <a:buNone/>
+                </a:pPr>
+                <a14:m>
+                  <m:oMath xmlns:m="http://schemas.openxmlformats.org/officeDocument/2006/math">
+                    <m:sSup>
+                      <m:e>
+                        <m:r>
+                          <m:t>X</m:t>
+                        </m:r>
+                      </m:e>
+                      <m:sup>
+                        <m:d>
+                          <m:dPr>
+                            <m:begChr m:val="("/>
+                            <m:endChr m:val=")"/>
+                            <m:sepChr m:val=""/>
+                            <m:grow/>
+                          </m:dPr>
+                          <m:e>
+                            <m:r>
+                              <m:rPr>
+                                <m:sty m:val="p"/>
+                              </m:rPr>
+                              <m:t>−</m:t>
+                            </m:r>
+                            <m:r>
+                              <m:t>2</m:t>
+                            </m:r>
+                          </m:e>
+                        </m:d>
+                      </m:sup>
+                    </m:sSup>
+                    <m:r>
+                      <m:rPr>
+                        <m:sty m:val="p"/>
+                      </m:rPr>
+                      <m:t>=</m:t>
+                    </m:r>
+                    <m:d>
+                      <m:dPr>
+                        <m:begChr m:val="("/>
+                        <m:endChr m:val=")"/>
+                        <m:sepChr m:val=""/>
+                        <m:grow/>
+                      </m:dPr>
+                      <m:e>
+                        <m:r>
+                          <m:t>2</m:t>
+                        </m:r>
+                        <m:r>
+                          <m:rPr>
+                            <m:sty m:val="p"/>
+                          </m:rPr>
+                          <m:t>,</m:t>
+                        </m:r>
+                        <m:r>
+                          <m:t> </m:t>
+                        </m:r>
+                        <m:r>
+                          <m:t> </m:t>
+                        </m:r>
+                        <m:r>
+                          <m:rPr>
+                            <m:sty m:val="p"/>
+                          </m:rPr>
+                          <m:t>,</m:t>
+                        </m:r>
+                        <m:r>
+                          <m:t>7</m:t>
+                        </m:r>
+                        <m:r>
+                          <m:rPr>
+                            <m:sty m:val="p"/>
+                          </m:rPr>
+                          <m:t>,</m:t>
+                        </m:r>
+                        <m:r>
+                          <m:t>5</m:t>
+                        </m:r>
+                        <m:r>
+                          <m:rPr>
+                            <m:sty m:val="p"/>
+                          </m:rPr>
+                          <m:t>,</m:t>
+                        </m:r>
+                        <m:r>
+                          <m:t>6</m:t>
+                        </m:r>
+                      </m:e>
+                    </m:d>
+                  </m:oMath>
+                </a14:m>
+              </a:p>
+              <a:p>
+                <a:pPr lvl="0" indent="0" marL="0">
+                  <a:buNone/>
+                </a:pPr>
+                <a14:m>
+                  <m:oMath xmlns:m="http://schemas.openxmlformats.org/officeDocument/2006/math">
+                    <m:sSup>
+                      <m:e>
+                        <m:r>
+                          <m:t>X</m:t>
+                        </m:r>
+                      </m:e>
+                      <m:sup>
+                        <m:d>
+                          <m:dPr>
+                            <m:begChr m:val="("/>
+                            <m:endChr m:val=")"/>
+                            <m:sepChr m:val=""/>
+                            <m:grow/>
+                          </m:dPr>
+                          <m:e>
+                            <m:r>
+                              <m:rPr>
+                                <m:sty m:val="p"/>
+                              </m:rPr>
+                              <m:t>−</m:t>
+                            </m:r>
+                            <m:r>
+                              <m:t>3</m:t>
+                            </m:r>
+                          </m:e>
+                        </m:d>
+                      </m:sup>
+                    </m:sSup>
+                    <m:r>
+                      <m:rPr>
+                        <m:sty m:val="p"/>
+                      </m:rPr>
+                      <m:t>=</m:t>
+                    </m:r>
+                    <m:d>
+                      <m:dPr>
+                        <m:begChr m:val="("/>
+                        <m:endChr m:val=")"/>
+                        <m:sepChr m:val=""/>
+                        <m:grow/>
+                      </m:dPr>
+                      <m:e>
+                        <m:r>
+                          <m:t>2</m:t>
+                        </m:r>
+                        <m:r>
+                          <m:rPr>
+                            <m:sty m:val="p"/>
+                          </m:rPr>
+                          <m:t>,</m:t>
+                        </m:r>
+                        <m:r>
+                          <m:t>3</m:t>
+                        </m:r>
+                        <m:r>
+                          <m:rPr>
+                            <m:sty m:val="p"/>
+                          </m:rPr>
+                          <m:t>,</m:t>
+                        </m:r>
+                        <m:r>
+                          <m:t> </m:t>
+                        </m:r>
+                        <m:r>
+                          <m:t> </m:t>
+                        </m:r>
+                        <m:r>
+                          <m:rPr>
+                            <m:sty m:val="p"/>
+                          </m:rPr>
+                          <m:t>,</m:t>
+                        </m:r>
+                        <m:r>
+                          <m:t>5</m:t>
+                        </m:r>
+                        <m:r>
+                          <m:rPr>
+                            <m:sty m:val="p"/>
+                          </m:rPr>
+                          <m:t>,</m:t>
+                        </m:r>
+                        <m:r>
+                          <m:t>6</m:t>
+                        </m:r>
+                      </m:e>
+                    </m:d>
+                  </m:oMath>
+                </a14:m>
+              </a:p>
+              <a:p>
+                <a:pPr lvl="0" indent="0" marL="0">
+                  <a:buNone/>
+                </a:pPr>
+                <a14:m>
+                  <m:oMath xmlns:m="http://schemas.openxmlformats.org/officeDocument/2006/math">
+                    <m:sSup>
+                      <m:e>
+                        <m:r>
+                          <m:t>X</m:t>
+                        </m:r>
+                      </m:e>
+                      <m:sup>
+                        <m:d>
+                          <m:dPr>
+                            <m:begChr m:val="("/>
+                            <m:endChr m:val=")"/>
+                            <m:sepChr m:val=""/>
+                            <m:grow/>
+                          </m:dPr>
+                          <m:e>
+                            <m:r>
+                              <m:rPr>
+                                <m:sty m:val="p"/>
+                              </m:rPr>
+                              <m:t>−</m:t>
+                            </m:r>
+                            <m:r>
+                              <m:t>4</m:t>
+                            </m:r>
+                          </m:e>
+                        </m:d>
+                      </m:sup>
+                    </m:sSup>
+                    <m:r>
+                      <m:rPr>
+                        <m:sty m:val="p"/>
+                      </m:rPr>
+                      <m:t>=</m:t>
+                    </m:r>
+                    <m:d>
+                      <m:dPr>
+                        <m:begChr m:val="("/>
+                        <m:endChr m:val=")"/>
+                        <m:sepChr m:val=""/>
+                        <m:grow/>
+                      </m:dPr>
+                      <m:e>
+                        <m:r>
+                          <m:t>2</m:t>
+                        </m:r>
+                        <m:r>
+                          <m:rPr>
+                            <m:sty m:val="p"/>
+                          </m:rPr>
+                          <m:t>,</m:t>
+                        </m:r>
+                        <m:r>
+                          <m:t>3</m:t>
+                        </m:r>
+                        <m:r>
+                          <m:rPr>
+                            <m:sty m:val="p"/>
+                          </m:rPr>
+                          <m:t>,</m:t>
+                        </m:r>
+                        <m:r>
+                          <m:t>7</m:t>
+                        </m:r>
+                        <m:r>
+                          <m:rPr>
+                            <m:sty m:val="p"/>
+                          </m:rPr>
+                          <m:t>,</m:t>
+                        </m:r>
+                        <m:r>
+                          <m:t> </m:t>
+                        </m:r>
+                        <m:r>
+                          <m:t> </m:t>
+                        </m:r>
+                        <m:r>
+                          <m:rPr>
+                            <m:sty m:val="p"/>
+                          </m:rPr>
+                          <m:t>,</m:t>
+                        </m:r>
+                        <m:r>
+                          <m:t>6</m:t>
+                        </m:r>
+                      </m:e>
+                    </m:d>
+                  </m:oMath>
+                </a14:m>
+              </a:p>
+              <a:p>
+                <a:pPr lvl="0" indent="0" marL="0">
+                  <a:buNone/>
+                </a:pPr>
+                <a14:m>
+                  <m:oMath xmlns:m="http://schemas.openxmlformats.org/officeDocument/2006/math">
+                    <m:sSup>
+                      <m:e>
+                        <m:r>
+                          <m:t>X</m:t>
+                        </m:r>
+                      </m:e>
+                      <m:sup>
+                        <m:d>
+                          <m:dPr>
+                            <m:begChr m:val="("/>
+                            <m:endChr m:val=")"/>
+                            <m:sepChr m:val=""/>
+                            <m:grow/>
+                          </m:dPr>
+                          <m:e>
+                            <m:r>
+                              <m:rPr>
+                                <m:sty m:val="p"/>
+                              </m:rPr>
+                              <m:t>−</m:t>
+                            </m:r>
+                            <m:r>
+                              <m:t>5</m:t>
+                            </m:r>
+                          </m:e>
+                        </m:d>
+                      </m:sup>
+                    </m:sSup>
+                    <m:r>
+                      <m:rPr>
+                        <m:sty m:val="p"/>
+                      </m:rPr>
+                      <m:t>=</m:t>
+                    </m:r>
+                    <m:d>
+                      <m:dPr>
+                        <m:begChr m:val="("/>
+                        <m:endChr m:val=")"/>
+                        <m:sepChr m:val=""/>
+                        <m:grow/>
+                      </m:dPr>
+                      <m:e>
+                        <m:r>
+                          <m:t>2</m:t>
+                        </m:r>
+                        <m:r>
+                          <m:rPr>
+                            <m:sty m:val="p"/>
+                          </m:rPr>
+                          <m:t>,</m:t>
+                        </m:r>
+                        <m:r>
+                          <m:t>3</m:t>
+                        </m:r>
+                        <m:r>
+                          <m:rPr>
+                            <m:sty m:val="p"/>
+                          </m:rPr>
+                          <m:t>,</m:t>
+                        </m:r>
+                        <m:r>
+                          <m:t>7</m:t>
+                        </m:r>
+                        <m:r>
+                          <m:rPr>
+                            <m:sty m:val="p"/>
+                          </m:rPr>
+                          <m:t>,</m:t>
+                        </m:r>
+                        <m:r>
+                          <m:t>5</m:t>
+                        </m:r>
+                        <m:r>
+                          <m:rPr>
+                            <m:sty m:val="p"/>
+                          </m:rPr>
+                          <m:t>,</m:t>
+                        </m:r>
+                        <m:r>
+                          <m:t> </m:t>
+                        </m:r>
+                        <m:r>
+                          <m:t> </m:t>
+                        </m:r>
+                      </m:e>
+                    </m:d>
+                  </m:oMath>
+                </a14:m>
               </a:p>
             </p:txBody>
           </p:sp>

--- a/bootstrap/src/bootstrap-slides.pptx
+++ b/bootstrap/src/bootstrap-slides.pptx
@@ -5,7 +5,7 @@
     <p:sldMasterId id="2147483648" r:id="rId1"/>
   </p:sldMasterIdLst>
   <p:notesMasterIdLst>
-    <p:notesMasterId r:id="rId34"/>
+    <p:notesMasterId r:id="rId42"/>
   </p:notesMasterIdLst>
   <p:sldIdLst>
     <p:sldId id="256" r:id="rId2"/>
@@ -40,6 +40,14 @@
     <p:sldId id="285" r:id="rId31"/>
     <p:sldId id="286" r:id="rId32"/>
     <p:sldId id="287" r:id="rId33"/>
+    <p:sldId id="288" r:id="rId34"/>
+    <p:sldId id="289" r:id="rId35"/>
+    <p:sldId id="290" r:id="rId36"/>
+    <p:sldId id="291" r:id="rId37"/>
+    <p:sldId id="292" r:id="rId38"/>
+    <p:sldId id="293" r:id="rId39"/>
+    <p:sldId id="294" r:id="rId40"/>
+    <p:sldId id="295" r:id="rId41"/>
   </p:sldIdLst>
   <p:sldSz cx="9144000" cy="5143500" type="screen16x9"/>
   <p:notesSz cx="6858000" cy="9144000"/>
@@ -597,7 +605,7 @@
             </a:pPr>
             <a:r>
               <a:rPr/>
-              <a:t>First, I will provide a historical overview, starting with a simpler method that the bootstrap was based on called the jackknife. Then I will talk about Bradlet Efron’s work to develop the bootstrap and establish its theoretical foundations. Then I will mention how bootstrapping has developed into a methodology used in machine learning called bagging.</a:t>
+              <a:t>First, I will provide a historical overview, starting with a simpler method that the bootstrap was based on called the jackknife. Then I will talk about Bradley Efron’s work to develop the bootstrap and establish its theoretical foundations. Then I will mention how bootstrapping has developed into a methodology used in machine learning called bagging.</a:t>
             </a:r>
           </a:p>
           <a:p>
@@ -634,166 +642,12 @@
             </a:pPr>
           </a:p>
           <a:p>
-            <a:pPr lvl="0"/>
-            <a:r>
-              <a:rPr/>
-              <a:t>Purpose</a:t>
-            </a:r>
-          </a:p>
-          <a:p>
-            <a:pPr lvl="0" indent="0" marL="0">
-              <a:buNone/>
-            </a:pPr>
-          </a:p>
-          <a:p>
-            <a:pPr lvl="1"/>
-            <a:r>
-              <a:rPr/>
-              <a:t>Estimate bias</a:t>
-            </a:r>
-          </a:p>
-          <a:p>
-            <a:pPr lvl="0" indent="0" marL="0">
-              <a:buNone/>
-            </a:pPr>
-          </a:p>
-          <a:p>
-            <a:pPr lvl="1"/>
-            <a:r>
-              <a:rPr/>
-              <a:t>Calculate standard errors</a:t>
-            </a:r>
-          </a:p>
-          <a:p>
-            <a:pPr lvl="0" indent="0" marL="0">
-              <a:buNone/>
-            </a:pPr>
-          </a:p>
-          <a:p>
-            <a:pPr lvl="1"/>
-            <a:r>
-              <a:rPr/>
-              <a:t>Compute confidence intervals</a:t>
-            </a:r>
-          </a:p>
-          <a:p>
-            <a:pPr lvl="0" indent="0" marL="0">
-              <a:buNone/>
-            </a:pPr>
-          </a:p>
-          <a:p>
-            <a:pPr lvl="1"/>
-            <a:r>
-              <a:rPr/>
-              <a:t>Test hypotheses</a:t>
-            </a:r>
-          </a:p>
-          <a:p>
-            <a:pPr lvl="0" indent="0" marL="0">
-              <a:buNone/>
-            </a:pPr>
-          </a:p>
-          <a:p>
-            <a:pPr lvl="0"/>
-            <a:r>
-              <a:rPr/>
-              <a:t>Calculations</a:t>
-            </a:r>
-          </a:p>
-          <a:p>
-            <a:pPr lvl="0" indent="0" marL="0">
-              <a:buNone/>
-            </a:pPr>
-          </a:p>
-          <a:p>
-            <a:pPr lvl="1"/>
-            <a:r>
-              <a:rPr/>
-              <a:t>Bias</a:t>
-            </a:r>
-          </a:p>
-          <a:p>
-            <a:pPr lvl="0" indent="0" marL="0">
-              <a:buNone/>
-            </a:pPr>
-          </a:p>
-          <a:p>
-            <a:pPr lvl="1"/>
-            <a:r>
-              <a:rPr/>
-              <a:t>Standard error</a:t>
-            </a:r>
-          </a:p>
-          <a:p>
-            <a:pPr lvl="0" indent="0" marL="0">
-              <a:buNone/>
-            </a:pPr>
-          </a:p>
-          <a:p>
-            <a:pPr lvl="1"/>
-            <a:r>
-              <a:rPr/>
-              <a:t>Percentile confidence interval</a:t>
-            </a:r>
-          </a:p>
-          <a:p>
-            <a:pPr lvl="0" indent="0" marL="0">
-              <a:buNone/>
-            </a:pPr>
-          </a:p>
-          <a:p>
-            <a:pPr lvl="1"/>
-            <a:r>
-              <a:rPr/>
-              <a:t>Bias corrected intervals</a:t>
-            </a:r>
-          </a:p>
-          <a:p>
-            <a:pPr lvl="0" indent="0" marL="0">
-              <a:buNone/>
-            </a:pPr>
-          </a:p>
-          <a:p>
-            <a:pPr lvl="0"/>
-            <a:r>
-              <a:rPr/>
-              <a:t>Software</a:t>
-            </a:r>
-          </a:p>
-          <a:p>
-            <a:pPr lvl="0" indent="0" marL="0">
-              <a:buNone/>
-            </a:pPr>
-          </a:p>
-          <a:p>
-            <a:pPr lvl="1"/>
-            <a:r>
-              <a:rPr/>
-              <a:t>SAS</a:t>
-            </a:r>
-          </a:p>
-          <a:p>
-            <a:pPr lvl="0" indent="0" marL="0">
-              <a:buNone/>
-            </a:pPr>
-          </a:p>
-          <a:p>
-            <a:pPr lvl="1"/>
-            <a:r>
-              <a:rPr/>
-              <a:t>Stata</a:t>
-            </a:r>
-          </a:p>
-          <a:p>
-            <a:pPr lvl="0" indent="0" marL="0">
-              <a:buNone/>
-            </a:pPr>
-          </a:p>
-          <a:p>
-            <a:pPr lvl="1"/>
-            <a:r>
-              <a:rPr/>
-              <a:t>R</a:t>
+            <a:pPr lvl="0" indent="0" marL="0">
+              <a:buNone/>
+            </a:pPr>
+            <a:r>
+              <a:rPr/>
+              <a:t>Then I will show two simple examples.</a:t>
             </a:r>
           </a:p>
         </p:txBody>
@@ -1338,6 +1192,556 @@
             <a:fld id="{18BDFEC3-8487-43E8-A154-7C12CBC1FFF2}" type="slidenum">
               <a:rPr lang="en-US"/>
               <a:t>20</a:t>
+            </a:fld>
+            <a:endParaRPr lang="en-US"/>
+          </a:p>
+        </p:txBody>
+      </p:sp>
+    </p:spTree>
+  </p:cSld>
+</p:notes>
+</file>
+
+<file path=ppt/notesSlides/notesSlide15.xml><?xml version="1.0" encoding="utf-8"?>
+<p:notes xmlns:a="http://schemas.openxmlformats.org/drawingml/2006/main" xmlns:r="http://schemas.openxmlformats.org/officeDocument/2006/relationships" xmlns:p="http://schemas.openxmlformats.org/presentationml/2006/main">
+  <p:cSld>
+    <p:spTree>
+      <p:nvGrpSpPr>
+        <p:cNvPr id="1" name=""/>
+        <p:cNvGrpSpPr/>
+        <p:nvPr/>
+      </p:nvGrpSpPr>
+      <p:grpSpPr>
+        <a:xfrm>
+          <a:off x="0" y="0"/>
+          <a:ext cx="0" cy="0"/>
+          <a:chOff x="0" y="0"/>
+          <a:chExt cx="0" cy="0"/>
+        </a:xfrm>
+      </p:grpSpPr>
+      <p:sp>
+        <p:nvSpPr>
+          <p:cNvPr id="2" name="Slide Image Placeholder 1"/>
+          <p:cNvSpPr>
+            <a:spLocks noGrp="1" noRot="1" noChangeAspect="1"/>
+          </p:cNvSpPr>
+          <p:nvPr>
+            <p:ph type="sldImg"/>
+          </p:nvPr>
+        </p:nvSpPr>
+        <p:spPr/>
+      </p:sp>
+      <p:sp>
+        <p:nvSpPr>
+          <p:cNvPr id="3" name="Notes Placeholder 2"/>
+          <p:cNvSpPr>
+            <a:spLocks noGrp="1"/>
+          </p:cNvSpPr>
+          <p:nvPr>
+            <p:ph type="body" idx="1"/>
+          </p:nvPr>
+        </p:nvSpPr>
+        <p:spPr/>
+        <p:txBody>
+          <a:bodyPr/>
+          <a:lstStyle/>
+          <a:p>
+            <a:pPr lvl="0" indent="0" marL="0">
+              <a:buNone/>
+            </a:pPr>
+            <a:r>
+              <a:rPr/>
+              <a:t>For all of the proposed uses of the bootstrap, you start with an estimate based on the full dataset. Call that estimate theta-hat.</a:t>
+            </a:r>
+          </a:p>
+          <a:p>
+            <a:pPr lvl="0" indent="0" marL="0">
+              <a:buNone/>
+            </a:pPr>
+          </a:p>
+          <a:p>
+            <a:pPr lvl="0" indent="0" marL="0">
+              <a:buNone/>
+            </a:pPr>
+            <a:r>
+              <a:rPr/>
+              <a:t>Then for each bootstrap sample, you calculate the same estimate.</a:t>
+            </a:r>
+          </a:p>
+        </p:txBody>
+      </p:sp>
+      <p:sp>
+        <p:nvSpPr>
+          <p:cNvPr id="4" name="Slide Number Placeholder 3"/>
+          <p:cNvSpPr>
+            <a:spLocks noGrp="1"/>
+          </p:cNvSpPr>
+          <p:nvPr>
+            <p:ph type="sldNum" sz="quarter" idx="10"/>
+          </p:nvPr>
+        </p:nvSpPr>
+        <p:spPr/>
+        <p:txBody>
+          <a:bodyPr/>
+          <a:lstStyle/>
+          <a:p>
+            <a:fld id="{18BDFEC3-8487-43E8-A154-7C12CBC1FFF2}" type="slidenum">
+              <a:rPr lang="en-US"/>
+              <a:t>23</a:t>
+            </a:fld>
+            <a:endParaRPr lang="en-US"/>
+          </a:p>
+        </p:txBody>
+      </p:sp>
+    </p:spTree>
+  </p:cSld>
+</p:notes>
+</file>
+
+<file path=ppt/notesSlides/notesSlide16.xml><?xml version="1.0" encoding="utf-8"?>
+<p:notes xmlns:a="http://schemas.openxmlformats.org/drawingml/2006/main" xmlns:r="http://schemas.openxmlformats.org/officeDocument/2006/relationships" xmlns:p="http://schemas.openxmlformats.org/presentationml/2006/main">
+  <p:cSld>
+    <p:spTree>
+      <p:nvGrpSpPr>
+        <p:cNvPr id="1" name=""/>
+        <p:cNvGrpSpPr/>
+        <p:nvPr/>
+      </p:nvGrpSpPr>
+      <p:grpSpPr>
+        <a:xfrm>
+          <a:off x="0" y="0"/>
+          <a:ext cx="0" cy="0"/>
+          <a:chOff x="0" y="0"/>
+          <a:chExt cx="0" cy="0"/>
+        </a:xfrm>
+      </p:grpSpPr>
+      <p:sp>
+        <p:nvSpPr>
+          <p:cNvPr id="2" name="Slide Image Placeholder 1"/>
+          <p:cNvSpPr>
+            <a:spLocks noGrp="1" noRot="1" noChangeAspect="1"/>
+          </p:cNvSpPr>
+          <p:nvPr>
+            <p:ph type="sldImg"/>
+          </p:nvPr>
+        </p:nvSpPr>
+        <p:spPr/>
+      </p:sp>
+      <p:sp>
+        <p:nvSpPr>
+          <p:cNvPr id="3" name="Notes Placeholder 2"/>
+          <p:cNvSpPr>
+            <a:spLocks noGrp="1"/>
+          </p:cNvSpPr>
+          <p:nvPr>
+            <p:ph type="body" idx="1"/>
+          </p:nvPr>
+        </p:nvSpPr>
+        <p:spPr/>
+        <p:txBody>
+          <a:bodyPr/>
+          <a:lstStyle/>
+          <a:p>
+            <a:pPr lvl="0" indent="0" marL="0">
+              <a:buNone/>
+            </a:pPr>
+            <a:r>
+              <a:rPr/>
+              <a:t>To estimate bias, see how much the average of the bootstrapped estimates differs from the estimate based on the full sample.</a:t>
+            </a:r>
+          </a:p>
+          <a:p>
+            <a:pPr lvl="0" indent="0" marL="0">
+              <a:buNone/>
+            </a:pPr>
+          </a:p>
+          <a:p>
+            <a:pPr lvl="0" indent="0" marL="0">
+              <a:buNone/>
+            </a:pPr>
+            <a:r>
+              <a:rPr/>
+              <a:t>For what it’s worth, many people (including myself) consider concerns about bias to be overblown. There are times when a biased estimate can be quite serious, especially if the bias is caused by a flaw in the sampling process. But debates about whether you should divide n versus n-1 in the formula for variance are a bit silly.</a:t>
+            </a:r>
+          </a:p>
+          <a:p>
+            <a:pPr lvl="0" indent="0" marL="0">
+              <a:buNone/>
+            </a:pPr>
+          </a:p>
+          <a:p>
+            <a:pPr lvl="0" indent="0" marL="0">
+              <a:buNone/>
+            </a:pPr>
+            <a:r>
+              <a:rPr/>
+              <a:t>Furthermore, a small amount of bias in an estimator may be worth it if you can get less sampling error in return.</a:t>
+            </a:r>
+          </a:p>
+          <a:p>
+            <a:pPr lvl="0" indent="0" marL="0">
+              <a:buNone/>
+            </a:pPr>
+          </a:p>
+          <a:p>
+            <a:pPr lvl="0" indent="0" marL="0">
+              <a:buNone/>
+            </a:pPr>
+            <a:r>
+              <a:rPr/>
+              <a:t>There’s no correct answer about if and when you should adjust for bias, but I am presenting it here as a simple application of the bootstrap. In all candor, the use of the bootstrap for calculating standard errors, computing confidence intervals, and testing hypotheses are far more common uses of the bootstrap.</a:t>
+            </a:r>
+          </a:p>
+        </p:txBody>
+      </p:sp>
+      <p:sp>
+        <p:nvSpPr>
+          <p:cNvPr id="4" name="Slide Number Placeholder 3"/>
+          <p:cNvSpPr>
+            <a:spLocks noGrp="1"/>
+          </p:cNvSpPr>
+          <p:nvPr>
+            <p:ph type="sldNum" sz="quarter" idx="10"/>
+          </p:nvPr>
+        </p:nvSpPr>
+        <p:spPr/>
+        <p:txBody>
+          <a:bodyPr/>
+          <a:lstStyle/>
+          <a:p>
+            <a:fld id="{18BDFEC3-8487-43E8-A154-7C12CBC1FFF2}" type="slidenum">
+              <a:rPr lang="en-US"/>
+              <a:t>24</a:t>
+            </a:fld>
+            <a:endParaRPr lang="en-US"/>
+          </a:p>
+        </p:txBody>
+      </p:sp>
+    </p:spTree>
+  </p:cSld>
+</p:notes>
+</file>
+
+<file path=ppt/notesSlides/notesSlide17.xml><?xml version="1.0" encoding="utf-8"?>
+<p:notes xmlns:a="http://schemas.openxmlformats.org/drawingml/2006/main" xmlns:r="http://schemas.openxmlformats.org/officeDocument/2006/relationships" xmlns:p="http://schemas.openxmlformats.org/presentationml/2006/main">
+  <p:cSld>
+    <p:spTree>
+      <p:nvGrpSpPr>
+        <p:cNvPr id="1" name=""/>
+        <p:cNvGrpSpPr/>
+        <p:nvPr/>
+      </p:nvGrpSpPr>
+      <p:grpSpPr>
+        <a:xfrm>
+          <a:off x="0" y="0"/>
+          <a:ext cx="0" cy="0"/>
+          <a:chOff x="0" y="0"/>
+          <a:chExt cx="0" cy="0"/>
+        </a:xfrm>
+      </p:grpSpPr>
+      <p:sp>
+        <p:nvSpPr>
+          <p:cNvPr id="2" name="Slide Image Placeholder 1"/>
+          <p:cNvSpPr>
+            <a:spLocks noGrp="1" noRot="1" noChangeAspect="1"/>
+          </p:cNvSpPr>
+          <p:nvPr>
+            <p:ph type="sldImg"/>
+          </p:nvPr>
+        </p:nvSpPr>
+        <p:spPr/>
+      </p:sp>
+      <p:sp>
+        <p:nvSpPr>
+          <p:cNvPr id="3" name="Notes Placeholder 2"/>
+          <p:cNvSpPr>
+            <a:spLocks noGrp="1"/>
+          </p:cNvSpPr>
+          <p:nvPr>
+            <p:ph type="body" idx="1"/>
+          </p:nvPr>
+        </p:nvSpPr>
+        <p:spPr/>
+        <p:txBody>
+          <a:bodyPr/>
+          <a:lstStyle/>
+          <a:p>
+            <a:pPr lvl="0" indent="0" marL="0">
+              <a:buNone/>
+            </a:pPr>
+            <a:r>
+              <a:rPr/>
+              <a:t>You can use the standard deviation of the bootstrapped estimates as an estimate of the standard error of your statistic.</a:t>
+            </a:r>
+          </a:p>
+          <a:p>
+            <a:pPr lvl="0" indent="0" marL="0">
+              <a:buNone/>
+            </a:pPr>
+          </a:p>
+          <a:p>
+            <a:pPr lvl="0" indent="0" marL="0">
+              <a:buNone/>
+            </a:pPr>
+            <a:r>
+              <a:rPr/>
+              <a:t>We’ll talk next about confidence intervals and hypothesis tests. But the question arises: why would you want a bootstrap estimate of the standard error if not to use it in a confidence interval or a hypothesis test?</a:t>
+            </a:r>
+          </a:p>
+          <a:p>
+            <a:pPr lvl="0" indent="0" marL="0">
+              <a:buNone/>
+            </a:pPr>
+          </a:p>
+          <a:p>
+            <a:pPr lvl="0" indent="0" marL="0">
+              <a:buNone/>
+            </a:pPr>
+            <a:r>
+              <a:rPr/>
+              <a:t>Perhaps there is some value in getting the standard error using a classic approach and comparing it to the bootstrap estimate of the standard error. If the two are close, that gives you some reassurance that the classic approach is appropriate. If they differ, then examine things like whether the sample size is large enough to justify the normal approximation or if other assumptions that you need are justifiable.</a:t>
+            </a:r>
+          </a:p>
+        </p:txBody>
+      </p:sp>
+      <p:sp>
+        <p:nvSpPr>
+          <p:cNvPr id="4" name="Slide Number Placeholder 3"/>
+          <p:cNvSpPr>
+            <a:spLocks noGrp="1"/>
+          </p:cNvSpPr>
+          <p:nvPr>
+            <p:ph type="sldNum" sz="quarter" idx="10"/>
+          </p:nvPr>
+        </p:nvSpPr>
+        <p:spPr/>
+        <p:txBody>
+          <a:bodyPr/>
+          <a:lstStyle/>
+          <a:p>
+            <a:fld id="{18BDFEC3-8487-43E8-A154-7C12CBC1FFF2}" type="slidenum">
+              <a:rPr lang="en-US"/>
+              <a:t>25</a:t>
+            </a:fld>
+            <a:endParaRPr lang="en-US"/>
+          </a:p>
+        </p:txBody>
+      </p:sp>
+    </p:spTree>
+  </p:cSld>
+</p:notes>
+</file>
+
+<file path=ppt/notesSlides/notesSlide18.xml><?xml version="1.0" encoding="utf-8"?>
+<p:notes xmlns:a="http://schemas.openxmlformats.org/drawingml/2006/main" xmlns:r="http://schemas.openxmlformats.org/officeDocument/2006/relationships" xmlns:p="http://schemas.openxmlformats.org/presentationml/2006/main">
+  <p:cSld>
+    <p:spTree>
+      <p:nvGrpSpPr>
+        <p:cNvPr id="1" name=""/>
+        <p:cNvGrpSpPr/>
+        <p:nvPr/>
+      </p:nvGrpSpPr>
+      <p:grpSpPr>
+        <a:xfrm>
+          <a:off x="0" y="0"/>
+          <a:ext cx="0" cy="0"/>
+          <a:chOff x="0" y="0"/>
+          <a:chExt cx="0" cy="0"/>
+        </a:xfrm>
+      </p:grpSpPr>
+      <p:sp>
+        <p:nvSpPr>
+          <p:cNvPr id="2" name="Slide Image Placeholder 1"/>
+          <p:cNvSpPr>
+            <a:spLocks noGrp="1" noRot="1" noChangeAspect="1"/>
+          </p:cNvSpPr>
+          <p:nvPr>
+            <p:ph type="sldImg"/>
+          </p:nvPr>
+        </p:nvSpPr>
+        <p:spPr/>
+      </p:sp>
+      <p:sp>
+        <p:nvSpPr>
+          <p:cNvPr id="3" name="Notes Placeholder 2"/>
+          <p:cNvSpPr>
+            <a:spLocks noGrp="1"/>
+          </p:cNvSpPr>
+          <p:nvPr>
+            <p:ph type="body" idx="1"/>
+          </p:nvPr>
+        </p:nvSpPr>
+        <p:spPr/>
+        <p:txBody>
+          <a:bodyPr/>
+          <a:lstStyle/>
+          <a:p>
+            <a:pPr lvl="0" indent="0" marL="0">
+              <a:buNone/>
+            </a:pPr>
+            <a:r>
+              <a:rPr/>
+              <a:t>Every reference that I reviewed showed these equations and immediately apologized for their complexity. There appears to be little intuition that you can discern from these formulas. The formula for z-hat-0 is a bit easier to follow, perhaps. It is an adjustment for bias.</a:t>
+            </a:r>
+          </a:p>
+          <a:p>
+            <a:pPr lvl="0" indent="0" marL="0">
+              <a:buNone/>
+            </a:pPr>
+          </a:p>
+          <a:p>
+            <a:pPr lvl="0" indent="0" marL="0">
+              <a:buNone/>
+            </a:pPr>
+            <a:r>
+              <a:rPr/>
+              <a:t>The formula for a-hat is a bit trickier. Notice that it involves deviations from the mean raised to the third power, which seems to be akin to a measure of skewness.</a:t>
+            </a:r>
+          </a:p>
+          <a:p>
+            <a:pPr lvl="0" indent="0" marL="0">
+              <a:buNone/>
+            </a:pPr>
+          </a:p>
+          <a:p>
+            <a:pPr lvl="0" indent="0" marL="0">
+              <a:buNone/>
+            </a:pPr>
+            <a:r>
+              <a:rPr/>
+              <a:t>Dr. Efron refers to it as an acceleration, because it relates to the second derivative of something. Remember that in Calculus, the first derivative is analogous to speed and the second derivative is analogous to acceleration.</a:t>
+            </a:r>
+          </a:p>
+          <a:p>
+            <a:pPr lvl="0" indent="0" marL="0">
+              <a:buNone/>
+            </a:pPr>
+          </a:p>
+          <a:p>
+            <a:pPr lvl="0" indent="0" marL="0">
+              <a:buNone/>
+            </a:pPr>
+            <a:r>
+              <a:rPr/>
+              <a:t>If z-hat-sub-0 is equal to zero, there is no adjustment to the confidence interval based on bias.</a:t>
+            </a:r>
+          </a:p>
+          <a:p>
+            <a:pPr lvl="0" indent="0" marL="0">
+              <a:buNone/>
+            </a:pPr>
+          </a:p>
+          <a:p>
+            <a:pPr lvl="0" indent="0" marL="0">
+              <a:buNone/>
+            </a:pPr>
+            <a:r>
+              <a:rPr/>
+              <a:t>If a-hat is equal to zero, there is no adjustment to the confidence interval based on skewness.</a:t>
+            </a:r>
+          </a:p>
+        </p:txBody>
+      </p:sp>
+      <p:sp>
+        <p:nvSpPr>
+          <p:cNvPr id="4" name="Slide Number Placeholder 3"/>
+          <p:cNvSpPr>
+            <a:spLocks noGrp="1"/>
+          </p:cNvSpPr>
+          <p:nvPr>
+            <p:ph type="sldNum" sz="quarter" idx="10"/>
+          </p:nvPr>
+        </p:nvSpPr>
+        <p:spPr/>
+        <p:txBody>
+          <a:bodyPr/>
+          <a:lstStyle/>
+          <a:p>
+            <a:fld id="{18BDFEC3-8487-43E8-A154-7C12CBC1FFF2}" type="slidenum">
+              <a:rPr lang="en-US"/>
+              <a:t>29</a:t>
+            </a:fld>
+            <a:endParaRPr lang="en-US"/>
+          </a:p>
+        </p:txBody>
+      </p:sp>
+    </p:spTree>
+  </p:cSld>
+</p:notes>
+</file>
+
+<file path=ppt/notesSlides/notesSlide19.xml><?xml version="1.0" encoding="utf-8"?>
+<p:notes xmlns:a="http://schemas.openxmlformats.org/drawingml/2006/main" xmlns:r="http://schemas.openxmlformats.org/officeDocument/2006/relationships" xmlns:p="http://schemas.openxmlformats.org/presentationml/2006/main">
+  <p:cSld>
+    <p:spTree>
+      <p:nvGrpSpPr>
+        <p:cNvPr id="1" name=""/>
+        <p:cNvGrpSpPr/>
+        <p:nvPr/>
+      </p:nvGrpSpPr>
+      <p:grpSpPr>
+        <a:xfrm>
+          <a:off x="0" y="0"/>
+          <a:ext cx="0" cy="0"/>
+          <a:chOff x="0" y="0"/>
+          <a:chExt cx="0" cy="0"/>
+        </a:xfrm>
+      </p:grpSpPr>
+      <p:sp>
+        <p:nvSpPr>
+          <p:cNvPr id="2" name="Slide Image Placeholder 1"/>
+          <p:cNvSpPr>
+            <a:spLocks noGrp="1" noRot="1" noChangeAspect="1"/>
+          </p:cNvSpPr>
+          <p:nvPr>
+            <p:ph type="sldImg"/>
+          </p:nvPr>
+        </p:nvSpPr>
+        <p:spPr/>
+      </p:sp>
+      <p:sp>
+        <p:nvSpPr>
+          <p:cNvPr id="3" name="Notes Placeholder 2"/>
+          <p:cNvSpPr>
+            <a:spLocks noGrp="1"/>
+          </p:cNvSpPr>
+          <p:nvPr>
+            <p:ph type="body" idx="1"/>
+          </p:nvPr>
+        </p:nvSpPr>
+        <p:spPr/>
+        <p:txBody>
+          <a:bodyPr/>
+          <a:lstStyle/>
+          <a:p>
+            <a:pPr lvl="0" indent="0" marL="0">
+              <a:buNone/>
+            </a:pPr>
+            <a:r>
+              <a:rPr/>
+              <a:t>The percentiles that you select from the bootstrap distribution are no longer at alpha/2 and 1-alpha/2, but are moved to account for bias and skewness in the bootstrap distribution.</a:t>
+            </a:r>
+          </a:p>
+        </p:txBody>
+      </p:sp>
+      <p:sp>
+        <p:nvSpPr>
+          <p:cNvPr id="4" name="Slide Number Placeholder 3"/>
+          <p:cNvSpPr>
+            <a:spLocks noGrp="1"/>
+          </p:cNvSpPr>
+          <p:nvPr>
+            <p:ph type="sldNum" sz="quarter" idx="10"/>
+          </p:nvPr>
+        </p:nvSpPr>
+        <p:spPr/>
+        <p:txBody>
+          <a:bodyPr/>
+          <a:lstStyle/>
+          <a:p>
+            <a:fld id="{18BDFEC3-8487-43E8-A154-7C12CBC1FFF2}" type="slidenum">
+              <a:rPr lang="en-US"/>
+              <a:t>30</a:t>
             </a:fld>
             <a:endParaRPr lang="en-US"/>
           </a:p>
@@ -6435,105 +6839,21 @@
             <a:pPr lvl="0"/>
             <a:r>
               <a:rPr/>
-              <a:t>Purpose</a:t>
-            </a:r>
-          </a:p>
-          <a:p>
-            <a:pPr lvl="1"/>
-            <a:r>
-              <a:rPr/>
-              <a:t>Estimate bias</a:t>
-            </a:r>
-          </a:p>
-          <a:p>
-            <a:pPr lvl="1"/>
-            <a:r>
-              <a:rPr/>
-              <a:t>Calculate standard errors</a:t>
-            </a:r>
-          </a:p>
-          <a:p>
-            <a:pPr lvl="1"/>
-            <a:r>
-              <a:rPr/>
-              <a:t>Compute confidence intervals</a:t>
-            </a:r>
-          </a:p>
-          <a:p>
-            <a:pPr lvl="1"/>
-            <a:r>
-              <a:rPr/>
-              <a:t>Test hypotheses</a:t>
+              <a:t>Calculations</a:t>
             </a:r>
           </a:p>
           <a:p>
             <a:pPr lvl="0"/>
             <a:r>
               <a:rPr/>
-              <a:t>Resampling mechanics</a:t>
+              <a:t>Software</a:t>
             </a:r>
           </a:p>
           <a:p>
             <a:pPr lvl="0"/>
             <a:r>
               <a:rPr/>
-              <a:t>Calculations</a:t>
-            </a:r>
-          </a:p>
-          <a:p>
-            <a:pPr lvl="1"/>
-            <a:r>
-              <a:rPr/>
-              <a:t>Bias</a:t>
-            </a:r>
-          </a:p>
-          <a:p>
-            <a:pPr lvl="1"/>
-            <a:r>
-              <a:rPr/>
-              <a:t>Standard error</a:t>
-            </a:r>
-          </a:p>
-          <a:p>
-            <a:pPr lvl="1"/>
-            <a:r>
-              <a:rPr/>
-              <a:t>Percentile confidence interval</a:t>
-            </a:r>
-          </a:p>
-          <a:p>
-            <a:pPr lvl="1"/>
-            <a:r>
-              <a:rPr/>
-              <a:t>Bias corrected intervals</a:t>
-            </a:r>
-          </a:p>
-          <a:p>
-            <a:pPr lvl="0"/>
-            <a:r>
-              <a:rPr/>
-              <a:t>Software</a:t>
-            </a:r>
-          </a:p>
-          <a:p>
-            <a:pPr lvl="1"/>
-            <a:r>
-              <a:rPr/>
-              <a:t>SAS</a:t>
-            </a:r>
-          </a:p>
-          <a:p>
-            <a:pPr lvl="1"/>
-            <a:r>
-              <a:rPr/>
-              <a:t>Stata</a:t>
-            </a:r>
-          </a:p>
-          <a:p>
-            <a:pPr lvl="1"/>
-            <a:r>
-              <a:rPr/>
-              <a:t>R</a:t>
+              <a:t>Examples</a:t>
             </a:r>
           </a:p>
         </p:txBody>
@@ -7085,7 +7405,7 @@
             </a:pPr>
             <a:r>
               <a:rPr/>
-              <a:t>Estimate bias</a:t>
+              <a:t>Evaluate estimates on bootstrapped samples</a:t>
             </a:r>
           </a:p>
         </p:txBody>
@@ -7787,6 +8107,73 @@
                   </m:oMath>
                 </a14:m>
               </a:p>
+            </p:txBody>
+          </p:sp>
+        </mc:Choice>
+      </mc:AlternateContent>
+    </p:spTree>
+  </p:cSld>
+</p:sld>
+</file>
+
+<file path=ppt/slides/slide24.xml><?xml version="1.0" encoding="utf-8"?>
+<p:sld xmlns:a="http://schemas.openxmlformats.org/drawingml/2006/main" xmlns:r="http://schemas.openxmlformats.org/officeDocument/2006/relationships" xmlns:p="http://schemas.openxmlformats.org/presentationml/2006/main">
+  <p:cSld>
+    <p:spTree>
+      <p:nvGrpSpPr>
+        <p:cNvPr id="1" name=""/>
+        <p:cNvGrpSpPr/>
+        <p:nvPr/>
+      </p:nvGrpSpPr>
+      <p:grpSpPr>
+        <a:xfrm>
+          <a:off x="0" y="0"/>
+          <a:ext cx="0" cy="0"/>
+          <a:chOff x="0" y="0"/>
+          <a:chExt cx="0" cy="0"/>
+        </a:xfrm>
+      </p:grpSpPr>
+      <p:sp>
+        <p:nvSpPr>
+          <p:cNvPr id="2" name="Title 1"/>
+          <p:cNvSpPr>
+            <a:spLocks noGrp="1"/>
+          </p:cNvSpPr>
+          <p:nvPr>
+            <p:ph type="title"/>
+          </p:nvPr>
+        </p:nvSpPr>
+        <p:spPr/>
+        <p:txBody>
+          <a:bodyPr/>
+          <a:lstStyle/>
+          <a:p>
+            <a:pPr lvl="0" indent="0" marL="0">
+              <a:buNone/>
+            </a:pPr>
+            <a:r>
+              <a:rPr/>
+              <a:t>Estimate bias</a:t>
+            </a:r>
+          </a:p>
+        </p:txBody>
+      </p:sp>
+      <mc:AlternateContent xmlns:mc="http://schemas.openxmlformats.org/markup-compatibility/2006">
+        <mc:Choice xmlns:a14="http://schemas.microsoft.com/office/drawing/2010/main" Requires="a14">
+          <p:sp>
+            <p:nvSpPr>
+              <p:cNvPr id="3" name="Content Placeholder 2"/>
+              <p:cNvSpPr>
+                <a:spLocks noGrp="1"/>
+              </p:cNvSpPr>
+              <p:nvPr>
+                <p:ph idx="1"/>
+              </p:nvPr>
+            </p:nvSpPr>
+            <p:spPr/>
+            <p:txBody>
+              <a:bodyPr/>
+              <a:lstStyle/>
               <a:p>
                 <a:pPr lvl="0"/>
                 <a:r>
@@ -7798,6 +8185,59 @@
                 <a:pPr lvl="1"/>
                 <a14:m>
                   <m:oMath xmlns:m="http://schemas.openxmlformats.org/officeDocument/2006/math">
+                    <m:acc>
+                      <m:accPr>
+                        <m:chr m:val="‾"/>
+                      </m:accPr>
+                      <m:e>
+                        <m:r>
+                          <m:t>θ</m:t>
+                        </m:r>
+                      </m:e>
+                    </m:acc>
+                    <m:r>
+                      <m:rPr>
+                        <m:sty m:val="p"/>
+                      </m:rPr>
+                      <m:t>−</m:t>
+                    </m:r>
+                    <m:acc>
+                      <m:accPr>
+                        <m:chr m:val="̂"/>
+                      </m:accPr>
+                      <m:e>
+                        <m:r>
+                          <m:t>θ</m:t>
+                        </m:r>
+                      </m:e>
+                    </m:acc>
+                  </m:oMath>
+                </a14:m>
+              </a:p>
+              <a:p>
+                <a:pPr lvl="1"/>
+                <a:r>
+                  <a:rPr/>
+                  <a:t>where </a:t>
+                </a:r>
+                <a14:m>
+                  <m:oMath xmlns:m="http://schemas.openxmlformats.org/officeDocument/2006/math">
+                    <m:acc>
+                      <m:accPr>
+                        <m:chr m:val="‾"/>
+                      </m:accPr>
+                      <m:e>
+                        <m:r>
+                          <m:t>θ</m:t>
+                        </m:r>
+                      </m:e>
+                    </m:acc>
+                    <m:r>
+                      <m:rPr>
+                        <m:sty m:val="p"/>
+                      </m:rPr>
+                      <m:t>=</m:t>
+                    </m:r>
                     <m:f>
                       <m:fPr>
                         <m:type m:val="bar"/>
@@ -7871,22 +8311,6 @@
                         </m:sSup>
                       </m:e>
                     </m:nary>
-                    <m:r>
-                      <m:rPr>
-                        <m:sty m:val="p"/>
-                      </m:rPr>
-                      <m:t>−</m:t>
-                    </m:r>
-                    <m:acc>
-                      <m:accPr>
-                        <m:chr m:val="̂"/>
-                      </m:accPr>
-                      <m:e>
-                        <m:r>
-                          <m:t>θ</m:t>
-                        </m:r>
-                      </m:e>
-                    </m:acc>
                   </m:oMath>
                 </a14:m>
               </a:p>
@@ -7894,53 +8318,6 @@
           </p:sp>
         </mc:Choice>
       </mc:AlternateContent>
-    </p:spTree>
-  </p:cSld>
-</p:sld>
-</file>
-
-<file path=ppt/slides/slide24.xml><?xml version="1.0" encoding="utf-8"?>
-<p:sld xmlns:a="http://schemas.openxmlformats.org/drawingml/2006/main" xmlns:r="http://schemas.openxmlformats.org/officeDocument/2006/relationships" xmlns:p="http://schemas.openxmlformats.org/presentationml/2006/main">
-  <p:cSld>
-    <p:spTree>
-      <p:nvGrpSpPr>
-        <p:cNvPr id="1" name=""/>
-        <p:cNvGrpSpPr/>
-        <p:nvPr/>
-      </p:nvGrpSpPr>
-      <p:grpSpPr>
-        <a:xfrm>
-          <a:off x="0" y="0"/>
-          <a:ext cx="0" cy="0"/>
-          <a:chOff x="0" y="0"/>
-          <a:chExt cx="0" cy="0"/>
-        </a:xfrm>
-      </p:grpSpPr>
-      <p:sp>
-        <p:nvSpPr>
-          <p:cNvPr id="2" name="Title 1"/>
-          <p:cNvSpPr>
-            <a:spLocks noGrp="1"/>
-          </p:cNvSpPr>
-          <p:nvPr>
-            <p:ph type="title"/>
-          </p:nvPr>
-        </p:nvSpPr>
-        <p:spPr/>
-        <p:txBody>
-          <a:bodyPr/>
-          <a:lstStyle/>
-          <a:p>
-            <a:pPr lvl="0" indent="0" marL="0">
-              <a:buNone/>
-            </a:pPr>
-            <a:r>
-              <a:rPr/>
-              <a:t>Calculate standard errors</a:t>
-            </a:r>
-          </a:p>
-        </p:txBody>
-      </p:sp>
     </p:spTree>
   </p:cSld>
 </p:sld>
@@ -7983,11 +8360,170 @@
             </a:pPr>
             <a:r>
               <a:rPr/>
-              <a:t>Compute confidence intervals</a:t>
-            </a:r>
-          </a:p>
-        </p:txBody>
-      </p:sp>
+              <a:t>Calculate standard errors</a:t>
+            </a:r>
+          </a:p>
+        </p:txBody>
+      </p:sp>
+      <mc:AlternateContent xmlns:mc="http://schemas.openxmlformats.org/markup-compatibility/2006">
+        <mc:Choice xmlns:a14="http://schemas.microsoft.com/office/drawing/2010/main" Requires="a14">
+          <p:sp>
+            <p:nvSpPr>
+              <p:cNvPr id="3" name="Content Placeholder 2"/>
+              <p:cNvSpPr>
+                <a:spLocks noGrp="1"/>
+              </p:cNvSpPr>
+              <p:nvPr>
+                <p:ph idx="1"/>
+              </p:nvPr>
+            </p:nvSpPr>
+            <p:spPr/>
+            <p:txBody>
+              <a:bodyPr/>
+              <a:lstStyle/>
+              <a:p>
+                <a:pPr lvl="0"/>
+                <a:r>
+                  <a:rPr/>
+                  <a:t>Calculate the standard deviation of the bootstrap estimates</a:t>
+                </a:r>
+              </a:p>
+              <a:p>
+                <a:pPr lvl="1"/>
+                <a14:m>
+                  <m:oMath xmlns:m="http://schemas.openxmlformats.org/officeDocument/2006/math">
+                    <m:rad>
+                      <m:radPr>
+                        <m:degHide m:val="1"/>
+                      </m:radPr>
+                      <m:deg/>
+                      <m:e>
+                        <m:f>
+                          <m:fPr>
+                            <m:type m:val="bar"/>
+                          </m:fPr>
+                          <m:num>
+                            <m:r>
+                              <m:t>1</m:t>
+                            </m:r>
+                          </m:num>
+                          <m:den>
+                            <m:r>
+                              <m:t>B</m:t>
+                            </m:r>
+                            <m:r>
+                              <m:rPr>
+                                <m:sty m:val="p"/>
+                              </m:rPr>
+                              <m:t>−</m:t>
+                            </m:r>
+                            <m:r>
+                              <m:t>1</m:t>
+                            </m:r>
+                          </m:den>
+                        </m:f>
+                        <m:nary>
+                          <m:naryPr>
+                            <m:chr m:val="∑"/>
+                            <m:limLoc m:val="undOvr"/>
+                            <m:subHide m:val="0"/>
+                            <m:supHide m:val="0"/>
+                          </m:naryPr>
+                          <m:sub>
+                            <m:r>
+                              <m:t>b</m:t>
+                            </m:r>
+                            <m:r>
+                              <m:rPr>
+                                <m:sty m:val="p"/>
+                              </m:rPr>
+                              <m:t>=</m:t>
+                            </m:r>
+                            <m:r>
+                              <m:t>1</m:t>
+                            </m:r>
+                          </m:sub>
+                          <m:sup>
+                            <m:r>
+                              <m:t>B</m:t>
+                            </m:r>
+                          </m:sup>
+                          <m:e>
+                            <m:sSup>
+                              <m:e>
+                                <m:d>
+                                  <m:dPr>
+                                    <m:begChr m:val="("/>
+                                    <m:endChr m:val=")"/>
+                                    <m:sepChr m:val=""/>
+                                    <m:grow/>
+                                  </m:dPr>
+                                  <m:e>
+                                    <m:sSup>
+                                      <m:e>
+                                        <m:acc>
+                                          <m:accPr>
+                                            <m:chr m:val="̂"/>
+                                          </m:accPr>
+                                          <m:e>
+                                            <m:r>
+                                              <m:t>θ</m:t>
+                                            </m:r>
+                                          </m:e>
+                                        </m:acc>
+                                      </m:e>
+                                      <m:sup>
+                                        <m:d>
+                                          <m:dPr>
+                                            <m:begChr m:val="("/>
+                                            <m:endChr m:val=")"/>
+                                            <m:sepChr m:val=""/>
+                                            <m:grow/>
+                                          </m:dPr>
+                                          <m:e>
+                                            <m:r>
+                                              <m:t>b</m:t>
+                                            </m:r>
+                                          </m:e>
+                                        </m:d>
+                                      </m:sup>
+                                    </m:sSup>
+                                    <m:r>
+                                      <m:rPr>
+                                        <m:sty m:val="p"/>
+                                      </m:rPr>
+                                      <m:t>−</m:t>
+                                    </m:r>
+                                    <m:acc>
+                                      <m:accPr>
+                                        <m:chr m:val="‾"/>
+                                      </m:accPr>
+                                      <m:e>
+                                        <m:r>
+                                          <m:t>θ</m:t>
+                                        </m:r>
+                                      </m:e>
+                                    </m:acc>
+                                  </m:e>
+                                </m:d>
+                              </m:e>
+                              <m:sup>
+                                <m:r>
+                                  <m:t>2</m:t>
+                                </m:r>
+                              </m:sup>
+                            </m:sSup>
+                          </m:e>
+                        </m:nary>
+                      </m:e>
+                    </m:rad>
+                  </m:oMath>
+                </a14:m>
+              </a:p>
+            </p:txBody>
+          </p:sp>
+        </mc:Choice>
+      </mc:AlternateContent>
     </p:spTree>
   </p:cSld>
 </p:sld>
@@ -8030,7 +8566,44 @@
             </a:pPr>
             <a:r>
               <a:rPr/>
-              <a:t>Test hypotheses</a:t>
+              <a:t>Compute confidence intervals</a:t>
+            </a:r>
+          </a:p>
+        </p:txBody>
+      </p:sp>
+      <p:sp>
+        <p:nvSpPr>
+          <p:cNvPr id="3" name="Content Placeholder 2"/>
+          <p:cNvSpPr>
+            <a:spLocks noGrp="1"/>
+          </p:cNvSpPr>
+          <p:nvPr>
+            <p:ph idx="1"/>
+          </p:nvPr>
+        </p:nvSpPr>
+        <p:spPr/>
+        <p:txBody>
+          <a:bodyPr/>
+          <a:lstStyle/>
+          <a:p>
+            <a:pPr lvl="0"/>
+            <a:r>
+              <a:rPr/>
+              <a:t>Use bootstrap standard error</a:t>
+            </a:r>
+          </a:p>
+          <a:p>
+            <a:pPr lvl="0"/>
+            <a:r>
+              <a:rPr/>
+              <a:t>Use percentiles from the bootstrap distribution</a:t>
+            </a:r>
+          </a:p>
+          <a:p>
+            <a:pPr lvl="0"/>
+            <a:r>
+              <a:rPr/>
+              <a:t>Use bias corrected and adjusted percentiles</a:t>
             </a:r>
           </a:p>
         </p:txBody>
@@ -8077,51 +8650,7 @@
             </a:pPr>
             <a:r>
               <a:rPr/>
-              <a:t>Break #2</a:t>
-            </a:r>
-          </a:p>
-        </p:txBody>
-      </p:sp>
-      <p:sp>
-        <p:nvSpPr>
-          <p:cNvPr id="3" name="Content Placeholder 2"/>
-          <p:cNvSpPr>
-            <a:spLocks noGrp="1"/>
-          </p:cNvSpPr>
-          <p:nvPr>
-            <p:ph idx="1"/>
-          </p:nvPr>
-        </p:nvSpPr>
-        <p:spPr/>
-        <p:txBody>
-          <a:bodyPr/>
-          <a:lstStyle/>
-          <a:p>
-            <a:pPr lvl="0"/>
-            <a:r>
-              <a:rPr/>
-              <a:t>What you have learned</a:t>
-            </a:r>
-          </a:p>
-          <a:p>
-            <a:pPr lvl="1"/>
-            <a:r>
-              <a:rPr/>
-              <a:t>Purposes of the bootstrap</a:t>
-            </a:r>
-          </a:p>
-          <a:p>
-            <a:pPr lvl="0"/>
-            <a:r>
-              <a:rPr/>
-              <a:t>What’s coming next</a:t>
-            </a:r>
-          </a:p>
-          <a:p>
-            <a:pPr lvl="1"/>
-            <a:r>
-              <a:rPr/>
-              <a:t>Mechanics</a:t>
+              <a:t>Compute confidence intervals, bootstrap standard error</a:t>
             </a:r>
           </a:p>
         </p:txBody>
@@ -8168,79 +8697,7 @@
             </a:pPr>
             <a:r>
               <a:rPr/>
-              <a:t>Mechanics</a:t>
-            </a:r>
-          </a:p>
-        </p:txBody>
-      </p:sp>
-      <p:sp>
-        <p:nvSpPr>
-          <p:cNvPr id="3" name="Content Placeholder 2"/>
-          <p:cNvSpPr>
-            <a:spLocks noGrp="1"/>
-          </p:cNvSpPr>
-          <p:nvPr>
-            <p:ph idx="1"/>
-          </p:nvPr>
-        </p:nvSpPr>
-        <p:spPr/>
-        <p:txBody>
-          <a:bodyPr/>
-          <a:lstStyle/>
-          <a:p>
-            <a:pPr lvl="0"/>
-            <a:r>
-              <a:rPr/>
-              <a:t>Resampling</a:t>
-            </a:r>
-          </a:p>
-          <a:p>
-            <a:pPr lvl="0"/>
-            <a:r>
-              <a:rPr/>
-              <a:t>Bootstrap estimates</a:t>
-            </a:r>
-          </a:p>
-          <a:p>
-            <a:pPr lvl="0"/>
-            <a:r>
-              <a:rPr/>
-              <a:t>Bias calculation</a:t>
-            </a:r>
-          </a:p>
-          <a:p>
-            <a:pPr lvl="0"/>
-            <a:r>
-              <a:rPr/>
-              <a:t>Standard error calculation</a:t>
-            </a:r>
-          </a:p>
-          <a:p>
-            <a:pPr lvl="0"/>
-            <a:r>
-              <a:rPr/>
-              <a:t>Confidence interval</a:t>
-            </a:r>
-          </a:p>
-          <a:p>
-            <a:pPr lvl="1"/>
-            <a:r>
-              <a:rPr/>
-              <a:t>Percentile method</a:t>
-            </a:r>
-          </a:p>
-          <a:p>
-            <a:pPr lvl="1"/>
-            <a:r>
-              <a:rPr/>
-              <a:t>Bias corrected and adjusted method</a:t>
-            </a:r>
-          </a:p>
-          <a:p>
-            <a:pPr lvl="0"/>
-            <a:r>
-              <a:rPr/>
-              <a:t>Hypothesis tests</a:t>
+              <a:t>Compute confidence intervals, percentiles</a:t>
             </a:r>
           </a:p>
         </p:txBody>
@@ -8287,55 +8744,471 @@
             </a:pPr>
             <a:r>
               <a:rPr/>
-              <a:t>Break #3</a:t>
-            </a:r>
-          </a:p>
-        </p:txBody>
-      </p:sp>
-      <p:sp>
-        <p:nvSpPr>
-          <p:cNvPr id="3" name="Content Placeholder 2"/>
-          <p:cNvSpPr>
-            <a:spLocks noGrp="1"/>
-          </p:cNvSpPr>
-          <p:nvPr>
-            <p:ph idx="1"/>
-          </p:nvPr>
-        </p:nvSpPr>
-        <p:spPr/>
-        <p:txBody>
-          <a:bodyPr/>
-          <a:lstStyle/>
-          <a:p>
-            <a:pPr lvl="0"/>
-            <a:r>
-              <a:rPr/>
-              <a:t>What have you learned</a:t>
-            </a:r>
-          </a:p>
-          <a:p>
-            <a:pPr lvl="1"/>
-            <a:r>
-              <a:rPr/>
-              <a:t>Mechanics</a:t>
-            </a:r>
-          </a:p>
-          <a:p>
-            <a:pPr lvl="0"/>
-            <a:r>
-              <a:rPr/>
-              <a:t>What’s coming next</a:t>
-            </a:r>
-          </a:p>
-          <a:p>
-            <a:pPr lvl="1"/>
-            <a:r>
-              <a:rPr/>
-              <a:t>Software</a:t>
-            </a:r>
-          </a:p>
-        </p:txBody>
-      </p:sp>
+              <a:t>Compute confidence intervals, BCa</a:t>
+            </a:r>
+          </a:p>
+        </p:txBody>
+      </p:sp>
+      <mc:AlternateContent xmlns:mc="http://schemas.openxmlformats.org/markup-compatibility/2006">
+        <mc:Choice xmlns:a14="http://schemas.microsoft.com/office/drawing/2010/main" Requires="a14">
+          <p:sp>
+            <p:nvSpPr>
+              <p:cNvPr id="3" name="Content Placeholder 2"/>
+              <p:cNvSpPr>
+                <a:spLocks noGrp="1"/>
+              </p:cNvSpPr>
+              <p:nvPr>
+                <p:ph idx="1"/>
+              </p:nvPr>
+            </p:nvSpPr>
+            <p:spPr/>
+            <p:txBody>
+              <a:bodyPr/>
+              <a:lstStyle/>
+              <a:p>
+                <a:pPr lvl="0"/>
+                <a:r>
+                  <a:rPr/>
+                  <a:t>Bias adjustment (using bootstrap estimates)</a:t>
+                </a:r>
+              </a:p>
+              <a:p>
+                <a:pPr lvl="1"/>
+                <a14:m>
+                  <m:oMath xmlns:m="http://schemas.openxmlformats.org/officeDocument/2006/math">
+                    <m:sSub>
+                      <m:e>
+                        <m:acc>
+                          <m:accPr>
+                            <m:chr m:val="̂"/>
+                          </m:accPr>
+                          <m:e>
+                            <m:r>
+                              <m:t>z</m:t>
+                            </m:r>
+                          </m:e>
+                        </m:acc>
+                      </m:e>
+                      <m:sub>
+                        <m:r>
+                          <m:t>0</m:t>
+                        </m:r>
+                      </m:sub>
+                    </m:sSub>
+                    <m:r>
+                      <m:rPr>
+                        <m:sty m:val="p"/>
+                      </m:rPr>
+                      <m:t>=</m:t>
+                    </m:r>
+                    <m:sSup>
+                      <m:e>
+                        <m:r>
+                          <m:t>Φ</m:t>
+                        </m:r>
+                      </m:e>
+                      <m:sup>
+                        <m:r>
+                          <m:rPr>
+                            <m:sty m:val="p"/>
+                          </m:rPr>
+                          <m:t>−</m:t>
+                        </m:r>
+                        <m:r>
+                          <m:t>1</m:t>
+                        </m:r>
+                      </m:sup>
+                    </m:sSup>
+                    <m:d>
+                      <m:dPr>
+                        <m:begChr m:val="("/>
+                        <m:endChr m:val=")"/>
+                        <m:sepChr m:val=""/>
+                        <m:grow/>
+                      </m:dPr>
+                      <m:e>
+                        <m:f>
+                          <m:fPr>
+                            <m:type m:val="bar"/>
+                          </m:fPr>
+                          <m:num>
+                            <m:r>
+                              <m:t>1</m:t>
+                            </m:r>
+                          </m:num>
+                          <m:den>
+                            <m:r>
+                              <m:t>B</m:t>
+                            </m:r>
+                          </m:den>
+                        </m:f>
+                        <m:r>
+                          <m:t>H</m:t>
+                        </m:r>
+                        <m:d>
+                          <m:dPr>
+                            <m:begChr m:val="("/>
+                            <m:endChr m:val=")"/>
+                            <m:sepChr m:val=""/>
+                            <m:grow/>
+                          </m:dPr>
+                          <m:e>
+                            <m:sSup>
+                              <m:e>
+                                <m:acc>
+                                  <m:accPr>
+                                    <m:chr m:val="̂"/>
+                                  </m:accPr>
+                                  <m:e>
+                                    <m:r>
+                                      <m:t>θ</m:t>
+                                    </m:r>
+                                  </m:e>
+                                </m:acc>
+                              </m:e>
+                              <m:sup>
+                                <m:d>
+                                  <m:dPr>
+                                    <m:begChr m:val="("/>
+                                    <m:endChr m:val=")"/>
+                                    <m:sepChr m:val=""/>
+                                    <m:grow/>
+                                  </m:dPr>
+                                  <m:e>
+                                    <m:r>
+                                      <m:t>b</m:t>
+                                    </m:r>
+                                  </m:e>
+                                </m:d>
+                              </m:sup>
+                            </m:sSup>
+                            <m:r>
+                              <m:rPr>
+                                <m:sty m:val="p"/>
+                              </m:rPr>
+                              <m:t>−</m:t>
+                            </m:r>
+                            <m:acc>
+                              <m:accPr>
+                                <m:chr m:val="̂"/>
+                              </m:accPr>
+                              <m:e>
+                                <m:r>
+                                  <m:t>θ</m:t>
+                                </m:r>
+                              </m:e>
+                            </m:acc>
+                          </m:e>
+                        </m:d>
+                      </m:e>
+                    </m:d>
+                  </m:oMath>
+                </a14:m>
+              </a:p>
+              <a:p>
+                <a:pPr lvl="0"/>
+                <a:r>
+                  <a:rPr/>
+                  <a:t>Acceleration (using jackknife)</a:t>
+                </a:r>
+              </a:p>
+              <a:p>
+                <a:pPr lvl="1"/>
+                <a14:m>
+                  <m:oMath xmlns:m="http://schemas.openxmlformats.org/officeDocument/2006/math">
+                    <m:acc>
+                      <m:accPr>
+                        <m:chr m:val="̂"/>
+                      </m:accPr>
+                      <m:e>
+                        <m:r>
+                          <m:t>a</m:t>
+                        </m:r>
+                      </m:e>
+                    </m:acc>
+                    <m:r>
+                      <m:rPr>
+                        <m:sty m:val="p"/>
+                      </m:rPr>
+                      <m:t>=</m:t>
+                    </m:r>
+                    <m:f>
+                      <m:fPr>
+                        <m:type m:val="bar"/>
+                      </m:fPr>
+                      <m:num>
+                        <m:nary>
+                          <m:naryPr>
+                            <m:chr m:val="∑"/>
+                            <m:limLoc m:val="undOvr"/>
+                            <m:subHide m:val="0"/>
+                            <m:supHide m:val="0"/>
+                          </m:naryPr>
+                          <m:sub>
+                            <m:r>
+                              <m:t>i</m:t>
+                            </m:r>
+                            <m:r>
+                              <m:rPr>
+                                <m:sty m:val="p"/>
+                              </m:rPr>
+                              <m:t>=</m:t>
+                            </m:r>
+                            <m:r>
+                              <m:t>1</m:t>
+                            </m:r>
+                          </m:sub>
+                          <m:sup>
+                            <m:r>
+                              <m:t>n</m:t>
+                            </m:r>
+                          </m:sup>
+                          <m:e>
+                            <m:sSup>
+                              <m:e>
+                                <m:d>
+                                  <m:dPr>
+                                    <m:begChr m:val="("/>
+                                    <m:endChr m:val=")"/>
+                                    <m:sepChr m:val=""/>
+                                    <m:grow/>
+                                  </m:dPr>
+                                  <m:e>
+                                    <m:sSub>
+                                      <m:e>
+                                        <m:acc>
+                                          <m:accPr>
+                                            <m:chr m:val="̂"/>
+                                          </m:accPr>
+                                          <m:e>
+                                            <m:r>
+                                              <m:t>θ</m:t>
+                                            </m:r>
+                                          </m:e>
+                                        </m:acc>
+                                      </m:e>
+                                      <m:sub>
+                                        <m:d>
+                                          <m:dPr>
+                                            <m:begChr m:val="("/>
+                                            <m:endChr m:val=")"/>
+                                            <m:sepChr m:val=""/>
+                                            <m:grow/>
+                                          </m:dPr>
+                                          <m:e>
+                                            <m:r>
+                                              <m:rPr>
+                                                <m:sty m:val="p"/>
+                                              </m:rPr>
+                                              <m:t>.</m:t>
+                                            </m:r>
+                                          </m:e>
+                                        </m:d>
+                                      </m:sub>
+                                    </m:sSub>
+                                    <m:r>
+                                      <m:rPr>
+                                        <m:sty m:val="p"/>
+                                      </m:rPr>
+                                      <m:t>−</m:t>
+                                    </m:r>
+                                    <m:sSub>
+                                      <m:e>
+                                        <m:acc>
+                                          <m:accPr>
+                                            <m:chr m:val="̂"/>
+                                          </m:accPr>
+                                          <m:e>
+                                            <m:r>
+                                              <m:t>θ</m:t>
+                                            </m:r>
+                                          </m:e>
+                                        </m:acc>
+                                      </m:e>
+                                      <m:sub>
+                                        <m:d>
+                                          <m:dPr>
+                                            <m:begChr m:val="("/>
+                                            <m:endChr m:val=")"/>
+                                            <m:sepChr m:val=""/>
+                                            <m:grow/>
+                                          </m:dPr>
+                                          <m:e>
+                                            <m:r>
+                                              <m:t>i</m:t>
+                                            </m:r>
+                                          </m:e>
+                                        </m:d>
+                                      </m:sub>
+                                    </m:sSub>
+                                  </m:e>
+                                </m:d>
+                              </m:e>
+                              <m:sup>
+                                <m:r>
+                                  <m:t>3</m:t>
+                                </m:r>
+                              </m:sup>
+                            </m:sSup>
+                          </m:e>
+                        </m:nary>
+                      </m:num>
+                      <m:den>
+                        <m:r>
+                          <m:t>6</m:t>
+                        </m:r>
+                        <m:sSup>
+                          <m:e>
+                            <m:d>
+                              <m:dPr>
+                                <m:begChr m:val="("/>
+                                <m:endChr m:val=")"/>
+                                <m:sepChr m:val=""/>
+                                <m:grow/>
+                              </m:dPr>
+                              <m:e>
+                                <m:nary>
+                                  <m:naryPr>
+                                    <m:chr m:val="∑"/>
+                                    <m:limLoc m:val="undOvr"/>
+                                    <m:subHide m:val="0"/>
+                                    <m:supHide m:val="0"/>
+                                  </m:naryPr>
+                                  <m:sub>
+                                    <m:r>
+                                      <m:t>i</m:t>
+                                    </m:r>
+                                    <m:r>
+                                      <m:rPr>
+                                        <m:sty m:val="p"/>
+                                      </m:rPr>
+                                      <m:t>=</m:t>
+                                    </m:r>
+                                    <m:r>
+                                      <m:t>1</m:t>
+                                    </m:r>
+                                  </m:sub>
+                                  <m:sup>
+                                    <m:r>
+                                      <m:t>n</m:t>
+                                    </m:r>
+                                  </m:sup>
+                                  <m:e>
+                                    <m:sSup>
+                                      <m:e>
+                                        <m:d>
+                                          <m:dPr>
+                                            <m:begChr m:val="("/>
+                                            <m:endChr m:val=")"/>
+                                            <m:sepChr m:val=""/>
+                                            <m:grow/>
+                                          </m:dPr>
+                                          <m:e>
+                                            <m:sSub>
+                                              <m:e>
+                                                <m:acc>
+                                                  <m:accPr>
+                                                    <m:chr m:val="̂"/>
+                                                  </m:accPr>
+                                                  <m:e>
+                                                    <m:r>
+                                                      <m:t>θ</m:t>
+                                                    </m:r>
+                                                  </m:e>
+                                                </m:acc>
+                                              </m:e>
+                                              <m:sub>
+                                                <m:d>
+                                                  <m:dPr>
+                                                    <m:begChr m:val="("/>
+                                                    <m:endChr m:val=")"/>
+                                                    <m:sepChr m:val=""/>
+                                                    <m:grow/>
+                                                  </m:dPr>
+                                                  <m:e>
+                                                    <m:r>
+                                                      <m:rPr>
+                                                        <m:sty m:val="p"/>
+                                                      </m:rPr>
+                                                      <m:t>.</m:t>
+                                                    </m:r>
+                                                  </m:e>
+                                                </m:d>
+                                              </m:sub>
+                                            </m:sSub>
+                                            <m:r>
+                                              <m:rPr>
+                                                <m:sty m:val="p"/>
+                                              </m:rPr>
+                                              <m:t>−</m:t>
+                                            </m:r>
+                                            <m:sSub>
+                                              <m:e>
+                                                <m:acc>
+                                                  <m:accPr>
+                                                    <m:chr m:val="̂"/>
+                                                  </m:accPr>
+                                                  <m:e>
+                                                    <m:r>
+                                                      <m:t>θ</m:t>
+                                                    </m:r>
+                                                  </m:e>
+                                                </m:acc>
+                                              </m:e>
+                                              <m:sub>
+                                                <m:d>
+                                                  <m:dPr>
+                                                    <m:begChr m:val="("/>
+                                                    <m:endChr m:val=")"/>
+                                                    <m:sepChr m:val=""/>
+                                                    <m:grow/>
+                                                  </m:dPr>
+                                                  <m:e>
+                                                    <m:r>
+                                                      <m:t>i</m:t>
+                                                    </m:r>
+                                                  </m:e>
+                                                </m:d>
+                                              </m:sub>
+                                            </m:sSub>
+                                          </m:e>
+                                        </m:d>
+                                      </m:e>
+                                      <m:sup>
+                                        <m:r>
+                                          <m:t>2</m:t>
+                                        </m:r>
+                                      </m:sup>
+                                    </m:sSup>
+                                  </m:e>
+                                </m:nary>
+                              </m:e>
+                            </m:d>
+                          </m:e>
+                          <m:sup>
+                            <m:r>
+                              <m:t>3</m:t>
+                            </m:r>
+                            <m:r>
+                              <m:rPr>
+                                <m:sty m:val="p"/>
+                              </m:rPr>
+                              <m:t>/</m:t>
+                            </m:r>
+                            <m:r>
+                              <m:t>2</m:t>
+                            </m:r>
+                          </m:sup>
+                        </m:sSup>
+                      </m:den>
+                    </m:f>
+                  </m:oMath>
+                </a14:m>
+              </a:p>
+            </p:txBody>
+          </p:sp>
+        </mc:Choice>
+      </mc:AlternateContent>
     </p:spTree>
   </p:cSld>
 </p:sld>
@@ -8469,11 +9342,492 @@
             </a:pPr>
             <a:r>
               <a:rPr/>
-              <a:t>Software</a:t>
-            </a:r>
-          </a:p>
-        </p:txBody>
-      </p:sp>
+              <a:t>Compute confidence intervals, BCa</a:t>
+            </a:r>
+          </a:p>
+        </p:txBody>
+      </p:sp>
+      <mc:AlternateContent xmlns:mc="http://schemas.openxmlformats.org/markup-compatibility/2006">
+        <mc:Choice xmlns:a14="http://schemas.microsoft.com/office/drawing/2010/main" Requires="a14">
+          <p:sp>
+            <p:nvSpPr>
+              <p:cNvPr id="3" name="Content Placeholder 2"/>
+              <p:cNvSpPr>
+                <a:spLocks noGrp="1"/>
+              </p:cNvSpPr>
+              <p:nvPr>
+                <p:ph idx="1"/>
+              </p:nvPr>
+            </p:nvSpPr>
+            <p:spPr/>
+            <p:txBody>
+              <a:bodyPr/>
+              <a:lstStyle/>
+              <a:p>
+                <a:pPr lvl="0"/>
+                <a:r>
+                  <a:rPr/>
+                  <a:t>Replace </a:t>
+                </a:r>
+                <a14:m>
+                  <m:oMath xmlns:m="http://schemas.openxmlformats.org/officeDocument/2006/math">
+                    <m:r>
+                      <m:t>α</m:t>
+                    </m:r>
+                    <m:r>
+                      <m:rPr>
+                        <m:sty m:val="p"/>
+                      </m:rPr>
+                      <m:t>/</m:t>
+                    </m:r>
+                    <m:r>
+                      <m:t>2</m:t>
+                    </m:r>
+                  </m:oMath>
+                </a14:m>
+                <a:r>
+                  <a:rPr/>
+                  <a:t> with</a:t>
+                </a:r>
+              </a:p>
+              <a:p>
+                <a:pPr lvl="1"/>
+                <a14:m>
+                  <m:oMath xmlns:m="http://schemas.openxmlformats.org/officeDocument/2006/math">
+                    <m:sSup>
+                      <m:e>
+                        <m:r>
+                          <m:t>Φ</m:t>
+                        </m:r>
+                      </m:e>
+                      <m:sup>
+                        <m:r>
+                          <m:rPr>
+                            <m:sty m:val="p"/>
+                          </m:rPr>
+                          <m:t>−</m:t>
+                        </m:r>
+                        <m:r>
+                          <m:t>1</m:t>
+                        </m:r>
+                      </m:sup>
+                    </m:sSup>
+                    <m:d>
+                      <m:dPr>
+                        <m:begChr m:val="("/>
+                        <m:endChr m:val=")"/>
+                        <m:sepChr m:val=""/>
+                        <m:grow/>
+                      </m:dPr>
+                      <m:e>
+                        <m:sSub>
+                          <m:e>
+                            <m:acc>
+                              <m:accPr>
+                                <m:chr m:val="̂"/>
+                              </m:accPr>
+                              <m:e>
+                                <m:r>
+                                  <m:t>z</m:t>
+                                </m:r>
+                              </m:e>
+                            </m:acc>
+                          </m:e>
+                          <m:sub>
+                            <m:r>
+                              <m:t>0</m:t>
+                            </m:r>
+                          </m:sub>
+                        </m:sSub>
+                        <m:r>
+                          <m:rPr>
+                            <m:sty m:val="p"/>
+                          </m:rPr>
+                          <m:t>+</m:t>
+                        </m:r>
+                        <m:f>
+                          <m:fPr>
+                            <m:type m:val="bar"/>
+                          </m:fPr>
+                          <m:num>
+                            <m:sSub>
+                              <m:e>
+                                <m:acc>
+                                  <m:accPr>
+                                    <m:chr m:val="̂"/>
+                                  </m:accPr>
+                                  <m:e>
+                                    <m:r>
+                                      <m:t>z</m:t>
+                                    </m:r>
+                                  </m:e>
+                                </m:acc>
+                              </m:e>
+                              <m:sub>
+                                <m:r>
+                                  <m:t>0</m:t>
+                                </m:r>
+                              </m:sub>
+                            </m:sSub>
+                            <m:r>
+                              <m:rPr>
+                                <m:sty m:val="p"/>
+                              </m:rPr>
+                              <m:t>+</m:t>
+                            </m:r>
+                            <m:sSub>
+                              <m:e>
+                                <m:r>
+                                  <m:t>z</m:t>
+                                </m:r>
+                              </m:e>
+                              <m:sub>
+                                <m:r>
+                                  <m:t>α</m:t>
+                                </m:r>
+                                <m:r>
+                                  <m:rPr>
+                                    <m:sty m:val="p"/>
+                                  </m:rPr>
+                                  <m:t>/</m:t>
+                                </m:r>
+                                <m:r>
+                                  <m:t>2</m:t>
+                                </m:r>
+                              </m:sub>
+                            </m:sSub>
+                          </m:num>
+                          <m:den>
+                            <m:r>
+                              <m:t>1</m:t>
+                            </m:r>
+                            <m:r>
+                              <m:rPr>
+                                <m:sty m:val="p"/>
+                              </m:rPr>
+                              <m:t>−</m:t>
+                            </m:r>
+                            <m:acc>
+                              <m:accPr>
+                                <m:chr m:val="̂"/>
+                              </m:accPr>
+                              <m:e>
+                                <m:r>
+                                  <m:t>a</m:t>
+                                </m:r>
+                              </m:e>
+                            </m:acc>
+                            <m:d>
+                              <m:dPr>
+                                <m:begChr m:val="("/>
+                                <m:endChr m:val=")"/>
+                                <m:sepChr m:val=""/>
+                                <m:grow/>
+                              </m:dPr>
+                              <m:e>
+                                <m:sSub>
+                                  <m:e>
+                                    <m:acc>
+                                      <m:accPr>
+                                        <m:chr m:val="̂"/>
+                                      </m:accPr>
+                                      <m:e>
+                                        <m:r>
+                                          <m:t>z</m:t>
+                                        </m:r>
+                                      </m:e>
+                                    </m:acc>
+                                  </m:e>
+                                  <m:sub>
+                                    <m:r>
+                                      <m:t>0</m:t>
+                                    </m:r>
+                                  </m:sub>
+                                </m:sSub>
+                                <m:r>
+                                  <m:rPr>
+                                    <m:sty m:val="p"/>
+                                  </m:rPr>
+                                  <m:t>+</m:t>
+                                </m:r>
+                                <m:sSub>
+                                  <m:e>
+                                    <m:r>
+                                      <m:t>z</m:t>
+                                    </m:r>
+                                  </m:e>
+                                  <m:sub>
+                                    <m:r>
+                                      <m:t>α</m:t>
+                                    </m:r>
+                                    <m:r>
+                                      <m:rPr>
+                                        <m:sty m:val="p"/>
+                                      </m:rPr>
+                                      <m:t>/</m:t>
+                                    </m:r>
+                                    <m:r>
+                                      <m:t>2</m:t>
+                                    </m:r>
+                                  </m:sub>
+                                </m:sSub>
+                              </m:e>
+                            </m:d>
+                          </m:den>
+                        </m:f>
+                      </m:e>
+                    </m:d>
+                  </m:oMath>
+                </a14:m>
+              </a:p>
+              <a:p>
+                <a:pPr lvl="0"/>
+                <a:r>
+                  <a:rPr/>
+                  <a:t>Replace </a:t>
+                </a:r>
+                <a14:m>
+                  <m:oMath xmlns:m="http://schemas.openxmlformats.org/officeDocument/2006/math">
+                    <m:r>
+                      <m:t>1</m:t>
+                    </m:r>
+                    <m:r>
+                      <m:rPr>
+                        <m:sty m:val="p"/>
+                      </m:rPr>
+                      <m:t>−</m:t>
+                    </m:r>
+                    <m:r>
+                      <m:t>α</m:t>
+                    </m:r>
+                    <m:r>
+                      <m:rPr>
+                        <m:sty m:val="p"/>
+                      </m:rPr>
+                      <m:t>/</m:t>
+                    </m:r>
+                    <m:r>
+                      <m:t>2</m:t>
+                    </m:r>
+                  </m:oMath>
+                </a14:m>
+                <a:r>
+                  <a:rPr/>
+                  <a:t> with</a:t>
+                </a:r>
+              </a:p>
+              <a:p>
+                <a:pPr lvl="1"/>
+                <a14:m>
+                  <m:oMath xmlns:m="http://schemas.openxmlformats.org/officeDocument/2006/math">
+                    <m:sSup>
+                      <m:e>
+                        <m:r>
+                          <m:t>Φ</m:t>
+                        </m:r>
+                      </m:e>
+                      <m:sup>
+                        <m:r>
+                          <m:rPr>
+                            <m:sty m:val="p"/>
+                          </m:rPr>
+                          <m:t>−</m:t>
+                        </m:r>
+                        <m:r>
+                          <m:t>1</m:t>
+                        </m:r>
+                      </m:sup>
+                    </m:sSup>
+                    <m:d>
+                      <m:dPr>
+                        <m:begChr m:val="("/>
+                        <m:endChr m:val=")"/>
+                        <m:sepChr m:val=""/>
+                        <m:grow/>
+                      </m:dPr>
+                      <m:e>
+                        <m:sSub>
+                          <m:e>
+                            <m:acc>
+                              <m:accPr>
+                                <m:chr m:val="̂"/>
+                              </m:accPr>
+                              <m:e>
+                                <m:r>
+                                  <m:t>z</m:t>
+                                </m:r>
+                              </m:e>
+                            </m:acc>
+                          </m:e>
+                          <m:sub>
+                            <m:r>
+                              <m:t>0</m:t>
+                            </m:r>
+                          </m:sub>
+                        </m:sSub>
+                        <m:r>
+                          <m:rPr>
+                            <m:sty m:val="p"/>
+                          </m:rPr>
+                          <m:t>+</m:t>
+                        </m:r>
+                        <m:f>
+                          <m:fPr>
+                            <m:type m:val="bar"/>
+                          </m:fPr>
+                          <m:num>
+                            <m:sSub>
+                              <m:e>
+                                <m:acc>
+                                  <m:accPr>
+                                    <m:chr m:val="̂"/>
+                                  </m:accPr>
+                                  <m:e>
+                                    <m:r>
+                                      <m:t>z</m:t>
+                                    </m:r>
+                                  </m:e>
+                                </m:acc>
+                              </m:e>
+                              <m:sub>
+                                <m:r>
+                                  <m:t>0</m:t>
+                                </m:r>
+                              </m:sub>
+                            </m:sSub>
+                            <m:r>
+                              <m:rPr>
+                                <m:sty m:val="p"/>
+                              </m:rPr>
+                              <m:t>+</m:t>
+                            </m:r>
+                            <m:sSub>
+                              <m:e>
+                                <m:r>
+                                  <m:t>z</m:t>
+                                </m:r>
+                              </m:e>
+                              <m:sub>
+                                <m:r>
+                                  <m:t>1</m:t>
+                                </m:r>
+                                <m:r>
+                                  <m:rPr>
+                                    <m:sty m:val="p"/>
+                                  </m:rPr>
+                                  <m:t>−</m:t>
+                                </m:r>
+                                <m:r>
+                                  <m:t>α</m:t>
+                                </m:r>
+                                <m:r>
+                                  <m:rPr>
+                                    <m:sty m:val="p"/>
+                                  </m:rPr>
+                                  <m:t>/</m:t>
+                                </m:r>
+                                <m:r>
+                                  <m:t>2</m:t>
+                                </m:r>
+                              </m:sub>
+                            </m:sSub>
+                          </m:num>
+                          <m:den>
+                            <m:r>
+                              <m:t>1</m:t>
+                            </m:r>
+                            <m:r>
+                              <m:rPr>
+                                <m:sty m:val="p"/>
+                              </m:rPr>
+                              <m:t>−</m:t>
+                            </m:r>
+                            <m:acc>
+                              <m:accPr>
+                                <m:chr m:val="̂"/>
+                              </m:accPr>
+                              <m:e>
+                                <m:r>
+                                  <m:t>a</m:t>
+                                </m:r>
+                              </m:e>
+                            </m:acc>
+                            <m:d>
+                              <m:dPr>
+                                <m:begChr m:val="("/>
+                                <m:endChr m:val=")"/>
+                                <m:sepChr m:val=""/>
+                                <m:grow/>
+                              </m:dPr>
+                              <m:e>
+                                <m:sSub>
+                                  <m:e>
+                                    <m:acc>
+                                      <m:accPr>
+                                        <m:chr m:val="̂"/>
+                                      </m:accPr>
+                                      <m:e>
+                                        <m:r>
+                                          <m:t>z</m:t>
+                                        </m:r>
+                                      </m:e>
+                                    </m:acc>
+                                  </m:e>
+                                  <m:sub>
+                                    <m:r>
+                                      <m:t>0</m:t>
+                                    </m:r>
+                                  </m:sub>
+                                </m:sSub>
+                                <m:r>
+                                  <m:rPr>
+                                    <m:sty m:val="p"/>
+                                  </m:rPr>
+                                  <m:t>+</m:t>
+                                </m:r>
+                                <m:sSub>
+                                  <m:e>
+                                    <m:r>
+                                      <m:t>z</m:t>
+                                    </m:r>
+                                  </m:e>
+                                  <m:sub>
+                                    <m:r>
+                                      <m:t>1</m:t>
+                                    </m:r>
+                                    <m:r>
+                                      <m:rPr>
+                                        <m:sty m:val="p"/>
+                                      </m:rPr>
+                                      <m:t>−</m:t>
+                                    </m:r>
+                                    <m:r>
+                                      <m:t>α</m:t>
+                                    </m:r>
+                                    <m:r>
+                                      <m:rPr>
+                                        <m:sty m:val="p"/>
+                                      </m:rPr>
+                                      <m:t>/</m:t>
+                                    </m:r>
+                                    <m:r>
+                                      <m:t>2</m:t>
+                                    </m:r>
+                                  </m:sub>
+                                </m:sSub>
+                              </m:e>
+                            </m:d>
+                          </m:den>
+                        </m:f>
+                      </m:e>
+                    </m:d>
+                  </m:oMath>
+                </a14:m>
+              </a:p>
+            </p:txBody>
+          </p:sp>
+        </mc:Choice>
+      </mc:AlternateContent>
     </p:spTree>
   </p:cSld>
 </p:sld>
@@ -8516,41 +9870,41 @@
             </a:pPr>
             <a:r>
               <a:rPr/>
-              <a:t>Special issues</a:t>
-            </a:r>
-          </a:p>
-        </p:txBody>
-      </p:sp>
-      <p:sp>
-        <p:nvSpPr>
-          <p:cNvPr id="3" name="Content Placeholder 2"/>
-          <p:cNvSpPr>
-            <a:spLocks noGrp="1"/>
-          </p:cNvSpPr>
-          <p:nvPr>
-            <p:ph idx="1"/>
-          </p:nvPr>
-        </p:nvSpPr>
-        <p:spPr/>
-        <p:txBody>
-          <a:bodyPr/>
-          <a:lstStyle/>
-          <a:p>
-            <a:pPr lvl="0"/>
-            <a:r>
-              <a:rPr/>
-              <a:t>Time series</a:t>
-            </a:r>
-          </a:p>
-          <a:p>
-            <a:pPr lvl="0"/>
-            <a:r>
-              <a:rPr/>
-              <a:t>Regression models</a:t>
-            </a:r>
-          </a:p>
-        </p:txBody>
-      </p:sp>
+              <a:t>Percentiles with no adjustment</a:t>
+            </a:r>
+          </a:p>
+        </p:txBody>
+      </p:sp>
+      <p:pic>
+        <p:nvPicPr>
+          <p:cNvPr descr="bootstrap-slides_files/figure-pptx/unnamed-chunk-4-1.png" id="0" name="Picture 1"/>
+          <p:cNvPicPr>
+            <a:picLocks noGrp="1" noChangeAspect="1"/>
+          </p:cNvPicPr>
+          <p:nvPr/>
+        </p:nvPicPr>
+        <p:blipFill>
+          <a:blip r:embed="rId2"/>
+          <a:stretch>
+            <a:fillRect/>
+          </a:stretch>
+        </p:blipFill>
+        <p:spPr bwMode="auto">
+          <a:xfrm>
+            <a:off x="2451100" y="1193800"/>
+            <a:ext cx="4241800" cy="3390900"/>
+          </a:xfrm>
+          <a:prstGeom prst="rect">
+            <a:avLst/>
+          </a:prstGeom>
+          <a:noFill/>
+          <a:ln w="9525">
+            <a:noFill/>
+            <a:headEnd/>
+            <a:tailEnd/>
+          </a:ln>
+        </p:spPr>
+      </p:pic>
     </p:spTree>
   </p:cSld>
 </p:sld>
@@ -8593,7 +9947,208 @@
             </a:pPr>
             <a:r>
               <a:rPr/>
-              <a:t>Summary</a:t>
+              <a:t>Percentlies with bias adjustment</a:t>
+            </a:r>
+          </a:p>
+        </p:txBody>
+      </p:sp>
+      <p:pic>
+        <p:nvPicPr>
+          <p:cNvPr descr="bootstrap-slides_files/figure-pptx/unnamed-chunk-5-1.png" id="0" name="Picture 1"/>
+          <p:cNvPicPr>
+            <a:picLocks noGrp="1" noChangeAspect="1"/>
+          </p:cNvPicPr>
+          <p:nvPr/>
+        </p:nvPicPr>
+        <p:blipFill>
+          <a:blip r:embed="rId2"/>
+          <a:stretch>
+            <a:fillRect/>
+          </a:stretch>
+        </p:blipFill>
+        <p:spPr bwMode="auto">
+          <a:xfrm>
+            <a:off x="2451100" y="1193800"/>
+            <a:ext cx="4241800" cy="3390900"/>
+          </a:xfrm>
+          <a:prstGeom prst="rect">
+            <a:avLst/>
+          </a:prstGeom>
+          <a:noFill/>
+          <a:ln w="9525">
+            <a:noFill/>
+            <a:headEnd/>
+            <a:tailEnd/>
+          </a:ln>
+        </p:spPr>
+      </p:pic>
+    </p:spTree>
+  </p:cSld>
+</p:sld>
+</file>
+
+<file path=ppt/slides/slide33.xml><?xml version="1.0" encoding="utf-8"?>
+<p:sld xmlns:a="http://schemas.openxmlformats.org/drawingml/2006/main" xmlns:r="http://schemas.openxmlformats.org/officeDocument/2006/relationships" xmlns:p="http://schemas.openxmlformats.org/presentationml/2006/main">
+  <p:cSld>
+    <p:spTree>
+      <p:nvGrpSpPr>
+        <p:cNvPr id="1" name=""/>
+        <p:cNvGrpSpPr/>
+        <p:nvPr/>
+      </p:nvGrpSpPr>
+      <p:grpSpPr>
+        <a:xfrm>
+          <a:off x="0" y="0"/>
+          <a:ext cx="0" cy="0"/>
+          <a:chOff x="0" y="0"/>
+          <a:chExt cx="0" cy="0"/>
+        </a:xfrm>
+      </p:grpSpPr>
+      <p:sp>
+        <p:nvSpPr>
+          <p:cNvPr id="2" name="Title 1"/>
+          <p:cNvSpPr>
+            <a:spLocks noGrp="1"/>
+          </p:cNvSpPr>
+          <p:nvPr>
+            <p:ph type="title"/>
+          </p:nvPr>
+        </p:nvSpPr>
+        <p:spPr/>
+        <p:txBody>
+          <a:bodyPr/>
+          <a:lstStyle/>
+          <a:p>
+            <a:pPr lvl="0" indent="0" marL="0">
+              <a:buNone/>
+            </a:pPr>
+            <a:r>
+              <a:rPr/>
+              <a:t>Percentiles with acceleration adjustment</a:t>
+            </a:r>
+          </a:p>
+        </p:txBody>
+      </p:sp>
+      <p:pic>
+        <p:nvPicPr>
+          <p:cNvPr descr="bootstrap-slides_files/figure-pptx/unnamed-chunk-6-1.png" id="0" name="Picture 1"/>
+          <p:cNvPicPr>
+            <a:picLocks noGrp="1" noChangeAspect="1"/>
+          </p:cNvPicPr>
+          <p:nvPr/>
+        </p:nvPicPr>
+        <p:blipFill>
+          <a:blip r:embed="rId2"/>
+          <a:stretch>
+            <a:fillRect/>
+          </a:stretch>
+        </p:blipFill>
+        <p:spPr bwMode="auto">
+          <a:xfrm>
+            <a:off x="2451100" y="1193800"/>
+            <a:ext cx="4241800" cy="3390900"/>
+          </a:xfrm>
+          <a:prstGeom prst="rect">
+            <a:avLst/>
+          </a:prstGeom>
+          <a:noFill/>
+          <a:ln w="9525">
+            <a:noFill/>
+            <a:headEnd/>
+            <a:tailEnd/>
+          </a:ln>
+        </p:spPr>
+      </p:pic>
+    </p:spTree>
+  </p:cSld>
+</p:sld>
+</file>
+
+<file path=ppt/slides/slide34.xml><?xml version="1.0" encoding="utf-8"?>
+<p:sld xmlns:a="http://schemas.openxmlformats.org/drawingml/2006/main" xmlns:r="http://schemas.openxmlformats.org/officeDocument/2006/relationships" xmlns:p="http://schemas.openxmlformats.org/presentationml/2006/main">
+  <p:cSld>
+    <p:spTree>
+      <p:nvGrpSpPr>
+        <p:cNvPr id="1" name=""/>
+        <p:cNvGrpSpPr/>
+        <p:nvPr/>
+      </p:nvGrpSpPr>
+      <p:grpSpPr>
+        <a:xfrm>
+          <a:off x="0" y="0"/>
+          <a:ext cx="0" cy="0"/>
+          <a:chOff x="0" y="0"/>
+          <a:chExt cx="0" cy="0"/>
+        </a:xfrm>
+      </p:grpSpPr>
+      <p:sp>
+        <p:nvSpPr>
+          <p:cNvPr id="2" name="Title 1"/>
+          <p:cNvSpPr>
+            <a:spLocks noGrp="1"/>
+          </p:cNvSpPr>
+          <p:nvPr>
+            <p:ph type="title"/>
+          </p:nvPr>
+        </p:nvSpPr>
+        <p:spPr/>
+        <p:txBody>
+          <a:bodyPr/>
+          <a:lstStyle/>
+          <a:p>
+            <a:pPr lvl="0" indent="0" marL="0">
+              <a:buNone/>
+            </a:pPr>
+            <a:r>
+              <a:rPr/>
+              <a:t>Test hypotheses</a:t>
+            </a:r>
+          </a:p>
+        </p:txBody>
+      </p:sp>
+    </p:spTree>
+  </p:cSld>
+</p:sld>
+</file>
+
+<file path=ppt/slides/slide35.xml><?xml version="1.0" encoding="utf-8"?>
+<p:sld xmlns:a="http://schemas.openxmlformats.org/drawingml/2006/main" xmlns:r="http://schemas.openxmlformats.org/officeDocument/2006/relationships" xmlns:p="http://schemas.openxmlformats.org/presentationml/2006/main">
+  <p:cSld>
+    <p:spTree>
+      <p:nvGrpSpPr>
+        <p:cNvPr id="1" name=""/>
+        <p:cNvGrpSpPr/>
+        <p:nvPr/>
+      </p:nvGrpSpPr>
+      <p:grpSpPr>
+        <a:xfrm>
+          <a:off x="0" y="0"/>
+          <a:ext cx="0" cy="0"/>
+          <a:chOff x="0" y="0"/>
+          <a:chExt cx="0" cy="0"/>
+        </a:xfrm>
+      </p:grpSpPr>
+      <p:sp>
+        <p:nvSpPr>
+          <p:cNvPr id="2" name="Title 1"/>
+          <p:cNvSpPr>
+            <a:spLocks noGrp="1"/>
+          </p:cNvSpPr>
+          <p:nvPr>
+            <p:ph type="title"/>
+          </p:nvPr>
+        </p:nvSpPr>
+        <p:spPr/>
+        <p:txBody>
+          <a:bodyPr/>
+          <a:lstStyle/>
+          <a:p>
+            <a:pPr lvl="0" indent="0" marL="0">
+              <a:buNone/>
+            </a:pPr>
+            <a:r>
+              <a:rPr/>
+              <a:t>Break #2</a:t>
             </a:r>
           </a:p>
         </p:txBody>
@@ -8616,28 +10171,362 @@
             <a:pPr lvl="0"/>
             <a:r>
               <a:rPr/>
-              <a:t>History</a:t>
+              <a:t>What you have learned</a:t>
+            </a:r>
+          </a:p>
+          <a:p>
+            <a:pPr lvl="1"/>
+            <a:r>
+              <a:rPr/>
+              <a:t>Purposes of the bootstrap</a:t>
             </a:r>
           </a:p>
           <a:p>
             <a:pPr lvl="0"/>
             <a:r>
               <a:rPr/>
-              <a:t>Purpose</a:t>
-            </a:r>
-          </a:p>
+              <a:t>What’s coming next</a:t>
+            </a:r>
+          </a:p>
+          <a:p>
+            <a:pPr lvl="1"/>
+            <a:r>
+              <a:rPr/>
+              <a:t>Mechanics</a:t>
+            </a:r>
+          </a:p>
+        </p:txBody>
+      </p:sp>
+    </p:spTree>
+  </p:cSld>
+</p:sld>
+</file>
+
+<file path=ppt/slides/slide36.xml><?xml version="1.0" encoding="utf-8"?>
+<p:sld xmlns:a="http://schemas.openxmlformats.org/drawingml/2006/main" xmlns:r="http://schemas.openxmlformats.org/officeDocument/2006/relationships" xmlns:p="http://schemas.openxmlformats.org/presentationml/2006/main">
+  <p:cSld>
+    <p:spTree>
+      <p:nvGrpSpPr>
+        <p:cNvPr id="1" name=""/>
+        <p:cNvGrpSpPr/>
+        <p:nvPr/>
+      </p:nvGrpSpPr>
+      <p:grpSpPr>
+        <a:xfrm>
+          <a:off x="0" y="0"/>
+          <a:ext cx="0" cy="0"/>
+          <a:chOff x="0" y="0"/>
+          <a:chExt cx="0" cy="0"/>
+        </a:xfrm>
+      </p:grpSpPr>
+      <p:sp>
+        <p:nvSpPr>
+          <p:cNvPr id="2" name="Title 1"/>
+          <p:cNvSpPr>
+            <a:spLocks noGrp="1"/>
+          </p:cNvSpPr>
+          <p:nvPr>
+            <p:ph type="title"/>
+          </p:nvPr>
+        </p:nvSpPr>
+        <p:spPr/>
+        <p:txBody>
+          <a:bodyPr/>
+          <a:lstStyle/>
+          <a:p>
+            <a:pPr lvl="0" indent="0" marL="0">
+              <a:buNone/>
+            </a:pPr>
+            <a:r>
+              <a:rPr/>
+              <a:t>Mechanics</a:t>
+            </a:r>
+          </a:p>
+        </p:txBody>
+      </p:sp>
+      <p:sp>
+        <p:nvSpPr>
+          <p:cNvPr id="3" name="Content Placeholder 2"/>
+          <p:cNvSpPr>
+            <a:spLocks noGrp="1"/>
+          </p:cNvSpPr>
+          <p:nvPr>
+            <p:ph idx="1"/>
+          </p:nvPr>
+        </p:nvSpPr>
+        <p:spPr/>
+        <p:txBody>
+          <a:bodyPr/>
+          <a:lstStyle/>
           <a:p>
             <a:pPr lvl="0"/>
             <a:r>
               <a:rPr/>
-              <a:t>Calculations</a:t>
+              <a:t>Resampling</a:t>
             </a:r>
           </a:p>
           <a:p>
             <a:pPr lvl="0"/>
             <a:r>
               <a:rPr/>
+              <a:t>Bootstrap estimates</a:t>
+            </a:r>
+          </a:p>
+          <a:p>
+            <a:pPr lvl="0"/>
+            <a:r>
+              <a:rPr/>
+              <a:t>Bias calculation</a:t>
+            </a:r>
+          </a:p>
+          <a:p>
+            <a:pPr lvl="0"/>
+            <a:r>
+              <a:rPr/>
+              <a:t>Standard error calculation</a:t>
+            </a:r>
+          </a:p>
+          <a:p>
+            <a:pPr lvl="0"/>
+            <a:r>
+              <a:rPr/>
+              <a:t>Confidence interval</a:t>
+            </a:r>
+          </a:p>
+          <a:p>
+            <a:pPr lvl="1"/>
+            <a:r>
+              <a:rPr/>
+              <a:t>Percentile method</a:t>
+            </a:r>
+          </a:p>
+          <a:p>
+            <a:pPr lvl="1"/>
+            <a:r>
+              <a:rPr/>
+              <a:t>Bias corrected and adjusted method</a:t>
+            </a:r>
+          </a:p>
+          <a:p>
+            <a:pPr lvl="0"/>
+            <a:r>
+              <a:rPr/>
+              <a:t>Hypothesis tests</a:t>
+            </a:r>
+          </a:p>
+        </p:txBody>
+      </p:sp>
+    </p:spTree>
+  </p:cSld>
+</p:sld>
+</file>
+
+<file path=ppt/slides/slide37.xml><?xml version="1.0" encoding="utf-8"?>
+<p:sld xmlns:a="http://schemas.openxmlformats.org/drawingml/2006/main" xmlns:r="http://schemas.openxmlformats.org/officeDocument/2006/relationships" xmlns:p="http://schemas.openxmlformats.org/presentationml/2006/main">
+  <p:cSld>
+    <p:spTree>
+      <p:nvGrpSpPr>
+        <p:cNvPr id="1" name=""/>
+        <p:cNvGrpSpPr/>
+        <p:nvPr/>
+      </p:nvGrpSpPr>
+      <p:grpSpPr>
+        <a:xfrm>
+          <a:off x="0" y="0"/>
+          <a:ext cx="0" cy="0"/>
+          <a:chOff x="0" y="0"/>
+          <a:chExt cx="0" cy="0"/>
+        </a:xfrm>
+      </p:grpSpPr>
+      <p:sp>
+        <p:nvSpPr>
+          <p:cNvPr id="2" name="Title 1"/>
+          <p:cNvSpPr>
+            <a:spLocks noGrp="1"/>
+          </p:cNvSpPr>
+          <p:nvPr>
+            <p:ph type="title"/>
+          </p:nvPr>
+        </p:nvSpPr>
+        <p:spPr/>
+        <p:txBody>
+          <a:bodyPr/>
+          <a:lstStyle/>
+          <a:p>
+            <a:pPr lvl="0" indent="0" marL="0">
+              <a:buNone/>
+            </a:pPr>
+            <a:r>
+              <a:rPr/>
+              <a:t>Break #3</a:t>
+            </a:r>
+          </a:p>
+        </p:txBody>
+      </p:sp>
+      <p:sp>
+        <p:nvSpPr>
+          <p:cNvPr id="3" name="Content Placeholder 2"/>
+          <p:cNvSpPr>
+            <a:spLocks noGrp="1"/>
+          </p:cNvSpPr>
+          <p:nvPr>
+            <p:ph idx="1"/>
+          </p:nvPr>
+        </p:nvSpPr>
+        <p:spPr/>
+        <p:txBody>
+          <a:bodyPr/>
+          <a:lstStyle/>
+          <a:p>
+            <a:pPr lvl="0"/>
+            <a:r>
+              <a:rPr/>
+              <a:t>What have you learned</a:t>
+            </a:r>
+          </a:p>
+          <a:p>
+            <a:pPr lvl="1"/>
+            <a:r>
+              <a:rPr/>
+              <a:t>Mechanics</a:t>
+            </a:r>
+          </a:p>
+          <a:p>
+            <a:pPr lvl="0"/>
+            <a:r>
+              <a:rPr/>
+              <a:t>What’s coming next</a:t>
+            </a:r>
+          </a:p>
+          <a:p>
+            <a:pPr lvl="1"/>
+            <a:r>
+              <a:rPr/>
               <a:t>Software</a:t>
+            </a:r>
+          </a:p>
+        </p:txBody>
+      </p:sp>
+    </p:spTree>
+  </p:cSld>
+</p:sld>
+</file>
+
+<file path=ppt/slides/slide38.xml><?xml version="1.0" encoding="utf-8"?>
+<p:sld xmlns:a="http://schemas.openxmlformats.org/drawingml/2006/main" xmlns:r="http://schemas.openxmlformats.org/officeDocument/2006/relationships" xmlns:p="http://schemas.openxmlformats.org/presentationml/2006/main">
+  <p:cSld>
+    <p:spTree>
+      <p:nvGrpSpPr>
+        <p:cNvPr id="1" name=""/>
+        <p:cNvGrpSpPr/>
+        <p:nvPr/>
+      </p:nvGrpSpPr>
+      <p:grpSpPr>
+        <a:xfrm>
+          <a:off x="0" y="0"/>
+          <a:ext cx="0" cy="0"/>
+          <a:chOff x="0" y="0"/>
+          <a:chExt cx="0" cy="0"/>
+        </a:xfrm>
+      </p:grpSpPr>
+      <p:sp>
+        <p:nvSpPr>
+          <p:cNvPr id="2" name="Title 1"/>
+          <p:cNvSpPr>
+            <a:spLocks noGrp="1"/>
+          </p:cNvSpPr>
+          <p:nvPr>
+            <p:ph type="title"/>
+          </p:nvPr>
+        </p:nvSpPr>
+        <p:spPr/>
+        <p:txBody>
+          <a:bodyPr/>
+          <a:lstStyle/>
+          <a:p>
+            <a:pPr lvl="0" indent="0" marL="0">
+              <a:buNone/>
+            </a:pPr>
+            <a:r>
+              <a:rPr/>
+              <a:t>Software</a:t>
+            </a:r>
+          </a:p>
+        </p:txBody>
+      </p:sp>
+    </p:spTree>
+  </p:cSld>
+</p:sld>
+</file>
+
+<file path=ppt/slides/slide39.xml><?xml version="1.0" encoding="utf-8"?>
+<p:sld xmlns:a="http://schemas.openxmlformats.org/drawingml/2006/main" xmlns:r="http://schemas.openxmlformats.org/officeDocument/2006/relationships" xmlns:p="http://schemas.openxmlformats.org/presentationml/2006/main">
+  <p:cSld>
+    <p:spTree>
+      <p:nvGrpSpPr>
+        <p:cNvPr id="1" name=""/>
+        <p:cNvGrpSpPr/>
+        <p:nvPr/>
+      </p:nvGrpSpPr>
+      <p:grpSpPr>
+        <a:xfrm>
+          <a:off x="0" y="0"/>
+          <a:ext cx="0" cy="0"/>
+          <a:chOff x="0" y="0"/>
+          <a:chExt cx="0" cy="0"/>
+        </a:xfrm>
+      </p:grpSpPr>
+      <p:sp>
+        <p:nvSpPr>
+          <p:cNvPr id="2" name="Title 1"/>
+          <p:cNvSpPr>
+            <a:spLocks noGrp="1"/>
+          </p:cNvSpPr>
+          <p:nvPr>
+            <p:ph type="title"/>
+          </p:nvPr>
+        </p:nvSpPr>
+        <p:spPr/>
+        <p:txBody>
+          <a:bodyPr/>
+          <a:lstStyle/>
+          <a:p>
+            <a:pPr lvl="0" indent="0" marL="0">
+              <a:buNone/>
+            </a:pPr>
+            <a:r>
+              <a:rPr/>
+              <a:t>Special issues</a:t>
+            </a:r>
+          </a:p>
+        </p:txBody>
+      </p:sp>
+      <p:sp>
+        <p:nvSpPr>
+          <p:cNvPr id="3" name="Content Placeholder 2"/>
+          <p:cNvSpPr>
+            <a:spLocks noGrp="1"/>
+          </p:cNvSpPr>
+          <p:nvPr>
+            <p:ph idx="1"/>
+          </p:nvPr>
+        </p:nvSpPr>
+        <p:spPr/>
+        <p:txBody>
+          <a:bodyPr/>
+          <a:lstStyle/>
+          <a:p>
+            <a:pPr lvl="0"/>
+            <a:r>
+              <a:rPr/>
+              <a:t>Time series</a:t>
+            </a:r>
+          </a:p>
+          <a:p>
+            <a:pPr lvl="0"/>
+            <a:r>
+              <a:rPr/>
+              <a:t>Regression models</a:t>
             </a:r>
           </a:p>
         </p:txBody>
@@ -8745,6 +10634,97 @@
             <a:r>
               <a:rPr/>
               <a:t>Figure 1. Cover of book by Robert Serfling</a:t>
+            </a:r>
+          </a:p>
+        </p:txBody>
+      </p:sp>
+    </p:spTree>
+  </p:cSld>
+</p:sld>
+</file>
+
+<file path=ppt/slides/slide40.xml><?xml version="1.0" encoding="utf-8"?>
+<p:sld xmlns:a="http://schemas.openxmlformats.org/drawingml/2006/main" xmlns:r="http://schemas.openxmlformats.org/officeDocument/2006/relationships" xmlns:p="http://schemas.openxmlformats.org/presentationml/2006/main">
+  <p:cSld>
+    <p:spTree>
+      <p:nvGrpSpPr>
+        <p:cNvPr id="1" name=""/>
+        <p:cNvGrpSpPr/>
+        <p:nvPr/>
+      </p:nvGrpSpPr>
+      <p:grpSpPr>
+        <a:xfrm>
+          <a:off x="0" y="0"/>
+          <a:ext cx="0" cy="0"/>
+          <a:chOff x="0" y="0"/>
+          <a:chExt cx="0" cy="0"/>
+        </a:xfrm>
+      </p:grpSpPr>
+      <p:sp>
+        <p:nvSpPr>
+          <p:cNvPr id="2" name="Title 1"/>
+          <p:cNvSpPr>
+            <a:spLocks noGrp="1"/>
+          </p:cNvSpPr>
+          <p:nvPr>
+            <p:ph type="title"/>
+          </p:nvPr>
+        </p:nvSpPr>
+        <p:spPr/>
+        <p:txBody>
+          <a:bodyPr/>
+          <a:lstStyle/>
+          <a:p>
+            <a:pPr lvl="0" indent="0" marL="0">
+              <a:buNone/>
+            </a:pPr>
+            <a:r>
+              <a:rPr/>
+              <a:t>Summary</a:t>
+            </a:r>
+          </a:p>
+        </p:txBody>
+      </p:sp>
+      <p:sp>
+        <p:nvSpPr>
+          <p:cNvPr id="3" name="Content Placeholder 2"/>
+          <p:cNvSpPr>
+            <a:spLocks noGrp="1"/>
+          </p:cNvSpPr>
+          <p:nvPr>
+            <p:ph idx="1"/>
+          </p:nvPr>
+        </p:nvSpPr>
+        <p:spPr/>
+        <p:txBody>
+          <a:bodyPr/>
+          <a:lstStyle/>
+          <a:p>
+            <a:pPr lvl="0"/>
+            <a:r>
+              <a:rPr/>
+              <a:t>History</a:t>
+            </a:r>
+          </a:p>
+          <a:p>
+            <a:pPr lvl="0"/>
+            <a:r>
+              <a:rPr/>
+              <a:t>Purpose</a:t>
+            </a:r>
+          </a:p>
+          <a:p>
+            <a:pPr lvl="0"/>
+            <a:r>
+              <a:rPr/>
+              <a:t>Calculations</a:t>
+            </a:r>
+          </a:p>
+          <a:p>
+            <a:pPr lvl="0"/>
+            <a:r>
+              <a:rPr/>
+              <a:t>Software</a:t>
             </a:r>
           </a:p>
         </p:txBody>

--- a/bootstrap/src/bootstrap-slides.pptx
+++ b/bootstrap/src/bootstrap-slides.pptx
@@ -5,7 +5,7 @@
     <p:sldMasterId id="2147483648" r:id="rId1"/>
   </p:sldMasterIdLst>
   <p:notesMasterIdLst>
-    <p:notesMasterId r:id="rId42"/>
+    <p:notesMasterId r:id="rId45"/>
   </p:notesMasterIdLst>
   <p:sldIdLst>
     <p:sldId id="256" r:id="rId2"/>
@@ -48,6 +48,9 @@
     <p:sldId id="293" r:id="rId39"/>
     <p:sldId id="294" r:id="rId40"/>
     <p:sldId id="295" r:id="rId41"/>
+    <p:sldId id="296" r:id="rId42"/>
+    <p:sldId id="297" r:id="rId43"/>
+    <p:sldId id="298" r:id="rId44"/>
   </p:sldIdLst>
   <p:sldSz cx="9144000" cy="5143500" type="screen16x9"/>
   <p:notesSz cx="6858000" cy="9144000"/>
@@ -1609,7 +1612,21 @@
             </a:pPr>
             <a:r>
               <a:rPr/>
-              <a:t>Dr. Efron refers to it as an acceleration, because it relates to the second derivative of something. Remember that in Calculus, the first derivative is analogous to speed and the second derivative is analogous to acceleration.</a:t>
+              <a:t>Dr. Efron refers to it as an acceleration, because it relates to the second derivative of the score function. Don’t ask me what the score function represents. Also don’t ask me why the acceleration relies on a jackknife sample rather than a bootstrap sample.</a:t>
+            </a:r>
+          </a:p>
+          <a:p>
+            <a:pPr lvl="0" indent="0" marL="0">
+              <a:buNone/>
+            </a:pPr>
+          </a:p>
+          <a:p>
+            <a:pPr lvl="0" indent="0" marL="0">
+              <a:buNone/>
+            </a:pPr>
+            <a:r>
+              <a:rPr/>
+              <a:t>Remember that in Calculus, the first derivative is analogous to speed and the second derivative is analogous to acceleration.</a:t>
             </a:r>
           </a:p>
           <a:p>
@@ -1838,6 +1855,266 @@
             <a:fld id="{18BDFEC3-8487-43E8-A154-7C12CBC1FFF2}" type="slidenum">
               <a:rPr lang="en-US"/>
               <a:t>3</a:t>
+            </a:fld>
+            <a:endParaRPr lang="en-US"/>
+          </a:p>
+        </p:txBody>
+      </p:sp>
+    </p:spTree>
+  </p:cSld>
+</p:notes>
+</file>
+
+<file path=ppt/notesSlides/notesSlide20.xml><?xml version="1.0" encoding="utf-8"?>
+<p:notes xmlns:a="http://schemas.openxmlformats.org/drawingml/2006/main" xmlns:r="http://schemas.openxmlformats.org/officeDocument/2006/relationships" xmlns:p="http://schemas.openxmlformats.org/presentationml/2006/main">
+  <p:cSld>
+    <p:spTree>
+      <p:nvGrpSpPr>
+        <p:cNvPr id="1" name=""/>
+        <p:cNvGrpSpPr/>
+        <p:nvPr/>
+      </p:nvGrpSpPr>
+      <p:grpSpPr>
+        <a:xfrm>
+          <a:off x="0" y="0"/>
+          <a:ext cx="0" cy="0"/>
+          <a:chOff x="0" y="0"/>
+          <a:chExt cx="0" cy="0"/>
+        </a:xfrm>
+      </p:grpSpPr>
+      <p:sp>
+        <p:nvSpPr>
+          <p:cNvPr id="2" name="Slide Image Placeholder 1"/>
+          <p:cNvSpPr>
+            <a:spLocks noGrp="1" noRot="1" noChangeAspect="1"/>
+          </p:cNvSpPr>
+          <p:nvPr>
+            <p:ph type="sldImg"/>
+          </p:nvPr>
+        </p:nvSpPr>
+        <p:spPr/>
+      </p:sp>
+      <p:sp>
+        <p:nvSpPr>
+          <p:cNvPr id="3" name="Notes Placeholder 2"/>
+          <p:cNvSpPr>
+            <a:spLocks noGrp="1"/>
+          </p:cNvSpPr>
+          <p:nvPr>
+            <p:ph type="body" idx="1"/>
+          </p:nvPr>
+        </p:nvSpPr>
+        <p:spPr/>
+        <p:txBody>
+          <a:bodyPr/>
+          <a:lstStyle/>
+          <a:p>
+            <a:pPr lvl="0" indent="0" marL="0">
+              <a:buNone/>
+            </a:pPr>
+            <a:r>
+              <a:rPr/>
+              <a:t>Here’s a picture showing what the unadjusted percentiles look like for a 90% confidence interval. Z-0-hat is zero, so no bias adjustment and a-hat is also zero, so no adjustment for skewness. You would just choose the 5th and 95th percentiles of the bootstrapped estimates.</a:t>
+            </a:r>
+          </a:p>
+        </p:txBody>
+      </p:sp>
+      <p:sp>
+        <p:nvSpPr>
+          <p:cNvPr id="4" name="Slide Number Placeholder 3"/>
+          <p:cNvSpPr>
+            <a:spLocks noGrp="1"/>
+          </p:cNvSpPr>
+          <p:nvPr>
+            <p:ph type="sldNum" sz="quarter" idx="10"/>
+          </p:nvPr>
+        </p:nvSpPr>
+        <p:spPr/>
+        <p:txBody>
+          <a:bodyPr/>
+          <a:lstStyle/>
+          <a:p>
+            <a:fld id="{18BDFEC3-8487-43E8-A154-7C12CBC1FFF2}" type="slidenum">
+              <a:rPr lang="en-US"/>
+              <a:t>32</a:t>
+            </a:fld>
+            <a:endParaRPr lang="en-US"/>
+          </a:p>
+        </p:txBody>
+      </p:sp>
+    </p:spTree>
+  </p:cSld>
+</p:notes>
+</file>
+
+<file path=ppt/notesSlides/notesSlide21.xml><?xml version="1.0" encoding="utf-8"?>
+<p:notes xmlns:a="http://schemas.openxmlformats.org/drawingml/2006/main" xmlns:r="http://schemas.openxmlformats.org/officeDocument/2006/relationships" xmlns:p="http://schemas.openxmlformats.org/presentationml/2006/main">
+  <p:cSld>
+    <p:spTree>
+      <p:nvGrpSpPr>
+        <p:cNvPr id="1" name=""/>
+        <p:cNvGrpSpPr/>
+        <p:nvPr/>
+      </p:nvGrpSpPr>
+      <p:grpSpPr>
+        <a:xfrm>
+          <a:off x="0" y="0"/>
+          <a:ext cx="0" cy="0"/>
+          <a:chOff x="0" y="0"/>
+          <a:chExt cx="0" cy="0"/>
+        </a:xfrm>
+      </p:grpSpPr>
+      <p:sp>
+        <p:nvSpPr>
+          <p:cNvPr id="2" name="Slide Image Placeholder 1"/>
+          <p:cNvSpPr>
+            <a:spLocks noGrp="1" noRot="1" noChangeAspect="1"/>
+          </p:cNvSpPr>
+          <p:nvPr>
+            <p:ph type="sldImg"/>
+          </p:nvPr>
+        </p:nvSpPr>
+        <p:spPr/>
+      </p:sp>
+      <p:sp>
+        <p:nvSpPr>
+          <p:cNvPr id="3" name="Notes Placeholder 2"/>
+          <p:cNvSpPr>
+            <a:spLocks noGrp="1"/>
+          </p:cNvSpPr>
+          <p:nvPr>
+            <p:ph type="body" idx="1"/>
+          </p:nvPr>
+        </p:nvSpPr>
+        <p:spPr/>
+        <p:txBody>
+          <a:bodyPr/>
+          <a:lstStyle/>
+          <a:p>
+            <a:pPr lvl="0" indent="0" marL="0">
+              <a:buNone/>
+            </a:pPr>
+            <a:r>
+              <a:rPr/>
+              <a:t>A bias adjustments shifts the z values to the left or the right. In this hypothetical case, the z values are shifted left by 0.2 units, and instead of using the instead of the 5th and the 95th percentiles, you would use would be the 3.3 percentile and the 92.6 percentile.</a:t>
+            </a:r>
+          </a:p>
+        </p:txBody>
+      </p:sp>
+      <p:sp>
+        <p:nvSpPr>
+          <p:cNvPr id="4" name="Slide Number Placeholder 3"/>
+          <p:cNvSpPr>
+            <a:spLocks noGrp="1"/>
+          </p:cNvSpPr>
+          <p:nvPr>
+            <p:ph type="sldNum" sz="quarter" idx="10"/>
+          </p:nvPr>
+        </p:nvSpPr>
+        <p:spPr/>
+        <p:txBody>
+          <a:bodyPr/>
+          <a:lstStyle/>
+          <a:p>
+            <a:fld id="{18BDFEC3-8487-43E8-A154-7C12CBC1FFF2}" type="slidenum">
+              <a:rPr lang="en-US"/>
+              <a:t>34</a:t>
+            </a:fld>
+            <a:endParaRPr lang="en-US"/>
+          </a:p>
+        </p:txBody>
+      </p:sp>
+    </p:spTree>
+  </p:cSld>
+</p:notes>
+</file>
+
+<file path=ppt/notesSlides/notesSlide22.xml><?xml version="1.0" encoding="utf-8"?>
+<p:notes xmlns:a="http://schemas.openxmlformats.org/drawingml/2006/main" xmlns:r="http://schemas.openxmlformats.org/officeDocument/2006/relationships" xmlns:p="http://schemas.openxmlformats.org/presentationml/2006/main">
+  <p:cSld>
+    <p:spTree>
+      <p:nvGrpSpPr>
+        <p:cNvPr id="1" name=""/>
+        <p:cNvGrpSpPr/>
+        <p:nvPr/>
+      </p:nvGrpSpPr>
+      <p:grpSpPr>
+        <a:xfrm>
+          <a:off x="0" y="0"/>
+          <a:ext cx="0" cy="0"/>
+          <a:chOff x="0" y="0"/>
+          <a:chExt cx="0" cy="0"/>
+        </a:xfrm>
+      </p:grpSpPr>
+      <p:sp>
+        <p:nvSpPr>
+          <p:cNvPr id="2" name="Slide Image Placeholder 1"/>
+          <p:cNvSpPr>
+            <a:spLocks noGrp="1" noRot="1" noChangeAspect="1"/>
+          </p:cNvSpPr>
+          <p:nvPr>
+            <p:ph type="sldImg"/>
+          </p:nvPr>
+        </p:nvSpPr>
+        <p:spPr/>
+      </p:sp>
+      <p:sp>
+        <p:nvSpPr>
+          <p:cNvPr id="3" name="Notes Placeholder 2"/>
+          <p:cNvSpPr>
+            <a:spLocks noGrp="1"/>
+          </p:cNvSpPr>
+          <p:nvPr>
+            <p:ph type="body" idx="1"/>
+          </p:nvPr>
+        </p:nvSpPr>
+        <p:spPr/>
+        <p:txBody>
+          <a:bodyPr/>
+          <a:lstStyle/>
+          <a:p>
+            <a:pPr lvl="0" indent="0" marL="0">
+              <a:buNone/>
+            </a:pPr>
+            <a:r>
+              <a:rPr/>
+              <a:t>An adjustment for skewness also shifts the z values to the left or the right, though the shift is stronger on one side versus the other. In this hypothetical case, you would use would be the 2.9 percentile and the 92.7 percentile.</a:t>
+            </a:r>
+          </a:p>
+          <a:p>
+            <a:pPr lvl="0" indent="0" marL="0">
+              <a:buNone/>
+            </a:pPr>
+          </a:p>
+          <a:p>
+            <a:pPr lvl="0" indent="0" marL="0">
+              <a:buNone/>
+            </a:pPr>
+            <a:r>
+              <a:rPr/>
+              <a:t>These formulas are messy, and easy to get wrong, so I would recommend if you are programming from scratch that you stick one of the simpler approaches.</a:t>
+            </a:r>
+          </a:p>
+        </p:txBody>
+      </p:sp>
+      <p:sp>
+        <p:nvSpPr>
+          <p:cNvPr id="4" name="Slide Number Placeholder 3"/>
+          <p:cNvSpPr>
+            <a:spLocks noGrp="1"/>
+          </p:cNvSpPr>
+          <p:nvPr>
+            <p:ph type="sldNum" sz="quarter" idx="10"/>
+          </p:nvPr>
+        </p:nvSpPr>
+        <p:spPr/>
+        <p:txBody>
+          <a:bodyPr/>
+          <a:lstStyle/>
+          <a:p>
+            <a:fld id="{18BDFEC3-8487-43E8-A154-7C12CBC1FFF2}" type="slidenum">
+              <a:rPr lang="en-US"/>
+              <a:t>36</a:t>
             </a:fld>
             <a:endParaRPr lang="en-US"/>
           </a:p>
@@ -9929,59 +10206,25 @@
       </p:grpSpPr>
       <p:sp>
         <p:nvSpPr>
-          <p:cNvPr id="2" name="Title 1"/>
-          <p:cNvSpPr>
-            <a:spLocks noGrp="1"/>
-          </p:cNvSpPr>
-          <p:nvPr>
-            <p:ph type="title"/>
-          </p:nvPr>
-        </p:nvSpPr>
-        <p:spPr/>
-        <p:txBody>
-          <a:bodyPr/>
-          <a:lstStyle/>
-          <a:p>
-            <a:pPr lvl="0" indent="0" marL="0">
-              <a:buNone/>
-            </a:pPr>
-            <a:r>
-              <a:rPr/>
-              <a:t>Percentlies with bias adjustment</a:t>
-            </a:r>
-          </a:p>
-        </p:txBody>
-      </p:sp>
-      <p:pic>
-        <p:nvPicPr>
-          <p:cNvPr descr="bootstrap-slides_files/figure-pptx/unnamed-chunk-5-1.png" id="0" name="Picture 1"/>
-          <p:cNvPicPr>
-            <a:picLocks noGrp="1" noChangeAspect="1"/>
-          </p:cNvPicPr>
-          <p:nvPr/>
-        </p:nvPicPr>
-        <p:blipFill>
-          <a:blip r:embed="rId2"/>
-          <a:stretch>
-            <a:fillRect/>
-          </a:stretch>
-        </p:blipFill>
-        <p:spPr bwMode="auto">
-          <a:xfrm>
-            <a:off x="2451100" y="1193800"/>
-            <a:ext cx="4241800" cy="3390900"/>
-          </a:xfrm>
-          <a:prstGeom prst="rect">
-            <a:avLst/>
-          </a:prstGeom>
-          <a:noFill/>
-          <a:ln w="9525">
-            <a:noFill/>
-            <a:headEnd/>
-            <a:tailEnd/>
-          </a:ln>
-        </p:spPr>
-      </p:pic>
+          <p:cNvPr id="3" name="Content Placeholder 2"/>
+          <p:cNvSpPr>
+            <a:spLocks noGrp="1"/>
+          </p:cNvSpPr>
+          <p:nvPr>
+            <p:ph idx="1"/>
+          </p:nvPr>
+        </p:nvSpPr>
+        <p:spPr/>
+        <p:txBody>
+          <a:bodyPr/>
+          <a:lstStyle/>
+          <a:p>
+            <a:pPr lvl="0" indent="0" marL="0">
+              <a:buNone/>
+            </a:pPr>
+          </a:p>
+        </p:txBody>
+      </p:sp>
     </p:spTree>
   </p:cSld>
 </p:sld>
@@ -10024,14 +10267,14 @@
             </a:pPr>
             <a:r>
               <a:rPr/>
-              <a:t>Percentiles with acceleration adjustment</a:t>
+              <a:t>Percentlies with bias adjustment</a:t>
             </a:r>
           </a:p>
         </p:txBody>
       </p:sp>
       <p:pic>
         <p:nvPicPr>
-          <p:cNvPr descr="bootstrap-slides_files/figure-pptx/unnamed-chunk-6-1.png" id="0" name="Picture 1"/>
+          <p:cNvPr descr="bootstrap-slides_files/figure-pptx/unnamed-chunk-5-1.png" id="0" name="Picture 1"/>
           <p:cNvPicPr>
             <a:picLocks noGrp="1" noChangeAspect="1"/>
           </p:cNvPicPr>
@@ -10083,26 +10326,22 @@
       </p:grpSpPr>
       <p:sp>
         <p:nvSpPr>
-          <p:cNvPr id="2" name="Title 1"/>
-          <p:cNvSpPr>
-            <a:spLocks noGrp="1"/>
-          </p:cNvSpPr>
-          <p:nvPr>
-            <p:ph type="title"/>
-          </p:nvPr>
-        </p:nvSpPr>
-        <p:spPr/>
-        <p:txBody>
-          <a:bodyPr/>
-          <a:lstStyle/>
-          <a:p>
-            <a:pPr lvl="0" indent="0" marL="0">
-              <a:buNone/>
-            </a:pPr>
-            <a:r>
-              <a:rPr/>
-              <a:t>Test hypotheses</a:t>
-            </a:r>
+          <p:cNvPr id="3" name="Content Placeholder 2"/>
+          <p:cNvSpPr>
+            <a:spLocks noGrp="1"/>
+          </p:cNvSpPr>
+          <p:nvPr>
+            <p:ph idx="1"/>
+          </p:nvPr>
+        </p:nvSpPr>
+        <p:spPr/>
+        <p:txBody>
+          <a:bodyPr/>
+          <a:lstStyle/>
+          <a:p>
+            <a:pPr lvl="0" indent="0" marL="0">
+              <a:buNone/>
+            </a:pPr>
           </a:p>
         </p:txBody>
       </p:sp>
@@ -10148,55 +10387,41 @@
             </a:pPr>
             <a:r>
               <a:rPr/>
-              <a:t>Break #2</a:t>
-            </a:r>
-          </a:p>
-        </p:txBody>
-      </p:sp>
-      <p:sp>
-        <p:nvSpPr>
-          <p:cNvPr id="3" name="Content Placeholder 2"/>
-          <p:cNvSpPr>
-            <a:spLocks noGrp="1"/>
-          </p:cNvSpPr>
-          <p:nvPr>
-            <p:ph idx="1"/>
-          </p:nvPr>
-        </p:nvSpPr>
-        <p:spPr/>
-        <p:txBody>
-          <a:bodyPr/>
-          <a:lstStyle/>
-          <a:p>
-            <a:pPr lvl="0"/>
-            <a:r>
-              <a:rPr/>
-              <a:t>What you have learned</a:t>
-            </a:r>
-          </a:p>
-          <a:p>
-            <a:pPr lvl="1"/>
-            <a:r>
-              <a:rPr/>
-              <a:t>Purposes of the bootstrap</a:t>
-            </a:r>
-          </a:p>
-          <a:p>
-            <a:pPr lvl="0"/>
-            <a:r>
-              <a:rPr/>
-              <a:t>What’s coming next</a:t>
-            </a:r>
-          </a:p>
-          <a:p>
-            <a:pPr lvl="1"/>
-            <a:r>
-              <a:rPr/>
-              <a:t>Mechanics</a:t>
-            </a:r>
-          </a:p>
-        </p:txBody>
-      </p:sp>
+              <a:t>Percentiles with acceleration adjustment</a:t>
+            </a:r>
+          </a:p>
+        </p:txBody>
+      </p:sp>
+      <p:pic>
+        <p:nvPicPr>
+          <p:cNvPr descr="bootstrap-slides_files/figure-pptx/unnamed-chunk-6-1.png" id="0" name="Picture 1"/>
+          <p:cNvPicPr>
+            <a:picLocks noGrp="1" noChangeAspect="1"/>
+          </p:cNvPicPr>
+          <p:nvPr/>
+        </p:nvPicPr>
+        <p:blipFill>
+          <a:blip r:embed="rId2"/>
+          <a:stretch>
+            <a:fillRect/>
+          </a:stretch>
+        </p:blipFill>
+        <p:spPr bwMode="auto">
+          <a:xfrm>
+            <a:off x="2451100" y="1193800"/>
+            <a:ext cx="4241800" cy="3390900"/>
+          </a:xfrm>
+          <a:prstGeom prst="rect">
+            <a:avLst/>
+          </a:prstGeom>
+          <a:noFill/>
+          <a:ln w="9525">
+            <a:noFill/>
+            <a:headEnd/>
+            <a:tailEnd/>
+          </a:ln>
+        </p:spPr>
+      </p:pic>
     </p:spTree>
   </p:cSld>
 </p:sld>
@@ -10221,31 +10446,6 @@
       </p:grpSpPr>
       <p:sp>
         <p:nvSpPr>
-          <p:cNvPr id="2" name="Title 1"/>
-          <p:cNvSpPr>
-            <a:spLocks noGrp="1"/>
-          </p:cNvSpPr>
-          <p:nvPr>
-            <p:ph type="title"/>
-          </p:nvPr>
-        </p:nvSpPr>
-        <p:spPr/>
-        <p:txBody>
-          <a:bodyPr/>
-          <a:lstStyle/>
-          <a:p>
-            <a:pPr lvl="0" indent="0" marL="0">
-              <a:buNone/>
-            </a:pPr>
-            <a:r>
-              <a:rPr/>
-              <a:t>Mechanics</a:t>
-            </a:r>
-          </a:p>
-        </p:txBody>
-      </p:sp>
-      <p:sp>
-        <p:nvSpPr>
           <p:cNvPr id="3" name="Content Placeholder 2"/>
           <p:cNvSpPr>
             <a:spLocks noGrp="1"/>
@@ -10259,60 +10459,9 @@
           <a:bodyPr/>
           <a:lstStyle/>
           <a:p>
-            <a:pPr lvl="0"/>
-            <a:r>
-              <a:rPr/>
-              <a:t>Resampling</a:t>
-            </a:r>
-          </a:p>
-          <a:p>
-            <a:pPr lvl="0"/>
-            <a:r>
-              <a:rPr/>
-              <a:t>Bootstrap estimates</a:t>
-            </a:r>
-          </a:p>
-          <a:p>
-            <a:pPr lvl="0"/>
-            <a:r>
-              <a:rPr/>
-              <a:t>Bias calculation</a:t>
-            </a:r>
-          </a:p>
-          <a:p>
-            <a:pPr lvl="0"/>
-            <a:r>
-              <a:rPr/>
-              <a:t>Standard error calculation</a:t>
-            </a:r>
-          </a:p>
-          <a:p>
-            <a:pPr lvl="0"/>
-            <a:r>
-              <a:rPr/>
-              <a:t>Confidence interval</a:t>
-            </a:r>
-          </a:p>
-          <a:p>
-            <a:pPr lvl="1"/>
-            <a:r>
-              <a:rPr/>
-              <a:t>Percentile method</a:t>
-            </a:r>
-          </a:p>
-          <a:p>
-            <a:pPr lvl="1"/>
-            <a:r>
-              <a:rPr/>
-              <a:t>Bias corrected and adjusted method</a:t>
-            </a:r>
-          </a:p>
-          <a:p>
-            <a:pPr lvl="0"/>
-            <a:r>
-              <a:rPr/>
-              <a:t>Hypothesis tests</a:t>
-            </a:r>
+            <a:pPr lvl="0" indent="0" marL="0">
+              <a:buNone/>
+            </a:pPr>
           </a:p>
         </p:txBody>
       </p:sp>
@@ -10358,55 +10507,193 @@
             </a:pPr>
             <a:r>
               <a:rPr/>
-              <a:t>Break #3</a:t>
-            </a:r>
-          </a:p>
-        </p:txBody>
-      </p:sp>
-      <p:sp>
-        <p:nvSpPr>
-          <p:cNvPr id="3" name="Content Placeholder 2"/>
-          <p:cNvSpPr>
-            <a:spLocks noGrp="1"/>
-          </p:cNvSpPr>
-          <p:nvPr>
-            <p:ph idx="1"/>
-          </p:nvPr>
-        </p:nvSpPr>
-        <p:spPr/>
-        <p:txBody>
-          <a:bodyPr/>
-          <a:lstStyle/>
-          <a:p>
-            <a:pPr lvl="0"/>
-            <a:r>
-              <a:rPr/>
-              <a:t>What have you learned</a:t>
-            </a:r>
-          </a:p>
-          <a:p>
-            <a:pPr lvl="1"/>
-            <a:r>
-              <a:rPr/>
-              <a:t>Mechanics</a:t>
-            </a:r>
-          </a:p>
-          <a:p>
-            <a:pPr lvl="0"/>
-            <a:r>
-              <a:rPr/>
-              <a:t>What’s coming next</a:t>
-            </a:r>
-          </a:p>
-          <a:p>
-            <a:pPr lvl="1"/>
-            <a:r>
-              <a:rPr/>
-              <a:t>Software</a:t>
-            </a:r>
-          </a:p>
-        </p:txBody>
-      </p:sp>
+              <a:t>Test hypotheses</a:t>
+            </a:r>
+          </a:p>
+        </p:txBody>
+      </p:sp>
+      <mc:AlternateContent xmlns:mc="http://schemas.openxmlformats.org/markup-compatibility/2006">
+        <mc:Choice xmlns:a14="http://schemas.microsoft.com/office/drawing/2010/main" Requires="a14">
+          <p:sp>
+            <p:nvSpPr>
+              <p:cNvPr id="3" name="Content Placeholder 2"/>
+              <p:cNvSpPr>
+                <a:spLocks noGrp="1"/>
+              </p:cNvSpPr>
+              <p:nvPr>
+                <p:ph idx="1"/>
+              </p:nvPr>
+            </p:nvSpPr>
+            <p:spPr/>
+            <p:txBody>
+              <a:bodyPr/>
+              <a:lstStyle/>
+              <a:p>
+                <a:pPr lvl="0"/>
+                <a:r>
+                  <a:rPr/>
+                  <a:t>Test</a:t>
+                </a:r>
+              </a:p>
+              <a:p>
+                <a:pPr lvl="1"/>
+                <a14:m>
+                  <m:oMath xmlns:m="http://schemas.openxmlformats.org/officeDocument/2006/math">
+                    <m:sSub>
+                      <m:e>
+                        <m:r>
+                          <m:t>H</m:t>
+                        </m:r>
+                      </m:e>
+                      <m:sub>
+                        <m:r>
+                          <m:t>0</m:t>
+                        </m:r>
+                      </m:sub>
+                    </m:sSub>
+                    <m:r>
+                      <m:rPr>
+                        <m:sty m:val="p"/>
+                      </m:rPr>
+                      <m:t>:</m:t>
+                    </m:r>
+                    <m:r>
+                      <m:t> </m:t>
+                    </m:r>
+                    <m:r>
+                      <m:t>θ</m:t>
+                    </m:r>
+                    <m:r>
+                      <m:rPr>
+                        <m:sty m:val="p"/>
+                      </m:rPr>
+                      <m:t>=</m:t>
+                    </m:r>
+                    <m:r>
+                      <m:t>0</m:t>
+                    </m:r>
+                  </m:oMath>
+                </a14:m>
+              </a:p>
+              <a:p>
+                <a:pPr lvl="1"/>
+                <a14:m>
+                  <m:oMath xmlns:m="http://schemas.openxmlformats.org/officeDocument/2006/math">
+                    <m:sSub>
+                      <m:e>
+                        <m:r>
+                          <m:t>H</m:t>
+                        </m:r>
+                      </m:e>
+                      <m:sub>
+                        <m:r>
+                          <m:t>1</m:t>
+                        </m:r>
+                      </m:sub>
+                    </m:sSub>
+                    <m:r>
+                      <m:rPr>
+                        <m:sty m:val="p"/>
+                      </m:rPr>
+                      <m:t>:</m:t>
+                    </m:r>
+                    <m:r>
+                      <m:t> </m:t>
+                    </m:r>
+                    <m:r>
+                      <m:t>θ</m:t>
+                    </m:r>
+                    <m:r>
+                      <m:rPr>
+                        <m:sty m:val="p"/>
+                      </m:rPr>
+                      <m:t>&gt;</m:t>
+                    </m:r>
+                    <m:r>
+                      <m:t>0</m:t>
+                    </m:r>
+                  </m:oMath>
+                </a14:m>
+              </a:p>
+              <a:p>
+                <a:pPr lvl="0"/>
+                <a:r>
+                  <a:rPr/>
+                  <a:t>Reject </a:t>
+                </a:r>
+                <a14:m>
+                  <m:oMath xmlns:m="http://schemas.openxmlformats.org/officeDocument/2006/math">
+                    <m:sSub>
+                      <m:e>
+                        <m:r>
+                          <m:t>H</m:t>
+                        </m:r>
+                      </m:e>
+                      <m:sub>
+                        <m:r>
+                          <m:t>0</m:t>
+                        </m:r>
+                      </m:sub>
+                    </m:sSub>
+                  </m:oMath>
+                </a14:m>
+                <a:r>
+                  <a:rPr/>
+                  <a:t> if more than 1-</a:t>
+                </a:r>
+                <a14:m>
+                  <m:oMath xmlns:m="http://schemas.openxmlformats.org/officeDocument/2006/math">
+                    <m:r>
+                      <m:t>α</m:t>
+                    </m:r>
+                  </m:oMath>
+                </a14:m>
+                <a:r>
+                  <a:rPr/>
+                  <a:t> of the </a:t>
+                </a:r>
+                <a14:m>
+                  <m:oMath xmlns:m="http://schemas.openxmlformats.org/officeDocument/2006/math">
+                    <m:sSup>
+                      <m:e>
+                        <m:acc>
+                          <m:accPr>
+                            <m:chr m:val="̂"/>
+                          </m:accPr>
+                          <m:e>
+                            <m:r>
+                              <m:t>θ</m:t>
+                            </m:r>
+                          </m:e>
+                        </m:acc>
+                      </m:e>
+                      <m:sup>
+                        <m:d>
+                          <m:dPr>
+                            <m:begChr m:val="("/>
+                            <m:endChr m:val=")"/>
+                            <m:sepChr m:val=""/>
+                            <m:grow/>
+                          </m:dPr>
+                          <m:e>
+                            <m:r>
+                              <m:t>b</m:t>
+                            </m:r>
+                          </m:e>
+                        </m:d>
+                      </m:sup>
+                    </m:sSup>
+                  </m:oMath>
+                </a14:m>
+                <a:r>
+                  <a:rPr/>
+                  <a:t>’s are greater than 0.</a:t>
+                </a:r>
+              </a:p>
+            </p:txBody>
+          </p:sp>
+        </mc:Choice>
+      </mc:AlternateContent>
     </p:spTree>
   </p:cSld>
 </p:sld>
@@ -10449,7 +10736,51 @@
             </a:pPr>
             <a:r>
               <a:rPr/>
-              <a:t>Software</a:t>
+              <a:t>Break #2</a:t>
+            </a:r>
+          </a:p>
+        </p:txBody>
+      </p:sp>
+      <p:sp>
+        <p:nvSpPr>
+          <p:cNvPr id="3" name="Content Placeholder 2"/>
+          <p:cNvSpPr>
+            <a:spLocks noGrp="1"/>
+          </p:cNvSpPr>
+          <p:nvPr>
+            <p:ph idx="1"/>
+          </p:nvPr>
+        </p:nvSpPr>
+        <p:spPr/>
+        <p:txBody>
+          <a:bodyPr/>
+          <a:lstStyle/>
+          <a:p>
+            <a:pPr lvl="0"/>
+            <a:r>
+              <a:rPr/>
+              <a:t>What you have learned</a:t>
+            </a:r>
+          </a:p>
+          <a:p>
+            <a:pPr lvl="1"/>
+            <a:r>
+              <a:rPr/>
+              <a:t>Purposes of the bootstrap</a:t>
+            </a:r>
+          </a:p>
+          <a:p>
+            <a:pPr lvl="0"/>
+            <a:r>
+              <a:rPr/>
+              <a:t>What’s coming next</a:t>
+            </a:r>
+          </a:p>
+          <a:p>
+            <a:pPr lvl="1"/>
+            <a:r>
+              <a:rPr/>
+              <a:t>Mechanics</a:t>
             </a:r>
           </a:p>
         </p:txBody>
@@ -10496,7 +10827,7 @@
             </a:pPr>
             <a:r>
               <a:rPr/>
-              <a:t>Special issues</a:t>
+              <a:t>Mechanics</a:t>
             </a:r>
           </a:p>
         </p:txBody>
@@ -10519,14 +10850,56 @@
             <a:pPr lvl="0"/>
             <a:r>
               <a:rPr/>
-              <a:t>Time series</a:t>
+              <a:t>Resampling</a:t>
             </a:r>
           </a:p>
           <a:p>
             <a:pPr lvl="0"/>
             <a:r>
               <a:rPr/>
-              <a:t>Regression models</a:t>
+              <a:t>Bootstrap estimates</a:t>
+            </a:r>
+          </a:p>
+          <a:p>
+            <a:pPr lvl="0"/>
+            <a:r>
+              <a:rPr/>
+              <a:t>Bias calculation</a:t>
+            </a:r>
+          </a:p>
+          <a:p>
+            <a:pPr lvl="0"/>
+            <a:r>
+              <a:rPr/>
+              <a:t>Standard error calculation</a:t>
+            </a:r>
+          </a:p>
+          <a:p>
+            <a:pPr lvl="0"/>
+            <a:r>
+              <a:rPr/>
+              <a:t>Confidence interval</a:t>
+            </a:r>
+          </a:p>
+          <a:p>
+            <a:pPr lvl="1"/>
+            <a:r>
+              <a:rPr/>
+              <a:t>Percentile method</a:t>
+            </a:r>
+          </a:p>
+          <a:p>
+            <a:pPr lvl="1"/>
+            <a:r>
+              <a:rPr/>
+              <a:t>Bias corrected and adjusted method</a:t>
+            </a:r>
+          </a:p>
+          <a:p>
+            <a:pPr lvl="0"/>
+            <a:r>
+              <a:rPr/>
+              <a:t>Hypothesis tests</a:t>
             </a:r>
           </a:p>
         </p:txBody>
@@ -10644,6 +11017,221 @@
 </file>
 
 <file path=ppt/slides/slide40.xml><?xml version="1.0" encoding="utf-8"?>
+<p:sld xmlns:a="http://schemas.openxmlformats.org/drawingml/2006/main" xmlns:r="http://schemas.openxmlformats.org/officeDocument/2006/relationships" xmlns:p="http://schemas.openxmlformats.org/presentationml/2006/main">
+  <p:cSld>
+    <p:spTree>
+      <p:nvGrpSpPr>
+        <p:cNvPr id="1" name=""/>
+        <p:cNvGrpSpPr/>
+        <p:nvPr/>
+      </p:nvGrpSpPr>
+      <p:grpSpPr>
+        <a:xfrm>
+          <a:off x="0" y="0"/>
+          <a:ext cx="0" cy="0"/>
+          <a:chOff x="0" y="0"/>
+          <a:chExt cx="0" cy="0"/>
+        </a:xfrm>
+      </p:grpSpPr>
+      <p:sp>
+        <p:nvSpPr>
+          <p:cNvPr id="2" name="Title 1"/>
+          <p:cNvSpPr>
+            <a:spLocks noGrp="1"/>
+          </p:cNvSpPr>
+          <p:nvPr>
+            <p:ph type="title"/>
+          </p:nvPr>
+        </p:nvSpPr>
+        <p:spPr/>
+        <p:txBody>
+          <a:bodyPr/>
+          <a:lstStyle/>
+          <a:p>
+            <a:pPr lvl="0" indent="0" marL="0">
+              <a:buNone/>
+            </a:pPr>
+            <a:r>
+              <a:rPr/>
+              <a:t>Break #3</a:t>
+            </a:r>
+          </a:p>
+        </p:txBody>
+      </p:sp>
+      <p:sp>
+        <p:nvSpPr>
+          <p:cNvPr id="3" name="Content Placeholder 2"/>
+          <p:cNvSpPr>
+            <a:spLocks noGrp="1"/>
+          </p:cNvSpPr>
+          <p:nvPr>
+            <p:ph idx="1"/>
+          </p:nvPr>
+        </p:nvSpPr>
+        <p:spPr/>
+        <p:txBody>
+          <a:bodyPr/>
+          <a:lstStyle/>
+          <a:p>
+            <a:pPr lvl="0"/>
+            <a:r>
+              <a:rPr/>
+              <a:t>What have you learned</a:t>
+            </a:r>
+          </a:p>
+          <a:p>
+            <a:pPr lvl="1"/>
+            <a:r>
+              <a:rPr/>
+              <a:t>Mechanics</a:t>
+            </a:r>
+          </a:p>
+          <a:p>
+            <a:pPr lvl="0"/>
+            <a:r>
+              <a:rPr/>
+              <a:t>What’s coming next</a:t>
+            </a:r>
+          </a:p>
+          <a:p>
+            <a:pPr lvl="1"/>
+            <a:r>
+              <a:rPr/>
+              <a:t>Software</a:t>
+            </a:r>
+          </a:p>
+        </p:txBody>
+      </p:sp>
+    </p:spTree>
+  </p:cSld>
+</p:sld>
+</file>
+
+<file path=ppt/slides/slide41.xml><?xml version="1.0" encoding="utf-8"?>
+<p:sld xmlns:a="http://schemas.openxmlformats.org/drawingml/2006/main" xmlns:r="http://schemas.openxmlformats.org/officeDocument/2006/relationships" xmlns:p="http://schemas.openxmlformats.org/presentationml/2006/main">
+  <p:cSld>
+    <p:spTree>
+      <p:nvGrpSpPr>
+        <p:cNvPr id="1" name=""/>
+        <p:cNvGrpSpPr/>
+        <p:nvPr/>
+      </p:nvGrpSpPr>
+      <p:grpSpPr>
+        <a:xfrm>
+          <a:off x="0" y="0"/>
+          <a:ext cx="0" cy="0"/>
+          <a:chOff x="0" y="0"/>
+          <a:chExt cx="0" cy="0"/>
+        </a:xfrm>
+      </p:grpSpPr>
+      <p:sp>
+        <p:nvSpPr>
+          <p:cNvPr id="2" name="Title 1"/>
+          <p:cNvSpPr>
+            <a:spLocks noGrp="1"/>
+          </p:cNvSpPr>
+          <p:nvPr>
+            <p:ph type="title"/>
+          </p:nvPr>
+        </p:nvSpPr>
+        <p:spPr/>
+        <p:txBody>
+          <a:bodyPr/>
+          <a:lstStyle/>
+          <a:p>
+            <a:pPr lvl="0" indent="0" marL="0">
+              <a:buNone/>
+            </a:pPr>
+            <a:r>
+              <a:rPr/>
+              <a:t>Software</a:t>
+            </a:r>
+          </a:p>
+        </p:txBody>
+      </p:sp>
+    </p:spTree>
+  </p:cSld>
+</p:sld>
+</file>
+
+<file path=ppt/slides/slide42.xml><?xml version="1.0" encoding="utf-8"?>
+<p:sld xmlns:a="http://schemas.openxmlformats.org/drawingml/2006/main" xmlns:r="http://schemas.openxmlformats.org/officeDocument/2006/relationships" xmlns:p="http://schemas.openxmlformats.org/presentationml/2006/main">
+  <p:cSld>
+    <p:spTree>
+      <p:nvGrpSpPr>
+        <p:cNvPr id="1" name=""/>
+        <p:cNvGrpSpPr/>
+        <p:nvPr/>
+      </p:nvGrpSpPr>
+      <p:grpSpPr>
+        <a:xfrm>
+          <a:off x="0" y="0"/>
+          <a:ext cx="0" cy="0"/>
+          <a:chOff x="0" y="0"/>
+          <a:chExt cx="0" cy="0"/>
+        </a:xfrm>
+      </p:grpSpPr>
+      <p:sp>
+        <p:nvSpPr>
+          <p:cNvPr id="2" name="Title 1"/>
+          <p:cNvSpPr>
+            <a:spLocks noGrp="1"/>
+          </p:cNvSpPr>
+          <p:nvPr>
+            <p:ph type="title"/>
+          </p:nvPr>
+        </p:nvSpPr>
+        <p:spPr/>
+        <p:txBody>
+          <a:bodyPr/>
+          <a:lstStyle/>
+          <a:p>
+            <a:pPr lvl="0" indent="0" marL="0">
+              <a:buNone/>
+            </a:pPr>
+            <a:r>
+              <a:rPr/>
+              <a:t>Special issues</a:t>
+            </a:r>
+          </a:p>
+        </p:txBody>
+      </p:sp>
+      <p:sp>
+        <p:nvSpPr>
+          <p:cNvPr id="3" name="Content Placeholder 2"/>
+          <p:cNvSpPr>
+            <a:spLocks noGrp="1"/>
+          </p:cNvSpPr>
+          <p:nvPr>
+            <p:ph idx="1"/>
+          </p:nvPr>
+        </p:nvSpPr>
+        <p:spPr/>
+        <p:txBody>
+          <a:bodyPr/>
+          <a:lstStyle/>
+          <a:p>
+            <a:pPr lvl="0"/>
+            <a:r>
+              <a:rPr/>
+              <a:t>Time series</a:t>
+            </a:r>
+          </a:p>
+          <a:p>
+            <a:pPr lvl="0"/>
+            <a:r>
+              <a:rPr/>
+              <a:t>Regression models</a:t>
+            </a:r>
+          </a:p>
+        </p:txBody>
+      </p:sp>
+    </p:spTree>
+  </p:cSld>
+</p:sld>
+</file>
+
+<file path=ppt/slides/slide43.xml><?xml version="1.0" encoding="utf-8"?>
 <p:sld xmlns:a="http://schemas.openxmlformats.org/drawingml/2006/main" xmlns:r="http://schemas.openxmlformats.org/officeDocument/2006/relationships" xmlns:p="http://schemas.openxmlformats.org/presentationml/2006/main">
   <p:cSld>
     <p:spTree>

--- a/bootstrap/src/bootstrap-slides.pptx
+++ b/bootstrap/src/bootstrap-slides.pptx
@@ -5,7 +5,7 @@
     <p:sldMasterId id="2147483648" r:id="rId1"/>
   </p:sldMasterIdLst>
   <p:notesMasterIdLst>
-    <p:notesMasterId r:id="rId45"/>
+    <p:notesMasterId r:id="rId66"/>
   </p:notesMasterIdLst>
   <p:sldIdLst>
     <p:sldId id="256" r:id="rId2"/>
@@ -51,6 +51,27 @@
     <p:sldId id="296" r:id="rId42"/>
     <p:sldId id="297" r:id="rId43"/>
     <p:sldId id="298" r:id="rId44"/>
+    <p:sldId id="299" r:id="rId45"/>
+    <p:sldId id="300" r:id="rId46"/>
+    <p:sldId id="301" r:id="rId47"/>
+    <p:sldId id="302" r:id="rId48"/>
+    <p:sldId id="303" r:id="rId49"/>
+    <p:sldId id="304" r:id="rId50"/>
+    <p:sldId id="305" r:id="rId51"/>
+    <p:sldId id="306" r:id="rId52"/>
+    <p:sldId id="307" r:id="rId53"/>
+    <p:sldId id="308" r:id="rId54"/>
+    <p:sldId id="309" r:id="rId55"/>
+    <p:sldId id="310" r:id="rId56"/>
+    <p:sldId id="311" r:id="rId57"/>
+    <p:sldId id="312" r:id="rId58"/>
+    <p:sldId id="313" r:id="rId59"/>
+    <p:sldId id="314" r:id="rId60"/>
+    <p:sldId id="315" r:id="rId61"/>
+    <p:sldId id="316" r:id="rId62"/>
+    <p:sldId id="317" r:id="rId63"/>
+    <p:sldId id="318" r:id="rId64"/>
+    <p:sldId id="319" r:id="rId65"/>
   </p:sldIdLst>
   <p:sldSz cx="9144000" cy="5143500" type="screen16x9"/>
   <p:notesSz cx="6858000" cy="9144000"/>
@@ -1254,21 +1275,7 @@
             </a:pPr>
             <a:r>
               <a:rPr/>
-              <a:t>For all of the proposed uses of the bootstrap, you start with an estimate based on the full dataset. Call that estimate theta-hat.</a:t>
-            </a:r>
-          </a:p>
-          <a:p>
-            <a:pPr lvl="0" indent="0" marL="0">
-              <a:buNone/>
-            </a:pPr>
-          </a:p>
-          <a:p>
-            <a:pPr lvl="0" indent="0" marL="0">
-              <a:buNone/>
-            </a:pPr>
-            <a:r>
-              <a:rPr/>
-              <a:t>Then for each bootstrap sample, you calculate the same estimate.</a:t>
+              <a:t>I want to show the algorithms used in bootstrapping. These fall into four categories: estimating bias, calculating standard errors, computing confidence intervals, and testing hypotheses.</a:t>
             </a:r>
           </a:p>
         </p:txBody>
@@ -1290,7 +1297,7 @@
           <a:p>
             <a:fld id="{18BDFEC3-8487-43E8-A154-7C12CBC1FFF2}" type="slidenum">
               <a:rPr lang="en-US"/>
-              <a:t>23</a:t>
+              <a:t>22</a:t>
             </a:fld>
             <a:endParaRPr lang="en-US"/>
           </a:p>
@@ -1350,49 +1357,21 @@
             </a:pPr>
             <a:r>
               <a:rPr/>
-              <a:t>To estimate bias, see how much the average of the bootstrapped estimates differs from the estimate based on the full sample.</a:t>
-            </a:r>
-          </a:p>
-          <a:p>
-            <a:pPr lvl="0" indent="0" marL="0">
-              <a:buNone/>
-            </a:pPr>
-          </a:p>
-          <a:p>
-            <a:pPr lvl="0" indent="0" marL="0">
-              <a:buNone/>
-            </a:pPr>
-            <a:r>
-              <a:rPr/>
-              <a:t>For what it’s worth, many people (including myself) consider concerns about bias to be overblown. There are times when a biased estimate can be quite serious, especially if the bias is caused by a flaw in the sampling process. But debates about whether you should divide n versus n-1 in the formula for variance are a bit silly.</a:t>
-            </a:r>
-          </a:p>
-          <a:p>
-            <a:pPr lvl="0" indent="0" marL="0">
-              <a:buNone/>
-            </a:pPr>
-          </a:p>
-          <a:p>
-            <a:pPr lvl="0" indent="0" marL="0">
-              <a:buNone/>
-            </a:pPr>
-            <a:r>
-              <a:rPr/>
-              <a:t>Furthermore, a small amount of bias in an estimator may be worth it if you can get less sampling error in return.</a:t>
-            </a:r>
-          </a:p>
-          <a:p>
-            <a:pPr lvl="0" indent="0" marL="0">
-              <a:buNone/>
-            </a:pPr>
-          </a:p>
-          <a:p>
-            <a:pPr lvl="0" indent="0" marL="0">
-              <a:buNone/>
-            </a:pPr>
-            <a:r>
-              <a:rPr/>
-              <a:t>There’s no correct answer about if and when you should adjust for bias, but I am presenting it here as a simple application of the bootstrap. In all candor, the use of the bootstrap for calculating standard errors, computing confidence intervals, and testing hypotheses are far more common uses of the bootstrap.</a:t>
+              <a:t>For all of the proposed uses of the bootstrap, you start with an estimate based on the full dataset. Call that estimate theta-hat.</a:t>
+            </a:r>
+          </a:p>
+          <a:p>
+            <a:pPr lvl="0" indent="0" marL="0">
+              <a:buNone/>
+            </a:pPr>
+          </a:p>
+          <a:p>
+            <a:pPr lvl="0" indent="0" marL="0">
+              <a:buNone/>
+            </a:pPr>
+            <a:r>
+              <a:rPr/>
+              <a:t>Then for each bootstrap sample, you calculate the same estimate.</a:t>
             </a:r>
           </a:p>
         </p:txBody>
@@ -1414,7 +1393,7 @@
           <a:p>
             <a:fld id="{18BDFEC3-8487-43E8-A154-7C12CBC1FFF2}" type="slidenum">
               <a:rPr lang="en-US"/>
-              <a:t>24</a:t>
+              <a:t>23</a:t>
             </a:fld>
             <a:endParaRPr lang="en-US"/>
           </a:p>
@@ -1474,35 +1453,49 @@
             </a:pPr>
             <a:r>
               <a:rPr/>
-              <a:t>You can use the standard deviation of the bootstrapped estimates as an estimate of the standard error of your statistic.</a:t>
-            </a:r>
-          </a:p>
-          <a:p>
-            <a:pPr lvl="0" indent="0" marL="0">
-              <a:buNone/>
-            </a:pPr>
-          </a:p>
-          <a:p>
-            <a:pPr lvl="0" indent="0" marL="0">
-              <a:buNone/>
-            </a:pPr>
-            <a:r>
-              <a:rPr/>
-              <a:t>We’ll talk next about confidence intervals and hypothesis tests. But the question arises: why would you want a bootstrap estimate of the standard error if not to use it in a confidence interval or a hypothesis test?</a:t>
-            </a:r>
-          </a:p>
-          <a:p>
-            <a:pPr lvl="0" indent="0" marL="0">
-              <a:buNone/>
-            </a:pPr>
-          </a:p>
-          <a:p>
-            <a:pPr lvl="0" indent="0" marL="0">
-              <a:buNone/>
-            </a:pPr>
-            <a:r>
-              <a:rPr/>
-              <a:t>Perhaps there is some value in getting the standard error using a classic approach and comparing it to the bootstrap estimate of the standard error. If the two are close, that gives you some reassurance that the classic approach is appropriate. If they differ, then examine things like whether the sample size is large enough to justify the normal approximation or if other assumptions that you need are justifiable.</a:t>
+              <a:t>To estimate bias, see how much the average of the bootstrapped estimates differs from the estimate based on the full sample.</a:t>
+            </a:r>
+          </a:p>
+          <a:p>
+            <a:pPr lvl="0" indent="0" marL="0">
+              <a:buNone/>
+            </a:pPr>
+          </a:p>
+          <a:p>
+            <a:pPr lvl="0" indent="0" marL="0">
+              <a:buNone/>
+            </a:pPr>
+            <a:r>
+              <a:rPr/>
+              <a:t>For what it’s worth, many people (including myself) consider concerns about bias to be overblown. There are times when a biased estimate can be quite serious, especially if the bias is caused by a flaw in the sampling process. But debates about whether you should divide n versus n-1 in the formula for variance are a bit silly.</a:t>
+            </a:r>
+          </a:p>
+          <a:p>
+            <a:pPr lvl="0" indent="0" marL="0">
+              <a:buNone/>
+            </a:pPr>
+          </a:p>
+          <a:p>
+            <a:pPr lvl="0" indent="0" marL="0">
+              <a:buNone/>
+            </a:pPr>
+            <a:r>
+              <a:rPr/>
+              <a:t>Furthermore, a small amount of bias in an estimator may be worth it if you can get less sampling error in return.</a:t>
+            </a:r>
+          </a:p>
+          <a:p>
+            <a:pPr lvl="0" indent="0" marL="0">
+              <a:buNone/>
+            </a:pPr>
+          </a:p>
+          <a:p>
+            <a:pPr lvl="0" indent="0" marL="0">
+              <a:buNone/>
+            </a:pPr>
+            <a:r>
+              <a:rPr/>
+              <a:t>There’s no correct answer about if and when you should adjust for bias, but I am presenting it here as a simple application of the bootstrap. In all candor, the use of the bootstrap for calculating standard errors, computing confidence intervals, and testing hypotheses are far more common uses of the bootstrap.</a:t>
             </a:r>
           </a:p>
         </p:txBody>
@@ -1524,7 +1517,7 @@
           <a:p>
             <a:fld id="{18BDFEC3-8487-43E8-A154-7C12CBC1FFF2}" type="slidenum">
               <a:rPr lang="en-US"/>
-              <a:t>25</a:t>
+              <a:t>24</a:t>
             </a:fld>
             <a:endParaRPr lang="en-US"/>
           </a:p>
@@ -1584,77 +1577,35 @@
             </a:pPr>
             <a:r>
               <a:rPr/>
-              <a:t>Every reference that I reviewed showed these equations and immediately apologized for their complexity. There appears to be little intuition that you can discern from these formulas. The formula for z-hat-0 is a bit easier to follow, perhaps. It is an adjustment for bias.</a:t>
-            </a:r>
-          </a:p>
-          <a:p>
-            <a:pPr lvl="0" indent="0" marL="0">
-              <a:buNone/>
-            </a:pPr>
-          </a:p>
-          <a:p>
-            <a:pPr lvl="0" indent="0" marL="0">
-              <a:buNone/>
-            </a:pPr>
-            <a:r>
-              <a:rPr/>
-              <a:t>The formula for a-hat is a bit trickier. Notice that it involves deviations from the mean raised to the third power, which seems to be akin to a measure of skewness.</a:t>
-            </a:r>
-          </a:p>
-          <a:p>
-            <a:pPr lvl="0" indent="0" marL="0">
-              <a:buNone/>
-            </a:pPr>
-          </a:p>
-          <a:p>
-            <a:pPr lvl="0" indent="0" marL="0">
-              <a:buNone/>
-            </a:pPr>
-            <a:r>
-              <a:rPr/>
-              <a:t>Dr. Efron refers to it as an acceleration, because it relates to the second derivative of the score function. Don’t ask me what the score function represents. Also don’t ask me why the acceleration relies on a jackknife sample rather than a bootstrap sample.</a:t>
-            </a:r>
-          </a:p>
-          <a:p>
-            <a:pPr lvl="0" indent="0" marL="0">
-              <a:buNone/>
-            </a:pPr>
-          </a:p>
-          <a:p>
-            <a:pPr lvl="0" indent="0" marL="0">
-              <a:buNone/>
-            </a:pPr>
-            <a:r>
-              <a:rPr/>
-              <a:t>Remember that in Calculus, the first derivative is analogous to speed and the second derivative is analogous to acceleration.</a:t>
-            </a:r>
-          </a:p>
-          <a:p>
-            <a:pPr lvl="0" indent="0" marL="0">
-              <a:buNone/>
-            </a:pPr>
-          </a:p>
-          <a:p>
-            <a:pPr lvl="0" indent="0" marL="0">
-              <a:buNone/>
-            </a:pPr>
-            <a:r>
-              <a:rPr/>
-              <a:t>If z-hat-sub-0 is equal to zero, there is no adjustment to the confidence interval based on bias.</a:t>
-            </a:r>
-          </a:p>
-          <a:p>
-            <a:pPr lvl="0" indent="0" marL="0">
-              <a:buNone/>
-            </a:pPr>
-          </a:p>
-          <a:p>
-            <a:pPr lvl="0" indent="0" marL="0">
-              <a:buNone/>
-            </a:pPr>
-            <a:r>
-              <a:rPr/>
-              <a:t>If a-hat is equal to zero, there is no adjustment to the confidence interval based on skewness.</a:t>
+              <a:t>You can use the standard deviation of the bootstrapped estimates as an estimate of the standard error of your statistic.</a:t>
+            </a:r>
+          </a:p>
+          <a:p>
+            <a:pPr lvl="0" indent="0" marL="0">
+              <a:buNone/>
+            </a:pPr>
+          </a:p>
+          <a:p>
+            <a:pPr lvl="0" indent="0" marL="0">
+              <a:buNone/>
+            </a:pPr>
+            <a:r>
+              <a:rPr/>
+              <a:t>We’ll talk next about confidence intervals and hypothesis tests. But the question arises: why would you want a bootstrap estimate of the standard error if not to use it in a confidence interval or a hypothesis test?</a:t>
+            </a:r>
+          </a:p>
+          <a:p>
+            <a:pPr lvl="0" indent="0" marL="0">
+              <a:buNone/>
+            </a:pPr>
+          </a:p>
+          <a:p>
+            <a:pPr lvl="0" indent="0" marL="0">
+              <a:buNone/>
+            </a:pPr>
+            <a:r>
+              <a:rPr/>
+              <a:t>Perhaps there is some value in getting the standard error using a classic approach and comparing it to the bootstrap estimate of the standard error. If the two are close, that gives you some reassurance that the classic approach is appropriate. If they differ, then examine things like whether the sample size is large enough to justify the normal approximation or if other assumptions that you need are justifiable.</a:t>
             </a:r>
           </a:p>
         </p:txBody>
@@ -1676,7 +1627,7 @@
           <a:p>
             <a:fld id="{18BDFEC3-8487-43E8-A154-7C12CBC1FFF2}" type="slidenum">
               <a:rPr lang="en-US"/>
-              <a:t>29</a:t>
+              <a:t>25</a:t>
             </a:fld>
             <a:endParaRPr lang="en-US"/>
           </a:p>
@@ -1736,7 +1687,21 @@
             </a:pPr>
             <a:r>
               <a:rPr/>
-              <a:t>The percentiles that you select from the bootstrap distribution are no longer at alpha/2 and 1-alpha/2, but are moved to account for bias and skewness in the bootstrap distribution.</a:t>
+              <a:t>Once you have a standard error, the simplest confidence interval is going use the bootstrap estimate plus or minus a percentile from the standard normal distribution times the bootstrap standard deviation.</a:t>
+            </a:r>
+          </a:p>
+          <a:p>
+            <a:pPr lvl="0" indent="0" marL="0">
+              <a:buNone/>
+            </a:pPr>
+          </a:p>
+          <a:p>
+            <a:pPr lvl="0" indent="0" marL="0">
+              <a:buNone/>
+            </a:pPr>
+            <a:r>
+              <a:rPr/>
+              <a:t>There is some controversy about whether you should use a t distribution here. I personally do not recommend it, because it is unclear what the degrees of freedom should be.</a:t>
             </a:r>
           </a:p>
         </p:txBody>
@@ -1758,7 +1723,7 @@
           <a:p>
             <a:fld id="{18BDFEC3-8487-43E8-A154-7C12CBC1FFF2}" type="slidenum">
               <a:rPr lang="en-US"/>
-              <a:t>30</a:t>
+              <a:t>27</a:t>
             </a:fld>
             <a:endParaRPr lang="en-US"/>
           </a:p>
@@ -1914,7 +1879,21 @@
             </a:pPr>
             <a:r>
               <a:rPr/>
-              <a:t>Here’s a picture showing what the unadjusted percentiles look like for a 90% confidence interval. Z-0-hat is zero, so no bias adjustment and a-hat is also zero, so no adjustment for skewness. You would just choose the 5th and 95th percentiles of the bootstrapped estimates.</a:t>
+              <a:t>An even simpler approach is to take percentiles directly from the bootstrap sample. For this, you need a pretty large number of bootstrap samples. Although some sources say that a few hundred might be okay, I would recommend at least a thousand.</a:t>
+            </a:r>
+          </a:p>
+          <a:p>
+            <a:pPr lvl="0" indent="0" marL="0">
+              <a:buNone/>
+            </a:pPr>
+          </a:p>
+          <a:p>
+            <a:pPr lvl="0" indent="0" marL="0">
+              <a:buNone/>
+            </a:pPr>
+            <a:r>
+              <a:rPr/>
+              <a:t>With a thousand bootstrap samples, you would select the 25th and 975th observations, after sorting the data.</a:t>
             </a:r>
           </a:p>
         </p:txBody>
@@ -1936,7 +1915,7 @@
           <a:p>
             <a:fld id="{18BDFEC3-8487-43E8-A154-7C12CBC1FFF2}" type="slidenum">
               <a:rPr lang="en-US"/>
-              <a:t>32</a:t>
+              <a:t>28</a:t>
             </a:fld>
             <a:endParaRPr lang="en-US"/>
           </a:p>
@@ -1996,7 +1975,77 @@
             </a:pPr>
             <a:r>
               <a:rPr/>
-              <a:t>A bias adjustments shifts the z values to the left or the right. In this hypothetical case, the z values are shifted left by 0.2 units, and instead of using the instead of the 5th and the 95th percentiles, you would use would be the 3.3 percentile and the 92.6 percentile.</a:t>
+              <a:t>Every reference that I reviewed showed these equations and immediately apologized for their complexity. There appears to be little intuition that you can discern from these formulas. The formula for z-hat-0 is a bit easier to follow, perhaps. It is an adjustment for bias.</a:t>
+            </a:r>
+          </a:p>
+          <a:p>
+            <a:pPr lvl="0" indent="0" marL="0">
+              <a:buNone/>
+            </a:pPr>
+          </a:p>
+          <a:p>
+            <a:pPr lvl="0" indent="0" marL="0">
+              <a:buNone/>
+            </a:pPr>
+            <a:r>
+              <a:rPr/>
+              <a:t>The formula for a-hat is a bit trickier. Notice that it involves deviations from the mean raised to the third power, which seems to be akin to a measure of skewness.</a:t>
+            </a:r>
+          </a:p>
+          <a:p>
+            <a:pPr lvl="0" indent="0" marL="0">
+              <a:buNone/>
+            </a:pPr>
+          </a:p>
+          <a:p>
+            <a:pPr lvl="0" indent="0" marL="0">
+              <a:buNone/>
+            </a:pPr>
+            <a:r>
+              <a:rPr/>
+              <a:t>Dr. Efron refers to it as an acceleration, because it relates to the second derivative of the score function. Don’t ask me what the score function represents. Also don’t ask me why the acceleration relies on a jackknife sample rather than a bootstrap sample.</a:t>
+            </a:r>
+          </a:p>
+          <a:p>
+            <a:pPr lvl="0" indent="0" marL="0">
+              <a:buNone/>
+            </a:pPr>
+          </a:p>
+          <a:p>
+            <a:pPr lvl="0" indent="0" marL="0">
+              <a:buNone/>
+            </a:pPr>
+            <a:r>
+              <a:rPr/>
+              <a:t>Remember that in Calculus, the first derivative is analogous to speed and the second derivative is analogous to acceleration.</a:t>
+            </a:r>
+          </a:p>
+          <a:p>
+            <a:pPr lvl="0" indent="0" marL="0">
+              <a:buNone/>
+            </a:pPr>
+          </a:p>
+          <a:p>
+            <a:pPr lvl="0" indent="0" marL="0">
+              <a:buNone/>
+            </a:pPr>
+            <a:r>
+              <a:rPr/>
+              <a:t>If z-hat-sub-0 is equal to zero, there is no adjustment to the confidence interval based on bias.</a:t>
+            </a:r>
+          </a:p>
+          <a:p>
+            <a:pPr lvl="0" indent="0" marL="0">
+              <a:buNone/>
+            </a:pPr>
+          </a:p>
+          <a:p>
+            <a:pPr lvl="0" indent="0" marL="0">
+              <a:buNone/>
+            </a:pPr>
+            <a:r>
+              <a:rPr/>
+              <a:t>If a-hat is equal to zero, there is no adjustment to the confidence interval based on skewness.</a:t>
             </a:r>
           </a:p>
         </p:txBody>
@@ -2018,7 +2067,7 @@
           <a:p>
             <a:fld id="{18BDFEC3-8487-43E8-A154-7C12CBC1FFF2}" type="slidenum">
               <a:rPr lang="en-US"/>
-              <a:t>34</a:t>
+              <a:t>29</a:t>
             </a:fld>
             <a:endParaRPr lang="en-US"/>
           </a:p>
@@ -2078,6 +2127,252 @@
             </a:pPr>
             <a:r>
               <a:rPr/>
+              <a:t>The percentiles that you select from the bootstrap distribution are no longer at alpha/2 and 1-alpha/2, but are moved to account for bias and skewness in the bootstrap distribution.</a:t>
+            </a:r>
+          </a:p>
+        </p:txBody>
+      </p:sp>
+      <p:sp>
+        <p:nvSpPr>
+          <p:cNvPr id="4" name="Slide Number Placeholder 3"/>
+          <p:cNvSpPr>
+            <a:spLocks noGrp="1"/>
+          </p:cNvSpPr>
+          <p:nvPr>
+            <p:ph type="sldNum" sz="quarter" idx="10"/>
+          </p:nvPr>
+        </p:nvSpPr>
+        <p:spPr/>
+        <p:txBody>
+          <a:bodyPr/>
+          <a:lstStyle/>
+          <a:p>
+            <a:fld id="{18BDFEC3-8487-43E8-A154-7C12CBC1FFF2}" type="slidenum">
+              <a:rPr lang="en-US"/>
+              <a:t>30</a:t>
+            </a:fld>
+            <a:endParaRPr lang="en-US"/>
+          </a:p>
+        </p:txBody>
+      </p:sp>
+    </p:spTree>
+  </p:cSld>
+</p:notes>
+</file>
+
+<file path=ppt/notesSlides/notesSlide23.xml><?xml version="1.0" encoding="utf-8"?>
+<p:notes xmlns:a="http://schemas.openxmlformats.org/drawingml/2006/main" xmlns:r="http://schemas.openxmlformats.org/officeDocument/2006/relationships" xmlns:p="http://schemas.openxmlformats.org/presentationml/2006/main">
+  <p:cSld>
+    <p:spTree>
+      <p:nvGrpSpPr>
+        <p:cNvPr id="1" name=""/>
+        <p:cNvGrpSpPr/>
+        <p:nvPr/>
+      </p:nvGrpSpPr>
+      <p:grpSpPr>
+        <a:xfrm>
+          <a:off x="0" y="0"/>
+          <a:ext cx="0" cy="0"/>
+          <a:chOff x="0" y="0"/>
+          <a:chExt cx="0" cy="0"/>
+        </a:xfrm>
+      </p:grpSpPr>
+      <p:sp>
+        <p:nvSpPr>
+          <p:cNvPr id="2" name="Slide Image Placeholder 1"/>
+          <p:cNvSpPr>
+            <a:spLocks noGrp="1" noRot="1" noChangeAspect="1"/>
+          </p:cNvSpPr>
+          <p:nvPr>
+            <p:ph type="sldImg"/>
+          </p:nvPr>
+        </p:nvSpPr>
+        <p:spPr/>
+      </p:sp>
+      <p:sp>
+        <p:nvSpPr>
+          <p:cNvPr id="3" name="Notes Placeholder 2"/>
+          <p:cNvSpPr>
+            <a:spLocks noGrp="1"/>
+          </p:cNvSpPr>
+          <p:nvPr>
+            <p:ph type="body" idx="1"/>
+          </p:nvPr>
+        </p:nvSpPr>
+        <p:spPr/>
+        <p:txBody>
+          <a:bodyPr/>
+          <a:lstStyle/>
+          <a:p>
+            <a:pPr lvl="0" indent="0" marL="0">
+              <a:buNone/>
+            </a:pPr>
+            <a:r>
+              <a:rPr/>
+              <a:t>Here’s a picture showing what the unadjusted percentiles look like for a 90% confidence interval. Z-0-hat is zero, so no bias adjustment and a-hat is also zero, so no adjustment for skewness. You would just choose the 5th and 95th percentiles of the bootstrapped estimates.</a:t>
+            </a:r>
+          </a:p>
+        </p:txBody>
+      </p:sp>
+      <p:sp>
+        <p:nvSpPr>
+          <p:cNvPr id="4" name="Slide Number Placeholder 3"/>
+          <p:cNvSpPr>
+            <a:spLocks noGrp="1"/>
+          </p:cNvSpPr>
+          <p:nvPr>
+            <p:ph type="sldNum" sz="quarter" idx="10"/>
+          </p:nvPr>
+        </p:nvSpPr>
+        <p:spPr/>
+        <p:txBody>
+          <a:bodyPr/>
+          <a:lstStyle/>
+          <a:p>
+            <a:fld id="{18BDFEC3-8487-43E8-A154-7C12CBC1FFF2}" type="slidenum">
+              <a:rPr lang="en-US"/>
+              <a:t>31</a:t>
+            </a:fld>
+            <a:endParaRPr lang="en-US"/>
+          </a:p>
+        </p:txBody>
+      </p:sp>
+    </p:spTree>
+  </p:cSld>
+</p:notes>
+</file>
+
+<file path=ppt/notesSlides/notesSlide24.xml><?xml version="1.0" encoding="utf-8"?>
+<p:notes xmlns:a="http://schemas.openxmlformats.org/drawingml/2006/main" xmlns:r="http://schemas.openxmlformats.org/officeDocument/2006/relationships" xmlns:p="http://schemas.openxmlformats.org/presentationml/2006/main">
+  <p:cSld>
+    <p:spTree>
+      <p:nvGrpSpPr>
+        <p:cNvPr id="1" name=""/>
+        <p:cNvGrpSpPr/>
+        <p:nvPr/>
+      </p:nvGrpSpPr>
+      <p:grpSpPr>
+        <a:xfrm>
+          <a:off x="0" y="0"/>
+          <a:ext cx="0" cy="0"/>
+          <a:chOff x="0" y="0"/>
+          <a:chExt cx="0" cy="0"/>
+        </a:xfrm>
+      </p:grpSpPr>
+      <p:sp>
+        <p:nvSpPr>
+          <p:cNvPr id="2" name="Slide Image Placeholder 1"/>
+          <p:cNvSpPr>
+            <a:spLocks noGrp="1" noRot="1" noChangeAspect="1"/>
+          </p:cNvSpPr>
+          <p:nvPr>
+            <p:ph type="sldImg"/>
+          </p:nvPr>
+        </p:nvSpPr>
+        <p:spPr/>
+      </p:sp>
+      <p:sp>
+        <p:nvSpPr>
+          <p:cNvPr id="3" name="Notes Placeholder 2"/>
+          <p:cNvSpPr>
+            <a:spLocks noGrp="1"/>
+          </p:cNvSpPr>
+          <p:nvPr>
+            <p:ph type="body" idx="1"/>
+          </p:nvPr>
+        </p:nvSpPr>
+        <p:spPr/>
+        <p:txBody>
+          <a:bodyPr/>
+          <a:lstStyle/>
+          <a:p>
+            <a:pPr lvl="0" indent="0" marL="0">
+              <a:buNone/>
+            </a:pPr>
+            <a:r>
+              <a:rPr/>
+              <a:t>A bias adjustments shifts the z values to the left or the right. In this hypothetical case, the z values are shifted left by 0.2 units, and instead of using the instead of the 5th and the 95th percentiles, you would use would be the 3.3 percentile and the 92.6 percentile.</a:t>
+            </a:r>
+          </a:p>
+        </p:txBody>
+      </p:sp>
+      <p:sp>
+        <p:nvSpPr>
+          <p:cNvPr id="4" name="Slide Number Placeholder 3"/>
+          <p:cNvSpPr>
+            <a:spLocks noGrp="1"/>
+          </p:cNvSpPr>
+          <p:nvPr>
+            <p:ph type="sldNum" sz="quarter" idx="10"/>
+          </p:nvPr>
+        </p:nvSpPr>
+        <p:spPr/>
+        <p:txBody>
+          <a:bodyPr/>
+          <a:lstStyle/>
+          <a:p>
+            <a:fld id="{18BDFEC3-8487-43E8-A154-7C12CBC1FFF2}" type="slidenum">
+              <a:rPr lang="en-US"/>
+              <a:t>32</a:t>
+            </a:fld>
+            <a:endParaRPr lang="en-US"/>
+          </a:p>
+        </p:txBody>
+      </p:sp>
+    </p:spTree>
+  </p:cSld>
+</p:notes>
+</file>
+
+<file path=ppt/notesSlides/notesSlide25.xml><?xml version="1.0" encoding="utf-8"?>
+<p:notes xmlns:a="http://schemas.openxmlformats.org/drawingml/2006/main" xmlns:r="http://schemas.openxmlformats.org/officeDocument/2006/relationships" xmlns:p="http://schemas.openxmlformats.org/presentationml/2006/main">
+  <p:cSld>
+    <p:spTree>
+      <p:nvGrpSpPr>
+        <p:cNvPr id="1" name=""/>
+        <p:cNvGrpSpPr/>
+        <p:nvPr/>
+      </p:nvGrpSpPr>
+      <p:grpSpPr>
+        <a:xfrm>
+          <a:off x="0" y="0"/>
+          <a:ext cx="0" cy="0"/>
+          <a:chOff x="0" y="0"/>
+          <a:chExt cx="0" cy="0"/>
+        </a:xfrm>
+      </p:grpSpPr>
+      <p:sp>
+        <p:nvSpPr>
+          <p:cNvPr id="2" name="Slide Image Placeholder 1"/>
+          <p:cNvSpPr>
+            <a:spLocks noGrp="1" noRot="1" noChangeAspect="1"/>
+          </p:cNvSpPr>
+          <p:nvPr>
+            <p:ph type="sldImg"/>
+          </p:nvPr>
+        </p:nvSpPr>
+        <p:spPr/>
+      </p:sp>
+      <p:sp>
+        <p:nvSpPr>
+          <p:cNvPr id="3" name="Notes Placeholder 2"/>
+          <p:cNvSpPr>
+            <a:spLocks noGrp="1"/>
+          </p:cNvSpPr>
+          <p:nvPr>
+            <p:ph type="body" idx="1"/>
+          </p:nvPr>
+        </p:nvSpPr>
+        <p:spPr/>
+        <p:txBody>
+          <a:bodyPr/>
+          <a:lstStyle/>
+          <a:p>
+            <a:pPr lvl="0" indent="0" marL="0">
+              <a:buNone/>
+            </a:pPr>
+            <a:r>
+              <a:rPr/>
               <a:t>An adjustment for skewness also shifts the z values to the left or the right, though the shift is stronger on one side versus the other. In this hypothetical case, you would use would be the 2.9 percentile and the 92.7 percentile.</a:t>
             </a:r>
           </a:p>
@@ -2093,6 +2388,198 @@
             <a:r>
               <a:rPr/>
               <a:t>These formulas are messy, and easy to get wrong, so I would recommend if you are programming from scratch that you stick one of the simpler approaches.</a:t>
+            </a:r>
+          </a:p>
+        </p:txBody>
+      </p:sp>
+      <p:sp>
+        <p:nvSpPr>
+          <p:cNvPr id="4" name="Slide Number Placeholder 3"/>
+          <p:cNvSpPr>
+            <a:spLocks noGrp="1"/>
+          </p:cNvSpPr>
+          <p:nvPr>
+            <p:ph type="sldNum" sz="quarter" idx="10"/>
+          </p:nvPr>
+        </p:nvSpPr>
+        <p:spPr/>
+        <p:txBody>
+          <a:bodyPr/>
+          <a:lstStyle/>
+          <a:p>
+            <a:fld id="{18BDFEC3-8487-43E8-A154-7C12CBC1FFF2}" type="slidenum">
+              <a:rPr lang="en-US"/>
+              <a:t>33</a:t>
+            </a:fld>
+            <a:endParaRPr lang="en-US"/>
+          </a:p>
+        </p:txBody>
+      </p:sp>
+    </p:spTree>
+  </p:cSld>
+</p:notes>
+</file>
+
+<file path=ppt/notesSlides/notesSlide26.xml><?xml version="1.0" encoding="utf-8"?>
+<p:notes xmlns:a="http://schemas.openxmlformats.org/drawingml/2006/main" xmlns:r="http://schemas.openxmlformats.org/officeDocument/2006/relationships" xmlns:p="http://schemas.openxmlformats.org/presentationml/2006/main">
+  <p:cSld>
+    <p:spTree>
+      <p:nvGrpSpPr>
+        <p:cNvPr id="1" name=""/>
+        <p:cNvGrpSpPr/>
+        <p:nvPr/>
+      </p:nvGrpSpPr>
+      <p:grpSpPr>
+        <a:xfrm>
+          <a:off x="0" y="0"/>
+          <a:ext cx="0" cy="0"/>
+          <a:chOff x="0" y="0"/>
+          <a:chExt cx="0" cy="0"/>
+        </a:xfrm>
+      </p:grpSpPr>
+      <p:sp>
+        <p:nvSpPr>
+          <p:cNvPr id="2" name="Slide Image Placeholder 1"/>
+          <p:cNvSpPr>
+            <a:spLocks noGrp="1" noRot="1" noChangeAspect="1"/>
+          </p:cNvSpPr>
+          <p:nvPr>
+            <p:ph type="sldImg"/>
+          </p:nvPr>
+        </p:nvSpPr>
+        <p:spPr/>
+      </p:sp>
+      <p:sp>
+        <p:nvSpPr>
+          <p:cNvPr id="3" name="Notes Placeholder 2"/>
+          <p:cNvSpPr>
+            <a:spLocks noGrp="1"/>
+          </p:cNvSpPr>
+          <p:nvPr>
+            <p:ph type="body" idx="1"/>
+          </p:nvPr>
+        </p:nvSpPr>
+        <p:spPr/>
+        <p:txBody>
+          <a:bodyPr/>
+          <a:lstStyle/>
+          <a:p>
+            <a:pPr lvl="0" indent="0" marL="0">
+              <a:buNone/>
+            </a:pPr>
+            <a:r>
+              <a:rPr/>
+              <a:t>To test a hypothesis, count the proportion of bootstrap values that agree with the null hypothesis. If it is less than alpha, then you reject the null hypothesis. Extension to two sided hypotheses is not difficult.</a:t>
+            </a:r>
+          </a:p>
+          <a:p>
+            <a:pPr lvl="0" indent="0" marL="0">
+              <a:buNone/>
+            </a:pPr>
+          </a:p>
+          <a:p>
+            <a:pPr lvl="0" indent="0" marL="0">
+              <a:buNone/>
+            </a:pPr>
+            <a:r>
+              <a:rPr/>
+              <a:t>You could also look at any one of the bootstrap confidence intervals and see whether that interval includes or excludes the null value.</a:t>
+            </a:r>
+          </a:p>
+        </p:txBody>
+      </p:sp>
+      <p:sp>
+        <p:nvSpPr>
+          <p:cNvPr id="4" name="Slide Number Placeholder 3"/>
+          <p:cNvSpPr>
+            <a:spLocks noGrp="1"/>
+          </p:cNvSpPr>
+          <p:nvPr>
+            <p:ph type="sldNum" sz="quarter" idx="10"/>
+          </p:nvPr>
+        </p:nvSpPr>
+        <p:spPr/>
+        <p:txBody>
+          <a:bodyPr/>
+          <a:lstStyle/>
+          <a:p>
+            <a:fld id="{18BDFEC3-8487-43E8-A154-7C12CBC1FFF2}" type="slidenum">
+              <a:rPr lang="en-US"/>
+              <a:t>34</a:t>
+            </a:fld>
+            <a:endParaRPr lang="en-US"/>
+          </a:p>
+        </p:txBody>
+      </p:sp>
+    </p:spTree>
+  </p:cSld>
+</p:notes>
+</file>
+
+<file path=ppt/notesSlides/notesSlide27.xml><?xml version="1.0" encoding="utf-8"?>
+<p:notes xmlns:a="http://schemas.openxmlformats.org/drawingml/2006/main" xmlns:r="http://schemas.openxmlformats.org/officeDocument/2006/relationships" xmlns:p="http://schemas.openxmlformats.org/presentationml/2006/main">
+  <p:cSld>
+    <p:spTree>
+      <p:nvGrpSpPr>
+        <p:cNvPr id="1" name=""/>
+        <p:cNvGrpSpPr/>
+        <p:nvPr/>
+      </p:nvGrpSpPr>
+      <p:grpSpPr>
+        <a:xfrm>
+          <a:off x="0" y="0"/>
+          <a:ext cx="0" cy="0"/>
+          <a:chOff x="0" y="0"/>
+          <a:chExt cx="0" cy="0"/>
+        </a:xfrm>
+      </p:grpSpPr>
+      <p:sp>
+        <p:nvSpPr>
+          <p:cNvPr id="2" name="Slide Image Placeholder 1"/>
+          <p:cNvSpPr>
+            <a:spLocks noGrp="1" noRot="1" noChangeAspect="1"/>
+          </p:cNvSpPr>
+          <p:nvPr>
+            <p:ph type="sldImg"/>
+          </p:nvPr>
+        </p:nvSpPr>
+        <p:spPr/>
+      </p:sp>
+      <p:sp>
+        <p:nvSpPr>
+          <p:cNvPr id="3" name="Notes Placeholder 2"/>
+          <p:cNvSpPr>
+            <a:spLocks noGrp="1"/>
+          </p:cNvSpPr>
+          <p:nvPr>
+            <p:ph type="body" idx="1"/>
+          </p:nvPr>
+        </p:nvSpPr>
+        <p:spPr/>
+        <p:txBody>
+          <a:bodyPr/>
+          <a:lstStyle/>
+          <a:p>
+            <a:pPr lvl="0" indent="0" marL="0">
+              <a:buNone/>
+            </a:pPr>
+            <a:r>
+              <a:rPr/>
+              <a:t>If you want to program a bootstrap, you need to have enough familiarity with your statistical software to run a loop and extract specific values from the output.</a:t>
+            </a:r>
+          </a:p>
+          <a:p>
+            <a:pPr lvl="0" indent="0" marL="0">
+              <a:buNone/>
+            </a:pPr>
+          </a:p>
+          <a:p>
+            <a:pPr lvl="0" indent="0" marL="0">
+              <a:buNone/>
+            </a:pPr>
+            <a:r>
+              <a:rPr/>
+              <a:t>I want to show briefly, how to do a simple bootstrap in SAS, Stata, and R. It may be possible to do this in SPSS, but I am not familiar enough with SPSS to outline how the approach might work.</a:t>
             </a:r>
           </a:p>
         </p:txBody>
@@ -2115,6 +2602,198 @@
             <a:fld id="{18BDFEC3-8487-43E8-A154-7C12CBC1FFF2}" type="slidenum">
               <a:rPr lang="en-US"/>
               <a:t>36</a:t>
+            </a:fld>
+            <a:endParaRPr lang="en-US"/>
+          </a:p>
+        </p:txBody>
+      </p:sp>
+    </p:spTree>
+  </p:cSld>
+</p:notes>
+</file>
+
+<file path=ppt/notesSlides/notesSlide28.xml><?xml version="1.0" encoding="utf-8"?>
+<p:notes xmlns:a="http://schemas.openxmlformats.org/drawingml/2006/main" xmlns:r="http://schemas.openxmlformats.org/officeDocument/2006/relationships" xmlns:p="http://schemas.openxmlformats.org/presentationml/2006/main">
+  <p:cSld>
+    <p:spTree>
+      <p:nvGrpSpPr>
+        <p:cNvPr id="1" name=""/>
+        <p:cNvGrpSpPr/>
+        <p:nvPr/>
+      </p:nvGrpSpPr>
+      <p:grpSpPr>
+        <a:xfrm>
+          <a:off x="0" y="0"/>
+          <a:ext cx="0" cy="0"/>
+          <a:chOff x="0" y="0"/>
+          <a:chExt cx="0" cy="0"/>
+        </a:xfrm>
+      </p:grpSpPr>
+      <p:sp>
+        <p:nvSpPr>
+          <p:cNvPr id="2" name="Slide Image Placeholder 1"/>
+          <p:cNvSpPr>
+            <a:spLocks noGrp="1" noRot="1" noChangeAspect="1"/>
+          </p:cNvSpPr>
+          <p:nvPr>
+            <p:ph type="sldImg"/>
+          </p:nvPr>
+        </p:nvSpPr>
+        <p:spPr/>
+      </p:sp>
+      <p:sp>
+        <p:nvSpPr>
+          <p:cNvPr id="3" name="Notes Placeholder 2"/>
+          <p:cNvSpPr>
+            <a:spLocks noGrp="1"/>
+          </p:cNvSpPr>
+          <p:nvPr>
+            <p:ph type="body" idx="1"/>
+          </p:nvPr>
+        </p:nvSpPr>
+        <p:spPr/>
+        <p:txBody>
+          <a:bodyPr/>
+          <a:lstStyle/>
+          <a:p>
+            <a:pPr lvl="0" indent="0" marL="0">
+              <a:buNone/>
+            </a:pPr>
+            <a:r>
+              <a:rPr/>
+              <a:t>This example is taken from the UCLA Statistical Methods and Data Analytics site. It pops up easily on a simple google search.</a:t>
+            </a:r>
+          </a:p>
+          <a:p>
+            <a:pPr lvl="0" indent="0" marL="0">
+              <a:buNone/>
+            </a:pPr>
+          </a:p>
+          <a:p>
+            <a:pPr lvl="0" indent="0" marL="0">
+              <a:buNone/>
+            </a:pPr>
+            <a:r>
+              <a:rPr/>
+              <a:t>The first statement tells SAS that it should take the output from the following procedure, pull out a particular number from the output called “FitStatistics” and store it in a dataset with the name t0.</a:t>
+            </a:r>
+          </a:p>
+          <a:p>
+            <a:pPr lvl="0" indent="0" marL="0">
+              <a:buNone/>
+            </a:pPr>
+          </a:p>
+          <a:p>
+            <a:pPr lvl="0" indent="0" marL="0">
+              <a:buNone/>
+            </a:pPr>
+            <a:r>
+              <a:rPr/>
+              <a:t>I’m guess that the “quit” statement is important here because of the way you are handling output with the ods statement.</a:t>
+            </a:r>
+          </a:p>
+        </p:txBody>
+      </p:sp>
+      <p:sp>
+        <p:nvSpPr>
+          <p:cNvPr id="4" name="Slide Number Placeholder 3"/>
+          <p:cNvSpPr>
+            <a:spLocks noGrp="1"/>
+          </p:cNvSpPr>
+          <p:nvPr>
+            <p:ph type="sldNum" sz="quarter" idx="10"/>
+          </p:nvPr>
+        </p:nvSpPr>
+        <p:spPr/>
+        <p:txBody>
+          <a:bodyPr/>
+          <a:lstStyle/>
+          <a:p>
+            <a:fld id="{18BDFEC3-8487-43E8-A154-7C12CBC1FFF2}" type="slidenum">
+              <a:rPr lang="en-US"/>
+              <a:t>37</a:t>
+            </a:fld>
+            <a:endParaRPr lang="en-US"/>
+          </a:p>
+        </p:txBody>
+      </p:sp>
+    </p:spTree>
+  </p:cSld>
+</p:notes>
+</file>
+
+<file path=ppt/notesSlides/notesSlide29.xml><?xml version="1.0" encoding="utf-8"?>
+<p:notes xmlns:a="http://schemas.openxmlformats.org/drawingml/2006/main" xmlns:r="http://schemas.openxmlformats.org/officeDocument/2006/relationships" xmlns:p="http://schemas.openxmlformats.org/presentationml/2006/main">
+  <p:cSld>
+    <p:spTree>
+      <p:nvGrpSpPr>
+        <p:cNvPr id="1" name=""/>
+        <p:cNvGrpSpPr/>
+        <p:nvPr/>
+      </p:nvGrpSpPr>
+      <p:grpSpPr>
+        <a:xfrm>
+          <a:off x="0" y="0"/>
+          <a:ext cx="0" cy="0"/>
+          <a:chOff x="0" y="0"/>
+          <a:chExt cx="0" cy="0"/>
+        </a:xfrm>
+      </p:grpSpPr>
+      <p:sp>
+        <p:nvSpPr>
+          <p:cNvPr id="2" name="Slide Image Placeholder 1"/>
+          <p:cNvSpPr>
+            <a:spLocks noGrp="1" noRot="1" noChangeAspect="1"/>
+          </p:cNvSpPr>
+          <p:nvPr>
+            <p:ph type="sldImg"/>
+          </p:nvPr>
+        </p:nvSpPr>
+        <p:spPr/>
+      </p:sp>
+      <p:sp>
+        <p:nvSpPr>
+          <p:cNvPr id="3" name="Notes Placeholder 2"/>
+          <p:cNvSpPr>
+            <a:spLocks noGrp="1"/>
+          </p:cNvSpPr>
+          <p:nvPr>
+            <p:ph type="body" idx="1"/>
+          </p:nvPr>
+        </p:nvSpPr>
+        <p:spPr/>
+        <p:txBody>
+          <a:bodyPr/>
+          <a:lstStyle/>
+          <a:p>
+            <a:pPr lvl="0" indent="0" marL="0">
+              <a:buNone/>
+            </a:pPr>
+            <a:r>
+              <a:rPr/>
+              <a:t>The data step here creates a dataset with the sole purpose of moving the r-squared value to a macro variable. The key function here is symput and if you are not familiar with it, check out the SAS documentation.</a:t>
+            </a:r>
+          </a:p>
+        </p:txBody>
+      </p:sp>
+      <p:sp>
+        <p:nvSpPr>
+          <p:cNvPr id="4" name="Slide Number Placeholder 3"/>
+          <p:cNvSpPr>
+            <a:spLocks noGrp="1"/>
+          </p:cNvSpPr>
+          <p:nvPr>
+            <p:ph type="sldNum" sz="quarter" idx="10"/>
+          </p:nvPr>
+        </p:nvSpPr>
+        <p:spPr/>
+        <p:txBody>
+          <a:bodyPr/>
+          <a:lstStyle/>
+          <a:p>
+            <a:fld id="{18BDFEC3-8487-43E8-A154-7C12CBC1FFF2}" type="slidenum">
+              <a:rPr lang="en-US"/>
+              <a:t>38</a:t>
             </a:fld>
             <a:endParaRPr lang="en-US"/>
           </a:p>
@@ -2174,7 +2853,7 @@
             </a:pPr>
             <a:r>
               <a:rPr/>
-              <a:t>I need to start with a book that I used when I was in graduate school. The title is “Approximation Theorems in Mathematical Statistics” by Rboery Serfling. It was all about the variety of ways to show that some statistic followed an asymptotic normal distribution.</a:t>
+              <a:t>I need to start with a book that I used when I was in graduate school. The title is “Approximation Theorems in Mathematical Statistics” by Robert Serfling. It was all about the variety of ways to show that some statistic followed an asymptotic normal distribution.</a:t>
             </a:r>
           </a:p>
         </p:txBody>
@@ -2197,6 +2876,896 @@
             <a:fld id="{18BDFEC3-8487-43E8-A154-7C12CBC1FFF2}" type="slidenum">
               <a:rPr lang="en-US"/>
               <a:t>4</a:t>
+            </a:fld>
+            <a:endParaRPr lang="en-US"/>
+          </a:p>
+        </p:txBody>
+      </p:sp>
+    </p:spTree>
+  </p:cSld>
+</p:notes>
+</file>
+
+<file path=ppt/notesSlides/notesSlide30.xml><?xml version="1.0" encoding="utf-8"?>
+<p:notes xmlns:a="http://schemas.openxmlformats.org/drawingml/2006/main" xmlns:r="http://schemas.openxmlformats.org/officeDocument/2006/relationships" xmlns:p="http://schemas.openxmlformats.org/presentationml/2006/main">
+  <p:cSld>
+    <p:spTree>
+      <p:nvGrpSpPr>
+        <p:cNvPr id="1" name=""/>
+        <p:cNvGrpSpPr/>
+        <p:nvPr/>
+      </p:nvGrpSpPr>
+      <p:grpSpPr>
+        <a:xfrm>
+          <a:off x="0" y="0"/>
+          <a:ext cx="0" cy="0"/>
+          <a:chOff x="0" y="0"/>
+          <a:chExt cx="0" cy="0"/>
+        </a:xfrm>
+      </p:grpSpPr>
+      <p:sp>
+        <p:nvSpPr>
+          <p:cNvPr id="2" name="Slide Image Placeholder 1"/>
+          <p:cNvSpPr>
+            <a:spLocks noGrp="1" noRot="1" noChangeAspect="1"/>
+          </p:cNvSpPr>
+          <p:nvPr>
+            <p:ph type="sldImg"/>
+          </p:nvPr>
+        </p:nvSpPr>
+        <p:spPr/>
+      </p:sp>
+      <p:sp>
+        <p:nvSpPr>
+          <p:cNvPr id="3" name="Notes Placeholder 2"/>
+          <p:cNvSpPr>
+            <a:spLocks noGrp="1"/>
+          </p:cNvSpPr>
+          <p:nvPr>
+            <p:ph type="body" idx="1"/>
+          </p:nvPr>
+        </p:nvSpPr>
+        <p:spPr/>
+        <p:txBody>
+          <a:bodyPr/>
+          <a:lstStyle/>
+          <a:p>
+            <a:pPr lvl="0" indent="0" marL="0">
+              <a:buNone/>
+            </a:pPr>
+            <a:r>
+              <a:rPr/>
+              <a:t>Although you could use a loop here, the surveyselect procedure allows you to create 500 bootstrap samples and store them all in a single dataset.</a:t>
+            </a:r>
+          </a:p>
+        </p:txBody>
+      </p:sp>
+      <p:sp>
+        <p:nvSpPr>
+          <p:cNvPr id="4" name="Slide Number Placeholder 3"/>
+          <p:cNvSpPr>
+            <a:spLocks noGrp="1"/>
+          </p:cNvSpPr>
+          <p:nvPr>
+            <p:ph type="sldNum" sz="quarter" idx="10"/>
+          </p:nvPr>
+        </p:nvSpPr>
+        <p:spPr/>
+        <p:txBody>
+          <a:bodyPr/>
+          <a:lstStyle/>
+          <a:p>
+            <a:fld id="{18BDFEC3-8487-43E8-A154-7C12CBC1FFF2}" type="slidenum">
+              <a:rPr lang="en-US"/>
+              <a:t>39</a:t>
+            </a:fld>
+            <a:endParaRPr lang="en-US"/>
+          </a:p>
+        </p:txBody>
+      </p:sp>
+    </p:spTree>
+  </p:cSld>
+</p:notes>
+</file>
+
+<file path=ppt/notesSlides/notesSlide31.xml><?xml version="1.0" encoding="utf-8"?>
+<p:notes xmlns:a="http://schemas.openxmlformats.org/drawingml/2006/main" xmlns:r="http://schemas.openxmlformats.org/officeDocument/2006/relationships" xmlns:p="http://schemas.openxmlformats.org/presentationml/2006/main">
+  <p:cSld>
+    <p:spTree>
+      <p:nvGrpSpPr>
+        <p:cNvPr id="1" name=""/>
+        <p:cNvGrpSpPr/>
+        <p:nvPr/>
+      </p:nvGrpSpPr>
+      <p:grpSpPr>
+        <a:xfrm>
+          <a:off x="0" y="0"/>
+          <a:ext cx="0" cy="0"/>
+          <a:chOff x="0" y="0"/>
+          <a:chExt cx="0" cy="0"/>
+        </a:xfrm>
+      </p:grpSpPr>
+      <p:sp>
+        <p:nvSpPr>
+          <p:cNvPr id="2" name="Slide Image Placeholder 1"/>
+          <p:cNvSpPr>
+            <a:spLocks noGrp="1" noRot="1" noChangeAspect="1"/>
+          </p:cNvSpPr>
+          <p:nvPr>
+            <p:ph type="sldImg"/>
+          </p:nvPr>
+        </p:nvSpPr>
+        <p:spPr/>
+      </p:sp>
+      <p:sp>
+        <p:nvSpPr>
+          <p:cNvPr id="3" name="Notes Placeholder 2"/>
+          <p:cNvSpPr>
+            <a:spLocks noGrp="1"/>
+          </p:cNvSpPr>
+          <p:nvPr>
+            <p:ph type="body" idx="1"/>
+          </p:nvPr>
+        </p:nvSpPr>
+        <p:spPr/>
+        <p:txBody>
+          <a:bodyPr/>
+          <a:lstStyle/>
+          <a:p>
+            <a:pPr lvl="0" indent="0" marL="0">
+              <a:buNone/>
+            </a:pPr>
+            <a:r>
+              <a:rPr/>
+              <a:t>Here is part of the output from surveyselect. The original dataset has 200 observations. We are creating 500 replicates using sampling with replacement. That creates a dataset of 100,000 observations.</a:t>
+            </a:r>
+          </a:p>
+        </p:txBody>
+      </p:sp>
+      <p:sp>
+        <p:nvSpPr>
+          <p:cNvPr id="4" name="Slide Number Placeholder 3"/>
+          <p:cNvSpPr>
+            <a:spLocks noGrp="1"/>
+          </p:cNvSpPr>
+          <p:nvPr>
+            <p:ph type="sldNum" sz="quarter" idx="10"/>
+          </p:nvPr>
+        </p:nvSpPr>
+        <p:spPr/>
+        <p:txBody>
+          <a:bodyPr/>
+          <a:lstStyle/>
+          <a:p>
+            <a:fld id="{18BDFEC3-8487-43E8-A154-7C12CBC1FFF2}" type="slidenum">
+              <a:rPr lang="en-US"/>
+              <a:t>40</a:t>
+            </a:fld>
+            <a:endParaRPr lang="en-US"/>
+          </a:p>
+        </p:txBody>
+      </p:sp>
+    </p:spTree>
+  </p:cSld>
+</p:notes>
+</file>
+
+<file path=ppt/notesSlides/notesSlide32.xml><?xml version="1.0" encoding="utf-8"?>
+<p:notes xmlns:a="http://schemas.openxmlformats.org/drawingml/2006/main" xmlns:r="http://schemas.openxmlformats.org/officeDocument/2006/relationships" xmlns:p="http://schemas.openxmlformats.org/presentationml/2006/main">
+  <p:cSld>
+    <p:spTree>
+      <p:nvGrpSpPr>
+        <p:cNvPr id="1" name=""/>
+        <p:cNvGrpSpPr/>
+        <p:nvPr/>
+      </p:nvGrpSpPr>
+      <p:grpSpPr>
+        <a:xfrm>
+          <a:off x="0" y="0"/>
+          <a:ext cx="0" cy="0"/>
+          <a:chOff x="0" y="0"/>
+          <a:chExt cx="0" cy="0"/>
+        </a:xfrm>
+      </p:grpSpPr>
+      <p:sp>
+        <p:nvSpPr>
+          <p:cNvPr id="2" name="Slide Image Placeholder 1"/>
+          <p:cNvSpPr>
+            <a:spLocks noGrp="1" noRot="1" noChangeAspect="1"/>
+          </p:cNvSpPr>
+          <p:nvPr>
+            <p:ph type="sldImg"/>
+          </p:nvPr>
+        </p:nvSpPr>
+        <p:spPr/>
+      </p:sp>
+      <p:sp>
+        <p:nvSpPr>
+          <p:cNvPr id="3" name="Notes Placeholder 2"/>
+          <p:cNvSpPr>
+            <a:spLocks noGrp="1"/>
+          </p:cNvSpPr>
+          <p:nvPr>
+            <p:ph type="body" idx="1"/>
+          </p:nvPr>
+        </p:nvSpPr>
+        <p:spPr/>
+        <p:txBody>
+          <a:bodyPr/>
+          <a:lstStyle/>
+          <a:p>
+            <a:pPr lvl="0" indent="0" marL="0">
+              <a:buNone/>
+            </a:pPr>
+            <a:r>
+              <a:rPr/>
+              <a:t>The ods statement on the first line of code on this slide tells SAS to look at the output from the following procedure and store the result in a dataset called t.</a:t>
+            </a:r>
+          </a:p>
+          <a:p>
+            <a:pPr lvl="0" indent="0" marL="0">
+              <a:buNone/>
+            </a:pPr>
+          </a:p>
+          <a:p>
+            <a:pPr lvl="0" indent="0" marL="0">
+              <a:buNone/>
+            </a:pPr>
+            <a:r>
+              <a:rPr/>
+              <a:t>The “by replicate” statement tells SAS to run a separate regression for each bootstrap sample.</a:t>
+            </a:r>
+          </a:p>
+        </p:txBody>
+      </p:sp>
+      <p:sp>
+        <p:nvSpPr>
+          <p:cNvPr id="4" name="Slide Number Placeholder 3"/>
+          <p:cNvSpPr>
+            <a:spLocks noGrp="1"/>
+          </p:cNvSpPr>
+          <p:nvPr>
+            <p:ph type="sldNum" sz="quarter" idx="10"/>
+          </p:nvPr>
+        </p:nvSpPr>
+        <p:spPr/>
+        <p:txBody>
+          <a:bodyPr/>
+          <a:lstStyle/>
+          <a:p>
+            <a:fld id="{18BDFEC3-8487-43E8-A154-7C12CBC1FFF2}" type="slidenum">
+              <a:rPr lang="en-US"/>
+              <a:t>41</a:t>
+            </a:fld>
+            <a:endParaRPr lang="en-US"/>
+          </a:p>
+        </p:txBody>
+      </p:sp>
+    </p:spTree>
+  </p:cSld>
+</p:notes>
+</file>
+
+<file path=ppt/notesSlides/notesSlide33.xml><?xml version="1.0" encoding="utf-8"?>
+<p:notes xmlns:a="http://schemas.openxmlformats.org/drawingml/2006/main" xmlns:r="http://schemas.openxmlformats.org/officeDocument/2006/relationships" xmlns:p="http://schemas.openxmlformats.org/presentationml/2006/main">
+  <p:cSld>
+    <p:spTree>
+      <p:nvGrpSpPr>
+        <p:cNvPr id="1" name=""/>
+        <p:cNvGrpSpPr/>
+        <p:nvPr/>
+      </p:nvGrpSpPr>
+      <p:grpSpPr>
+        <a:xfrm>
+          <a:off x="0" y="0"/>
+          <a:ext cx="0" cy="0"/>
+          <a:chOff x="0" y="0"/>
+          <a:chExt cx="0" cy="0"/>
+        </a:xfrm>
+      </p:grpSpPr>
+      <p:sp>
+        <p:nvSpPr>
+          <p:cNvPr id="2" name="Slide Image Placeholder 1"/>
+          <p:cNvSpPr>
+            <a:spLocks noGrp="1" noRot="1" noChangeAspect="1"/>
+          </p:cNvSpPr>
+          <p:nvPr>
+            <p:ph type="sldImg"/>
+          </p:nvPr>
+        </p:nvSpPr>
+        <p:spPr/>
+      </p:sp>
+      <p:sp>
+        <p:nvSpPr>
+          <p:cNvPr id="3" name="Notes Placeholder 2"/>
+          <p:cNvSpPr>
+            <a:spLocks noGrp="1"/>
+          </p:cNvSpPr>
+          <p:nvPr>
+            <p:ph type="body" idx="1"/>
+          </p:nvPr>
+        </p:nvSpPr>
+        <p:spPr/>
+        <p:txBody>
+          <a:bodyPr/>
+          <a:lstStyle/>
+          <a:p>
+            <a:pPr lvl="0" indent="0" marL="0">
+              <a:buNone/>
+            </a:pPr>
+            <a:r>
+              <a:rPr/>
+              <a:t>The output stored in the dataset, however, is a string, and you have to convert it to a numeric value by adding zero. This is a classic SAS hack.</a:t>
+            </a:r>
+          </a:p>
+        </p:txBody>
+      </p:sp>
+      <p:sp>
+        <p:nvSpPr>
+          <p:cNvPr id="4" name="Slide Number Placeholder 3"/>
+          <p:cNvSpPr>
+            <a:spLocks noGrp="1"/>
+          </p:cNvSpPr>
+          <p:nvPr>
+            <p:ph type="sldNum" sz="quarter" idx="10"/>
+          </p:nvPr>
+        </p:nvSpPr>
+        <p:spPr/>
+        <p:txBody>
+          <a:bodyPr/>
+          <a:lstStyle/>
+          <a:p>
+            <a:fld id="{18BDFEC3-8487-43E8-A154-7C12CBC1FFF2}" type="slidenum">
+              <a:rPr lang="en-US"/>
+              <a:t>42</a:t>
+            </a:fld>
+            <a:endParaRPr lang="en-US"/>
+          </a:p>
+        </p:txBody>
+      </p:sp>
+    </p:spTree>
+  </p:cSld>
+</p:notes>
+</file>
+
+<file path=ppt/notesSlides/notesSlide34.xml><?xml version="1.0" encoding="utf-8"?>
+<p:notes xmlns:a="http://schemas.openxmlformats.org/drawingml/2006/main" xmlns:r="http://schemas.openxmlformats.org/officeDocument/2006/relationships" xmlns:p="http://schemas.openxmlformats.org/presentationml/2006/main">
+  <p:cSld>
+    <p:spTree>
+      <p:nvGrpSpPr>
+        <p:cNvPr id="1" name=""/>
+        <p:cNvGrpSpPr/>
+        <p:nvPr/>
+      </p:nvGrpSpPr>
+      <p:grpSpPr>
+        <a:xfrm>
+          <a:off x="0" y="0"/>
+          <a:ext cx="0" cy="0"/>
+          <a:chOff x="0" y="0"/>
+          <a:chExt cx="0" cy="0"/>
+        </a:xfrm>
+      </p:grpSpPr>
+      <p:sp>
+        <p:nvSpPr>
+          <p:cNvPr id="2" name="Slide Image Placeholder 1"/>
+          <p:cNvSpPr>
+            <a:spLocks noGrp="1" noRot="1" noChangeAspect="1"/>
+          </p:cNvSpPr>
+          <p:nvPr>
+            <p:ph type="sldImg"/>
+          </p:nvPr>
+        </p:nvSpPr>
+        <p:spPr/>
+      </p:sp>
+      <p:sp>
+        <p:nvSpPr>
+          <p:cNvPr id="3" name="Notes Placeholder 2"/>
+          <p:cNvSpPr>
+            <a:spLocks noGrp="1"/>
+          </p:cNvSpPr>
+          <p:nvPr>
+            <p:ph type="body" idx="1"/>
+          </p:nvPr>
+        </p:nvSpPr>
+        <p:spPr/>
+        <p:txBody>
+          <a:bodyPr/>
+          <a:lstStyle/>
+          <a:p>
+            <a:pPr lvl="0" indent="0" marL="0">
+              <a:buNone/>
+            </a:pPr>
+            <a:r>
+              <a:rPr/>
+              <a:t>The first three lines are just a fancy way of getting from a 0.05 alpha level to selecting the 2.5 percentile and the 97.5 percentile.</a:t>
+            </a:r>
+          </a:p>
+        </p:txBody>
+      </p:sp>
+      <p:sp>
+        <p:nvSpPr>
+          <p:cNvPr id="4" name="Slide Number Placeholder 3"/>
+          <p:cNvSpPr>
+            <a:spLocks noGrp="1"/>
+          </p:cNvSpPr>
+          <p:nvPr>
+            <p:ph type="sldNum" sz="quarter" idx="10"/>
+          </p:nvPr>
+        </p:nvSpPr>
+        <p:spPr/>
+        <p:txBody>
+          <a:bodyPr/>
+          <a:lstStyle/>
+          <a:p>
+            <a:fld id="{18BDFEC3-8487-43E8-A154-7C12CBC1FFF2}" type="slidenum">
+              <a:rPr lang="en-US"/>
+              <a:t>43</a:t>
+            </a:fld>
+            <a:endParaRPr lang="en-US"/>
+          </a:p>
+        </p:txBody>
+      </p:sp>
+    </p:spTree>
+  </p:cSld>
+</p:notes>
+</file>
+
+<file path=ppt/notesSlides/notesSlide35.xml><?xml version="1.0" encoding="utf-8"?>
+<p:notes xmlns:a="http://schemas.openxmlformats.org/drawingml/2006/main" xmlns:r="http://schemas.openxmlformats.org/officeDocument/2006/relationships" xmlns:p="http://schemas.openxmlformats.org/presentationml/2006/main">
+  <p:cSld>
+    <p:spTree>
+      <p:nvGrpSpPr>
+        <p:cNvPr id="1" name=""/>
+        <p:cNvGrpSpPr/>
+        <p:nvPr/>
+      </p:nvGrpSpPr>
+      <p:grpSpPr>
+        <a:xfrm>
+          <a:off x="0" y="0"/>
+          <a:ext cx="0" cy="0"/>
+          <a:chOff x="0" y="0"/>
+          <a:chExt cx="0" cy="0"/>
+        </a:xfrm>
+      </p:grpSpPr>
+      <p:sp>
+        <p:nvSpPr>
+          <p:cNvPr id="2" name="Slide Image Placeholder 1"/>
+          <p:cNvSpPr>
+            <a:spLocks noGrp="1" noRot="1" noChangeAspect="1"/>
+          </p:cNvSpPr>
+          <p:nvPr>
+            <p:ph type="sldImg"/>
+          </p:nvPr>
+        </p:nvSpPr>
+        <p:spPr/>
+      </p:sp>
+      <p:sp>
+        <p:nvSpPr>
+          <p:cNvPr id="3" name="Notes Placeholder 2"/>
+          <p:cNvSpPr>
+            <a:spLocks noGrp="1"/>
+          </p:cNvSpPr>
+          <p:nvPr>
+            <p:ph type="body" idx="1"/>
+          </p:nvPr>
+        </p:nvSpPr>
+        <p:spPr/>
+        <p:txBody>
+          <a:bodyPr/>
+          <a:lstStyle/>
+          <a:p>
+            <a:pPr lvl="0" indent="0" marL="0">
+              <a:buNone/>
+            </a:pPr>
+            <a:r>
+              <a:rPr/>
+              <a:t>proc univariate produces the mean as well as the 2.5 and 97.5 percentiles. The pctlpre and pctlname make the variable names of the output dataset look nice.</a:t>
+            </a:r>
+          </a:p>
+          <a:p>
+            <a:pPr lvl="0" indent="0" marL="0">
+              <a:buNone/>
+            </a:pPr>
+          </a:p>
+          <a:p>
+            <a:pPr lvl="0" indent="0" marL="0">
+              <a:buNone/>
+            </a:pPr>
+            <a:r>
+              <a:rPr/>
+              <a:t>Although the folks at UCLA take great pains to make everything look nice, they should have used a noprint option for proc univariate to keep the output cleaner.</a:t>
+            </a:r>
+          </a:p>
+        </p:txBody>
+      </p:sp>
+      <p:sp>
+        <p:nvSpPr>
+          <p:cNvPr id="4" name="Slide Number Placeholder 3"/>
+          <p:cNvSpPr>
+            <a:spLocks noGrp="1"/>
+          </p:cNvSpPr>
+          <p:nvPr>
+            <p:ph type="sldNum" sz="quarter" idx="10"/>
+          </p:nvPr>
+        </p:nvSpPr>
+        <p:spPr/>
+        <p:txBody>
+          <a:bodyPr/>
+          <a:lstStyle/>
+          <a:p>
+            <a:fld id="{18BDFEC3-8487-43E8-A154-7C12CBC1FFF2}" type="slidenum">
+              <a:rPr lang="en-US"/>
+              <a:t>44</a:t>
+            </a:fld>
+            <a:endParaRPr lang="en-US"/>
+          </a:p>
+        </p:txBody>
+      </p:sp>
+    </p:spTree>
+  </p:cSld>
+</p:notes>
+</file>
+
+<file path=ppt/notesSlides/notesSlide36.xml><?xml version="1.0" encoding="utf-8"?>
+<p:notes xmlns:a="http://schemas.openxmlformats.org/drawingml/2006/main" xmlns:r="http://schemas.openxmlformats.org/officeDocument/2006/relationships" xmlns:p="http://schemas.openxmlformats.org/presentationml/2006/main">
+  <p:cSld>
+    <p:spTree>
+      <p:nvGrpSpPr>
+        <p:cNvPr id="1" name=""/>
+        <p:cNvGrpSpPr/>
+        <p:nvPr/>
+      </p:nvGrpSpPr>
+      <p:grpSpPr>
+        <a:xfrm>
+          <a:off x="0" y="0"/>
+          <a:ext cx="0" cy="0"/>
+          <a:chOff x="0" y="0"/>
+          <a:chExt cx="0" cy="0"/>
+        </a:xfrm>
+      </p:grpSpPr>
+      <p:sp>
+        <p:nvSpPr>
+          <p:cNvPr id="2" name="Slide Image Placeholder 1"/>
+          <p:cNvSpPr>
+            <a:spLocks noGrp="1" noRot="1" noChangeAspect="1"/>
+          </p:cNvSpPr>
+          <p:nvPr>
+            <p:ph type="sldImg"/>
+          </p:nvPr>
+        </p:nvSpPr>
+        <p:spPr/>
+      </p:sp>
+      <p:sp>
+        <p:nvSpPr>
+          <p:cNvPr id="3" name="Notes Placeholder 2"/>
+          <p:cNvSpPr>
+            <a:spLocks noGrp="1"/>
+          </p:cNvSpPr>
+          <p:nvPr>
+            <p:ph type="body" idx="1"/>
+          </p:nvPr>
+        </p:nvSpPr>
+        <p:spPr/>
+        <p:txBody>
+          <a:bodyPr/>
+          <a:lstStyle/>
+          <a:p>
+            <a:pPr lvl="0" indent="0" marL="0">
+              <a:buNone/>
+            </a:pPr>
+            <a:r>
+              <a:rPr/>
+              <a:t>That &amp;r2bar is a macro variable of the estimate of R-squared from the original dataset. You subtract it from the mean of the bootstrap samples (r2hat) to get the estimated bias.</a:t>
+            </a:r>
+          </a:p>
+        </p:txBody>
+      </p:sp>
+      <p:sp>
+        <p:nvSpPr>
+          <p:cNvPr id="4" name="Slide Number Placeholder 3"/>
+          <p:cNvSpPr>
+            <a:spLocks noGrp="1"/>
+          </p:cNvSpPr>
+          <p:nvPr>
+            <p:ph type="sldNum" sz="quarter" idx="10"/>
+          </p:nvPr>
+        </p:nvSpPr>
+        <p:spPr/>
+        <p:txBody>
+          <a:bodyPr/>
+          <a:lstStyle/>
+          <a:p>
+            <a:fld id="{18BDFEC3-8487-43E8-A154-7C12CBC1FFF2}" type="slidenum">
+              <a:rPr lang="en-US"/>
+              <a:t>45</a:t>
+            </a:fld>
+            <a:endParaRPr lang="en-US"/>
+          </a:p>
+        </p:txBody>
+      </p:sp>
+    </p:spTree>
+  </p:cSld>
+</p:notes>
+</file>
+
+<file path=ppt/notesSlides/notesSlide37.xml><?xml version="1.0" encoding="utf-8"?>
+<p:notes xmlns:a="http://schemas.openxmlformats.org/drawingml/2006/main" xmlns:r="http://schemas.openxmlformats.org/officeDocument/2006/relationships" xmlns:p="http://schemas.openxmlformats.org/presentationml/2006/main">
+  <p:cSld>
+    <p:spTree>
+      <p:nvGrpSpPr>
+        <p:cNvPr id="1" name=""/>
+        <p:cNvGrpSpPr/>
+        <p:nvPr/>
+      </p:nvGrpSpPr>
+      <p:grpSpPr>
+        <a:xfrm>
+          <a:off x="0" y="0"/>
+          <a:ext cx="0" cy="0"/>
+          <a:chOff x="0" y="0"/>
+          <a:chExt cx="0" cy="0"/>
+        </a:xfrm>
+      </p:grpSpPr>
+      <p:sp>
+        <p:nvSpPr>
+          <p:cNvPr id="2" name="Slide Image Placeholder 1"/>
+          <p:cNvSpPr>
+            <a:spLocks noGrp="1" noRot="1" noChangeAspect="1"/>
+          </p:cNvSpPr>
+          <p:nvPr>
+            <p:ph type="sldImg"/>
+          </p:nvPr>
+        </p:nvSpPr>
+        <p:spPr/>
+      </p:sp>
+      <p:sp>
+        <p:nvSpPr>
+          <p:cNvPr id="3" name="Notes Placeholder 2"/>
+          <p:cNvSpPr>
+            <a:spLocks noGrp="1"/>
+          </p:cNvSpPr>
+          <p:nvPr>
+            <p:ph type="body" idx="1"/>
+          </p:nvPr>
+        </p:nvSpPr>
+        <p:spPr/>
+        <p:txBody>
+          <a:bodyPr/>
+          <a:lstStyle/>
+          <a:p>
+            <a:pPr lvl="0" indent="0" marL="0">
+              <a:buNone/>
+            </a:pPr>
+            <a:r>
+              <a:rPr/>
+              <a:t>After all this careful work, you now have the original estimate of R-squared (52% after rounding), the estimated bias (less than 1%) and the confidence interval (44% to 60%).</a:t>
+            </a:r>
+          </a:p>
+          <a:p>
+            <a:pPr lvl="0" indent="0" marL="0">
+              <a:buNone/>
+            </a:pPr>
+          </a:p>
+          <a:p>
+            <a:pPr lvl="0" indent="0" marL="0">
+              <a:buNone/>
+            </a:pPr>
+            <a:r>
+              <a:rPr/>
+              <a:t>As a quick recap, knowledge of the output delivery system (ods) and macro variables were critical. Thankfully, you did not need a loop here, but familiarity with looping mechanisms in SAS is probably worth knowing for other bootstrap examples.</a:t>
+            </a:r>
+          </a:p>
+          <a:p>
+            <a:pPr lvl="0" indent="0" marL="0">
+              <a:buNone/>
+            </a:pPr>
+          </a:p>
+          <a:p>
+            <a:pPr lvl="0" indent="0" marL="0">
+              <a:buNone/>
+            </a:pPr>
+            <a:r>
+              <a:rPr/>
+              <a:t>If you want to learn more, Rick Wicklin of SAS Institute has a nice series of blog posts. Start with this one.</a:t>
+            </a:r>
+          </a:p>
+        </p:txBody>
+      </p:sp>
+      <p:sp>
+        <p:nvSpPr>
+          <p:cNvPr id="4" name="Slide Number Placeholder 3"/>
+          <p:cNvSpPr>
+            <a:spLocks noGrp="1"/>
+          </p:cNvSpPr>
+          <p:nvPr>
+            <p:ph type="sldNum" sz="quarter" idx="10"/>
+          </p:nvPr>
+        </p:nvSpPr>
+        <p:spPr/>
+        <p:txBody>
+          <a:bodyPr/>
+          <a:lstStyle/>
+          <a:p>
+            <a:fld id="{18BDFEC3-8487-43E8-A154-7C12CBC1FFF2}" type="slidenum">
+              <a:rPr lang="en-US"/>
+              <a:t>46</a:t>
+            </a:fld>
+            <a:endParaRPr lang="en-US"/>
+          </a:p>
+        </p:txBody>
+      </p:sp>
+    </p:spTree>
+  </p:cSld>
+</p:notes>
+</file>
+
+<file path=ppt/notesSlides/notesSlide38.xml><?xml version="1.0" encoding="utf-8"?>
+<p:notes xmlns:a="http://schemas.openxmlformats.org/drawingml/2006/main" xmlns:r="http://schemas.openxmlformats.org/officeDocument/2006/relationships" xmlns:p="http://schemas.openxmlformats.org/presentationml/2006/main">
+  <p:cSld>
+    <p:spTree>
+      <p:nvGrpSpPr>
+        <p:cNvPr id="1" name=""/>
+        <p:cNvGrpSpPr/>
+        <p:nvPr/>
+      </p:nvGrpSpPr>
+      <p:grpSpPr>
+        <a:xfrm>
+          <a:off x="0" y="0"/>
+          <a:ext cx="0" cy="0"/>
+          <a:chOff x="0" y="0"/>
+          <a:chExt cx="0" cy="0"/>
+        </a:xfrm>
+      </p:grpSpPr>
+      <p:sp>
+        <p:nvSpPr>
+          <p:cNvPr id="2" name="Slide Image Placeholder 1"/>
+          <p:cNvSpPr>
+            <a:spLocks noGrp="1" noRot="1" noChangeAspect="1"/>
+          </p:cNvSpPr>
+          <p:nvPr>
+            <p:ph type="sldImg"/>
+          </p:nvPr>
+        </p:nvSpPr>
+        <p:spPr/>
+      </p:sp>
+      <p:sp>
+        <p:nvSpPr>
+          <p:cNvPr id="3" name="Notes Placeholder 2"/>
+          <p:cNvSpPr>
+            <a:spLocks noGrp="1"/>
+          </p:cNvSpPr>
+          <p:nvPr>
+            <p:ph type="body" idx="1"/>
+          </p:nvPr>
+        </p:nvSpPr>
+        <p:spPr/>
+        <p:txBody>
+          <a:bodyPr/>
+          <a:lstStyle/>
+          <a:p>
+            <a:pPr lvl="0" indent="0" marL="0">
+              <a:buNone/>
+            </a:pPr>
+            <a:r>
+              <a:rPr/>
+              <a:t>I am not an expert on Stata, but it was created in 1985 about two decades later than SAS. So it did not have any holdovers from the restricted options available in the age of IBM mainframe computers.</a:t>
+            </a:r>
+          </a:p>
+          <a:p>
+            <a:pPr lvl="0" indent="0" marL="0">
+              <a:buNone/>
+            </a:pPr>
+          </a:p>
+          <a:p>
+            <a:pPr lvl="0" indent="0" marL="0">
+              <a:buNone/>
+            </a:pPr>
+            <a:r>
+              <a:rPr/>
+              <a:t>This example is taken from the UCLA Statistical Methods and Data Analytics site. It pops up easily on a simple google search.</a:t>
+            </a:r>
+          </a:p>
+        </p:txBody>
+      </p:sp>
+      <p:sp>
+        <p:nvSpPr>
+          <p:cNvPr id="4" name="Slide Number Placeholder 3"/>
+          <p:cNvSpPr>
+            <a:spLocks noGrp="1"/>
+          </p:cNvSpPr>
+          <p:nvPr>
+            <p:ph type="sldNum" sz="quarter" idx="10"/>
+          </p:nvPr>
+        </p:nvSpPr>
+        <p:spPr/>
+        <p:txBody>
+          <a:bodyPr/>
+          <a:lstStyle/>
+          <a:p>
+            <a:fld id="{18BDFEC3-8487-43E8-A154-7C12CBC1FFF2}" type="slidenum">
+              <a:rPr lang="en-US"/>
+              <a:t>47</a:t>
+            </a:fld>
+            <a:endParaRPr lang="en-US"/>
+          </a:p>
+        </p:txBody>
+      </p:sp>
+    </p:spTree>
+  </p:cSld>
+</p:notes>
+</file>
+
+<file path=ppt/notesSlides/notesSlide39.xml><?xml version="1.0" encoding="utf-8"?>
+<p:notes xmlns:a="http://schemas.openxmlformats.org/drawingml/2006/main" xmlns:r="http://schemas.openxmlformats.org/officeDocument/2006/relationships" xmlns:p="http://schemas.openxmlformats.org/presentationml/2006/main">
+  <p:cSld>
+    <p:spTree>
+      <p:nvGrpSpPr>
+        <p:cNvPr id="1" name=""/>
+        <p:cNvGrpSpPr/>
+        <p:nvPr/>
+      </p:nvGrpSpPr>
+      <p:grpSpPr>
+        <a:xfrm>
+          <a:off x="0" y="0"/>
+          <a:ext cx="0" cy="0"/>
+          <a:chOff x="0" y="0"/>
+          <a:chExt cx="0" cy="0"/>
+        </a:xfrm>
+      </p:grpSpPr>
+      <p:sp>
+        <p:nvSpPr>
+          <p:cNvPr id="2" name="Slide Image Placeholder 1"/>
+          <p:cNvSpPr>
+            <a:spLocks noGrp="1" noRot="1" noChangeAspect="1"/>
+          </p:cNvSpPr>
+          <p:nvPr>
+            <p:ph type="sldImg"/>
+          </p:nvPr>
+        </p:nvSpPr>
+        <p:spPr/>
+      </p:sp>
+      <p:sp>
+        <p:nvSpPr>
+          <p:cNvPr id="3" name="Notes Placeholder 2"/>
+          <p:cNvSpPr>
+            <a:spLocks noGrp="1"/>
+          </p:cNvSpPr>
+          <p:nvPr>
+            <p:ph type="body" idx="1"/>
+          </p:nvPr>
+        </p:nvSpPr>
+        <p:spPr/>
+        <p:txBody>
+          <a:bodyPr/>
+          <a:lstStyle/>
+          <a:p>
+            <a:pPr lvl="0" indent="0" marL="0">
+              <a:buNone/>
+            </a:pPr>
+            <a:r>
+              <a:rPr/>
+              <a:t>Here is the Stata code to get the estimates from the original data.</a:t>
+            </a:r>
+          </a:p>
+        </p:txBody>
+      </p:sp>
+      <p:sp>
+        <p:nvSpPr>
+          <p:cNvPr id="4" name="Slide Number Placeholder 3"/>
+          <p:cNvSpPr>
+            <a:spLocks noGrp="1"/>
+          </p:cNvSpPr>
+          <p:nvPr>
+            <p:ph type="sldNum" sz="quarter" idx="10"/>
+          </p:nvPr>
+        </p:nvSpPr>
+        <p:spPr/>
+        <p:txBody>
+          <a:bodyPr/>
+          <a:lstStyle/>
+          <a:p>
+            <a:fld id="{18BDFEC3-8487-43E8-A154-7C12CBC1FFF2}" type="slidenum">
+              <a:rPr lang="en-US"/>
+              <a:t>48</a:t>
             </a:fld>
             <a:endParaRPr lang="en-US"/>
           </a:p>
@@ -2293,6 +3862,832 @@
             <a:fld id="{18BDFEC3-8487-43E8-A154-7C12CBC1FFF2}" type="slidenum">
               <a:rPr lang="en-US"/>
               <a:t>5</a:t>
+            </a:fld>
+            <a:endParaRPr lang="en-US"/>
+          </a:p>
+        </p:txBody>
+      </p:sp>
+    </p:spTree>
+  </p:cSld>
+</p:notes>
+</file>
+
+<file path=ppt/notesSlides/notesSlide40.xml><?xml version="1.0" encoding="utf-8"?>
+<p:notes xmlns:a="http://schemas.openxmlformats.org/drawingml/2006/main" xmlns:r="http://schemas.openxmlformats.org/officeDocument/2006/relationships" xmlns:p="http://schemas.openxmlformats.org/presentationml/2006/main">
+  <p:cSld>
+    <p:spTree>
+      <p:nvGrpSpPr>
+        <p:cNvPr id="1" name=""/>
+        <p:cNvGrpSpPr/>
+        <p:nvPr/>
+      </p:nvGrpSpPr>
+      <p:grpSpPr>
+        <a:xfrm>
+          <a:off x="0" y="0"/>
+          <a:ext cx="0" cy="0"/>
+          <a:chOff x="0" y="0"/>
+          <a:chExt cx="0" cy="0"/>
+        </a:xfrm>
+      </p:grpSpPr>
+      <p:sp>
+        <p:nvSpPr>
+          <p:cNvPr id="2" name="Slide Image Placeholder 1"/>
+          <p:cNvSpPr>
+            <a:spLocks noGrp="1" noRot="1" noChangeAspect="1"/>
+          </p:cNvSpPr>
+          <p:nvPr>
+            <p:ph type="sldImg"/>
+          </p:nvPr>
+        </p:nvSpPr>
+        <p:spPr/>
+      </p:sp>
+      <p:sp>
+        <p:nvSpPr>
+          <p:cNvPr id="3" name="Notes Placeholder 2"/>
+          <p:cNvSpPr>
+            <a:spLocks noGrp="1"/>
+          </p:cNvSpPr>
+          <p:nvPr>
+            <p:ph type="body" idx="1"/>
+          </p:nvPr>
+        </p:nvSpPr>
+        <p:spPr/>
+        <p:txBody>
+          <a:bodyPr/>
+          <a:lstStyle/>
+          <a:p>
+            <a:pPr lvl="0" indent="0" marL="0">
+              <a:buNone/>
+            </a:pPr>
+            <a:r>
+              <a:rPr/>
+              <a:t>Stata has a bootstrap function built-in. It is both a good thing and a bad thing. It is good in that it simplifies your code. It is bad in that it can only bootstrap on prespecified parts of the output. In fairness, this is also a limitation with the output delivery system in SAS. Both systems are pretty good at letting you pick out the pieces of the output that you are most interested in.</a:t>
+            </a:r>
+          </a:p>
+        </p:txBody>
+      </p:sp>
+      <p:sp>
+        <p:nvSpPr>
+          <p:cNvPr id="4" name="Slide Number Placeholder 3"/>
+          <p:cNvSpPr>
+            <a:spLocks noGrp="1"/>
+          </p:cNvSpPr>
+          <p:nvPr>
+            <p:ph type="sldNum" sz="quarter" idx="10"/>
+          </p:nvPr>
+        </p:nvSpPr>
+        <p:spPr/>
+        <p:txBody>
+          <a:bodyPr/>
+          <a:lstStyle/>
+          <a:p>
+            <a:fld id="{18BDFEC3-8487-43E8-A154-7C12CBC1FFF2}" type="slidenum">
+              <a:rPr lang="en-US"/>
+              <a:t>49</a:t>
+            </a:fld>
+            <a:endParaRPr lang="en-US"/>
+          </a:p>
+        </p:txBody>
+      </p:sp>
+    </p:spTree>
+  </p:cSld>
+</p:notes>
+</file>
+
+<file path=ppt/notesSlides/notesSlide41.xml><?xml version="1.0" encoding="utf-8"?>
+<p:notes xmlns:a="http://schemas.openxmlformats.org/drawingml/2006/main" xmlns:r="http://schemas.openxmlformats.org/officeDocument/2006/relationships" xmlns:p="http://schemas.openxmlformats.org/presentationml/2006/main">
+  <p:cSld>
+    <p:spTree>
+      <p:nvGrpSpPr>
+        <p:cNvPr id="1" name=""/>
+        <p:cNvGrpSpPr/>
+        <p:nvPr/>
+      </p:nvGrpSpPr>
+      <p:grpSpPr>
+        <a:xfrm>
+          <a:off x="0" y="0"/>
+          <a:ext cx="0" cy="0"/>
+          <a:chOff x="0" y="0"/>
+          <a:chExt cx="0" cy="0"/>
+        </a:xfrm>
+      </p:grpSpPr>
+      <p:sp>
+        <p:nvSpPr>
+          <p:cNvPr id="2" name="Slide Image Placeholder 1"/>
+          <p:cNvSpPr>
+            <a:spLocks noGrp="1" noRot="1" noChangeAspect="1"/>
+          </p:cNvSpPr>
+          <p:nvPr>
+            <p:ph type="sldImg"/>
+          </p:nvPr>
+        </p:nvSpPr>
+        <p:spPr/>
+      </p:sp>
+      <p:sp>
+        <p:nvSpPr>
+          <p:cNvPr id="3" name="Notes Placeholder 2"/>
+          <p:cNvSpPr>
+            <a:spLocks noGrp="1"/>
+          </p:cNvSpPr>
+          <p:nvPr>
+            <p:ph type="body" idx="1"/>
+          </p:nvPr>
+        </p:nvSpPr>
+        <p:spPr/>
+        <p:txBody>
+          <a:bodyPr/>
+          <a:lstStyle/>
+          <a:p>
+            <a:pPr lvl="0" indent="0" marL="0">
+              <a:buNone/>
+            </a:pPr>
+            <a:r>
+              <a:rPr/>
+              <a:t>Here is the output. By default, it provides a confidence interval based on the bootstrap standard error, but you can get other confidence intervals as well.</a:t>
+            </a:r>
+          </a:p>
+          <a:p>
+            <a:pPr lvl="0" indent="0" marL="0">
+              <a:buNone/>
+            </a:pPr>
+          </a:p>
+          <a:p>
+            <a:pPr lvl="0" indent="0" marL="0">
+              <a:buNone/>
+            </a:pPr>
+            <a:r>
+              <a:rPr/>
+              <a:t>In this example, the original data produced a root mean squared error of 7.2 and the bootstrap 95% confidence interval goes from 6.7 to 7.7.</a:t>
+            </a:r>
+          </a:p>
+        </p:txBody>
+      </p:sp>
+      <p:sp>
+        <p:nvSpPr>
+          <p:cNvPr id="4" name="Slide Number Placeholder 3"/>
+          <p:cNvSpPr>
+            <a:spLocks noGrp="1"/>
+          </p:cNvSpPr>
+          <p:nvPr>
+            <p:ph type="sldNum" sz="quarter" idx="10"/>
+          </p:nvPr>
+        </p:nvSpPr>
+        <p:spPr/>
+        <p:txBody>
+          <a:bodyPr/>
+          <a:lstStyle/>
+          <a:p>
+            <a:fld id="{18BDFEC3-8487-43E8-A154-7C12CBC1FFF2}" type="slidenum">
+              <a:rPr lang="en-US"/>
+              <a:t>50</a:t>
+            </a:fld>
+            <a:endParaRPr lang="en-US"/>
+          </a:p>
+        </p:txBody>
+      </p:sp>
+    </p:spTree>
+  </p:cSld>
+</p:notes>
+</file>
+
+<file path=ppt/notesSlides/notesSlide42.xml><?xml version="1.0" encoding="utf-8"?>
+<p:notes xmlns:a="http://schemas.openxmlformats.org/drawingml/2006/main" xmlns:r="http://schemas.openxmlformats.org/officeDocument/2006/relationships" xmlns:p="http://schemas.openxmlformats.org/presentationml/2006/main">
+  <p:cSld>
+    <p:spTree>
+      <p:nvGrpSpPr>
+        <p:cNvPr id="1" name=""/>
+        <p:cNvGrpSpPr/>
+        <p:nvPr/>
+      </p:nvGrpSpPr>
+      <p:grpSpPr>
+        <a:xfrm>
+          <a:off x="0" y="0"/>
+          <a:ext cx="0" cy="0"/>
+          <a:chOff x="0" y="0"/>
+          <a:chExt cx="0" cy="0"/>
+        </a:xfrm>
+      </p:grpSpPr>
+      <p:sp>
+        <p:nvSpPr>
+          <p:cNvPr id="2" name="Slide Image Placeholder 1"/>
+          <p:cNvSpPr>
+            <a:spLocks noGrp="1" noRot="1" noChangeAspect="1"/>
+          </p:cNvSpPr>
+          <p:nvPr>
+            <p:ph type="sldImg"/>
+          </p:nvPr>
+        </p:nvSpPr>
+        <p:spPr/>
+      </p:sp>
+      <p:sp>
+        <p:nvSpPr>
+          <p:cNvPr id="3" name="Notes Placeholder 2"/>
+          <p:cNvSpPr>
+            <a:spLocks noGrp="1"/>
+          </p:cNvSpPr>
+          <p:nvPr>
+            <p:ph type="body" idx="1"/>
+          </p:nvPr>
+        </p:nvSpPr>
+        <p:spPr/>
+        <p:txBody>
+          <a:bodyPr/>
+          <a:lstStyle/>
+          <a:p>
+            <a:pPr lvl="0" indent="0" marL="0">
+              <a:buNone/>
+            </a:pPr>
+            <a:r>
+              <a:rPr/>
+              <a:t>R was created in 1999, and relied on a modular approach that makes it ideal for bootstrapping. There is a special library that works for most cases, even some very exotic ones. Looping in R is easy as is extracting specific values.</a:t>
+            </a:r>
+          </a:p>
+          <a:p>
+            <a:pPr lvl="0" indent="0" marL="0">
+              <a:buNone/>
+            </a:pPr>
+          </a:p>
+          <a:p>
+            <a:pPr lvl="0" indent="0" marL="0">
+              <a:buNone/>
+            </a:pPr>
+            <a:r>
+              <a:rPr/>
+              <a:t>Again, I am using an example from the UCLA Statistical Methods and Data Analytics site. It pops up easily on a simple google search.</a:t>
+            </a:r>
+          </a:p>
+        </p:txBody>
+      </p:sp>
+      <p:sp>
+        <p:nvSpPr>
+          <p:cNvPr id="4" name="Slide Number Placeholder 3"/>
+          <p:cNvSpPr>
+            <a:spLocks noGrp="1"/>
+          </p:cNvSpPr>
+          <p:nvPr>
+            <p:ph type="sldNum" sz="quarter" idx="10"/>
+          </p:nvPr>
+        </p:nvSpPr>
+        <p:spPr/>
+        <p:txBody>
+          <a:bodyPr/>
+          <a:lstStyle/>
+          <a:p>
+            <a:fld id="{18BDFEC3-8487-43E8-A154-7C12CBC1FFF2}" type="slidenum">
+              <a:rPr lang="en-US"/>
+              <a:t>51</a:t>
+            </a:fld>
+            <a:endParaRPr lang="en-US"/>
+          </a:p>
+        </p:txBody>
+      </p:sp>
+    </p:spTree>
+  </p:cSld>
+</p:notes>
+</file>
+
+<file path=ppt/notesSlides/notesSlide43.xml><?xml version="1.0" encoding="utf-8"?>
+<p:notes xmlns:a="http://schemas.openxmlformats.org/drawingml/2006/main" xmlns:r="http://schemas.openxmlformats.org/officeDocument/2006/relationships" xmlns:p="http://schemas.openxmlformats.org/presentationml/2006/main">
+  <p:cSld>
+    <p:spTree>
+      <p:nvGrpSpPr>
+        <p:cNvPr id="1" name=""/>
+        <p:cNvGrpSpPr/>
+        <p:nvPr/>
+      </p:nvGrpSpPr>
+      <p:grpSpPr>
+        <a:xfrm>
+          <a:off x="0" y="0"/>
+          <a:ext cx="0" cy="0"/>
+          <a:chOff x="0" y="0"/>
+          <a:chExt cx="0" cy="0"/>
+        </a:xfrm>
+      </p:grpSpPr>
+      <p:sp>
+        <p:nvSpPr>
+          <p:cNvPr id="2" name="Slide Image Placeholder 1"/>
+          <p:cNvSpPr>
+            <a:spLocks noGrp="1" noRot="1" noChangeAspect="1"/>
+          </p:cNvSpPr>
+          <p:nvPr>
+            <p:ph type="sldImg"/>
+          </p:nvPr>
+        </p:nvSpPr>
+        <p:spPr/>
+      </p:sp>
+      <p:sp>
+        <p:nvSpPr>
+          <p:cNvPr id="3" name="Notes Placeholder 2"/>
+          <p:cNvSpPr>
+            <a:spLocks noGrp="1"/>
+          </p:cNvSpPr>
+          <p:nvPr>
+            <p:ph type="body" idx="1"/>
+          </p:nvPr>
+        </p:nvSpPr>
+        <p:spPr/>
+        <p:txBody>
+          <a:bodyPr/>
+          <a:lstStyle/>
+          <a:p>
+            <a:pPr lvl="0" indent="0" marL="0">
+              <a:buNone/>
+            </a:pPr>
+            <a:r>
+              <a:rPr/>
+              <a:t>In more complex settings, you need to consider some modifications to the bootstrap. I have almost no experience in these settings and there is scant guidance in the published literature and on the web.</a:t>
+            </a:r>
+          </a:p>
+          <a:p>
+            <a:pPr lvl="0" indent="0" marL="0">
+              <a:buNone/>
+            </a:pPr>
+          </a:p>
+          <a:p>
+            <a:pPr lvl="0" indent="0" marL="0">
+              <a:buNone/>
+            </a:pPr>
+            <a:r>
+              <a:rPr/>
+              <a:t>If you find yourself in one of these settings, I would encourage you to find a few publications that use the bootstrap in a setting reasonably similar to yours and emulate their approach.</a:t>
+            </a:r>
+          </a:p>
+          <a:p>
+            <a:pPr lvl="0" indent="0" marL="0">
+              <a:buNone/>
+            </a:pPr>
+          </a:p>
+          <a:p>
+            <a:pPr lvl="0" indent="0" marL="0">
+              <a:buNone/>
+            </a:pPr>
+            <a:r>
+              <a:rPr/>
+              <a:t>I call this the “lemming school of research” which is a reference to the warning about peer pressure that almost every parent has nagged their children with (“If all your friends jumped off a cliff, would you jump off the cliff as well?”).</a:t>
+            </a:r>
+          </a:p>
+          <a:p>
+            <a:pPr lvl="0" indent="0" marL="0">
+              <a:buNone/>
+            </a:pPr>
+          </a:p>
+          <a:p>
+            <a:pPr lvl="0" indent="0" marL="0">
+              <a:buNone/>
+            </a:pPr>
+            <a:r>
+              <a:rPr/>
+              <a:t>It actually is not as bad as I make it sound. If a certain methodology has survived the peer reviewe process, that gives you a bit more confidence that you can survive the peer review process as well if you emulate their approach. There are no guarantees, of course, but this is perhaps an illustration of a more positive message: “there is safety in numbers.”</a:t>
+            </a:r>
+          </a:p>
+          <a:p>
+            <a:pPr lvl="0" indent="0" marL="0">
+              <a:buNone/>
+            </a:pPr>
+          </a:p>
+          <a:p>
+            <a:pPr lvl="0" indent="0" marL="0">
+              <a:buNone/>
+            </a:pPr>
+            <a:r>
+              <a:rPr/>
+              <a:t>The three settings I want to discuss are multiple groups, time series, and regression models.</a:t>
+            </a:r>
+          </a:p>
+        </p:txBody>
+      </p:sp>
+      <p:sp>
+        <p:nvSpPr>
+          <p:cNvPr id="4" name="Slide Number Placeholder 3"/>
+          <p:cNvSpPr>
+            <a:spLocks noGrp="1"/>
+          </p:cNvSpPr>
+          <p:nvPr>
+            <p:ph type="sldNum" sz="quarter" idx="10"/>
+          </p:nvPr>
+        </p:nvSpPr>
+        <p:spPr/>
+        <p:txBody>
+          <a:bodyPr/>
+          <a:lstStyle/>
+          <a:p>
+            <a:fld id="{18BDFEC3-8487-43E8-A154-7C12CBC1FFF2}" type="slidenum">
+              <a:rPr lang="en-US"/>
+              <a:t>56</a:t>
+            </a:fld>
+            <a:endParaRPr lang="en-US"/>
+          </a:p>
+        </p:txBody>
+      </p:sp>
+    </p:spTree>
+  </p:cSld>
+</p:notes>
+</file>
+
+<file path=ppt/notesSlides/notesSlide44.xml><?xml version="1.0" encoding="utf-8"?>
+<p:notes xmlns:a="http://schemas.openxmlformats.org/drawingml/2006/main" xmlns:r="http://schemas.openxmlformats.org/officeDocument/2006/relationships" xmlns:p="http://schemas.openxmlformats.org/presentationml/2006/main">
+  <p:cSld>
+    <p:spTree>
+      <p:nvGrpSpPr>
+        <p:cNvPr id="1" name=""/>
+        <p:cNvGrpSpPr/>
+        <p:nvPr/>
+      </p:nvGrpSpPr>
+      <p:grpSpPr>
+        <a:xfrm>
+          <a:off x="0" y="0"/>
+          <a:ext cx="0" cy="0"/>
+          <a:chOff x="0" y="0"/>
+          <a:chExt cx="0" cy="0"/>
+        </a:xfrm>
+      </p:grpSpPr>
+      <p:sp>
+        <p:nvSpPr>
+          <p:cNvPr id="2" name="Slide Image Placeholder 1"/>
+          <p:cNvSpPr>
+            <a:spLocks noGrp="1" noRot="1" noChangeAspect="1"/>
+          </p:cNvSpPr>
+          <p:nvPr>
+            <p:ph type="sldImg"/>
+          </p:nvPr>
+        </p:nvSpPr>
+        <p:spPr/>
+      </p:sp>
+      <p:sp>
+        <p:nvSpPr>
+          <p:cNvPr id="3" name="Notes Placeholder 2"/>
+          <p:cNvSpPr>
+            <a:spLocks noGrp="1"/>
+          </p:cNvSpPr>
+          <p:nvPr>
+            <p:ph type="body" idx="1"/>
+          </p:nvPr>
+        </p:nvSpPr>
+        <p:spPr/>
+        <p:txBody>
+          <a:bodyPr/>
+          <a:lstStyle/>
+          <a:p>
+            <a:pPr lvl="0" indent="0" marL="0">
+              <a:buNone/>
+            </a:pPr>
+            <a:r>
+              <a:rPr/>
+              <a:t>Suppose you have two or more groups and want to estimate a statistic across all of the groups. For example, you have a treatment and a control group and you want to estimate the difference in medians between the two groups.</a:t>
+            </a:r>
+          </a:p>
+          <a:p>
+            <a:pPr lvl="0" indent="0" marL="0">
+              <a:buNone/>
+            </a:pPr>
+          </a:p>
+          <a:p>
+            <a:pPr lvl="0" indent="0" marL="0">
+              <a:buNone/>
+            </a:pPr>
+            <a:r>
+              <a:rPr/>
+              <a:t>You have two options. The first is to apply a simple bootstrap. This allows the relative sizes in the groups to vary. If one of the groups has a small relative sample size, then you run a slight risk having zero observations in that group for one or more of your bootstrap samples.</a:t>
+            </a:r>
+          </a:p>
+          <a:p>
+            <a:pPr lvl="0" indent="0" marL="0">
+              <a:buNone/>
+            </a:pPr>
+          </a:p>
+          <a:p>
+            <a:pPr lvl="0" indent="0" marL="0">
+              <a:buNone/>
+            </a:pPr>
+            <a:r>
+              <a:rPr/>
+              <a:t>If the group sizes are all reasonably large, this is not a serious problem.</a:t>
+            </a:r>
+          </a:p>
+          <a:p>
+            <a:pPr lvl="0" indent="0" marL="0">
+              <a:buNone/>
+            </a:pPr>
+          </a:p>
+          <a:p>
+            <a:pPr lvl="0" indent="0" marL="0">
+              <a:buNone/>
+            </a:pPr>
+            <a:r>
+              <a:rPr/>
+              <a:t>An alternative is to use a stratified bootstrap sample. It’s easy enough to envision with two groups. Let’s say that the two groups have sample sizes n1 and n2. Sample n1 observation with replacement from the first group, sample with n2 observations with replacement from the second group and then combine.</a:t>
+            </a:r>
+          </a:p>
+          <a:p>
+            <a:pPr lvl="0" indent="0" marL="0">
+              <a:buNone/>
+            </a:pPr>
+          </a:p>
+          <a:p>
+            <a:pPr lvl="0" indent="0" marL="0">
+              <a:buNone/>
+            </a:pPr>
+            <a:r>
+              <a:rPr/>
+              <a:t>The stratified bootstrap answers a different question than the simple bootstrap. The simple bootstrap calculates uncertainty in a setting where you are collecting a single sample and that sample has a random number of subjects in each group. The stratified bootstrap calculates uncertainty where you are collecting samples from multiple groups, each with a fixed quota.</a:t>
+            </a:r>
+          </a:p>
+          <a:p>
+            <a:pPr lvl="0" indent="0" marL="0">
+              <a:buNone/>
+            </a:pPr>
+          </a:p>
+          <a:p>
+            <a:pPr lvl="0" indent="0" marL="0">
+              <a:buNone/>
+            </a:pPr>
+            <a:r>
+              <a:rPr/>
+              <a:t>Is this a huge difference? I’m not sure, but my guess is that it is not all that important except when one or more of the group sizes is small. By small, I mean 10 or less. I should note, however, that I have not seen an “official” guidance on this question.</a:t>
+            </a:r>
+          </a:p>
+        </p:txBody>
+      </p:sp>
+      <p:sp>
+        <p:nvSpPr>
+          <p:cNvPr id="4" name="Slide Number Placeholder 3"/>
+          <p:cNvSpPr>
+            <a:spLocks noGrp="1"/>
+          </p:cNvSpPr>
+          <p:nvPr>
+            <p:ph type="sldNum" sz="quarter" idx="10"/>
+          </p:nvPr>
+        </p:nvSpPr>
+        <p:spPr/>
+        <p:txBody>
+          <a:bodyPr/>
+          <a:lstStyle/>
+          <a:p>
+            <a:fld id="{18BDFEC3-8487-43E8-A154-7C12CBC1FFF2}" type="slidenum">
+              <a:rPr lang="en-US"/>
+              <a:t>60</a:t>
+            </a:fld>
+            <a:endParaRPr lang="en-US"/>
+          </a:p>
+        </p:txBody>
+      </p:sp>
+    </p:spTree>
+  </p:cSld>
+</p:notes>
+</file>
+
+<file path=ppt/notesSlides/notesSlide45.xml><?xml version="1.0" encoding="utf-8"?>
+<p:notes xmlns:a="http://schemas.openxmlformats.org/drawingml/2006/main" xmlns:r="http://schemas.openxmlformats.org/officeDocument/2006/relationships" xmlns:p="http://schemas.openxmlformats.org/presentationml/2006/main">
+  <p:cSld>
+    <p:spTree>
+      <p:nvGrpSpPr>
+        <p:cNvPr id="1" name=""/>
+        <p:cNvGrpSpPr/>
+        <p:nvPr/>
+      </p:nvGrpSpPr>
+      <p:grpSpPr>
+        <a:xfrm>
+          <a:off x="0" y="0"/>
+          <a:ext cx="0" cy="0"/>
+          <a:chOff x="0" y="0"/>
+          <a:chExt cx="0" cy="0"/>
+        </a:xfrm>
+      </p:grpSpPr>
+      <p:sp>
+        <p:nvSpPr>
+          <p:cNvPr id="2" name="Slide Image Placeholder 1"/>
+          <p:cNvSpPr>
+            <a:spLocks noGrp="1" noRot="1" noChangeAspect="1"/>
+          </p:cNvSpPr>
+          <p:nvPr>
+            <p:ph type="sldImg"/>
+          </p:nvPr>
+        </p:nvSpPr>
+        <p:spPr/>
+      </p:sp>
+      <p:sp>
+        <p:nvSpPr>
+          <p:cNvPr id="3" name="Notes Placeholder 2"/>
+          <p:cNvSpPr>
+            <a:spLocks noGrp="1"/>
+          </p:cNvSpPr>
+          <p:nvPr>
+            <p:ph type="body" idx="1"/>
+          </p:nvPr>
+        </p:nvSpPr>
+        <p:spPr/>
+        <p:txBody>
+          <a:bodyPr/>
+          <a:lstStyle/>
+          <a:p>
+            <a:pPr lvl="0" indent="0" marL="0">
+              <a:buNone/>
+            </a:pPr>
+            <a:r>
+              <a:rPr/>
+              <a:t>There are special features of time series data that make them difficult to use with a simple bootstrap. The first and most obvious feature is that most time series have a nice neatly ordered pattern or even spacing over time. A bootstrap sample is going to have gaps in some places and multiple observations at the same time point.</a:t>
+            </a:r>
+          </a:p>
+          <a:p>
+            <a:pPr lvl="0" indent="0" marL="0">
+              <a:buNone/>
+            </a:pPr>
+          </a:p>
+          <a:p>
+            <a:pPr lvl="0" indent="0" marL="0">
+              <a:buNone/>
+            </a:pPr>
+            <a:r>
+              <a:rPr/>
+              <a:t>Most time series also exhibit serial correlation, seasonality, and/or temporal trends. These features are either seriously distorted or totally destroyed in a bootstrap sample.</a:t>
+            </a:r>
+          </a:p>
+          <a:p>
+            <a:pPr lvl="0" indent="0" marL="0">
+              <a:buNone/>
+            </a:pPr>
+          </a:p>
+          <a:p>
+            <a:pPr lvl="0" indent="0" marL="0">
+              <a:buNone/>
+            </a:pPr>
+            <a:r>
+              <a:rPr/>
+              <a:t>There are several possible solutions. One is to bootstrap consecutive blocks of observations. This preserves time series features within a block and appears to perform reasonably well.</a:t>
+            </a:r>
+          </a:p>
+          <a:p>
+            <a:pPr lvl="0" indent="0" marL="0">
+              <a:buNone/>
+            </a:pPr>
+          </a:p>
+          <a:p>
+            <a:pPr lvl="0" indent="0" marL="0">
+              <a:buNone/>
+            </a:pPr>
+            <a:r>
+              <a:rPr/>
+              <a:t>A second option is to remove any trend and decompose the time series into independent components, take a bootstrap sample of the independent components, and then recompose a new series from the bootstrap sample.</a:t>
+            </a:r>
+          </a:p>
+          <a:p>
+            <a:pPr lvl="0" indent="0" marL="0">
+              <a:buNone/>
+            </a:pPr>
+          </a:p>
+          <a:p>
+            <a:pPr lvl="0" indent="0" marL="0">
+              <a:buNone/>
+            </a:pPr>
+            <a:r>
+              <a:rPr/>
+              <a:t>The approach you take largely depends on the context of your problem and what statistic you are trying to characterize. For example, if you detrend the data and remove seasonality, then any bootstrapped estimate from the reconstructed time series will be fine if it is modeling a feature of the data other than the trend or seasonality.</a:t>
+            </a:r>
+          </a:p>
+        </p:txBody>
+      </p:sp>
+      <p:sp>
+        <p:nvSpPr>
+          <p:cNvPr id="4" name="Slide Number Placeholder 3"/>
+          <p:cNvSpPr>
+            <a:spLocks noGrp="1"/>
+          </p:cNvSpPr>
+          <p:nvPr>
+            <p:ph type="sldNum" sz="quarter" idx="10"/>
+          </p:nvPr>
+        </p:nvSpPr>
+        <p:spPr/>
+        <p:txBody>
+          <a:bodyPr/>
+          <a:lstStyle/>
+          <a:p>
+            <a:fld id="{18BDFEC3-8487-43E8-A154-7C12CBC1FFF2}" type="slidenum">
+              <a:rPr lang="en-US"/>
+              <a:t>61</a:t>
+            </a:fld>
+            <a:endParaRPr lang="en-US"/>
+          </a:p>
+        </p:txBody>
+      </p:sp>
+    </p:spTree>
+  </p:cSld>
+</p:notes>
+</file>
+
+<file path=ppt/notesSlides/notesSlide46.xml><?xml version="1.0" encoding="utf-8"?>
+<p:notes xmlns:a="http://schemas.openxmlformats.org/drawingml/2006/main" xmlns:r="http://schemas.openxmlformats.org/officeDocument/2006/relationships" xmlns:p="http://schemas.openxmlformats.org/presentationml/2006/main">
+  <p:cSld>
+    <p:spTree>
+      <p:nvGrpSpPr>
+        <p:cNvPr id="1" name=""/>
+        <p:cNvGrpSpPr/>
+        <p:nvPr/>
+      </p:nvGrpSpPr>
+      <p:grpSpPr>
+        <a:xfrm>
+          <a:off x="0" y="0"/>
+          <a:ext cx="0" cy="0"/>
+          <a:chOff x="0" y="0"/>
+          <a:chExt cx="0" cy="0"/>
+        </a:xfrm>
+      </p:grpSpPr>
+      <p:sp>
+        <p:nvSpPr>
+          <p:cNvPr id="2" name="Slide Image Placeholder 1"/>
+          <p:cNvSpPr>
+            <a:spLocks noGrp="1" noRot="1" noChangeAspect="1"/>
+          </p:cNvSpPr>
+          <p:nvPr>
+            <p:ph type="sldImg"/>
+          </p:nvPr>
+        </p:nvSpPr>
+        <p:spPr/>
+      </p:sp>
+      <p:sp>
+        <p:nvSpPr>
+          <p:cNvPr id="3" name="Notes Placeholder 2"/>
+          <p:cNvSpPr>
+            <a:spLocks noGrp="1"/>
+          </p:cNvSpPr>
+          <p:nvPr>
+            <p:ph type="body" idx="1"/>
+          </p:nvPr>
+        </p:nvSpPr>
+        <p:spPr/>
+        <p:txBody>
+          <a:bodyPr/>
+          <a:lstStyle/>
+          <a:p>
+            <a:pPr lvl="0" indent="0" marL="0">
+              <a:buNone/>
+            </a:pPr>
+            <a:r>
+              <a:rPr/>
+              <a:t>The regression model has some of the same issues as the setting with multiple groups described earlier. If some of the independent variables are very strongly correlated, you might end up with a setting where the correlation is exactly 1 for one or more of the bootstrap samples. This is not a serious issue unless you have both a strong correlation and a small sample size.</a:t>
+            </a:r>
+          </a:p>
+          <a:p>
+            <a:pPr lvl="0" indent="0" marL="0">
+              <a:buNone/>
+            </a:pPr>
+          </a:p>
+          <a:p>
+            <a:pPr lvl="0" indent="0" marL="0">
+              <a:buNone/>
+            </a:pPr>
+            <a:r>
+              <a:rPr/>
+              <a:t>But another consideration is that the bootstrap sample treats the independent variables as if they are selected randomly along with the dependent variable. This may be the case, but there are some datasets where the X values are fixed in advance and the dependent variable is the only thing being sampled.</a:t>
+            </a:r>
+          </a:p>
+          <a:p>
+            <a:pPr lvl="0" indent="0" marL="0">
+              <a:buNone/>
+            </a:pPr>
+          </a:p>
+          <a:p>
+            <a:pPr lvl="0" indent="0" marL="0">
+              <a:buNone/>
+            </a:pPr>
+            <a:r>
+              <a:rPr/>
+              <a:t>One possible solution is to compute the residuals and reconstruct a new dependent variable from the bootstrapped residuals.</a:t>
+            </a:r>
+          </a:p>
+          <a:p>
+            <a:pPr lvl="0" indent="0" marL="0">
+              <a:buNone/>
+            </a:pPr>
+          </a:p>
+          <a:p>
+            <a:pPr lvl="0" indent="0" marL="0">
+              <a:buNone/>
+            </a:pPr>
+            <a:r>
+              <a:rPr/>
+              <a:t>Context is important here. If you bootstrap the residuals, you can’t use the reconstructed dependent variable as an estimate of the regression slopes themselves. You could use them to reconstruct a statistic that is independent of those slopes.</a:t>
+            </a:r>
+          </a:p>
+        </p:txBody>
+      </p:sp>
+      <p:sp>
+        <p:nvSpPr>
+          <p:cNvPr id="4" name="Slide Number Placeholder 3"/>
+          <p:cNvSpPr>
+            <a:spLocks noGrp="1"/>
+          </p:cNvSpPr>
+          <p:nvPr>
+            <p:ph type="sldNum" sz="quarter" idx="10"/>
+          </p:nvPr>
+        </p:nvSpPr>
+        <p:spPr/>
+        <p:txBody>
+          <a:bodyPr/>
+          <a:lstStyle/>
+          <a:p>
+            <a:fld id="{18BDFEC3-8487-43E8-A154-7C12CBC1FFF2}" type="slidenum">
+              <a:rPr lang="en-US"/>
+              <a:t>62</a:t>
             </a:fld>
             <a:endParaRPr lang="en-US"/>
           </a:p>
@@ -7092,31 +9487,10 @@
             </a:r>
           </a:p>
           <a:p>
-            <a:pPr lvl="1"/>
-            <a:r>
-              <a:rPr/>
-              <a:t>The jackknife</a:t>
-            </a:r>
-          </a:p>
-          <a:p>
-            <a:pPr lvl="1"/>
-            <a:r>
-              <a:rPr/>
-              <a:t>Bradley Efron’s work</a:t>
-            </a:r>
-          </a:p>
-          <a:p>
-            <a:pPr lvl="1"/>
-            <a:r>
-              <a:rPr/>
-              <a:t>Bagging</a:t>
-            </a:r>
-          </a:p>
-          <a:p>
             <a:pPr lvl="0"/>
             <a:r>
               <a:rPr/>
-              <a:t>Calculations</a:t>
+              <a:t>Algorithms</a:t>
             </a:r>
           </a:p>
           <a:p>
@@ -7544,7 +9918,7 @@
             <a:pPr lvl="1"/>
             <a:r>
               <a:rPr/>
-              <a:t>Reasons for using the bootstrap</a:t>
+              <a:t>Algorithms</a:t>
             </a:r>
           </a:p>
         </p:txBody>
@@ -7591,7 +9965,7 @@
             </a:pPr>
             <a:r>
               <a:rPr/>
-              <a:t>Reasons for using the bootstrap</a:t>
+              <a:t>Algorithms</a:t>
             </a:r>
           </a:p>
         </p:txBody>
@@ -8669,6 +11043,34 @@
                 <a:pPr lvl="1"/>
                 <a14:m>
                   <m:oMath xmlns:m="http://schemas.openxmlformats.org/officeDocument/2006/math">
+                    <m:sSup>
+                      <m:e>
+                        <m:r>
+                          <m:t>σ</m:t>
+                        </m:r>
+                      </m:e>
+                      <m:sup>
+                        <m:d>
+                          <m:dPr>
+                            <m:begChr m:val="("/>
+                            <m:endChr m:val=")"/>
+                            <m:sepChr m:val=""/>
+                            <m:grow/>
+                          </m:dPr>
+                          <m:e>
+                            <m:r>
+                              <m:t>B</m:t>
+                            </m:r>
+                          </m:e>
+                        </m:d>
+                      </m:sup>
+                    </m:sSup>
+                    <m:r>
+                      <m:rPr>
+                        <m:sty m:val="p"/>
+                      </m:rPr>
+                      <m:t>=</m:t>
+                    </m:r>
                     <m:rad>
                       <m:radPr>
                         <m:degHide m:val="1"/>
@@ -8932,6 +11334,141 @@
           </a:p>
         </p:txBody>
       </p:sp>
+      <mc:AlternateContent xmlns:mc="http://schemas.openxmlformats.org/markup-compatibility/2006">
+        <mc:Choice xmlns:a14="http://schemas.microsoft.com/office/drawing/2010/main" Requires="a14">
+          <p:sp>
+            <p:nvSpPr>
+              <p:cNvPr id="3" name="Content Placeholder 2"/>
+              <p:cNvSpPr>
+                <a:spLocks noGrp="1"/>
+              </p:cNvSpPr>
+              <p:nvPr>
+                <p:ph idx="1"/>
+              </p:nvPr>
+            </p:nvSpPr>
+            <p:spPr/>
+            <p:txBody>
+              <a:bodyPr/>
+              <a:lstStyle/>
+              <a:p>
+                <a:pPr lvl="0"/>
+                <a:r>
+                  <a:rPr/>
+                  <a:t>Easy, once you have a standard error</a:t>
+                </a:r>
+              </a:p>
+              <a:p>
+                <a:pPr lvl="1"/>
+                <a14:m>
+                  <m:oMath xmlns:m="http://schemas.openxmlformats.org/officeDocument/2006/math">
+                    <m:sSup>
+                      <m:e>
+                        <m:acc>
+                          <m:accPr>
+                            <m:chr m:val="̂"/>
+                          </m:accPr>
+                          <m:e>
+                            <m:r>
+                              <m:t>θ</m:t>
+                            </m:r>
+                          </m:e>
+                        </m:acc>
+                      </m:e>
+                      <m:sup>
+                        <m:d>
+                          <m:dPr>
+                            <m:begChr m:val="("/>
+                            <m:endChr m:val=")"/>
+                            <m:sepChr m:val=""/>
+                            <m:grow/>
+                          </m:dPr>
+                          <m:e>
+                            <m:r>
+                              <m:t>b</m:t>
+                            </m:r>
+                          </m:e>
+                        </m:d>
+                      </m:sup>
+                    </m:sSup>
+                    <m:r>
+                      <m:rPr>
+                        <m:sty m:val="p"/>
+                      </m:rPr>
+                      <m:t>±</m:t>
+                    </m:r>
+                    <m:sSub>
+                      <m:e>
+                        <m:r>
+                          <m:t>z</m:t>
+                        </m:r>
+                      </m:e>
+                      <m:sub>
+                        <m:r>
+                          <m:t>1</m:t>
+                        </m:r>
+                        <m:r>
+                          <m:rPr>
+                            <m:sty m:val="p"/>
+                          </m:rPr>
+                          <m:t>−</m:t>
+                        </m:r>
+                        <m:r>
+                          <m:t>α</m:t>
+                        </m:r>
+                        <m:r>
+                          <m:rPr>
+                            <m:sty m:val="p"/>
+                          </m:rPr>
+                          <m:t>/</m:t>
+                        </m:r>
+                        <m:r>
+                          <m:t>2</m:t>
+                        </m:r>
+                      </m:sub>
+                    </m:sSub>
+                    <m:sSup>
+                      <m:e>
+                        <m:r>
+                          <m:t>σ</m:t>
+                        </m:r>
+                      </m:e>
+                      <m:sup>
+                        <m:d>
+                          <m:dPr>
+                            <m:begChr m:val="("/>
+                            <m:endChr m:val=")"/>
+                            <m:sepChr m:val=""/>
+                            <m:grow/>
+                          </m:dPr>
+                          <m:e>
+                            <m:r>
+                              <m:t>B</m:t>
+                            </m:r>
+                          </m:e>
+                        </m:d>
+                      </m:sup>
+                    </m:sSup>
+                  </m:oMath>
+                </a14:m>
+              </a:p>
+              <a:p>
+                <a:pPr lvl="0"/>
+                <a:r>
+                  <a:rPr/>
+                  <a:t>Should you use a t-distribution?</a:t>
+                </a:r>
+              </a:p>
+              <a:p>
+                <a:pPr lvl="1"/>
+                <a:r>
+                  <a:rPr/>
+                  <a:t>Uncertain degrees of freedom</a:t>
+                </a:r>
+              </a:p>
+            </p:txBody>
+          </p:sp>
+        </mc:Choice>
+      </mc:AlternateContent>
     </p:spTree>
   </p:cSld>
 </p:sld>
@@ -8975,6 +11512,43 @@
             <a:r>
               <a:rPr/>
               <a:t>Compute confidence intervals, percentiles</a:t>
+            </a:r>
+          </a:p>
+        </p:txBody>
+      </p:sp>
+      <p:sp>
+        <p:nvSpPr>
+          <p:cNvPr id="3" name="Content Placeholder 2"/>
+          <p:cNvSpPr>
+            <a:spLocks noGrp="1"/>
+          </p:cNvSpPr>
+          <p:nvPr>
+            <p:ph idx="1"/>
+          </p:nvPr>
+        </p:nvSpPr>
+        <p:spPr/>
+        <p:txBody>
+          <a:bodyPr/>
+          <a:lstStyle/>
+          <a:p>
+            <a:pPr lvl="0"/>
+            <a:r>
+              <a:rPr/>
+              <a:t>Take percentiles directly from the bootstrap sample</a:t>
+            </a:r>
+          </a:p>
+          <a:p>
+            <a:pPr lvl="1"/>
+            <a:r>
+              <a:rPr/>
+              <a:t>Example, B=1000</a:t>
+            </a:r>
+          </a:p>
+          <a:p>
+            <a:pPr lvl="2"/>
+            <a:r>
+              <a:rPr/>
+              <a:t>Select the 25th and 975 observations in sorted order</a:t>
             </a:r>
           </a:p>
         </p:txBody>
@@ -10154,22 +12728,22 @@
       </p:sp>
       <p:pic>
         <p:nvPicPr>
-          <p:cNvPr descr="bootstrap-slides_files/figure-pptx/unnamed-chunk-4-1.png" id="0" name="Picture 1"/>
+          <p:cNvPr descr="fig:  ../images/bca01.png" id="0" name="Picture 1"/>
           <p:cNvPicPr>
             <a:picLocks noGrp="1" noChangeAspect="1"/>
           </p:cNvPicPr>
           <p:nvPr/>
         </p:nvPicPr>
         <p:blipFill>
-          <a:blip r:embed="rId2"/>
+          <a:blip r:embed="rId3"/>
           <a:stretch>
             <a:fillRect/>
           </a:stretch>
         </p:blipFill>
         <p:spPr bwMode="auto">
           <a:xfrm>
-            <a:off x="2451100" y="1193800"/>
-            <a:ext cx="4241800" cy="3390900"/>
+            <a:off x="3124200" y="1193800"/>
+            <a:ext cx="2882900" cy="2882900"/>
           </a:xfrm>
           <a:prstGeom prst="rect">
             <a:avLst/>
@@ -10182,6 +12756,36 @@
           </a:ln>
         </p:spPr>
       </p:pic>
+      <p:sp>
+        <p:nvSpPr>
+          <p:cNvPr id="1" name="TextBox 3"/>
+          <p:cNvSpPr txBox="1"/>
+          <p:nvPr/>
+        </p:nvSpPr>
+        <p:spPr>
+          <a:xfrm>
+            <a:off x="457200" y="4076700"/>
+            <a:ext cx="8229600" cy="508000"/>
+          </a:xfrm>
+          <a:prstGeom prst="rect">
+            <a:avLst/>
+          </a:prstGeom>
+          <a:noFill/>
+        </p:spPr>
+        <p:txBody>
+          <a:bodyPr/>
+          <a:lstStyle/>
+          <a:p>
+            <a:pPr lvl="0" indent="0" marL="0" algn="ctr">
+              <a:buNone/>
+            </a:pPr>
+            <a:r>
+              <a:rPr/>
+              <a:t>Figure 1. Graph of unadjusted percentiles</a:t>
+            </a:r>
+          </a:p>
+        </p:txBody>
+      </p:sp>
     </p:spTree>
   </p:cSld>
 </p:sld>
@@ -10206,22 +12810,86 @@
       </p:grpSpPr>
       <p:sp>
         <p:nvSpPr>
-          <p:cNvPr id="3" name="Content Placeholder 2"/>
-          <p:cNvSpPr>
-            <a:spLocks noGrp="1"/>
-          </p:cNvSpPr>
-          <p:nvPr>
-            <p:ph idx="1"/>
-          </p:nvPr>
-        </p:nvSpPr>
-        <p:spPr/>
-        <p:txBody>
-          <a:bodyPr/>
-          <a:lstStyle/>
-          <a:p>
-            <a:pPr lvl="0" indent="0" marL="0">
-              <a:buNone/>
-            </a:pPr>
+          <p:cNvPr id="2" name="Title 1"/>
+          <p:cNvSpPr>
+            <a:spLocks noGrp="1"/>
+          </p:cNvSpPr>
+          <p:nvPr>
+            <p:ph type="title"/>
+          </p:nvPr>
+        </p:nvSpPr>
+        <p:spPr/>
+        <p:txBody>
+          <a:bodyPr/>
+          <a:lstStyle/>
+          <a:p>
+            <a:pPr lvl="0" indent="0" marL="0">
+              <a:buNone/>
+            </a:pPr>
+            <a:r>
+              <a:rPr/>
+              <a:t>Percentiles with bias adjustment</a:t>
+            </a:r>
+          </a:p>
+        </p:txBody>
+      </p:sp>
+      <p:pic>
+        <p:nvPicPr>
+          <p:cNvPr descr="fig:  ../images/bca02.png" id="0" name="Picture 1"/>
+          <p:cNvPicPr>
+            <a:picLocks noGrp="1" noChangeAspect="1"/>
+          </p:cNvPicPr>
+          <p:nvPr/>
+        </p:nvPicPr>
+        <p:blipFill>
+          <a:blip r:embed="rId3"/>
+          <a:stretch>
+            <a:fillRect/>
+          </a:stretch>
+        </p:blipFill>
+        <p:spPr bwMode="auto">
+          <a:xfrm>
+            <a:off x="3124200" y="1193800"/>
+            <a:ext cx="2882900" cy="2882900"/>
+          </a:xfrm>
+          <a:prstGeom prst="rect">
+            <a:avLst/>
+          </a:prstGeom>
+          <a:noFill/>
+          <a:ln w="9525">
+            <a:noFill/>
+            <a:headEnd/>
+            <a:tailEnd/>
+          </a:ln>
+        </p:spPr>
+      </p:pic>
+      <p:sp>
+        <p:nvSpPr>
+          <p:cNvPr id="1" name="TextBox 3"/>
+          <p:cNvSpPr txBox="1"/>
+          <p:nvPr/>
+        </p:nvSpPr>
+        <p:spPr>
+          <a:xfrm>
+            <a:off x="457200" y="4076700"/>
+            <a:ext cx="8229600" cy="508000"/>
+          </a:xfrm>
+          <a:prstGeom prst="rect">
+            <a:avLst/>
+          </a:prstGeom>
+          <a:noFill/>
+        </p:spPr>
+        <p:txBody>
+          <a:bodyPr/>
+          <a:lstStyle/>
+          <a:p>
+            <a:pPr lvl="0" indent="0" marL="0" algn="ctr">
+              <a:buNone/>
+            </a:pPr>
+            <a:r>
+              <a:rPr/>
+              <a:t>Figure 1. Percentiles with bias adjustment</a:t>
+            </a:r>
           </a:p>
         </p:txBody>
       </p:sp>
@@ -10267,29 +12935,29 @@
             </a:pPr>
             <a:r>
               <a:rPr/>
-              <a:t>Percentlies with bias adjustment</a:t>
+              <a:t>Percentiles with acceleration adjustment</a:t>
             </a:r>
           </a:p>
         </p:txBody>
       </p:sp>
       <p:pic>
         <p:nvPicPr>
-          <p:cNvPr descr="bootstrap-slides_files/figure-pptx/unnamed-chunk-5-1.png" id="0" name="Picture 1"/>
+          <p:cNvPr descr="fig:  ../images/histogram01.png" id="0" name="Picture 1"/>
           <p:cNvPicPr>
             <a:picLocks noGrp="1" noChangeAspect="1"/>
           </p:cNvPicPr>
           <p:nvPr/>
         </p:nvPicPr>
         <p:blipFill>
-          <a:blip r:embed="rId2"/>
+          <a:blip r:embed="rId3"/>
           <a:stretch>
             <a:fillRect/>
           </a:stretch>
         </p:blipFill>
         <p:spPr bwMode="auto">
           <a:xfrm>
-            <a:off x="2451100" y="1193800"/>
-            <a:ext cx="4241800" cy="3390900"/>
+            <a:off x="3124200" y="1193800"/>
+            <a:ext cx="2882900" cy="2882900"/>
           </a:xfrm>
           <a:prstGeom prst="rect">
             <a:avLst/>
@@ -10302,175 +12970,42 @@
           </a:ln>
         </p:spPr>
       </p:pic>
+      <p:sp>
+        <p:nvSpPr>
+          <p:cNvPr id="1" name="TextBox 3"/>
+          <p:cNvSpPr txBox="1"/>
+          <p:nvPr/>
+        </p:nvSpPr>
+        <p:spPr>
+          <a:xfrm>
+            <a:off x="457200" y="4076700"/>
+            <a:ext cx="8229600" cy="508000"/>
+          </a:xfrm>
+          <a:prstGeom prst="rect">
+            <a:avLst/>
+          </a:prstGeom>
+          <a:noFill/>
+        </p:spPr>
+        <p:txBody>
+          <a:bodyPr/>
+          <a:lstStyle/>
+          <a:p>
+            <a:pPr lvl="0" indent="0" marL="0" algn="ctr">
+              <a:buNone/>
+            </a:pPr>
+            <a:r>
+              <a:rPr/>
+              <a:t>Figure 1. Histogram of bootstrapped estimates</a:t>
+            </a:r>
+          </a:p>
+        </p:txBody>
+      </p:sp>
     </p:spTree>
   </p:cSld>
 </p:sld>
 </file>
 
 <file path=ppt/slides/slide34.xml><?xml version="1.0" encoding="utf-8"?>
-<p:sld xmlns:a="http://schemas.openxmlformats.org/drawingml/2006/main" xmlns:r="http://schemas.openxmlformats.org/officeDocument/2006/relationships" xmlns:p="http://schemas.openxmlformats.org/presentationml/2006/main">
-  <p:cSld>
-    <p:spTree>
-      <p:nvGrpSpPr>
-        <p:cNvPr id="1" name=""/>
-        <p:cNvGrpSpPr/>
-        <p:nvPr/>
-      </p:nvGrpSpPr>
-      <p:grpSpPr>
-        <a:xfrm>
-          <a:off x="0" y="0"/>
-          <a:ext cx="0" cy="0"/>
-          <a:chOff x="0" y="0"/>
-          <a:chExt cx="0" cy="0"/>
-        </a:xfrm>
-      </p:grpSpPr>
-      <p:sp>
-        <p:nvSpPr>
-          <p:cNvPr id="3" name="Content Placeholder 2"/>
-          <p:cNvSpPr>
-            <a:spLocks noGrp="1"/>
-          </p:cNvSpPr>
-          <p:nvPr>
-            <p:ph idx="1"/>
-          </p:nvPr>
-        </p:nvSpPr>
-        <p:spPr/>
-        <p:txBody>
-          <a:bodyPr/>
-          <a:lstStyle/>
-          <a:p>
-            <a:pPr lvl="0" indent="0" marL="0">
-              <a:buNone/>
-            </a:pPr>
-          </a:p>
-        </p:txBody>
-      </p:sp>
-    </p:spTree>
-  </p:cSld>
-</p:sld>
-</file>
-
-<file path=ppt/slides/slide35.xml><?xml version="1.0" encoding="utf-8"?>
-<p:sld xmlns:a="http://schemas.openxmlformats.org/drawingml/2006/main" xmlns:r="http://schemas.openxmlformats.org/officeDocument/2006/relationships" xmlns:p="http://schemas.openxmlformats.org/presentationml/2006/main">
-  <p:cSld>
-    <p:spTree>
-      <p:nvGrpSpPr>
-        <p:cNvPr id="1" name=""/>
-        <p:cNvGrpSpPr/>
-        <p:nvPr/>
-      </p:nvGrpSpPr>
-      <p:grpSpPr>
-        <a:xfrm>
-          <a:off x="0" y="0"/>
-          <a:ext cx="0" cy="0"/>
-          <a:chOff x="0" y="0"/>
-          <a:chExt cx="0" cy="0"/>
-        </a:xfrm>
-      </p:grpSpPr>
-      <p:sp>
-        <p:nvSpPr>
-          <p:cNvPr id="2" name="Title 1"/>
-          <p:cNvSpPr>
-            <a:spLocks noGrp="1"/>
-          </p:cNvSpPr>
-          <p:nvPr>
-            <p:ph type="title"/>
-          </p:nvPr>
-        </p:nvSpPr>
-        <p:spPr/>
-        <p:txBody>
-          <a:bodyPr/>
-          <a:lstStyle/>
-          <a:p>
-            <a:pPr lvl="0" indent="0" marL="0">
-              <a:buNone/>
-            </a:pPr>
-            <a:r>
-              <a:rPr/>
-              <a:t>Percentiles with acceleration adjustment</a:t>
-            </a:r>
-          </a:p>
-        </p:txBody>
-      </p:sp>
-      <p:pic>
-        <p:nvPicPr>
-          <p:cNvPr descr="bootstrap-slides_files/figure-pptx/unnamed-chunk-6-1.png" id="0" name="Picture 1"/>
-          <p:cNvPicPr>
-            <a:picLocks noGrp="1" noChangeAspect="1"/>
-          </p:cNvPicPr>
-          <p:nvPr/>
-        </p:nvPicPr>
-        <p:blipFill>
-          <a:blip r:embed="rId2"/>
-          <a:stretch>
-            <a:fillRect/>
-          </a:stretch>
-        </p:blipFill>
-        <p:spPr bwMode="auto">
-          <a:xfrm>
-            <a:off x="2451100" y="1193800"/>
-            <a:ext cx="4241800" cy="3390900"/>
-          </a:xfrm>
-          <a:prstGeom prst="rect">
-            <a:avLst/>
-          </a:prstGeom>
-          <a:noFill/>
-          <a:ln w="9525">
-            <a:noFill/>
-            <a:headEnd/>
-            <a:tailEnd/>
-          </a:ln>
-        </p:spPr>
-      </p:pic>
-    </p:spTree>
-  </p:cSld>
-</p:sld>
-</file>
-
-<file path=ppt/slides/slide36.xml><?xml version="1.0" encoding="utf-8"?>
-<p:sld xmlns:a="http://schemas.openxmlformats.org/drawingml/2006/main" xmlns:r="http://schemas.openxmlformats.org/officeDocument/2006/relationships" xmlns:p="http://schemas.openxmlformats.org/presentationml/2006/main">
-  <p:cSld>
-    <p:spTree>
-      <p:nvGrpSpPr>
-        <p:cNvPr id="1" name=""/>
-        <p:cNvGrpSpPr/>
-        <p:nvPr/>
-      </p:nvGrpSpPr>
-      <p:grpSpPr>
-        <a:xfrm>
-          <a:off x="0" y="0"/>
-          <a:ext cx="0" cy="0"/>
-          <a:chOff x="0" y="0"/>
-          <a:chExt cx="0" cy="0"/>
-        </a:xfrm>
-      </p:grpSpPr>
-      <p:sp>
-        <p:nvSpPr>
-          <p:cNvPr id="3" name="Content Placeholder 2"/>
-          <p:cNvSpPr>
-            <a:spLocks noGrp="1"/>
-          </p:cNvSpPr>
-          <p:nvPr>
-            <p:ph idx="1"/>
-          </p:nvPr>
-        </p:nvSpPr>
-        <p:spPr/>
-        <p:txBody>
-          <a:bodyPr/>
-          <a:lstStyle/>
-          <a:p>
-            <a:pPr lvl="0" indent="0" marL="0">
-              <a:buNone/>
-            </a:pPr>
-          </a:p>
-        </p:txBody>
-      </p:sp>
-    </p:spTree>
-  </p:cSld>
-</p:sld>
-</file>
-
-<file path=ppt/slides/slide37.xml><?xml version="1.0" encoding="utf-8"?>
 <p:sld xmlns:a="http://schemas.openxmlformats.org/drawingml/2006/main" xmlns:r="http://schemas.openxmlformats.org/officeDocument/2006/relationships" xmlns:p="http://schemas.openxmlformats.org/presentationml/2006/main">
   <p:cSld>
     <p:spTree>
@@ -10690,10 +13225,312 @@
                   <a:t>’s are greater than 0.</a:t>
                 </a:r>
               </a:p>
+              <a:p>
+                <a:pPr lvl="1"/>
+                <a:r>
+                  <a:rPr/>
+                  <a:t>Could also test using a bootstrap confidence interval</a:t>
+                </a:r>
+              </a:p>
             </p:txBody>
           </p:sp>
         </mc:Choice>
       </mc:AlternateContent>
+    </p:spTree>
+  </p:cSld>
+</p:sld>
+</file>
+
+<file path=ppt/slides/slide35.xml><?xml version="1.0" encoding="utf-8"?>
+<p:sld xmlns:a="http://schemas.openxmlformats.org/drawingml/2006/main" xmlns:r="http://schemas.openxmlformats.org/officeDocument/2006/relationships" xmlns:p="http://schemas.openxmlformats.org/presentationml/2006/main">
+  <p:cSld>
+    <p:spTree>
+      <p:nvGrpSpPr>
+        <p:cNvPr id="1" name=""/>
+        <p:cNvGrpSpPr/>
+        <p:nvPr/>
+      </p:nvGrpSpPr>
+      <p:grpSpPr>
+        <a:xfrm>
+          <a:off x="0" y="0"/>
+          <a:ext cx="0" cy="0"/>
+          <a:chOff x="0" y="0"/>
+          <a:chExt cx="0" cy="0"/>
+        </a:xfrm>
+      </p:grpSpPr>
+      <p:sp>
+        <p:nvSpPr>
+          <p:cNvPr id="2" name="Title 1"/>
+          <p:cNvSpPr>
+            <a:spLocks noGrp="1"/>
+          </p:cNvSpPr>
+          <p:nvPr>
+            <p:ph type="title"/>
+          </p:nvPr>
+        </p:nvSpPr>
+        <p:spPr/>
+        <p:txBody>
+          <a:bodyPr/>
+          <a:lstStyle/>
+          <a:p>
+            <a:pPr lvl="0" indent="0" marL="0">
+              <a:buNone/>
+            </a:pPr>
+            <a:r>
+              <a:rPr/>
+              <a:t>Break #2</a:t>
+            </a:r>
+          </a:p>
+        </p:txBody>
+      </p:sp>
+      <p:sp>
+        <p:nvSpPr>
+          <p:cNvPr id="3" name="Content Placeholder 2"/>
+          <p:cNvSpPr>
+            <a:spLocks noGrp="1"/>
+          </p:cNvSpPr>
+          <p:nvPr>
+            <p:ph idx="1"/>
+          </p:nvPr>
+        </p:nvSpPr>
+        <p:spPr/>
+        <p:txBody>
+          <a:bodyPr/>
+          <a:lstStyle/>
+          <a:p>
+            <a:pPr lvl="0"/>
+            <a:r>
+              <a:rPr/>
+              <a:t>What you have learned</a:t>
+            </a:r>
+          </a:p>
+          <a:p>
+            <a:pPr lvl="1"/>
+            <a:r>
+              <a:rPr/>
+              <a:t>Purposes of the bootstrap</a:t>
+            </a:r>
+          </a:p>
+          <a:p>
+            <a:pPr lvl="0"/>
+            <a:r>
+              <a:rPr/>
+              <a:t>What’s coming next</a:t>
+            </a:r>
+          </a:p>
+          <a:p>
+            <a:pPr lvl="1"/>
+            <a:r>
+              <a:rPr/>
+              <a:t>Software</a:t>
+            </a:r>
+          </a:p>
+        </p:txBody>
+      </p:sp>
+    </p:spTree>
+  </p:cSld>
+</p:sld>
+</file>
+
+<file path=ppt/slides/slide36.xml><?xml version="1.0" encoding="utf-8"?>
+<p:sld xmlns:a="http://schemas.openxmlformats.org/drawingml/2006/main" xmlns:r="http://schemas.openxmlformats.org/officeDocument/2006/relationships" xmlns:p="http://schemas.openxmlformats.org/presentationml/2006/main">
+  <p:cSld>
+    <p:spTree>
+      <p:nvGrpSpPr>
+        <p:cNvPr id="1" name=""/>
+        <p:cNvGrpSpPr/>
+        <p:nvPr/>
+      </p:nvGrpSpPr>
+      <p:grpSpPr>
+        <a:xfrm>
+          <a:off x="0" y="0"/>
+          <a:ext cx="0" cy="0"/>
+          <a:chOff x="0" y="0"/>
+          <a:chExt cx="0" cy="0"/>
+        </a:xfrm>
+      </p:grpSpPr>
+      <p:sp>
+        <p:nvSpPr>
+          <p:cNvPr id="2" name="Title 1"/>
+          <p:cNvSpPr>
+            <a:spLocks noGrp="1"/>
+          </p:cNvSpPr>
+          <p:nvPr>
+            <p:ph type="title"/>
+          </p:nvPr>
+        </p:nvSpPr>
+        <p:spPr/>
+        <p:txBody>
+          <a:bodyPr/>
+          <a:lstStyle/>
+          <a:p>
+            <a:pPr lvl="0" indent="0" marL="0">
+              <a:buNone/>
+            </a:pPr>
+            <a:r>
+              <a:rPr/>
+              <a:t>Software</a:t>
+            </a:r>
+          </a:p>
+        </p:txBody>
+      </p:sp>
+      <p:sp>
+        <p:nvSpPr>
+          <p:cNvPr id="3" name="Content Placeholder 2"/>
+          <p:cNvSpPr>
+            <a:spLocks noGrp="1"/>
+          </p:cNvSpPr>
+          <p:nvPr>
+            <p:ph idx="1"/>
+          </p:nvPr>
+        </p:nvSpPr>
+        <p:spPr/>
+        <p:txBody>
+          <a:bodyPr/>
+          <a:lstStyle/>
+          <a:p>
+            <a:pPr lvl="0"/>
+            <a:r>
+              <a:rPr/>
+              <a:t>You should know</a:t>
+            </a:r>
+          </a:p>
+          <a:p>
+            <a:pPr lvl="1"/>
+            <a:r>
+              <a:rPr/>
+              <a:t>How to loop</a:t>
+            </a:r>
+          </a:p>
+          <a:p>
+            <a:pPr lvl="1"/>
+            <a:r>
+              <a:rPr/>
+              <a:t>How to extract specific values from the output</a:t>
+            </a:r>
+          </a:p>
+          <a:p>
+            <a:pPr lvl="0"/>
+            <a:r>
+              <a:rPr/>
+              <a:t>Examples</a:t>
+            </a:r>
+          </a:p>
+          <a:p>
+            <a:pPr lvl="1"/>
+            <a:r>
+              <a:rPr/>
+              <a:t>SAS</a:t>
+            </a:r>
+          </a:p>
+          <a:p>
+            <a:pPr lvl="1"/>
+            <a:r>
+              <a:rPr/>
+              <a:t>Stata</a:t>
+            </a:r>
+          </a:p>
+          <a:p>
+            <a:pPr lvl="1"/>
+            <a:r>
+              <a:rPr/>
+              <a:t>R</a:t>
+            </a:r>
+          </a:p>
+        </p:txBody>
+      </p:sp>
+    </p:spTree>
+  </p:cSld>
+</p:sld>
+</file>
+
+<file path=ppt/slides/slide37.xml><?xml version="1.0" encoding="utf-8"?>
+<p:sld xmlns:a="http://schemas.openxmlformats.org/drawingml/2006/main" xmlns:r="http://schemas.openxmlformats.org/officeDocument/2006/relationships" xmlns:p="http://schemas.openxmlformats.org/presentationml/2006/main">
+  <p:cSld>
+    <p:spTree>
+      <p:nvGrpSpPr>
+        <p:cNvPr id="1" name=""/>
+        <p:cNvGrpSpPr/>
+        <p:nvPr/>
+      </p:nvGrpSpPr>
+      <p:grpSpPr>
+        <a:xfrm>
+          <a:off x="0" y="0"/>
+          <a:ext cx="0" cy="0"/>
+          <a:chOff x="0" y="0"/>
+          <a:chExt cx="0" cy="0"/>
+        </a:xfrm>
+      </p:grpSpPr>
+      <p:sp>
+        <p:nvSpPr>
+          <p:cNvPr id="2" name="Title 1"/>
+          <p:cNvSpPr>
+            <a:spLocks noGrp="1"/>
+          </p:cNvSpPr>
+          <p:nvPr>
+            <p:ph type="title"/>
+          </p:nvPr>
+        </p:nvSpPr>
+        <p:spPr/>
+        <p:txBody>
+          <a:bodyPr/>
+          <a:lstStyle/>
+          <a:p>
+            <a:pPr lvl="0" indent="0" marL="0">
+              <a:buNone/>
+            </a:pPr>
+            <a:r>
+              <a:rPr/>
+              <a:t>Bootstrap in SAS (1/10)</a:t>
+            </a:r>
+          </a:p>
+        </p:txBody>
+      </p:sp>
+      <p:sp>
+        <p:nvSpPr>
+          <p:cNvPr id="3" name="Content Placeholder 2"/>
+          <p:cNvSpPr>
+            <a:spLocks noGrp="1"/>
+          </p:cNvSpPr>
+          <p:nvPr>
+            <p:ph idx="1"/>
+          </p:nvPr>
+        </p:nvSpPr>
+        <p:spPr/>
+        <p:txBody>
+          <a:bodyPr/>
+          <a:lstStyle/>
+          <a:p>
+            <a:pPr lvl="0"/>
+            <a:r>
+              <a:rPr/>
+              <a:t>Example taken from UCLA Statistical Methods and Data Analytics site</a:t>
+            </a:r>
+          </a:p>
+          <a:p>
+            <a:pPr lvl="1"/>
+            <a:r>
+              <a:rPr/>
+              <a:t>Google ucla bootstrap sas</a:t>
+            </a:r>
+          </a:p>
+          <a:p>
+            <a:pPr lvl="0" indent="0">
+              <a:buNone/>
+            </a:pPr>
+            <a:r>
+              <a:rPr>
+                <a:latin typeface="Courier"/>
+              </a:rPr>
+              <a:t>ods output FitStatistics = t0;
+proc reg data = hsb2;
+  model read = female math write ses;
+run;
+quit;</a:t>
+            </a:r>
+          </a:p>
+        </p:txBody>
+      </p:sp>
     </p:spTree>
   </p:cSld>
 </p:sld>
@@ -10736,7 +13573,7 @@
             </a:pPr>
             <a:r>
               <a:rPr/>
-              <a:t>Break #2</a:t>
+              <a:t>Bootstrap in SAS (2/10)</a:t>
             </a:r>
           </a:p>
         </p:txBody>
@@ -10756,31 +13593,19 @@
           <a:bodyPr/>
           <a:lstStyle/>
           <a:p>
-            <a:pPr lvl="0"/>
-            <a:r>
-              <a:rPr/>
-              <a:t>What you have learned</a:t>
-            </a:r>
-          </a:p>
-          <a:p>
-            <a:pPr lvl="1"/>
-            <a:r>
-              <a:rPr/>
-              <a:t>Purposes of the bootstrap</a:t>
-            </a:r>
-          </a:p>
-          <a:p>
-            <a:pPr lvl="0"/>
-            <a:r>
-              <a:rPr/>
-              <a:t>What’s coming next</a:t>
-            </a:r>
-          </a:p>
-          <a:p>
-            <a:pPr lvl="1"/>
-            <a:r>
-              <a:rPr/>
-              <a:t>Mechanics</a:t>
+            <a:pPr lvl="0" indent="0">
+              <a:buNone/>
+            </a:pPr>
+            <a:r>
+              <a:rPr>
+                <a:latin typeface="Courier"/>
+              </a:rPr>
+              <a:t>*store the estimated r-square;
+data _null_;
+ set t0;
+ if label2 =  "R-Square" then 
+ call symput('r2bar', cvalue2);
+run;</a:t>
             </a:r>
           </a:p>
         </p:txBody>
@@ -10827,7 +13652,7 @@
             </a:pPr>
             <a:r>
               <a:rPr/>
-              <a:t>Mechanics</a:t>
+              <a:t>Bootstrap in SAS (3/10)</a:t>
             </a:r>
           </a:p>
         </p:txBody>
@@ -10847,59 +13672,19 @@
           <a:bodyPr/>
           <a:lstStyle/>
           <a:p>
-            <a:pPr lvl="0"/>
-            <a:r>
-              <a:rPr/>
-              <a:t>Resampling</a:t>
-            </a:r>
-          </a:p>
-          <a:p>
-            <a:pPr lvl="0"/>
-            <a:r>
-              <a:rPr/>
-              <a:t>Bootstrap estimates</a:t>
-            </a:r>
-          </a:p>
-          <a:p>
-            <a:pPr lvl="0"/>
-            <a:r>
-              <a:rPr/>
-              <a:t>Bias calculation</a:t>
-            </a:r>
-          </a:p>
-          <a:p>
-            <a:pPr lvl="0"/>
-            <a:r>
-              <a:rPr/>
-              <a:t>Standard error calculation</a:t>
-            </a:r>
-          </a:p>
-          <a:p>
-            <a:pPr lvl="0"/>
-            <a:r>
-              <a:rPr/>
-              <a:t>Confidence interval</a:t>
-            </a:r>
-          </a:p>
-          <a:p>
-            <a:pPr lvl="1"/>
-            <a:r>
-              <a:rPr/>
-              <a:t>Percentile method</a:t>
-            </a:r>
-          </a:p>
-          <a:p>
-            <a:pPr lvl="1"/>
-            <a:r>
-              <a:rPr/>
-              <a:t>Bias corrected and adjusted method</a:t>
-            </a:r>
-          </a:p>
-          <a:p>
-            <a:pPr lvl="0"/>
-            <a:r>
-              <a:rPr/>
-              <a:t>Hypothesis tests</a:t>
+            <a:pPr lvl="0" indent="0">
+              <a:buNone/>
+            </a:pPr>
+            <a:r>
+              <a:rPr>
+                <a:latin typeface="Courier"/>
+              </a:rPr>
+              <a:t>%let rep = 500;
+proc surveyselect data= hsb2 out=bootsample
+     seed = 1347 method = urs
+     samprate = 1 outhits rep = &amp;rep;
+run;
+ods listing close;</a:t>
             </a:r>
           </a:p>
         </p:txBody>
@@ -11053,7 +13838,7 @@
             </a:pPr>
             <a:r>
               <a:rPr/>
-              <a:t>Break #3</a:t>
+              <a:t>Bootstrap in SAS (4/10)</a:t>
             </a:r>
           </a:p>
         </p:txBody>
@@ -11073,31 +13858,19 @@
           <a:bodyPr/>
           <a:lstStyle/>
           <a:p>
-            <a:pPr lvl="0"/>
-            <a:r>
-              <a:rPr/>
-              <a:t>What have you learned</a:t>
-            </a:r>
-          </a:p>
-          <a:p>
-            <a:pPr lvl="1"/>
-            <a:r>
-              <a:rPr/>
-              <a:t>Mechanics</a:t>
-            </a:r>
-          </a:p>
-          <a:p>
-            <a:pPr lvl="0"/>
-            <a:r>
-              <a:rPr/>
-              <a:t>What’s coming next</a:t>
-            </a:r>
-          </a:p>
-          <a:p>
-            <a:pPr lvl="1"/>
-            <a:r>
-              <a:rPr/>
-              <a:t>Software</a:t>
+            <a:pPr lvl="0" indent="0">
+              <a:buNone/>
+            </a:pPr>
+            <a:r>
+              <a:rPr>
+                <a:latin typeface="Courier"/>
+              </a:rPr>
+              <a:t>Sample Size                       200
+Expected Number of Hits             1
+Sampling Weight                     1
+Number of Replicates              500
+Total Sample Size              100000
+Output Data Set            BOOTSAMPLE</a:t>
             </a:r>
           </a:p>
         </p:txBody>
@@ -11144,7 +13917,39 @@
             </a:pPr>
             <a:r>
               <a:rPr/>
-              <a:t>Software</a:t>
+              <a:t>Bootstrap in SAS (5/10)</a:t>
+            </a:r>
+          </a:p>
+        </p:txBody>
+      </p:sp>
+      <p:sp>
+        <p:nvSpPr>
+          <p:cNvPr id="3" name="Content Placeholder 2"/>
+          <p:cNvSpPr>
+            <a:spLocks noGrp="1"/>
+          </p:cNvSpPr>
+          <p:nvPr>
+            <p:ph idx="1"/>
+          </p:nvPr>
+        </p:nvSpPr>
+        <p:spPr/>
+        <p:txBody>
+          <a:bodyPr/>
+          <a:lstStyle/>
+          <a:p>
+            <a:pPr lvl="0" indent="0">
+              <a:buNone/>
+            </a:pPr>
+            <a:r>
+              <a:rPr>
+                <a:latin typeface="Courier"/>
+              </a:rPr>
+              <a:t>ods output  FitStatistics = t (where = (label2 =  "R-Square"));
+proc reg data = bootsample;
+  by replicate;
+  model read = female math write ses;
+run;
+quit;</a:t>
             </a:r>
           </a:p>
         </p:txBody>
@@ -11191,7 +13996,7 @@
             </a:pPr>
             <a:r>
               <a:rPr/>
-              <a:t>Special issues</a:t>
+              <a:t>Bootstrap in SAS (6/10)</a:t>
             </a:r>
           </a:p>
         </p:txBody>
@@ -11211,17 +14016,18 @@
           <a:bodyPr/>
           <a:lstStyle/>
           <a:p>
-            <a:pPr lvl="0"/>
-            <a:r>
-              <a:rPr/>
-              <a:t>Time series</a:t>
-            </a:r>
-          </a:p>
-          <a:p>
-            <a:pPr lvl="0"/>
-            <a:r>
-              <a:rPr/>
-              <a:t>Regression models</a:t>
+            <a:pPr lvl="0" indent="0">
+              <a:buNone/>
+            </a:pPr>
+            <a:r>
+              <a:rPr>
+                <a:latin typeface="Courier"/>
+              </a:rPr>
+              <a:t>* converting character type to numeric type;
+data t1;
+  set t;
+  r2 = cvalue2 + 0;
+run;</a:t>
             </a:r>
           </a:p>
         </p:txBody>
@@ -11268,7 +14074,7 @@
             </a:pPr>
             <a:r>
               <a:rPr/>
-              <a:t>Summary</a:t>
+              <a:t>Bootstrap in SAS (7/10)</a:t>
             </a:r>
           </a:p>
         </p:txBody>
@@ -11288,31 +14094,498 @@
           <a:bodyPr/>
           <a:lstStyle/>
           <a:p>
+            <a:pPr lvl="0" indent="0">
+              <a:buNone/>
+            </a:pPr>
+            <a:r>
+              <a:rPr>
+                <a:latin typeface="Courier"/>
+              </a:rPr>
+              <a:t>%let alphalev = .05;
+%let a1 = %sysevalf(&amp;alphalev/2*100);
+%let a2 = %sysevalf((1 - &amp;alphalev/2)*100);</a:t>
+            </a:r>
+          </a:p>
+        </p:txBody>
+      </p:sp>
+    </p:spTree>
+  </p:cSld>
+</p:sld>
+</file>
+
+<file path=ppt/slides/slide44.xml><?xml version="1.0" encoding="utf-8"?>
+<p:sld xmlns:a="http://schemas.openxmlformats.org/drawingml/2006/main" xmlns:r="http://schemas.openxmlformats.org/officeDocument/2006/relationships" xmlns:p="http://schemas.openxmlformats.org/presentationml/2006/main">
+  <p:cSld>
+    <p:spTree>
+      <p:nvGrpSpPr>
+        <p:cNvPr id="1" name=""/>
+        <p:cNvGrpSpPr/>
+        <p:nvPr/>
+      </p:nvGrpSpPr>
+      <p:grpSpPr>
+        <a:xfrm>
+          <a:off x="0" y="0"/>
+          <a:ext cx="0" cy="0"/>
+          <a:chOff x="0" y="0"/>
+          <a:chExt cx="0" cy="0"/>
+        </a:xfrm>
+      </p:grpSpPr>
+      <p:sp>
+        <p:nvSpPr>
+          <p:cNvPr id="2" name="Title 1"/>
+          <p:cNvSpPr>
+            <a:spLocks noGrp="1"/>
+          </p:cNvSpPr>
+          <p:nvPr>
+            <p:ph type="title"/>
+          </p:nvPr>
+        </p:nvSpPr>
+        <p:spPr/>
+        <p:txBody>
+          <a:bodyPr/>
+          <a:lstStyle/>
+          <a:p>
+            <a:pPr lvl="0" indent="0" marL="0">
+              <a:buNone/>
+            </a:pPr>
+            <a:r>
+              <a:rPr/>
+              <a:t>Bootstrap in SAS (8/10)</a:t>
+            </a:r>
+          </a:p>
+        </p:txBody>
+      </p:sp>
+      <p:sp>
+        <p:nvSpPr>
+          <p:cNvPr id="3" name="Content Placeholder 2"/>
+          <p:cNvSpPr>
+            <a:spLocks noGrp="1"/>
+          </p:cNvSpPr>
+          <p:nvPr>
+            <p:ph idx="1"/>
+          </p:nvPr>
+        </p:nvSpPr>
+        <p:spPr/>
+        <p:txBody>
+          <a:bodyPr/>
+          <a:lstStyle/>
+          <a:p>
+            <a:pPr lvl="0" indent="0">
+              <a:buNone/>
+            </a:pPr>
+            <a:r>
+              <a:rPr>
+                <a:latin typeface="Courier"/>
+              </a:rPr>
+              <a:t>* creating confidence interval, percentile method;
+proc univariate data = t1 alpha = .05;
+  var r2;
+  output out=pmethod mean = r2hat pctlpts=&amp;a1 &amp;a2 pctlpre = p pctlname = _lb _ub ;
+run;</a:t>
+            </a:r>
+          </a:p>
+        </p:txBody>
+      </p:sp>
+    </p:spTree>
+  </p:cSld>
+</p:sld>
+</file>
+
+<file path=ppt/slides/slide45.xml><?xml version="1.0" encoding="utf-8"?>
+<p:sld xmlns:a="http://schemas.openxmlformats.org/drawingml/2006/main" xmlns:r="http://schemas.openxmlformats.org/officeDocument/2006/relationships" xmlns:p="http://schemas.openxmlformats.org/presentationml/2006/main">
+  <p:cSld>
+    <p:spTree>
+      <p:nvGrpSpPr>
+        <p:cNvPr id="1" name=""/>
+        <p:cNvGrpSpPr/>
+        <p:nvPr/>
+      </p:nvGrpSpPr>
+      <p:grpSpPr>
+        <a:xfrm>
+          <a:off x="0" y="0"/>
+          <a:ext cx="0" cy="0"/>
+          <a:chOff x="0" y="0"/>
+          <a:chExt cx="0" cy="0"/>
+        </a:xfrm>
+      </p:grpSpPr>
+      <p:sp>
+        <p:nvSpPr>
+          <p:cNvPr id="2" name="Title 1"/>
+          <p:cNvSpPr>
+            <a:spLocks noGrp="1"/>
+          </p:cNvSpPr>
+          <p:nvPr>
+            <p:ph type="title"/>
+          </p:nvPr>
+        </p:nvSpPr>
+        <p:spPr/>
+        <p:txBody>
+          <a:bodyPr/>
+          <a:lstStyle/>
+          <a:p>
+            <a:pPr lvl="0" indent="0" marL="0">
+              <a:buNone/>
+            </a:pPr>
+            <a:r>
+              <a:rPr/>
+              <a:t>Bootstrap in SAS (9/10)</a:t>
+            </a:r>
+          </a:p>
+        </p:txBody>
+      </p:sp>
+      <p:sp>
+        <p:nvSpPr>
+          <p:cNvPr id="3" name="Content Placeholder 2"/>
+          <p:cNvSpPr>
+            <a:spLocks noGrp="1"/>
+          </p:cNvSpPr>
+          <p:nvPr>
+            <p:ph idx="1"/>
+          </p:nvPr>
+        </p:nvSpPr>
+        <p:spPr/>
+        <p:txBody>
+          <a:bodyPr/>
+          <a:lstStyle/>
+          <a:p>
+            <a:pPr lvl="0" indent="0">
+              <a:buNone/>
+            </a:pPr>
+            <a:r>
+              <a:rPr>
+                <a:latin typeface="Courier"/>
+              </a:rPr>
+              <a:t>data t2;
+  set pmethod;
+  bias = r2hat - &amp;r2bar;
+  r2 = &amp;r2bar;
+run;
+ods listing;</a:t>
+            </a:r>
+          </a:p>
+        </p:txBody>
+      </p:sp>
+    </p:spTree>
+  </p:cSld>
+</p:sld>
+</file>
+
+<file path=ppt/slides/slide46.xml><?xml version="1.0" encoding="utf-8"?>
+<p:sld xmlns:a="http://schemas.openxmlformats.org/drawingml/2006/main" xmlns:r="http://schemas.openxmlformats.org/officeDocument/2006/relationships" xmlns:p="http://schemas.openxmlformats.org/presentationml/2006/main">
+  <p:cSld>
+    <p:spTree>
+      <p:nvGrpSpPr>
+        <p:cNvPr id="1" name=""/>
+        <p:cNvGrpSpPr/>
+        <p:nvPr/>
+      </p:nvGrpSpPr>
+      <p:grpSpPr>
+        <a:xfrm>
+          <a:off x="0" y="0"/>
+          <a:ext cx="0" cy="0"/>
+          <a:chOff x="0" y="0"/>
+          <a:chExt cx="0" cy="0"/>
+        </a:xfrm>
+      </p:grpSpPr>
+      <p:sp>
+        <p:nvSpPr>
+          <p:cNvPr id="2" name="Title 1"/>
+          <p:cNvSpPr>
+            <a:spLocks noGrp="1"/>
+          </p:cNvSpPr>
+          <p:nvPr>
+            <p:ph type="title"/>
+          </p:nvPr>
+        </p:nvSpPr>
+        <p:spPr/>
+        <p:txBody>
+          <a:bodyPr/>
+          <a:lstStyle/>
+          <a:p>
+            <a:pPr lvl="0" indent="0" marL="0">
+              <a:buNone/>
+            </a:pPr>
+            <a:r>
+              <a:rPr/>
+              <a:t>Bootstrap in SAS (10/10)</a:t>
+            </a:r>
+          </a:p>
+        </p:txBody>
+      </p:sp>
+      <p:sp>
+        <p:nvSpPr>
+          <p:cNvPr id="3" name="Content Placeholder 2"/>
+          <p:cNvSpPr>
+            <a:spLocks noGrp="1"/>
+          </p:cNvSpPr>
+          <p:nvPr>
+            <p:ph idx="1"/>
+          </p:nvPr>
+        </p:nvSpPr>
+        <p:spPr/>
+        <p:txBody>
+          <a:bodyPr/>
+          <a:lstStyle/>
+          <a:p>
+            <a:pPr lvl="0" indent="0">
+              <a:buNone/>
+            </a:pPr>
+            <a:r>
+              <a:rPr>
+                <a:latin typeface="Courier"/>
+              </a:rPr>
+              <a:t>proc print data  = t2;
+  var r2 bias p_lb p_ub;
+run;
+Obs      r2        bias       p_lb     p_ub
+ 1     0.5189    .0066164    0.436    0.6017</a:t>
+            </a:r>
+          </a:p>
+        </p:txBody>
+      </p:sp>
+    </p:spTree>
+  </p:cSld>
+</p:sld>
+</file>
+
+<file path=ppt/slides/slide47.xml><?xml version="1.0" encoding="utf-8"?>
+<p:sld xmlns:a="http://schemas.openxmlformats.org/drawingml/2006/main" xmlns:r="http://schemas.openxmlformats.org/officeDocument/2006/relationships" xmlns:p="http://schemas.openxmlformats.org/presentationml/2006/main">
+  <p:cSld>
+    <p:spTree>
+      <p:nvGrpSpPr>
+        <p:cNvPr id="1" name=""/>
+        <p:cNvGrpSpPr/>
+        <p:nvPr/>
+      </p:nvGrpSpPr>
+      <p:grpSpPr>
+        <a:xfrm>
+          <a:off x="0" y="0"/>
+          <a:ext cx="0" cy="0"/>
+          <a:chOff x="0" y="0"/>
+          <a:chExt cx="0" cy="0"/>
+        </a:xfrm>
+      </p:grpSpPr>
+      <p:sp>
+        <p:nvSpPr>
+          <p:cNvPr id="2" name="Title 1"/>
+          <p:cNvSpPr>
+            <a:spLocks noGrp="1"/>
+          </p:cNvSpPr>
+          <p:nvPr>
+            <p:ph type="title"/>
+          </p:nvPr>
+        </p:nvSpPr>
+        <p:spPr/>
+        <p:txBody>
+          <a:bodyPr/>
+          <a:lstStyle/>
+          <a:p>
+            <a:pPr lvl="0" indent="0" marL="0">
+              <a:buNone/>
+            </a:pPr>
+            <a:r>
+              <a:rPr/>
+              <a:t>Bootstrap in Stata (1/4)</a:t>
+            </a:r>
+          </a:p>
+        </p:txBody>
+      </p:sp>
+      <p:sp>
+        <p:nvSpPr>
+          <p:cNvPr id="3" name="Content Placeholder 2"/>
+          <p:cNvSpPr>
+            <a:spLocks noGrp="1"/>
+          </p:cNvSpPr>
+          <p:nvPr>
+            <p:ph idx="1"/>
+          </p:nvPr>
+        </p:nvSpPr>
+        <p:spPr/>
+        <p:txBody>
+          <a:bodyPr/>
+          <a:lstStyle/>
+          <a:p>
             <a:pPr lvl="0"/>
             <a:r>
               <a:rPr/>
-              <a:t>History</a:t>
+              <a:t>A bit easier</a:t>
+            </a:r>
+          </a:p>
+          <a:p>
+            <a:pPr lvl="1"/>
+            <a:r>
+              <a:rPr/>
+              <a:t>Built-in bootstrap command</a:t>
+            </a:r>
+          </a:p>
+          <a:p>
+            <a:pPr lvl="1"/>
+            <a:r>
+              <a:rPr/>
+              <a:t>Simpler handling of output</a:t>
             </a:r>
           </a:p>
           <a:p>
             <a:pPr lvl="0"/>
             <a:r>
               <a:rPr/>
-              <a:t>Purpose</a:t>
-            </a:r>
-          </a:p>
-          <a:p>
-            <a:pPr lvl="0"/>
-            <a:r>
-              <a:rPr/>
-              <a:t>Calculations</a:t>
-            </a:r>
-          </a:p>
-          <a:p>
-            <a:pPr lvl="0"/>
-            <a:r>
-              <a:rPr/>
-              <a:t>Software</a:t>
+              <a:t>Example taken from UCLA Statistical Methods and Data Analytics site</a:t>
+            </a:r>
+          </a:p>
+          <a:p>
+            <a:pPr lvl="1"/>
+            <a:r>
+              <a:rPr/>
+              <a:t>Google ucla bootstrap stata</a:t>
+            </a:r>
+          </a:p>
+        </p:txBody>
+      </p:sp>
+    </p:spTree>
+  </p:cSld>
+</p:sld>
+</file>
+
+<file path=ppt/slides/slide48.xml><?xml version="1.0" encoding="utf-8"?>
+<p:sld xmlns:a="http://schemas.openxmlformats.org/drawingml/2006/main" xmlns:r="http://schemas.openxmlformats.org/officeDocument/2006/relationships" xmlns:p="http://schemas.openxmlformats.org/presentationml/2006/main">
+  <p:cSld>
+    <p:spTree>
+      <p:nvGrpSpPr>
+        <p:cNvPr id="1" name=""/>
+        <p:cNvGrpSpPr/>
+        <p:nvPr/>
+      </p:nvGrpSpPr>
+      <p:grpSpPr>
+        <a:xfrm>
+          <a:off x="0" y="0"/>
+          <a:ext cx="0" cy="0"/>
+          <a:chOff x="0" y="0"/>
+          <a:chExt cx="0" cy="0"/>
+        </a:xfrm>
+      </p:grpSpPr>
+      <p:sp>
+        <p:nvSpPr>
+          <p:cNvPr id="2" name="Title 1"/>
+          <p:cNvSpPr>
+            <a:spLocks noGrp="1"/>
+          </p:cNvSpPr>
+          <p:nvPr>
+            <p:ph type="title"/>
+          </p:nvPr>
+        </p:nvSpPr>
+        <p:spPr/>
+        <p:txBody>
+          <a:bodyPr/>
+          <a:lstStyle/>
+          <a:p>
+            <a:pPr lvl="0" indent="0" marL="0">
+              <a:buNone/>
+            </a:pPr>
+            <a:r>
+              <a:rPr/>
+              <a:t>Bootstrap in Stata (2/4)</a:t>
+            </a:r>
+          </a:p>
+        </p:txBody>
+      </p:sp>
+      <p:sp>
+        <p:nvSpPr>
+          <p:cNvPr id="3" name="Content Placeholder 2"/>
+          <p:cNvSpPr>
+            <a:spLocks noGrp="1"/>
+          </p:cNvSpPr>
+          <p:nvPr>
+            <p:ph idx="1"/>
+          </p:nvPr>
+        </p:nvSpPr>
+        <p:spPr/>
+        <p:txBody>
+          <a:bodyPr/>
+          <a:lstStyle/>
+          <a:p>
+            <a:pPr lvl="0" indent="0">
+              <a:buNone/>
+            </a:pPr>
+            <a:r>
+              <a:rPr>
+                <a:latin typeface="Courier"/>
+              </a:rPr>
+              <a:t>use http://statistics.ats.ucla.edu/stat/stata/notes/hsb2, clear
+regress read female math write ses</a:t>
+            </a:r>
+          </a:p>
+        </p:txBody>
+      </p:sp>
+    </p:spTree>
+  </p:cSld>
+</p:sld>
+</file>
+
+<file path=ppt/slides/slide49.xml><?xml version="1.0" encoding="utf-8"?>
+<p:sld xmlns:a="http://schemas.openxmlformats.org/drawingml/2006/main" xmlns:r="http://schemas.openxmlformats.org/officeDocument/2006/relationships" xmlns:p="http://schemas.openxmlformats.org/presentationml/2006/main">
+  <p:cSld>
+    <p:spTree>
+      <p:nvGrpSpPr>
+        <p:cNvPr id="1" name=""/>
+        <p:cNvGrpSpPr/>
+        <p:nvPr/>
+      </p:nvGrpSpPr>
+      <p:grpSpPr>
+        <a:xfrm>
+          <a:off x="0" y="0"/>
+          <a:ext cx="0" cy="0"/>
+          <a:chOff x="0" y="0"/>
+          <a:chExt cx="0" cy="0"/>
+        </a:xfrm>
+      </p:grpSpPr>
+      <p:sp>
+        <p:nvSpPr>
+          <p:cNvPr id="2" name="Title 1"/>
+          <p:cNvSpPr>
+            <a:spLocks noGrp="1"/>
+          </p:cNvSpPr>
+          <p:nvPr>
+            <p:ph type="title"/>
+          </p:nvPr>
+        </p:nvSpPr>
+        <p:spPr/>
+        <p:txBody>
+          <a:bodyPr/>
+          <a:lstStyle/>
+          <a:p>
+            <a:pPr lvl="0" indent="0" marL="0">
+              <a:buNone/>
+            </a:pPr>
+            <a:r>
+              <a:rPr/>
+              <a:t>Bootstrap in Stata (3/4)</a:t>
+            </a:r>
+          </a:p>
+        </p:txBody>
+      </p:sp>
+      <p:sp>
+        <p:nvSpPr>
+          <p:cNvPr id="3" name="Content Placeholder 2"/>
+          <p:cNvSpPr>
+            <a:spLocks noGrp="1"/>
+          </p:cNvSpPr>
+          <p:nvPr>
+            <p:ph idx="1"/>
+          </p:nvPr>
+        </p:nvSpPr>
+        <p:spPr/>
+        <p:txBody>
+          <a:bodyPr/>
+          <a:lstStyle/>
+          <a:p>
+            <a:pPr lvl="0" indent="0">
+              <a:buNone/>
+            </a:pPr>
+            <a:r>
+              <a:rPr>
+                <a:latin typeface="Courier"/>
+              </a:rPr>
+              <a:t>bootstrap rmse=e(rmse), reps(100) seed(12345): regress read female math write ses</a:t>
             </a:r>
           </a:p>
         </p:txBody>
@@ -11683,6 +14956,914 @@
 </p:sld>
 </file>
 
+<file path=ppt/slides/slide50.xml><?xml version="1.0" encoding="utf-8"?>
+<p:sld xmlns:a="http://schemas.openxmlformats.org/drawingml/2006/main" xmlns:r="http://schemas.openxmlformats.org/officeDocument/2006/relationships" xmlns:p="http://schemas.openxmlformats.org/presentationml/2006/main">
+  <p:cSld>
+    <p:spTree>
+      <p:nvGrpSpPr>
+        <p:cNvPr id="1" name=""/>
+        <p:cNvGrpSpPr/>
+        <p:nvPr/>
+      </p:nvGrpSpPr>
+      <p:grpSpPr>
+        <a:xfrm>
+          <a:off x="0" y="0"/>
+          <a:ext cx="0" cy="0"/>
+          <a:chOff x="0" y="0"/>
+          <a:chExt cx="0" cy="0"/>
+        </a:xfrm>
+      </p:grpSpPr>
+      <p:sp>
+        <p:nvSpPr>
+          <p:cNvPr id="2" name="Title 1"/>
+          <p:cNvSpPr>
+            <a:spLocks noGrp="1"/>
+          </p:cNvSpPr>
+          <p:nvPr>
+            <p:ph type="title"/>
+          </p:nvPr>
+        </p:nvSpPr>
+        <p:spPr/>
+        <p:txBody>
+          <a:bodyPr/>
+          <a:lstStyle/>
+          <a:p>
+            <a:pPr lvl="0" indent="0" marL="0">
+              <a:buNone/>
+            </a:pPr>
+            <a:r>
+              <a:rPr/>
+              <a:t>Bootstrap in Stata (4/4)</a:t>
+            </a:r>
+          </a:p>
+        </p:txBody>
+      </p:sp>
+      <p:sp>
+        <p:nvSpPr>
+          <p:cNvPr id="3" name="Content Placeholder 2"/>
+          <p:cNvSpPr>
+            <a:spLocks noGrp="1"/>
+          </p:cNvSpPr>
+          <p:nvPr>
+            <p:ph idx="1"/>
+          </p:nvPr>
+        </p:nvSpPr>
+        <p:spPr/>
+        <p:txBody>
+          <a:bodyPr/>
+          <a:lstStyle/>
+          <a:p>
+            <a:pPr lvl="0" indent="0">
+              <a:buNone/>
+            </a:pPr>
+            <a:r>
+              <a:rPr>
+                <a:latin typeface="Courier"/>
+              </a:rPr>
+              <a:t>------------------------------------------------------------------------------
+             |   Observed   Bootstrap                         Normal-based
+             |      Coef.   Std. Err.      z    P&gt;|z|     [95% Conf. Interval]
+-------------+----------------------------------------------------------------
+        rmse |   7.184202   .2594069    27.69   0.000     6.675774     7.69263
+------------------------------------------------------------------------------</a:t>
+            </a:r>
+          </a:p>
+        </p:txBody>
+      </p:sp>
+    </p:spTree>
+  </p:cSld>
+</p:sld>
+</file>
+
+<file path=ppt/slides/slide51.xml><?xml version="1.0" encoding="utf-8"?>
+<p:sld xmlns:a="http://schemas.openxmlformats.org/drawingml/2006/main" xmlns:r="http://schemas.openxmlformats.org/officeDocument/2006/relationships" xmlns:p="http://schemas.openxmlformats.org/presentationml/2006/main">
+  <p:cSld>
+    <p:spTree>
+      <p:nvGrpSpPr>
+        <p:cNvPr id="1" name=""/>
+        <p:cNvGrpSpPr/>
+        <p:nvPr/>
+      </p:nvGrpSpPr>
+      <p:grpSpPr>
+        <a:xfrm>
+          <a:off x="0" y="0"/>
+          <a:ext cx="0" cy="0"/>
+          <a:chOff x="0" y="0"/>
+          <a:chExt cx="0" cy="0"/>
+        </a:xfrm>
+      </p:grpSpPr>
+      <p:sp>
+        <p:nvSpPr>
+          <p:cNvPr id="2" name="Title 1"/>
+          <p:cNvSpPr>
+            <a:spLocks noGrp="1"/>
+          </p:cNvSpPr>
+          <p:nvPr>
+            <p:ph type="title"/>
+          </p:nvPr>
+        </p:nvSpPr>
+        <p:spPr/>
+        <p:txBody>
+          <a:bodyPr/>
+          <a:lstStyle/>
+          <a:p>
+            <a:pPr lvl="0" indent="0" marL="0">
+              <a:buNone/>
+            </a:pPr>
+            <a:r>
+              <a:rPr/>
+              <a:t>Bootstrap in R (1/4)</a:t>
+            </a:r>
+          </a:p>
+        </p:txBody>
+      </p:sp>
+      <p:sp>
+        <p:nvSpPr>
+          <p:cNvPr id="3" name="Content Placeholder 2"/>
+          <p:cNvSpPr>
+            <a:spLocks noGrp="1"/>
+          </p:cNvSpPr>
+          <p:nvPr>
+            <p:ph idx="1"/>
+          </p:nvPr>
+        </p:nvSpPr>
+        <p:spPr/>
+        <p:txBody>
+          <a:bodyPr/>
+          <a:lstStyle/>
+          <a:p>
+            <a:pPr lvl="0"/>
+            <a:r>
+              <a:rPr/>
+              <a:t>Easiest and most flexible choice</a:t>
+            </a:r>
+          </a:p>
+          <a:p>
+            <a:pPr lvl="1"/>
+            <a:r>
+              <a:rPr/>
+              <a:t>Special library</a:t>
+            </a:r>
+          </a:p>
+          <a:p>
+            <a:pPr lvl="1"/>
+            <a:r>
+              <a:rPr/>
+              <a:t>Simple looping stuctures</a:t>
+            </a:r>
+          </a:p>
+          <a:p>
+            <a:pPr lvl="1"/>
+            <a:r>
+              <a:rPr/>
+              <a:t>Easy to extract specific values</a:t>
+            </a:r>
+          </a:p>
+          <a:p>
+            <a:pPr lvl="0"/>
+            <a:r>
+              <a:rPr/>
+              <a:t>Example taken from UCLA Statistical Methods and Data Analytics site</a:t>
+            </a:r>
+          </a:p>
+          <a:p>
+            <a:pPr lvl="1"/>
+            <a:r>
+              <a:rPr/>
+              <a:t>Google ucla bootstrap r</a:t>
+            </a:r>
+          </a:p>
+        </p:txBody>
+      </p:sp>
+    </p:spTree>
+  </p:cSld>
+</p:sld>
+</file>
+
+<file path=ppt/slides/slide52.xml><?xml version="1.0" encoding="utf-8"?>
+<p:sld xmlns:a="http://schemas.openxmlformats.org/drawingml/2006/main" xmlns:r="http://schemas.openxmlformats.org/officeDocument/2006/relationships" xmlns:p="http://schemas.openxmlformats.org/presentationml/2006/main">
+  <p:cSld>
+    <p:spTree>
+      <p:nvGrpSpPr>
+        <p:cNvPr id="1" name=""/>
+        <p:cNvGrpSpPr/>
+        <p:nvPr/>
+      </p:nvGrpSpPr>
+      <p:grpSpPr>
+        <a:xfrm>
+          <a:off x="0" y="0"/>
+          <a:ext cx="0" cy="0"/>
+          <a:chOff x="0" y="0"/>
+          <a:chExt cx="0" cy="0"/>
+        </a:xfrm>
+      </p:grpSpPr>
+      <p:sp>
+        <p:nvSpPr>
+          <p:cNvPr id="2" name="Title 1"/>
+          <p:cNvSpPr>
+            <a:spLocks noGrp="1"/>
+          </p:cNvSpPr>
+          <p:nvPr>
+            <p:ph type="title"/>
+          </p:nvPr>
+        </p:nvSpPr>
+        <p:spPr/>
+        <p:txBody>
+          <a:bodyPr/>
+          <a:lstStyle/>
+          <a:p>
+            <a:pPr lvl="0" indent="0" marL="0">
+              <a:buNone/>
+            </a:pPr>
+            <a:r>
+              <a:rPr/>
+              <a:t>Bootstrap in R (2/4)</a:t>
+            </a:r>
+          </a:p>
+        </p:txBody>
+      </p:sp>
+      <p:sp>
+        <p:nvSpPr>
+          <p:cNvPr id="3" name="Content Placeholder 2"/>
+          <p:cNvSpPr>
+            <a:spLocks noGrp="1"/>
+          </p:cNvSpPr>
+          <p:nvPr>
+            <p:ph idx="1"/>
+          </p:nvPr>
+        </p:nvSpPr>
+        <p:spPr/>
+        <p:txBody>
+          <a:bodyPr/>
+          <a:lstStyle/>
+          <a:p>
+            <a:pPr lvl="0" indent="0">
+              <a:buNone/>
+            </a:pPr>
+            <a:r>
+              <a:rPr>
+                <a:latin typeface="Courier"/>
+              </a:rPr>
+              <a:t>library(boot)
+hsb2 &lt;- read.table("https://stats.idre.ucla.edu/stat/data/hsb2.csv", sep=",", header=T)
+fc &lt;- function(d, i){
+    d2 &lt;- d[i,]
+    return(cor(d2$write, d2$math))
+}</a:t>
+            </a:r>
+          </a:p>
+        </p:txBody>
+      </p:sp>
+    </p:spTree>
+  </p:cSld>
+</p:sld>
+</file>
+
+<file path=ppt/slides/slide53.xml><?xml version="1.0" encoding="utf-8"?>
+<p:sld xmlns:a="http://schemas.openxmlformats.org/drawingml/2006/main" xmlns:r="http://schemas.openxmlformats.org/officeDocument/2006/relationships" xmlns:p="http://schemas.openxmlformats.org/presentationml/2006/main">
+  <p:cSld>
+    <p:spTree>
+      <p:nvGrpSpPr>
+        <p:cNvPr id="1" name=""/>
+        <p:cNvGrpSpPr/>
+        <p:nvPr/>
+      </p:nvGrpSpPr>
+      <p:grpSpPr>
+        <a:xfrm>
+          <a:off x="0" y="0"/>
+          <a:ext cx="0" cy="0"/>
+          <a:chOff x="0" y="0"/>
+          <a:chExt cx="0" cy="0"/>
+        </a:xfrm>
+      </p:grpSpPr>
+      <p:sp>
+        <p:nvSpPr>
+          <p:cNvPr id="2" name="Title 1"/>
+          <p:cNvSpPr>
+            <a:spLocks noGrp="1"/>
+          </p:cNvSpPr>
+          <p:nvPr>
+            <p:ph type="title"/>
+          </p:nvPr>
+        </p:nvSpPr>
+        <p:spPr/>
+        <p:txBody>
+          <a:bodyPr/>
+          <a:lstStyle/>
+          <a:p>
+            <a:pPr lvl="0" indent="0" marL="0">
+              <a:buNone/>
+            </a:pPr>
+            <a:r>
+              <a:rPr/>
+              <a:t>Bootstrap in R (3/4)</a:t>
+            </a:r>
+          </a:p>
+        </p:txBody>
+      </p:sp>
+      <p:sp>
+        <p:nvSpPr>
+          <p:cNvPr id="3" name="Content Placeholder 2"/>
+          <p:cNvSpPr>
+            <a:spLocks noGrp="1"/>
+          </p:cNvSpPr>
+          <p:nvPr>
+            <p:ph idx="1"/>
+          </p:nvPr>
+        </p:nvSpPr>
+        <p:spPr/>
+        <p:txBody>
+          <a:bodyPr/>
+          <a:lstStyle/>
+          <a:p>
+            <a:pPr lvl="0" indent="0">
+              <a:buNone/>
+            </a:pPr>
+            <a:r>
+              <a:rPr>
+                <a:latin typeface="Courier"/>
+              </a:rPr>
+              <a:t>fc &lt;- function(d, i){
+    d2 &lt;- d[i,]
+    return(cor(d2$write, d2$math))
+}
+set.seed(626)
+bootcorr &lt;- boot(hsb2, fc, R=500)</a:t>
+            </a:r>
+          </a:p>
+        </p:txBody>
+      </p:sp>
+    </p:spTree>
+  </p:cSld>
+</p:sld>
+</file>
+
+<file path=ppt/slides/slide54.xml><?xml version="1.0" encoding="utf-8"?>
+<p:sld xmlns:a="http://schemas.openxmlformats.org/drawingml/2006/main" xmlns:r="http://schemas.openxmlformats.org/officeDocument/2006/relationships" xmlns:p="http://schemas.openxmlformats.org/presentationml/2006/main">
+  <p:cSld>
+    <p:spTree>
+      <p:nvGrpSpPr>
+        <p:cNvPr id="1" name=""/>
+        <p:cNvGrpSpPr/>
+        <p:nvPr/>
+      </p:nvGrpSpPr>
+      <p:grpSpPr>
+        <a:xfrm>
+          <a:off x="0" y="0"/>
+          <a:ext cx="0" cy="0"/>
+          <a:chOff x="0" y="0"/>
+          <a:chExt cx="0" cy="0"/>
+        </a:xfrm>
+      </p:grpSpPr>
+      <p:sp>
+        <p:nvSpPr>
+          <p:cNvPr id="2" name="Title 1"/>
+          <p:cNvSpPr>
+            <a:spLocks noGrp="1"/>
+          </p:cNvSpPr>
+          <p:nvPr>
+            <p:ph type="title"/>
+          </p:nvPr>
+        </p:nvSpPr>
+        <p:spPr/>
+        <p:txBody>
+          <a:bodyPr/>
+          <a:lstStyle/>
+          <a:p>
+            <a:pPr lvl="0" indent="0" marL="0">
+              <a:buNone/>
+            </a:pPr>
+            <a:r>
+              <a:rPr/>
+              <a:t>Bootstrap in R (4/4)</a:t>
+            </a:r>
+          </a:p>
+        </p:txBody>
+      </p:sp>
+      <p:sp>
+        <p:nvSpPr>
+          <p:cNvPr id="3" name="Content Placeholder 2"/>
+          <p:cNvSpPr>
+            <a:spLocks noGrp="1"/>
+          </p:cNvSpPr>
+          <p:nvPr>
+            <p:ph idx="1"/>
+          </p:nvPr>
+        </p:nvSpPr>
+        <p:spPr/>
+        <p:txBody>
+          <a:bodyPr/>
+          <a:lstStyle/>
+          <a:p>
+            <a:pPr lvl="0" indent="0">
+              <a:buNone/>
+            </a:pPr>
+            <a:r>
+              <a:rPr>
+                <a:latin typeface="Courier"/>
+              </a:rPr>
+              <a:t>ORDINARY NONPARAMETRIC BOOTSTRAP
+Call:
+boot(data = hsb2, statistic = fc, R = 500)
+Bootstrap Statistics :
+     original       bias    std. error
+t1* 0.6174493 -0.001528707  0.04020362</a:t>
+            </a:r>
+          </a:p>
+        </p:txBody>
+      </p:sp>
+    </p:spTree>
+  </p:cSld>
+</p:sld>
+</file>
+
+<file path=ppt/slides/slide55.xml><?xml version="1.0" encoding="utf-8"?>
+<p:sld xmlns:a="http://schemas.openxmlformats.org/drawingml/2006/main" xmlns:r="http://schemas.openxmlformats.org/officeDocument/2006/relationships" xmlns:p="http://schemas.openxmlformats.org/presentationml/2006/main">
+  <p:cSld>
+    <p:spTree>
+      <p:nvGrpSpPr>
+        <p:cNvPr id="1" name=""/>
+        <p:cNvGrpSpPr/>
+        <p:nvPr/>
+      </p:nvGrpSpPr>
+      <p:grpSpPr>
+        <a:xfrm>
+          <a:off x="0" y="0"/>
+          <a:ext cx="0" cy="0"/>
+          <a:chOff x="0" y="0"/>
+          <a:chExt cx="0" cy="0"/>
+        </a:xfrm>
+      </p:grpSpPr>
+      <p:sp>
+        <p:nvSpPr>
+          <p:cNvPr id="2" name="Title 1"/>
+          <p:cNvSpPr>
+            <a:spLocks noGrp="1"/>
+          </p:cNvSpPr>
+          <p:nvPr>
+            <p:ph type="title"/>
+          </p:nvPr>
+        </p:nvSpPr>
+        <p:spPr/>
+        <p:txBody>
+          <a:bodyPr/>
+          <a:lstStyle/>
+          <a:p>
+            <a:pPr lvl="0" indent="0" marL="0">
+              <a:buNone/>
+            </a:pPr>
+            <a:r>
+              <a:rPr/>
+              <a:t>Break #3</a:t>
+            </a:r>
+          </a:p>
+        </p:txBody>
+      </p:sp>
+      <p:sp>
+        <p:nvSpPr>
+          <p:cNvPr id="3" name="Content Placeholder 2"/>
+          <p:cNvSpPr>
+            <a:spLocks noGrp="1"/>
+          </p:cNvSpPr>
+          <p:nvPr>
+            <p:ph idx="1"/>
+          </p:nvPr>
+        </p:nvSpPr>
+        <p:spPr/>
+        <p:txBody>
+          <a:bodyPr/>
+          <a:lstStyle/>
+          <a:p>
+            <a:pPr lvl="0"/>
+            <a:r>
+              <a:rPr/>
+              <a:t>What have you learned</a:t>
+            </a:r>
+          </a:p>
+          <a:p>
+            <a:pPr lvl="1"/>
+            <a:r>
+              <a:rPr/>
+              <a:t>Software</a:t>
+            </a:r>
+          </a:p>
+          <a:p>
+            <a:pPr lvl="0"/>
+            <a:r>
+              <a:rPr/>
+              <a:t>What’s coming next</a:t>
+            </a:r>
+          </a:p>
+          <a:p>
+            <a:pPr lvl="1"/>
+            <a:r>
+              <a:rPr/>
+              <a:t>Special issues</a:t>
+            </a:r>
+          </a:p>
+        </p:txBody>
+      </p:sp>
+    </p:spTree>
+  </p:cSld>
+</p:sld>
+</file>
+
+<file path=ppt/slides/slide56.xml><?xml version="1.0" encoding="utf-8"?>
+<p:sld xmlns:a="http://schemas.openxmlformats.org/drawingml/2006/main" xmlns:r="http://schemas.openxmlformats.org/officeDocument/2006/relationships" xmlns:p="http://schemas.openxmlformats.org/presentationml/2006/main">
+  <p:cSld>
+    <p:spTree>
+      <p:nvGrpSpPr>
+        <p:cNvPr id="1" name=""/>
+        <p:cNvGrpSpPr/>
+        <p:nvPr/>
+      </p:nvGrpSpPr>
+      <p:grpSpPr>
+        <a:xfrm>
+          <a:off x="0" y="0"/>
+          <a:ext cx="0" cy="0"/>
+          <a:chOff x="0" y="0"/>
+          <a:chExt cx="0" cy="0"/>
+        </a:xfrm>
+      </p:grpSpPr>
+      <p:sp>
+        <p:nvSpPr>
+          <p:cNvPr id="2" name="Title 1"/>
+          <p:cNvSpPr>
+            <a:spLocks noGrp="1"/>
+          </p:cNvSpPr>
+          <p:nvPr>
+            <p:ph type="title"/>
+          </p:nvPr>
+        </p:nvSpPr>
+        <p:spPr/>
+        <p:txBody>
+          <a:bodyPr/>
+          <a:lstStyle/>
+          <a:p>
+            <a:pPr lvl="0" indent="0" marL="0">
+              <a:buNone/>
+            </a:pPr>
+            <a:r>
+              <a:rPr/>
+              <a:t>Special issues</a:t>
+            </a:r>
+          </a:p>
+        </p:txBody>
+      </p:sp>
+      <p:sp>
+        <p:nvSpPr>
+          <p:cNvPr id="3" name="Content Placeholder 2"/>
+          <p:cNvSpPr>
+            <a:spLocks noGrp="1"/>
+          </p:cNvSpPr>
+          <p:nvPr>
+            <p:ph idx="1"/>
+          </p:nvPr>
+        </p:nvSpPr>
+        <p:spPr/>
+        <p:txBody>
+          <a:bodyPr/>
+          <a:lstStyle/>
+          <a:p>
+            <a:pPr lvl="0"/>
+            <a:r>
+              <a:rPr/>
+              <a:t>Visualization</a:t>
+            </a:r>
+          </a:p>
+          <a:p>
+            <a:pPr lvl="0"/>
+            <a:r>
+              <a:rPr/>
+              <a:t>How many bootstraps?</a:t>
+            </a:r>
+          </a:p>
+          <a:p>
+            <a:pPr lvl="0"/>
+            <a:r>
+              <a:rPr/>
+              <a:t>Multiple groups</a:t>
+            </a:r>
+          </a:p>
+          <a:p>
+            <a:pPr lvl="0"/>
+            <a:r>
+              <a:rPr/>
+              <a:t>Time series</a:t>
+            </a:r>
+          </a:p>
+          <a:p>
+            <a:pPr lvl="0"/>
+            <a:r>
+              <a:rPr/>
+              <a:t>Regression models</a:t>
+            </a:r>
+          </a:p>
+        </p:txBody>
+      </p:sp>
+    </p:spTree>
+  </p:cSld>
+</p:sld>
+</file>
+
+<file path=ppt/slides/slide57.xml><?xml version="1.0" encoding="utf-8"?>
+<p:sld xmlns:a="http://schemas.openxmlformats.org/drawingml/2006/main" xmlns:r="http://schemas.openxmlformats.org/officeDocument/2006/relationships" xmlns:p="http://schemas.openxmlformats.org/presentationml/2006/main">
+  <p:cSld>
+    <p:spTree>
+      <p:nvGrpSpPr>
+        <p:cNvPr id="1" name=""/>
+        <p:cNvGrpSpPr/>
+        <p:nvPr/>
+      </p:nvGrpSpPr>
+      <p:grpSpPr>
+        <a:xfrm>
+          <a:off x="0" y="0"/>
+          <a:ext cx="0" cy="0"/>
+          <a:chOff x="0" y="0"/>
+          <a:chExt cx="0" cy="0"/>
+        </a:xfrm>
+      </p:grpSpPr>
+      <p:sp>
+        <p:nvSpPr>
+          <p:cNvPr id="2" name="Title 1"/>
+          <p:cNvSpPr>
+            <a:spLocks noGrp="1"/>
+          </p:cNvSpPr>
+          <p:nvPr>
+            <p:ph type="title"/>
+          </p:nvPr>
+        </p:nvSpPr>
+        <p:spPr/>
+        <p:txBody>
+          <a:bodyPr/>
+          <a:lstStyle/>
+          <a:p>
+            <a:pPr lvl="0" indent="0" marL="0">
+              <a:buNone/>
+            </a:pPr>
+            <a:r>
+              <a:rPr/>
+              <a:t>Visualization (1/2)</a:t>
+            </a:r>
+          </a:p>
+        </p:txBody>
+      </p:sp>
+      <p:pic>
+        <p:nvPicPr>
+          <p:cNvPr descr="fig:  ../images/transplant-curves.png" id="0" name="Picture 1"/>
+          <p:cNvPicPr>
+            <a:picLocks noGrp="1" noChangeAspect="1"/>
+          </p:cNvPicPr>
+          <p:nvPr/>
+        </p:nvPicPr>
+        <p:blipFill>
+          <a:blip r:embed="rId2"/>
+          <a:stretch>
+            <a:fillRect/>
+          </a:stretch>
+        </p:blipFill>
+        <p:spPr bwMode="auto">
+          <a:xfrm>
+            <a:off x="3111500" y="1193800"/>
+            <a:ext cx="2921000" cy="2882900"/>
+          </a:xfrm>
+          <a:prstGeom prst="rect">
+            <a:avLst/>
+          </a:prstGeom>
+          <a:noFill/>
+          <a:ln w="9525">
+            <a:noFill/>
+            <a:headEnd/>
+            <a:tailEnd/>
+          </a:ln>
+        </p:spPr>
+      </p:pic>
+      <p:sp>
+        <p:nvSpPr>
+          <p:cNvPr id="1" name="TextBox 3"/>
+          <p:cNvSpPr txBox="1"/>
+          <p:nvPr/>
+        </p:nvSpPr>
+        <p:spPr>
+          <a:xfrm>
+            <a:off x="457200" y="4076700"/>
+            <a:ext cx="8229600" cy="508000"/>
+          </a:xfrm>
+          <a:prstGeom prst="rect">
+            <a:avLst/>
+          </a:prstGeom>
+          <a:noFill/>
+        </p:spPr>
+        <p:txBody>
+          <a:bodyPr/>
+          <a:lstStyle/>
+          <a:p>
+            <a:pPr lvl="0" indent="0" marL="0" algn="ctr">
+              <a:buNone/>
+            </a:pPr>
+            <a:r>
+              <a:rPr/>
+              <a:t>Figure 1. Age changes in risk for heart transplant patients</a:t>
+            </a:r>
+          </a:p>
+        </p:txBody>
+      </p:sp>
+    </p:spTree>
+  </p:cSld>
+</p:sld>
+</file>
+
+<file path=ppt/slides/slide58.xml><?xml version="1.0" encoding="utf-8"?>
+<p:sld xmlns:a="http://schemas.openxmlformats.org/drawingml/2006/main" xmlns:r="http://schemas.openxmlformats.org/officeDocument/2006/relationships" xmlns:p="http://schemas.openxmlformats.org/presentationml/2006/main">
+  <p:cSld>
+    <p:spTree>
+      <p:nvGrpSpPr>
+        <p:cNvPr id="1" name=""/>
+        <p:cNvGrpSpPr/>
+        <p:nvPr/>
+      </p:nvGrpSpPr>
+      <p:grpSpPr>
+        <a:xfrm>
+          <a:off x="0" y="0"/>
+          <a:ext cx="0" cy="0"/>
+          <a:chOff x="0" y="0"/>
+          <a:chExt cx="0" cy="0"/>
+        </a:xfrm>
+      </p:grpSpPr>
+      <p:sp>
+        <p:nvSpPr>
+          <p:cNvPr id="2" name="Title 1"/>
+          <p:cNvSpPr>
+            <a:spLocks noGrp="1"/>
+          </p:cNvSpPr>
+          <p:nvPr>
+            <p:ph type="title"/>
+          </p:nvPr>
+        </p:nvSpPr>
+        <p:spPr/>
+        <p:txBody>
+          <a:bodyPr/>
+          <a:lstStyle/>
+          <a:p>
+            <a:pPr lvl="0" indent="0" marL="0">
+              <a:buNone/>
+            </a:pPr>
+            <a:r>
+              <a:rPr/>
+              <a:t>Visualization (2/2)</a:t>
+            </a:r>
+          </a:p>
+        </p:txBody>
+      </p:sp>
+      <p:pic>
+        <p:nvPicPr>
+          <p:cNvPr descr="fig:  ../images/bootstrap-map.png" id="0" name="Picture 1"/>
+          <p:cNvPicPr>
+            <a:picLocks noGrp="1" noChangeAspect="1"/>
+          </p:cNvPicPr>
+          <p:nvPr/>
+        </p:nvPicPr>
+        <p:blipFill>
+          <a:blip r:embed="rId2"/>
+          <a:stretch>
+            <a:fillRect/>
+          </a:stretch>
+        </p:blipFill>
+        <p:spPr bwMode="auto">
+          <a:xfrm>
+            <a:off x="3035300" y="1193800"/>
+            <a:ext cx="3060700" cy="2882900"/>
+          </a:xfrm>
+          <a:prstGeom prst="rect">
+            <a:avLst/>
+          </a:prstGeom>
+          <a:noFill/>
+          <a:ln w="9525">
+            <a:noFill/>
+            <a:headEnd/>
+            <a:tailEnd/>
+          </a:ln>
+        </p:spPr>
+      </p:pic>
+      <p:sp>
+        <p:nvSpPr>
+          <p:cNvPr id="1" name="TextBox 3"/>
+          <p:cNvSpPr txBox="1"/>
+          <p:nvPr/>
+        </p:nvSpPr>
+        <p:spPr>
+          <a:xfrm>
+            <a:off x="457200" y="4076700"/>
+            <a:ext cx="8229600" cy="508000"/>
+          </a:xfrm>
+          <a:prstGeom prst="rect">
+            <a:avLst/>
+          </a:prstGeom>
+          <a:noFill/>
+        </p:spPr>
+        <p:txBody>
+          <a:bodyPr/>
+          <a:lstStyle/>
+          <a:p>
+            <a:pPr lvl="0" indent="0" marL="0" algn="ctr">
+              <a:buNone/>
+            </a:pPr>
+            <a:r>
+              <a:rPr/>
+              <a:t>Figure 1. Map</a:t>
+            </a:r>
+          </a:p>
+        </p:txBody>
+      </p:sp>
+    </p:spTree>
+  </p:cSld>
+</p:sld>
+</file>
+
+<file path=ppt/slides/slide59.xml><?xml version="1.0" encoding="utf-8"?>
+<p:sld xmlns:a="http://schemas.openxmlformats.org/drawingml/2006/main" xmlns:r="http://schemas.openxmlformats.org/officeDocument/2006/relationships" xmlns:p="http://schemas.openxmlformats.org/presentationml/2006/main">
+  <p:cSld>
+    <p:spTree>
+      <p:nvGrpSpPr>
+        <p:cNvPr id="1" name=""/>
+        <p:cNvGrpSpPr/>
+        <p:nvPr/>
+      </p:nvGrpSpPr>
+      <p:grpSpPr>
+        <a:xfrm>
+          <a:off x="0" y="0"/>
+          <a:ext cx="0" cy="0"/>
+          <a:chOff x="0" y="0"/>
+          <a:chExt cx="0" cy="0"/>
+        </a:xfrm>
+      </p:grpSpPr>
+      <p:sp>
+        <p:nvSpPr>
+          <p:cNvPr id="2" name="Title 1"/>
+          <p:cNvSpPr>
+            <a:spLocks noGrp="1"/>
+          </p:cNvSpPr>
+          <p:nvPr>
+            <p:ph type="title"/>
+          </p:nvPr>
+        </p:nvSpPr>
+        <p:spPr/>
+        <p:txBody>
+          <a:bodyPr/>
+          <a:lstStyle/>
+          <a:p>
+            <a:pPr lvl="0" indent="0" marL="0">
+              <a:buNone/>
+            </a:pPr>
+            <a:r>
+              <a:rPr/>
+              <a:t>How many bootstraps?</a:t>
+            </a:r>
+          </a:p>
+        </p:txBody>
+      </p:sp>
+      <p:sp>
+        <p:nvSpPr>
+          <p:cNvPr id="3" name="Content Placeholder 2"/>
+          <p:cNvSpPr>
+            <a:spLocks noGrp="1"/>
+          </p:cNvSpPr>
+          <p:nvPr>
+            <p:ph idx="1"/>
+          </p:nvPr>
+        </p:nvSpPr>
+        <p:spPr/>
+        <p:txBody>
+          <a:bodyPr/>
+          <a:lstStyle/>
+          <a:p>
+            <a:pPr lvl="0"/>
+            <a:r>
+              <a:rPr/>
+              <a:t>For visualization: 10 to 50</a:t>
+            </a:r>
+          </a:p>
+          <a:p>
+            <a:pPr lvl="0"/>
+            <a:r>
+              <a:rPr/>
+              <a:t>For estimating a standard error: 50 to 100</a:t>
+            </a:r>
+          </a:p>
+          <a:p>
+            <a:pPr lvl="0"/>
+            <a:r>
+              <a:rPr/>
+              <a:t>For confidence intervals and hypothesis tests: 500 to 1000</a:t>
+            </a:r>
+          </a:p>
+        </p:txBody>
+      </p:sp>
+    </p:spTree>
+  </p:cSld>
+</p:sld>
+</file>
+
 <file path=ppt/slides/slide6.xml><?xml version="1.0" encoding="utf-8"?>
 <p:sld xmlns:a="http://schemas.openxmlformats.org/drawingml/2006/main" xmlns:r="http://schemas.openxmlformats.org/officeDocument/2006/relationships" xmlns:p="http://schemas.openxmlformats.org/presentationml/2006/main">
   <p:cSld>
@@ -11863,6 +16044,524 @@
           </p:sp>
         </mc:Choice>
       </mc:AlternateContent>
+    </p:spTree>
+  </p:cSld>
+</p:sld>
+</file>
+
+<file path=ppt/slides/slide60.xml><?xml version="1.0" encoding="utf-8"?>
+<p:sld xmlns:a="http://schemas.openxmlformats.org/drawingml/2006/main" xmlns:r="http://schemas.openxmlformats.org/officeDocument/2006/relationships" xmlns:p="http://schemas.openxmlformats.org/presentationml/2006/main">
+  <p:cSld>
+    <p:spTree>
+      <p:nvGrpSpPr>
+        <p:cNvPr id="1" name=""/>
+        <p:cNvGrpSpPr/>
+        <p:nvPr/>
+      </p:nvGrpSpPr>
+      <p:grpSpPr>
+        <a:xfrm>
+          <a:off x="0" y="0"/>
+          <a:ext cx="0" cy="0"/>
+          <a:chOff x="0" y="0"/>
+          <a:chExt cx="0" cy="0"/>
+        </a:xfrm>
+      </p:grpSpPr>
+      <p:sp>
+        <p:nvSpPr>
+          <p:cNvPr id="2" name="Title 1"/>
+          <p:cNvSpPr>
+            <a:spLocks noGrp="1"/>
+          </p:cNvSpPr>
+          <p:nvPr>
+            <p:ph type="title"/>
+          </p:nvPr>
+        </p:nvSpPr>
+        <p:spPr/>
+        <p:txBody>
+          <a:bodyPr/>
+          <a:lstStyle/>
+          <a:p>
+            <a:pPr lvl="0" indent="0" marL="0">
+              <a:buNone/>
+            </a:pPr>
+            <a:r>
+              <a:rPr/>
+              <a:t>Multiple groups</a:t>
+            </a:r>
+          </a:p>
+        </p:txBody>
+      </p:sp>
+      <p:sp>
+        <p:nvSpPr>
+          <p:cNvPr id="3" name="Content Placeholder 2"/>
+          <p:cNvSpPr>
+            <a:spLocks noGrp="1"/>
+          </p:cNvSpPr>
+          <p:nvPr>
+            <p:ph idx="1"/>
+          </p:nvPr>
+        </p:nvSpPr>
+        <p:spPr/>
+        <p:txBody>
+          <a:bodyPr/>
+          <a:lstStyle/>
+          <a:p>
+            <a:pPr lvl="0"/>
+            <a:r>
+              <a:rPr/>
+              <a:t>Do you allow the group sizes to vary?</a:t>
+            </a:r>
+          </a:p>
+          <a:p>
+            <a:pPr lvl="0"/>
+            <a:r>
+              <a:rPr/>
+              <a:t>Stratified bootstrap</a:t>
+            </a:r>
+          </a:p>
+          <a:p>
+            <a:pPr lvl="1"/>
+            <a:r>
+              <a:rPr/>
+              <a:t>Two group example</a:t>
+            </a:r>
+          </a:p>
+        </p:txBody>
+      </p:sp>
+    </p:spTree>
+  </p:cSld>
+</p:sld>
+</file>
+
+<file path=ppt/slides/slide61.xml><?xml version="1.0" encoding="utf-8"?>
+<p:sld xmlns:a="http://schemas.openxmlformats.org/drawingml/2006/main" xmlns:r="http://schemas.openxmlformats.org/officeDocument/2006/relationships" xmlns:p="http://schemas.openxmlformats.org/presentationml/2006/main">
+  <p:cSld>
+    <p:spTree>
+      <p:nvGrpSpPr>
+        <p:cNvPr id="1" name=""/>
+        <p:cNvGrpSpPr/>
+        <p:nvPr/>
+      </p:nvGrpSpPr>
+      <p:grpSpPr>
+        <a:xfrm>
+          <a:off x="0" y="0"/>
+          <a:ext cx="0" cy="0"/>
+          <a:chOff x="0" y="0"/>
+          <a:chExt cx="0" cy="0"/>
+        </a:xfrm>
+      </p:grpSpPr>
+      <p:sp>
+        <p:nvSpPr>
+          <p:cNvPr id="2" name="Title 1"/>
+          <p:cNvSpPr>
+            <a:spLocks noGrp="1"/>
+          </p:cNvSpPr>
+          <p:nvPr>
+            <p:ph type="title"/>
+          </p:nvPr>
+        </p:nvSpPr>
+        <p:spPr/>
+        <p:txBody>
+          <a:bodyPr/>
+          <a:lstStyle/>
+          <a:p>
+            <a:pPr lvl="0" indent="0" marL="0">
+              <a:buNone/>
+            </a:pPr>
+            <a:r>
+              <a:rPr/>
+              <a:t>Time series</a:t>
+            </a:r>
+          </a:p>
+        </p:txBody>
+      </p:sp>
+      <p:sp>
+        <p:nvSpPr>
+          <p:cNvPr id="3" name="Content Placeholder 2"/>
+          <p:cNvSpPr>
+            <a:spLocks noGrp="1"/>
+          </p:cNvSpPr>
+          <p:nvPr>
+            <p:ph idx="1"/>
+          </p:nvPr>
+        </p:nvSpPr>
+        <p:spPr/>
+        <p:txBody>
+          <a:bodyPr/>
+          <a:lstStyle/>
+          <a:p>
+            <a:pPr lvl="0"/>
+            <a:r>
+              <a:rPr/>
+              <a:t>Simple bootstrap destroys important features of time series models</a:t>
+            </a:r>
+          </a:p>
+          <a:p>
+            <a:pPr lvl="1"/>
+            <a:r>
+              <a:rPr/>
+              <a:t>Evenly spaced observations</a:t>
+            </a:r>
+          </a:p>
+          <a:p>
+            <a:pPr lvl="1"/>
+            <a:r>
+              <a:rPr/>
+              <a:t>Serial correlation</a:t>
+            </a:r>
+          </a:p>
+          <a:p>
+            <a:pPr lvl="1"/>
+            <a:r>
+              <a:rPr/>
+              <a:t>Seasonality</a:t>
+            </a:r>
+          </a:p>
+          <a:p>
+            <a:pPr lvl="1"/>
+            <a:r>
+              <a:rPr/>
+              <a:t>Temporal trends</a:t>
+            </a:r>
+          </a:p>
+          <a:p>
+            <a:pPr lvl="0"/>
+            <a:r>
+              <a:rPr/>
+              <a:t>Solutions</a:t>
+            </a:r>
+          </a:p>
+          <a:p>
+            <a:pPr lvl="1"/>
+            <a:r>
+              <a:rPr/>
+              <a:t>Bootstrap blocks of consecutive observations</a:t>
+            </a:r>
+          </a:p>
+          <a:p>
+            <a:pPr lvl="1"/>
+            <a:r>
+              <a:rPr/>
+              <a:t>Detrend/decompose the time series</a:t>
+            </a:r>
+          </a:p>
+        </p:txBody>
+      </p:sp>
+    </p:spTree>
+  </p:cSld>
+</p:sld>
+</file>
+
+<file path=ppt/slides/slide62.xml><?xml version="1.0" encoding="utf-8"?>
+<p:sld xmlns:a="http://schemas.openxmlformats.org/drawingml/2006/main" xmlns:r="http://schemas.openxmlformats.org/officeDocument/2006/relationships" xmlns:p="http://schemas.openxmlformats.org/presentationml/2006/main">
+  <p:cSld>
+    <p:spTree>
+      <p:nvGrpSpPr>
+        <p:cNvPr id="1" name=""/>
+        <p:cNvGrpSpPr/>
+        <p:nvPr/>
+      </p:nvGrpSpPr>
+      <p:grpSpPr>
+        <a:xfrm>
+          <a:off x="0" y="0"/>
+          <a:ext cx="0" cy="0"/>
+          <a:chOff x="0" y="0"/>
+          <a:chExt cx="0" cy="0"/>
+        </a:xfrm>
+      </p:grpSpPr>
+      <p:sp>
+        <p:nvSpPr>
+          <p:cNvPr id="2" name="Title 1"/>
+          <p:cNvSpPr>
+            <a:spLocks noGrp="1"/>
+          </p:cNvSpPr>
+          <p:nvPr>
+            <p:ph type="title"/>
+          </p:nvPr>
+        </p:nvSpPr>
+        <p:spPr/>
+        <p:txBody>
+          <a:bodyPr/>
+          <a:lstStyle/>
+          <a:p>
+            <a:pPr lvl="0" indent="0" marL="0">
+              <a:buNone/>
+            </a:pPr>
+            <a:r>
+              <a:rPr/>
+              <a:t>Regression models</a:t>
+            </a:r>
+          </a:p>
+        </p:txBody>
+      </p:sp>
+      <p:sp>
+        <p:nvSpPr>
+          <p:cNvPr id="3" name="Content Placeholder 2"/>
+          <p:cNvSpPr>
+            <a:spLocks noGrp="1"/>
+          </p:cNvSpPr>
+          <p:nvPr>
+            <p:ph idx="1"/>
+          </p:nvPr>
+        </p:nvSpPr>
+        <p:spPr/>
+        <p:txBody>
+          <a:bodyPr/>
+          <a:lstStyle/>
+          <a:p>
+            <a:pPr lvl="0"/>
+            <a:r>
+              <a:rPr/>
+              <a:t>Subsample may have perfect collinearity</a:t>
+            </a:r>
+          </a:p>
+          <a:p>
+            <a:pPr lvl="0"/>
+            <a:r>
+              <a:rPr/>
+              <a:t>Are the independent variables fixed or random?</a:t>
+            </a:r>
+          </a:p>
+          <a:p>
+            <a:pPr lvl="0"/>
+            <a:r>
+              <a:rPr/>
+              <a:t>Solution: bootstrap residuals</a:t>
+            </a:r>
+          </a:p>
+        </p:txBody>
+      </p:sp>
+    </p:spTree>
+  </p:cSld>
+</p:sld>
+</file>
+
+<file path=ppt/slides/slide63.xml><?xml version="1.0" encoding="utf-8"?>
+<p:sld xmlns:a="http://schemas.openxmlformats.org/drawingml/2006/main" xmlns:r="http://schemas.openxmlformats.org/officeDocument/2006/relationships" xmlns:p="http://schemas.openxmlformats.org/presentationml/2006/main">
+  <p:cSld>
+    <p:spTree>
+      <p:nvGrpSpPr>
+        <p:cNvPr id="1" name=""/>
+        <p:cNvGrpSpPr/>
+        <p:nvPr/>
+      </p:nvGrpSpPr>
+      <p:grpSpPr>
+        <a:xfrm>
+          <a:off x="0" y="0"/>
+          <a:ext cx="0" cy="0"/>
+          <a:chOff x="0" y="0"/>
+          <a:chExt cx="0" cy="0"/>
+        </a:xfrm>
+      </p:grpSpPr>
+      <p:sp>
+        <p:nvSpPr>
+          <p:cNvPr id="2" name="Title 1"/>
+          <p:cNvSpPr>
+            <a:spLocks noGrp="1"/>
+          </p:cNvSpPr>
+          <p:nvPr>
+            <p:ph type="title"/>
+          </p:nvPr>
+        </p:nvSpPr>
+        <p:spPr/>
+        <p:txBody>
+          <a:bodyPr/>
+          <a:lstStyle/>
+          <a:p>
+            <a:pPr lvl="0" indent="0" marL="0">
+              <a:buNone/>
+            </a:pPr>
+            <a:r>
+              <a:rPr/>
+              <a:t>Final bits of advice</a:t>
+            </a:r>
+          </a:p>
+        </p:txBody>
+      </p:sp>
+      <p:sp>
+        <p:nvSpPr>
+          <p:cNvPr id="3" name="Content Placeholder 2"/>
+          <p:cNvSpPr>
+            <a:spLocks noGrp="1"/>
+          </p:cNvSpPr>
+          <p:nvPr>
+            <p:ph idx="1"/>
+          </p:nvPr>
+        </p:nvSpPr>
+        <p:spPr/>
+        <p:txBody>
+          <a:bodyPr/>
+          <a:lstStyle/>
+          <a:p>
+            <a:pPr lvl="0"/>
+            <a:r>
+              <a:rPr/>
+              <a:t>Situations where the bootstrap performs poorly</a:t>
+            </a:r>
+          </a:p>
+          <a:p>
+            <a:pPr lvl="1"/>
+            <a:r>
+              <a:rPr/>
+              <a:t>Small sample size</a:t>
+            </a:r>
+          </a:p>
+          <a:p>
+            <a:pPr lvl="1"/>
+            <a:r>
+              <a:rPr/>
+              <a:t>Data from “weird” distributions</a:t>
+            </a:r>
+          </a:p>
+          <a:p>
+            <a:pPr lvl="1"/>
+            <a:r>
+              <a:rPr/>
+              <a:t>Statistics at or near the extremes</a:t>
+            </a:r>
+          </a:p>
+          <a:p>
+            <a:pPr lvl="0"/>
+            <a:r>
+              <a:rPr/>
+              <a:t>Situations where a simple bootstrap performs poorly</a:t>
+            </a:r>
+          </a:p>
+          <a:p>
+            <a:pPr lvl="1"/>
+            <a:r>
+              <a:rPr/>
+              <a:t>Multiple groups with small sample sizes</a:t>
+            </a:r>
+          </a:p>
+          <a:p>
+            <a:pPr lvl="1"/>
+            <a:r>
+              <a:rPr/>
+              <a:t>Time series models</a:t>
+            </a:r>
+          </a:p>
+          <a:p>
+            <a:pPr lvl="1"/>
+            <a:r>
+              <a:rPr/>
+              <a:t>Complex regression models</a:t>
+            </a:r>
+          </a:p>
+          <a:p>
+            <a:pPr lvl="0"/>
+            <a:r>
+              <a:rPr/>
+              <a:t>Situations where the bootstrap performs well</a:t>
+            </a:r>
+          </a:p>
+          <a:p>
+            <a:pPr lvl="1"/>
+            <a:r>
+              <a:rPr/>
+              <a:t>Statistics with no known theoretical results</a:t>
+            </a:r>
+          </a:p>
+          <a:p>
+            <a:pPr lvl="1"/>
+            <a:r>
+              <a:rPr/>
+              <a:t>Statistics where approximations are questionable</a:t>
+            </a:r>
+          </a:p>
+        </p:txBody>
+      </p:sp>
+    </p:spTree>
+  </p:cSld>
+</p:sld>
+</file>
+
+<file path=ppt/slides/slide64.xml><?xml version="1.0" encoding="utf-8"?>
+<p:sld xmlns:a="http://schemas.openxmlformats.org/drawingml/2006/main" xmlns:r="http://schemas.openxmlformats.org/officeDocument/2006/relationships" xmlns:p="http://schemas.openxmlformats.org/presentationml/2006/main">
+  <p:cSld>
+    <p:spTree>
+      <p:nvGrpSpPr>
+        <p:cNvPr id="1" name=""/>
+        <p:cNvGrpSpPr/>
+        <p:nvPr/>
+      </p:nvGrpSpPr>
+      <p:grpSpPr>
+        <a:xfrm>
+          <a:off x="0" y="0"/>
+          <a:ext cx="0" cy="0"/>
+          <a:chOff x="0" y="0"/>
+          <a:chExt cx="0" cy="0"/>
+        </a:xfrm>
+      </p:grpSpPr>
+      <p:sp>
+        <p:nvSpPr>
+          <p:cNvPr id="2" name="Title 1"/>
+          <p:cNvSpPr>
+            <a:spLocks noGrp="1"/>
+          </p:cNvSpPr>
+          <p:nvPr>
+            <p:ph type="title"/>
+          </p:nvPr>
+        </p:nvSpPr>
+        <p:spPr/>
+        <p:txBody>
+          <a:bodyPr/>
+          <a:lstStyle/>
+          <a:p>
+            <a:pPr lvl="0" indent="0" marL="0">
+              <a:buNone/>
+            </a:pPr>
+            <a:r>
+              <a:rPr/>
+              <a:t>Summary</a:t>
+            </a:r>
+          </a:p>
+        </p:txBody>
+      </p:sp>
+      <p:sp>
+        <p:nvSpPr>
+          <p:cNvPr id="3" name="Content Placeholder 2"/>
+          <p:cNvSpPr>
+            <a:spLocks noGrp="1"/>
+          </p:cNvSpPr>
+          <p:nvPr>
+            <p:ph idx="1"/>
+          </p:nvPr>
+        </p:nvSpPr>
+        <p:spPr/>
+        <p:txBody>
+          <a:bodyPr/>
+          <a:lstStyle/>
+          <a:p>
+            <a:pPr lvl="0"/>
+            <a:r>
+              <a:rPr/>
+              <a:t>History</a:t>
+            </a:r>
+          </a:p>
+          <a:p>
+            <a:pPr lvl="0"/>
+            <a:r>
+              <a:rPr/>
+              <a:t>Algorithms</a:t>
+            </a:r>
+          </a:p>
+          <a:p>
+            <a:pPr lvl="0"/>
+            <a:r>
+              <a:rPr/>
+              <a:t>Software</a:t>
+            </a:r>
+          </a:p>
+          <a:p>
+            <a:pPr lvl="0"/>
+            <a:r>
+              <a:rPr/>
+              <a:t>Special issues</a:t>
+            </a:r>
+          </a:p>
+        </p:txBody>
+      </p:sp>
     </p:spTree>
   </p:cSld>
 </p:sld>

--- a/bootstrap/src/bootstrap-slides.pptx
+++ b/bootstrap/src/bootstrap-slides.pptx
@@ -5,7 +5,7 @@
     <p:sldMasterId id="2147483648" r:id="rId1"/>
   </p:sldMasterIdLst>
   <p:notesMasterIdLst>
-    <p:notesMasterId r:id="rId66"/>
+    <p:notesMasterId r:id="rId73"/>
   </p:notesMasterIdLst>
   <p:sldIdLst>
     <p:sldId id="256" r:id="rId2"/>
@@ -72,6 +72,13 @@
     <p:sldId id="317" r:id="rId63"/>
     <p:sldId id="318" r:id="rId64"/>
     <p:sldId id="319" r:id="rId65"/>
+    <p:sldId id="320" r:id="rId66"/>
+    <p:sldId id="321" r:id="rId67"/>
+    <p:sldId id="322" r:id="rId68"/>
+    <p:sldId id="323" r:id="rId69"/>
+    <p:sldId id="324" r:id="rId70"/>
+    <p:sldId id="325" r:id="rId71"/>
+    <p:sldId id="326" r:id="rId72"/>
   </p:sldIdLst>
   <p:sldSz cx="9144000" cy="5143500" type="screen16x9"/>
   <p:notesSz cx="6858000" cy="9144000"/>
@@ -643,7 +650,7 @@
             </a:pPr>
             <a:r>
               <a:rPr/>
-              <a:t>Next, I will explain the reasons why you might want to use the bootstrap: to estimate bias, calculate standard errors, compute confidence intervals, and test hypotheses.</a:t>
+              <a:t>Next, I will explain the reasons why you might want to use the bootstrap: to estimate bias, calculate standard errors, compute confidence intervals, test hypotheses, and to visualize variations in statistical plots.</a:t>
             </a:r>
           </a:p>
           <a:p>
@@ -671,7 +678,7 @@
             </a:pPr>
             <a:r>
               <a:rPr/>
-              <a:t>Then I will show two simple examples.</a:t>
+              <a:t>Then I will discuss some special cases where you might consider more complex forms of bootstrapping.</a:t>
             </a:r>
           </a:p>
         </p:txBody>
@@ -753,7 +760,7 @@
             </a:pPr>
             <a:r>
               <a:rPr/>
-              <a:t>This is a histogram of the 500 bootstrapped estimates of the mean absolute deviation. Notice that it is “patchy” and does not follow a smooth bell shaped curve. This is an important issue that we will address when computing confidence intervals.</a:t>
+              <a:t>The average of the jackknife subsamples is a bit less than 1.68. This indicates a small amount of bias, though I would argue that the size of the bias is manageable. The standard deviation of the jackknife subsamples is around 0.3 (I’m rounding liberally here). This standard deviation is a reasonable estimate for the standard error of the mean absolute deviation. So plus or minus two standard errors gives you an approximate confidence interval from 1.0 to 2.2. A fair amount of imprecision, but hardly surprising for a dataset with a total sample size of 5.</a:t>
             </a:r>
           </a:p>
         </p:txBody>
@@ -775,7 +782,7 @@
           <a:p>
             <a:fld id="{18BDFEC3-8487-43E8-A154-7C12CBC1FFF2}" type="slidenum">
               <a:rPr lang="en-US"/>
-              <a:t>16</a:t>
+              <a:t>11</a:t>
             </a:fld>
             <a:endParaRPr lang="en-US"/>
           </a:p>
@@ -835,21 +842,63 @@
             </a:pPr>
             <a:r>
               <a:rPr/>
-              <a:t>I want to briefly address an important application of the bootstrap to machine learning. Bagging is a portmanteau, a combination and shortening of two words: bootstrap aggregation.</a:t>
-            </a:r>
-          </a:p>
-          <a:p>
-            <a:pPr lvl="0" indent="0" marL="0">
-              <a:buNone/>
-            </a:pPr>
-          </a:p>
-          <a:p>
-            <a:pPr lvl="0" indent="0" marL="0">
-              <a:buNone/>
-            </a:pPr>
-            <a:r>
-              <a:rPr/>
-              <a:t>The basic building block for bagging in the random forest model is the CART model, Classification and Regression Trees.</a:t>
+              <a:t>This image is from a White House ceremony where Bradley Efron received the President’s National Medal of Science. I was quite shocked when I found this picture a few days ago, and I’ve been trying to call Joe Biden ever since to see where my medal is. Seriously, you have to be a really special statistician to deserve an honor like this.</a:t>
+            </a:r>
+          </a:p>
+          <a:p>
+            <a:pPr lvl="0" indent="0" marL="0">
+              <a:buNone/>
+            </a:pPr>
+          </a:p>
+          <a:p>
+            <a:pPr lvl="0" indent="0" marL="0">
+              <a:buNone/>
+            </a:pPr>
+            <a:r>
+              <a:rPr/>
+              <a:t>Most of the information about Bradley Efron comes from</a:t>
+            </a:r>
+          </a:p>
+          <a:p>
+            <a:pPr lvl="0" indent="0" marL="0">
+              <a:buNone/>
+            </a:pPr>
+          </a:p>
+          <a:p>
+            <a:pPr lvl="0" indent="0" marL="0">
+              <a:buNone/>
+            </a:pPr>
+            <a:r>
+              <a:rPr/>
+              <a:t>Denise LaFontaine. The History of Bootstrapping: Tracing the Development of Resampling With Replacement. The Mathematics Enthusiast 2021, 18(1). Available in pdf format.</a:t>
+            </a:r>
+          </a:p>
+          <a:p>
+            <a:pPr lvl="0" indent="0" marL="0">
+              <a:buNone/>
+            </a:pPr>
+          </a:p>
+          <a:p>
+            <a:pPr lvl="0" indent="0" marL="0">
+              <a:buNone/>
+            </a:pPr>
+            <a:r>
+              <a:rPr/>
+              <a:t>Bradley Efron entered the PhD program in Statistics at Stanford University in 1960. He was influenced by one of the faculty at Stanford, Rupert Miller, who was working on establishing conditions under which the jackknife did or did not perform well. Shortly after graduating, Dr. Efron started working on an approach that would fix some of the shortcomings of the jackknife.</a:t>
+            </a:r>
+          </a:p>
+          <a:p>
+            <a:pPr lvl="0" indent="0" marL="0">
+              <a:buNone/>
+            </a:pPr>
+          </a:p>
+          <a:p>
+            <a:pPr lvl="0" indent="0" marL="0">
+              <a:buNone/>
+            </a:pPr>
+            <a:r>
+              <a:rPr/>
+              <a:t>It turns out that the jackknife works in a variety of settings, but fails badly for certain statistics like the median and the interquartile range. The bootstrap handles all the cases that the jackknife handles but also handles quite a few that the jackknife can’t.</a:t>
             </a:r>
           </a:p>
         </p:txBody>
@@ -871,7 +920,7 @@
           <a:p>
             <a:fld id="{18BDFEC3-8487-43E8-A154-7C12CBC1FFF2}" type="slidenum">
               <a:rPr lang="en-US"/>
-              <a:t>17</a:t>
+              <a:t>12</a:t>
             </a:fld>
             <a:endParaRPr lang="en-US"/>
           </a:p>
@@ -931,35 +980,49 @@
             </a:pPr>
             <a:r>
               <a:rPr/>
-              <a:t>A regression tree is a model used for continuous outcomes. It finds optimal splits of the data that create subgroups where the outcome variable shows very little variation. This is an example from the Statology blog on how to fit CART models.</a:t>
-            </a:r>
-          </a:p>
-          <a:p>
-            <a:pPr lvl="0" indent="0" marL="0">
-              <a:buNone/>
-            </a:pPr>
-          </a:p>
-          <a:p>
-            <a:pPr lvl="0" indent="0" marL="0">
-              <a:buNone/>
-            </a:pPr>
-            <a:r>
-              <a:rPr/>
-              <a:t>Zach Bobbitt. How to Fit Classification and Regression Trees in R. Statology blog, 2020-11-22. Available in html format.</a:t>
-            </a:r>
-          </a:p>
-          <a:p>
-            <a:pPr lvl="0" indent="0" marL="0">
-              <a:buNone/>
-            </a:pPr>
-          </a:p>
-          <a:p>
-            <a:pPr lvl="0" indent="0" marL="0">
-              <a:buNone/>
-            </a:pPr>
-            <a:r>
-              <a:rPr/>
-              <a:t>The graph shows a prediction model for baseball player salaries. If the numbers seem low, it is because the data comes form 1987. The first split is between years in the league. If it is less than 4.5, the node to the left shows a mean salary of 225.83 thousand dollars. If it is greater than 4.5, the node to the right shows an additional split: were the number of home runs less than 16.5, then another split is the number of home runs also less than 8.5 then the mean salary is 502.81 thousand dollars. I won’t go through every branch, but each of the final nodes is a combination of splits involving years in the league or home runs.</a:t>
+              <a:t>Bradley Efron decided to create subsamples by sampling from the full data set, but with replacement.</a:t>
+            </a:r>
+          </a:p>
+          <a:p>
+            <a:pPr lvl="0" indent="0" marL="0">
+              <a:buNone/>
+            </a:pPr>
+          </a:p>
+          <a:p>
+            <a:pPr lvl="0" indent="0" marL="0">
+              <a:buNone/>
+            </a:pPr>
+            <a:r>
+              <a:rPr/>
+              <a:t>Sampling with replacement means that the first data value selected gets tossed back into the pool and is available for selection later on. It might get selected a second, or even a third time. A consequence of this is that one or more of the original values might not make it into the bootstrap sample. If one data value is hogging two or three spots, that squeezes out room for another data value.</a:t>
+            </a:r>
+          </a:p>
+          <a:p>
+            <a:pPr lvl="0" indent="0" marL="0">
+              <a:buNone/>
+            </a:pPr>
+          </a:p>
+          <a:p>
+            <a:pPr lvl="0" indent="0" marL="0">
+              <a:buNone/>
+            </a:pPr>
+            <a:r>
+              <a:rPr/>
+              <a:t>The first bootstrap sample picks the 5 twice and skips over the 6. The second bootstrap sample picks the 5 twice and the 7 twice and skips over the 2 and the 6.</a:t>
+            </a:r>
+          </a:p>
+          <a:p>
+            <a:pPr lvl="0" indent="0" marL="0">
+              <a:buNone/>
+            </a:pPr>
+          </a:p>
+          <a:p>
+            <a:pPr lvl="0" indent="0" marL="0">
+              <a:buNone/>
+            </a:pPr>
+            <a:r>
+              <a:rPr/>
+              <a:t>One big advantage of the bootstrap samples is that you can do this hundreds or even thousands of times.</a:t>
             </a:r>
           </a:p>
         </p:txBody>
@@ -981,7 +1044,7 @@
           <a:p>
             <a:fld id="{18BDFEC3-8487-43E8-A154-7C12CBC1FFF2}" type="slidenum">
               <a:rPr lang="en-US"/>
-              <a:t>18</a:t>
+              <a:t>13</a:t>
             </a:fld>
             <a:endParaRPr lang="en-US"/>
           </a:p>
@@ -1041,49 +1104,7 @@
             </a:pPr>
             <a:r>
               <a:rPr/>
-              <a:t>This is an example of a classification tree. You use a classification tree when you are predicting a binary outcome.</a:t>
-            </a:r>
-          </a:p>
-          <a:p>
-            <a:pPr lvl="0" indent="0" marL="0">
-              <a:buNone/>
-            </a:pPr>
-          </a:p>
-          <a:p>
-            <a:pPr lvl="0" indent="0" marL="0">
-              <a:buNone/>
-            </a:pPr>
-            <a:r>
-              <a:rPr/>
-              <a:t>This is an example from the Wikipedia page on decision tree learning. It is work by Gilgoldm and published under a Creative Commons open source license (CC BY-SA 4.0) and is available for download here.</a:t>
-            </a:r>
-          </a:p>
-          <a:p>
-            <a:pPr lvl="0" indent="0" marL="0">
-              <a:buNone/>
-            </a:pPr>
-          </a:p>
-          <a:p>
-            <a:pPr lvl="0" indent="0" marL="0">
-              <a:buNone/>
-            </a:pPr>
-            <a:r>
-              <a:rPr/>
-              <a:t>Both classification trees and regression trees have a tendency to overfit the data. They are also highly sensitive to small changes in the data. In fact, I would have a hard time recommending the use of these models at all.</a:t>
-            </a:r>
-          </a:p>
-          <a:p>
-            <a:pPr lvl="0" indent="0" marL="0">
-              <a:buNone/>
-            </a:pPr>
-          </a:p>
-          <a:p>
-            <a:pPr lvl="0" indent="0" marL="0">
-              <a:buNone/>
-            </a:pPr>
-            <a:r>
-              <a:rPr/>
-              <a:t>There is an approach, however, that largely overcomes these concerns. It is called an ensemble approach. You combine multiple regression or classification trees into a “forest.” And you do this with the help of the bootstrap.</a:t>
+              <a:t>Here’s what you might do with the bootstrap samples. Suppose we are interested in the behavior of the mean absolute deviation for this particular dataset. You can calculate that statistic for each bootstrap sample. It is 1.52 for the first bootstrap sample, 1.28 for the second bootstrap sample, and so forth. Notice how much this statistic varies from one sample to the next.</a:t>
             </a:r>
           </a:p>
         </p:txBody>
@@ -1105,7 +1126,7 @@
           <a:p>
             <a:fld id="{18BDFEC3-8487-43E8-A154-7C12CBC1FFF2}" type="slidenum">
               <a:rPr lang="en-US"/>
-              <a:t>19</a:t>
+              <a:t>14</a:t>
             </a:fld>
             <a:endParaRPr lang="en-US"/>
           </a:p>
@@ -1165,35 +1186,21 @@
             </a:pPr>
             <a:r>
               <a:rPr/>
-              <a:t>In bagging, you fit a model (in the case of Random Forests, you fit a CART model) to a few hundred or thousand bootstrap samples. Get predicted values for each model. Average those predicted values across all the bootstrap samples.</a:t>
-            </a:r>
-          </a:p>
-          <a:p>
-            <a:pPr lvl="0" indent="0" marL="0">
-              <a:buNone/>
-            </a:pPr>
-          </a:p>
-          <a:p>
-            <a:pPr lvl="0" indent="0" marL="0">
-              <a:buNone/>
-            </a:pPr>
-            <a:r>
-              <a:rPr/>
-              <a:t>There are some additional enhancements to the Random Forest models, but the key element is the bagging step.</a:t>
-            </a:r>
-          </a:p>
-          <a:p>
-            <a:pPr lvl="0" indent="0" marL="0">
-              <a:buNone/>
-            </a:pPr>
-          </a:p>
-          <a:p>
-            <a:pPr lvl="0" indent="0" marL="0">
-              <a:buNone/>
-            </a:pPr>
-            <a:r>
-              <a:rPr/>
-              <a:t>Note: Each bootstrap sample might produce a different set of independent variables, so you can’t say anything directly about which variables help the most in predicting the outcome. You can’t get p-values or confidence intervals for individual independent variables. There are some indirect ways to assess this, but I will not talk about these.</a:t>
+              <a:t>The average across all the bootstrap samples is a bit smaller than the estimate for the original data. This indicates, as we noticed before with the jackknife, a small amount of bias.</a:t>
+            </a:r>
+          </a:p>
+          <a:p>
+            <a:pPr lvl="0" indent="0" marL="0">
+              <a:buNone/>
+            </a:pPr>
+          </a:p>
+          <a:p>
+            <a:pPr lvl="0" indent="0" marL="0">
+              <a:buNone/>
+            </a:pPr>
+            <a:r>
+              <a:rPr/>
+              <a:t>The standard deviation from the bootstrap mean absolute deviations is an estimate of the standard error of that statistic. It is fairly large, but as noted earlier, not too much of a surprise.</a:t>
             </a:r>
           </a:p>
         </p:txBody>
@@ -1215,7 +1222,7 @@
           <a:p>
             <a:fld id="{18BDFEC3-8487-43E8-A154-7C12CBC1FFF2}" type="slidenum">
               <a:rPr lang="en-US"/>
-              <a:t>20</a:t>
+              <a:t>15</a:t>
             </a:fld>
             <a:endParaRPr lang="en-US"/>
           </a:p>
@@ -1275,7 +1282,7 @@
             </a:pPr>
             <a:r>
               <a:rPr/>
-              <a:t>I want to show the algorithms used in bootstrapping. These fall into four categories: estimating bias, calculating standard errors, computing confidence intervals, and testing hypotheses.</a:t>
+              <a:t>This is a histogram of the 500 bootstrapped estimates of the mean absolute deviation. Notice that it is “patchy” and does not follow a smooth bell shaped curve. This is an important issue that we will address when computing confidence intervals.</a:t>
             </a:r>
           </a:p>
         </p:txBody>
@@ -1297,7 +1304,7 @@
           <a:p>
             <a:fld id="{18BDFEC3-8487-43E8-A154-7C12CBC1FFF2}" type="slidenum">
               <a:rPr lang="en-US"/>
-              <a:t>22</a:t>
+              <a:t>16</a:t>
             </a:fld>
             <a:endParaRPr lang="en-US"/>
           </a:p>
@@ -1357,21 +1364,35 @@
             </a:pPr>
             <a:r>
               <a:rPr/>
-              <a:t>For all of the proposed uses of the bootstrap, you start with an estimate based on the full dataset. Call that estimate theta-hat.</a:t>
-            </a:r>
-          </a:p>
-          <a:p>
-            <a:pPr lvl="0" indent="0" marL="0">
-              <a:buNone/>
-            </a:pPr>
-          </a:p>
-          <a:p>
-            <a:pPr lvl="0" indent="0" marL="0">
-              <a:buNone/>
-            </a:pPr>
-            <a:r>
-              <a:rPr/>
-              <a:t>Then for each bootstrap sample, you calculate the same estimate.</a:t>
+              <a:t>Suppose we have inside knowledge about the true probabilities for the data in our sample. Here is a cumulative distribution function that can generate data for a particular distribution. Notice that the curve is a bit lopsided, indicating a bit of a skew to the data.</a:t>
+            </a:r>
+          </a:p>
+          <a:p>
+            <a:pPr lvl="0" indent="0" marL="0">
+              <a:buNone/>
+            </a:pPr>
+          </a:p>
+          <a:p>
+            <a:pPr lvl="0" indent="0" marL="0">
+              <a:buNone/>
+            </a:pPr>
+            <a:r>
+              <a:rPr/>
+              <a:t>You also may notice that the median is about 2.5. To get the median find 0.5 on the y-axis, project over to the curve and down to 2.5.</a:t>
+            </a:r>
+          </a:p>
+          <a:p>
+            <a:pPr lvl="0" indent="0" marL="0">
+              <a:buNone/>
+            </a:pPr>
+          </a:p>
+          <a:p>
+            <a:pPr lvl="0" indent="0" marL="0">
+              <a:buNone/>
+            </a:pPr>
+            <a:r>
+              <a:rPr/>
+              <a:t>If you had the inside knowledge, you could generate random samples from this distribution and calculate statistics on those random samples. It is a basic tool in Statistics known as Monte Carlo simulation.</a:t>
             </a:r>
           </a:p>
         </p:txBody>
@@ -1393,7 +1414,7 @@
           <a:p>
             <a:fld id="{18BDFEC3-8487-43E8-A154-7C12CBC1FFF2}" type="slidenum">
               <a:rPr lang="en-US"/>
-              <a:t>23</a:t>
+              <a:t>18</a:t>
             </a:fld>
             <a:endParaRPr lang="en-US"/>
           </a:p>
@@ -1453,49 +1474,21 @@
             </a:pPr>
             <a:r>
               <a:rPr/>
-              <a:t>To estimate bias, see how much the average of the bootstrapped estimates differs from the estimate based on the full sample.</a:t>
-            </a:r>
-          </a:p>
-          <a:p>
-            <a:pPr lvl="0" indent="0" marL="0">
-              <a:buNone/>
-            </a:pPr>
-          </a:p>
-          <a:p>
-            <a:pPr lvl="0" indent="0" marL="0">
-              <a:buNone/>
-            </a:pPr>
-            <a:r>
-              <a:rPr/>
-              <a:t>For what it’s worth, many people (including myself) consider concerns about bias to be overblown. There are times when a biased estimate can be quite serious, especially if the bias is caused by a flaw in the sampling process. But debates about whether you should divide n versus n-1 in the formula for variance are a bit silly.</a:t>
-            </a:r>
-          </a:p>
-          <a:p>
-            <a:pPr lvl="0" indent="0" marL="0">
-              <a:buNone/>
-            </a:pPr>
-          </a:p>
-          <a:p>
-            <a:pPr lvl="0" indent="0" marL="0">
-              <a:buNone/>
-            </a:pPr>
-            <a:r>
-              <a:rPr/>
-              <a:t>Furthermore, a small amount of bias in an estimator may be worth it if you can get less sampling error in return.</a:t>
-            </a:r>
-          </a:p>
-          <a:p>
-            <a:pPr lvl="0" indent="0" marL="0">
-              <a:buNone/>
-            </a:pPr>
-          </a:p>
-          <a:p>
-            <a:pPr lvl="0" indent="0" marL="0">
-              <a:buNone/>
-            </a:pPr>
-            <a:r>
-              <a:rPr/>
-              <a:t>There’s no correct answer about if and when you should adjust for bias, but I am presenting it here as a simple application of the bootstrap. In all candor, the use of the bootstrap for calculating standard errors, computing confidence intervals, and testing hypotheses are far more common uses of the bootstrap.</a:t>
+              <a:t>The name bootstrap comes from the saying “Pull yourself up by your bootstraps”. It is a reference to getting something done without any help, but the image of lifting yourself into the air by yanking on a loop of your shoe is also an analogy to doing something that seems impossible. The Useless Etymology website has a [nice discussion][use1] of this saying, and the image you see here is taken from their website.</a:t>
+            </a:r>
+          </a:p>
+          <a:p>
+            <a:pPr lvl="0" indent="0" marL="0">
+              <a:buNone/>
+            </a:pPr>
+          </a:p>
+          <a:p>
+            <a:pPr lvl="0" indent="0" marL="0">
+              <a:buNone/>
+            </a:pPr>
+            <a:r>
+              <a:rPr/>
+              <a:t>The origin of this phrase is unclear. Several web pages trace this phrase back to a book, The Surprising Adventures of Baron Munchausen. This was a litany of tall tales somewhat akin to the Paul Bunyan character in American folklore. One of the improbable tasks that Baron Munchausen did was lifting himself out of a deep well by pulling on his bootstraps.</a:t>
             </a:r>
           </a:p>
         </p:txBody>
@@ -1517,7 +1510,7 @@
           <a:p>
             <a:fld id="{18BDFEC3-8487-43E8-A154-7C12CBC1FFF2}" type="slidenum">
               <a:rPr lang="en-US"/>
-              <a:t>24</a:t>
+              <a:t>22</a:t>
             </a:fld>
             <a:endParaRPr lang="en-US"/>
           </a:p>
@@ -1577,35 +1570,21 @@
             </a:pPr>
             <a:r>
               <a:rPr/>
-              <a:t>You can use the standard deviation of the bootstrapped estimates as an estimate of the standard error of your statistic.</a:t>
-            </a:r>
-          </a:p>
-          <a:p>
-            <a:pPr lvl="0" indent="0" marL="0">
-              <a:buNone/>
-            </a:pPr>
-          </a:p>
-          <a:p>
-            <a:pPr lvl="0" indent="0" marL="0">
-              <a:buNone/>
-            </a:pPr>
-            <a:r>
-              <a:rPr/>
-              <a:t>We’ll talk next about confidence intervals and hypothesis tests. But the question arises: why would you want a bootstrap estimate of the standard error if not to use it in a confidence interval or a hypothesis test?</a:t>
-            </a:r>
-          </a:p>
-          <a:p>
-            <a:pPr lvl="0" indent="0" marL="0">
-              <a:buNone/>
-            </a:pPr>
-          </a:p>
-          <a:p>
-            <a:pPr lvl="0" indent="0" marL="0">
-              <a:buNone/>
-            </a:pPr>
-            <a:r>
-              <a:rPr/>
-              <a:t>Perhaps there is some value in getting the standard error using a classic approach and comparing it to the bootstrap estimate of the standard error. If the two are close, that gives you some reassurance that the classic approach is appropriate. If they differ, then examine things like whether the sample size is large enough to justify the normal approximation or if other assumptions that you need are justifiable.</a:t>
+              <a:t>I want to briefly address an important application of the bootstrap to machine learning. Bagging is a portmanteau, a combination and shortening of two words: bootstrap aggregation.</a:t>
+            </a:r>
+          </a:p>
+          <a:p>
+            <a:pPr lvl="0" indent="0" marL="0">
+              <a:buNone/>
+            </a:pPr>
+          </a:p>
+          <a:p>
+            <a:pPr lvl="0" indent="0" marL="0">
+              <a:buNone/>
+            </a:pPr>
+            <a:r>
+              <a:rPr/>
+              <a:t>The basic building block for bagging in the random forest model is the CART model, Classification and Regression Trees.</a:t>
             </a:r>
           </a:p>
         </p:txBody>
@@ -1627,7 +1606,7 @@
           <a:p>
             <a:fld id="{18BDFEC3-8487-43E8-A154-7C12CBC1FFF2}" type="slidenum">
               <a:rPr lang="en-US"/>
-              <a:t>25</a:t>
+              <a:t>23</a:t>
             </a:fld>
             <a:endParaRPr lang="en-US"/>
           </a:p>
@@ -1687,21 +1666,35 @@
             </a:pPr>
             <a:r>
               <a:rPr/>
-              <a:t>Once you have a standard error, the simplest confidence interval is going use the bootstrap estimate plus or minus a percentile from the standard normal distribution times the bootstrap standard deviation.</a:t>
-            </a:r>
-          </a:p>
-          <a:p>
-            <a:pPr lvl="0" indent="0" marL="0">
-              <a:buNone/>
-            </a:pPr>
-          </a:p>
-          <a:p>
-            <a:pPr lvl="0" indent="0" marL="0">
-              <a:buNone/>
-            </a:pPr>
-            <a:r>
-              <a:rPr/>
-              <a:t>There is some controversy about whether you should use a t distribution here. I personally do not recommend it, because it is unclear what the degrees of freedom should be.</a:t>
+              <a:t>A regression tree is a model used for continuous outcomes. It finds optimal splits of the data that create subgroups where the outcome variable shows very little variation. This is an example from the Statology blog on how to fit CART models.</a:t>
+            </a:r>
+          </a:p>
+          <a:p>
+            <a:pPr lvl="0" indent="0" marL="0">
+              <a:buNone/>
+            </a:pPr>
+          </a:p>
+          <a:p>
+            <a:pPr lvl="0" indent="0" marL="0">
+              <a:buNone/>
+            </a:pPr>
+            <a:r>
+              <a:rPr/>
+              <a:t>Zach Bobbitt. How to Fit Classification and Regression Trees in R. Statology blog, 2020-11-22. Available in html format.</a:t>
+            </a:r>
+          </a:p>
+          <a:p>
+            <a:pPr lvl="0" indent="0" marL="0">
+              <a:buNone/>
+            </a:pPr>
+          </a:p>
+          <a:p>
+            <a:pPr lvl="0" indent="0" marL="0">
+              <a:buNone/>
+            </a:pPr>
+            <a:r>
+              <a:rPr/>
+              <a:t>The graph shows a prediction model for baseball player salaries. If the numbers seem low, it is because the data comes form 1987. The first split is between years in the league. If it is less than 4.5, the node to the left shows a mean salary of 225.83 thousand dollars. If it is greater than 4.5, the node to the right shows an additional split: were the number of home runs less than 16.5, then another split is the number of home runs also less than 8.5 then the mean salary is 502.81 thousand dollars. I won’t go through every branch, but each of the final nodes is a combination of splits involving years in the league or home runs.</a:t>
             </a:r>
           </a:p>
         </p:txBody>
@@ -1723,7 +1716,7 @@
           <a:p>
             <a:fld id="{18BDFEC3-8487-43E8-A154-7C12CBC1FFF2}" type="slidenum">
               <a:rPr lang="en-US"/>
-              <a:t>27</a:t>
+              <a:t>24</a:t>
             </a:fld>
             <a:endParaRPr lang="en-US"/>
           </a:p>
@@ -1879,21 +1872,49 @@
             </a:pPr>
             <a:r>
               <a:rPr/>
-              <a:t>An even simpler approach is to take percentiles directly from the bootstrap sample. For this, you need a pretty large number of bootstrap samples. Although some sources say that a few hundred might be okay, I would recommend at least a thousand.</a:t>
-            </a:r>
-          </a:p>
-          <a:p>
-            <a:pPr lvl="0" indent="0" marL="0">
-              <a:buNone/>
-            </a:pPr>
-          </a:p>
-          <a:p>
-            <a:pPr lvl="0" indent="0" marL="0">
-              <a:buNone/>
-            </a:pPr>
-            <a:r>
-              <a:rPr/>
-              <a:t>With a thousand bootstrap samples, you would select the 25th and 975th observations, after sorting the data.</a:t>
+              <a:t>This is an example of a classification tree. You use a classification tree when you are predicting a binary outcome.</a:t>
+            </a:r>
+          </a:p>
+          <a:p>
+            <a:pPr lvl="0" indent="0" marL="0">
+              <a:buNone/>
+            </a:pPr>
+          </a:p>
+          <a:p>
+            <a:pPr lvl="0" indent="0" marL="0">
+              <a:buNone/>
+            </a:pPr>
+            <a:r>
+              <a:rPr/>
+              <a:t>This is an example from the Wikipedia page on decision tree learning. It is work by Gilgoldm and published under a Creative Commons open source license (CC BY-SA 4.0) and is available for download here.</a:t>
+            </a:r>
+          </a:p>
+          <a:p>
+            <a:pPr lvl="0" indent="0" marL="0">
+              <a:buNone/>
+            </a:pPr>
+          </a:p>
+          <a:p>
+            <a:pPr lvl="0" indent="0" marL="0">
+              <a:buNone/>
+            </a:pPr>
+            <a:r>
+              <a:rPr/>
+              <a:t>Both classification trees and regression trees have a tendency to overfit the data. They are also highly sensitive to small changes in the data. In fact, I would have a hard time recommending the use of these models at all.</a:t>
+            </a:r>
+          </a:p>
+          <a:p>
+            <a:pPr lvl="0" indent="0" marL="0">
+              <a:buNone/>
+            </a:pPr>
+          </a:p>
+          <a:p>
+            <a:pPr lvl="0" indent="0" marL="0">
+              <a:buNone/>
+            </a:pPr>
+            <a:r>
+              <a:rPr/>
+              <a:t>There is an approach, however, that largely overcomes these concerns. It is called an ensemble approach. You combine multiple regression or classification trees into a “forest.” And you do this with the help of the bootstrap.</a:t>
             </a:r>
           </a:p>
         </p:txBody>
@@ -1915,7 +1936,7 @@
           <a:p>
             <a:fld id="{18BDFEC3-8487-43E8-A154-7C12CBC1FFF2}" type="slidenum">
               <a:rPr lang="en-US"/>
-              <a:t>28</a:t>
+              <a:t>25</a:t>
             </a:fld>
             <a:endParaRPr lang="en-US"/>
           </a:p>
@@ -1975,77 +1996,35 @@
             </a:pPr>
             <a:r>
               <a:rPr/>
-              <a:t>Every reference that I reviewed showed these equations and immediately apologized for their complexity. There appears to be little intuition that you can discern from these formulas. The formula for z-hat-0 is a bit easier to follow, perhaps. It is an adjustment for bias.</a:t>
-            </a:r>
-          </a:p>
-          <a:p>
-            <a:pPr lvl="0" indent="0" marL="0">
-              <a:buNone/>
-            </a:pPr>
-          </a:p>
-          <a:p>
-            <a:pPr lvl="0" indent="0" marL="0">
-              <a:buNone/>
-            </a:pPr>
-            <a:r>
-              <a:rPr/>
-              <a:t>The formula for a-hat is a bit trickier. Notice that it involves deviations from the mean raised to the third power, which seems to be akin to a measure of skewness.</a:t>
-            </a:r>
-          </a:p>
-          <a:p>
-            <a:pPr lvl="0" indent="0" marL="0">
-              <a:buNone/>
-            </a:pPr>
-          </a:p>
-          <a:p>
-            <a:pPr lvl="0" indent="0" marL="0">
-              <a:buNone/>
-            </a:pPr>
-            <a:r>
-              <a:rPr/>
-              <a:t>Dr. Efron refers to it as an acceleration, because it relates to the second derivative of the score function. Don’t ask me what the score function represents. Also don’t ask me why the acceleration relies on a jackknife sample rather than a bootstrap sample.</a:t>
-            </a:r>
-          </a:p>
-          <a:p>
-            <a:pPr lvl="0" indent="0" marL="0">
-              <a:buNone/>
-            </a:pPr>
-          </a:p>
-          <a:p>
-            <a:pPr lvl="0" indent="0" marL="0">
-              <a:buNone/>
-            </a:pPr>
-            <a:r>
-              <a:rPr/>
-              <a:t>Remember that in Calculus, the first derivative is analogous to speed and the second derivative is analogous to acceleration.</a:t>
-            </a:r>
-          </a:p>
-          <a:p>
-            <a:pPr lvl="0" indent="0" marL="0">
-              <a:buNone/>
-            </a:pPr>
-          </a:p>
-          <a:p>
-            <a:pPr lvl="0" indent="0" marL="0">
-              <a:buNone/>
-            </a:pPr>
-            <a:r>
-              <a:rPr/>
-              <a:t>If z-hat-sub-0 is equal to zero, there is no adjustment to the confidence interval based on bias.</a:t>
-            </a:r>
-          </a:p>
-          <a:p>
-            <a:pPr lvl="0" indent="0" marL="0">
-              <a:buNone/>
-            </a:pPr>
-          </a:p>
-          <a:p>
-            <a:pPr lvl="0" indent="0" marL="0">
-              <a:buNone/>
-            </a:pPr>
-            <a:r>
-              <a:rPr/>
-              <a:t>If a-hat is equal to zero, there is no adjustment to the confidence interval based on skewness.</a:t>
+              <a:t>In bagging, you fit a model (in the case of Random Forests, you fit a CART model) to a few hundred or thousand bootstrap samples. Get predicted values for each model. Average those predicted values across all the bootstrap samples.</a:t>
+            </a:r>
+          </a:p>
+          <a:p>
+            <a:pPr lvl="0" indent="0" marL="0">
+              <a:buNone/>
+            </a:pPr>
+          </a:p>
+          <a:p>
+            <a:pPr lvl="0" indent="0" marL="0">
+              <a:buNone/>
+            </a:pPr>
+            <a:r>
+              <a:rPr/>
+              <a:t>There are some additional enhancements to the Random Forest models, but the key element is the bagging step.</a:t>
+            </a:r>
+          </a:p>
+          <a:p>
+            <a:pPr lvl="0" indent="0" marL="0">
+              <a:buNone/>
+            </a:pPr>
+          </a:p>
+          <a:p>
+            <a:pPr lvl="0" indent="0" marL="0">
+              <a:buNone/>
+            </a:pPr>
+            <a:r>
+              <a:rPr/>
+              <a:t>Note: Each bootstrap sample might produce a different set of independent variables, so you can’t say anything directly about which variables help the most in predicting the outcome. You can’t get p-values or confidence intervals for individual independent variables. There are some indirect ways to assess this, but I will not talk about these.</a:t>
             </a:r>
           </a:p>
         </p:txBody>
@@ -2067,7 +2046,7 @@
           <a:p>
             <a:fld id="{18BDFEC3-8487-43E8-A154-7C12CBC1FFF2}" type="slidenum">
               <a:rPr lang="en-US"/>
-              <a:t>29</a:t>
+              <a:t>26</a:t>
             </a:fld>
             <a:endParaRPr lang="en-US"/>
           </a:p>
@@ -2127,7 +2106,7 @@
             </a:pPr>
             <a:r>
               <a:rPr/>
-              <a:t>The percentiles that you select from the bootstrap distribution are no longer at alpha/2 and 1-alpha/2, but are moved to account for bias and skewness in the bootstrap distribution.</a:t>
+              <a:t>I want to show the algorithms used in bootstrapping. These fall into four categories: estimating bias, calculating standard errors, computing confidence intervals, and testing hypotheses.</a:t>
             </a:r>
           </a:p>
         </p:txBody>
@@ -2149,7 +2128,7 @@
           <a:p>
             <a:fld id="{18BDFEC3-8487-43E8-A154-7C12CBC1FFF2}" type="slidenum">
               <a:rPr lang="en-US"/>
-              <a:t>30</a:t>
+              <a:t>28</a:t>
             </a:fld>
             <a:endParaRPr lang="en-US"/>
           </a:p>
@@ -2209,7 +2188,21 @@
             </a:pPr>
             <a:r>
               <a:rPr/>
-              <a:t>Here’s a picture showing what the unadjusted percentiles look like for a 90% confidence interval. Z-0-hat is zero, so no bias adjustment and a-hat is also zero, so no adjustment for skewness. You would just choose the 5th and 95th percentiles of the bootstrapped estimates.</a:t>
+              <a:t>For all of the proposed uses of the bootstrap, you start with an estimate based on the full dataset. Call that estimate theta-hat.</a:t>
+            </a:r>
+          </a:p>
+          <a:p>
+            <a:pPr lvl="0" indent="0" marL="0">
+              <a:buNone/>
+            </a:pPr>
+          </a:p>
+          <a:p>
+            <a:pPr lvl="0" indent="0" marL="0">
+              <a:buNone/>
+            </a:pPr>
+            <a:r>
+              <a:rPr/>
+              <a:t>Then for each bootstrap sample, you calculate the same estimate.</a:t>
             </a:r>
           </a:p>
         </p:txBody>
@@ -2231,7 +2224,7 @@
           <a:p>
             <a:fld id="{18BDFEC3-8487-43E8-A154-7C12CBC1FFF2}" type="slidenum">
               <a:rPr lang="en-US"/>
-              <a:t>31</a:t>
+              <a:t>29</a:t>
             </a:fld>
             <a:endParaRPr lang="en-US"/>
           </a:p>
@@ -2291,7 +2284,49 @@
             </a:pPr>
             <a:r>
               <a:rPr/>
-              <a:t>A bias adjustments shifts the z values to the left or the right. In this hypothetical case, the z values are shifted left by 0.2 units, and instead of using the instead of the 5th and the 95th percentiles, you would use would be the 3.3 percentile and the 92.6 percentile.</a:t>
+              <a:t>To estimate bias, see how much the average of the bootstrapped estimates differs from the estimate based on the full sample.</a:t>
+            </a:r>
+          </a:p>
+          <a:p>
+            <a:pPr lvl="0" indent="0" marL="0">
+              <a:buNone/>
+            </a:pPr>
+          </a:p>
+          <a:p>
+            <a:pPr lvl="0" indent="0" marL="0">
+              <a:buNone/>
+            </a:pPr>
+            <a:r>
+              <a:rPr/>
+              <a:t>For what it’s worth, many people (including myself) consider concerns about bias to be overblown. There are times when a biased estimate can be quite serious, especially if the bias is caused by a flaw in the sampling process. But debates about whether you should divide n versus n-1 in the formula for variance are a bit silly.</a:t>
+            </a:r>
+          </a:p>
+          <a:p>
+            <a:pPr lvl="0" indent="0" marL="0">
+              <a:buNone/>
+            </a:pPr>
+          </a:p>
+          <a:p>
+            <a:pPr lvl="0" indent="0" marL="0">
+              <a:buNone/>
+            </a:pPr>
+            <a:r>
+              <a:rPr/>
+              <a:t>Furthermore, a small amount of bias in an estimator may be worth it if you can get less sampling error in return.</a:t>
+            </a:r>
+          </a:p>
+          <a:p>
+            <a:pPr lvl="0" indent="0" marL="0">
+              <a:buNone/>
+            </a:pPr>
+          </a:p>
+          <a:p>
+            <a:pPr lvl="0" indent="0" marL="0">
+              <a:buNone/>
+            </a:pPr>
+            <a:r>
+              <a:rPr/>
+              <a:t>There’s no correct answer about if and when you should adjust for bias, but I am presenting it here as a simple application of the bootstrap. In all candor, the use of the bootstrap for calculating standard errors, computing confidence intervals, and testing hypotheses are far more common uses of the bootstrap.</a:t>
             </a:r>
           </a:p>
         </p:txBody>
@@ -2313,7 +2348,7 @@
           <a:p>
             <a:fld id="{18BDFEC3-8487-43E8-A154-7C12CBC1FFF2}" type="slidenum">
               <a:rPr lang="en-US"/>
-              <a:t>32</a:t>
+              <a:t>30</a:t>
             </a:fld>
             <a:endParaRPr lang="en-US"/>
           </a:p>
@@ -2373,21 +2408,35 @@
             </a:pPr>
             <a:r>
               <a:rPr/>
-              <a:t>An adjustment for skewness also shifts the z values to the left or the right, though the shift is stronger on one side versus the other. In this hypothetical case, you would use would be the 2.9 percentile and the 92.7 percentile.</a:t>
-            </a:r>
-          </a:p>
-          <a:p>
-            <a:pPr lvl="0" indent="0" marL="0">
-              <a:buNone/>
-            </a:pPr>
-          </a:p>
-          <a:p>
-            <a:pPr lvl="0" indent="0" marL="0">
-              <a:buNone/>
-            </a:pPr>
-            <a:r>
-              <a:rPr/>
-              <a:t>These formulas are messy, and easy to get wrong, so I would recommend if you are programming from scratch that you stick one of the simpler approaches.</a:t>
+              <a:t>You can use the standard deviation of the bootstrapped estimates as an estimate of the standard error of your statistic.</a:t>
+            </a:r>
+          </a:p>
+          <a:p>
+            <a:pPr lvl="0" indent="0" marL="0">
+              <a:buNone/>
+            </a:pPr>
+          </a:p>
+          <a:p>
+            <a:pPr lvl="0" indent="0" marL="0">
+              <a:buNone/>
+            </a:pPr>
+            <a:r>
+              <a:rPr/>
+              <a:t>We’ll talk next about confidence intervals and hypothesis tests. But the question arises: why would you want a bootstrap estimate of the standard error if not to use it in a confidence interval or a hypothesis test?</a:t>
+            </a:r>
+          </a:p>
+          <a:p>
+            <a:pPr lvl="0" indent="0" marL="0">
+              <a:buNone/>
+            </a:pPr>
+          </a:p>
+          <a:p>
+            <a:pPr lvl="0" indent="0" marL="0">
+              <a:buNone/>
+            </a:pPr>
+            <a:r>
+              <a:rPr/>
+              <a:t>Perhaps there is some value in getting the standard error using a classic approach and comparing it to the bootstrap estimate of the standard error. If the two are close, that gives you some reassurance that the classic approach is appropriate. If they differ, then examine things like whether the sample size is large enough to justify the normal approximation or if other assumptions that you need are justifiable.</a:t>
             </a:r>
           </a:p>
         </p:txBody>
@@ -2409,7 +2458,7 @@
           <a:p>
             <a:fld id="{18BDFEC3-8487-43E8-A154-7C12CBC1FFF2}" type="slidenum">
               <a:rPr lang="en-US"/>
-              <a:t>33</a:t>
+              <a:t>31</a:t>
             </a:fld>
             <a:endParaRPr lang="en-US"/>
           </a:p>
@@ -2469,21 +2518,7 @@
             </a:pPr>
             <a:r>
               <a:rPr/>
-              <a:t>To test a hypothesis, count the proportion of bootstrap values that agree with the null hypothesis. If it is less than alpha, then you reject the null hypothesis. Extension to two sided hypotheses is not difficult.</a:t>
-            </a:r>
-          </a:p>
-          <a:p>
-            <a:pPr lvl="0" indent="0" marL="0">
-              <a:buNone/>
-            </a:pPr>
-          </a:p>
-          <a:p>
-            <a:pPr lvl="0" indent="0" marL="0">
-              <a:buNone/>
-            </a:pPr>
-            <a:r>
-              <a:rPr/>
-              <a:t>You could also look at any one of the bootstrap confidence intervals and see whether that interval includes or excludes the null value.</a:t>
+              <a:t>The most frequent use of the bootstrap, by far, is the creation of confidence intervals. There are many ways to do this, but three of the most common approaches are a classical interval using the bootstrap standard error, an interval that relies on percentiles from the bootstrap distribution, and some corrections that improve the accuracy of percentile confidence interval.</a:t>
             </a:r>
           </a:p>
         </p:txBody>
@@ -2505,7 +2540,7 @@
           <a:p>
             <a:fld id="{18BDFEC3-8487-43E8-A154-7C12CBC1FFF2}" type="slidenum">
               <a:rPr lang="en-US"/>
-              <a:t>34</a:t>
+              <a:t>32</a:t>
             </a:fld>
             <a:endParaRPr lang="en-US"/>
           </a:p>
@@ -2565,21 +2600,21 @@
             </a:pPr>
             <a:r>
               <a:rPr/>
-              <a:t>If you want to program a bootstrap, you need to have enough familiarity with your statistical software to run a loop and extract specific values from the output.</a:t>
-            </a:r>
-          </a:p>
-          <a:p>
-            <a:pPr lvl="0" indent="0" marL="0">
-              <a:buNone/>
-            </a:pPr>
-          </a:p>
-          <a:p>
-            <a:pPr lvl="0" indent="0" marL="0">
-              <a:buNone/>
-            </a:pPr>
-            <a:r>
-              <a:rPr/>
-              <a:t>I want to show briefly, how to do a simple bootstrap in SAS, Stata, and R. It may be possible to do this in SPSS, but I am not familiar enough with SPSS to outline how the approach might work.</a:t>
+              <a:t>Once you have a standard error, the simplest confidence interval is going use the bootstrap estimate plus or minus a percentile from the standard normal distribution times the bootstrap standard deviation.</a:t>
+            </a:r>
+          </a:p>
+          <a:p>
+            <a:pPr lvl="0" indent="0" marL="0">
+              <a:buNone/>
+            </a:pPr>
+          </a:p>
+          <a:p>
+            <a:pPr lvl="0" indent="0" marL="0">
+              <a:buNone/>
+            </a:pPr>
+            <a:r>
+              <a:rPr/>
+              <a:t>There is some controversy about whether you should use a t distribution here. I personally do not recommend it, because it is unclear what the degrees of freedom should be.</a:t>
             </a:r>
           </a:p>
         </p:txBody>
@@ -2601,7 +2636,7 @@
           <a:p>
             <a:fld id="{18BDFEC3-8487-43E8-A154-7C12CBC1FFF2}" type="slidenum">
               <a:rPr lang="en-US"/>
-              <a:t>36</a:t>
+              <a:t>33</a:t>
             </a:fld>
             <a:endParaRPr lang="en-US"/>
           </a:p>
@@ -2661,35 +2696,21 @@
             </a:pPr>
             <a:r>
               <a:rPr/>
-              <a:t>This example is taken from the UCLA Statistical Methods and Data Analytics site. It pops up easily on a simple google search.</a:t>
-            </a:r>
-          </a:p>
-          <a:p>
-            <a:pPr lvl="0" indent="0" marL="0">
-              <a:buNone/>
-            </a:pPr>
-          </a:p>
-          <a:p>
-            <a:pPr lvl="0" indent="0" marL="0">
-              <a:buNone/>
-            </a:pPr>
-            <a:r>
-              <a:rPr/>
-              <a:t>The first statement tells SAS that it should take the output from the following procedure, pull out a particular number from the output called “FitStatistics” and store it in a dataset with the name t0.</a:t>
-            </a:r>
-          </a:p>
-          <a:p>
-            <a:pPr lvl="0" indent="0" marL="0">
-              <a:buNone/>
-            </a:pPr>
-          </a:p>
-          <a:p>
-            <a:pPr lvl="0" indent="0" marL="0">
-              <a:buNone/>
-            </a:pPr>
-            <a:r>
-              <a:rPr/>
-              <a:t>I’m guess that the “quit” statement is important here because of the way you are handling output with the ods statement.</a:t>
+              <a:t>An even simpler approach is to take percentiles directly from the bootstrap sample. For this, you need a pretty large number of bootstrap samples. Although some sources say that a few hundred might be okay, I would recommend at least a thousand.</a:t>
+            </a:r>
+          </a:p>
+          <a:p>
+            <a:pPr lvl="0" indent="0" marL="0">
+              <a:buNone/>
+            </a:pPr>
+          </a:p>
+          <a:p>
+            <a:pPr lvl="0" indent="0" marL="0">
+              <a:buNone/>
+            </a:pPr>
+            <a:r>
+              <a:rPr/>
+              <a:t>With a thousand bootstrap samples, you would select the 25th and 975th observations, after sorting the data.</a:t>
             </a:r>
           </a:p>
         </p:txBody>
@@ -2711,7 +2732,7 @@
           <a:p>
             <a:fld id="{18BDFEC3-8487-43E8-A154-7C12CBC1FFF2}" type="slidenum">
               <a:rPr lang="en-US"/>
-              <a:t>37</a:t>
+              <a:t>34</a:t>
             </a:fld>
             <a:endParaRPr lang="en-US"/>
           </a:p>
@@ -2771,7 +2792,91 @@
             </a:pPr>
             <a:r>
               <a:rPr/>
-              <a:t>The data step here creates a dataset with the sole purpose of moving the r-squared value to a macro variable. The key function here is symput and if you are not familiar with it, check out the SAS documentation.</a:t>
+              <a:t>Every reference that I reviewed showed these equations and immediately apologized for their complexity. There appears to be little intuition that you can discern from these formulas. The formula for z-hat-0 is a bit easier to follow, perhaps. It is an adjustment for bias.</a:t>
+            </a:r>
+          </a:p>
+          <a:p>
+            <a:pPr lvl="0" indent="0" marL="0">
+              <a:buNone/>
+            </a:pPr>
+          </a:p>
+          <a:p>
+            <a:pPr lvl="0" indent="0" marL="0">
+              <a:buNone/>
+            </a:pPr>
+            <a:r>
+              <a:rPr/>
+              <a:t>The H function effectively counts the number of bootstrap estimates that are greater than the estimate based on the original data. Divide by the number of bootstrap samples to get a proportion. Phi inverse converts this proportion into a percentile from a standard normal distribution. If exactly half of the bootstrap estimates are greater than the estimate based on the original data, then you get a big fat zero which means no bias adjustment.</a:t>
+            </a:r>
+          </a:p>
+          <a:p>
+            <a:pPr lvl="0" indent="0" marL="0">
+              <a:buNone/>
+            </a:pPr>
+          </a:p>
+          <a:p>
+            <a:pPr lvl="0" indent="0" marL="0">
+              <a:buNone/>
+            </a:pPr>
+            <a:r>
+              <a:rPr/>
+              <a:t>The formula for a-hat is a bit trickier. Notice that it involves deviations from the mean raised to the third power, which seems to be akin to a measure of skewness.</a:t>
+            </a:r>
+          </a:p>
+          <a:p>
+            <a:pPr lvl="0" indent="0" marL="0">
+              <a:buNone/>
+            </a:pPr>
+          </a:p>
+          <a:p>
+            <a:pPr lvl="0" indent="0" marL="0">
+              <a:buNone/>
+            </a:pPr>
+            <a:r>
+              <a:rPr/>
+              <a:t>Dr. Efron refers to it as an acceleration, because it relates to the second derivative of the score function. Don’t ask me what the score function represents. Also don’t ask me why the acceleration relies on a jackknife sample rather than a bootstrap sample.</a:t>
+            </a:r>
+          </a:p>
+          <a:p>
+            <a:pPr lvl="0" indent="0" marL="0">
+              <a:buNone/>
+            </a:pPr>
+          </a:p>
+          <a:p>
+            <a:pPr lvl="0" indent="0" marL="0">
+              <a:buNone/>
+            </a:pPr>
+            <a:r>
+              <a:rPr/>
+              <a:t>Remember that in Calculus, the first derivative is analogous to speed and the second derivative is analogous to acceleration.</a:t>
+            </a:r>
+          </a:p>
+          <a:p>
+            <a:pPr lvl="0" indent="0" marL="0">
+              <a:buNone/>
+            </a:pPr>
+          </a:p>
+          <a:p>
+            <a:pPr lvl="0" indent="0" marL="0">
+              <a:buNone/>
+            </a:pPr>
+            <a:r>
+              <a:rPr/>
+              <a:t>If z-hat-sub-0 is equal to zero, there is no adjustment to the confidence interval based on bias.</a:t>
+            </a:r>
+          </a:p>
+          <a:p>
+            <a:pPr lvl="0" indent="0" marL="0">
+              <a:buNone/>
+            </a:pPr>
+          </a:p>
+          <a:p>
+            <a:pPr lvl="0" indent="0" marL="0">
+              <a:buNone/>
+            </a:pPr>
+            <a:r>
+              <a:rPr/>
+              <a:t>If the jackknife estimates are perfectly symmetric, then a-hat is a big fat zero, meaning no adjustment to the confidence interval based on skewness.</a:t>
             </a:r>
           </a:p>
         </p:txBody>
@@ -2793,7 +2898,7 @@
           <a:p>
             <a:fld id="{18BDFEC3-8487-43E8-A154-7C12CBC1FFF2}" type="slidenum">
               <a:rPr lang="en-US"/>
-              <a:t>38</a:t>
+              <a:t>35</a:t>
             </a:fld>
             <a:endParaRPr lang="en-US"/>
           </a:p>
@@ -2935,7 +3040,7 @@
             </a:pPr>
             <a:r>
               <a:rPr/>
-              <a:t>Although you could use a loop here, the surveyselect procedure allows you to create 500 bootstrap samples and store them all in a single dataset.</a:t>
+              <a:t>The percentiles that you select from the bootstrap distribution are no longer at alpha/2 and 1-alpha/2, but are moved to account for bias and skewness in the bootstrap distribution.</a:t>
             </a:r>
           </a:p>
         </p:txBody>
@@ -2957,7 +3062,7 @@
           <a:p>
             <a:fld id="{18BDFEC3-8487-43E8-A154-7C12CBC1FFF2}" type="slidenum">
               <a:rPr lang="en-US"/>
-              <a:t>39</a:t>
+              <a:t>36</a:t>
             </a:fld>
             <a:endParaRPr lang="en-US"/>
           </a:p>
@@ -3017,7 +3122,7 @@
             </a:pPr>
             <a:r>
               <a:rPr/>
-              <a:t>Here is part of the output from surveyselect. The original dataset has 200 observations. We are creating 500 replicates using sampling with replacement. That creates a dataset of 100,000 observations.</a:t>
+              <a:t>Here’s a picture showing what the unadjusted percentiles look like for a 90% confidence interval. Z-0-hat is zero, so no bias adjustment and a-hat is also zero, so no adjustment for skewness. You would just choose the 5th and 95th percentiles of the bootstrapped estimates.</a:t>
             </a:r>
           </a:p>
         </p:txBody>
@@ -3039,7 +3144,7 @@
           <a:p>
             <a:fld id="{18BDFEC3-8487-43E8-A154-7C12CBC1FFF2}" type="slidenum">
               <a:rPr lang="en-US"/>
-              <a:t>40</a:t>
+              <a:t>37</a:t>
             </a:fld>
             <a:endParaRPr lang="en-US"/>
           </a:p>
@@ -3099,21 +3204,7 @@
             </a:pPr>
             <a:r>
               <a:rPr/>
-              <a:t>The ods statement on the first line of code on this slide tells SAS to look at the output from the following procedure and store the result in a dataset called t.</a:t>
-            </a:r>
-          </a:p>
-          <a:p>
-            <a:pPr lvl="0" indent="0" marL="0">
-              <a:buNone/>
-            </a:pPr>
-          </a:p>
-          <a:p>
-            <a:pPr lvl="0" indent="0" marL="0">
-              <a:buNone/>
-            </a:pPr>
-            <a:r>
-              <a:rPr/>
-              <a:t>The “by replicate” statement tells SAS to run a separate regression for each bootstrap sample.</a:t>
+              <a:t>A bias adjustments shifts the z values to the left or the right. In this hypothetical case, the z values are shifted left by 0.2 units, and instead of using the instead of the 5th and the 95th percentiles, you would use would be the 3.3 percentile and the 92.6 percentile.</a:t>
             </a:r>
           </a:p>
         </p:txBody>
@@ -3135,7 +3226,7 @@
           <a:p>
             <a:fld id="{18BDFEC3-8487-43E8-A154-7C12CBC1FFF2}" type="slidenum">
               <a:rPr lang="en-US"/>
-              <a:t>41</a:t>
+              <a:t>38</a:t>
             </a:fld>
             <a:endParaRPr lang="en-US"/>
           </a:p>
@@ -3195,7 +3286,21 @@
             </a:pPr>
             <a:r>
               <a:rPr/>
-              <a:t>The output stored in the dataset, however, is a string, and you have to convert it to a numeric value by adding zero. This is a classic SAS hack.</a:t>
+              <a:t>An adjustment for skewness also shifts the z values to the left or the right, though the shift is stronger on one side versus the other. In this hypothetical case, you would use would be the 2.9 percentile and the 92.7 percentile.</a:t>
+            </a:r>
+          </a:p>
+          <a:p>
+            <a:pPr lvl="0" indent="0" marL="0">
+              <a:buNone/>
+            </a:pPr>
+          </a:p>
+          <a:p>
+            <a:pPr lvl="0" indent="0" marL="0">
+              <a:buNone/>
+            </a:pPr>
+            <a:r>
+              <a:rPr/>
+              <a:t>These formulas are messy, and easy to get wrong, so I would recommend if you are programming from scratch that you stick one of the simpler approaches.</a:t>
             </a:r>
           </a:p>
         </p:txBody>
@@ -3217,7 +3322,7 @@
           <a:p>
             <a:fld id="{18BDFEC3-8487-43E8-A154-7C12CBC1FFF2}" type="slidenum">
               <a:rPr lang="en-US"/>
-              <a:t>42</a:t>
+              <a:t>39</a:t>
             </a:fld>
             <a:endParaRPr lang="en-US"/>
           </a:p>
@@ -3277,7 +3382,21 @@
             </a:pPr>
             <a:r>
               <a:rPr/>
-              <a:t>The first three lines are just a fancy way of getting from a 0.05 alpha level to selecting the 2.5 percentile and the 97.5 percentile.</a:t>
+              <a:t>To test a hypothesis, count the proportion of bootstrap values that agree with the null hypothesis. If it is less than alpha, then you reject the null hypothesis. Extension to two sided hypotheses is not difficult.</a:t>
+            </a:r>
+          </a:p>
+          <a:p>
+            <a:pPr lvl="0" indent="0" marL="0">
+              <a:buNone/>
+            </a:pPr>
+          </a:p>
+          <a:p>
+            <a:pPr lvl="0" indent="0" marL="0">
+              <a:buNone/>
+            </a:pPr>
+            <a:r>
+              <a:rPr/>
+              <a:t>You could also look at any one of the bootstrap confidence intervals and see whether that interval includes or excludes the null value.</a:t>
             </a:r>
           </a:p>
         </p:txBody>
@@ -3299,7 +3418,7 @@
           <a:p>
             <a:fld id="{18BDFEC3-8487-43E8-A154-7C12CBC1FFF2}" type="slidenum">
               <a:rPr lang="en-US"/>
-              <a:t>43</a:t>
+              <a:t>40</a:t>
             </a:fld>
             <a:endParaRPr lang="en-US"/>
           </a:p>
@@ -3359,21 +3478,21 @@
             </a:pPr>
             <a:r>
               <a:rPr/>
-              <a:t>proc univariate produces the mean as well as the 2.5 and 97.5 percentiles. The pctlpre and pctlname make the variable names of the output dataset look nice.</a:t>
-            </a:r>
-          </a:p>
-          <a:p>
-            <a:pPr lvl="0" indent="0" marL="0">
-              <a:buNone/>
-            </a:pPr>
-          </a:p>
-          <a:p>
-            <a:pPr lvl="0" indent="0" marL="0">
-              <a:buNone/>
-            </a:pPr>
-            <a:r>
-              <a:rPr/>
-              <a:t>Although the folks at UCLA take great pains to make everything look nice, they should have used a noprint option for proc univariate to keep the output cleaner.</a:t>
+              <a:t>If you want to program a bootstrap, you need to have enough familiarity with your statistical software to run a loop and extract specific values from the output.</a:t>
+            </a:r>
+          </a:p>
+          <a:p>
+            <a:pPr lvl="0" indent="0" marL="0">
+              <a:buNone/>
+            </a:pPr>
+          </a:p>
+          <a:p>
+            <a:pPr lvl="0" indent="0" marL="0">
+              <a:buNone/>
+            </a:pPr>
+            <a:r>
+              <a:rPr/>
+              <a:t>I want to show briefly, how to do a simple bootstrap in SAS, Stata, and R. It may be possible to do this in SPSS, but I am not familiar enough with SPSS to outline how the approach might work.</a:t>
             </a:r>
           </a:p>
         </p:txBody>
@@ -3395,7 +3514,7 @@
           <a:p>
             <a:fld id="{18BDFEC3-8487-43E8-A154-7C12CBC1FFF2}" type="slidenum">
               <a:rPr lang="en-US"/>
-              <a:t>44</a:t>
+              <a:t>45</a:t>
             </a:fld>
             <a:endParaRPr lang="en-US"/>
           </a:p>
@@ -3455,7 +3574,35 @@
             </a:pPr>
             <a:r>
               <a:rPr/>
-              <a:t>That &amp;r2bar is a macro variable of the estimate of R-squared from the original dataset. You subtract it from the mean of the bootstrap samples (r2hat) to get the estimated bias.</a:t>
+              <a:t>This example is taken from the UCLA Statistical Methods and Data Analytics site. It pops up easily on a simple google search.</a:t>
+            </a:r>
+          </a:p>
+          <a:p>
+            <a:pPr lvl="0" indent="0" marL="0">
+              <a:buNone/>
+            </a:pPr>
+          </a:p>
+          <a:p>
+            <a:pPr lvl="0" indent="0" marL="0">
+              <a:buNone/>
+            </a:pPr>
+            <a:r>
+              <a:rPr/>
+              <a:t>The first statement tells SAS that it should take the output from the following procedure, pull out a particular number from the output called “FitStatistics” and store it in a dataset with the name t0.</a:t>
+            </a:r>
+          </a:p>
+          <a:p>
+            <a:pPr lvl="0" indent="0" marL="0">
+              <a:buNone/>
+            </a:pPr>
+          </a:p>
+          <a:p>
+            <a:pPr lvl="0" indent="0" marL="0">
+              <a:buNone/>
+            </a:pPr>
+            <a:r>
+              <a:rPr/>
+              <a:t>I’m guess that the “quit” statement is important here because of the way you are handling output with the ods statement.</a:t>
             </a:r>
           </a:p>
         </p:txBody>
@@ -3477,7 +3624,7 @@
           <a:p>
             <a:fld id="{18BDFEC3-8487-43E8-A154-7C12CBC1FFF2}" type="slidenum">
               <a:rPr lang="en-US"/>
-              <a:t>45</a:t>
+              <a:t>46</a:t>
             </a:fld>
             <a:endParaRPr lang="en-US"/>
           </a:p>
@@ -3537,35 +3684,7 @@
             </a:pPr>
             <a:r>
               <a:rPr/>
-              <a:t>After all this careful work, you now have the original estimate of R-squared (52% after rounding), the estimated bias (less than 1%) and the confidence interval (44% to 60%).</a:t>
-            </a:r>
-          </a:p>
-          <a:p>
-            <a:pPr lvl="0" indent="0" marL="0">
-              <a:buNone/>
-            </a:pPr>
-          </a:p>
-          <a:p>
-            <a:pPr lvl="0" indent="0" marL="0">
-              <a:buNone/>
-            </a:pPr>
-            <a:r>
-              <a:rPr/>
-              <a:t>As a quick recap, knowledge of the output delivery system (ods) and macro variables were critical. Thankfully, you did not need a loop here, but familiarity with looping mechanisms in SAS is probably worth knowing for other bootstrap examples.</a:t>
-            </a:r>
-          </a:p>
-          <a:p>
-            <a:pPr lvl="0" indent="0" marL="0">
-              <a:buNone/>
-            </a:pPr>
-          </a:p>
-          <a:p>
-            <a:pPr lvl="0" indent="0" marL="0">
-              <a:buNone/>
-            </a:pPr>
-            <a:r>
-              <a:rPr/>
-              <a:t>If you want to learn more, Rick Wicklin of SAS Institute has a nice series of blog posts. Start with this one.</a:t>
+              <a:t>The data step here creates a dataset with the sole purpose of moving the r-squared value to a macro variable. The key function here is symput and if you are not familiar with it, check out the SAS documentation.</a:t>
             </a:r>
           </a:p>
         </p:txBody>
@@ -3587,7 +3706,7 @@
           <a:p>
             <a:fld id="{18BDFEC3-8487-43E8-A154-7C12CBC1FFF2}" type="slidenum">
               <a:rPr lang="en-US"/>
-              <a:t>46</a:t>
+              <a:t>47</a:t>
             </a:fld>
             <a:endParaRPr lang="en-US"/>
           </a:p>
@@ -3647,21 +3766,7 @@
             </a:pPr>
             <a:r>
               <a:rPr/>
-              <a:t>I am not an expert on Stata, but it was created in 1985 about two decades later than SAS. So it did not have any holdovers from the restricted options available in the age of IBM mainframe computers.</a:t>
-            </a:r>
-          </a:p>
-          <a:p>
-            <a:pPr lvl="0" indent="0" marL="0">
-              <a:buNone/>
-            </a:pPr>
-          </a:p>
-          <a:p>
-            <a:pPr lvl="0" indent="0" marL="0">
-              <a:buNone/>
-            </a:pPr>
-            <a:r>
-              <a:rPr/>
-              <a:t>This example is taken from the UCLA Statistical Methods and Data Analytics site. It pops up easily on a simple google search.</a:t>
+              <a:t>Although you could use a loop here, the surveyselect procedure allows you to create 500 bootstrap samples and store them all in a single dataset.</a:t>
             </a:r>
           </a:p>
         </p:txBody>
@@ -3683,7 +3788,7 @@
           <a:p>
             <a:fld id="{18BDFEC3-8487-43E8-A154-7C12CBC1FFF2}" type="slidenum">
               <a:rPr lang="en-US"/>
-              <a:t>47</a:t>
+              <a:t>48</a:t>
             </a:fld>
             <a:endParaRPr lang="en-US"/>
           </a:p>
@@ -3743,7 +3848,7 @@
             </a:pPr>
             <a:r>
               <a:rPr/>
-              <a:t>Here is the Stata code to get the estimates from the original data.</a:t>
+              <a:t>Here is part of the output from surveyselect. The original dataset has 200 observations. We are creating 500 replicates using sampling with replacement. That creates a dataset of 100,000 observations.</a:t>
             </a:r>
           </a:p>
         </p:txBody>
@@ -3765,7 +3870,7 @@
           <a:p>
             <a:fld id="{18BDFEC3-8487-43E8-A154-7C12CBC1FFF2}" type="slidenum">
               <a:rPr lang="en-US"/>
-              <a:t>48</a:t>
+              <a:t>49</a:t>
             </a:fld>
             <a:endParaRPr lang="en-US"/>
           </a:p>
@@ -3825,7 +3930,7 @@
             </a:pPr>
             <a:r>
               <a:rPr/>
-              <a:t>I’m sure you’re all familiar with the Central Limit Theorem. It states that the average of independent identically distributed random variables is approximately normal.</a:t>
+              <a:t>I’m sure you’re all familiar with the Central Limit Theorem. It’s the graddaddy of all approximation theorems. It states that the average of independent identically distributed random variables is approximately normal.</a:t>
             </a:r>
           </a:p>
           <a:p>
@@ -3921,7 +4026,21 @@
             </a:pPr>
             <a:r>
               <a:rPr/>
-              <a:t>Stata has a bootstrap function built-in. It is both a good thing and a bad thing. It is good in that it simplifies your code. It is bad in that it can only bootstrap on prespecified parts of the output. In fairness, this is also a limitation with the output delivery system in SAS. Both systems are pretty good at letting you pick out the pieces of the output that you are most interested in.</a:t>
+              <a:t>The ods statement on the first line of code on this slide tells SAS to look at the output from the following procedure and store the result in a dataset called t.</a:t>
+            </a:r>
+          </a:p>
+          <a:p>
+            <a:pPr lvl="0" indent="0" marL="0">
+              <a:buNone/>
+            </a:pPr>
+          </a:p>
+          <a:p>
+            <a:pPr lvl="0" indent="0" marL="0">
+              <a:buNone/>
+            </a:pPr>
+            <a:r>
+              <a:rPr/>
+              <a:t>The “by replicate” statement tells SAS to run a separate regression for each bootstrap sample.</a:t>
             </a:r>
           </a:p>
         </p:txBody>
@@ -3943,7 +4062,7 @@
           <a:p>
             <a:fld id="{18BDFEC3-8487-43E8-A154-7C12CBC1FFF2}" type="slidenum">
               <a:rPr lang="en-US"/>
-              <a:t>49</a:t>
+              <a:t>50</a:t>
             </a:fld>
             <a:endParaRPr lang="en-US"/>
           </a:p>
@@ -4003,21 +4122,7 @@
             </a:pPr>
             <a:r>
               <a:rPr/>
-              <a:t>Here is the output. By default, it provides a confidence interval based on the bootstrap standard error, but you can get other confidence intervals as well.</a:t>
-            </a:r>
-          </a:p>
-          <a:p>
-            <a:pPr lvl="0" indent="0" marL="0">
-              <a:buNone/>
-            </a:pPr>
-          </a:p>
-          <a:p>
-            <a:pPr lvl="0" indent="0" marL="0">
-              <a:buNone/>
-            </a:pPr>
-            <a:r>
-              <a:rPr/>
-              <a:t>In this example, the original data produced a root mean squared error of 7.2 and the bootstrap 95% confidence interval goes from 6.7 to 7.7.</a:t>
+              <a:t>The output stored in the dataset, however, is a string, and you have to convert it to a numeric value by adding zero. This is a classic SAS hack.</a:t>
             </a:r>
           </a:p>
         </p:txBody>
@@ -4039,7 +4144,7 @@
           <a:p>
             <a:fld id="{18BDFEC3-8487-43E8-A154-7C12CBC1FFF2}" type="slidenum">
               <a:rPr lang="en-US"/>
-              <a:t>50</a:t>
+              <a:t>51</a:t>
             </a:fld>
             <a:endParaRPr lang="en-US"/>
           </a:p>
@@ -4099,21 +4204,7 @@
             </a:pPr>
             <a:r>
               <a:rPr/>
-              <a:t>R was created in 1999, and relied on a modular approach that makes it ideal for bootstrapping. There is a special library that works for most cases, even some very exotic ones. Looping in R is easy as is extracting specific values.</a:t>
-            </a:r>
-          </a:p>
-          <a:p>
-            <a:pPr lvl="0" indent="0" marL="0">
-              <a:buNone/>
-            </a:pPr>
-          </a:p>
-          <a:p>
-            <a:pPr lvl="0" indent="0" marL="0">
-              <a:buNone/>
-            </a:pPr>
-            <a:r>
-              <a:rPr/>
-              <a:t>Again, I am using an example from the UCLA Statistical Methods and Data Analytics site. It pops up easily on a simple google search.</a:t>
+              <a:t>The first three lines are just a fancy way of getting from a 0.05 alpha level to selecting the 2.5 percentile and the 97.5 percentile.</a:t>
             </a:r>
           </a:p>
         </p:txBody>
@@ -4135,7 +4226,7 @@
           <a:p>
             <a:fld id="{18BDFEC3-8487-43E8-A154-7C12CBC1FFF2}" type="slidenum">
               <a:rPr lang="en-US"/>
-              <a:t>51</a:t>
+              <a:t>52</a:t>
             </a:fld>
             <a:endParaRPr lang="en-US"/>
           </a:p>
@@ -4195,63 +4286,21 @@
             </a:pPr>
             <a:r>
               <a:rPr/>
-              <a:t>In more complex settings, you need to consider some modifications to the bootstrap. I have almost no experience in these settings and there is scant guidance in the published literature and on the web.</a:t>
-            </a:r>
-          </a:p>
-          <a:p>
-            <a:pPr lvl="0" indent="0" marL="0">
-              <a:buNone/>
-            </a:pPr>
-          </a:p>
-          <a:p>
-            <a:pPr lvl="0" indent="0" marL="0">
-              <a:buNone/>
-            </a:pPr>
-            <a:r>
-              <a:rPr/>
-              <a:t>If you find yourself in one of these settings, I would encourage you to find a few publications that use the bootstrap in a setting reasonably similar to yours and emulate their approach.</a:t>
-            </a:r>
-          </a:p>
-          <a:p>
-            <a:pPr lvl="0" indent="0" marL="0">
-              <a:buNone/>
-            </a:pPr>
-          </a:p>
-          <a:p>
-            <a:pPr lvl="0" indent="0" marL="0">
-              <a:buNone/>
-            </a:pPr>
-            <a:r>
-              <a:rPr/>
-              <a:t>I call this the “lemming school of research” which is a reference to the warning about peer pressure that almost every parent has nagged their children with (“If all your friends jumped off a cliff, would you jump off the cliff as well?”).</a:t>
-            </a:r>
-          </a:p>
-          <a:p>
-            <a:pPr lvl="0" indent="0" marL="0">
-              <a:buNone/>
-            </a:pPr>
-          </a:p>
-          <a:p>
-            <a:pPr lvl="0" indent="0" marL="0">
-              <a:buNone/>
-            </a:pPr>
-            <a:r>
-              <a:rPr/>
-              <a:t>It actually is not as bad as I make it sound. If a certain methodology has survived the peer reviewe process, that gives you a bit more confidence that you can survive the peer review process as well if you emulate their approach. There are no guarantees, of course, but this is perhaps an illustration of a more positive message: “there is safety in numbers.”</a:t>
-            </a:r>
-          </a:p>
-          <a:p>
-            <a:pPr lvl="0" indent="0" marL="0">
-              <a:buNone/>
-            </a:pPr>
-          </a:p>
-          <a:p>
-            <a:pPr lvl="0" indent="0" marL="0">
-              <a:buNone/>
-            </a:pPr>
-            <a:r>
-              <a:rPr/>
-              <a:t>The three settings I want to discuss are multiple groups, time series, and regression models.</a:t>
+              <a:t>proc univariate produces the mean as well as the 2.5 and 97.5 percentiles. The pctlpre and pctlname make the variable names of the output dataset look nice.</a:t>
+            </a:r>
+          </a:p>
+          <a:p>
+            <a:pPr lvl="0" indent="0" marL="0">
+              <a:buNone/>
+            </a:pPr>
+          </a:p>
+          <a:p>
+            <a:pPr lvl="0" indent="0" marL="0">
+              <a:buNone/>
+            </a:pPr>
+            <a:r>
+              <a:rPr/>
+              <a:t>Although the folks at UCLA take great pains to make everything look nice, they should have used a noprint option for proc univariate to keep the output cleaner.</a:t>
             </a:r>
           </a:p>
         </p:txBody>
@@ -4273,7 +4322,7 @@
           <a:p>
             <a:fld id="{18BDFEC3-8487-43E8-A154-7C12CBC1FFF2}" type="slidenum">
               <a:rPr lang="en-US"/>
-              <a:t>56</a:t>
+              <a:t>53</a:t>
             </a:fld>
             <a:endParaRPr lang="en-US"/>
           </a:p>
@@ -4333,77 +4382,7 @@
             </a:pPr>
             <a:r>
               <a:rPr/>
-              <a:t>Suppose you have two or more groups and want to estimate a statistic across all of the groups. For example, you have a treatment and a control group and you want to estimate the difference in medians between the two groups.</a:t>
-            </a:r>
-          </a:p>
-          <a:p>
-            <a:pPr lvl="0" indent="0" marL="0">
-              <a:buNone/>
-            </a:pPr>
-          </a:p>
-          <a:p>
-            <a:pPr lvl="0" indent="0" marL="0">
-              <a:buNone/>
-            </a:pPr>
-            <a:r>
-              <a:rPr/>
-              <a:t>You have two options. The first is to apply a simple bootstrap. This allows the relative sizes in the groups to vary. If one of the groups has a small relative sample size, then you run a slight risk having zero observations in that group for one or more of your bootstrap samples.</a:t>
-            </a:r>
-          </a:p>
-          <a:p>
-            <a:pPr lvl="0" indent="0" marL="0">
-              <a:buNone/>
-            </a:pPr>
-          </a:p>
-          <a:p>
-            <a:pPr lvl="0" indent="0" marL="0">
-              <a:buNone/>
-            </a:pPr>
-            <a:r>
-              <a:rPr/>
-              <a:t>If the group sizes are all reasonably large, this is not a serious problem.</a:t>
-            </a:r>
-          </a:p>
-          <a:p>
-            <a:pPr lvl="0" indent="0" marL="0">
-              <a:buNone/>
-            </a:pPr>
-          </a:p>
-          <a:p>
-            <a:pPr lvl="0" indent="0" marL="0">
-              <a:buNone/>
-            </a:pPr>
-            <a:r>
-              <a:rPr/>
-              <a:t>An alternative is to use a stratified bootstrap sample. It’s easy enough to envision with two groups. Let’s say that the two groups have sample sizes n1 and n2. Sample n1 observation with replacement from the first group, sample with n2 observations with replacement from the second group and then combine.</a:t>
-            </a:r>
-          </a:p>
-          <a:p>
-            <a:pPr lvl="0" indent="0" marL="0">
-              <a:buNone/>
-            </a:pPr>
-          </a:p>
-          <a:p>
-            <a:pPr lvl="0" indent="0" marL="0">
-              <a:buNone/>
-            </a:pPr>
-            <a:r>
-              <a:rPr/>
-              <a:t>The stratified bootstrap answers a different question than the simple bootstrap. The simple bootstrap calculates uncertainty in a setting where you are collecting a single sample and that sample has a random number of subjects in each group. The stratified bootstrap calculates uncertainty where you are collecting samples from multiple groups, each with a fixed quota.</a:t>
-            </a:r>
-          </a:p>
-          <a:p>
-            <a:pPr lvl="0" indent="0" marL="0">
-              <a:buNone/>
-            </a:pPr>
-          </a:p>
-          <a:p>
-            <a:pPr lvl="0" indent="0" marL="0">
-              <a:buNone/>
-            </a:pPr>
-            <a:r>
-              <a:rPr/>
-              <a:t>Is this a huge difference? I’m not sure, but my guess is that it is not all that important except when one or more of the group sizes is small. By small, I mean 10 or less. I should note, however, that I have not seen an “official” guidance on this question.</a:t>
+              <a:t>That &amp;r2bar is a macro variable of the estimate of R-squared from the original dataset. You subtract it from the mean of the bootstrap samples (r2hat) to get the estimated bias.</a:t>
             </a:r>
           </a:p>
         </p:txBody>
@@ -4425,7 +4404,7 @@
           <a:p>
             <a:fld id="{18BDFEC3-8487-43E8-A154-7C12CBC1FFF2}" type="slidenum">
               <a:rPr lang="en-US"/>
-              <a:t>60</a:t>
+              <a:t>54</a:t>
             </a:fld>
             <a:endParaRPr lang="en-US"/>
           </a:p>
@@ -4485,63 +4464,35 @@
             </a:pPr>
             <a:r>
               <a:rPr/>
-              <a:t>There are special features of time series data that make them difficult to use with a simple bootstrap. The first and most obvious feature is that most time series have a nice neatly ordered pattern or even spacing over time. A bootstrap sample is going to have gaps in some places and multiple observations at the same time point.</a:t>
-            </a:r>
-          </a:p>
-          <a:p>
-            <a:pPr lvl="0" indent="0" marL="0">
-              <a:buNone/>
-            </a:pPr>
-          </a:p>
-          <a:p>
-            <a:pPr lvl="0" indent="0" marL="0">
-              <a:buNone/>
-            </a:pPr>
-            <a:r>
-              <a:rPr/>
-              <a:t>Most time series also exhibit serial correlation, seasonality, and/or temporal trends. These features are either seriously distorted or totally destroyed in a bootstrap sample.</a:t>
-            </a:r>
-          </a:p>
-          <a:p>
-            <a:pPr lvl="0" indent="0" marL="0">
-              <a:buNone/>
-            </a:pPr>
-          </a:p>
-          <a:p>
-            <a:pPr lvl="0" indent="0" marL="0">
-              <a:buNone/>
-            </a:pPr>
-            <a:r>
-              <a:rPr/>
-              <a:t>There are several possible solutions. One is to bootstrap consecutive blocks of observations. This preserves time series features within a block and appears to perform reasonably well.</a:t>
-            </a:r>
-          </a:p>
-          <a:p>
-            <a:pPr lvl="0" indent="0" marL="0">
-              <a:buNone/>
-            </a:pPr>
-          </a:p>
-          <a:p>
-            <a:pPr lvl="0" indent="0" marL="0">
-              <a:buNone/>
-            </a:pPr>
-            <a:r>
-              <a:rPr/>
-              <a:t>A second option is to remove any trend and decompose the time series into independent components, take a bootstrap sample of the independent components, and then recompose a new series from the bootstrap sample.</a:t>
-            </a:r>
-          </a:p>
-          <a:p>
-            <a:pPr lvl="0" indent="0" marL="0">
-              <a:buNone/>
-            </a:pPr>
-          </a:p>
-          <a:p>
-            <a:pPr lvl="0" indent="0" marL="0">
-              <a:buNone/>
-            </a:pPr>
-            <a:r>
-              <a:rPr/>
-              <a:t>The approach you take largely depends on the context of your problem and what statistic you are trying to characterize. For example, if you detrend the data and remove seasonality, then any bootstrapped estimate from the reconstructed time series will be fine if it is modeling a feature of the data other than the trend or seasonality.</a:t>
+              <a:t>After all this careful work, you now have the original estimate of R-squared (52% after rounding), the estimated bias (less than 1%) and the confidence interval (44% to 60%).</a:t>
+            </a:r>
+          </a:p>
+          <a:p>
+            <a:pPr lvl="0" indent="0" marL="0">
+              <a:buNone/>
+            </a:pPr>
+          </a:p>
+          <a:p>
+            <a:pPr lvl="0" indent="0" marL="0">
+              <a:buNone/>
+            </a:pPr>
+            <a:r>
+              <a:rPr/>
+              <a:t>As a quick recap, knowledge of the output delivery system (ods) and macro variables were critical. Thankfully, you did not need a loop here, but familiarity with looping mechanisms in SAS is probably worth knowing for other bootstrap examples.</a:t>
+            </a:r>
+          </a:p>
+          <a:p>
+            <a:pPr lvl="0" indent="0" marL="0">
+              <a:buNone/>
+            </a:pPr>
+          </a:p>
+          <a:p>
+            <a:pPr lvl="0" indent="0" marL="0">
+              <a:buNone/>
+            </a:pPr>
+            <a:r>
+              <a:rPr/>
+              <a:t>If you want to learn more, Rick Wicklin of SAS Institute has a nice series of blog posts. Start with this one.</a:t>
             </a:r>
           </a:p>
         </p:txBody>
@@ -4563,7 +4514,7 @@
           <a:p>
             <a:fld id="{18BDFEC3-8487-43E8-A154-7C12CBC1FFF2}" type="slidenum">
               <a:rPr lang="en-US"/>
-              <a:t>61</a:t>
+              <a:t>55</a:t>
             </a:fld>
             <a:endParaRPr lang="en-US"/>
           </a:p>
@@ -4623,49 +4574,21 @@
             </a:pPr>
             <a:r>
               <a:rPr/>
-              <a:t>The regression model has some of the same issues as the setting with multiple groups described earlier. If some of the independent variables are very strongly correlated, you might end up with a setting where the correlation is exactly 1 for one or more of the bootstrap samples. This is not a serious issue unless you have both a strong correlation and a small sample size.</a:t>
-            </a:r>
-          </a:p>
-          <a:p>
-            <a:pPr lvl="0" indent="0" marL="0">
-              <a:buNone/>
-            </a:pPr>
-          </a:p>
-          <a:p>
-            <a:pPr lvl="0" indent="0" marL="0">
-              <a:buNone/>
-            </a:pPr>
-            <a:r>
-              <a:rPr/>
-              <a:t>But another consideration is that the bootstrap sample treats the independent variables as if they are selected randomly along with the dependent variable. This may be the case, but there are some datasets where the X values are fixed in advance and the dependent variable is the only thing being sampled.</a:t>
-            </a:r>
-          </a:p>
-          <a:p>
-            <a:pPr lvl="0" indent="0" marL="0">
-              <a:buNone/>
-            </a:pPr>
-          </a:p>
-          <a:p>
-            <a:pPr lvl="0" indent="0" marL="0">
-              <a:buNone/>
-            </a:pPr>
-            <a:r>
-              <a:rPr/>
-              <a:t>One possible solution is to compute the residuals and reconstruct a new dependent variable from the bootstrapped residuals.</a:t>
-            </a:r>
-          </a:p>
-          <a:p>
-            <a:pPr lvl="0" indent="0" marL="0">
-              <a:buNone/>
-            </a:pPr>
-          </a:p>
-          <a:p>
-            <a:pPr lvl="0" indent="0" marL="0">
-              <a:buNone/>
-            </a:pPr>
-            <a:r>
-              <a:rPr/>
-              <a:t>Context is important here. If you bootstrap the residuals, you can’t use the reconstructed dependent variable as an estimate of the regression slopes themselves. You could use them to reconstruct a statistic that is independent of those slopes.</a:t>
+              <a:t>I am not an expert on Stata, but it was created in 1985 about two decades later than SAS. So it did not have any holdovers from the restricted options available in the age of IBM mainframe computers.</a:t>
+            </a:r>
+          </a:p>
+          <a:p>
+            <a:pPr lvl="0" indent="0" marL="0">
+              <a:buNone/>
+            </a:pPr>
+          </a:p>
+          <a:p>
+            <a:pPr lvl="0" indent="0" marL="0">
+              <a:buNone/>
+            </a:pPr>
+            <a:r>
+              <a:rPr/>
+              <a:t>This example is taken from the UCLA Statistical Methods and Data Analytics site. It pops up easily on a simple google search.</a:t>
             </a:r>
           </a:p>
         </p:txBody>
@@ -4687,7 +4610,267 @@
           <a:p>
             <a:fld id="{18BDFEC3-8487-43E8-A154-7C12CBC1FFF2}" type="slidenum">
               <a:rPr lang="en-US"/>
-              <a:t>62</a:t>
+              <a:t>56</a:t>
+            </a:fld>
+            <a:endParaRPr lang="en-US"/>
+          </a:p>
+        </p:txBody>
+      </p:sp>
+    </p:spTree>
+  </p:cSld>
+</p:notes>
+</file>
+
+<file path=ppt/notesSlides/notesSlide47.xml><?xml version="1.0" encoding="utf-8"?>
+<p:notes xmlns:a="http://schemas.openxmlformats.org/drawingml/2006/main" xmlns:r="http://schemas.openxmlformats.org/officeDocument/2006/relationships" xmlns:p="http://schemas.openxmlformats.org/presentationml/2006/main">
+  <p:cSld>
+    <p:spTree>
+      <p:nvGrpSpPr>
+        <p:cNvPr id="1" name=""/>
+        <p:cNvGrpSpPr/>
+        <p:nvPr/>
+      </p:nvGrpSpPr>
+      <p:grpSpPr>
+        <a:xfrm>
+          <a:off x="0" y="0"/>
+          <a:ext cx="0" cy="0"/>
+          <a:chOff x="0" y="0"/>
+          <a:chExt cx="0" cy="0"/>
+        </a:xfrm>
+      </p:grpSpPr>
+      <p:sp>
+        <p:nvSpPr>
+          <p:cNvPr id="2" name="Slide Image Placeholder 1"/>
+          <p:cNvSpPr>
+            <a:spLocks noGrp="1" noRot="1" noChangeAspect="1"/>
+          </p:cNvSpPr>
+          <p:nvPr>
+            <p:ph type="sldImg"/>
+          </p:nvPr>
+        </p:nvSpPr>
+        <p:spPr/>
+      </p:sp>
+      <p:sp>
+        <p:nvSpPr>
+          <p:cNvPr id="3" name="Notes Placeholder 2"/>
+          <p:cNvSpPr>
+            <a:spLocks noGrp="1"/>
+          </p:cNvSpPr>
+          <p:nvPr>
+            <p:ph type="body" idx="1"/>
+          </p:nvPr>
+        </p:nvSpPr>
+        <p:spPr/>
+        <p:txBody>
+          <a:bodyPr/>
+          <a:lstStyle/>
+          <a:p>
+            <a:pPr lvl="0" indent="0" marL="0">
+              <a:buNone/>
+            </a:pPr>
+            <a:r>
+              <a:rPr/>
+              <a:t>Here is the Stata code to get the estimates from the original data.</a:t>
+            </a:r>
+          </a:p>
+        </p:txBody>
+      </p:sp>
+      <p:sp>
+        <p:nvSpPr>
+          <p:cNvPr id="4" name="Slide Number Placeholder 3"/>
+          <p:cNvSpPr>
+            <a:spLocks noGrp="1"/>
+          </p:cNvSpPr>
+          <p:nvPr>
+            <p:ph type="sldNum" sz="quarter" idx="10"/>
+          </p:nvPr>
+        </p:nvSpPr>
+        <p:spPr/>
+        <p:txBody>
+          <a:bodyPr/>
+          <a:lstStyle/>
+          <a:p>
+            <a:fld id="{18BDFEC3-8487-43E8-A154-7C12CBC1FFF2}" type="slidenum">
+              <a:rPr lang="en-US"/>
+              <a:t>57</a:t>
+            </a:fld>
+            <a:endParaRPr lang="en-US"/>
+          </a:p>
+        </p:txBody>
+      </p:sp>
+    </p:spTree>
+  </p:cSld>
+</p:notes>
+</file>
+
+<file path=ppt/notesSlides/notesSlide48.xml><?xml version="1.0" encoding="utf-8"?>
+<p:notes xmlns:a="http://schemas.openxmlformats.org/drawingml/2006/main" xmlns:r="http://schemas.openxmlformats.org/officeDocument/2006/relationships" xmlns:p="http://schemas.openxmlformats.org/presentationml/2006/main">
+  <p:cSld>
+    <p:spTree>
+      <p:nvGrpSpPr>
+        <p:cNvPr id="1" name=""/>
+        <p:cNvGrpSpPr/>
+        <p:nvPr/>
+      </p:nvGrpSpPr>
+      <p:grpSpPr>
+        <a:xfrm>
+          <a:off x="0" y="0"/>
+          <a:ext cx="0" cy="0"/>
+          <a:chOff x="0" y="0"/>
+          <a:chExt cx="0" cy="0"/>
+        </a:xfrm>
+      </p:grpSpPr>
+      <p:sp>
+        <p:nvSpPr>
+          <p:cNvPr id="2" name="Slide Image Placeholder 1"/>
+          <p:cNvSpPr>
+            <a:spLocks noGrp="1" noRot="1" noChangeAspect="1"/>
+          </p:cNvSpPr>
+          <p:nvPr>
+            <p:ph type="sldImg"/>
+          </p:nvPr>
+        </p:nvSpPr>
+        <p:spPr/>
+      </p:sp>
+      <p:sp>
+        <p:nvSpPr>
+          <p:cNvPr id="3" name="Notes Placeholder 2"/>
+          <p:cNvSpPr>
+            <a:spLocks noGrp="1"/>
+          </p:cNvSpPr>
+          <p:nvPr>
+            <p:ph type="body" idx="1"/>
+          </p:nvPr>
+        </p:nvSpPr>
+        <p:spPr/>
+        <p:txBody>
+          <a:bodyPr/>
+          <a:lstStyle/>
+          <a:p>
+            <a:pPr lvl="0" indent="0" marL="0">
+              <a:buNone/>
+            </a:pPr>
+            <a:r>
+              <a:rPr/>
+              <a:t>Stata has a bootstrap function built-in. It is both a good thing and a bad thing. It is good in that it simplifies your code. It is bad in that it can only bootstrap on prespecified parts of the output. In fairness, this is also a limitation with the output delivery system in SAS. Both systems are pretty good at letting you pick out the pieces of the output that you are most interested in.</a:t>
+            </a:r>
+          </a:p>
+        </p:txBody>
+      </p:sp>
+      <p:sp>
+        <p:nvSpPr>
+          <p:cNvPr id="4" name="Slide Number Placeholder 3"/>
+          <p:cNvSpPr>
+            <a:spLocks noGrp="1"/>
+          </p:cNvSpPr>
+          <p:nvPr>
+            <p:ph type="sldNum" sz="quarter" idx="10"/>
+          </p:nvPr>
+        </p:nvSpPr>
+        <p:spPr/>
+        <p:txBody>
+          <a:bodyPr/>
+          <a:lstStyle/>
+          <a:p>
+            <a:fld id="{18BDFEC3-8487-43E8-A154-7C12CBC1FFF2}" type="slidenum">
+              <a:rPr lang="en-US"/>
+              <a:t>58</a:t>
+            </a:fld>
+            <a:endParaRPr lang="en-US"/>
+          </a:p>
+        </p:txBody>
+      </p:sp>
+    </p:spTree>
+  </p:cSld>
+</p:notes>
+</file>
+
+<file path=ppt/notesSlides/notesSlide49.xml><?xml version="1.0" encoding="utf-8"?>
+<p:notes xmlns:a="http://schemas.openxmlformats.org/drawingml/2006/main" xmlns:r="http://schemas.openxmlformats.org/officeDocument/2006/relationships" xmlns:p="http://schemas.openxmlformats.org/presentationml/2006/main">
+  <p:cSld>
+    <p:spTree>
+      <p:nvGrpSpPr>
+        <p:cNvPr id="1" name=""/>
+        <p:cNvGrpSpPr/>
+        <p:nvPr/>
+      </p:nvGrpSpPr>
+      <p:grpSpPr>
+        <a:xfrm>
+          <a:off x="0" y="0"/>
+          <a:ext cx="0" cy="0"/>
+          <a:chOff x="0" y="0"/>
+          <a:chExt cx="0" cy="0"/>
+        </a:xfrm>
+      </p:grpSpPr>
+      <p:sp>
+        <p:nvSpPr>
+          <p:cNvPr id="2" name="Slide Image Placeholder 1"/>
+          <p:cNvSpPr>
+            <a:spLocks noGrp="1" noRot="1" noChangeAspect="1"/>
+          </p:cNvSpPr>
+          <p:nvPr>
+            <p:ph type="sldImg"/>
+          </p:nvPr>
+        </p:nvSpPr>
+        <p:spPr/>
+      </p:sp>
+      <p:sp>
+        <p:nvSpPr>
+          <p:cNvPr id="3" name="Notes Placeholder 2"/>
+          <p:cNvSpPr>
+            <a:spLocks noGrp="1"/>
+          </p:cNvSpPr>
+          <p:nvPr>
+            <p:ph type="body" idx="1"/>
+          </p:nvPr>
+        </p:nvSpPr>
+        <p:spPr/>
+        <p:txBody>
+          <a:bodyPr/>
+          <a:lstStyle/>
+          <a:p>
+            <a:pPr lvl="0" indent="0" marL="0">
+              <a:buNone/>
+            </a:pPr>
+            <a:r>
+              <a:rPr/>
+              <a:t>Here is the output. By default, it provides a confidence interval based on the bootstrap standard error, but you can get other confidence intervals as well.</a:t>
+            </a:r>
+          </a:p>
+          <a:p>
+            <a:pPr lvl="0" indent="0" marL="0">
+              <a:buNone/>
+            </a:pPr>
+          </a:p>
+          <a:p>
+            <a:pPr lvl="0" indent="0" marL="0">
+              <a:buNone/>
+            </a:pPr>
+            <a:r>
+              <a:rPr/>
+              <a:t>In this example, the original data produced a root mean squared error of 7.2 and the bootstrap 95% confidence interval goes from 6.7 to 7.7.</a:t>
+            </a:r>
+          </a:p>
+        </p:txBody>
+      </p:sp>
+      <p:sp>
+        <p:nvSpPr>
+          <p:cNvPr id="4" name="Slide Number Placeholder 3"/>
+          <p:cNvSpPr>
+            <a:spLocks noGrp="1"/>
+          </p:cNvSpPr>
+          <p:nvPr>
+            <p:ph type="sldNum" sz="quarter" idx="10"/>
+          </p:nvPr>
+        </p:nvSpPr>
+        <p:spPr/>
+        <p:txBody>
+          <a:bodyPr/>
+          <a:lstStyle/>
+          <a:p>
+            <a:fld id="{18BDFEC3-8487-43E8-A154-7C12CBC1FFF2}" type="slidenum">
+              <a:rPr lang="en-US"/>
+              <a:t>59</a:t>
             </a:fld>
             <a:endParaRPr lang="en-US"/>
           </a:p>
@@ -4747,7 +4930,7 @@
             </a:pPr>
             <a:r>
               <a:rPr/>
-              <a:t>You can also show easily that the expected value of the sample mean is mu (the sample mean is an unbiased estimate of the population mean) and that the variance of the sample mean is the variance of an individual X value divided by the sample size n.</a:t>
+              <a:t>You can also show easily that the expected value of the sample mean is mu (the sample mean is an unbiased estimate of the population mean) and that the variance of the sample mean is the variance of an individual X value divided by the sample size n. Equivalently, the standard error of X=bar is the standard deviation of an individual value divided by the square root of the sample size.</a:t>
             </a:r>
           </a:p>
         </p:txBody>
@@ -4770,6 +4953,846 @@
             <a:fld id="{18BDFEC3-8487-43E8-A154-7C12CBC1FFF2}" type="slidenum">
               <a:rPr lang="en-US"/>
               <a:t>6</a:t>
+            </a:fld>
+            <a:endParaRPr lang="en-US"/>
+          </a:p>
+        </p:txBody>
+      </p:sp>
+    </p:spTree>
+  </p:cSld>
+</p:notes>
+</file>
+
+<file path=ppt/notesSlides/notesSlide50.xml><?xml version="1.0" encoding="utf-8"?>
+<p:notes xmlns:a="http://schemas.openxmlformats.org/drawingml/2006/main" xmlns:r="http://schemas.openxmlformats.org/officeDocument/2006/relationships" xmlns:p="http://schemas.openxmlformats.org/presentationml/2006/main">
+  <p:cSld>
+    <p:spTree>
+      <p:nvGrpSpPr>
+        <p:cNvPr id="1" name=""/>
+        <p:cNvGrpSpPr/>
+        <p:nvPr/>
+      </p:nvGrpSpPr>
+      <p:grpSpPr>
+        <a:xfrm>
+          <a:off x="0" y="0"/>
+          <a:ext cx="0" cy="0"/>
+          <a:chOff x="0" y="0"/>
+          <a:chExt cx="0" cy="0"/>
+        </a:xfrm>
+      </p:grpSpPr>
+      <p:sp>
+        <p:nvSpPr>
+          <p:cNvPr id="2" name="Slide Image Placeholder 1"/>
+          <p:cNvSpPr>
+            <a:spLocks noGrp="1" noRot="1" noChangeAspect="1"/>
+          </p:cNvSpPr>
+          <p:nvPr>
+            <p:ph type="sldImg"/>
+          </p:nvPr>
+        </p:nvSpPr>
+        <p:spPr/>
+      </p:sp>
+      <p:sp>
+        <p:nvSpPr>
+          <p:cNvPr id="3" name="Notes Placeholder 2"/>
+          <p:cNvSpPr>
+            <a:spLocks noGrp="1"/>
+          </p:cNvSpPr>
+          <p:nvPr>
+            <p:ph type="body" idx="1"/>
+          </p:nvPr>
+        </p:nvSpPr>
+        <p:spPr/>
+        <p:txBody>
+          <a:bodyPr/>
+          <a:lstStyle/>
+          <a:p>
+            <a:pPr lvl="0" indent="0" marL="0">
+              <a:buNone/>
+            </a:pPr>
+            <a:r>
+              <a:rPr/>
+              <a:t>R was created in 1999, and relied on a modular approach that makes it ideal for bootstrapping. There is a special library that works for most cases, even some very exotic ones. Looping in R is easy as is extracting specific values.</a:t>
+            </a:r>
+          </a:p>
+          <a:p>
+            <a:pPr lvl="0" indent="0" marL="0">
+              <a:buNone/>
+            </a:pPr>
+          </a:p>
+          <a:p>
+            <a:pPr lvl="0" indent="0" marL="0">
+              <a:buNone/>
+            </a:pPr>
+            <a:r>
+              <a:rPr/>
+              <a:t>Again, I am using an example from the UCLA Statistical Methods and Data Analytics site. It pops up easily on a simple google search.</a:t>
+            </a:r>
+          </a:p>
+        </p:txBody>
+      </p:sp>
+      <p:sp>
+        <p:nvSpPr>
+          <p:cNvPr id="4" name="Slide Number Placeholder 3"/>
+          <p:cNvSpPr>
+            <a:spLocks noGrp="1"/>
+          </p:cNvSpPr>
+          <p:nvPr>
+            <p:ph type="sldNum" sz="quarter" idx="10"/>
+          </p:nvPr>
+        </p:nvSpPr>
+        <p:spPr/>
+        <p:txBody>
+          <a:bodyPr/>
+          <a:lstStyle/>
+          <a:p>
+            <a:fld id="{18BDFEC3-8487-43E8-A154-7C12CBC1FFF2}" type="slidenum">
+              <a:rPr lang="en-US"/>
+              <a:t>60</a:t>
+            </a:fld>
+            <a:endParaRPr lang="en-US"/>
+          </a:p>
+        </p:txBody>
+      </p:sp>
+    </p:spTree>
+  </p:cSld>
+</p:notes>
+</file>
+
+<file path=ppt/notesSlides/notesSlide51.xml><?xml version="1.0" encoding="utf-8"?>
+<p:notes xmlns:a="http://schemas.openxmlformats.org/drawingml/2006/main" xmlns:r="http://schemas.openxmlformats.org/officeDocument/2006/relationships" xmlns:p="http://schemas.openxmlformats.org/presentationml/2006/main">
+  <p:cSld>
+    <p:spTree>
+      <p:nvGrpSpPr>
+        <p:cNvPr id="1" name=""/>
+        <p:cNvGrpSpPr/>
+        <p:nvPr/>
+      </p:nvGrpSpPr>
+      <p:grpSpPr>
+        <a:xfrm>
+          <a:off x="0" y="0"/>
+          <a:ext cx="0" cy="0"/>
+          <a:chOff x="0" y="0"/>
+          <a:chExt cx="0" cy="0"/>
+        </a:xfrm>
+      </p:grpSpPr>
+      <p:sp>
+        <p:nvSpPr>
+          <p:cNvPr id="2" name="Slide Image Placeholder 1"/>
+          <p:cNvSpPr>
+            <a:spLocks noGrp="1" noRot="1" noChangeAspect="1"/>
+          </p:cNvSpPr>
+          <p:nvPr>
+            <p:ph type="sldImg"/>
+          </p:nvPr>
+        </p:nvSpPr>
+        <p:spPr/>
+      </p:sp>
+      <p:sp>
+        <p:nvSpPr>
+          <p:cNvPr id="3" name="Notes Placeholder 2"/>
+          <p:cNvSpPr>
+            <a:spLocks noGrp="1"/>
+          </p:cNvSpPr>
+          <p:nvPr>
+            <p:ph type="body" idx="1"/>
+          </p:nvPr>
+        </p:nvSpPr>
+        <p:spPr/>
+        <p:txBody>
+          <a:bodyPr/>
+          <a:lstStyle/>
+          <a:p>
+            <a:pPr lvl="0" indent="0" marL="0">
+              <a:buNone/>
+            </a:pPr>
+            <a:r>
+              <a:rPr/>
+              <a:t>In more complex settings, you need to consider some modifications to the bootstrap. I have almost no experience in these settings and there is scant guidance in the published literature and on the web.</a:t>
+            </a:r>
+          </a:p>
+          <a:p>
+            <a:pPr lvl="0" indent="0" marL="0">
+              <a:buNone/>
+            </a:pPr>
+          </a:p>
+          <a:p>
+            <a:pPr lvl="0" indent="0" marL="0">
+              <a:buNone/>
+            </a:pPr>
+            <a:r>
+              <a:rPr/>
+              <a:t>If you find yourself in one of these settings, I would encourage you to find a few publications that use the bootstrap in a setting reasonably similar to yours and emulate their approach.</a:t>
+            </a:r>
+          </a:p>
+          <a:p>
+            <a:pPr lvl="0" indent="0" marL="0">
+              <a:buNone/>
+            </a:pPr>
+          </a:p>
+          <a:p>
+            <a:pPr lvl="0" indent="0" marL="0">
+              <a:buNone/>
+            </a:pPr>
+            <a:r>
+              <a:rPr/>
+              <a:t>I call this the “lemming school of research” which is a reference to the warning about peer pressure that almost every parent has nagged their children with (“If all your friends jumped off a cliff, would you jump off the cliff as well?”).</a:t>
+            </a:r>
+          </a:p>
+          <a:p>
+            <a:pPr lvl="0" indent="0" marL="0">
+              <a:buNone/>
+            </a:pPr>
+          </a:p>
+          <a:p>
+            <a:pPr lvl="0" indent="0" marL="0">
+              <a:buNone/>
+            </a:pPr>
+            <a:r>
+              <a:rPr/>
+              <a:t>It actually is not as bad as I make it sound. If a certain methodology has survived the peer reviewe process, that gives you a bit more confidence that you can survive the peer review process as well if you emulate their approach. There are no guarantees, of course, but this is perhaps an illustration of a more positive message: “there is safety in numbers.”</a:t>
+            </a:r>
+          </a:p>
+          <a:p>
+            <a:pPr lvl="0" indent="0" marL="0">
+              <a:buNone/>
+            </a:pPr>
+          </a:p>
+          <a:p>
+            <a:pPr lvl="0" indent="0" marL="0">
+              <a:buNone/>
+            </a:pPr>
+            <a:r>
+              <a:rPr/>
+              <a:t>The three settings I want to discuss are multiple groups, time series, and regression models.</a:t>
+            </a:r>
+          </a:p>
+        </p:txBody>
+      </p:sp>
+      <p:sp>
+        <p:nvSpPr>
+          <p:cNvPr id="4" name="Slide Number Placeholder 3"/>
+          <p:cNvSpPr>
+            <a:spLocks noGrp="1"/>
+          </p:cNvSpPr>
+          <p:nvPr>
+            <p:ph type="sldNum" sz="quarter" idx="10"/>
+          </p:nvPr>
+        </p:nvSpPr>
+        <p:spPr/>
+        <p:txBody>
+          <a:bodyPr/>
+          <a:lstStyle/>
+          <a:p>
+            <a:fld id="{18BDFEC3-8487-43E8-A154-7C12CBC1FFF2}" type="slidenum">
+              <a:rPr lang="en-US"/>
+              <a:t>65</a:t>
+            </a:fld>
+            <a:endParaRPr lang="en-US"/>
+          </a:p>
+        </p:txBody>
+      </p:sp>
+    </p:spTree>
+  </p:cSld>
+</p:notes>
+</file>
+
+<file path=ppt/notesSlides/notesSlide52.xml><?xml version="1.0" encoding="utf-8"?>
+<p:notes xmlns:a="http://schemas.openxmlformats.org/drawingml/2006/main" xmlns:r="http://schemas.openxmlformats.org/officeDocument/2006/relationships" xmlns:p="http://schemas.openxmlformats.org/presentationml/2006/main">
+  <p:cSld>
+    <p:spTree>
+      <p:nvGrpSpPr>
+        <p:cNvPr id="1" name=""/>
+        <p:cNvGrpSpPr/>
+        <p:nvPr/>
+      </p:nvGrpSpPr>
+      <p:grpSpPr>
+        <a:xfrm>
+          <a:off x="0" y="0"/>
+          <a:ext cx="0" cy="0"/>
+          <a:chOff x="0" y="0"/>
+          <a:chExt cx="0" cy="0"/>
+        </a:xfrm>
+      </p:grpSpPr>
+      <p:sp>
+        <p:nvSpPr>
+          <p:cNvPr id="2" name="Slide Image Placeholder 1"/>
+          <p:cNvSpPr>
+            <a:spLocks noGrp="1" noRot="1" noChangeAspect="1"/>
+          </p:cNvSpPr>
+          <p:nvPr>
+            <p:ph type="sldImg"/>
+          </p:nvPr>
+        </p:nvSpPr>
+        <p:spPr/>
+      </p:sp>
+      <p:sp>
+        <p:nvSpPr>
+          <p:cNvPr id="3" name="Notes Placeholder 2"/>
+          <p:cNvSpPr>
+            <a:spLocks noGrp="1"/>
+          </p:cNvSpPr>
+          <p:nvPr>
+            <p:ph type="body" idx="1"/>
+          </p:nvPr>
+        </p:nvSpPr>
+        <p:spPr/>
+        <p:txBody>
+          <a:bodyPr/>
+          <a:lstStyle/>
+          <a:p>
+            <a:pPr lvl="0" indent="0" marL="0">
+              <a:buNone/>
+            </a:pPr>
+            <a:r>
+              <a:rPr/>
+              <a:t>Suppose you have two or more groups and want to estimate a statistic across all of the groups. For example, you have a treatment and a control group and you want to estimate the difference in medians between the two groups.</a:t>
+            </a:r>
+          </a:p>
+          <a:p>
+            <a:pPr lvl="0" indent="0" marL="0">
+              <a:buNone/>
+            </a:pPr>
+          </a:p>
+          <a:p>
+            <a:pPr lvl="0" indent="0" marL="0">
+              <a:buNone/>
+            </a:pPr>
+            <a:r>
+              <a:rPr/>
+              <a:t>You have two options. The first is to apply a simple bootstrap. This allows the relative sizes in the groups to vary. If one of the groups has a small relative sample size, then you run a slight risk having zero observations in that group for one or more of your bootstrap samples.</a:t>
+            </a:r>
+          </a:p>
+          <a:p>
+            <a:pPr lvl="0" indent="0" marL="0">
+              <a:buNone/>
+            </a:pPr>
+          </a:p>
+          <a:p>
+            <a:pPr lvl="0" indent="0" marL="0">
+              <a:buNone/>
+            </a:pPr>
+            <a:r>
+              <a:rPr/>
+              <a:t>If the group sizes are all reasonably large, this is not a serious problem.</a:t>
+            </a:r>
+          </a:p>
+          <a:p>
+            <a:pPr lvl="0" indent="0" marL="0">
+              <a:buNone/>
+            </a:pPr>
+          </a:p>
+          <a:p>
+            <a:pPr lvl="0" indent="0" marL="0">
+              <a:buNone/>
+            </a:pPr>
+            <a:r>
+              <a:rPr/>
+              <a:t>An alternative is to use a stratified bootstrap sample. It’s easy enough to envision with two groups. Let’s say that the two groups have sample sizes n1 and n2. Sample n1 observation with replacement from the first group, sample with n2 observations with replacement from the second group and then combine.</a:t>
+            </a:r>
+          </a:p>
+          <a:p>
+            <a:pPr lvl="0" indent="0" marL="0">
+              <a:buNone/>
+            </a:pPr>
+          </a:p>
+          <a:p>
+            <a:pPr lvl="0" indent="0" marL="0">
+              <a:buNone/>
+            </a:pPr>
+            <a:r>
+              <a:rPr/>
+              <a:t>The stratified bootstrap answers a different question than the simple bootstrap. The simple bootstrap calculates uncertainty in a setting where you are collecting a single sample and that sample has a random number of subjects in each group. The stratified bootstrap calculates uncertainty where you are collecting samples from multiple groups, each with a fixed quota.</a:t>
+            </a:r>
+          </a:p>
+          <a:p>
+            <a:pPr lvl="0" indent="0" marL="0">
+              <a:buNone/>
+            </a:pPr>
+          </a:p>
+          <a:p>
+            <a:pPr lvl="0" indent="0" marL="0">
+              <a:buNone/>
+            </a:pPr>
+            <a:r>
+              <a:rPr/>
+              <a:t>Is this a huge difference? I’m not sure, but my guess is that it is not all that important except when one or more of the group sizes is small. By small, I mean 10 or less. I should note, however, that I have not seen an “official” guidance on this question.</a:t>
+            </a:r>
+          </a:p>
+        </p:txBody>
+      </p:sp>
+      <p:sp>
+        <p:nvSpPr>
+          <p:cNvPr id="4" name="Slide Number Placeholder 3"/>
+          <p:cNvSpPr>
+            <a:spLocks noGrp="1"/>
+          </p:cNvSpPr>
+          <p:nvPr>
+            <p:ph type="sldNum" sz="quarter" idx="10"/>
+          </p:nvPr>
+        </p:nvSpPr>
+        <p:spPr/>
+        <p:txBody>
+          <a:bodyPr/>
+          <a:lstStyle/>
+          <a:p>
+            <a:fld id="{18BDFEC3-8487-43E8-A154-7C12CBC1FFF2}" type="slidenum">
+              <a:rPr lang="en-US"/>
+              <a:t>66</a:t>
+            </a:fld>
+            <a:endParaRPr lang="en-US"/>
+          </a:p>
+        </p:txBody>
+      </p:sp>
+    </p:spTree>
+  </p:cSld>
+</p:notes>
+</file>
+
+<file path=ppt/notesSlides/notesSlide53.xml><?xml version="1.0" encoding="utf-8"?>
+<p:notes xmlns:a="http://schemas.openxmlformats.org/drawingml/2006/main" xmlns:r="http://schemas.openxmlformats.org/officeDocument/2006/relationships" xmlns:p="http://schemas.openxmlformats.org/presentationml/2006/main">
+  <p:cSld>
+    <p:spTree>
+      <p:nvGrpSpPr>
+        <p:cNvPr id="1" name=""/>
+        <p:cNvGrpSpPr/>
+        <p:nvPr/>
+      </p:nvGrpSpPr>
+      <p:grpSpPr>
+        <a:xfrm>
+          <a:off x="0" y="0"/>
+          <a:ext cx="0" cy="0"/>
+          <a:chOff x="0" y="0"/>
+          <a:chExt cx="0" cy="0"/>
+        </a:xfrm>
+      </p:grpSpPr>
+      <p:sp>
+        <p:nvSpPr>
+          <p:cNvPr id="2" name="Slide Image Placeholder 1"/>
+          <p:cNvSpPr>
+            <a:spLocks noGrp="1" noRot="1" noChangeAspect="1"/>
+          </p:cNvSpPr>
+          <p:nvPr>
+            <p:ph type="sldImg"/>
+          </p:nvPr>
+        </p:nvSpPr>
+        <p:spPr/>
+      </p:sp>
+      <p:sp>
+        <p:nvSpPr>
+          <p:cNvPr id="3" name="Notes Placeholder 2"/>
+          <p:cNvSpPr>
+            <a:spLocks noGrp="1"/>
+          </p:cNvSpPr>
+          <p:nvPr>
+            <p:ph type="body" idx="1"/>
+          </p:nvPr>
+        </p:nvSpPr>
+        <p:spPr/>
+        <p:txBody>
+          <a:bodyPr/>
+          <a:lstStyle/>
+          <a:p>
+            <a:pPr lvl="0" indent="0" marL="0">
+              <a:buNone/>
+            </a:pPr>
+            <a:r>
+              <a:rPr/>
+              <a:t>There are special features of time series data that make them difficult to use with a simple bootstrap. The first and most obvious feature is that most time series have a nice neatly ordered pattern or even spacing over time. A bootstrap sample is going to have gaps in some places and multiple observations at the same time point.</a:t>
+            </a:r>
+          </a:p>
+          <a:p>
+            <a:pPr lvl="0" indent="0" marL="0">
+              <a:buNone/>
+            </a:pPr>
+          </a:p>
+          <a:p>
+            <a:pPr lvl="0" indent="0" marL="0">
+              <a:buNone/>
+            </a:pPr>
+            <a:r>
+              <a:rPr/>
+              <a:t>Most time series also exhibit serial correlation, seasonality, and/or temporal trends. These features are either seriously distorted or totally destroyed in a bootstrap sample.</a:t>
+            </a:r>
+          </a:p>
+          <a:p>
+            <a:pPr lvl="0" indent="0" marL="0">
+              <a:buNone/>
+            </a:pPr>
+          </a:p>
+          <a:p>
+            <a:pPr lvl="0" indent="0" marL="0">
+              <a:buNone/>
+            </a:pPr>
+            <a:r>
+              <a:rPr/>
+              <a:t>There are several possible solutions. One is to bootstrap consecutive blocks of observations. This preserves time series features within a block and appears to perform reasonably well.</a:t>
+            </a:r>
+          </a:p>
+          <a:p>
+            <a:pPr lvl="0" indent="0" marL="0">
+              <a:buNone/>
+            </a:pPr>
+          </a:p>
+          <a:p>
+            <a:pPr lvl="0" indent="0" marL="0">
+              <a:buNone/>
+            </a:pPr>
+            <a:r>
+              <a:rPr/>
+              <a:t>A second option is to remove any trend and decompose the time series into independent components, take a bootstrap sample of the independent components, and then recompose a new series from the bootstrap sample.</a:t>
+            </a:r>
+          </a:p>
+          <a:p>
+            <a:pPr lvl="0" indent="0" marL="0">
+              <a:buNone/>
+            </a:pPr>
+          </a:p>
+          <a:p>
+            <a:pPr lvl="0" indent="0" marL="0">
+              <a:buNone/>
+            </a:pPr>
+            <a:r>
+              <a:rPr/>
+              <a:t>The approach you take largely depends on the context of your problem and what statistic you are trying to characterize. For example, if you detrend the data and remove seasonality, then any bootstrapped estimate from the reconstructed time series will be fine if it is modeling a feature of the data other than the trend or seasonality.</a:t>
+            </a:r>
+          </a:p>
+        </p:txBody>
+      </p:sp>
+      <p:sp>
+        <p:nvSpPr>
+          <p:cNvPr id="4" name="Slide Number Placeholder 3"/>
+          <p:cNvSpPr>
+            <a:spLocks noGrp="1"/>
+          </p:cNvSpPr>
+          <p:nvPr>
+            <p:ph type="sldNum" sz="quarter" idx="10"/>
+          </p:nvPr>
+        </p:nvSpPr>
+        <p:spPr/>
+        <p:txBody>
+          <a:bodyPr/>
+          <a:lstStyle/>
+          <a:p>
+            <a:fld id="{18BDFEC3-8487-43E8-A154-7C12CBC1FFF2}" type="slidenum">
+              <a:rPr lang="en-US"/>
+              <a:t>67</a:t>
+            </a:fld>
+            <a:endParaRPr lang="en-US"/>
+          </a:p>
+        </p:txBody>
+      </p:sp>
+    </p:spTree>
+  </p:cSld>
+</p:notes>
+</file>
+
+<file path=ppt/notesSlides/notesSlide54.xml><?xml version="1.0" encoding="utf-8"?>
+<p:notes xmlns:a="http://schemas.openxmlformats.org/drawingml/2006/main" xmlns:r="http://schemas.openxmlformats.org/officeDocument/2006/relationships" xmlns:p="http://schemas.openxmlformats.org/presentationml/2006/main">
+  <p:cSld>
+    <p:spTree>
+      <p:nvGrpSpPr>
+        <p:cNvPr id="1" name=""/>
+        <p:cNvGrpSpPr/>
+        <p:nvPr/>
+      </p:nvGrpSpPr>
+      <p:grpSpPr>
+        <a:xfrm>
+          <a:off x="0" y="0"/>
+          <a:ext cx="0" cy="0"/>
+          <a:chOff x="0" y="0"/>
+          <a:chExt cx="0" cy="0"/>
+        </a:xfrm>
+      </p:grpSpPr>
+      <p:sp>
+        <p:nvSpPr>
+          <p:cNvPr id="2" name="Slide Image Placeholder 1"/>
+          <p:cNvSpPr>
+            <a:spLocks noGrp="1" noRot="1" noChangeAspect="1"/>
+          </p:cNvSpPr>
+          <p:nvPr>
+            <p:ph type="sldImg"/>
+          </p:nvPr>
+        </p:nvSpPr>
+        <p:spPr/>
+      </p:sp>
+      <p:sp>
+        <p:nvSpPr>
+          <p:cNvPr id="3" name="Notes Placeholder 2"/>
+          <p:cNvSpPr>
+            <a:spLocks noGrp="1"/>
+          </p:cNvSpPr>
+          <p:nvPr>
+            <p:ph type="body" idx="1"/>
+          </p:nvPr>
+        </p:nvSpPr>
+        <p:spPr/>
+        <p:txBody>
+          <a:bodyPr/>
+          <a:lstStyle/>
+          <a:p>
+            <a:pPr lvl="0" indent="0" marL="0">
+              <a:buNone/>
+            </a:pPr>
+            <a:r>
+              <a:rPr/>
+              <a:t>The regression model has some of the same issues as the setting with multiple groups described earlier. If some of the independent variables are very strongly correlated, you might end up with a setting where the correlation is exactly 1 for one or more of the bootstrap samples. This is not a serious issue unless you have both a strong correlation and a small sample size.</a:t>
+            </a:r>
+          </a:p>
+          <a:p>
+            <a:pPr lvl="0" indent="0" marL="0">
+              <a:buNone/>
+            </a:pPr>
+          </a:p>
+          <a:p>
+            <a:pPr lvl="0" indent="0" marL="0">
+              <a:buNone/>
+            </a:pPr>
+            <a:r>
+              <a:rPr/>
+              <a:t>But another consideration is that the bootstrap sample treats the independent variables as if they are selected randomly along with the dependent variable. This may be the case, but there are some datasets where the X values are fixed in advance and the dependent variable is the only thing being sampled.</a:t>
+            </a:r>
+          </a:p>
+          <a:p>
+            <a:pPr lvl="0" indent="0" marL="0">
+              <a:buNone/>
+            </a:pPr>
+          </a:p>
+          <a:p>
+            <a:pPr lvl="0" indent="0" marL="0">
+              <a:buNone/>
+            </a:pPr>
+            <a:r>
+              <a:rPr/>
+              <a:t>One possible solution is to compute the residuals and reconstruct a new dependent variable from the bootstrapped residuals.</a:t>
+            </a:r>
+          </a:p>
+          <a:p>
+            <a:pPr lvl="0" indent="0" marL="0">
+              <a:buNone/>
+            </a:pPr>
+          </a:p>
+          <a:p>
+            <a:pPr lvl="0" indent="0" marL="0">
+              <a:buNone/>
+            </a:pPr>
+            <a:r>
+              <a:rPr/>
+              <a:t>Context is important here. If you bootstrap the residuals, you can’t use the reconstructed dependent variable as an estimate of the regression slopes themselves. You could use them to reconstruct a statistic that is independent of those slopes.</a:t>
+            </a:r>
+          </a:p>
+        </p:txBody>
+      </p:sp>
+      <p:sp>
+        <p:nvSpPr>
+          <p:cNvPr id="4" name="Slide Number Placeholder 3"/>
+          <p:cNvSpPr>
+            <a:spLocks noGrp="1"/>
+          </p:cNvSpPr>
+          <p:nvPr>
+            <p:ph type="sldNum" sz="quarter" idx="10"/>
+          </p:nvPr>
+        </p:nvSpPr>
+        <p:spPr/>
+        <p:txBody>
+          <a:bodyPr/>
+          <a:lstStyle/>
+          <a:p>
+            <a:fld id="{18BDFEC3-8487-43E8-A154-7C12CBC1FFF2}" type="slidenum">
+              <a:rPr lang="en-US"/>
+              <a:t>68</a:t>
+            </a:fld>
+            <a:endParaRPr lang="en-US"/>
+          </a:p>
+        </p:txBody>
+      </p:sp>
+    </p:spTree>
+  </p:cSld>
+</p:notes>
+</file>
+
+<file path=ppt/notesSlides/notesSlide55.xml><?xml version="1.0" encoding="utf-8"?>
+<p:notes xmlns:a="http://schemas.openxmlformats.org/drawingml/2006/main" xmlns:r="http://schemas.openxmlformats.org/officeDocument/2006/relationships" xmlns:p="http://schemas.openxmlformats.org/presentationml/2006/main">
+  <p:cSld>
+    <p:spTree>
+      <p:nvGrpSpPr>
+        <p:cNvPr id="1" name=""/>
+        <p:cNvGrpSpPr/>
+        <p:nvPr/>
+      </p:nvGrpSpPr>
+      <p:grpSpPr>
+        <a:xfrm>
+          <a:off x="0" y="0"/>
+          <a:ext cx="0" cy="0"/>
+          <a:chOff x="0" y="0"/>
+          <a:chExt cx="0" cy="0"/>
+        </a:xfrm>
+      </p:grpSpPr>
+      <p:sp>
+        <p:nvSpPr>
+          <p:cNvPr id="2" name="Slide Image Placeholder 1"/>
+          <p:cNvSpPr>
+            <a:spLocks noGrp="1" noRot="1" noChangeAspect="1"/>
+          </p:cNvSpPr>
+          <p:nvPr>
+            <p:ph type="sldImg"/>
+          </p:nvPr>
+        </p:nvSpPr>
+        <p:spPr/>
+      </p:sp>
+      <p:sp>
+        <p:nvSpPr>
+          <p:cNvPr id="3" name="Notes Placeholder 2"/>
+          <p:cNvSpPr>
+            <a:spLocks noGrp="1"/>
+          </p:cNvSpPr>
+          <p:nvPr>
+            <p:ph type="body" idx="1"/>
+          </p:nvPr>
+        </p:nvSpPr>
+        <p:spPr/>
+        <p:txBody>
+          <a:bodyPr/>
+          <a:lstStyle/>
+          <a:p>
+            <a:pPr lvl="0" indent="0" marL="0">
+              <a:buNone/>
+            </a:pPr>
+            <a:r>
+              <a:rPr/>
+              <a:t>The bootstrap performs well in settings where you do not have any theoretical results to guide your work. It also works well when the normal approximations that you rely on are questionable, either because the sample size is small or because the underlying distribution of the data is troublesome. By troublesome, I mean extreme skew or high probability of producing outliers. Both will tend to slow down the asymptotic approximation to normality.</a:t>
+            </a:r>
+          </a:p>
+          <a:p>
+            <a:pPr lvl="0" indent="0" marL="0">
+              <a:buNone/>
+            </a:pPr>
+          </a:p>
+          <a:p>
+            <a:pPr lvl="0" indent="0" marL="0">
+              <a:buNone/>
+            </a:pPr>
+            <a:r>
+              <a:rPr/>
+              <a:t>Keep in mind, though, that the bootstrap can’t compensate for a limited sample size. The confidence intervals may be valid, but often they will be so wide as to be meaningless. There’s a saying that you can’t squeeze blood from a turnip. That’s an attempt to explain that you can’t get something from nothing.</a:t>
+            </a:r>
+          </a:p>
+        </p:txBody>
+      </p:sp>
+      <p:sp>
+        <p:nvSpPr>
+          <p:cNvPr id="4" name="Slide Number Placeholder 3"/>
+          <p:cNvSpPr>
+            <a:spLocks noGrp="1"/>
+          </p:cNvSpPr>
+          <p:nvPr>
+            <p:ph type="sldNum" sz="quarter" idx="10"/>
+          </p:nvPr>
+        </p:nvSpPr>
+        <p:spPr/>
+        <p:txBody>
+          <a:bodyPr/>
+          <a:lstStyle/>
+          <a:p>
+            <a:fld id="{18BDFEC3-8487-43E8-A154-7C12CBC1FFF2}" type="slidenum">
+              <a:rPr lang="en-US"/>
+              <a:t>70</a:t>
+            </a:fld>
+            <a:endParaRPr lang="en-US"/>
+          </a:p>
+        </p:txBody>
+      </p:sp>
+    </p:spTree>
+  </p:cSld>
+</p:notes>
+</file>
+
+<file path=ppt/notesSlides/notesSlide56.xml><?xml version="1.0" encoding="utf-8"?>
+<p:notes xmlns:a="http://schemas.openxmlformats.org/drawingml/2006/main" xmlns:r="http://schemas.openxmlformats.org/officeDocument/2006/relationships" xmlns:p="http://schemas.openxmlformats.org/presentationml/2006/main">
+  <p:cSld>
+    <p:spTree>
+      <p:nvGrpSpPr>
+        <p:cNvPr id="1" name=""/>
+        <p:cNvGrpSpPr/>
+        <p:nvPr/>
+      </p:nvGrpSpPr>
+      <p:grpSpPr>
+        <a:xfrm>
+          <a:off x="0" y="0"/>
+          <a:ext cx="0" cy="0"/>
+          <a:chOff x="0" y="0"/>
+          <a:chExt cx="0" cy="0"/>
+        </a:xfrm>
+      </p:grpSpPr>
+      <p:sp>
+        <p:nvSpPr>
+          <p:cNvPr id="2" name="Slide Image Placeholder 1"/>
+          <p:cNvSpPr>
+            <a:spLocks noGrp="1" noRot="1" noChangeAspect="1"/>
+          </p:cNvSpPr>
+          <p:nvPr>
+            <p:ph type="sldImg"/>
+          </p:nvPr>
+        </p:nvSpPr>
+        <p:spPr/>
+      </p:sp>
+      <p:sp>
+        <p:nvSpPr>
+          <p:cNvPr id="3" name="Notes Placeholder 2"/>
+          <p:cNvSpPr>
+            <a:spLocks noGrp="1"/>
+          </p:cNvSpPr>
+          <p:nvPr>
+            <p:ph type="body" idx="1"/>
+          </p:nvPr>
+        </p:nvSpPr>
+        <p:spPr/>
+        <p:txBody>
+          <a:bodyPr/>
+          <a:lstStyle/>
+          <a:p>
+            <a:pPr lvl="0" indent="0" marL="0">
+              <a:buNone/>
+            </a:pPr>
+            <a:r>
+              <a:rPr/>
+              <a:t>So we’ve covered the history of the bootstrap, illustrated some algorithms, showed how to compute a bootstrap in SAS, Stata, and R, and discussed some special issues where you might want to modify the bootstrap approach.</a:t>
+            </a:r>
+          </a:p>
+          <a:p>
+            <a:pPr lvl="0" indent="0" marL="0">
+              <a:buNone/>
+            </a:pPr>
+          </a:p>
+          <a:p>
+            <a:pPr lvl="0" indent="0" marL="0">
+              <a:buNone/>
+            </a:pPr>
+            <a:r>
+              <a:rPr/>
+              <a:t>I’d be glad to take any questions you might have.</a:t>
+            </a:r>
+          </a:p>
+        </p:txBody>
+      </p:sp>
+      <p:sp>
+        <p:nvSpPr>
+          <p:cNvPr id="4" name="Slide Number Placeholder 3"/>
+          <p:cNvSpPr>
+            <a:spLocks noGrp="1"/>
+          </p:cNvSpPr>
+          <p:nvPr>
+            <p:ph type="sldNum" sz="quarter" idx="10"/>
+          </p:nvPr>
+        </p:nvSpPr>
+        <p:spPr/>
+        <p:txBody>
+          <a:bodyPr/>
+          <a:lstStyle/>
+          <a:p>
+            <a:fld id="{18BDFEC3-8487-43E8-A154-7C12CBC1FFF2}" type="slidenum">
+              <a:rPr lang="en-US"/>
+              <a:t>71</a:t>
             </a:fld>
             <a:endParaRPr lang="en-US"/>
           </a:p>
@@ -4843,20 +5866,6 @@
             </a:pPr>
             <a:r>
               <a:rPr/>
-              <a:t>What if the sample size is not large enough to rely on the Central Limit Theorem?</a:t>
-            </a:r>
-          </a:p>
-          <a:p>
-            <a:pPr lvl="0" indent="0" marL="0">
-              <a:buNone/>
-            </a:pPr>
-          </a:p>
-          <a:p>
-            <a:pPr lvl="0" indent="0" marL="0">
-              <a:buNone/>
-            </a:pPr>
-            <a:r>
-              <a:rPr/>
               <a:t>What if you are measuring the mean absolute deviation (the average of the absolute values of each individual value minus the sample mean) or the interquartile range (the difference between the 75th percentile and the 25th percentile).</a:t>
             </a:r>
           </a:p>
@@ -4900,6 +5909,34 @@
             <a:r>
               <a:rPr/>
               <a:t>It turns out that you can use simulations involving the data itself to establish an underlying distribution.</a:t>
+            </a:r>
+          </a:p>
+          <a:p>
+            <a:pPr lvl="0" indent="0" marL="0">
+              <a:buNone/>
+            </a:pPr>
+          </a:p>
+          <a:p>
+            <a:pPr lvl="0" indent="0" marL="0">
+              <a:buNone/>
+            </a:pPr>
+            <a:r>
+              <a:rPr/>
+              <a:t>You might find that the normal distribution is a reasonable approximation. If so, great! Consider it a sensitivity check that you passed with flying colors.</a:t>
+            </a:r>
+          </a:p>
+          <a:p>
+            <a:pPr lvl="0" indent="0" marL="0">
+              <a:buNone/>
+            </a:pPr>
+          </a:p>
+          <a:p>
+            <a:pPr lvl="0" indent="0" marL="0">
+              <a:buNone/>
+            </a:pPr>
+            <a:r>
+              <a:rPr/>
+              <a:t>If the results of the bootstrap are markedly different from the results assuming approximate normality, then investigate further. But you can rely on the bootstrap results to provide valid confidence intervals and hypothesis tests. Although there are a few settings where you shouldn’t rely on a bootstrap approach, it is a credible approach for a surpringly broad range of settings.</a:t>
             </a:r>
           </a:p>
         </p:txBody>
@@ -4981,6 +6018,20 @@
             </a:pPr>
             <a:r>
               <a:rPr/>
+              <a:t>To understand the bootstrap, you need to understand the approach that it was intended to improve upon, the jackknife.</a:t>
+            </a:r>
+          </a:p>
+          <a:p>
+            <a:pPr lvl="0" indent="0" marL="0">
+              <a:buNone/>
+            </a:pPr>
+          </a:p>
+          <a:p>
+            <a:pPr lvl="0" indent="0" marL="0">
+              <a:buNone/>
+            </a:pPr>
+            <a:r>
+              <a:rPr/>
               <a:t>The jackknife was first developed in 1949 by Maurice Quenouille and was extended to a more general setting by John Tukey in the 1950s. Dr. Tukey was fond of giving clever names to various statistical terms. He was the one, for example, who coined the term “bit” as a shorted form of binary digit. He chose the name “jackknife” for the Quenouille approach because the jackknife is an all-purpose tool.</a:t>
             </a:r>
           </a:p>
@@ -5063,21 +6114,21 @@
             </a:pPr>
             <a:r>
               <a:rPr/>
-              <a:t>The jackknife, as called the “leave-one-out” method was proposed in 1949 as a method for estimating bias and calculating standard errors by Quenouille. It got the name “jackknife” by John Tukey because he felt it was a useful tool for a variety of settings.</a:t>
-            </a:r>
-          </a:p>
-          <a:p>
-            <a:pPr lvl="0" indent="0" marL="0">
-              <a:buNone/>
-            </a:pPr>
-          </a:p>
-          <a:p>
-            <a:pPr lvl="0" indent="0" marL="0">
-              <a:buNone/>
-            </a:pPr>
-            <a:r>
-              <a:rPr/>
-              <a:t>You create subsamples by leaving one data point out. With five data points, you have five subsamples.</a:t>
+              <a:t>For the jackknife, you create subsamples by leaving one data point out.</a:t>
+            </a:r>
+          </a:p>
+          <a:p>
+            <a:pPr lvl="0" indent="0" marL="0">
+              <a:buNone/>
+            </a:pPr>
+          </a:p>
+          <a:p>
+            <a:pPr lvl="0" indent="0" marL="0">
+              <a:buNone/>
+            </a:pPr>
+            <a:r>
+              <a:rPr/>
+              <a:t>The original data set in this small artificial example is 2, 3, 7, 5, 6. The first subsample leaves out the 2. The second subsample leaves out the 3. And so forth. With five data points, you have five subsamples.</a:t>
             </a:r>
           </a:p>
         </p:txBody>
@@ -5159,49 +6210,7 @@
             </a:pPr>
             <a:r>
               <a:rPr/>
-              <a:t>This image is from a White House ceremony where Bradley Efron received the President’s National Medal of Science. I was quite shocked when I found this picture a few days ago, and I’ve been trying to call Joe Biden ever since to see where my medal is. Seriously, you have to be a really special statistician to deserve an honor like this.</a:t>
-            </a:r>
-          </a:p>
-          <a:p>
-            <a:pPr lvl="0" indent="0" marL="0">
-              <a:buNone/>
-            </a:pPr>
-          </a:p>
-          <a:p>
-            <a:pPr lvl="0" indent="0" marL="0">
-              <a:buNone/>
-            </a:pPr>
-            <a:r>
-              <a:rPr/>
-              <a:t>Most of the information about Bradley Efron comes from</a:t>
-            </a:r>
-          </a:p>
-          <a:p>
-            <a:pPr lvl="0" indent="0" marL="0">
-              <a:buNone/>
-            </a:pPr>
-          </a:p>
-          <a:p>
-            <a:pPr lvl="0" indent="0" marL="0">
-              <a:buNone/>
-            </a:pPr>
-            <a:r>
-              <a:rPr/>
-              <a:t>Denise LaFontaine. The History of Bootstrapping: Tracing the Development of Resampling With Replacement. The Mathematics Enthusiast 2021, 18(1). Available in pdf format.</a:t>
-            </a:r>
-          </a:p>
-          <a:p>
-            <a:pPr lvl="0" indent="0" marL="0">
-              <a:buNone/>
-            </a:pPr>
-          </a:p>
-          <a:p>
-            <a:pPr lvl="0" indent="0" marL="0">
-              <a:buNone/>
-            </a:pPr>
-            <a:r>
-              <a:rPr/>
-              <a:t>Bradley Efron entered the PhD program in Statistics at Stanford University in 1960. He was influenced by one of the faculty at Stanford, Rupert Miller, who was working on establishing conditions under which the jackknife did or did not perform well. Shortly after graduating, Dr. Efron started working on an approach that would fix some of the shortcomings of the jackknife.</a:t>
+              <a:t>Then calculate a statistic (in this case, the mean absolute deviation). Do it first for the entire sample. Then do it for each jackknife subsample. Notice that there is some variation in the results from one jackknife subsample to another.</a:t>
             </a:r>
           </a:p>
         </p:txBody>
@@ -5223,7 +6232,7 @@
           <a:p>
             <a:fld id="{18BDFEC3-8487-43E8-A154-7C12CBC1FFF2}" type="slidenum">
               <a:rPr lang="en-US"/>
-              <a:t>12</a:t>
+              <a:t>10</a:t>
             </a:fld>
             <a:endParaRPr lang="en-US"/>
           </a:p>
@@ -8766,6 +9775,15 @@
             </a:pPr>
             <a:r>
               <a:rPr/>
+              <a:t>The original data: (2, 3, 7, 5, 6)</a:t>
+            </a:r>
+          </a:p>
+          <a:p>
+            <a:pPr lvl="0" indent="0" marL="0">
+              <a:buNone/>
+            </a:pPr>
+            <a:r>
+              <a:rPr/>
               <a:t>Bootstrap sample #1: (7, 2, 5, 3, 5)</a:t>
             </a:r>
           </a:p>
@@ -9148,68 +10166,617 @@
             </a:pPr>
             <a:r>
               <a:rPr/>
-              <a:t>Bagging (1/4)</a:t>
-            </a:r>
-          </a:p>
-        </p:txBody>
-      </p:sp>
-      <p:sp>
-        <p:nvSpPr>
-          <p:cNvPr id="3" name="Content Placeholder 2"/>
-          <p:cNvSpPr>
-            <a:spLocks noGrp="1"/>
-          </p:cNvSpPr>
-          <p:nvPr>
-            <p:ph idx="1"/>
-          </p:nvPr>
-        </p:nvSpPr>
-        <p:spPr/>
-        <p:txBody>
-          <a:bodyPr/>
-          <a:lstStyle/>
-          <a:p>
-            <a:pPr lvl="0"/>
-            <a:r>
-              <a:rPr/>
-              <a:t>Portmanteau for bootstrap aggregation</a:t>
-            </a:r>
-          </a:p>
-          <a:p>
-            <a:pPr lvl="1"/>
-            <a:r>
-              <a:rPr/>
-              <a:t>Used in random forests</a:t>
-            </a:r>
-          </a:p>
-          <a:p>
-            <a:pPr lvl="0"/>
-            <a:r>
-              <a:rPr/>
-              <a:t>Developed by Leo Breiman in 1996</a:t>
-            </a:r>
-          </a:p>
-          <a:p>
-            <a:pPr lvl="0"/>
-            <a:r>
-              <a:rPr/>
-              <a:t>Start with CART model</a:t>
-            </a:r>
-          </a:p>
-          <a:p>
-            <a:pPr lvl="1"/>
-            <a:r>
-              <a:rPr/>
-              <a:t>Classification And Regression Tree</a:t>
-            </a:r>
-          </a:p>
-        </p:txBody>
-      </p:sp>
+              <a:t>A bit of intuition about the bootstrap (1/4)</a:t>
+            </a:r>
+          </a:p>
+        </p:txBody>
+      </p:sp>
+      <p:pic>
+        <p:nvPicPr>
+          <p:cNvPr descr="bootstrap-slides_files/figure-pptx/unnamed-chunk-4-1.png" id="0" name="Picture 1"/>
+          <p:cNvPicPr>
+            <a:picLocks noGrp="1" noChangeAspect="1"/>
+          </p:cNvPicPr>
+          <p:nvPr/>
+        </p:nvPicPr>
+        <p:blipFill>
+          <a:blip r:embed="rId2"/>
+          <a:stretch>
+            <a:fillRect/>
+          </a:stretch>
+        </p:blipFill>
+        <p:spPr bwMode="auto">
+          <a:xfrm>
+            <a:off x="2451100" y="1193800"/>
+            <a:ext cx="4241800" cy="3390900"/>
+          </a:xfrm>
+          <a:prstGeom prst="rect">
+            <a:avLst/>
+          </a:prstGeom>
+          <a:noFill/>
+          <a:ln w="9525">
+            <a:noFill/>
+            <a:headEnd/>
+            <a:tailEnd/>
+          </a:ln>
+        </p:spPr>
+      </p:pic>
     </p:spTree>
   </p:cSld>
 </p:sld>
 </file>
 
 <file path=ppt/slides/slide18.xml><?xml version="1.0" encoding="utf-8"?>
+<p:sld xmlns:a="http://schemas.openxmlformats.org/drawingml/2006/main" xmlns:r="http://schemas.openxmlformats.org/officeDocument/2006/relationships" xmlns:p="http://schemas.openxmlformats.org/presentationml/2006/main">
+  <p:cSld>
+    <p:spTree>
+      <p:nvGrpSpPr>
+        <p:cNvPr id="1" name=""/>
+        <p:cNvGrpSpPr/>
+        <p:nvPr/>
+      </p:nvGrpSpPr>
+      <p:grpSpPr>
+        <a:xfrm>
+          <a:off x="0" y="0"/>
+          <a:ext cx="0" cy="0"/>
+          <a:chOff x="0" y="0"/>
+          <a:chExt cx="0" cy="0"/>
+        </a:xfrm>
+      </p:grpSpPr>
+      <p:sp>
+        <p:nvSpPr>
+          <p:cNvPr id="3" name="Content Placeholder 2"/>
+          <p:cNvSpPr>
+            <a:spLocks noGrp="1"/>
+          </p:cNvSpPr>
+          <p:nvPr>
+            <p:ph idx="1"/>
+          </p:nvPr>
+        </p:nvSpPr>
+        <p:spPr/>
+        <p:txBody>
+          <a:bodyPr/>
+          <a:lstStyle/>
+          <a:p>
+            <a:pPr lvl="0" indent="0" marL="0">
+              <a:buNone/>
+            </a:pPr>
+          </a:p>
+        </p:txBody>
+      </p:sp>
+    </p:spTree>
+  </p:cSld>
+</p:sld>
+</file>
+
+<file path=ppt/slides/slide19.xml><?xml version="1.0" encoding="utf-8"?>
+<p:sld xmlns:a="http://schemas.openxmlformats.org/drawingml/2006/main" xmlns:r="http://schemas.openxmlformats.org/officeDocument/2006/relationships" xmlns:p="http://schemas.openxmlformats.org/presentationml/2006/main">
+  <p:cSld>
+    <p:spTree>
+      <p:nvGrpSpPr>
+        <p:cNvPr id="1" name=""/>
+        <p:cNvGrpSpPr/>
+        <p:nvPr/>
+      </p:nvGrpSpPr>
+      <p:grpSpPr>
+        <a:xfrm>
+          <a:off x="0" y="0"/>
+          <a:ext cx="0" cy="0"/>
+          <a:chOff x="0" y="0"/>
+          <a:chExt cx="0" cy="0"/>
+        </a:xfrm>
+      </p:grpSpPr>
+      <p:sp>
+        <p:nvSpPr>
+          <p:cNvPr id="2" name="Title 1"/>
+          <p:cNvSpPr>
+            <a:spLocks noGrp="1"/>
+          </p:cNvSpPr>
+          <p:nvPr>
+            <p:ph type="title"/>
+          </p:nvPr>
+        </p:nvSpPr>
+        <p:spPr/>
+        <p:txBody>
+          <a:bodyPr/>
+          <a:lstStyle/>
+          <a:p>
+            <a:pPr lvl="0" indent="0" marL="0">
+              <a:buNone/>
+            </a:pPr>
+            <a:r>
+              <a:rPr/>
+              <a:t>A bit of intuition about the bootstrap (2/4)</a:t>
+            </a:r>
+          </a:p>
+        </p:txBody>
+      </p:sp>
+      <p:pic>
+        <p:nvPicPr>
+          <p:cNvPr descr="bootstrap-slides_files/figure-pptx/unnamed-chunk-5-1.png" id="0" name="Picture 1"/>
+          <p:cNvPicPr>
+            <a:picLocks noGrp="1" noChangeAspect="1"/>
+          </p:cNvPicPr>
+          <p:nvPr/>
+        </p:nvPicPr>
+        <p:blipFill>
+          <a:blip r:embed="rId2"/>
+          <a:stretch>
+            <a:fillRect/>
+          </a:stretch>
+        </p:blipFill>
+        <p:spPr bwMode="auto">
+          <a:xfrm>
+            <a:off x="2451100" y="1193800"/>
+            <a:ext cx="4241800" cy="3390900"/>
+          </a:xfrm>
+          <a:prstGeom prst="rect">
+            <a:avLst/>
+          </a:prstGeom>
+          <a:noFill/>
+          <a:ln w="9525">
+            <a:noFill/>
+            <a:headEnd/>
+            <a:tailEnd/>
+          </a:ln>
+        </p:spPr>
+      </p:pic>
+    </p:spTree>
+  </p:cSld>
+</p:sld>
+</file>
+
+<file path=ppt/slides/slide2.xml><?xml version="1.0" encoding="utf-8"?>
+<p:sld xmlns:a="http://schemas.openxmlformats.org/drawingml/2006/main" xmlns:r="http://schemas.openxmlformats.org/officeDocument/2006/relationships" xmlns:p="http://schemas.openxmlformats.org/presentationml/2006/main">
+  <p:cSld>
+    <p:spTree>
+      <p:nvGrpSpPr>
+        <p:cNvPr id="1" name=""/>
+        <p:cNvGrpSpPr/>
+        <p:nvPr/>
+      </p:nvGrpSpPr>
+      <p:grpSpPr>
+        <a:xfrm>
+          <a:off x="0" y="0"/>
+          <a:ext cx="0" cy="0"/>
+          <a:chOff x="0" y="0"/>
+          <a:chExt cx="0" cy="0"/>
+        </a:xfrm>
+      </p:grpSpPr>
+      <p:sp>
+        <p:nvSpPr>
+          <p:cNvPr id="2" name="Title 1"/>
+          <p:cNvSpPr>
+            <a:spLocks noGrp="1"/>
+          </p:cNvSpPr>
+          <p:nvPr>
+            <p:ph type="title"/>
+          </p:nvPr>
+        </p:nvSpPr>
+        <p:spPr/>
+        <p:txBody>
+          <a:bodyPr/>
+          <a:lstStyle/>
+          <a:p>
+            <a:pPr lvl="0" indent="0" marL="0">
+              <a:buNone/>
+            </a:pPr>
+            <a:r>
+              <a:rPr/>
+              <a:t>Outline</a:t>
+            </a:r>
+          </a:p>
+        </p:txBody>
+      </p:sp>
+      <p:sp>
+        <p:nvSpPr>
+          <p:cNvPr id="3" name="Content Placeholder 2"/>
+          <p:cNvSpPr>
+            <a:spLocks noGrp="1"/>
+          </p:cNvSpPr>
+          <p:nvPr>
+            <p:ph idx="1"/>
+          </p:nvPr>
+        </p:nvSpPr>
+        <p:spPr/>
+        <p:txBody>
+          <a:bodyPr/>
+          <a:lstStyle/>
+          <a:p>
+            <a:pPr lvl="0"/>
+            <a:r>
+              <a:rPr/>
+              <a:t>History</a:t>
+            </a:r>
+          </a:p>
+          <a:p>
+            <a:pPr lvl="0"/>
+            <a:r>
+              <a:rPr/>
+              <a:t>Algorithms</a:t>
+            </a:r>
+          </a:p>
+          <a:p>
+            <a:pPr lvl="0"/>
+            <a:r>
+              <a:rPr/>
+              <a:t>Software</a:t>
+            </a:r>
+          </a:p>
+          <a:p>
+            <a:pPr lvl="0"/>
+            <a:r>
+              <a:rPr/>
+              <a:t>Examples</a:t>
+            </a:r>
+          </a:p>
+        </p:txBody>
+      </p:sp>
+    </p:spTree>
+  </p:cSld>
+</p:sld>
+</file>
+
+<file path=ppt/slides/slide20.xml><?xml version="1.0" encoding="utf-8"?>
+<p:sld xmlns:a="http://schemas.openxmlformats.org/drawingml/2006/main" xmlns:r="http://schemas.openxmlformats.org/officeDocument/2006/relationships" xmlns:p="http://schemas.openxmlformats.org/presentationml/2006/main">
+  <p:cSld>
+    <p:spTree>
+      <p:nvGrpSpPr>
+        <p:cNvPr id="1" name=""/>
+        <p:cNvGrpSpPr/>
+        <p:nvPr/>
+      </p:nvGrpSpPr>
+      <p:grpSpPr>
+        <a:xfrm>
+          <a:off x="0" y="0"/>
+          <a:ext cx="0" cy="0"/>
+          <a:chOff x="0" y="0"/>
+          <a:chExt cx="0" cy="0"/>
+        </a:xfrm>
+      </p:grpSpPr>
+      <p:sp>
+        <p:nvSpPr>
+          <p:cNvPr id="2" name="Title 1"/>
+          <p:cNvSpPr>
+            <a:spLocks noGrp="1"/>
+          </p:cNvSpPr>
+          <p:nvPr>
+            <p:ph type="title"/>
+          </p:nvPr>
+        </p:nvSpPr>
+        <p:spPr/>
+        <p:txBody>
+          <a:bodyPr/>
+          <a:lstStyle/>
+          <a:p>
+            <a:pPr lvl="0" indent="0" marL="0">
+              <a:buNone/>
+            </a:pPr>
+            <a:r>
+              <a:rPr/>
+              <a:t>A bit of intuition about the bootstrap (3/4)</a:t>
+            </a:r>
+          </a:p>
+        </p:txBody>
+      </p:sp>
+      <p:pic>
+        <p:nvPicPr>
+          <p:cNvPr descr="bootstrap-slides_files/figure-pptx/unnamed-chunk-6-1.png" id="0" name="Picture 1"/>
+          <p:cNvPicPr>
+            <a:picLocks noGrp="1" noChangeAspect="1"/>
+          </p:cNvPicPr>
+          <p:nvPr/>
+        </p:nvPicPr>
+        <p:blipFill>
+          <a:blip r:embed="rId2"/>
+          <a:stretch>
+            <a:fillRect/>
+          </a:stretch>
+        </p:blipFill>
+        <p:spPr bwMode="auto">
+          <a:xfrm>
+            <a:off x="2451100" y="1193800"/>
+            <a:ext cx="4241800" cy="3390900"/>
+          </a:xfrm>
+          <a:prstGeom prst="rect">
+            <a:avLst/>
+          </a:prstGeom>
+          <a:noFill/>
+          <a:ln w="9525">
+            <a:noFill/>
+            <a:headEnd/>
+            <a:tailEnd/>
+          </a:ln>
+        </p:spPr>
+      </p:pic>
+    </p:spTree>
+  </p:cSld>
+</p:sld>
+</file>
+
+<file path=ppt/slides/slide21.xml><?xml version="1.0" encoding="utf-8"?>
+<p:sld xmlns:a="http://schemas.openxmlformats.org/drawingml/2006/main" xmlns:r="http://schemas.openxmlformats.org/officeDocument/2006/relationships" xmlns:p="http://schemas.openxmlformats.org/presentationml/2006/main">
+  <p:cSld>
+    <p:spTree>
+      <p:nvGrpSpPr>
+        <p:cNvPr id="1" name=""/>
+        <p:cNvGrpSpPr/>
+        <p:nvPr/>
+      </p:nvGrpSpPr>
+      <p:grpSpPr>
+        <a:xfrm>
+          <a:off x="0" y="0"/>
+          <a:ext cx="0" cy="0"/>
+          <a:chOff x="0" y="0"/>
+          <a:chExt cx="0" cy="0"/>
+        </a:xfrm>
+      </p:grpSpPr>
+      <p:sp>
+        <p:nvSpPr>
+          <p:cNvPr id="2" name="Title 1"/>
+          <p:cNvSpPr>
+            <a:spLocks noGrp="1"/>
+          </p:cNvSpPr>
+          <p:nvPr>
+            <p:ph type="title"/>
+          </p:nvPr>
+        </p:nvSpPr>
+        <p:spPr/>
+        <p:txBody>
+          <a:bodyPr/>
+          <a:lstStyle/>
+          <a:p>
+            <a:pPr lvl="0" indent="0" marL="0">
+              <a:buNone/>
+            </a:pPr>
+            <a:r>
+              <a:rPr/>
+              <a:t>A bit of intuition about the bootstrap (4/4)</a:t>
+            </a:r>
+          </a:p>
+        </p:txBody>
+      </p:sp>
+      <p:pic>
+        <p:nvPicPr>
+          <p:cNvPr descr="bootstrap-slides_files/figure-pptx/unnamed-chunk-9-1.png" id="0" name="Picture 1"/>
+          <p:cNvPicPr>
+            <a:picLocks noGrp="1" noChangeAspect="1"/>
+          </p:cNvPicPr>
+          <p:nvPr/>
+        </p:nvPicPr>
+        <p:blipFill>
+          <a:blip r:embed="rId2"/>
+          <a:stretch>
+            <a:fillRect/>
+          </a:stretch>
+        </p:blipFill>
+        <p:spPr bwMode="auto">
+          <a:xfrm>
+            <a:off x="2451100" y="1193800"/>
+            <a:ext cx="4241800" cy="3390900"/>
+          </a:xfrm>
+          <a:prstGeom prst="rect">
+            <a:avLst/>
+          </a:prstGeom>
+          <a:noFill/>
+          <a:ln w="9525">
+            <a:noFill/>
+            <a:headEnd/>
+            <a:tailEnd/>
+          </a:ln>
+        </p:spPr>
+      </p:pic>
+    </p:spTree>
+  </p:cSld>
+</p:sld>
+</file>
+
+<file path=ppt/slides/slide22.xml><?xml version="1.0" encoding="utf-8"?>
+<p:sld xmlns:a="http://schemas.openxmlformats.org/drawingml/2006/main" xmlns:r="http://schemas.openxmlformats.org/officeDocument/2006/relationships" xmlns:p="http://schemas.openxmlformats.org/presentationml/2006/main">
+  <p:cSld>
+    <p:spTree>
+      <p:nvGrpSpPr>
+        <p:cNvPr id="1" name=""/>
+        <p:cNvGrpSpPr/>
+        <p:nvPr/>
+      </p:nvGrpSpPr>
+      <p:grpSpPr>
+        <a:xfrm>
+          <a:off x="0" y="0"/>
+          <a:ext cx="0" cy="0"/>
+          <a:chOff x="0" y="0"/>
+          <a:chExt cx="0" cy="0"/>
+        </a:xfrm>
+      </p:grpSpPr>
+      <p:sp>
+        <p:nvSpPr>
+          <p:cNvPr id="2" name="Title 1"/>
+          <p:cNvSpPr>
+            <a:spLocks noGrp="1"/>
+          </p:cNvSpPr>
+          <p:nvPr>
+            <p:ph type="title"/>
+          </p:nvPr>
+        </p:nvSpPr>
+        <p:spPr/>
+        <p:txBody>
+          <a:bodyPr/>
+          <a:lstStyle/>
+          <a:p>
+            <a:pPr lvl="0" indent="0" marL="0">
+              <a:buNone/>
+            </a:pPr>
+            <a:r>
+              <a:rPr/>
+              <a:t>Meaning of the term “bootstrap”</a:t>
+            </a:r>
+          </a:p>
+        </p:txBody>
+      </p:sp>
+      <p:pic>
+        <p:nvPicPr>
+          <p:cNvPr descr="fig:  ../images/bootstrap-image.png" id="0" name="Picture 1"/>
+          <p:cNvPicPr>
+            <a:picLocks noGrp="1" noChangeAspect="1"/>
+          </p:cNvPicPr>
+          <p:nvPr/>
+        </p:nvPicPr>
+        <p:blipFill>
+          <a:blip r:embed="rId3"/>
+          <a:stretch>
+            <a:fillRect/>
+          </a:stretch>
+        </p:blipFill>
+        <p:spPr bwMode="auto">
+          <a:xfrm>
+            <a:off x="1981200" y="1193800"/>
+            <a:ext cx="5168900" cy="2882900"/>
+          </a:xfrm>
+          <a:prstGeom prst="rect">
+            <a:avLst/>
+          </a:prstGeom>
+          <a:noFill/>
+          <a:ln w="9525">
+            <a:noFill/>
+            <a:headEnd/>
+            <a:tailEnd/>
+          </a:ln>
+        </p:spPr>
+      </p:pic>
+      <p:sp>
+        <p:nvSpPr>
+          <p:cNvPr id="1" name="TextBox 3"/>
+          <p:cNvSpPr txBox="1"/>
+          <p:nvPr/>
+        </p:nvSpPr>
+        <p:spPr>
+          <a:xfrm>
+            <a:off x="457200" y="4076700"/>
+            <a:ext cx="8229600" cy="508000"/>
+          </a:xfrm>
+          <a:prstGeom prst="rect">
+            <a:avLst/>
+          </a:prstGeom>
+          <a:noFill/>
+        </p:spPr>
+        <p:txBody>
+          <a:bodyPr/>
+          <a:lstStyle/>
+          <a:p>
+            <a:pPr lvl="0" indent="0" marL="0" algn="ctr">
+              <a:buNone/>
+            </a:pPr>
+            <a:r>
+              <a:rPr/>
+              <a:t>Figure 1. Image of a bootstrap</a:t>
+            </a:r>
+          </a:p>
+        </p:txBody>
+      </p:sp>
+    </p:spTree>
+  </p:cSld>
+</p:sld>
+</file>
+
+<file path=ppt/slides/slide23.xml><?xml version="1.0" encoding="utf-8"?>
+<p:sld xmlns:a="http://schemas.openxmlformats.org/drawingml/2006/main" xmlns:r="http://schemas.openxmlformats.org/officeDocument/2006/relationships" xmlns:p="http://schemas.openxmlformats.org/presentationml/2006/main">
+  <p:cSld>
+    <p:spTree>
+      <p:nvGrpSpPr>
+        <p:cNvPr id="1" name=""/>
+        <p:cNvGrpSpPr/>
+        <p:nvPr/>
+      </p:nvGrpSpPr>
+      <p:grpSpPr>
+        <a:xfrm>
+          <a:off x="0" y="0"/>
+          <a:ext cx="0" cy="0"/>
+          <a:chOff x="0" y="0"/>
+          <a:chExt cx="0" cy="0"/>
+        </a:xfrm>
+      </p:grpSpPr>
+      <p:sp>
+        <p:nvSpPr>
+          <p:cNvPr id="2" name="Title 1"/>
+          <p:cNvSpPr>
+            <a:spLocks noGrp="1"/>
+          </p:cNvSpPr>
+          <p:nvPr>
+            <p:ph type="title"/>
+          </p:nvPr>
+        </p:nvSpPr>
+        <p:spPr/>
+        <p:txBody>
+          <a:bodyPr/>
+          <a:lstStyle/>
+          <a:p>
+            <a:pPr lvl="0" indent="0" marL="0">
+              <a:buNone/>
+            </a:pPr>
+            <a:r>
+              <a:rPr/>
+              <a:t>Bagging (1/4)</a:t>
+            </a:r>
+          </a:p>
+        </p:txBody>
+      </p:sp>
+      <p:sp>
+        <p:nvSpPr>
+          <p:cNvPr id="3" name="Content Placeholder 2"/>
+          <p:cNvSpPr>
+            <a:spLocks noGrp="1"/>
+          </p:cNvSpPr>
+          <p:nvPr>
+            <p:ph idx="1"/>
+          </p:nvPr>
+        </p:nvSpPr>
+        <p:spPr/>
+        <p:txBody>
+          <a:bodyPr/>
+          <a:lstStyle/>
+          <a:p>
+            <a:pPr lvl="0"/>
+            <a:r>
+              <a:rPr/>
+              <a:t>Portmanteau for bootstrap aggregation</a:t>
+            </a:r>
+          </a:p>
+          <a:p>
+            <a:pPr lvl="1"/>
+            <a:r>
+              <a:rPr/>
+              <a:t>Used in random forests</a:t>
+            </a:r>
+          </a:p>
+          <a:p>
+            <a:pPr lvl="0"/>
+            <a:r>
+              <a:rPr/>
+              <a:t>Developed by Leo Breiman in 1996</a:t>
+            </a:r>
+          </a:p>
+          <a:p>
+            <a:pPr lvl="0"/>
+            <a:r>
+              <a:rPr/>
+              <a:t>Start with CART model</a:t>
+            </a:r>
+          </a:p>
+          <a:p>
+            <a:pPr lvl="1"/>
+            <a:r>
+              <a:rPr/>
+              <a:t>Classification And Regression Tree</a:t>
+            </a:r>
+          </a:p>
+        </p:txBody>
+      </p:sp>
+    </p:spTree>
+  </p:cSld>
+</p:sld>
+</file>
+
+<file path=ppt/slides/slide24.xml><?xml version="1.0" encoding="utf-8"?>
 <p:sld xmlns:a="http://schemas.openxmlformats.org/drawingml/2006/main" xmlns:r="http://schemas.openxmlformats.org/officeDocument/2006/relationships" xmlns:p="http://schemas.openxmlformats.org/presentationml/2006/main">
   <p:cSld>
     <p:spTree>
@@ -9316,7 +10883,7 @@
 </p:sld>
 </file>
 
-<file path=ppt/slides/slide19.xml><?xml version="1.0" encoding="utf-8"?>
+<file path=ppt/slides/slide25.xml><?xml version="1.0" encoding="utf-8"?>
 <p:sld xmlns:a="http://schemas.openxmlformats.org/drawingml/2006/main" xmlns:r="http://schemas.openxmlformats.org/officeDocument/2006/relationships" xmlns:p="http://schemas.openxmlformats.org/presentationml/2006/main">
   <p:cSld>
     <p:spTree>
@@ -9423,98 +10990,7 @@
 </p:sld>
 </file>
 
-<file path=ppt/slides/slide2.xml><?xml version="1.0" encoding="utf-8"?>
-<p:sld xmlns:a="http://schemas.openxmlformats.org/drawingml/2006/main" xmlns:r="http://schemas.openxmlformats.org/officeDocument/2006/relationships" xmlns:p="http://schemas.openxmlformats.org/presentationml/2006/main">
-  <p:cSld>
-    <p:spTree>
-      <p:nvGrpSpPr>
-        <p:cNvPr id="1" name=""/>
-        <p:cNvGrpSpPr/>
-        <p:nvPr/>
-      </p:nvGrpSpPr>
-      <p:grpSpPr>
-        <a:xfrm>
-          <a:off x="0" y="0"/>
-          <a:ext cx="0" cy="0"/>
-          <a:chOff x="0" y="0"/>
-          <a:chExt cx="0" cy="0"/>
-        </a:xfrm>
-      </p:grpSpPr>
-      <p:sp>
-        <p:nvSpPr>
-          <p:cNvPr id="2" name="Title 1"/>
-          <p:cNvSpPr>
-            <a:spLocks noGrp="1"/>
-          </p:cNvSpPr>
-          <p:nvPr>
-            <p:ph type="title"/>
-          </p:nvPr>
-        </p:nvSpPr>
-        <p:spPr/>
-        <p:txBody>
-          <a:bodyPr/>
-          <a:lstStyle/>
-          <a:p>
-            <a:pPr lvl="0" indent="0" marL="0">
-              <a:buNone/>
-            </a:pPr>
-            <a:r>
-              <a:rPr/>
-              <a:t>Outline</a:t>
-            </a:r>
-          </a:p>
-        </p:txBody>
-      </p:sp>
-      <p:sp>
-        <p:nvSpPr>
-          <p:cNvPr id="3" name="Content Placeholder 2"/>
-          <p:cNvSpPr>
-            <a:spLocks noGrp="1"/>
-          </p:cNvSpPr>
-          <p:nvPr>
-            <p:ph idx="1"/>
-          </p:nvPr>
-        </p:nvSpPr>
-        <p:spPr/>
-        <p:txBody>
-          <a:bodyPr/>
-          <a:lstStyle/>
-          <a:p>
-            <a:pPr lvl="0"/>
-            <a:r>
-              <a:rPr/>
-              <a:t>History</a:t>
-            </a:r>
-          </a:p>
-          <a:p>
-            <a:pPr lvl="0"/>
-            <a:r>
-              <a:rPr/>
-              <a:t>Algorithms</a:t>
-            </a:r>
-          </a:p>
-          <a:p>
-            <a:pPr lvl="0"/>
-            <a:r>
-              <a:rPr/>
-              <a:t>Software</a:t>
-            </a:r>
-          </a:p>
-          <a:p>
-            <a:pPr lvl="0"/>
-            <a:r>
-              <a:rPr/>
-              <a:t>Examples</a:t>
-            </a:r>
-          </a:p>
-        </p:txBody>
-      </p:sp>
-    </p:spTree>
-  </p:cSld>
-</p:sld>
-</file>
-
-<file path=ppt/slides/slide20.xml><?xml version="1.0" encoding="utf-8"?>
+<file path=ppt/slides/slide26.xml><?xml version="1.0" encoding="utf-8"?>
 <p:sld xmlns:a="http://schemas.openxmlformats.org/drawingml/2006/main" xmlns:r="http://schemas.openxmlformats.org/officeDocument/2006/relationships" xmlns:p="http://schemas.openxmlformats.org/presentationml/2006/main">
   <p:cSld>
     <p:spTree>
@@ -9837,7 +11313,7 @@
 </p:sld>
 </file>
 
-<file path=ppt/slides/slide21.xml><?xml version="1.0" encoding="utf-8"?>
+<file path=ppt/slides/slide27.xml><?xml version="1.0" encoding="utf-8"?>
 <p:sld xmlns:a="http://schemas.openxmlformats.org/drawingml/2006/main" xmlns:r="http://schemas.openxmlformats.org/officeDocument/2006/relationships" xmlns:p="http://schemas.openxmlformats.org/presentationml/2006/main">
   <p:cSld>
     <p:spTree>
@@ -9928,7 +11404,7 @@
 </p:sld>
 </file>
 
-<file path=ppt/slides/slide22.xml><?xml version="1.0" encoding="utf-8"?>
+<file path=ppt/slides/slide28.xml><?xml version="1.0" encoding="utf-8"?>
 <p:sld xmlns:a="http://schemas.openxmlformats.org/drawingml/2006/main" xmlns:r="http://schemas.openxmlformats.org/officeDocument/2006/relationships" xmlns:p="http://schemas.openxmlformats.org/presentationml/2006/main">
   <p:cSld>
     <p:spTree>
@@ -10012,6 +11488,20 @@
               <a:t>Test hypotheses</a:t>
             </a:r>
           </a:p>
+          <a:p>
+            <a:pPr lvl="0"/>
+            <a:r>
+              <a:rPr/>
+              <a:t>Visualizations</a:t>
+            </a:r>
+          </a:p>
+          <a:p>
+            <a:pPr lvl="0"/>
+            <a:r>
+              <a:rPr/>
+              <a:t>How many bootstraps</a:t>
+            </a:r>
+          </a:p>
         </p:txBody>
       </p:sp>
     </p:spTree>
@@ -10019,7 +11509,7 @@
 </p:sld>
 </file>
 
-<file path=ppt/slides/slide23.xml><?xml version="1.0" encoding="utf-8"?>
+<file path=ppt/slides/slide29.xml><?xml version="1.0" encoding="utf-8"?>
 <p:sld xmlns:a="http://schemas.openxmlformats.org/drawingml/2006/main" xmlns:r="http://schemas.openxmlformats.org/officeDocument/2006/relationships" xmlns:p="http://schemas.openxmlformats.org/presentationml/2006/main">
   <p:cSld>
     <p:spTree>
@@ -10767,7 +12257,98 @@
 </p:sld>
 </file>
 
-<file path=ppt/slides/slide24.xml><?xml version="1.0" encoding="utf-8"?>
+<file path=ppt/slides/slide3.xml><?xml version="1.0" encoding="utf-8"?>
+<p:sld xmlns:a="http://schemas.openxmlformats.org/drawingml/2006/main" xmlns:r="http://schemas.openxmlformats.org/officeDocument/2006/relationships" xmlns:p="http://schemas.openxmlformats.org/presentationml/2006/main">
+  <p:cSld>
+    <p:spTree>
+      <p:nvGrpSpPr>
+        <p:cNvPr id="1" name=""/>
+        <p:cNvGrpSpPr/>
+        <p:nvPr/>
+      </p:nvGrpSpPr>
+      <p:grpSpPr>
+        <a:xfrm>
+          <a:off x="0" y="0"/>
+          <a:ext cx="0" cy="0"/>
+          <a:chOff x="0" y="0"/>
+          <a:chExt cx="0" cy="0"/>
+        </a:xfrm>
+      </p:grpSpPr>
+      <p:sp>
+        <p:nvSpPr>
+          <p:cNvPr id="2" name="Title 1"/>
+          <p:cNvSpPr>
+            <a:spLocks noGrp="1"/>
+          </p:cNvSpPr>
+          <p:nvPr>
+            <p:ph type="title"/>
+          </p:nvPr>
+        </p:nvSpPr>
+        <p:spPr/>
+        <p:txBody>
+          <a:bodyPr/>
+          <a:lstStyle/>
+          <a:p>
+            <a:pPr lvl="0" indent="0" marL="0">
+              <a:buNone/>
+            </a:pPr>
+            <a:r>
+              <a:rPr/>
+              <a:t>History of the bootstrap</a:t>
+            </a:r>
+          </a:p>
+        </p:txBody>
+      </p:sp>
+      <p:sp>
+        <p:nvSpPr>
+          <p:cNvPr id="3" name="Content Placeholder 2"/>
+          <p:cNvSpPr>
+            <a:spLocks noGrp="1"/>
+          </p:cNvSpPr>
+          <p:nvPr>
+            <p:ph idx="1"/>
+          </p:nvPr>
+        </p:nvSpPr>
+        <p:spPr/>
+        <p:txBody>
+          <a:bodyPr/>
+          <a:lstStyle/>
+          <a:p>
+            <a:pPr lvl="0"/>
+            <a:r>
+              <a:rPr/>
+              <a:t>Can you rely on asymptotic normality?</a:t>
+            </a:r>
+          </a:p>
+          <a:p>
+            <a:pPr lvl="0"/>
+            <a:r>
+              <a:rPr/>
+              <a:t>The jackknife</a:t>
+            </a:r>
+          </a:p>
+          <a:p>
+            <a:pPr lvl="0"/>
+            <a:r>
+              <a:rPr/>
+              <a:t>Bradley Efron’s contributions</a:t>
+            </a:r>
+          </a:p>
+          <a:p>
+            <a:pPr lvl="0"/>
+            <a:r>
+              <a:rPr/>
+              <a:t>Recent application: bagging</a:t>
+            </a:r>
+          </a:p>
+        </p:txBody>
+      </p:sp>
+    </p:spTree>
+  </p:cSld>
+</p:sld>
+</file>
+
+<file path=ppt/slides/slide30.xml><?xml version="1.0" encoding="utf-8"?>
 <p:sld xmlns:a="http://schemas.openxmlformats.org/drawingml/2006/main" xmlns:r="http://schemas.openxmlformats.org/officeDocument/2006/relationships" xmlns:p="http://schemas.openxmlformats.org/presentationml/2006/main">
   <p:cSld>
     <p:spTree>
@@ -10974,7 +12555,7 @@
 </p:sld>
 </file>
 
-<file path=ppt/slides/slide25.xml><?xml version="1.0" encoding="utf-8"?>
+<file path=ppt/slides/slide31.xml><?xml version="1.0" encoding="utf-8"?>
 <p:sld xmlns:a="http://schemas.openxmlformats.org/drawingml/2006/main" xmlns:r="http://schemas.openxmlformats.org/officeDocument/2006/relationships" xmlns:p="http://schemas.openxmlformats.org/presentationml/2006/main">
   <p:cSld>
     <p:spTree>
@@ -11208,7 +12789,7 @@
 </p:sld>
 </file>
 
-<file path=ppt/slides/slide26.xml><?xml version="1.0" encoding="utf-8"?>
+<file path=ppt/slides/slide32.xml><?xml version="1.0" encoding="utf-8"?>
 <p:sld xmlns:a="http://schemas.openxmlformats.org/drawingml/2006/main" xmlns:r="http://schemas.openxmlformats.org/officeDocument/2006/relationships" xmlns:p="http://schemas.openxmlformats.org/presentationml/2006/main">
   <p:cSld>
     <p:spTree>
@@ -11292,7 +12873,7 @@
 </p:sld>
 </file>
 
-<file path=ppt/slides/slide27.xml><?xml version="1.0" encoding="utf-8"?>
+<file path=ppt/slides/slide33.xml><?xml version="1.0" encoding="utf-8"?>
 <p:sld xmlns:a="http://schemas.openxmlformats.org/drawingml/2006/main" xmlns:r="http://schemas.openxmlformats.org/officeDocument/2006/relationships" xmlns:p="http://schemas.openxmlformats.org/presentationml/2006/main">
   <p:cSld>
     <p:spTree>
@@ -11474,7 +13055,7 @@
 </p:sld>
 </file>
 
-<file path=ppt/slides/slide28.xml><?xml version="1.0" encoding="utf-8"?>
+<file path=ppt/slides/slide34.xml><?xml version="1.0" encoding="utf-8"?>
 <p:sld xmlns:a="http://schemas.openxmlformats.org/drawingml/2006/main" xmlns:r="http://schemas.openxmlformats.org/officeDocument/2006/relationships" xmlns:p="http://schemas.openxmlformats.org/presentationml/2006/main">
   <p:cSld>
     <p:spTree>
@@ -11558,7 +13139,7 @@
 </p:sld>
 </file>
 
-<file path=ppt/slides/slide29.xml><?xml version="1.0" encoding="utf-8"?>
+<file path=ppt/slides/slide35.xml><?xml version="1.0" encoding="utf-8"?>
 <p:sld xmlns:a="http://schemas.openxmlformats.org/drawingml/2006/main" xmlns:r="http://schemas.openxmlformats.org/officeDocument/2006/relationships" xmlns:p="http://schemas.openxmlformats.org/presentationml/2006/main">
   <p:cSld>
     <p:spTree>
@@ -11595,7 +13176,7 @@
             </a:pPr>
             <a:r>
               <a:rPr/>
-              <a:t>Compute confidence intervals, BCa</a:t>
+              <a:t>Compute confidence intervals, BCa (1/5)</a:t>
             </a:r>
           </a:p>
         </p:txBody>
@@ -11755,6 +13336,46 @@
                     </m:d>
                   </m:oMath>
                 </a14:m>
+                <a:r>
+                  <a:rPr/>
+                  <a:t> where</a:t>
+                </a:r>
+              </a:p>
+              <a:p>
+                <a:pPr lvl="2"/>
+                <a:r>
+                  <a:rPr/>
+                  <a:t>H(x)=1 for zero or positive values, 0 for negative values</a:t>
+                </a:r>
+              </a:p>
+              <a:p>
+                <a:pPr lvl="2"/>
+                <a14:m>
+                  <m:oMath xmlns:m="http://schemas.openxmlformats.org/officeDocument/2006/math">
+                    <m:sSup>
+                      <m:e>
+                        <m:r>
+                          <m:t>Φ</m:t>
+                        </m:r>
+                      </m:e>
+                      <m:sup>
+                        <m:r>
+                          <m:rPr>
+                            <m:sty m:val="p"/>
+                          </m:rPr>
+                          <m:t>−</m:t>
+                        </m:r>
+                        <m:r>
+                          <m:t>1</m:t>
+                        </m:r>
+                      </m:sup>
+                    </m:sSup>
+                  </m:oMath>
+                </a14:m>
+                <a:r>
+                  <a:rPr/>
+                  <a:t> is the percentile function for the standard normal distribution</a:t>
+                </a:r>
               </a:p>
               <a:p>
                 <a:pPr lvl="0"/>
@@ -12065,7 +13686,7 @@
 </p:sld>
 </file>
 
-<file path=ppt/slides/slide3.xml><?xml version="1.0" encoding="utf-8"?>
+<file path=ppt/slides/slide36.xml><?xml version="1.0" encoding="utf-8"?>
 <p:sld xmlns:a="http://schemas.openxmlformats.org/drawingml/2006/main" xmlns:r="http://schemas.openxmlformats.org/officeDocument/2006/relationships" xmlns:p="http://schemas.openxmlformats.org/presentationml/2006/main">
   <p:cSld>
     <p:spTree>
@@ -12102,98 +13723,7 @@
             </a:pPr>
             <a:r>
               <a:rPr/>
-              <a:t>History of the bootstrap</a:t>
-            </a:r>
-          </a:p>
-        </p:txBody>
-      </p:sp>
-      <p:sp>
-        <p:nvSpPr>
-          <p:cNvPr id="3" name="Content Placeholder 2"/>
-          <p:cNvSpPr>
-            <a:spLocks noGrp="1"/>
-          </p:cNvSpPr>
-          <p:nvPr>
-            <p:ph idx="1"/>
-          </p:nvPr>
-        </p:nvSpPr>
-        <p:spPr/>
-        <p:txBody>
-          <a:bodyPr/>
-          <a:lstStyle/>
-          <a:p>
-            <a:pPr lvl="0"/>
-            <a:r>
-              <a:rPr/>
-              <a:t>Can you rely on asymptotic normality?</a:t>
-            </a:r>
-          </a:p>
-          <a:p>
-            <a:pPr lvl="0"/>
-            <a:r>
-              <a:rPr/>
-              <a:t>The jackknife</a:t>
-            </a:r>
-          </a:p>
-          <a:p>
-            <a:pPr lvl="0"/>
-            <a:r>
-              <a:rPr/>
-              <a:t>Bradley Efron’s contributions</a:t>
-            </a:r>
-          </a:p>
-          <a:p>
-            <a:pPr lvl="0"/>
-            <a:r>
-              <a:rPr/>
-              <a:t>Recent application: bagging</a:t>
-            </a:r>
-          </a:p>
-        </p:txBody>
-      </p:sp>
-    </p:spTree>
-  </p:cSld>
-</p:sld>
-</file>
-
-<file path=ppt/slides/slide30.xml><?xml version="1.0" encoding="utf-8"?>
-<p:sld xmlns:a="http://schemas.openxmlformats.org/drawingml/2006/main" xmlns:r="http://schemas.openxmlformats.org/officeDocument/2006/relationships" xmlns:p="http://schemas.openxmlformats.org/presentationml/2006/main">
-  <p:cSld>
-    <p:spTree>
-      <p:nvGrpSpPr>
-        <p:cNvPr id="1" name=""/>
-        <p:cNvGrpSpPr/>
-        <p:nvPr/>
-      </p:nvGrpSpPr>
-      <p:grpSpPr>
-        <a:xfrm>
-          <a:off x="0" y="0"/>
-          <a:ext cx="0" cy="0"/>
-          <a:chOff x="0" y="0"/>
-          <a:chExt cx="0" cy="0"/>
-        </a:xfrm>
-      </p:grpSpPr>
-      <p:sp>
-        <p:nvSpPr>
-          <p:cNvPr id="2" name="Title 1"/>
-          <p:cNvSpPr>
-            <a:spLocks noGrp="1"/>
-          </p:cNvSpPr>
-          <p:nvPr>
-            <p:ph type="title"/>
-          </p:nvPr>
-        </p:nvSpPr>
-        <p:spPr/>
-        <p:txBody>
-          <a:bodyPr/>
-          <a:lstStyle/>
-          <a:p>
-            <a:pPr lvl="0" indent="0" marL="0">
-              <a:buNone/>
-            </a:pPr>
-            <a:r>
-              <a:rPr/>
-              <a:t>Compute confidence intervals, BCa</a:t>
+              <a:t>Compute confidence intervals, BCa (2/5)</a:t>
             </a:r>
           </a:p>
         </p:txBody>
@@ -12684,7 +14214,7 @@
 </p:sld>
 </file>
 
-<file path=ppt/slides/slide31.xml><?xml version="1.0" encoding="utf-8"?>
+<file path=ppt/slides/slide37.xml><?xml version="1.0" encoding="utf-8"?>
 <p:sld xmlns:a="http://schemas.openxmlformats.org/drawingml/2006/main" xmlns:r="http://schemas.openxmlformats.org/officeDocument/2006/relationships" xmlns:p="http://schemas.openxmlformats.org/presentationml/2006/main">
   <p:cSld>
     <p:spTree>
@@ -12721,7 +14251,7 @@
             </a:pPr>
             <a:r>
               <a:rPr/>
-              <a:t>Percentiles with no adjustment</a:t>
+              <a:t>Percentiles with no adjustment (3/5)</a:t>
             </a:r>
           </a:p>
         </p:txBody>
@@ -12791,7 +14321,7 @@
 </p:sld>
 </file>
 
-<file path=ppt/slides/slide32.xml><?xml version="1.0" encoding="utf-8"?>
+<file path=ppt/slides/slide38.xml><?xml version="1.0" encoding="utf-8"?>
 <p:sld xmlns:a="http://schemas.openxmlformats.org/drawingml/2006/main" xmlns:r="http://schemas.openxmlformats.org/officeDocument/2006/relationships" xmlns:p="http://schemas.openxmlformats.org/presentationml/2006/main">
   <p:cSld>
     <p:spTree>
@@ -12828,7 +14358,7 @@
             </a:pPr>
             <a:r>
               <a:rPr/>
-              <a:t>Percentiles with bias adjustment</a:t>
+              <a:t>Percentiles with bias adjustment (4/5)</a:t>
             </a:r>
           </a:p>
         </p:txBody>
@@ -12898,7 +14428,7 @@
 </p:sld>
 </file>
 
-<file path=ppt/slides/slide33.xml><?xml version="1.0" encoding="utf-8"?>
+<file path=ppt/slides/slide39.xml><?xml version="1.0" encoding="utf-8"?>
 <p:sld xmlns:a="http://schemas.openxmlformats.org/drawingml/2006/main" xmlns:r="http://schemas.openxmlformats.org/officeDocument/2006/relationships" xmlns:p="http://schemas.openxmlformats.org/presentationml/2006/main">
   <p:cSld>
     <p:spTree>
@@ -12935,14 +14465,14 @@
             </a:pPr>
             <a:r>
               <a:rPr/>
-              <a:t>Percentiles with acceleration adjustment</a:t>
+              <a:t>Percentiles with acceleration adjustment (5/5)</a:t>
             </a:r>
           </a:p>
         </p:txBody>
       </p:sp>
       <p:pic>
         <p:nvPicPr>
-          <p:cNvPr descr="fig:  ../images/histogram01.png" id="0" name="Picture 1"/>
+          <p:cNvPr descr="fig:  ../images/bca03.png" id="0" name="Picture 1"/>
           <p:cNvPicPr>
             <a:picLocks noGrp="1" noChangeAspect="1"/>
           </p:cNvPicPr>
@@ -13005,7 +14535,114 @@
 </p:sld>
 </file>
 
-<file path=ppt/slides/slide34.xml><?xml version="1.0" encoding="utf-8"?>
+<file path=ppt/slides/slide4.xml><?xml version="1.0" encoding="utf-8"?>
+<p:sld xmlns:a="http://schemas.openxmlformats.org/drawingml/2006/main" xmlns:r="http://schemas.openxmlformats.org/officeDocument/2006/relationships" xmlns:p="http://schemas.openxmlformats.org/presentationml/2006/main">
+  <p:cSld>
+    <p:spTree>
+      <p:nvGrpSpPr>
+        <p:cNvPr id="1" name=""/>
+        <p:cNvGrpSpPr/>
+        <p:nvPr/>
+      </p:nvGrpSpPr>
+      <p:grpSpPr>
+        <a:xfrm>
+          <a:off x="0" y="0"/>
+          <a:ext cx="0" cy="0"/>
+          <a:chOff x="0" y="0"/>
+          <a:chExt cx="0" cy="0"/>
+        </a:xfrm>
+      </p:grpSpPr>
+      <p:sp>
+        <p:nvSpPr>
+          <p:cNvPr id="2" name="Title 1"/>
+          <p:cNvSpPr>
+            <a:spLocks noGrp="1"/>
+          </p:cNvSpPr>
+          <p:nvPr>
+            <p:ph type="title"/>
+          </p:nvPr>
+        </p:nvSpPr>
+        <p:spPr/>
+        <p:txBody>
+          <a:bodyPr/>
+          <a:lstStyle/>
+          <a:p>
+            <a:pPr lvl="0" indent="0" marL="0">
+              <a:buNone/>
+            </a:pPr>
+            <a:r>
+              <a:rPr/>
+              <a:t>Can we rely on asymptotic normality? (1/4)</a:t>
+            </a:r>
+          </a:p>
+        </p:txBody>
+      </p:sp>
+      <p:pic>
+        <p:nvPicPr>
+          <p:cNvPr descr="fig:  ../images/serfling-book-cover.jpg" id="0" name="Picture 1"/>
+          <p:cNvPicPr>
+            <a:picLocks noGrp="1" noChangeAspect="1"/>
+          </p:cNvPicPr>
+          <p:nvPr/>
+        </p:nvPicPr>
+        <p:blipFill>
+          <a:blip r:embed="rId3"/>
+          <a:stretch>
+            <a:fillRect/>
+          </a:stretch>
+        </p:blipFill>
+        <p:spPr bwMode="auto">
+          <a:xfrm>
+            <a:off x="3619500" y="1193800"/>
+            <a:ext cx="1905000" cy="2882900"/>
+          </a:xfrm>
+          <a:prstGeom prst="rect">
+            <a:avLst/>
+          </a:prstGeom>
+          <a:noFill/>
+          <a:ln w="9525">
+            <a:noFill/>
+            <a:headEnd/>
+            <a:tailEnd/>
+          </a:ln>
+        </p:spPr>
+      </p:pic>
+      <p:sp>
+        <p:nvSpPr>
+          <p:cNvPr id="1" name="TextBox 3"/>
+          <p:cNvSpPr txBox="1"/>
+          <p:nvPr/>
+        </p:nvSpPr>
+        <p:spPr>
+          <a:xfrm>
+            <a:off x="457200" y="4076700"/>
+            <a:ext cx="8229600" cy="508000"/>
+          </a:xfrm>
+          <a:prstGeom prst="rect">
+            <a:avLst/>
+          </a:prstGeom>
+          <a:noFill/>
+        </p:spPr>
+        <p:txBody>
+          <a:bodyPr/>
+          <a:lstStyle/>
+          <a:p>
+            <a:pPr lvl="0" indent="0" marL="0" algn="ctr">
+              <a:buNone/>
+            </a:pPr>
+            <a:r>
+              <a:rPr/>
+              <a:t>Figure 1. Cover of book by Robert Serfling</a:t>
+            </a:r>
+          </a:p>
+        </p:txBody>
+      </p:sp>
+    </p:spTree>
+  </p:cSld>
+</p:sld>
+</file>
+
+<file path=ppt/slides/slide40.xml><?xml version="1.0" encoding="utf-8"?>
 <p:sld xmlns:a="http://schemas.openxmlformats.org/drawingml/2006/main" xmlns:r="http://schemas.openxmlformats.org/officeDocument/2006/relationships" xmlns:p="http://schemas.openxmlformats.org/presentationml/2006/main">
   <p:cSld>
     <p:spTree>
@@ -13072,43 +14709,27 @@
               </a:p>
               <a:p>
                 <a:pPr lvl="1"/>
+                <a:r>
+                  <a:rPr/>
+                  <a:t>$H_0: </a:t>
+                </a:r>
                 <a14:m>
                   <m:oMath xmlns:m="http://schemas.openxmlformats.org/officeDocument/2006/math">
-                    <m:sSub>
-                      <m:e>
-                        <m:r>
-                          <m:t>H</m:t>
-                        </m:r>
-                      </m:e>
-                      <m:sub>
-                        <m:r>
-                          <m:t>0</m:t>
-                        </m:r>
-                      </m:sub>
-                    </m:sSub>
                     <m:r>
-                      <m:rPr>
-                        <m:sty m:val="p"/>
-                      </m:rPr>
-                      <m:t>:</m:t>
+                      <m:t>g</m:t>
                     </m:r>
                     <m:r>
-                      <m:t> </m:t>
+                      <m:t>e</m:t>
                     </m:r>
                     <m:r>
-                      <m:t>θ</m:t>
-                    </m:r>
-                    <m:r>
-                      <m:rPr>
-                        <m:sty m:val="p"/>
-                      </m:rPr>
-                      <m:t>=</m:t>
-                    </m:r>
-                    <m:r>
-                      <m:t>0</m:t>
+                      <m:t>q</m:t>
                     </m:r>
                   </m:oMath>
                 </a14:m>
+                <a:r>
+                  <a:rPr/>
+                  <a:t> =0$</a:t>
+                </a:r>
               </a:p>
               <a:p>
                 <a:pPr lvl="1"/>
@@ -13174,7 +14795,7 @@
                 </a14:m>
                 <a:r>
                   <a:rPr/>
-                  <a:t> if more than 1-</a:t>
+                  <a:t> if fewer than </a:t>
                 </a:r>
                 <a14:m>
                   <m:oMath xmlns:m="http://schemas.openxmlformats.org/officeDocument/2006/math">
@@ -13222,7 +14843,7 @@
                 </a14:m>
                 <a:r>
                   <a:rPr/>
-                  <a:t>’s are greater than 0.</a:t>
+                  <a:t>’s are less than 0.</a:t>
                 </a:r>
               </a:p>
               <a:p>
@@ -13236,645 +14857,6 @@
           </p:sp>
         </mc:Choice>
       </mc:AlternateContent>
-    </p:spTree>
-  </p:cSld>
-</p:sld>
-</file>
-
-<file path=ppt/slides/slide35.xml><?xml version="1.0" encoding="utf-8"?>
-<p:sld xmlns:a="http://schemas.openxmlformats.org/drawingml/2006/main" xmlns:r="http://schemas.openxmlformats.org/officeDocument/2006/relationships" xmlns:p="http://schemas.openxmlformats.org/presentationml/2006/main">
-  <p:cSld>
-    <p:spTree>
-      <p:nvGrpSpPr>
-        <p:cNvPr id="1" name=""/>
-        <p:cNvGrpSpPr/>
-        <p:nvPr/>
-      </p:nvGrpSpPr>
-      <p:grpSpPr>
-        <a:xfrm>
-          <a:off x="0" y="0"/>
-          <a:ext cx="0" cy="0"/>
-          <a:chOff x="0" y="0"/>
-          <a:chExt cx="0" cy="0"/>
-        </a:xfrm>
-      </p:grpSpPr>
-      <p:sp>
-        <p:nvSpPr>
-          <p:cNvPr id="2" name="Title 1"/>
-          <p:cNvSpPr>
-            <a:spLocks noGrp="1"/>
-          </p:cNvSpPr>
-          <p:nvPr>
-            <p:ph type="title"/>
-          </p:nvPr>
-        </p:nvSpPr>
-        <p:spPr/>
-        <p:txBody>
-          <a:bodyPr/>
-          <a:lstStyle/>
-          <a:p>
-            <a:pPr lvl="0" indent="0" marL="0">
-              <a:buNone/>
-            </a:pPr>
-            <a:r>
-              <a:rPr/>
-              <a:t>Break #2</a:t>
-            </a:r>
-          </a:p>
-        </p:txBody>
-      </p:sp>
-      <p:sp>
-        <p:nvSpPr>
-          <p:cNvPr id="3" name="Content Placeholder 2"/>
-          <p:cNvSpPr>
-            <a:spLocks noGrp="1"/>
-          </p:cNvSpPr>
-          <p:nvPr>
-            <p:ph idx="1"/>
-          </p:nvPr>
-        </p:nvSpPr>
-        <p:spPr/>
-        <p:txBody>
-          <a:bodyPr/>
-          <a:lstStyle/>
-          <a:p>
-            <a:pPr lvl="0"/>
-            <a:r>
-              <a:rPr/>
-              <a:t>What you have learned</a:t>
-            </a:r>
-          </a:p>
-          <a:p>
-            <a:pPr lvl="1"/>
-            <a:r>
-              <a:rPr/>
-              <a:t>Purposes of the bootstrap</a:t>
-            </a:r>
-          </a:p>
-          <a:p>
-            <a:pPr lvl="0"/>
-            <a:r>
-              <a:rPr/>
-              <a:t>What’s coming next</a:t>
-            </a:r>
-          </a:p>
-          <a:p>
-            <a:pPr lvl="1"/>
-            <a:r>
-              <a:rPr/>
-              <a:t>Software</a:t>
-            </a:r>
-          </a:p>
-        </p:txBody>
-      </p:sp>
-    </p:spTree>
-  </p:cSld>
-</p:sld>
-</file>
-
-<file path=ppt/slides/slide36.xml><?xml version="1.0" encoding="utf-8"?>
-<p:sld xmlns:a="http://schemas.openxmlformats.org/drawingml/2006/main" xmlns:r="http://schemas.openxmlformats.org/officeDocument/2006/relationships" xmlns:p="http://schemas.openxmlformats.org/presentationml/2006/main">
-  <p:cSld>
-    <p:spTree>
-      <p:nvGrpSpPr>
-        <p:cNvPr id="1" name=""/>
-        <p:cNvGrpSpPr/>
-        <p:nvPr/>
-      </p:nvGrpSpPr>
-      <p:grpSpPr>
-        <a:xfrm>
-          <a:off x="0" y="0"/>
-          <a:ext cx="0" cy="0"/>
-          <a:chOff x="0" y="0"/>
-          <a:chExt cx="0" cy="0"/>
-        </a:xfrm>
-      </p:grpSpPr>
-      <p:sp>
-        <p:nvSpPr>
-          <p:cNvPr id="2" name="Title 1"/>
-          <p:cNvSpPr>
-            <a:spLocks noGrp="1"/>
-          </p:cNvSpPr>
-          <p:nvPr>
-            <p:ph type="title"/>
-          </p:nvPr>
-        </p:nvSpPr>
-        <p:spPr/>
-        <p:txBody>
-          <a:bodyPr/>
-          <a:lstStyle/>
-          <a:p>
-            <a:pPr lvl="0" indent="0" marL="0">
-              <a:buNone/>
-            </a:pPr>
-            <a:r>
-              <a:rPr/>
-              <a:t>Software</a:t>
-            </a:r>
-          </a:p>
-        </p:txBody>
-      </p:sp>
-      <p:sp>
-        <p:nvSpPr>
-          <p:cNvPr id="3" name="Content Placeholder 2"/>
-          <p:cNvSpPr>
-            <a:spLocks noGrp="1"/>
-          </p:cNvSpPr>
-          <p:nvPr>
-            <p:ph idx="1"/>
-          </p:nvPr>
-        </p:nvSpPr>
-        <p:spPr/>
-        <p:txBody>
-          <a:bodyPr/>
-          <a:lstStyle/>
-          <a:p>
-            <a:pPr lvl="0"/>
-            <a:r>
-              <a:rPr/>
-              <a:t>You should know</a:t>
-            </a:r>
-          </a:p>
-          <a:p>
-            <a:pPr lvl="1"/>
-            <a:r>
-              <a:rPr/>
-              <a:t>How to loop</a:t>
-            </a:r>
-          </a:p>
-          <a:p>
-            <a:pPr lvl="1"/>
-            <a:r>
-              <a:rPr/>
-              <a:t>How to extract specific values from the output</a:t>
-            </a:r>
-          </a:p>
-          <a:p>
-            <a:pPr lvl="0"/>
-            <a:r>
-              <a:rPr/>
-              <a:t>Examples</a:t>
-            </a:r>
-          </a:p>
-          <a:p>
-            <a:pPr lvl="1"/>
-            <a:r>
-              <a:rPr/>
-              <a:t>SAS</a:t>
-            </a:r>
-          </a:p>
-          <a:p>
-            <a:pPr lvl="1"/>
-            <a:r>
-              <a:rPr/>
-              <a:t>Stata</a:t>
-            </a:r>
-          </a:p>
-          <a:p>
-            <a:pPr lvl="1"/>
-            <a:r>
-              <a:rPr/>
-              <a:t>R</a:t>
-            </a:r>
-          </a:p>
-        </p:txBody>
-      </p:sp>
-    </p:spTree>
-  </p:cSld>
-</p:sld>
-</file>
-
-<file path=ppt/slides/slide37.xml><?xml version="1.0" encoding="utf-8"?>
-<p:sld xmlns:a="http://schemas.openxmlformats.org/drawingml/2006/main" xmlns:r="http://schemas.openxmlformats.org/officeDocument/2006/relationships" xmlns:p="http://schemas.openxmlformats.org/presentationml/2006/main">
-  <p:cSld>
-    <p:spTree>
-      <p:nvGrpSpPr>
-        <p:cNvPr id="1" name=""/>
-        <p:cNvGrpSpPr/>
-        <p:nvPr/>
-      </p:nvGrpSpPr>
-      <p:grpSpPr>
-        <a:xfrm>
-          <a:off x="0" y="0"/>
-          <a:ext cx="0" cy="0"/>
-          <a:chOff x="0" y="0"/>
-          <a:chExt cx="0" cy="0"/>
-        </a:xfrm>
-      </p:grpSpPr>
-      <p:sp>
-        <p:nvSpPr>
-          <p:cNvPr id="2" name="Title 1"/>
-          <p:cNvSpPr>
-            <a:spLocks noGrp="1"/>
-          </p:cNvSpPr>
-          <p:nvPr>
-            <p:ph type="title"/>
-          </p:nvPr>
-        </p:nvSpPr>
-        <p:spPr/>
-        <p:txBody>
-          <a:bodyPr/>
-          <a:lstStyle/>
-          <a:p>
-            <a:pPr lvl="0" indent="0" marL="0">
-              <a:buNone/>
-            </a:pPr>
-            <a:r>
-              <a:rPr/>
-              <a:t>Bootstrap in SAS (1/10)</a:t>
-            </a:r>
-          </a:p>
-        </p:txBody>
-      </p:sp>
-      <p:sp>
-        <p:nvSpPr>
-          <p:cNvPr id="3" name="Content Placeholder 2"/>
-          <p:cNvSpPr>
-            <a:spLocks noGrp="1"/>
-          </p:cNvSpPr>
-          <p:nvPr>
-            <p:ph idx="1"/>
-          </p:nvPr>
-        </p:nvSpPr>
-        <p:spPr/>
-        <p:txBody>
-          <a:bodyPr/>
-          <a:lstStyle/>
-          <a:p>
-            <a:pPr lvl="0"/>
-            <a:r>
-              <a:rPr/>
-              <a:t>Example taken from UCLA Statistical Methods and Data Analytics site</a:t>
-            </a:r>
-          </a:p>
-          <a:p>
-            <a:pPr lvl="1"/>
-            <a:r>
-              <a:rPr/>
-              <a:t>Google ucla bootstrap sas</a:t>
-            </a:r>
-          </a:p>
-          <a:p>
-            <a:pPr lvl="0" indent="0">
-              <a:buNone/>
-            </a:pPr>
-            <a:r>
-              <a:rPr>
-                <a:latin typeface="Courier"/>
-              </a:rPr>
-              <a:t>ods output FitStatistics = t0;
-proc reg data = hsb2;
-  model read = female math write ses;
-run;
-quit;</a:t>
-            </a:r>
-          </a:p>
-        </p:txBody>
-      </p:sp>
-    </p:spTree>
-  </p:cSld>
-</p:sld>
-</file>
-
-<file path=ppt/slides/slide38.xml><?xml version="1.0" encoding="utf-8"?>
-<p:sld xmlns:a="http://schemas.openxmlformats.org/drawingml/2006/main" xmlns:r="http://schemas.openxmlformats.org/officeDocument/2006/relationships" xmlns:p="http://schemas.openxmlformats.org/presentationml/2006/main">
-  <p:cSld>
-    <p:spTree>
-      <p:nvGrpSpPr>
-        <p:cNvPr id="1" name=""/>
-        <p:cNvGrpSpPr/>
-        <p:nvPr/>
-      </p:nvGrpSpPr>
-      <p:grpSpPr>
-        <a:xfrm>
-          <a:off x="0" y="0"/>
-          <a:ext cx="0" cy="0"/>
-          <a:chOff x="0" y="0"/>
-          <a:chExt cx="0" cy="0"/>
-        </a:xfrm>
-      </p:grpSpPr>
-      <p:sp>
-        <p:nvSpPr>
-          <p:cNvPr id="2" name="Title 1"/>
-          <p:cNvSpPr>
-            <a:spLocks noGrp="1"/>
-          </p:cNvSpPr>
-          <p:nvPr>
-            <p:ph type="title"/>
-          </p:nvPr>
-        </p:nvSpPr>
-        <p:spPr/>
-        <p:txBody>
-          <a:bodyPr/>
-          <a:lstStyle/>
-          <a:p>
-            <a:pPr lvl="0" indent="0" marL="0">
-              <a:buNone/>
-            </a:pPr>
-            <a:r>
-              <a:rPr/>
-              <a:t>Bootstrap in SAS (2/10)</a:t>
-            </a:r>
-          </a:p>
-        </p:txBody>
-      </p:sp>
-      <p:sp>
-        <p:nvSpPr>
-          <p:cNvPr id="3" name="Content Placeholder 2"/>
-          <p:cNvSpPr>
-            <a:spLocks noGrp="1"/>
-          </p:cNvSpPr>
-          <p:nvPr>
-            <p:ph idx="1"/>
-          </p:nvPr>
-        </p:nvSpPr>
-        <p:spPr/>
-        <p:txBody>
-          <a:bodyPr/>
-          <a:lstStyle/>
-          <a:p>
-            <a:pPr lvl="0" indent="0">
-              <a:buNone/>
-            </a:pPr>
-            <a:r>
-              <a:rPr>
-                <a:latin typeface="Courier"/>
-              </a:rPr>
-              <a:t>*store the estimated r-square;
-data _null_;
- set t0;
- if label2 =  "R-Square" then 
- call symput('r2bar', cvalue2);
-run;</a:t>
-            </a:r>
-          </a:p>
-        </p:txBody>
-      </p:sp>
-    </p:spTree>
-  </p:cSld>
-</p:sld>
-</file>
-
-<file path=ppt/slides/slide39.xml><?xml version="1.0" encoding="utf-8"?>
-<p:sld xmlns:a="http://schemas.openxmlformats.org/drawingml/2006/main" xmlns:r="http://schemas.openxmlformats.org/officeDocument/2006/relationships" xmlns:p="http://schemas.openxmlformats.org/presentationml/2006/main">
-  <p:cSld>
-    <p:spTree>
-      <p:nvGrpSpPr>
-        <p:cNvPr id="1" name=""/>
-        <p:cNvGrpSpPr/>
-        <p:nvPr/>
-      </p:nvGrpSpPr>
-      <p:grpSpPr>
-        <a:xfrm>
-          <a:off x="0" y="0"/>
-          <a:ext cx="0" cy="0"/>
-          <a:chOff x="0" y="0"/>
-          <a:chExt cx="0" cy="0"/>
-        </a:xfrm>
-      </p:grpSpPr>
-      <p:sp>
-        <p:nvSpPr>
-          <p:cNvPr id="2" name="Title 1"/>
-          <p:cNvSpPr>
-            <a:spLocks noGrp="1"/>
-          </p:cNvSpPr>
-          <p:nvPr>
-            <p:ph type="title"/>
-          </p:nvPr>
-        </p:nvSpPr>
-        <p:spPr/>
-        <p:txBody>
-          <a:bodyPr/>
-          <a:lstStyle/>
-          <a:p>
-            <a:pPr lvl="0" indent="0" marL="0">
-              <a:buNone/>
-            </a:pPr>
-            <a:r>
-              <a:rPr/>
-              <a:t>Bootstrap in SAS (3/10)</a:t>
-            </a:r>
-          </a:p>
-        </p:txBody>
-      </p:sp>
-      <p:sp>
-        <p:nvSpPr>
-          <p:cNvPr id="3" name="Content Placeholder 2"/>
-          <p:cNvSpPr>
-            <a:spLocks noGrp="1"/>
-          </p:cNvSpPr>
-          <p:nvPr>
-            <p:ph idx="1"/>
-          </p:nvPr>
-        </p:nvSpPr>
-        <p:spPr/>
-        <p:txBody>
-          <a:bodyPr/>
-          <a:lstStyle/>
-          <a:p>
-            <a:pPr lvl="0" indent="0">
-              <a:buNone/>
-            </a:pPr>
-            <a:r>
-              <a:rPr>
-                <a:latin typeface="Courier"/>
-              </a:rPr>
-              <a:t>%let rep = 500;
-proc surveyselect data= hsb2 out=bootsample
-     seed = 1347 method = urs
-     samprate = 1 outhits rep = &amp;rep;
-run;
-ods listing close;</a:t>
-            </a:r>
-          </a:p>
-        </p:txBody>
-      </p:sp>
-    </p:spTree>
-  </p:cSld>
-</p:sld>
-</file>
-
-<file path=ppt/slides/slide4.xml><?xml version="1.0" encoding="utf-8"?>
-<p:sld xmlns:a="http://schemas.openxmlformats.org/drawingml/2006/main" xmlns:r="http://schemas.openxmlformats.org/officeDocument/2006/relationships" xmlns:p="http://schemas.openxmlformats.org/presentationml/2006/main">
-  <p:cSld>
-    <p:spTree>
-      <p:nvGrpSpPr>
-        <p:cNvPr id="1" name=""/>
-        <p:cNvGrpSpPr/>
-        <p:nvPr/>
-      </p:nvGrpSpPr>
-      <p:grpSpPr>
-        <a:xfrm>
-          <a:off x="0" y="0"/>
-          <a:ext cx="0" cy="0"/>
-          <a:chOff x="0" y="0"/>
-          <a:chExt cx="0" cy="0"/>
-        </a:xfrm>
-      </p:grpSpPr>
-      <p:sp>
-        <p:nvSpPr>
-          <p:cNvPr id="2" name="Title 1"/>
-          <p:cNvSpPr>
-            <a:spLocks noGrp="1"/>
-          </p:cNvSpPr>
-          <p:nvPr>
-            <p:ph type="title"/>
-          </p:nvPr>
-        </p:nvSpPr>
-        <p:spPr/>
-        <p:txBody>
-          <a:bodyPr/>
-          <a:lstStyle/>
-          <a:p>
-            <a:pPr lvl="0" indent="0" marL="0">
-              <a:buNone/>
-            </a:pPr>
-            <a:r>
-              <a:rPr/>
-              <a:t>Can we rely on asymptotic normality? (1/4)</a:t>
-            </a:r>
-          </a:p>
-        </p:txBody>
-      </p:sp>
-      <p:pic>
-        <p:nvPicPr>
-          <p:cNvPr descr="fig:  ../images/serfling-book-cover.jpg" id="0" name="Picture 1"/>
-          <p:cNvPicPr>
-            <a:picLocks noGrp="1" noChangeAspect="1"/>
-          </p:cNvPicPr>
-          <p:nvPr/>
-        </p:nvPicPr>
-        <p:blipFill>
-          <a:blip r:embed="rId3"/>
-          <a:stretch>
-            <a:fillRect/>
-          </a:stretch>
-        </p:blipFill>
-        <p:spPr bwMode="auto">
-          <a:xfrm>
-            <a:off x="3619500" y="1193800"/>
-            <a:ext cx="1905000" cy="2882900"/>
-          </a:xfrm>
-          <a:prstGeom prst="rect">
-            <a:avLst/>
-          </a:prstGeom>
-          <a:noFill/>
-          <a:ln w="9525">
-            <a:noFill/>
-            <a:headEnd/>
-            <a:tailEnd/>
-          </a:ln>
-        </p:spPr>
-      </p:pic>
-      <p:sp>
-        <p:nvSpPr>
-          <p:cNvPr id="1" name="TextBox 3"/>
-          <p:cNvSpPr txBox="1"/>
-          <p:nvPr/>
-        </p:nvSpPr>
-        <p:spPr>
-          <a:xfrm>
-            <a:off x="457200" y="4076700"/>
-            <a:ext cx="8229600" cy="508000"/>
-          </a:xfrm>
-          <a:prstGeom prst="rect">
-            <a:avLst/>
-          </a:prstGeom>
-          <a:noFill/>
-        </p:spPr>
-        <p:txBody>
-          <a:bodyPr/>
-          <a:lstStyle/>
-          <a:p>
-            <a:pPr lvl="0" indent="0" marL="0" algn="ctr">
-              <a:buNone/>
-            </a:pPr>
-            <a:r>
-              <a:rPr/>
-              <a:t>Figure 1. Cover of book by Robert Serfling</a:t>
-            </a:r>
-          </a:p>
-        </p:txBody>
-      </p:sp>
-    </p:spTree>
-  </p:cSld>
-</p:sld>
-</file>
-
-<file path=ppt/slides/slide40.xml><?xml version="1.0" encoding="utf-8"?>
-<p:sld xmlns:a="http://schemas.openxmlformats.org/drawingml/2006/main" xmlns:r="http://schemas.openxmlformats.org/officeDocument/2006/relationships" xmlns:p="http://schemas.openxmlformats.org/presentationml/2006/main">
-  <p:cSld>
-    <p:spTree>
-      <p:nvGrpSpPr>
-        <p:cNvPr id="1" name=""/>
-        <p:cNvGrpSpPr/>
-        <p:nvPr/>
-      </p:nvGrpSpPr>
-      <p:grpSpPr>
-        <a:xfrm>
-          <a:off x="0" y="0"/>
-          <a:ext cx="0" cy="0"/>
-          <a:chOff x="0" y="0"/>
-          <a:chExt cx="0" cy="0"/>
-        </a:xfrm>
-      </p:grpSpPr>
-      <p:sp>
-        <p:nvSpPr>
-          <p:cNvPr id="2" name="Title 1"/>
-          <p:cNvSpPr>
-            <a:spLocks noGrp="1"/>
-          </p:cNvSpPr>
-          <p:nvPr>
-            <p:ph type="title"/>
-          </p:nvPr>
-        </p:nvSpPr>
-        <p:spPr/>
-        <p:txBody>
-          <a:bodyPr/>
-          <a:lstStyle/>
-          <a:p>
-            <a:pPr lvl="0" indent="0" marL="0">
-              <a:buNone/>
-            </a:pPr>
-            <a:r>
-              <a:rPr/>
-              <a:t>Bootstrap in SAS (4/10)</a:t>
-            </a:r>
-          </a:p>
-        </p:txBody>
-      </p:sp>
-      <p:sp>
-        <p:nvSpPr>
-          <p:cNvPr id="3" name="Content Placeholder 2"/>
-          <p:cNvSpPr>
-            <a:spLocks noGrp="1"/>
-          </p:cNvSpPr>
-          <p:nvPr>
-            <p:ph idx="1"/>
-          </p:nvPr>
-        </p:nvSpPr>
-        <p:spPr/>
-        <p:txBody>
-          <a:bodyPr/>
-          <a:lstStyle/>
-          <a:p>
-            <a:pPr lvl="0" indent="0">
-              <a:buNone/>
-            </a:pPr>
-            <a:r>
-              <a:rPr>
-                <a:latin typeface="Courier"/>
-              </a:rPr>
-              <a:t>Sample Size                       200
-Expected Number of Hits             1
-Sampling Weight                     1
-Number of Replicates              500
-Total Sample Size              100000
-Output Data Set            BOOTSAMPLE</a:t>
-            </a:r>
-          </a:p>
-        </p:txBody>
-      </p:sp>
     </p:spTree>
   </p:cSld>
 </p:sld>
@@ -13917,39 +14899,67 @@
             </a:pPr>
             <a:r>
               <a:rPr/>
-              <a:t>Bootstrap in SAS (5/10)</a:t>
-            </a:r>
-          </a:p>
-        </p:txBody>
-      </p:sp>
-      <p:sp>
-        <p:nvSpPr>
-          <p:cNvPr id="3" name="Content Placeholder 2"/>
-          <p:cNvSpPr>
-            <a:spLocks noGrp="1"/>
-          </p:cNvSpPr>
-          <p:nvPr>
-            <p:ph idx="1"/>
-          </p:nvPr>
-        </p:nvSpPr>
-        <p:spPr/>
-        <p:txBody>
-          <a:bodyPr/>
-          <a:lstStyle/>
-          <a:p>
-            <a:pPr lvl="0" indent="0">
-              <a:buNone/>
-            </a:pPr>
-            <a:r>
-              <a:rPr>
-                <a:latin typeface="Courier"/>
-              </a:rPr>
-              <a:t>ods output  FitStatistics = t (where = (label2 =  "R-Square"));
-proc reg data = bootsample;
-  by replicate;
-  model read = female math write ses;
-run;
-quit;</a:t>
+              <a:t>Visualization (1/2)</a:t>
+            </a:r>
+          </a:p>
+        </p:txBody>
+      </p:sp>
+      <p:pic>
+        <p:nvPicPr>
+          <p:cNvPr descr="fig:  ../images/transplant-curves.png" id="0" name="Picture 1"/>
+          <p:cNvPicPr>
+            <a:picLocks noGrp="1" noChangeAspect="1"/>
+          </p:cNvPicPr>
+          <p:nvPr/>
+        </p:nvPicPr>
+        <p:blipFill>
+          <a:blip r:embed="rId2"/>
+          <a:stretch>
+            <a:fillRect/>
+          </a:stretch>
+        </p:blipFill>
+        <p:spPr bwMode="auto">
+          <a:xfrm>
+            <a:off x="3111500" y="1193800"/>
+            <a:ext cx="2921000" cy="2882900"/>
+          </a:xfrm>
+          <a:prstGeom prst="rect">
+            <a:avLst/>
+          </a:prstGeom>
+          <a:noFill/>
+          <a:ln w="9525">
+            <a:noFill/>
+            <a:headEnd/>
+            <a:tailEnd/>
+          </a:ln>
+        </p:spPr>
+      </p:pic>
+      <p:sp>
+        <p:nvSpPr>
+          <p:cNvPr id="1" name="TextBox 3"/>
+          <p:cNvSpPr txBox="1"/>
+          <p:nvPr/>
+        </p:nvSpPr>
+        <p:spPr>
+          <a:xfrm>
+            <a:off x="457200" y="4076700"/>
+            <a:ext cx="8229600" cy="508000"/>
+          </a:xfrm>
+          <a:prstGeom prst="rect">
+            <a:avLst/>
+          </a:prstGeom>
+          <a:noFill/>
+        </p:spPr>
+        <p:txBody>
+          <a:bodyPr/>
+          <a:lstStyle/>
+          <a:p>
+            <a:pPr lvl="0" indent="0" marL="0" algn="ctr">
+              <a:buNone/>
+            </a:pPr>
+            <a:r>
+              <a:rPr/>
+              <a:t>Figure 1. Age changes in risk for heart transplant patients</a:t>
             </a:r>
           </a:p>
         </p:txBody>
@@ -13996,38 +15006,67 @@
             </a:pPr>
             <a:r>
               <a:rPr/>
-              <a:t>Bootstrap in SAS (6/10)</a:t>
-            </a:r>
-          </a:p>
-        </p:txBody>
-      </p:sp>
-      <p:sp>
-        <p:nvSpPr>
-          <p:cNvPr id="3" name="Content Placeholder 2"/>
-          <p:cNvSpPr>
-            <a:spLocks noGrp="1"/>
-          </p:cNvSpPr>
-          <p:nvPr>
-            <p:ph idx="1"/>
-          </p:nvPr>
-        </p:nvSpPr>
-        <p:spPr/>
-        <p:txBody>
-          <a:bodyPr/>
-          <a:lstStyle/>
-          <a:p>
-            <a:pPr lvl="0" indent="0">
-              <a:buNone/>
-            </a:pPr>
-            <a:r>
-              <a:rPr>
-                <a:latin typeface="Courier"/>
-              </a:rPr>
-              <a:t>* converting character type to numeric type;
-data t1;
-  set t;
-  r2 = cvalue2 + 0;
-run;</a:t>
+              <a:t>Visualization (2/2)</a:t>
+            </a:r>
+          </a:p>
+        </p:txBody>
+      </p:sp>
+      <p:pic>
+        <p:nvPicPr>
+          <p:cNvPr descr="fig:  ../images/bootstrap-map.png" id="0" name="Picture 1"/>
+          <p:cNvPicPr>
+            <a:picLocks noGrp="1" noChangeAspect="1"/>
+          </p:cNvPicPr>
+          <p:nvPr/>
+        </p:nvPicPr>
+        <p:blipFill>
+          <a:blip r:embed="rId2"/>
+          <a:stretch>
+            <a:fillRect/>
+          </a:stretch>
+        </p:blipFill>
+        <p:spPr bwMode="auto">
+          <a:xfrm>
+            <a:off x="3035300" y="1193800"/>
+            <a:ext cx="3060700" cy="2882900"/>
+          </a:xfrm>
+          <a:prstGeom prst="rect">
+            <a:avLst/>
+          </a:prstGeom>
+          <a:noFill/>
+          <a:ln w="9525">
+            <a:noFill/>
+            <a:headEnd/>
+            <a:tailEnd/>
+          </a:ln>
+        </p:spPr>
+      </p:pic>
+      <p:sp>
+        <p:nvSpPr>
+          <p:cNvPr id="1" name="TextBox 3"/>
+          <p:cNvSpPr txBox="1"/>
+          <p:nvPr/>
+        </p:nvSpPr>
+        <p:spPr>
+          <a:xfrm>
+            <a:off x="457200" y="4076700"/>
+            <a:ext cx="8229600" cy="508000"/>
+          </a:xfrm>
+          <a:prstGeom prst="rect">
+            <a:avLst/>
+          </a:prstGeom>
+          <a:noFill/>
+        </p:spPr>
+        <p:txBody>
+          <a:bodyPr/>
+          <a:lstStyle/>
+          <a:p>
+            <a:pPr lvl="0" indent="0" marL="0" algn="ctr">
+              <a:buNone/>
+            </a:pPr>
+            <a:r>
+              <a:rPr/>
+              <a:t>Figure 1. Map</a:t>
             </a:r>
           </a:p>
         </p:txBody>
@@ -14074,7 +15113,7 @@
             </a:pPr>
             <a:r>
               <a:rPr/>
-              <a:t>Bootstrap in SAS (7/10)</a:t>
+              <a:t>How many bootstraps?</a:t>
             </a:r>
           </a:p>
         </p:txBody>
@@ -14094,16 +15133,24 @@
           <a:bodyPr/>
           <a:lstStyle/>
           <a:p>
-            <a:pPr lvl="0" indent="0">
-              <a:buNone/>
-            </a:pPr>
-            <a:r>
-              <a:rPr>
-                <a:latin typeface="Courier"/>
-              </a:rPr>
-              <a:t>%let alphalev = .05;
-%let a1 = %sysevalf(&amp;alphalev/2*100);
-%let a2 = %sysevalf((1 - &amp;alphalev/2)*100);</a:t>
+            <a:pPr lvl="0"/>
+            <a:r>
+              <a:rPr/>
+              <a:t>For visualization: 10 to 50</a:t>
+            </a:r>
+          </a:p>
+          <a:p>
+            <a:pPr lvl="0"/>
+            <a:r>
+              <a:rPr/>
+              <a:t>For estimating a standard error: 50 to 100</a:t>
+            </a:r>
+          </a:p>
+          <a:p>
+            <a:pPr lvl="0"/>
+            <a:r>
+              <a:rPr/>
+              <a:t>For confidence intervals and hypothesis tests: 500 to 1000</a:t>
             </a:r>
           </a:p>
         </p:txBody>
@@ -14150,7 +15197,7 @@
             </a:pPr>
             <a:r>
               <a:rPr/>
-              <a:t>Bootstrap in SAS (8/10)</a:t>
+              <a:t>Break #2</a:t>
             </a:r>
           </a:p>
         </p:txBody>
@@ -14170,18 +15217,31 @@
           <a:bodyPr/>
           <a:lstStyle/>
           <a:p>
-            <a:pPr lvl="0" indent="0">
-              <a:buNone/>
-            </a:pPr>
-            <a:r>
-              <a:rPr>
-                <a:latin typeface="Courier"/>
-              </a:rPr>
-              <a:t>* creating confidence interval, percentile method;
-proc univariate data = t1 alpha = .05;
-  var r2;
-  output out=pmethod mean = r2hat pctlpts=&amp;a1 &amp;a2 pctlpre = p pctlname = _lb _ub ;
-run;</a:t>
+            <a:pPr lvl="0"/>
+            <a:r>
+              <a:rPr/>
+              <a:t>What you have learned</a:t>
+            </a:r>
+          </a:p>
+          <a:p>
+            <a:pPr lvl="1"/>
+            <a:r>
+              <a:rPr/>
+              <a:t>Purposes of the bootstrap</a:t>
+            </a:r>
+          </a:p>
+          <a:p>
+            <a:pPr lvl="0"/>
+            <a:r>
+              <a:rPr/>
+              <a:t>What’s coming next</a:t>
+            </a:r>
+          </a:p>
+          <a:p>
+            <a:pPr lvl="1"/>
+            <a:r>
+              <a:rPr/>
+              <a:t>Software</a:t>
             </a:r>
           </a:p>
         </p:txBody>
@@ -14228,7 +15288,7 @@
             </a:pPr>
             <a:r>
               <a:rPr/>
-              <a:t>Bootstrap in SAS (9/10)</a:t>
+              <a:t>Software</a:t>
             </a:r>
           </a:p>
         </p:txBody>
@@ -14248,19 +15308,52 @@
           <a:bodyPr/>
           <a:lstStyle/>
           <a:p>
-            <a:pPr lvl="0" indent="0">
-              <a:buNone/>
-            </a:pPr>
-            <a:r>
-              <a:rPr>
-                <a:latin typeface="Courier"/>
-              </a:rPr>
-              <a:t>data t2;
-  set pmethod;
-  bias = r2hat - &amp;r2bar;
-  r2 = &amp;r2bar;
-run;
-ods listing;</a:t>
+            <a:pPr lvl="0"/>
+            <a:r>
+              <a:rPr/>
+              <a:t>You should know</a:t>
+            </a:r>
+          </a:p>
+          <a:p>
+            <a:pPr lvl="1"/>
+            <a:r>
+              <a:rPr/>
+              <a:t>How to loop (explicitly or implicitly)</a:t>
+            </a:r>
+          </a:p>
+          <a:p>
+            <a:pPr lvl="1"/>
+            <a:r>
+              <a:rPr/>
+              <a:t>How to extract specific values from the output</a:t>
+            </a:r>
+          </a:p>
+          <a:p>
+            <a:pPr lvl="0"/>
+            <a:r>
+              <a:rPr/>
+              <a:t>Examples</a:t>
+            </a:r>
+          </a:p>
+          <a:p>
+            <a:pPr lvl="1"/>
+            <a:r>
+              <a:rPr/>
+              <a:t>SAS</a:t>
+            </a:r>
+          </a:p>
+          <a:p>
+            <a:pPr lvl="1"/>
+            <a:r>
+              <a:rPr/>
+              <a:t>Stata</a:t>
+            </a:r>
+          </a:p>
+          <a:p>
+            <a:pPr lvl="1"/>
+            <a:r>
+              <a:rPr/>
+              <a:t>R</a:t>
             </a:r>
           </a:p>
         </p:txBody>
@@ -14307,7 +15400,7 @@
             </a:pPr>
             <a:r>
               <a:rPr/>
-              <a:t>Bootstrap in SAS (10/10)</a:t>
+              <a:t>Bootstrap in SAS (1/10)</a:t>
             </a:r>
           </a:p>
         </p:txBody>
@@ -14326,6 +15419,20 @@
         <p:txBody>
           <a:bodyPr/>
           <a:lstStyle/>
+          <a:p>
+            <a:pPr lvl="0"/>
+            <a:r>
+              <a:rPr/>
+              <a:t>Example taken from UCLA Statistical Methods and Data Analytics site</a:t>
+            </a:r>
+          </a:p>
+          <a:p>
+            <a:pPr lvl="1"/>
+            <a:r>
+              <a:rPr/>
+              <a:t>Google ucla bootstrap sas</a:t>
+            </a:r>
+          </a:p>
           <a:p>
             <a:pPr lvl="0" indent="0">
               <a:buNone/>
@@ -14334,11 +15441,11 @@
               <a:rPr>
                 <a:latin typeface="Courier"/>
               </a:rPr>
-              <a:t>proc print data  = t2;
-  var r2 bias p_lb p_ub;
+              <a:t>ods output FitStatistics = t0;
+proc reg data = hsb2;
+  model read = female math write ses;
 run;
-Obs      r2        bias       p_lb     p_ub
- 1     0.5189    .0066164    0.436    0.6017</a:t>
+quit;</a:t>
             </a:r>
           </a:p>
         </p:txBody>
@@ -14385,7 +15492,7 @@
             </a:pPr>
             <a:r>
               <a:rPr/>
-              <a:t>Bootstrap in Stata (1/4)</a:t>
+              <a:t>Bootstrap in SAS (2/10)</a:t>
             </a:r>
           </a:p>
         </p:txBody>
@@ -14405,38 +15512,19 @@
           <a:bodyPr/>
           <a:lstStyle/>
           <a:p>
-            <a:pPr lvl="0"/>
-            <a:r>
-              <a:rPr/>
-              <a:t>A bit easier</a:t>
-            </a:r>
-          </a:p>
-          <a:p>
-            <a:pPr lvl="1"/>
-            <a:r>
-              <a:rPr/>
-              <a:t>Built-in bootstrap command</a:t>
-            </a:r>
-          </a:p>
-          <a:p>
-            <a:pPr lvl="1"/>
-            <a:r>
-              <a:rPr/>
-              <a:t>Simpler handling of output</a:t>
-            </a:r>
-          </a:p>
-          <a:p>
-            <a:pPr lvl="0"/>
-            <a:r>
-              <a:rPr/>
-              <a:t>Example taken from UCLA Statistical Methods and Data Analytics site</a:t>
-            </a:r>
-          </a:p>
-          <a:p>
-            <a:pPr lvl="1"/>
-            <a:r>
-              <a:rPr/>
-              <a:t>Google ucla bootstrap stata</a:t>
+            <a:pPr lvl="0" indent="0">
+              <a:buNone/>
+            </a:pPr>
+            <a:r>
+              <a:rPr>
+                <a:latin typeface="Courier"/>
+              </a:rPr>
+              <a:t>*store the estimated r-square;
+data _null_;
+ set t0;
+ if label2 =  "R-Square" then 
+ call symput('r2bar', cvalue2);
+run;</a:t>
             </a:r>
           </a:p>
         </p:txBody>
@@ -14483,7 +15571,7 @@
             </a:pPr>
             <a:r>
               <a:rPr/>
-              <a:t>Bootstrap in Stata (2/4)</a:t>
+              <a:t>Bootstrap in SAS (3/10)</a:t>
             </a:r>
           </a:p>
         </p:txBody>
@@ -14510,8 +15598,12 @@
               <a:rPr>
                 <a:latin typeface="Courier"/>
               </a:rPr>
-              <a:t>use http://statistics.ats.ucla.edu/stat/stata/notes/hsb2, clear
-regress read female math write ses</a:t>
+              <a:t>%let rep = 500;
+proc surveyselect data= hsb2 out=bootsample
+     seed = 1347 method = urs
+     samprate = 1 outhits rep = &amp;rep;
+run;
+ods listing close;</a:t>
             </a:r>
           </a:p>
         </p:txBody>
@@ -14558,7 +15650,7 @@
             </a:pPr>
             <a:r>
               <a:rPr/>
-              <a:t>Bootstrap in Stata (3/4)</a:t>
+              <a:t>Bootstrap in SAS (4/10)</a:t>
             </a:r>
           </a:p>
         </p:txBody>
@@ -14585,7 +15677,12 @@
               <a:rPr>
                 <a:latin typeface="Courier"/>
               </a:rPr>
-              <a:t>bootstrap rmse=e(rmse), reps(100) seed(12345): regress read female math write ses</a:t>
+              <a:t>Sample Size                       200
+Expected Number of Hits             1
+Sampling Weight                     1
+Number of Replicates              500
+Total Sample Size              100000
+Output Data Set            BOOTSAMPLE</a:t>
             </a:r>
           </a:p>
         </p:txBody>
@@ -14654,9 +15751,7 @@
               <a:bodyPr/>
               <a:lstStyle/>
               <a:p>
-                <a:pPr lvl="0" indent="0" marL="0">
-                  <a:buNone/>
-                </a:pPr>
+                <a:pPr lvl="0"/>
                 <a14:m>
                   <m:oMath xmlns:m="http://schemas.openxmlformats.org/officeDocument/2006/math">
                     <m:acc>
@@ -14739,7 +15834,7 @@
                 </a:r>
               </a:p>
               <a:p>
-                <a:pPr lvl="0"/>
+                <a:pPr lvl="1"/>
                 <a:r>
                   <a:rPr/>
                   <a:t>The </a:t>
@@ -14766,7 +15861,7 @@
                 </a:r>
               </a:p>
               <a:p>
-                <a:pPr lvl="0"/>
+                <a:pPr lvl="1"/>
                 <a:r>
                   <a:rPr/>
                   <a:t>The </a:t>
@@ -14789,11 +15884,11 @@
                 </a14:m>
                 <a:r>
                   <a:rPr/>
-                  <a:t>’s are all independent</a:t>
+                  <a:t> are all independent</a:t>
                 </a:r>
               </a:p>
               <a:p>
-                <a:pPr lvl="0"/>
+                <a:pPr lvl="1"/>
                 <a:r>
                   <a:rPr/>
                   <a:t>The </a:t>
@@ -14820,16 +15915,14 @@
                 </a:r>
               </a:p>
               <a:p>
-                <a:pPr lvl="0" indent="0" marL="0">
-                  <a:buNone/>
-                </a:pPr>
+                <a:pPr lvl="0"/>
                 <a:r>
                   <a:rPr/>
                   <a:t>A more precise statement</a:t>
                 </a:r>
               </a:p>
               <a:p>
-                <a:pPr lvl="0"/>
+                <a:pPr lvl="1"/>
                 <a14:m>
                   <m:oMath xmlns:m="http://schemas.openxmlformats.org/officeDocument/2006/math">
                     <m:r>
@@ -14993,7 +16086,7 @@
             </a:pPr>
             <a:r>
               <a:rPr/>
-              <a:t>Bootstrap in Stata (4/4)</a:t>
+              <a:t>Bootstrap in SAS (5/10)</a:t>
             </a:r>
           </a:p>
         </p:txBody>
@@ -15020,12 +16113,12 @@
               <a:rPr>
                 <a:latin typeface="Courier"/>
               </a:rPr>
-              <a:t>------------------------------------------------------------------------------
-             |   Observed   Bootstrap                         Normal-based
-             |      Coef.   Std. Err.      z    P&gt;|z|     [95% Conf. Interval]
--------------+----------------------------------------------------------------
-        rmse |   7.184202   .2594069    27.69   0.000     6.675774     7.69263
-------------------------------------------------------------------------------</a:t>
+              <a:t>ods output  FitStatistics = t (where = (label2 =  "R-Square"));
+proc reg data = bootsample;
+  by replicate;
+  model read = female math write ses;
+run;
+quit;</a:t>
             </a:r>
           </a:p>
         </p:txBody>
@@ -15072,7 +16165,7 @@
             </a:pPr>
             <a:r>
               <a:rPr/>
-              <a:t>Bootstrap in R (1/4)</a:t>
+              <a:t>Bootstrap in SAS (6/10)</a:t>
             </a:r>
           </a:p>
         </p:txBody>
@@ -15092,45 +16185,18 @@
           <a:bodyPr/>
           <a:lstStyle/>
           <a:p>
-            <a:pPr lvl="0"/>
-            <a:r>
-              <a:rPr/>
-              <a:t>Easiest and most flexible choice</a:t>
-            </a:r>
-          </a:p>
-          <a:p>
-            <a:pPr lvl="1"/>
-            <a:r>
-              <a:rPr/>
-              <a:t>Special library</a:t>
-            </a:r>
-          </a:p>
-          <a:p>
-            <a:pPr lvl="1"/>
-            <a:r>
-              <a:rPr/>
-              <a:t>Simple looping stuctures</a:t>
-            </a:r>
-          </a:p>
-          <a:p>
-            <a:pPr lvl="1"/>
-            <a:r>
-              <a:rPr/>
-              <a:t>Easy to extract specific values</a:t>
-            </a:r>
-          </a:p>
-          <a:p>
-            <a:pPr lvl="0"/>
-            <a:r>
-              <a:rPr/>
-              <a:t>Example taken from UCLA Statistical Methods and Data Analytics site</a:t>
-            </a:r>
-          </a:p>
-          <a:p>
-            <a:pPr lvl="1"/>
-            <a:r>
-              <a:rPr/>
-              <a:t>Google ucla bootstrap r</a:t>
+            <a:pPr lvl="0" indent="0">
+              <a:buNone/>
+            </a:pPr>
+            <a:r>
+              <a:rPr>
+                <a:latin typeface="Courier"/>
+              </a:rPr>
+              <a:t>* converting character type to numeric type;
+data t1;
+  set t;
+  r2 = cvalue2 + 0;
+run;</a:t>
             </a:r>
           </a:p>
         </p:txBody>
@@ -15177,7 +16243,7 @@
             </a:pPr>
             <a:r>
               <a:rPr/>
-              <a:t>Bootstrap in R (2/4)</a:t>
+              <a:t>Bootstrap in SAS (7/10)</a:t>
             </a:r>
           </a:p>
         </p:txBody>
@@ -15204,12 +16270,9 @@
               <a:rPr>
                 <a:latin typeface="Courier"/>
               </a:rPr>
-              <a:t>library(boot)
-hsb2 &lt;- read.table("https://stats.idre.ucla.edu/stat/data/hsb2.csv", sep=",", header=T)
-fc &lt;- function(d, i){
-    d2 &lt;- d[i,]
-    return(cor(d2$write, d2$math))
-}</a:t>
+              <a:t>%let alphalev = .05;
+%let a1 = %sysevalf(&amp;alphalev/2*100);
+%let a2 = %sysevalf((1 - &amp;alphalev/2)*100);</a:t>
             </a:r>
           </a:p>
         </p:txBody>
@@ -15256,7 +16319,7 @@
             </a:pPr>
             <a:r>
               <a:rPr/>
-              <a:t>Bootstrap in R (3/4)</a:t>
+              <a:t>Bootstrap in SAS (8/10)</a:t>
             </a:r>
           </a:p>
         </p:txBody>
@@ -15283,12 +16346,11 @@
               <a:rPr>
                 <a:latin typeface="Courier"/>
               </a:rPr>
-              <a:t>fc &lt;- function(d, i){
-    d2 &lt;- d[i,]
-    return(cor(d2$write, d2$math))
-}
-set.seed(626)
-bootcorr &lt;- boot(hsb2, fc, R=500)</a:t>
+              <a:t>* creating confidence interval, percentile method;
+proc univariate data = t1 alpha = .05;
+  var r2;
+  output out=pmethod mean = r2hat pctlpts=&amp;a1 &amp;a2 pctlpre = p pctlname = _lb _ub ;
+run;</a:t>
             </a:r>
           </a:p>
         </p:txBody>
@@ -15335,7 +16397,7 @@
             </a:pPr>
             <a:r>
               <a:rPr/>
-              <a:t>Bootstrap in R (4/4)</a:t>
+              <a:t>Bootstrap in SAS (9/10)</a:t>
             </a:r>
           </a:p>
         </p:txBody>
@@ -15362,12 +16424,12 @@
               <a:rPr>
                 <a:latin typeface="Courier"/>
               </a:rPr>
-              <a:t>ORDINARY NONPARAMETRIC BOOTSTRAP
-Call:
-boot(data = hsb2, statistic = fc, R = 500)
-Bootstrap Statistics :
-     original       bias    std. error
-t1* 0.6174493 -0.001528707  0.04020362</a:t>
+              <a:t>data t2;
+  set pmethod;
+  bias = r2hat - &amp;r2bar;
+  r2 = &amp;r2bar;
+run;
+ods listing;</a:t>
             </a:r>
           </a:p>
         </p:txBody>
@@ -15414,7 +16476,7 @@
             </a:pPr>
             <a:r>
               <a:rPr/>
-              <a:t>Break #3</a:t>
+              <a:t>Bootstrap in SAS (10/10)</a:t>
             </a:r>
           </a:p>
         </p:txBody>
@@ -15434,31 +16496,18 @@
           <a:bodyPr/>
           <a:lstStyle/>
           <a:p>
-            <a:pPr lvl="0"/>
-            <a:r>
-              <a:rPr/>
-              <a:t>What have you learned</a:t>
-            </a:r>
-          </a:p>
-          <a:p>
-            <a:pPr lvl="1"/>
-            <a:r>
-              <a:rPr/>
-              <a:t>Software</a:t>
-            </a:r>
-          </a:p>
-          <a:p>
-            <a:pPr lvl="0"/>
-            <a:r>
-              <a:rPr/>
-              <a:t>What’s coming next</a:t>
-            </a:r>
-          </a:p>
-          <a:p>
-            <a:pPr lvl="1"/>
-            <a:r>
-              <a:rPr/>
-              <a:t>Special issues</a:t>
+            <a:pPr lvl="0" indent="0">
+              <a:buNone/>
+            </a:pPr>
+            <a:r>
+              <a:rPr>
+                <a:latin typeface="Courier"/>
+              </a:rPr>
+              <a:t>proc print data  = t2;
+  var r2 bias p_lb p_ub;
+run;
+Obs      r2        bias       p_lb     p_ub
+ 1     0.5189    .0066164    0.436    0.6017</a:t>
             </a:r>
           </a:p>
         </p:txBody>
@@ -15505,7 +16554,7 @@
             </a:pPr>
             <a:r>
               <a:rPr/>
-              <a:t>Special issues</a:t>
+              <a:t>Bootstrap in Stata (1/4)</a:t>
             </a:r>
           </a:p>
         </p:txBody>
@@ -15528,35 +16577,35 @@
             <a:pPr lvl="0"/>
             <a:r>
               <a:rPr/>
-              <a:t>Visualization</a:t>
+              <a:t>A bit easier</a:t>
+            </a:r>
+          </a:p>
+          <a:p>
+            <a:pPr lvl="1"/>
+            <a:r>
+              <a:rPr/>
+              <a:t>Built-in bootstrap command</a:t>
+            </a:r>
+          </a:p>
+          <a:p>
+            <a:pPr lvl="1"/>
+            <a:r>
+              <a:rPr/>
+              <a:t>Simpler handling of output</a:t>
             </a:r>
           </a:p>
           <a:p>
             <a:pPr lvl="0"/>
             <a:r>
               <a:rPr/>
-              <a:t>How many bootstraps?</a:t>
-            </a:r>
-          </a:p>
-          <a:p>
-            <a:pPr lvl="0"/>
-            <a:r>
-              <a:rPr/>
-              <a:t>Multiple groups</a:t>
-            </a:r>
-          </a:p>
-          <a:p>
-            <a:pPr lvl="0"/>
-            <a:r>
-              <a:rPr/>
-              <a:t>Time series</a:t>
-            </a:r>
-          </a:p>
-          <a:p>
-            <a:pPr lvl="0"/>
-            <a:r>
-              <a:rPr/>
-              <a:t>Regression models</a:t>
+              <a:t>Example taken from UCLA Statistical Methods and Data Analytics site</a:t>
+            </a:r>
+          </a:p>
+          <a:p>
+            <a:pPr lvl="1"/>
+            <a:r>
+              <a:rPr/>
+              <a:t>Google ucla bootstrap stata</a:t>
             </a:r>
           </a:p>
         </p:txBody>
@@ -15603,67 +16652,35 @@
             </a:pPr>
             <a:r>
               <a:rPr/>
-              <a:t>Visualization (1/2)</a:t>
-            </a:r>
-          </a:p>
-        </p:txBody>
-      </p:sp>
-      <p:pic>
-        <p:nvPicPr>
-          <p:cNvPr descr="fig:  ../images/transplant-curves.png" id="0" name="Picture 1"/>
-          <p:cNvPicPr>
-            <a:picLocks noGrp="1" noChangeAspect="1"/>
-          </p:cNvPicPr>
-          <p:nvPr/>
-        </p:nvPicPr>
-        <p:blipFill>
-          <a:blip r:embed="rId2"/>
-          <a:stretch>
-            <a:fillRect/>
-          </a:stretch>
-        </p:blipFill>
-        <p:spPr bwMode="auto">
-          <a:xfrm>
-            <a:off x="3111500" y="1193800"/>
-            <a:ext cx="2921000" cy="2882900"/>
-          </a:xfrm>
-          <a:prstGeom prst="rect">
-            <a:avLst/>
-          </a:prstGeom>
-          <a:noFill/>
-          <a:ln w="9525">
-            <a:noFill/>
-            <a:headEnd/>
-            <a:tailEnd/>
-          </a:ln>
-        </p:spPr>
-      </p:pic>
-      <p:sp>
-        <p:nvSpPr>
-          <p:cNvPr id="1" name="TextBox 3"/>
-          <p:cNvSpPr txBox="1"/>
-          <p:nvPr/>
-        </p:nvSpPr>
-        <p:spPr>
-          <a:xfrm>
-            <a:off x="457200" y="4076700"/>
-            <a:ext cx="8229600" cy="508000"/>
-          </a:xfrm>
-          <a:prstGeom prst="rect">
-            <a:avLst/>
-          </a:prstGeom>
-          <a:noFill/>
-        </p:spPr>
-        <p:txBody>
-          <a:bodyPr/>
-          <a:lstStyle/>
-          <a:p>
-            <a:pPr lvl="0" indent="0" marL="0" algn="ctr">
-              <a:buNone/>
-            </a:pPr>
-            <a:r>
-              <a:rPr/>
-              <a:t>Figure 1. Age changes in risk for heart transplant patients</a:t>
+              <a:t>Bootstrap in Stata (2/4)</a:t>
+            </a:r>
+          </a:p>
+        </p:txBody>
+      </p:sp>
+      <p:sp>
+        <p:nvSpPr>
+          <p:cNvPr id="3" name="Content Placeholder 2"/>
+          <p:cNvSpPr>
+            <a:spLocks noGrp="1"/>
+          </p:cNvSpPr>
+          <p:nvPr>
+            <p:ph idx="1"/>
+          </p:nvPr>
+        </p:nvSpPr>
+        <p:spPr/>
+        <p:txBody>
+          <a:bodyPr/>
+          <a:lstStyle/>
+          <a:p>
+            <a:pPr lvl="0" indent="0">
+              <a:buNone/>
+            </a:pPr>
+            <a:r>
+              <a:rPr>
+                <a:latin typeface="Courier"/>
+              </a:rPr>
+              <a:t>use http://statistics.ats.ucla.edu/stat/stata/notes/hsb2, clear
+regress read female math write ses</a:t>
             </a:r>
           </a:p>
         </p:txBody>
@@ -15710,67 +16727,34 @@
             </a:pPr>
             <a:r>
               <a:rPr/>
-              <a:t>Visualization (2/2)</a:t>
-            </a:r>
-          </a:p>
-        </p:txBody>
-      </p:sp>
-      <p:pic>
-        <p:nvPicPr>
-          <p:cNvPr descr="fig:  ../images/bootstrap-map.png" id="0" name="Picture 1"/>
-          <p:cNvPicPr>
-            <a:picLocks noGrp="1" noChangeAspect="1"/>
-          </p:cNvPicPr>
-          <p:nvPr/>
-        </p:nvPicPr>
-        <p:blipFill>
-          <a:blip r:embed="rId2"/>
-          <a:stretch>
-            <a:fillRect/>
-          </a:stretch>
-        </p:blipFill>
-        <p:spPr bwMode="auto">
-          <a:xfrm>
-            <a:off x="3035300" y="1193800"/>
-            <a:ext cx="3060700" cy="2882900"/>
-          </a:xfrm>
-          <a:prstGeom prst="rect">
-            <a:avLst/>
-          </a:prstGeom>
-          <a:noFill/>
-          <a:ln w="9525">
-            <a:noFill/>
-            <a:headEnd/>
-            <a:tailEnd/>
-          </a:ln>
-        </p:spPr>
-      </p:pic>
-      <p:sp>
-        <p:nvSpPr>
-          <p:cNvPr id="1" name="TextBox 3"/>
-          <p:cNvSpPr txBox="1"/>
-          <p:nvPr/>
-        </p:nvSpPr>
-        <p:spPr>
-          <a:xfrm>
-            <a:off x="457200" y="4076700"/>
-            <a:ext cx="8229600" cy="508000"/>
-          </a:xfrm>
-          <a:prstGeom prst="rect">
-            <a:avLst/>
-          </a:prstGeom>
-          <a:noFill/>
-        </p:spPr>
-        <p:txBody>
-          <a:bodyPr/>
-          <a:lstStyle/>
-          <a:p>
-            <a:pPr lvl="0" indent="0" marL="0" algn="ctr">
-              <a:buNone/>
-            </a:pPr>
-            <a:r>
-              <a:rPr/>
-              <a:t>Figure 1. Map</a:t>
+              <a:t>Bootstrap in Stata (3/4)</a:t>
+            </a:r>
+          </a:p>
+        </p:txBody>
+      </p:sp>
+      <p:sp>
+        <p:nvSpPr>
+          <p:cNvPr id="3" name="Content Placeholder 2"/>
+          <p:cNvSpPr>
+            <a:spLocks noGrp="1"/>
+          </p:cNvSpPr>
+          <p:nvPr>
+            <p:ph idx="1"/>
+          </p:nvPr>
+        </p:nvSpPr>
+        <p:spPr/>
+        <p:txBody>
+          <a:bodyPr/>
+          <a:lstStyle/>
+          <a:p>
+            <a:pPr lvl="0" indent="0">
+              <a:buNone/>
+            </a:pPr>
+            <a:r>
+              <a:rPr>
+                <a:latin typeface="Courier"/>
+              </a:rPr>
+              <a:t>bootstrap rmse=e(rmse), reps(100) seed(12345): regress read female math write ses</a:t>
             </a:r>
           </a:p>
         </p:txBody>
@@ -15817,7 +16801,7 @@
             </a:pPr>
             <a:r>
               <a:rPr/>
-              <a:t>How many bootstraps?</a:t>
+              <a:t>Bootstrap in Stata (4/4)</a:t>
             </a:r>
           </a:p>
         </p:txBody>
@@ -15837,24 +16821,26 @@
           <a:bodyPr/>
           <a:lstStyle/>
           <a:p>
-            <a:pPr lvl="0"/>
-            <a:r>
-              <a:rPr/>
-              <a:t>For visualization: 10 to 50</a:t>
-            </a:r>
-          </a:p>
-          <a:p>
-            <a:pPr lvl="0"/>
-            <a:r>
-              <a:rPr/>
-              <a:t>For estimating a standard error: 50 to 100</a:t>
-            </a:r>
-          </a:p>
-          <a:p>
-            <a:pPr lvl="0"/>
-            <a:r>
-              <a:rPr/>
-              <a:t>For confidence intervals and hypothesis tests: 500 to 1000</a:t>
+            <a:pPr lvl="0" indent="0">
+              <a:buNone/>
+            </a:pPr>
+            <a:r>
+              <a:rPr>
+                <a:latin typeface="Courier"/>
+              </a:rPr>
+              <a:t>---------------------------------------
+             |   Observed   Bootstrap 
+             |      Coef.   Std. Err. 
+-------------+------------------------
+        rmse |   7.184202   .2594069  
+--------------------------------------
+--------------------------------------
+                    Normal-based
+ z    P&gt;|z|     [95% Conf. Interval]
+--------------------------------------
+27.69   0.000     6.675774     7.69263
+--------------------------------------
+</a:t>
             </a:r>
           </a:p>
         </p:txBody>
@@ -15979,6 +16965,18 @@
                 <a14:m>
                   <m:oMath xmlns:m="http://schemas.openxmlformats.org/officeDocument/2006/math">
                     <m:r>
+                      <m:t> </m:t>
+                    </m:r>
+                  </m:oMath>
+                </a14:m>
+              </a:p>
+              <a:p>
+                <a:pPr lvl="0" indent="0" marL="0">
+                  <a:buNone/>
+                </a:pPr>
+                <a14:m>
+                  <m:oMath xmlns:m="http://schemas.openxmlformats.org/officeDocument/2006/math">
+                    <m:r>
                       <m:t>V</m:t>
                     </m:r>
                     <m:r>
@@ -16040,6 +17038,100 @@
                   </m:oMath>
                 </a14:m>
               </a:p>
+              <a:p>
+                <a:pPr lvl="0" indent="0" marL="0">
+                  <a:buNone/>
+                </a:pPr>
+                <a14:m>
+                  <m:oMath xmlns:m="http://schemas.openxmlformats.org/officeDocument/2006/math">
+                    <m:r>
+                      <m:t> </m:t>
+                    </m:r>
+                  </m:oMath>
+                </a14:m>
+              </a:p>
+              <a:p>
+                <a:pPr lvl="0" indent="0" marL="0">
+                  <a:buNone/>
+                </a:pPr>
+                <a14:m>
+                  <m:oMath xmlns:m="http://schemas.openxmlformats.org/officeDocument/2006/math">
+                    <m:r>
+                      <m:t>s</m:t>
+                    </m:r>
+                    <m:r>
+                      <m:t>t</m:t>
+                    </m:r>
+                    <m:r>
+                      <m:t>d</m:t>
+                    </m:r>
+                    <m:r>
+                      <m:rPr>
+                        <m:sty m:val="p"/>
+                      </m:rPr>
+                      <m:t>.</m:t>
+                    </m:r>
+                    <m:r>
+                      <m:t>e</m:t>
+                    </m:r>
+                    <m:r>
+                      <m:t>r</m:t>
+                    </m:r>
+                    <m:r>
+                      <m:t>r</m:t>
+                    </m:r>
+                    <m:d>
+                      <m:dPr>
+                        <m:begChr m:val="("/>
+                        <m:endChr m:val=")"/>
+                        <m:sepChr m:val=""/>
+                        <m:grow/>
+                      </m:dPr>
+                      <m:e>
+                        <m:acc>
+                          <m:accPr>
+                            <m:chr m:val="‾"/>
+                          </m:accPr>
+                          <m:e>
+                            <m:r>
+                              <m:t>X</m:t>
+                            </m:r>
+                          </m:e>
+                        </m:acc>
+                      </m:e>
+                    </m:d>
+                    <m:r>
+                      <m:rPr>
+                        <m:sty m:val="p"/>
+                      </m:rPr>
+                      <m:t>=</m:t>
+                    </m:r>
+                    <m:f>
+                      <m:fPr>
+                        <m:type m:val="bar"/>
+                      </m:fPr>
+                      <m:num>
+                        <m:r>
+                          <m:t>σ</m:t>
+                        </m:r>
+                      </m:num>
+                      <m:den>
+                        <m:rad>
+                          <m:radPr>
+                            <m:degHide m:val="1"/>
+                          </m:radPr>
+                          <m:deg/>
+                          <m:e>
+                            <m:r>
+                              <m:t>n</m:t>
+                            </m:r>
+                          </m:e>
+                        </m:rad>
+                      </m:den>
+                    </m:f>
+                  </m:oMath>
+                </a14:m>
+              </a:p>
             </p:txBody>
           </p:sp>
         </mc:Choice>
@@ -16086,7 +17178,7 @@
             </a:pPr>
             <a:r>
               <a:rPr/>
-              <a:t>Multiple groups</a:t>
+              <a:t>Bootstrap in R (1/4)</a:t>
             </a:r>
           </a:p>
         </p:txBody>
@@ -16109,21 +17201,42 @@
             <a:pPr lvl="0"/>
             <a:r>
               <a:rPr/>
-              <a:t>Do you allow the group sizes to vary?</a:t>
+              <a:t>Easiest and most flexible choice</a:t>
+            </a:r>
+          </a:p>
+          <a:p>
+            <a:pPr lvl="1"/>
+            <a:r>
+              <a:rPr/>
+              <a:t>Special library</a:t>
+            </a:r>
+          </a:p>
+          <a:p>
+            <a:pPr lvl="1"/>
+            <a:r>
+              <a:rPr/>
+              <a:t>Simple looping stuctures</a:t>
+            </a:r>
+          </a:p>
+          <a:p>
+            <a:pPr lvl="1"/>
+            <a:r>
+              <a:rPr/>
+              <a:t>Easy to extract specific values</a:t>
             </a:r>
           </a:p>
           <a:p>
             <a:pPr lvl="0"/>
             <a:r>
               <a:rPr/>
-              <a:t>Stratified bootstrap</a:t>
+              <a:t>Example taken from UCLA Statistical Methods and Data Analytics site</a:t>
             </a:r>
           </a:p>
           <a:p>
             <a:pPr lvl="1"/>
             <a:r>
               <a:rPr/>
-              <a:t>Two group example</a:t>
+              <a:t>Google ucla bootstrap r</a:t>
             </a:r>
           </a:p>
         </p:txBody>
@@ -16170,7 +17283,7 @@
             </a:pPr>
             <a:r>
               <a:rPr/>
-              <a:t>Time series</a:t>
+              <a:t>Bootstrap in R (2/4)</a:t>
             </a:r>
           </a:p>
         </p:txBody>
@@ -16190,59 +17303,15 @@
           <a:bodyPr/>
           <a:lstStyle/>
           <a:p>
-            <a:pPr lvl="0"/>
-            <a:r>
-              <a:rPr/>
-              <a:t>Simple bootstrap destroys important features of time series models</a:t>
-            </a:r>
-          </a:p>
-          <a:p>
-            <a:pPr lvl="1"/>
-            <a:r>
-              <a:rPr/>
-              <a:t>Evenly spaced observations</a:t>
-            </a:r>
-          </a:p>
-          <a:p>
-            <a:pPr lvl="1"/>
-            <a:r>
-              <a:rPr/>
-              <a:t>Serial correlation</a:t>
-            </a:r>
-          </a:p>
-          <a:p>
-            <a:pPr lvl="1"/>
-            <a:r>
-              <a:rPr/>
-              <a:t>Seasonality</a:t>
-            </a:r>
-          </a:p>
-          <a:p>
-            <a:pPr lvl="1"/>
-            <a:r>
-              <a:rPr/>
-              <a:t>Temporal trends</a:t>
-            </a:r>
-          </a:p>
-          <a:p>
-            <a:pPr lvl="0"/>
-            <a:r>
-              <a:rPr/>
-              <a:t>Solutions</a:t>
-            </a:r>
-          </a:p>
-          <a:p>
-            <a:pPr lvl="1"/>
-            <a:r>
-              <a:rPr/>
-              <a:t>Bootstrap blocks of consecutive observations</a:t>
-            </a:r>
-          </a:p>
-          <a:p>
-            <a:pPr lvl="1"/>
-            <a:r>
-              <a:rPr/>
-              <a:t>Detrend/decompose the time series</a:t>
+            <a:pPr lvl="0" indent="0">
+              <a:buNone/>
+            </a:pPr>
+            <a:r>
+              <a:rPr>
+                <a:latin typeface="Courier"/>
+              </a:rPr>
+              <a:t>library(boot)
+hsb2 &lt;- read.table("https://stats.idre.ucla.edu/stat/data/hsb2.csv", sep=",", header=T)</a:t>
             </a:r>
           </a:p>
         </p:txBody>
@@ -16289,7 +17358,7 @@
             </a:pPr>
             <a:r>
               <a:rPr/>
-              <a:t>Regression models</a:t>
+              <a:t>Bootstrap in R (3/4)</a:t>
             </a:r>
           </a:p>
         </p:txBody>
@@ -16309,24 +17378,19 @@
           <a:bodyPr/>
           <a:lstStyle/>
           <a:p>
-            <a:pPr lvl="0"/>
-            <a:r>
-              <a:rPr/>
-              <a:t>Subsample may have perfect collinearity</a:t>
-            </a:r>
-          </a:p>
-          <a:p>
-            <a:pPr lvl="0"/>
-            <a:r>
-              <a:rPr/>
-              <a:t>Are the independent variables fixed or random?</a:t>
-            </a:r>
-          </a:p>
-          <a:p>
-            <a:pPr lvl="0"/>
-            <a:r>
-              <a:rPr/>
-              <a:t>Solution: bootstrap residuals</a:t>
+            <a:pPr lvl="0" indent="0">
+              <a:buNone/>
+            </a:pPr>
+            <a:r>
+              <a:rPr>
+                <a:latin typeface="Courier"/>
+              </a:rPr>
+              <a:t>fc &lt;- function(d, i){
+    d2 &lt;- d[i,]
+    return(cor(d2$write, d2$math))
+}
+set.seed(626)
+bootcorr &lt;- boot(hsb2, fc, R=500)</a:t>
             </a:r>
           </a:p>
         </p:txBody>
@@ -16373,7 +17437,7 @@
             </a:pPr>
             <a:r>
               <a:rPr/>
-              <a:t>Final bits of advice</a:t>
+              <a:t>Bootstrap in R (4/4)</a:t>
             </a:r>
           </a:p>
         </p:txBody>
@@ -16393,80 +17457,16 @@
           <a:bodyPr/>
           <a:lstStyle/>
           <a:p>
-            <a:pPr lvl="0"/>
-            <a:r>
-              <a:rPr/>
-              <a:t>Situations where the bootstrap performs poorly</a:t>
-            </a:r>
-          </a:p>
-          <a:p>
-            <a:pPr lvl="1"/>
-            <a:r>
-              <a:rPr/>
-              <a:t>Small sample size</a:t>
-            </a:r>
-          </a:p>
-          <a:p>
-            <a:pPr lvl="1"/>
-            <a:r>
-              <a:rPr/>
-              <a:t>Data from “weird” distributions</a:t>
-            </a:r>
-          </a:p>
-          <a:p>
-            <a:pPr lvl="1"/>
-            <a:r>
-              <a:rPr/>
-              <a:t>Statistics at or near the extremes</a:t>
-            </a:r>
-          </a:p>
-          <a:p>
-            <a:pPr lvl="0"/>
-            <a:r>
-              <a:rPr/>
-              <a:t>Situations where a simple bootstrap performs poorly</a:t>
-            </a:r>
-          </a:p>
-          <a:p>
-            <a:pPr lvl="1"/>
-            <a:r>
-              <a:rPr/>
-              <a:t>Multiple groups with small sample sizes</a:t>
-            </a:r>
-          </a:p>
-          <a:p>
-            <a:pPr lvl="1"/>
-            <a:r>
-              <a:rPr/>
-              <a:t>Time series models</a:t>
-            </a:r>
-          </a:p>
-          <a:p>
-            <a:pPr lvl="1"/>
-            <a:r>
-              <a:rPr/>
-              <a:t>Complex regression models</a:t>
-            </a:r>
-          </a:p>
-          <a:p>
-            <a:pPr lvl="0"/>
-            <a:r>
-              <a:rPr/>
-              <a:t>Situations where the bootstrap performs well</a:t>
-            </a:r>
-          </a:p>
-          <a:p>
-            <a:pPr lvl="1"/>
-            <a:r>
-              <a:rPr/>
-              <a:t>Statistics with no known theoretical results</a:t>
-            </a:r>
-          </a:p>
-          <a:p>
-            <a:pPr lvl="1"/>
-            <a:r>
-              <a:rPr/>
-              <a:t>Statistics where approximations are questionable</a:t>
+            <a:pPr lvl="0" indent="0">
+              <a:buNone/>
+            </a:pPr>
+            <a:r>
+              <a:rPr>
+                <a:latin typeface="Courier"/>
+              </a:rPr>
+              <a:t>Bootstrap Statistics :
+     original       bias    std. error
+t1* 0.6174493 -0.001528707  0.04020362</a:t>
             </a:r>
           </a:p>
         </p:txBody>
@@ -16513,7 +17513,7 @@
             </a:pPr>
             <a:r>
               <a:rPr/>
-              <a:t>Summary</a:t>
+              <a:t>Break #3</a:t>
             </a:r>
           </a:p>
         </p:txBody>
@@ -16536,28 +17536,518 @@
             <a:pPr lvl="0"/>
             <a:r>
               <a:rPr/>
-              <a:t>History</a:t>
+              <a:t>What have you learned</a:t>
+            </a:r>
+          </a:p>
+          <a:p>
+            <a:pPr lvl="1"/>
+            <a:r>
+              <a:rPr/>
+              <a:t>Software</a:t>
             </a:r>
           </a:p>
           <a:p>
             <a:pPr lvl="0"/>
             <a:r>
               <a:rPr/>
-              <a:t>Algorithms</a:t>
-            </a:r>
-          </a:p>
+              <a:t>What’s coming next</a:t>
+            </a:r>
+          </a:p>
+          <a:p>
+            <a:pPr lvl="1"/>
+            <a:r>
+              <a:rPr/>
+              <a:t>Special issues</a:t>
+            </a:r>
+          </a:p>
+        </p:txBody>
+      </p:sp>
+    </p:spTree>
+  </p:cSld>
+</p:sld>
+</file>
+
+<file path=ppt/slides/slide65.xml><?xml version="1.0" encoding="utf-8"?>
+<p:sld xmlns:a="http://schemas.openxmlformats.org/drawingml/2006/main" xmlns:r="http://schemas.openxmlformats.org/officeDocument/2006/relationships" xmlns:p="http://schemas.openxmlformats.org/presentationml/2006/main">
+  <p:cSld>
+    <p:spTree>
+      <p:nvGrpSpPr>
+        <p:cNvPr id="1" name=""/>
+        <p:cNvGrpSpPr/>
+        <p:nvPr/>
+      </p:nvGrpSpPr>
+      <p:grpSpPr>
+        <a:xfrm>
+          <a:off x="0" y="0"/>
+          <a:ext cx="0" cy="0"/>
+          <a:chOff x="0" y="0"/>
+          <a:chExt cx="0" cy="0"/>
+        </a:xfrm>
+      </p:grpSpPr>
+      <p:sp>
+        <p:nvSpPr>
+          <p:cNvPr id="2" name="Title 1"/>
+          <p:cNvSpPr>
+            <a:spLocks noGrp="1"/>
+          </p:cNvSpPr>
+          <p:nvPr>
+            <p:ph type="title"/>
+          </p:nvPr>
+        </p:nvSpPr>
+        <p:spPr/>
+        <p:txBody>
+          <a:bodyPr/>
+          <a:lstStyle/>
+          <a:p>
+            <a:pPr lvl="0" indent="0" marL="0">
+              <a:buNone/>
+            </a:pPr>
+            <a:r>
+              <a:rPr/>
+              <a:t>Special issues</a:t>
+            </a:r>
+          </a:p>
+        </p:txBody>
+      </p:sp>
+      <p:sp>
+        <p:nvSpPr>
+          <p:cNvPr id="3" name="Content Placeholder 2"/>
+          <p:cNvSpPr>
+            <a:spLocks noGrp="1"/>
+          </p:cNvSpPr>
+          <p:nvPr>
+            <p:ph idx="1"/>
+          </p:nvPr>
+        </p:nvSpPr>
+        <p:spPr/>
+        <p:txBody>
+          <a:bodyPr/>
+          <a:lstStyle/>
           <a:p>
             <a:pPr lvl="0"/>
             <a:r>
               <a:rPr/>
-              <a:t>Software</a:t>
+              <a:t>Multiple groups</a:t>
             </a:r>
           </a:p>
           <a:p>
             <a:pPr lvl="0"/>
             <a:r>
               <a:rPr/>
-              <a:t>Special issues</a:t>
+              <a:t>Time series</a:t>
+            </a:r>
+          </a:p>
+          <a:p>
+            <a:pPr lvl="0"/>
+            <a:r>
+              <a:rPr/>
+              <a:t>Regression models</a:t>
+            </a:r>
+          </a:p>
+        </p:txBody>
+      </p:sp>
+    </p:spTree>
+  </p:cSld>
+</p:sld>
+</file>
+
+<file path=ppt/slides/slide66.xml><?xml version="1.0" encoding="utf-8"?>
+<p:sld xmlns:a="http://schemas.openxmlformats.org/drawingml/2006/main" xmlns:r="http://schemas.openxmlformats.org/officeDocument/2006/relationships" xmlns:p="http://schemas.openxmlformats.org/presentationml/2006/main">
+  <p:cSld>
+    <p:spTree>
+      <p:nvGrpSpPr>
+        <p:cNvPr id="1" name=""/>
+        <p:cNvGrpSpPr/>
+        <p:nvPr/>
+      </p:nvGrpSpPr>
+      <p:grpSpPr>
+        <a:xfrm>
+          <a:off x="0" y="0"/>
+          <a:ext cx="0" cy="0"/>
+          <a:chOff x="0" y="0"/>
+          <a:chExt cx="0" cy="0"/>
+        </a:xfrm>
+      </p:grpSpPr>
+      <p:sp>
+        <p:nvSpPr>
+          <p:cNvPr id="2" name="Title 1"/>
+          <p:cNvSpPr>
+            <a:spLocks noGrp="1"/>
+          </p:cNvSpPr>
+          <p:nvPr>
+            <p:ph type="title"/>
+          </p:nvPr>
+        </p:nvSpPr>
+        <p:spPr/>
+        <p:txBody>
+          <a:bodyPr/>
+          <a:lstStyle/>
+          <a:p>
+            <a:pPr lvl="0" indent="0" marL="0">
+              <a:buNone/>
+            </a:pPr>
+            <a:r>
+              <a:rPr/>
+              <a:t>Multiple groups</a:t>
+            </a:r>
+          </a:p>
+        </p:txBody>
+      </p:sp>
+      <p:sp>
+        <p:nvSpPr>
+          <p:cNvPr id="3" name="Content Placeholder 2"/>
+          <p:cNvSpPr>
+            <a:spLocks noGrp="1"/>
+          </p:cNvSpPr>
+          <p:nvPr>
+            <p:ph idx="1"/>
+          </p:nvPr>
+        </p:nvSpPr>
+        <p:spPr/>
+        <p:txBody>
+          <a:bodyPr/>
+          <a:lstStyle/>
+          <a:p>
+            <a:pPr lvl="0"/>
+            <a:r>
+              <a:rPr/>
+              <a:t>Do you allow the group sizes to vary?</a:t>
+            </a:r>
+          </a:p>
+          <a:p>
+            <a:pPr lvl="0"/>
+            <a:r>
+              <a:rPr/>
+              <a:t>Stratified bootstrap</a:t>
+            </a:r>
+          </a:p>
+          <a:p>
+            <a:pPr lvl="1"/>
+            <a:r>
+              <a:rPr/>
+              <a:t>Two group example</a:t>
+            </a:r>
+          </a:p>
+        </p:txBody>
+      </p:sp>
+    </p:spTree>
+  </p:cSld>
+</p:sld>
+</file>
+
+<file path=ppt/slides/slide67.xml><?xml version="1.0" encoding="utf-8"?>
+<p:sld xmlns:a="http://schemas.openxmlformats.org/drawingml/2006/main" xmlns:r="http://schemas.openxmlformats.org/officeDocument/2006/relationships" xmlns:p="http://schemas.openxmlformats.org/presentationml/2006/main">
+  <p:cSld>
+    <p:spTree>
+      <p:nvGrpSpPr>
+        <p:cNvPr id="1" name=""/>
+        <p:cNvGrpSpPr/>
+        <p:nvPr/>
+      </p:nvGrpSpPr>
+      <p:grpSpPr>
+        <a:xfrm>
+          <a:off x="0" y="0"/>
+          <a:ext cx="0" cy="0"/>
+          <a:chOff x="0" y="0"/>
+          <a:chExt cx="0" cy="0"/>
+        </a:xfrm>
+      </p:grpSpPr>
+      <p:sp>
+        <p:nvSpPr>
+          <p:cNvPr id="2" name="Title 1"/>
+          <p:cNvSpPr>
+            <a:spLocks noGrp="1"/>
+          </p:cNvSpPr>
+          <p:nvPr>
+            <p:ph type="title"/>
+          </p:nvPr>
+        </p:nvSpPr>
+        <p:spPr/>
+        <p:txBody>
+          <a:bodyPr/>
+          <a:lstStyle/>
+          <a:p>
+            <a:pPr lvl="0" indent="0" marL="0">
+              <a:buNone/>
+            </a:pPr>
+            <a:r>
+              <a:rPr/>
+              <a:t>Time series</a:t>
+            </a:r>
+          </a:p>
+        </p:txBody>
+      </p:sp>
+      <p:sp>
+        <p:nvSpPr>
+          <p:cNvPr id="3" name="Content Placeholder 2"/>
+          <p:cNvSpPr>
+            <a:spLocks noGrp="1"/>
+          </p:cNvSpPr>
+          <p:nvPr>
+            <p:ph idx="1"/>
+          </p:nvPr>
+        </p:nvSpPr>
+        <p:spPr/>
+        <p:txBody>
+          <a:bodyPr/>
+          <a:lstStyle/>
+          <a:p>
+            <a:pPr lvl="0"/>
+            <a:r>
+              <a:rPr/>
+              <a:t>Simple bootstrap destroys important features of time series models</a:t>
+            </a:r>
+          </a:p>
+          <a:p>
+            <a:pPr lvl="1"/>
+            <a:r>
+              <a:rPr/>
+              <a:t>Evenly spaced observations</a:t>
+            </a:r>
+          </a:p>
+          <a:p>
+            <a:pPr lvl="1"/>
+            <a:r>
+              <a:rPr/>
+              <a:t>Serial correlation</a:t>
+            </a:r>
+          </a:p>
+          <a:p>
+            <a:pPr lvl="1"/>
+            <a:r>
+              <a:rPr/>
+              <a:t>Seasonality</a:t>
+            </a:r>
+          </a:p>
+          <a:p>
+            <a:pPr lvl="1"/>
+            <a:r>
+              <a:rPr/>
+              <a:t>Temporal trends</a:t>
+            </a:r>
+          </a:p>
+          <a:p>
+            <a:pPr lvl="0"/>
+            <a:r>
+              <a:rPr/>
+              <a:t>Solutions</a:t>
+            </a:r>
+          </a:p>
+          <a:p>
+            <a:pPr lvl="1"/>
+            <a:r>
+              <a:rPr/>
+              <a:t>Bootstrap blocks of consecutive observations</a:t>
+            </a:r>
+          </a:p>
+          <a:p>
+            <a:pPr lvl="1"/>
+            <a:r>
+              <a:rPr/>
+              <a:t>Detrend/decompose the time series</a:t>
+            </a:r>
+          </a:p>
+        </p:txBody>
+      </p:sp>
+    </p:spTree>
+  </p:cSld>
+</p:sld>
+</file>
+
+<file path=ppt/slides/slide68.xml><?xml version="1.0" encoding="utf-8"?>
+<p:sld xmlns:a="http://schemas.openxmlformats.org/drawingml/2006/main" xmlns:r="http://schemas.openxmlformats.org/officeDocument/2006/relationships" xmlns:p="http://schemas.openxmlformats.org/presentationml/2006/main">
+  <p:cSld>
+    <p:spTree>
+      <p:nvGrpSpPr>
+        <p:cNvPr id="1" name=""/>
+        <p:cNvGrpSpPr/>
+        <p:nvPr/>
+      </p:nvGrpSpPr>
+      <p:grpSpPr>
+        <a:xfrm>
+          <a:off x="0" y="0"/>
+          <a:ext cx="0" cy="0"/>
+          <a:chOff x="0" y="0"/>
+          <a:chExt cx="0" cy="0"/>
+        </a:xfrm>
+      </p:grpSpPr>
+      <p:sp>
+        <p:nvSpPr>
+          <p:cNvPr id="2" name="Title 1"/>
+          <p:cNvSpPr>
+            <a:spLocks noGrp="1"/>
+          </p:cNvSpPr>
+          <p:nvPr>
+            <p:ph type="title"/>
+          </p:nvPr>
+        </p:nvSpPr>
+        <p:spPr/>
+        <p:txBody>
+          <a:bodyPr/>
+          <a:lstStyle/>
+          <a:p>
+            <a:pPr lvl="0" indent="0" marL="0">
+              <a:buNone/>
+            </a:pPr>
+            <a:r>
+              <a:rPr/>
+              <a:t>Regression models</a:t>
+            </a:r>
+          </a:p>
+        </p:txBody>
+      </p:sp>
+      <p:sp>
+        <p:nvSpPr>
+          <p:cNvPr id="3" name="Content Placeholder 2"/>
+          <p:cNvSpPr>
+            <a:spLocks noGrp="1"/>
+          </p:cNvSpPr>
+          <p:nvPr>
+            <p:ph idx="1"/>
+          </p:nvPr>
+        </p:nvSpPr>
+        <p:spPr/>
+        <p:txBody>
+          <a:bodyPr/>
+          <a:lstStyle/>
+          <a:p>
+            <a:pPr lvl="0"/>
+            <a:r>
+              <a:rPr/>
+              <a:t>Subsample may have perfect collinearity</a:t>
+            </a:r>
+          </a:p>
+          <a:p>
+            <a:pPr lvl="0"/>
+            <a:r>
+              <a:rPr/>
+              <a:t>Are the independent variables fixed or random?</a:t>
+            </a:r>
+          </a:p>
+          <a:p>
+            <a:pPr lvl="0"/>
+            <a:r>
+              <a:rPr/>
+              <a:t>Solution: bootstrap residuals</a:t>
+            </a:r>
+          </a:p>
+        </p:txBody>
+      </p:sp>
+    </p:spTree>
+  </p:cSld>
+</p:sld>
+</file>
+
+<file path=ppt/slides/slide69.xml><?xml version="1.0" encoding="utf-8"?>
+<p:sld xmlns:a="http://schemas.openxmlformats.org/drawingml/2006/main" xmlns:r="http://schemas.openxmlformats.org/officeDocument/2006/relationships" xmlns:p="http://schemas.openxmlformats.org/presentationml/2006/main">
+  <p:cSld>
+    <p:spTree>
+      <p:nvGrpSpPr>
+        <p:cNvPr id="1" name=""/>
+        <p:cNvGrpSpPr/>
+        <p:nvPr/>
+      </p:nvGrpSpPr>
+      <p:grpSpPr>
+        <a:xfrm>
+          <a:off x="0" y="0"/>
+          <a:ext cx="0" cy="0"/>
+          <a:chOff x="0" y="0"/>
+          <a:chExt cx="0" cy="0"/>
+        </a:xfrm>
+      </p:grpSpPr>
+      <p:sp>
+        <p:nvSpPr>
+          <p:cNvPr id="2" name="Title 1"/>
+          <p:cNvSpPr>
+            <a:spLocks noGrp="1"/>
+          </p:cNvSpPr>
+          <p:nvPr>
+            <p:ph type="title"/>
+          </p:nvPr>
+        </p:nvSpPr>
+        <p:spPr/>
+        <p:txBody>
+          <a:bodyPr/>
+          <a:lstStyle/>
+          <a:p>
+            <a:pPr lvl="0" indent="0" marL="0">
+              <a:buNone/>
+            </a:pPr>
+            <a:r>
+              <a:rPr/>
+              <a:t>Final bits of advice (1/2)</a:t>
+            </a:r>
+          </a:p>
+        </p:txBody>
+      </p:sp>
+      <p:sp>
+        <p:nvSpPr>
+          <p:cNvPr id="3" name="Content Placeholder 2"/>
+          <p:cNvSpPr>
+            <a:spLocks noGrp="1"/>
+          </p:cNvSpPr>
+          <p:nvPr>
+            <p:ph idx="1"/>
+          </p:nvPr>
+        </p:nvSpPr>
+        <p:spPr/>
+        <p:txBody>
+          <a:bodyPr/>
+          <a:lstStyle/>
+          <a:p>
+            <a:pPr lvl="0"/>
+            <a:r>
+              <a:rPr/>
+              <a:t>Situations where the bootstrap performs poorly</a:t>
+            </a:r>
+          </a:p>
+          <a:p>
+            <a:pPr lvl="1"/>
+            <a:r>
+              <a:rPr/>
+              <a:t>Small sample size</a:t>
+            </a:r>
+          </a:p>
+          <a:p>
+            <a:pPr lvl="1"/>
+            <a:r>
+              <a:rPr/>
+              <a:t>Data from “weird” distributions</a:t>
+            </a:r>
+          </a:p>
+          <a:p>
+            <a:pPr lvl="1"/>
+            <a:r>
+              <a:rPr/>
+              <a:t>Statistics at or near the extremes</a:t>
+            </a:r>
+          </a:p>
+          <a:p>
+            <a:pPr lvl="0"/>
+            <a:r>
+              <a:rPr/>
+              <a:t>Situations where a simple bootstrap performs poorly</a:t>
+            </a:r>
+          </a:p>
+          <a:p>
+            <a:pPr lvl="1"/>
+            <a:r>
+              <a:rPr/>
+              <a:t>Multiple groups with small sample sizes</a:t>
+            </a:r>
+          </a:p>
+          <a:p>
+            <a:pPr lvl="1"/>
+            <a:r>
+              <a:rPr/>
+              <a:t>Time series models</a:t>
+            </a:r>
+          </a:p>
+          <a:p>
+            <a:pPr lvl="1"/>
+            <a:r>
+              <a:rPr/>
+              <a:t>Complex regression models</a:t>
             </a:r>
           </a:p>
         </p:txBody>
@@ -16856,6 +18346,195 @@
           </p:sp>
         </mc:Choice>
       </mc:AlternateContent>
+    </p:spTree>
+  </p:cSld>
+</p:sld>
+</file>
+
+<file path=ppt/slides/slide70.xml><?xml version="1.0" encoding="utf-8"?>
+<p:sld xmlns:a="http://schemas.openxmlformats.org/drawingml/2006/main" xmlns:r="http://schemas.openxmlformats.org/officeDocument/2006/relationships" xmlns:p="http://schemas.openxmlformats.org/presentationml/2006/main">
+  <p:cSld>
+    <p:spTree>
+      <p:nvGrpSpPr>
+        <p:cNvPr id="1" name=""/>
+        <p:cNvGrpSpPr/>
+        <p:nvPr/>
+      </p:nvGrpSpPr>
+      <p:grpSpPr>
+        <a:xfrm>
+          <a:off x="0" y="0"/>
+          <a:ext cx="0" cy="0"/>
+          <a:chOff x="0" y="0"/>
+          <a:chExt cx="0" cy="0"/>
+        </a:xfrm>
+      </p:grpSpPr>
+      <p:sp>
+        <p:nvSpPr>
+          <p:cNvPr id="2" name="Title 1"/>
+          <p:cNvSpPr>
+            <a:spLocks noGrp="1"/>
+          </p:cNvSpPr>
+          <p:nvPr>
+            <p:ph type="title"/>
+          </p:nvPr>
+        </p:nvSpPr>
+        <p:spPr/>
+        <p:txBody>
+          <a:bodyPr/>
+          <a:lstStyle/>
+          <a:p>
+            <a:pPr lvl="0" indent="0" marL="0">
+              <a:buNone/>
+            </a:pPr>
+            <a:r>
+              <a:rPr/>
+              <a:t>Final bits of advice (2/2)</a:t>
+            </a:r>
+          </a:p>
+        </p:txBody>
+      </p:sp>
+      <p:sp>
+        <p:nvSpPr>
+          <p:cNvPr id="3" name="Content Placeholder 2"/>
+          <p:cNvSpPr>
+            <a:spLocks noGrp="1"/>
+          </p:cNvSpPr>
+          <p:nvPr>
+            <p:ph idx="1"/>
+          </p:nvPr>
+        </p:nvSpPr>
+        <p:spPr/>
+        <p:txBody>
+          <a:bodyPr/>
+          <a:lstStyle/>
+          <a:p>
+            <a:pPr lvl="0"/>
+            <a:r>
+              <a:rPr/>
+              <a:t>Situations where the bootstrap performs well</a:t>
+            </a:r>
+          </a:p>
+          <a:p>
+            <a:pPr lvl="1"/>
+            <a:r>
+              <a:rPr/>
+              <a:t>Statistics with no known theoretical results</a:t>
+            </a:r>
+          </a:p>
+          <a:p>
+            <a:pPr lvl="1"/>
+            <a:r>
+              <a:rPr/>
+              <a:t>Statistics where approximations are questionable</a:t>
+            </a:r>
+          </a:p>
+          <a:p>
+            <a:pPr lvl="0"/>
+            <a:r>
+              <a:rPr/>
+              <a:t>But you can’t squeeze blood from a turnip.</a:t>
+            </a:r>
+          </a:p>
+          <a:p>
+            <a:pPr lvl="1"/>
+            <a:r>
+              <a:rPr/>
+              <a:t>Very small sample sizes are still very small sample sizes</a:t>
+            </a:r>
+          </a:p>
+        </p:txBody>
+      </p:sp>
+    </p:spTree>
+  </p:cSld>
+</p:sld>
+</file>
+
+<file path=ppt/slides/slide71.xml><?xml version="1.0" encoding="utf-8"?>
+<p:sld xmlns:a="http://schemas.openxmlformats.org/drawingml/2006/main" xmlns:r="http://schemas.openxmlformats.org/officeDocument/2006/relationships" xmlns:p="http://schemas.openxmlformats.org/presentationml/2006/main">
+  <p:cSld>
+    <p:spTree>
+      <p:nvGrpSpPr>
+        <p:cNvPr id="1" name=""/>
+        <p:cNvGrpSpPr/>
+        <p:nvPr/>
+      </p:nvGrpSpPr>
+      <p:grpSpPr>
+        <a:xfrm>
+          <a:off x="0" y="0"/>
+          <a:ext cx="0" cy="0"/>
+          <a:chOff x="0" y="0"/>
+          <a:chExt cx="0" cy="0"/>
+        </a:xfrm>
+      </p:grpSpPr>
+      <p:sp>
+        <p:nvSpPr>
+          <p:cNvPr id="2" name="Title 1"/>
+          <p:cNvSpPr>
+            <a:spLocks noGrp="1"/>
+          </p:cNvSpPr>
+          <p:nvPr>
+            <p:ph type="title"/>
+          </p:nvPr>
+        </p:nvSpPr>
+        <p:spPr/>
+        <p:txBody>
+          <a:bodyPr/>
+          <a:lstStyle/>
+          <a:p>
+            <a:pPr lvl="0" indent="0" marL="0">
+              <a:buNone/>
+            </a:pPr>
+            <a:r>
+              <a:rPr/>
+              <a:t>Summary</a:t>
+            </a:r>
+          </a:p>
+        </p:txBody>
+      </p:sp>
+      <p:sp>
+        <p:nvSpPr>
+          <p:cNvPr id="3" name="Content Placeholder 2"/>
+          <p:cNvSpPr>
+            <a:spLocks noGrp="1"/>
+          </p:cNvSpPr>
+          <p:nvPr>
+            <p:ph idx="1"/>
+          </p:nvPr>
+        </p:nvSpPr>
+        <p:spPr/>
+        <p:txBody>
+          <a:bodyPr/>
+          <a:lstStyle/>
+          <a:p>
+            <a:pPr lvl="0"/>
+            <a:r>
+              <a:rPr/>
+              <a:t>History</a:t>
+            </a:r>
+          </a:p>
+          <a:p>
+            <a:pPr lvl="0"/>
+            <a:r>
+              <a:rPr/>
+              <a:t>Algorithms</a:t>
+            </a:r>
+          </a:p>
+          <a:p>
+            <a:pPr lvl="0"/>
+            <a:r>
+              <a:rPr/>
+              <a:t>Software</a:t>
+            </a:r>
+          </a:p>
+          <a:p>
+            <a:pPr lvl="0"/>
+            <a:r>
+              <a:rPr/>
+              <a:t>Special issues</a:t>
+            </a:r>
+          </a:p>
+        </p:txBody>
+      </p:sp>
     </p:spTree>
   </p:cSld>
 </p:sld>
@@ -17586,6 +19265,9 @@
                             <m:sty m:val="p"/>
                           </m:rPr>
                           <m:t>,</m:t>
+                        </m:r>
+                        <m:r>
+                          <m:t> </m:t>
                         </m:r>
                         <m:r>
                           <m:t> </m:t>

--- a/bootstrap/src/bootstrap-slides.pptx
+++ b/bootstrap/src/bootstrap-slides.pptx
@@ -5,7 +5,7 @@
     <p:sldMasterId id="2147483648" r:id="rId1"/>
   </p:sldMasterIdLst>
   <p:notesMasterIdLst>
-    <p:notesMasterId r:id="rId73"/>
+    <p:notesMasterId r:id="rId72"/>
   </p:notesMasterIdLst>
   <p:sldIdLst>
     <p:sldId id="256" r:id="rId2"/>
@@ -78,9 +78,8 @@
     <p:sldId id="323" r:id="rId69"/>
     <p:sldId id="324" r:id="rId70"/>
     <p:sldId id="325" r:id="rId71"/>
-    <p:sldId id="326" r:id="rId72"/>
   </p:sldIdLst>
-  <p:sldSz cx="9144000" cy="5143500" type="screen16x9"/>
+  <p:sldSz cx="12192000" cy="6858000"/>
   <p:notesSz cx="6858000" cy="9144000"/>
   <p:defaultTextStyle>
     <a:defPPr>
@@ -180,12 +179,12 @@
   <p:extLst>
     <p:ext uri="{EFAFB233-063F-42B5-8137-9DF3F51BA10A}">
       <p15:sldGuideLst xmlns:p15="http://schemas.microsoft.com/office/powerpoint/2012/main">
-        <p15:guide id="1" orient="horz" pos="1620" userDrawn="1">
+        <p15:guide id="1" orient="horz" pos="2160" userDrawn="1">
           <p15:clr>
             <a:srgbClr val="A4A3A4"/>
           </p15:clr>
         </p15:guide>
-        <p15:guide id="2" pos="2880" userDrawn="1">
+        <p15:guide id="2" pos="3840" userDrawn="1">
           <p15:clr>
             <a:srgbClr val="A4A3A4"/>
           </p15:clr>
@@ -278,7 +277,7 @@
           <a:p>
             <a:fld id="{0F9C1CCF-B725-44A7-AA57-5E433BD85C9F}" type="datetimeFigureOut">
               <a:rPr lang="en-US" smtClean="0"/>
-              <a:t>1/2/22</a:t>
+              <a:t>5/1/2022</a:t>
             </a:fld>
             <a:endParaRPr lang="en-US"/>
           </a:p>
@@ -650,21 +649,21 @@
             </a:pPr>
             <a:r>
               <a:rPr/>
-              <a:t>Next, I will explain the reasons why you might want to use the bootstrap: to estimate bias, calculate standard errors, compute confidence intervals, test hypotheses, and to visualize variations in statistical plots.</a:t>
-            </a:r>
-          </a:p>
-          <a:p>
-            <a:pPr lvl="0" indent="0" marL="0">
-              <a:buNone/>
-            </a:pPr>
-          </a:p>
-          <a:p>
-            <a:pPr lvl="0" indent="0" marL="0">
-              <a:buNone/>
-            </a:pPr>
-            <a:r>
-              <a:rPr/>
-              <a:t>I will illustrate the mechanics of the bootstrap and show briefly how to implement the bootstrap in SAS, Stata, and R.</a:t>
+              <a:t>I will illustrate the mechanics of the bootstrap: to estimate bias, calculate standard errors, compute confidence intervals, test hypotheses, and to visualize variations in statistical plots.</a:t>
+            </a:r>
+          </a:p>
+          <a:p>
+            <a:pPr lvl="0" indent="0" marL="0">
+              <a:buNone/>
+            </a:pPr>
+          </a:p>
+          <a:p>
+            <a:pPr lvl="0" indent="0" marL="0">
+              <a:buNone/>
+            </a:pPr>
+            <a:r>
+              <a:rPr/>
+              <a:t>Then I will show some sample code on how to implement the bootstrap in SAS, Stata, and R.</a:t>
             </a:r>
           </a:p>
           <a:p>
@@ -1364,35 +1363,77 @@
             </a:pPr>
             <a:r>
               <a:rPr/>
-              <a:t>Suppose we have inside knowledge about the true probabilities for the data in our sample. Here is a cumulative distribution function that can generate data for a particular distribution. Notice that the curve is a bit lopsided, indicating a bit of a skew to the data.</a:t>
-            </a:r>
-          </a:p>
-          <a:p>
-            <a:pPr lvl="0" indent="0" marL="0">
-              <a:buNone/>
-            </a:pPr>
-          </a:p>
-          <a:p>
-            <a:pPr lvl="0" indent="0" marL="0">
-              <a:buNone/>
-            </a:pPr>
-            <a:r>
-              <a:rPr/>
-              <a:t>You also may notice that the median is about 2.5. To get the median find 0.5 on the y-axis, project over to the curve and down to 2.5.</a:t>
-            </a:r>
-          </a:p>
-          <a:p>
-            <a:pPr lvl="0" indent="0" marL="0">
-              <a:buNone/>
-            </a:pPr>
-          </a:p>
-          <a:p>
-            <a:pPr lvl="0" indent="0" marL="0">
-              <a:buNone/>
-            </a:pPr>
-            <a:r>
-              <a:rPr/>
-              <a:t>If you had the inside knowledge, you could generate random samples from this distribution and calculate statistics on those random samples. It is a basic tool in Statistics known as Monte Carlo simulation.</a:t>
+              <a:t>Suppose we have inside knowledge about the true probabilities for the data in our sample. Here is a cumulative distribution function that can generate data for a particular distribution.</a:t>
+            </a:r>
+          </a:p>
+          <a:p>
+            <a:pPr lvl="0" indent="0" marL="0">
+              <a:buNone/>
+            </a:pPr>
+          </a:p>
+          <a:p>
+            <a:pPr lvl="0" indent="0" marL="0">
+              <a:buNone/>
+            </a:pPr>
+            <a:r>
+              <a:rPr/>
+              <a:t>The cumulative distribution allows you to compute the cumulative probability for any data value. Select the data value on the X axis, project up to the curve and slide horizontally to read the cumulative probability on the Y axis.</a:t>
+            </a:r>
+          </a:p>
+          <a:p>
+            <a:pPr lvl="0" indent="0" marL="0">
+              <a:buNone/>
+            </a:pPr>
+          </a:p>
+          <a:p>
+            <a:pPr lvl="0" indent="0" marL="0">
+              <a:buNone/>
+            </a:pPr>
+            <a:r>
+              <a:rPr/>
+              <a:t>You can also invert the process to get a percentile. Select a percentile level on the Y-axis, project horizontally until you intersect the curve, then drop down to the X-axis to get the percentile.</a:t>
+            </a:r>
+          </a:p>
+          <a:p>
+            <a:pPr lvl="0" indent="0" marL="0">
+              <a:buNone/>
+            </a:pPr>
+          </a:p>
+          <a:p>
+            <a:pPr lvl="0" indent="0" marL="0">
+              <a:buNone/>
+            </a:pPr>
+            <a:r>
+              <a:rPr/>
+              <a:t>To get the median, for example, find 0.5 on the y-axis, project over to the curve and down to about 4.</a:t>
+            </a:r>
+          </a:p>
+          <a:p>
+            <a:pPr lvl="0" indent="0" marL="0">
+              <a:buNone/>
+            </a:pPr>
+          </a:p>
+          <a:p>
+            <a:pPr lvl="0" indent="0" marL="0">
+              <a:buNone/>
+            </a:pPr>
+            <a:r>
+              <a:rPr/>
+              <a:t>It’s subtle, but notice that the curve is a just a bit lopsided, indicating a tiny amount of a skewness in this data.</a:t>
+            </a:r>
+          </a:p>
+          <a:p>
+            <a:pPr lvl="0" indent="0" marL="0">
+              <a:buNone/>
+            </a:pPr>
+          </a:p>
+          <a:p>
+            <a:pPr lvl="0" indent="0" marL="0">
+              <a:buNone/>
+            </a:pPr>
+            <a:r>
+              <a:rPr/>
+              <a:t>If you had inside knowledge, enough to specify the cumulative distribution function, you could generate random samples from this distribution and calculate statistics on those random samples. It is a basic tool in Statistics known as Monte Carlo simulation.</a:t>
             </a:r>
           </a:p>
         </p:txBody>
@@ -1414,7 +1455,7 @@
           <a:p>
             <a:fld id="{18BDFEC3-8487-43E8-A154-7C12CBC1FFF2}" type="slidenum">
               <a:rPr lang="en-US"/>
-              <a:t>18</a:t>
+              <a:t>17</a:t>
             </a:fld>
             <a:endParaRPr lang="en-US"/>
           </a:p>
@@ -1474,21 +1515,35 @@
             </a:pPr>
             <a:r>
               <a:rPr/>
-              <a:t>The name bootstrap comes from the saying “Pull yourself up by your bootstraps”. It is a reference to getting something done without any help, but the image of lifting yourself into the air by yanking on a loop of your shoe is also an analogy to doing something that seems impossible. The Useless Etymology website has a [nice discussion][use1] of this saying, and the image you see here is taken from their website.</a:t>
-            </a:r>
-          </a:p>
-          <a:p>
-            <a:pPr lvl="0" indent="0" marL="0">
-              <a:buNone/>
-            </a:pPr>
-          </a:p>
-          <a:p>
-            <a:pPr lvl="0" indent="0" marL="0">
-              <a:buNone/>
-            </a:pPr>
-            <a:r>
-              <a:rPr/>
-              <a:t>The origin of this phrase is unclear. Several web pages trace this phrase back to a book, The Surprising Adventures of Baron Munchausen. This was a litany of tall tales somewhat akin to the Paul Bunyan character in American folklore. One of the improbable tasks that Baron Munchausen did was lifting himself out of a deep well by pulling on his bootstraps.</a:t>
+              <a:t>The simplest way to generate random variables from a specific cumulative density function is to select values on the y-axis from a random variable uniformly distributed on the interval 0 to 1. Project those values horizontally until they intersect the curve and then drop down to the X-axis. What you’re doing is picking random percentiles from the distribution.</a:t>
+            </a:r>
+          </a:p>
+          <a:p>
+            <a:pPr lvl="0" indent="0" marL="0">
+              <a:buNone/>
+            </a:pPr>
+          </a:p>
+          <a:p>
+            <a:pPr lvl="0" indent="0" marL="0">
+              <a:buNone/>
+            </a:pPr>
+            <a:r>
+              <a:rPr/>
+              <a:t>So grab n uniform random variables, convert them into percentiles from the cumulative distribution function, and then calculate some statistic like the mean absolute deviation. Get another set of n uniform random variables and repeat the process. With computers as fast as they are today, you could do this a few hundred or even a few thousand times and not break a sweat.</a:t>
+            </a:r>
+          </a:p>
+          <a:p>
+            <a:pPr lvl="0" indent="0" marL="0">
+              <a:buNone/>
+            </a:pPr>
+          </a:p>
+          <a:p>
+            <a:pPr lvl="0" indent="0" marL="0">
+              <a:buNone/>
+            </a:pPr>
+            <a:r>
+              <a:rPr/>
+              <a:t>Of course, most of the time, you can’t run this Monte Carlo simulation without making some strong assumptions. If you have a particular set of data, do you ever really know what the cumulative distribution function is that created this data? Even if you were lucky enough to have some inside information–that it was associated with a normal random variable, for example–you wouldn’t know which normal. You wouldn’t know the mu and you wouldn’t know the sigma.</a:t>
             </a:r>
           </a:p>
         </p:txBody>
@@ -1510,7 +1565,7 @@
           <a:p>
             <a:fld id="{18BDFEC3-8487-43E8-A154-7C12CBC1FFF2}" type="slidenum">
               <a:rPr lang="en-US"/>
-              <a:t>22</a:t>
+              <a:t>18</a:t>
             </a:fld>
             <a:endParaRPr lang="en-US"/>
           </a:p>
@@ -1570,21 +1625,35 @@
             </a:pPr>
             <a:r>
               <a:rPr/>
-              <a:t>I want to briefly address an important application of the bootstrap to machine learning. Bagging is a portmanteau, a combination and shortening of two words: bootstrap aggregation.</a:t>
-            </a:r>
-          </a:p>
-          <a:p>
-            <a:pPr lvl="0" indent="0" marL="0">
-              <a:buNone/>
-            </a:pPr>
-          </a:p>
-          <a:p>
-            <a:pPr lvl="0" indent="0" marL="0">
-              <a:buNone/>
-            </a:pPr>
-            <a:r>
-              <a:rPr/>
-              <a:t>The basic building block for bagging in the random forest model is the CART model, Classification and Regression Trees.</a:t>
+              <a:t>You can get a good approximation to the cumulative distribution function using the data. Draw a step function with a jump of 1/n at each data point where n is the number of data points.</a:t>
+            </a:r>
+          </a:p>
+          <a:p>
+            <a:pPr lvl="0" indent="0" marL="0">
+              <a:buNone/>
+            </a:pPr>
+          </a:p>
+          <a:p>
+            <a:pPr lvl="0" indent="0" marL="0">
+              <a:buNone/>
+            </a:pPr>
+            <a:r>
+              <a:rPr/>
+              <a:t>This step function is known as the empirical cumulative distribution function.</a:t>
+            </a:r>
+          </a:p>
+          <a:p>
+            <a:pPr lvl="0" indent="0" marL="0">
+              <a:buNone/>
+            </a:pPr>
+          </a:p>
+          <a:p>
+            <a:pPr lvl="0" indent="0" marL="0">
+              <a:buNone/>
+            </a:pPr>
+            <a:r>
+              <a:rPr/>
+              <a:t>The empirical cumulative distribution function does a pretty good job. It is unbiased and converges to the true cumulative distribution function as the sample size increases.</a:t>
             </a:r>
           </a:p>
         </p:txBody>
@@ -1606,7 +1675,7 @@
           <a:p>
             <a:fld id="{18BDFEC3-8487-43E8-A154-7C12CBC1FFF2}" type="slidenum">
               <a:rPr lang="en-US"/>
-              <a:t>23</a:t>
+              <a:t>19</a:t>
             </a:fld>
             <a:endParaRPr lang="en-US"/>
           </a:p>
@@ -1666,35 +1735,35 @@
             </a:pPr>
             <a:r>
               <a:rPr/>
-              <a:t>A regression tree is a model used for continuous outcomes. It finds optimal splits of the data that create subgroups where the outcome variable shows very little variation. This is an example from the Statology blog on how to fit CART models.</a:t>
-            </a:r>
-          </a:p>
-          <a:p>
-            <a:pPr lvl="0" indent="0" marL="0">
-              <a:buNone/>
-            </a:pPr>
-          </a:p>
-          <a:p>
-            <a:pPr lvl="0" indent="0" marL="0">
-              <a:buNone/>
-            </a:pPr>
-            <a:r>
-              <a:rPr/>
-              <a:t>Zach Bobbitt. How to Fit Classification and Regression Trees in R. Statology blog, 2020-11-22. Available in html format.</a:t>
-            </a:r>
-          </a:p>
-          <a:p>
-            <a:pPr lvl="0" indent="0" marL="0">
-              <a:buNone/>
-            </a:pPr>
-          </a:p>
-          <a:p>
-            <a:pPr lvl="0" indent="0" marL="0">
-              <a:buNone/>
-            </a:pPr>
-            <a:r>
-              <a:rPr/>
-              <a:t>The graph shows a prediction model for baseball player salaries. If the numbers seem low, it is because the data comes form 1987. The first split is between years in the league. If it is less than 4.5, the node to the left shows a mean salary of 225.83 thousand dollars. If it is greater than 4.5, the node to the right shows an additional split: were the number of home runs less than 16.5, then another split is the number of home runs also less than 8.5 then the mean salary is 502.81 thousand dollars. I won’t go through every branch, but each of the final nodes is a combination of splits involving years in the league or home runs.</a:t>
+              <a:t>If you can’t generate random variables from the true cumulative distribution function, then a good approximation would be to generate random variables from the empirical cumulative distribution function. Generate values on the Y-axis that are uniformly distributed on the interval 0 to 1, project over horizontally and then drop down to the X-axis.</a:t>
+            </a:r>
+          </a:p>
+          <a:p>
+            <a:pPr lvl="0" indent="0" marL="0">
+              <a:buNone/>
+            </a:pPr>
+          </a:p>
+          <a:p>
+            <a:pPr lvl="0" indent="0" marL="0">
+              <a:buNone/>
+            </a:pPr>
+            <a:r>
+              <a:rPr/>
+              <a:t>What you’re doing here is sampling from the data with replacement. So, at least intuitively, this is equivalent to an approximate Monte Carlo simulation based on the empirical cumulative distribution function.</a:t>
+            </a:r>
+          </a:p>
+          <a:p>
+            <a:pPr lvl="0" indent="0" marL="0">
+              <a:buNone/>
+            </a:pPr>
+          </a:p>
+          <a:p>
+            <a:pPr lvl="0" indent="0" marL="0">
+              <a:buNone/>
+            </a:pPr>
+            <a:r>
+              <a:rPr/>
+              <a:t>Notice in this example that some of the data values appear two or more times and others are not selected at all. Because it is done randomly, you get a reasonable set of simulated values, even without knowing the true underlying cumulative distribution function.</a:t>
             </a:r>
           </a:p>
         </p:txBody>
@@ -1716,7 +1785,7 @@
           <a:p>
             <a:fld id="{18BDFEC3-8487-43E8-A154-7C12CBC1FFF2}" type="slidenum">
               <a:rPr lang="en-US"/>
-              <a:t>24</a:t>
+              <a:t>20</a:t>
             </a:fld>
             <a:endParaRPr lang="en-US"/>
           </a:p>
@@ -1790,7 +1859,7 @@
             </a:pPr>
             <a:r>
               <a:rPr/>
-              <a:t>The bootstrap represents an early attempt to use the power of computer simulation to estimate bias, calculate standard errors, produce confidence intervals, and test hypotheses. The bootstrap provides these answers in many settings where you can’t find a variation on the Central Limit Theorem that would apply or when you don’t trust the approximation. I’ll provide a brief overview of the jackknife, an earlier approach that the bootstrap was based on. Then I’ll talk about Bradley Efron’s work in the 1970’s and 1980’s to develop the bootstrap and to establish the mathematical principles that make the bootstrap work in so many different areas. Finally, I will talk about how bootstrapping came to be relied on in various machine learning algorithms.</a:t>
+              <a:t>The bootstrap represents an early attempt to use the power of computer simulation to estimate bias, calculate standard errors, produce confidence intervals, and test hypotheses. The bootstrap provides these answers in many settings where you can’t find a version of the Central Limit Theorem that would apply or when you don’t trust the approximation. I’ll provide a brief overview of the jackknife, an earlier approach that the bootstrap was based on. Then I’ll talk about Bradley Efron’s work in the 1970’s and 1980’s to develop the bootstrap and to establish the mathematical principles that make the bootstrap work in so many different areas. Finally, I will talk about how bootstrapping came to be relied on in various machine learning algorithms.</a:t>
             </a:r>
           </a:p>
         </p:txBody>
@@ -1872,49 +1941,35 @@
             </a:pPr>
             <a:r>
               <a:rPr/>
-              <a:t>This is an example of a classification tree. You use a classification tree when you are predicting a binary outcome.</a:t>
-            </a:r>
-          </a:p>
-          <a:p>
-            <a:pPr lvl="0" indent="0" marL="0">
-              <a:buNone/>
-            </a:pPr>
-          </a:p>
-          <a:p>
-            <a:pPr lvl="0" indent="0" marL="0">
-              <a:buNone/>
-            </a:pPr>
-            <a:r>
-              <a:rPr/>
-              <a:t>This is an example from the Wikipedia page on decision tree learning. It is work by Gilgoldm and published under a Creative Commons open source license (CC BY-SA 4.0) and is available for download here.</a:t>
-            </a:r>
-          </a:p>
-          <a:p>
-            <a:pPr lvl="0" indent="0" marL="0">
-              <a:buNone/>
-            </a:pPr>
-          </a:p>
-          <a:p>
-            <a:pPr lvl="0" indent="0" marL="0">
-              <a:buNone/>
-            </a:pPr>
-            <a:r>
-              <a:rPr/>
-              <a:t>Both classification trees and regression trees have a tendency to overfit the data. They are also highly sensitive to small changes in the data. In fact, I would have a hard time recommending the use of these models at all.</a:t>
-            </a:r>
-          </a:p>
-          <a:p>
-            <a:pPr lvl="0" indent="0" marL="0">
-              <a:buNone/>
-            </a:pPr>
-          </a:p>
-          <a:p>
-            <a:pPr lvl="0" indent="0" marL="0">
-              <a:buNone/>
-            </a:pPr>
-            <a:r>
-              <a:rPr/>
-              <a:t>There is an approach, however, that largely overcomes these concerns. It is called an ensemble approach. You combine multiple regression or classification trees into a “forest.” And you do this with the help of the bootstrap.</a:t>
+              <a:t>The name bootstrap comes from the saying “Lift yourself up by your bootstraps”. It is a reference to getting something done without any help. This is analogous to the statistical bootstrap. It produces results with just the data at hand and no outside help from an assumed distribution.</a:t>
+            </a:r>
+          </a:p>
+          <a:p>
+            <a:pPr lvl="0" indent="0" marL="0">
+              <a:buNone/>
+            </a:pPr>
+          </a:p>
+          <a:p>
+            <a:pPr lvl="0" indent="0" marL="0">
+              <a:buNone/>
+            </a:pPr>
+            <a:r>
+              <a:rPr/>
+              <a:t>But the image of lifting yourself into the air by yanking on a loop of your shoe is also an analogy to doing something that seems impossible. The Useless Etymology website has a nice discussion of this saying, and the image you see here is taken from their website.</a:t>
+            </a:r>
+          </a:p>
+          <a:p>
+            <a:pPr lvl="0" indent="0" marL="0">
+              <a:buNone/>
+            </a:pPr>
+          </a:p>
+          <a:p>
+            <a:pPr lvl="0" indent="0" marL="0">
+              <a:buNone/>
+            </a:pPr>
+            <a:r>
+              <a:rPr/>
+              <a:t>The origin of this phrase “Lift yourself up by your bootstraps” is unclear. Several web pages trace this phrase back to a book, The Surprising Adventures of Baron Munchausen. This was a litany of tall tales somewhat akin to the Paul Bunyan character in American folklore. One of the improbable tasks that Baron Munchausen did was lifting himself out of a deep well by pulling on his bootstraps.</a:t>
             </a:r>
           </a:p>
         </p:txBody>
@@ -1936,7 +1991,7 @@
           <a:p>
             <a:fld id="{18BDFEC3-8487-43E8-A154-7C12CBC1FFF2}" type="slidenum">
               <a:rPr lang="en-US"/>
-              <a:t>25</a:t>
+              <a:t>21</a:t>
             </a:fld>
             <a:endParaRPr lang="en-US"/>
           </a:p>
@@ -1996,35 +2051,21 @@
             </a:pPr>
             <a:r>
               <a:rPr/>
-              <a:t>In bagging, you fit a model (in the case of Random Forests, you fit a CART model) to a few hundred or thousand bootstrap samples. Get predicted values for each model. Average those predicted values across all the bootstrap samples.</a:t>
-            </a:r>
-          </a:p>
-          <a:p>
-            <a:pPr lvl="0" indent="0" marL="0">
-              <a:buNone/>
-            </a:pPr>
-          </a:p>
-          <a:p>
-            <a:pPr lvl="0" indent="0" marL="0">
-              <a:buNone/>
-            </a:pPr>
-            <a:r>
-              <a:rPr/>
-              <a:t>There are some additional enhancements to the Random Forest models, but the key element is the bagging step.</a:t>
-            </a:r>
-          </a:p>
-          <a:p>
-            <a:pPr lvl="0" indent="0" marL="0">
-              <a:buNone/>
-            </a:pPr>
-          </a:p>
-          <a:p>
-            <a:pPr lvl="0" indent="0" marL="0">
-              <a:buNone/>
-            </a:pPr>
-            <a:r>
-              <a:rPr/>
-              <a:t>Note: Each bootstrap sample might produce a different set of independent variables, so you can’t say anything directly about which variables help the most in predicting the outcome. You can’t get p-values or confidence intervals for individual independent variables. There are some indirect ways to assess this, but I will not talk about these.</a:t>
+              <a:t>I want to briefly address bagging, an important application of the bootstrap to machine learning. Bagging is a portmanteau, a combination and shortening of two words: bootstrap aggregation.</a:t>
+            </a:r>
+          </a:p>
+          <a:p>
+            <a:pPr lvl="0" indent="0" marL="0">
+              <a:buNone/>
+            </a:pPr>
+          </a:p>
+          <a:p>
+            <a:pPr lvl="0" indent="0" marL="0">
+              <a:buNone/>
+            </a:pPr>
+            <a:r>
+              <a:rPr/>
+              <a:t>The basic building block for bagging in the random forest model is the CART model. CART is an acronym for Classification and Regression Trees.</a:t>
             </a:r>
           </a:p>
         </p:txBody>
@@ -2046,7 +2087,7 @@
           <a:p>
             <a:fld id="{18BDFEC3-8487-43E8-A154-7C12CBC1FFF2}" type="slidenum">
               <a:rPr lang="en-US"/>
-              <a:t>26</a:t>
+              <a:t>22</a:t>
             </a:fld>
             <a:endParaRPr lang="en-US"/>
           </a:p>
@@ -2106,7 +2147,35 @@
             </a:pPr>
             <a:r>
               <a:rPr/>
-              <a:t>I want to show the algorithms used in bootstrapping. These fall into four categories: estimating bias, calculating standard errors, computing confidence intervals, and testing hypotheses.</a:t>
+              <a:t>A regression tree is a model used for continuous outcomes. It finds optimal splits of the data that create subgroups where the outcome variable shows very little variation. This is an example from the Statology blog on how to fit CART models.</a:t>
+            </a:r>
+          </a:p>
+          <a:p>
+            <a:pPr lvl="0" indent="0" marL="0">
+              <a:buNone/>
+            </a:pPr>
+          </a:p>
+          <a:p>
+            <a:pPr lvl="0" indent="0" marL="0">
+              <a:buNone/>
+            </a:pPr>
+            <a:r>
+              <a:rPr/>
+              <a:t>Zach Bobbitt. How to Fit Classification and Regression Trees in R. Statology blog, 2020-11-22. Available in html format.</a:t>
+            </a:r>
+          </a:p>
+          <a:p>
+            <a:pPr lvl="0" indent="0" marL="0">
+              <a:buNone/>
+            </a:pPr>
+          </a:p>
+          <a:p>
+            <a:pPr lvl="0" indent="0" marL="0">
+              <a:buNone/>
+            </a:pPr>
+            <a:r>
+              <a:rPr/>
+              <a:t>The graph shows a prediction model for baseball player salaries. If the numbers seem low, it is because the data comes form 1987. The first split is between years in the league. If it is less than 4.5, the node to the left shows a mean salary of 225.83 thousand dollars. If it is greater than 4.5, the node to the right shows an additional split: were the number of home runs less than 16.5, then another split is the number of home runs also less than 8.5 then the mean salary is 502.81 thousand dollars. I won’t go through every branch, but each of the final nodes is a combination of splits involving years in the league or home runs.</a:t>
             </a:r>
           </a:p>
         </p:txBody>
@@ -2128,7 +2197,7 @@
           <a:p>
             <a:fld id="{18BDFEC3-8487-43E8-A154-7C12CBC1FFF2}" type="slidenum">
               <a:rPr lang="en-US"/>
-              <a:t>28</a:t>
+              <a:t>23</a:t>
             </a:fld>
             <a:endParaRPr lang="en-US"/>
           </a:p>
@@ -2188,21 +2257,77 @@
             </a:pPr>
             <a:r>
               <a:rPr/>
-              <a:t>For all of the proposed uses of the bootstrap, you start with an estimate based on the full dataset. Call that estimate theta-hat.</a:t>
-            </a:r>
-          </a:p>
-          <a:p>
-            <a:pPr lvl="0" indent="0" marL="0">
-              <a:buNone/>
-            </a:pPr>
-          </a:p>
-          <a:p>
-            <a:pPr lvl="0" indent="0" marL="0">
-              <a:buNone/>
-            </a:pPr>
-            <a:r>
-              <a:rPr/>
-              <a:t>Then for each bootstrap sample, you calculate the same estimate.</a:t>
+              <a:t>This is an example of a classification tree. You use a classification tree when you are predicting a binary outcome.</a:t>
+            </a:r>
+          </a:p>
+          <a:p>
+            <a:pPr lvl="0" indent="0" marL="0">
+              <a:buNone/>
+            </a:pPr>
+          </a:p>
+          <a:p>
+            <a:pPr lvl="0" indent="0" marL="0">
+              <a:buNone/>
+            </a:pPr>
+            <a:r>
+              <a:rPr/>
+              <a:t>This is an example from the Wikipedia page on decision tree learning. It is work by Gilgoldm and published under a Creative Commons open source license (CC BY-SA 4.0) and is available for download here.</a:t>
+            </a:r>
+          </a:p>
+          <a:p>
+            <a:pPr lvl="0" indent="0" marL="0">
+              <a:buNone/>
+            </a:pPr>
+          </a:p>
+          <a:p>
+            <a:pPr lvl="0" indent="0" marL="0">
+              <a:buNone/>
+            </a:pPr>
+            <a:r>
+              <a:rPr/>
+              <a:t>This classification tree creates splits that lead to probabilities that are homogenous (close to either 0 or 1). This tree looks at survival of passengers on the Titanic. The Titanic was a massive passenger ship, especially massive for its time. It was so big that it was considered unsinkable. It first sailed across the Atlantic in 1912, hit an iceberg, and sank like a stone. Many of the passengers died, but the deaths were not distributed evenly across all demographic groups.</a:t>
+            </a:r>
+          </a:p>
+          <a:p>
+            <a:pPr lvl="0" indent="0" marL="0">
+              <a:buNone/>
+            </a:pPr>
+          </a:p>
+          <a:p>
+            <a:pPr lvl="0" indent="0" marL="0">
+              <a:buNone/>
+            </a:pPr>
+            <a:r>
+              <a:rPr/>
+              <a:t>The classification tree for survival first splits by gender. For females, you can’t improve things too much by splitting further. This group has a 0.73 survival probability and it represents 36% of the total data. For males, you can improve the homogeneity of the outcome by looking at age and the number of siblings. For males, being young (under 9.5 years of age) and not being part of a big family (two or fewer siblings) leads to a suvival probability of 0.89. But this is a small subset of the passengers, only 2% of the total.</a:t>
+            </a:r>
+          </a:p>
+          <a:p>
+            <a:pPr lvl="0" indent="0" marL="0">
+              <a:buNone/>
+            </a:pPr>
+          </a:p>
+          <a:p>
+            <a:pPr lvl="0" indent="0" marL="0">
+              <a:buNone/>
+            </a:pPr>
+            <a:r>
+              <a:rPr/>
+              <a:t>Both classification trees and regression trees have a tendency to overfit the data. They are also highly sensitive to small changes in the data. In fact, I would have a hard time recommending the use of these models at all.</a:t>
+            </a:r>
+          </a:p>
+          <a:p>
+            <a:pPr lvl="0" indent="0" marL="0">
+              <a:buNone/>
+            </a:pPr>
+          </a:p>
+          <a:p>
+            <a:pPr lvl="0" indent="0" marL="0">
+              <a:buNone/>
+            </a:pPr>
+            <a:r>
+              <a:rPr/>
+              <a:t>There is an approach, however, that largely overcomes these concerns. It is called an ensemble approach. You combine multiple regression or classification trees into a “forest.” And you do this with the help of the bootstrap.</a:t>
             </a:r>
           </a:p>
         </p:txBody>
@@ -2224,7 +2349,7 @@
           <a:p>
             <a:fld id="{18BDFEC3-8487-43E8-A154-7C12CBC1FFF2}" type="slidenum">
               <a:rPr lang="en-US"/>
-              <a:t>29</a:t>
+              <a:t>24</a:t>
             </a:fld>
             <a:endParaRPr lang="en-US"/>
           </a:p>
@@ -2284,49 +2409,35 @@
             </a:pPr>
             <a:r>
               <a:rPr/>
-              <a:t>To estimate bias, see how much the average of the bootstrapped estimates differs from the estimate based on the full sample.</a:t>
-            </a:r>
-          </a:p>
-          <a:p>
-            <a:pPr lvl="0" indent="0" marL="0">
-              <a:buNone/>
-            </a:pPr>
-          </a:p>
-          <a:p>
-            <a:pPr lvl="0" indent="0" marL="0">
-              <a:buNone/>
-            </a:pPr>
-            <a:r>
-              <a:rPr/>
-              <a:t>For what it’s worth, many people (including myself) consider concerns about bias to be overblown. There are times when a biased estimate can be quite serious, especially if the bias is caused by a flaw in the sampling process. But debates about whether you should divide n versus n-1 in the formula for variance are a bit silly.</a:t>
-            </a:r>
-          </a:p>
-          <a:p>
-            <a:pPr lvl="0" indent="0" marL="0">
-              <a:buNone/>
-            </a:pPr>
-          </a:p>
-          <a:p>
-            <a:pPr lvl="0" indent="0" marL="0">
-              <a:buNone/>
-            </a:pPr>
-            <a:r>
-              <a:rPr/>
-              <a:t>Furthermore, a small amount of bias in an estimator may be worth it if you can get less sampling error in return.</a:t>
-            </a:r>
-          </a:p>
-          <a:p>
-            <a:pPr lvl="0" indent="0" marL="0">
-              <a:buNone/>
-            </a:pPr>
-          </a:p>
-          <a:p>
-            <a:pPr lvl="0" indent="0" marL="0">
-              <a:buNone/>
-            </a:pPr>
-            <a:r>
-              <a:rPr/>
-              <a:t>There’s no correct answer about if and when you should adjust for bias, but I am presenting it here as a simple application of the bootstrap. In all candor, the use of the bootstrap for calculating standard errors, computing confidence intervals, and testing hypotheses are far more common uses of the bootstrap.</a:t>
+              <a:t>In bagging, you fit a model (in the case of Random Forests, you fit a CART model) to a few hundred or thousand bootstrap samples. Get predicted values for each model. Average those predicted values across all the bootstrap samples.</a:t>
+            </a:r>
+          </a:p>
+          <a:p>
+            <a:pPr lvl="0" indent="0" marL="0">
+              <a:buNone/>
+            </a:pPr>
+          </a:p>
+          <a:p>
+            <a:pPr lvl="0" indent="0" marL="0">
+              <a:buNone/>
+            </a:pPr>
+            <a:r>
+              <a:rPr/>
+              <a:t>There are some additional enhancements to the Random Forest models, but the key element is the bagging step.</a:t>
+            </a:r>
+          </a:p>
+          <a:p>
+            <a:pPr lvl="0" indent="0" marL="0">
+              <a:buNone/>
+            </a:pPr>
+          </a:p>
+          <a:p>
+            <a:pPr lvl="0" indent="0" marL="0">
+              <a:buNone/>
+            </a:pPr>
+            <a:r>
+              <a:rPr/>
+              <a:t>Note: Each bootstrap sample might produce a different set of independent variables, so you can’t say anything directly about which variables help the most in predicting the outcome. You can’t get p-values or confidence intervals for individual independent variables. There are some indirect ways to assess this, but I will not talk about these.</a:t>
             </a:r>
           </a:p>
         </p:txBody>
@@ -2348,7 +2459,7 @@
           <a:p>
             <a:fld id="{18BDFEC3-8487-43E8-A154-7C12CBC1FFF2}" type="slidenum">
               <a:rPr lang="en-US"/>
-              <a:t>30</a:t>
+              <a:t>25</a:t>
             </a:fld>
             <a:endParaRPr lang="en-US"/>
           </a:p>
@@ -2408,35 +2519,7 @@
             </a:pPr>
             <a:r>
               <a:rPr/>
-              <a:t>You can use the standard deviation of the bootstrapped estimates as an estimate of the standard error of your statistic.</a:t>
-            </a:r>
-          </a:p>
-          <a:p>
-            <a:pPr lvl="0" indent="0" marL="0">
-              <a:buNone/>
-            </a:pPr>
-          </a:p>
-          <a:p>
-            <a:pPr lvl="0" indent="0" marL="0">
-              <a:buNone/>
-            </a:pPr>
-            <a:r>
-              <a:rPr/>
-              <a:t>We’ll talk next about confidence intervals and hypothesis tests. But the question arises: why would you want a bootstrap estimate of the standard error if not to use it in a confidence interval or a hypothesis test?</a:t>
-            </a:r>
-          </a:p>
-          <a:p>
-            <a:pPr lvl="0" indent="0" marL="0">
-              <a:buNone/>
-            </a:pPr>
-          </a:p>
-          <a:p>
-            <a:pPr lvl="0" indent="0" marL="0">
-              <a:buNone/>
-            </a:pPr>
-            <a:r>
-              <a:rPr/>
-              <a:t>Perhaps there is some value in getting the standard error using a classic approach and comparing it to the bootstrap estimate of the standard error. If the two are close, that gives you some reassurance that the classic approach is appropriate. If they differ, then examine things like whether the sample size is large enough to justify the normal approximation or if other assumptions that you need are justifiable.</a:t>
+              <a:t>I want to show the algorithms used in bootstrapping. These fall into five categories: estimating bias, calculating standard errors, computing confidence intervals, testing hypotheses, and visualization. I also want to provide some guidance on how many bootstrap samples you need.</a:t>
             </a:r>
           </a:p>
         </p:txBody>
@@ -2458,7 +2541,7 @@
           <a:p>
             <a:fld id="{18BDFEC3-8487-43E8-A154-7C12CBC1FFF2}" type="slidenum">
               <a:rPr lang="en-US"/>
-              <a:t>31</a:t>
+              <a:t>27</a:t>
             </a:fld>
             <a:endParaRPr lang="en-US"/>
           </a:p>
@@ -2518,7 +2601,21 @@
             </a:pPr>
             <a:r>
               <a:rPr/>
-              <a:t>The most frequent use of the bootstrap, by far, is the creation of confidence intervals. There are many ways to do this, but three of the most common approaches are a classical interval using the bootstrap standard error, an interval that relies on percentiles from the bootstrap distribution, and some corrections that improve the accuracy of percentile confidence interval.</a:t>
+              <a:t>For all of the proposed uses of the bootstrap, you start with an estimate based on the full dataset. Call that estimate theta-hat.</a:t>
+            </a:r>
+          </a:p>
+          <a:p>
+            <a:pPr lvl="0" indent="0" marL="0">
+              <a:buNone/>
+            </a:pPr>
+          </a:p>
+          <a:p>
+            <a:pPr lvl="0" indent="0" marL="0">
+              <a:buNone/>
+            </a:pPr>
+            <a:r>
+              <a:rPr/>
+              <a:t>Then for each bootstrap sample, you calculate the same estimate. Call these theta-hat superscript 1, theta-hat superscript 2, all the way through to theta-hat superscript B, where B is the number of bootstrap samples.</a:t>
             </a:r>
           </a:p>
         </p:txBody>
@@ -2540,7 +2637,7 @@
           <a:p>
             <a:fld id="{18BDFEC3-8487-43E8-A154-7C12CBC1FFF2}" type="slidenum">
               <a:rPr lang="en-US"/>
-              <a:t>32</a:t>
+              <a:t>28</a:t>
             </a:fld>
             <a:endParaRPr lang="en-US"/>
           </a:p>
@@ -2600,21 +2697,49 @@
             </a:pPr>
             <a:r>
               <a:rPr/>
-              <a:t>Once you have a standard error, the simplest confidence interval is going use the bootstrap estimate plus or minus a percentile from the standard normal distribution times the bootstrap standard deviation.</a:t>
-            </a:r>
-          </a:p>
-          <a:p>
-            <a:pPr lvl="0" indent="0" marL="0">
-              <a:buNone/>
-            </a:pPr>
-          </a:p>
-          <a:p>
-            <a:pPr lvl="0" indent="0" marL="0">
-              <a:buNone/>
-            </a:pPr>
-            <a:r>
-              <a:rPr/>
-              <a:t>There is some controversy about whether you should use a t distribution here. I personally do not recommend it, because it is unclear what the degrees of freedom should be.</a:t>
+              <a:t>To estimate bias, see how much the average of the bootstrapped estimates differs from the estimate based on the full sample.</a:t>
+            </a:r>
+          </a:p>
+          <a:p>
+            <a:pPr lvl="0" indent="0" marL="0">
+              <a:buNone/>
+            </a:pPr>
+          </a:p>
+          <a:p>
+            <a:pPr lvl="0" indent="0" marL="0">
+              <a:buNone/>
+            </a:pPr>
+            <a:r>
+              <a:rPr/>
+              <a:t>For what it’s worth, many people (including myself) consider concerns about bias to be overblown. There are times when a biased estimate can be quite serious, especially if the bias is caused by a flaw in the sampling process. But debates about whether you should divide n versus n-1 in the formula for variance are a bit silly.</a:t>
+            </a:r>
+          </a:p>
+          <a:p>
+            <a:pPr lvl="0" indent="0" marL="0">
+              <a:buNone/>
+            </a:pPr>
+          </a:p>
+          <a:p>
+            <a:pPr lvl="0" indent="0" marL="0">
+              <a:buNone/>
+            </a:pPr>
+            <a:r>
+              <a:rPr/>
+              <a:t>Furthermore, a small amount of bias in an estimator may be worth it if you can get less sampling error in return.</a:t>
+            </a:r>
+          </a:p>
+          <a:p>
+            <a:pPr lvl="0" indent="0" marL="0">
+              <a:buNone/>
+            </a:pPr>
+          </a:p>
+          <a:p>
+            <a:pPr lvl="0" indent="0" marL="0">
+              <a:buNone/>
+            </a:pPr>
+            <a:r>
+              <a:rPr/>
+              <a:t>There’s no correct answer about if and when you should adjust for bias, but I am presenting it here as a simple application of the bootstrap. In all candor, the use of the bootstrap for calculating standard errors, computing confidence intervals, and testing hypotheses are far more common uses of the bootstrap.</a:t>
             </a:r>
           </a:p>
         </p:txBody>
@@ -2636,7 +2761,7 @@
           <a:p>
             <a:fld id="{18BDFEC3-8487-43E8-A154-7C12CBC1FFF2}" type="slidenum">
               <a:rPr lang="en-US"/>
-              <a:t>33</a:t>
+              <a:t>29</a:t>
             </a:fld>
             <a:endParaRPr lang="en-US"/>
           </a:p>
@@ -2696,21 +2821,35 @@
             </a:pPr>
             <a:r>
               <a:rPr/>
-              <a:t>An even simpler approach is to take percentiles directly from the bootstrap sample. For this, you need a pretty large number of bootstrap samples. Although some sources say that a few hundred might be okay, I would recommend at least a thousand.</a:t>
-            </a:r>
-          </a:p>
-          <a:p>
-            <a:pPr lvl="0" indent="0" marL="0">
-              <a:buNone/>
-            </a:pPr>
-          </a:p>
-          <a:p>
-            <a:pPr lvl="0" indent="0" marL="0">
-              <a:buNone/>
-            </a:pPr>
-            <a:r>
-              <a:rPr/>
-              <a:t>With a thousand bootstrap samples, you would select the 25th and 975th observations, after sorting the data.</a:t>
+              <a:t>You can use the standard deviation of the bootstrapped estimates as an estimate of the standard error of your statistic.</a:t>
+            </a:r>
+          </a:p>
+          <a:p>
+            <a:pPr lvl="0" indent="0" marL="0">
+              <a:buNone/>
+            </a:pPr>
+          </a:p>
+          <a:p>
+            <a:pPr lvl="0" indent="0" marL="0">
+              <a:buNone/>
+            </a:pPr>
+            <a:r>
+              <a:rPr/>
+              <a:t>We’ll talk next about confidence intervals and hypothesis tests. But the question arises: why would you want a bootstrap estimate of the standard error if not to use it in a confidence interval or a hypothesis test?</a:t>
+            </a:r>
+          </a:p>
+          <a:p>
+            <a:pPr lvl="0" indent="0" marL="0">
+              <a:buNone/>
+            </a:pPr>
+          </a:p>
+          <a:p>
+            <a:pPr lvl="0" indent="0" marL="0">
+              <a:buNone/>
+            </a:pPr>
+            <a:r>
+              <a:rPr/>
+              <a:t>Perhaps there is some value in getting the standard error using a classic approach and comparing it to the bootstrap estimate of the standard error. If the two are close, that gives you some reassurance that the classic approach is appropriate. If they differ, then examine things like whether the sample size is large enough to justify the normal approximation or if other assumptions that you need are justifiable.</a:t>
             </a:r>
           </a:p>
         </p:txBody>
@@ -2732,7 +2871,7 @@
           <a:p>
             <a:fld id="{18BDFEC3-8487-43E8-A154-7C12CBC1FFF2}" type="slidenum">
               <a:rPr lang="en-US"/>
-              <a:t>34</a:t>
+              <a:t>30</a:t>
             </a:fld>
             <a:endParaRPr lang="en-US"/>
           </a:p>
@@ -2792,91 +2931,7 @@
             </a:pPr>
             <a:r>
               <a:rPr/>
-              <a:t>Every reference that I reviewed showed these equations and immediately apologized for their complexity. There appears to be little intuition that you can discern from these formulas. The formula for z-hat-0 is a bit easier to follow, perhaps. It is an adjustment for bias.</a:t>
-            </a:r>
-          </a:p>
-          <a:p>
-            <a:pPr lvl="0" indent="0" marL="0">
-              <a:buNone/>
-            </a:pPr>
-          </a:p>
-          <a:p>
-            <a:pPr lvl="0" indent="0" marL="0">
-              <a:buNone/>
-            </a:pPr>
-            <a:r>
-              <a:rPr/>
-              <a:t>The H function effectively counts the number of bootstrap estimates that are greater than the estimate based on the original data. Divide by the number of bootstrap samples to get a proportion. Phi inverse converts this proportion into a percentile from a standard normal distribution. If exactly half of the bootstrap estimates are greater than the estimate based on the original data, then you get a big fat zero which means no bias adjustment.</a:t>
-            </a:r>
-          </a:p>
-          <a:p>
-            <a:pPr lvl="0" indent="0" marL="0">
-              <a:buNone/>
-            </a:pPr>
-          </a:p>
-          <a:p>
-            <a:pPr lvl="0" indent="0" marL="0">
-              <a:buNone/>
-            </a:pPr>
-            <a:r>
-              <a:rPr/>
-              <a:t>The formula for a-hat is a bit trickier. Notice that it involves deviations from the mean raised to the third power, which seems to be akin to a measure of skewness.</a:t>
-            </a:r>
-          </a:p>
-          <a:p>
-            <a:pPr lvl="0" indent="0" marL="0">
-              <a:buNone/>
-            </a:pPr>
-          </a:p>
-          <a:p>
-            <a:pPr lvl="0" indent="0" marL="0">
-              <a:buNone/>
-            </a:pPr>
-            <a:r>
-              <a:rPr/>
-              <a:t>Dr. Efron refers to it as an acceleration, because it relates to the second derivative of the score function. Don’t ask me what the score function represents. Also don’t ask me why the acceleration relies on a jackknife sample rather than a bootstrap sample.</a:t>
-            </a:r>
-          </a:p>
-          <a:p>
-            <a:pPr lvl="0" indent="0" marL="0">
-              <a:buNone/>
-            </a:pPr>
-          </a:p>
-          <a:p>
-            <a:pPr lvl="0" indent="0" marL="0">
-              <a:buNone/>
-            </a:pPr>
-            <a:r>
-              <a:rPr/>
-              <a:t>Remember that in Calculus, the first derivative is analogous to speed and the second derivative is analogous to acceleration.</a:t>
-            </a:r>
-          </a:p>
-          <a:p>
-            <a:pPr lvl="0" indent="0" marL="0">
-              <a:buNone/>
-            </a:pPr>
-          </a:p>
-          <a:p>
-            <a:pPr lvl="0" indent="0" marL="0">
-              <a:buNone/>
-            </a:pPr>
-            <a:r>
-              <a:rPr/>
-              <a:t>If z-hat-sub-0 is equal to zero, there is no adjustment to the confidence interval based on bias.</a:t>
-            </a:r>
-          </a:p>
-          <a:p>
-            <a:pPr lvl="0" indent="0" marL="0">
-              <a:buNone/>
-            </a:pPr>
-          </a:p>
-          <a:p>
-            <a:pPr lvl="0" indent="0" marL="0">
-              <a:buNone/>
-            </a:pPr>
-            <a:r>
-              <a:rPr/>
-              <a:t>If the jackknife estimates are perfectly symmetric, then a-hat is a big fat zero, meaning no adjustment to the confidence interval based on skewness.</a:t>
+              <a:t>The most frequent use of the bootstrap, by far, is the creation of confidence intervals. There are many ways to do this, but three of the most common approaches are a classical interval using the bootstrap standard error, an interval that relies on percentiles from the bootstrap distribution, and some corrections that improve the accuracy of percentile confidence interval.</a:t>
             </a:r>
           </a:p>
         </p:txBody>
@@ -2898,7 +2953,7 @@
           <a:p>
             <a:fld id="{18BDFEC3-8487-43E8-A154-7C12CBC1FFF2}" type="slidenum">
               <a:rPr lang="en-US"/>
-              <a:t>35</a:t>
+              <a:t>31</a:t>
             </a:fld>
             <a:endParaRPr lang="en-US"/>
           </a:p>
@@ -3040,7 +3095,35 @@
             </a:pPr>
             <a:r>
               <a:rPr/>
-              <a:t>The percentiles that you select from the bootstrap distribution are no longer at alpha/2 and 1-alpha/2, but are moved to account for bias and skewness in the bootstrap distribution.</a:t>
+              <a:t>Once you have a standard error, the simplest confidence interval is going use the bootstrap estimate plus or minus a percentile from the standard normal distribution times the bootstrap standard deviation.</a:t>
+            </a:r>
+          </a:p>
+          <a:p>
+            <a:pPr lvl="0" indent="0" marL="0">
+              <a:buNone/>
+            </a:pPr>
+          </a:p>
+          <a:p>
+            <a:pPr lvl="0" indent="0" marL="0">
+              <a:buNone/>
+            </a:pPr>
+            <a:r>
+              <a:rPr/>
+              <a:t>There is some controversy about whether you should use a t distribution here. I personally do not recommend it, because it is unclear what the degrees of freedom should be.</a:t>
+            </a:r>
+          </a:p>
+          <a:p>
+            <a:pPr lvl="0" indent="0" marL="0">
+              <a:buNone/>
+            </a:pPr>
+          </a:p>
+          <a:p>
+            <a:pPr lvl="0" indent="0" marL="0">
+              <a:buNone/>
+            </a:pPr>
+            <a:r>
+              <a:rPr/>
+              <a:t>Other approaches may be preferred. The classic interval makes a pretty strong assumption. It assumes that the sampling distribution of the estimate is symmetric. Even so, the classical approach is still reasonable.</a:t>
             </a:r>
           </a:p>
         </p:txBody>
@@ -3062,7 +3145,7 @@
           <a:p>
             <a:fld id="{18BDFEC3-8487-43E8-A154-7C12CBC1FFF2}" type="slidenum">
               <a:rPr lang="en-US"/>
-              <a:t>36</a:t>
+              <a:t>32</a:t>
             </a:fld>
             <a:endParaRPr lang="en-US"/>
           </a:p>
@@ -3122,7 +3205,21 @@
             </a:pPr>
             <a:r>
               <a:rPr/>
-              <a:t>Here’s a picture showing what the unadjusted percentiles look like for a 90% confidence interval. Z-0-hat is zero, so no bias adjustment and a-hat is also zero, so no adjustment for skewness. You would just choose the 5th and 95th percentiles of the bootstrapped estimates.</a:t>
+              <a:t>An even simpler approach is to take percentiles directly from the bootstrap sample. For this, you need a pretty large number of bootstrap samples. Although some sources say that a few hundred might be okay, I would recommend at least a thousand.</a:t>
+            </a:r>
+          </a:p>
+          <a:p>
+            <a:pPr lvl="0" indent="0" marL="0">
+              <a:buNone/>
+            </a:pPr>
+          </a:p>
+          <a:p>
+            <a:pPr lvl="0" indent="0" marL="0">
+              <a:buNone/>
+            </a:pPr>
+            <a:r>
+              <a:rPr/>
+              <a:t>With a thousand bootstrap samples, you would select the 25th and 975th observations, after sorting the data.</a:t>
             </a:r>
           </a:p>
         </p:txBody>
@@ -3144,7 +3241,7 @@
           <a:p>
             <a:fld id="{18BDFEC3-8487-43E8-A154-7C12CBC1FFF2}" type="slidenum">
               <a:rPr lang="en-US"/>
-              <a:t>37</a:t>
+              <a:t>33</a:t>
             </a:fld>
             <a:endParaRPr lang="en-US"/>
           </a:p>
@@ -3204,7 +3301,119 @@
             </a:pPr>
             <a:r>
               <a:rPr/>
-              <a:t>A bias adjustments shifts the z values to the left or the right. In this hypothetical case, the z values are shifted left by 0.2 units, and instead of using the instead of the 5th and the 95th percentiles, you would use would be the 3.3 percentile and the 92.6 percentile.</a:t>
+              <a:t>You can improve on the percentile confidence interval, but the work is tricky.</a:t>
+            </a:r>
+          </a:p>
+          <a:p>
+            <a:pPr lvl="0" indent="0" marL="0">
+              <a:buNone/>
+            </a:pPr>
+          </a:p>
+          <a:p>
+            <a:pPr lvl="0" indent="0" marL="0">
+              <a:buNone/>
+            </a:pPr>
+            <a:r>
+              <a:rPr/>
+              <a:t>So tricky that every reference that I reviewed showed these equations and immediately apologized for their complexity. There appears to be little intuition that you can discern from these formulas. The formula for z-hat-0 is a bit easier to follow, perhaps. It is an adjustment for bias.</a:t>
+            </a:r>
+          </a:p>
+          <a:p>
+            <a:pPr lvl="0" indent="0" marL="0">
+              <a:buNone/>
+            </a:pPr>
+          </a:p>
+          <a:p>
+            <a:pPr lvl="0" indent="0" marL="0">
+              <a:buNone/>
+            </a:pPr>
+            <a:r>
+              <a:rPr/>
+              <a:t>The H function effectively counts the number of bootstrap estimates that are greater than the estimate based on the original data. Divide by the number of bootstrap samples to get a proportion. Phi inverse converts this proportion into a percentile from a standard normal distribution. If exactly half of the bootstrap estimates are greater than the estimate based on the original data, then you get a big fat zero which means no bias adjustment.</a:t>
+            </a:r>
+          </a:p>
+          <a:p>
+            <a:pPr lvl="0" indent="0" marL="0">
+              <a:buNone/>
+            </a:pPr>
+          </a:p>
+          <a:p>
+            <a:pPr lvl="0" indent="0" marL="0">
+              <a:buNone/>
+            </a:pPr>
+            <a:r>
+              <a:rPr/>
+              <a:t>The formula for a-hat is a bit harder to follow. Notice that it involves deviations from the mean raised to the third power, which seems to be akin to a measure of skewness.</a:t>
+            </a:r>
+          </a:p>
+          <a:p>
+            <a:pPr lvl="0" indent="0" marL="0">
+              <a:buNone/>
+            </a:pPr>
+          </a:p>
+          <a:p>
+            <a:pPr lvl="0" indent="0" marL="0">
+              <a:buNone/>
+            </a:pPr>
+            <a:r>
+              <a:rPr/>
+              <a:t>Dr. Efron refers to it as an acceleration, because it relates to the second derivative of the score function.</a:t>
+            </a:r>
+          </a:p>
+          <a:p>
+            <a:pPr lvl="0" indent="0" marL="0">
+              <a:buNone/>
+            </a:pPr>
+          </a:p>
+          <a:p>
+            <a:pPr lvl="0" indent="0" marL="0">
+              <a:buNone/>
+            </a:pPr>
+            <a:r>
+              <a:rPr/>
+              <a:t>Remember that in Calculus, the first derivative is analogous to speed and the second derivative is analogous to acceleration.</a:t>
+            </a:r>
+          </a:p>
+          <a:p>
+            <a:pPr lvl="0" indent="0" marL="0">
+              <a:buNone/>
+            </a:pPr>
+          </a:p>
+          <a:p>
+            <a:pPr lvl="0" indent="0" marL="0">
+              <a:buNone/>
+            </a:pPr>
+            <a:r>
+              <a:rPr/>
+              <a:t>Don’t ask me what the score function represents. Also don’t ask me why the acceleration relies on a jackknife sample rather than a bootstrap sample.</a:t>
+            </a:r>
+          </a:p>
+          <a:p>
+            <a:pPr lvl="0" indent="0" marL="0">
+              <a:buNone/>
+            </a:pPr>
+          </a:p>
+          <a:p>
+            <a:pPr lvl="0" indent="0" marL="0">
+              <a:buNone/>
+            </a:pPr>
+            <a:r>
+              <a:rPr/>
+              <a:t>If z-hat-sub-0 is equal to zero, there is no adjustment to the confidence interval based on bias.</a:t>
+            </a:r>
+          </a:p>
+          <a:p>
+            <a:pPr lvl="0" indent="0" marL="0">
+              <a:buNone/>
+            </a:pPr>
+          </a:p>
+          <a:p>
+            <a:pPr lvl="0" indent="0" marL="0">
+              <a:buNone/>
+            </a:pPr>
+            <a:r>
+              <a:rPr/>
+              <a:t>If the jackknife estimates are perfectly symmetric, then a-hat is a big fat zero, meaning no adjustment to the confidence interval based on skewness.</a:t>
             </a:r>
           </a:p>
         </p:txBody>
@@ -3226,7 +3435,7 @@
           <a:p>
             <a:fld id="{18BDFEC3-8487-43E8-A154-7C12CBC1FFF2}" type="slidenum">
               <a:rPr lang="en-US"/>
-              <a:t>38</a:t>
+              <a:t>34</a:t>
             </a:fld>
             <a:endParaRPr lang="en-US"/>
           </a:p>
@@ -3286,21 +3495,7 @@
             </a:pPr>
             <a:r>
               <a:rPr/>
-              <a:t>An adjustment for skewness also shifts the z values to the left or the right, though the shift is stronger on one side versus the other. In this hypothetical case, you would use would be the 2.9 percentile and the 92.7 percentile.</a:t>
-            </a:r>
-          </a:p>
-          <a:p>
-            <a:pPr lvl="0" indent="0" marL="0">
-              <a:buNone/>
-            </a:pPr>
-          </a:p>
-          <a:p>
-            <a:pPr lvl="0" indent="0" marL="0">
-              <a:buNone/>
-            </a:pPr>
-            <a:r>
-              <a:rPr/>
-              <a:t>These formulas are messy, and easy to get wrong, so I would recommend if you are programming from scratch that you stick one of the simpler approaches.</a:t>
+              <a:t>The percentiles that you select from the bootstrap distribution are no longer at alpha/2 and 1-alpha/2, but are moved to account for bias and skewness in the bootstrap distribution.</a:t>
             </a:r>
           </a:p>
         </p:txBody>
@@ -3322,7 +3517,7 @@
           <a:p>
             <a:fld id="{18BDFEC3-8487-43E8-A154-7C12CBC1FFF2}" type="slidenum">
               <a:rPr lang="en-US"/>
-              <a:t>39</a:t>
+              <a:t>35</a:t>
             </a:fld>
             <a:endParaRPr lang="en-US"/>
           </a:p>
@@ -3382,21 +3577,7 @@
             </a:pPr>
             <a:r>
               <a:rPr/>
-              <a:t>To test a hypothesis, count the proportion of bootstrap values that agree with the null hypothesis. If it is less than alpha, then you reject the null hypothesis. Extension to two sided hypotheses is not difficult.</a:t>
-            </a:r>
-          </a:p>
-          <a:p>
-            <a:pPr lvl="0" indent="0" marL="0">
-              <a:buNone/>
-            </a:pPr>
-          </a:p>
-          <a:p>
-            <a:pPr lvl="0" indent="0" marL="0">
-              <a:buNone/>
-            </a:pPr>
-            <a:r>
-              <a:rPr/>
-              <a:t>You could also look at any one of the bootstrap confidence intervals and see whether that interval includes or excludes the null value.</a:t>
+              <a:t>Here’s a picture showing what the unadjusted percentiles look like for a 90% confidence interval. Z-0-hat is zero, so no bias adjustment and a-hat is also zero, so no adjustment for skewness. You would just choose the 5th and 95th percentiles of the bootstrapped estimates.</a:t>
             </a:r>
           </a:p>
         </p:txBody>
@@ -3418,7 +3599,7 @@
           <a:p>
             <a:fld id="{18BDFEC3-8487-43E8-A154-7C12CBC1FFF2}" type="slidenum">
               <a:rPr lang="en-US"/>
-              <a:t>40</a:t>
+              <a:t>36</a:t>
             </a:fld>
             <a:endParaRPr lang="en-US"/>
           </a:p>
@@ -3478,21 +3659,7 @@
             </a:pPr>
             <a:r>
               <a:rPr/>
-              <a:t>If you want to program a bootstrap, you need to have enough familiarity with your statistical software to run a loop and extract specific values from the output.</a:t>
-            </a:r>
-          </a:p>
-          <a:p>
-            <a:pPr lvl="0" indent="0" marL="0">
-              <a:buNone/>
-            </a:pPr>
-          </a:p>
-          <a:p>
-            <a:pPr lvl="0" indent="0" marL="0">
-              <a:buNone/>
-            </a:pPr>
-            <a:r>
-              <a:rPr/>
-              <a:t>I want to show briefly, how to do a simple bootstrap in SAS, Stata, and R. It may be possible to do this in SPSS, but I am not familiar enough with SPSS to outline how the approach might work.</a:t>
+              <a:t>A bias adjustments shifts the z values to the left or the right. In this hypothetical case, the z values are shifted left by 0.2 units, and instead of using the instead of the 5th and the 95th percentiles, you would use would be the 3.3 percentile and the 92.6 percentile.</a:t>
             </a:r>
           </a:p>
         </p:txBody>
@@ -3514,7 +3681,7 @@
           <a:p>
             <a:fld id="{18BDFEC3-8487-43E8-A154-7C12CBC1FFF2}" type="slidenum">
               <a:rPr lang="en-US"/>
-              <a:t>45</a:t>
+              <a:t>37</a:t>
             </a:fld>
             <a:endParaRPr lang="en-US"/>
           </a:p>
@@ -3574,35 +3741,21 @@
             </a:pPr>
             <a:r>
               <a:rPr/>
-              <a:t>This example is taken from the UCLA Statistical Methods and Data Analytics site. It pops up easily on a simple google search.</a:t>
-            </a:r>
-          </a:p>
-          <a:p>
-            <a:pPr lvl="0" indent="0" marL="0">
-              <a:buNone/>
-            </a:pPr>
-          </a:p>
-          <a:p>
-            <a:pPr lvl="0" indent="0" marL="0">
-              <a:buNone/>
-            </a:pPr>
-            <a:r>
-              <a:rPr/>
-              <a:t>The first statement tells SAS that it should take the output from the following procedure, pull out a particular number from the output called “FitStatistics” and store it in a dataset with the name t0.</a:t>
-            </a:r>
-          </a:p>
-          <a:p>
-            <a:pPr lvl="0" indent="0" marL="0">
-              <a:buNone/>
-            </a:pPr>
-          </a:p>
-          <a:p>
-            <a:pPr lvl="0" indent="0" marL="0">
-              <a:buNone/>
-            </a:pPr>
-            <a:r>
-              <a:rPr/>
-              <a:t>I’m guess that the “quit” statement is important here because of the way you are handling output with the ods statement.</a:t>
+              <a:t>An adjustment for skewness also shifts the z values to the left or the right, though the shift is stronger on one side versus the other. In this hypothetical case, you would use would be the 2.9 percentile and the 92.7 percentile.</a:t>
+            </a:r>
+          </a:p>
+          <a:p>
+            <a:pPr lvl="0" indent="0" marL="0">
+              <a:buNone/>
+            </a:pPr>
+          </a:p>
+          <a:p>
+            <a:pPr lvl="0" indent="0" marL="0">
+              <a:buNone/>
+            </a:pPr>
+            <a:r>
+              <a:rPr/>
+              <a:t>These formulas are messy, and easy to get wrong, so I would recommend if you are programming from scratch that you stick one of the simpler approaches.</a:t>
             </a:r>
           </a:p>
         </p:txBody>
@@ -3624,7 +3777,7 @@
           <a:p>
             <a:fld id="{18BDFEC3-8487-43E8-A154-7C12CBC1FFF2}" type="slidenum">
               <a:rPr lang="en-US"/>
-              <a:t>46</a:t>
+              <a:t>38</a:t>
             </a:fld>
             <a:endParaRPr lang="en-US"/>
           </a:p>
@@ -3684,7 +3837,21 @@
             </a:pPr>
             <a:r>
               <a:rPr/>
-              <a:t>The data step here creates a dataset with the sole purpose of moving the r-squared value to a macro variable. The key function here is symput and if you are not familiar with it, check out the SAS documentation.</a:t>
+              <a:t>To test a hypothesis, count the proportion of bootstrap values that agree with the null hypothesis. If it is less than alpha, then you reject the null hypothesis. Extension to two sided hypotheses is not difficult.</a:t>
+            </a:r>
+          </a:p>
+          <a:p>
+            <a:pPr lvl="0" indent="0" marL="0">
+              <a:buNone/>
+            </a:pPr>
+          </a:p>
+          <a:p>
+            <a:pPr lvl="0" indent="0" marL="0">
+              <a:buNone/>
+            </a:pPr>
+            <a:r>
+              <a:rPr/>
+              <a:t>You could also look at any one of the bootstrap confidence intervals and see whether that interval includes or excludes the null value.</a:t>
             </a:r>
           </a:p>
         </p:txBody>
@@ -3706,7 +3873,7 @@
           <a:p>
             <a:fld id="{18BDFEC3-8487-43E8-A154-7C12CBC1FFF2}" type="slidenum">
               <a:rPr lang="en-US"/>
-              <a:t>47</a:t>
+              <a:t>39</a:t>
             </a:fld>
             <a:endParaRPr lang="en-US"/>
           </a:p>
@@ -3766,7 +3933,21 @@
             </a:pPr>
             <a:r>
               <a:rPr/>
-              <a:t>Although you could use a loop here, the surveyselect procedure allows you to create 500 bootstrap samples and store them all in a single dataset.</a:t>
+              <a:t>If you want to program a bootstrap, you need to have enough familiarity with your statistical software to run a loop and extract specific values from the output.</a:t>
+            </a:r>
+          </a:p>
+          <a:p>
+            <a:pPr lvl="0" indent="0" marL="0">
+              <a:buNone/>
+            </a:pPr>
+          </a:p>
+          <a:p>
+            <a:pPr lvl="0" indent="0" marL="0">
+              <a:buNone/>
+            </a:pPr>
+            <a:r>
+              <a:rPr/>
+              <a:t>I want to show briefly, how to do a simple bootstrap in SAS, Stata, and R. It may be possible to do this in SPSS, but I am not familiar enough with SPSS to outline how the approach might work.</a:t>
             </a:r>
           </a:p>
         </p:txBody>
@@ -3788,7 +3969,7 @@
           <a:p>
             <a:fld id="{18BDFEC3-8487-43E8-A154-7C12CBC1FFF2}" type="slidenum">
               <a:rPr lang="en-US"/>
-              <a:t>48</a:t>
+              <a:t>44</a:t>
             </a:fld>
             <a:endParaRPr lang="en-US"/>
           </a:p>
@@ -3848,7 +4029,35 @@
             </a:pPr>
             <a:r>
               <a:rPr/>
-              <a:t>Here is part of the output from surveyselect. The original dataset has 200 observations. We are creating 500 replicates using sampling with replacement. That creates a dataset of 100,000 observations.</a:t>
+              <a:t>This example is taken from the UCLA Statistical Methods and Data Analytics site. It pops up easily on a simple google search.</a:t>
+            </a:r>
+          </a:p>
+          <a:p>
+            <a:pPr lvl="0" indent="0" marL="0">
+              <a:buNone/>
+            </a:pPr>
+          </a:p>
+          <a:p>
+            <a:pPr lvl="0" indent="0" marL="0">
+              <a:buNone/>
+            </a:pPr>
+            <a:r>
+              <a:rPr/>
+              <a:t>The first statement tells SAS that it should take the output from the following procedure, pull out a particular number from the output called “FitStatistics” and store it in a dataset with the name t0.</a:t>
+            </a:r>
+          </a:p>
+          <a:p>
+            <a:pPr lvl="0" indent="0" marL="0">
+              <a:buNone/>
+            </a:pPr>
+          </a:p>
+          <a:p>
+            <a:pPr lvl="0" indent="0" marL="0">
+              <a:buNone/>
+            </a:pPr>
+            <a:r>
+              <a:rPr/>
+              <a:t>I’m guess that the “quit” statement is important here because of the way you are handling output with the ods statement.</a:t>
             </a:r>
           </a:p>
         </p:txBody>
@@ -3870,7 +4079,7 @@
           <a:p>
             <a:fld id="{18BDFEC3-8487-43E8-A154-7C12CBC1FFF2}" type="slidenum">
               <a:rPr lang="en-US"/>
-              <a:t>49</a:t>
+              <a:t>45</a:t>
             </a:fld>
             <a:endParaRPr lang="en-US"/>
           </a:p>
@@ -3930,7 +4139,7 @@
             </a:pPr>
             <a:r>
               <a:rPr/>
-              <a:t>I’m sure you’re all familiar with the Central Limit Theorem. It’s the graddaddy of all approximation theorems. It states that the average of independent identically distributed random variables is approximately normal.</a:t>
+              <a:t>I’m sure you’re all familiar with the Central Limit Theorem. It’s the granddaddy of all approximation theorems. It states that the average of independent identically distributed random variables is approximately normal.</a:t>
             </a:r>
           </a:p>
           <a:p>
@@ -4026,21 +4235,7 @@
             </a:pPr>
             <a:r>
               <a:rPr/>
-              <a:t>The ods statement on the first line of code on this slide tells SAS to look at the output from the following procedure and store the result in a dataset called t.</a:t>
-            </a:r>
-          </a:p>
-          <a:p>
-            <a:pPr lvl="0" indent="0" marL="0">
-              <a:buNone/>
-            </a:pPr>
-          </a:p>
-          <a:p>
-            <a:pPr lvl="0" indent="0" marL="0">
-              <a:buNone/>
-            </a:pPr>
-            <a:r>
-              <a:rPr/>
-              <a:t>The “by replicate” statement tells SAS to run a separate regression for each bootstrap sample.</a:t>
+              <a:t>The data step here creates a dataset with the sole purpose of moving the r-squared value to a macro variable. The key function here is symput and if you are not familiar with it, check out the SAS documentation.</a:t>
             </a:r>
           </a:p>
         </p:txBody>
@@ -4062,7 +4257,7 @@
           <a:p>
             <a:fld id="{18BDFEC3-8487-43E8-A154-7C12CBC1FFF2}" type="slidenum">
               <a:rPr lang="en-US"/>
-              <a:t>50</a:t>
+              <a:t>46</a:t>
             </a:fld>
             <a:endParaRPr lang="en-US"/>
           </a:p>
@@ -4122,7 +4317,7 @@
             </a:pPr>
             <a:r>
               <a:rPr/>
-              <a:t>The output stored in the dataset, however, is a string, and you have to convert it to a numeric value by adding zero. This is a classic SAS hack.</a:t>
+              <a:t>Although you could use a loop here, the surveyselect procedure allows you to create 500 bootstrap samples and store them all in a single dataset.</a:t>
             </a:r>
           </a:p>
         </p:txBody>
@@ -4144,7 +4339,7 @@
           <a:p>
             <a:fld id="{18BDFEC3-8487-43E8-A154-7C12CBC1FFF2}" type="slidenum">
               <a:rPr lang="en-US"/>
-              <a:t>51</a:t>
+              <a:t>47</a:t>
             </a:fld>
             <a:endParaRPr lang="en-US"/>
           </a:p>
@@ -4204,7 +4399,7 @@
             </a:pPr>
             <a:r>
               <a:rPr/>
-              <a:t>The first three lines are just a fancy way of getting from a 0.05 alpha level to selecting the 2.5 percentile and the 97.5 percentile.</a:t>
+              <a:t>Here is part of the output from surveyselect. The original dataset has 200 observations. We are creating 500 replicates using sampling with replacement. That creates a dataset of 100,000 observations.</a:t>
             </a:r>
           </a:p>
         </p:txBody>
@@ -4226,7 +4421,7 @@
           <a:p>
             <a:fld id="{18BDFEC3-8487-43E8-A154-7C12CBC1FFF2}" type="slidenum">
               <a:rPr lang="en-US"/>
-              <a:t>52</a:t>
+              <a:t>48</a:t>
             </a:fld>
             <a:endParaRPr lang="en-US"/>
           </a:p>
@@ -4286,21 +4481,21 @@
             </a:pPr>
             <a:r>
               <a:rPr/>
-              <a:t>proc univariate produces the mean as well as the 2.5 and 97.5 percentiles. The pctlpre and pctlname make the variable names of the output dataset look nice.</a:t>
-            </a:r>
-          </a:p>
-          <a:p>
-            <a:pPr lvl="0" indent="0" marL="0">
-              <a:buNone/>
-            </a:pPr>
-          </a:p>
-          <a:p>
-            <a:pPr lvl="0" indent="0" marL="0">
-              <a:buNone/>
-            </a:pPr>
-            <a:r>
-              <a:rPr/>
-              <a:t>Although the folks at UCLA take great pains to make everything look nice, they should have used a noprint option for proc univariate to keep the output cleaner.</a:t>
+              <a:t>The ods statement on the first line of code on this slide tells SAS to look at the output from the following procedure and store the result in a dataset called t.</a:t>
+            </a:r>
+          </a:p>
+          <a:p>
+            <a:pPr lvl="0" indent="0" marL="0">
+              <a:buNone/>
+            </a:pPr>
+          </a:p>
+          <a:p>
+            <a:pPr lvl="0" indent="0" marL="0">
+              <a:buNone/>
+            </a:pPr>
+            <a:r>
+              <a:rPr/>
+              <a:t>The “by replicate” statement tells SAS to run a separate regression for each bootstrap sample.</a:t>
             </a:r>
           </a:p>
         </p:txBody>
@@ -4322,7 +4517,7 @@
           <a:p>
             <a:fld id="{18BDFEC3-8487-43E8-A154-7C12CBC1FFF2}" type="slidenum">
               <a:rPr lang="en-US"/>
-              <a:t>53</a:t>
+              <a:t>49</a:t>
             </a:fld>
             <a:endParaRPr lang="en-US"/>
           </a:p>
@@ -4382,7 +4577,7 @@
             </a:pPr>
             <a:r>
               <a:rPr/>
-              <a:t>That &amp;r2bar is a macro variable of the estimate of R-squared from the original dataset. You subtract it from the mean of the bootstrap samples (r2hat) to get the estimated bias.</a:t>
+              <a:t>The output stored in the dataset, however, is a string, and you have to convert it to a numeric value by adding zero. This is a classic SAS hack.</a:t>
             </a:r>
           </a:p>
         </p:txBody>
@@ -4404,7 +4599,7 @@
           <a:p>
             <a:fld id="{18BDFEC3-8487-43E8-A154-7C12CBC1FFF2}" type="slidenum">
               <a:rPr lang="en-US"/>
-              <a:t>54</a:t>
+              <a:t>50</a:t>
             </a:fld>
             <a:endParaRPr lang="en-US"/>
           </a:p>
@@ -4464,35 +4659,7 @@
             </a:pPr>
             <a:r>
               <a:rPr/>
-              <a:t>After all this careful work, you now have the original estimate of R-squared (52% after rounding), the estimated bias (less than 1%) and the confidence interval (44% to 60%).</a:t>
-            </a:r>
-          </a:p>
-          <a:p>
-            <a:pPr lvl="0" indent="0" marL="0">
-              <a:buNone/>
-            </a:pPr>
-          </a:p>
-          <a:p>
-            <a:pPr lvl="0" indent="0" marL="0">
-              <a:buNone/>
-            </a:pPr>
-            <a:r>
-              <a:rPr/>
-              <a:t>As a quick recap, knowledge of the output delivery system (ods) and macro variables were critical. Thankfully, you did not need a loop here, but familiarity with looping mechanisms in SAS is probably worth knowing for other bootstrap examples.</a:t>
-            </a:r>
-          </a:p>
-          <a:p>
-            <a:pPr lvl="0" indent="0" marL="0">
-              <a:buNone/>
-            </a:pPr>
-          </a:p>
-          <a:p>
-            <a:pPr lvl="0" indent="0" marL="0">
-              <a:buNone/>
-            </a:pPr>
-            <a:r>
-              <a:rPr/>
-              <a:t>If you want to learn more, Rick Wicklin of SAS Institute has a nice series of blog posts. Start with this one.</a:t>
+              <a:t>The first three lines are just a fancy way of getting from a 0.05 alpha level to selecting the 2.5 percentile and the 97.5 percentile.</a:t>
             </a:r>
           </a:p>
         </p:txBody>
@@ -4514,7 +4681,7 @@
           <a:p>
             <a:fld id="{18BDFEC3-8487-43E8-A154-7C12CBC1FFF2}" type="slidenum">
               <a:rPr lang="en-US"/>
-              <a:t>55</a:t>
+              <a:t>51</a:t>
             </a:fld>
             <a:endParaRPr lang="en-US"/>
           </a:p>
@@ -4574,21 +4741,21 @@
             </a:pPr>
             <a:r>
               <a:rPr/>
-              <a:t>I am not an expert on Stata, but it was created in 1985 about two decades later than SAS. So it did not have any holdovers from the restricted options available in the age of IBM mainframe computers.</a:t>
-            </a:r>
-          </a:p>
-          <a:p>
-            <a:pPr lvl="0" indent="0" marL="0">
-              <a:buNone/>
-            </a:pPr>
-          </a:p>
-          <a:p>
-            <a:pPr lvl="0" indent="0" marL="0">
-              <a:buNone/>
-            </a:pPr>
-            <a:r>
-              <a:rPr/>
-              <a:t>This example is taken from the UCLA Statistical Methods and Data Analytics site. It pops up easily on a simple google search.</a:t>
+              <a:t>proc univariate produces the mean as well as the 2.5 and 97.5 percentiles. The pctlpre and pctlname make the variable names of the output dataset look nice.</a:t>
+            </a:r>
+          </a:p>
+          <a:p>
+            <a:pPr lvl="0" indent="0" marL="0">
+              <a:buNone/>
+            </a:pPr>
+          </a:p>
+          <a:p>
+            <a:pPr lvl="0" indent="0" marL="0">
+              <a:buNone/>
+            </a:pPr>
+            <a:r>
+              <a:rPr/>
+              <a:t>Although the folks at UCLA take great pains to make everything look nice, they should have used a noprint option for proc univariate to keep the output cleaner.</a:t>
             </a:r>
           </a:p>
         </p:txBody>
@@ -4610,7 +4777,7 @@
           <a:p>
             <a:fld id="{18BDFEC3-8487-43E8-A154-7C12CBC1FFF2}" type="slidenum">
               <a:rPr lang="en-US"/>
-              <a:t>56</a:t>
+              <a:t>52</a:t>
             </a:fld>
             <a:endParaRPr lang="en-US"/>
           </a:p>
@@ -4670,7 +4837,7 @@
             </a:pPr>
             <a:r>
               <a:rPr/>
-              <a:t>Here is the Stata code to get the estimates from the original data.</a:t>
+              <a:t>That &amp;r2bar is a macro variable of the estimate of R-squared from the original dataset. You subtract it from the mean of the bootstrap samples (r2hat) to get the estimated bias.</a:t>
             </a:r>
           </a:p>
         </p:txBody>
@@ -4692,7 +4859,7 @@
           <a:p>
             <a:fld id="{18BDFEC3-8487-43E8-A154-7C12CBC1FFF2}" type="slidenum">
               <a:rPr lang="en-US"/>
-              <a:t>57</a:t>
+              <a:t>53</a:t>
             </a:fld>
             <a:endParaRPr lang="en-US"/>
           </a:p>
@@ -4752,7 +4919,35 @@
             </a:pPr>
             <a:r>
               <a:rPr/>
-              <a:t>Stata has a bootstrap function built-in. It is both a good thing and a bad thing. It is good in that it simplifies your code. It is bad in that it can only bootstrap on prespecified parts of the output. In fairness, this is also a limitation with the output delivery system in SAS. Both systems are pretty good at letting you pick out the pieces of the output that you are most interested in.</a:t>
+              <a:t>After all this careful work, you now have the original estimate of R-squared (52% after rounding), the estimated bias (less than 1%) and the confidence interval (44% to 60%).</a:t>
+            </a:r>
+          </a:p>
+          <a:p>
+            <a:pPr lvl="0" indent="0" marL="0">
+              <a:buNone/>
+            </a:pPr>
+          </a:p>
+          <a:p>
+            <a:pPr lvl="0" indent="0" marL="0">
+              <a:buNone/>
+            </a:pPr>
+            <a:r>
+              <a:rPr/>
+              <a:t>As a quick recap, knowledge of the output delivery system (ods) and macro variables were critical. Thankfully, you did not need a loop here, but familiarity with looping mechanisms in SAS is probably worth knowing for other bootstrap examples.</a:t>
+            </a:r>
+          </a:p>
+          <a:p>
+            <a:pPr lvl="0" indent="0" marL="0">
+              <a:buNone/>
+            </a:pPr>
+          </a:p>
+          <a:p>
+            <a:pPr lvl="0" indent="0" marL="0">
+              <a:buNone/>
+            </a:pPr>
+            <a:r>
+              <a:rPr/>
+              <a:t>If you want to learn more, Rick Wicklin of SAS Institute has a nice series of blog posts. Start with this one.</a:t>
             </a:r>
           </a:p>
         </p:txBody>
@@ -4774,7 +4969,7 @@
           <a:p>
             <a:fld id="{18BDFEC3-8487-43E8-A154-7C12CBC1FFF2}" type="slidenum">
               <a:rPr lang="en-US"/>
-              <a:t>58</a:t>
+              <a:t>54</a:t>
             </a:fld>
             <a:endParaRPr lang="en-US"/>
           </a:p>
@@ -4834,21 +5029,21 @@
             </a:pPr>
             <a:r>
               <a:rPr/>
-              <a:t>Here is the output. By default, it provides a confidence interval based on the bootstrap standard error, but you can get other confidence intervals as well.</a:t>
-            </a:r>
-          </a:p>
-          <a:p>
-            <a:pPr lvl="0" indent="0" marL="0">
-              <a:buNone/>
-            </a:pPr>
-          </a:p>
-          <a:p>
-            <a:pPr lvl="0" indent="0" marL="0">
-              <a:buNone/>
-            </a:pPr>
-            <a:r>
-              <a:rPr/>
-              <a:t>In this example, the original data produced a root mean squared error of 7.2 and the bootstrap 95% confidence interval goes from 6.7 to 7.7.</a:t>
+              <a:t>I am not an expert on Stata, but it was created in 1985 about two decades later than SAS. So it did not have any holdovers from the restricted options available in the age of IBM mainframe computers.</a:t>
+            </a:r>
+          </a:p>
+          <a:p>
+            <a:pPr lvl="0" indent="0" marL="0">
+              <a:buNone/>
+            </a:pPr>
+          </a:p>
+          <a:p>
+            <a:pPr lvl="0" indent="0" marL="0">
+              <a:buNone/>
+            </a:pPr>
+            <a:r>
+              <a:rPr/>
+              <a:t>This example is taken from the UCLA Statistical Methods and Data Analytics site. It pops up easily on a simple google search.</a:t>
             </a:r>
           </a:p>
         </p:txBody>
@@ -4870,7 +5065,7 @@
           <a:p>
             <a:fld id="{18BDFEC3-8487-43E8-A154-7C12CBC1FFF2}" type="slidenum">
               <a:rPr lang="en-US"/>
-              <a:t>59</a:t>
+              <a:t>55</a:t>
             </a:fld>
             <a:endParaRPr lang="en-US"/>
           </a:p>
@@ -4930,7 +5125,7 @@
             </a:pPr>
             <a:r>
               <a:rPr/>
-              <a:t>You can also show easily that the expected value of the sample mean is mu (the sample mean is an unbiased estimate of the population mean) and that the variance of the sample mean is the variance of an individual X value divided by the sample size n. Equivalently, the standard error of X=bar is the standard deviation of an individual value divided by the square root of the sample size.</a:t>
+              <a:t>You can also show easily that the expected value of the sample mean is mu (the sample mean is an unbiased estimate of the population mean) and that the variance of the sample mean is the variance of an individual X value divided by the sample size n. Equivalently, the standard error of X-bar is the standard deviation of an individual value divided by the square root of the sample size.</a:t>
             </a:r>
           </a:p>
         </p:txBody>
@@ -5012,21 +5207,7 @@
             </a:pPr>
             <a:r>
               <a:rPr/>
-              <a:t>R was created in 1999, and relied on a modular approach that makes it ideal for bootstrapping. There is a special library that works for most cases, even some very exotic ones. Looping in R is easy as is extracting specific values.</a:t>
-            </a:r>
-          </a:p>
-          <a:p>
-            <a:pPr lvl="0" indent="0" marL="0">
-              <a:buNone/>
-            </a:pPr>
-          </a:p>
-          <a:p>
-            <a:pPr lvl="0" indent="0" marL="0">
-              <a:buNone/>
-            </a:pPr>
-            <a:r>
-              <a:rPr/>
-              <a:t>Again, I am using an example from the UCLA Statistical Methods and Data Analytics site. It pops up easily on a simple google search.</a:t>
+              <a:t>Here is the Stata code to get the estimates from the original data.</a:t>
             </a:r>
           </a:p>
         </p:txBody>
@@ -5048,7 +5229,7 @@
           <a:p>
             <a:fld id="{18BDFEC3-8487-43E8-A154-7C12CBC1FFF2}" type="slidenum">
               <a:rPr lang="en-US"/>
-              <a:t>60</a:t>
+              <a:t>56</a:t>
             </a:fld>
             <a:endParaRPr lang="en-US"/>
           </a:p>
@@ -5108,63 +5289,7 @@
             </a:pPr>
             <a:r>
               <a:rPr/>
-              <a:t>In more complex settings, you need to consider some modifications to the bootstrap. I have almost no experience in these settings and there is scant guidance in the published literature and on the web.</a:t>
-            </a:r>
-          </a:p>
-          <a:p>
-            <a:pPr lvl="0" indent="0" marL="0">
-              <a:buNone/>
-            </a:pPr>
-          </a:p>
-          <a:p>
-            <a:pPr lvl="0" indent="0" marL="0">
-              <a:buNone/>
-            </a:pPr>
-            <a:r>
-              <a:rPr/>
-              <a:t>If you find yourself in one of these settings, I would encourage you to find a few publications that use the bootstrap in a setting reasonably similar to yours and emulate their approach.</a:t>
-            </a:r>
-          </a:p>
-          <a:p>
-            <a:pPr lvl="0" indent="0" marL="0">
-              <a:buNone/>
-            </a:pPr>
-          </a:p>
-          <a:p>
-            <a:pPr lvl="0" indent="0" marL="0">
-              <a:buNone/>
-            </a:pPr>
-            <a:r>
-              <a:rPr/>
-              <a:t>I call this the “lemming school of research” which is a reference to the warning about peer pressure that almost every parent has nagged their children with (“If all your friends jumped off a cliff, would you jump off the cliff as well?”).</a:t>
-            </a:r>
-          </a:p>
-          <a:p>
-            <a:pPr lvl="0" indent="0" marL="0">
-              <a:buNone/>
-            </a:pPr>
-          </a:p>
-          <a:p>
-            <a:pPr lvl="0" indent="0" marL="0">
-              <a:buNone/>
-            </a:pPr>
-            <a:r>
-              <a:rPr/>
-              <a:t>It actually is not as bad as I make it sound. If a certain methodology has survived the peer reviewe process, that gives you a bit more confidence that you can survive the peer review process as well if you emulate their approach. There are no guarantees, of course, but this is perhaps an illustration of a more positive message: “there is safety in numbers.”</a:t>
-            </a:r>
-          </a:p>
-          <a:p>
-            <a:pPr lvl="0" indent="0" marL="0">
-              <a:buNone/>
-            </a:pPr>
-          </a:p>
-          <a:p>
-            <a:pPr lvl="0" indent="0" marL="0">
-              <a:buNone/>
-            </a:pPr>
-            <a:r>
-              <a:rPr/>
-              <a:t>The three settings I want to discuss are multiple groups, time series, and regression models.</a:t>
+              <a:t>Stata has a bootstrap function built-in. It is both a good thing and a bad thing. It is good in that it simplifies your code. It is bad in that it can only bootstrap on prespecified parts of the output. In fairness, this is also a limitation with the output delivery system in SAS. Both systems are pretty good at letting you pick out the pieces of the output that you are most interested in.</a:t>
             </a:r>
           </a:p>
         </p:txBody>
@@ -5186,7 +5311,7 @@
           <a:p>
             <a:fld id="{18BDFEC3-8487-43E8-A154-7C12CBC1FFF2}" type="slidenum">
               <a:rPr lang="en-US"/>
-              <a:t>65</a:t>
+              <a:t>57</a:t>
             </a:fld>
             <a:endParaRPr lang="en-US"/>
           </a:p>
@@ -5246,77 +5371,21 @@
             </a:pPr>
             <a:r>
               <a:rPr/>
-              <a:t>Suppose you have two or more groups and want to estimate a statistic across all of the groups. For example, you have a treatment and a control group and you want to estimate the difference in medians between the two groups.</a:t>
-            </a:r>
-          </a:p>
-          <a:p>
-            <a:pPr lvl="0" indent="0" marL="0">
-              <a:buNone/>
-            </a:pPr>
-          </a:p>
-          <a:p>
-            <a:pPr lvl="0" indent="0" marL="0">
-              <a:buNone/>
-            </a:pPr>
-            <a:r>
-              <a:rPr/>
-              <a:t>You have two options. The first is to apply a simple bootstrap. This allows the relative sizes in the groups to vary. If one of the groups has a small relative sample size, then you run a slight risk having zero observations in that group for one or more of your bootstrap samples.</a:t>
-            </a:r>
-          </a:p>
-          <a:p>
-            <a:pPr lvl="0" indent="0" marL="0">
-              <a:buNone/>
-            </a:pPr>
-          </a:p>
-          <a:p>
-            <a:pPr lvl="0" indent="0" marL="0">
-              <a:buNone/>
-            </a:pPr>
-            <a:r>
-              <a:rPr/>
-              <a:t>If the group sizes are all reasonably large, this is not a serious problem.</a:t>
-            </a:r>
-          </a:p>
-          <a:p>
-            <a:pPr lvl="0" indent="0" marL="0">
-              <a:buNone/>
-            </a:pPr>
-          </a:p>
-          <a:p>
-            <a:pPr lvl="0" indent="0" marL="0">
-              <a:buNone/>
-            </a:pPr>
-            <a:r>
-              <a:rPr/>
-              <a:t>An alternative is to use a stratified bootstrap sample. It’s easy enough to envision with two groups. Let’s say that the two groups have sample sizes n1 and n2. Sample n1 observation with replacement from the first group, sample with n2 observations with replacement from the second group and then combine.</a:t>
-            </a:r>
-          </a:p>
-          <a:p>
-            <a:pPr lvl="0" indent="0" marL="0">
-              <a:buNone/>
-            </a:pPr>
-          </a:p>
-          <a:p>
-            <a:pPr lvl="0" indent="0" marL="0">
-              <a:buNone/>
-            </a:pPr>
-            <a:r>
-              <a:rPr/>
-              <a:t>The stratified bootstrap answers a different question than the simple bootstrap. The simple bootstrap calculates uncertainty in a setting where you are collecting a single sample and that sample has a random number of subjects in each group. The stratified bootstrap calculates uncertainty where you are collecting samples from multiple groups, each with a fixed quota.</a:t>
-            </a:r>
-          </a:p>
-          <a:p>
-            <a:pPr lvl="0" indent="0" marL="0">
-              <a:buNone/>
-            </a:pPr>
-          </a:p>
-          <a:p>
-            <a:pPr lvl="0" indent="0" marL="0">
-              <a:buNone/>
-            </a:pPr>
-            <a:r>
-              <a:rPr/>
-              <a:t>Is this a huge difference? I’m not sure, but my guess is that it is not all that important except when one or more of the group sizes is small. By small, I mean 10 or less. I should note, however, that I have not seen an “official” guidance on this question.</a:t>
+              <a:t>Here is the output. By default, it provides a confidence interval based on the bootstrap standard error, but you can get other confidence intervals as well.</a:t>
+            </a:r>
+          </a:p>
+          <a:p>
+            <a:pPr lvl="0" indent="0" marL="0">
+              <a:buNone/>
+            </a:pPr>
+          </a:p>
+          <a:p>
+            <a:pPr lvl="0" indent="0" marL="0">
+              <a:buNone/>
+            </a:pPr>
+            <a:r>
+              <a:rPr/>
+              <a:t>In this example, the original data produced a root mean squared error of 7.2 and the bootstrap 95% confidence interval goes from 6.7 to 7.7.</a:t>
             </a:r>
           </a:p>
         </p:txBody>
@@ -5338,7 +5407,7 @@
           <a:p>
             <a:fld id="{18BDFEC3-8487-43E8-A154-7C12CBC1FFF2}" type="slidenum">
               <a:rPr lang="en-US"/>
-              <a:t>66</a:t>
+              <a:t>58</a:t>
             </a:fld>
             <a:endParaRPr lang="en-US"/>
           </a:p>
@@ -5398,63 +5467,21 @@
             </a:pPr>
             <a:r>
               <a:rPr/>
-              <a:t>There are special features of time series data that make them difficult to use with a simple bootstrap. The first and most obvious feature is that most time series have a nice neatly ordered pattern or even spacing over time. A bootstrap sample is going to have gaps in some places and multiple observations at the same time point.</a:t>
-            </a:r>
-          </a:p>
-          <a:p>
-            <a:pPr lvl="0" indent="0" marL="0">
-              <a:buNone/>
-            </a:pPr>
-          </a:p>
-          <a:p>
-            <a:pPr lvl="0" indent="0" marL="0">
-              <a:buNone/>
-            </a:pPr>
-            <a:r>
-              <a:rPr/>
-              <a:t>Most time series also exhibit serial correlation, seasonality, and/or temporal trends. These features are either seriously distorted or totally destroyed in a bootstrap sample.</a:t>
-            </a:r>
-          </a:p>
-          <a:p>
-            <a:pPr lvl="0" indent="0" marL="0">
-              <a:buNone/>
-            </a:pPr>
-          </a:p>
-          <a:p>
-            <a:pPr lvl="0" indent="0" marL="0">
-              <a:buNone/>
-            </a:pPr>
-            <a:r>
-              <a:rPr/>
-              <a:t>There are several possible solutions. One is to bootstrap consecutive blocks of observations. This preserves time series features within a block and appears to perform reasonably well.</a:t>
-            </a:r>
-          </a:p>
-          <a:p>
-            <a:pPr lvl="0" indent="0" marL="0">
-              <a:buNone/>
-            </a:pPr>
-          </a:p>
-          <a:p>
-            <a:pPr lvl="0" indent="0" marL="0">
-              <a:buNone/>
-            </a:pPr>
-            <a:r>
-              <a:rPr/>
-              <a:t>A second option is to remove any trend and decompose the time series into independent components, take a bootstrap sample of the independent components, and then recompose a new series from the bootstrap sample.</a:t>
-            </a:r>
-          </a:p>
-          <a:p>
-            <a:pPr lvl="0" indent="0" marL="0">
-              <a:buNone/>
-            </a:pPr>
-          </a:p>
-          <a:p>
-            <a:pPr lvl="0" indent="0" marL="0">
-              <a:buNone/>
-            </a:pPr>
-            <a:r>
-              <a:rPr/>
-              <a:t>The approach you take largely depends on the context of your problem and what statistic you are trying to characterize. For example, if you detrend the data and remove seasonality, then any bootstrapped estimate from the reconstructed time series will be fine if it is modeling a feature of the data other than the trend or seasonality.</a:t>
+              <a:t>R was created in 1999, and relied on a modular approach that makes it ideal for bootstrapping. There is a special library that works for most cases, even some very exotic ones. Looping in R is easy as is extracting specific values.</a:t>
+            </a:r>
+          </a:p>
+          <a:p>
+            <a:pPr lvl="0" indent="0" marL="0">
+              <a:buNone/>
+            </a:pPr>
+          </a:p>
+          <a:p>
+            <a:pPr lvl="0" indent="0" marL="0">
+              <a:buNone/>
+            </a:pPr>
+            <a:r>
+              <a:rPr/>
+              <a:t>Again, I am using an example from the UCLA Statistical Methods and Data Analytics site. It pops up easily on a simple google search.</a:t>
             </a:r>
           </a:p>
         </p:txBody>
@@ -5476,7 +5503,7 @@
           <a:p>
             <a:fld id="{18BDFEC3-8487-43E8-A154-7C12CBC1FFF2}" type="slidenum">
               <a:rPr lang="en-US"/>
-              <a:t>67</a:t>
+              <a:t>59</a:t>
             </a:fld>
             <a:endParaRPr lang="en-US"/>
           </a:p>
@@ -5536,49 +5563,63 @@
             </a:pPr>
             <a:r>
               <a:rPr/>
-              <a:t>The regression model has some of the same issues as the setting with multiple groups described earlier. If some of the independent variables are very strongly correlated, you might end up with a setting where the correlation is exactly 1 for one or more of the bootstrap samples. This is not a serious issue unless you have both a strong correlation and a small sample size.</a:t>
-            </a:r>
-          </a:p>
-          <a:p>
-            <a:pPr lvl="0" indent="0" marL="0">
-              <a:buNone/>
-            </a:pPr>
-          </a:p>
-          <a:p>
-            <a:pPr lvl="0" indent="0" marL="0">
-              <a:buNone/>
-            </a:pPr>
-            <a:r>
-              <a:rPr/>
-              <a:t>But another consideration is that the bootstrap sample treats the independent variables as if they are selected randomly along with the dependent variable. This may be the case, but there are some datasets where the X values are fixed in advance and the dependent variable is the only thing being sampled.</a:t>
-            </a:r>
-          </a:p>
-          <a:p>
-            <a:pPr lvl="0" indent="0" marL="0">
-              <a:buNone/>
-            </a:pPr>
-          </a:p>
-          <a:p>
-            <a:pPr lvl="0" indent="0" marL="0">
-              <a:buNone/>
-            </a:pPr>
-            <a:r>
-              <a:rPr/>
-              <a:t>One possible solution is to compute the residuals and reconstruct a new dependent variable from the bootstrapped residuals.</a:t>
-            </a:r>
-          </a:p>
-          <a:p>
-            <a:pPr lvl="0" indent="0" marL="0">
-              <a:buNone/>
-            </a:pPr>
-          </a:p>
-          <a:p>
-            <a:pPr lvl="0" indent="0" marL="0">
-              <a:buNone/>
-            </a:pPr>
-            <a:r>
-              <a:rPr/>
-              <a:t>Context is important here. If you bootstrap the residuals, you can’t use the reconstructed dependent variable as an estimate of the regression slopes themselves. You could use them to reconstruct a statistic that is independent of those slopes.</a:t>
+              <a:t>In more complex settings, you need to consider some modifications to the bootstrap. I have almost no experience in these settings and there is scant guidance in the published literature and on the web.</a:t>
+            </a:r>
+          </a:p>
+          <a:p>
+            <a:pPr lvl="0" indent="0" marL="0">
+              <a:buNone/>
+            </a:pPr>
+          </a:p>
+          <a:p>
+            <a:pPr lvl="0" indent="0" marL="0">
+              <a:buNone/>
+            </a:pPr>
+            <a:r>
+              <a:rPr/>
+              <a:t>If you find yourself in one of these settings, I would encourage you to find a few publications that use the bootstrap in a setting reasonably similar to yours and emulate their approach.</a:t>
+            </a:r>
+          </a:p>
+          <a:p>
+            <a:pPr lvl="0" indent="0" marL="0">
+              <a:buNone/>
+            </a:pPr>
+          </a:p>
+          <a:p>
+            <a:pPr lvl="0" indent="0" marL="0">
+              <a:buNone/>
+            </a:pPr>
+            <a:r>
+              <a:rPr/>
+              <a:t>I call this the “lemming school of research” which is a reference to the warning about peer pressure that almost every parent has nagged their children with (“If all your friends jumped off a cliff, would you jump off the cliff as well?”).</a:t>
+            </a:r>
+          </a:p>
+          <a:p>
+            <a:pPr lvl="0" indent="0" marL="0">
+              <a:buNone/>
+            </a:pPr>
+          </a:p>
+          <a:p>
+            <a:pPr lvl="0" indent="0" marL="0">
+              <a:buNone/>
+            </a:pPr>
+            <a:r>
+              <a:rPr/>
+              <a:t>It actually is not as bad as I make it sound. If a certain methodology has survived the peer reviewe process, that gives you a bit more confidence that you can survive the peer review process as well if you emulate their approach. There are no guarantees, of course, but this is perhaps an illustration of a more positive message: “there is safety in numbers.”</a:t>
+            </a:r>
+          </a:p>
+          <a:p>
+            <a:pPr lvl="0" indent="0" marL="0">
+              <a:buNone/>
+            </a:pPr>
+          </a:p>
+          <a:p>
+            <a:pPr lvl="0" indent="0" marL="0">
+              <a:buNone/>
+            </a:pPr>
+            <a:r>
+              <a:rPr/>
+              <a:t>The three settings I want to discuss are multiple groups, time series, and regression models.</a:t>
             </a:r>
           </a:p>
         </p:txBody>
@@ -5600,7 +5641,7 @@
           <a:p>
             <a:fld id="{18BDFEC3-8487-43E8-A154-7C12CBC1FFF2}" type="slidenum">
               <a:rPr lang="en-US"/>
-              <a:t>68</a:t>
+              <a:t>64</a:t>
             </a:fld>
             <a:endParaRPr lang="en-US"/>
           </a:p>
@@ -5660,21 +5701,77 @@
             </a:pPr>
             <a:r>
               <a:rPr/>
-              <a:t>The bootstrap performs well in settings where you do not have any theoretical results to guide your work. It also works well when the normal approximations that you rely on are questionable, either because the sample size is small or because the underlying distribution of the data is troublesome. By troublesome, I mean extreme skew or high probability of producing outliers. Both will tend to slow down the asymptotic approximation to normality.</a:t>
-            </a:r>
-          </a:p>
-          <a:p>
-            <a:pPr lvl="0" indent="0" marL="0">
-              <a:buNone/>
-            </a:pPr>
-          </a:p>
-          <a:p>
-            <a:pPr lvl="0" indent="0" marL="0">
-              <a:buNone/>
-            </a:pPr>
-            <a:r>
-              <a:rPr/>
-              <a:t>Keep in mind, though, that the bootstrap can’t compensate for a limited sample size. The confidence intervals may be valid, but often they will be so wide as to be meaningless. There’s a saying that you can’t squeeze blood from a turnip. That’s an attempt to explain that you can’t get something from nothing.</a:t>
+              <a:t>Suppose you have two or more groups and want to estimate a statistic across all of the groups. For example, you have a treatment and a control group and you want to estimate the difference in medians between the two groups.</a:t>
+            </a:r>
+          </a:p>
+          <a:p>
+            <a:pPr lvl="0" indent="0" marL="0">
+              <a:buNone/>
+            </a:pPr>
+          </a:p>
+          <a:p>
+            <a:pPr lvl="0" indent="0" marL="0">
+              <a:buNone/>
+            </a:pPr>
+            <a:r>
+              <a:rPr/>
+              <a:t>You have two options. The first is to apply a simple bootstrap. This allows the relative sizes in the groups to vary. If one of the groups has a small relative sample size, then you run a slight risk having zero observations in that group for one or more of your bootstrap samples.</a:t>
+            </a:r>
+          </a:p>
+          <a:p>
+            <a:pPr lvl="0" indent="0" marL="0">
+              <a:buNone/>
+            </a:pPr>
+          </a:p>
+          <a:p>
+            <a:pPr lvl="0" indent="0" marL="0">
+              <a:buNone/>
+            </a:pPr>
+            <a:r>
+              <a:rPr/>
+              <a:t>If the group sizes are all reasonably large, this is not a serious problem.</a:t>
+            </a:r>
+          </a:p>
+          <a:p>
+            <a:pPr lvl="0" indent="0" marL="0">
+              <a:buNone/>
+            </a:pPr>
+          </a:p>
+          <a:p>
+            <a:pPr lvl="0" indent="0" marL="0">
+              <a:buNone/>
+            </a:pPr>
+            <a:r>
+              <a:rPr/>
+              <a:t>An alternative is to use a stratified bootstrap sample. It’s easy enough to envision with two groups. Let’s say that the two groups have sample sizes n1 and n2. Sample n1 observation with replacement from the first group, sample with n2 observations with replacement from the second group and then combine.</a:t>
+            </a:r>
+          </a:p>
+          <a:p>
+            <a:pPr lvl="0" indent="0" marL="0">
+              <a:buNone/>
+            </a:pPr>
+          </a:p>
+          <a:p>
+            <a:pPr lvl="0" indent="0" marL="0">
+              <a:buNone/>
+            </a:pPr>
+            <a:r>
+              <a:rPr/>
+              <a:t>The stratified bootstrap answers a different question than the simple bootstrap. The simple bootstrap calculates uncertainty in a setting where you are collecting a single sample and that sample has a random number of subjects in each group. The stratified bootstrap calculates uncertainty where you are collecting samples from multiple groups, each with a fixed quota.</a:t>
+            </a:r>
+          </a:p>
+          <a:p>
+            <a:pPr lvl="0" indent="0" marL="0">
+              <a:buNone/>
+            </a:pPr>
+          </a:p>
+          <a:p>
+            <a:pPr lvl="0" indent="0" marL="0">
+              <a:buNone/>
+            </a:pPr>
+            <a:r>
+              <a:rPr/>
+              <a:t>Is this a huge difference? I’m not sure, but my guess is that it is not all that important except when one or more of the group sizes is small. By small, I mean 10 or less. I should note, however, that I have not seen an “official” guidance on this question.</a:t>
             </a:r>
           </a:p>
         </p:txBody>
@@ -5696,7 +5793,7 @@
           <a:p>
             <a:fld id="{18BDFEC3-8487-43E8-A154-7C12CBC1FFF2}" type="slidenum">
               <a:rPr lang="en-US"/>
-              <a:t>70</a:t>
+              <a:t>65</a:t>
             </a:fld>
             <a:endParaRPr lang="en-US"/>
           </a:p>
@@ -5756,21 +5853,63 @@
             </a:pPr>
             <a:r>
               <a:rPr/>
-              <a:t>So we’ve covered the history of the bootstrap, illustrated some algorithms, showed how to compute a bootstrap in SAS, Stata, and R, and discussed some special issues where you might want to modify the bootstrap approach.</a:t>
-            </a:r>
-          </a:p>
-          <a:p>
-            <a:pPr lvl="0" indent="0" marL="0">
-              <a:buNone/>
-            </a:pPr>
-          </a:p>
-          <a:p>
-            <a:pPr lvl="0" indent="0" marL="0">
-              <a:buNone/>
-            </a:pPr>
-            <a:r>
-              <a:rPr/>
-              <a:t>I’d be glad to take any questions you might have.</a:t>
+              <a:t>There are special features of time series data that make them difficult to use with a simple bootstrap. The first and most obvious feature is that most time series have a nice neatly ordered pattern or even spacing over time. A bootstrap sample is going to have gaps in some places and multiple observations at the same time point.</a:t>
+            </a:r>
+          </a:p>
+          <a:p>
+            <a:pPr lvl="0" indent="0" marL="0">
+              <a:buNone/>
+            </a:pPr>
+          </a:p>
+          <a:p>
+            <a:pPr lvl="0" indent="0" marL="0">
+              <a:buNone/>
+            </a:pPr>
+            <a:r>
+              <a:rPr/>
+              <a:t>Most time series also exhibit serial correlation, seasonality, and/or temporal trends. These features are either seriously distorted or totally destroyed in a bootstrap sample.</a:t>
+            </a:r>
+          </a:p>
+          <a:p>
+            <a:pPr lvl="0" indent="0" marL="0">
+              <a:buNone/>
+            </a:pPr>
+          </a:p>
+          <a:p>
+            <a:pPr lvl="0" indent="0" marL="0">
+              <a:buNone/>
+            </a:pPr>
+            <a:r>
+              <a:rPr/>
+              <a:t>There are several possible solutions. One is to bootstrap consecutive blocks of observations. This preserves time series features within a block and appears to perform reasonably well.</a:t>
+            </a:r>
+          </a:p>
+          <a:p>
+            <a:pPr lvl="0" indent="0" marL="0">
+              <a:buNone/>
+            </a:pPr>
+          </a:p>
+          <a:p>
+            <a:pPr lvl="0" indent="0" marL="0">
+              <a:buNone/>
+            </a:pPr>
+            <a:r>
+              <a:rPr/>
+              <a:t>A second option is to remove any trend and decompose the time series into independent components, take a bootstrap sample of the independent components, and then recompose a new series from the bootstrap sample.</a:t>
+            </a:r>
+          </a:p>
+          <a:p>
+            <a:pPr lvl="0" indent="0" marL="0">
+              <a:buNone/>
+            </a:pPr>
+          </a:p>
+          <a:p>
+            <a:pPr lvl="0" indent="0" marL="0">
+              <a:buNone/>
+            </a:pPr>
+            <a:r>
+              <a:rPr/>
+              <a:t>The approach you take largely depends on the context of your problem and what statistic you are trying to characterize. For example, if you detrend the data and remove seasonality, then any bootstrapped estimate from the reconstructed time series will be fine if it is modeling a feature of the data other than the trend or seasonality.</a:t>
             </a:r>
           </a:p>
         </p:txBody>
@@ -5792,7 +5931,323 @@
           <a:p>
             <a:fld id="{18BDFEC3-8487-43E8-A154-7C12CBC1FFF2}" type="slidenum">
               <a:rPr lang="en-US"/>
-              <a:t>71</a:t>
+              <a:t>66</a:t>
+            </a:fld>
+            <a:endParaRPr lang="en-US"/>
+          </a:p>
+        </p:txBody>
+      </p:sp>
+    </p:spTree>
+  </p:cSld>
+</p:notes>
+</file>
+
+<file path=ppt/notesSlides/notesSlide57.xml><?xml version="1.0" encoding="utf-8"?>
+<p:notes xmlns:a="http://schemas.openxmlformats.org/drawingml/2006/main" xmlns:r="http://schemas.openxmlformats.org/officeDocument/2006/relationships" xmlns:p="http://schemas.openxmlformats.org/presentationml/2006/main">
+  <p:cSld>
+    <p:spTree>
+      <p:nvGrpSpPr>
+        <p:cNvPr id="1" name=""/>
+        <p:cNvGrpSpPr/>
+        <p:nvPr/>
+      </p:nvGrpSpPr>
+      <p:grpSpPr>
+        <a:xfrm>
+          <a:off x="0" y="0"/>
+          <a:ext cx="0" cy="0"/>
+          <a:chOff x="0" y="0"/>
+          <a:chExt cx="0" cy="0"/>
+        </a:xfrm>
+      </p:grpSpPr>
+      <p:sp>
+        <p:nvSpPr>
+          <p:cNvPr id="2" name="Slide Image Placeholder 1"/>
+          <p:cNvSpPr>
+            <a:spLocks noGrp="1" noRot="1" noChangeAspect="1"/>
+          </p:cNvSpPr>
+          <p:nvPr>
+            <p:ph type="sldImg"/>
+          </p:nvPr>
+        </p:nvSpPr>
+        <p:spPr/>
+      </p:sp>
+      <p:sp>
+        <p:nvSpPr>
+          <p:cNvPr id="3" name="Notes Placeholder 2"/>
+          <p:cNvSpPr>
+            <a:spLocks noGrp="1"/>
+          </p:cNvSpPr>
+          <p:nvPr>
+            <p:ph type="body" idx="1"/>
+          </p:nvPr>
+        </p:nvSpPr>
+        <p:spPr/>
+        <p:txBody>
+          <a:bodyPr/>
+          <a:lstStyle/>
+          <a:p>
+            <a:pPr lvl="0" indent="0" marL="0">
+              <a:buNone/>
+            </a:pPr>
+            <a:r>
+              <a:rPr/>
+              <a:t>The regression model has some of the same issues as the setting with multiple groups described earlier. If some of the independent variables are very strongly correlated, you might end up with a setting where the correlation is exactly 1 for one or more of the bootstrap samples. This is not a serious issue unless you have both a strong correlation and a small sample size.</a:t>
+            </a:r>
+          </a:p>
+          <a:p>
+            <a:pPr lvl="0" indent="0" marL="0">
+              <a:buNone/>
+            </a:pPr>
+          </a:p>
+          <a:p>
+            <a:pPr lvl="0" indent="0" marL="0">
+              <a:buNone/>
+            </a:pPr>
+            <a:r>
+              <a:rPr/>
+              <a:t>But another consideration is that the bootstrap sample treats the independent variables as if they are selected randomly along with the dependent variable. This may be the case, but there are some datasets where the X values are fixed in advance and the dependent variable is the only thing being sampled.</a:t>
+            </a:r>
+          </a:p>
+          <a:p>
+            <a:pPr lvl="0" indent="0" marL="0">
+              <a:buNone/>
+            </a:pPr>
+          </a:p>
+          <a:p>
+            <a:pPr lvl="0" indent="0" marL="0">
+              <a:buNone/>
+            </a:pPr>
+            <a:r>
+              <a:rPr/>
+              <a:t>One possible solution is to compute the residuals and reconstruct a new dependent variable from the bootstrapped residuals.</a:t>
+            </a:r>
+          </a:p>
+          <a:p>
+            <a:pPr lvl="0" indent="0" marL="0">
+              <a:buNone/>
+            </a:pPr>
+          </a:p>
+          <a:p>
+            <a:pPr lvl="0" indent="0" marL="0">
+              <a:buNone/>
+            </a:pPr>
+            <a:r>
+              <a:rPr/>
+              <a:t>Context is important here. If you bootstrap the residuals, you can’t use the reconstructed dependent variable as an estimate of the regression slopes themselves. You could use them to reconstruct a statistic that is independent of those slopes.</a:t>
+            </a:r>
+          </a:p>
+        </p:txBody>
+      </p:sp>
+      <p:sp>
+        <p:nvSpPr>
+          <p:cNvPr id="4" name="Slide Number Placeholder 3"/>
+          <p:cNvSpPr>
+            <a:spLocks noGrp="1"/>
+          </p:cNvSpPr>
+          <p:nvPr>
+            <p:ph type="sldNum" sz="quarter" idx="10"/>
+          </p:nvPr>
+        </p:nvSpPr>
+        <p:spPr/>
+        <p:txBody>
+          <a:bodyPr/>
+          <a:lstStyle/>
+          <a:p>
+            <a:fld id="{18BDFEC3-8487-43E8-A154-7C12CBC1FFF2}" type="slidenum">
+              <a:rPr lang="en-US"/>
+              <a:t>67</a:t>
+            </a:fld>
+            <a:endParaRPr lang="en-US"/>
+          </a:p>
+        </p:txBody>
+      </p:sp>
+    </p:spTree>
+  </p:cSld>
+</p:notes>
+</file>
+
+<file path=ppt/notesSlides/notesSlide58.xml><?xml version="1.0" encoding="utf-8"?>
+<p:notes xmlns:a="http://schemas.openxmlformats.org/drawingml/2006/main" xmlns:r="http://schemas.openxmlformats.org/officeDocument/2006/relationships" xmlns:p="http://schemas.openxmlformats.org/presentationml/2006/main">
+  <p:cSld>
+    <p:spTree>
+      <p:nvGrpSpPr>
+        <p:cNvPr id="1" name=""/>
+        <p:cNvGrpSpPr/>
+        <p:nvPr/>
+      </p:nvGrpSpPr>
+      <p:grpSpPr>
+        <a:xfrm>
+          <a:off x="0" y="0"/>
+          <a:ext cx="0" cy="0"/>
+          <a:chOff x="0" y="0"/>
+          <a:chExt cx="0" cy="0"/>
+        </a:xfrm>
+      </p:grpSpPr>
+      <p:sp>
+        <p:nvSpPr>
+          <p:cNvPr id="2" name="Slide Image Placeholder 1"/>
+          <p:cNvSpPr>
+            <a:spLocks noGrp="1" noRot="1" noChangeAspect="1"/>
+          </p:cNvSpPr>
+          <p:nvPr>
+            <p:ph type="sldImg"/>
+          </p:nvPr>
+        </p:nvSpPr>
+        <p:spPr/>
+      </p:sp>
+      <p:sp>
+        <p:nvSpPr>
+          <p:cNvPr id="3" name="Notes Placeholder 2"/>
+          <p:cNvSpPr>
+            <a:spLocks noGrp="1"/>
+          </p:cNvSpPr>
+          <p:nvPr>
+            <p:ph type="body" idx="1"/>
+          </p:nvPr>
+        </p:nvSpPr>
+        <p:spPr/>
+        <p:txBody>
+          <a:bodyPr/>
+          <a:lstStyle/>
+          <a:p>
+            <a:pPr lvl="0" indent="0" marL="0">
+              <a:buNone/>
+            </a:pPr>
+            <a:r>
+              <a:rPr/>
+              <a:t>The bootstrap performs well in settings where you do not have any theoretical results to guide your work. It also works well when the normal approximations that you rely on are questionable, either because the sample size is small or because the underlying distribution of the data is troublesome. By troublesome, I mean extreme skew or high probability of producing outliers. Both will tend to slow down the asymptotic approximation to normality.</a:t>
+            </a:r>
+          </a:p>
+          <a:p>
+            <a:pPr lvl="0" indent="0" marL="0">
+              <a:buNone/>
+            </a:pPr>
+          </a:p>
+          <a:p>
+            <a:pPr lvl="0" indent="0" marL="0">
+              <a:buNone/>
+            </a:pPr>
+            <a:r>
+              <a:rPr/>
+              <a:t>Keep in mind, though, that the bootstrap can’t compensate for a limited sample size. The confidence intervals may be valid, but often they will be so wide as to be meaningless. There’s a saying that you can’t squeeze blood from a turnip. That’s an attempt to explain that you can’t get something from nothing.</a:t>
+            </a:r>
+          </a:p>
+        </p:txBody>
+      </p:sp>
+      <p:sp>
+        <p:nvSpPr>
+          <p:cNvPr id="4" name="Slide Number Placeholder 3"/>
+          <p:cNvSpPr>
+            <a:spLocks noGrp="1"/>
+          </p:cNvSpPr>
+          <p:nvPr>
+            <p:ph type="sldNum" sz="quarter" idx="10"/>
+          </p:nvPr>
+        </p:nvSpPr>
+        <p:spPr/>
+        <p:txBody>
+          <a:bodyPr/>
+          <a:lstStyle/>
+          <a:p>
+            <a:fld id="{18BDFEC3-8487-43E8-A154-7C12CBC1FFF2}" type="slidenum">
+              <a:rPr lang="en-US"/>
+              <a:t>69</a:t>
+            </a:fld>
+            <a:endParaRPr lang="en-US"/>
+          </a:p>
+        </p:txBody>
+      </p:sp>
+    </p:spTree>
+  </p:cSld>
+</p:notes>
+</file>
+
+<file path=ppt/notesSlides/notesSlide59.xml><?xml version="1.0" encoding="utf-8"?>
+<p:notes xmlns:a="http://schemas.openxmlformats.org/drawingml/2006/main" xmlns:r="http://schemas.openxmlformats.org/officeDocument/2006/relationships" xmlns:p="http://schemas.openxmlformats.org/presentationml/2006/main">
+  <p:cSld>
+    <p:spTree>
+      <p:nvGrpSpPr>
+        <p:cNvPr id="1" name=""/>
+        <p:cNvGrpSpPr/>
+        <p:nvPr/>
+      </p:nvGrpSpPr>
+      <p:grpSpPr>
+        <a:xfrm>
+          <a:off x="0" y="0"/>
+          <a:ext cx="0" cy="0"/>
+          <a:chOff x="0" y="0"/>
+          <a:chExt cx="0" cy="0"/>
+        </a:xfrm>
+      </p:grpSpPr>
+      <p:sp>
+        <p:nvSpPr>
+          <p:cNvPr id="2" name="Slide Image Placeholder 1"/>
+          <p:cNvSpPr>
+            <a:spLocks noGrp="1" noRot="1" noChangeAspect="1"/>
+          </p:cNvSpPr>
+          <p:nvPr>
+            <p:ph type="sldImg"/>
+          </p:nvPr>
+        </p:nvSpPr>
+        <p:spPr/>
+      </p:sp>
+      <p:sp>
+        <p:nvSpPr>
+          <p:cNvPr id="3" name="Notes Placeholder 2"/>
+          <p:cNvSpPr>
+            <a:spLocks noGrp="1"/>
+          </p:cNvSpPr>
+          <p:nvPr>
+            <p:ph type="body" idx="1"/>
+          </p:nvPr>
+        </p:nvSpPr>
+        <p:spPr/>
+        <p:txBody>
+          <a:bodyPr/>
+          <a:lstStyle/>
+          <a:p>
+            <a:pPr lvl="0" indent="0" marL="0">
+              <a:buNone/>
+            </a:pPr>
+            <a:r>
+              <a:rPr/>
+              <a:t>So we’ve covered the history of the bootstrap, illustrated some algorithms, showed how to compute a bootstrap in SAS, Stata, and R, and discussed some special issues where you might want to modify the bootstrap approach.</a:t>
+            </a:r>
+          </a:p>
+          <a:p>
+            <a:pPr lvl="0" indent="0" marL="0">
+              <a:buNone/>
+            </a:pPr>
+          </a:p>
+          <a:p>
+            <a:pPr lvl="0" indent="0" marL="0">
+              <a:buNone/>
+            </a:pPr>
+            <a:r>
+              <a:rPr/>
+              <a:t>I’d be glad to take any questions you might have.</a:t>
+            </a:r>
+          </a:p>
+        </p:txBody>
+      </p:sp>
+      <p:sp>
+        <p:nvSpPr>
+          <p:cNvPr id="4" name="Slide Number Placeholder 3"/>
+          <p:cNvSpPr>
+            <a:spLocks noGrp="1"/>
+          </p:cNvSpPr>
+          <p:nvPr>
+            <p:ph type="sldNum" sz="quarter" idx="10"/>
+          </p:nvPr>
+        </p:nvSpPr>
+        <p:spPr/>
+        <p:txBody>
+          <a:bodyPr/>
+          <a:lstStyle/>
+          <a:p>
+            <a:fld id="{18BDFEC3-8487-43E8-A154-7C12CBC1FFF2}" type="slidenum">
+              <a:rPr lang="en-US"/>
+              <a:t>70</a:t>
             </a:fld>
             <a:endParaRPr lang="en-US"/>
           </a:p>
@@ -5894,6 +6349,20 @@
             </a:pPr>
             <a:r>
               <a:rPr/>
+              <a:t>But there are lots of settings where even Dr. Serfling’s hard work will still leave you high and dry. Some statistics are just so messy that no one can figure out an asymptotic approximation.</a:t>
+            </a:r>
+          </a:p>
+          <a:p>
+            <a:pPr lvl="0" indent="0" marL="0">
+              <a:buNone/>
+            </a:pPr>
+          </a:p>
+          <a:p>
+            <a:pPr lvl="0" indent="0" marL="0">
+              <a:buNone/>
+            </a:pPr>
+            <a:r>
+              <a:rPr/>
               <a:t>But an even more fundamental question is what do you do when the sample size is not large enough to justify the use of the Central Limit Theorem? I put down n&lt;30 here, but in some settings (well behaved distributions without much skewness and only a weak tendency to produce outliers), you might get by with only 10 observations. Other times (extremely skewed distributions and/or a strong tendency to produce outliers), even a sample size of 300 is inadequate to assume an approximately normal distribution.</a:t>
             </a:r>
           </a:p>
@@ -5922,21 +6391,21 @@
             </a:pPr>
             <a:r>
               <a:rPr/>
-              <a:t>You might find that the normal distribution is a reasonable approximation. If so, great! Consider it a sensitivity check that you passed with flying colors.</a:t>
-            </a:r>
-          </a:p>
-          <a:p>
-            <a:pPr lvl="0" indent="0" marL="0">
-              <a:buNone/>
-            </a:pPr>
-          </a:p>
-          <a:p>
-            <a:pPr lvl="0" indent="0" marL="0">
-              <a:buNone/>
-            </a:pPr>
-            <a:r>
-              <a:rPr/>
-              <a:t>If the results of the bootstrap are markedly different from the results assuming approximate normality, then investigate further. But you can rely on the bootstrap results to provide valid confidence intervals and hypothesis tests. Although there are a few settings where you shouldn’t rely on a bootstrap approach, it is a credible approach for a surpringly broad range of settings.</a:t>
+              <a:t>You might find, after applying the bootstrap, that the normal distribution is a reasonable approximation. If so, great! Consider the bootstrap to be a sensitivity check that you passed with flying colors.</a:t>
+            </a:r>
+          </a:p>
+          <a:p>
+            <a:pPr lvl="0" indent="0" marL="0">
+              <a:buNone/>
+            </a:pPr>
+          </a:p>
+          <a:p>
+            <a:pPr lvl="0" indent="0" marL="0">
+              <a:buNone/>
+            </a:pPr>
+            <a:r>
+              <a:rPr/>
+              <a:t>If the results of the bootstrap are markedly different from the results assuming approximate normality, then investigate further. But you can almost always rely on the bootstrap results to provide valid confidence intervals and hypothesis tests. Although there are a few settings where you shouldn’t rely on a bootstrap approach, it is a credible approach for a surprisingly broad range of settings.</a:t>
             </a:r>
           </a:p>
         </p:txBody>
@@ -6272,8 +6741,8 @@
         </p:nvSpPr>
         <p:spPr>
           <a:xfrm>
-            <a:off x="685800" y="1597819"/>
-            <a:ext cx="7772400" cy="1102519"/>
+            <a:off x="914400" y="2130426"/>
+            <a:ext cx="10363200" cy="1470025"/>
           </a:xfrm>
         </p:spPr>
         <p:txBody>
@@ -6299,8 +6768,8 @@
         </p:nvSpPr>
         <p:spPr>
           <a:xfrm>
-            <a:off x="1371600" y="2914650"/>
-            <a:ext cx="6400800" cy="1314450"/>
+            <a:off x="1828800" y="3886200"/>
+            <a:ext cx="8534400" cy="1752600"/>
           </a:xfrm>
         </p:spPr>
         <p:txBody>
@@ -6316,7 +6785,7 @@
                 </a:solidFill>
               </a:defRPr>
             </a:lvl1pPr>
-            <a:lvl2pPr marL="342900" indent="0" algn="ctr">
+            <a:lvl2pPr marL="457200" indent="0" algn="ctr">
               <a:buNone/>
               <a:defRPr>
                 <a:solidFill>
@@ -6326,7 +6795,7 @@
                 </a:solidFill>
               </a:defRPr>
             </a:lvl2pPr>
-            <a:lvl3pPr marL="685800" indent="0" algn="ctr">
+            <a:lvl3pPr marL="914400" indent="0" algn="ctr">
               <a:buNone/>
               <a:defRPr>
                 <a:solidFill>
@@ -6336,7 +6805,7 @@
                 </a:solidFill>
               </a:defRPr>
             </a:lvl3pPr>
-            <a:lvl4pPr marL="1028700" indent="0" algn="ctr">
+            <a:lvl4pPr marL="1371600" indent="0" algn="ctr">
               <a:buNone/>
               <a:defRPr>
                 <a:solidFill>
@@ -6346,7 +6815,7 @@
                 </a:solidFill>
               </a:defRPr>
             </a:lvl4pPr>
-            <a:lvl5pPr marL="1371600" indent="0" algn="ctr">
+            <a:lvl5pPr marL="1828800" indent="0" algn="ctr">
               <a:buNone/>
               <a:defRPr>
                 <a:solidFill>
@@ -6356,7 +6825,7 @@
                 </a:solidFill>
               </a:defRPr>
             </a:lvl5pPr>
-            <a:lvl6pPr marL="1714500" indent="0" algn="ctr">
+            <a:lvl6pPr marL="2286000" indent="0" algn="ctr">
               <a:buNone/>
               <a:defRPr>
                 <a:solidFill>
@@ -6366,7 +6835,7 @@
                 </a:solidFill>
               </a:defRPr>
             </a:lvl6pPr>
-            <a:lvl7pPr marL="2057400" indent="0" algn="ctr">
+            <a:lvl7pPr marL="2743200" indent="0" algn="ctr">
               <a:buNone/>
               <a:defRPr>
                 <a:solidFill>
@@ -6376,7 +6845,7 @@
                 </a:solidFill>
               </a:defRPr>
             </a:lvl7pPr>
-            <a:lvl8pPr marL="2400300" indent="0" algn="ctr">
+            <a:lvl8pPr marL="3200400" indent="0" algn="ctr">
               <a:buNone/>
               <a:defRPr>
                 <a:solidFill>
@@ -6386,7 +6855,7 @@
                 </a:solidFill>
               </a:defRPr>
             </a:lvl8pPr>
-            <a:lvl9pPr marL="2743200" indent="0" algn="ctr">
+            <a:lvl9pPr marL="3657600" indent="0" algn="ctr">
               <a:buNone/>
               <a:defRPr>
                 <a:solidFill>
@@ -6422,7 +6891,7 @@
           <a:p>
             <a:fld id="{241EB5C9-1307-BA42-ABA2-0BC069CD8E7F}" type="datetimeFigureOut">
               <a:rPr lang="en-US" smtClean="0"/>
-              <a:t>1/2/22</a:t>
+              <a:t>5/1/2022</a:t>
             </a:fld>
             <a:endParaRPr lang="en-US"/>
           </a:p>
@@ -6590,7 +7059,7 @@
           <a:p>
             <a:fld id="{241EB5C9-1307-BA42-ABA2-0BC069CD8E7F}" type="datetimeFigureOut">
               <a:rPr lang="en-US" smtClean="0"/>
-              <a:t>1/2/22</a:t>
+              <a:t>5/1/2022</a:t>
             </a:fld>
             <a:endParaRPr lang="en-US"/>
           </a:p>
@@ -6680,8 +7149,8 @@
         </p:nvSpPr>
         <p:spPr>
           <a:xfrm>
-            <a:off x="6629400" y="205979"/>
-            <a:ext cx="2057400" cy="4388644"/>
+            <a:off x="8839200" y="274639"/>
+            <a:ext cx="2743200" cy="5851525"/>
           </a:xfrm>
         </p:spPr>
         <p:txBody>
@@ -6707,8 +7176,8 @@
         </p:nvSpPr>
         <p:spPr>
           <a:xfrm>
-            <a:off x="457200" y="205979"/>
-            <a:ext cx="6019800" cy="4388644"/>
+            <a:off x="609600" y="274639"/>
+            <a:ext cx="8026400" cy="5851525"/>
           </a:xfrm>
         </p:spPr>
         <p:txBody>
@@ -6768,7 +7237,7 @@
           <a:p>
             <a:fld id="{241EB5C9-1307-BA42-ABA2-0BC069CD8E7F}" type="datetimeFigureOut">
               <a:rPr lang="en-US" smtClean="0"/>
-              <a:t>1/2/22</a:t>
+              <a:t>5/1/2022</a:t>
             </a:fld>
             <a:endParaRPr lang="en-US"/>
           </a:p>
@@ -6936,7 +7405,7 @@
           <a:p>
             <a:fld id="{241EB5C9-1307-BA42-ABA2-0BC069CD8E7F}" type="datetimeFigureOut">
               <a:rPr lang="en-US" smtClean="0"/>
-              <a:t>1/2/22</a:t>
+              <a:t>5/1/2022</a:t>
             </a:fld>
             <a:endParaRPr lang="en-US"/>
           </a:p>
@@ -7026,15 +7495,15 @@
         </p:nvSpPr>
         <p:spPr>
           <a:xfrm>
-            <a:off x="722313" y="3305176"/>
-            <a:ext cx="7772400" cy="1021556"/>
+            <a:off x="963084" y="4406901"/>
+            <a:ext cx="10363200" cy="1362075"/>
           </a:xfrm>
         </p:spPr>
         <p:txBody>
           <a:bodyPr anchor="t"/>
           <a:lstStyle>
             <a:lvl1pPr algn="l">
-              <a:defRPr sz="3000" b="1" cap="all"/>
+              <a:defRPr sz="4000" b="1" cap="all"/>
             </a:lvl1pPr>
           </a:lstStyle>
           <a:p>
@@ -7057,8 +7526,8 @@
         </p:nvSpPr>
         <p:spPr>
           <a:xfrm>
-            <a:off x="722313" y="2180035"/>
-            <a:ext cx="7772400" cy="1125140"/>
+            <a:off x="963084" y="2906713"/>
+            <a:ext cx="10363200" cy="1500187"/>
           </a:xfrm>
         </p:spPr>
         <p:txBody>
@@ -7066,7 +7535,7 @@
           <a:lstStyle>
             <a:lvl1pPr marL="0" indent="0">
               <a:buNone/>
-              <a:defRPr sz="1500">
+              <a:defRPr sz="2000">
                 <a:solidFill>
                   <a:schemeClr val="tx1">
                     <a:tint val="75000"/>
@@ -7074,9 +7543,9 @@
                 </a:solidFill>
               </a:defRPr>
             </a:lvl1pPr>
-            <a:lvl2pPr marL="342900" indent="0">
-              <a:buNone/>
-              <a:defRPr sz="1350">
+            <a:lvl2pPr marL="457200" indent="0">
+              <a:buNone/>
+              <a:defRPr sz="1800">
                 <a:solidFill>
                   <a:schemeClr val="tx1">
                     <a:tint val="75000"/>
@@ -7084,9 +7553,9 @@
                 </a:solidFill>
               </a:defRPr>
             </a:lvl2pPr>
-            <a:lvl3pPr marL="685800" indent="0">
-              <a:buNone/>
-              <a:defRPr sz="1200">
+            <a:lvl3pPr marL="914400" indent="0">
+              <a:buNone/>
+              <a:defRPr sz="1600">
                 <a:solidFill>
                   <a:schemeClr val="tx1">
                     <a:tint val="75000"/>
@@ -7094,9 +7563,9 @@
                 </a:solidFill>
               </a:defRPr>
             </a:lvl3pPr>
-            <a:lvl4pPr marL="1028700" indent="0">
-              <a:buNone/>
-              <a:defRPr sz="1050">
+            <a:lvl4pPr marL="1371600" indent="0">
+              <a:buNone/>
+              <a:defRPr sz="1400">
                 <a:solidFill>
                   <a:schemeClr val="tx1">
                     <a:tint val="75000"/>
@@ -7104,9 +7573,9 @@
                 </a:solidFill>
               </a:defRPr>
             </a:lvl4pPr>
-            <a:lvl5pPr marL="1371600" indent="0">
-              <a:buNone/>
-              <a:defRPr sz="1050">
+            <a:lvl5pPr marL="1828800" indent="0">
+              <a:buNone/>
+              <a:defRPr sz="1400">
                 <a:solidFill>
                   <a:schemeClr val="tx1">
                     <a:tint val="75000"/>
@@ -7114,9 +7583,9 @@
                 </a:solidFill>
               </a:defRPr>
             </a:lvl5pPr>
-            <a:lvl6pPr marL="1714500" indent="0">
-              <a:buNone/>
-              <a:defRPr sz="1050">
+            <a:lvl6pPr marL="2286000" indent="0">
+              <a:buNone/>
+              <a:defRPr sz="1400">
                 <a:solidFill>
                   <a:schemeClr val="tx1">
                     <a:tint val="75000"/>
@@ -7124,9 +7593,9 @@
                 </a:solidFill>
               </a:defRPr>
             </a:lvl6pPr>
-            <a:lvl7pPr marL="2057400" indent="0">
-              <a:buNone/>
-              <a:defRPr sz="1050">
+            <a:lvl7pPr marL="2743200" indent="0">
+              <a:buNone/>
+              <a:defRPr sz="1400">
                 <a:solidFill>
                   <a:schemeClr val="tx1">
                     <a:tint val="75000"/>
@@ -7134,9 +7603,9 @@
                 </a:solidFill>
               </a:defRPr>
             </a:lvl7pPr>
-            <a:lvl8pPr marL="2400300" indent="0">
-              <a:buNone/>
-              <a:defRPr sz="1050">
+            <a:lvl8pPr marL="3200400" indent="0">
+              <a:buNone/>
+              <a:defRPr sz="1400">
                 <a:solidFill>
                   <a:schemeClr val="tx1">
                     <a:tint val="75000"/>
@@ -7144,9 +7613,9 @@
                 </a:solidFill>
               </a:defRPr>
             </a:lvl8pPr>
-            <a:lvl9pPr marL="2743200" indent="0">
-              <a:buNone/>
-              <a:defRPr sz="1050">
+            <a:lvl9pPr marL="3657600" indent="0">
+              <a:buNone/>
+              <a:defRPr sz="1400">
                 <a:solidFill>
                   <a:schemeClr val="tx1">
                     <a:tint val="75000"/>
@@ -7181,7 +7650,7 @@
           <a:p>
             <a:fld id="{241EB5C9-1307-BA42-ABA2-0BC069CD8E7F}" type="datetimeFigureOut">
               <a:rPr lang="en-US" smtClean="0"/>
-              <a:t>1/2/22</a:t>
+              <a:t>5/1/2022</a:t>
             </a:fld>
             <a:endParaRPr lang="en-US"/>
           </a:p>
@@ -7293,39 +7762,39 @@
         </p:nvSpPr>
         <p:spPr>
           <a:xfrm>
-            <a:off x="457200" y="1200151"/>
-            <a:ext cx="4038600" cy="3394472"/>
+            <a:off x="609600" y="1600201"/>
+            <a:ext cx="5384800" cy="4525963"/>
           </a:xfrm>
         </p:spPr>
         <p:txBody>
           <a:bodyPr/>
           <a:lstStyle>
             <a:lvl1pPr>
-              <a:defRPr sz="2100"/>
+              <a:defRPr sz="2800"/>
             </a:lvl1pPr>
             <a:lvl2pPr>
-              <a:defRPr sz="1800"/>
+              <a:defRPr sz="2400"/>
             </a:lvl2pPr>
             <a:lvl3pPr>
-              <a:defRPr sz="1500"/>
+              <a:defRPr sz="2000"/>
             </a:lvl3pPr>
             <a:lvl4pPr>
-              <a:defRPr sz="1350"/>
+              <a:defRPr sz="1800"/>
             </a:lvl4pPr>
             <a:lvl5pPr>
-              <a:defRPr sz="1350"/>
+              <a:defRPr sz="1800"/>
             </a:lvl5pPr>
             <a:lvl6pPr>
-              <a:defRPr sz="1350"/>
+              <a:defRPr sz="1800"/>
             </a:lvl6pPr>
             <a:lvl7pPr>
-              <a:defRPr sz="1350"/>
+              <a:defRPr sz="1800"/>
             </a:lvl7pPr>
             <a:lvl8pPr>
-              <a:defRPr sz="1350"/>
+              <a:defRPr sz="1800"/>
             </a:lvl8pPr>
             <a:lvl9pPr>
-              <a:defRPr sz="1350"/>
+              <a:defRPr sz="1800"/>
             </a:lvl9pPr>
           </a:lstStyle>
           <a:p>
@@ -7377,39 +7846,39 @@
         </p:nvSpPr>
         <p:spPr>
           <a:xfrm>
-            <a:off x="4648200" y="1200151"/>
-            <a:ext cx="4038600" cy="3394472"/>
+            <a:off x="6197600" y="1600201"/>
+            <a:ext cx="5384800" cy="4525963"/>
           </a:xfrm>
         </p:spPr>
         <p:txBody>
           <a:bodyPr/>
           <a:lstStyle>
             <a:lvl1pPr>
-              <a:defRPr sz="2100"/>
+              <a:defRPr sz="2800"/>
             </a:lvl1pPr>
             <a:lvl2pPr>
-              <a:defRPr sz="1800"/>
+              <a:defRPr sz="2400"/>
             </a:lvl2pPr>
             <a:lvl3pPr>
-              <a:defRPr sz="1500"/>
+              <a:defRPr sz="2000"/>
             </a:lvl3pPr>
             <a:lvl4pPr>
-              <a:defRPr sz="1350"/>
+              <a:defRPr sz="1800"/>
             </a:lvl4pPr>
             <a:lvl5pPr>
-              <a:defRPr sz="1350"/>
+              <a:defRPr sz="1800"/>
             </a:lvl5pPr>
             <a:lvl6pPr>
-              <a:defRPr sz="1350"/>
+              <a:defRPr sz="1800"/>
             </a:lvl6pPr>
             <a:lvl7pPr>
-              <a:defRPr sz="1350"/>
+              <a:defRPr sz="1800"/>
             </a:lvl7pPr>
             <a:lvl8pPr>
-              <a:defRPr sz="1350"/>
+              <a:defRPr sz="1800"/>
             </a:lvl8pPr>
             <a:lvl9pPr>
-              <a:defRPr sz="1350"/>
+              <a:defRPr sz="1800"/>
             </a:lvl9pPr>
           </a:lstStyle>
           <a:p>
@@ -7466,7 +7935,7 @@
           <a:p>
             <a:fld id="{241EB5C9-1307-BA42-ABA2-0BC069CD8E7F}" type="datetimeFigureOut">
               <a:rPr lang="en-US" smtClean="0"/>
-              <a:t>1/2/22</a:t>
+              <a:t>5/1/2022</a:t>
             </a:fld>
             <a:endParaRPr lang="en-US"/>
           </a:p>
@@ -7582,8 +8051,8 @@
         </p:nvSpPr>
         <p:spPr>
           <a:xfrm>
-            <a:off x="457200" y="1151335"/>
-            <a:ext cx="4040188" cy="479822"/>
+            <a:off x="609600" y="1535113"/>
+            <a:ext cx="5386917" cy="639762"/>
           </a:xfrm>
         </p:spPr>
         <p:txBody>
@@ -7591,39 +8060,39 @@
           <a:lstStyle>
             <a:lvl1pPr marL="0" indent="0">
               <a:buNone/>
+              <a:defRPr sz="2400" b="1"/>
+            </a:lvl1pPr>
+            <a:lvl2pPr marL="457200" indent="0">
+              <a:buNone/>
+              <a:defRPr sz="2000" b="1"/>
+            </a:lvl2pPr>
+            <a:lvl3pPr marL="914400" indent="0">
+              <a:buNone/>
               <a:defRPr sz="1800" b="1"/>
-            </a:lvl1pPr>
-            <a:lvl2pPr marL="342900" indent="0">
-              <a:buNone/>
-              <a:defRPr sz="1500" b="1"/>
-            </a:lvl2pPr>
-            <a:lvl3pPr marL="685800" indent="0">
-              <a:buNone/>
-              <a:defRPr sz="1350" b="1"/>
             </a:lvl3pPr>
-            <a:lvl4pPr marL="1028700" indent="0">
-              <a:buNone/>
-              <a:defRPr sz="1200" b="1"/>
+            <a:lvl4pPr marL="1371600" indent="0">
+              <a:buNone/>
+              <a:defRPr sz="1600" b="1"/>
             </a:lvl4pPr>
-            <a:lvl5pPr marL="1371600" indent="0">
-              <a:buNone/>
-              <a:defRPr sz="1200" b="1"/>
+            <a:lvl5pPr marL="1828800" indent="0">
+              <a:buNone/>
+              <a:defRPr sz="1600" b="1"/>
             </a:lvl5pPr>
-            <a:lvl6pPr marL="1714500" indent="0">
-              <a:buNone/>
-              <a:defRPr sz="1200" b="1"/>
+            <a:lvl6pPr marL="2286000" indent="0">
+              <a:buNone/>
+              <a:defRPr sz="1600" b="1"/>
             </a:lvl6pPr>
-            <a:lvl7pPr marL="2057400" indent="0">
-              <a:buNone/>
-              <a:defRPr sz="1200" b="1"/>
+            <a:lvl7pPr marL="2743200" indent="0">
+              <a:buNone/>
+              <a:defRPr sz="1600" b="1"/>
             </a:lvl7pPr>
-            <a:lvl8pPr marL="2400300" indent="0">
-              <a:buNone/>
-              <a:defRPr sz="1200" b="1"/>
+            <a:lvl8pPr marL="3200400" indent="0">
+              <a:buNone/>
+              <a:defRPr sz="1600" b="1"/>
             </a:lvl8pPr>
-            <a:lvl9pPr marL="2743200" indent="0">
-              <a:buNone/>
-              <a:defRPr sz="1200" b="1"/>
+            <a:lvl9pPr marL="3657600" indent="0">
+              <a:buNone/>
+              <a:defRPr sz="1600" b="1"/>
             </a:lvl9pPr>
           </a:lstStyle>
           <a:p>
@@ -7647,39 +8116,39 @@
         </p:nvSpPr>
         <p:spPr>
           <a:xfrm>
-            <a:off x="457200" y="1631156"/>
-            <a:ext cx="4040188" cy="2963466"/>
+            <a:off x="609600" y="2174875"/>
+            <a:ext cx="5386917" cy="3951288"/>
           </a:xfrm>
         </p:spPr>
         <p:txBody>
           <a:bodyPr/>
           <a:lstStyle>
             <a:lvl1pPr>
-              <a:defRPr sz="1800"/>
+              <a:defRPr sz="2400"/>
             </a:lvl1pPr>
             <a:lvl2pPr>
-              <a:defRPr sz="1500"/>
+              <a:defRPr sz="2000"/>
             </a:lvl2pPr>
             <a:lvl3pPr>
-              <a:defRPr sz="1350"/>
+              <a:defRPr sz="1800"/>
             </a:lvl3pPr>
             <a:lvl4pPr>
-              <a:defRPr sz="1200"/>
+              <a:defRPr sz="1600"/>
             </a:lvl4pPr>
             <a:lvl5pPr>
-              <a:defRPr sz="1200"/>
+              <a:defRPr sz="1600"/>
             </a:lvl5pPr>
             <a:lvl6pPr>
-              <a:defRPr sz="1200"/>
+              <a:defRPr sz="1600"/>
             </a:lvl6pPr>
             <a:lvl7pPr>
-              <a:defRPr sz="1200"/>
+              <a:defRPr sz="1600"/>
             </a:lvl7pPr>
             <a:lvl8pPr>
-              <a:defRPr sz="1200"/>
+              <a:defRPr sz="1600"/>
             </a:lvl8pPr>
             <a:lvl9pPr>
-              <a:defRPr sz="1200"/>
+              <a:defRPr sz="1600"/>
             </a:lvl9pPr>
           </a:lstStyle>
           <a:p>
@@ -7731,8 +8200,8 @@
         </p:nvSpPr>
         <p:spPr>
           <a:xfrm>
-            <a:off x="4645026" y="1151335"/>
-            <a:ext cx="4041775" cy="479822"/>
+            <a:off x="6193368" y="1535113"/>
+            <a:ext cx="5389033" cy="639762"/>
           </a:xfrm>
         </p:spPr>
         <p:txBody>
@@ -7740,39 +8209,39 @@
           <a:lstStyle>
             <a:lvl1pPr marL="0" indent="0">
               <a:buNone/>
+              <a:defRPr sz="2400" b="1"/>
+            </a:lvl1pPr>
+            <a:lvl2pPr marL="457200" indent="0">
+              <a:buNone/>
+              <a:defRPr sz="2000" b="1"/>
+            </a:lvl2pPr>
+            <a:lvl3pPr marL="914400" indent="0">
+              <a:buNone/>
               <a:defRPr sz="1800" b="1"/>
-            </a:lvl1pPr>
-            <a:lvl2pPr marL="342900" indent="0">
-              <a:buNone/>
-              <a:defRPr sz="1500" b="1"/>
-            </a:lvl2pPr>
-            <a:lvl3pPr marL="685800" indent="0">
-              <a:buNone/>
-              <a:defRPr sz="1350" b="1"/>
             </a:lvl3pPr>
-            <a:lvl4pPr marL="1028700" indent="0">
-              <a:buNone/>
-              <a:defRPr sz="1200" b="1"/>
+            <a:lvl4pPr marL="1371600" indent="0">
+              <a:buNone/>
+              <a:defRPr sz="1600" b="1"/>
             </a:lvl4pPr>
-            <a:lvl5pPr marL="1371600" indent="0">
-              <a:buNone/>
-              <a:defRPr sz="1200" b="1"/>
+            <a:lvl5pPr marL="1828800" indent="0">
+              <a:buNone/>
+              <a:defRPr sz="1600" b="1"/>
             </a:lvl5pPr>
-            <a:lvl6pPr marL="1714500" indent="0">
-              <a:buNone/>
-              <a:defRPr sz="1200" b="1"/>
+            <a:lvl6pPr marL="2286000" indent="0">
+              <a:buNone/>
+              <a:defRPr sz="1600" b="1"/>
             </a:lvl6pPr>
-            <a:lvl7pPr marL="2057400" indent="0">
-              <a:buNone/>
-              <a:defRPr sz="1200" b="1"/>
+            <a:lvl7pPr marL="2743200" indent="0">
+              <a:buNone/>
+              <a:defRPr sz="1600" b="1"/>
             </a:lvl7pPr>
-            <a:lvl8pPr marL="2400300" indent="0">
-              <a:buNone/>
-              <a:defRPr sz="1200" b="1"/>
+            <a:lvl8pPr marL="3200400" indent="0">
+              <a:buNone/>
+              <a:defRPr sz="1600" b="1"/>
             </a:lvl8pPr>
-            <a:lvl9pPr marL="2743200" indent="0">
-              <a:buNone/>
-              <a:defRPr sz="1200" b="1"/>
+            <a:lvl9pPr marL="3657600" indent="0">
+              <a:buNone/>
+              <a:defRPr sz="1600" b="1"/>
             </a:lvl9pPr>
           </a:lstStyle>
           <a:p>
@@ -7796,39 +8265,39 @@
         </p:nvSpPr>
         <p:spPr>
           <a:xfrm>
-            <a:off x="4645026" y="1631156"/>
-            <a:ext cx="4041775" cy="2963466"/>
+            <a:off x="6193368" y="2174875"/>
+            <a:ext cx="5389033" cy="3951288"/>
           </a:xfrm>
         </p:spPr>
         <p:txBody>
           <a:bodyPr/>
           <a:lstStyle>
             <a:lvl1pPr>
-              <a:defRPr sz="1800"/>
+              <a:defRPr sz="2400"/>
             </a:lvl1pPr>
             <a:lvl2pPr>
-              <a:defRPr sz="1500"/>
+              <a:defRPr sz="2000"/>
             </a:lvl2pPr>
             <a:lvl3pPr>
-              <a:defRPr sz="1350"/>
+              <a:defRPr sz="1800"/>
             </a:lvl3pPr>
             <a:lvl4pPr>
-              <a:defRPr sz="1200"/>
+              <a:defRPr sz="1600"/>
             </a:lvl4pPr>
             <a:lvl5pPr>
-              <a:defRPr sz="1200"/>
+              <a:defRPr sz="1600"/>
             </a:lvl5pPr>
             <a:lvl6pPr>
-              <a:defRPr sz="1200"/>
+              <a:defRPr sz="1600"/>
             </a:lvl6pPr>
             <a:lvl7pPr>
-              <a:defRPr sz="1200"/>
+              <a:defRPr sz="1600"/>
             </a:lvl7pPr>
             <a:lvl8pPr>
-              <a:defRPr sz="1200"/>
+              <a:defRPr sz="1600"/>
             </a:lvl8pPr>
             <a:lvl9pPr>
-              <a:defRPr sz="1200"/>
+              <a:defRPr sz="1600"/>
             </a:lvl9pPr>
           </a:lstStyle>
           <a:p>
@@ -7885,7 +8354,7 @@
           <a:p>
             <a:fld id="{241EB5C9-1307-BA42-ABA2-0BC069CD8E7F}" type="datetimeFigureOut">
               <a:rPr lang="en-US" smtClean="0"/>
-              <a:t>1/2/22</a:t>
+              <a:t>5/1/2022</a:t>
             </a:fld>
             <a:endParaRPr lang="en-US"/>
           </a:p>
@@ -8002,7 +8471,7 @@
           <a:p>
             <a:fld id="{241EB5C9-1307-BA42-ABA2-0BC069CD8E7F}" type="datetimeFigureOut">
               <a:rPr lang="en-US" smtClean="0"/>
-              <a:t>1/2/22</a:t>
+              <a:t>5/1/2022</a:t>
             </a:fld>
             <a:endParaRPr lang="en-US"/>
           </a:p>
@@ -8097,7 +8566,7 @@
           <a:p>
             <a:fld id="{241EB5C9-1307-BA42-ABA2-0BC069CD8E7F}" type="datetimeFigureOut">
               <a:rPr lang="en-US" smtClean="0"/>
-              <a:t>1/2/22</a:t>
+              <a:t>5/1/2022</a:t>
             </a:fld>
             <a:endParaRPr lang="en-US"/>
           </a:p>
@@ -8187,15 +8656,15 @@
         </p:nvSpPr>
         <p:spPr>
           <a:xfrm>
-            <a:off x="457201" y="204787"/>
-            <a:ext cx="3008313" cy="871538"/>
+            <a:off x="609601" y="273050"/>
+            <a:ext cx="4011084" cy="1162050"/>
           </a:xfrm>
         </p:spPr>
         <p:txBody>
           <a:bodyPr anchor="b"/>
           <a:lstStyle>
             <a:lvl1pPr algn="l">
-              <a:defRPr sz="1500" b="1"/>
+              <a:defRPr sz="2000" b="1"/>
             </a:lvl1pPr>
           </a:lstStyle>
           <a:p>
@@ -8218,39 +8687,39 @@
         </p:nvSpPr>
         <p:spPr>
           <a:xfrm>
-            <a:off x="3575050" y="204788"/>
-            <a:ext cx="5111750" cy="4389835"/>
+            <a:off x="4766733" y="273051"/>
+            <a:ext cx="6815667" cy="5853113"/>
           </a:xfrm>
         </p:spPr>
         <p:txBody>
           <a:bodyPr/>
           <a:lstStyle>
             <a:lvl1pPr>
-              <a:defRPr sz="2400"/>
+              <a:defRPr sz="3200"/>
             </a:lvl1pPr>
             <a:lvl2pPr>
-              <a:defRPr sz="2100"/>
+              <a:defRPr sz="2800"/>
             </a:lvl2pPr>
             <a:lvl3pPr>
-              <a:defRPr sz="1800"/>
+              <a:defRPr sz="2400"/>
             </a:lvl3pPr>
             <a:lvl4pPr>
-              <a:defRPr sz="1500"/>
+              <a:defRPr sz="2000"/>
             </a:lvl4pPr>
             <a:lvl5pPr>
-              <a:defRPr sz="1500"/>
+              <a:defRPr sz="2000"/>
             </a:lvl5pPr>
             <a:lvl6pPr>
-              <a:defRPr sz="1500"/>
+              <a:defRPr sz="2000"/>
             </a:lvl6pPr>
             <a:lvl7pPr>
-              <a:defRPr sz="1500"/>
+              <a:defRPr sz="2000"/>
             </a:lvl7pPr>
             <a:lvl8pPr>
-              <a:defRPr sz="1500"/>
+              <a:defRPr sz="2000"/>
             </a:lvl8pPr>
             <a:lvl9pPr>
-              <a:defRPr sz="1500"/>
+              <a:defRPr sz="2000"/>
             </a:lvl9pPr>
           </a:lstStyle>
           <a:p>
@@ -8302,8 +8771,8 @@
         </p:nvSpPr>
         <p:spPr>
           <a:xfrm>
-            <a:off x="457201" y="1076326"/>
-            <a:ext cx="3008313" cy="3518297"/>
+            <a:off x="609601" y="1435101"/>
+            <a:ext cx="4011084" cy="4691063"/>
           </a:xfrm>
         </p:spPr>
         <p:txBody>
@@ -8311,39 +8780,39 @@
           <a:lstStyle>
             <a:lvl1pPr marL="0" indent="0">
               <a:buNone/>
-              <a:defRPr sz="1050"/>
+              <a:defRPr sz="1400"/>
             </a:lvl1pPr>
-            <a:lvl2pPr marL="342900" indent="0">
+            <a:lvl2pPr marL="457200" indent="0">
+              <a:buNone/>
+              <a:defRPr sz="1200"/>
+            </a:lvl2pPr>
+            <a:lvl3pPr marL="914400" indent="0">
+              <a:buNone/>
+              <a:defRPr sz="1000"/>
+            </a:lvl3pPr>
+            <a:lvl4pPr marL="1371600" indent="0">
               <a:buNone/>
               <a:defRPr sz="900"/>
-            </a:lvl2pPr>
-            <a:lvl3pPr marL="685800" indent="0">
-              <a:buNone/>
-              <a:defRPr sz="750"/>
-            </a:lvl3pPr>
-            <a:lvl4pPr marL="1028700" indent="0">
-              <a:buNone/>
-              <a:defRPr sz="675"/>
             </a:lvl4pPr>
-            <a:lvl5pPr marL="1371600" indent="0">
-              <a:buNone/>
-              <a:defRPr sz="675"/>
+            <a:lvl5pPr marL="1828800" indent="0">
+              <a:buNone/>
+              <a:defRPr sz="900"/>
             </a:lvl5pPr>
-            <a:lvl6pPr marL="1714500" indent="0">
-              <a:buNone/>
-              <a:defRPr sz="675"/>
+            <a:lvl6pPr marL="2286000" indent="0">
+              <a:buNone/>
+              <a:defRPr sz="900"/>
             </a:lvl6pPr>
-            <a:lvl7pPr marL="2057400" indent="0">
-              <a:buNone/>
-              <a:defRPr sz="675"/>
+            <a:lvl7pPr marL="2743200" indent="0">
+              <a:buNone/>
+              <a:defRPr sz="900"/>
             </a:lvl7pPr>
-            <a:lvl8pPr marL="2400300" indent="0">
-              <a:buNone/>
-              <a:defRPr sz="675"/>
+            <a:lvl8pPr marL="3200400" indent="0">
+              <a:buNone/>
+              <a:defRPr sz="900"/>
             </a:lvl8pPr>
-            <a:lvl9pPr marL="2743200" indent="0">
-              <a:buNone/>
-              <a:defRPr sz="675"/>
+            <a:lvl9pPr marL="3657600" indent="0">
+              <a:buNone/>
+              <a:defRPr sz="900"/>
             </a:lvl9pPr>
           </a:lstStyle>
           <a:p>
@@ -8372,7 +8841,7 @@
           <a:p>
             <a:fld id="{241EB5C9-1307-BA42-ABA2-0BC069CD8E7F}" type="datetimeFigureOut">
               <a:rPr lang="en-US" smtClean="0"/>
-              <a:t>1/2/22</a:t>
+              <a:t>5/1/2022</a:t>
             </a:fld>
             <a:endParaRPr lang="en-US"/>
           </a:p>
@@ -8462,15 +8931,15 @@
         </p:nvSpPr>
         <p:spPr>
           <a:xfrm>
-            <a:off x="1792288" y="3600450"/>
-            <a:ext cx="5486400" cy="425054"/>
+            <a:off x="2389717" y="4800600"/>
+            <a:ext cx="7315200" cy="566738"/>
           </a:xfrm>
         </p:spPr>
         <p:txBody>
           <a:bodyPr anchor="b"/>
           <a:lstStyle>
             <a:lvl1pPr algn="l">
-              <a:defRPr sz="1500" b="1"/>
+              <a:defRPr sz="2000" b="1"/>
             </a:lvl1pPr>
           </a:lstStyle>
           <a:p>
@@ -8493,8 +8962,8 @@
         </p:nvSpPr>
         <p:spPr>
           <a:xfrm>
-            <a:off x="1792288" y="459581"/>
-            <a:ext cx="5486400" cy="3086100"/>
+            <a:off x="2389717" y="612775"/>
+            <a:ext cx="7315200" cy="4114800"/>
           </a:xfrm>
         </p:spPr>
         <p:txBody>
@@ -8502,39 +8971,39 @@
           <a:lstStyle>
             <a:lvl1pPr marL="0" indent="0">
               <a:buNone/>
+              <a:defRPr sz="3200"/>
+            </a:lvl1pPr>
+            <a:lvl2pPr marL="457200" indent="0">
+              <a:buNone/>
+              <a:defRPr sz="2800"/>
+            </a:lvl2pPr>
+            <a:lvl3pPr marL="914400" indent="0">
+              <a:buNone/>
               <a:defRPr sz="2400"/>
-            </a:lvl1pPr>
-            <a:lvl2pPr marL="342900" indent="0">
-              <a:buNone/>
-              <a:defRPr sz="2100"/>
-            </a:lvl2pPr>
-            <a:lvl3pPr marL="685800" indent="0">
-              <a:buNone/>
-              <a:defRPr sz="1800"/>
             </a:lvl3pPr>
-            <a:lvl4pPr marL="1028700" indent="0">
-              <a:buNone/>
-              <a:defRPr sz="1500"/>
+            <a:lvl4pPr marL="1371600" indent="0">
+              <a:buNone/>
+              <a:defRPr sz="2000"/>
             </a:lvl4pPr>
-            <a:lvl5pPr marL="1371600" indent="0">
-              <a:buNone/>
-              <a:defRPr sz="1500"/>
+            <a:lvl5pPr marL="1828800" indent="0">
+              <a:buNone/>
+              <a:defRPr sz="2000"/>
             </a:lvl5pPr>
-            <a:lvl6pPr marL="1714500" indent="0">
-              <a:buNone/>
-              <a:defRPr sz="1500"/>
+            <a:lvl6pPr marL="2286000" indent="0">
+              <a:buNone/>
+              <a:defRPr sz="2000"/>
             </a:lvl6pPr>
-            <a:lvl7pPr marL="2057400" indent="0">
-              <a:buNone/>
-              <a:defRPr sz="1500"/>
+            <a:lvl7pPr marL="2743200" indent="0">
+              <a:buNone/>
+              <a:defRPr sz="2000"/>
             </a:lvl7pPr>
-            <a:lvl8pPr marL="2400300" indent="0">
-              <a:buNone/>
-              <a:defRPr sz="1500"/>
+            <a:lvl8pPr marL="3200400" indent="0">
+              <a:buNone/>
+              <a:defRPr sz="2000"/>
             </a:lvl8pPr>
-            <a:lvl9pPr marL="2743200" indent="0">
-              <a:buNone/>
-              <a:defRPr sz="1500"/>
+            <a:lvl9pPr marL="3657600" indent="0">
+              <a:buNone/>
+              <a:defRPr sz="2000"/>
             </a:lvl9pPr>
           </a:lstStyle>
           <a:p>
@@ -8554,8 +9023,8 @@
         </p:nvSpPr>
         <p:spPr>
           <a:xfrm>
-            <a:off x="1792288" y="4025503"/>
-            <a:ext cx="5486400" cy="603647"/>
+            <a:off x="2389717" y="5367338"/>
+            <a:ext cx="7315200" cy="804862"/>
           </a:xfrm>
         </p:spPr>
         <p:txBody>
@@ -8563,39 +9032,39 @@
           <a:lstStyle>
             <a:lvl1pPr marL="0" indent="0">
               <a:buNone/>
-              <a:defRPr sz="1050"/>
+              <a:defRPr sz="1400"/>
             </a:lvl1pPr>
-            <a:lvl2pPr marL="342900" indent="0">
+            <a:lvl2pPr marL="457200" indent="0">
+              <a:buNone/>
+              <a:defRPr sz="1200"/>
+            </a:lvl2pPr>
+            <a:lvl3pPr marL="914400" indent="0">
+              <a:buNone/>
+              <a:defRPr sz="1000"/>
+            </a:lvl3pPr>
+            <a:lvl4pPr marL="1371600" indent="0">
               <a:buNone/>
               <a:defRPr sz="900"/>
-            </a:lvl2pPr>
-            <a:lvl3pPr marL="685800" indent="0">
-              <a:buNone/>
-              <a:defRPr sz="750"/>
-            </a:lvl3pPr>
-            <a:lvl4pPr marL="1028700" indent="0">
-              <a:buNone/>
-              <a:defRPr sz="675"/>
             </a:lvl4pPr>
-            <a:lvl5pPr marL="1371600" indent="0">
-              <a:buNone/>
-              <a:defRPr sz="675"/>
+            <a:lvl5pPr marL="1828800" indent="0">
+              <a:buNone/>
+              <a:defRPr sz="900"/>
             </a:lvl5pPr>
-            <a:lvl6pPr marL="1714500" indent="0">
-              <a:buNone/>
-              <a:defRPr sz="675"/>
+            <a:lvl6pPr marL="2286000" indent="0">
+              <a:buNone/>
+              <a:defRPr sz="900"/>
             </a:lvl6pPr>
-            <a:lvl7pPr marL="2057400" indent="0">
-              <a:buNone/>
-              <a:defRPr sz="675"/>
+            <a:lvl7pPr marL="2743200" indent="0">
+              <a:buNone/>
+              <a:defRPr sz="900"/>
             </a:lvl7pPr>
-            <a:lvl8pPr marL="2400300" indent="0">
-              <a:buNone/>
-              <a:defRPr sz="675"/>
+            <a:lvl8pPr marL="3200400" indent="0">
+              <a:buNone/>
+              <a:defRPr sz="900"/>
             </a:lvl8pPr>
-            <a:lvl9pPr marL="2743200" indent="0">
-              <a:buNone/>
-              <a:defRPr sz="675"/>
+            <a:lvl9pPr marL="3657600" indent="0">
+              <a:buNone/>
+              <a:defRPr sz="900"/>
             </a:lvl9pPr>
           </a:lstStyle>
           <a:p>
@@ -8624,7 +9093,7 @@
           <a:p>
             <a:fld id="{241EB5C9-1307-BA42-ABA2-0BC069CD8E7F}" type="datetimeFigureOut">
               <a:rPr lang="en-US" smtClean="0"/>
-              <a:t>1/2/22</a:t>
+              <a:t>5/1/2022</a:t>
             </a:fld>
             <a:endParaRPr lang="en-US"/>
           </a:p>
@@ -8719,8 +9188,8 @@
         </p:nvSpPr>
         <p:spPr>
           <a:xfrm>
-            <a:off x="457200" y="205979"/>
-            <a:ext cx="8229600" cy="857250"/>
+            <a:off x="609600" y="274638"/>
+            <a:ext cx="10972800" cy="1143000"/>
           </a:xfrm>
           <a:prstGeom prst="rect">
             <a:avLst/>
@@ -8751,8 +9220,8 @@
         </p:nvSpPr>
         <p:spPr>
           <a:xfrm>
-            <a:off x="457200" y="1200151"/>
-            <a:ext cx="8229600" cy="3394472"/>
+            <a:off x="609600" y="1600201"/>
+            <a:ext cx="10972800" cy="4525963"/>
           </a:xfrm>
           <a:prstGeom prst="rect">
             <a:avLst/>
@@ -8812,8 +9281,8 @@
         </p:nvSpPr>
         <p:spPr>
           <a:xfrm>
-            <a:off x="457200" y="4767263"/>
-            <a:ext cx="2133600" cy="273844"/>
+            <a:off x="609600" y="6356351"/>
+            <a:ext cx="2844800" cy="365125"/>
           </a:xfrm>
           <a:prstGeom prst="rect">
             <a:avLst/>
@@ -8823,7 +9292,7 @@
           <a:bodyPr anchor="ctr" bIns="45720" lIns="91440" rIns="91440" rtlCol="0" tIns="45720" vert="horz"/>
           <a:lstStyle>
             <a:lvl1pPr algn="l">
-              <a:defRPr sz="900">
+              <a:defRPr sz="1200">
                 <a:solidFill>
                   <a:schemeClr val="tx1">
                     <a:tint val="75000"/>
@@ -8835,7 +9304,7 @@
           <a:p>
             <a:fld id="{241EB5C9-1307-BA42-ABA2-0BC069CD8E7F}" type="datetimeFigureOut">
               <a:rPr lang="en-US" smtClean="0"/>
-              <a:t>1/2/22</a:t>
+              <a:t>5/1/2022</a:t>
             </a:fld>
             <a:endParaRPr lang="en-US"/>
           </a:p>
@@ -8853,8 +9322,8 @@
         </p:nvSpPr>
         <p:spPr>
           <a:xfrm>
-            <a:off x="3124200" y="4767263"/>
-            <a:ext cx="2895600" cy="273844"/>
+            <a:off x="4165600" y="6356351"/>
+            <a:ext cx="3860800" cy="365125"/>
           </a:xfrm>
           <a:prstGeom prst="rect">
             <a:avLst/>
@@ -8864,7 +9333,7 @@
           <a:bodyPr anchor="ctr" bIns="45720" lIns="91440" rIns="91440" rtlCol="0" tIns="45720" vert="horz"/>
           <a:lstStyle>
             <a:lvl1pPr algn="ctr">
-              <a:defRPr sz="900">
+              <a:defRPr sz="1200">
                 <a:solidFill>
                   <a:schemeClr val="tx1">
                     <a:tint val="75000"/>
@@ -8890,8 +9359,8 @@
         </p:nvSpPr>
         <p:spPr>
           <a:xfrm>
-            <a:off x="6553200" y="4767263"/>
-            <a:ext cx="2133600" cy="273844"/>
+            <a:off x="8737600" y="6356351"/>
+            <a:ext cx="2844800" cy="365125"/>
           </a:xfrm>
           <a:prstGeom prst="rect">
             <a:avLst/>
@@ -8901,7 +9370,7 @@
           <a:bodyPr anchor="ctr" bIns="45720" lIns="91440" rIns="91440" rtlCol="0" tIns="45720" vert="horz"/>
           <a:lstStyle>
             <a:lvl1pPr algn="r">
-              <a:defRPr sz="900">
+              <a:defRPr sz="1200">
                 <a:solidFill>
                   <a:schemeClr val="tx1">
                     <a:tint val="75000"/>
@@ -8942,12 +9411,12 @@
   </p:sldLayoutIdLst>
   <p:txStyles>
     <p:titleStyle>
-      <a:lvl1pPr algn="ctr" defTabSz="342900" eaLnBrk="1" hangingPunct="1" latinLnBrk="0" rtl="0">
+      <a:lvl1pPr algn="ctr" defTabSz="457200" eaLnBrk="1" hangingPunct="1" latinLnBrk="0" rtl="0">
         <a:spcBef>
           <a:spcPct val="0"/>
         </a:spcBef>
         <a:buNone/>
-        <a:defRPr kern="1200" sz="3300">
+        <a:defRPr kern="1200" sz="4400">
           <a:solidFill>
             <a:schemeClr val="tx1"/>
           </a:solidFill>
@@ -8958,7 +9427,37 @@
       </a:lvl1pPr>
     </p:titleStyle>
     <p:bodyStyle>
-      <a:lvl1pPr algn="l" defTabSz="342900" eaLnBrk="1" hangingPunct="1" indent="-342900" latinLnBrk="0" marL="342900" rtl="0">
+      <a:lvl1pPr algn="l" defTabSz="457200" eaLnBrk="1" hangingPunct="1" indent="-342900" latinLnBrk="0" marL="342900" rtl="0">
+        <a:spcBef>
+          <a:spcPct val="20000"/>
+        </a:spcBef>
+        <a:buFont typeface="Arial"/>
+        <a:buChar char="•"/>
+        <a:defRPr kern="1200" sz="3200">
+          <a:solidFill>
+            <a:schemeClr val="tx1"/>
+          </a:solidFill>
+          <a:latin typeface="+mn-lt"/>
+          <a:ea typeface="+mn-ea"/>
+          <a:cs typeface="+mn-cs"/>
+        </a:defRPr>
+      </a:lvl1pPr>
+      <a:lvl2pPr algn="l" defTabSz="457200" eaLnBrk="1" hangingPunct="1" indent="-285750" latinLnBrk="0" marL="742950" rtl="0">
+        <a:spcBef>
+          <a:spcPct val="20000"/>
+        </a:spcBef>
+        <a:buFont typeface="Arial"/>
+        <a:buChar char="–"/>
+        <a:defRPr kern="1200" sz="2800">
+          <a:solidFill>
+            <a:schemeClr val="tx1"/>
+          </a:solidFill>
+          <a:latin typeface="+mn-lt"/>
+          <a:ea typeface="+mn-ea"/>
+          <a:cs typeface="+mn-cs"/>
+        </a:defRPr>
+      </a:lvl2pPr>
+      <a:lvl3pPr algn="l" defTabSz="457200" eaLnBrk="1" hangingPunct="1" indent="-228600" latinLnBrk="0" marL="1143000" rtl="0">
         <a:spcBef>
           <a:spcPct val="20000"/>
         </a:spcBef>
@@ -8972,44 +9471,14 @@
           <a:ea typeface="+mn-ea"/>
           <a:cs typeface="+mn-cs"/>
         </a:defRPr>
-      </a:lvl1pPr>
-      <a:lvl2pPr algn="l" defTabSz="342900" eaLnBrk="1" hangingPunct="1" indent="-342900" latinLnBrk="0" marL="685800" rtl="0">
+      </a:lvl3pPr>
+      <a:lvl4pPr algn="l" defTabSz="457200" eaLnBrk="1" hangingPunct="1" indent="-228600" latinLnBrk="0" marL="1600200" rtl="0">
         <a:spcBef>
           <a:spcPct val="20000"/>
         </a:spcBef>
         <a:buFont typeface="Arial"/>
         <a:buChar char="–"/>
-        <a:defRPr kern="1200" sz="2100">
-          <a:solidFill>
-            <a:schemeClr val="tx1"/>
-          </a:solidFill>
-          <a:latin typeface="+mn-lt"/>
-          <a:ea typeface="+mn-ea"/>
-          <a:cs typeface="+mn-cs"/>
-        </a:defRPr>
-      </a:lvl2pPr>
-      <a:lvl3pPr algn="l" defTabSz="342900" eaLnBrk="1" hangingPunct="1" indent="-342900" latinLnBrk="0" marL="1028700" rtl="0">
-        <a:spcBef>
-          <a:spcPct val="20000"/>
-        </a:spcBef>
-        <a:buFont typeface="Arial"/>
-        <a:buChar char="•"/>
-        <a:defRPr kern="1200" sz="1800">
-          <a:solidFill>
-            <a:schemeClr val="tx1"/>
-          </a:solidFill>
-          <a:latin typeface="+mn-lt"/>
-          <a:ea typeface="+mn-ea"/>
-          <a:cs typeface="+mn-cs"/>
-        </a:defRPr>
-      </a:lvl3pPr>
-      <a:lvl4pPr algn="l" defTabSz="342900" eaLnBrk="1" hangingPunct="1" indent="-342900" latinLnBrk="0" marL="1371600" rtl="0">
-        <a:spcBef>
-          <a:spcPct val="20000"/>
-        </a:spcBef>
-        <a:buFont typeface="Arial"/>
-        <a:buChar char="–"/>
-        <a:defRPr kern="1200" sz="1500">
+        <a:defRPr kern="1200" sz="2000">
           <a:solidFill>
             <a:schemeClr val="tx1"/>
           </a:solidFill>
@@ -9018,13 +9487,13 @@
           <a:cs typeface="+mn-cs"/>
         </a:defRPr>
       </a:lvl4pPr>
-      <a:lvl5pPr algn="l" defTabSz="342900" eaLnBrk="1" hangingPunct="1" indent="-342900" latinLnBrk="0" marL="1714500" rtl="0">
+      <a:lvl5pPr algn="l" defTabSz="457200" eaLnBrk="1" hangingPunct="1" indent="-228600" latinLnBrk="0" marL="2057400" rtl="0">
         <a:spcBef>
           <a:spcPct val="20000"/>
         </a:spcBef>
         <a:buFont typeface="Arial"/>
         <a:buChar char="»"/>
-        <a:defRPr kern="1200" sz="1500">
+        <a:defRPr kern="1200" sz="2000">
           <a:solidFill>
             <a:schemeClr val="tx1"/>
           </a:solidFill>
@@ -9033,13 +9502,13 @@
           <a:cs typeface="+mn-cs"/>
         </a:defRPr>
       </a:lvl5pPr>
-      <a:lvl6pPr algn="l" defTabSz="342900" eaLnBrk="1" hangingPunct="1" indent="-342900" latinLnBrk="0" marL="2057400" rtl="0">
+      <a:lvl6pPr algn="l" defTabSz="457200" eaLnBrk="1" hangingPunct="1" indent="-228600" latinLnBrk="0" marL="2514600" rtl="0">
         <a:spcBef>
           <a:spcPct val="20000"/>
         </a:spcBef>
         <a:buFont typeface="Arial"/>
         <a:buChar char="•"/>
-        <a:defRPr kern="1200" sz="1500">
+        <a:defRPr kern="1200" sz="2000">
           <a:solidFill>
             <a:schemeClr val="tx1"/>
           </a:solidFill>
@@ -9048,13 +9517,13 @@
           <a:cs typeface="+mn-cs"/>
         </a:defRPr>
       </a:lvl6pPr>
-      <a:lvl7pPr algn="l" defTabSz="342900" eaLnBrk="1" hangingPunct="1" indent="-342900" latinLnBrk="0" marL="2400300" rtl="0">
+      <a:lvl7pPr algn="l" defTabSz="457200" eaLnBrk="1" hangingPunct="1" indent="-228600" latinLnBrk="0" marL="2971800" rtl="0">
         <a:spcBef>
           <a:spcPct val="20000"/>
         </a:spcBef>
         <a:buFont typeface="Arial"/>
         <a:buChar char="•"/>
-        <a:defRPr kern="1200" sz="1500">
+        <a:defRPr kern="1200" sz="2000">
           <a:solidFill>
             <a:schemeClr val="tx1"/>
           </a:solidFill>
@@ -9063,13 +9532,13 @@
           <a:cs typeface="+mn-cs"/>
         </a:defRPr>
       </a:lvl7pPr>
-      <a:lvl8pPr algn="l" defTabSz="342900" eaLnBrk="1" hangingPunct="1" indent="-342900" latinLnBrk="0" marL="2743200" rtl="0">
+      <a:lvl8pPr algn="l" defTabSz="457200" eaLnBrk="1" hangingPunct="1" indent="-228600" latinLnBrk="0" marL="3429000" rtl="0">
         <a:spcBef>
           <a:spcPct val="20000"/>
         </a:spcBef>
         <a:buFont typeface="Arial"/>
         <a:buChar char="•"/>
-        <a:defRPr kern="1200" sz="1500">
+        <a:defRPr kern="1200" sz="2000">
           <a:solidFill>
             <a:schemeClr val="tx1"/>
           </a:solidFill>
@@ -9078,13 +9547,13 @@
           <a:cs typeface="+mn-cs"/>
         </a:defRPr>
       </a:lvl8pPr>
-      <a:lvl9pPr algn="l" defTabSz="342900" eaLnBrk="1" hangingPunct="1" indent="-342900" latinLnBrk="0" marL="3086100" rtl="0">
+      <a:lvl9pPr algn="l" defTabSz="457200" eaLnBrk="1" hangingPunct="1" indent="-228600" latinLnBrk="0" marL="3886200" rtl="0">
         <a:spcBef>
           <a:spcPct val="20000"/>
         </a:spcBef>
         <a:buFont typeface="Arial"/>
         <a:buChar char="•"/>
-        <a:defRPr kern="1200" sz="1500">
+        <a:defRPr kern="1200" sz="2000">
           <a:solidFill>
             <a:schemeClr val="tx1"/>
           </a:solidFill>
@@ -9098,8 +9567,8 @@
       <a:defPPr>
         <a:defRPr lang="en-US"/>
       </a:defPPr>
-      <a:lvl1pPr algn="l" defTabSz="342900" eaLnBrk="1" hangingPunct="1" latinLnBrk="0" marL="0" rtl="0">
-        <a:defRPr kern="1200" sz="1350">
+      <a:lvl1pPr algn="l" defTabSz="457200" eaLnBrk="1" hangingPunct="1" latinLnBrk="0" marL="0" rtl="0">
+        <a:defRPr kern="1200" sz="1800">
           <a:solidFill>
             <a:schemeClr val="tx1"/>
           </a:solidFill>
@@ -9108,8 +9577,8 @@
           <a:cs typeface="+mn-cs"/>
         </a:defRPr>
       </a:lvl1pPr>
-      <a:lvl2pPr algn="l" defTabSz="342900" eaLnBrk="1" hangingPunct="1" latinLnBrk="0" marL="342900" rtl="0">
-        <a:defRPr kern="1200" sz="1350">
+      <a:lvl2pPr algn="l" defTabSz="457200" eaLnBrk="1" hangingPunct="1" latinLnBrk="0" marL="457200" rtl="0">
+        <a:defRPr kern="1200" sz="1800">
           <a:solidFill>
             <a:schemeClr val="tx1"/>
           </a:solidFill>
@@ -9118,8 +9587,8 @@
           <a:cs typeface="+mn-cs"/>
         </a:defRPr>
       </a:lvl2pPr>
-      <a:lvl3pPr algn="l" defTabSz="342900" eaLnBrk="1" hangingPunct="1" latinLnBrk="0" marL="685800" rtl="0">
-        <a:defRPr kern="1200" sz="1350">
+      <a:lvl3pPr algn="l" defTabSz="457200" eaLnBrk="1" hangingPunct="1" latinLnBrk="0" marL="914400" rtl="0">
+        <a:defRPr kern="1200" sz="1800">
           <a:solidFill>
             <a:schemeClr val="tx1"/>
           </a:solidFill>
@@ -9128,8 +9597,8 @@
           <a:cs typeface="+mn-cs"/>
         </a:defRPr>
       </a:lvl3pPr>
-      <a:lvl4pPr algn="l" defTabSz="342900" eaLnBrk="1" hangingPunct="1" latinLnBrk="0" marL="1028700" rtl="0">
-        <a:defRPr kern="1200" sz="1350">
+      <a:lvl4pPr algn="l" defTabSz="457200" eaLnBrk="1" hangingPunct="1" latinLnBrk="0" marL="1371600" rtl="0">
+        <a:defRPr kern="1200" sz="1800">
           <a:solidFill>
             <a:schemeClr val="tx1"/>
           </a:solidFill>
@@ -9138,8 +9607,8 @@
           <a:cs typeface="+mn-cs"/>
         </a:defRPr>
       </a:lvl4pPr>
-      <a:lvl5pPr algn="l" defTabSz="342900" eaLnBrk="1" hangingPunct="1" latinLnBrk="0" marL="1371600" rtl="0">
-        <a:defRPr kern="1200" sz="1350">
+      <a:lvl5pPr algn="l" defTabSz="457200" eaLnBrk="1" hangingPunct="1" latinLnBrk="0" marL="1828800" rtl="0">
+        <a:defRPr kern="1200" sz="1800">
           <a:solidFill>
             <a:schemeClr val="tx1"/>
           </a:solidFill>
@@ -9148,8 +9617,8 @@
           <a:cs typeface="+mn-cs"/>
         </a:defRPr>
       </a:lvl5pPr>
-      <a:lvl6pPr algn="l" defTabSz="342900" eaLnBrk="1" hangingPunct="1" latinLnBrk="0" marL="1714500" rtl="0">
-        <a:defRPr kern="1200" sz="1350">
+      <a:lvl6pPr algn="l" defTabSz="457200" eaLnBrk="1" hangingPunct="1" latinLnBrk="0" marL="2286000" rtl="0">
+        <a:defRPr kern="1200" sz="1800">
           <a:solidFill>
             <a:schemeClr val="tx1"/>
           </a:solidFill>
@@ -9158,8 +9627,8 @@
           <a:cs typeface="+mn-cs"/>
         </a:defRPr>
       </a:lvl6pPr>
-      <a:lvl7pPr algn="l" defTabSz="342900" eaLnBrk="1" hangingPunct="1" latinLnBrk="0" marL="2057400" rtl="0">
-        <a:defRPr kern="1200" sz="1350">
+      <a:lvl7pPr algn="l" defTabSz="457200" eaLnBrk="1" hangingPunct="1" latinLnBrk="0" marL="2743200" rtl="0">
+        <a:defRPr kern="1200" sz="1800">
           <a:solidFill>
             <a:schemeClr val="tx1"/>
           </a:solidFill>
@@ -9168,8 +9637,8 @@
           <a:cs typeface="+mn-cs"/>
         </a:defRPr>
       </a:lvl7pPr>
-      <a:lvl8pPr algn="l" defTabSz="342900" eaLnBrk="1" hangingPunct="1" latinLnBrk="0" marL="2400300" rtl="0">
-        <a:defRPr kern="1200" sz="1350">
+      <a:lvl8pPr algn="l" defTabSz="457200" eaLnBrk="1" hangingPunct="1" latinLnBrk="0" marL="3200400" rtl="0">
+        <a:defRPr kern="1200" sz="1800">
           <a:solidFill>
             <a:schemeClr val="tx1"/>
           </a:solidFill>
@@ -9178,8 +9647,8 @@
           <a:cs typeface="+mn-cs"/>
         </a:defRPr>
       </a:lvl8pPr>
-      <a:lvl9pPr algn="l" defTabSz="342900" eaLnBrk="1" hangingPunct="1" latinLnBrk="0" marL="2743200" rtl="0">
-        <a:defRPr kern="1200" sz="1350">
+      <a:lvl9pPr algn="l" defTabSz="457200" eaLnBrk="1" hangingPunct="1" latinLnBrk="0" marL="3657600" rtl="0">
+        <a:defRPr kern="1200" sz="1800">
           <a:solidFill>
             <a:schemeClr val="tx1"/>
           </a:solidFill>
@@ -9222,8 +9691,8 @@
         </p:nvSpPr>
         <p:spPr>
           <a:xfrm>
-            <a:off x="685800" y="1597819"/>
-            <a:ext cx="7772400" cy="1102519"/>
+            <a:off x="914400" y="2130426"/>
+            <a:ext cx="10363200" cy="1470025"/>
           </a:xfrm>
         </p:spPr>
         <p:txBody>
@@ -9252,8 +9721,8 @@
         </p:nvSpPr>
         <p:spPr>
           <a:xfrm>
-            <a:off x="1371600" y="2914650"/>
-            <a:ext cx="6400800" cy="1314450"/>
+            <a:off x="1828800" y="3886200"/>
+            <a:ext cx="8534400" cy="1752600"/>
           </a:xfrm>
         </p:spPr>
         <p:txBody>
@@ -9655,8 +10124,8 @@
         </p:blipFill>
         <p:spPr bwMode="auto">
           <a:xfrm>
-            <a:off x="2273300" y="1193800"/>
-            <a:ext cx="4584700" cy="2882900"/>
+            <a:off x="2908300" y="1600200"/>
+            <a:ext cx="6388100" cy="4013200"/>
           </a:xfrm>
           <a:prstGeom prst="rect">
             <a:avLst/>
@@ -9677,8 +10146,8 @@
         </p:nvSpPr>
         <p:spPr>
           <a:xfrm>
-            <a:off x="457200" y="4076700"/>
-            <a:ext cx="8229600" cy="508000"/>
+            <a:off x="609600" y="5613400"/>
+            <a:ext cx="10972800" cy="508000"/>
           </a:xfrm>
           <a:prstGeom prst="rect">
             <a:avLst/>
@@ -10080,8 +10549,8 @@
         </p:blipFill>
         <p:spPr bwMode="auto">
           <a:xfrm>
-            <a:off x="3124200" y="1193800"/>
-            <a:ext cx="2882900" cy="2882900"/>
+            <a:off x="2082800" y="1600200"/>
+            <a:ext cx="8026400" cy="4013200"/>
           </a:xfrm>
           <a:prstGeom prst="rect">
             <a:avLst/>
@@ -10102,8 +10571,8 @@
         </p:nvSpPr>
         <p:spPr>
           <a:xfrm>
-            <a:off x="457200" y="4076700"/>
-            <a:ext cx="8229600" cy="508000"/>
+            <a:off x="609600" y="5613400"/>
+            <a:ext cx="10972800" cy="508000"/>
           </a:xfrm>
           <a:prstGeom prst="rect">
             <a:avLst/>
@@ -10173,22 +10642,22 @@
       </p:sp>
       <p:pic>
         <p:nvPicPr>
-          <p:cNvPr descr="bootstrap-slides_files/figure-pptx/unnamed-chunk-4-1.png" id="0" name="Picture 1"/>
+          <p:cNvPr descr="fig:  ../images/intuition0.png" id="0" name="Picture 1"/>
           <p:cNvPicPr>
             <a:picLocks noGrp="1" noChangeAspect="1"/>
           </p:cNvPicPr>
           <p:nvPr/>
         </p:nvPicPr>
         <p:blipFill>
-          <a:blip r:embed="rId2"/>
+          <a:blip r:embed="rId3"/>
           <a:stretch>
             <a:fillRect/>
           </a:stretch>
         </p:blipFill>
         <p:spPr bwMode="auto">
           <a:xfrm>
-            <a:off x="2451100" y="1193800"/>
-            <a:ext cx="4241800" cy="3390900"/>
+            <a:off x="2082800" y="1600200"/>
+            <a:ext cx="8026400" cy="4013200"/>
           </a:xfrm>
           <a:prstGeom prst="rect">
             <a:avLst/>
@@ -10201,6 +10670,36 @@
           </a:ln>
         </p:spPr>
       </p:pic>
+      <p:sp>
+        <p:nvSpPr>
+          <p:cNvPr id="1" name="TextBox 3"/>
+          <p:cNvSpPr txBox="1"/>
+          <p:nvPr/>
+        </p:nvSpPr>
+        <p:spPr>
+          <a:xfrm>
+            <a:off x="609600" y="5613400"/>
+            <a:ext cx="10972800" cy="508000"/>
+          </a:xfrm>
+          <a:prstGeom prst="rect">
+            <a:avLst/>
+          </a:prstGeom>
+          <a:noFill/>
+        </p:spPr>
+        <p:txBody>
+          <a:bodyPr/>
+          <a:lstStyle/>
+          <a:p>
+            <a:pPr lvl="0" indent="0" marL="0" algn="ctr">
+              <a:buNone/>
+            </a:pPr>
+            <a:r>
+              <a:rPr/>
+              <a:t>Figure 1. An example of a cumulative density function</a:t>
+            </a:r>
+          </a:p>
+        </p:txBody>
+      </p:sp>
     </p:spTree>
   </p:cSld>
 </p:sld>
@@ -10225,22 +10724,86 @@
       </p:grpSpPr>
       <p:sp>
         <p:nvSpPr>
-          <p:cNvPr id="3" name="Content Placeholder 2"/>
-          <p:cNvSpPr>
-            <a:spLocks noGrp="1"/>
-          </p:cNvSpPr>
-          <p:nvPr>
-            <p:ph idx="1"/>
-          </p:nvPr>
-        </p:nvSpPr>
-        <p:spPr/>
-        <p:txBody>
-          <a:bodyPr/>
-          <a:lstStyle/>
-          <a:p>
-            <a:pPr lvl="0" indent="0" marL="0">
-              <a:buNone/>
-            </a:pPr>
+          <p:cNvPr id="2" name="Title 1"/>
+          <p:cNvSpPr>
+            <a:spLocks noGrp="1"/>
+          </p:cNvSpPr>
+          <p:nvPr>
+            <p:ph type="title"/>
+          </p:nvPr>
+        </p:nvSpPr>
+        <p:spPr/>
+        <p:txBody>
+          <a:bodyPr/>
+          <a:lstStyle/>
+          <a:p>
+            <a:pPr lvl="0" indent="0" marL="0">
+              <a:buNone/>
+            </a:pPr>
+            <a:r>
+              <a:rPr/>
+              <a:t>A bit of intuition about the bootstrap (2/4)</a:t>
+            </a:r>
+          </a:p>
+        </p:txBody>
+      </p:sp>
+      <p:pic>
+        <p:nvPicPr>
+          <p:cNvPr descr="fig:  ../images/intuition1.png" id="0" name="Picture 1"/>
+          <p:cNvPicPr>
+            <a:picLocks noGrp="1" noChangeAspect="1"/>
+          </p:cNvPicPr>
+          <p:nvPr/>
+        </p:nvPicPr>
+        <p:blipFill>
+          <a:blip r:embed="rId3"/>
+          <a:stretch>
+            <a:fillRect/>
+          </a:stretch>
+        </p:blipFill>
+        <p:spPr bwMode="auto">
+          <a:xfrm>
+            <a:off x="2082800" y="1600200"/>
+            <a:ext cx="8026400" cy="4013200"/>
+          </a:xfrm>
+          <a:prstGeom prst="rect">
+            <a:avLst/>
+          </a:prstGeom>
+          <a:noFill/>
+          <a:ln w="9525">
+            <a:noFill/>
+            <a:headEnd/>
+            <a:tailEnd/>
+          </a:ln>
+        </p:spPr>
+      </p:pic>
+      <p:sp>
+        <p:nvSpPr>
+          <p:cNvPr id="1" name="TextBox 3"/>
+          <p:cNvSpPr txBox="1"/>
+          <p:nvPr/>
+        </p:nvSpPr>
+        <p:spPr>
+          <a:xfrm>
+            <a:off x="609600" y="5613400"/>
+            <a:ext cx="10972800" cy="508000"/>
+          </a:xfrm>
+          <a:prstGeom prst="rect">
+            <a:avLst/>
+          </a:prstGeom>
+          <a:noFill/>
+        </p:spPr>
+        <p:txBody>
+          <a:bodyPr/>
+          <a:lstStyle/>
+          <a:p>
+            <a:pPr lvl="0" indent="0" marL="0" algn="ctr">
+              <a:buNone/>
+            </a:pPr>
+            <a:r>
+              <a:rPr/>
+              <a:t>Figure 1. Using random uniform values to simulate data from a cumulative distribution function</a:t>
+            </a:r>
           </a:p>
         </p:txBody>
       </p:sp>
@@ -10286,29 +10849,29 @@
             </a:pPr>
             <a:r>
               <a:rPr/>
-              <a:t>A bit of intuition about the bootstrap (2/4)</a:t>
+              <a:t>A bit of intuition about the bootstrap (3/4)</a:t>
             </a:r>
           </a:p>
         </p:txBody>
       </p:sp>
       <p:pic>
         <p:nvPicPr>
-          <p:cNvPr descr="bootstrap-slides_files/figure-pptx/unnamed-chunk-5-1.png" id="0" name="Picture 1"/>
+          <p:cNvPr descr="fig:  ../images/intuition3.png" id="0" name="Picture 1"/>
           <p:cNvPicPr>
             <a:picLocks noGrp="1" noChangeAspect="1"/>
           </p:cNvPicPr>
           <p:nvPr/>
         </p:nvPicPr>
         <p:blipFill>
-          <a:blip r:embed="rId2"/>
+          <a:blip r:embed="rId3"/>
           <a:stretch>
             <a:fillRect/>
           </a:stretch>
         </p:blipFill>
         <p:spPr bwMode="auto">
           <a:xfrm>
-            <a:off x="2451100" y="1193800"/>
-            <a:ext cx="4241800" cy="3390900"/>
+            <a:off x="2082800" y="1600200"/>
+            <a:ext cx="8026400" cy="4013200"/>
           </a:xfrm>
           <a:prstGeom prst="rect">
             <a:avLst/>
@@ -10321,6 +10884,36 @@
           </a:ln>
         </p:spPr>
       </p:pic>
+      <p:sp>
+        <p:nvSpPr>
+          <p:cNvPr id="1" name="TextBox 3"/>
+          <p:cNvSpPr txBox="1"/>
+          <p:nvPr/>
+        </p:nvSpPr>
+        <p:spPr>
+          <a:xfrm>
+            <a:off x="609600" y="5613400"/>
+            <a:ext cx="10972800" cy="508000"/>
+          </a:xfrm>
+          <a:prstGeom prst="rect">
+            <a:avLst/>
+          </a:prstGeom>
+          <a:noFill/>
+        </p:spPr>
+        <p:txBody>
+          <a:bodyPr/>
+          <a:lstStyle/>
+          <a:p>
+            <a:pPr lvl="0" indent="0" marL="0" algn="ctr">
+              <a:buNone/>
+            </a:pPr>
+            <a:r>
+              <a:rPr/>
+              <a:t>Figure 1. Estimate of cumulative density function from the data</a:t>
+            </a:r>
+          </a:p>
+        </p:txBody>
+      </p:sp>
     </p:spTree>
   </p:cSld>
 </p:sld>
@@ -10454,29 +11047,29 @@
             </a:pPr>
             <a:r>
               <a:rPr/>
-              <a:t>A bit of intuition about the bootstrap (3/4)</a:t>
+              <a:t>A bit of intuition about the bootstrap (4/4)</a:t>
             </a:r>
           </a:p>
         </p:txBody>
       </p:sp>
       <p:pic>
         <p:nvPicPr>
-          <p:cNvPr descr="bootstrap-slides_files/figure-pptx/unnamed-chunk-6-1.png" id="0" name="Picture 1"/>
+          <p:cNvPr descr="fig:  ../images/intuition4.png" id="0" name="Picture 1"/>
           <p:cNvPicPr>
             <a:picLocks noGrp="1" noChangeAspect="1"/>
           </p:cNvPicPr>
           <p:nvPr/>
         </p:nvPicPr>
         <p:blipFill>
-          <a:blip r:embed="rId2"/>
+          <a:blip r:embed="rId3"/>
           <a:stretch>
             <a:fillRect/>
           </a:stretch>
         </p:blipFill>
         <p:spPr bwMode="auto">
           <a:xfrm>
-            <a:off x="2451100" y="1193800"/>
-            <a:ext cx="4241800" cy="3390900"/>
+            <a:off x="2082800" y="1600200"/>
+            <a:ext cx="8026400" cy="4013200"/>
           </a:xfrm>
           <a:prstGeom prst="rect">
             <a:avLst/>
@@ -10489,6 +11082,36 @@
           </a:ln>
         </p:spPr>
       </p:pic>
+      <p:sp>
+        <p:nvSpPr>
+          <p:cNvPr id="1" name="TextBox 3"/>
+          <p:cNvSpPr txBox="1"/>
+          <p:nvPr/>
+        </p:nvSpPr>
+        <p:spPr>
+          <a:xfrm>
+            <a:off x="609600" y="5613400"/>
+            <a:ext cx="10972800" cy="508000"/>
+          </a:xfrm>
+          <a:prstGeom prst="rect">
+            <a:avLst/>
+          </a:prstGeom>
+          <a:noFill/>
+        </p:spPr>
+        <p:txBody>
+          <a:bodyPr/>
+          <a:lstStyle/>
+          <a:p>
+            <a:pPr lvl="0" indent="0" marL="0" algn="ctr">
+              <a:buNone/>
+            </a:pPr>
+            <a:r>
+              <a:rPr/>
+              <a:t>Figure 1. Random uniform values converted into a bootstrap</a:t>
+            </a:r>
+          </a:p>
+        </p:txBody>
+      </p:sp>
     </p:spTree>
   </p:cSld>
 </p:sld>
@@ -10531,29 +11154,29 @@
             </a:pPr>
             <a:r>
               <a:rPr/>
-              <a:t>A bit of intuition about the bootstrap (4/4)</a:t>
+              <a:t>Meaning of the term “bootstrap”</a:t>
             </a:r>
           </a:p>
         </p:txBody>
       </p:sp>
       <p:pic>
         <p:nvPicPr>
-          <p:cNvPr descr="bootstrap-slides_files/figure-pptx/unnamed-chunk-9-1.png" id="0" name="Picture 1"/>
+          <p:cNvPr descr="fig:  ../images/bootstrap-image.png" id="0" name="Picture 1"/>
           <p:cNvPicPr>
             <a:picLocks noGrp="1" noChangeAspect="1"/>
           </p:cNvPicPr>
           <p:nvPr/>
         </p:nvPicPr>
         <p:blipFill>
-          <a:blip r:embed="rId2"/>
+          <a:blip r:embed="rId3"/>
           <a:stretch>
             <a:fillRect/>
           </a:stretch>
         </p:blipFill>
         <p:spPr bwMode="auto">
           <a:xfrm>
-            <a:off x="2451100" y="1193800"/>
-            <a:ext cx="4241800" cy="3390900"/>
+            <a:off x="2501900" y="1600200"/>
+            <a:ext cx="7200900" cy="4013200"/>
           </a:xfrm>
           <a:prstGeom prst="rect">
             <a:avLst/>
@@ -10566,6 +11189,36 @@
           </a:ln>
         </p:spPr>
       </p:pic>
+      <p:sp>
+        <p:nvSpPr>
+          <p:cNvPr id="1" name="TextBox 3"/>
+          <p:cNvSpPr txBox="1"/>
+          <p:nvPr/>
+        </p:nvSpPr>
+        <p:spPr>
+          <a:xfrm>
+            <a:off x="609600" y="5613400"/>
+            <a:ext cx="10972800" cy="508000"/>
+          </a:xfrm>
+          <a:prstGeom prst="rect">
+            <a:avLst/>
+          </a:prstGeom>
+          <a:noFill/>
+        </p:spPr>
+        <p:txBody>
+          <a:bodyPr/>
+          <a:lstStyle/>
+          <a:p>
+            <a:pPr lvl="0" indent="0" marL="0" algn="ctr">
+              <a:buNone/>
+            </a:pPr>
+            <a:r>
+              <a:rPr/>
+              <a:t>Figure 1. Image of a bootstrap</a:t>
+            </a:r>
+          </a:p>
+        </p:txBody>
+      </p:sp>
     </p:spTree>
   </p:cSld>
 </p:sld>
@@ -10608,67 +11261,58 @@
             </a:pPr>
             <a:r>
               <a:rPr/>
-              <a:t>Meaning of the term “bootstrap”</a:t>
-            </a:r>
-          </a:p>
-        </p:txBody>
-      </p:sp>
-      <p:pic>
-        <p:nvPicPr>
-          <p:cNvPr descr="fig:  ../images/bootstrap-image.png" id="0" name="Picture 1"/>
-          <p:cNvPicPr>
-            <a:picLocks noGrp="1" noChangeAspect="1"/>
-          </p:cNvPicPr>
-          <p:nvPr/>
-        </p:nvPicPr>
-        <p:blipFill>
-          <a:blip r:embed="rId3"/>
-          <a:stretch>
-            <a:fillRect/>
-          </a:stretch>
-        </p:blipFill>
-        <p:spPr bwMode="auto">
-          <a:xfrm>
-            <a:off x="1981200" y="1193800"/>
-            <a:ext cx="5168900" cy="2882900"/>
-          </a:xfrm>
-          <a:prstGeom prst="rect">
-            <a:avLst/>
-          </a:prstGeom>
-          <a:noFill/>
-          <a:ln w="9525">
-            <a:noFill/>
-            <a:headEnd/>
-            <a:tailEnd/>
-          </a:ln>
-        </p:spPr>
-      </p:pic>
-      <p:sp>
-        <p:nvSpPr>
-          <p:cNvPr id="1" name="TextBox 3"/>
-          <p:cNvSpPr txBox="1"/>
-          <p:nvPr/>
-        </p:nvSpPr>
-        <p:spPr>
-          <a:xfrm>
-            <a:off x="457200" y="4076700"/>
-            <a:ext cx="8229600" cy="508000"/>
-          </a:xfrm>
-          <a:prstGeom prst="rect">
-            <a:avLst/>
-          </a:prstGeom>
-          <a:noFill/>
-        </p:spPr>
-        <p:txBody>
-          <a:bodyPr/>
-          <a:lstStyle/>
-          <a:p>
-            <a:pPr lvl="0" indent="0" marL="0" algn="ctr">
-              <a:buNone/>
-            </a:pPr>
-            <a:r>
-              <a:rPr/>
-              <a:t>Figure 1. Image of a bootstrap</a:t>
+              <a:t>Bagging (1/4)</a:t>
+            </a:r>
+          </a:p>
+        </p:txBody>
+      </p:sp>
+      <p:sp>
+        <p:nvSpPr>
+          <p:cNvPr id="3" name="Content Placeholder 2"/>
+          <p:cNvSpPr>
+            <a:spLocks noGrp="1"/>
+          </p:cNvSpPr>
+          <p:nvPr>
+            <p:ph idx="1"/>
+          </p:nvPr>
+        </p:nvSpPr>
+        <p:spPr/>
+        <p:txBody>
+          <a:bodyPr/>
+          <a:lstStyle/>
+          <a:p>
+            <a:pPr lvl="0"/>
+            <a:r>
+              <a:rPr/>
+              <a:t>Portmanteau for bootstrap aggregation</a:t>
+            </a:r>
+          </a:p>
+          <a:p>
+            <a:pPr lvl="1"/>
+            <a:r>
+              <a:rPr/>
+              <a:t>Used in random forests</a:t>
+            </a:r>
+          </a:p>
+          <a:p>
+            <a:pPr lvl="0"/>
+            <a:r>
+              <a:rPr/>
+              <a:t>Developed by Leo Breiman in 1996</a:t>
+            </a:r>
+          </a:p>
+          <a:p>
+            <a:pPr lvl="0"/>
+            <a:r>
+              <a:rPr/>
+              <a:t>Start with CART model</a:t>
+            </a:r>
+          </a:p>
+          <a:p>
+            <a:pPr lvl="1"/>
+            <a:r>
+              <a:rPr/>
+              <a:t>Classification And Regression Tree</a:t>
             </a:r>
           </a:p>
         </p:txBody>
@@ -10715,58 +11359,67 @@
             </a:pPr>
             <a:r>
               <a:rPr/>
-              <a:t>Bagging (1/4)</a:t>
-            </a:r>
-          </a:p>
-        </p:txBody>
-      </p:sp>
-      <p:sp>
-        <p:nvSpPr>
-          <p:cNvPr id="3" name="Content Placeholder 2"/>
-          <p:cNvSpPr>
-            <a:spLocks noGrp="1"/>
-          </p:cNvSpPr>
-          <p:nvPr>
-            <p:ph idx="1"/>
-          </p:nvPr>
-        </p:nvSpPr>
-        <p:spPr/>
-        <p:txBody>
-          <a:bodyPr/>
-          <a:lstStyle/>
-          <a:p>
-            <a:pPr lvl="0"/>
-            <a:r>
-              <a:rPr/>
-              <a:t>Portmanteau for bootstrap aggregation</a:t>
-            </a:r>
-          </a:p>
-          <a:p>
-            <a:pPr lvl="1"/>
-            <a:r>
-              <a:rPr/>
-              <a:t>Used in random forests</a:t>
-            </a:r>
-          </a:p>
-          <a:p>
-            <a:pPr lvl="0"/>
-            <a:r>
-              <a:rPr/>
-              <a:t>Developed by Leo Breiman in 1996</a:t>
-            </a:r>
-          </a:p>
-          <a:p>
-            <a:pPr lvl="0"/>
-            <a:r>
-              <a:rPr/>
-              <a:t>Start with CART model</a:t>
-            </a:r>
-          </a:p>
-          <a:p>
-            <a:pPr lvl="1"/>
-            <a:r>
-              <a:rPr/>
-              <a:t>Classification And Regression Tree</a:t>
+              <a:t>Bagging (2/4)</a:t>
+            </a:r>
+          </a:p>
+        </p:txBody>
+      </p:sp>
+      <p:pic>
+        <p:nvPicPr>
+          <p:cNvPr descr="fig:  ../images/regression-tree.png" id="0" name="Picture 1"/>
+          <p:cNvPicPr>
+            <a:picLocks noGrp="1" noChangeAspect="1"/>
+          </p:cNvPicPr>
+          <p:nvPr/>
+        </p:nvPicPr>
+        <p:blipFill>
+          <a:blip r:embed="rId3"/>
+          <a:stretch>
+            <a:fillRect/>
+          </a:stretch>
+        </p:blipFill>
+        <p:spPr bwMode="auto">
+          <a:xfrm>
+            <a:off x="3479800" y="1600200"/>
+            <a:ext cx="5245100" cy="4013200"/>
+          </a:xfrm>
+          <a:prstGeom prst="rect">
+            <a:avLst/>
+          </a:prstGeom>
+          <a:noFill/>
+          <a:ln w="9525">
+            <a:noFill/>
+            <a:headEnd/>
+            <a:tailEnd/>
+          </a:ln>
+        </p:spPr>
+      </p:pic>
+      <p:sp>
+        <p:nvSpPr>
+          <p:cNvPr id="1" name="TextBox 3"/>
+          <p:cNvSpPr txBox="1"/>
+          <p:nvPr/>
+        </p:nvSpPr>
+        <p:spPr>
+          <a:xfrm>
+            <a:off x="609600" y="5613400"/>
+            <a:ext cx="10972800" cy="508000"/>
+          </a:xfrm>
+          <a:prstGeom prst="rect">
+            <a:avLst/>
+          </a:prstGeom>
+          <a:noFill/>
+        </p:spPr>
+        <p:txBody>
+          <a:bodyPr/>
+          <a:lstStyle/>
+          <a:p>
+            <a:pPr lvl="0" indent="0" marL="0" algn="ctr">
+              <a:buNone/>
+            </a:pPr>
+            <a:r>
+              <a:rPr/>
+              <a:t>Figure 1. Illustration of a regression tree</a:t>
             </a:r>
           </a:p>
         </p:txBody>
@@ -10813,113 +11466,6 @@
             </a:pPr>
             <a:r>
               <a:rPr/>
-              <a:t>Bagging (2/4)</a:t>
-            </a:r>
-          </a:p>
-        </p:txBody>
-      </p:sp>
-      <p:pic>
-        <p:nvPicPr>
-          <p:cNvPr descr="fig:  ../images/regression-tree.png" id="0" name="Picture 1"/>
-          <p:cNvPicPr>
-            <a:picLocks noGrp="1" noChangeAspect="1"/>
-          </p:cNvPicPr>
-          <p:nvPr/>
-        </p:nvPicPr>
-        <p:blipFill>
-          <a:blip r:embed="rId3"/>
-          <a:stretch>
-            <a:fillRect/>
-          </a:stretch>
-        </p:blipFill>
-        <p:spPr bwMode="auto">
-          <a:xfrm>
-            <a:off x="2692400" y="1193800"/>
-            <a:ext cx="3759200" cy="2882900"/>
-          </a:xfrm>
-          <a:prstGeom prst="rect">
-            <a:avLst/>
-          </a:prstGeom>
-          <a:noFill/>
-          <a:ln w="9525">
-            <a:noFill/>
-            <a:headEnd/>
-            <a:tailEnd/>
-          </a:ln>
-        </p:spPr>
-      </p:pic>
-      <p:sp>
-        <p:nvSpPr>
-          <p:cNvPr id="1" name="TextBox 3"/>
-          <p:cNvSpPr txBox="1"/>
-          <p:nvPr/>
-        </p:nvSpPr>
-        <p:spPr>
-          <a:xfrm>
-            <a:off x="457200" y="4076700"/>
-            <a:ext cx="8229600" cy="508000"/>
-          </a:xfrm>
-          <a:prstGeom prst="rect">
-            <a:avLst/>
-          </a:prstGeom>
-          <a:noFill/>
-        </p:spPr>
-        <p:txBody>
-          <a:bodyPr/>
-          <a:lstStyle/>
-          <a:p>
-            <a:pPr lvl="0" indent="0" marL="0" algn="ctr">
-              <a:buNone/>
-            </a:pPr>
-            <a:r>
-              <a:rPr/>
-              <a:t>Figure 1. Illustration of a regression tree</a:t>
-            </a:r>
-          </a:p>
-        </p:txBody>
-      </p:sp>
-    </p:spTree>
-  </p:cSld>
-</p:sld>
-</file>
-
-<file path=ppt/slides/slide25.xml><?xml version="1.0" encoding="utf-8"?>
-<p:sld xmlns:a="http://schemas.openxmlformats.org/drawingml/2006/main" xmlns:r="http://schemas.openxmlformats.org/officeDocument/2006/relationships" xmlns:p="http://schemas.openxmlformats.org/presentationml/2006/main">
-  <p:cSld>
-    <p:spTree>
-      <p:nvGrpSpPr>
-        <p:cNvPr id="1" name=""/>
-        <p:cNvGrpSpPr/>
-        <p:nvPr/>
-      </p:nvGrpSpPr>
-      <p:grpSpPr>
-        <a:xfrm>
-          <a:off x="0" y="0"/>
-          <a:ext cx="0" cy="0"/>
-          <a:chOff x="0" y="0"/>
-          <a:chExt cx="0" cy="0"/>
-        </a:xfrm>
-      </p:grpSpPr>
-      <p:sp>
-        <p:nvSpPr>
-          <p:cNvPr id="2" name="Title 1"/>
-          <p:cNvSpPr>
-            <a:spLocks noGrp="1"/>
-          </p:cNvSpPr>
-          <p:nvPr>
-            <p:ph type="title"/>
-          </p:nvPr>
-        </p:nvSpPr>
-        <p:spPr/>
-        <p:txBody>
-          <a:bodyPr/>
-          <a:lstStyle/>
-          <a:p>
-            <a:pPr lvl="0" indent="0" marL="0">
-              <a:buNone/>
-            </a:pPr>
-            <a:r>
-              <a:rPr/>
               <a:t>Bagging (3/4)</a:t>
             </a:r>
           </a:p>
@@ -10941,8 +11487,8 @@
         </p:blipFill>
         <p:spPr bwMode="auto">
           <a:xfrm>
-            <a:off x="3175000" y="1193800"/>
-            <a:ext cx="2781300" cy="2882900"/>
+            <a:off x="4152900" y="1600200"/>
+            <a:ext cx="3873500" cy="4013200"/>
           </a:xfrm>
           <a:prstGeom prst="rect">
             <a:avLst/>
@@ -10963,8 +11509,8 @@
         </p:nvSpPr>
         <p:spPr>
           <a:xfrm>
-            <a:off x="457200" y="4076700"/>
-            <a:ext cx="8229600" cy="508000"/>
+            <a:off x="609600" y="5613400"/>
+            <a:ext cx="10972800" cy="508000"/>
           </a:xfrm>
           <a:prstGeom prst="rect">
             <a:avLst/>
@@ -10990,7 +11536,7 @@
 </p:sld>
 </file>
 
-<file path=ppt/slides/slide26.xml><?xml version="1.0" encoding="utf-8"?>
+<file path=ppt/slides/slide25.xml><?xml version="1.0" encoding="utf-8"?>
 <p:sld xmlns:a="http://schemas.openxmlformats.org/drawingml/2006/main" xmlns:r="http://schemas.openxmlformats.org/officeDocument/2006/relationships" xmlns:p="http://schemas.openxmlformats.org/presentationml/2006/main">
   <p:cSld>
     <p:spTree>
@@ -11313,6 +11859,97 @@
 </p:sld>
 </file>
 
+<file path=ppt/slides/slide26.xml><?xml version="1.0" encoding="utf-8"?>
+<p:sld xmlns:a="http://schemas.openxmlformats.org/drawingml/2006/main" xmlns:r="http://schemas.openxmlformats.org/officeDocument/2006/relationships" xmlns:p="http://schemas.openxmlformats.org/presentationml/2006/main">
+  <p:cSld>
+    <p:spTree>
+      <p:nvGrpSpPr>
+        <p:cNvPr id="1" name=""/>
+        <p:cNvGrpSpPr/>
+        <p:nvPr/>
+      </p:nvGrpSpPr>
+      <p:grpSpPr>
+        <a:xfrm>
+          <a:off x="0" y="0"/>
+          <a:ext cx="0" cy="0"/>
+          <a:chOff x="0" y="0"/>
+          <a:chExt cx="0" cy="0"/>
+        </a:xfrm>
+      </p:grpSpPr>
+      <p:sp>
+        <p:nvSpPr>
+          <p:cNvPr id="2" name="Title 1"/>
+          <p:cNvSpPr>
+            <a:spLocks noGrp="1"/>
+          </p:cNvSpPr>
+          <p:nvPr>
+            <p:ph type="title"/>
+          </p:nvPr>
+        </p:nvSpPr>
+        <p:spPr/>
+        <p:txBody>
+          <a:bodyPr/>
+          <a:lstStyle/>
+          <a:p>
+            <a:pPr lvl="0" indent="0" marL="0">
+              <a:buNone/>
+            </a:pPr>
+            <a:r>
+              <a:rPr/>
+              <a:t>Break #1</a:t>
+            </a:r>
+          </a:p>
+        </p:txBody>
+      </p:sp>
+      <p:sp>
+        <p:nvSpPr>
+          <p:cNvPr id="3" name="Content Placeholder 2"/>
+          <p:cNvSpPr>
+            <a:spLocks noGrp="1"/>
+          </p:cNvSpPr>
+          <p:nvPr>
+            <p:ph idx="1"/>
+          </p:nvPr>
+        </p:nvSpPr>
+        <p:spPr/>
+        <p:txBody>
+          <a:bodyPr/>
+          <a:lstStyle/>
+          <a:p>
+            <a:pPr lvl="0"/>
+            <a:r>
+              <a:rPr/>
+              <a:t>What have you learned</a:t>
+            </a:r>
+          </a:p>
+          <a:p>
+            <a:pPr lvl="1"/>
+            <a:r>
+              <a:rPr/>
+              <a:t>History of the bootstrap</a:t>
+            </a:r>
+          </a:p>
+          <a:p>
+            <a:pPr lvl="0"/>
+            <a:r>
+              <a:rPr/>
+              <a:t>What’s coming next</a:t>
+            </a:r>
+          </a:p>
+          <a:p>
+            <a:pPr lvl="1"/>
+            <a:r>
+              <a:rPr/>
+              <a:t>Algorithms</a:t>
+            </a:r>
+          </a:p>
+        </p:txBody>
+      </p:sp>
+    </p:spTree>
+  </p:cSld>
+</p:sld>
+</file>
+
 <file path=ppt/slides/slide27.xml><?xml version="1.0" encoding="utf-8"?>
 <p:sld xmlns:a="http://schemas.openxmlformats.org/drawingml/2006/main" xmlns:r="http://schemas.openxmlformats.org/officeDocument/2006/relationships" xmlns:p="http://schemas.openxmlformats.org/presentationml/2006/main">
   <p:cSld>
@@ -11350,7 +11987,7 @@
             </a:pPr>
             <a:r>
               <a:rPr/>
-              <a:t>Break #1</a:t>
+              <a:t>Algorithms</a:t>
             </a:r>
           </a:p>
         </p:txBody>
@@ -11373,28 +12010,42 @@
             <a:pPr lvl="0"/>
             <a:r>
               <a:rPr/>
-              <a:t>What have you learned</a:t>
-            </a:r>
-          </a:p>
-          <a:p>
-            <a:pPr lvl="1"/>
-            <a:r>
-              <a:rPr/>
-              <a:t>History of the bootstrap</a:t>
+              <a:t>Estimate bias</a:t>
             </a:r>
           </a:p>
           <a:p>
             <a:pPr lvl="0"/>
             <a:r>
               <a:rPr/>
-              <a:t>What’s coming next</a:t>
-            </a:r>
-          </a:p>
-          <a:p>
-            <a:pPr lvl="1"/>
-            <a:r>
-              <a:rPr/>
-              <a:t>Algorithms</a:t>
+              <a:t>Calculate standard errors</a:t>
+            </a:r>
+          </a:p>
+          <a:p>
+            <a:pPr lvl="0"/>
+            <a:r>
+              <a:rPr/>
+              <a:t>Compute confidence intervals</a:t>
+            </a:r>
+          </a:p>
+          <a:p>
+            <a:pPr lvl="0"/>
+            <a:r>
+              <a:rPr/>
+              <a:t>Test hypotheses</a:t>
+            </a:r>
+          </a:p>
+          <a:p>
+            <a:pPr lvl="0"/>
+            <a:r>
+              <a:rPr/>
+              <a:t>Visualizations</a:t>
+            </a:r>
+          </a:p>
+          <a:p>
+            <a:pPr lvl="0"/>
+            <a:r>
+              <a:rPr/>
+              <a:t>How many bootstraps</a:t>
             </a:r>
           </a:p>
         </p:txBody>
@@ -11405,111 +12056,6 @@
 </file>
 
 <file path=ppt/slides/slide28.xml><?xml version="1.0" encoding="utf-8"?>
-<p:sld xmlns:a="http://schemas.openxmlformats.org/drawingml/2006/main" xmlns:r="http://schemas.openxmlformats.org/officeDocument/2006/relationships" xmlns:p="http://schemas.openxmlformats.org/presentationml/2006/main">
-  <p:cSld>
-    <p:spTree>
-      <p:nvGrpSpPr>
-        <p:cNvPr id="1" name=""/>
-        <p:cNvGrpSpPr/>
-        <p:nvPr/>
-      </p:nvGrpSpPr>
-      <p:grpSpPr>
-        <a:xfrm>
-          <a:off x="0" y="0"/>
-          <a:ext cx="0" cy="0"/>
-          <a:chOff x="0" y="0"/>
-          <a:chExt cx="0" cy="0"/>
-        </a:xfrm>
-      </p:grpSpPr>
-      <p:sp>
-        <p:nvSpPr>
-          <p:cNvPr id="2" name="Title 1"/>
-          <p:cNvSpPr>
-            <a:spLocks noGrp="1"/>
-          </p:cNvSpPr>
-          <p:nvPr>
-            <p:ph type="title"/>
-          </p:nvPr>
-        </p:nvSpPr>
-        <p:spPr/>
-        <p:txBody>
-          <a:bodyPr/>
-          <a:lstStyle/>
-          <a:p>
-            <a:pPr lvl="0" indent="0" marL="0">
-              <a:buNone/>
-            </a:pPr>
-            <a:r>
-              <a:rPr/>
-              <a:t>Algorithms</a:t>
-            </a:r>
-          </a:p>
-        </p:txBody>
-      </p:sp>
-      <p:sp>
-        <p:nvSpPr>
-          <p:cNvPr id="3" name="Content Placeholder 2"/>
-          <p:cNvSpPr>
-            <a:spLocks noGrp="1"/>
-          </p:cNvSpPr>
-          <p:nvPr>
-            <p:ph idx="1"/>
-          </p:nvPr>
-        </p:nvSpPr>
-        <p:spPr/>
-        <p:txBody>
-          <a:bodyPr/>
-          <a:lstStyle/>
-          <a:p>
-            <a:pPr lvl="0"/>
-            <a:r>
-              <a:rPr/>
-              <a:t>Estimate bias</a:t>
-            </a:r>
-          </a:p>
-          <a:p>
-            <a:pPr lvl="0"/>
-            <a:r>
-              <a:rPr/>
-              <a:t>Calculate standard errors</a:t>
-            </a:r>
-          </a:p>
-          <a:p>
-            <a:pPr lvl="0"/>
-            <a:r>
-              <a:rPr/>
-              <a:t>Compute confidence intervals</a:t>
-            </a:r>
-          </a:p>
-          <a:p>
-            <a:pPr lvl="0"/>
-            <a:r>
-              <a:rPr/>
-              <a:t>Test hypotheses</a:t>
-            </a:r>
-          </a:p>
-          <a:p>
-            <a:pPr lvl="0"/>
-            <a:r>
-              <a:rPr/>
-              <a:t>Visualizations</a:t>
-            </a:r>
-          </a:p>
-          <a:p>
-            <a:pPr lvl="0"/>
-            <a:r>
-              <a:rPr/>
-              <a:t>How many bootstraps</a:t>
-            </a:r>
-          </a:p>
-        </p:txBody>
-      </p:sp>
-    </p:spTree>
-  </p:cSld>
-</p:sld>
-</file>
-
-<file path=ppt/slides/slide29.xml><?xml version="1.0" encoding="utf-8"?>
 <p:sld xmlns:a="http://schemas.openxmlformats.org/drawingml/2006/main" xmlns:r="http://schemas.openxmlformats.org/officeDocument/2006/relationships" xmlns:p="http://schemas.openxmlformats.org/presentationml/2006/main">
   <p:cSld>
     <p:spTree>
@@ -12257,98 +12803,7 @@
 </p:sld>
 </file>
 
-<file path=ppt/slides/slide3.xml><?xml version="1.0" encoding="utf-8"?>
-<p:sld xmlns:a="http://schemas.openxmlformats.org/drawingml/2006/main" xmlns:r="http://schemas.openxmlformats.org/officeDocument/2006/relationships" xmlns:p="http://schemas.openxmlformats.org/presentationml/2006/main">
-  <p:cSld>
-    <p:spTree>
-      <p:nvGrpSpPr>
-        <p:cNvPr id="1" name=""/>
-        <p:cNvGrpSpPr/>
-        <p:nvPr/>
-      </p:nvGrpSpPr>
-      <p:grpSpPr>
-        <a:xfrm>
-          <a:off x="0" y="0"/>
-          <a:ext cx="0" cy="0"/>
-          <a:chOff x="0" y="0"/>
-          <a:chExt cx="0" cy="0"/>
-        </a:xfrm>
-      </p:grpSpPr>
-      <p:sp>
-        <p:nvSpPr>
-          <p:cNvPr id="2" name="Title 1"/>
-          <p:cNvSpPr>
-            <a:spLocks noGrp="1"/>
-          </p:cNvSpPr>
-          <p:nvPr>
-            <p:ph type="title"/>
-          </p:nvPr>
-        </p:nvSpPr>
-        <p:spPr/>
-        <p:txBody>
-          <a:bodyPr/>
-          <a:lstStyle/>
-          <a:p>
-            <a:pPr lvl="0" indent="0" marL="0">
-              <a:buNone/>
-            </a:pPr>
-            <a:r>
-              <a:rPr/>
-              <a:t>History of the bootstrap</a:t>
-            </a:r>
-          </a:p>
-        </p:txBody>
-      </p:sp>
-      <p:sp>
-        <p:nvSpPr>
-          <p:cNvPr id="3" name="Content Placeholder 2"/>
-          <p:cNvSpPr>
-            <a:spLocks noGrp="1"/>
-          </p:cNvSpPr>
-          <p:nvPr>
-            <p:ph idx="1"/>
-          </p:nvPr>
-        </p:nvSpPr>
-        <p:spPr/>
-        <p:txBody>
-          <a:bodyPr/>
-          <a:lstStyle/>
-          <a:p>
-            <a:pPr lvl="0"/>
-            <a:r>
-              <a:rPr/>
-              <a:t>Can you rely on asymptotic normality?</a:t>
-            </a:r>
-          </a:p>
-          <a:p>
-            <a:pPr lvl="0"/>
-            <a:r>
-              <a:rPr/>
-              <a:t>The jackknife</a:t>
-            </a:r>
-          </a:p>
-          <a:p>
-            <a:pPr lvl="0"/>
-            <a:r>
-              <a:rPr/>
-              <a:t>Bradley Efron’s contributions</a:t>
-            </a:r>
-          </a:p>
-          <a:p>
-            <a:pPr lvl="0"/>
-            <a:r>
-              <a:rPr/>
-              <a:t>Recent application: bagging</a:t>
-            </a:r>
-          </a:p>
-        </p:txBody>
-      </p:sp>
-    </p:spTree>
-  </p:cSld>
-</p:sld>
-</file>
-
-<file path=ppt/slides/slide30.xml><?xml version="1.0" encoding="utf-8"?>
+<file path=ppt/slides/slide29.xml><?xml version="1.0" encoding="utf-8"?>
 <p:sld xmlns:a="http://schemas.openxmlformats.org/drawingml/2006/main" xmlns:r="http://schemas.openxmlformats.org/officeDocument/2006/relationships" xmlns:p="http://schemas.openxmlformats.org/presentationml/2006/main">
   <p:cSld>
     <p:spTree>
@@ -12555,7 +13010,98 @@
 </p:sld>
 </file>
 
-<file path=ppt/slides/slide31.xml><?xml version="1.0" encoding="utf-8"?>
+<file path=ppt/slides/slide3.xml><?xml version="1.0" encoding="utf-8"?>
+<p:sld xmlns:a="http://schemas.openxmlformats.org/drawingml/2006/main" xmlns:r="http://schemas.openxmlformats.org/officeDocument/2006/relationships" xmlns:p="http://schemas.openxmlformats.org/presentationml/2006/main">
+  <p:cSld>
+    <p:spTree>
+      <p:nvGrpSpPr>
+        <p:cNvPr id="1" name=""/>
+        <p:cNvGrpSpPr/>
+        <p:nvPr/>
+      </p:nvGrpSpPr>
+      <p:grpSpPr>
+        <a:xfrm>
+          <a:off x="0" y="0"/>
+          <a:ext cx="0" cy="0"/>
+          <a:chOff x="0" y="0"/>
+          <a:chExt cx="0" cy="0"/>
+        </a:xfrm>
+      </p:grpSpPr>
+      <p:sp>
+        <p:nvSpPr>
+          <p:cNvPr id="2" name="Title 1"/>
+          <p:cNvSpPr>
+            <a:spLocks noGrp="1"/>
+          </p:cNvSpPr>
+          <p:nvPr>
+            <p:ph type="title"/>
+          </p:nvPr>
+        </p:nvSpPr>
+        <p:spPr/>
+        <p:txBody>
+          <a:bodyPr/>
+          <a:lstStyle/>
+          <a:p>
+            <a:pPr lvl="0" indent="0" marL="0">
+              <a:buNone/>
+            </a:pPr>
+            <a:r>
+              <a:rPr/>
+              <a:t>History of the bootstrap</a:t>
+            </a:r>
+          </a:p>
+        </p:txBody>
+      </p:sp>
+      <p:sp>
+        <p:nvSpPr>
+          <p:cNvPr id="3" name="Content Placeholder 2"/>
+          <p:cNvSpPr>
+            <a:spLocks noGrp="1"/>
+          </p:cNvSpPr>
+          <p:nvPr>
+            <p:ph idx="1"/>
+          </p:nvPr>
+        </p:nvSpPr>
+        <p:spPr/>
+        <p:txBody>
+          <a:bodyPr/>
+          <a:lstStyle/>
+          <a:p>
+            <a:pPr lvl="0"/>
+            <a:r>
+              <a:rPr/>
+              <a:t>Can you rely on asymptotic normality?</a:t>
+            </a:r>
+          </a:p>
+          <a:p>
+            <a:pPr lvl="0"/>
+            <a:r>
+              <a:rPr/>
+              <a:t>The jackknife</a:t>
+            </a:r>
+          </a:p>
+          <a:p>
+            <a:pPr lvl="0"/>
+            <a:r>
+              <a:rPr/>
+              <a:t>Bradley Efron’s contributions</a:t>
+            </a:r>
+          </a:p>
+          <a:p>
+            <a:pPr lvl="0"/>
+            <a:r>
+              <a:rPr/>
+              <a:t>Recent application: bagging</a:t>
+            </a:r>
+          </a:p>
+        </p:txBody>
+      </p:sp>
+    </p:spTree>
+  </p:cSld>
+</p:sld>
+</file>
+
+<file path=ppt/slides/slide30.xml><?xml version="1.0" encoding="utf-8"?>
 <p:sld xmlns:a="http://schemas.openxmlformats.org/drawingml/2006/main" xmlns:r="http://schemas.openxmlformats.org/officeDocument/2006/relationships" xmlns:p="http://schemas.openxmlformats.org/presentationml/2006/main">
   <p:cSld>
     <p:spTree>
@@ -12789,7 +13335,7 @@
 </p:sld>
 </file>
 
-<file path=ppt/slides/slide32.xml><?xml version="1.0" encoding="utf-8"?>
+<file path=ppt/slides/slide31.xml><?xml version="1.0" encoding="utf-8"?>
 <p:sld xmlns:a="http://schemas.openxmlformats.org/drawingml/2006/main" xmlns:r="http://schemas.openxmlformats.org/officeDocument/2006/relationships" xmlns:p="http://schemas.openxmlformats.org/presentationml/2006/main">
   <p:cSld>
     <p:spTree>
@@ -12873,7 +13419,7 @@
 </p:sld>
 </file>
 
-<file path=ppt/slides/slide33.xml><?xml version="1.0" encoding="utf-8"?>
+<file path=ppt/slides/slide32.xml><?xml version="1.0" encoding="utf-8"?>
 <p:sld xmlns:a="http://schemas.openxmlformats.org/drawingml/2006/main" xmlns:r="http://schemas.openxmlformats.org/officeDocument/2006/relationships" xmlns:p="http://schemas.openxmlformats.org/presentationml/2006/main">
   <p:cSld>
     <p:spTree>
@@ -13055,7 +13601,7 @@
 </p:sld>
 </file>
 
-<file path=ppt/slides/slide34.xml><?xml version="1.0" encoding="utf-8"?>
+<file path=ppt/slides/slide33.xml><?xml version="1.0" encoding="utf-8"?>
 <p:sld xmlns:a="http://schemas.openxmlformats.org/drawingml/2006/main" xmlns:r="http://schemas.openxmlformats.org/officeDocument/2006/relationships" xmlns:p="http://schemas.openxmlformats.org/presentationml/2006/main">
   <p:cSld>
     <p:spTree>
@@ -13139,7 +13685,7 @@
 </p:sld>
 </file>
 
-<file path=ppt/slides/slide35.xml><?xml version="1.0" encoding="utf-8"?>
+<file path=ppt/slides/slide34.xml><?xml version="1.0" encoding="utf-8"?>
 <p:sld xmlns:a="http://schemas.openxmlformats.org/drawingml/2006/main" xmlns:r="http://schemas.openxmlformats.org/officeDocument/2006/relationships" xmlns:p="http://schemas.openxmlformats.org/presentationml/2006/main">
   <p:cSld>
     <p:spTree>
@@ -13686,7 +14232,7 @@
 </p:sld>
 </file>
 
-<file path=ppt/slides/slide36.xml><?xml version="1.0" encoding="utf-8"?>
+<file path=ppt/slides/slide35.xml><?xml version="1.0" encoding="utf-8"?>
 <p:sld xmlns:a="http://schemas.openxmlformats.org/drawingml/2006/main" xmlns:r="http://schemas.openxmlformats.org/officeDocument/2006/relationships" xmlns:p="http://schemas.openxmlformats.org/presentationml/2006/main">
   <p:cSld>
     <p:spTree>
@@ -14214,6 +14760,113 @@
 </p:sld>
 </file>
 
+<file path=ppt/slides/slide36.xml><?xml version="1.0" encoding="utf-8"?>
+<p:sld xmlns:a="http://schemas.openxmlformats.org/drawingml/2006/main" xmlns:r="http://schemas.openxmlformats.org/officeDocument/2006/relationships" xmlns:p="http://schemas.openxmlformats.org/presentationml/2006/main">
+  <p:cSld>
+    <p:spTree>
+      <p:nvGrpSpPr>
+        <p:cNvPr id="1" name=""/>
+        <p:cNvGrpSpPr/>
+        <p:nvPr/>
+      </p:nvGrpSpPr>
+      <p:grpSpPr>
+        <a:xfrm>
+          <a:off x="0" y="0"/>
+          <a:ext cx="0" cy="0"/>
+          <a:chOff x="0" y="0"/>
+          <a:chExt cx="0" cy="0"/>
+        </a:xfrm>
+      </p:grpSpPr>
+      <p:sp>
+        <p:nvSpPr>
+          <p:cNvPr id="2" name="Title 1"/>
+          <p:cNvSpPr>
+            <a:spLocks noGrp="1"/>
+          </p:cNvSpPr>
+          <p:nvPr>
+            <p:ph type="title"/>
+          </p:nvPr>
+        </p:nvSpPr>
+        <p:spPr/>
+        <p:txBody>
+          <a:bodyPr/>
+          <a:lstStyle/>
+          <a:p>
+            <a:pPr lvl="0" indent="0" marL="0">
+              <a:buNone/>
+            </a:pPr>
+            <a:r>
+              <a:rPr/>
+              <a:t>Percentiles with no adjustment (3/5)</a:t>
+            </a:r>
+          </a:p>
+        </p:txBody>
+      </p:sp>
+      <p:pic>
+        <p:nvPicPr>
+          <p:cNvPr descr="fig:  ../images/bca01.png" id="0" name="Picture 1"/>
+          <p:cNvPicPr>
+            <a:picLocks noGrp="1" noChangeAspect="1"/>
+          </p:cNvPicPr>
+          <p:nvPr/>
+        </p:nvPicPr>
+        <p:blipFill>
+          <a:blip r:embed="rId3"/>
+          <a:stretch>
+            <a:fillRect/>
+          </a:stretch>
+        </p:blipFill>
+        <p:spPr bwMode="auto">
+          <a:xfrm>
+            <a:off x="2082800" y="1600200"/>
+            <a:ext cx="8026400" cy="4013200"/>
+          </a:xfrm>
+          <a:prstGeom prst="rect">
+            <a:avLst/>
+          </a:prstGeom>
+          <a:noFill/>
+          <a:ln w="9525">
+            <a:noFill/>
+            <a:headEnd/>
+            <a:tailEnd/>
+          </a:ln>
+        </p:spPr>
+      </p:pic>
+      <p:sp>
+        <p:nvSpPr>
+          <p:cNvPr id="1" name="TextBox 3"/>
+          <p:cNvSpPr txBox="1"/>
+          <p:nvPr/>
+        </p:nvSpPr>
+        <p:spPr>
+          <a:xfrm>
+            <a:off x="609600" y="5613400"/>
+            <a:ext cx="10972800" cy="508000"/>
+          </a:xfrm>
+          <a:prstGeom prst="rect">
+            <a:avLst/>
+          </a:prstGeom>
+          <a:noFill/>
+        </p:spPr>
+        <p:txBody>
+          <a:bodyPr/>
+          <a:lstStyle/>
+          <a:p>
+            <a:pPr lvl="0" indent="0" marL="0" algn="ctr">
+              <a:buNone/>
+            </a:pPr>
+            <a:r>
+              <a:rPr/>
+              <a:t>Figure 1. Graph of unadjusted percentiles</a:t>
+            </a:r>
+          </a:p>
+        </p:txBody>
+      </p:sp>
+    </p:spTree>
+  </p:cSld>
+</p:sld>
+</file>
+
 <file path=ppt/slides/slide37.xml><?xml version="1.0" encoding="utf-8"?>
 <p:sld xmlns:a="http://schemas.openxmlformats.org/drawingml/2006/main" xmlns:r="http://schemas.openxmlformats.org/officeDocument/2006/relationships" xmlns:p="http://schemas.openxmlformats.org/presentationml/2006/main">
   <p:cSld>
@@ -14251,14 +14904,14 @@
             </a:pPr>
             <a:r>
               <a:rPr/>
-              <a:t>Percentiles with no adjustment (3/5)</a:t>
+              <a:t>Percentiles with bias adjustment (4/5)</a:t>
             </a:r>
           </a:p>
         </p:txBody>
       </p:sp>
       <p:pic>
         <p:nvPicPr>
-          <p:cNvPr descr="fig:  ../images/bca01.png" id="0" name="Picture 1"/>
+          <p:cNvPr descr="fig:  ../images/bca02.png" id="0" name="Picture 1"/>
           <p:cNvPicPr>
             <a:picLocks noGrp="1" noChangeAspect="1"/>
           </p:cNvPicPr>
@@ -14272,8 +14925,8 @@
         </p:blipFill>
         <p:spPr bwMode="auto">
           <a:xfrm>
-            <a:off x="3124200" y="1193800"/>
-            <a:ext cx="2882900" cy="2882900"/>
+            <a:off x="2082800" y="1600200"/>
+            <a:ext cx="8026400" cy="4013200"/>
           </a:xfrm>
           <a:prstGeom prst="rect">
             <a:avLst/>
@@ -14294,8 +14947,8 @@
         </p:nvSpPr>
         <p:spPr>
           <a:xfrm>
-            <a:off x="457200" y="4076700"/>
-            <a:ext cx="8229600" cy="508000"/>
+            <a:off x="609600" y="5613400"/>
+            <a:ext cx="10972800" cy="508000"/>
           </a:xfrm>
           <a:prstGeom prst="rect">
             <a:avLst/>
@@ -14311,7 +14964,7 @@
             </a:pPr>
             <a:r>
               <a:rPr/>
-              <a:t>Figure 1. Graph of unadjusted percentiles</a:t>
+              <a:t>Figure 1. Percentiles with bias adjustment</a:t>
             </a:r>
           </a:p>
         </p:txBody>
@@ -14358,113 +15011,6 @@
             </a:pPr>
             <a:r>
               <a:rPr/>
-              <a:t>Percentiles with bias adjustment (4/5)</a:t>
-            </a:r>
-          </a:p>
-        </p:txBody>
-      </p:sp>
-      <p:pic>
-        <p:nvPicPr>
-          <p:cNvPr descr="fig:  ../images/bca02.png" id="0" name="Picture 1"/>
-          <p:cNvPicPr>
-            <a:picLocks noGrp="1" noChangeAspect="1"/>
-          </p:cNvPicPr>
-          <p:nvPr/>
-        </p:nvPicPr>
-        <p:blipFill>
-          <a:blip r:embed="rId3"/>
-          <a:stretch>
-            <a:fillRect/>
-          </a:stretch>
-        </p:blipFill>
-        <p:spPr bwMode="auto">
-          <a:xfrm>
-            <a:off x="3124200" y="1193800"/>
-            <a:ext cx="2882900" cy="2882900"/>
-          </a:xfrm>
-          <a:prstGeom prst="rect">
-            <a:avLst/>
-          </a:prstGeom>
-          <a:noFill/>
-          <a:ln w="9525">
-            <a:noFill/>
-            <a:headEnd/>
-            <a:tailEnd/>
-          </a:ln>
-        </p:spPr>
-      </p:pic>
-      <p:sp>
-        <p:nvSpPr>
-          <p:cNvPr id="1" name="TextBox 3"/>
-          <p:cNvSpPr txBox="1"/>
-          <p:nvPr/>
-        </p:nvSpPr>
-        <p:spPr>
-          <a:xfrm>
-            <a:off x="457200" y="4076700"/>
-            <a:ext cx="8229600" cy="508000"/>
-          </a:xfrm>
-          <a:prstGeom prst="rect">
-            <a:avLst/>
-          </a:prstGeom>
-          <a:noFill/>
-        </p:spPr>
-        <p:txBody>
-          <a:bodyPr/>
-          <a:lstStyle/>
-          <a:p>
-            <a:pPr lvl="0" indent="0" marL="0" algn="ctr">
-              <a:buNone/>
-            </a:pPr>
-            <a:r>
-              <a:rPr/>
-              <a:t>Figure 1. Percentiles with bias adjustment</a:t>
-            </a:r>
-          </a:p>
-        </p:txBody>
-      </p:sp>
-    </p:spTree>
-  </p:cSld>
-</p:sld>
-</file>
-
-<file path=ppt/slides/slide39.xml><?xml version="1.0" encoding="utf-8"?>
-<p:sld xmlns:a="http://schemas.openxmlformats.org/drawingml/2006/main" xmlns:r="http://schemas.openxmlformats.org/officeDocument/2006/relationships" xmlns:p="http://schemas.openxmlformats.org/presentationml/2006/main">
-  <p:cSld>
-    <p:spTree>
-      <p:nvGrpSpPr>
-        <p:cNvPr id="1" name=""/>
-        <p:cNvGrpSpPr/>
-        <p:nvPr/>
-      </p:nvGrpSpPr>
-      <p:grpSpPr>
-        <a:xfrm>
-          <a:off x="0" y="0"/>
-          <a:ext cx="0" cy="0"/>
-          <a:chOff x="0" y="0"/>
-          <a:chExt cx="0" cy="0"/>
-        </a:xfrm>
-      </p:grpSpPr>
-      <p:sp>
-        <p:nvSpPr>
-          <p:cNvPr id="2" name="Title 1"/>
-          <p:cNvSpPr>
-            <a:spLocks noGrp="1"/>
-          </p:cNvSpPr>
-          <p:nvPr>
-            <p:ph type="title"/>
-          </p:nvPr>
-        </p:nvSpPr>
-        <p:spPr/>
-        <p:txBody>
-          <a:bodyPr/>
-          <a:lstStyle/>
-          <a:p>
-            <a:pPr lvl="0" indent="0" marL="0">
-              <a:buNone/>
-            </a:pPr>
-            <a:r>
-              <a:rPr/>
               <a:t>Percentiles with acceleration adjustment (5/5)</a:t>
             </a:r>
           </a:p>
@@ -14486,8 +15032,8 @@
         </p:blipFill>
         <p:spPr bwMode="auto">
           <a:xfrm>
-            <a:off x="3124200" y="1193800"/>
-            <a:ext cx="2882900" cy="2882900"/>
+            <a:off x="2082800" y="1600200"/>
+            <a:ext cx="8026400" cy="4013200"/>
           </a:xfrm>
           <a:prstGeom prst="rect">
             <a:avLst/>
@@ -14508,8 +15054,8 @@
         </p:nvSpPr>
         <p:spPr>
           <a:xfrm>
-            <a:off x="457200" y="4076700"/>
-            <a:ext cx="8229600" cy="508000"/>
+            <a:off x="609600" y="5613400"/>
+            <a:ext cx="10972800" cy="508000"/>
           </a:xfrm>
           <a:prstGeom prst="rect">
             <a:avLst/>
@@ -14535,114 +15081,7 @@
 </p:sld>
 </file>
 
-<file path=ppt/slides/slide4.xml><?xml version="1.0" encoding="utf-8"?>
-<p:sld xmlns:a="http://schemas.openxmlformats.org/drawingml/2006/main" xmlns:r="http://schemas.openxmlformats.org/officeDocument/2006/relationships" xmlns:p="http://schemas.openxmlformats.org/presentationml/2006/main">
-  <p:cSld>
-    <p:spTree>
-      <p:nvGrpSpPr>
-        <p:cNvPr id="1" name=""/>
-        <p:cNvGrpSpPr/>
-        <p:nvPr/>
-      </p:nvGrpSpPr>
-      <p:grpSpPr>
-        <a:xfrm>
-          <a:off x="0" y="0"/>
-          <a:ext cx="0" cy="0"/>
-          <a:chOff x="0" y="0"/>
-          <a:chExt cx="0" cy="0"/>
-        </a:xfrm>
-      </p:grpSpPr>
-      <p:sp>
-        <p:nvSpPr>
-          <p:cNvPr id="2" name="Title 1"/>
-          <p:cNvSpPr>
-            <a:spLocks noGrp="1"/>
-          </p:cNvSpPr>
-          <p:nvPr>
-            <p:ph type="title"/>
-          </p:nvPr>
-        </p:nvSpPr>
-        <p:spPr/>
-        <p:txBody>
-          <a:bodyPr/>
-          <a:lstStyle/>
-          <a:p>
-            <a:pPr lvl="0" indent="0" marL="0">
-              <a:buNone/>
-            </a:pPr>
-            <a:r>
-              <a:rPr/>
-              <a:t>Can we rely on asymptotic normality? (1/4)</a:t>
-            </a:r>
-          </a:p>
-        </p:txBody>
-      </p:sp>
-      <p:pic>
-        <p:nvPicPr>
-          <p:cNvPr descr="fig:  ../images/serfling-book-cover.jpg" id="0" name="Picture 1"/>
-          <p:cNvPicPr>
-            <a:picLocks noGrp="1" noChangeAspect="1"/>
-          </p:cNvPicPr>
-          <p:nvPr/>
-        </p:nvPicPr>
-        <p:blipFill>
-          <a:blip r:embed="rId3"/>
-          <a:stretch>
-            <a:fillRect/>
-          </a:stretch>
-        </p:blipFill>
-        <p:spPr bwMode="auto">
-          <a:xfrm>
-            <a:off x="3619500" y="1193800"/>
-            <a:ext cx="1905000" cy="2882900"/>
-          </a:xfrm>
-          <a:prstGeom prst="rect">
-            <a:avLst/>
-          </a:prstGeom>
-          <a:noFill/>
-          <a:ln w="9525">
-            <a:noFill/>
-            <a:headEnd/>
-            <a:tailEnd/>
-          </a:ln>
-        </p:spPr>
-      </p:pic>
-      <p:sp>
-        <p:nvSpPr>
-          <p:cNvPr id="1" name="TextBox 3"/>
-          <p:cNvSpPr txBox="1"/>
-          <p:nvPr/>
-        </p:nvSpPr>
-        <p:spPr>
-          <a:xfrm>
-            <a:off x="457200" y="4076700"/>
-            <a:ext cx="8229600" cy="508000"/>
-          </a:xfrm>
-          <a:prstGeom prst="rect">
-            <a:avLst/>
-          </a:prstGeom>
-          <a:noFill/>
-        </p:spPr>
-        <p:txBody>
-          <a:bodyPr/>
-          <a:lstStyle/>
-          <a:p>
-            <a:pPr lvl="0" indent="0" marL="0" algn="ctr">
-              <a:buNone/>
-            </a:pPr>
-            <a:r>
-              <a:rPr/>
-              <a:t>Figure 1. Cover of book by Robert Serfling</a:t>
-            </a:r>
-          </a:p>
-        </p:txBody>
-      </p:sp>
-    </p:spTree>
-  </p:cSld>
-</p:sld>
-</file>
-
-<file path=ppt/slides/slide40.xml><?xml version="1.0" encoding="utf-8"?>
+<file path=ppt/slides/slide39.xml><?xml version="1.0" encoding="utf-8"?>
 <p:sld xmlns:a="http://schemas.openxmlformats.org/drawingml/2006/main" xmlns:r="http://schemas.openxmlformats.org/officeDocument/2006/relationships" xmlns:p="http://schemas.openxmlformats.org/presentationml/2006/main">
   <p:cSld>
     <p:spTree>
@@ -14862,6 +15301,220 @@
 </p:sld>
 </file>
 
+<file path=ppt/slides/slide4.xml><?xml version="1.0" encoding="utf-8"?>
+<p:sld xmlns:a="http://schemas.openxmlformats.org/drawingml/2006/main" xmlns:r="http://schemas.openxmlformats.org/officeDocument/2006/relationships" xmlns:p="http://schemas.openxmlformats.org/presentationml/2006/main">
+  <p:cSld>
+    <p:spTree>
+      <p:nvGrpSpPr>
+        <p:cNvPr id="1" name=""/>
+        <p:cNvGrpSpPr/>
+        <p:nvPr/>
+      </p:nvGrpSpPr>
+      <p:grpSpPr>
+        <a:xfrm>
+          <a:off x="0" y="0"/>
+          <a:ext cx="0" cy="0"/>
+          <a:chOff x="0" y="0"/>
+          <a:chExt cx="0" cy="0"/>
+        </a:xfrm>
+      </p:grpSpPr>
+      <p:sp>
+        <p:nvSpPr>
+          <p:cNvPr id="2" name="Title 1"/>
+          <p:cNvSpPr>
+            <a:spLocks noGrp="1"/>
+          </p:cNvSpPr>
+          <p:nvPr>
+            <p:ph type="title"/>
+          </p:nvPr>
+        </p:nvSpPr>
+        <p:spPr/>
+        <p:txBody>
+          <a:bodyPr/>
+          <a:lstStyle/>
+          <a:p>
+            <a:pPr lvl="0" indent="0" marL="0">
+              <a:buNone/>
+            </a:pPr>
+            <a:r>
+              <a:rPr/>
+              <a:t>Can we rely on asymptotic normality? (1/4)</a:t>
+            </a:r>
+          </a:p>
+        </p:txBody>
+      </p:sp>
+      <p:pic>
+        <p:nvPicPr>
+          <p:cNvPr descr="fig:  ../images/serfling-book-cover.jpg" id="0" name="Picture 1"/>
+          <p:cNvPicPr>
+            <a:picLocks noGrp="1" noChangeAspect="1"/>
+          </p:cNvPicPr>
+          <p:nvPr/>
+        </p:nvPicPr>
+        <p:blipFill>
+          <a:blip r:embed="rId3"/>
+          <a:stretch>
+            <a:fillRect/>
+          </a:stretch>
+        </p:blipFill>
+        <p:spPr bwMode="auto">
+          <a:xfrm>
+            <a:off x="4762500" y="1600200"/>
+            <a:ext cx="2654300" cy="4013200"/>
+          </a:xfrm>
+          <a:prstGeom prst="rect">
+            <a:avLst/>
+          </a:prstGeom>
+          <a:noFill/>
+          <a:ln w="9525">
+            <a:noFill/>
+            <a:headEnd/>
+            <a:tailEnd/>
+          </a:ln>
+        </p:spPr>
+      </p:pic>
+      <p:sp>
+        <p:nvSpPr>
+          <p:cNvPr id="1" name="TextBox 3"/>
+          <p:cNvSpPr txBox="1"/>
+          <p:nvPr/>
+        </p:nvSpPr>
+        <p:spPr>
+          <a:xfrm>
+            <a:off x="609600" y="5613400"/>
+            <a:ext cx="10972800" cy="508000"/>
+          </a:xfrm>
+          <a:prstGeom prst="rect">
+            <a:avLst/>
+          </a:prstGeom>
+          <a:noFill/>
+        </p:spPr>
+        <p:txBody>
+          <a:bodyPr/>
+          <a:lstStyle/>
+          <a:p>
+            <a:pPr lvl="0" indent="0" marL="0" algn="ctr">
+              <a:buNone/>
+            </a:pPr>
+            <a:r>
+              <a:rPr/>
+              <a:t>Figure 1. Cover of book by Robert Serfling</a:t>
+            </a:r>
+          </a:p>
+        </p:txBody>
+      </p:sp>
+    </p:spTree>
+  </p:cSld>
+</p:sld>
+</file>
+
+<file path=ppt/slides/slide40.xml><?xml version="1.0" encoding="utf-8"?>
+<p:sld xmlns:a="http://schemas.openxmlformats.org/drawingml/2006/main" xmlns:r="http://schemas.openxmlformats.org/officeDocument/2006/relationships" xmlns:p="http://schemas.openxmlformats.org/presentationml/2006/main">
+  <p:cSld>
+    <p:spTree>
+      <p:nvGrpSpPr>
+        <p:cNvPr id="1" name=""/>
+        <p:cNvGrpSpPr/>
+        <p:nvPr/>
+      </p:nvGrpSpPr>
+      <p:grpSpPr>
+        <a:xfrm>
+          <a:off x="0" y="0"/>
+          <a:ext cx="0" cy="0"/>
+          <a:chOff x="0" y="0"/>
+          <a:chExt cx="0" cy="0"/>
+        </a:xfrm>
+      </p:grpSpPr>
+      <p:sp>
+        <p:nvSpPr>
+          <p:cNvPr id="2" name="Title 1"/>
+          <p:cNvSpPr>
+            <a:spLocks noGrp="1"/>
+          </p:cNvSpPr>
+          <p:nvPr>
+            <p:ph type="title"/>
+          </p:nvPr>
+        </p:nvSpPr>
+        <p:spPr/>
+        <p:txBody>
+          <a:bodyPr/>
+          <a:lstStyle/>
+          <a:p>
+            <a:pPr lvl="0" indent="0" marL="0">
+              <a:buNone/>
+            </a:pPr>
+            <a:r>
+              <a:rPr/>
+              <a:t>Visualization (1/2)</a:t>
+            </a:r>
+          </a:p>
+        </p:txBody>
+      </p:sp>
+      <p:pic>
+        <p:nvPicPr>
+          <p:cNvPr descr="fig:  ../images/transplant-curves.png" id="0" name="Picture 1"/>
+          <p:cNvPicPr>
+            <a:picLocks noGrp="1" noChangeAspect="1"/>
+          </p:cNvPicPr>
+          <p:nvPr/>
+        </p:nvPicPr>
+        <p:blipFill>
+          <a:blip r:embed="rId2"/>
+          <a:stretch>
+            <a:fillRect/>
+          </a:stretch>
+        </p:blipFill>
+        <p:spPr bwMode="auto">
+          <a:xfrm>
+            <a:off x="4064000" y="1600200"/>
+            <a:ext cx="4064000" cy="4013200"/>
+          </a:xfrm>
+          <a:prstGeom prst="rect">
+            <a:avLst/>
+          </a:prstGeom>
+          <a:noFill/>
+          <a:ln w="9525">
+            <a:noFill/>
+            <a:headEnd/>
+            <a:tailEnd/>
+          </a:ln>
+        </p:spPr>
+      </p:pic>
+      <p:sp>
+        <p:nvSpPr>
+          <p:cNvPr id="1" name="TextBox 3"/>
+          <p:cNvSpPr txBox="1"/>
+          <p:nvPr/>
+        </p:nvSpPr>
+        <p:spPr>
+          <a:xfrm>
+            <a:off x="609600" y="5613400"/>
+            <a:ext cx="10972800" cy="508000"/>
+          </a:xfrm>
+          <a:prstGeom prst="rect">
+            <a:avLst/>
+          </a:prstGeom>
+          <a:noFill/>
+        </p:spPr>
+        <p:txBody>
+          <a:bodyPr/>
+          <a:lstStyle/>
+          <a:p>
+            <a:pPr lvl="0" indent="0" marL="0" algn="ctr">
+              <a:buNone/>
+            </a:pPr>
+            <a:r>
+              <a:rPr/>
+              <a:t>Figure 1. Age changes in risk for heart transplant patients</a:t>
+            </a:r>
+          </a:p>
+        </p:txBody>
+      </p:sp>
+    </p:spTree>
+  </p:cSld>
+</p:sld>
+</file>
+
 <file path=ppt/slides/slide41.xml><?xml version="1.0" encoding="utf-8"?>
 <p:sld xmlns:a="http://schemas.openxmlformats.org/drawingml/2006/main" xmlns:r="http://schemas.openxmlformats.org/officeDocument/2006/relationships" xmlns:p="http://schemas.openxmlformats.org/presentationml/2006/main">
   <p:cSld>
@@ -14899,14 +15552,14 @@
             </a:pPr>
             <a:r>
               <a:rPr/>
-              <a:t>Visualization (1/2)</a:t>
+              <a:t>Visualization (2/2)</a:t>
             </a:r>
           </a:p>
         </p:txBody>
       </p:sp>
       <p:pic>
         <p:nvPicPr>
-          <p:cNvPr descr="fig:  ../images/transplant-curves.png" id="0" name="Picture 1"/>
+          <p:cNvPr descr="fig:  ../images/bootstrap-map.png" id="0" name="Picture 1"/>
           <p:cNvPicPr>
             <a:picLocks noGrp="1" noChangeAspect="1"/>
           </p:cNvPicPr>
@@ -14920,8 +15573,8 @@
         </p:blipFill>
         <p:spPr bwMode="auto">
           <a:xfrm>
-            <a:off x="3111500" y="1193800"/>
-            <a:ext cx="2921000" cy="2882900"/>
+            <a:off x="3962400" y="1600200"/>
+            <a:ext cx="4267200" cy="4013200"/>
           </a:xfrm>
           <a:prstGeom prst="rect">
             <a:avLst/>
@@ -14942,8 +15595,8 @@
         </p:nvSpPr>
         <p:spPr>
           <a:xfrm>
-            <a:off x="457200" y="4076700"/>
-            <a:ext cx="8229600" cy="508000"/>
+            <a:off x="609600" y="5613400"/>
+            <a:ext cx="10972800" cy="508000"/>
           </a:xfrm>
           <a:prstGeom prst="rect">
             <a:avLst/>
@@ -14959,7 +15612,7 @@
             </a:pPr>
             <a:r>
               <a:rPr/>
-              <a:t>Figure 1. Age changes in risk for heart transplant patients</a:t>
+              <a:t>Figure 1. Map</a:t>
             </a:r>
           </a:p>
         </p:txBody>
@@ -15006,67 +15659,44 @@
             </a:pPr>
             <a:r>
               <a:rPr/>
-              <a:t>Visualization (2/2)</a:t>
-            </a:r>
-          </a:p>
-        </p:txBody>
-      </p:sp>
-      <p:pic>
-        <p:nvPicPr>
-          <p:cNvPr descr="fig:  ../images/bootstrap-map.png" id="0" name="Picture 1"/>
-          <p:cNvPicPr>
-            <a:picLocks noGrp="1" noChangeAspect="1"/>
-          </p:cNvPicPr>
-          <p:nvPr/>
-        </p:nvPicPr>
-        <p:blipFill>
-          <a:blip r:embed="rId2"/>
-          <a:stretch>
-            <a:fillRect/>
-          </a:stretch>
-        </p:blipFill>
-        <p:spPr bwMode="auto">
-          <a:xfrm>
-            <a:off x="3035300" y="1193800"/>
-            <a:ext cx="3060700" cy="2882900"/>
-          </a:xfrm>
-          <a:prstGeom prst="rect">
-            <a:avLst/>
-          </a:prstGeom>
-          <a:noFill/>
-          <a:ln w="9525">
-            <a:noFill/>
-            <a:headEnd/>
-            <a:tailEnd/>
-          </a:ln>
-        </p:spPr>
-      </p:pic>
-      <p:sp>
-        <p:nvSpPr>
-          <p:cNvPr id="1" name="TextBox 3"/>
-          <p:cNvSpPr txBox="1"/>
-          <p:nvPr/>
-        </p:nvSpPr>
-        <p:spPr>
-          <a:xfrm>
-            <a:off x="457200" y="4076700"/>
-            <a:ext cx="8229600" cy="508000"/>
-          </a:xfrm>
-          <a:prstGeom prst="rect">
-            <a:avLst/>
-          </a:prstGeom>
-          <a:noFill/>
-        </p:spPr>
-        <p:txBody>
-          <a:bodyPr/>
-          <a:lstStyle/>
-          <a:p>
-            <a:pPr lvl="0" indent="0" marL="0" algn="ctr">
-              <a:buNone/>
-            </a:pPr>
-            <a:r>
-              <a:rPr/>
-              <a:t>Figure 1. Map</a:t>
+              <a:t>How many bootstraps?</a:t>
+            </a:r>
+          </a:p>
+        </p:txBody>
+      </p:sp>
+      <p:sp>
+        <p:nvSpPr>
+          <p:cNvPr id="3" name="Content Placeholder 2"/>
+          <p:cNvSpPr>
+            <a:spLocks noGrp="1"/>
+          </p:cNvSpPr>
+          <p:nvPr>
+            <p:ph idx="1"/>
+          </p:nvPr>
+        </p:nvSpPr>
+        <p:spPr/>
+        <p:txBody>
+          <a:bodyPr/>
+          <a:lstStyle/>
+          <a:p>
+            <a:pPr lvl="0"/>
+            <a:r>
+              <a:rPr/>
+              <a:t>For visualization: 10 to 50</a:t>
+            </a:r>
+          </a:p>
+          <a:p>
+            <a:pPr lvl="0"/>
+            <a:r>
+              <a:rPr/>
+              <a:t>For estimating a standard error: 50 to 100</a:t>
+            </a:r>
+          </a:p>
+          <a:p>
+            <a:pPr lvl="0"/>
+            <a:r>
+              <a:rPr/>
+              <a:t>For confidence intervals and hypothesis tests: 500 to 1000</a:t>
             </a:r>
           </a:p>
         </p:txBody>
@@ -15113,7 +15743,7 @@
             </a:pPr>
             <a:r>
               <a:rPr/>
-              <a:t>How many bootstraps?</a:t>
+              <a:t>Break #2</a:t>
             </a:r>
           </a:p>
         </p:txBody>
@@ -15136,21 +15766,28 @@
             <a:pPr lvl="0"/>
             <a:r>
               <a:rPr/>
-              <a:t>For visualization: 10 to 50</a:t>
+              <a:t>What you have learned</a:t>
+            </a:r>
+          </a:p>
+          <a:p>
+            <a:pPr lvl="1"/>
+            <a:r>
+              <a:rPr/>
+              <a:t>Purposes of the bootstrap</a:t>
             </a:r>
           </a:p>
           <a:p>
             <a:pPr lvl="0"/>
             <a:r>
               <a:rPr/>
-              <a:t>For estimating a standard error: 50 to 100</a:t>
-            </a:r>
-          </a:p>
-          <a:p>
-            <a:pPr lvl="0"/>
-            <a:r>
-              <a:rPr/>
-              <a:t>For confidence intervals and hypothesis tests: 500 to 1000</a:t>
+              <a:t>What’s coming next</a:t>
+            </a:r>
+          </a:p>
+          <a:p>
+            <a:pPr lvl="1"/>
+            <a:r>
+              <a:rPr/>
+              <a:t>Software</a:t>
             </a:r>
           </a:p>
         </p:txBody>
@@ -15197,7 +15834,7 @@
             </a:pPr>
             <a:r>
               <a:rPr/>
-              <a:t>Break #2</a:t>
+              <a:t>Software</a:t>
             </a:r>
           </a:p>
         </p:txBody>
@@ -15220,28 +15857,49 @@
             <a:pPr lvl="0"/>
             <a:r>
               <a:rPr/>
-              <a:t>What you have learned</a:t>
+              <a:t>You should know</a:t>
             </a:r>
           </a:p>
           <a:p>
             <a:pPr lvl="1"/>
             <a:r>
               <a:rPr/>
-              <a:t>Purposes of the bootstrap</a:t>
+              <a:t>How to loop (explicitly or implicitly)</a:t>
+            </a:r>
+          </a:p>
+          <a:p>
+            <a:pPr lvl="1"/>
+            <a:r>
+              <a:rPr/>
+              <a:t>How to extract specific values from the output</a:t>
             </a:r>
           </a:p>
           <a:p>
             <a:pPr lvl="0"/>
             <a:r>
               <a:rPr/>
-              <a:t>What’s coming next</a:t>
+              <a:t>Examples</a:t>
             </a:r>
           </a:p>
           <a:p>
             <a:pPr lvl="1"/>
             <a:r>
               <a:rPr/>
-              <a:t>Software</a:t>
+              <a:t>SAS</a:t>
+            </a:r>
+          </a:p>
+          <a:p>
+            <a:pPr lvl="1"/>
+            <a:r>
+              <a:rPr/>
+              <a:t>Stata</a:t>
+            </a:r>
+          </a:p>
+          <a:p>
+            <a:pPr lvl="1"/>
+            <a:r>
+              <a:rPr/>
+              <a:t>R</a:t>
             </a:r>
           </a:p>
         </p:txBody>
@@ -15288,7 +15946,7 @@
             </a:pPr>
             <a:r>
               <a:rPr/>
-              <a:t>Software</a:t>
+              <a:t>Bootstrap in SAS (1/10)</a:t>
             </a:r>
           </a:p>
         </p:txBody>
@@ -15311,49 +15969,29 @@
             <a:pPr lvl="0"/>
             <a:r>
               <a:rPr/>
-              <a:t>You should know</a:t>
+              <a:t>Example taken from UCLA Statistical Methods and Data Analytics site</a:t>
             </a:r>
           </a:p>
           <a:p>
             <a:pPr lvl="1"/>
             <a:r>
               <a:rPr/>
-              <a:t>How to loop (explicitly or implicitly)</a:t>
-            </a:r>
-          </a:p>
-          <a:p>
-            <a:pPr lvl="1"/>
-            <a:r>
-              <a:rPr/>
-              <a:t>How to extract specific values from the output</a:t>
-            </a:r>
-          </a:p>
-          <a:p>
-            <a:pPr lvl="0"/>
-            <a:r>
-              <a:rPr/>
-              <a:t>Examples</a:t>
-            </a:r>
-          </a:p>
-          <a:p>
-            <a:pPr lvl="1"/>
-            <a:r>
-              <a:rPr/>
-              <a:t>SAS</a:t>
-            </a:r>
-          </a:p>
-          <a:p>
-            <a:pPr lvl="1"/>
-            <a:r>
-              <a:rPr/>
-              <a:t>Stata</a:t>
-            </a:r>
-          </a:p>
-          <a:p>
-            <a:pPr lvl="1"/>
-            <a:r>
-              <a:rPr/>
-              <a:t>R</a:t>
+              <a:t>Google ucla bootstrap sas</a:t>
+            </a:r>
+          </a:p>
+          <a:p>
+            <a:pPr lvl="0" indent="0">
+              <a:buNone/>
+            </a:pPr>
+            <a:r>
+              <a:rPr>
+                <a:latin typeface="Courier"/>
+              </a:rPr>
+              <a:t>ods output FitStatistics = t0;
+proc reg data = hsb2;
+  model read = female math write ses;
+run;
+quit;</a:t>
             </a:r>
           </a:p>
         </p:txBody>
@@ -15400,7 +16038,7 @@
             </a:pPr>
             <a:r>
               <a:rPr/>
-              <a:t>Bootstrap in SAS (1/10)</a:t>
+              <a:t>Bootstrap in SAS (2/10)</a:t>
             </a:r>
           </a:p>
         </p:txBody>
@@ -15419,20 +16057,6 @@
         <p:txBody>
           <a:bodyPr/>
           <a:lstStyle/>
-          <a:p>
-            <a:pPr lvl="0"/>
-            <a:r>
-              <a:rPr/>
-              <a:t>Example taken from UCLA Statistical Methods and Data Analytics site</a:t>
-            </a:r>
-          </a:p>
-          <a:p>
-            <a:pPr lvl="1"/>
-            <a:r>
-              <a:rPr/>
-              <a:t>Google ucla bootstrap sas</a:t>
-            </a:r>
-          </a:p>
           <a:p>
             <a:pPr lvl="0" indent="0">
               <a:buNone/>
@@ -15441,11 +16065,12 @@
               <a:rPr>
                 <a:latin typeface="Courier"/>
               </a:rPr>
-              <a:t>ods output FitStatistics = t0;
-proc reg data = hsb2;
-  model read = female math write ses;
-run;
-quit;</a:t>
+              <a:t>*store the estimated r-square;
+data _null_;
+ set t0;
+ if label2 =  "R-Square" then 
+ call symput('r2bar', cvalue2);
+run;</a:t>
             </a:r>
           </a:p>
         </p:txBody>
@@ -15492,7 +16117,7 @@
             </a:pPr>
             <a:r>
               <a:rPr/>
-              <a:t>Bootstrap in SAS (2/10)</a:t>
+              <a:t>Bootstrap in SAS (3/10)</a:t>
             </a:r>
           </a:p>
         </p:txBody>
@@ -15519,12 +16144,12 @@
               <a:rPr>
                 <a:latin typeface="Courier"/>
               </a:rPr>
-              <a:t>*store the estimated r-square;
-data _null_;
- set t0;
- if label2 =  "R-Square" then 
- call symput('r2bar', cvalue2);
-run;</a:t>
+              <a:t>%let rep = 500;
+proc surveyselect data= hsb2 out=bootsample
+     seed = 1347 method = urs
+     samprate = 1 outhits rep = &amp;rep;
+run;
+ods listing close;</a:t>
             </a:r>
           </a:p>
         </p:txBody>
@@ -15571,7 +16196,7 @@
             </a:pPr>
             <a:r>
               <a:rPr/>
-              <a:t>Bootstrap in SAS (3/10)</a:t>
+              <a:t>Bootstrap in SAS (4/10)</a:t>
             </a:r>
           </a:p>
         </p:txBody>
@@ -15598,12 +16223,12 @@
               <a:rPr>
                 <a:latin typeface="Courier"/>
               </a:rPr>
-              <a:t>%let rep = 500;
-proc surveyselect data= hsb2 out=bootsample
-     seed = 1347 method = urs
-     samprate = 1 outhits rep = &amp;rep;
-run;
-ods listing close;</a:t>
+              <a:t>Sample Size                       200
+Expected Number of Hits             1
+Sampling Weight                     1
+Number of Replicates              500
+Total Sample Size              100000
+Output Data Set            BOOTSAMPLE</a:t>
             </a:r>
           </a:p>
         </p:txBody>
@@ -15650,7 +16275,7 @@
             </a:pPr>
             <a:r>
               <a:rPr/>
-              <a:t>Bootstrap in SAS (4/10)</a:t>
+              <a:t>Bootstrap in SAS (5/10)</a:t>
             </a:r>
           </a:p>
         </p:txBody>
@@ -15677,12 +16302,12 @@
               <a:rPr>
                 <a:latin typeface="Courier"/>
               </a:rPr>
-              <a:t>Sample Size                       200
-Expected Number of Hits             1
-Sampling Weight                     1
-Number of Replicates              500
-Total Sample Size              100000
-Output Data Set            BOOTSAMPLE</a:t>
+              <a:t>ods output  FitStatistics = t (where = (label2 =  "R-Square"));
+proc reg data = bootsample;
+  by replicate;
+  model read = female math write ses;
+run;
+quit;</a:t>
             </a:r>
           </a:p>
         </p:txBody>
@@ -15987,12 +16612,6 @@
                         <m:r>
                           <m:t>σ</m:t>
                         </m:r>
-                        <m:r>
-                          <m:rPr>
-                            <m:sty m:val="p"/>
-                          </m:rPr>
-                          <m:t>/</m:t>
-                        </m:r>
                         <m:rad>
                           <m:radPr>
                             <m:degHide m:val="1"/>
@@ -16086,7 +16705,7 @@
             </a:pPr>
             <a:r>
               <a:rPr/>
-              <a:t>Bootstrap in SAS (5/10)</a:t>
+              <a:t>Bootstrap in SAS (6/10)</a:t>
             </a:r>
           </a:p>
         </p:txBody>
@@ -16113,12 +16732,11 @@
               <a:rPr>
                 <a:latin typeface="Courier"/>
               </a:rPr>
-              <a:t>ods output  FitStatistics = t (where = (label2 =  "R-Square"));
-proc reg data = bootsample;
-  by replicate;
-  model read = female math write ses;
-run;
-quit;</a:t>
+              <a:t>* converting character type to numeric type;
+data t1;
+  set t;
+  r2 = cvalue2 + 0;
+run;</a:t>
             </a:r>
           </a:p>
         </p:txBody>
@@ -16165,7 +16783,7 @@
             </a:pPr>
             <a:r>
               <a:rPr/>
-              <a:t>Bootstrap in SAS (6/10)</a:t>
+              <a:t>Bootstrap in SAS (7/10)</a:t>
             </a:r>
           </a:p>
         </p:txBody>
@@ -16192,11 +16810,9 @@
               <a:rPr>
                 <a:latin typeface="Courier"/>
               </a:rPr>
-              <a:t>* converting character type to numeric type;
-data t1;
-  set t;
-  r2 = cvalue2 + 0;
-run;</a:t>
+              <a:t>%let alphalev = .05;
+%let a1 = %sysevalf(&amp;alphalev/2*100);
+%let a2 = %sysevalf((1 - &amp;alphalev/2)*100);</a:t>
             </a:r>
           </a:p>
         </p:txBody>
@@ -16243,7 +16859,7 @@
             </a:pPr>
             <a:r>
               <a:rPr/>
-              <a:t>Bootstrap in SAS (7/10)</a:t>
+              <a:t>Bootstrap in SAS (8/10)</a:t>
             </a:r>
           </a:p>
         </p:txBody>
@@ -16270,9 +16886,11 @@
               <a:rPr>
                 <a:latin typeface="Courier"/>
               </a:rPr>
-              <a:t>%let alphalev = .05;
-%let a1 = %sysevalf(&amp;alphalev/2*100);
-%let a2 = %sysevalf((1 - &amp;alphalev/2)*100);</a:t>
+              <a:t>* creating confidence interval, percentile method;
+proc univariate data = t1 alpha = .05;
+  var r2;
+  output out=pmethod mean = r2hat pctlpts=&amp;a1 &amp;a2 pctlpre = p pctlname = _lb _ub ;
+run;</a:t>
             </a:r>
           </a:p>
         </p:txBody>
@@ -16319,7 +16937,7 @@
             </a:pPr>
             <a:r>
               <a:rPr/>
-              <a:t>Bootstrap in SAS (8/10)</a:t>
+              <a:t>Bootstrap in SAS (9/10)</a:t>
             </a:r>
           </a:p>
         </p:txBody>
@@ -16346,11 +16964,12 @@
               <a:rPr>
                 <a:latin typeface="Courier"/>
               </a:rPr>
-              <a:t>* creating confidence interval, percentile method;
-proc univariate data = t1 alpha = .05;
-  var r2;
-  output out=pmethod mean = r2hat pctlpts=&amp;a1 &amp;a2 pctlpre = p pctlname = _lb _ub ;
-run;</a:t>
+              <a:t>data t2;
+  set pmethod;
+  bias = r2hat - &amp;r2bar;
+  r2 = &amp;r2bar;
+run;
+ods listing;</a:t>
             </a:r>
           </a:p>
         </p:txBody>
@@ -16397,7 +17016,7 @@
             </a:pPr>
             <a:r>
               <a:rPr/>
-              <a:t>Bootstrap in SAS (9/10)</a:t>
+              <a:t>Bootstrap in SAS (10/10)</a:t>
             </a:r>
           </a:p>
         </p:txBody>
@@ -16424,12 +17043,11 @@
               <a:rPr>
                 <a:latin typeface="Courier"/>
               </a:rPr>
-              <a:t>data t2;
-  set pmethod;
-  bias = r2hat - &amp;r2bar;
-  r2 = &amp;r2bar;
+              <a:t>proc print data  = t2;
+  var r2 bias p_lb p_ub;
 run;
-ods listing;</a:t>
+Obs      r2        bias       p_lb     p_ub
+ 1     0.5189    .0066164    0.436    0.6017</a:t>
             </a:r>
           </a:p>
         </p:txBody>
@@ -16476,7 +17094,7 @@
             </a:pPr>
             <a:r>
               <a:rPr/>
-              <a:t>Bootstrap in SAS (10/10)</a:t>
+              <a:t>Bootstrap in Stata (1/4)</a:t>
             </a:r>
           </a:p>
         </p:txBody>
@@ -16496,18 +17114,38 @@
           <a:bodyPr/>
           <a:lstStyle/>
           <a:p>
-            <a:pPr lvl="0" indent="0">
-              <a:buNone/>
-            </a:pPr>
-            <a:r>
-              <a:rPr>
-                <a:latin typeface="Courier"/>
-              </a:rPr>
-              <a:t>proc print data  = t2;
-  var r2 bias p_lb p_ub;
-run;
-Obs      r2        bias       p_lb     p_ub
- 1     0.5189    .0066164    0.436    0.6017</a:t>
+            <a:pPr lvl="0"/>
+            <a:r>
+              <a:rPr/>
+              <a:t>A bit easier</a:t>
+            </a:r>
+          </a:p>
+          <a:p>
+            <a:pPr lvl="1"/>
+            <a:r>
+              <a:rPr/>
+              <a:t>Built-in bootstrap command</a:t>
+            </a:r>
+          </a:p>
+          <a:p>
+            <a:pPr lvl="1"/>
+            <a:r>
+              <a:rPr/>
+              <a:t>Simpler handling of output</a:t>
+            </a:r>
+          </a:p>
+          <a:p>
+            <a:pPr lvl="0"/>
+            <a:r>
+              <a:rPr/>
+              <a:t>Example taken from UCLA Statistical Methods and Data Analytics site</a:t>
+            </a:r>
+          </a:p>
+          <a:p>
+            <a:pPr lvl="1"/>
+            <a:r>
+              <a:rPr/>
+              <a:t>Google ucla bootstrap stata</a:t>
             </a:r>
           </a:p>
         </p:txBody>
@@ -16554,7 +17192,7 @@
             </a:pPr>
             <a:r>
               <a:rPr/>
-              <a:t>Bootstrap in Stata (1/4)</a:t>
+              <a:t>Bootstrap in Stata (2/4)</a:t>
             </a:r>
           </a:p>
         </p:txBody>
@@ -16574,38 +17212,15 @@
           <a:bodyPr/>
           <a:lstStyle/>
           <a:p>
-            <a:pPr lvl="0"/>
-            <a:r>
-              <a:rPr/>
-              <a:t>A bit easier</a:t>
-            </a:r>
-          </a:p>
-          <a:p>
-            <a:pPr lvl="1"/>
-            <a:r>
-              <a:rPr/>
-              <a:t>Built-in bootstrap command</a:t>
-            </a:r>
-          </a:p>
-          <a:p>
-            <a:pPr lvl="1"/>
-            <a:r>
-              <a:rPr/>
-              <a:t>Simpler handling of output</a:t>
-            </a:r>
-          </a:p>
-          <a:p>
-            <a:pPr lvl="0"/>
-            <a:r>
-              <a:rPr/>
-              <a:t>Example taken from UCLA Statistical Methods and Data Analytics site</a:t>
-            </a:r>
-          </a:p>
-          <a:p>
-            <a:pPr lvl="1"/>
-            <a:r>
-              <a:rPr/>
-              <a:t>Google ucla bootstrap stata</a:t>
+            <a:pPr lvl="0" indent="0">
+              <a:buNone/>
+            </a:pPr>
+            <a:r>
+              <a:rPr>
+                <a:latin typeface="Courier"/>
+              </a:rPr>
+              <a:t>use http://statistics.ats.ucla.edu/stat/stata/notes/hsb2, clear
+regress read female math write ses</a:t>
             </a:r>
           </a:p>
         </p:txBody>
@@ -16652,7 +17267,7 @@
             </a:pPr>
             <a:r>
               <a:rPr/>
-              <a:t>Bootstrap in Stata (2/4)</a:t>
+              <a:t>Bootstrap in Stata (3/4)</a:t>
             </a:r>
           </a:p>
         </p:txBody>
@@ -16679,8 +17294,7 @@
               <a:rPr>
                 <a:latin typeface="Courier"/>
               </a:rPr>
-              <a:t>use http://statistics.ats.ucla.edu/stat/stata/notes/hsb2, clear
-regress read female math write ses</a:t>
+              <a:t>bootstrap rmse=e(rmse), reps(100) seed(12345): regress read female math write ses</a:t>
             </a:r>
           </a:p>
         </p:txBody>
@@ -16727,7 +17341,7 @@
             </a:pPr>
             <a:r>
               <a:rPr/>
-              <a:t>Bootstrap in Stata (3/4)</a:t>
+              <a:t>Bootstrap in Stata (4/4)</a:t>
             </a:r>
           </a:p>
         </p:txBody>
@@ -16754,7 +17368,19 @@
               <a:rPr>
                 <a:latin typeface="Courier"/>
               </a:rPr>
-              <a:t>bootstrap rmse=e(rmse), reps(100) seed(12345): regress read female math write ses</a:t>
+              <a:t>---------------------------------------
+             |   Observed   Bootstrap 
+             |      Coef.   Std. Err. 
+-------------+------------------------
+        rmse |   7.184202   .2594069  
+--------------------------------------
+--------------------------------------
+                    Normal-based
+ z    P&gt;|z|     [95% Conf. Interval]
+--------------------------------------
+27.69   0.000     6.675774     7.69263
+--------------------------------------
+</a:t>
             </a:r>
           </a:p>
         </p:txBody>
@@ -16801,7 +17427,7 @@
             </a:pPr>
             <a:r>
               <a:rPr/>
-              <a:t>Bootstrap in Stata (4/4)</a:t>
+              <a:t>Bootstrap in R (1/4)</a:t>
             </a:r>
           </a:p>
         </p:txBody>
@@ -16821,26 +17447,45 @@
           <a:bodyPr/>
           <a:lstStyle/>
           <a:p>
-            <a:pPr lvl="0" indent="0">
-              <a:buNone/>
-            </a:pPr>
-            <a:r>
-              <a:rPr>
-                <a:latin typeface="Courier"/>
-              </a:rPr>
-              <a:t>---------------------------------------
-             |   Observed   Bootstrap 
-             |      Coef.   Std. Err. 
--------------+------------------------
-        rmse |   7.184202   .2594069  
---------------------------------------
---------------------------------------
-                    Normal-based
- z    P&gt;|z|     [95% Conf. Interval]
---------------------------------------
-27.69   0.000     6.675774     7.69263
---------------------------------------
-</a:t>
+            <a:pPr lvl="0"/>
+            <a:r>
+              <a:rPr/>
+              <a:t>Easiest and most flexible choice</a:t>
+            </a:r>
+          </a:p>
+          <a:p>
+            <a:pPr lvl="1"/>
+            <a:r>
+              <a:rPr/>
+              <a:t>Special library</a:t>
+            </a:r>
+          </a:p>
+          <a:p>
+            <a:pPr lvl="1"/>
+            <a:r>
+              <a:rPr/>
+              <a:t>Simple looping stuctures</a:t>
+            </a:r>
+          </a:p>
+          <a:p>
+            <a:pPr lvl="1"/>
+            <a:r>
+              <a:rPr/>
+              <a:t>Easy to extract specific values</a:t>
+            </a:r>
+          </a:p>
+          <a:p>
+            <a:pPr lvl="0"/>
+            <a:r>
+              <a:rPr/>
+              <a:t>Example taken from UCLA Statistical Methods and Data Analytics site</a:t>
+            </a:r>
+          </a:p>
+          <a:p>
+            <a:pPr lvl="1"/>
+            <a:r>
+              <a:rPr/>
+              <a:t>Google ucla bootstrap r</a:t>
             </a:r>
           </a:p>
         </p:txBody>
@@ -17178,7 +17823,7 @@
             </a:pPr>
             <a:r>
               <a:rPr/>
-              <a:t>Bootstrap in R (1/4)</a:t>
+              <a:t>Bootstrap in R (2/4)</a:t>
             </a:r>
           </a:p>
         </p:txBody>
@@ -17198,45 +17843,15 @@
           <a:bodyPr/>
           <a:lstStyle/>
           <a:p>
-            <a:pPr lvl="0"/>
-            <a:r>
-              <a:rPr/>
-              <a:t>Easiest and most flexible choice</a:t>
-            </a:r>
-          </a:p>
-          <a:p>
-            <a:pPr lvl="1"/>
-            <a:r>
-              <a:rPr/>
-              <a:t>Special library</a:t>
-            </a:r>
-          </a:p>
-          <a:p>
-            <a:pPr lvl="1"/>
-            <a:r>
-              <a:rPr/>
-              <a:t>Simple looping stuctures</a:t>
-            </a:r>
-          </a:p>
-          <a:p>
-            <a:pPr lvl="1"/>
-            <a:r>
-              <a:rPr/>
-              <a:t>Easy to extract specific values</a:t>
-            </a:r>
-          </a:p>
-          <a:p>
-            <a:pPr lvl="0"/>
-            <a:r>
-              <a:rPr/>
-              <a:t>Example taken from UCLA Statistical Methods and Data Analytics site</a:t>
-            </a:r>
-          </a:p>
-          <a:p>
-            <a:pPr lvl="1"/>
-            <a:r>
-              <a:rPr/>
-              <a:t>Google ucla bootstrap r</a:t>
+            <a:pPr lvl="0" indent="0">
+              <a:buNone/>
+            </a:pPr>
+            <a:r>
+              <a:rPr>
+                <a:latin typeface="Courier"/>
+              </a:rPr>
+              <a:t>library(boot)
+hsb2 &lt;- read.table("https://stats.idre.ucla.edu/stat/data/hsb2.csv", sep=",", header=T)</a:t>
             </a:r>
           </a:p>
         </p:txBody>
@@ -17283,7 +17898,7 @@
             </a:pPr>
             <a:r>
               <a:rPr/>
-              <a:t>Bootstrap in R (2/4)</a:t>
+              <a:t>Bootstrap in R (3/4)</a:t>
             </a:r>
           </a:p>
         </p:txBody>
@@ -17310,8 +17925,12 @@
               <a:rPr>
                 <a:latin typeface="Courier"/>
               </a:rPr>
-              <a:t>library(boot)
-hsb2 &lt;- read.table("https://stats.idre.ucla.edu/stat/data/hsb2.csv", sep=",", header=T)</a:t>
+              <a:t>fc &lt;- function(d, i){
+    d2 &lt;- d[i,]
+    return(cor(d2$write, d2$math))
+}
+set.seed(626)
+bootcorr &lt;- boot(hsb2, fc, R=500)</a:t>
             </a:r>
           </a:p>
         </p:txBody>
@@ -17358,7 +17977,7 @@
             </a:pPr>
             <a:r>
               <a:rPr/>
-              <a:t>Bootstrap in R (3/4)</a:t>
+              <a:t>Bootstrap in R (4/4)</a:t>
             </a:r>
           </a:p>
         </p:txBody>
@@ -17385,12 +18004,9 @@
               <a:rPr>
                 <a:latin typeface="Courier"/>
               </a:rPr>
-              <a:t>fc &lt;- function(d, i){
-    d2 &lt;- d[i,]
-    return(cor(d2$write, d2$math))
-}
-set.seed(626)
-bootcorr &lt;- boot(hsb2, fc, R=500)</a:t>
+              <a:t>Bootstrap Statistics :
+     original       bias    std. error
+t1* 0.6174493 -0.001528707  0.04020362</a:t>
             </a:r>
           </a:p>
         </p:txBody>
@@ -17437,7 +18053,7 @@
             </a:pPr>
             <a:r>
               <a:rPr/>
-              <a:t>Bootstrap in R (4/4)</a:t>
+              <a:t>Break #3</a:t>
             </a:r>
           </a:p>
         </p:txBody>
@@ -17457,16 +18073,31 @@
           <a:bodyPr/>
           <a:lstStyle/>
           <a:p>
-            <a:pPr lvl="0" indent="0">
-              <a:buNone/>
-            </a:pPr>
-            <a:r>
-              <a:rPr>
-                <a:latin typeface="Courier"/>
-              </a:rPr>
-              <a:t>Bootstrap Statistics :
-     original       bias    std. error
-t1* 0.6174493 -0.001528707  0.04020362</a:t>
+            <a:pPr lvl="0"/>
+            <a:r>
+              <a:rPr/>
+              <a:t>What have you learned</a:t>
+            </a:r>
+          </a:p>
+          <a:p>
+            <a:pPr lvl="1"/>
+            <a:r>
+              <a:rPr/>
+              <a:t>Software</a:t>
+            </a:r>
+          </a:p>
+          <a:p>
+            <a:pPr lvl="0"/>
+            <a:r>
+              <a:rPr/>
+              <a:t>What’s coming next</a:t>
+            </a:r>
+          </a:p>
+          <a:p>
+            <a:pPr lvl="1"/>
+            <a:r>
+              <a:rPr/>
+              <a:t>Special issues</a:t>
             </a:r>
           </a:p>
         </p:txBody>
@@ -17513,7 +18144,7 @@
             </a:pPr>
             <a:r>
               <a:rPr/>
-              <a:t>Break #3</a:t>
+              <a:t>Special issues</a:t>
             </a:r>
           </a:p>
         </p:txBody>
@@ -17536,28 +18167,21 @@
             <a:pPr lvl="0"/>
             <a:r>
               <a:rPr/>
-              <a:t>What have you learned</a:t>
-            </a:r>
-          </a:p>
-          <a:p>
-            <a:pPr lvl="1"/>
-            <a:r>
-              <a:rPr/>
-              <a:t>Software</a:t>
+              <a:t>Multiple groups</a:t>
             </a:r>
           </a:p>
           <a:p>
             <a:pPr lvl="0"/>
             <a:r>
               <a:rPr/>
-              <a:t>What’s coming next</a:t>
-            </a:r>
-          </a:p>
-          <a:p>
-            <a:pPr lvl="1"/>
-            <a:r>
-              <a:rPr/>
-              <a:t>Special issues</a:t>
+              <a:t>Time series</a:t>
+            </a:r>
+          </a:p>
+          <a:p>
+            <a:pPr lvl="0"/>
+            <a:r>
+              <a:rPr/>
+              <a:t>Regression models</a:t>
             </a:r>
           </a:p>
         </p:txBody>
@@ -17604,7 +18228,7 @@
             </a:pPr>
             <a:r>
               <a:rPr/>
-              <a:t>Special issues</a:t>
+              <a:t>Multiple groups</a:t>
             </a:r>
           </a:p>
         </p:txBody>
@@ -17627,21 +18251,21 @@
             <a:pPr lvl="0"/>
             <a:r>
               <a:rPr/>
-              <a:t>Multiple groups</a:t>
+              <a:t>Do you allow the group sizes to vary?</a:t>
             </a:r>
           </a:p>
           <a:p>
             <a:pPr lvl="0"/>
             <a:r>
               <a:rPr/>
-              <a:t>Time series</a:t>
-            </a:r>
-          </a:p>
-          <a:p>
-            <a:pPr lvl="0"/>
-            <a:r>
-              <a:rPr/>
-              <a:t>Regression models</a:t>
+              <a:t>Stratified bootstrap</a:t>
+            </a:r>
+          </a:p>
+          <a:p>
+            <a:pPr lvl="1"/>
+            <a:r>
+              <a:rPr/>
+              <a:t>Two group example</a:t>
             </a:r>
           </a:p>
         </p:txBody>
@@ -17688,7 +18312,7 @@
             </a:pPr>
             <a:r>
               <a:rPr/>
-              <a:t>Multiple groups</a:t>
+              <a:t>Time series</a:t>
             </a:r>
           </a:p>
         </p:txBody>
@@ -17711,21 +18335,56 @@
             <a:pPr lvl="0"/>
             <a:r>
               <a:rPr/>
-              <a:t>Do you allow the group sizes to vary?</a:t>
+              <a:t>Simple bootstrap destroys important features of time series models</a:t>
+            </a:r>
+          </a:p>
+          <a:p>
+            <a:pPr lvl="1"/>
+            <a:r>
+              <a:rPr/>
+              <a:t>Evenly spaced observations</a:t>
+            </a:r>
+          </a:p>
+          <a:p>
+            <a:pPr lvl="1"/>
+            <a:r>
+              <a:rPr/>
+              <a:t>Serial correlation</a:t>
+            </a:r>
+          </a:p>
+          <a:p>
+            <a:pPr lvl="1"/>
+            <a:r>
+              <a:rPr/>
+              <a:t>Seasonality</a:t>
+            </a:r>
+          </a:p>
+          <a:p>
+            <a:pPr lvl="1"/>
+            <a:r>
+              <a:rPr/>
+              <a:t>Temporal trends</a:t>
             </a:r>
           </a:p>
           <a:p>
             <a:pPr lvl="0"/>
             <a:r>
               <a:rPr/>
-              <a:t>Stratified bootstrap</a:t>
+              <a:t>Solutions</a:t>
             </a:r>
           </a:p>
           <a:p>
             <a:pPr lvl="1"/>
             <a:r>
               <a:rPr/>
-              <a:t>Two group example</a:t>
+              <a:t>Bootstrap blocks of consecutive observations</a:t>
+            </a:r>
+          </a:p>
+          <a:p>
+            <a:pPr lvl="1"/>
+            <a:r>
+              <a:rPr/>
+              <a:t>Detrend/decompose the time series</a:t>
             </a:r>
           </a:p>
         </p:txBody>
@@ -17772,7 +18431,7 @@
             </a:pPr>
             <a:r>
               <a:rPr/>
-              <a:t>Time series</a:t>
+              <a:t>Regression models</a:t>
             </a:r>
           </a:p>
         </p:txBody>
@@ -17795,56 +18454,21 @@
             <a:pPr lvl="0"/>
             <a:r>
               <a:rPr/>
-              <a:t>Simple bootstrap destroys important features of time series models</a:t>
-            </a:r>
-          </a:p>
-          <a:p>
-            <a:pPr lvl="1"/>
-            <a:r>
-              <a:rPr/>
-              <a:t>Evenly spaced observations</a:t>
-            </a:r>
-          </a:p>
-          <a:p>
-            <a:pPr lvl="1"/>
-            <a:r>
-              <a:rPr/>
-              <a:t>Serial correlation</a:t>
-            </a:r>
-          </a:p>
-          <a:p>
-            <a:pPr lvl="1"/>
-            <a:r>
-              <a:rPr/>
-              <a:t>Seasonality</a:t>
-            </a:r>
-          </a:p>
-          <a:p>
-            <a:pPr lvl="1"/>
-            <a:r>
-              <a:rPr/>
-              <a:t>Temporal trends</a:t>
+              <a:t>Subsample may have perfect collinearity</a:t>
             </a:r>
           </a:p>
           <a:p>
             <a:pPr lvl="0"/>
             <a:r>
               <a:rPr/>
-              <a:t>Solutions</a:t>
-            </a:r>
-          </a:p>
-          <a:p>
-            <a:pPr lvl="1"/>
-            <a:r>
-              <a:rPr/>
-              <a:t>Bootstrap blocks of consecutive observations</a:t>
-            </a:r>
-          </a:p>
-          <a:p>
-            <a:pPr lvl="1"/>
-            <a:r>
-              <a:rPr/>
-              <a:t>Detrend/decompose the time series</a:t>
+              <a:t>Are the independent variables fixed or random?</a:t>
+            </a:r>
+          </a:p>
+          <a:p>
+            <a:pPr lvl="0"/>
+            <a:r>
+              <a:rPr/>
+              <a:t>Solution: bootstrap residuals</a:t>
             </a:r>
           </a:p>
         </p:txBody>
@@ -17891,7 +18515,7 @@
             </a:pPr>
             <a:r>
               <a:rPr/>
-              <a:t>Regression models</a:t>
+              <a:t>Final bits of advice (1/2)</a:t>
             </a:r>
           </a:p>
         </p:txBody>
@@ -17914,21 +18538,56 @@
             <a:pPr lvl="0"/>
             <a:r>
               <a:rPr/>
-              <a:t>Subsample may have perfect collinearity</a:t>
+              <a:t>Situations where the bootstrap performs poorly</a:t>
+            </a:r>
+          </a:p>
+          <a:p>
+            <a:pPr lvl="1"/>
+            <a:r>
+              <a:rPr/>
+              <a:t>Small sample size</a:t>
+            </a:r>
+          </a:p>
+          <a:p>
+            <a:pPr lvl="1"/>
+            <a:r>
+              <a:rPr/>
+              <a:t>Data from “weird” distributions</a:t>
+            </a:r>
+          </a:p>
+          <a:p>
+            <a:pPr lvl="1"/>
+            <a:r>
+              <a:rPr/>
+              <a:t>Statistics at or near the extremes</a:t>
             </a:r>
           </a:p>
           <a:p>
             <a:pPr lvl="0"/>
             <a:r>
               <a:rPr/>
-              <a:t>Are the independent variables fixed or random?</a:t>
-            </a:r>
-          </a:p>
-          <a:p>
-            <a:pPr lvl="0"/>
-            <a:r>
-              <a:rPr/>
-              <a:t>Solution: bootstrap residuals</a:t>
+              <a:t>Situations where a simple bootstrap performs poorly</a:t>
+            </a:r>
+          </a:p>
+          <a:p>
+            <a:pPr lvl="1"/>
+            <a:r>
+              <a:rPr/>
+              <a:t>Multiple groups with small sample sizes</a:t>
+            </a:r>
+          </a:p>
+          <a:p>
+            <a:pPr lvl="1"/>
+            <a:r>
+              <a:rPr/>
+              <a:t>Time series models</a:t>
+            </a:r>
+          </a:p>
+          <a:p>
+            <a:pPr lvl="1"/>
+            <a:r>
+              <a:rPr/>
+              <a:t>Complex regression models</a:t>
             </a:r>
           </a:p>
         </p:txBody>
@@ -17975,7 +18634,7 @@
             </a:pPr>
             <a:r>
               <a:rPr/>
-              <a:t>Final bits of advice (1/2)</a:t>
+              <a:t>Final bits of advice (2/2)</a:t>
             </a:r>
           </a:p>
         </p:txBody>
@@ -17998,56 +18657,35 @@
             <a:pPr lvl="0"/>
             <a:r>
               <a:rPr/>
-              <a:t>Situations where the bootstrap performs poorly</a:t>
+              <a:t>Situations where the bootstrap performs well</a:t>
             </a:r>
           </a:p>
           <a:p>
             <a:pPr lvl="1"/>
             <a:r>
               <a:rPr/>
-              <a:t>Small sample size</a:t>
+              <a:t>Statistics with no known theoretical results</a:t>
             </a:r>
           </a:p>
           <a:p>
             <a:pPr lvl="1"/>
             <a:r>
               <a:rPr/>
-              <a:t>Data from “weird” distributions</a:t>
+              <a:t>Statistics where approximations are questionable</a:t>
+            </a:r>
+          </a:p>
+          <a:p>
+            <a:pPr lvl="0"/>
+            <a:r>
+              <a:rPr/>
+              <a:t>But you can’t squeeze blood from a turnip.</a:t>
             </a:r>
           </a:p>
           <a:p>
             <a:pPr lvl="1"/>
             <a:r>
               <a:rPr/>
-              <a:t>Statistics at or near the extremes</a:t>
-            </a:r>
-          </a:p>
-          <a:p>
-            <a:pPr lvl="0"/>
-            <a:r>
-              <a:rPr/>
-              <a:t>Situations where a simple bootstrap performs poorly</a:t>
-            </a:r>
-          </a:p>
-          <a:p>
-            <a:pPr lvl="1"/>
-            <a:r>
-              <a:rPr/>
-              <a:t>Multiple groups with small sample sizes</a:t>
-            </a:r>
-          </a:p>
-          <a:p>
-            <a:pPr lvl="1"/>
-            <a:r>
-              <a:rPr/>
-              <a:t>Time series models</a:t>
-            </a:r>
-          </a:p>
-          <a:p>
-            <a:pPr lvl="1"/>
-            <a:r>
-              <a:rPr/>
-              <a:t>Complex regression models</a:t>
+              <a:t>Very small sample sizes are still very small sample sizes</a:t>
             </a:r>
           </a:p>
         </p:txBody>
@@ -18388,104 +19026,6 @@
             </a:pPr>
             <a:r>
               <a:rPr/>
-              <a:t>Final bits of advice (2/2)</a:t>
-            </a:r>
-          </a:p>
-        </p:txBody>
-      </p:sp>
-      <p:sp>
-        <p:nvSpPr>
-          <p:cNvPr id="3" name="Content Placeholder 2"/>
-          <p:cNvSpPr>
-            <a:spLocks noGrp="1"/>
-          </p:cNvSpPr>
-          <p:nvPr>
-            <p:ph idx="1"/>
-          </p:nvPr>
-        </p:nvSpPr>
-        <p:spPr/>
-        <p:txBody>
-          <a:bodyPr/>
-          <a:lstStyle/>
-          <a:p>
-            <a:pPr lvl="0"/>
-            <a:r>
-              <a:rPr/>
-              <a:t>Situations where the bootstrap performs well</a:t>
-            </a:r>
-          </a:p>
-          <a:p>
-            <a:pPr lvl="1"/>
-            <a:r>
-              <a:rPr/>
-              <a:t>Statistics with no known theoretical results</a:t>
-            </a:r>
-          </a:p>
-          <a:p>
-            <a:pPr lvl="1"/>
-            <a:r>
-              <a:rPr/>
-              <a:t>Statistics where approximations are questionable</a:t>
-            </a:r>
-          </a:p>
-          <a:p>
-            <a:pPr lvl="0"/>
-            <a:r>
-              <a:rPr/>
-              <a:t>But you can’t squeeze blood from a turnip.</a:t>
-            </a:r>
-          </a:p>
-          <a:p>
-            <a:pPr lvl="1"/>
-            <a:r>
-              <a:rPr/>
-              <a:t>Very small sample sizes are still very small sample sizes</a:t>
-            </a:r>
-          </a:p>
-        </p:txBody>
-      </p:sp>
-    </p:spTree>
-  </p:cSld>
-</p:sld>
-</file>
-
-<file path=ppt/slides/slide71.xml><?xml version="1.0" encoding="utf-8"?>
-<p:sld xmlns:a="http://schemas.openxmlformats.org/drawingml/2006/main" xmlns:r="http://schemas.openxmlformats.org/officeDocument/2006/relationships" xmlns:p="http://schemas.openxmlformats.org/presentationml/2006/main">
-  <p:cSld>
-    <p:spTree>
-      <p:nvGrpSpPr>
-        <p:cNvPr id="1" name=""/>
-        <p:cNvGrpSpPr/>
-        <p:nvPr/>
-      </p:nvGrpSpPr>
-      <p:grpSpPr>
-        <a:xfrm>
-          <a:off x="0" y="0"/>
-          <a:ext cx="0" cy="0"/>
-          <a:chOff x="0" y="0"/>
-          <a:chExt cx="0" cy="0"/>
-        </a:xfrm>
-      </p:grpSpPr>
-      <p:sp>
-        <p:nvSpPr>
-          <p:cNvPr id="2" name="Title 1"/>
-          <p:cNvSpPr>
-            <a:spLocks noGrp="1"/>
-          </p:cNvSpPr>
-          <p:nvPr>
-            <p:ph type="title"/>
-          </p:nvPr>
-        </p:nvSpPr>
-        <p:spPr/>
-        <p:txBody>
-          <a:bodyPr/>
-          <a:lstStyle/>
-          <a:p>
-            <a:pPr lvl="0" indent="0" marL="0">
-              <a:buNone/>
-            </a:pPr>
-            <a:r>
-              <a:rPr/>
               <a:t>Summary</a:t>
             </a:r>
           </a:p>
@@ -18598,8 +19138,8 @@
         </p:blipFill>
         <p:spPr bwMode="auto">
           <a:xfrm>
-            <a:off x="457200" y="1549400"/>
-            <a:ext cx="8229600" cy="2171700"/>
+            <a:off x="609600" y="2159000"/>
+            <a:ext cx="10972800" cy="2895600"/>
           </a:xfrm>
           <a:prstGeom prst="rect">
             <a:avLst/>
@@ -18620,8 +19160,8 @@
         </p:nvSpPr>
         <p:spPr>
           <a:xfrm>
-            <a:off x="457200" y="4076700"/>
-            <a:ext cx="8229600" cy="508000"/>
+            <a:off x="609600" y="5613400"/>
+            <a:ext cx="10972800" cy="508000"/>
           </a:xfrm>
           <a:prstGeom prst="rect">
             <a:avLst/>

--- a/bootstrap/src/bootstrap-slides.pptx
+++ b/bootstrap/src/bootstrap-slides.pptx
@@ -5,7 +5,7 @@
     <p:sldMasterId id="2147483648" r:id="rId1"/>
   </p:sldMasterIdLst>
   <p:notesMasterIdLst>
-    <p:notesMasterId r:id="rId72"/>
+    <p:notesMasterId r:id="rId74"/>
   </p:notesMasterIdLst>
   <p:sldIdLst>
     <p:sldId id="256" r:id="rId2"/>
@@ -78,6 +78,8 @@
     <p:sldId id="323" r:id="rId69"/>
     <p:sldId id="324" r:id="rId70"/>
     <p:sldId id="325" r:id="rId71"/>
+    <p:sldId id="326" r:id="rId72"/>
+    <p:sldId id="327" r:id="rId73"/>
   </p:sldIdLst>
   <p:sldSz cx="12192000" cy="6858000"/>
   <p:notesSz cx="6858000" cy="9144000"/>
@@ -677,7 +679,7 @@
             </a:pPr>
             <a:r>
               <a:rPr/>
-              <a:t>Then I will discuss some special cases where you might consider more complex forms of bootstrapping.</a:t>
+              <a:t>Then I will discuss some special settings where you might consider more complex forms of bootstrapping.</a:t>
             </a:r>
           </a:p>
         </p:txBody>
@@ -2849,7 +2851,7 @@
             </a:pPr>
             <a:r>
               <a:rPr/>
-              <a:t>Perhaps there is some value in getting the standard error using a classic approach and comparing it to the bootstrap estimate of the standard error. If the two are close, that gives you some reassurance that the classic approach is appropriate. If they differ, then examine things like whether the sample size is large enough to justify the normal approximation or if other assumptions that you need are justifiable.</a:t>
+              <a:t>Perhaps there is some value in getting the standard error using a classic approach and comparing it to the bootstrap estimate of the standard error. If the two are close, that gives you some reassurance that the classic approach is appropriate. If they differ, then examine things like whether the sample size is large enough to justify the normal approximation or if one of the assumptions that you need is questionable.</a:t>
             </a:r>
           </a:p>
         </p:txBody>
@@ -3329,7 +3331,7 @@
             </a:pPr>
             <a:r>
               <a:rPr/>
-              <a:t>The H function effectively counts the number of bootstrap estimates that are greater than the estimate based on the original data. Divide by the number of bootstrap samples to get a proportion. Phi inverse converts this proportion into a percentile from a standard normal distribution. If exactly half of the bootstrap estimates are greater than the estimate based on the original data, then you get a big fat zero which means no bias adjustment.</a:t>
+              <a:t>The H function effectively counts the number of bootstrap estimates that are less than the estimate based on the original data. Divide by the number of bootstrap samples to get a proportion. Phi inverse converts this proportion into a percentile from a standard normal distribution. If exactly half of the bootstrap estimates are greater than the estimate based on the original data, then you get a big fat zero which means no bias adjustment.</a:t>
             </a:r>
           </a:p>
           <a:p>
@@ -3933,21 +3935,21 @@
             </a:pPr>
             <a:r>
               <a:rPr/>
-              <a:t>If you want to program a bootstrap, you need to have enough familiarity with your statistical software to run a loop and extract specific values from the output.</a:t>
-            </a:r>
-          </a:p>
-          <a:p>
-            <a:pPr lvl="0" indent="0" marL="0">
-              <a:buNone/>
-            </a:pPr>
-          </a:p>
-          <a:p>
-            <a:pPr lvl="0" indent="0" marL="0">
-              <a:buNone/>
-            </a:pPr>
-            <a:r>
-              <a:rPr/>
-              <a:t>I want to show briefly, how to do a simple bootstrap in SAS, Stata, and R. It may be possible to do this in SPSS, but I am not familiar enough with SPSS to outline how the approach might work.</a:t>
+              <a:t>This image comes from a 1986 publication in Statistical Science by Bradley Efron and Robert Tibshirani.</a:t>
+            </a:r>
+          </a:p>
+          <a:p>
+            <a:pPr lvl="0" indent="0" marL="0">
+              <a:buNone/>
+            </a:pPr>
+          </a:p>
+          <a:p>
+            <a:pPr lvl="0" indent="0" marL="0">
+              <a:buNone/>
+            </a:pPr>
+            <a:r>
+              <a:rPr/>
+              <a:t>There are two curves shown here which show two different ways of measuring risk as a function of age. One estimate shows a flat level (same amount of risk) for anyone under 45 and the other shows an increase in risk for patients under 30. Which one is correct? The bootstrap can help answer this question.</a:t>
             </a:r>
           </a:p>
         </p:txBody>
@@ -3969,7 +3971,7 @@
           <a:p>
             <a:fld id="{18BDFEC3-8487-43E8-A154-7C12CBC1FFF2}" type="slidenum">
               <a:rPr lang="en-US"/>
-              <a:t>44</a:t>
+              <a:t>40</a:t>
             </a:fld>
             <a:endParaRPr lang="en-US"/>
           </a:p>
@@ -4029,35 +4031,21 @@
             </a:pPr>
             <a:r>
               <a:rPr/>
-              <a:t>This example is taken from the UCLA Statistical Methods and Data Analytics site. It pops up easily on a simple google search.</a:t>
-            </a:r>
-          </a:p>
-          <a:p>
-            <a:pPr lvl="0" indent="0" marL="0">
-              <a:buNone/>
-            </a:pPr>
-          </a:p>
-          <a:p>
-            <a:pPr lvl="0" indent="0" marL="0">
-              <a:buNone/>
-            </a:pPr>
-            <a:r>
-              <a:rPr/>
-              <a:t>The first statement tells SAS that it should take the output from the following procedure, pull out a particular number from the output called “FitStatistics” and store it in a dataset with the name t0.</a:t>
-            </a:r>
-          </a:p>
-          <a:p>
-            <a:pPr lvl="0" indent="0" marL="0">
-              <a:buNone/>
-            </a:pPr>
-          </a:p>
-          <a:p>
-            <a:pPr lvl="0" indent="0" marL="0">
-              <a:buNone/>
-            </a:pPr>
-            <a:r>
-              <a:rPr/>
-              <a:t>I’m guess that the “quit” statement is important here because of the way you are handling output with the ods statement.</a:t>
+              <a:t>The bootstrap curves show a few with an increase in risk at younger ages, but more showing a flat curve (same level of risk) and a few showing a further decrease in risk. So there is little evidence that risk increases for patients under 30.</a:t>
+            </a:r>
+          </a:p>
+          <a:p>
+            <a:pPr lvl="0" indent="0" marL="0">
+              <a:buNone/>
+            </a:pPr>
+          </a:p>
+          <a:p>
+            <a:pPr lvl="0" indent="0" marL="0">
+              <a:buNone/>
+            </a:pPr>
+            <a:r>
+              <a:rPr/>
+              <a:t>In contrast, every single bootstrap sample shows an increase in risk after 45 years of age. That trend is well supported by the data.</a:t>
             </a:r>
           </a:p>
         </p:txBody>
@@ -4079,7 +4067,7 @@
           <a:p>
             <a:fld id="{18BDFEC3-8487-43E8-A154-7C12CBC1FFF2}" type="slidenum">
               <a:rPr lang="en-US"/>
-              <a:t>45</a:t>
+              <a:t>41</a:t>
             </a:fld>
             <a:endParaRPr lang="en-US"/>
           </a:p>
@@ -4235,7 +4223,21 @@
             </a:pPr>
             <a:r>
               <a:rPr/>
-              <a:t>The data step here creates a dataset with the sole purpose of moving the r-squared value to a macro variable. The key function here is symput and if you are not familiar with it, check out the SAS documentation.</a:t>
+              <a:t>This figure is from a Scientific American article on the bootstrap.</a:t>
+            </a:r>
+          </a:p>
+          <a:p>
+            <a:pPr lvl="0" indent="0" marL="0">
+              <a:buNone/>
+            </a:pPr>
+          </a:p>
+          <a:p>
+            <a:pPr lvl="0" indent="0" marL="0">
+              <a:buNone/>
+            </a:pPr>
+            <a:r>
+              <a:rPr/>
+              <a:t>It shows countour curves fir to the map of the eastern United States. The upper left panel uses contours from the original data and the remaining panels represent contours drawn from bootstrap samples. It’s a bit hard to read at this resolution, but it looks like the contours are reasonably stable.</a:t>
             </a:r>
           </a:p>
         </p:txBody>
@@ -4257,7 +4259,7 @@
           <a:p>
             <a:fld id="{18BDFEC3-8487-43E8-A154-7C12CBC1FFF2}" type="slidenum">
               <a:rPr lang="en-US"/>
-              <a:t>46</a:t>
+              <a:t>42</a:t>
             </a:fld>
             <a:endParaRPr lang="en-US"/>
           </a:p>
@@ -4317,7 +4319,21 @@
             </a:pPr>
             <a:r>
               <a:rPr/>
-              <a:t>Although you could use a loop here, the surveyselect procedure allows you to create 500 bootstrap samples and store them all in a single dataset.</a:t>
+              <a:t>Although there are no formal justifications, there is general consensus in the research community that you would need about 50 to 100 bootstrap samples to estimate bais or compute a standard error. You need an order of magnitude more bootstrap samples (500 to 1,000) if you are computing confidence intervals or hypothesis tests.</a:t>
+            </a:r>
+          </a:p>
+          <a:p>
+            <a:pPr lvl="0" indent="0" marL="0">
+              <a:buNone/>
+            </a:pPr>
+          </a:p>
+          <a:p>
+            <a:pPr lvl="0" indent="0" marL="0">
+              <a:buNone/>
+            </a:pPr>
+            <a:r>
+              <a:rPr/>
+              <a:t>I have not seen any guidance on visualizations, but from a practical perspective you want to avoid so many bootstrap samples that the family of curves looks like a big black splotch. Around 10 to 50 seems to me to be about right.</a:t>
             </a:r>
           </a:p>
         </p:txBody>
@@ -4339,7 +4355,7 @@
           <a:p>
             <a:fld id="{18BDFEC3-8487-43E8-A154-7C12CBC1FFF2}" type="slidenum">
               <a:rPr lang="en-US"/>
-              <a:t>47</a:t>
+              <a:t>43</a:t>
             </a:fld>
             <a:endParaRPr lang="en-US"/>
           </a:p>
@@ -4399,7 +4415,7 @@
             </a:pPr>
             <a:r>
               <a:rPr/>
-              <a:t>Here is part of the output from surveyselect. The original dataset has 200 observations. We are creating 500 replicates using sampling with replacement. That creates a dataset of 100,000 observations.</a:t>
+              <a:t>You just saw the general algorithms for estimating bias, calculating standard errors, computing confidence intervals, testing hypotheses, and evaluating visualizations. Next you will see software applications in SAS, Stata, and R.</a:t>
             </a:r>
           </a:p>
         </p:txBody>
@@ -4421,7 +4437,7 @@
           <a:p>
             <a:fld id="{18BDFEC3-8487-43E8-A154-7C12CBC1FFF2}" type="slidenum">
               <a:rPr lang="en-US"/>
-              <a:t>48</a:t>
+              <a:t>44</a:t>
             </a:fld>
             <a:endParaRPr lang="en-US"/>
           </a:p>
@@ -4481,21 +4497,35 @@
             </a:pPr>
             <a:r>
               <a:rPr/>
-              <a:t>The ods statement on the first line of code on this slide tells SAS to look at the output from the following procedure and store the result in a dataset called t.</a:t>
-            </a:r>
-          </a:p>
-          <a:p>
-            <a:pPr lvl="0" indent="0" marL="0">
-              <a:buNone/>
-            </a:pPr>
-          </a:p>
-          <a:p>
-            <a:pPr lvl="0" indent="0" marL="0">
-              <a:buNone/>
-            </a:pPr>
-            <a:r>
-              <a:rPr/>
-              <a:t>The “by replicate” statement tells SAS to run a separate regression for each bootstrap sample.</a:t>
+              <a:t>If you want to program a bootstrap, you need to have enough familiarity with your statistical software to run a loop and extract specific values from the output. Looping in SAS, Stata, and R can be done explicitly, but often the code is simpler if you take advantage of some implicit looping.</a:t>
+            </a:r>
+          </a:p>
+          <a:p>
+            <a:pPr lvl="0" indent="0" marL="0">
+              <a:buNone/>
+            </a:pPr>
+          </a:p>
+          <a:p>
+            <a:pPr lvl="0" indent="0" marL="0">
+              <a:buNone/>
+            </a:pPr>
+            <a:r>
+              <a:rPr/>
+              <a:t>If the examples that follow seem a bit frightening, you might want to only use bootstraps that are completely automated for you. The advantage of the code shown on the following slides is that it allows you to apply a bootstrap in cases that are a little bit off in left field. In other words, cases that are different enough that no one has taken the trouble to fully automate them.</a:t>
+            </a:r>
+          </a:p>
+          <a:p>
+            <a:pPr lvl="0" indent="0" marL="0">
+              <a:buNone/>
+            </a:pPr>
+          </a:p>
+          <a:p>
+            <a:pPr lvl="0" indent="0" marL="0">
+              <a:buNone/>
+            </a:pPr>
+            <a:r>
+              <a:rPr/>
+              <a:t>I want to show briefly, how to do a simple bootstrap in SAS, Stata, and R. It may be possible to do this in SPSS, but I am not familiar enough with SPSS to outline how the approach might work.</a:t>
             </a:r>
           </a:p>
         </p:txBody>
@@ -4517,7 +4547,7 @@
           <a:p>
             <a:fld id="{18BDFEC3-8487-43E8-A154-7C12CBC1FFF2}" type="slidenum">
               <a:rPr lang="en-US"/>
-              <a:t>49</a:t>
+              <a:t>45</a:t>
             </a:fld>
             <a:endParaRPr lang="en-US"/>
           </a:p>
@@ -4577,7 +4607,35 @@
             </a:pPr>
             <a:r>
               <a:rPr/>
-              <a:t>The output stored in the dataset, however, is a string, and you have to convert it to a numeric value by adding zero. This is a classic SAS hack.</a:t>
+              <a:t>This example is taken from the UCLA Statistical Methods and Data Analytics site. It pops up easily on a simple google search. Try the search terms “ucla,” “bootstrap,” and “sas.”</a:t>
+            </a:r>
+          </a:p>
+          <a:p>
+            <a:pPr lvl="0" indent="0" marL="0">
+              <a:buNone/>
+            </a:pPr>
+          </a:p>
+          <a:p>
+            <a:pPr lvl="0" indent="0" marL="0">
+              <a:buNone/>
+            </a:pPr>
+            <a:r>
+              <a:rPr/>
+              <a:t>The first statement tells SAS that it should take the output from the following procedure, pull out a particular number from the output called “FitStatistics” and store it in a dataset with the name t0.</a:t>
+            </a:r>
+          </a:p>
+          <a:p>
+            <a:pPr lvl="0" indent="0" marL="0">
+              <a:buNone/>
+            </a:pPr>
+          </a:p>
+          <a:p>
+            <a:pPr lvl="0" indent="0" marL="0">
+              <a:buNone/>
+            </a:pPr>
+            <a:r>
+              <a:rPr/>
+              <a:t>I’m guess that the “quit” statement is important here because of the way you are handling output with the ods statement.</a:t>
             </a:r>
           </a:p>
         </p:txBody>
@@ -4599,7 +4657,7 @@
           <a:p>
             <a:fld id="{18BDFEC3-8487-43E8-A154-7C12CBC1FFF2}" type="slidenum">
               <a:rPr lang="en-US"/>
-              <a:t>50</a:t>
+              <a:t>46</a:t>
             </a:fld>
             <a:endParaRPr lang="en-US"/>
           </a:p>
@@ -4659,7 +4717,7 @@
             </a:pPr>
             <a:r>
               <a:rPr/>
-              <a:t>The first three lines are just a fancy way of getting from a 0.05 alpha level to selecting the 2.5 percentile and the 97.5 percentile.</a:t>
+              <a:t>The data step here creates a dataset with the sole purpose of moving the r-squared value from a dataset to a macro variable. The key function here is symput and if you are not familiar with it, check out the SAS documentation.</a:t>
             </a:r>
           </a:p>
         </p:txBody>
@@ -4681,7 +4739,7 @@
           <a:p>
             <a:fld id="{18BDFEC3-8487-43E8-A154-7C12CBC1FFF2}" type="slidenum">
               <a:rPr lang="en-US"/>
-              <a:t>51</a:t>
+              <a:t>47</a:t>
             </a:fld>
             <a:endParaRPr lang="en-US"/>
           </a:p>
@@ -4741,21 +4799,7 @@
             </a:pPr>
             <a:r>
               <a:rPr/>
-              <a:t>proc univariate produces the mean as well as the 2.5 and 97.5 percentiles. The pctlpre and pctlname make the variable names of the output dataset look nice.</a:t>
-            </a:r>
-          </a:p>
-          <a:p>
-            <a:pPr lvl="0" indent="0" marL="0">
-              <a:buNone/>
-            </a:pPr>
-          </a:p>
-          <a:p>
-            <a:pPr lvl="0" indent="0" marL="0">
-              <a:buNone/>
-            </a:pPr>
-            <a:r>
-              <a:rPr/>
-              <a:t>Although the folks at UCLA take great pains to make everything look nice, they should have used a noprint option for proc univariate to keep the output cleaner.</a:t>
+              <a:t>Although you could use a loop here, the surveyselect procedure allows you to create 500 bootstrap samples and store them all in a single dataset.</a:t>
             </a:r>
           </a:p>
         </p:txBody>
@@ -4777,7 +4821,7 @@
           <a:p>
             <a:fld id="{18BDFEC3-8487-43E8-A154-7C12CBC1FFF2}" type="slidenum">
               <a:rPr lang="en-US"/>
-              <a:t>52</a:t>
+              <a:t>48</a:t>
             </a:fld>
             <a:endParaRPr lang="en-US"/>
           </a:p>
@@ -4837,7 +4881,7 @@
             </a:pPr>
             <a:r>
               <a:rPr/>
-              <a:t>That &amp;r2bar is a macro variable of the estimate of R-squared from the original dataset. You subtract it from the mean of the bootstrap samples (r2hat) to get the estimated bias.</a:t>
+              <a:t>Here is part of the output from surveyselect. The original dataset has 200 observations. We are creating 500 replicates using sampling with replacement. That creates a dataset of 100,000 observations.</a:t>
             </a:r>
           </a:p>
         </p:txBody>
@@ -4859,7 +4903,7 @@
           <a:p>
             <a:fld id="{18BDFEC3-8487-43E8-A154-7C12CBC1FFF2}" type="slidenum">
               <a:rPr lang="en-US"/>
-              <a:t>53</a:t>
+              <a:t>49</a:t>
             </a:fld>
             <a:endParaRPr lang="en-US"/>
           </a:p>
@@ -4919,35 +4963,21 @@
             </a:pPr>
             <a:r>
               <a:rPr/>
-              <a:t>After all this careful work, you now have the original estimate of R-squared (52% after rounding), the estimated bias (less than 1%) and the confidence interval (44% to 60%).</a:t>
-            </a:r>
-          </a:p>
-          <a:p>
-            <a:pPr lvl="0" indent="0" marL="0">
-              <a:buNone/>
-            </a:pPr>
-          </a:p>
-          <a:p>
-            <a:pPr lvl="0" indent="0" marL="0">
-              <a:buNone/>
-            </a:pPr>
-            <a:r>
-              <a:rPr/>
-              <a:t>As a quick recap, knowledge of the output delivery system (ods) and macro variables were critical. Thankfully, you did not need a loop here, but familiarity with looping mechanisms in SAS is probably worth knowing for other bootstrap examples.</a:t>
-            </a:r>
-          </a:p>
-          <a:p>
-            <a:pPr lvl="0" indent="0" marL="0">
-              <a:buNone/>
-            </a:pPr>
-          </a:p>
-          <a:p>
-            <a:pPr lvl="0" indent="0" marL="0">
-              <a:buNone/>
-            </a:pPr>
-            <a:r>
-              <a:rPr/>
-              <a:t>If you want to learn more, Rick Wicklin of SAS Institute has a nice series of blog posts. Start with this one.</a:t>
+              <a:t>The ods statement on the first line of code on this slide tells SAS to look at the output from the following procedure and store the result in a dataset called t.</a:t>
+            </a:r>
+          </a:p>
+          <a:p>
+            <a:pPr lvl="0" indent="0" marL="0">
+              <a:buNone/>
+            </a:pPr>
+          </a:p>
+          <a:p>
+            <a:pPr lvl="0" indent="0" marL="0">
+              <a:buNone/>
+            </a:pPr>
+            <a:r>
+              <a:rPr/>
+              <a:t>The “by replicate” statement tells SAS to run a separate regression for each bootstrap sample.</a:t>
             </a:r>
           </a:p>
         </p:txBody>
@@ -4969,7 +4999,7 @@
           <a:p>
             <a:fld id="{18BDFEC3-8487-43E8-A154-7C12CBC1FFF2}" type="slidenum">
               <a:rPr lang="en-US"/>
-              <a:t>54</a:t>
+              <a:t>50</a:t>
             </a:fld>
             <a:endParaRPr lang="en-US"/>
           </a:p>
@@ -5029,21 +5059,7 @@
             </a:pPr>
             <a:r>
               <a:rPr/>
-              <a:t>I am not an expert on Stata, but it was created in 1985 about two decades later than SAS. So it did not have any holdovers from the restricted options available in the age of IBM mainframe computers.</a:t>
-            </a:r>
-          </a:p>
-          <a:p>
-            <a:pPr lvl="0" indent="0" marL="0">
-              <a:buNone/>
-            </a:pPr>
-          </a:p>
-          <a:p>
-            <a:pPr lvl="0" indent="0" marL="0">
-              <a:buNone/>
-            </a:pPr>
-            <a:r>
-              <a:rPr/>
-              <a:t>This example is taken from the UCLA Statistical Methods and Data Analytics site. It pops up easily on a simple google search.</a:t>
+              <a:t>The output stored in the dataset, however, is a string, and you have to convert it to a numeric value by adding zero. This is a classic SAS hack.</a:t>
             </a:r>
           </a:p>
         </p:txBody>
@@ -5065,7 +5081,7 @@
           <a:p>
             <a:fld id="{18BDFEC3-8487-43E8-A154-7C12CBC1FFF2}" type="slidenum">
               <a:rPr lang="en-US"/>
-              <a:t>55</a:t>
+              <a:t>51</a:t>
             </a:fld>
             <a:endParaRPr lang="en-US"/>
           </a:p>
@@ -5207,7 +5223,7 @@
             </a:pPr>
             <a:r>
               <a:rPr/>
-              <a:t>Here is the Stata code to get the estimates from the original data.</a:t>
+              <a:t>The first three lines are just a fancy way of getting from a 0.05 alpha level to selecting the 2.5 percentile and the 97.5 percentile.</a:t>
             </a:r>
           </a:p>
         </p:txBody>
@@ -5229,7 +5245,7 @@
           <a:p>
             <a:fld id="{18BDFEC3-8487-43E8-A154-7C12CBC1FFF2}" type="slidenum">
               <a:rPr lang="en-US"/>
-              <a:t>56</a:t>
+              <a:t>52</a:t>
             </a:fld>
             <a:endParaRPr lang="en-US"/>
           </a:p>
@@ -5289,7 +5305,21 @@
             </a:pPr>
             <a:r>
               <a:rPr/>
-              <a:t>Stata has a bootstrap function built-in. It is both a good thing and a bad thing. It is good in that it simplifies your code. It is bad in that it can only bootstrap on prespecified parts of the output. In fairness, this is also a limitation with the output delivery system in SAS. Both systems are pretty good at letting you pick out the pieces of the output that you are most interested in.</a:t>
+              <a:t>proc univariate produces the mean as well as the 2.5 and 97.5 percentiles. The pctlpre and pctlname make the variable names of the output dataset look nice.</a:t>
+            </a:r>
+          </a:p>
+          <a:p>
+            <a:pPr lvl="0" indent="0" marL="0">
+              <a:buNone/>
+            </a:pPr>
+          </a:p>
+          <a:p>
+            <a:pPr lvl="0" indent="0" marL="0">
+              <a:buNone/>
+            </a:pPr>
+            <a:r>
+              <a:rPr/>
+              <a:t>Although the folks at UCLA take great pains to make everything look nice, they should have used a noprint option for proc univariate to keep the output cleaner.</a:t>
             </a:r>
           </a:p>
         </p:txBody>
@@ -5311,7 +5341,7 @@
           <a:p>
             <a:fld id="{18BDFEC3-8487-43E8-A154-7C12CBC1FFF2}" type="slidenum">
               <a:rPr lang="en-US"/>
-              <a:t>57</a:t>
+              <a:t>53</a:t>
             </a:fld>
             <a:endParaRPr lang="en-US"/>
           </a:p>
@@ -5371,21 +5401,7 @@
             </a:pPr>
             <a:r>
               <a:rPr/>
-              <a:t>Here is the output. By default, it provides a confidence interval based on the bootstrap standard error, but you can get other confidence intervals as well.</a:t>
-            </a:r>
-          </a:p>
-          <a:p>
-            <a:pPr lvl="0" indent="0" marL="0">
-              <a:buNone/>
-            </a:pPr>
-          </a:p>
-          <a:p>
-            <a:pPr lvl="0" indent="0" marL="0">
-              <a:buNone/>
-            </a:pPr>
-            <a:r>
-              <a:rPr/>
-              <a:t>In this example, the original data produced a root mean squared error of 7.2 and the bootstrap 95% confidence interval goes from 6.7 to 7.7.</a:t>
+              <a:t>That &amp;r2bar is a macro variable of the estimate of R-squared from the original dataset. You subtract it from the mean of the bootstrap samples (r2hat) to get the estimated bias.</a:t>
             </a:r>
           </a:p>
         </p:txBody>
@@ -5407,7 +5423,7 @@
           <a:p>
             <a:fld id="{18BDFEC3-8487-43E8-A154-7C12CBC1FFF2}" type="slidenum">
               <a:rPr lang="en-US"/>
-              <a:t>58</a:t>
+              <a:t>54</a:t>
             </a:fld>
             <a:endParaRPr lang="en-US"/>
           </a:p>
@@ -5467,21 +5483,35 @@
             </a:pPr>
             <a:r>
               <a:rPr/>
-              <a:t>R was created in 1999, and relied on a modular approach that makes it ideal for bootstrapping. There is a special library that works for most cases, even some very exotic ones. Looping in R is easy as is extracting specific values.</a:t>
-            </a:r>
-          </a:p>
-          <a:p>
-            <a:pPr lvl="0" indent="0" marL="0">
-              <a:buNone/>
-            </a:pPr>
-          </a:p>
-          <a:p>
-            <a:pPr lvl="0" indent="0" marL="0">
-              <a:buNone/>
-            </a:pPr>
-            <a:r>
-              <a:rPr/>
-              <a:t>Again, I am using an example from the UCLA Statistical Methods and Data Analytics site. It pops up easily on a simple google search.</a:t>
+              <a:t>After all this careful work, you now have the original estimate of R-squared (52% after rounding), the estimated bias (less than 1%) and the confidence interval (44% to 60%).</a:t>
+            </a:r>
+          </a:p>
+          <a:p>
+            <a:pPr lvl="0" indent="0" marL="0">
+              <a:buNone/>
+            </a:pPr>
+          </a:p>
+          <a:p>
+            <a:pPr lvl="0" indent="0" marL="0">
+              <a:buNone/>
+            </a:pPr>
+            <a:r>
+              <a:rPr/>
+              <a:t>As a quick recap, knowledge of the output delivery system (ods) and macro variables were critical. Thankfully, you did not need a loop here, but familiarity with looping mechanisms in SAS is probably worth knowing for other bootstrap examples.</a:t>
+            </a:r>
+          </a:p>
+          <a:p>
+            <a:pPr lvl="0" indent="0" marL="0">
+              <a:buNone/>
+            </a:pPr>
+          </a:p>
+          <a:p>
+            <a:pPr lvl="0" indent="0" marL="0">
+              <a:buNone/>
+            </a:pPr>
+            <a:r>
+              <a:rPr/>
+              <a:t>If you want to learn more, Rick Wicklin of SAS Institute has a nice series of blog posts. Start with this one.</a:t>
             </a:r>
           </a:p>
         </p:txBody>
@@ -5503,7 +5533,7 @@
           <a:p>
             <a:fld id="{18BDFEC3-8487-43E8-A154-7C12CBC1FFF2}" type="slidenum">
               <a:rPr lang="en-US"/>
-              <a:t>59</a:t>
+              <a:t>55</a:t>
             </a:fld>
             <a:endParaRPr lang="en-US"/>
           </a:p>
@@ -5563,63 +5593,21 @@
             </a:pPr>
             <a:r>
               <a:rPr/>
-              <a:t>In more complex settings, you need to consider some modifications to the bootstrap. I have almost no experience in these settings and there is scant guidance in the published literature and on the web.</a:t>
-            </a:r>
-          </a:p>
-          <a:p>
-            <a:pPr lvl="0" indent="0" marL="0">
-              <a:buNone/>
-            </a:pPr>
-          </a:p>
-          <a:p>
-            <a:pPr lvl="0" indent="0" marL="0">
-              <a:buNone/>
-            </a:pPr>
-            <a:r>
-              <a:rPr/>
-              <a:t>If you find yourself in one of these settings, I would encourage you to find a few publications that use the bootstrap in a setting reasonably similar to yours and emulate their approach.</a:t>
-            </a:r>
-          </a:p>
-          <a:p>
-            <a:pPr lvl="0" indent="0" marL="0">
-              <a:buNone/>
-            </a:pPr>
-          </a:p>
-          <a:p>
-            <a:pPr lvl="0" indent="0" marL="0">
-              <a:buNone/>
-            </a:pPr>
-            <a:r>
-              <a:rPr/>
-              <a:t>I call this the “lemming school of research” which is a reference to the warning about peer pressure that almost every parent has nagged their children with (“If all your friends jumped off a cliff, would you jump off the cliff as well?”).</a:t>
-            </a:r>
-          </a:p>
-          <a:p>
-            <a:pPr lvl="0" indent="0" marL="0">
-              <a:buNone/>
-            </a:pPr>
-          </a:p>
-          <a:p>
-            <a:pPr lvl="0" indent="0" marL="0">
-              <a:buNone/>
-            </a:pPr>
-            <a:r>
-              <a:rPr/>
-              <a:t>It actually is not as bad as I make it sound. If a certain methodology has survived the peer reviewe process, that gives you a bit more confidence that you can survive the peer review process as well if you emulate their approach. There are no guarantees, of course, but this is perhaps an illustration of a more positive message: “there is safety in numbers.”</a:t>
-            </a:r>
-          </a:p>
-          <a:p>
-            <a:pPr lvl="0" indent="0" marL="0">
-              <a:buNone/>
-            </a:pPr>
-          </a:p>
-          <a:p>
-            <a:pPr lvl="0" indent="0" marL="0">
-              <a:buNone/>
-            </a:pPr>
-            <a:r>
-              <a:rPr/>
-              <a:t>The three settings I want to discuss are multiple groups, time series, and regression models.</a:t>
+              <a:t>I am not an expert on Stata, but it was created in 1985 about two decades later than SAS. So it did not have any holdovers from the restricted options available in the age of IBM mainframe computers.</a:t>
+            </a:r>
+          </a:p>
+          <a:p>
+            <a:pPr lvl="0" indent="0" marL="0">
+              <a:buNone/>
+            </a:pPr>
+          </a:p>
+          <a:p>
+            <a:pPr lvl="0" indent="0" marL="0">
+              <a:buNone/>
+            </a:pPr>
+            <a:r>
+              <a:rPr/>
+              <a:t>This example is taken from the UCLA Statistical Methods and Data Analytics site. It pops up easily on a simple google search. Try using the search terms “ucla,” “bootstrap,” and “stata.”</a:t>
             </a:r>
           </a:p>
         </p:txBody>
@@ -5641,7 +5629,7 @@
           <a:p>
             <a:fld id="{18BDFEC3-8487-43E8-A154-7C12CBC1FFF2}" type="slidenum">
               <a:rPr lang="en-US"/>
-              <a:t>64</a:t>
+              <a:t>56</a:t>
             </a:fld>
             <a:endParaRPr lang="en-US"/>
           </a:p>
@@ -5701,77 +5689,7 @@
             </a:pPr>
             <a:r>
               <a:rPr/>
-              <a:t>Suppose you have two or more groups and want to estimate a statistic across all of the groups. For example, you have a treatment and a control group and you want to estimate the difference in medians between the two groups.</a:t>
-            </a:r>
-          </a:p>
-          <a:p>
-            <a:pPr lvl="0" indent="0" marL="0">
-              <a:buNone/>
-            </a:pPr>
-          </a:p>
-          <a:p>
-            <a:pPr lvl="0" indent="0" marL="0">
-              <a:buNone/>
-            </a:pPr>
-            <a:r>
-              <a:rPr/>
-              <a:t>You have two options. The first is to apply a simple bootstrap. This allows the relative sizes in the groups to vary. If one of the groups has a small relative sample size, then you run a slight risk having zero observations in that group for one or more of your bootstrap samples.</a:t>
-            </a:r>
-          </a:p>
-          <a:p>
-            <a:pPr lvl="0" indent="0" marL="0">
-              <a:buNone/>
-            </a:pPr>
-          </a:p>
-          <a:p>
-            <a:pPr lvl="0" indent="0" marL="0">
-              <a:buNone/>
-            </a:pPr>
-            <a:r>
-              <a:rPr/>
-              <a:t>If the group sizes are all reasonably large, this is not a serious problem.</a:t>
-            </a:r>
-          </a:p>
-          <a:p>
-            <a:pPr lvl="0" indent="0" marL="0">
-              <a:buNone/>
-            </a:pPr>
-          </a:p>
-          <a:p>
-            <a:pPr lvl="0" indent="0" marL="0">
-              <a:buNone/>
-            </a:pPr>
-            <a:r>
-              <a:rPr/>
-              <a:t>An alternative is to use a stratified bootstrap sample. It’s easy enough to envision with two groups. Let’s say that the two groups have sample sizes n1 and n2. Sample n1 observation with replacement from the first group, sample with n2 observations with replacement from the second group and then combine.</a:t>
-            </a:r>
-          </a:p>
-          <a:p>
-            <a:pPr lvl="0" indent="0" marL="0">
-              <a:buNone/>
-            </a:pPr>
-          </a:p>
-          <a:p>
-            <a:pPr lvl="0" indent="0" marL="0">
-              <a:buNone/>
-            </a:pPr>
-            <a:r>
-              <a:rPr/>
-              <a:t>The stratified bootstrap answers a different question than the simple bootstrap. The simple bootstrap calculates uncertainty in a setting where you are collecting a single sample and that sample has a random number of subjects in each group. The stratified bootstrap calculates uncertainty where you are collecting samples from multiple groups, each with a fixed quota.</a:t>
-            </a:r>
-          </a:p>
-          <a:p>
-            <a:pPr lvl="0" indent="0" marL="0">
-              <a:buNone/>
-            </a:pPr>
-          </a:p>
-          <a:p>
-            <a:pPr lvl="0" indent="0" marL="0">
-              <a:buNone/>
-            </a:pPr>
-            <a:r>
-              <a:rPr/>
-              <a:t>Is this a huge difference? I’m not sure, but my guess is that it is not all that important except when one or more of the group sizes is small. By small, I mean 10 or less. I should note, however, that I have not seen an “official” guidance on this question.</a:t>
+              <a:t>Here is the Stata code to get the estimates from the original data.</a:t>
             </a:r>
           </a:p>
         </p:txBody>
@@ -5793,7 +5711,7 @@
           <a:p>
             <a:fld id="{18BDFEC3-8487-43E8-A154-7C12CBC1FFF2}" type="slidenum">
               <a:rPr lang="en-US"/>
-              <a:t>65</a:t>
+              <a:t>57</a:t>
             </a:fld>
             <a:endParaRPr lang="en-US"/>
           </a:p>
@@ -5853,63 +5771,7 @@
             </a:pPr>
             <a:r>
               <a:rPr/>
-              <a:t>There are special features of time series data that make them difficult to use with a simple bootstrap. The first and most obvious feature is that most time series have a nice neatly ordered pattern or even spacing over time. A bootstrap sample is going to have gaps in some places and multiple observations at the same time point.</a:t>
-            </a:r>
-          </a:p>
-          <a:p>
-            <a:pPr lvl="0" indent="0" marL="0">
-              <a:buNone/>
-            </a:pPr>
-          </a:p>
-          <a:p>
-            <a:pPr lvl="0" indent="0" marL="0">
-              <a:buNone/>
-            </a:pPr>
-            <a:r>
-              <a:rPr/>
-              <a:t>Most time series also exhibit serial correlation, seasonality, and/or temporal trends. These features are either seriously distorted or totally destroyed in a bootstrap sample.</a:t>
-            </a:r>
-          </a:p>
-          <a:p>
-            <a:pPr lvl="0" indent="0" marL="0">
-              <a:buNone/>
-            </a:pPr>
-          </a:p>
-          <a:p>
-            <a:pPr lvl="0" indent="0" marL="0">
-              <a:buNone/>
-            </a:pPr>
-            <a:r>
-              <a:rPr/>
-              <a:t>There are several possible solutions. One is to bootstrap consecutive blocks of observations. This preserves time series features within a block and appears to perform reasonably well.</a:t>
-            </a:r>
-          </a:p>
-          <a:p>
-            <a:pPr lvl="0" indent="0" marL="0">
-              <a:buNone/>
-            </a:pPr>
-          </a:p>
-          <a:p>
-            <a:pPr lvl="0" indent="0" marL="0">
-              <a:buNone/>
-            </a:pPr>
-            <a:r>
-              <a:rPr/>
-              <a:t>A second option is to remove any trend and decompose the time series into independent components, take a bootstrap sample of the independent components, and then recompose a new series from the bootstrap sample.</a:t>
-            </a:r>
-          </a:p>
-          <a:p>
-            <a:pPr lvl="0" indent="0" marL="0">
-              <a:buNone/>
-            </a:pPr>
-          </a:p>
-          <a:p>
-            <a:pPr lvl="0" indent="0" marL="0">
-              <a:buNone/>
-            </a:pPr>
-            <a:r>
-              <a:rPr/>
-              <a:t>The approach you take largely depends on the context of your problem and what statistic you are trying to characterize. For example, if you detrend the data and remove seasonality, then any bootstrapped estimate from the reconstructed time series will be fine if it is modeling a feature of the data other than the trend or seasonality.</a:t>
+              <a:t>Stata has a bootstrap function built-in. It is both a good thing and a bad thing. It is good in that it simplifies your code. It is bad in that it can only bootstrap on prespecified parts of the output. In fairness, this is also a limitation with the output delivery system in SAS. Both systems are pretty good at letting you pick out the pieces of the output that you are most interested in.</a:t>
             </a:r>
           </a:p>
         </p:txBody>
@@ -5931,7 +5793,7 @@
           <a:p>
             <a:fld id="{18BDFEC3-8487-43E8-A154-7C12CBC1FFF2}" type="slidenum">
               <a:rPr lang="en-US"/>
-              <a:t>66</a:t>
+              <a:t>58</a:t>
             </a:fld>
             <a:endParaRPr lang="en-US"/>
           </a:p>
@@ -5991,49 +5853,21 @@
             </a:pPr>
             <a:r>
               <a:rPr/>
-              <a:t>The regression model has some of the same issues as the setting with multiple groups described earlier. If some of the independent variables are very strongly correlated, you might end up with a setting where the correlation is exactly 1 for one or more of the bootstrap samples. This is not a serious issue unless you have both a strong correlation and a small sample size.</a:t>
-            </a:r>
-          </a:p>
-          <a:p>
-            <a:pPr lvl="0" indent="0" marL="0">
-              <a:buNone/>
-            </a:pPr>
-          </a:p>
-          <a:p>
-            <a:pPr lvl="0" indent="0" marL="0">
-              <a:buNone/>
-            </a:pPr>
-            <a:r>
-              <a:rPr/>
-              <a:t>But another consideration is that the bootstrap sample treats the independent variables as if they are selected randomly along with the dependent variable. This may be the case, but there are some datasets where the X values are fixed in advance and the dependent variable is the only thing being sampled.</a:t>
-            </a:r>
-          </a:p>
-          <a:p>
-            <a:pPr lvl="0" indent="0" marL="0">
-              <a:buNone/>
-            </a:pPr>
-          </a:p>
-          <a:p>
-            <a:pPr lvl="0" indent="0" marL="0">
-              <a:buNone/>
-            </a:pPr>
-            <a:r>
-              <a:rPr/>
-              <a:t>One possible solution is to compute the residuals and reconstruct a new dependent variable from the bootstrapped residuals.</a:t>
-            </a:r>
-          </a:p>
-          <a:p>
-            <a:pPr lvl="0" indent="0" marL="0">
-              <a:buNone/>
-            </a:pPr>
-          </a:p>
-          <a:p>
-            <a:pPr lvl="0" indent="0" marL="0">
-              <a:buNone/>
-            </a:pPr>
-            <a:r>
-              <a:rPr/>
-              <a:t>Context is important here. If you bootstrap the residuals, you can’t use the reconstructed dependent variable as an estimate of the regression slopes themselves. You could use them to reconstruct a statistic that is independent of those slopes.</a:t>
+              <a:t>Here is the output. By default, it provides a confidence interval based on the bootstrap standard error, but you can get other confidence intervals as well.</a:t>
+            </a:r>
+          </a:p>
+          <a:p>
+            <a:pPr lvl="0" indent="0" marL="0">
+              <a:buNone/>
+            </a:pPr>
+          </a:p>
+          <a:p>
+            <a:pPr lvl="0" indent="0" marL="0">
+              <a:buNone/>
+            </a:pPr>
+            <a:r>
+              <a:rPr/>
+              <a:t>In this example, the original data produced a root mean squared error of 7.2 and the bootstrap 95% confidence interval goes from 6.7 to 7.7.</a:t>
             </a:r>
           </a:p>
         </p:txBody>
@@ -6055,7 +5889,7 @@
           <a:p>
             <a:fld id="{18BDFEC3-8487-43E8-A154-7C12CBC1FFF2}" type="slidenum">
               <a:rPr lang="en-US"/>
-              <a:t>67</a:t>
+              <a:t>59</a:t>
             </a:fld>
             <a:endParaRPr lang="en-US"/>
           </a:p>
@@ -6115,21 +5949,35 @@
             </a:pPr>
             <a:r>
               <a:rPr/>
-              <a:t>The bootstrap performs well in settings where you do not have any theoretical results to guide your work. It also works well when the normal approximations that you rely on are questionable, either because the sample size is small or because the underlying distribution of the data is troublesome. By troublesome, I mean extreme skew or high probability of producing outliers. Both will tend to slow down the asymptotic approximation to normality.</a:t>
-            </a:r>
-          </a:p>
-          <a:p>
-            <a:pPr lvl="0" indent="0" marL="0">
-              <a:buNone/>
-            </a:pPr>
-          </a:p>
-          <a:p>
-            <a:pPr lvl="0" indent="0" marL="0">
-              <a:buNone/>
-            </a:pPr>
-            <a:r>
-              <a:rPr/>
-              <a:t>Keep in mind, though, that the bootstrap can’t compensate for a limited sample size. The confidence intervals may be valid, but often they will be so wide as to be meaningless. There’s a saying that you can’t squeeze blood from a turnip. That’s an attempt to explain that you can’t get something from nothing.</a:t>
+              <a:t>R was created in 1999, and relied on a modular approach that makes it ideal for bootstrapping. There is a special library that works for most cases, even some very exotic ones. Looping in R is easy as is extracting specific values.</a:t>
+            </a:r>
+          </a:p>
+          <a:p>
+            <a:pPr lvl="0" indent="0" marL="0">
+              <a:buNone/>
+            </a:pPr>
+          </a:p>
+          <a:p>
+            <a:pPr lvl="0" indent="0" marL="0">
+              <a:buNone/>
+            </a:pPr>
+            <a:r>
+              <a:rPr/>
+              <a:t>Again, I am using an example from the UCLA Statistical Methods and Data Analytics site. It pops up easily on a simple google search. Try using the search terms “ucla,” “bootstrap,” and “r”.</a:t>
+            </a:r>
+          </a:p>
+          <a:p>
+            <a:pPr lvl="0" indent="0" marL="0">
+              <a:buNone/>
+            </a:pPr>
+          </a:p>
+          <a:p>
+            <a:pPr lvl="0" indent="0" marL="0">
+              <a:buNone/>
+            </a:pPr>
+            <a:r>
+              <a:rPr/>
+              <a:t>By the way, one disadvantage of the R programming language is that a google search just using the term “r” is going to bring up a bunch of things related to the letter “r” other than just the R programming language. You don’t have as much trouble with SAS, although you might be routed to the Scandinavian Airlines website. Stockholm, anyone?</a:t>
             </a:r>
           </a:p>
         </p:txBody>
@@ -6151,7 +5999,7 @@
           <a:p>
             <a:fld id="{18BDFEC3-8487-43E8-A154-7C12CBC1FFF2}" type="slidenum">
               <a:rPr lang="en-US"/>
-              <a:t>69</a:t>
+              <a:t>60</a:t>
             </a:fld>
             <a:endParaRPr lang="en-US"/>
           </a:p>
@@ -6211,21 +6059,7 @@
             </a:pPr>
             <a:r>
               <a:rPr/>
-              <a:t>So we’ve covered the history of the bootstrap, illustrated some algorithms, showed how to compute a bootstrap in SAS, Stata, and R, and discussed some special issues where you might want to modify the bootstrap approach.</a:t>
-            </a:r>
-          </a:p>
-          <a:p>
-            <a:pPr lvl="0" indent="0" marL="0">
-              <a:buNone/>
-            </a:pPr>
-          </a:p>
-          <a:p>
-            <a:pPr lvl="0" indent="0" marL="0">
-              <a:buNone/>
-            </a:pPr>
-            <a:r>
-              <a:rPr/>
-              <a:t>I’d be glad to take any questions you might have.</a:t>
+              <a:t>You can read the data directly from the web.</a:t>
             </a:r>
           </a:p>
         </p:txBody>
@@ -6247,7 +6081,7 @@
           <a:p>
             <a:fld id="{18BDFEC3-8487-43E8-A154-7C12CBC1FFF2}" type="slidenum">
               <a:rPr lang="en-US"/>
-              <a:t>70</a:t>
+              <a:t>61</a:t>
             </a:fld>
             <a:endParaRPr lang="en-US"/>
           </a:p>
@@ -6438,6 +6272,1120 @@
 </p:notes>
 </file>
 
+<file path=ppt/notesSlides/notesSlide60.xml><?xml version="1.0" encoding="utf-8"?>
+<p:notes xmlns:a="http://schemas.openxmlformats.org/drawingml/2006/main" xmlns:r="http://schemas.openxmlformats.org/officeDocument/2006/relationships" xmlns:p="http://schemas.openxmlformats.org/presentationml/2006/main">
+  <p:cSld>
+    <p:spTree>
+      <p:nvGrpSpPr>
+        <p:cNvPr id="1" name=""/>
+        <p:cNvGrpSpPr/>
+        <p:nvPr/>
+      </p:nvGrpSpPr>
+      <p:grpSpPr>
+        <a:xfrm>
+          <a:off x="0" y="0"/>
+          <a:ext cx="0" cy="0"/>
+          <a:chOff x="0" y="0"/>
+          <a:chExt cx="0" cy="0"/>
+        </a:xfrm>
+      </p:grpSpPr>
+      <p:sp>
+        <p:nvSpPr>
+          <p:cNvPr id="2" name="Slide Image Placeholder 1"/>
+          <p:cNvSpPr>
+            <a:spLocks noGrp="1" noRot="1" noChangeAspect="1"/>
+          </p:cNvSpPr>
+          <p:nvPr>
+            <p:ph type="sldImg"/>
+          </p:nvPr>
+        </p:nvSpPr>
+        <p:spPr/>
+      </p:sp>
+      <p:sp>
+        <p:nvSpPr>
+          <p:cNvPr id="3" name="Notes Placeholder 2"/>
+          <p:cNvSpPr>
+            <a:spLocks noGrp="1"/>
+          </p:cNvSpPr>
+          <p:nvPr>
+            <p:ph type="body" idx="1"/>
+          </p:nvPr>
+        </p:nvSpPr>
+        <p:spPr/>
+        <p:txBody>
+          <a:bodyPr/>
+          <a:lstStyle/>
+          <a:p>
+            <a:pPr lvl="0" indent="0" marL="0">
+              <a:buNone/>
+            </a:pPr>
+            <a:r>
+              <a:rPr/>
+              <a:t>Define a function that takes your dataset and returns a single number. In this example, the single number is the correlation between two measures of knowledge. Plug this function into the boot function. This will prepare R=500 bootstrap samples and apply them to the function you just defined.</a:t>
+            </a:r>
+          </a:p>
+          <a:p>
+            <a:pPr lvl="0" indent="0" marL="0">
+              <a:buNone/>
+            </a:pPr>
+          </a:p>
+          <a:p>
+            <a:pPr lvl="0" indent="0" marL="0">
+              <a:buNone/>
+            </a:pPr>
+            <a:r>
+              <a:rPr/>
+              <a:t>By the way, I get a lot of questions: should I learn R or Python or SAS or Stata or something else. There’s very little reason to prefer one over the other, but here’s a small thing. In R, you can use a function like “boot” and have it evaluate another function like “hsb2.” This seamless integration of functions within functions provides a powerful yet easy to use approach for handling complex settings.</a:t>
+            </a:r>
+          </a:p>
+        </p:txBody>
+      </p:sp>
+      <p:sp>
+        <p:nvSpPr>
+          <p:cNvPr id="4" name="Slide Number Placeholder 3"/>
+          <p:cNvSpPr>
+            <a:spLocks noGrp="1"/>
+          </p:cNvSpPr>
+          <p:nvPr>
+            <p:ph type="sldNum" sz="quarter" idx="10"/>
+          </p:nvPr>
+        </p:nvSpPr>
+        <p:spPr/>
+        <p:txBody>
+          <a:bodyPr/>
+          <a:lstStyle/>
+          <a:p>
+            <a:fld id="{18BDFEC3-8487-43E8-A154-7C12CBC1FFF2}" type="slidenum">
+              <a:rPr lang="en-US"/>
+              <a:t>62</a:t>
+            </a:fld>
+            <a:endParaRPr lang="en-US"/>
+          </a:p>
+        </p:txBody>
+      </p:sp>
+    </p:spTree>
+  </p:cSld>
+</p:notes>
+</file>
+
+<file path=ppt/notesSlides/notesSlide61.xml><?xml version="1.0" encoding="utf-8"?>
+<p:notes xmlns:a="http://schemas.openxmlformats.org/drawingml/2006/main" xmlns:r="http://schemas.openxmlformats.org/officeDocument/2006/relationships" xmlns:p="http://schemas.openxmlformats.org/presentationml/2006/main">
+  <p:cSld>
+    <p:spTree>
+      <p:nvGrpSpPr>
+        <p:cNvPr id="1" name=""/>
+        <p:cNvGrpSpPr/>
+        <p:nvPr/>
+      </p:nvGrpSpPr>
+      <p:grpSpPr>
+        <a:xfrm>
+          <a:off x="0" y="0"/>
+          <a:ext cx="0" cy="0"/>
+          <a:chOff x="0" y="0"/>
+          <a:chExt cx="0" cy="0"/>
+        </a:xfrm>
+      </p:grpSpPr>
+      <p:sp>
+        <p:nvSpPr>
+          <p:cNvPr id="2" name="Slide Image Placeholder 1"/>
+          <p:cNvSpPr>
+            <a:spLocks noGrp="1" noRot="1" noChangeAspect="1"/>
+          </p:cNvSpPr>
+          <p:nvPr>
+            <p:ph type="sldImg"/>
+          </p:nvPr>
+        </p:nvSpPr>
+        <p:spPr/>
+      </p:sp>
+      <p:sp>
+        <p:nvSpPr>
+          <p:cNvPr id="3" name="Notes Placeholder 2"/>
+          <p:cNvSpPr>
+            <a:spLocks noGrp="1"/>
+          </p:cNvSpPr>
+          <p:nvPr>
+            <p:ph type="body" idx="1"/>
+          </p:nvPr>
+        </p:nvSpPr>
+        <p:spPr/>
+        <p:txBody>
+          <a:bodyPr/>
+          <a:lstStyle/>
+          <a:p>
+            <a:pPr lvl="0" indent="0" marL="0">
+              <a:buNone/>
+            </a:pPr>
+            <a:r>
+              <a:rPr/>
+              <a:t>Here are the results. The correlation from the orginal data is 0.62 (I’m rounding here). There is almost no bias and the standard error demonstrates that there is very little sampling error.</a:t>
+            </a:r>
+          </a:p>
+          <a:p>
+            <a:pPr lvl="0" indent="0" marL="0">
+              <a:buNone/>
+            </a:pPr>
+          </a:p>
+          <a:p>
+            <a:pPr lvl="0" indent="0" marL="0">
+              <a:buNone/>
+            </a:pPr>
+            <a:r>
+              <a:rPr/>
+              <a:t>You can get confidence intervals and hypothesis tests fairly easily as well. Go the the UCLA site for details.</a:t>
+            </a:r>
+          </a:p>
+        </p:txBody>
+      </p:sp>
+      <p:sp>
+        <p:nvSpPr>
+          <p:cNvPr id="4" name="Slide Number Placeholder 3"/>
+          <p:cNvSpPr>
+            <a:spLocks noGrp="1"/>
+          </p:cNvSpPr>
+          <p:nvPr>
+            <p:ph type="sldNum" sz="quarter" idx="10"/>
+          </p:nvPr>
+        </p:nvSpPr>
+        <p:spPr/>
+        <p:txBody>
+          <a:bodyPr/>
+          <a:lstStyle/>
+          <a:p>
+            <a:fld id="{18BDFEC3-8487-43E8-A154-7C12CBC1FFF2}" type="slidenum">
+              <a:rPr lang="en-US"/>
+              <a:t>63</a:t>
+            </a:fld>
+            <a:endParaRPr lang="en-US"/>
+          </a:p>
+        </p:txBody>
+      </p:sp>
+    </p:spTree>
+  </p:cSld>
+</p:notes>
+</file>
+
+<file path=ppt/notesSlides/notesSlide62.xml><?xml version="1.0" encoding="utf-8"?>
+<p:notes xmlns:a="http://schemas.openxmlformats.org/drawingml/2006/main" xmlns:r="http://schemas.openxmlformats.org/officeDocument/2006/relationships" xmlns:p="http://schemas.openxmlformats.org/presentationml/2006/main">
+  <p:cSld>
+    <p:spTree>
+      <p:nvGrpSpPr>
+        <p:cNvPr id="1" name=""/>
+        <p:cNvGrpSpPr/>
+        <p:nvPr/>
+      </p:nvGrpSpPr>
+      <p:grpSpPr>
+        <a:xfrm>
+          <a:off x="0" y="0"/>
+          <a:ext cx="0" cy="0"/>
+          <a:chOff x="0" y="0"/>
+          <a:chExt cx="0" cy="0"/>
+        </a:xfrm>
+      </p:grpSpPr>
+      <p:sp>
+        <p:nvSpPr>
+          <p:cNvPr id="2" name="Slide Image Placeholder 1"/>
+          <p:cNvSpPr>
+            <a:spLocks noGrp="1" noRot="1" noChangeAspect="1"/>
+          </p:cNvSpPr>
+          <p:nvPr>
+            <p:ph type="sldImg"/>
+          </p:nvPr>
+        </p:nvSpPr>
+        <p:spPr/>
+      </p:sp>
+      <p:sp>
+        <p:nvSpPr>
+          <p:cNvPr id="3" name="Notes Placeholder 2"/>
+          <p:cNvSpPr>
+            <a:spLocks noGrp="1"/>
+          </p:cNvSpPr>
+          <p:nvPr>
+            <p:ph type="body" idx="1"/>
+          </p:nvPr>
+        </p:nvSpPr>
+        <p:spPr/>
+        <p:txBody>
+          <a:bodyPr/>
+          <a:lstStyle/>
+          <a:p>
+            <a:pPr lvl="0" indent="0" marL="0">
+              <a:buNone/>
+            </a:pPr>
+            <a:r>
+              <a:rPr/>
+              <a:t>So you’ve seen how to apply the bootstrap in SAS, Stata, and R. Next, I want to discuss special settings where you might want to modify the bootstrap approach.</a:t>
+            </a:r>
+          </a:p>
+        </p:txBody>
+      </p:sp>
+      <p:sp>
+        <p:nvSpPr>
+          <p:cNvPr id="4" name="Slide Number Placeholder 3"/>
+          <p:cNvSpPr>
+            <a:spLocks noGrp="1"/>
+          </p:cNvSpPr>
+          <p:nvPr>
+            <p:ph type="sldNum" sz="quarter" idx="10"/>
+          </p:nvPr>
+        </p:nvSpPr>
+        <p:spPr/>
+        <p:txBody>
+          <a:bodyPr/>
+          <a:lstStyle/>
+          <a:p>
+            <a:fld id="{18BDFEC3-8487-43E8-A154-7C12CBC1FFF2}" type="slidenum">
+              <a:rPr lang="en-US"/>
+              <a:t>64</a:t>
+            </a:fld>
+            <a:endParaRPr lang="en-US"/>
+          </a:p>
+        </p:txBody>
+      </p:sp>
+    </p:spTree>
+  </p:cSld>
+</p:notes>
+</file>
+
+<file path=ppt/notesSlides/notesSlide63.xml><?xml version="1.0" encoding="utf-8"?>
+<p:notes xmlns:a="http://schemas.openxmlformats.org/drawingml/2006/main" xmlns:r="http://schemas.openxmlformats.org/officeDocument/2006/relationships" xmlns:p="http://schemas.openxmlformats.org/presentationml/2006/main">
+  <p:cSld>
+    <p:spTree>
+      <p:nvGrpSpPr>
+        <p:cNvPr id="1" name=""/>
+        <p:cNvGrpSpPr/>
+        <p:nvPr/>
+      </p:nvGrpSpPr>
+      <p:grpSpPr>
+        <a:xfrm>
+          <a:off x="0" y="0"/>
+          <a:ext cx="0" cy="0"/>
+          <a:chOff x="0" y="0"/>
+          <a:chExt cx="0" cy="0"/>
+        </a:xfrm>
+      </p:grpSpPr>
+      <p:sp>
+        <p:nvSpPr>
+          <p:cNvPr id="2" name="Slide Image Placeholder 1"/>
+          <p:cNvSpPr>
+            <a:spLocks noGrp="1" noRot="1" noChangeAspect="1"/>
+          </p:cNvSpPr>
+          <p:nvPr>
+            <p:ph type="sldImg"/>
+          </p:nvPr>
+        </p:nvSpPr>
+        <p:spPr/>
+      </p:sp>
+      <p:sp>
+        <p:nvSpPr>
+          <p:cNvPr id="3" name="Notes Placeholder 2"/>
+          <p:cNvSpPr>
+            <a:spLocks noGrp="1"/>
+          </p:cNvSpPr>
+          <p:nvPr>
+            <p:ph type="body" idx="1"/>
+          </p:nvPr>
+        </p:nvSpPr>
+        <p:spPr/>
+        <p:txBody>
+          <a:bodyPr/>
+          <a:lstStyle/>
+          <a:p>
+            <a:pPr lvl="0" indent="0" marL="0">
+              <a:buNone/>
+            </a:pPr>
+            <a:r>
+              <a:rPr/>
+              <a:t>In more complex settings, you need to consider some modifications to the bootstrap. I have almost no experience in these settings and there is scant guidance in the published literature and on the web.</a:t>
+            </a:r>
+          </a:p>
+          <a:p>
+            <a:pPr lvl="0" indent="0" marL="0">
+              <a:buNone/>
+            </a:pPr>
+          </a:p>
+          <a:p>
+            <a:pPr lvl="0" indent="0" marL="0">
+              <a:buNone/>
+            </a:pPr>
+            <a:r>
+              <a:rPr/>
+              <a:t>If you find yourself in one of these settings, I would encourage you to find a few publications that use the bootstrap in a setting reasonably similar to yours and emulate their approach.</a:t>
+            </a:r>
+          </a:p>
+          <a:p>
+            <a:pPr lvl="0" indent="0" marL="0">
+              <a:buNone/>
+            </a:pPr>
+          </a:p>
+          <a:p>
+            <a:pPr lvl="0" indent="0" marL="0">
+              <a:buNone/>
+            </a:pPr>
+            <a:r>
+              <a:rPr/>
+              <a:t>I call this the “lemming school of research” which is a reference to the warning about peer pressure that almost every parent has nagged their children with (“If all your friends jumped off a cliff, would you jump off the cliff as well?”).</a:t>
+            </a:r>
+          </a:p>
+          <a:p>
+            <a:pPr lvl="0" indent="0" marL="0">
+              <a:buNone/>
+            </a:pPr>
+          </a:p>
+          <a:p>
+            <a:pPr lvl="0" indent="0" marL="0">
+              <a:buNone/>
+            </a:pPr>
+            <a:r>
+              <a:rPr/>
+              <a:t>It actually is not as bad as I make it sound. If a certain methodology has survived the peer reviewe process, that gives you a bit more confidence that you can survive the peer review process as well if you emulate their approach. There are no guarantees, of course, but this is perhaps an illustration of a more positive message: “there is safety in numbers.”</a:t>
+            </a:r>
+          </a:p>
+          <a:p>
+            <a:pPr lvl="0" indent="0" marL="0">
+              <a:buNone/>
+            </a:pPr>
+          </a:p>
+          <a:p>
+            <a:pPr lvl="0" indent="0" marL="0">
+              <a:buNone/>
+            </a:pPr>
+            <a:r>
+              <a:rPr/>
+              <a:t>The three settings I want to discuss are multiple groups, time series, and regression models.</a:t>
+            </a:r>
+          </a:p>
+        </p:txBody>
+      </p:sp>
+      <p:sp>
+        <p:nvSpPr>
+          <p:cNvPr id="4" name="Slide Number Placeholder 3"/>
+          <p:cNvSpPr>
+            <a:spLocks noGrp="1"/>
+          </p:cNvSpPr>
+          <p:nvPr>
+            <p:ph type="sldNum" sz="quarter" idx="10"/>
+          </p:nvPr>
+        </p:nvSpPr>
+        <p:spPr/>
+        <p:txBody>
+          <a:bodyPr/>
+          <a:lstStyle/>
+          <a:p>
+            <a:fld id="{18BDFEC3-8487-43E8-A154-7C12CBC1FFF2}" type="slidenum">
+              <a:rPr lang="en-US"/>
+              <a:t>65</a:t>
+            </a:fld>
+            <a:endParaRPr lang="en-US"/>
+          </a:p>
+        </p:txBody>
+      </p:sp>
+    </p:spTree>
+  </p:cSld>
+</p:notes>
+</file>
+
+<file path=ppt/notesSlides/notesSlide64.xml><?xml version="1.0" encoding="utf-8"?>
+<p:notes xmlns:a="http://schemas.openxmlformats.org/drawingml/2006/main" xmlns:r="http://schemas.openxmlformats.org/officeDocument/2006/relationships" xmlns:p="http://schemas.openxmlformats.org/presentationml/2006/main">
+  <p:cSld>
+    <p:spTree>
+      <p:nvGrpSpPr>
+        <p:cNvPr id="1" name=""/>
+        <p:cNvGrpSpPr/>
+        <p:nvPr/>
+      </p:nvGrpSpPr>
+      <p:grpSpPr>
+        <a:xfrm>
+          <a:off x="0" y="0"/>
+          <a:ext cx="0" cy="0"/>
+          <a:chOff x="0" y="0"/>
+          <a:chExt cx="0" cy="0"/>
+        </a:xfrm>
+      </p:grpSpPr>
+      <p:sp>
+        <p:nvSpPr>
+          <p:cNvPr id="2" name="Slide Image Placeholder 1"/>
+          <p:cNvSpPr>
+            <a:spLocks noGrp="1" noRot="1" noChangeAspect="1"/>
+          </p:cNvSpPr>
+          <p:nvPr>
+            <p:ph type="sldImg"/>
+          </p:nvPr>
+        </p:nvSpPr>
+        <p:spPr/>
+      </p:sp>
+      <p:sp>
+        <p:nvSpPr>
+          <p:cNvPr id="3" name="Notes Placeholder 2"/>
+          <p:cNvSpPr>
+            <a:spLocks noGrp="1"/>
+          </p:cNvSpPr>
+          <p:nvPr>
+            <p:ph type="body" idx="1"/>
+          </p:nvPr>
+        </p:nvSpPr>
+        <p:spPr/>
+        <p:txBody>
+          <a:bodyPr/>
+          <a:lstStyle/>
+          <a:p>
+            <a:pPr lvl="0" indent="0" marL="0">
+              <a:buNone/>
+            </a:pPr>
+            <a:r>
+              <a:rPr/>
+              <a:t>Suppose you have two or more groups and want to estimate a statistic across all of the groups. For example, you have a treatment and a control group and you want to estimate the difference in medians between the two groups.</a:t>
+            </a:r>
+          </a:p>
+          <a:p>
+            <a:pPr lvl="0" indent="0" marL="0">
+              <a:buNone/>
+            </a:pPr>
+          </a:p>
+          <a:p>
+            <a:pPr lvl="0" indent="0" marL="0">
+              <a:buNone/>
+            </a:pPr>
+            <a:r>
+              <a:rPr/>
+              <a:t>You have two options. The first is to apply a simple bootstrap. This allows the relative sizes in the groups to vary. If one of the groups has a small relative sample size, then you run a slight risk having zero observations in that group for one or more of your bootstrap samples.</a:t>
+            </a:r>
+          </a:p>
+          <a:p>
+            <a:pPr lvl="0" indent="0" marL="0">
+              <a:buNone/>
+            </a:pPr>
+          </a:p>
+          <a:p>
+            <a:pPr lvl="0" indent="0" marL="0">
+              <a:buNone/>
+            </a:pPr>
+            <a:r>
+              <a:rPr/>
+              <a:t>If the group sizes are all reasonably large, this is not a serious problem.</a:t>
+            </a:r>
+          </a:p>
+          <a:p>
+            <a:pPr lvl="0" indent="0" marL="0">
+              <a:buNone/>
+            </a:pPr>
+          </a:p>
+          <a:p>
+            <a:pPr lvl="0" indent="0" marL="0">
+              <a:buNone/>
+            </a:pPr>
+            <a:r>
+              <a:rPr/>
+              <a:t>An alternative is to use a stratified bootstrap sample. It’s easy enough to envision with two groups. Let’s say that the two groups have sample sizes n1 and n2. Sample n1 observation with replacement from the first group, sample with n2 observations with replacement from the second group and then combine.</a:t>
+            </a:r>
+          </a:p>
+          <a:p>
+            <a:pPr lvl="0" indent="0" marL="0">
+              <a:buNone/>
+            </a:pPr>
+          </a:p>
+          <a:p>
+            <a:pPr lvl="0" indent="0" marL="0">
+              <a:buNone/>
+            </a:pPr>
+            <a:r>
+              <a:rPr/>
+              <a:t>The stratified bootstrap answers a different question than the simple bootstrap. The simple bootstrap calculates uncertainty in a setting where you are collecting a single sample and that sample has a random number of subjects in each group. The stratified bootstrap calculates uncertainty where you are collecting samples from multiple groups, each with a fixed quota.</a:t>
+            </a:r>
+          </a:p>
+          <a:p>
+            <a:pPr lvl="0" indent="0" marL="0">
+              <a:buNone/>
+            </a:pPr>
+          </a:p>
+          <a:p>
+            <a:pPr lvl="0" indent="0" marL="0">
+              <a:buNone/>
+            </a:pPr>
+            <a:r>
+              <a:rPr/>
+              <a:t>Is this a huge difference? I’m not sure, but my guess is that it is not all that important except when one or more of the group sizes is small. By small, I mean 10 or less. I should note, however, that I have not seen an “official” guidance on this question.</a:t>
+            </a:r>
+          </a:p>
+        </p:txBody>
+      </p:sp>
+      <p:sp>
+        <p:nvSpPr>
+          <p:cNvPr id="4" name="Slide Number Placeholder 3"/>
+          <p:cNvSpPr>
+            <a:spLocks noGrp="1"/>
+          </p:cNvSpPr>
+          <p:nvPr>
+            <p:ph type="sldNum" sz="quarter" idx="10"/>
+          </p:nvPr>
+        </p:nvSpPr>
+        <p:spPr/>
+        <p:txBody>
+          <a:bodyPr/>
+          <a:lstStyle/>
+          <a:p>
+            <a:fld id="{18BDFEC3-8487-43E8-A154-7C12CBC1FFF2}" type="slidenum">
+              <a:rPr lang="en-US"/>
+              <a:t>66</a:t>
+            </a:fld>
+            <a:endParaRPr lang="en-US"/>
+          </a:p>
+        </p:txBody>
+      </p:sp>
+    </p:spTree>
+  </p:cSld>
+</p:notes>
+</file>
+
+<file path=ppt/notesSlides/notesSlide65.xml><?xml version="1.0" encoding="utf-8"?>
+<p:notes xmlns:a="http://schemas.openxmlformats.org/drawingml/2006/main" xmlns:r="http://schemas.openxmlformats.org/officeDocument/2006/relationships" xmlns:p="http://schemas.openxmlformats.org/presentationml/2006/main">
+  <p:cSld>
+    <p:spTree>
+      <p:nvGrpSpPr>
+        <p:cNvPr id="1" name=""/>
+        <p:cNvGrpSpPr/>
+        <p:nvPr/>
+      </p:nvGrpSpPr>
+      <p:grpSpPr>
+        <a:xfrm>
+          <a:off x="0" y="0"/>
+          <a:ext cx="0" cy="0"/>
+          <a:chOff x="0" y="0"/>
+          <a:chExt cx="0" cy="0"/>
+        </a:xfrm>
+      </p:grpSpPr>
+      <p:sp>
+        <p:nvSpPr>
+          <p:cNvPr id="2" name="Slide Image Placeholder 1"/>
+          <p:cNvSpPr>
+            <a:spLocks noGrp="1" noRot="1" noChangeAspect="1"/>
+          </p:cNvSpPr>
+          <p:nvPr>
+            <p:ph type="sldImg"/>
+          </p:nvPr>
+        </p:nvSpPr>
+        <p:spPr/>
+      </p:sp>
+      <p:sp>
+        <p:nvSpPr>
+          <p:cNvPr id="3" name="Notes Placeholder 2"/>
+          <p:cNvSpPr>
+            <a:spLocks noGrp="1"/>
+          </p:cNvSpPr>
+          <p:nvPr>
+            <p:ph type="body" idx="1"/>
+          </p:nvPr>
+        </p:nvSpPr>
+        <p:spPr/>
+        <p:txBody>
+          <a:bodyPr/>
+          <a:lstStyle/>
+          <a:p>
+            <a:pPr lvl="0" indent="0" marL="0">
+              <a:buNone/>
+            </a:pPr>
+            <a:r>
+              <a:rPr/>
+              <a:t>There are special features of time series data that make them difficult to use with a simple bootstrap. The first and most obvious feature is that most time series have even spacing, a nice neatly ordered pattern over time. A bootstrap sample is going to have gaps in some places and multiple observations at the same time point.</a:t>
+            </a:r>
+          </a:p>
+          <a:p>
+            <a:pPr lvl="0" indent="0" marL="0">
+              <a:buNone/>
+            </a:pPr>
+          </a:p>
+          <a:p>
+            <a:pPr lvl="0" indent="0" marL="0">
+              <a:buNone/>
+            </a:pPr>
+            <a:r>
+              <a:rPr/>
+              <a:t>Most time series also exhibit serial correlation, seasonality, and/or temporal trends. These features are either seriously distorted or totally destroyed in a bootstrap sample.</a:t>
+            </a:r>
+          </a:p>
+          <a:p>
+            <a:pPr lvl="0" indent="0" marL="0">
+              <a:buNone/>
+            </a:pPr>
+          </a:p>
+          <a:p>
+            <a:pPr lvl="0" indent="0" marL="0">
+              <a:buNone/>
+            </a:pPr>
+            <a:r>
+              <a:rPr/>
+              <a:t>There are several possible solutions. One is to bootstrap consecutive blocks of observations. This preserves time series features within a block and appears to perform reasonably well.</a:t>
+            </a:r>
+          </a:p>
+          <a:p>
+            <a:pPr lvl="0" indent="0" marL="0">
+              <a:buNone/>
+            </a:pPr>
+          </a:p>
+          <a:p>
+            <a:pPr lvl="0" indent="0" marL="0">
+              <a:buNone/>
+            </a:pPr>
+            <a:r>
+              <a:rPr/>
+              <a:t>A second option is to remove any trend and decompose the time series into independent components, take a bootstrap sample of the independent components, and then recompose a new series from the bootstrap sample.</a:t>
+            </a:r>
+          </a:p>
+          <a:p>
+            <a:pPr lvl="0" indent="0" marL="0">
+              <a:buNone/>
+            </a:pPr>
+          </a:p>
+          <a:p>
+            <a:pPr lvl="0" indent="0" marL="0">
+              <a:buNone/>
+            </a:pPr>
+            <a:r>
+              <a:rPr/>
+              <a:t>The approach you take largely depends on the context of your problem and what statistic you are trying to characterize. For example, if you detrend the data and remove seasonality, then any bootstrapped estimate from the reconstructed time series will be fine if it is modeling a feature of the data other than the trend or seasonality.</a:t>
+            </a:r>
+          </a:p>
+        </p:txBody>
+      </p:sp>
+      <p:sp>
+        <p:nvSpPr>
+          <p:cNvPr id="4" name="Slide Number Placeholder 3"/>
+          <p:cNvSpPr>
+            <a:spLocks noGrp="1"/>
+          </p:cNvSpPr>
+          <p:nvPr>
+            <p:ph type="sldNum" sz="quarter" idx="10"/>
+          </p:nvPr>
+        </p:nvSpPr>
+        <p:spPr/>
+        <p:txBody>
+          <a:bodyPr/>
+          <a:lstStyle/>
+          <a:p>
+            <a:fld id="{18BDFEC3-8487-43E8-A154-7C12CBC1FFF2}" type="slidenum">
+              <a:rPr lang="en-US"/>
+              <a:t>67</a:t>
+            </a:fld>
+            <a:endParaRPr lang="en-US"/>
+          </a:p>
+        </p:txBody>
+      </p:sp>
+    </p:spTree>
+  </p:cSld>
+</p:notes>
+</file>
+
+<file path=ppt/notesSlides/notesSlide66.xml><?xml version="1.0" encoding="utf-8"?>
+<p:notes xmlns:a="http://schemas.openxmlformats.org/drawingml/2006/main" xmlns:r="http://schemas.openxmlformats.org/officeDocument/2006/relationships" xmlns:p="http://schemas.openxmlformats.org/presentationml/2006/main">
+  <p:cSld>
+    <p:spTree>
+      <p:nvGrpSpPr>
+        <p:cNvPr id="1" name=""/>
+        <p:cNvGrpSpPr/>
+        <p:nvPr/>
+      </p:nvGrpSpPr>
+      <p:grpSpPr>
+        <a:xfrm>
+          <a:off x="0" y="0"/>
+          <a:ext cx="0" cy="0"/>
+          <a:chOff x="0" y="0"/>
+          <a:chExt cx="0" cy="0"/>
+        </a:xfrm>
+      </p:grpSpPr>
+      <p:sp>
+        <p:nvSpPr>
+          <p:cNvPr id="2" name="Slide Image Placeholder 1"/>
+          <p:cNvSpPr>
+            <a:spLocks noGrp="1" noRot="1" noChangeAspect="1"/>
+          </p:cNvSpPr>
+          <p:nvPr>
+            <p:ph type="sldImg"/>
+          </p:nvPr>
+        </p:nvSpPr>
+        <p:spPr/>
+      </p:sp>
+      <p:sp>
+        <p:nvSpPr>
+          <p:cNvPr id="3" name="Notes Placeholder 2"/>
+          <p:cNvSpPr>
+            <a:spLocks noGrp="1"/>
+          </p:cNvSpPr>
+          <p:nvPr>
+            <p:ph type="body" idx="1"/>
+          </p:nvPr>
+        </p:nvSpPr>
+        <p:spPr/>
+        <p:txBody>
+          <a:bodyPr/>
+          <a:lstStyle/>
+          <a:p>
+            <a:pPr lvl="0" indent="0" marL="0">
+              <a:buNone/>
+            </a:pPr>
+            <a:r>
+              <a:rPr/>
+              <a:t>The regression model has some of the same issues as the setting with multiple groups described earlier. If some of the independent variables are very strongly correlated, you might end up with a setting where the correlation is exactly 1 for one or more of the bootstrap samples. This is not a serious issue unless you have both a strong correlation and a small sample size.</a:t>
+            </a:r>
+          </a:p>
+          <a:p>
+            <a:pPr lvl="0" indent="0" marL="0">
+              <a:buNone/>
+            </a:pPr>
+          </a:p>
+          <a:p>
+            <a:pPr lvl="0" indent="0" marL="0">
+              <a:buNone/>
+            </a:pPr>
+            <a:r>
+              <a:rPr/>
+              <a:t>But another consideration is that the bootstrap sample treats the independent variables as if they are selected randomly along with the dependent variable. This may be the case, but there are some datasets where the X values are fixed in advance and the dependent variable is the only thing being sampled.</a:t>
+            </a:r>
+          </a:p>
+          <a:p>
+            <a:pPr lvl="0" indent="0" marL="0">
+              <a:buNone/>
+            </a:pPr>
+          </a:p>
+          <a:p>
+            <a:pPr lvl="0" indent="0" marL="0">
+              <a:buNone/>
+            </a:pPr>
+            <a:r>
+              <a:rPr/>
+              <a:t>One possible solution is to compute the residuals and reconstruct a new dependent variable from the bootstrapped residuals.</a:t>
+            </a:r>
+          </a:p>
+          <a:p>
+            <a:pPr lvl="0" indent="0" marL="0">
+              <a:buNone/>
+            </a:pPr>
+          </a:p>
+          <a:p>
+            <a:pPr lvl="0" indent="0" marL="0">
+              <a:buNone/>
+            </a:pPr>
+            <a:r>
+              <a:rPr/>
+              <a:t>Context is important here. If you bootstrap the residuals, you can’t use the reconstructed dependent variable as an estimate of the regression slopes themselves. You could use them to reconstruct a statistic that is independent of those slopes.</a:t>
+            </a:r>
+          </a:p>
+        </p:txBody>
+      </p:sp>
+      <p:sp>
+        <p:nvSpPr>
+          <p:cNvPr id="4" name="Slide Number Placeholder 3"/>
+          <p:cNvSpPr>
+            <a:spLocks noGrp="1"/>
+          </p:cNvSpPr>
+          <p:nvPr>
+            <p:ph type="sldNum" sz="quarter" idx="10"/>
+          </p:nvPr>
+        </p:nvSpPr>
+        <p:spPr/>
+        <p:txBody>
+          <a:bodyPr/>
+          <a:lstStyle/>
+          <a:p>
+            <a:fld id="{18BDFEC3-8487-43E8-A154-7C12CBC1FFF2}" type="slidenum">
+              <a:rPr lang="en-US"/>
+              <a:t>68</a:t>
+            </a:fld>
+            <a:endParaRPr lang="en-US"/>
+          </a:p>
+        </p:txBody>
+      </p:sp>
+    </p:spTree>
+  </p:cSld>
+</p:notes>
+</file>
+
+<file path=ppt/notesSlides/notesSlide67.xml><?xml version="1.0" encoding="utf-8"?>
+<p:notes xmlns:a="http://schemas.openxmlformats.org/drawingml/2006/main" xmlns:r="http://schemas.openxmlformats.org/officeDocument/2006/relationships" xmlns:p="http://schemas.openxmlformats.org/presentationml/2006/main">
+  <p:cSld>
+    <p:spTree>
+      <p:nvGrpSpPr>
+        <p:cNvPr id="1" name=""/>
+        <p:cNvGrpSpPr/>
+        <p:nvPr/>
+      </p:nvGrpSpPr>
+      <p:grpSpPr>
+        <a:xfrm>
+          <a:off x="0" y="0"/>
+          <a:ext cx="0" cy="0"/>
+          <a:chOff x="0" y="0"/>
+          <a:chExt cx="0" cy="0"/>
+        </a:xfrm>
+      </p:grpSpPr>
+      <p:sp>
+        <p:nvSpPr>
+          <p:cNvPr id="2" name="Slide Image Placeholder 1"/>
+          <p:cNvSpPr>
+            <a:spLocks noGrp="1" noRot="1" noChangeAspect="1"/>
+          </p:cNvSpPr>
+          <p:nvPr>
+            <p:ph type="sldImg"/>
+          </p:nvPr>
+        </p:nvSpPr>
+        <p:spPr/>
+      </p:sp>
+      <p:sp>
+        <p:nvSpPr>
+          <p:cNvPr id="3" name="Notes Placeholder 2"/>
+          <p:cNvSpPr>
+            <a:spLocks noGrp="1"/>
+          </p:cNvSpPr>
+          <p:nvPr>
+            <p:ph type="body" idx="1"/>
+          </p:nvPr>
+        </p:nvSpPr>
+        <p:spPr/>
+        <p:txBody>
+          <a:bodyPr/>
+          <a:lstStyle/>
+          <a:p>
+            <a:pPr lvl="0" indent="0" marL="0">
+              <a:buNone/>
+            </a:pPr>
+            <a:r>
+              <a:rPr/>
+              <a:t>Although the bootstrap works in a very broad range of settings, it can fail miserably in certain cases. Weird distributions like the Cauchy distribution which have no finite moment are going to cause problems. Also troublesome are statistics at or near the extremes of the data. The range, for example, is a statistic where the bootstrap does not perform well.</a:t>
+            </a:r>
+          </a:p>
+          <a:p>
+            <a:pPr lvl="0" indent="0" marL="0">
+              <a:buNone/>
+            </a:pPr>
+          </a:p>
+          <a:p>
+            <a:pPr lvl="0" indent="0" marL="0">
+              <a:buNone/>
+            </a:pPr>
+            <a:r>
+              <a:rPr/>
+              <a:t>We’ve also talked about settings where a simple bootstrap does not perform well and may need some modification. This includes setting with multiple groups and small sample sizes, time series models, and regression models.</a:t>
+            </a:r>
+          </a:p>
+        </p:txBody>
+      </p:sp>
+      <p:sp>
+        <p:nvSpPr>
+          <p:cNvPr id="4" name="Slide Number Placeholder 3"/>
+          <p:cNvSpPr>
+            <a:spLocks noGrp="1"/>
+          </p:cNvSpPr>
+          <p:nvPr>
+            <p:ph type="sldNum" sz="quarter" idx="10"/>
+          </p:nvPr>
+        </p:nvSpPr>
+        <p:spPr/>
+        <p:txBody>
+          <a:bodyPr/>
+          <a:lstStyle/>
+          <a:p>
+            <a:fld id="{18BDFEC3-8487-43E8-A154-7C12CBC1FFF2}" type="slidenum">
+              <a:rPr lang="en-US"/>
+              <a:t>69</a:t>
+            </a:fld>
+            <a:endParaRPr lang="en-US"/>
+          </a:p>
+        </p:txBody>
+      </p:sp>
+    </p:spTree>
+  </p:cSld>
+</p:notes>
+</file>
+
+<file path=ppt/notesSlides/notesSlide68.xml><?xml version="1.0" encoding="utf-8"?>
+<p:notes xmlns:a="http://schemas.openxmlformats.org/drawingml/2006/main" xmlns:r="http://schemas.openxmlformats.org/officeDocument/2006/relationships" xmlns:p="http://schemas.openxmlformats.org/presentationml/2006/main">
+  <p:cSld>
+    <p:spTree>
+      <p:nvGrpSpPr>
+        <p:cNvPr id="1" name=""/>
+        <p:cNvGrpSpPr/>
+        <p:nvPr/>
+      </p:nvGrpSpPr>
+      <p:grpSpPr>
+        <a:xfrm>
+          <a:off x="0" y="0"/>
+          <a:ext cx="0" cy="0"/>
+          <a:chOff x="0" y="0"/>
+          <a:chExt cx="0" cy="0"/>
+        </a:xfrm>
+      </p:grpSpPr>
+      <p:sp>
+        <p:nvSpPr>
+          <p:cNvPr id="2" name="Slide Image Placeholder 1"/>
+          <p:cNvSpPr>
+            <a:spLocks noGrp="1" noRot="1" noChangeAspect="1"/>
+          </p:cNvSpPr>
+          <p:nvPr>
+            <p:ph type="sldImg"/>
+          </p:nvPr>
+        </p:nvSpPr>
+        <p:spPr/>
+      </p:sp>
+      <p:sp>
+        <p:nvSpPr>
+          <p:cNvPr id="3" name="Notes Placeholder 2"/>
+          <p:cNvSpPr>
+            <a:spLocks noGrp="1"/>
+          </p:cNvSpPr>
+          <p:nvPr>
+            <p:ph type="body" idx="1"/>
+          </p:nvPr>
+        </p:nvSpPr>
+        <p:spPr/>
+        <p:txBody>
+          <a:bodyPr/>
+          <a:lstStyle/>
+          <a:p>
+            <a:pPr lvl="0" indent="0" marL="0">
+              <a:buNone/>
+            </a:pPr>
+            <a:r>
+              <a:rPr/>
+              <a:t>The bootstrap performs well in settings where you do not have any theoretical results to guide your work. It also works well when the normal approximations that you rely on are questionable, either because the sample size is small or because the underlying distribution of the data is troublesome. By troublesome, I mean extreme skew or high probability of producing outliers. Both will tend to slow down the asymptotic approximation to normality.</a:t>
+            </a:r>
+          </a:p>
+          <a:p>
+            <a:pPr lvl="0" indent="0" marL="0">
+              <a:buNone/>
+            </a:pPr>
+          </a:p>
+          <a:p>
+            <a:pPr lvl="0" indent="0" marL="0">
+              <a:buNone/>
+            </a:pPr>
+            <a:r>
+              <a:rPr/>
+              <a:t>Keep in mind, though, that the bootstrap can’t compensate for a limited sample size. The confidence intervals may be valid, but often they will be so wide as to be meaningless. There’s a saying that you can’t squeeze blood from a turnip. That’s an attempt to explain that you can’t get something from nothing.</a:t>
+            </a:r>
+          </a:p>
+        </p:txBody>
+      </p:sp>
+      <p:sp>
+        <p:nvSpPr>
+          <p:cNvPr id="4" name="Slide Number Placeholder 3"/>
+          <p:cNvSpPr>
+            <a:spLocks noGrp="1"/>
+          </p:cNvSpPr>
+          <p:nvPr>
+            <p:ph type="sldNum" sz="quarter" idx="10"/>
+          </p:nvPr>
+        </p:nvSpPr>
+        <p:spPr/>
+        <p:txBody>
+          <a:bodyPr/>
+          <a:lstStyle/>
+          <a:p>
+            <a:fld id="{18BDFEC3-8487-43E8-A154-7C12CBC1FFF2}" type="slidenum">
+              <a:rPr lang="en-US"/>
+              <a:t>70</a:t>
+            </a:fld>
+            <a:endParaRPr lang="en-US"/>
+          </a:p>
+        </p:txBody>
+      </p:sp>
+    </p:spTree>
+  </p:cSld>
+</p:notes>
+</file>
+
+<file path=ppt/notesSlides/notesSlide69.xml><?xml version="1.0" encoding="utf-8"?>
+<p:notes xmlns:a="http://schemas.openxmlformats.org/drawingml/2006/main" xmlns:r="http://schemas.openxmlformats.org/officeDocument/2006/relationships" xmlns:p="http://schemas.openxmlformats.org/presentationml/2006/main">
+  <p:cSld>
+    <p:spTree>
+      <p:nvGrpSpPr>
+        <p:cNvPr id="1" name=""/>
+        <p:cNvGrpSpPr/>
+        <p:nvPr/>
+      </p:nvGrpSpPr>
+      <p:grpSpPr>
+        <a:xfrm>
+          <a:off x="0" y="0"/>
+          <a:ext cx="0" cy="0"/>
+          <a:chOff x="0" y="0"/>
+          <a:chExt cx="0" cy="0"/>
+        </a:xfrm>
+      </p:grpSpPr>
+      <p:sp>
+        <p:nvSpPr>
+          <p:cNvPr id="2" name="Slide Image Placeholder 1"/>
+          <p:cNvSpPr>
+            <a:spLocks noGrp="1" noRot="1" noChangeAspect="1"/>
+          </p:cNvSpPr>
+          <p:nvPr>
+            <p:ph type="sldImg"/>
+          </p:nvPr>
+        </p:nvSpPr>
+        <p:spPr/>
+      </p:sp>
+      <p:sp>
+        <p:nvSpPr>
+          <p:cNvPr id="3" name="Notes Placeholder 2"/>
+          <p:cNvSpPr>
+            <a:spLocks noGrp="1"/>
+          </p:cNvSpPr>
+          <p:nvPr>
+            <p:ph type="body" idx="1"/>
+          </p:nvPr>
+        </p:nvSpPr>
+        <p:spPr/>
+        <p:txBody>
+          <a:bodyPr/>
+          <a:lstStyle/>
+          <a:p>
+            <a:pPr lvl="0" indent="0" marL="0">
+              <a:buNone/>
+            </a:pPr>
+            <a:r>
+              <a:rPr/>
+              <a:t>So we’ve covered the history of the bootstrap, illustrated some algorithms, showed how to compute a bootstrap in SAS, Stata, and R, and discussed some special issues where you might want to modify the bootstrap approach.</a:t>
+            </a:r>
+          </a:p>
+          <a:p>
+            <a:pPr lvl="0" indent="0" marL="0">
+              <a:buNone/>
+            </a:pPr>
+          </a:p>
+          <a:p>
+            <a:pPr lvl="0" indent="0" marL="0">
+              <a:buNone/>
+            </a:pPr>
+            <a:r>
+              <a:rPr/>
+              <a:t>I’d be glad to take any questions you might have.</a:t>
+            </a:r>
+          </a:p>
+        </p:txBody>
+      </p:sp>
+      <p:sp>
+        <p:nvSpPr>
+          <p:cNvPr id="4" name="Slide Number Placeholder 3"/>
+          <p:cNvSpPr>
+            <a:spLocks noGrp="1"/>
+          </p:cNvSpPr>
+          <p:nvPr>
+            <p:ph type="sldNum" sz="quarter" idx="10"/>
+          </p:nvPr>
+        </p:nvSpPr>
+        <p:spPr/>
+        <p:txBody>
+          <a:bodyPr/>
+          <a:lstStyle/>
+          <a:p>
+            <a:fld id="{18BDFEC3-8487-43E8-A154-7C12CBC1FFF2}" type="slidenum">
+              <a:rPr lang="en-US"/>
+              <a:t>71</a:t>
+            </a:fld>
+            <a:endParaRPr lang="en-US"/>
+          </a:p>
+        </p:txBody>
+      </p:sp>
+    </p:spTree>
+  </p:cSld>
+</p:notes>
+</file>
+
 <file path=ppt/notesSlides/notesSlide7.xml><?xml version="1.0" encoding="utf-8"?>
 <p:notes xmlns:a="http://schemas.openxmlformats.org/drawingml/2006/main" xmlns:r="http://schemas.openxmlformats.org/officeDocument/2006/relationships" xmlns:p="http://schemas.openxmlformats.org/presentationml/2006/main">
   <p:cSld>
@@ -6524,6 +7472,116 @@
             <a:fld id="{18BDFEC3-8487-43E8-A154-7C12CBC1FFF2}" type="slidenum">
               <a:rPr lang="en-US"/>
               <a:t>8</a:t>
+            </a:fld>
+            <a:endParaRPr lang="en-US"/>
+          </a:p>
+        </p:txBody>
+      </p:sp>
+    </p:spTree>
+  </p:cSld>
+</p:notes>
+</file>
+
+<file path=ppt/notesSlides/notesSlide70.xml><?xml version="1.0" encoding="utf-8"?>
+<p:notes xmlns:a="http://schemas.openxmlformats.org/drawingml/2006/main" xmlns:r="http://schemas.openxmlformats.org/officeDocument/2006/relationships" xmlns:p="http://schemas.openxmlformats.org/presentationml/2006/main">
+  <p:cSld>
+    <p:spTree>
+      <p:nvGrpSpPr>
+        <p:cNvPr id="1" name=""/>
+        <p:cNvGrpSpPr/>
+        <p:nvPr/>
+      </p:nvGrpSpPr>
+      <p:grpSpPr>
+        <a:xfrm>
+          <a:off x="0" y="0"/>
+          <a:ext cx="0" cy="0"/>
+          <a:chOff x="0" y="0"/>
+          <a:chExt cx="0" cy="0"/>
+        </a:xfrm>
+      </p:grpSpPr>
+      <p:sp>
+        <p:nvSpPr>
+          <p:cNvPr id="2" name="Slide Image Placeholder 1"/>
+          <p:cNvSpPr>
+            <a:spLocks noGrp="1" noRot="1" noChangeAspect="1"/>
+          </p:cNvSpPr>
+          <p:nvPr>
+            <p:ph type="sldImg"/>
+          </p:nvPr>
+        </p:nvSpPr>
+        <p:spPr/>
+      </p:sp>
+      <p:sp>
+        <p:nvSpPr>
+          <p:cNvPr id="3" name="Notes Placeholder 2"/>
+          <p:cNvSpPr>
+            <a:spLocks noGrp="1"/>
+          </p:cNvSpPr>
+          <p:nvPr>
+            <p:ph type="body" idx="1"/>
+          </p:nvPr>
+        </p:nvSpPr>
+        <p:spPr/>
+        <p:txBody>
+          <a:bodyPr/>
+          <a:lstStyle/>
+          <a:p>
+            <a:pPr lvl="0" indent="0" marL="0">
+              <a:buNone/>
+            </a:pPr>
+            <a:r>
+              <a:rPr/>
+              <a:t>https://www.vanderbilt.edu/psychological_sciences/graduate/programs/quantitative-methods/quantitative-content/diaconis_efron_1983.pdf</a:t>
+            </a:r>
+          </a:p>
+          <a:p>
+            <a:pPr lvl="0" indent="0" marL="0">
+              <a:buNone/>
+            </a:pPr>
+          </a:p>
+          <a:p>
+            <a:pPr lvl="0" indent="0" marL="0">
+              <a:buNone/>
+            </a:pPr>
+            <a:r>
+              <a:rPr/>
+              <a:t>http://users.cla.umn.edu/~nwaller/prelim/efronbootjackcrossv.pdf</a:t>
+            </a:r>
+          </a:p>
+          <a:p>
+            <a:pPr lvl="0" indent="0" marL="0">
+              <a:buNone/>
+            </a:pPr>
+          </a:p>
+          <a:p>
+            <a:pPr lvl="0" indent="0" marL="0">
+              <a:buNone/>
+            </a:pPr>
+            <a:r>
+              <a:rPr/>
+              <a:t>http://www.nielsen.sites.oasis.unc.edu/soci709/cdocs/efron.pdf</a:t>
+            </a:r>
+          </a:p>
+        </p:txBody>
+      </p:sp>
+      <p:sp>
+        <p:nvSpPr>
+          <p:cNvPr id="4" name="Slide Number Placeholder 3"/>
+          <p:cNvSpPr>
+            <a:spLocks noGrp="1"/>
+          </p:cNvSpPr>
+          <p:nvPr>
+            <p:ph type="sldNum" sz="quarter" idx="10"/>
+          </p:nvPr>
+        </p:nvSpPr>
+        <p:spPr/>
+        <p:txBody>
+          <a:bodyPr/>
+          <a:lstStyle/>
+          <a:p>
+            <a:fld id="{18BDFEC3-8487-43E8-A154-7C12CBC1FFF2}" type="slidenum">
+              <a:rPr lang="en-US"/>
+              <a:t>72</a:t>
             </a:fld>
             <a:endParaRPr lang="en-US"/>
           </a:p>
@@ -10163,7 +11221,7 @@
             </a:pPr>
             <a:r>
               <a:rPr/>
-              <a:t>Figure 1. Photograph of Bradley Efron with President Bush</a:t>
+              <a:t>Figure 3. Photograph of Bradley Efron with President Bush</a:t>
             </a:r>
           </a:p>
         </p:txBody>
@@ -10588,7 +11646,7 @@
             </a:pPr>
             <a:r>
               <a:rPr/>
-              <a:t>Figure 1. Histogram of bootstrapped estimates</a:t>
+              <a:t>Figure 4. Histogram of bootstrapped estimates</a:t>
             </a:r>
           </a:p>
         </p:txBody>
@@ -10695,7 +11753,7 @@
             </a:pPr>
             <a:r>
               <a:rPr/>
-              <a:t>Figure 1. An example of a cumulative density function</a:t>
+              <a:t>Figure 5. An example of a cumulative density function</a:t>
             </a:r>
           </a:p>
         </p:txBody>
@@ -10802,7 +11860,7 @@
             </a:pPr>
             <a:r>
               <a:rPr/>
-              <a:t>Figure 1. Using random uniform values to simulate data from a cumulative distribution function</a:t>
+              <a:t>Figure 6. Using random uniform values to simulate data from a cumulative distribution function</a:t>
             </a:r>
           </a:p>
         </p:txBody>
@@ -10909,7 +11967,7 @@
             </a:pPr>
             <a:r>
               <a:rPr/>
-              <a:t>Figure 1. Estimate of cumulative density function from the data</a:t>
+              <a:t>Figure 7. Estimate of cumulative density function from the data</a:t>
             </a:r>
           </a:p>
         </p:txBody>
@@ -11000,7 +12058,7 @@
             <a:pPr lvl="0"/>
             <a:r>
               <a:rPr/>
-              <a:t>Examples</a:t>
+              <a:t>Special settings</a:t>
             </a:r>
           </a:p>
         </p:txBody>
@@ -11107,7 +12165,7 @@
             </a:pPr>
             <a:r>
               <a:rPr/>
-              <a:t>Figure 1. Random uniform values converted into a bootstrap</a:t>
+              <a:t>Figure 8. Random uniform values converted into a bootstrap</a:t>
             </a:r>
           </a:p>
         </p:txBody>
@@ -11214,7 +12272,7 @@
             </a:pPr>
             <a:r>
               <a:rPr/>
-              <a:t>Figure 1. Image of a bootstrap</a:t>
+              <a:t>Figure 9. Image of a bootstrap</a:t>
             </a:r>
           </a:p>
         </p:txBody>
@@ -11419,7 +12477,7 @@
             </a:pPr>
             <a:r>
               <a:rPr/>
-              <a:t>Figure 1. Illustration of a regression tree</a:t>
+              <a:t>Figure 10. Illustration of a regression tree</a:t>
             </a:r>
           </a:p>
         </p:txBody>
@@ -11526,7 +12584,7 @@
             </a:pPr>
             <a:r>
               <a:rPr/>
-              <a:t>Figure 1. Image of a classification tree</a:t>
+              <a:t>Figure 11. Image of a classification tree</a:t>
             </a:r>
           </a:p>
         </p:txBody>
@@ -13797,6 +14855,27 @@
                         </m:r>
                       </m:sup>
                     </m:sSup>
+                    <m:r>
+                      <m:rPr>
+                        <m:sty m:val="p"/>
+                      </m:rPr>
+                      <m:t>(</m:t>
+                    </m:r>
+                    <m:f>
+                      <m:fPr>
+                        <m:type m:val="bar"/>
+                      </m:fPr>
+                      <m:num>
+                        <m:r>
+                          <m:t>1</m:t>
+                        </m:r>
+                      </m:num>
+                      <m:den>
+                        <m:r>
+                          <m:t>B</m:t>
+                        </m:r>
+                      </m:den>
+                    </m:f>
                     <m:d>
                       <m:dPr>
                         <m:begChr m:val="("/>
@@ -13805,21 +14884,6 @@
                         <m:grow/>
                       </m:dPr>
                       <m:e>
-                        <m:f>
-                          <m:fPr>
-                            <m:type m:val="bar"/>
-                          </m:fPr>
-                          <m:num>
-                            <m:r>
-                              <m:t>1</m:t>
-                            </m:r>
-                          </m:num>
-                          <m:den>
-                            <m:r>
-                              <m:t>B</m:t>
-                            </m:r>
-                          </m:den>
-                        </m:f>
                         <m:r>
                           <m:t>H</m:t>
                         </m:r>
@@ -13831,6 +14895,22 @@
                             <m:grow/>
                           </m:dPr>
                           <m:e>
+                            <m:acc>
+                              <m:accPr>
+                                <m:chr m:val="̂"/>
+                              </m:accPr>
+                              <m:e>
+                                <m:r>
+                                  <m:t>θ</m:t>
+                                </m:r>
+                              </m:e>
+                            </m:acc>
+                            <m:r>
+                              <m:rPr>
+                                <m:sty m:val="p"/>
+                              </m:rPr>
+                              <m:t>−</m:t>
+                            </m:r>
                             <m:sSup>
                               <m:e>
                                 <m:acc>
@@ -13860,22 +14940,6 @@
                                 </m:d>
                               </m:sup>
                             </m:sSup>
-                            <m:r>
-                              <m:rPr>
-                                <m:sty m:val="p"/>
-                              </m:rPr>
-                              <m:t>−</m:t>
-                            </m:r>
-                            <m:acc>
-                              <m:accPr>
-                                <m:chr m:val="̂"/>
-                              </m:accPr>
-                              <m:e>
-                                <m:r>
-                                  <m:t>θ</m:t>
-                                </m:r>
-                              </m:e>
-                            </m:acc>
                           </m:e>
                         </m:d>
                       </m:e>
@@ -13891,7 +14955,47 @@
                 <a:pPr lvl="2"/>
                 <a:r>
                   <a:rPr/>
-                  <a:t>H(x)=1 for zero or positive values, 0 for negative values</a:t>
+                  <a:t>H(x)=1 for </a:t>
+                </a:r>
+                <a14:m>
+                  <m:oMath xmlns:m="http://schemas.openxmlformats.org/officeDocument/2006/math">
+                    <m:r>
+                      <m:t>x</m:t>
+                    </m:r>
+                    <m:r>
+                      <m:rPr>
+                        <m:sty m:val="p"/>
+                      </m:rPr>
+                      <m:t>≥</m:t>
+                    </m:r>
+                    <m:r>
+                      <m:t>0</m:t>
+                    </m:r>
+                  </m:oMath>
+                </a14:m>
+                <a:r>
+                  <a:rPr/>
+                  <a:t>, 0 for </a:t>
+                </a:r>
+                <a14:m>
+                  <m:oMath xmlns:m="http://schemas.openxmlformats.org/officeDocument/2006/math">
+                    <m:r>
+                      <m:t>x</m:t>
+                    </m:r>
+                    <m:r>
+                      <m:rPr>
+                        <m:sty m:val="p"/>
+                      </m:rPr>
+                      <m:t>&lt;</m:t>
+                    </m:r>
+                    <m:r>
+                      <m:t>0</m:t>
+                    </m:r>
+                  </m:oMath>
+                </a14:m>
+                <a:r>
+                  <a:rPr/>
+                  <a:t>.</a:t>
                 </a:r>
               </a:p>
               <a:p>
@@ -14857,7 +15961,7 @@
             </a:pPr>
             <a:r>
               <a:rPr/>
-              <a:t>Figure 1. Graph of unadjusted percentiles</a:t>
+              <a:t>Figure 12. Graph of unadjusted percentiles</a:t>
             </a:r>
           </a:p>
         </p:txBody>
@@ -14964,7 +16068,7 @@
             </a:pPr>
             <a:r>
               <a:rPr/>
-              <a:t>Figure 1. Percentiles with bias adjustment</a:t>
+              <a:t>Figure 13. Percentiles with bias adjustment</a:t>
             </a:r>
           </a:p>
         </p:txBody>
@@ -15071,7 +16175,7 @@
             </a:pPr>
             <a:r>
               <a:rPr/>
-              <a:t>Figure 1. Histogram of bootstrapped estimates</a:t>
+              <a:t>Figure 14. Histogram of bootstrapped estimates</a:t>
             </a:r>
           </a:p>
         </p:txBody>
@@ -15148,27 +16252,43 @@
               </a:p>
               <a:p>
                 <a:pPr lvl="1"/>
-                <a:r>
-                  <a:rPr/>
-                  <a:t>$H_0: </a:t>
-                </a:r>
                 <a14:m>
                   <m:oMath xmlns:m="http://schemas.openxmlformats.org/officeDocument/2006/math">
+                    <m:sSub>
+                      <m:e>
+                        <m:r>
+                          <m:t>H</m:t>
+                        </m:r>
+                      </m:e>
+                      <m:sub>
+                        <m:r>
+                          <m:t>0</m:t>
+                        </m:r>
+                      </m:sub>
+                    </m:sSub>
                     <m:r>
-                      <m:t>g</m:t>
+                      <m:rPr>
+                        <m:sty m:val="p"/>
+                      </m:rPr>
+                      <m:t>:</m:t>
                     </m:r>
                     <m:r>
-                      <m:t>e</m:t>
+                      <m:t> </m:t>
                     </m:r>
                     <m:r>
-                      <m:t>q</m:t>
+                      <m:t>θ</m:t>
+                    </m:r>
+                    <m:r>
+                      <m:rPr>
+                        <m:sty m:val="p"/>
+                      </m:rPr>
+                      <m:t>≤</m:t>
+                    </m:r>
+                    <m:r>
+                      <m:t>0</m:t>
                     </m:r>
                   </m:oMath>
                 </a14:m>
-                <a:r>
-                  <a:rPr/>
-                  <a:t> =0$</a:t>
-                </a:r>
               </a:p>
               <a:p>
                 <a:pPr lvl="1"/>
@@ -15445,29 +16565,29 @@
             </a:pPr>
             <a:r>
               <a:rPr/>
-              <a:t>Visualization (1/2)</a:t>
+              <a:t>Visualization (1/3)</a:t>
             </a:r>
           </a:p>
         </p:txBody>
       </p:sp>
       <p:pic>
         <p:nvPicPr>
-          <p:cNvPr descr="fig:  ../images/transplant-curves.png" id="0" name="Picture 1"/>
+          <p:cNvPr descr="fig:  ../images/transplant-curves-00.png" id="0" name="Picture 1"/>
           <p:cNvPicPr>
             <a:picLocks noGrp="1" noChangeAspect="1"/>
           </p:cNvPicPr>
           <p:nvPr/>
         </p:nvPicPr>
         <p:blipFill>
-          <a:blip r:embed="rId2"/>
+          <a:blip r:embed="rId3"/>
           <a:stretch>
             <a:fillRect/>
           </a:stretch>
         </p:blipFill>
         <p:spPr bwMode="auto">
           <a:xfrm>
-            <a:off x="4064000" y="1600200"/>
-            <a:ext cx="4064000" cy="4013200"/>
+            <a:off x="3619500" y="1600200"/>
+            <a:ext cx="4953000" cy="4013200"/>
           </a:xfrm>
           <a:prstGeom prst="rect">
             <a:avLst/>
@@ -15505,7 +16625,7 @@
             </a:pPr>
             <a:r>
               <a:rPr/>
-              <a:t>Figure 1. Age changes in risk for heart transplant patients</a:t>
+              <a:t>Figure 15. Age changes in risk for heart transplant patients</a:t>
             </a:r>
           </a:p>
         </p:txBody>
@@ -15552,29 +16672,29 @@
             </a:pPr>
             <a:r>
               <a:rPr/>
-              <a:t>Visualization (2/2)</a:t>
+              <a:t>Visualization (2/3)</a:t>
             </a:r>
           </a:p>
         </p:txBody>
       </p:sp>
       <p:pic>
         <p:nvPicPr>
-          <p:cNvPr descr="fig:  ../images/bootstrap-map.png" id="0" name="Picture 1"/>
+          <p:cNvPr descr="fig:  ../images/transplant-curves.png" id="0" name="Picture 1"/>
           <p:cNvPicPr>
             <a:picLocks noGrp="1" noChangeAspect="1"/>
           </p:cNvPicPr>
           <p:nvPr/>
         </p:nvPicPr>
         <p:blipFill>
-          <a:blip r:embed="rId2"/>
+          <a:blip r:embed="rId3"/>
           <a:stretch>
             <a:fillRect/>
           </a:stretch>
         </p:blipFill>
         <p:spPr bwMode="auto">
           <a:xfrm>
-            <a:off x="3962400" y="1600200"/>
-            <a:ext cx="4267200" cy="4013200"/>
+            <a:off x="4064000" y="1600200"/>
+            <a:ext cx="4064000" cy="4013200"/>
           </a:xfrm>
           <a:prstGeom prst="rect">
             <a:avLst/>
@@ -15612,7 +16732,7 @@
             </a:pPr>
             <a:r>
               <a:rPr/>
-              <a:t>Figure 1. Map</a:t>
+              <a:t>Figure 16. Age changes in risk using bootstrap samples</a:t>
             </a:r>
           </a:p>
         </p:txBody>
@@ -15659,44 +16779,67 @@
             </a:pPr>
             <a:r>
               <a:rPr/>
-              <a:t>How many bootstraps?</a:t>
-            </a:r>
-          </a:p>
-        </p:txBody>
-      </p:sp>
-      <p:sp>
-        <p:nvSpPr>
-          <p:cNvPr id="3" name="Content Placeholder 2"/>
-          <p:cNvSpPr>
-            <a:spLocks noGrp="1"/>
-          </p:cNvSpPr>
-          <p:nvPr>
-            <p:ph idx="1"/>
-          </p:nvPr>
-        </p:nvSpPr>
-        <p:spPr/>
-        <p:txBody>
-          <a:bodyPr/>
-          <a:lstStyle/>
-          <a:p>
-            <a:pPr lvl="0"/>
-            <a:r>
-              <a:rPr/>
-              <a:t>For visualization: 10 to 50</a:t>
-            </a:r>
-          </a:p>
-          <a:p>
-            <a:pPr lvl="0"/>
-            <a:r>
-              <a:rPr/>
-              <a:t>For estimating a standard error: 50 to 100</a:t>
-            </a:r>
-          </a:p>
-          <a:p>
-            <a:pPr lvl="0"/>
-            <a:r>
-              <a:rPr/>
-              <a:t>For confidence intervals and hypothesis tests: 500 to 1000</a:t>
+              <a:t>Visualization (3/3)</a:t>
+            </a:r>
+          </a:p>
+        </p:txBody>
+      </p:sp>
+      <p:pic>
+        <p:nvPicPr>
+          <p:cNvPr descr="fig:  ../images/bootstrap-map.png" id="0" name="Picture 1"/>
+          <p:cNvPicPr>
+            <a:picLocks noGrp="1" noChangeAspect="1"/>
+          </p:cNvPicPr>
+          <p:nvPr/>
+        </p:nvPicPr>
+        <p:blipFill>
+          <a:blip r:embed="rId3"/>
+          <a:stretch>
+            <a:fillRect/>
+          </a:stretch>
+        </p:blipFill>
+        <p:spPr bwMode="auto">
+          <a:xfrm>
+            <a:off x="3962400" y="1600200"/>
+            <a:ext cx="4267200" cy="4013200"/>
+          </a:xfrm>
+          <a:prstGeom prst="rect">
+            <a:avLst/>
+          </a:prstGeom>
+          <a:noFill/>
+          <a:ln w="9525">
+            <a:noFill/>
+            <a:headEnd/>
+            <a:tailEnd/>
+          </a:ln>
+        </p:spPr>
+      </p:pic>
+      <p:sp>
+        <p:nvSpPr>
+          <p:cNvPr id="1" name="TextBox 3"/>
+          <p:cNvSpPr txBox="1"/>
+          <p:nvPr/>
+        </p:nvSpPr>
+        <p:spPr>
+          <a:xfrm>
+            <a:off x="609600" y="5613400"/>
+            <a:ext cx="10972800" cy="508000"/>
+          </a:xfrm>
+          <a:prstGeom prst="rect">
+            <a:avLst/>
+          </a:prstGeom>
+          <a:noFill/>
+        </p:spPr>
+        <p:txBody>
+          <a:bodyPr/>
+          <a:lstStyle/>
+          <a:p>
+            <a:pPr lvl="0" indent="0" marL="0" algn="ctr">
+              <a:buNone/>
+            </a:pPr>
+            <a:r>
+              <a:rPr/>
+              <a:t>Figure 17. Map</a:t>
             </a:r>
           </a:p>
         </p:txBody>
@@ -15743,7 +16886,7 @@
             </a:pPr>
             <a:r>
               <a:rPr/>
-              <a:t>Break #2</a:t>
+              <a:t>How many bootstraps?</a:t>
             </a:r>
           </a:p>
         </p:txBody>
@@ -15766,28 +16909,21 @@
             <a:pPr lvl="0"/>
             <a:r>
               <a:rPr/>
-              <a:t>What you have learned</a:t>
-            </a:r>
-          </a:p>
-          <a:p>
-            <a:pPr lvl="1"/>
-            <a:r>
-              <a:rPr/>
-              <a:t>Purposes of the bootstrap</a:t>
+              <a:t>For estimating bias or a standard error: 50 to 100</a:t>
             </a:r>
           </a:p>
           <a:p>
             <a:pPr lvl="0"/>
             <a:r>
               <a:rPr/>
-              <a:t>What’s coming next</a:t>
-            </a:r>
-          </a:p>
-          <a:p>
-            <a:pPr lvl="1"/>
-            <a:r>
-              <a:rPr/>
-              <a:t>Software</a:t>
+              <a:t>For confidence intervals or hypothesis tests: 500 to 1,000</a:t>
+            </a:r>
+          </a:p>
+          <a:p>
+            <a:pPr lvl="0"/>
+            <a:r>
+              <a:rPr/>
+              <a:t>For visualization: 10 to 50</a:t>
             </a:r>
           </a:p>
         </p:txBody>
@@ -15834,72 +16970,51 @@
             </a:pPr>
             <a:r>
               <a:rPr/>
+              <a:t>Break #2</a:t>
+            </a:r>
+          </a:p>
+        </p:txBody>
+      </p:sp>
+      <p:sp>
+        <p:nvSpPr>
+          <p:cNvPr id="3" name="Content Placeholder 2"/>
+          <p:cNvSpPr>
+            <a:spLocks noGrp="1"/>
+          </p:cNvSpPr>
+          <p:nvPr>
+            <p:ph idx="1"/>
+          </p:nvPr>
+        </p:nvSpPr>
+        <p:spPr/>
+        <p:txBody>
+          <a:bodyPr/>
+          <a:lstStyle/>
+          <a:p>
+            <a:pPr lvl="0"/>
+            <a:r>
+              <a:rPr/>
+              <a:t>What you have learned</a:t>
+            </a:r>
+          </a:p>
+          <a:p>
+            <a:pPr lvl="1"/>
+            <a:r>
+              <a:rPr/>
+              <a:t>Algorithms</a:t>
+            </a:r>
+          </a:p>
+          <a:p>
+            <a:pPr lvl="0"/>
+            <a:r>
+              <a:rPr/>
+              <a:t>What’s coming next</a:t>
+            </a:r>
+          </a:p>
+          <a:p>
+            <a:pPr lvl="1"/>
+            <a:r>
+              <a:rPr/>
               <a:t>Software</a:t>
-            </a:r>
-          </a:p>
-        </p:txBody>
-      </p:sp>
-      <p:sp>
-        <p:nvSpPr>
-          <p:cNvPr id="3" name="Content Placeholder 2"/>
-          <p:cNvSpPr>
-            <a:spLocks noGrp="1"/>
-          </p:cNvSpPr>
-          <p:nvPr>
-            <p:ph idx="1"/>
-          </p:nvPr>
-        </p:nvSpPr>
-        <p:spPr/>
-        <p:txBody>
-          <a:bodyPr/>
-          <a:lstStyle/>
-          <a:p>
-            <a:pPr lvl="0"/>
-            <a:r>
-              <a:rPr/>
-              <a:t>You should know</a:t>
-            </a:r>
-          </a:p>
-          <a:p>
-            <a:pPr lvl="1"/>
-            <a:r>
-              <a:rPr/>
-              <a:t>How to loop (explicitly or implicitly)</a:t>
-            </a:r>
-          </a:p>
-          <a:p>
-            <a:pPr lvl="1"/>
-            <a:r>
-              <a:rPr/>
-              <a:t>How to extract specific values from the output</a:t>
-            </a:r>
-          </a:p>
-          <a:p>
-            <a:pPr lvl="0"/>
-            <a:r>
-              <a:rPr/>
-              <a:t>Examples</a:t>
-            </a:r>
-          </a:p>
-          <a:p>
-            <a:pPr lvl="1"/>
-            <a:r>
-              <a:rPr/>
-              <a:t>SAS</a:t>
-            </a:r>
-          </a:p>
-          <a:p>
-            <a:pPr lvl="1"/>
-            <a:r>
-              <a:rPr/>
-              <a:t>Stata</a:t>
-            </a:r>
-          </a:p>
-          <a:p>
-            <a:pPr lvl="1"/>
-            <a:r>
-              <a:rPr/>
-              <a:t>R</a:t>
             </a:r>
           </a:p>
         </p:txBody>
@@ -15946,7 +17061,7 @@
             </a:pPr>
             <a:r>
               <a:rPr/>
-              <a:t>Bootstrap in SAS (1/10)</a:t>
+              <a:t>Software</a:t>
             </a:r>
           </a:p>
         </p:txBody>
@@ -15969,29 +17084,56 @@
             <a:pPr lvl="0"/>
             <a:r>
               <a:rPr/>
-              <a:t>Example taken from UCLA Statistical Methods and Data Analytics site</a:t>
+              <a:t>You should know</a:t>
             </a:r>
           </a:p>
           <a:p>
             <a:pPr lvl="1"/>
             <a:r>
               <a:rPr/>
-              <a:t>Google ucla bootstrap sas</a:t>
-            </a:r>
-          </a:p>
-          <a:p>
-            <a:pPr lvl="0" indent="0">
-              <a:buNone/>
-            </a:pPr>
-            <a:r>
-              <a:rPr>
-                <a:latin typeface="Courier"/>
-              </a:rPr>
-              <a:t>ods output FitStatistics = t0;
-proc reg data = hsb2;
-  model read = female math write ses;
-run;
-quit;</a:t>
+              <a:t>How to loop (explicitly or implicitly)</a:t>
+            </a:r>
+          </a:p>
+          <a:p>
+            <a:pPr lvl="1"/>
+            <a:r>
+              <a:rPr/>
+              <a:t>How to extract specific values from the output</a:t>
+            </a:r>
+          </a:p>
+          <a:p>
+            <a:pPr lvl="0"/>
+            <a:r>
+              <a:rPr/>
+              <a:t>Why you should (should not) program a bootstrap</a:t>
+            </a:r>
+          </a:p>
+          <a:p>
+            <a:pPr lvl="0"/>
+            <a:r>
+              <a:rPr/>
+              <a:t>Examples</a:t>
+            </a:r>
+          </a:p>
+          <a:p>
+            <a:pPr lvl="1"/>
+            <a:r>
+              <a:rPr/>
+              <a:t>SAS</a:t>
+            </a:r>
+          </a:p>
+          <a:p>
+            <a:pPr lvl="1"/>
+            <a:r>
+              <a:rPr/>
+              <a:t>Stata</a:t>
+            </a:r>
+          </a:p>
+          <a:p>
+            <a:pPr lvl="1"/>
+            <a:r>
+              <a:rPr/>
+              <a:t>R</a:t>
             </a:r>
           </a:p>
         </p:txBody>
@@ -16038,7 +17180,7 @@
             </a:pPr>
             <a:r>
               <a:rPr/>
-              <a:t>Bootstrap in SAS (2/10)</a:t>
+              <a:t>Bootstrap in SAS (1/10)</a:t>
             </a:r>
           </a:p>
         </p:txBody>
@@ -16057,6 +17199,13 @@
         <p:txBody>
           <a:bodyPr/>
           <a:lstStyle/>
+          <a:p>
+            <a:pPr lvl="0"/>
+            <a:r>
+              <a:rPr/>
+              <a:t>Example taken from UCLA Statistical Methods and Data Analytics site</a:t>
+            </a:r>
+          </a:p>
           <a:p>
             <a:pPr lvl="0" indent="0">
               <a:buNone/>
@@ -16065,12 +17214,11 @@
               <a:rPr>
                 <a:latin typeface="Courier"/>
               </a:rPr>
-              <a:t>*store the estimated r-square;
-data _null_;
- set t0;
- if label2 =  "R-Square" then 
- call symput('r2bar', cvalue2);
-run;</a:t>
+              <a:t>ods output FitStatistics = t0;
+proc reg data = hsb2;
+  model read = female math write ses;
+run;
+quit;</a:t>
             </a:r>
           </a:p>
         </p:txBody>
@@ -16117,7 +17265,7 @@
             </a:pPr>
             <a:r>
               <a:rPr/>
-              <a:t>Bootstrap in SAS (3/10)</a:t>
+              <a:t>Bootstrap in SAS (2/10)</a:t>
             </a:r>
           </a:p>
         </p:txBody>
@@ -16144,12 +17292,12 @@
               <a:rPr>
                 <a:latin typeface="Courier"/>
               </a:rPr>
-              <a:t>%let rep = 500;
-proc surveyselect data= hsb2 out=bootsample
-     seed = 1347 method = urs
-     samprate = 1 outhits rep = &amp;rep;
-run;
-ods listing close;</a:t>
+              <a:t>*store the estimated r-square;
+data _null_;
+ set t0;
+ if label2 =  "R-Square" then 
+ call symput('r2bar', cvalue2);
+run;</a:t>
             </a:r>
           </a:p>
         </p:txBody>
@@ -16196,7 +17344,7 @@
             </a:pPr>
             <a:r>
               <a:rPr/>
-              <a:t>Bootstrap in SAS (4/10)</a:t>
+              <a:t>Bootstrap in SAS (3/10)</a:t>
             </a:r>
           </a:p>
         </p:txBody>
@@ -16223,12 +17371,12 @@
               <a:rPr>
                 <a:latin typeface="Courier"/>
               </a:rPr>
-              <a:t>Sample Size                       200
-Expected Number of Hits             1
-Sampling Weight                     1
-Number of Replicates              500
-Total Sample Size              100000
-Output Data Set            BOOTSAMPLE</a:t>
+              <a:t>%let rep = 500;
+proc surveyselect data= hsb2 out=bootsample
+     seed = 1347 method = urs
+     samprate = 1 outhits rep = &amp;rep;
+run;
+ods listing close;</a:t>
             </a:r>
           </a:p>
         </p:txBody>
@@ -16275,7 +17423,7 @@
             </a:pPr>
             <a:r>
               <a:rPr/>
-              <a:t>Bootstrap in SAS (5/10)</a:t>
+              <a:t>Bootstrap in SAS (4/10)</a:t>
             </a:r>
           </a:p>
         </p:txBody>
@@ -16302,12 +17450,12 @@
               <a:rPr>
                 <a:latin typeface="Courier"/>
               </a:rPr>
-              <a:t>ods output  FitStatistics = t (where = (label2 =  "R-Square"));
-proc reg data = bootsample;
-  by replicate;
-  model read = female math write ses;
-run;
-quit;</a:t>
+              <a:t>Sample Size                       200
+Expected Number of Hits             1
+Sampling Weight                     1
+Number of Replicates              500
+Total Sample Size              100000
+Output Data Set            BOOTSAMPLE</a:t>
             </a:r>
           </a:p>
         </p:txBody>
@@ -16705,7 +17853,7 @@
             </a:pPr>
             <a:r>
               <a:rPr/>
-              <a:t>Bootstrap in SAS (6/10)</a:t>
+              <a:t>Bootstrap in SAS (5/10)</a:t>
             </a:r>
           </a:p>
         </p:txBody>
@@ -16732,11 +17880,12 @@
               <a:rPr>
                 <a:latin typeface="Courier"/>
               </a:rPr>
-              <a:t>* converting character type to numeric type;
-data t1;
-  set t;
-  r2 = cvalue2 + 0;
-run;</a:t>
+              <a:t>ods output  FitStatistics = t (where = (label2 =  "R-Square"));
+proc reg data = bootsample;
+  by replicate;
+  model read = female math write ses;
+run;
+quit;</a:t>
             </a:r>
           </a:p>
         </p:txBody>
@@ -16783,7 +17932,7 @@
             </a:pPr>
             <a:r>
               <a:rPr/>
-              <a:t>Bootstrap in SAS (7/10)</a:t>
+              <a:t>Bootstrap in SAS (6/10)</a:t>
             </a:r>
           </a:p>
         </p:txBody>
@@ -16810,9 +17959,11 @@
               <a:rPr>
                 <a:latin typeface="Courier"/>
               </a:rPr>
-              <a:t>%let alphalev = .05;
-%let a1 = %sysevalf(&amp;alphalev/2*100);
-%let a2 = %sysevalf((1 - &amp;alphalev/2)*100);</a:t>
+              <a:t>* converting character type to numeric type;
+data t1;
+  set t;
+  r2 = cvalue2 + 0;
+run;</a:t>
             </a:r>
           </a:p>
         </p:txBody>
@@ -16859,7 +18010,7 @@
             </a:pPr>
             <a:r>
               <a:rPr/>
-              <a:t>Bootstrap in SAS (8/10)</a:t>
+              <a:t>Bootstrap in SAS (7/10)</a:t>
             </a:r>
           </a:p>
         </p:txBody>
@@ -16886,11 +18037,9 @@
               <a:rPr>
                 <a:latin typeface="Courier"/>
               </a:rPr>
-              <a:t>* creating confidence interval, percentile method;
-proc univariate data = t1 alpha = .05;
-  var r2;
-  output out=pmethod mean = r2hat pctlpts=&amp;a1 &amp;a2 pctlpre = p pctlname = _lb _ub ;
-run;</a:t>
+              <a:t>%let alphalev = .05;
+%let a1 = %sysevalf(&amp;alphalev/2*100);
+%let a2 = %sysevalf((1 - &amp;alphalev/2)*100);</a:t>
             </a:r>
           </a:p>
         </p:txBody>
@@ -16937,7 +18086,7 @@
             </a:pPr>
             <a:r>
               <a:rPr/>
-              <a:t>Bootstrap in SAS (9/10)</a:t>
+              <a:t>Bootstrap in SAS (8/10)</a:t>
             </a:r>
           </a:p>
         </p:txBody>
@@ -16964,12 +18113,11 @@
               <a:rPr>
                 <a:latin typeface="Courier"/>
               </a:rPr>
-              <a:t>data t2;
-  set pmethod;
-  bias = r2hat - &amp;r2bar;
-  r2 = &amp;r2bar;
-run;
-ods listing;</a:t>
+              <a:t>* creating confidence interval, percentile method;
+proc univariate data = t1 alpha = .05;
+  var r2;
+  output out=pmethod mean = r2hat pctlpts=&amp;a1 &amp;a2 pctlpre = p pctlname = _lb _ub ;
+run;</a:t>
             </a:r>
           </a:p>
         </p:txBody>
@@ -17016,7 +18164,7 @@
             </a:pPr>
             <a:r>
               <a:rPr/>
-              <a:t>Bootstrap in SAS (10/10)</a:t>
+              <a:t>Bootstrap in SAS (9/10)</a:t>
             </a:r>
           </a:p>
         </p:txBody>
@@ -17043,11 +18191,12 @@
               <a:rPr>
                 <a:latin typeface="Courier"/>
               </a:rPr>
-              <a:t>proc print data  = t2;
-  var r2 bias p_lb p_ub;
+              <a:t>data t2;
+  set pmethod;
+  bias = r2hat - &amp;r2bar;
+  r2 = &amp;r2bar;
 run;
-Obs      r2        bias       p_lb     p_ub
- 1     0.5189    .0066164    0.436    0.6017</a:t>
+ods listing;</a:t>
             </a:r>
           </a:p>
         </p:txBody>
@@ -17094,7 +18243,7 @@
             </a:pPr>
             <a:r>
               <a:rPr/>
-              <a:t>Bootstrap in Stata (1/4)</a:t>
+              <a:t>Bootstrap in SAS (10/10)</a:t>
             </a:r>
           </a:p>
         </p:txBody>
@@ -17114,38 +18263,20 @@
           <a:bodyPr/>
           <a:lstStyle/>
           <a:p>
-            <a:pPr lvl="0"/>
-            <a:r>
-              <a:rPr/>
-              <a:t>A bit easier</a:t>
-            </a:r>
-          </a:p>
-          <a:p>
-            <a:pPr lvl="1"/>
-            <a:r>
-              <a:rPr/>
-              <a:t>Built-in bootstrap command</a:t>
-            </a:r>
-          </a:p>
-          <a:p>
-            <a:pPr lvl="1"/>
-            <a:r>
-              <a:rPr/>
-              <a:t>Simpler handling of output</a:t>
-            </a:r>
-          </a:p>
-          <a:p>
-            <a:pPr lvl="0"/>
-            <a:r>
-              <a:rPr/>
-              <a:t>Example taken from UCLA Statistical Methods and Data Analytics site</a:t>
-            </a:r>
-          </a:p>
-          <a:p>
-            <a:pPr lvl="1"/>
-            <a:r>
-              <a:rPr/>
-              <a:t>Google ucla bootstrap stata</a:t>
+            <a:pPr lvl="0" indent="0">
+              <a:buNone/>
+            </a:pPr>
+            <a:r>
+              <a:rPr>
+                <a:latin typeface="Courier"/>
+              </a:rPr>
+              <a:t>proc print data  = t2;
+  var r2 bias p_lb p_ub;
+run;
+Obs        r2        bias   
+ 1     0.5189    .0066164 
+         p_lb      p_ub
+        0.436    0.6017     </a:t>
             </a:r>
           </a:p>
         </p:txBody>
@@ -17192,7 +18323,7 @@
             </a:pPr>
             <a:r>
               <a:rPr/>
-              <a:t>Bootstrap in Stata (2/4)</a:t>
+              <a:t>Bootstrap in Stata (1/4)</a:t>
             </a:r>
           </a:p>
         </p:txBody>
@@ -17212,15 +18343,31 @@
           <a:bodyPr/>
           <a:lstStyle/>
           <a:p>
-            <a:pPr lvl="0" indent="0">
-              <a:buNone/>
-            </a:pPr>
-            <a:r>
-              <a:rPr>
-                <a:latin typeface="Courier"/>
-              </a:rPr>
-              <a:t>use http://statistics.ats.ucla.edu/stat/stata/notes/hsb2, clear
-regress read female math write ses</a:t>
+            <a:pPr lvl="0"/>
+            <a:r>
+              <a:rPr/>
+              <a:t>A bit easier</a:t>
+            </a:r>
+          </a:p>
+          <a:p>
+            <a:pPr lvl="1"/>
+            <a:r>
+              <a:rPr/>
+              <a:t>Built-in bootstrap command</a:t>
+            </a:r>
+          </a:p>
+          <a:p>
+            <a:pPr lvl="1"/>
+            <a:r>
+              <a:rPr/>
+              <a:t>Simpler handling of output</a:t>
+            </a:r>
+          </a:p>
+          <a:p>
+            <a:pPr lvl="0"/>
+            <a:r>
+              <a:rPr/>
+              <a:t>Example taken from UCLA Statistical Methods and Data Analytics site</a:t>
             </a:r>
           </a:p>
         </p:txBody>
@@ -17267,7 +18414,7 @@
             </a:pPr>
             <a:r>
               <a:rPr/>
-              <a:t>Bootstrap in Stata (3/4)</a:t>
+              <a:t>Bootstrap in Stata (2/4)</a:t>
             </a:r>
           </a:p>
         </p:txBody>
@@ -17294,7 +18441,8 @@
               <a:rPr>
                 <a:latin typeface="Courier"/>
               </a:rPr>
-              <a:t>bootstrap rmse=e(rmse), reps(100) seed(12345): regress read female math write ses</a:t>
+              <a:t>use http://statistics.ats.ucla.edu/stat/stata/notes/hsb2, clear
+regress read female math write ses</a:t>
             </a:r>
           </a:p>
         </p:txBody>
@@ -17341,7 +18489,7 @@
             </a:pPr>
             <a:r>
               <a:rPr/>
-              <a:t>Bootstrap in Stata (4/4)</a:t>
+              <a:t>Bootstrap in Stata (3/4)</a:t>
             </a:r>
           </a:p>
         </p:txBody>
@@ -17368,19 +18516,7 @@
               <a:rPr>
                 <a:latin typeface="Courier"/>
               </a:rPr>
-              <a:t>---------------------------------------
-             |   Observed   Bootstrap 
-             |      Coef.   Std. Err. 
--------------+------------------------
-        rmse |   7.184202   .2594069  
---------------------------------------
---------------------------------------
-                    Normal-based
- z    P&gt;|z|     [95% Conf. Interval]
---------------------------------------
-27.69   0.000     6.675774     7.69263
---------------------------------------
-</a:t>
+              <a:t>bootstrap rmse=e(rmse), reps(100) seed(12345): regress read female math write ses</a:t>
             </a:r>
           </a:p>
         </p:txBody>
@@ -17427,7 +18563,7 @@
             </a:pPr>
             <a:r>
               <a:rPr/>
-              <a:t>Bootstrap in R (1/4)</a:t>
+              <a:t>Bootstrap in Stata (4/4)</a:t>
             </a:r>
           </a:p>
         </p:txBody>
@@ -17447,45 +18583,20 @@
           <a:bodyPr/>
           <a:lstStyle/>
           <a:p>
-            <a:pPr lvl="0"/>
-            <a:r>
-              <a:rPr/>
-              <a:t>Easiest and most flexible choice</a:t>
-            </a:r>
-          </a:p>
-          <a:p>
-            <a:pPr lvl="1"/>
-            <a:r>
-              <a:rPr/>
-              <a:t>Special library</a:t>
-            </a:r>
-          </a:p>
-          <a:p>
-            <a:pPr lvl="1"/>
-            <a:r>
-              <a:rPr/>
-              <a:t>Simple looping stuctures</a:t>
-            </a:r>
-          </a:p>
-          <a:p>
-            <a:pPr lvl="1"/>
-            <a:r>
-              <a:rPr/>
-              <a:t>Easy to extract specific values</a:t>
-            </a:r>
-          </a:p>
-          <a:p>
-            <a:pPr lvl="0"/>
-            <a:r>
-              <a:rPr/>
-              <a:t>Example taken from UCLA Statistical Methods and Data Analytics site</a:t>
-            </a:r>
-          </a:p>
-          <a:p>
-            <a:pPr lvl="1"/>
-            <a:r>
-              <a:rPr/>
-              <a:t>Google ucla bootstrap r</a:t>
+            <a:pPr lvl="0" indent="0">
+              <a:buNone/>
+            </a:pPr>
+            <a:r>
+              <a:rPr>
+                <a:latin typeface="Courier"/>
+              </a:rPr>
+              <a:t>                 Observed   Bootstrap 
+                    Coef.   Std. Err. 
+        rmse     7.184202   .2594069  
+                    Normal-based
+ z      P&gt;|z|     [95% Conf. Interval]
+27.69   0.000     6.675774     7.69263
+</a:t>
             </a:r>
           </a:p>
         </p:txBody>
@@ -17823,7 +18934,7 @@
             </a:pPr>
             <a:r>
               <a:rPr/>
-              <a:t>Bootstrap in R (2/4)</a:t>
+              <a:t>Bootstrap in R (1/4)</a:t>
             </a:r>
           </a:p>
         </p:txBody>
@@ -17843,15 +18954,38 @@
           <a:bodyPr/>
           <a:lstStyle/>
           <a:p>
-            <a:pPr lvl="0" indent="0">
-              <a:buNone/>
-            </a:pPr>
-            <a:r>
-              <a:rPr>
-                <a:latin typeface="Courier"/>
-              </a:rPr>
-              <a:t>library(boot)
-hsb2 &lt;- read.table("https://stats.idre.ucla.edu/stat/data/hsb2.csv", sep=",", header=T)</a:t>
+            <a:pPr lvl="0"/>
+            <a:r>
+              <a:rPr/>
+              <a:t>Easiest and most flexible choice</a:t>
+            </a:r>
+          </a:p>
+          <a:p>
+            <a:pPr lvl="1"/>
+            <a:r>
+              <a:rPr/>
+              <a:t>Special library</a:t>
+            </a:r>
+          </a:p>
+          <a:p>
+            <a:pPr lvl="1"/>
+            <a:r>
+              <a:rPr/>
+              <a:t>Simple looping stuctures</a:t>
+            </a:r>
+          </a:p>
+          <a:p>
+            <a:pPr lvl="1"/>
+            <a:r>
+              <a:rPr/>
+              <a:t>Easy to extract specific values</a:t>
+            </a:r>
+          </a:p>
+          <a:p>
+            <a:pPr lvl="0"/>
+            <a:r>
+              <a:rPr/>
+              <a:t>Example taken from UCLA Statistical Methods and Data Analytics site</a:t>
             </a:r>
           </a:p>
         </p:txBody>
@@ -17898,7 +19032,7 @@
             </a:pPr>
             <a:r>
               <a:rPr/>
-              <a:t>Bootstrap in R (3/4)</a:t>
+              <a:t>Bootstrap in R (2/4)</a:t>
             </a:r>
           </a:p>
         </p:txBody>
@@ -17925,12 +19059,8 @@
               <a:rPr>
                 <a:latin typeface="Courier"/>
               </a:rPr>
-              <a:t>fc &lt;- function(d, i){
-    d2 &lt;- d[i,]
-    return(cor(d2$write, d2$math))
-}
-set.seed(626)
-bootcorr &lt;- boot(hsb2, fc, R=500)</a:t>
+              <a:t>library(boot)
+hsb2 &lt;- read.table("https://stats.idre.ucla.edu/stat/data/hsb2.csv", sep=",", header=T)</a:t>
             </a:r>
           </a:p>
         </p:txBody>
@@ -17977,7 +19107,7 @@
             </a:pPr>
             <a:r>
               <a:rPr/>
-              <a:t>Bootstrap in R (4/4)</a:t>
+              <a:t>Bootstrap in R (3/4)</a:t>
             </a:r>
           </a:p>
         </p:txBody>
@@ -18004,9 +19134,12 @@
               <a:rPr>
                 <a:latin typeface="Courier"/>
               </a:rPr>
-              <a:t>Bootstrap Statistics :
-     original       bias    std. error
-t1* 0.6174493 -0.001528707  0.04020362</a:t>
+              <a:t>fc &lt;- function(d, i){
+    d2 &lt;- d[i,]
+    return(cor(d2$write, d2$math))
+}
+set.seed(626)
+bootcorr &lt;- boot(hsb2, fc, R=500)</a:t>
             </a:r>
           </a:p>
         </p:txBody>
@@ -18053,7 +19186,7 @@
             </a:pPr>
             <a:r>
               <a:rPr/>
-              <a:t>Break #3</a:t>
+              <a:t>Bootstrap in R (4/4)</a:t>
             </a:r>
           </a:p>
         </p:txBody>
@@ -18073,31 +19206,16 @@
           <a:bodyPr/>
           <a:lstStyle/>
           <a:p>
-            <a:pPr lvl="0"/>
-            <a:r>
-              <a:rPr/>
-              <a:t>What have you learned</a:t>
-            </a:r>
-          </a:p>
-          <a:p>
-            <a:pPr lvl="1"/>
-            <a:r>
-              <a:rPr/>
-              <a:t>Software</a:t>
-            </a:r>
-          </a:p>
-          <a:p>
-            <a:pPr lvl="0"/>
-            <a:r>
-              <a:rPr/>
-              <a:t>What’s coming next</a:t>
-            </a:r>
-          </a:p>
-          <a:p>
-            <a:pPr lvl="1"/>
-            <a:r>
-              <a:rPr/>
-              <a:t>Special issues</a:t>
+            <a:pPr lvl="0" indent="0">
+              <a:buNone/>
+            </a:pPr>
+            <a:r>
+              <a:rPr>
+                <a:latin typeface="Courier"/>
+              </a:rPr>
+              <a:t>Bootstrap Statistics :
+     original       bias    std. error
+t1* 0.6174493 -0.001528707  0.04020362</a:t>
             </a:r>
           </a:p>
         </p:txBody>
@@ -18144,7 +19262,7 @@
             </a:pPr>
             <a:r>
               <a:rPr/>
-              <a:t>Special issues</a:t>
+              <a:t>Break #3</a:t>
             </a:r>
           </a:p>
         </p:txBody>
@@ -18167,21 +19285,28 @@
             <a:pPr lvl="0"/>
             <a:r>
               <a:rPr/>
-              <a:t>Multiple groups</a:t>
+              <a:t>What have you learned</a:t>
+            </a:r>
+          </a:p>
+          <a:p>
+            <a:pPr lvl="1"/>
+            <a:r>
+              <a:rPr/>
+              <a:t>Software</a:t>
             </a:r>
           </a:p>
           <a:p>
             <a:pPr lvl="0"/>
             <a:r>
               <a:rPr/>
-              <a:t>Time series</a:t>
-            </a:r>
-          </a:p>
-          <a:p>
-            <a:pPr lvl="0"/>
-            <a:r>
-              <a:rPr/>
-              <a:t>Regression models</a:t>
+              <a:t>What’s coming next</a:t>
+            </a:r>
+          </a:p>
+          <a:p>
+            <a:pPr lvl="1"/>
+            <a:r>
+              <a:rPr/>
+              <a:t>Special settings</a:t>
             </a:r>
           </a:p>
         </p:txBody>
@@ -18228,44 +19353,44 @@
             </a:pPr>
             <a:r>
               <a:rPr/>
+              <a:t>Special settings</a:t>
+            </a:r>
+          </a:p>
+        </p:txBody>
+      </p:sp>
+      <p:sp>
+        <p:nvSpPr>
+          <p:cNvPr id="3" name="Content Placeholder 2"/>
+          <p:cNvSpPr>
+            <a:spLocks noGrp="1"/>
+          </p:cNvSpPr>
+          <p:nvPr>
+            <p:ph idx="1"/>
+          </p:nvPr>
+        </p:nvSpPr>
+        <p:spPr/>
+        <p:txBody>
+          <a:bodyPr/>
+          <a:lstStyle/>
+          <a:p>
+            <a:pPr lvl="0"/>
+            <a:r>
+              <a:rPr/>
               <a:t>Multiple groups</a:t>
             </a:r>
           </a:p>
-        </p:txBody>
-      </p:sp>
-      <p:sp>
-        <p:nvSpPr>
-          <p:cNvPr id="3" name="Content Placeholder 2"/>
-          <p:cNvSpPr>
-            <a:spLocks noGrp="1"/>
-          </p:cNvSpPr>
-          <p:nvPr>
-            <p:ph idx="1"/>
-          </p:nvPr>
-        </p:nvSpPr>
-        <p:spPr/>
-        <p:txBody>
-          <a:bodyPr/>
-          <a:lstStyle/>
           <a:p>
             <a:pPr lvl="0"/>
             <a:r>
               <a:rPr/>
-              <a:t>Do you allow the group sizes to vary?</a:t>
+              <a:t>Time series</a:t>
             </a:r>
           </a:p>
           <a:p>
             <a:pPr lvl="0"/>
             <a:r>
               <a:rPr/>
-              <a:t>Stratified bootstrap</a:t>
-            </a:r>
-          </a:p>
-          <a:p>
-            <a:pPr lvl="1"/>
-            <a:r>
-              <a:rPr/>
-              <a:t>Two group example</a:t>
+              <a:t>Regression models</a:t>
             </a:r>
           </a:p>
         </p:txBody>
@@ -18312,7 +19437,7 @@
             </a:pPr>
             <a:r>
               <a:rPr/>
-              <a:t>Time series</a:t>
+              <a:t>Multiple groups</a:t>
             </a:r>
           </a:p>
         </p:txBody>
@@ -18335,56 +19460,21 @@
             <a:pPr lvl="0"/>
             <a:r>
               <a:rPr/>
-              <a:t>Simple bootstrap destroys important features of time series models</a:t>
+              <a:t>Do you allow the group sizes to vary?</a:t>
+            </a:r>
+          </a:p>
+          <a:p>
+            <a:pPr lvl="0"/>
+            <a:r>
+              <a:rPr/>
+              <a:t>Stratified bootstrap</a:t>
             </a:r>
           </a:p>
           <a:p>
             <a:pPr lvl="1"/>
             <a:r>
               <a:rPr/>
-              <a:t>Evenly spaced observations</a:t>
-            </a:r>
-          </a:p>
-          <a:p>
-            <a:pPr lvl="1"/>
-            <a:r>
-              <a:rPr/>
-              <a:t>Serial correlation</a:t>
-            </a:r>
-          </a:p>
-          <a:p>
-            <a:pPr lvl="1"/>
-            <a:r>
-              <a:rPr/>
-              <a:t>Seasonality</a:t>
-            </a:r>
-          </a:p>
-          <a:p>
-            <a:pPr lvl="1"/>
-            <a:r>
-              <a:rPr/>
-              <a:t>Temporal trends</a:t>
-            </a:r>
-          </a:p>
-          <a:p>
-            <a:pPr lvl="0"/>
-            <a:r>
-              <a:rPr/>
-              <a:t>Solutions</a:t>
-            </a:r>
-          </a:p>
-          <a:p>
-            <a:pPr lvl="1"/>
-            <a:r>
-              <a:rPr/>
-              <a:t>Bootstrap blocks of consecutive observations</a:t>
-            </a:r>
-          </a:p>
-          <a:p>
-            <a:pPr lvl="1"/>
-            <a:r>
-              <a:rPr/>
-              <a:t>Detrend/decompose the time series</a:t>
+              <a:t>Two group example</a:t>
             </a:r>
           </a:p>
         </p:txBody>
@@ -18431,7 +19521,7 @@
             </a:pPr>
             <a:r>
               <a:rPr/>
-              <a:t>Regression models</a:t>
+              <a:t>Time series</a:t>
             </a:r>
           </a:p>
         </p:txBody>
@@ -18454,21 +19544,56 @@
             <a:pPr lvl="0"/>
             <a:r>
               <a:rPr/>
-              <a:t>Subsample may have perfect collinearity</a:t>
+              <a:t>Simple bootstrap destroys important features of time series models</a:t>
+            </a:r>
+          </a:p>
+          <a:p>
+            <a:pPr lvl="1"/>
+            <a:r>
+              <a:rPr/>
+              <a:t>Evenly spaced observations</a:t>
+            </a:r>
+          </a:p>
+          <a:p>
+            <a:pPr lvl="1"/>
+            <a:r>
+              <a:rPr/>
+              <a:t>Serial correlation</a:t>
+            </a:r>
+          </a:p>
+          <a:p>
+            <a:pPr lvl="1"/>
+            <a:r>
+              <a:rPr/>
+              <a:t>Seasonality</a:t>
+            </a:r>
+          </a:p>
+          <a:p>
+            <a:pPr lvl="1"/>
+            <a:r>
+              <a:rPr/>
+              <a:t>Temporal trends</a:t>
             </a:r>
           </a:p>
           <a:p>
             <a:pPr lvl="0"/>
             <a:r>
               <a:rPr/>
-              <a:t>Are the independent variables fixed or random?</a:t>
-            </a:r>
-          </a:p>
-          <a:p>
-            <a:pPr lvl="0"/>
-            <a:r>
-              <a:rPr/>
-              <a:t>Solution: bootstrap residuals</a:t>
+              <a:t>Solutions</a:t>
+            </a:r>
+          </a:p>
+          <a:p>
+            <a:pPr lvl="1"/>
+            <a:r>
+              <a:rPr/>
+              <a:t>Bootstrap blocks of consecutive observations</a:t>
+            </a:r>
+          </a:p>
+          <a:p>
+            <a:pPr lvl="1"/>
+            <a:r>
+              <a:rPr/>
+              <a:t>Detrend/decompose the time series</a:t>
             </a:r>
           </a:p>
         </p:txBody>
@@ -18515,7 +19640,7 @@
             </a:pPr>
             <a:r>
               <a:rPr/>
-              <a:t>Final bits of advice (1/2)</a:t>
+              <a:t>Regression models</a:t>
             </a:r>
           </a:p>
         </p:txBody>
@@ -18538,56 +19663,21 @@
             <a:pPr lvl="0"/>
             <a:r>
               <a:rPr/>
-              <a:t>Situations where the bootstrap performs poorly</a:t>
-            </a:r>
-          </a:p>
-          <a:p>
-            <a:pPr lvl="1"/>
-            <a:r>
-              <a:rPr/>
-              <a:t>Small sample size</a:t>
-            </a:r>
-          </a:p>
-          <a:p>
-            <a:pPr lvl="1"/>
-            <a:r>
-              <a:rPr/>
-              <a:t>Data from “weird” distributions</a:t>
-            </a:r>
-          </a:p>
-          <a:p>
-            <a:pPr lvl="1"/>
-            <a:r>
-              <a:rPr/>
-              <a:t>Statistics at or near the extremes</a:t>
+              <a:t>Subsample may have perfect collinearity</a:t>
             </a:r>
           </a:p>
           <a:p>
             <a:pPr lvl="0"/>
             <a:r>
               <a:rPr/>
-              <a:t>Situations where a simple bootstrap performs poorly</a:t>
-            </a:r>
-          </a:p>
-          <a:p>
-            <a:pPr lvl="1"/>
-            <a:r>
-              <a:rPr/>
-              <a:t>Multiple groups with small sample sizes</a:t>
-            </a:r>
-          </a:p>
-          <a:p>
-            <a:pPr lvl="1"/>
-            <a:r>
-              <a:rPr/>
-              <a:t>Time series models</a:t>
-            </a:r>
-          </a:p>
-          <a:p>
-            <a:pPr lvl="1"/>
-            <a:r>
-              <a:rPr/>
-              <a:t>Complex regression models</a:t>
+              <a:t>Are the independent variables fixed or random?</a:t>
+            </a:r>
+          </a:p>
+          <a:p>
+            <a:pPr lvl="0"/>
+            <a:r>
+              <a:rPr/>
+              <a:t>Solution: bootstrap residuals</a:t>
             </a:r>
           </a:p>
         </p:txBody>
@@ -18634,7 +19724,7 @@
             </a:pPr>
             <a:r>
               <a:rPr/>
-              <a:t>Final bits of advice (2/2)</a:t>
+              <a:t>Final bits of advice (1/2)</a:t>
             </a:r>
           </a:p>
         </p:txBody>
@@ -18657,35 +19747,49 @@
             <a:pPr lvl="0"/>
             <a:r>
               <a:rPr/>
-              <a:t>Situations where the bootstrap performs well</a:t>
+              <a:t>Situations where the bootstrap performs poorly</a:t>
             </a:r>
           </a:p>
           <a:p>
             <a:pPr lvl="1"/>
             <a:r>
               <a:rPr/>
-              <a:t>Statistics with no known theoretical results</a:t>
+              <a:t>Data from “weird” distributions</a:t>
             </a:r>
           </a:p>
           <a:p>
             <a:pPr lvl="1"/>
             <a:r>
               <a:rPr/>
-              <a:t>Statistics where approximations are questionable</a:t>
+              <a:t>Statistics at or near the extremes</a:t>
             </a:r>
           </a:p>
           <a:p>
             <a:pPr lvl="0"/>
             <a:r>
               <a:rPr/>
-              <a:t>But you can’t squeeze blood from a turnip.</a:t>
+              <a:t>Situations where a simple bootstrap performs poorly</a:t>
             </a:r>
           </a:p>
           <a:p>
             <a:pPr lvl="1"/>
             <a:r>
               <a:rPr/>
-              <a:t>Very small sample sizes are still very small sample sizes</a:t>
+              <a:t>Multiple groups with small sample sizes</a:t>
+            </a:r>
+          </a:p>
+          <a:p>
+            <a:pPr lvl="1"/>
+            <a:r>
+              <a:rPr/>
+              <a:t>Time series models</a:t>
+            </a:r>
+          </a:p>
+          <a:p>
+            <a:pPr lvl="1"/>
+            <a:r>
+              <a:rPr/>
+              <a:t>Regression models</a:t>
             </a:r>
           </a:p>
         </p:txBody>
@@ -19026,6 +20130,104 @@
             </a:pPr>
             <a:r>
               <a:rPr/>
+              <a:t>Final bits of advice (2/2)</a:t>
+            </a:r>
+          </a:p>
+        </p:txBody>
+      </p:sp>
+      <p:sp>
+        <p:nvSpPr>
+          <p:cNvPr id="3" name="Content Placeholder 2"/>
+          <p:cNvSpPr>
+            <a:spLocks noGrp="1"/>
+          </p:cNvSpPr>
+          <p:nvPr>
+            <p:ph idx="1"/>
+          </p:nvPr>
+        </p:nvSpPr>
+        <p:spPr/>
+        <p:txBody>
+          <a:bodyPr/>
+          <a:lstStyle/>
+          <a:p>
+            <a:pPr lvl="0"/>
+            <a:r>
+              <a:rPr/>
+              <a:t>Situations where the bootstrap performs well</a:t>
+            </a:r>
+          </a:p>
+          <a:p>
+            <a:pPr lvl="1"/>
+            <a:r>
+              <a:rPr/>
+              <a:t>Statistics with no known theoretical results</a:t>
+            </a:r>
+          </a:p>
+          <a:p>
+            <a:pPr lvl="1"/>
+            <a:r>
+              <a:rPr/>
+              <a:t>Statistics where approximations are questionable</a:t>
+            </a:r>
+          </a:p>
+          <a:p>
+            <a:pPr lvl="0"/>
+            <a:r>
+              <a:rPr/>
+              <a:t>But you can’t squeeze blood from a turnip.</a:t>
+            </a:r>
+          </a:p>
+          <a:p>
+            <a:pPr lvl="1"/>
+            <a:r>
+              <a:rPr/>
+              <a:t>Very small sample sizes are still very small sample sizes</a:t>
+            </a:r>
+          </a:p>
+        </p:txBody>
+      </p:sp>
+    </p:spTree>
+  </p:cSld>
+</p:sld>
+</file>
+
+<file path=ppt/slides/slide71.xml><?xml version="1.0" encoding="utf-8"?>
+<p:sld xmlns:a="http://schemas.openxmlformats.org/drawingml/2006/main" xmlns:r="http://schemas.openxmlformats.org/officeDocument/2006/relationships" xmlns:p="http://schemas.openxmlformats.org/presentationml/2006/main">
+  <p:cSld>
+    <p:spTree>
+      <p:nvGrpSpPr>
+        <p:cNvPr id="1" name=""/>
+        <p:cNvGrpSpPr/>
+        <p:nvPr/>
+      </p:nvGrpSpPr>
+      <p:grpSpPr>
+        <a:xfrm>
+          <a:off x="0" y="0"/>
+          <a:ext cx="0" cy="0"/>
+          <a:chOff x="0" y="0"/>
+          <a:chExt cx="0" cy="0"/>
+        </a:xfrm>
+      </p:grpSpPr>
+      <p:sp>
+        <p:nvSpPr>
+          <p:cNvPr id="2" name="Title 1"/>
+          <p:cNvSpPr>
+            <a:spLocks noGrp="1"/>
+          </p:cNvSpPr>
+          <p:nvPr>
+            <p:ph type="title"/>
+          </p:nvPr>
+        </p:nvSpPr>
+        <p:spPr/>
+        <p:txBody>
+          <a:bodyPr/>
+          <a:lstStyle/>
+          <a:p>
+            <a:pPr lvl="0" indent="0" marL="0">
+              <a:buNone/>
+            </a:pPr>
+            <a:r>
+              <a:rPr/>
               <a:t>Summary</a:t>
             </a:r>
           </a:p>
@@ -19070,7 +20272,97 @@
             <a:pPr lvl="0"/>
             <a:r>
               <a:rPr/>
-              <a:t>Special issues</a:t>
+              <a:t>Special settings</a:t>
+            </a:r>
+          </a:p>
+        </p:txBody>
+      </p:sp>
+    </p:spTree>
+  </p:cSld>
+</p:sld>
+</file>
+
+<file path=ppt/slides/slide72.xml><?xml version="1.0" encoding="utf-8"?>
+<p:sld xmlns:a="http://schemas.openxmlformats.org/drawingml/2006/main" xmlns:r="http://schemas.openxmlformats.org/officeDocument/2006/relationships" xmlns:p="http://schemas.openxmlformats.org/presentationml/2006/main">
+  <p:cSld>
+    <p:spTree>
+      <p:nvGrpSpPr>
+        <p:cNvPr id="1" name=""/>
+        <p:cNvGrpSpPr/>
+        <p:nvPr/>
+      </p:nvGrpSpPr>
+      <p:grpSpPr>
+        <a:xfrm>
+          <a:off x="0" y="0"/>
+          <a:ext cx="0" cy="0"/>
+          <a:chOff x="0" y="0"/>
+          <a:chExt cx="0" cy="0"/>
+        </a:xfrm>
+      </p:grpSpPr>
+      <p:sp>
+        <p:nvSpPr>
+          <p:cNvPr id="2" name="Title 1"/>
+          <p:cNvSpPr>
+            <a:spLocks noGrp="1"/>
+          </p:cNvSpPr>
+          <p:nvPr>
+            <p:ph type="title"/>
+          </p:nvPr>
+        </p:nvSpPr>
+        <p:spPr/>
+        <p:txBody>
+          <a:bodyPr/>
+          <a:lstStyle/>
+          <a:p>
+            <a:pPr lvl="0" indent="0" marL="0">
+              <a:buNone/>
+            </a:pPr>
+            <a:r>
+              <a:rPr/>
+              <a:t>Bibliography</a:t>
+            </a:r>
+          </a:p>
+        </p:txBody>
+      </p:sp>
+      <p:sp>
+        <p:nvSpPr>
+          <p:cNvPr id="3" name="Content Placeholder 2"/>
+          <p:cNvSpPr>
+            <a:spLocks noGrp="1"/>
+          </p:cNvSpPr>
+          <p:nvPr>
+            <p:ph idx="1"/>
+          </p:nvPr>
+        </p:nvSpPr>
+        <p:spPr/>
+        <p:txBody>
+          <a:bodyPr/>
+          <a:lstStyle/>
+          <a:p>
+            <a:pPr lvl="0" indent="0" marL="0">
+              <a:buNone/>
+            </a:pPr>
+            <a:r>
+              <a:rPr/>
+              <a:t>Persi Diaconis, Bradley Efron. Computer-intensive Methods in Statistics. Scientific American, 1983, 248(5), 116-130.</a:t>
+            </a:r>
+          </a:p>
+          <a:p>
+            <a:pPr lvl="0" indent="0" marL="0">
+              <a:buNone/>
+            </a:pPr>
+            <a:r>
+              <a:rPr/>
+              <a:t>Bradley Efron, Gail Gong. A Leisurely Look at the Bootstrap, Jackknife, and Cross-Validation. The American Statistician, 1983, 37(1), 36-48.</a:t>
+            </a:r>
+          </a:p>
+          <a:p>
+            <a:pPr lvl="0" indent="0" marL="0">
+              <a:buNone/>
+            </a:pPr>
+            <a:r>
+              <a:rPr/>
+              <a:t>Bradley Efron, Robert Tibshirani. Bootstrap Methods for Standard Errors, Confidence Intervals, and Other Measures of Statistical Accuracy. Statistical Science, 1986, 1(1), 54-75.</a:t>
             </a:r>
           </a:p>
         </p:txBody>
@@ -19177,7 +20469,7 @@
             </a:pPr>
             <a:r>
               <a:rPr/>
-              <a:t>Figure 1. Image of a jackknife</a:t>
+              <a:t>Figure 2. Image of a jackknife</a:t>
             </a:r>
           </a:p>
         </p:txBody>

--- a/bootstrap/src/bootstrap-slides.pptx
+++ b/bootstrap/src/bootstrap-slides.pptx
@@ -5,7 +5,7 @@
     <p:sldMasterId id="2147483648" r:id="rId1"/>
   </p:sldMasterIdLst>
   <p:notesMasterIdLst>
-    <p:notesMasterId r:id="rId74"/>
+    <p:notesMasterId r:id="rId78"/>
   </p:notesMasterIdLst>
   <p:sldIdLst>
     <p:sldId id="256" r:id="rId2"/>
@@ -80,6 +80,10 @@
     <p:sldId id="325" r:id="rId71"/>
     <p:sldId id="326" r:id="rId72"/>
     <p:sldId id="327" r:id="rId73"/>
+    <p:sldId id="328" r:id="rId74"/>
+    <p:sldId id="329" r:id="rId75"/>
+    <p:sldId id="330" r:id="rId76"/>
+    <p:sldId id="331" r:id="rId77"/>
   </p:sldIdLst>
   <p:sldSz cx="12192000" cy="6858000"/>
   <p:notesSz cx="6858000" cy="9144000"/>
@@ -701,7 +705,7 @@
           <a:p>
             <a:fld id="{18BDFEC3-8487-43E8-A154-7C12CBC1FFF2}" type="slidenum">
               <a:rPr lang="en-US"/>
-              <a:t>2</a:t>
+              <a:t>4</a:t>
             </a:fld>
             <a:endParaRPr lang="en-US"/>
           </a:p>
@@ -783,7 +787,7 @@
           <a:p>
             <a:fld id="{18BDFEC3-8487-43E8-A154-7C12CBC1FFF2}" type="slidenum">
               <a:rPr lang="en-US"/>
-              <a:t>11</a:t>
+              <a:t>15</a:t>
             </a:fld>
             <a:endParaRPr lang="en-US"/>
           </a:p>
@@ -921,7 +925,7 @@
           <a:p>
             <a:fld id="{18BDFEC3-8487-43E8-A154-7C12CBC1FFF2}" type="slidenum">
               <a:rPr lang="en-US"/>
-              <a:t>12</a:t>
+              <a:t>16</a:t>
             </a:fld>
             <a:endParaRPr lang="en-US"/>
           </a:p>
@@ -1045,7 +1049,7 @@
           <a:p>
             <a:fld id="{18BDFEC3-8487-43E8-A154-7C12CBC1FFF2}" type="slidenum">
               <a:rPr lang="en-US"/>
-              <a:t>13</a:t>
+              <a:t>17</a:t>
             </a:fld>
             <a:endParaRPr lang="en-US"/>
           </a:p>
@@ -1127,7 +1131,7 @@
           <a:p>
             <a:fld id="{18BDFEC3-8487-43E8-A154-7C12CBC1FFF2}" type="slidenum">
               <a:rPr lang="en-US"/>
-              <a:t>14</a:t>
+              <a:t>18</a:t>
             </a:fld>
             <a:endParaRPr lang="en-US"/>
           </a:p>
@@ -1223,7 +1227,7 @@
           <a:p>
             <a:fld id="{18BDFEC3-8487-43E8-A154-7C12CBC1FFF2}" type="slidenum">
               <a:rPr lang="en-US"/>
-              <a:t>15</a:t>
+              <a:t>19</a:t>
             </a:fld>
             <a:endParaRPr lang="en-US"/>
           </a:p>
@@ -1305,7 +1309,7 @@
           <a:p>
             <a:fld id="{18BDFEC3-8487-43E8-A154-7C12CBC1FFF2}" type="slidenum">
               <a:rPr lang="en-US"/>
-              <a:t>16</a:t>
+              <a:t>20</a:t>
             </a:fld>
             <a:endParaRPr lang="en-US"/>
           </a:p>
@@ -1457,7 +1461,7 @@
           <a:p>
             <a:fld id="{18BDFEC3-8487-43E8-A154-7C12CBC1FFF2}" type="slidenum">
               <a:rPr lang="en-US"/>
-              <a:t>17</a:t>
+              <a:t>21</a:t>
             </a:fld>
             <a:endParaRPr lang="en-US"/>
           </a:p>
@@ -1567,7 +1571,7 @@
           <a:p>
             <a:fld id="{18BDFEC3-8487-43E8-A154-7C12CBC1FFF2}" type="slidenum">
               <a:rPr lang="en-US"/>
-              <a:t>18</a:t>
+              <a:t>22</a:t>
             </a:fld>
             <a:endParaRPr lang="en-US"/>
           </a:p>
@@ -1677,7 +1681,7 @@
           <a:p>
             <a:fld id="{18BDFEC3-8487-43E8-A154-7C12CBC1FFF2}" type="slidenum">
               <a:rPr lang="en-US"/>
-              <a:t>19</a:t>
+              <a:t>23</a:t>
             </a:fld>
             <a:endParaRPr lang="en-US"/>
           </a:p>
@@ -1787,7 +1791,7 @@
           <a:p>
             <a:fld id="{18BDFEC3-8487-43E8-A154-7C12CBC1FFF2}" type="slidenum">
               <a:rPr lang="en-US"/>
-              <a:t>20</a:t>
+              <a:t>24</a:t>
             </a:fld>
             <a:endParaRPr lang="en-US"/>
           </a:p>
@@ -1883,7 +1887,7 @@
           <a:p>
             <a:fld id="{18BDFEC3-8487-43E8-A154-7C12CBC1FFF2}" type="slidenum">
               <a:rPr lang="en-US"/>
-              <a:t>3</a:t>
+              <a:t>6</a:t>
             </a:fld>
             <a:endParaRPr lang="en-US"/>
           </a:p>
@@ -1993,7 +1997,7 @@
           <a:p>
             <a:fld id="{18BDFEC3-8487-43E8-A154-7C12CBC1FFF2}" type="slidenum">
               <a:rPr lang="en-US"/>
-              <a:t>21</a:t>
+              <a:t>25</a:t>
             </a:fld>
             <a:endParaRPr lang="en-US"/>
           </a:p>
@@ -2089,7 +2093,7 @@
           <a:p>
             <a:fld id="{18BDFEC3-8487-43E8-A154-7C12CBC1FFF2}" type="slidenum">
               <a:rPr lang="en-US"/>
-              <a:t>22</a:t>
+              <a:t>26</a:t>
             </a:fld>
             <a:endParaRPr lang="en-US"/>
           </a:p>
@@ -2199,7 +2203,7 @@
           <a:p>
             <a:fld id="{18BDFEC3-8487-43E8-A154-7C12CBC1FFF2}" type="slidenum">
               <a:rPr lang="en-US"/>
-              <a:t>23</a:t>
+              <a:t>27</a:t>
             </a:fld>
             <a:endParaRPr lang="en-US"/>
           </a:p>
@@ -2351,7 +2355,7 @@
           <a:p>
             <a:fld id="{18BDFEC3-8487-43E8-A154-7C12CBC1FFF2}" type="slidenum">
               <a:rPr lang="en-US"/>
-              <a:t>24</a:t>
+              <a:t>28</a:t>
             </a:fld>
             <a:endParaRPr lang="en-US"/>
           </a:p>
@@ -2461,7 +2465,7 @@
           <a:p>
             <a:fld id="{18BDFEC3-8487-43E8-A154-7C12CBC1FFF2}" type="slidenum">
               <a:rPr lang="en-US"/>
-              <a:t>25</a:t>
+              <a:t>29</a:t>
             </a:fld>
             <a:endParaRPr lang="en-US"/>
           </a:p>
@@ -2543,7 +2547,7 @@
           <a:p>
             <a:fld id="{18BDFEC3-8487-43E8-A154-7C12CBC1FFF2}" type="slidenum">
               <a:rPr lang="en-US"/>
-              <a:t>27</a:t>
+              <a:t>31</a:t>
             </a:fld>
             <a:endParaRPr lang="en-US"/>
           </a:p>
@@ -2639,7 +2643,7 @@
           <a:p>
             <a:fld id="{18BDFEC3-8487-43E8-A154-7C12CBC1FFF2}" type="slidenum">
               <a:rPr lang="en-US"/>
-              <a:t>28</a:t>
+              <a:t>32</a:t>
             </a:fld>
             <a:endParaRPr lang="en-US"/>
           </a:p>
@@ -2763,7 +2767,7 @@
           <a:p>
             <a:fld id="{18BDFEC3-8487-43E8-A154-7C12CBC1FFF2}" type="slidenum">
               <a:rPr lang="en-US"/>
-              <a:t>29</a:t>
+              <a:t>33</a:t>
             </a:fld>
             <a:endParaRPr lang="en-US"/>
           </a:p>
@@ -2873,7 +2877,7 @@
           <a:p>
             <a:fld id="{18BDFEC3-8487-43E8-A154-7C12CBC1FFF2}" type="slidenum">
               <a:rPr lang="en-US"/>
-              <a:t>30</a:t>
+              <a:t>34</a:t>
             </a:fld>
             <a:endParaRPr lang="en-US"/>
           </a:p>
@@ -2955,7 +2959,7 @@
           <a:p>
             <a:fld id="{18BDFEC3-8487-43E8-A154-7C12CBC1FFF2}" type="slidenum">
               <a:rPr lang="en-US"/>
-              <a:t>31</a:t>
+              <a:t>35</a:t>
             </a:fld>
             <a:endParaRPr lang="en-US"/>
           </a:p>
@@ -3037,7 +3041,7 @@
           <a:p>
             <a:fld id="{18BDFEC3-8487-43E8-A154-7C12CBC1FFF2}" type="slidenum">
               <a:rPr lang="en-US"/>
-              <a:t>4</a:t>
+              <a:t>7</a:t>
             </a:fld>
             <a:endParaRPr lang="en-US"/>
           </a:p>
@@ -3147,7 +3151,7 @@
           <a:p>
             <a:fld id="{18BDFEC3-8487-43E8-A154-7C12CBC1FFF2}" type="slidenum">
               <a:rPr lang="en-US"/>
-              <a:t>32</a:t>
+              <a:t>36</a:t>
             </a:fld>
             <a:endParaRPr lang="en-US"/>
           </a:p>
@@ -3243,7 +3247,7 @@
           <a:p>
             <a:fld id="{18BDFEC3-8487-43E8-A154-7C12CBC1FFF2}" type="slidenum">
               <a:rPr lang="en-US"/>
-              <a:t>33</a:t>
+              <a:t>37</a:t>
             </a:fld>
             <a:endParaRPr lang="en-US"/>
           </a:p>
@@ -3437,7 +3441,7 @@
           <a:p>
             <a:fld id="{18BDFEC3-8487-43E8-A154-7C12CBC1FFF2}" type="slidenum">
               <a:rPr lang="en-US"/>
-              <a:t>34</a:t>
+              <a:t>38</a:t>
             </a:fld>
             <a:endParaRPr lang="en-US"/>
           </a:p>
@@ -3519,7 +3523,7 @@
           <a:p>
             <a:fld id="{18BDFEC3-8487-43E8-A154-7C12CBC1FFF2}" type="slidenum">
               <a:rPr lang="en-US"/>
-              <a:t>35</a:t>
+              <a:t>39</a:t>
             </a:fld>
             <a:endParaRPr lang="en-US"/>
           </a:p>
@@ -3601,7 +3605,7 @@
           <a:p>
             <a:fld id="{18BDFEC3-8487-43E8-A154-7C12CBC1FFF2}" type="slidenum">
               <a:rPr lang="en-US"/>
-              <a:t>36</a:t>
+              <a:t>40</a:t>
             </a:fld>
             <a:endParaRPr lang="en-US"/>
           </a:p>
@@ -3683,7 +3687,7 @@
           <a:p>
             <a:fld id="{18BDFEC3-8487-43E8-A154-7C12CBC1FFF2}" type="slidenum">
               <a:rPr lang="en-US"/>
-              <a:t>37</a:t>
+              <a:t>41</a:t>
             </a:fld>
             <a:endParaRPr lang="en-US"/>
           </a:p>
@@ -3779,7 +3783,7 @@
           <a:p>
             <a:fld id="{18BDFEC3-8487-43E8-A154-7C12CBC1FFF2}" type="slidenum">
               <a:rPr lang="en-US"/>
-              <a:t>38</a:t>
+              <a:t>42</a:t>
             </a:fld>
             <a:endParaRPr lang="en-US"/>
           </a:p>
@@ -3875,7 +3879,7 @@
           <a:p>
             <a:fld id="{18BDFEC3-8487-43E8-A154-7C12CBC1FFF2}" type="slidenum">
               <a:rPr lang="en-US"/>
-              <a:t>39</a:t>
+              <a:t>43</a:t>
             </a:fld>
             <a:endParaRPr lang="en-US"/>
           </a:p>
@@ -3971,7 +3975,7 @@
           <a:p>
             <a:fld id="{18BDFEC3-8487-43E8-A154-7C12CBC1FFF2}" type="slidenum">
               <a:rPr lang="en-US"/>
-              <a:t>40</a:t>
+              <a:t>44</a:t>
             </a:fld>
             <a:endParaRPr lang="en-US"/>
           </a:p>
@@ -4067,7 +4071,7 @@
           <a:p>
             <a:fld id="{18BDFEC3-8487-43E8-A154-7C12CBC1FFF2}" type="slidenum">
               <a:rPr lang="en-US"/>
-              <a:t>41</a:t>
+              <a:t>45</a:t>
             </a:fld>
             <a:endParaRPr lang="en-US"/>
           </a:p>
@@ -4144,6 +4148,20 @@
               <a:t>The rule of thumb is that you can trust the normal approximation when the sample size is greater than 30. There is a lot that you can quibble about with respect to the cut-off of 30, but we’re not going to get too fussy about this.</a:t>
             </a:r>
           </a:p>
+          <a:p>
+            <a:pPr lvl="0" indent="0" marL="0">
+              <a:buNone/>
+            </a:pPr>
+          </a:p>
+          <a:p>
+            <a:pPr lvl="0" indent="0" marL="0">
+              <a:buNone/>
+            </a:pPr>
+            <a:r>
+              <a:rPr/>
+              <a:t>You can also show easily that the expected value of the sample mean is mu (the sample mean is an unbiased estimate of the population mean) and that the variance of the sample mean is the variance of an individual X value divided by the sample size n. Equivalently, the standard error of X-bar is the standard deviation of an individual value divided by the square root of the sample size.</a:t>
+            </a:r>
+          </a:p>
         </p:txBody>
       </p:sp>
       <p:sp>
@@ -4163,7 +4181,7 @@
           <a:p>
             <a:fld id="{18BDFEC3-8487-43E8-A154-7C12CBC1FFF2}" type="slidenum">
               <a:rPr lang="en-US"/>
-              <a:t>5</a:t>
+              <a:t>8</a:t>
             </a:fld>
             <a:endParaRPr lang="en-US"/>
           </a:p>
@@ -4259,7 +4277,7 @@
           <a:p>
             <a:fld id="{18BDFEC3-8487-43E8-A154-7C12CBC1FFF2}" type="slidenum">
               <a:rPr lang="en-US"/>
-              <a:t>42</a:t>
+              <a:t>46</a:t>
             </a:fld>
             <a:endParaRPr lang="en-US"/>
           </a:p>
@@ -4355,7 +4373,7 @@
           <a:p>
             <a:fld id="{18BDFEC3-8487-43E8-A154-7C12CBC1FFF2}" type="slidenum">
               <a:rPr lang="en-US"/>
-              <a:t>43</a:t>
+              <a:t>47</a:t>
             </a:fld>
             <a:endParaRPr lang="en-US"/>
           </a:p>
@@ -4437,7 +4455,7 @@
           <a:p>
             <a:fld id="{18BDFEC3-8487-43E8-A154-7C12CBC1FFF2}" type="slidenum">
               <a:rPr lang="en-US"/>
-              <a:t>44</a:t>
+              <a:t>48</a:t>
             </a:fld>
             <a:endParaRPr lang="en-US"/>
           </a:p>
@@ -4547,7 +4565,7 @@
           <a:p>
             <a:fld id="{18BDFEC3-8487-43E8-A154-7C12CBC1FFF2}" type="slidenum">
               <a:rPr lang="en-US"/>
-              <a:t>45</a:t>
+              <a:t>49</a:t>
             </a:fld>
             <a:endParaRPr lang="en-US"/>
           </a:p>
@@ -4657,7 +4675,7 @@
           <a:p>
             <a:fld id="{18BDFEC3-8487-43E8-A154-7C12CBC1FFF2}" type="slidenum">
               <a:rPr lang="en-US"/>
-              <a:t>46</a:t>
+              <a:t>50</a:t>
             </a:fld>
             <a:endParaRPr lang="en-US"/>
           </a:p>
@@ -4739,7 +4757,7 @@
           <a:p>
             <a:fld id="{18BDFEC3-8487-43E8-A154-7C12CBC1FFF2}" type="slidenum">
               <a:rPr lang="en-US"/>
-              <a:t>47</a:t>
+              <a:t>51</a:t>
             </a:fld>
             <a:endParaRPr lang="en-US"/>
           </a:p>
@@ -4821,7 +4839,7 @@
           <a:p>
             <a:fld id="{18BDFEC3-8487-43E8-A154-7C12CBC1FFF2}" type="slidenum">
               <a:rPr lang="en-US"/>
-              <a:t>48</a:t>
+              <a:t>52</a:t>
             </a:fld>
             <a:endParaRPr lang="en-US"/>
           </a:p>
@@ -4903,7 +4921,7 @@
           <a:p>
             <a:fld id="{18BDFEC3-8487-43E8-A154-7C12CBC1FFF2}" type="slidenum">
               <a:rPr lang="en-US"/>
-              <a:t>49</a:t>
+              <a:t>53</a:t>
             </a:fld>
             <a:endParaRPr lang="en-US"/>
           </a:p>
@@ -4999,7 +5017,7 @@
           <a:p>
             <a:fld id="{18BDFEC3-8487-43E8-A154-7C12CBC1FFF2}" type="slidenum">
               <a:rPr lang="en-US"/>
-              <a:t>50</a:t>
+              <a:t>54</a:t>
             </a:fld>
             <a:endParaRPr lang="en-US"/>
           </a:p>
@@ -5081,7 +5099,7 @@
           <a:p>
             <a:fld id="{18BDFEC3-8487-43E8-A154-7C12CBC1FFF2}" type="slidenum">
               <a:rPr lang="en-US"/>
-              <a:t>51</a:t>
+              <a:t>55</a:t>
             </a:fld>
             <a:endParaRPr lang="en-US"/>
           </a:p>
@@ -5141,7 +5159,105 @@
             </a:pPr>
             <a:r>
               <a:rPr/>
-              <a:t>You can also show easily that the expected value of the sample mean is mu (the sample mean is an unbiased estimate of the population mean) and that the variance of the sample mean is the variance of an individual X value divided by the sample size n. Equivalently, the standard error of X-bar is the standard deviation of an individual value divided by the square root of the sample size.</a:t>
+              <a:t>What about more complex settings?</a:t>
+            </a:r>
+          </a:p>
+          <a:p>
+            <a:pPr lvl="0" indent="0" marL="0">
+              <a:buNone/>
+            </a:pPr>
+          </a:p>
+          <a:p>
+            <a:pPr lvl="0" indent="0" marL="0">
+              <a:buNone/>
+            </a:pPr>
+            <a:r>
+              <a:rPr/>
+              <a:t>What if you are measuring the mean absolute deviation (the average of the absolute values of each individual value minus the sample mean) or the interquartile range (the difference between the 75th percentile and the 25th percentile).</a:t>
+            </a:r>
+          </a:p>
+          <a:p>
+            <a:pPr lvl="0" indent="0" marL="0">
+              <a:buNone/>
+            </a:pPr>
+          </a:p>
+          <a:p>
+            <a:pPr lvl="0" indent="0" marL="0">
+              <a:buNone/>
+            </a:pPr>
+            <a:r>
+              <a:rPr/>
+              <a:t>If you are really clever and if you understand all the approximation theorems in Robert Serfling’s book, you will know how to establish an approximation to these statistics (usually a normal approximation, but sometimes there are other distributions like the chi-square distribution that represent a good approximation).</a:t>
+            </a:r>
+          </a:p>
+          <a:p>
+            <a:pPr lvl="0" indent="0" marL="0">
+              <a:buNone/>
+            </a:pPr>
+          </a:p>
+          <a:p>
+            <a:pPr lvl="0" indent="0" marL="0">
+              <a:buNone/>
+            </a:pPr>
+            <a:r>
+              <a:rPr/>
+              <a:t>But there are lots of settings where even Dr. Serfling’s hard work will still leave you high and dry. Some statistics are just so messy that no one can figure out an asymptotic approximation.</a:t>
+            </a:r>
+          </a:p>
+          <a:p>
+            <a:pPr lvl="0" indent="0" marL="0">
+              <a:buNone/>
+            </a:pPr>
+          </a:p>
+          <a:p>
+            <a:pPr lvl="0" indent="0" marL="0">
+              <a:buNone/>
+            </a:pPr>
+            <a:r>
+              <a:rPr/>
+              <a:t>But an even more fundamental question is what do you do when the sample size is not large enough to justify the use of the Central Limit Theorem? I put down n&lt;30 here, but in some settings (well behaved distributions without much skewness and only a weak tendency to produce outliers), you might get by with only 10 observations. Other times (extremely skewed distributions and/or a strong tendency to produce outliers), even a sample size of 300 is inadequate to assume an approximately normal distribution.</a:t>
+            </a:r>
+          </a:p>
+          <a:p>
+            <a:pPr lvl="0" indent="0" marL="0">
+              <a:buNone/>
+            </a:pPr>
+          </a:p>
+          <a:p>
+            <a:pPr lvl="0" indent="0" marL="0">
+              <a:buNone/>
+            </a:pPr>
+            <a:r>
+              <a:rPr/>
+              <a:t>It turns out that you can use simulations involving the data itself to establish an underlying distribution.</a:t>
+            </a:r>
+          </a:p>
+          <a:p>
+            <a:pPr lvl="0" indent="0" marL="0">
+              <a:buNone/>
+            </a:pPr>
+          </a:p>
+          <a:p>
+            <a:pPr lvl="0" indent="0" marL="0">
+              <a:buNone/>
+            </a:pPr>
+            <a:r>
+              <a:rPr/>
+              <a:t>You might find, after applying the bootstrap, that the normal distribution is a reasonable approximation. If so, great! Consider the bootstrap to be a sensitivity check that you passed with flying colors.</a:t>
+            </a:r>
+          </a:p>
+          <a:p>
+            <a:pPr lvl="0" indent="0" marL="0">
+              <a:buNone/>
+            </a:pPr>
+          </a:p>
+          <a:p>
+            <a:pPr lvl="0" indent="0" marL="0">
+              <a:buNone/>
+            </a:pPr>
+            <a:r>
+              <a:rPr/>
+              <a:t>If the results of the bootstrap are markedly different from the results assuming approximate normality, then investigate further. But you can almost always rely on the bootstrap results to provide valid confidence intervals and hypothesis tests. Although there are a few settings where you shouldn’t rely on a bootstrap approach, it is a credible approach for a surprisingly broad range of settings.</a:t>
             </a:r>
           </a:p>
         </p:txBody>
@@ -5163,7 +5279,7 @@
           <a:p>
             <a:fld id="{18BDFEC3-8487-43E8-A154-7C12CBC1FFF2}" type="slidenum">
               <a:rPr lang="en-US"/>
-              <a:t>6</a:t>
+              <a:t>9</a:t>
             </a:fld>
             <a:endParaRPr lang="en-US"/>
           </a:p>
@@ -5245,7 +5361,7 @@
           <a:p>
             <a:fld id="{18BDFEC3-8487-43E8-A154-7C12CBC1FFF2}" type="slidenum">
               <a:rPr lang="en-US"/>
-              <a:t>52</a:t>
+              <a:t>56</a:t>
             </a:fld>
             <a:endParaRPr lang="en-US"/>
           </a:p>
@@ -5341,7 +5457,7 @@
           <a:p>
             <a:fld id="{18BDFEC3-8487-43E8-A154-7C12CBC1FFF2}" type="slidenum">
               <a:rPr lang="en-US"/>
-              <a:t>53</a:t>
+              <a:t>57</a:t>
             </a:fld>
             <a:endParaRPr lang="en-US"/>
           </a:p>
@@ -5423,7 +5539,7 @@
           <a:p>
             <a:fld id="{18BDFEC3-8487-43E8-A154-7C12CBC1FFF2}" type="slidenum">
               <a:rPr lang="en-US"/>
-              <a:t>54</a:t>
+              <a:t>58</a:t>
             </a:fld>
             <a:endParaRPr lang="en-US"/>
           </a:p>
@@ -5533,7 +5649,7 @@
           <a:p>
             <a:fld id="{18BDFEC3-8487-43E8-A154-7C12CBC1FFF2}" type="slidenum">
               <a:rPr lang="en-US"/>
-              <a:t>55</a:t>
+              <a:t>59</a:t>
             </a:fld>
             <a:endParaRPr lang="en-US"/>
           </a:p>
@@ -5629,7 +5745,7 @@
           <a:p>
             <a:fld id="{18BDFEC3-8487-43E8-A154-7C12CBC1FFF2}" type="slidenum">
               <a:rPr lang="en-US"/>
-              <a:t>56</a:t>
+              <a:t>60</a:t>
             </a:fld>
             <a:endParaRPr lang="en-US"/>
           </a:p>
@@ -5711,7 +5827,7 @@
           <a:p>
             <a:fld id="{18BDFEC3-8487-43E8-A154-7C12CBC1FFF2}" type="slidenum">
               <a:rPr lang="en-US"/>
-              <a:t>57</a:t>
+              <a:t>61</a:t>
             </a:fld>
             <a:endParaRPr lang="en-US"/>
           </a:p>
@@ -5793,7 +5909,7 @@
           <a:p>
             <a:fld id="{18BDFEC3-8487-43E8-A154-7C12CBC1FFF2}" type="slidenum">
               <a:rPr lang="en-US"/>
-              <a:t>58</a:t>
+              <a:t>62</a:t>
             </a:fld>
             <a:endParaRPr lang="en-US"/>
           </a:p>
@@ -5889,7 +6005,7 @@
           <a:p>
             <a:fld id="{18BDFEC3-8487-43E8-A154-7C12CBC1FFF2}" type="slidenum">
               <a:rPr lang="en-US"/>
-              <a:t>59</a:t>
+              <a:t>63</a:t>
             </a:fld>
             <a:endParaRPr lang="en-US"/>
           </a:p>
@@ -5999,7 +6115,7 @@
           <a:p>
             <a:fld id="{18BDFEC3-8487-43E8-A154-7C12CBC1FFF2}" type="slidenum">
               <a:rPr lang="en-US"/>
-              <a:t>60</a:t>
+              <a:t>64</a:t>
             </a:fld>
             <a:endParaRPr lang="en-US"/>
           </a:p>
@@ -6081,7 +6197,7 @@
           <a:p>
             <a:fld id="{18BDFEC3-8487-43E8-A154-7C12CBC1FFF2}" type="slidenum">
               <a:rPr lang="en-US"/>
-              <a:t>61</a:t>
+              <a:t>65</a:t>
             </a:fld>
             <a:endParaRPr lang="en-US"/>
           </a:p>
@@ -6141,105 +6257,21 @@
             </a:pPr>
             <a:r>
               <a:rPr/>
-              <a:t>What about more complex settings?</a:t>
-            </a:r>
-          </a:p>
-          <a:p>
-            <a:pPr lvl="0" indent="0" marL="0">
-              <a:buNone/>
-            </a:pPr>
-          </a:p>
-          <a:p>
-            <a:pPr lvl="0" indent="0" marL="0">
-              <a:buNone/>
-            </a:pPr>
-            <a:r>
-              <a:rPr/>
-              <a:t>What if you are measuring the mean absolute deviation (the average of the absolute values of each individual value minus the sample mean) or the interquartile range (the difference between the 75th percentile and the 25th percentile).</a:t>
-            </a:r>
-          </a:p>
-          <a:p>
-            <a:pPr lvl="0" indent="0" marL="0">
-              <a:buNone/>
-            </a:pPr>
-          </a:p>
-          <a:p>
-            <a:pPr lvl="0" indent="0" marL="0">
-              <a:buNone/>
-            </a:pPr>
-            <a:r>
-              <a:rPr/>
-              <a:t>If you are really clever and if you understand all the approximation theorems in Robert Serfling’s book, you will know how to establish an approximation to these statistics (usually a normal approximation, but sometimes there are other distributions like the chi-square distribution that represent a good approximation).</a:t>
-            </a:r>
-          </a:p>
-          <a:p>
-            <a:pPr lvl="0" indent="0" marL="0">
-              <a:buNone/>
-            </a:pPr>
-          </a:p>
-          <a:p>
-            <a:pPr lvl="0" indent="0" marL="0">
-              <a:buNone/>
-            </a:pPr>
-            <a:r>
-              <a:rPr/>
-              <a:t>But there are lots of settings where even Dr. Serfling’s hard work will still leave you high and dry. Some statistics are just so messy that no one can figure out an asymptotic approximation.</a:t>
-            </a:r>
-          </a:p>
-          <a:p>
-            <a:pPr lvl="0" indent="0" marL="0">
-              <a:buNone/>
-            </a:pPr>
-          </a:p>
-          <a:p>
-            <a:pPr lvl="0" indent="0" marL="0">
-              <a:buNone/>
-            </a:pPr>
-            <a:r>
-              <a:rPr/>
-              <a:t>But an even more fundamental question is what do you do when the sample size is not large enough to justify the use of the Central Limit Theorem? I put down n&lt;30 here, but in some settings (well behaved distributions without much skewness and only a weak tendency to produce outliers), you might get by with only 10 observations. Other times (extremely skewed distributions and/or a strong tendency to produce outliers), even a sample size of 300 is inadequate to assume an approximately normal distribution.</a:t>
-            </a:r>
-          </a:p>
-          <a:p>
-            <a:pPr lvl="0" indent="0" marL="0">
-              <a:buNone/>
-            </a:pPr>
-          </a:p>
-          <a:p>
-            <a:pPr lvl="0" indent="0" marL="0">
-              <a:buNone/>
-            </a:pPr>
-            <a:r>
-              <a:rPr/>
-              <a:t>It turns out that you can use simulations involving the data itself to establish an underlying distribution.</a:t>
-            </a:r>
-          </a:p>
-          <a:p>
-            <a:pPr lvl="0" indent="0" marL="0">
-              <a:buNone/>
-            </a:pPr>
-          </a:p>
-          <a:p>
-            <a:pPr lvl="0" indent="0" marL="0">
-              <a:buNone/>
-            </a:pPr>
-            <a:r>
-              <a:rPr/>
-              <a:t>You might find, after applying the bootstrap, that the normal distribution is a reasonable approximation. If so, great! Consider the bootstrap to be a sensitivity check that you passed with flying colors.</a:t>
-            </a:r>
-          </a:p>
-          <a:p>
-            <a:pPr lvl="0" indent="0" marL="0">
-              <a:buNone/>
-            </a:pPr>
-          </a:p>
-          <a:p>
-            <a:pPr lvl="0" indent="0" marL="0">
-              <a:buNone/>
-            </a:pPr>
-            <a:r>
-              <a:rPr/>
-              <a:t>If the results of the bootstrap are markedly different from the results assuming approximate normality, then investigate further. But you can almost always rely on the bootstrap results to provide valid confidence intervals and hypothesis tests. Although there are a few settings where you shouldn’t rely on a bootstrap approach, it is a credible approach for a surprisingly broad range of settings.</a:t>
+              <a:t>To understand the bootstrap, you need to understand the approach that it was intended to improve upon, the jackknife.</a:t>
+            </a:r>
+          </a:p>
+          <a:p>
+            <a:pPr lvl="0" indent="0" marL="0">
+              <a:buNone/>
+            </a:pPr>
+          </a:p>
+          <a:p>
+            <a:pPr lvl="0" indent="0" marL="0">
+              <a:buNone/>
+            </a:pPr>
+            <a:r>
+              <a:rPr/>
+              <a:t>The jackknife was first developed in 1949 by Maurice Quenouille and was extended to a more general setting by John Tukey in the 1950s. Dr. Tukey was fond of giving clever names to various statistical terms. He was the one, for example, who coined the term “bit” as a shorted form of binary digit. He chose the name “jackknife” for the Quenouille approach because the jackknife is an all-purpose tool.</a:t>
             </a:r>
           </a:p>
         </p:txBody>
@@ -6261,7 +6293,7 @@
           <a:p>
             <a:fld id="{18BDFEC3-8487-43E8-A154-7C12CBC1FFF2}" type="slidenum">
               <a:rPr lang="en-US"/>
-              <a:t>7</a:t>
+              <a:t>10</a:t>
             </a:fld>
             <a:endParaRPr lang="en-US"/>
           </a:p>
@@ -6357,7 +6389,7 @@
           <a:p>
             <a:fld id="{18BDFEC3-8487-43E8-A154-7C12CBC1FFF2}" type="slidenum">
               <a:rPr lang="en-US"/>
-              <a:t>62</a:t>
+              <a:t>66</a:t>
             </a:fld>
             <a:endParaRPr lang="en-US"/>
           </a:p>
@@ -6453,7 +6485,7 @@
           <a:p>
             <a:fld id="{18BDFEC3-8487-43E8-A154-7C12CBC1FFF2}" type="slidenum">
               <a:rPr lang="en-US"/>
-              <a:t>63</a:t>
+              <a:t>67</a:t>
             </a:fld>
             <a:endParaRPr lang="en-US"/>
           </a:p>
@@ -6535,7 +6567,7 @@
           <a:p>
             <a:fld id="{18BDFEC3-8487-43E8-A154-7C12CBC1FFF2}" type="slidenum">
               <a:rPr lang="en-US"/>
-              <a:t>64</a:t>
+              <a:t>68</a:t>
             </a:fld>
             <a:endParaRPr lang="en-US"/>
           </a:p>
@@ -6673,7 +6705,7 @@
           <a:p>
             <a:fld id="{18BDFEC3-8487-43E8-A154-7C12CBC1FFF2}" type="slidenum">
               <a:rPr lang="en-US"/>
-              <a:t>65</a:t>
+              <a:t>69</a:t>
             </a:fld>
             <a:endParaRPr lang="en-US"/>
           </a:p>
@@ -6825,7 +6857,7 @@
           <a:p>
             <a:fld id="{18BDFEC3-8487-43E8-A154-7C12CBC1FFF2}" type="slidenum">
               <a:rPr lang="en-US"/>
-              <a:t>66</a:t>
+              <a:t>70</a:t>
             </a:fld>
             <a:endParaRPr lang="en-US"/>
           </a:p>
@@ -6963,7 +6995,7 @@
           <a:p>
             <a:fld id="{18BDFEC3-8487-43E8-A154-7C12CBC1FFF2}" type="slidenum">
               <a:rPr lang="en-US"/>
-              <a:t>67</a:t>
+              <a:t>71</a:t>
             </a:fld>
             <a:endParaRPr lang="en-US"/>
           </a:p>
@@ -7087,7 +7119,7 @@
           <a:p>
             <a:fld id="{18BDFEC3-8487-43E8-A154-7C12CBC1FFF2}" type="slidenum">
               <a:rPr lang="en-US"/>
-              <a:t>68</a:t>
+              <a:t>72</a:t>
             </a:fld>
             <a:endParaRPr lang="en-US"/>
           </a:p>
@@ -7183,7 +7215,7 @@
           <a:p>
             <a:fld id="{18BDFEC3-8487-43E8-A154-7C12CBC1FFF2}" type="slidenum">
               <a:rPr lang="en-US"/>
-              <a:t>69</a:t>
+              <a:t>73</a:t>
             </a:fld>
             <a:endParaRPr lang="en-US"/>
           </a:p>
@@ -7279,7 +7311,7 @@
           <a:p>
             <a:fld id="{18BDFEC3-8487-43E8-A154-7C12CBC1FFF2}" type="slidenum">
               <a:rPr lang="en-US"/>
-              <a:t>70</a:t>
+              <a:t>74</a:t>
             </a:fld>
             <a:endParaRPr lang="en-US"/>
           </a:p>
@@ -7375,7 +7407,7 @@
           <a:p>
             <a:fld id="{18BDFEC3-8487-43E8-A154-7C12CBC1FFF2}" type="slidenum">
               <a:rPr lang="en-US"/>
-              <a:t>71</a:t>
+              <a:t>75</a:t>
             </a:fld>
             <a:endParaRPr lang="en-US"/>
           </a:p>
@@ -7435,21 +7467,21 @@
             </a:pPr>
             <a:r>
               <a:rPr/>
-              <a:t>To understand the bootstrap, you need to understand the approach that it was intended to improve upon, the jackknife.</a:t>
-            </a:r>
-          </a:p>
-          <a:p>
-            <a:pPr lvl="0" indent="0" marL="0">
-              <a:buNone/>
-            </a:pPr>
-          </a:p>
-          <a:p>
-            <a:pPr lvl="0" indent="0" marL="0">
-              <a:buNone/>
-            </a:pPr>
-            <a:r>
-              <a:rPr/>
-              <a:t>The jackknife was first developed in 1949 by Maurice Quenouille and was extended to a more general setting by John Tukey in the 1950s. Dr. Tukey was fond of giving clever names to various statistical terms. He was the one, for example, who coined the term “bit” as a shorted form of binary digit. He chose the name “jackknife” for the Quenouille approach because the jackknife is an all-purpose tool.</a:t>
+              <a:t>For the jackknife, you create subsamples by leaving one data point out.</a:t>
+            </a:r>
+          </a:p>
+          <a:p>
+            <a:pPr lvl="0" indent="0" marL="0">
+              <a:buNone/>
+            </a:pPr>
+          </a:p>
+          <a:p>
+            <a:pPr lvl="0" indent="0" marL="0">
+              <a:buNone/>
+            </a:pPr>
+            <a:r>
+              <a:rPr/>
+              <a:t>The original data set in this small artificial example is 2, 3, 7, 5, 6. The first subsample leaves out the 2. The second subsample leaves out the 3. And so forth. With five data points, you have five subsamples.</a:t>
             </a:r>
           </a:p>
         </p:txBody>
@@ -7471,7 +7503,7 @@
           <a:p>
             <a:fld id="{18BDFEC3-8487-43E8-A154-7C12CBC1FFF2}" type="slidenum">
               <a:rPr lang="en-US"/>
-              <a:t>8</a:t>
+              <a:t>11</a:t>
             </a:fld>
             <a:endParaRPr lang="en-US"/>
           </a:p>
@@ -7581,7 +7613,7 @@
           <a:p>
             <a:fld id="{18BDFEC3-8487-43E8-A154-7C12CBC1FFF2}" type="slidenum">
               <a:rPr lang="en-US"/>
-              <a:t>72</a:t>
+              <a:t>76</a:t>
             </a:fld>
             <a:endParaRPr lang="en-US"/>
           </a:p>
@@ -7641,21 +7673,7 @@
             </a:pPr>
             <a:r>
               <a:rPr/>
-              <a:t>For the jackknife, you create subsamples by leaving one data point out.</a:t>
-            </a:r>
-          </a:p>
-          <a:p>
-            <a:pPr lvl="0" indent="0" marL="0">
-              <a:buNone/>
-            </a:pPr>
-          </a:p>
-          <a:p>
-            <a:pPr lvl="0" indent="0" marL="0">
-              <a:buNone/>
-            </a:pPr>
-            <a:r>
-              <a:rPr/>
-              <a:t>The original data set in this small artificial example is 2, 3, 7, 5, 6. The first subsample leaves out the 2. The second subsample leaves out the 3. And so forth. With five data points, you have five subsamples.</a:t>
+              <a:t>Then calculate a statistic (in this case, the mean absolute deviation). Do it first for the entire sample. Here are the actual calculations.</a:t>
             </a:r>
           </a:p>
         </p:txBody>
@@ -7677,7 +7695,7 @@
           <a:p>
             <a:fld id="{18BDFEC3-8487-43E8-A154-7C12CBC1FFF2}" type="slidenum">
               <a:rPr lang="en-US"/>
-              <a:t>9</a:t>
+              <a:t>12</a:t>
             </a:fld>
             <a:endParaRPr lang="en-US"/>
           </a:p>
@@ -7737,7 +7755,7 @@
             </a:pPr>
             <a:r>
               <a:rPr/>
-              <a:t>Then calculate a statistic (in this case, the mean absolute deviation). Do it first for the entire sample. Then do it for each jackknife subsample. Notice that there is some variation in the results from one jackknife subsample to another.</a:t>
+              <a:t>Here are the results for the remaining jackknife sample. Notice that there is some variation in the results from one jackknife subsample to another.</a:t>
             </a:r>
           </a:p>
         </p:txBody>
@@ -7759,7 +7777,7 @@
           <a:p>
             <a:fld id="{18BDFEC3-8487-43E8-A154-7C12CBC1FFF2}" type="slidenum">
               <a:rPr lang="en-US"/>
-              <a:t>10</a:t>
+              <a:t>14</a:t>
             </a:fld>
             <a:endParaRPr lang="en-US"/>
           </a:p>
@@ -10866,7 +10884,114 @@
             </a:pPr>
             <a:r>
               <a:rPr/>
-              <a:t>The jackknife (3/4)</a:t>
+              <a:t>The jackknife (1/4)</a:t>
+            </a:r>
+          </a:p>
+        </p:txBody>
+      </p:sp>
+      <p:pic>
+        <p:nvPicPr>
+          <p:cNvPr descr="fig:  ../images/jackknife-image.png" id="0" name="Picture 1"/>
+          <p:cNvPicPr>
+            <a:picLocks noGrp="1" noChangeAspect="1"/>
+          </p:cNvPicPr>
+          <p:nvPr/>
+        </p:nvPicPr>
+        <p:blipFill>
+          <a:blip r:embed="rId3"/>
+          <a:stretch>
+            <a:fillRect/>
+          </a:stretch>
+        </p:blipFill>
+        <p:spPr bwMode="auto">
+          <a:xfrm>
+            <a:off x="609600" y="2159000"/>
+            <a:ext cx="10972800" cy="2895600"/>
+          </a:xfrm>
+          <a:prstGeom prst="rect">
+            <a:avLst/>
+          </a:prstGeom>
+          <a:noFill/>
+          <a:ln w="9525">
+            <a:noFill/>
+            <a:headEnd/>
+            <a:tailEnd/>
+          </a:ln>
+        </p:spPr>
+      </p:pic>
+      <p:sp>
+        <p:nvSpPr>
+          <p:cNvPr id="1" name="TextBox 3"/>
+          <p:cNvSpPr txBox="1"/>
+          <p:nvPr/>
+        </p:nvSpPr>
+        <p:spPr>
+          <a:xfrm>
+            <a:off x="609600" y="5613400"/>
+            <a:ext cx="10972800" cy="508000"/>
+          </a:xfrm>
+          <a:prstGeom prst="rect">
+            <a:avLst/>
+          </a:prstGeom>
+          <a:noFill/>
+        </p:spPr>
+        <p:txBody>
+          <a:bodyPr/>
+          <a:lstStyle/>
+          <a:p>
+            <a:pPr lvl="0" indent="0" marL="0" algn="ctr">
+              <a:buNone/>
+            </a:pPr>
+            <a:r>
+              <a:rPr/>
+              <a:t>Figure 2. Image of a jackknife</a:t>
+            </a:r>
+          </a:p>
+        </p:txBody>
+      </p:sp>
+    </p:spTree>
+  </p:cSld>
+</p:sld>
+</file>
+
+<file path=ppt/slides/slide11.xml><?xml version="1.0" encoding="utf-8"?>
+<p:sld xmlns:a="http://schemas.openxmlformats.org/drawingml/2006/main" xmlns:r="http://schemas.openxmlformats.org/officeDocument/2006/relationships" xmlns:p="http://schemas.openxmlformats.org/presentationml/2006/main">
+  <p:cSld>
+    <p:spTree>
+      <p:nvGrpSpPr>
+        <p:cNvPr id="1" name=""/>
+        <p:cNvGrpSpPr/>
+        <p:nvPr/>
+      </p:nvGrpSpPr>
+      <p:grpSpPr>
+        <a:xfrm>
+          <a:off x="0" y="0"/>
+          <a:ext cx="0" cy="0"/>
+          <a:chOff x="0" y="0"/>
+          <a:chExt cx="0" cy="0"/>
+        </a:xfrm>
+      </p:grpSpPr>
+      <p:sp>
+        <p:nvSpPr>
+          <p:cNvPr id="2" name="Title 1"/>
+          <p:cNvSpPr>
+            <a:spLocks noGrp="1"/>
+          </p:cNvSpPr>
+          <p:nvPr>
+            <p:ph type="title"/>
+          </p:nvPr>
+        </p:nvSpPr>
+        <p:spPr/>
+        <p:txBody>
+          <a:bodyPr/>
+          <a:lstStyle/>
+          <a:p>
+            <a:pPr lvl="0" indent="0" marL="0">
+              <a:buNone/>
+            </a:pPr>
+            <a:r>
+              <a:rPr/>
+              <a:t>The jackknife (2/4)</a:t>
             </a:r>
           </a:p>
         </p:txBody>
@@ -10894,6 +11019,652 @@
                 <a14:m>
                   <m:oMath xmlns:m="http://schemas.openxmlformats.org/officeDocument/2006/math">
                     <m:r>
+                      <m:t>X</m:t>
+                    </m:r>
+                    <m:r>
+                      <m:t> </m:t>
+                    </m:r>
+                    <m:r>
+                      <m:t> </m:t>
+                    </m:r>
+                    <m:r>
+                      <m:t> </m:t>
+                    </m:r>
+                    <m:r>
+                      <m:t> </m:t>
+                    </m:r>
+                    <m:r>
+                      <m:t> </m:t>
+                    </m:r>
+                    <m:r>
+                      <m:t> </m:t>
+                    </m:r>
+                    <m:r>
+                      <m:rPr>
+                        <m:sty m:val="p"/>
+                      </m:rPr>
+                      <m:t>=</m:t>
+                    </m:r>
+                    <m:d>
+                      <m:dPr>
+                        <m:begChr m:val="("/>
+                        <m:endChr m:val=")"/>
+                        <m:sepChr m:val=""/>
+                        <m:grow/>
+                      </m:dPr>
+                      <m:e>
+                        <m:r>
+                          <m:t>2</m:t>
+                        </m:r>
+                        <m:r>
+                          <m:rPr>
+                            <m:sty m:val="p"/>
+                          </m:rPr>
+                          <m:t>,</m:t>
+                        </m:r>
+                        <m:r>
+                          <m:t>3</m:t>
+                        </m:r>
+                        <m:r>
+                          <m:rPr>
+                            <m:sty m:val="p"/>
+                          </m:rPr>
+                          <m:t>,</m:t>
+                        </m:r>
+                        <m:r>
+                          <m:t>7</m:t>
+                        </m:r>
+                        <m:r>
+                          <m:rPr>
+                            <m:sty m:val="p"/>
+                          </m:rPr>
+                          <m:t>,</m:t>
+                        </m:r>
+                        <m:r>
+                          <m:t>5</m:t>
+                        </m:r>
+                        <m:r>
+                          <m:rPr>
+                            <m:sty m:val="p"/>
+                          </m:rPr>
+                          <m:t>,</m:t>
+                        </m:r>
+                        <m:r>
+                          <m:t>6</m:t>
+                        </m:r>
+                      </m:e>
+                    </m:d>
+                  </m:oMath>
+                </a14:m>
+              </a:p>
+              <a:p>
+                <a:pPr lvl="0" indent="0" marL="0">
+                  <a:buNone/>
+                </a:pPr>
+                <a14:m>
+                  <m:oMath xmlns:m="http://schemas.openxmlformats.org/officeDocument/2006/math">
+                    <m:r>
+                      <m:t> </m:t>
+                    </m:r>
+                  </m:oMath>
+                </a14:m>
+              </a:p>
+              <a:p>
+                <a:pPr lvl="0" indent="0" marL="0">
+                  <a:buNone/>
+                </a:pPr>
+                <a14:m>
+                  <m:oMath xmlns:m="http://schemas.openxmlformats.org/officeDocument/2006/math">
+                    <m:sSup>
+                      <m:e>
+                        <m:r>
+                          <m:t>X</m:t>
+                        </m:r>
+                      </m:e>
+                      <m:sup>
+                        <m:d>
+                          <m:dPr>
+                            <m:begChr m:val="("/>
+                            <m:endChr m:val=")"/>
+                            <m:sepChr m:val=""/>
+                            <m:grow/>
+                          </m:dPr>
+                          <m:e>
+                            <m:r>
+                              <m:rPr>
+                                <m:sty m:val="p"/>
+                              </m:rPr>
+                              <m:t>−</m:t>
+                            </m:r>
+                            <m:r>
+                              <m:t>1</m:t>
+                            </m:r>
+                          </m:e>
+                        </m:d>
+                      </m:sup>
+                    </m:sSup>
+                    <m:r>
+                      <m:rPr>
+                        <m:sty m:val="p"/>
+                      </m:rPr>
+                      <m:t>=</m:t>
+                    </m:r>
+                    <m:d>
+                      <m:dPr>
+                        <m:begChr m:val="("/>
+                        <m:endChr m:val=")"/>
+                        <m:sepChr m:val=""/>
+                        <m:grow/>
+                      </m:dPr>
+                      <m:e>
+                        <m:r>
+                          <m:t> </m:t>
+                        </m:r>
+                        <m:r>
+                          <m:t> </m:t>
+                        </m:r>
+                        <m:r>
+                          <m:rPr>
+                            <m:sty m:val="p"/>
+                          </m:rPr>
+                          <m:t>,</m:t>
+                        </m:r>
+                        <m:r>
+                          <m:t>3</m:t>
+                        </m:r>
+                        <m:r>
+                          <m:rPr>
+                            <m:sty m:val="p"/>
+                          </m:rPr>
+                          <m:t>,</m:t>
+                        </m:r>
+                        <m:r>
+                          <m:t>7</m:t>
+                        </m:r>
+                        <m:r>
+                          <m:rPr>
+                            <m:sty m:val="p"/>
+                          </m:rPr>
+                          <m:t>,</m:t>
+                        </m:r>
+                        <m:r>
+                          <m:t>5</m:t>
+                        </m:r>
+                        <m:r>
+                          <m:rPr>
+                            <m:sty m:val="p"/>
+                          </m:rPr>
+                          <m:t>,</m:t>
+                        </m:r>
+                        <m:r>
+                          <m:t>6</m:t>
+                        </m:r>
+                      </m:e>
+                    </m:d>
+                  </m:oMath>
+                </a14:m>
+              </a:p>
+              <a:p>
+                <a:pPr lvl="0" indent="0" marL="0">
+                  <a:buNone/>
+                </a:pPr>
+                <a14:m>
+                  <m:oMath xmlns:m="http://schemas.openxmlformats.org/officeDocument/2006/math">
+                    <m:sSup>
+                      <m:e>
+                        <m:r>
+                          <m:t>X</m:t>
+                        </m:r>
+                      </m:e>
+                      <m:sup>
+                        <m:d>
+                          <m:dPr>
+                            <m:begChr m:val="("/>
+                            <m:endChr m:val=")"/>
+                            <m:sepChr m:val=""/>
+                            <m:grow/>
+                          </m:dPr>
+                          <m:e>
+                            <m:r>
+                              <m:rPr>
+                                <m:sty m:val="p"/>
+                              </m:rPr>
+                              <m:t>−</m:t>
+                            </m:r>
+                            <m:r>
+                              <m:t>2</m:t>
+                            </m:r>
+                          </m:e>
+                        </m:d>
+                      </m:sup>
+                    </m:sSup>
+                    <m:r>
+                      <m:rPr>
+                        <m:sty m:val="p"/>
+                      </m:rPr>
+                      <m:t>=</m:t>
+                    </m:r>
+                    <m:d>
+                      <m:dPr>
+                        <m:begChr m:val="("/>
+                        <m:endChr m:val=")"/>
+                        <m:sepChr m:val=""/>
+                        <m:grow/>
+                      </m:dPr>
+                      <m:e>
+                        <m:r>
+                          <m:t>2</m:t>
+                        </m:r>
+                        <m:r>
+                          <m:rPr>
+                            <m:sty m:val="p"/>
+                          </m:rPr>
+                          <m:t>,</m:t>
+                        </m:r>
+                        <m:r>
+                          <m:t> </m:t>
+                        </m:r>
+                        <m:r>
+                          <m:t> </m:t>
+                        </m:r>
+                        <m:r>
+                          <m:rPr>
+                            <m:sty m:val="p"/>
+                          </m:rPr>
+                          <m:t>,</m:t>
+                        </m:r>
+                        <m:r>
+                          <m:t>7</m:t>
+                        </m:r>
+                        <m:r>
+                          <m:rPr>
+                            <m:sty m:val="p"/>
+                          </m:rPr>
+                          <m:t>,</m:t>
+                        </m:r>
+                        <m:r>
+                          <m:t>5</m:t>
+                        </m:r>
+                        <m:r>
+                          <m:rPr>
+                            <m:sty m:val="p"/>
+                          </m:rPr>
+                          <m:t>,</m:t>
+                        </m:r>
+                        <m:r>
+                          <m:t>6</m:t>
+                        </m:r>
+                      </m:e>
+                    </m:d>
+                  </m:oMath>
+                </a14:m>
+              </a:p>
+              <a:p>
+                <a:pPr lvl="0" indent="0" marL="0">
+                  <a:buNone/>
+                </a:pPr>
+                <a14:m>
+                  <m:oMath xmlns:m="http://schemas.openxmlformats.org/officeDocument/2006/math">
+                    <m:sSup>
+                      <m:e>
+                        <m:r>
+                          <m:t>X</m:t>
+                        </m:r>
+                      </m:e>
+                      <m:sup>
+                        <m:d>
+                          <m:dPr>
+                            <m:begChr m:val="("/>
+                            <m:endChr m:val=")"/>
+                            <m:sepChr m:val=""/>
+                            <m:grow/>
+                          </m:dPr>
+                          <m:e>
+                            <m:r>
+                              <m:rPr>
+                                <m:sty m:val="p"/>
+                              </m:rPr>
+                              <m:t>−</m:t>
+                            </m:r>
+                            <m:r>
+                              <m:t>3</m:t>
+                            </m:r>
+                          </m:e>
+                        </m:d>
+                      </m:sup>
+                    </m:sSup>
+                    <m:r>
+                      <m:rPr>
+                        <m:sty m:val="p"/>
+                      </m:rPr>
+                      <m:t>=</m:t>
+                    </m:r>
+                    <m:d>
+                      <m:dPr>
+                        <m:begChr m:val="("/>
+                        <m:endChr m:val=")"/>
+                        <m:sepChr m:val=""/>
+                        <m:grow/>
+                      </m:dPr>
+                      <m:e>
+                        <m:r>
+                          <m:t>2</m:t>
+                        </m:r>
+                        <m:r>
+                          <m:rPr>
+                            <m:sty m:val="p"/>
+                          </m:rPr>
+                          <m:t>,</m:t>
+                        </m:r>
+                        <m:r>
+                          <m:t>3</m:t>
+                        </m:r>
+                        <m:r>
+                          <m:rPr>
+                            <m:sty m:val="p"/>
+                          </m:rPr>
+                          <m:t>,</m:t>
+                        </m:r>
+                        <m:r>
+                          <m:t> </m:t>
+                        </m:r>
+                        <m:r>
+                          <m:t> </m:t>
+                        </m:r>
+                        <m:r>
+                          <m:rPr>
+                            <m:sty m:val="p"/>
+                          </m:rPr>
+                          <m:t>,</m:t>
+                        </m:r>
+                        <m:r>
+                          <m:t>5</m:t>
+                        </m:r>
+                        <m:r>
+                          <m:rPr>
+                            <m:sty m:val="p"/>
+                          </m:rPr>
+                          <m:t>,</m:t>
+                        </m:r>
+                        <m:r>
+                          <m:t>6</m:t>
+                        </m:r>
+                      </m:e>
+                    </m:d>
+                  </m:oMath>
+                </a14:m>
+              </a:p>
+              <a:p>
+                <a:pPr lvl="0" indent="0" marL="0">
+                  <a:buNone/>
+                </a:pPr>
+                <a14:m>
+                  <m:oMath xmlns:m="http://schemas.openxmlformats.org/officeDocument/2006/math">
+                    <m:sSup>
+                      <m:e>
+                        <m:r>
+                          <m:t>X</m:t>
+                        </m:r>
+                      </m:e>
+                      <m:sup>
+                        <m:d>
+                          <m:dPr>
+                            <m:begChr m:val="("/>
+                            <m:endChr m:val=")"/>
+                            <m:sepChr m:val=""/>
+                            <m:grow/>
+                          </m:dPr>
+                          <m:e>
+                            <m:r>
+                              <m:rPr>
+                                <m:sty m:val="p"/>
+                              </m:rPr>
+                              <m:t>−</m:t>
+                            </m:r>
+                            <m:r>
+                              <m:t>4</m:t>
+                            </m:r>
+                          </m:e>
+                        </m:d>
+                      </m:sup>
+                    </m:sSup>
+                    <m:r>
+                      <m:rPr>
+                        <m:sty m:val="p"/>
+                      </m:rPr>
+                      <m:t>=</m:t>
+                    </m:r>
+                    <m:d>
+                      <m:dPr>
+                        <m:begChr m:val="("/>
+                        <m:endChr m:val=")"/>
+                        <m:sepChr m:val=""/>
+                        <m:grow/>
+                      </m:dPr>
+                      <m:e>
+                        <m:r>
+                          <m:t>2</m:t>
+                        </m:r>
+                        <m:r>
+                          <m:rPr>
+                            <m:sty m:val="p"/>
+                          </m:rPr>
+                          <m:t>,</m:t>
+                        </m:r>
+                        <m:r>
+                          <m:t>3</m:t>
+                        </m:r>
+                        <m:r>
+                          <m:rPr>
+                            <m:sty m:val="p"/>
+                          </m:rPr>
+                          <m:t>,</m:t>
+                        </m:r>
+                        <m:r>
+                          <m:t>7</m:t>
+                        </m:r>
+                        <m:r>
+                          <m:rPr>
+                            <m:sty m:val="p"/>
+                          </m:rPr>
+                          <m:t>,</m:t>
+                        </m:r>
+                        <m:r>
+                          <m:t> </m:t>
+                        </m:r>
+                        <m:r>
+                          <m:t> </m:t>
+                        </m:r>
+                        <m:r>
+                          <m:rPr>
+                            <m:sty m:val="p"/>
+                          </m:rPr>
+                          <m:t>,</m:t>
+                        </m:r>
+                        <m:r>
+                          <m:t>6</m:t>
+                        </m:r>
+                      </m:e>
+                    </m:d>
+                  </m:oMath>
+                </a14:m>
+              </a:p>
+              <a:p>
+                <a:pPr lvl="0" indent="0" marL="0">
+                  <a:buNone/>
+                </a:pPr>
+                <a14:m>
+                  <m:oMath xmlns:m="http://schemas.openxmlformats.org/officeDocument/2006/math">
+                    <m:sSup>
+                      <m:e>
+                        <m:r>
+                          <m:t>X</m:t>
+                        </m:r>
+                      </m:e>
+                      <m:sup>
+                        <m:d>
+                          <m:dPr>
+                            <m:begChr m:val="("/>
+                            <m:endChr m:val=")"/>
+                            <m:sepChr m:val=""/>
+                            <m:grow/>
+                          </m:dPr>
+                          <m:e>
+                            <m:r>
+                              <m:rPr>
+                                <m:sty m:val="p"/>
+                              </m:rPr>
+                              <m:t>−</m:t>
+                            </m:r>
+                            <m:r>
+                              <m:t>5</m:t>
+                            </m:r>
+                          </m:e>
+                        </m:d>
+                      </m:sup>
+                    </m:sSup>
+                    <m:r>
+                      <m:rPr>
+                        <m:sty m:val="p"/>
+                      </m:rPr>
+                      <m:t>=</m:t>
+                    </m:r>
+                    <m:d>
+                      <m:dPr>
+                        <m:begChr m:val="("/>
+                        <m:endChr m:val=")"/>
+                        <m:sepChr m:val=""/>
+                        <m:grow/>
+                      </m:dPr>
+                      <m:e>
+                        <m:r>
+                          <m:t>2</m:t>
+                        </m:r>
+                        <m:r>
+                          <m:rPr>
+                            <m:sty m:val="p"/>
+                          </m:rPr>
+                          <m:t>,</m:t>
+                        </m:r>
+                        <m:r>
+                          <m:t>3</m:t>
+                        </m:r>
+                        <m:r>
+                          <m:rPr>
+                            <m:sty m:val="p"/>
+                          </m:rPr>
+                          <m:t>,</m:t>
+                        </m:r>
+                        <m:r>
+                          <m:t>7</m:t>
+                        </m:r>
+                        <m:r>
+                          <m:rPr>
+                            <m:sty m:val="p"/>
+                          </m:rPr>
+                          <m:t>,</m:t>
+                        </m:r>
+                        <m:r>
+                          <m:t>5</m:t>
+                        </m:r>
+                        <m:r>
+                          <m:rPr>
+                            <m:sty m:val="p"/>
+                          </m:rPr>
+                          <m:t>,</m:t>
+                        </m:r>
+                        <m:r>
+                          <m:t> </m:t>
+                        </m:r>
+                        <m:r>
+                          <m:t> </m:t>
+                        </m:r>
+                        <m:r>
+                          <m:t> </m:t>
+                        </m:r>
+                      </m:e>
+                    </m:d>
+                  </m:oMath>
+                </a14:m>
+              </a:p>
+            </p:txBody>
+          </p:sp>
+        </mc:Choice>
+      </mc:AlternateContent>
+    </p:spTree>
+  </p:cSld>
+</p:sld>
+</file>
+
+<file path=ppt/slides/slide12.xml><?xml version="1.0" encoding="utf-8"?>
+<p:sld xmlns:a="http://schemas.openxmlformats.org/drawingml/2006/main" xmlns:r="http://schemas.openxmlformats.org/officeDocument/2006/relationships" xmlns:p="http://schemas.openxmlformats.org/presentationml/2006/main">
+  <p:cSld>
+    <p:spTree>
+      <p:nvGrpSpPr>
+        <p:cNvPr id="1" name=""/>
+        <p:cNvGrpSpPr/>
+        <p:nvPr/>
+      </p:nvGrpSpPr>
+      <p:grpSpPr>
+        <a:xfrm>
+          <a:off x="0" y="0"/>
+          <a:ext cx="0" cy="0"/>
+          <a:chOff x="0" y="0"/>
+          <a:chExt cx="0" cy="0"/>
+        </a:xfrm>
+      </p:grpSpPr>
+      <p:sp>
+        <p:nvSpPr>
+          <p:cNvPr id="2" name="Title 1"/>
+          <p:cNvSpPr>
+            <a:spLocks noGrp="1"/>
+          </p:cNvSpPr>
+          <p:nvPr>
+            <p:ph type="title"/>
+          </p:nvPr>
+        </p:nvSpPr>
+        <p:spPr/>
+        <p:txBody>
+          <a:bodyPr/>
+          <a:lstStyle/>
+          <a:p>
+            <a:pPr lvl="0" indent="0" marL="0">
+              <a:buNone/>
+            </a:pPr>
+            <a:r>
+              <a:rPr/>
+              <a:t>The jackknife (3/4)</a:t>
+            </a:r>
+          </a:p>
+        </p:txBody>
+      </p:sp>
+      <mc:AlternateContent xmlns:mc="http://schemas.openxmlformats.org/markup-compatibility/2006">
+        <mc:Choice xmlns:a14="http://schemas.microsoft.com/office/drawing/2010/main" Requires="a14">
+          <p:sp>
+            <p:nvSpPr>
+              <p:cNvPr id="3" name="Content Placeholder 2"/>
+              <p:cNvSpPr>
+                <a:spLocks noGrp="1"/>
+              </p:cNvSpPr>
+              <p:nvPr>
+                <p:ph idx="1"/>
+              </p:nvPr>
+            </p:nvSpPr>
+            <p:spPr/>
+            <p:txBody>
+              <a:bodyPr/>
+              <a:lstStyle/>
+              <a:p>
+                <a:pPr lvl="0" indent="0" marL="0">
+                  <a:buNone/>
+                </a:pPr>
+                <a:r>
+                  <a:rPr/>
+                  <a:t>Calculate </a:t>
+                </a:r>
+                <a14:m>
+                  <m:oMath xmlns:m="http://schemas.openxmlformats.org/officeDocument/2006/math">
+                    <m:r>
                       <m:t>M</m:t>
                     </m:r>
                     <m:r>
@@ -10906,7 +11677,43 @@
                 </a14:m>
                 <a:r>
                   <a:rPr/>
-                  <a:t> (2, 3, 7, 5, 6) = 1.68</a:t>
+                  <a:t> (2, 3, 7, 5, 6)</a:t>
+                </a:r>
+              </a:p>
+              <a:p>
+                <a:pPr lvl="0" indent="0" marL="0">
+                  <a:buNone/>
+                </a:pPr>
+                <a:r>
+                  <a:rPr/>
+                  <a:t>Note that </a:t>
+                </a:r>
+                <a14:m>
+                  <m:oMath xmlns:m="http://schemas.openxmlformats.org/officeDocument/2006/math">
+                    <m:acc>
+                      <m:accPr>
+                        <m:chr m:val="‾"/>
+                      </m:accPr>
+                      <m:e>
+                        <m:r>
+                          <m:t>X</m:t>
+                        </m:r>
+                      </m:e>
+                    </m:acc>
+                    <m:r>
+                      <m:rPr>
+                        <m:sty m:val="p"/>
+                      </m:rPr>
+                      <m:t>=</m:t>
+                    </m:r>
+                    <m:r>
+                      <m:t>4.6</m:t>
+                    </m:r>
+                  </m:oMath>
+                </a14:m>
+                <a:r>
+                  <a:rPr/>
+                  <a:t>.</a:t>
                 </a:r>
               </a:p>
               <a:p>
@@ -10927,6 +11734,361 @@
                 </a:pPr>
                 <a14:m>
                   <m:oMath xmlns:m="http://schemas.openxmlformats.org/officeDocument/2006/math">
+                    <m:f>
+                      <m:fPr>
+                        <m:type m:val="bar"/>
+                      </m:fPr>
+                      <m:num>
+                        <m:r>
+                          <m:t>1</m:t>
+                        </m:r>
+                      </m:num>
+                      <m:den>
+                        <m:r>
+                          <m:t>5</m:t>
+                        </m:r>
+                      </m:den>
+                    </m:f>
+                    <m:d>
+                      <m:dPr>
+                        <m:begChr m:val="("/>
+                        <m:endChr m:val=")"/>
+                        <m:sepChr m:val=""/>
+                        <m:grow/>
+                      </m:dPr>
+                      <m:e>
+                        <m:d>
+                          <m:dPr>
+                            <m:begChr m:val="|"/>
+                            <m:endChr m:val="|"/>
+                            <m:sepChr m:val=""/>
+                            <m:grow/>
+                          </m:dPr>
+                          <m:e>
+                            <m:r>
+                              <m:t>2</m:t>
+                            </m:r>
+                            <m:r>
+                              <m:rPr>
+                                <m:sty m:val="p"/>
+                              </m:rPr>
+                              <m:t>−</m:t>
+                            </m:r>
+                            <m:r>
+                              <m:t>4.6</m:t>
+                            </m:r>
+                          </m:e>
+                        </m:d>
+                        <m:r>
+                          <m:rPr>
+                            <m:sty m:val="p"/>
+                          </m:rPr>
+                          <m:t>+</m:t>
+                        </m:r>
+                        <m:d>
+                          <m:dPr>
+                            <m:begChr m:val="|"/>
+                            <m:endChr m:val="|"/>
+                            <m:sepChr m:val=""/>
+                            <m:grow/>
+                          </m:dPr>
+                          <m:e>
+                            <m:r>
+                              <m:t>3</m:t>
+                            </m:r>
+                            <m:r>
+                              <m:rPr>
+                                <m:sty m:val="p"/>
+                              </m:rPr>
+                              <m:t>−</m:t>
+                            </m:r>
+                            <m:r>
+                              <m:t>4.6</m:t>
+                            </m:r>
+                          </m:e>
+                        </m:d>
+                        <m:r>
+                          <m:rPr>
+                            <m:sty m:val="p"/>
+                          </m:rPr>
+                          <m:t>+</m:t>
+                        </m:r>
+                        <m:d>
+                          <m:dPr>
+                            <m:begChr m:val="|"/>
+                            <m:endChr m:val="|"/>
+                            <m:sepChr m:val=""/>
+                            <m:grow/>
+                          </m:dPr>
+                          <m:e>
+                            <m:r>
+                              <m:t>7</m:t>
+                            </m:r>
+                            <m:r>
+                              <m:rPr>
+                                <m:sty m:val="p"/>
+                              </m:rPr>
+                              <m:t>−</m:t>
+                            </m:r>
+                            <m:r>
+                              <m:t>4.6</m:t>
+                            </m:r>
+                          </m:e>
+                        </m:d>
+                        <m:r>
+                          <m:rPr>
+                            <m:sty m:val="p"/>
+                          </m:rPr>
+                          <m:t>+</m:t>
+                        </m:r>
+                        <m:d>
+                          <m:dPr>
+                            <m:begChr m:val="|"/>
+                            <m:endChr m:val="|"/>
+                            <m:sepChr m:val=""/>
+                            <m:grow/>
+                          </m:dPr>
+                          <m:e>
+                            <m:r>
+                              <m:t>5</m:t>
+                            </m:r>
+                            <m:r>
+                              <m:rPr>
+                                <m:sty m:val="p"/>
+                              </m:rPr>
+                              <m:t>−</m:t>
+                            </m:r>
+                            <m:r>
+                              <m:t>4.6</m:t>
+                            </m:r>
+                          </m:e>
+                        </m:d>
+                        <m:r>
+                          <m:rPr>
+                            <m:sty m:val="p"/>
+                          </m:rPr>
+                          <m:t>+</m:t>
+                        </m:r>
+                        <m:d>
+                          <m:dPr>
+                            <m:begChr m:val="|"/>
+                            <m:endChr m:val="|"/>
+                            <m:sepChr m:val=""/>
+                            <m:grow/>
+                          </m:dPr>
+                          <m:e>
+                            <m:r>
+                              <m:t>6</m:t>
+                            </m:r>
+                            <m:r>
+                              <m:rPr>
+                                <m:sty m:val="p"/>
+                              </m:rPr>
+                              <m:t>−</m:t>
+                            </m:r>
+                            <m:r>
+                              <m:t>4.6</m:t>
+                            </m:r>
+                          </m:e>
+                        </m:d>
+                      </m:e>
+                    </m:d>
+                  </m:oMath>
+                </a14:m>
+              </a:p>
+              <a:p>
+                <a:pPr lvl="0" indent="0" marL="0">
+                  <a:buNone/>
+                </a:pPr>
+                <a14:m>
+                  <m:oMath xmlns:m="http://schemas.openxmlformats.org/officeDocument/2006/math">
+                    <m:r>
+                      <m:t> </m:t>
+                    </m:r>
+                  </m:oMath>
+                </a14:m>
+              </a:p>
+              <a:p>
+                <a:pPr lvl="0" indent="0" marL="0">
+                  <a:buNone/>
+                </a:pPr>
+                <a14:m>
+                  <m:oMath xmlns:m="http://schemas.openxmlformats.org/officeDocument/2006/math">
+                    <m:f>
+                      <m:fPr>
+                        <m:type m:val="bar"/>
+                      </m:fPr>
+                      <m:num>
+                        <m:r>
+                          <m:t>1</m:t>
+                        </m:r>
+                      </m:num>
+                      <m:den>
+                        <m:r>
+                          <m:t>5</m:t>
+                        </m:r>
+                      </m:den>
+                    </m:f>
+                    <m:d>
+                      <m:dPr>
+                        <m:begChr m:val="("/>
+                        <m:endChr m:val=")"/>
+                        <m:sepChr m:val=""/>
+                        <m:grow/>
+                      </m:dPr>
+                      <m:e>
+                        <m:r>
+                          <m:t>2.6</m:t>
+                        </m:r>
+                        <m:r>
+                          <m:rPr>
+                            <m:sty m:val="p"/>
+                          </m:rPr>
+                          <m:t>+</m:t>
+                        </m:r>
+                        <m:r>
+                          <m:t>1.6</m:t>
+                        </m:r>
+                        <m:r>
+                          <m:rPr>
+                            <m:sty m:val="p"/>
+                          </m:rPr>
+                          <m:t>+</m:t>
+                        </m:r>
+                        <m:r>
+                          <m:t>2.4</m:t>
+                        </m:r>
+                        <m:r>
+                          <m:rPr>
+                            <m:sty m:val="p"/>
+                          </m:rPr>
+                          <m:t>+</m:t>
+                        </m:r>
+                        <m:r>
+                          <m:t>0.4</m:t>
+                        </m:r>
+                        <m:r>
+                          <m:rPr>
+                            <m:sty m:val="p"/>
+                          </m:rPr>
+                          <m:t>+</m:t>
+                        </m:r>
+                        <m:r>
+                          <m:t>1.4</m:t>
+                        </m:r>
+                      </m:e>
+                    </m:d>
+                  </m:oMath>
+                </a14:m>
+              </a:p>
+              <a:p>
+                <a:pPr lvl="0" indent="0" marL="0">
+                  <a:buNone/>
+                </a:pPr>
+                <a14:m>
+                  <m:oMath xmlns:m="http://schemas.openxmlformats.org/officeDocument/2006/math">
+                    <m:r>
+                      <m:t> </m:t>
+                    </m:r>
+                  </m:oMath>
+                </a14:m>
+              </a:p>
+              <a:p>
+                <a:pPr lvl="0" indent="0" marL="0">
+                  <a:buNone/>
+                </a:pPr>
+                <a14:m>
+                  <m:oMath xmlns:m="http://schemas.openxmlformats.org/officeDocument/2006/math">
+                    <m:r>
+                      <m:t> </m:t>
+                    </m:r>
+                    <m:r>
+                      <m:t> </m:t>
+                    </m:r>
+                  </m:oMath>
+                </a14:m>
+                <a:r>
+                  <a:rPr/>
+                  <a:t> = 1.68</a:t>
+                </a:r>
+              </a:p>
+            </p:txBody>
+          </p:sp>
+        </mc:Choice>
+      </mc:AlternateContent>
+    </p:spTree>
+  </p:cSld>
+</p:sld>
+</file>
+
+<file path=ppt/slides/slide13.xml><?xml version="1.0" encoding="utf-8"?>
+<p:sld xmlns:a="http://schemas.openxmlformats.org/drawingml/2006/main" xmlns:r="http://schemas.openxmlformats.org/officeDocument/2006/relationships" xmlns:p="http://schemas.openxmlformats.org/presentationml/2006/main">
+  <p:cSld>
+    <p:spTree>
+      <p:nvGrpSpPr>
+        <p:cNvPr id="1" name=""/>
+        <p:cNvGrpSpPr/>
+        <p:nvPr/>
+      </p:nvGrpSpPr>
+      <p:grpSpPr>
+        <a:xfrm>
+          <a:off x="0" y="0"/>
+          <a:ext cx="0" cy="0"/>
+          <a:chOff x="0" y="0"/>
+          <a:chExt cx="0" cy="0"/>
+        </a:xfrm>
+      </p:grpSpPr>
+      <p:sp>
+        <p:nvSpPr>
+          <p:cNvPr id="2" name="Title 1"/>
+          <p:cNvSpPr>
+            <a:spLocks noGrp="1"/>
+          </p:cNvSpPr>
+          <p:nvPr>
+            <p:ph type="title"/>
+          </p:nvPr>
+        </p:nvSpPr>
+        <p:spPr/>
+        <p:txBody>
+          <a:bodyPr/>
+          <a:lstStyle/>
+          <a:p>
+            <a:pPr lvl="0" indent="0" marL="0">
+              <a:buNone/>
+            </a:pPr>
+            <a:r>
+              <a:rPr/>
+              <a:t>Calculate MAD for each jackknife sample</a:t>
+            </a:r>
+          </a:p>
+        </p:txBody>
+      </p:sp>
+      <mc:AlternateContent xmlns:mc="http://schemas.openxmlformats.org/markup-compatibility/2006">
+        <mc:Choice xmlns:a14="http://schemas.microsoft.com/office/drawing/2010/main" Requires="a14">
+          <p:sp>
+            <p:nvSpPr>
+              <p:cNvPr id="3" name="Content Placeholder 2"/>
+              <p:cNvSpPr>
+                <a:spLocks noGrp="1"/>
+              </p:cNvSpPr>
+              <p:nvPr>
+                <p:ph idx="1"/>
+              </p:nvPr>
+            </p:nvSpPr>
+            <p:spPr/>
+            <p:txBody>
+              <a:bodyPr/>
+              <a:lstStyle/>
+              <a:p>
+                <a:pPr lvl="0" indent="0" marL="0">
+                  <a:buNone/>
+                </a:pPr>
+                <a:r>
+                  <a:rPr/>
+                  <a:t>Calculate </a:t>
+                </a:r>
+                <a14:m>
+                  <m:oMath xmlns:m="http://schemas.openxmlformats.org/officeDocument/2006/math">
                     <m:r>
                       <m:t>M</m:t>
                     </m:r>
@@ -10943,6 +12105,333 @@
                   <a:t> (3, 7, 5, 6) = 1.25</a:t>
                 </a:r>
               </a:p>
+              <a:p>
+                <a:pPr lvl="0" indent="0" marL="0">
+                  <a:buNone/>
+                </a:pPr>
+                <a:r>
+                  <a:rPr/>
+                  <a:t>Note that mean (3, 7, 5, 6) = 5.25</a:t>
+                </a:r>
+              </a:p>
+              <a:p>
+                <a:pPr lvl="0" indent="0" marL="0">
+                  <a:buNone/>
+                </a:pPr>
+                <a14:m>
+                  <m:oMath xmlns:m="http://schemas.openxmlformats.org/officeDocument/2006/math">
+                    <m:f>
+                      <m:fPr>
+                        <m:type m:val="bar"/>
+                      </m:fPr>
+                      <m:num>
+                        <m:r>
+                          <m:t>1</m:t>
+                        </m:r>
+                      </m:num>
+                      <m:den>
+                        <m:r>
+                          <m:t>4</m:t>
+                        </m:r>
+                      </m:den>
+                    </m:f>
+                    <m:d>
+                      <m:dPr>
+                        <m:begChr m:val="("/>
+                        <m:endChr m:val=")"/>
+                        <m:sepChr m:val=""/>
+                        <m:grow/>
+                      </m:dPr>
+                      <m:e>
+                        <m:d>
+                          <m:dPr>
+                            <m:begChr m:val="|"/>
+                            <m:endChr m:val="|"/>
+                            <m:sepChr m:val=""/>
+                            <m:grow/>
+                          </m:dPr>
+                          <m:e>
+                            <m:r>
+                              <m:t>3</m:t>
+                            </m:r>
+                            <m:r>
+                              <m:rPr>
+                                <m:sty m:val="p"/>
+                              </m:rPr>
+                              <m:t>−</m:t>
+                            </m:r>
+                            <m:r>
+                              <m:t>5.25</m:t>
+                            </m:r>
+                          </m:e>
+                        </m:d>
+                        <m:r>
+                          <m:rPr>
+                            <m:sty m:val="p"/>
+                          </m:rPr>
+                          <m:t>+</m:t>
+                        </m:r>
+                        <m:d>
+                          <m:dPr>
+                            <m:begChr m:val="|"/>
+                            <m:endChr m:val="|"/>
+                            <m:sepChr m:val=""/>
+                            <m:grow/>
+                          </m:dPr>
+                          <m:e>
+                            <m:r>
+                              <m:t>7</m:t>
+                            </m:r>
+                            <m:r>
+                              <m:rPr>
+                                <m:sty m:val="p"/>
+                              </m:rPr>
+                              <m:t>−</m:t>
+                            </m:r>
+                            <m:r>
+                              <m:t>5.25</m:t>
+                            </m:r>
+                          </m:e>
+                        </m:d>
+                        <m:r>
+                          <m:rPr>
+                            <m:sty m:val="p"/>
+                          </m:rPr>
+                          <m:t>+</m:t>
+                        </m:r>
+                        <m:d>
+                          <m:dPr>
+                            <m:begChr m:val="|"/>
+                            <m:endChr m:val="|"/>
+                            <m:sepChr m:val=""/>
+                            <m:grow/>
+                          </m:dPr>
+                          <m:e>
+                            <m:r>
+                              <m:t>5</m:t>
+                            </m:r>
+                            <m:r>
+                              <m:rPr>
+                                <m:sty m:val="p"/>
+                              </m:rPr>
+                              <m:t>−</m:t>
+                            </m:r>
+                            <m:r>
+                              <m:t>5.25</m:t>
+                            </m:r>
+                          </m:e>
+                        </m:d>
+                        <m:r>
+                          <m:rPr>
+                            <m:sty m:val="p"/>
+                          </m:rPr>
+                          <m:t>+</m:t>
+                        </m:r>
+                        <m:d>
+                          <m:dPr>
+                            <m:begChr m:val="|"/>
+                            <m:endChr m:val="|"/>
+                            <m:sepChr m:val=""/>
+                            <m:grow/>
+                          </m:dPr>
+                          <m:e>
+                            <m:r>
+                              <m:t>6</m:t>
+                            </m:r>
+                            <m:r>
+                              <m:rPr>
+                                <m:sty m:val="p"/>
+                              </m:rPr>
+                              <m:t>−</m:t>
+                            </m:r>
+                            <m:r>
+                              <m:t>5.25</m:t>
+                            </m:r>
+                          </m:e>
+                        </m:d>
+                      </m:e>
+                    </m:d>
+                  </m:oMath>
+                </a14:m>
+                <a:r>
+                  <a:rPr/>
+                  <a:t>.</a:t>
+                </a:r>
+              </a:p>
+              <a:p>
+                <a:pPr lvl="0" indent="0" marL="0">
+                  <a:buNone/>
+                </a:pPr>
+                <a14:m>
+                  <m:oMath xmlns:m="http://schemas.openxmlformats.org/officeDocument/2006/math">
+                    <m:r>
+                      <m:t> </m:t>
+                    </m:r>
+                  </m:oMath>
+                </a14:m>
+              </a:p>
+              <a:p>
+                <a:pPr lvl="0" indent="0" marL="0">
+                  <a:buNone/>
+                </a:pPr>
+                <a14:m>
+                  <m:oMath xmlns:m="http://schemas.openxmlformats.org/officeDocument/2006/math">
+                    <m:f>
+                      <m:fPr>
+                        <m:type m:val="bar"/>
+                      </m:fPr>
+                      <m:num>
+                        <m:r>
+                          <m:t>1</m:t>
+                        </m:r>
+                      </m:num>
+                      <m:den>
+                        <m:r>
+                          <m:t>5</m:t>
+                        </m:r>
+                      </m:den>
+                    </m:f>
+                    <m:d>
+                      <m:dPr>
+                        <m:begChr m:val="("/>
+                        <m:endChr m:val=")"/>
+                        <m:sepChr m:val=""/>
+                        <m:grow/>
+                      </m:dPr>
+                      <m:e>
+                        <m:r>
+                          <m:t>2.25</m:t>
+                        </m:r>
+                        <m:r>
+                          <m:rPr>
+                            <m:sty m:val="p"/>
+                          </m:rPr>
+                          <m:t>+</m:t>
+                        </m:r>
+                        <m:r>
+                          <m:t>1.75</m:t>
+                        </m:r>
+                        <m:r>
+                          <m:rPr>
+                            <m:sty m:val="p"/>
+                          </m:rPr>
+                          <m:t>+</m:t>
+                        </m:r>
+                        <m:r>
+                          <m:t>0.25</m:t>
+                        </m:r>
+                        <m:r>
+                          <m:rPr>
+                            <m:sty m:val="p"/>
+                          </m:rPr>
+                          <m:t>+</m:t>
+                        </m:r>
+                        <m:r>
+                          <m:t>0.75</m:t>
+                        </m:r>
+                      </m:e>
+                    </m:d>
+                  </m:oMath>
+                </a14:m>
+              </a:p>
+              <a:p>
+                <a:pPr lvl="0" indent="0" marL="0">
+                  <a:buNone/>
+                </a:pPr>
+                <a14:m>
+                  <m:oMath xmlns:m="http://schemas.openxmlformats.org/officeDocument/2006/math">
+                    <m:r>
+                      <m:t> </m:t>
+                    </m:r>
+                  </m:oMath>
+                </a14:m>
+              </a:p>
+              <a:p>
+                <a:pPr lvl="0" indent="0" marL="0">
+                  <a:buNone/>
+                </a:pPr>
+                <a14:m>
+                  <m:oMath xmlns:m="http://schemas.openxmlformats.org/officeDocument/2006/math">
+                    <m:r>
+                      <m:t> </m:t>
+                    </m:r>
+                    <m:r>
+                      <m:t> </m:t>
+                    </m:r>
+                  </m:oMath>
+                </a14:m>
+                <a:r>
+                  <a:rPr/>
+                  <a:t> = 1.25</a:t>
+                </a:r>
+              </a:p>
+            </p:txBody>
+          </p:sp>
+        </mc:Choice>
+      </mc:AlternateContent>
+    </p:spTree>
+  </p:cSld>
+</p:sld>
+</file>
+
+<file path=ppt/slides/slide14.xml><?xml version="1.0" encoding="utf-8"?>
+<p:sld xmlns:a="http://schemas.openxmlformats.org/drawingml/2006/main" xmlns:r="http://schemas.openxmlformats.org/officeDocument/2006/relationships" xmlns:p="http://schemas.openxmlformats.org/presentationml/2006/main">
+  <p:cSld>
+    <p:spTree>
+      <p:nvGrpSpPr>
+        <p:cNvPr id="1" name=""/>
+        <p:cNvGrpSpPr/>
+        <p:nvPr/>
+      </p:nvGrpSpPr>
+      <p:grpSpPr>
+        <a:xfrm>
+          <a:off x="0" y="0"/>
+          <a:ext cx="0" cy="0"/>
+          <a:chOff x="0" y="0"/>
+          <a:chExt cx="0" cy="0"/>
+        </a:xfrm>
+      </p:grpSpPr>
+      <p:sp>
+        <p:nvSpPr>
+          <p:cNvPr id="2" name="Title 1"/>
+          <p:cNvSpPr>
+            <a:spLocks noGrp="1"/>
+          </p:cNvSpPr>
+          <p:nvPr>
+            <p:ph type="title"/>
+          </p:nvPr>
+        </p:nvSpPr>
+        <p:spPr/>
+        <p:txBody>
+          <a:bodyPr/>
+          <a:lstStyle/>
+          <a:p>
+            <a:pPr lvl="0" indent="0" marL="0">
+              <a:buNone/>
+            </a:pPr>
+            <a:r>
+              <a:rPr/>
+              <a:t>The remaining calculations</a:t>
+            </a:r>
+          </a:p>
+        </p:txBody>
+      </p:sp>
+      <mc:AlternateContent xmlns:mc="http://schemas.openxmlformats.org/markup-compatibility/2006">
+        <mc:Choice xmlns:a14="http://schemas.microsoft.com/office/drawing/2010/main" Requires="a14">
+          <p:sp>
+            <p:nvSpPr>
+              <p:cNvPr id="3" name="Content Placeholder 2"/>
+              <p:cNvSpPr>
+                <a:spLocks noGrp="1"/>
+              </p:cNvSpPr>
+              <p:nvPr>
+                <p:ph idx="1"/>
+              </p:nvPr>
+            </p:nvSpPr>
+            <p:spPr/>
+            <p:txBody>
+              <a:bodyPr/>
+              <a:lstStyle/>
               <a:p>
                 <a:pPr lvl="0" indent="0" marL="0">
                   <a:buNone/>
@@ -11040,7 +12529,7 @@
 </p:sld>
 </file>
 
-<file path=ppt/slides/slide11.xml><?xml version="1.0" encoding="utf-8"?>
+<file path=ppt/slides/slide15.xml><?xml version="1.0" encoding="utf-8"?>
 <p:sld xmlns:a="http://schemas.openxmlformats.org/drawingml/2006/main" xmlns:r="http://schemas.openxmlformats.org/officeDocument/2006/relationships" xmlns:p="http://schemas.openxmlformats.org/presentationml/2006/main">
   <p:cSld>
     <p:spTree>
@@ -11077,7 +12566,7 @@
             </a:pPr>
             <a:r>
               <a:rPr/>
-              <a:t>The jackknife (4/4)</a:t>
+              <a:t>Mean and standard deviations for the jackknife samples</a:t>
             </a:r>
           </a:p>
         </p:txBody>
@@ -11124,7 +12613,7 @@
 </p:sld>
 </file>
 
-<file path=ppt/slides/slide12.xml><?xml version="1.0" encoding="utf-8"?>
+<file path=ppt/slides/slide16.xml><?xml version="1.0" encoding="utf-8"?>
 <p:sld xmlns:a="http://schemas.openxmlformats.org/drawingml/2006/main" xmlns:r="http://schemas.openxmlformats.org/officeDocument/2006/relationships" xmlns:p="http://schemas.openxmlformats.org/presentationml/2006/main">
   <p:cSld>
     <p:spTree>
@@ -11231,7 +12720,7 @@
 </p:sld>
 </file>
 
-<file path=ppt/slides/slide13.xml><?xml version="1.0" encoding="utf-8"?>
+<file path=ppt/slides/slide17.xml><?xml version="1.0" encoding="utf-8"?>
 <p:sld xmlns:a="http://schemas.openxmlformats.org/drawingml/2006/main" xmlns:r="http://schemas.openxmlformats.org/officeDocument/2006/relationships" xmlns:p="http://schemas.openxmlformats.org/presentationml/2006/main">
   <p:cSld>
     <p:spTree>
@@ -11357,7 +12846,7 @@
 </p:sld>
 </file>
 
-<file path=ppt/slides/slide14.xml><?xml version="1.0" encoding="utf-8"?>
+<file path=ppt/slides/slide18.xml><?xml version="1.0" encoding="utf-8"?>
 <p:sld xmlns:a="http://schemas.openxmlformats.org/drawingml/2006/main" xmlns:r="http://schemas.openxmlformats.org/officeDocument/2006/relationships" xmlns:p="http://schemas.openxmlformats.org/presentationml/2006/main">
   <p:cSld>
     <p:spTree>
@@ -11465,7 +12954,7 @@
 </p:sld>
 </file>
 
-<file path=ppt/slides/slide15.xml><?xml version="1.0" encoding="utf-8"?>
+<file path=ppt/slides/slide19.xml><?xml version="1.0" encoding="utf-8"?>
 <p:sld xmlns:a="http://schemas.openxmlformats.org/drawingml/2006/main" xmlns:r="http://schemas.openxmlformats.org/officeDocument/2006/relationships" xmlns:p="http://schemas.openxmlformats.org/presentationml/2006/main">
   <p:cSld>
     <p:spTree>
@@ -11549,7 +13038,84 @@
 </p:sld>
 </file>
 
-<file path=ppt/slides/slide16.xml><?xml version="1.0" encoding="utf-8"?>
+<file path=ppt/slides/slide2.xml><?xml version="1.0" encoding="utf-8"?>
+<p:sld xmlns:a="http://schemas.openxmlformats.org/drawingml/2006/main" xmlns:r="http://schemas.openxmlformats.org/officeDocument/2006/relationships" xmlns:p="http://schemas.openxmlformats.org/presentationml/2006/main">
+  <p:cSld>
+    <p:spTree>
+      <p:nvGrpSpPr>
+        <p:cNvPr id="1" name=""/>
+        <p:cNvGrpSpPr/>
+        <p:nvPr/>
+      </p:nvGrpSpPr>
+      <p:grpSpPr>
+        <a:xfrm>
+          <a:off x="0" y="0"/>
+          <a:ext cx="0" cy="0"/>
+          <a:chOff x="0" y="0"/>
+          <a:chExt cx="0" cy="0"/>
+        </a:xfrm>
+      </p:grpSpPr>
+      <p:sp>
+        <p:nvSpPr>
+          <p:cNvPr id="2" name="Title 1"/>
+          <p:cNvSpPr>
+            <a:spLocks noGrp="1"/>
+          </p:cNvSpPr>
+          <p:nvPr>
+            <p:ph type="title"/>
+          </p:nvPr>
+        </p:nvSpPr>
+        <p:spPr/>
+        <p:txBody>
+          <a:bodyPr/>
+          <a:lstStyle/>
+          <a:p>
+            <a:pPr lvl="0" indent="0" marL="0">
+              <a:buNone/>
+            </a:pPr>
+            <a:r>
+              <a:rPr/>
+              <a:t>Where this fits</a:t>
+            </a:r>
+          </a:p>
+        </p:txBody>
+      </p:sp>
+      <p:pic>
+        <p:nvPicPr>
+          <p:cNvPr descr="../images/where-this-fits.png" id="0" name="Picture 1"/>
+          <p:cNvPicPr>
+            <a:picLocks noGrp="1" noChangeAspect="1"/>
+          </p:cNvPicPr>
+          <p:nvPr/>
+        </p:nvPicPr>
+        <p:blipFill>
+          <a:blip r:embed="rId2"/>
+          <a:stretch>
+            <a:fillRect/>
+          </a:stretch>
+        </p:blipFill>
+        <p:spPr bwMode="auto">
+          <a:xfrm>
+            <a:off x="1587500" y="1600200"/>
+            <a:ext cx="9029700" cy="4521200"/>
+          </a:xfrm>
+          <a:prstGeom prst="rect">
+            <a:avLst/>
+          </a:prstGeom>
+          <a:noFill/>
+          <a:ln w="9525">
+            <a:noFill/>
+            <a:headEnd/>
+            <a:tailEnd/>
+          </a:ln>
+        </p:spPr>
+      </p:pic>
+    </p:spTree>
+  </p:cSld>
+</p:sld>
+</file>
+
+<file path=ppt/slides/slide20.xml><?xml version="1.0" encoding="utf-8"?>
 <p:sld xmlns:a="http://schemas.openxmlformats.org/drawingml/2006/main" xmlns:r="http://schemas.openxmlformats.org/officeDocument/2006/relationships" xmlns:p="http://schemas.openxmlformats.org/presentationml/2006/main">
   <p:cSld>
     <p:spTree>
@@ -11656,7 +13222,7 @@
 </p:sld>
 </file>
 
-<file path=ppt/slides/slide17.xml><?xml version="1.0" encoding="utf-8"?>
+<file path=ppt/slides/slide21.xml><?xml version="1.0" encoding="utf-8"?>
 <p:sld xmlns:a="http://schemas.openxmlformats.org/drawingml/2006/main" xmlns:r="http://schemas.openxmlformats.org/officeDocument/2006/relationships" xmlns:p="http://schemas.openxmlformats.org/presentationml/2006/main">
   <p:cSld>
     <p:spTree>
@@ -11763,7 +13329,7 @@
 </p:sld>
 </file>
 
-<file path=ppt/slides/slide18.xml><?xml version="1.0" encoding="utf-8"?>
+<file path=ppt/slides/slide22.xml><?xml version="1.0" encoding="utf-8"?>
 <p:sld xmlns:a="http://schemas.openxmlformats.org/drawingml/2006/main" xmlns:r="http://schemas.openxmlformats.org/officeDocument/2006/relationships" xmlns:p="http://schemas.openxmlformats.org/presentationml/2006/main">
   <p:cSld>
     <p:spTree>
@@ -11870,7 +13436,7 @@
 </p:sld>
 </file>
 
-<file path=ppt/slides/slide19.xml><?xml version="1.0" encoding="utf-8"?>
+<file path=ppt/slides/slide23.xml><?xml version="1.0" encoding="utf-8"?>
 <p:sld xmlns:a="http://schemas.openxmlformats.org/drawingml/2006/main" xmlns:r="http://schemas.openxmlformats.org/officeDocument/2006/relationships" xmlns:p="http://schemas.openxmlformats.org/presentationml/2006/main">
   <p:cSld>
     <p:spTree>
@@ -11977,98 +13543,7 @@
 </p:sld>
 </file>
 
-<file path=ppt/slides/slide2.xml><?xml version="1.0" encoding="utf-8"?>
-<p:sld xmlns:a="http://schemas.openxmlformats.org/drawingml/2006/main" xmlns:r="http://schemas.openxmlformats.org/officeDocument/2006/relationships" xmlns:p="http://schemas.openxmlformats.org/presentationml/2006/main">
-  <p:cSld>
-    <p:spTree>
-      <p:nvGrpSpPr>
-        <p:cNvPr id="1" name=""/>
-        <p:cNvGrpSpPr/>
-        <p:nvPr/>
-      </p:nvGrpSpPr>
-      <p:grpSpPr>
-        <a:xfrm>
-          <a:off x="0" y="0"/>
-          <a:ext cx="0" cy="0"/>
-          <a:chOff x="0" y="0"/>
-          <a:chExt cx="0" cy="0"/>
-        </a:xfrm>
-      </p:grpSpPr>
-      <p:sp>
-        <p:nvSpPr>
-          <p:cNvPr id="2" name="Title 1"/>
-          <p:cNvSpPr>
-            <a:spLocks noGrp="1"/>
-          </p:cNvSpPr>
-          <p:nvPr>
-            <p:ph type="title"/>
-          </p:nvPr>
-        </p:nvSpPr>
-        <p:spPr/>
-        <p:txBody>
-          <a:bodyPr/>
-          <a:lstStyle/>
-          <a:p>
-            <a:pPr lvl="0" indent="0" marL="0">
-              <a:buNone/>
-            </a:pPr>
-            <a:r>
-              <a:rPr/>
-              <a:t>Outline</a:t>
-            </a:r>
-          </a:p>
-        </p:txBody>
-      </p:sp>
-      <p:sp>
-        <p:nvSpPr>
-          <p:cNvPr id="3" name="Content Placeholder 2"/>
-          <p:cNvSpPr>
-            <a:spLocks noGrp="1"/>
-          </p:cNvSpPr>
-          <p:nvPr>
-            <p:ph idx="1"/>
-          </p:nvPr>
-        </p:nvSpPr>
-        <p:spPr/>
-        <p:txBody>
-          <a:bodyPr/>
-          <a:lstStyle/>
-          <a:p>
-            <a:pPr lvl="0"/>
-            <a:r>
-              <a:rPr/>
-              <a:t>History</a:t>
-            </a:r>
-          </a:p>
-          <a:p>
-            <a:pPr lvl="0"/>
-            <a:r>
-              <a:rPr/>
-              <a:t>Algorithms</a:t>
-            </a:r>
-          </a:p>
-          <a:p>
-            <a:pPr lvl="0"/>
-            <a:r>
-              <a:rPr/>
-              <a:t>Software</a:t>
-            </a:r>
-          </a:p>
-          <a:p>
-            <a:pPr lvl="0"/>
-            <a:r>
-              <a:rPr/>
-              <a:t>Special settings</a:t>
-            </a:r>
-          </a:p>
-        </p:txBody>
-      </p:sp>
-    </p:spTree>
-  </p:cSld>
-</p:sld>
-</file>
-
-<file path=ppt/slides/slide20.xml><?xml version="1.0" encoding="utf-8"?>
+<file path=ppt/slides/slide24.xml><?xml version="1.0" encoding="utf-8"?>
 <p:sld xmlns:a="http://schemas.openxmlformats.org/drawingml/2006/main" xmlns:r="http://schemas.openxmlformats.org/officeDocument/2006/relationships" xmlns:p="http://schemas.openxmlformats.org/presentationml/2006/main">
   <p:cSld>
     <p:spTree>
@@ -12175,7 +13650,7 @@
 </p:sld>
 </file>
 
-<file path=ppt/slides/slide21.xml><?xml version="1.0" encoding="utf-8"?>
+<file path=ppt/slides/slide25.xml><?xml version="1.0" encoding="utf-8"?>
 <p:sld xmlns:a="http://schemas.openxmlformats.org/drawingml/2006/main" xmlns:r="http://schemas.openxmlformats.org/officeDocument/2006/relationships" xmlns:p="http://schemas.openxmlformats.org/presentationml/2006/main">
   <p:cSld>
     <p:spTree>
@@ -12282,7 +13757,7 @@
 </p:sld>
 </file>
 
-<file path=ppt/slides/slide22.xml><?xml version="1.0" encoding="utf-8"?>
+<file path=ppt/slides/slide26.xml><?xml version="1.0" encoding="utf-8"?>
 <p:sld xmlns:a="http://schemas.openxmlformats.org/drawingml/2006/main" xmlns:r="http://schemas.openxmlformats.org/officeDocument/2006/relationships" xmlns:p="http://schemas.openxmlformats.org/presentationml/2006/main">
   <p:cSld>
     <p:spTree>
@@ -12380,7 +13855,7 @@
 </p:sld>
 </file>
 
-<file path=ppt/slides/slide23.xml><?xml version="1.0" encoding="utf-8"?>
+<file path=ppt/slides/slide27.xml><?xml version="1.0" encoding="utf-8"?>
 <p:sld xmlns:a="http://schemas.openxmlformats.org/drawingml/2006/main" xmlns:r="http://schemas.openxmlformats.org/officeDocument/2006/relationships" xmlns:p="http://schemas.openxmlformats.org/presentationml/2006/main">
   <p:cSld>
     <p:spTree>
@@ -12487,7 +13962,7 @@
 </p:sld>
 </file>
 
-<file path=ppt/slides/slide24.xml><?xml version="1.0" encoding="utf-8"?>
+<file path=ppt/slides/slide28.xml><?xml version="1.0" encoding="utf-8"?>
 <p:sld xmlns:a="http://schemas.openxmlformats.org/drawingml/2006/main" xmlns:r="http://schemas.openxmlformats.org/officeDocument/2006/relationships" xmlns:p="http://schemas.openxmlformats.org/presentationml/2006/main">
   <p:cSld>
     <p:spTree>
@@ -12594,7 +14069,7 @@
 </p:sld>
 </file>
 
-<file path=ppt/slides/slide25.xml><?xml version="1.0" encoding="utf-8"?>
+<file path=ppt/slides/slide29.xml><?xml version="1.0" encoding="utf-8"?>
 <p:sld xmlns:a="http://schemas.openxmlformats.org/drawingml/2006/main" xmlns:r="http://schemas.openxmlformats.org/officeDocument/2006/relationships" xmlns:p="http://schemas.openxmlformats.org/presentationml/2006/main">
   <p:cSld>
     <p:spTree>
@@ -12917,7 +14392,7 @@
 </p:sld>
 </file>
 
-<file path=ppt/slides/slide26.xml><?xml version="1.0" encoding="utf-8"?>
+<file path=ppt/slides/slide3.xml><?xml version="1.0" encoding="utf-8"?>
 <p:sld xmlns:a="http://schemas.openxmlformats.org/drawingml/2006/main" xmlns:r="http://schemas.openxmlformats.org/officeDocument/2006/relationships" xmlns:p="http://schemas.openxmlformats.org/presentationml/2006/main">
   <p:cSld>
     <p:spTree>
@@ -12954,7 +14429,7 @@
             </a:pPr>
             <a:r>
               <a:rPr/>
-              <a:t>Break #1</a:t>
+              <a:t>Goal</a:t>
             </a:r>
           </a:p>
         </p:txBody>
@@ -12974,31 +14449,42 @@
           <a:bodyPr/>
           <a:lstStyle/>
           <a:p>
+            <a:pPr lvl="0" indent="0" marL="0">
+              <a:buNone/>
+            </a:pPr>
+            <a:r>
+              <a:rPr/>
+              <a:t>For you to have a good understanding of:</a:t>
+            </a:r>
+          </a:p>
+          <a:p>
             <a:pPr lvl="0"/>
             <a:r>
               <a:rPr/>
-              <a:t>What have you learned</a:t>
-            </a:r>
-          </a:p>
-          <a:p>
-            <a:pPr lvl="1"/>
-            <a:r>
-              <a:rPr/>
-              <a:t>History of the bootstrap</a:t>
+              <a:t>what the bootstrap is</a:t>
             </a:r>
           </a:p>
           <a:p>
             <a:pPr lvl="0"/>
             <a:r>
               <a:rPr/>
-              <a:t>What’s coming next</a:t>
-            </a:r>
-          </a:p>
-          <a:p>
-            <a:pPr lvl="1"/>
-            <a:r>
-              <a:rPr/>
-              <a:t>Algorithms</a:t>
+              <a:t>when it is appropriate to use it</a:t>
+            </a:r>
+          </a:p>
+          <a:p>
+            <a:pPr lvl="0"/>
+            <a:r>
+              <a:rPr/>
+              <a:t>the steps to implement the bootstrap.</a:t>
+            </a:r>
+          </a:p>
+          <a:p>
+            <a:pPr lvl="0" indent="0" marL="0">
+              <a:buNone/>
+            </a:pPr>
+            <a:r>
+              <a:rPr/>
+              <a:t>The goal is not to cover every possible application of the bootstrap.</a:t>
             </a:r>
           </a:p>
         </p:txBody>
@@ -13008,7 +14494,7 @@
 </p:sld>
 </file>
 
-<file path=ppt/slides/slide27.xml><?xml version="1.0" encoding="utf-8"?>
+<file path=ppt/slides/slide30.xml><?xml version="1.0" encoding="utf-8"?>
 <p:sld xmlns:a="http://schemas.openxmlformats.org/drawingml/2006/main" xmlns:r="http://schemas.openxmlformats.org/officeDocument/2006/relationships" xmlns:p="http://schemas.openxmlformats.org/presentationml/2006/main">
   <p:cSld>
     <p:spTree>
@@ -13045,65 +14531,51 @@
             </a:pPr>
             <a:r>
               <a:rPr/>
+              <a:t>Break #1</a:t>
+            </a:r>
+          </a:p>
+        </p:txBody>
+      </p:sp>
+      <p:sp>
+        <p:nvSpPr>
+          <p:cNvPr id="3" name="Content Placeholder 2"/>
+          <p:cNvSpPr>
+            <a:spLocks noGrp="1"/>
+          </p:cNvSpPr>
+          <p:nvPr>
+            <p:ph idx="1"/>
+          </p:nvPr>
+        </p:nvSpPr>
+        <p:spPr/>
+        <p:txBody>
+          <a:bodyPr/>
+          <a:lstStyle/>
+          <a:p>
+            <a:pPr lvl="0"/>
+            <a:r>
+              <a:rPr/>
+              <a:t>What have you learned</a:t>
+            </a:r>
+          </a:p>
+          <a:p>
+            <a:pPr lvl="1"/>
+            <a:r>
+              <a:rPr/>
+              <a:t>History of the bootstrap</a:t>
+            </a:r>
+          </a:p>
+          <a:p>
+            <a:pPr lvl="0"/>
+            <a:r>
+              <a:rPr/>
+              <a:t>What’s coming next</a:t>
+            </a:r>
+          </a:p>
+          <a:p>
+            <a:pPr lvl="1"/>
+            <a:r>
+              <a:rPr/>
               <a:t>Algorithms</a:t>
-            </a:r>
-          </a:p>
-        </p:txBody>
-      </p:sp>
-      <p:sp>
-        <p:nvSpPr>
-          <p:cNvPr id="3" name="Content Placeholder 2"/>
-          <p:cNvSpPr>
-            <a:spLocks noGrp="1"/>
-          </p:cNvSpPr>
-          <p:nvPr>
-            <p:ph idx="1"/>
-          </p:nvPr>
-        </p:nvSpPr>
-        <p:spPr/>
-        <p:txBody>
-          <a:bodyPr/>
-          <a:lstStyle/>
-          <a:p>
-            <a:pPr lvl="0"/>
-            <a:r>
-              <a:rPr/>
-              <a:t>Estimate bias</a:t>
-            </a:r>
-          </a:p>
-          <a:p>
-            <a:pPr lvl="0"/>
-            <a:r>
-              <a:rPr/>
-              <a:t>Calculate standard errors</a:t>
-            </a:r>
-          </a:p>
-          <a:p>
-            <a:pPr lvl="0"/>
-            <a:r>
-              <a:rPr/>
-              <a:t>Compute confidence intervals</a:t>
-            </a:r>
-          </a:p>
-          <a:p>
-            <a:pPr lvl="0"/>
-            <a:r>
-              <a:rPr/>
-              <a:t>Test hypotheses</a:t>
-            </a:r>
-          </a:p>
-          <a:p>
-            <a:pPr lvl="0"/>
-            <a:r>
-              <a:rPr/>
-              <a:t>Visualizations</a:t>
-            </a:r>
-          </a:p>
-          <a:p>
-            <a:pPr lvl="0"/>
-            <a:r>
-              <a:rPr/>
-              <a:t>How many bootstraps</a:t>
             </a:r>
           </a:p>
         </p:txBody>
@@ -13113,7 +14585,112 @@
 </p:sld>
 </file>
 
-<file path=ppt/slides/slide28.xml><?xml version="1.0" encoding="utf-8"?>
+<file path=ppt/slides/slide31.xml><?xml version="1.0" encoding="utf-8"?>
+<p:sld xmlns:a="http://schemas.openxmlformats.org/drawingml/2006/main" xmlns:r="http://schemas.openxmlformats.org/officeDocument/2006/relationships" xmlns:p="http://schemas.openxmlformats.org/presentationml/2006/main">
+  <p:cSld>
+    <p:spTree>
+      <p:nvGrpSpPr>
+        <p:cNvPr id="1" name=""/>
+        <p:cNvGrpSpPr/>
+        <p:nvPr/>
+      </p:nvGrpSpPr>
+      <p:grpSpPr>
+        <a:xfrm>
+          <a:off x="0" y="0"/>
+          <a:ext cx="0" cy="0"/>
+          <a:chOff x="0" y="0"/>
+          <a:chExt cx="0" cy="0"/>
+        </a:xfrm>
+      </p:grpSpPr>
+      <p:sp>
+        <p:nvSpPr>
+          <p:cNvPr id="2" name="Title 1"/>
+          <p:cNvSpPr>
+            <a:spLocks noGrp="1"/>
+          </p:cNvSpPr>
+          <p:nvPr>
+            <p:ph type="title"/>
+          </p:nvPr>
+        </p:nvSpPr>
+        <p:spPr/>
+        <p:txBody>
+          <a:bodyPr/>
+          <a:lstStyle/>
+          <a:p>
+            <a:pPr lvl="0" indent="0" marL="0">
+              <a:buNone/>
+            </a:pPr>
+            <a:r>
+              <a:rPr/>
+              <a:t>Algorithms</a:t>
+            </a:r>
+          </a:p>
+        </p:txBody>
+      </p:sp>
+      <p:sp>
+        <p:nvSpPr>
+          <p:cNvPr id="3" name="Content Placeholder 2"/>
+          <p:cNvSpPr>
+            <a:spLocks noGrp="1"/>
+          </p:cNvSpPr>
+          <p:nvPr>
+            <p:ph idx="1"/>
+          </p:nvPr>
+        </p:nvSpPr>
+        <p:spPr/>
+        <p:txBody>
+          <a:bodyPr/>
+          <a:lstStyle/>
+          <a:p>
+            <a:pPr lvl="0"/>
+            <a:r>
+              <a:rPr/>
+              <a:t>Estimate bias</a:t>
+            </a:r>
+          </a:p>
+          <a:p>
+            <a:pPr lvl="0"/>
+            <a:r>
+              <a:rPr/>
+              <a:t>Calculate standard errors</a:t>
+            </a:r>
+          </a:p>
+          <a:p>
+            <a:pPr lvl="0"/>
+            <a:r>
+              <a:rPr/>
+              <a:t>Compute confidence intervals</a:t>
+            </a:r>
+          </a:p>
+          <a:p>
+            <a:pPr lvl="0"/>
+            <a:r>
+              <a:rPr/>
+              <a:t>Test hypotheses</a:t>
+            </a:r>
+          </a:p>
+          <a:p>
+            <a:pPr lvl="0"/>
+            <a:r>
+              <a:rPr/>
+              <a:t>Visualizations</a:t>
+            </a:r>
+          </a:p>
+          <a:p>
+            <a:pPr lvl="0"/>
+            <a:r>
+              <a:rPr/>
+              <a:t>How many bootstraps</a:t>
+            </a:r>
+          </a:p>
+        </p:txBody>
+      </p:sp>
+    </p:spTree>
+  </p:cSld>
+</p:sld>
+</file>
+
+<file path=ppt/slides/slide32.xml><?xml version="1.0" encoding="utf-8"?>
 <p:sld xmlns:a="http://schemas.openxmlformats.org/drawingml/2006/main" xmlns:r="http://schemas.openxmlformats.org/officeDocument/2006/relationships" xmlns:p="http://schemas.openxmlformats.org/presentationml/2006/main">
   <p:cSld>
     <p:spTree>
@@ -13861,7 +15438,7 @@
 </p:sld>
 </file>
 
-<file path=ppt/slides/slide29.xml><?xml version="1.0" encoding="utf-8"?>
+<file path=ppt/slides/slide33.xml><?xml version="1.0" encoding="utf-8"?>
 <p:sld xmlns:a="http://schemas.openxmlformats.org/drawingml/2006/main" xmlns:r="http://schemas.openxmlformats.org/officeDocument/2006/relationships" xmlns:p="http://schemas.openxmlformats.org/presentationml/2006/main">
   <p:cSld>
     <p:spTree>
@@ -14068,98 +15645,7 @@
 </p:sld>
 </file>
 
-<file path=ppt/slides/slide3.xml><?xml version="1.0" encoding="utf-8"?>
-<p:sld xmlns:a="http://schemas.openxmlformats.org/drawingml/2006/main" xmlns:r="http://schemas.openxmlformats.org/officeDocument/2006/relationships" xmlns:p="http://schemas.openxmlformats.org/presentationml/2006/main">
-  <p:cSld>
-    <p:spTree>
-      <p:nvGrpSpPr>
-        <p:cNvPr id="1" name=""/>
-        <p:cNvGrpSpPr/>
-        <p:nvPr/>
-      </p:nvGrpSpPr>
-      <p:grpSpPr>
-        <a:xfrm>
-          <a:off x="0" y="0"/>
-          <a:ext cx="0" cy="0"/>
-          <a:chOff x="0" y="0"/>
-          <a:chExt cx="0" cy="0"/>
-        </a:xfrm>
-      </p:grpSpPr>
-      <p:sp>
-        <p:nvSpPr>
-          <p:cNvPr id="2" name="Title 1"/>
-          <p:cNvSpPr>
-            <a:spLocks noGrp="1"/>
-          </p:cNvSpPr>
-          <p:nvPr>
-            <p:ph type="title"/>
-          </p:nvPr>
-        </p:nvSpPr>
-        <p:spPr/>
-        <p:txBody>
-          <a:bodyPr/>
-          <a:lstStyle/>
-          <a:p>
-            <a:pPr lvl="0" indent="0" marL="0">
-              <a:buNone/>
-            </a:pPr>
-            <a:r>
-              <a:rPr/>
-              <a:t>History of the bootstrap</a:t>
-            </a:r>
-          </a:p>
-        </p:txBody>
-      </p:sp>
-      <p:sp>
-        <p:nvSpPr>
-          <p:cNvPr id="3" name="Content Placeholder 2"/>
-          <p:cNvSpPr>
-            <a:spLocks noGrp="1"/>
-          </p:cNvSpPr>
-          <p:nvPr>
-            <p:ph idx="1"/>
-          </p:nvPr>
-        </p:nvSpPr>
-        <p:spPr/>
-        <p:txBody>
-          <a:bodyPr/>
-          <a:lstStyle/>
-          <a:p>
-            <a:pPr lvl="0"/>
-            <a:r>
-              <a:rPr/>
-              <a:t>Can you rely on asymptotic normality?</a:t>
-            </a:r>
-          </a:p>
-          <a:p>
-            <a:pPr lvl="0"/>
-            <a:r>
-              <a:rPr/>
-              <a:t>The jackknife</a:t>
-            </a:r>
-          </a:p>
-          <a:p>
-            <a:pPr lvl="0"/>
-            <a:r>
-              <a:rPr/>
-              <a:t>Bradley Efron’s contributions</a:t>
-            </a:r>
-          </a:p>
-          <a:p>
-            <a:pPr lvl="0"/>
-            <a:r>
-              <a:rPr/>
-              <a:t>Recent application: bagging</a:t>
-            </a:r>
-          </a:p>
-        </p:txBody>
-      </p:sp>
-    </p:spTree>
-  </p:cSld>
-</p:sld>
-</file>
-
-<file path=ppt/slides/slide30.xml><?xml version="1.0" encoding="utf-8"?>
+<file path=ppt/slides/slide34.xml><?xml version="1.0" encoding="utf-8"?>
 <p:sld xmlns:a="http://schemas.openxmlformats.org/drawingml/2006/main" xmlns:r="http://schemas.openxmlformats.org/officeDocument/2006/relationships" xmlns:p="http://schemas.openxmlformats.org/presentationml/2006/main">
   <p:cSld>
     <p:spTree>
@@ -14393,7 +15879,7 @@
 </p:sld>
 </file>
 
-<file path=ppt/slides/slide31.xml><?xml version="1.0" encoding="utf-8"?>
+<file path=ppt/slides/slide35.xml><?xml version="1.0" encoding="utf-8"?>
 <p:sld xmlns:a="http://schemas.openxmlformats.org/drawingml/2006/main" xmlns:r="http://schemas.openxmlformats.org/officeDocument/2006/relationships" xmlns:p="http://schemas.openxmlformats.org/presentationml/2006/main">
   <p:cSld>
     <p:spTree>
@@ -14477,7 +15963,7 @@
 </p:sld>
 </file>
 
-<file path=ppt/slides/slide32.xml><?xml version="1.0" encoding="utf-8"?>
+<file path=ppt/slides/slide36.xml><?xml version="1.0" encoding="utf-8"?>
 <p:sld xmlns:a="http://schemas.openxmlformats.org/drawingml/2006/main" xmlns:r="http://schemas.openxmlformats.org/officeDocument/2006/relationships" xmlns:p="http://schemas.openxmlformats.org/presentationml/2006/main">
   <p:cSld>
     <p:spTree>
@@ -14659,7 +16145,7 @@
 </p:sld>
 </file>
 
-<file path=ppt/slides/slide33.xml><?xml version="1.0" encoding="utf-8"?>
+<file path=ppt/slides/slide37.xml><?xml version="1.0" encoding="utf-8"?>
 <p:sld xmlns:a="http://schemas.openxmlformats.org/drawingml/2006/main" xmlns:r="http://schemas.openxmlformats.org/officeDocument/2006/relationships" xmlns:p="http://schemas.openxmlformats.org/presentationml/2006/main">
   <p:cSld>
     <p:spTree>
@@ -14743,7 +16229,7 @@
 </p:sld>
 </file>
 
-<file path=ppt/slides/slide34.xml><?xml version="1.0" encoding="utf-8"?>
+<file path=ppt/slides/slide38.xml><?xml version="1.0" encoding="utf-8"?>
 <p:sld xmlns:a="http://schemas.openxmlformats.org/drawingml/2006/main" xmlns:r="http://schemas.openxmlformats.org/officeDocument/2006/relationships" xmlns:p="http://schemas.openxmlformats.org/presentationml/2006/main">
   <p:cSld>
     <p:spTree>
@@ -15336,7 +16822,7 @@
 </p:sld>
 </file>
 
-<file path=ppt/slides/slide35.xml><?xml version="1.0" encoding="utf-8"?>
+<file path=ppt/slides/slide39.xml><?xml version="1.0" encoding="utf-8"?>
 <p:sld xmlns:a="http://schemas.openxmlformats.org/drawingml/2006/main" xmlns:r="http://schemas.openxmlformats.org/officeDocument/2006/relationships" xmlns:p="http://schemas.openxmlformats.org/presentationml/2006/main">
   <p:cSld>
     <p:spTree>
@@ -15864,7 +17350,98 @@
 </p:sld>
 </file>
 
-<file path=ppt/slides/slide36.xml><?xml version="1.0" encoding="utf-8"?>
+<file path=ppt/slides/slide4.xml><?xml version="1.0" encoding="utf-8"?>
+<p:sld xmlns:a="http://schemas.openxmlformats.org/drawingml/2006/main" xmlns:r="http://schemas.openxmlformats.org/officeDocument/2006/relationships" xmlns:p="http://schemas.openxmlformats.org/presentationml/2006/main">
+  <p:cSld>
+    <p:spTree>
+      <p:nvGrpSpPr>
+        <p:cNvPr id="1" name=""/>
+        <p:cNvGrpSpPr/>
+        <p:nvPr/>
+      </p:nvGrpSpPr>
+      <p:grpSpPr>
+        <a:xfrm>
+          <a:off x="0" y="0"/>
+          <a:ext cx="0" cy="0"/>
+          <a:chOff x="0" y="0"/>
+          <a:chExt cx="0" cy="0"/>
+        </a:xfrm>
+      </p:grpSpPr>
+      <p:sp>
+        <p:nvSpPr>
+          <p:cNvPr id="2" name="Title 1"/>
+          <p:cNvSpPr>
+            <a:spLocks noGrp="1"/>
+          </p:cNvSpPr>
+          <p:nvPr>
+            <p:ph type="title"/>
+          </p:nvPr>
+        </p:nvSpPr>
+        <p:spPr/>
+        <p:txBody>
+          <a:bodyPr/>
+          <a:lstStyle/>
+          <a:p>
+            <a:pPr lvl="0" indent="0" marL="0">
+              <a:buNone/>
+            </a:pPr>
+            <a:r>
+              <a:rPr/>
+              <a:t>What you’ll learn today</a:t>
+            </a:r>
+          </a:p>
+        </p:txBody>
+      </p:sp>
+      <p:sp>
+        <p:nvSpPr>
+          <p:cNvPr id="3" name="Content Placeholder 2"/>
+          <p:cNvSpPr>
+            <a:spLocks noGrp="1"/>
+          </p:cNvSpPr>
+          <p:nvPr>
+            <p:ph idx="1"/>
+          </p:nvPr>
+        </p:nvSpPr>
+        <p:spPr/>
+        <p:txBody>
+          <a:bodyPr/>
+          <a:lstStyle/>
+          <a:p>
+            <a:pPr lvl="0"/>
+            <a:r>
+              <a:rPr/>
+              <a:t>History</a:t>
+            </a:r>
+          </a:p>
+          <a:p>
+            <a:pPr lvl="0"/>
+            <a:r>
+              <a:rPr/>
+              <a:t>Algorithms</a:t>
+            </a:r>
+          </a:p>
+          <a:p>
+            <a:pPr lvl="0"/>
+            <a:r>
+              <a:rPr/>
+              <a:t>Software</a:t>
+            </a:r>
+          </a:p>
+          <a:p>
+            <a:pPr lvl="0"/>
+            <a:r>
+              <a:rPr/>
+              <a:t>Special settings</a:t>
+            </a:r>
+          </a:p>
+        </p:txBody>
+      </p:sp>
+    </p:spTree>
+  </p:cSld>
+</p:sld>
+</file>
+
+<file path=ppt/slides/slide40.xml><?xml version="1.0" encoding="utf-8"?>
 <p:sld xmlns:a="http://schemas.openxmlformats.org/drawingml/2006/main" xmlns:r="http://schemas.openxmlformats.org/officeDocument/2006/relationships" xmlns:p="http://schemas.openxmlformats.org/presentationml/2006/main">
   <p:cSld>
     <p:spTree>
@@ -15971,7 +17548,7 @@
 </p:sld>
 </file>
 
-<file path=ppt/slides/slide37.xml><?xml version="1.0" encoding="utf-8"?>
+<file path=ppt/slides/slide41.xml><?xml version="1.0" encoding="utf-8"?>
 <p:sld xmlns:a="http://schemas.openxmlformats.org/drawingml/2006/main" xmlns:r="http://schemas.openxmlformats.org/officeDocument/2006/relationships" xmlns:p="http://schemas.openxmlformats.org/presentationml/2006/main">
   <p:cSld>
     <p:spTree>
@@ -16078,7 +17655,7 @@
 </p:sld>
 </file>
 
-<file path=ppt/slides/slide38.xml><?xml version="1.0" encoding="utf-8"?>
+<file path=ppt/slides/slide42.xml><?xml version="1.0" encoding="utf-8"?>
 <p:sld xmlns:a="http://schemas.openxmlformats.org/drawingml/2006/main" xmlns:r="http://schemas.openxmlformats.org/officeDocument/2006/relationships" xmlns:p="http://schemas.openxmlformats.org/presentationml/2006/main">
   <p:cSld>
     <p:spTree>
@@ -16185,7 +17762,7 @@
 </p:sld>
 </file>
 
-<file path=ppt/slides/slide39.xml><?xml version="1.0" encoding="utf-8"?>
+<file path=ppt/slides/slide43.xml><?xml version="1.0" encoding="utf-8"?>
 <p:sld xmlns:a="http://schemas.openxmlformats.org/drawingml/2006/main" xmlns:r="http://schemas.openxmlformats.org/officeDocument/2006/relationships" xmlns:p="http://schemas.openxmlformats.org/presentationml/2006/main">
   <p:cSld>
     <p:spTree>
@@ -16421,7 +17998,7 @@
 </p:sld>
 </file>
 
-<file path=ppt/slides/slide4.xml><?xml version="1.0" encoding="utf-8"?>
+<file path=ppt/slides/slide44.xml><?xml version="1.0" encoding="utf-8"?>
 <p:sld xmlns:a="http://schemas.openxmlformats.org/drawingml/2006/main" xmlns:r="http://schemas.openxmlformats.org/officeDocument/2006/relationships" xmlns:p="http://schemas.openxmlformats.org/presentationml/2006/main">
   <p:cSld>
     <p:spTree>
@@ -16458,7 +18035,2375 @@
             </a:pPr>
             <a:r>
               <a:rPr/>
-              <a:t>Can we rely on asymptotic normality? (1/4)</a:t>
+              <a:t>Visualization (1/3)</a:t>
+            </a:r>
+          </a:p>
+        </p:txBody>
+      </p:sp>
+      <p:pic>
+        <p:nvPicPr>
+          <p:cNvPr descr="fig:  ../images/transplant-curves-00.png" id="0" name="Picture 1"/>
+          <p:cNvPicPr>
+            <a:picLocks noGrp="1" noChangeAspect="1"/>
+          </p:cNvPicPr>
+          <p:nvPr/>
+        </p:nvPicPr>
+        <p:blipFill>
+          <a:blip r:embed="rId3"/>
+          <a:stretch>
+            <a:fillRect/>
+          </a:stretch>
+        </p:blipFill>
+        <p:spPr bwMode="auto">
+          <a:xfrm>
+            <a:off x="3619500" y="1600200"/>
+            <a:ext cx="4953000" cy="4013200"/>
+          </a:xfrm>
+          <a:prstGeom prst="rect">
+            <a:avLst/>
+          </a:prstGeom>
+          <a:noFill/>
+          <a:ln w="9525">
+            <a:noFill/>
+            <a:headEnd/>
+            <a:tailEnd/>
+          </a:ln>
+        </p:spPr>
+      </p:pic>
+      <p:sp>
+        <p:nvSpPr>
+          <p:cNvPr id="1" name="TextBox 3"/>
+          <p:cNvSpPr txBox="1"/>
+          <p:nvPr/>
+        </p:nvSpPr>
+        <p:spPr>
+          <a:xfrm>
+            <a:off x="609600" y="5613400"/>
+            <a:ext cx="10972800" cy="508000"/>
+          </a:xfrm>
+          <a:prstGeom prst="rect">
+            <a:avLst/>
+          </a:prstGeom>
+          <a:noFill/>
+        </p:spPr>
+        <p:txBody>
+          <a:bodyPr/>
+          <a:lstStyle/>
+          <a:p>
+            <a:pPr lvl="0" indent="0" marL="0" algn="ctr">
+              <a:buNone/>
+            </a:pPr>
+            <a:r>
+              <a:rPr/>
+              <a:t>Figure 15. Age changes in risk for heart transplant patients</a:t>
+            </a:r>
+          </a:p>
+        </p:txBody>
+      </p:sp>
+    </p:spTree>
+  </p:cSld>
+</p:sld>
+</file>
+
+<file path=ppt/slides/slide45.xml><?xml version="1.0" encoding="utf-8"?>
+<p:sld xmlns:a="http://schemas.openxmlformats.org/drawingml/2006/main" xmlns:r="http://schemas.openxmlformats.org/officeDocument/2006/relationships" xmlns:p="http://schemas.openxmlformats.org/presentationml/2006/main">
+  <p:cSld>
+    <p:spTree>
+      <p:nvGrpSpPr>
+        <p:cNvPr id="1" name=""/>
+        <p:cNvGrpSpPr/>
+        <p:nvPr/>
+      </p:nvGrpSpPr>
+      <p:grpSpPr>
+        <a:xfrm>
+          <a:off x="0" y="0"/>
+          <a:ext cx="0" cy="0"/>
+          <a:chOff x="0" y="0"/>
+          <a:chExt cx="0" cy="0"/>
+        </a:xfrm>
+      </p:grpSpPr>
+      <p:sp>
+        <p:nvSpPr>
+          <p:cNvPr id="2" name="Title 1"/>
+          <p:cNvSpPr>
+            <a:spLocks noGrp="1"/>
+          </p:cNvSpPr>
+          <p:nvPr>
+            <p:ph type="title"/>
+          </p:nvPr>
+        </p:nvSpPr>
+        <p:spPr/>
+        <p:txBody>
+          <a:bodyPr/>
+          <a:lstStyle/>
+          <a:p>
+            <a:pPr lvl="0" indent="0" marL="0">
+              <a:buNone/>
+            </a:pPr>
+            <a:r>
+              <a:rPr/>
+              <a:t>Visualization (2/3)</a:t>
+            </a:r>
+          </a:p>
+        </p:txBody>
+      </p:sp>
+      <p:pic>
+        <p:nvPicPr>
+          <p:cNvPr descr="fig:  ../images/transplant-curves.png" id="0" name="Picture 1"/>
+          <p:cNvPicPr>
+            <a:picLocks noGrp="1" noChangeAspect="1"/>
+          </p:cNvPicPr>
+          <p:nvPr/>
+        </p:nvPicPr>
+        <p:blipFill>
+          <a:blip r:embed="rId3"/>
+          <a:stretch>
+            <a:fillRect/>
+          </a:stretch>
+        </p:blipFill>
+        <p:spPr bwMode="auto">
+          <a:xfrm>
+            <a:off x="4064000" y="1600200"/>
+            <a:ext cx="4064000" cy="4013200"/>
+          </a:xfrm>
+          <a:prstGeom prst="rect">
+            <a:avLst/>
+          </a:prstGeom>
+          <a:noFill/>
+          <a:ln w="9525">
+            <a:noFill/>
+            <a:headEnd/>
+            <a:tailEnd/>
+          </a:ln>
+        </p:spPr>
+      </p:pic>
+      <p:sp>
+        <p:nvSpPr>
+          <p:cNvPr id="1" name="TextBox 3"/>
+          <p:cNvSpPr txBox="1"/>
+          <p:nvPr/>
+        </p:nvSpPr>
+        <p:spPr>
+          <a:xfrm>
+            <a:off x="609600" y="5613400"/>
+            <a:ext cx="10972800" cy="508000"/>
+          </a:xfrm>
+          <a:prstGeom prst="rect">
+            <a:avLst/>
+          </a:prstGeom>
+          <a:noFill/>
+        </p:spPr>
+        <p:txBody>
+          <a:bodyPr/>
+          <a:lstStyle/>
+          <a:p>
+            <a:pPr lvl="0" indent="0" marL="0" algn="ctr">
+              <a:buNone/>
+            </a:pPr>
+            <a:r>
+              <a:rPr/>
+              <a:t>Figure 16. Age changes in risk using bootstrap samples</a:t>
+            </a:r>
+          </a:p>
+        </p:txBody>
+      </p:sp>
+    </p:spTree>
+  </p:cSld>
+</p:sld>
+</file>
+
+<file path=ppt/slides/slide46.xml><?xml version="1.0" encoding="utf-8"?>
+<p:sld xmlns:a="http://schemas.openxmlformats.org/drawingml/2006/main" xmlns:r="http://schemas.openxmlformats.org/officeDocument/2006/relationships" xmlns:p="http://schemas.openxmlformats.org/presentationml/2006/main">
+  <p:cSld>
+    <p:spTree>
+      <p:nvGrpSpPr>
+        <p:cNvPr id="1" name=""/>
+        <p:cNvGrpSpPr/>
+        <p:nvPr/>
+      </p:nvGrpSpPr>
+      <p:grpSpPr>
+        <a:xfrm>
+          <a:off x="0" y="0"/>
+          <a:ext cx="0" cy="0"/>
+          <a:chOff x="0" y="0"/>
+          <a:chExt cx="0" cy="0"/>
+        </a:xfrm>
+      </p:grpSpPr>
+      <p:sp>
+        <p:nvSpPr>
+          <p:cNvPr id="2" name="Title 1"/>
+          <p:cNvSpPr>
+            <a:spLocks noGrp="1"/>
+          </p:cNvSpPr>
+          <p:nvPr>
+            <p:ph type="title"/>
+          </p:nvPr>
+        </p:nvSpPr>
+        <p:spPr/>
+        <p:txBody>
+          <a:bodyPr/>
+          <a:lstStyle/>
+          <a:p>
+            <a:pPr lvl="0" indent="0" marL="0">
+              <a:buNone/>
+            </a:pPr>
+            <a:r>
+              <a:rPr/>
+              <a:t>Visualization (3/3)</a:t>
+            </a:r>
+          </a:p>
+        </p:txBody>
+      </p:sp>
+      <p:pic>
+        <p:nvPicPr>
+          <p:cNvPr descr="fig:  ../images/bootstrap-map.png" id="0" name="Picture 1"/>
+          <p:cNvPicPr>
+            <a:picLocks noGrp="1" noChangeAspect="1"/>
+          </p:cNvPicPr>
+          <p:nvPr/>
+        </p:nvPicPr>
+        <p:blipFill>
+          <a:blip r:embed="rId3"/>
+          <a:stretch>
+            <a:fillRect/>
+          </a:stretch>
+        </p:blipFill>
+        <p:spPr bwMode="auto">
+          <a:xfrm>
+            <a:off x="3962400" y="1600200"/>
+            <a:ext cx="4267200" cy="4013200"/>
+          </a:xfrm>
+          <a:prstGeom prst="rect">
+            <a:avLst/>
+          </a:prstGeom>
+          <a:noFill/>
+          <a:ln w="9525">
+            <a:noFill/>
+            <a:headEnd/>
+            <a:tailEnd/>
+          </a:ln>
+        </p:spPr>
+      </p:pic>
+      <p:sp>
+        <p:nvSpPr>
+          <p:cNvPr id="1" name="TextBox 3"/>
+          <p:cNvSpPr txBox="1"/>
+          <p:nvPr/>
+        </p:nvSpPr>
+        <p:spPr>
+          <a:xfrm>
+            <a:off x="609600" y="5613400"/>
+            <a:ext cx="10972800" cy="508000"/>
+          </a:xfrm>
+          <a:prstGeom prst="rect">
+            <a:avLst/>
+          </a:prstGeom>
+          <a:noFill/>
+        </p:spPr>
+        <p:txBody>
+          <a:bodyPr/>
+          <a:lstStyle/>
+          <a:p>
+            <a:pPr lvl="0" indent="0" marL="0" algn="ctr">
+              <a:buNone/>
+            </a:pPr>
+            <a:r>
+              <a:rPr/>
+              <a:t>Figure 17. Map</a:t>
+            </a:r>
+          </a:p>
+        </p:txBody>
+      </p:sp>
+    </p:spTree>
+  </p:cSld>
+</p:sld>
+</file>
+
+<file path=ppt/slides/slide47.xml><?xml version="1.0" encoding="utf-8"?>
+<p:sld xmlns:a="http://schemas.openxmlformats.org/drawingml/2006/main" xmlns:r="http://schemas.openxmlformats.org/officeDocument/2006/relationships" xmlns:p="http://schemas.openxmlformats.org/presentationml/2006/main">
+  <p:cSld>
+    <p:spTree>
+      <p:nvGrpSpPr>
+        <p:cNvPr id="1" name=""/>
+        <p:cNvGrpSpPr/>
+        <p:nvPr/>
+      </p:nvGrpSpPr>
+      <p:grpSpPr>
+        <a:xfrm>
+          <a:off x="0" y="0"/>
+          <a:ext cx="0" cy="0"/>
+          <a:chOff x="0" y="0"/>
+          <a:chExt cx="0" cy="0"/>
+        </a:xfrm>
+      </p:grpSpPr>
+      <p:sp>
+        <p:nvSpPr>
+          <p:cNvPr id="2" name="Title 1"/>
+          <p:cNvSpPr>
+            <a:spLocks noGrp="1"/>
+          </p:cNvSpPr>
+          <p:nvPr>
+            <p:ph type="title"/>
+          </p:nvPr>
+        </p:nvSpPr>
+        <p:spPr/>
+        <p:txBody>
+          <a:bodyPr/>
+          <a:lstStyle/>
+          <a:p>
+            <a:pPr lvl="0" indent="0" marL="0">
+              <a:buNone/>
+            </a:pPr>
+            <a:r>
+              <a:rPr/>
+              <a:t>How many bootstraps?</a:t>
+            </a:r>
+          </a:p>
+        </p:txBody>
+      </p:sp>
+      <p:sp>
+        <p:nvSpPr>
+          <p:cNvPr id="3" name="Content Placeholder 2"/>
+          <p:cNvSpPr>
+            <a:spLocks noGrp="1"/>
+          </p:cNvSpPr>
+          <p:nvPr>
+            <p:ph idx="1"/>
+          </p:nvPr>
+        </p:nvSpPr>
+        <p:spPr/>
+        <p:txBody>
+          <a:bodyPr/>
+          <a:lstStyle/>
+          <a:p>
+            <a:pPr lvl="0"/>
+            <a:r>
+              <a:rPr/>
+              <a:t>For estimating bias or a standard error: 50 to 100</a:t>
+            </a:r>
+          </a:p>
+          <a:p>
+            <a:pPr lvl="0"/>
+            <a:r>
+              <a:rPr/>
+              <a:t>For confidence intervals or hypothesis tests: 500 to 1,000</a:t>
+            </a:r>
+          </a:p>
+          <a:p>
+            <a:pPr lvl="0"/>
+            <a:r>
+              <a:rPr/>
+              <a:t>For visualization: 10 to 50</a:t>
+            </a:r>
+          </a:p>
+        </p:txBody>
+      </p:sp>
+    </p:spTree>
+  </p:cSld>
+</p:sld>
+</file>
+
+<file path=ppt/slides/slide48.xml><?xml version="1.0" encoding="utf-8"?>
+<p:sld xmlns:a="http://schemas.openxmlformats.org/drawingml/2006/main" xmlns:r="http://schemas.openxmlformats.org/officeDocument/2006/relationships" xmlns:p="http://schemas.openxmlformats.org/presentationml/2006/main">
+  <p:cSld>
+    <p:spTree>
+      <p:nvGrpSpPr>
+        <p:cNvPr id="1" name=""/>
+        <p:cNvGrpSpPr/>
+        <p:nvPr/>
+      </p:nvGrpSpPr>
+      <p:grpSpPr>
+        <a:xfrm>
+          <a:off x="0" y="0"/>
+          <a:ext cx="0" cy="0"/>
+          <a:chOff x="0" y="0"/>
+          <a:chExt cx="0" cy="0"/>
+        </a:xfrm>
+      </p:grpSpPr>
+      <p:sp>
+        <p:nvSpPr>
+          <p:cNvPr id="2" name="Title 1"/>
+          <p:cNvSpPr>
+            <a:spLocks noGrp="1"/>
+          </p:cNvSpPr>
+          <p:nvPr>
+            <p:ph type="title"/>
+          </p:nvPr>
+        </p:nvSpPr>
+        <p:spPr/>
+        <p:txBody>
+          <a:bodyPr/>
+          <a:lstStyle/>
+          <a:p>
+            <a:pPr lvl="0" indent="0" marL="0">
+              <a:buNone/>
+            </a:pPr>
+            <a:r>
+              <a:rPr/>
+              <a:t>Break #2</a:t>
+            </a:r>
+          </a:p>
+        </p:txBody>
+      </p:sp>
+      <p:sp>
+        <p:nvSpPr>
+          <p:cNvPr id="3" name="Content Placeholder 2"/>
+          <p:cNvSpPr>
+            <a:spLocks noGrp="1"/>
+          </p:cNvSpPr>
+          <p:nvPr>
+            <p:ph idx="1"/>
+          </p:nvPr>
+        </p:nvSpPr>
+        <p:spPr/>
+        <p:txBody>
+          <a:bodyPr/>
+          <a:lstStyle/>
+          <a:p>
+            <a:pPr lvl="0"/>
+            <a:r>
+              <a:rPr/>
+              <a:t>What you have learned</a:t>
+            </a:r>
+          </a:p>
+          <a:p>
+            <a:pPr lvl="1"/>
+            <a:r>
+              <a:rPr/>
+              <a:t>Algorithms</a:t>
+            </a:r>
+          </a:p>
+          <a:p>
+            <a:pPr lvl="0"/>
+            <a:r>
+              <a:rPr/>
+              <a:t>What’s coming next</a:t>
+            </a:r>
+          </a:p>
+          <a:p>
+            <a:pPr lvl="1"/>
+            <a:r>
+              <a:rPr/>
+              <a:t>Software</a:t>
+            </a:r>
+          </a:p>
+        </p:txBody>
+      </p:sp>
+    </p:spTree>
+  </p:cSld>
+</p:sld>
+</file>
+
+<file path=ppt/slides/slide49.xml><?xml version="1.0" encoding="utf-8"?>
+<p:sld xmlns:a="http://schemas.openxmlformats.org/drawingml/2006/main" xmlns:r="http://schemas.openxmlformats.org/officeDocument/2006/relationships" xmlns:p="http://schemas.openxmlformats.org/presentationml/2006/main">
+  <p:cSld>
+    <p:spTree>
+      <p:nvGrpSpPr>
+        <p:cNvPr id="1" name=""/>
+        <p:cNvGrpSpPr/>
+        <p:nvPr/>
+      </p:nvGrpSpPr>
+      <p:grpSpPr>
+        <a:xfrm>
+          <a:off x="0" y="0"/>
+          <a:ext cx="0" cy="0"/>
+          <a:chOff x="0" y="0"/>
+          <a:chExt cx="0" cy="0"/>
+        </a:xfrm>
+      </p:grpSpPr>
+      <p:sp>
+        <p:nvSpPr>
+          <p:cNvPr id="2" name="Title 1"/>
+          <p:cNvSpPr>
+            <a:spLocks noGrp="1"/>
+          </p:cNvSpPr>
+          <p:nvPr>
+            <p:ph type="title"/>
+          </p:nvPr>
+        </p:nvSpPr>
+        <p:spPr/>
+        <p:txBody>
+          <a:bodyPr/>
+          <a:lstStyle/>
+          <a:p>
+            <a:pPr lvl="0" indent="0" marL="0">
+              <a:buNone/>
+            </a:pPr>
+            <a:r>
+              <a:rPr/>
+              <a:t>Software</a:t>
+            </a:r>
+          </a:p>
+        </p:txBody>
+      </p:sp>
+      <p:sp>
+        <p:nvSpPr>
+          <p:cNvPr id="3" name="Content Placeholder 2"/>
+          <p:cNvSpPr>
+            <a:spLocks noGrp="1"/>
+          </p:cNvSpPr>
+          <p:nvPr>
+            <p:ph idx="1"/>
+          </p:nvPr>
+        </p:nvSpPr>
+        <p:spPr/>
+        <p:txBody>
+          <a:bodyPr/>
+          <a:lstStyle/>
+          <a:p>
+            <a:pPr lvl="0"/>
+            <a:r>
+              <a:rPr/>
+              <a:t>You should know</a:t>
+            </a:r>
+          </a:p>
+          <a:p>
+            <a:pPr lvl="1"/>
+            <a:r>
+              <a:rPr/>
+              <a:t>How to loop (explicitly or implicitly)</a:t>
+            </a:r>
+          </a:p>
+          <a:p>
+            <a:pPr lvl="1"/>
+            <a:r>
+              <a:rPr/>
+              <a:t>How to extract specific values from the output</a:t>
+            </a:r>
+          </a:p>
+          <a:p>
+            <a:pPr lvl="0"/>
+            <a:r>
+              <a:rPr/>
+              <a:t>Why you should (should not) program a bootstrap</a:t>
+            </a:r>
+          </a:p>
+          <a:p>
+            <a:pPr lvl="0"/>
+            <a:r>
+              <a:rPr/>
+              <a:t>Examples</a:t>
+            </a:r>
+          </a:p>
+          <a:p>
+            <a:pPr lvl="1"/>
+            <a:r>
+              <a:rPr/>
+              <a:t>SAS</a:t>
+            </a:r>
+          </a:p>
+          <a:p>
+            <a:pPr lvl="1"/>
+            <a:r>
+              <a:rPr/>
+              <a:t>Stata</a:t>
+            </a:r>
+          </a:p>
+          <a:p>
+            <a:pPr lvl="1"/>
+            <a:r>
+              <a:rPr/>
+              <a:t>R</a:t>
+            </a:r>
+          </a:p>
+        </p:txBody>
+      </p:sp>
+    </p:spTree>
+  </p:cSld>
+</p:sld>
+</file>
+
+<file path=ppt/slides/slide5.xml><?xml version="1.0" encoding="utf-8"?>
+<p:sld xmlns:a="http://schemas.openxmlformats.org/drawingml/2006/main" xmlns:r="http://schemas.openxmlformats.org/officeDocument/2006/relationships" xmlns:p="http://schemas.openxmlformats.org/presentationml/2006/main">
+  <p:cSld>
+    <p:spTree>
+      <p:nvGrpSpPr>
+        <p:cNvPr id="1" name=""/>
+        <p:cNvGrpSpPr/>
+        <p:nvPr/>
+      </p:nvGrpSpPr>
+      <p:grpSpPr>
+        <a:xfrm>
+          <a:off x="0" y="0"/>
+          <a:ext cx="0" cy="0"/>
+          <a:chOff x="0" y="0"/>
+          <a:chExt cx="0" cy="0"/>
+        </a:xfrm>
+      </p:grpSpPr>
+      <p:sp>
+        <p:nvSpPr>
+          <p:cNvPr id="2" name="Title 1"/>
+          <p:cNvSpPr>
+            <a:spLocks noGrp="1"/>
+          </p:cNvSpPr>
+          <p:nvPr>
+            <p:ph type="title"/>
+          </p:nvPr>
+        </p:nvSpPr>
+        <p:spPr/>
+        <p:txBody>
+          <a:bodyPr/>
+          <a:lstStyle/>
+          <a:p>
+            <a:pPr lvl="0" indent="0" marL="0">
+              <a:buNone/>
+            </a:pPr>
+            <a:r>
+              <a:rPr/>
+              <a:t>1. History</a:t>
+            </a:r>
+          </a:p>
+        </p:txBody>
+      </p:sp>
+    </p:spTree>
+  </p:cSld>
+</p:sld>
+</file>
+
+<file path=ppt/slides/slide50.xml><?xml version="1.0" encoding="utf-8"?>
+<p:sld xmlns:a="http://schemas.openxmlformats.org/drawingml/2006/main" xmlns:r="http://schemas.openxmlformats.org/officeDocument/2006/relationships" xmlns:p="http://schemas.openxmlformats.org/presentationml/2006/main">
+  <p:cSld>
+    <p:spTree>
+      <p:nvGrpSpPr>
+        <p:cNvPr id="1" name=""/>
+        <p:cNvGrpSpPr/>
+        <p:nvPr/>
+      </p:nvGrpSpPr>
+      <p:grpSpPr>
+        <a:xfrm>
+          <a:off x="0" y="0"/>
+          <a:ext cx="0" cy="0"/>
+          <a:chOff x="0" y="0"/>
+          <a:chExt cx="0" cy="0"/>
+        </a:xfrm>
+      </p:grpSpPr>
+      <p:sp>
+        <p:nvSpPr>
+          <p:cNvPr id="2" name="Title 1"/>
+          <p:cNvSpPr>
+            <a:spLocks noGrp="1"/>
+          </p:cNvSpPr>
+          <p:nvPr>
+            <p:ph type="title"/>
+          </p:nvPr>
+        </p:nvSpPr>
+        <p:spPr/>
+        <p:txBody>
+          <a:bodyPr/>
+          <a:lstStyle/>
+          <a:p>
+            <a:pPr lvl="0" indent="0" marL="0">
+              <a:buNone/>
+            </a:pPr>
+            <a:r>
+              <a:rPr/>
+              <a:t>Bootstrap in SAS (1/10)</a:t>
+            </a:r>
+          </a:p>
+        </p:txBody>
+      </p:sp>
+      <p:sp>
+        <p:nvSpPr>
+          <p:cNvPr id="3" name="Content Placeholder 2"/>
+          <p:cNvSpPr>
+            <a:spLocks noGrp="1"/>
+          </p:cNvSpPr>
+          <p:nvPr>
+            <p:ph idx="1"/>
+          </p:nvPr>
+        </p:nvSpPr>
+        <p:spPr/>
+        <p:txBody>
+          <a:bodyPr/>
+          <a:lstStyle/>
+          <a:p>
+            <a:pPr lvl="0"/>
+            <a:r>
+              <a:rPr/>
+              <a:t>Example taken from UCLA Statistical Methods and Data Analytics site</a:t>
+            </a:r>
+          </a:p>
+          <a:p>
+            <a:pPr lvl="0" indent="0">
+              <a:buNone/>
+            </a:pPr>
+            <a:r>
+              <a:rPr>
+                <a:latin typeface="Courier"/>
+              </a:rPr>
+              <a:t>ods output FitStatistics = t0;
+proc reg data = hsb2;
+  model read = female math write ses;
+run;
+quit;</a:t>
+            </a:r>
+          </a:p>
+        </p:txBody>
+      </p:sp>
+    </p:spTree>
+  </p:cSld>
+</p:sld>
+</file>
+
+<file path=ppt/slides/slide51.xml><?xml version="1.0" encoding="utf-8"?>
+<p:sld xmlns:a="http://schemas.openxmlformats.org/drawingml/2006/main" xmlns:r="http://schemas.openxmlformats.org/officeDocument/2006/relationships" xmlns:p="http://schemas.openxmlformats.org/presentationml/2006/main">
+  <p:cSld>
+    <p:spTree>
+      <p:nvGrpSpPr>
+        <p:cNvPr id="1" name=""/>
+        <p:cNvGrpSpPr/>
+        <p:nvPr/>
+      </p:nvGrpSpPr>
+      <p:grpSpPr>
+        <a:xfrm>
+          <a:off x="0" y="0"/>
+          <a:ext cx="0" cy="0"/>
+          <a:chOff x="0" y="0"/>
+          <a:chExt cx="0" cy="0"/>
+        </a:xfrm>
+      </p:grpSpPr>
+      <p:sp>
+        <p:nvSpPr>
+          <p:cNvPr id="2" name="Title 1"/>
+          <p:cNvSpPr>
+            <a:spLocks noGrp="1"/>
+          </p:cNvSpPr>
+          <p:nvPr>
+            <p:ph type="title"/>
+          </p:nvPr>
+        </p:nvSpPr>
+        <p:spPr/>
+        <p:txBody>
+          <a:bodyPr/>
+          <a:lstStyle/>
+          <a:p>
+            <a:pPr lvl="0" indent="0" marL="0">
+              <a:buNone/>
+            </a:pPr>
+            <a:r>
+              <a:rPr/>
+              <a:t>Bootstrap in SAS (2/10)</a:t>
+            </a:r>
+          </a:p>
+        </p:txBody>
+      </p:sp>
+      <p:sp>
+        <p:nvSpPr>
+          <p:cNvPr id="3" name="Content Placeholder 2"/>
+          <p:cNvSpPr>
+            <a:spLocks noGrp="1"/>
+          </p:cNvSpPr>
+          <p:nvPr>
+            <p:ph idx="1"/>
+          </p:nvPr>
+        </p:nvSpPr>
+        <p:spPr/>
+        <p:txBody>
+          <a:bodyPr/>
+          <a:lstStyle/>
+          <a:p>
+            <a:pPr lvl="0" indent="0">
+              <a:buNone/>
+            </a:pPr>
+            <a:r>
+              <a:rPr>
+                <a:latin typeface="Courier"/>
+              </a:rPr>
+              <a:t>*store the estimated r-square;
+data _null_;
+ set t0;
+ if label2 =  "R-Square" then 
+ call symput('r2bar', cvalue2);
+run;</a:t>
+            </a:r>
+          </a:p>
+        </p:txBody>
+      </p:sp>
+    </p:spTree>
+  </p:cSld>
+</p:sld>
+</file>
+
+<file path=ppt/slides/slide52.xml><?xml version="1.0" encoding="utf-8"?>
+<p:sld xmlns:a="http://schemas.openxmlformats.org/drawingml/2006/main" xmlns:r="http://schemas.openxmlformats.org/officeDocument/2006/relationships" xmlns:p="http://schemas.openxmlformats.org/presentationml/2006/main">
+  <p:cSld>
+    <p:spTree>
+      <p:nvGrpSpPr>
+        <p:cNvPr id="1" name=""/>
+        <p:cNvGrpSpPr/>
+        <p:nvPr/>
+      </p:nvGrpSpPr>
+      <p:grpSpPr>
+        <a:xfrm>
+          <a:off x="0" y="0"/>
+          <a:ext cx="0" cy="0"/>
+          <a:chOff x="0" y="0"/>
+          <a:chExt cx="0" cy="0"/>
+        </a:xfrm>
+      </p:grpSpPr>
+      <p:sp>
+        <p:nvSpPr>
+          <p:cNvPr id="2" name="Title 1"/>
+          <p:cNvSpPr>
+            <a:spLocks noGrp="1"/>
+          </p:cNvSpPr>
+          <p:nvPr>
+            <p:ph type="title"/>
+          </p:nvPr>
+        </p:nvSpPr>
+        <p:spPr/>
+        <p:txBody>
+          <a:bodyPr/>
+          <a:lstStyle/>
+          <a:p>
+            <a:pPr lvl="0" indent="0" marL="0">
+              <a:buNone/>
+            </a:pPr>
+            <a:r>
+              <a:rPr/>
+              <a:t>Bootstrap in SAS (3/10)</a:t>
+            </a:r>
+          </a:p>
+        </p:txBody>
+      </p:sp>
+      <p:sp>
+        <p:nvSpPr>
+          <p:cNvPr id="3" name="Content Placeholder 2"/>
+          <p:cNvSpPr>
+            <a:spLocks noGrp="1"/>
+          </p:cNvSpPr>
+          <p:nvPr>
+            <p:ph idx="1"/>
+          </p:nvPr>
+        </p:nvSpPr>
+        <p:spPr/>
+        <p:txBody>
+          <a:bodyPr/>
+          <a:lstStyle/>
+          <a:p>
+            <a:pPr lvl="0" indent="0">
+              <a:buNone/>
+            </a:pPr>
+            <a:r>
+              <a:rPr>
+                <a:latin typeface="Courier"/>
+              </a:rPr>
+              <a:t>%let rep = 500;
+proc surveyselect data= hsb2 out=bootsample
+     seed = 1347 method = urs
+     samprate = 1 outhits rep = &amp;rep;
+run;
+ods listing close;</a:t>
+            </a:r>
+          </a:p>
+        </p:txBody>
+      </p:sp>
+    </p:spTree>
+  </p:cSld>
+</p:sld>
+</file>
+
+<file path=ppt/slides/slide53.xml><?xml version="1.0" encoding="utf-8"?>
+<p:sld xmlns:a="http://schemas.openxmlformats.org/drawingml/2006/main" xmlns:r="http://schemas.openxmlformats.org/officeDocument/2006/relationships" xmlns:p="http://schemas.openxmlformats.org/presentationml/2006/main">
+  <p:cSld>
+    <p:spTree>
+      <p:nvGrpSpPr>
+        <p:cNvPr id="1" name=""/>
+        <p:cNvGrpSpPr/>
+        <p:nvPr/>
+      </p:nvGrpSpPr>
+      <p:grpSpPr>
+        <a:xfrm>
+          <a:off x="0" y="0"/>
+          <a:ext cx="0" cy="0"/>
+          <a:chOff x="0" y="0"/>
+          <a:chExt cx="0" cy="0"/>
+        </a:xfrm>
+      </p:grpSpPr>
+      <p:sp>
+        <p:nvSpPr>
+          <p:cNvPr id="2" name="Title 1"/>
+          <p:cNvSpPr>
+            <a:spLocks noGrp="1"/>
+          </p:cNvSpPr>
+          <p:nvPr>
+            <p:ph type="title"/>
+          </p:nvPr>
+        </p:nvSpPr>
+        <p:spPr/>
+        <p:txBody>
+          <a:bodyPr/>
+          <a:lstStyle/>
+          <a:p>
+            <a:pPr lvl="0" indent="0" marL="0">
+              <a:buNone/>
+            </a:pPr>
+            <a:r>
+              <a:rPr/>
+              <a:t>Bootstrap in SAS (4/10)</a:t>
+            </a:r>
+          </a:p>
+        </p:txBody>
+      </p:sp>
+      <p:sp>
+        <p:nvSpPr>
+          <p:cNvPr id="3" name="Content Placeholder 2"/>
+          <p:cNvSpPr>
+            <a:spLocks noGrp="1"/>
+          </p:cNvSpPr>
+          <p:nvPr>
+            <p:ph idx="1"/>
+          </p:nvPr>
+        </p:nvSpPr>
+        <p:spPr/>
+        <p:txBody>
+          <a:bodyPr/>
+          <a:lstStyle/>
+          <a:p>
+            <a:pPr lvl="0" indent="0">
+              <a:buNone/>
+            </a:pPr>
+            <a:r>
+              <a:rPr>
+                <a:latin typeface="Courier"/>
+              </a:rPr>
+              <a:t>Sample Size                       200
+Expected Number of Hits             1
+Sampling Weight                     1
+Number of Replicates              500
+Total Sample Size              100000
+Output Data Set            BOOTSAMPLE</a:t>
+            </a:r>
+          </a:p>
+        </p:txBody>
+      </p:sp>
+    </p:spTree>
+  </p:cSld>
+</p:sld>
+</file>
+
+<file path=ppt/slides/slide54.xml><?xml version="1.0" encoding="utf-8"?>
+<p:sld xmlns:a="http://schemas.openxmlformats.org/drawingml/2006/main" xmlns:r="http://schemas.openxmlformats.org/officeDocument/2006/relationships" xmlns:p="http://schemas.openxmlformats.org/presentationml/2006/main">
+  <p:cSld>
+    <p:spTree>
+      <p:nvGrpSpPr>
+        <p:cNvPr id="1" name=""/>
+        <p:cNvGrpSpPr/>
+        <p:nvPr/>
+      </p:nvGrpSpPr>
+      <p:grpSpPr>
+        <a:xfrm>
+          <a:off x="0" y="0"/>
+          <a:ext cx="0" cy="0"/>
+          <a:chOff x="0" y="0"/>
+          <a:chExt cx="0" cy="0"/>
+        </a:xfrm>
+      </p:grpSpPr>
+      <p:sp>
+        <p:nvSpPr>
+          <p:cNvPr id="2" name="Title 1"/>
+          <p:cNvSpPr>
+            <a:spLocks noGrp="1"/>
+          </p:cNvSpPr>
+          <p:nvPr>
+            <p:ph type="title"/>
+          </p:nvPr>
+        </p:nvSpPr>
+        <p:spPr/>
+        <p:txBody>
+          <a:bodyPr/>
+          <a:lstStyle/>
+          <a:p>
+            <a:pPr lvl="0" indent="0" marL="0">
+              <a:buNone/>
+            </a:pPr>
+            <a:r>
+              <a:rPr/>
+              <a:t>Bootstrap in SAS (5/10)</a:t>
+            </a:r>
+          </a:p>
+        </p:txBody>
+      </p:sp>
+      <p:sp>
+        <p:nvSpPr>
+          <p:cNvPr id="3" name="Content Placeholder 2"/>
+          <p:cNvSpPr>
+            <a:spLocks noGrp="1"/>
+          </p:cNvSpPr>
+          <p:nvPr>
+            <p:ph idx="1"/>
+          </p:nvPr>
+        </p:nvSpPr>
+        <p:spPr/>
+        <p:txBody>
+          <a:bodyPr/>
+          <a:lstStyle/>
+          <a:p>
+            <a:pPr lvl="0" indent="0">
+              <a:buNone/>
+            </a:pPr>
+            <a:r>
+              <a:rPr>
+                <a:latin typeface="Courier"/>
+              </a:rPr>
+              <a:t>ods output  FitStatistics = t (where = (label2 =  "R-Square"));
+proc reg data = bootsample;
+  by replicate;
+  model read = female math write ses;
+run;
+quit;</a:t>
+            </a:r>
+          </a:p>
+        </p:txBody>
+      </p:sp>
+    </p:spTree>
+  </p:cSld>
+</p:sld>
+</file>
+
+<file path=ppt/slides/slide55.xml><?xml version="1.0" encoding="utf-8"?>
+<p:sld xmlns:a="http://schemas.openxmlformats.org/drawingml/2006/main" xmlns:r="http://schemas.openxmlformats.org/officeDocument/2006/relationships" xmlns:p="http://schemas.openxmlformats.org/presentationml/2006/main">
+  <p:cSld>
+    <p:spTree>
+      <p:nvGrpSpPr>
+        <p:cNvPr id="1" name=""/>
+        <p:cNvGrpSpPr/>
+        <p:nvPr/>
+      </p:nvGrpSpPr>
+      <p:grpSpPr>
+        <a:xfrm>
+          <a:off x="0" y="0"/>
+          <a:ext cx="0" cy="0"/>
+          <a:chOff x="0" y="0"/>
+          <a:chExt cx="0" cy="0"/>
+        </a:xfrm>
+      </p:grpSpPr>
+      <p:sp>
+        <p:nvSpPr>
+          <p:cNvPr id="2" name="Title 1"/>
+          <p:cNvSpPr>
+            <a:spLocks noGrp="1"/>
+          </p:cNvSpPr>
+          <p:nvPr>
+            <p:ph type="title"/>
+          </p:nvPr>
+        </p:nvSpPr>
+        <p:spPr/>
+        <p:txBody>
+          <a:bodyPr/>
+          <a:lstStyle/>
+          <a:p>
+            <a:pPr lvl="0" indent="0" marL="0">
+              <a:buNone/>
+            </a:pPr>
+            <a:r>
+              <a:rPr/>
+              <a:t>Bootstrap in SAS (6/10)</a:t>
+            </a:r>
+          </a:p>
+        </p:txBody>
+      </p:sp>
+      <p:sp>
+        <p:nvSpPr>
+          <p:cNvPr id="3" name="Content Placeholder 2"/>
+          <p:cNvSpPr>
+            <a:spLocks noGrp="1"/>
+          </p:cNvSpPr>
+          <p:nvPr>
+            <p:ph idx="1"/>
+          </p:nvPr>
+        </p:nvSpPr>
+        <p:spPr/>
+        <p:txBody>
+          <a:bodyPr/>
+          <a:lstStyle/>
+          <a:p>
+            <a:pPr lvl="0" indent="0">
+              <a:buNone/>
+            </a:pPr>
+            <a:r>
+              <a:rPr>
+                <a:latin typeface="Courier"/>
+              </a:rPr>
+              <a:t>* converting character type to numeric type;
+data t1;
+  set t;
+  r2 = cvalue2 + 0;
+run;</a:t>
+            </a:r>
+          </a:p>
+        </p:txBody>
+      </p:sp>
+    </p:spTree>
+  </p:cSld>
+</p:sld>
+</file>
+
+<file path=ppt/slides/slide56.xml><?xml version="1.0" encoding="utf-8"?>
+<p:sld xmlns:a="http://schemas.openxmlformats.org/drawingml/2006/main" xmlns:r="http://schemas.openxmlformats.org/officeDocument/2006/relationships" xmlns:p="http://schemas.openxmlformats.org/presentationml/2006/main">
+  <p:cSld>
+    <p:spTree>
+      <p:nvGrpSpPr>
+        <p:cNvPr id="1" name=""/>
+        <p:cNvGrpSpPr/>
+        <p:nvPr/>
+      </p:nvGrpSpPr>
+      <p:grpSpPr>
+        <a:xfrm>
+          <a:off x="0" y="0"/>
+          <a:ext cx="0" cy="0"/>
+          <a:chOff x="0" y="0"/>
+          <a:chExt cx="0" cy="0"/>
+        </a:xfrm>
+      </p:grpSpPr>
+      <p:sp>
+        <p:nvSpPr>
+          <p:cNvPr id="2" name="Title 1"/>
+          <p:cNvSpPr>
+            <a:spLocks noGrp="1"/>
+          </p:cNvSpPr>
+          <p:nvPr>
+            <p:ph type="title"/>
+          </p:nvPr>
+        </p:nvSpPr>
+        <p:spPr/>
+        <p:txBody>
+          <a:bodyPr/>
+          <a:lstStyle/>
+          <a:p>
+            <a:pPr lvl="0" indent="0" marL="0">
+              <a:buNone/>
+            </a:pPr>
+            <a:r>
+              <a:rPr/>
+              <a:t>Bootstrap in SAS (7/10)</a:t>
+            </a:r>
+          </a:p>
+        </p:txBody>
+      </p:sp>
+      <p:sp>
+        <p:nvSpPr>
+          <p:cNvPr id="3" name="Content Placeholder 2"/>
+          <p:cNvSpPr>
+            <a:spLocks noGrp="1"/>
+          </p:cNvSpPr>
+          <p:nvPr>
+            <p:ph idx="1"/>
+          </p:nvPr>
+        </p:nvSpPr>
+        <p:spPr/>
+        <p:txBody>
+          <a:bodyPr/>
+          <a:lstStyle/>
+          <a:p>
+            <a:pPr lvl="0" indent="0">
+              <a:buNone/>
+            </a:pPr>
+            <a:r>
+              <a:rPr>
+                <a:latin typeface="Courier"/>
+              </a:rPr>
+              <a:t>%let alphalev = .05;
+%let a1 = %sysevalf(&amp;alphalev/2*100);
+%let a2 = %sysevalf((1 - &amp;alphalev/2)*100);</a:t>
+            </a:r>
+          </a:p>
+        </p:txBody>
+      </p:sp>
+    </p:spTree>
+  </p:cSld>
+</p:sld>
+</file>
+
+<file path=ppt/slides/slide57.xml><?xml version="1.0" encoding="utf-8"?>
+<p:sld xmlns:a="http://schemas.openxmlformats.org/drawingml/2006/main" xmlns:r="http://schemas.openxmlformats.org/officeDocument/2006/relationships" xmlns:p="http://schemas.openxmlformats.org/presentationml/2006/main">
+  <p:cSld>
+    <p:spTree>
+      <p:nvGrpSpPr>
+        <p:cNvPr id="1" name=""/>
+        <p:cNvGrpSpPr/>
+        <p:nvPr/>
+      </p:nvGrpSpPr>
+      <p:grpSpPr>
+        <a:xfrm>
+          <a:off x="0" y="0"/>
+          <a:ext cx="0" cy="0"/>
+          <a:chOff x="0" y="0"/>
+          <a:chExt cx="0" cy="0"/>
+        </a:xfrm>
+      </p:grpSpPr>
+      <p:sp>
+        <p:nvSpPr>
+          <p:cNvPr id="2" name="Title 1"/>
+          <p:cNvSpPr>
+            <a:spLocks noGrp="1"/>
+          </p:cNvSpPr>
+          <p:nvPr>
+            <p:ph type="title"/>
+          </p:nvPr>
+        </p:nvSpPr>
+        <p:spPr/>
+        <p:txBody>
+          <a:bodyPr/>
+          <a:lstStyle/>
+          <a:p>
+            <a:pPr lvl="0" indent="0" marL="0">
+              <a:buNone/>
+            </a:pPr>
+            <a:r>
+              <a:rPr/>
+              <a:t>Bootstrap in SAS (8/10)</a:t>
+            </a:r>
+          </a:p>
+        </p:txBody>
+      </p:sp>
+      <p:sp>
+        <p:nvSpPr>
+          <p:cNvPr id="3" name="Content Placeholder 2"/>
+          <p:cNvSpPr>
+            <a:spLocks noGrp="1"/>
+          </p:cNvSpPr>
+          <p:nvPr>
+            <p:ph idx="1"/>
+          </p:nvPr>
+        </p:nvSpPr>
+        <p:spPr/>
+        <p:txBody>
+          <a:bodyPr/>
+          <a:lstStyle/>
+          <a:p>
+            <a:pPr lvl="0" indent="0">
+              <a:buNone/>
+            </a:pPr>
+            <a:r>
+              <a:rPr>
+                <a:latin typeface="Courier"/>
+              </a:rPr>
+              <a:t>* creating confidence interval, percentile method;
+proc univariate data = t1 alpha = .05;
+  var r2;
+  output out=pmethod mean = r2hat pctlpts=&amp;a1 &amp;a2 pctlpre = p pctlname = _lb _ub ;
+run;</a:t>
+            </a:r>
+          </a:p>
+        </p:txBody>
+      </p:sp>
+    </p:spTree>
+  </p:cSld>
+</p:sld>
+</file>
+
+<file path=ppt/slides/slide58.xml><?xml version="1.0" encoding="utf-8"?>
+<p:sld xmlns:a="http://schemas.openxmlformats.org/drawingml/2006/main" xmlns:r="http://schemas.openxmlformats.org/officeDocument/2006/relationships" xmlns:p="http://schemas.openxmlformats.org/presentationml/2006/main">
+  <p:cSld>
+    <p:spTree>
+      <p:nvGrpSpPr>
+        <p:cNvPr id="1" name=""/>
+        <p:cNvGrpSpPr/>
+        <p:nvPr/>
+      </p:nvGrpSpPr>
+      <p:grpSpPr>
+        <a:xfrm>
+          <a:off x="0" y="0"/>
+          <a:ext cx="0" cy="0"/>
+          <a:chOff x="0" y="0"/>
+          <a:chExt cx="0" cy="0"/>
+        </a:xfrm>
+      </p:grpSpPr>
+      <p:sp>
+        <p:nvSpPr>
+          <p:cNvPr id="2" name="Title 1"/>
+          <p:cNvSpPr>
+            <a:spLocks noGrp="1"/>
+          </p:cNvSpPr>
+          <p:nvPr>
+            <p:ph type="title"/>
+          </p:nvPr>
+        </p:nvSpPr>
+        <p:spPr/>
+        <p:txBody>
+          <a:bodyPr/>
+          <a:lstStyle/>
+          <a:p>
+            <a:pPr lvl="0" indent="0" marL="0">
+              <a:buNone/>
+            </a:pPr>
+            <a:r>
+              <a:rPr/>
+              <a:t>Bootstrap in SAS (9/10)</a:t>
+            </a:r>
+          </a:p>
+        </p:txBody>
+      </p:sp>
+      <p:sp>
+        <p:nvSpPr>
+          <p:cNvPr id="3" name="Content Placeholder 2"/>
+          <p:cNvSpPr>
+            <a:spLocks noGrp="1"/>
+          </p:cNvSpPr>
+          <p:nvPr>
+            <p:ph idx="1"/>
+          </p:nvPr>
+        </p:nvSpPr>
+        <p:spPr/>
+        <p:txBody>
+          <a:bodyPr/>
+          <a:lstStyle/>
+          <a:p>
+            <a:pPr lvl="0" indent="0">
+              <a:buNone/>
+            </a:pPr>
+            <a:r>
+              <a:rPr>
+                <a:latin typeface="Courier"/>
+              </a:rPr>
+              <a:t>data t2;
+  set pmethod;
+  bias = r2hat - &amp;r2bar;
+  r2 = &amp;r2bar;
+run;
+ods listing;</a:t>
+            </a:r>
+          </a:p>
+        </p:txBody>
+      </p:sp>
+    </p:spTree>
+  </p:cSld>
+</p:sld>
+</file>
+
+<file path=ppt/slides/slide59.xml><?xml version="1.0" encoding="utf-8"?>
+<p:sld xmlns:a="http://schemas.openxmlformats.org/drawingml/2006/main" xmlns:r="http://schemas.openxmlformats.org/officeDocument/2006/relationships" xmlns:p="http://schemas.openxmlformats.org/presentationml/2006/main">
+  <p:cSld>
+    <p:spTree>
+      <p:nvGrpSpPr>
+        <p:cNvPr id="1" name=""/>
+        <p:cNvGrpSpPr/>
+        <p:nvPr/>
+      </p:nvGrpSpPr>
+      <p:grpSpPr>
+        <a:xfrm>
+          <a:off x="0" y="0"/>
+          <a:ext cx="0" cy="0"/>
+          <a:chOff x="0" y="0"/>
+          <a:chExt cx="0" cy="0"/>
+        </a:xfrm>
+      </p:grpSpPr>
+      <p:sp>
+        <p:nvSpPr>
+          <p:cNvPr id="2" name="Title 1"/>
+          <p:cNvSpPr>
+            <a:spLocks noGrp="1"/>
+          </p:cNvSpPr>
+          <p:nvPr>
+            <p:ph type="title"/>
+          </p:nvPr>
+        </p:nvSpPr>
+        <p:spPr/>
+        <p:txBody>
+          <a:bodyPr/>
+          <a:lstStyle/>
+          <a:p>
+            <a:pPr lvl="0" indent="0" marL="0">
+              <a:buNone/>
+            </a:pPr>
+            <a:r>
+              <a:rPr/>
+              <a:t>Bootstrap in SAS (10/10)</a:t>
+            </a:r>
+          </a:p>
+        </p:txBody>
+      </p:sp>
+      <p:sp>
+        <p:nvSpPr>
+          <p:cNvPr id="3" name="Content Placeholder 2"/>
+          <p:cNvSpPr>
+            <a:spLocks noGrp="1"/>
+          </p:cNvSpPr>
+          <p:nvPr>
+            <p:ph idx="1"/>
+          </p:nvPr>
+        </p:nvSpPr>
+        <p:spPr/>
+        <p:txBody>
+          <a:bodyPr/>
+          <a:lstStyle/>
+          <a:p>
+            <a:pPr lvl="0" indent="0">
+              <a:buNone/>
+            </a:pPr>
+            <a:r>
+              <a:rPr>
+                <a:latin typeface="Courier"/>
+              </a:rPr>
+              <a:t>proc print data  = t2;
+  var r2 bias p_lb p_ub;
+run;
+Obs        r2        bias   
+ 1     0.5189    .0066164 
+         p_lb      p_ub
+        0.436    0.6017     </a:t>
+            </a:r>
+          </a:p>
+        </p:txBody>
+      </p:sp>
+    </p:spTree>
+  </p:cSld>
+</p:sld>
+</file>
+
+<file path=ppt/slides/slide6.xml><?xml version="1.0" encoding="utf-8"?>
+<p:sld xmlns:a="http://schemas.openxmlformats.org/drawingml/2006/main" xmlns:r="http://schemas.openxmlformats.org/officeDocument/2006/relationships" xmlns:p="http://schemas.openxmlformats.org/presentationml/2006/main">
+  <p:cSld>
+    <p:spTree>
+      <p:nvGrpSpPr>
+        <p:cNvPr id="1" name=""/>
+        <p:cNvGrpSpPr/>
+        <p:nvPr/>
+      </p:nvGrpSpPr>
+      <p:grpSpPr>
+        <a:xfrm>
+          <a:off x="0" y="0"/>
+          <a:ext cx="0" cy="0"/>
+          <a:chOff x="0" y="0"/>
+          <a:chExt cx="0" cy="0"/>
+        </a:xfrm>
+      </p:grpSpPr>
+      <p:sp>
+        <p:nvSpPr>
+          <p:cNvPr id="2" name="Title 1"/>
+          <p:cNvSpPr>
+            <a:spLocks noGrp="1"/>
+          </p:cNvSpPr>
+          <p:nvPr>
+            <p:ph type="title"/>
+          </p:nvPr>
+        </p:nvSpPr>
+        <p:spPr/>
+        <p:txBody>
+          <a:bodyPr/>
+          <a:lstStyle/>
+          <a:p>
+            <a:pPr lvl="0" indent="0" marL="0">
+              <a:buNone/>
+            </a:pPr>
+            <a:r>
+              <a:rPr/>
+              <a:t>History of the bootstrap</a:t>
+            </a:r>
+          </a:p>
+        </p:txBody>
+      </p:sp>
+      <p:sp>
+        <p:nvSpPr>
+          <p:cNvPr id="3" name="Content Placeholder 2"/>
+          <p:cNvSpPr>
+            <a:spLocks noGrp="1"/>
+          </p:cNvSpPr>
+          <p:nvPr>
+            <p:ph idx="1"/>
+          </p:nvPr>
+        </p:nvSpPr>
+        <p:spPr/>
+        <p:txBody>
+          <a:bodyPr/>
+          <a:lstStyle/>
+          <a:p>
+            <a:pPr lvl="0"/>
+            <a:r>
+              <a:rPr/>
+              <a:t>Can you rely on asymptotic normality?</a:t>
+            </a:r>
+          </a:p>
+          <a:p>
+            <a:pPr lvl="0"/>
+            <a:r>
+              <a:rPr/>
+              <a:t>The jackknife</a:t>
+            </a:r>
+          </a:p>
+          <a:p>
+            <a:pPr lvl="0"/>
+            <a:r>
+              <a:rPr/>
+              <a:t>Bradley Efron’s contributions</a:t>
+            </a:r>
+          </a:p>
+          <a:p>
+            <a:pPr lvl="0"/>
+            <a:r>
+              <a:rPr/>
+              <a:t>Recent application: bagging</a:t>
+            </a:r>
+          </a:p>
+        </p:txBody>
+      </p:sp>
+    </p:spTree>
+  </p:cSld>
+</p:sld>
+</file>
+
+<file path=ppt/slides/slide60.xml><?xml version="1.0" encoding="utf-8"?>
+<p:sld xmlns:a="http://schemas.openxmlformats.org/drawingml/2006/main" xmlns:r="http://schemas.openxmlformats.org/officeDocument/2006/relationships" xmlns:p="http://schemas.openxmlformats.org/presentationml/2006/main">
+  <p:cSld>
+    <p:spTree>
+      <p:nvGrpSpPr>
+        <p:cNvPr id="1" name=""/>
+        <p:cNvGrpSpPr/>
+        <p:nvPr/>
+      </p:nvGrpSpPr>
+      <p:grpSpPr>
+        <a:xfrm>
+          <a:off x="0" y="0"/>
+          <a:ext cx="0" cy="0"/>
+          <a:chOff x="0" y="0"/>
+          <a:chExt cx="0" cy="0"/>
+        </a:xfrm>
+      </p:grpSpPr>
+      <p:sp>
+        <p:nvSpPr>
+          <p:cNvPr id="2" name="Title 1"/>
+          <p:cNvSpPr>
+            <a:spLocks noGrp="1"/>
+          </p:cNvSpPr>
+          <p:nvPr>
+            <p:ph type="title"/>
+          </p:nvPr>
+        </p:nvSpPr>
+        <p:spPr/>
+        <p:txBody>
+          <a:bodyPr/>
+          <a:lstStyle/>
+          <a:p>
+            <a:pPr lvl="0" indent="0" marL="0">
+              <a:buNone/>
+            </a:pPr>
+            <a:r>
+              <a:rPr/>
+              <a:t>Bootstrap in Stata (1/4)</a:t>
+            </a:r>
+          </a:p>
+        </p:txBody>
+      </p:sp>
+      <p:sp>
+        <p:nvSpPr>
+          <p:cNvPr id="3" name="Content Placeholder 2"/>
+          <p:cNvSpPr>
+            <a:spLocks noGrp="1"/>
+          </p:cNvSpPr>
+          <p:nvPr>
+            <p:ph idx="1"/>
+          </p:nvPr>
+        </p:nvSpPr>
+        <p:spPr/>
+        <p:txBody>
+          <a:bodyPr/>
+          <a:lstStyle/>
+          <a:p>
+            <a:pPr lvl="0"/>
+            <a:r>
+              <a:rPr/>
+              <a:t>A bit easier</a:t>
+            </a:r>
+          </a:p>
+          <a:p>
+            <a:pPr lvl="1"/>
+            <a:r>
+              <a:rPr/>
+              <a:t>Built-in bootstrap command</a:t>
+            </a:r>
+          </a:p>
+          <a:p>
+            <a:pPr lvl="1"/>
+            <a:r>
+              <a:rPr/>
+              <a:t>Simpler handling of output</a:t>
+            </a:r>
+          </a:p>
+          <a:p>
+            <a:pPr lvl="0"/>
+            <a:r>
+              <a:rPr/>
+              <a:t>Example taken from UCLA Statistical Methods and Data Analytics site</a:t>
+            </a:r>
+          </a:p>
+        </p:txBody>
+      </p:sp>
+    </p:spTree>
+  </p:cSld>
+</p:sld>
+</file>
+
+<file path=ppt/slides/slide61.xml><?xml version="1.0" encoding="utf-8"?>
+<p:sld xmlns:a="http://schemas.openxmlformats.org/drawingml/2006/main" xmlns:r="http://schemas.openxmlformats.org/officeDocument/2006/relationships" xmlns:p="http://schemas.openxmlformats.org/presentationml/2006/main">
+  <p:cSld>
+    <p:spTree>
+      <p:nvGrpSpPr>
+        <p:cNvPr id="1" name=""/>
+        <p:cNvGrpSpPr/>
+        <p:nvPr/>
+      </p:nvGrpSpPr>
+      <p:grpSpPr>
+        <a:xfrm>
+          <a:off x="0" y="0"/>
+          <a:ext cx="0" cy="0"/>
+          <a:chOff x="0" y="0"/>
+          <a:chExt cx="0" cy="0"/>
+        </a:xfrm>
+      </p:grpSpPr>
+      <p:sp>
+        <p:nvSpPr>
+          <p:cNvPr id="2" name="Title 1"/>
+          <p:cNvSpPr>
+            <a:spLocks noGrp="1"/>
+          </p:cNvSpPr>
+          <p:nvPr>
+            <p:ph type="title"/>
+          </p:nvPr>
+        </p:nvSpPr>
+        <p:spPr/>
+        <p:txBody>
+          <a:bodyPr/>
+          <a:lstStyle/>
+          <a:p>
+            <a:pPr lvl="0" indent="0" marL="0">
+              <a:buNone/>
+            </a:pPr>
+            <a:r>
+              <a:rPr/>
+              <a:t>Bootstrap in Stata (2/4)</a:t>
+            </a:r>
+          </a:p>
+        </p:txBody>
+      </p:sp>
+      <p:sp>
+        <p:nvSpPr>
+          <p:cNvPr id="3" name="Content Placeholder 2"/>
+          <p:cNvSpPr>
+            <a:spLocks noGrp="1"/>
+          </p:cNvSpPr>
+          <p:nvPr>
+            <p:ph idx="1"/>
+          </p:nvPr>
+        </p:nvSpPr>
+        <p:spPr/>
+        <p:txBody>
+          <a:bodyPr/>
+          <a:lstStyle/>
+          <a:p>
+            <a:pPr lvl="0" indent="0">
+              <a:buNone/>
+            </a:pPr>
+            <a:r>
+              <a:rPr>
+                <a:latin typeface="Courier"/>
+              </a:rPr>
+              <a:t>use http://statistics.ats.ucla.edu/stat/stata/notes/hsb2, clear
+regress read female math write ses</a:t>
+            </a:r>
+          </a:p>
+        </p:txBody>
+      </p:sp>
+    </p:spTree>
+  </p:cSld>
+</p:sld>
+</file>
+
+<file path=ppt/slides/slide62.xml><?xml version="1.0" encoding="utf-8"?>
+<p:sld xmlns:a="http://schemas.openxmlformats.org/drawingml/2006/main" xmlns:r="http://schemas.openxmlformats.org/officeDocument/2006/relationships" xmlns:p="http://schemas.openxmlformats.org/presentationml/2006/main">
+  <p:cSld>
+    <p:spTree>
+      <p:nvGrpSpPr>
+        <p:cNvPr id="1" name=""/>
+        <p:cNvGrpSpPr/>
+        <p:nvPr/>
+      </p:nvGrpSpPr>
+      <p:grpSpPr>
+        <a:xfrm>
+          <a:off x="0" y="0"/>
+          <a:ext cx="0" cy="0"/>
+          <a:chOff x="0" y="0"/>
+          <a:chExt cx="0" cy="0"/>
+        </a:xfrm>
+      </p:grpSpPr>
+      <p:sp>
+        <p:nvSpPr>
+          <p:cNvPr id="2" name="Title 1"/>
+          <p:cNvSpPr>
+            <a:spLocks noGrp="1"/>
+          </p:cNvSpPr>
+          <p:nvPr>
+            <p:ph type="title"/>
+          </p:nvPr>
+        </p:nvSpPr>
+        <p:spPr/>
+        <p:txBody>
+          <a:bodyPr/>
+          <a:lstStyle/>
+          <a:p>
+            <a:pPr lvl="0" indent="0" marL="0">
+              <a:buNone/>
+            </a:pPr>
+            <a:r>
+              <a:rPr/>
+              <a:t>Bootstrap in Stata (3/4)</a:t>
+            </a:r>
+          </a:p>
+        </p:txBody>
+      </p:sp>
+      <p:sp>
+        <p:nvSpPr>
+          <p:cNvPr id="3" name="Content Placeholder 2"/>
+          <p:cNvSpPr>
+            <a:spLocks noGrp="1"/>
+          </p:cNvSpPr>
+          <p:nvPr>
+            <p:ph idx="1"/>
+          </p:nvPr>
+        </p:nvSpPr>
+        <p:spPr/>
+        <p:txBody>
+          <a:bodyPr/>
+          <a:lstStyle/>
+          <a:p>
+            <a:pPr lvl="0" indent="0">
+              <a:buNone/>
+            </a:pPr>
+            <a:r>
+              <a:rPr>
+                <a:latin typeface="Courier"/>
+              </a:rPr>
+              <a:t>bootstrap rmse=e(rmse), reps(100) seed(12345): regress read female math write ses</a:t>
+            </a:r>
+          </a:p>
+        </p:txBody>
+      </p:sp>
+    </p:spTree>
+  </p:cSld>
+</p:sld>
+</file>
+
+<file path=ppt/slides/slide63.xml><?xml version="1.0" encoding="utf-8"?>
+<p:sld xmlns:a="http://schemas.openxmlformats.org/drawingml/2006/main" xmlns:r="http://schemas.openxmlformats.org/officeDocument/2006/relationships" xmlns:p="http://schemas.openxmlformats.org/presentationml/2006/main">
+  <p:cSld>
+    <p:spTree>
+      <p:nvGrpSpPr>
+        <p:cNvPr id="1" name=""/>
+        <p:cNvGrpSpPr/>
+        <p:nvPr/>
+      </p:nvGrpSpPr>
+      <p:grpSpPr>
+        <a:xfrm>
+          <a:off x="0" y="0"/>
+          <a:ext cx="0" cy="0"/>
+          <a:chOff x="0" y="0"/>
+          <a:chExt cx="0" cy="0"/>
+        </a:xfrm>
+      </p:grpSpPr>
+      <p:sp>
+        <p:nvSpPr>
+          <p:cNvPr id="2" name="Title 1"/>
+          <p:cNvSpPr>
+            <a:spLocks noGrp="1"/>
+          </p:cNvSpPr>
+          <p:nvPr>
+            <p:ph type="title"/>
+          </p:nvPr>
+        </p:nvSpPr>
+        <p:spPr/>
+        <p:txBody>
+          <a:bodyPr/>
+          <a:lstStyle/>
+          <a:p>
+            <a:pPr lvl="0" indent="0" marL="0">
+              <a:buNone/>
+            </a:pPr>
+            <a:r>
+              <a:rPr/>
+              <a:t>Bootstrap in Stata (4/4)</a:t>
+            </a:r>
+          </a:p>
+        </p:txBody>
+      </p:sp>
+      <p:sp>
+        <p:nvSpPr>
+          <p:cNvPr id="3" name="Content Placeholder 2"/>
+          <p:cNvSpPr>
+            <a:spLocks noGrp="1"/>
+          </p:cNvSpPr>
+          <p:nvPr>
+            <p:ph idx="1"/>
+          </p:nvPr>
+        </p:nvSpPr>
+        <p:spPr/>
+        <p:txBody>
+          <a:bodyPr/>
+          <a:lstStyle/>
+          <a:p>
+            <a:pPr lvl="0" indent="0">
+              <a:buNone/>
+            </a:pPr>
+            <a:r>
+              <a:rPr>
+                <a:latin typeface="Courier"/>
+              </a:rPr>
+              <a:t>                 Observed   Bootstrap 
+                    Coef.   Std. Err. 
+        rmse     7.184202   .2594069  
+                    Normal-based
+ z      P&gt;|z|     [95% Conf. Interval]
+27.69   0.000     6.675774     7.69263
+</a:t>
+            </a:r>
+          </a:p>
+        </p:txBody>
+      </p:sp>
+    </p:spTree>
+  </p:cSld>
+</p:sld>
+</file>
+
+<file path=ppt/slides/slide64.xml><?xml version="1.0" encoding="utf-8"?>
+<p:sld xmlns:a="http://schemas.openxmlformats.org/drawingml/2006/main" xmlns:r="http://schemas.openxmlformats.org/officeDocument/2006/relationships" xmlns:p="http://schemas.openxmlformats.org/presentationml/2006/main">
+  <p:cSld>
+    <p:spTree>
+      <p:nvGrpSpPr>
+        <p:cNvPr id="1" name=""/>
+        <p:cNvGrpSpPr/>
+        <p:nvPr/>
+      </p:nvGrpSpPr>
+      <p:grpSpPr>
+        <a:xfrm>
+          <a:off x="0" y="0"/>
+          <a:ext cx="0" cy="0"/>
+          <a:chOff x="0" y="0"/>
+          <a:chExt cx="0" cy="0"/>
+        </a:xfrm>
+      </p:grpSpPr>
+      <p:sp>
+        <p:nvSpPr>
+          <p:cNvPr id="2" name="Title 1"/>
+          <p:cNvSpPr>
+            <a:spLocks noGrp="1"/>
+          </p:cNvSpPr>
+          <p:nvPr>
+            <p:ph type="title"/>
+          </p:nvPr>
+        </p:nvSpPr>
+        <p:spPr/>
+        <p:txBody>
+          <a:bodyPr/>
+          <a:lstStyle/>
+          <a:p>
+            <a:pPr lvl="0" indent="0" marL="0">
+              <a:buNone/>
+            </a:pPr>
+            <a:r>
+              <a:rPr/>
+              <a:t>Bootstrap in R (1/4)</a:t>
+            </a:r>
+          </a:p>
+        </p:txBody>
+      </p:sp>
+      <p:sp>
+        <p:nvSpPr>
+          <p:cNvPr id="3" name="Content Placeholder 2"/>
+          <p:cNvSpPr>
+            <a:spLocks noGrp="1"/>
+          </p:cNvSpPr>
+          <p:nvPr>
+            <p:ph idx="1"/>
+          </p:nvPr>
+        </p:nvSpPr>
+        <p:spPr/>
+        <p:txBody>
+          <a:bodyPr/>
+          <a:lstStyle/>
+          <a:p>
+            <a:pPr lvl="0"/>
+            <a:r>
+              <a:rPr/>
+              <a:t>Easiest and most flexible choice</a:t>
+            </a:r>
+          </a:p>
+          <a:p>
+            <a:pPr lvl="1"/>
+            <a:r>
+              <a:rPr/>
+              <a:t>Special library</a:t>
+            </a:r>
+          </a:p>
+          <a:p>
+            <a:pPr lvl="1"/>
+            <a:r>
+              <a:rPr/>
+              <a:t>Simple looping stuctures</a:t>
+            </a:r>
+          </a:p>
+          <a:p>
+            <a:pPr lvl="1"/>
+            <a:r>
+              <a:rPr/>
+              <a:t>Easy to extract specific values</a:t>
+            </a:r>
+          </a:p>
+          <a:p>
+            <a:pPr lvl="0"/>
+            <a:r>
+              <a:rPr/>
+              <a:t>Example taken from UCLA Statistical Methods and Data Analytics site</a:t>
+            </a:r>
+          </a:p>
+        </p:txBody>
+      </p:sp>
+    </p:spTree>
+  </p:cSld>
+</p:sld>
+</file>
+
+<file path=ppt/slides/slide65.xml><?xml version="1.0" encoding="utf-8"?>
+<p:sld xmlns:a="http://schemas.openxmlformats.org/drawingml/2006/main" xmlns:r="http://schemas.openxmlformats.org/officeDocument/2006/relationships" xmlns:p="http://schemas.openxmlformats.org/presentationml/2006/main">
+  <p:cSld>
+    <p:spTree>
+      <p:nvGrpSpPr>
+        <p:cNvPr id="1" name=""/>
+        <p:cNvGrpSpPr/>
+        <p:nvPr/>
+      </p:nvGrpSpPr>
+      <p:grpSpPr>
+        <a:xfrm>
+          <a:off x="0" y="0"/>
+          <a:ext cx="0" cy="0"/>
+          <a:chOff x="0" y="0"/>
+          <a:chExt cx="0" cy="0"/>
+        </a:xfrm>
+      </p:grpSpPr>
+      <p:sp>
+        <p:nvSpPr>
+          <p:cNvPr id="2" name="Title 1"/>
+          <p:cNvSpPr>
+            <a:spLocks noGrp="1"/>
+          </p:cNvSpPr>
+          <p:nvPr>
+            <p:ph type="title"/>
+          </p:nvPr>
+        </p:nvSpPr>
+        <p:spPr/>
+        <p:txBody>
+          <a:bodyPr/>
+          <a:lstStyle/>
+          <a:p>
+            <a:pPr lvl="0" indent="0" marL="0">
+              <a:buNone/>
+            </a:pPr>
+            <a:r>
+              <a:rPr/>
+              <a:t>Bootstrap in R (2/4)</a:t>
+            </a:r>
+          </a:p>
+        </p:txBody>
+      </p:sp>
+      <p:sp>
+        <p:nvSpPr>
+          <p:cNvPr id="3" name="Content Placeholder 2"/>
+          <p:cNvSpPr>
+            <a:spLocks noGrp="1"/>
+          </p:cNvSpPr>
+          <p:nvPr>
+            <p:ph idx="1"/>
+          </p:nvPr>
+        </p:nvSpPr>
+        <p:spPr/>
+        <p:txBody>
+          <a:bodyPr/>
+          <a:lstStyle/>
+          <a:p>
+            <a:pPr lvl="0" indent="0">
+              <a:buNone/>
+            </a:pPr>
+            <a:r>
+              <a:rPr>
+                <a:latin typeface="Courier"/>
+              </a:rPr>
+              <a:t>library(boot)
+hsb2 &lt;- read.table("https://stats.idre.ucla.edu/stat/data/hsb2.csv", sep=",", header=T)</a:t>
+            </a:r>
+          </a:p>
+        </p:txBody>
+      </p:sp>
+    </p:spTree>
+  </p:cSld>
+</p:sld>
+</file>
+
+<file path=ppt/slides/slide66.xml><?xml version="1.0" encoding="utf-8"?>
+<p:sld xmlns:a="http://schemas.openxmlformats.org/drawingml/2006/main" xmlns:r="http://schemas.openxmlformats.org/officeDocument/2006/relationships" xmlns:p="http://schemas.openxmlformats.org/presentationml/2006/main">
+  <p:cSld>
+    <p:spTree>
+      <p:nvGrpSpPr>
+        <p:cNvPr id="1" name=""/>
+        <p:cNvGrpSpPr/>
+        <p:nvPr/>
+      </p:nvGrpSpPr>
+      <p:grpSpPr>
+        <a:xfrm>
+          <a:off x="0" y="0"/>
+          <a:ext cx="0" cy="0"/>
+          <a:chOff x="0" y="0"/>
+          <a:chExt cx="0" cy="0"/>
+        </a:xfrm>
+      </p:grpSpPr>
+      <p:sp>
+        <p:nvSpPr>
+          <p:cNvPr id="2" name="Title 1"/>
+          <p:cNvSpPr>
+            <a:spLocks noGrp="1"/>
+          </p:cNvSpPr>
+          <p:nvPr>
+            <p:ph type="title"/>
+          </p:nvPr>
+        </p:nvSpPr>
+        <p:spPr/>
+        <p:txBody>
+          <a:bodyPr/>
+          <a:lstStyle/>
+          <a:p>
+            <a:pPr lvl="0" indent="0" marL="0">
+              <a:buNone/>
+            </a:pPr>
+            <a:r>
+              <a:rPr/>
+              <a:t>Bootstrap in R (3/4)</a:t>
+            </a:r>
+          </a:p>
+        </p:txBody>
+      </p:sp>
+      <p:sp>
+        <p:nvSpPr>
+          <p:cNvPr id="3" name="Content Placeholder 2"/>
+          <p:cNvSpPr>
+            <a:spLocks noGrp="1"/>
+          </p:cNvSpPr>
+          <p:nvPr>
+            <p:ph idx="1"/>
+          </p:nvPr>
+        </p:nvSpPr>
+        <p:spPr/>
+        <p:txBody>
+          <a:bodyPr/>
+          <a:lstStyle/>
+          <a:p>
+            <a:pPr lvl="0" indent="0">
+              <a:buNone/>
+            </a:pPr>
+            <a:r>
+              <a:rPr>
+                <a:latin typeface="Courier"/>
+              </a:rPr>
+              <a:t>fc &lt;- function(d, i){
+    d2 &lt;- d[i,]
+    return(cor(d2$write, d2$math))
+}
+set.seed(626)
+bootcorr &lt;- boot(hsb2, fc, R=500)</a:t>
+            </a:r>
+          </a:p>
+        </p:txBody>
+      </p:sp>
+    </p:spTree>
+  </p:cSld>
+</p:sld>
+</file>
+
+<file path=ppt/slides/slide67.xml><?xml version="1.0" encoding="utf-8"?>
+<p:sld xmlns:a="http://schemas.openxmlformats.org/drawingml/2006/main" xmlns:r="http://schemas.openxmlformats.org/officeDocument/2006/relationships" xmlns:p="http://schemas.openxmlformats.org/presentationml/2006/main">
+  <p:cSld>
+    <p:spTree>
+      <p:nvGrpSpPr>
+        <p:cNvPr id="1" name=""/>
+        <p:cNvGrpSpPr/>
+        <p:nvPr/>
+      </p:nvGrpSpPr>
+      <p:grpSpPr>
+        <a:xfrm>
+          <a:off x="0" y="0"/>
+          <a:ext cx="0" cy="0"/>
+          <a:chOff x="0" y="0"/>
+          <a:chExt cx="0" cy="0"/>
+        </a:xfrm>
+      </p:grpSpPr>
+      <p:sp>
+        <p:nvSpPr>
+          <p:cNvPr id="2" name="Title 1"/>
+          <p:cNvSpPr>
+            <a:spLocks noGrp="1"/>
+          </p:cNvSpPr>
+          <p:nvPr>
+            <p:ph type="title"/>
+          </p:nvPr>
+        </p:nvSpPr>
+        <p:spPr/>
+        <p:txBody>
+          <a:bodyPr/>
+          <a:lstStyle/>
+          <a:p>
+            <a:pPr lvl="0" indent="0" marL="0">
+              <a:buNone/>
+            </a:pPr>
+            <a:r>
+              <a:rPr/>
+              <a:t>Bootstrap in R (4/4)</a:t>
+            </a:r>
+          </a:p>
+        </p:txBody>
+      </p:sp>
+      <p:sp>
+        <p:nvSpPr>
+          <p:cNvPr id="3" name="Content Placeholder 2"/>
+          <p:cNvSpPr>
+            <a:spLocks noGrp="1"/>
+          </p:cNvSpPr>
+          <p:nvPr>
+            <p:ph idx="1"/>
+          </p:nvPr>
+        </p:nvSpPr>
+        <p:spPr/>
+        <p:txBody>
+          <a:bodyPr/>
+          <a:lstStyle/>
+          <a:p>
+            <a:pPr lvl="0" indent="0">
+              <a:buNone/>
+            </a:pPr>
+            <a:r>
+              <a:rPr>
+                <a:latin typeface="Courier"/>
+              </a:rPr>
+              <a:t>Bootstrap Statistics :
+     original       bias    std. error
+t1* 0.6174493 -0.001528707  0.04020362</a:t>
+            </a:r>
+          </a:p>
+        </p:txBody>
+      </p:sp>
+    </p:spTree>
+  </p:cSld>
+</p:sld>
+</file>
+
+<file path=ppt/slides/slide68.xml><?xml version="1.0" encoding="utf-8"?>
+<p:sld xmlns:a="http://schemas.openxmlformats.org/drawingml/2006/main" xmlns:r="http://schemas.openxmlformats.org/officeDocument/2006/relationships" xmlns:p="http://schemas.openxmlformats.org/presentationml/2006/main">
+  <p:cSld>
+    <p:spTree>
+      <p:nvGrpSpPr>
+        <p:cNvPr id="1" name=""/>
+        <p:cNvGrpSpPr/>
+        <p:nvPr/>
+      </p:nvGrpSpPr>
+      <p:grpSpPr>
+        <a:xfrm>
+          <a:off x="0" y="0"/>
+          <a:ext cx="0" cy="0"/>
+          <a:chOff x="0" y="0"/>
+          <a:chExt cx="0" cy="0"/>
+        </a:xfrm>
+      </p:grpSpPr>
+      <p:sp>
+        <p:nvSpPr>
+          <p:cNvPr id="2" name="Title 1"/>
+          <p:cNvSpPr>
+            <a:spLocks noGrp="1"/>
+          </p:cNvSpPr>
+          <p:nvPr>
+            <p:ph type="title"/>
+          </p:nvPr>
+        </p:nvSpPr>
+        <p:spPr/>
+        <p:txBody>
+          <a:bodyPr/>
+          <a:lstStyle/>
+          <a:p>
+            <a:pPr lvl="0" indent="0" marL="0">
+              <a:buNone/>
+            </a:pPr>
+            <a:r>
+              <a:rPr/>
+              <a:t>Break #3</a:t>
+            </a:r>
+          </a:p>
+        </p:txBody>
+      </p:sp>
+      <p:sp>
+        <p:nvSpPr>
+          <p:cNvPr id="3" name="Content Placeholder 2"/>
+          <p:cNvSpPr>
+            <a:spLocks noGrp="1"/>
+          </p:cNvSpPr>
+          <p:nvPr>
+            <p:ph idx="1"/>
+          </p:nvPr>
+        </p:nvSpPr>
+        <p:spPr/>
+        <p:txBody>
+          <a:bodyPr/>
+          <a:lstStyle/>
+          <a:p>
+            <a:pPr lvl="0"/>
+            <a:r>
+              <a:rPr/>
+              <a:t>What have you learned</a:t>
+            </a:r>
+          </a:p>
+          <a:p>
+            <a:pPr lvl="1"/>
+            <a:r>
+              <a:rPr/>
+              <a:t>Software</a:t>
+            </a:r>
+          </a:p>
+          <a:p>
+            <a:pPr lvl="0"/>
+            <a:r>
+              <a:rPr/>
+              <a:t>What’s coming next</a:t>
+            </a:r>
+          </a:p>
+          <a:p>
+            <a:pPr lvl="1"/>
+            <a:r>
+              <a:rPr/>
+              <a:t>Special settings</a:t>
+            </a:r>
+          </a:p>
+        </p:txBody>
+      </p:sp>
+    </p:spTree>
+  </p:cSld>
+</p:sld>
+</file>
+
+<file path=ppt/slides/slide69.xml><?xml version="1.0" encoding="utf-8"?>
+<p:sld xmlns:a="http://schemas.openxmlformats.org/drawingml/2006/main" xmlns:r="http://schemas.openxmlformats.org/officeDocument/2006/relationships" xmlns:p="http://schemas.openxmlformats.org/presentationml/2006/main">
+  <p:cSld>
+    <p:spTree>
+      <p:nvGrpSpPr>
+        <p:cNvPr id="1" name=""/>
+        <p:cNvGrpSpPr/>
+        <p:nvPr/>
+      </p:nvGrpSpPr>
+      <p:grpSpPr>
+        <a:xfrm>
+          <a:off x="0" y="0"/>
+          <a:ext cx="0" cy="0"/>
+          <a:chOff x="0" y="0"/>
+          <a:chExt cx="0" cy="0"/>
+        </a:xfrm>
+      </p:grpSpPr>
+      <p:sp>
+        <p:nvSpPr>
+          <p:cNvPr id="2" name="Title 1"/>
+          <p:cNvSpPr>
+            <a:spLocks noGrp="1"/>
+          </p:cNvSpPr>
+          <p:nvPr>
+            <p:ph type="title"/>
+          </p:nvPr>
+        </p:nvSpPr>
+        <p:spPr/>
+        <p:txBody>
+          <a:bodyPr/>
+          <a:lstStyle/>
+          <a:p>
+            <a:pPr lvl="0" indent="0" marL="0">
+              <a:buNone/>
+            </a:pPr>
+            <a:r>
+              <a:rPr/>
+              <a:t>Special settings</a:t>
+            </a:r>
+          </a:p>
+        </p:txBody>
+      </p:sp>
+      <p:sp>
+        <p:nvSpPr>
+          <p:cNvPr id="3" name="Content Placeholder 2"/>
+          <p:cNvSpPr>
+            <a:spLocks noGrp="1"/>
+          </p:cNvSpPr>
+          <p:nvPr>
+            <p:ph idx="1"/>
+          </p:nvPr>
+        </p:nvSpPr>
+        <p:spPr/>
+        <p:txBody>
+          <a:bodyPr/>
+          <a:lstStyle/>
+          <a:p>
+            <a:pPr lvl="0"/>
+            <a:r>
+              <a:rPr/>
+              <a:t>Multiple groups</a:t>
+            </a:r>
+          </a:p>
+          <a:p>
+            <a:pPr lvl="0"/>
+            <a:r>
+              <a:rPr/>
+              <a:t>Time series</a:t>
+            </a:r>
+          </a:p>
+          <a:p>
+            <a:pPr lvl="0"/>
+            <a:r>
+              <a:rPr/>
+              <a:t>Regression models</a:t>
+            </a:r>
+          </a:p>
+        </p:txBody>
+      </p:sp>
+    </p:spTree>
+  </p:cSld>
+</p:sld>
+</file>
+
+<file path=ppt/slides/slide7.xml><?xml version="1.0" encoding="utf-8"?>
+<p:sld xmlns:a="http://schemas.openxmlformats.org/drawingml/2006/main" xmlns:r="http://schemas.openxmlformats.org/officeDocument/2006/relationships" xmlns:p="http://schemas.openxmlformats.org/presentationml/2006/main">
+  <p:cSld>
+    <p:spTree>
+      <p:nvGrpSpPr>
+        <p:cNvPr id="1" name=""/>
+        <p:cNvGrpSpPr/>
+        <p:nvPr/>
+      </p:nvGrpSpPr>
+      <p:grpSpPr>
+        <a:xfrm>
+          <a:off x="0" y="0"/>
+          <a:ext cx="0" cy="0"/>
+          <a:chOff x="0" y="0"/>
+          <a:chExt cx="0" cy="0"/>
+        </a:xfrm>
+      </p:grpSpPr>
+      <p:sp>
+        <p:nvSpPr>
+          <p:cNvPr id="2" name="Title 1"/>
+          <p:cNvSpPr>
+            <a:spLocks noGrp="1"/>
+          </p:cNvSpPr>
+          <p:nvPr>
+            <p:ph type="title"/>
+          </p:nvPr>
+        </p:nvSpPr>
+        <p:spPr/>
+        <p:txBody>
+          <a:bodyPr/>
+          <a:lstStyle/>
+          <a:p>
+            <a:pPr lvl="0" indent="0" marL="0">
+              <a:buNone/>
+            </a:pPr>
+            <a:r>
+              <a:rPr/>
+              <a:t>Can we rely on asymptotic normality? (1/3)</a:t>
             </a:r>
           </a:p>
         </p:txBody>
@@ -16528,7 +20473,7 @@
 </p:sld>
 </file>
 
-<file path=ppt/slides/slide40.xml><?xml version="1.0" encoding="utf-8"?>
+<file path=ppt/slides/slide70.xml><?xml version="1.0" encoding="utf-8"?>
 <p:sld xmlns:a="http://schemas.openxmlformats.org/drawingml/2006/main" xmlns:r="http://schemas.openxmlformats.org/officeDocument/2006/relationships" xmlns:p="http://schemas.openxmlformats.org/presentationml/2006/main">
   <p:cSld>
     <p:spTree>
@@ -16565,67 +20510,44 @@
             </a:pPr>
             <a:r>
               <a:rPr/>
-              <a:t>Visualization (1/3)</a:t>
-            </a:r>
-          </a:p>
-        </p:txBody>
-      </p:sp>
-      <p:pic>
-        <p:nvPicPr>
-          <p:cNvPr descr="fig:  ../images/transplant-curves-00.png" id="0" name="Picture 1"/>
-          <p:cNvPicPr>
-            <a:picLocks noGrp="1" noChangeAspect="1"/>
-          </p:cNvPicPr>
-          <p:nvPr/>
-        </p:nvPicPr>
-        <p:blipFill>
-          <a:blip r:embed="rId3"/>
-          <a:stretch>
-            <a:fillRect/>
-          </a:stretch>
-        </p:blipFill>
-        <p:spPr bwMode="auto">
-          <a:xfrm>
-            <a:off x="3619500" y="1600200"/>
-            <a:ext cx="4953000" cy="4013200"/>
-          </a:xfrm>
-          <a:prstGeom prst="rect">
-            <a:avLst/>
-          </a:prstGeom>
-          <a:noFill/>
-          <a:ln w="9525">
-            <a:noFill/>
-            <a:headEnd/>
-            <a:tailEnd/>
-          </a:ln>
-        </p:spPr>
-      </p:pic>
-      <p:sp>
-        <p:nvSpPr>
-          <p:cNvPr id="1" name="TextBox 3"/>
-          <p:cNvSpPr txBox="1"/>
-          <p:nvPr/>
-        </p:nvSpPr>
-        <p:spPr>
-          <a:xfrm>
-            <a:off x="609600" y="5613400"/>
-            <a:ext cx="10972800" cy="508000"/>
-          </a:xfrm>
-          <a:prstGeom prst="rect">
-            <a:avLst/>
-          </a:prstGeom>
-          <a:noFill/>
-        </p:spPr>
-        <p:txBody>
-          <a:bodyPr/>
-          <a:lstStyle/>
-          <a:p>
-            <a:pPr lvl="0" indent="0" marL="0" algn="ctr">
-              <a:buNone/>
-            </a:pPr>
-            <a:r>
-              <a:rPr/>
-              <a:t>Figure 15. Age changes in risk for heart transplant patients</a:t>
+              <a:t>Multiple groups</a:t>
+            </a:r>
+          </a:p>
+        </p:txBody>
+      </p:sp>
+      <p:sp>
+        <p:nvSpPr>
+          <p:cNvPr id="3" name="Content Placeholder 2"/>
+          <p:cNvSpPr>
+            <a:spLocks noGrp="1"/>
+          </p:cNvSpPr>
+          <p:nvPr>
+            <p:ph idx="1"/>
+          </p:nvPr>
+        </p:nvSpPr>
+        <p:spPr/>
+        <p:txBody>
+          <a:bodyPr/>
+          <a:lstStyle/>
+          <a:p>
+            <a:pPr lvl="0"/>
+            <a:r>
+              <a:rPr/>
+              <a:t>Do you allow the group sizes to vary?</a:t>
+            </a:r>
+          </a:p>
+          <a:p>
+            <a:pPr lvl="0"/>
+            <a:r>
+              <a:rPr/>
+              <a:t>Stratified bootstrap</a:t>
+            </a:r>
+          </a:p>
+          <a:p>
+            <a:pPr lvl="1"/>
+            <a:r>
+              <a:rPr/>
+              <a:t>Two group example</a:t>
             </a:r>
           </a:p>
         </p:txBody>
@@ -16635,7 +20557,7 @@
 </p:sld>
 </file>
 
-<file path=ppt/slides/slide41.xml><?xml version="1.0" encoding="utf-8"?>
+<file path=ppt/slides/slide71.xml><?xml version="1.0" encoding="utf-8"?>
 <p:sld xmlns:a="http://schemas.openxmlformats.org/drawingml/2006/main" xmlns:r="http://schemas.openxmlformats.org/officeDocument/2006/relationships" xmlns:p="http://schemas.openxmlformats.org/presentationml/2006/main">
   <p:cSld>
     <p:spTree>
@@ -16672,67 +20594,79 @@
             </a:pPr>
             <a:r>
               <a:rPr/>
-              <a:t>Visualization (2/3)</a:t>
-            </a:r>
-          </a:p>
-        </p:txBody>
-      </p:sp>
-      <p:pic>
-        <p:nvPicPr>
-          <p:cNvPr descr="fig:  ../images/transplant-curves.png" id="0" name="Picture 1"/>
-          <p:cNvPicPr>
-            <a:picLocks noGrp="1" noChangeAspect="1"/>
-          </p:cNvPicPr>
-          <p:nvPr/>
-        </p:nvPicPr>
-        <p:blipFill>
-          <a:blip r:embed="rId3"/>
-          <a:stretch>
-            <a:fillRect/>
-          </a:stretch>
-        </p:blipFill>
-        <p:spPr bwMode="auto">
-          <a:xfrm>
-            <a:off x="4064000" y="1600200"/>
-            <a:ext cx="4064000" cy="4013200"/>
-          </a:xfrm>
-          <a:prstGeom prst="rect">
-            <a:avLst/>
-          </a:prstGeom>
-          <a:noFill/>
-          <a:ln w="9525">
-            <a:noFill/>
-            <a:headEnd/>
-            <a:tailEnd/>
-          </a:ln>
-        </p:spPr>
-      </p:pic>
-      <p:sp>
-        <p:nvSpPr>
-          <p:cNvPr id="1" name="TextBox 3"/>
-          <p:cNvSpPr txBox="1"/>
-          <p:nvPr/>
-        </p:nvSpPr>
-        <p:spPr>
-          <a:xfrm>
-            <a:off x="609600" y="5613400"/>
-            <a:ext cx="10972800" cy="508000"/>
-          </a:xfrm>
-          <a:prstGeom prst="rect">
-            <a:avLst/>
-          </a:prstGeom>
-          <a:noFill/>
-        </p:spPr>
-        <p:txBody>
-          <a:bodyPr/>
-          <a:lstStyle/>
-          <a:p>
-            <a:pPr lvl="0" indent="0" marL="0" algn="ctr">
-              <a:buNone/>
-            </a:pPr>
-            <a:r>
-              <a:rPr/>
-              <a:t>Figure 16. Age changes in risk using bootstrap samples</a:t>
+              <a:t>Time series</a:t>
+            </a:r>
+          </a:p>
+        </p:txBody>
+      </p:sp>
+      <p:sp>
+        <p:nvSpPr>
+          <p:cNvPr id="3" name="Content Placeholder 2"/>
+          <p:cNvSpPr>
+            <a:spLocks noGrp="1"/>
+          </p:cNvSpPr>
+          <p:nvPr>
+            <p:ph idx="1"/>
+          </p:nvPr>
+        </p:nvSpPr>
+        <p:spPr/>
+        <p:txBody>
+          <a:bodyPr/>
+          <a:lstStyle/>
+          <a:p>
+            <a:pPr lvl="0"/>
+            <a:r>
+              <a:rPr/>
+              <a:t>Simple bootstrap destroys important features of time series models</a:t>
+            </a:r>
+          </a:p>
+          <a:p>
+            <a:pPr lvl="1"/>
+            <a:r>
+              <a:rPr/>
+              <a:t>Evenly spaced observations</a:t>
+            </a:r>
+          </a:p>
+          <a:p>
+            <a:pPr lvl="1"/>
+            <a:r>
+              <a:rPr/>
+              <a:t>Serial correlation</a:t>
+            </a:r>
+          </a:p>
+          <a:p>
+            <a:pPr lvl="1"/>
+            <a:r>
+              <a:rPr/>
+              <a:t>Seasonality</a:t>
+            </a:r>
+          </a:p>
+          <a:p>
+            <a:pPr lvl="1"/>
+            <a:r>
+              <a:rPr/>
+              <a:t>Temporal trends</a:t>
+            </a:r>
+          </a:p>
+          <a:p>
+            <a:pPr lvl="0"/>
+            <a:r>
+              <a:rPr/>
+              <a:t>Solutions</a:t>
+            </a:r>
+          </a:p>
+          <a:p>
+            <a:pPr lvl="1"/>
+            <a:r>
+              <a:rPr/>
+              <a:t>Bootstrap blocks of consecutive observations</a:t>
+            </a:r>
+          </a:p>
+          <a:p>
+            <a:pPr lvl="1"/>
+            <a:r>
+              <a:rPr/>
+              <a:t>Detrend/decompose the time series</a:t>
             </a:r>
           </a:p>
         </p:txBody>
@@ -16742,7 +20676,7 @@
 </p:sld>
 </file>
 
-<file path=ppt/slides/slide42.xml><?xml version="1.0" encoding="utf-8"?>
+<file path=ppt/slides/slide72.xml><?xml version="1.0" encoding="utf-8"?>
 <p:sld xmlns:a="http://schemas.openxmlformats.org/drawingml/2006/main" xmlns:r="http://schemas.openxmlformats.org/officeDocument/2006/relationships" xmlns:p="http://schemas.openxmlformats.org/presentationml/2006/main">
   <p:cSld>
     <p:spTree>
@@ -16779,67 +20713,44 @@
             </a:pPr>
             <a:r>
               <a:rPr/>
-              <a:t>Visualization (3/3)</a:t>
-            </a:r>
-          </a:p>
-        </p:txBody>
-      </p:sp>
-      <p:pic>
-        <p:nvPicPr>
-          <p:cNvPr descr="fig:  ../images/bootstrap-map.png" id="0" name="Picture 1"/>
-          <p:cNvPicPr>
-            <a:picLocks noGrp="1" noChangeAspect="1"/>
-          </p:cNvPicPr>
-          <p:nvPr/>
-        </p:nvPicPr>
-        <p:blipFill>
-          <a:blip r:embed="rId3"/>
-          <a:stretch>
-            <a:fillRect/>
-          </a:stretch>
-        </p:blipFill>
-        <p:spPr bwMode="auto">
-          <a:xfrm>
-            <a:off x="3962400" y="1600200"/>
-            <a:ext cx="4267200" cy="4013200"/>
-          </a:xfrm>
-          <a:prstGeom prst="rect">
-            <a:avLst/>
-          </a:prstGeom>
-          <a:noFill/>
-          <a:ln w="9525">
-            <a:noFill/>
-            <a:headEnd/>
-            <a:tailEnd/>
-          </a:ln>
-        </p:spPr>
-      </p:pic>
-      <p:sp>
-        <p:nvSpPr>
-          <p:cNvPr id="1" name="TextBox 3"/>
-          <p:cNvSpPr txBox="1"/>
-          <p:nvPr/>
-        </p:nvSpPr>
-        <p:spPr>
-          <a:xfrm>
-            <a:off x="609600" y="5613400"/>
-            <a:ext cx="10972800" cy="508000"/>
-          </a:xfrm>
-          <a:prstGeom prst="rect">
-            <a:avLst/>
-          </a:prstGeom>
-          <a:noFill/>
-        </p:spPr>
-        <p:txBody>
-          <a:bodyPr/>
-          <a:lstStyle/>
-          <a:p>
-            <a:pPr lvl="0" indent="0" marL="0" algn="ctr">
-              <a:buNone/>
-            </a:pPr>
-            <a:r>
-              <a:rPr/>
-              <a:t>Figure 17. Map</a:t>
+              <a:t>Regression models</a:t>
+            </a:r>
+          </a:p>
+        </p:txBody>
+      </p:sp>
+      <p:sp>
+        <p:nvSpPr>
+          <p:cNvPr id="3" name="Content Placeholder 2"/>
+          <p:cNvSpPr>
+            <a:spLocks noGrp="1"/>
+          </p:cNvSpPr>
+          <p:nvPr>
+            <p:ph idx="1"/>
+          </p:nvPr>
+        </p:nvSpPr>
+        <p:spPr/>
+        <p:txBody>
+          <a:bodyPr/>
+          <a:lstStyle/>
+          <a:p>
+            <a:pPr lvl="0"/>
+            <a:r>
+              <a:rPr/>
+              <a:t>Subsample may have perfect collinearity</a:t>
+            </a:r>
+          </a:p>
+          <a:p>
+            <a:pPr lvl="0"/>
+            <a:r>
+              <a:rPr/>
+              <a:t>Are the independent variables fixed or random?</a:t>
+            </a:r>
+          </a:p>
+          <a:p>
+            <a:pPr lvl="0"/>
+            <a:r>
+              <a:rPr/>
+              <a:t>Solution: bootstrap residuals</a:t>
             </a:r>
           </a:p>
         </p:txBody>
@@ -16849,7 +20760,7 @@
 </p:sld>
 </file>
 
-<file path=ppt/slides/slide43.xml><?xml version="1.0" encoding="utf-8"?>
+<file path=ppt/slides/slide73.xml><?xml version="1.0" encoding="utf-8"?>
 <p:sld xmlns:a="http://schemas.openxmlformats.org/drawingml/2006/main" xmlns:r="http://schemas.openxmlformats.org/officeDocument/2006/relationships" xmlns:p="http://schemas.openxmlformats.org/presentationml/2006/main">
   <p:cSld>
     <p:spTree>
@@ -16886,7 +20797,7 @@
             </a:pPr>
             <a:r>
               <a:rPr/>
-              <a:t>How many bootstraps?</a:t>
+              <a:t>Final bits of advice (1/2)</a:t>
             </a:r>
           </a:p>
         </p:txBody>
@@ -16909,21 +20820,49 @@
             <a:pPr lvl="0"/>
             <a:r>
               <a:rPr/>
-              <a:t>For estimating bias or a standard error: 50 to 100</a:t>
+              <a:t>Situations where the bootstrap performs poorly</a:t>
+            </a:r>
+          </a:p>
+          <a:p>
+            <a:pPr lvl="1"/>
+            <a:r>
+              <a:rPr/>
+              <a:t>Data from “weird” distributions</a:t>
+            </a:r>
+          </a:p>
+          <a:p>
+            <a:pPr lvl="1"/>
+            <a:r>
+              <a:rPr/>
+              <a:t>Statistics at or near the extremes</a:t>
             </a:r>
           </a:p>
           <a:p>
             <a:pPr lvl="0"/>
             <a:r>
               <a:rPr/>
-              <a:t>For confidence intervals or hypothesis tests: 500 to 1,000</a:t>
-            </a:r>
-          </a:p>
-          <a:p>
-            <a:pPr lvl="0"/>
-            <a:r>
-              <a:rPr/>
-              <a:t>For visualization: 10 to 50</a:t>
+              <a:t>Situations where a simple bootstrap performs poorly</a:t>
+            </a:r>
+          </a:p>
+          <a:p>
+            <a:pPr lvl="1"/>
+            <a:r>
+              <a:rPr/>
+              <a:t>Multiple groups with small sample sizes</a:t>
+            </a:r>
+          </a:p>
+          <a:p>
+            <a:pPr lvl="1"/>
+            <a:r>
+              <a:rPr/>
+              <a:t>Time series models</a:t>
+            </a:r>
+          </a:p>
+          <a:p>
+            <a:pPr lvl="1"/>
+            <a:r>
+              <a:rPr/>
+              <a:t>Regression models</a:t>
             </a:r>
           </a:p>
         </p:txBody>
@@ -16933,7 +20872,7 @@
 </p:sld>
 </file>
 
-<file path=ppt/slides/slide44.xml><?xml version="1.0" encoding="utf-8"?>
+<file path=ppt/slides/slide74.xml><?xml version="1.0" encoding="utf-8"?>
 <p:sld xmlns:a="http://schemas.openxmlformats.org/drawingml/2006/main" xmlns:r="http://schemas.openxmlformats.org/officeDocument/2006/relationships" xmlns:p="http://schemas.openxmlformats.org/presentationml/2006/main">
   <p:cSld>
     <p:spTree>
@@ -16970,7 +20909,7 @@
             </a:pPr>
             <a:r>
               <a:rPr/>
-              <a:t>Break #2</a:t>
+              <a:t>Final bits of advice (2/2)</a:t>
             </a:r>
           </a:p>
         </p:txBody>
@@ -16993,28 +20932,35 @@
             <a:pPr lvl="0"/>
             <a:r>
               <a:rPr/>
-              <a:t>What you have learned</a:t>
+              <a:t>Situations where the bootstrap performs well</a:t>
             </a:r>
           </a:p>
           <a:p>
             <a:pPr lvl="1"/>
             <a:r>
               <a:rPr/>
-              <a:t>Algorithms</a:t>
+              <a:t>Statistics with no known theoretical results</a:t>
+            </a:r>
+          </a:p>
+          <a:p>
+            <a:pPr lvl="1"/>
+            <a:r>
+              <a:rPr/>
+              <a:t>Statistics where approximations are questionable</a:t>
             </a:r>
           </a:p>
           <a:p>
             <a:pPr lvl="0"/>
             <a:r>
               <a:rPr/>
-              <a:t>What’s coming next</a:t>
+              <a:t>But you can’t squeeze blood from a turnip.</a:t>
             </a:r>
           </a:p>
           <a:p>
             <a:pPr lvl="1"/>
             <a:r>
               <a:rPr/>
-              <a:t>Software</a:t>
+              <a:t>Very small sample sizes are still very small sample sizes</a:t>
             </a:r>
           </a:p>
         </p:txBody>
@@ -17024,7 +20970,7 @@
 </p:sld>
 </file>
 
-<file path=ppt/slides/slide45.xml><?xml version="1.0" encoding="utf-8"?>
+<file path=ppt/slides/slide75.xml><?xml version="1.0" encoding="utf-8"?>
 <p:sld xmlns:a="http://schemas.openxmlformats.org/drawingml/2006/main" xmlns:r="http://schemas.openxmlformats.org/officeDocument/2006/relationships" xmlns:p="http://schemas.openxmlformats.org/presentationml/2006/main">
   <p:cSld>
     <p:spTree>
@@ -17061,79 +21007,51 @@
             </a:pPr>
             <a:r>
               <a:rPr/>
+              <a:t>Summary</a:t>
+            </a:r>
+          </a:p>
+        </p:txBody>
+      </p:sp>
+      <p:sp>
+        <p:nvSpPr>
+          <p:cNvPr id="3" name="Content Placeholder 2"/>
+          <p:cNvSpPr>
+            <a:spLocks noGrp="1"/>
+          </p:cNvSpPr>
+          <p:nvPr>
+            <p:ph idx="1"/>
+          </p:nvPr>
+        </p:nvSpPr>
+        <p:spPr/>
+        <p:txBody>
+          <a:bodyPr/>
+          <a:lstStyle/>
+          <a:p>
+            <a:pPr lvl="0"/>
+            <a:r>
+              <a:rPr/>
+              <a:t>History</a:t>
+            </a:r>
+          </a:p>
+          <a:p>
+            <a:pPr lvl="0"/>
+            <a:r>
+              <a:rPr/>
+              <a:t>Algorithms</a:t>
+            </a:r>
+          </a:p>
+          <a:p>
+            <a:pPr lvl="0"/>
+            <a:r>
+              <a:rPr/>
               <a:t>Software</a:t>
             </a:r>
           </a:p>
-        </p:txBody>
-      </p:sp>
-      <p:sp>
-        <p:nvSpPr>
-          <p:cNvPr id="3" name="Content Placeholder 2"/>
-          <p:cNvSpPr>
-            <a:spLocks noGrp="1"/>
-          </p:cNvSpPr>
-          <p:nvPr>
-            <p:ph idx="1"/>
-          </p:nvPr>
-        </p:nvSpPr>
-        <p:spPr/>
-        <p:txBody>
-          <a:bodyPr/>
-          <a:lstStyle/>
           <a:p>
             <a:pPr lvl="0"/>
             <a:r>
               <a:rPr/>
-              <a:t>You should know</a:t>
-            </a:r>
-          </a:p>
-          <a:p>
-            <a:pPr lvl="1"/>
-            <a:r>
-              <a:rPr/>
-              <a:t>How to loop (explicitly or implicitly)</a:t>
-            </a:r>
-          </a:p>
-          <a:p>
-            <a:pPr lvl="1"/>
-            <a:r>
-              <a:rPr/>
-              <a:t>How to extract specific values from the output</a:t>
-            </a:r>
-          </a:p>
-          <a:p>
-            <a:pPr lvl="0"/>
-            <a:r>
-              <a:rPr/>
-              <a:t>Why you should (should not) program a bootstrap</a:t>
-            </a:r>
-          </a:p>
-          <a:p>
-            <a:pPr lvl="0"/>
-            <a:r>
-              <a:rPr/>
-              <a:t>Examples</a:t>
-            </a:r>
-          </a:p>
-          <a:p>
-            <a:pPr lvl="1"/>
-            <a:r>
-              <a:rPr/>
-              <a:t>SAS</a:t>
-            </a:r>
-          </a:p>
-          <a:p>
-            <a:pPr lvl="1"/>
-            <a:r>
-              <a:rPr/>
-              <a:t>Stata</a:t>
-            </a:r>
-          </a:p>
-          <a:p>
-            <a:pPr lvl="1"/>
-            <a:r>
-              <a:rPr/>
-              <a:t>R</a:t>
+              <a:t>Special settings</a:t>
             </a:r>
           </a:p>
         </p:txBody>
@@ -17143,7 +21061,7 @@
 </p:sld>
 </file>
 
-<file path=ppt/slides/slide46.xml><?xml version="1.0" encoding="utf-8"?>
+<file path=ppt/slides/slide76.xml><?xml version="1.0" encoding="utf-8"?>
 <p:sld xmlns:a="http://schemas.openxmlformats.org/drawingml/2006/main" xmlns:r="http://schemas.openxmlformats.org/officeDocument/2006/relationships" xmlns:p="http://schemas.openxmlformats.org/presentationml/2006/main">
   <p:cSld>
     <p:spTree>
@@ -17180,7 +21098,7 @@
             </a:pPr>
             <a:r>
               <a:rPr/>
-              <a:t>Bootstrap in SAS (1/10)</a:t>
+              <a:t>Bibliography</a:t>
             </a:r>
           </a:p>
         </p:txBody>
@@ -17200,25 +21118,30 @@
           <a:bodyPr/>
           <a:lstStyle/>
           <a:p>
-            <a:pPr lvl="0"/>
-            <a:r>
-              <a:rPr/>
-              <a:t>Example taken from UCLA Statistical Methods and Data Analytics site</a:t>
-            </a:r>
-          </a:p>
-          <a:p>
-            <a:pPr lvl="0" indent="0">
-              <a:buNone/>
-            </a:pPr>
-            <a:r>
-              <a:rPr>
-                <a:latin typeface="Courier"/>
-              </a:rPr>
-              <a:t>ods output FitStatistics = t0;
-proc reg data = hsb2;
-  model read = female math write ses;
-run;
-quit;</a:t>
+            <a:pPr lvl="0" indent="0" marL="0">
+              <a:buNone/>
+            </a:pPr>
+            <a:r>
+              <a:rPr/>
+              <a:t>Persi Diaconis, Bradley Efron. Computer-intensive Methods in Statistics. Scientific American, 1983, 248(5), 116-130.</a:t>
+            </a:r>
+          </a:p>
+          <a:p>
+            <a:pPr lvl="0" indent="0" marL="0">
+              <a:buNone/>
+            </a:pPr>
+            <a:r>
+              <a:rPr/>
+              <a:t>Bradley Efron, Gail Gong. A Leisurely Look at the Bootstrap, Jackknife, and Cross-Validation. The American Statistician, 1983, 37(1), 36-48.</a:t>
+            </a:r>
+          </a:p>
+          <a:p>
+            <a:pPr lvl="0" indent="0" marL="0">
+              <a:buNone/>
+            </a:pPr>
+            <a:r>
+              <a:rPr/>
+              <a:t>Bradley Efron, Robert Tibshirani. Bootstrap Methods for Standard Errors, Confidence Intervals, and Other Measures of Statistical Accuracy. Statistical Science, 1986, 1(1), 54-75.</a:t>
             </a:r>
           </a:p>
         </p:txBody>
@@ -17228,7 +21151,7 @@
 </p:sld>
 </file>
 
-<file path=ppt/slides/slide47.xml><?xml version="1.0" encoding="utf-8"?>
+<file path=ppt/slides/slide8.xml><?xml version="1.0" encoding="utf-8"?>
 <p:sld xmlns:a="http://schemas.openxmlformats.org/drawingml/2006/main" xmlns:r="http://schemas.openxmlformats.org/officeDocument/2006/relationships" xmlns:p="http://schemas.openxmlformats.org/presentationml/2006/main">
   <p:cSld>
     <p:spTree>
@@ -17265,244 +21188,7 @@
             </a:pPr>
             <a:r>
               <a:rPr/>
-              <a:t>Bootstrap in SAS (2/10)</a:t>
-            </a:r>
-          </a:p>
-        </p:txBody>
-      </p:sp>
-      <p:sp>
-        <p:nvSpPr>
-          <p:cNvPr id="3" name="Content Placeholder 2"/>
-          <p:cNvSpPr>
-            <a:spLocks noGrp="1"/>
-          </p:cNvSpPr>
-          <p:nvPr>
-            <p:ph idx="1"/>
-          </p:nvPr>
-        </p:nvSpPr>
-        <p:spPr/>
-        <p:txBody>
-          <a:bodyPr/>
-          <a:lstStyle/>
-          <a:p>
-            <a:pPr lvl="0" indent="0">
-              <a:buNone/>
-            </a:pPr>
-            <a:r>
-              <a:rPr>
-                <a:latin typeface="Courier"/>
-              </a:rPr>
-              <a:t>*store the estimated r-square;
-data _null_;
- set t0;
- if label2 =  "R-Square" then 
- call symput('r2bar', cvalue2);
-run;</a:t>
-            </a:r>
-          </a:p>
-        </p:txBody>
-      </p:sp>
-    </p:spTree>
-  </p:cSld>
-</p:sld>
-</file>
-
-<file path=ppt/slides/slide48.xml><?xml version="1.0" encoding="utf-8"?>
-<p:sld xmlns:a="http://schemas.openxmlformats.org/drawingml/2006/main" xmlns:r="http://schemas.openxmlformats.org/officeDocument/2006/relationships" xmlns:p="http://schemas.openxmlformats.org/presentationml/2006/main">
-  <p:cSld>
-    <p:spTree>
-      <p:nvGrpSpPr>
-        <p:cNvPr id="1" name=""/>
-        <p:cNvGrpSpPr/>
-        <p:nvPr/>
-      </p:nvGrpSpPr>
-      <p:grpSpPr>
-        <a:xfrm>
-          <a:off x="0" y="0"/>
-          <a:ext cx="0" cy="0"/>
-          <a:chOff x="0" y="0"/>
-          <a:chExt cx="0" cy="0"/>
-        </a:xfrm>
-      </p:grpSpPr>
-      <p:sp>
-        <p:nvSpPr>
-          <p:cNvPr id="2" name="Title 1"/>
-          <p:cNvSpPr>
-            <a:spLocks noGrp="1"/>
-          </p:cNvSpPr>
-          <p:nvPr>
-            <p:ph type="title"/>
-          </p:nvPr>
-        </p:nvSpPr>
-        <p:spPr/>
-        <p:txBody>
-          <a:bodyPr/>
-          <a:lstStyle/>
-          <a:p>
-            <a:pPr lvl="0" indent="0" marL="0">
-              <a:buNone/>
-            </a:pPr>
-            <a:r>
-              <a:rPr/>
-              <a:t>Bootstrap in SAS (3/10)</a:t>
-            </a:r>
-          </a:p>
-        </p:txBody>
-      </p:sp>
-      <p:sp>
-        <p:nvSpPr>
-          <p:cNvPr id="3" name="Content Placeholder 2"/>
-          <p:cNvSpPr>
-            <a:spLocks noGrp="1"/>
-          </p:cNvSpPr>
-          <p:nvPr>
-            <p:ph idx="1"/>
-          </p:nvPr>
-        </p:nvSpPr>
-        <p:spPr/>
-        <p:txBody>
-          <a:bodyPr/>
-          <a:lstStyle/>
-          <a:p>
-            <a:pPr lvl="0" indent="0">
-              <a:buNone/>
-            </a:pPr>
-            <a:r>
-              <a:rPr>
-                <a:latin typeface="Courier"/>
-              </a:rPr>
-              <a:t>%let rep = 500;
-proc surveyselect data= hsb2 out=bootsample
-     seed = 1347 method = urs
-     samprate = 1 outhits rep = &amp;rep;
-run;
-ods listing close;</a:t>
-            </a:r>
-          </a:p>
-        </p:txBody>
-      </p:sp>
-    </p:spTree>
-  </p:cSld>
-</p:sld>
-</file>
-
-<file path=ppt/slides/slide49.xml><?xml version="1.0" encoding="utf-8"?>
-<p:sld xmlns:a="http://schemas.openxmlformats.org/drawingml/2006/main" xmlns:r="http://schemas.openxmlformats.org/officeDocument/2006/relationships" xmlns:p="http://schemas.openxmlformats.org/presentationml/2006/main">
-  <p:cSld>
-    <p:spTree>
-      <p:nvGrpSpPr>
-        <p:cNvPr id="1" name=""/>
-        <p:cNvGrpSpPr/>
-        <p:nvPr/>
-      </p:nvGrpSpPr>
-      <p:grpSpPr>
-        <a:xfrm>
-          <a:off x="0" y="0"/>
-          <a:ext cx="0" cy="0"/>
-          <a:chOff x="0" y="0"/>
-          <a:chExt cx="0" cy="0"/>
-        </a:xfrm>
-      </p:grpSpPr>
-      <p:sp>
-        <p:nvSpPr>
-          <p:cNvPr id="2" name="Title 1"/>
-          <p:cNvSpPr>
-            <a:spLocks noGrp="1"/>
-          </p:cNvSpPr>
-          <p:nvPr>
-            <p:ph type="title"/>
-          </p:nvPr>
-        </p:nvSpPr>
-        <p:spPr/>
-        <p:txBody>
-          <a:bodyPr/>
-          <a:lstStyle/>
-          <a:p>
-            <a:pPr lvl="0" indent="0" marL="0">
-              <a:buNone/>
-            </a:pPr>
-            <a:r>
-              <a:rPr/>
-              <a:t>Bootstrap in SAS (4/10)</a:t>
-            </a:r>
-          </a:p>
-        </p:txBody>
-      </p:sp>
-      <p:sp>
-        <p:nvSpPr>
-          <p:cNvPr id="3" name="Content Placeholder 2"/>
-          <p:cNvSpPr>
-            <a:spLocks noGrp="1"/>
-          </p:cNvSpPr>
-          <p:nvPr>
-            <p:ph idx="1"/>
-          </p:nvPr>
-        </p:nvSpPr>
-        <p:spPr/>
-        <p:txBody>
-          <a:bodyPr/>
-          <a:lstStyle/>
-          <a:p>
-            <a:pPr lvl="0" indent="0">
-              <a:buNone/>
-            </a:pPr>
-            <a:r>
-              <a:rPr>
-                <a:latin typeface="Courier"/>
-              </a:rPr>
-              <a:t>Sample Size                       200
-Expected Number of Hits             1
-Sampling Weight                     1
-Number of Replicates              500
-Total Sample Size              100000
-Output Data Set            BOOTSAMPLE</a:t>
-            </a:r>
-          </a:p>
-        </p:txBody>
-      </p:sp>
-    </p:spTree>
-  </p:cSld>
-</p:sld>
-</file>
-
-<file path=ppt/slides/slide5.xml><?xml version="1.0" encoding="utf-8"?>
-<p:sld xmlns:a="http://schemas.openxmlformats.org/drawingml/2006/main" xmlns:r="http://schemas.openxmlformats.org/officeDocument/2006/relationships" xmlns:p="http://schemas.openxmlformats.org/presentationml/2006/main">
-  <p:cSld>
-    <p:spTree>
-      <p:nvGrpSpPr>
-        <p:cNvPr id="1" name=""/>
-        <p:cNvGrpSpPr/>
-        <p:nvPr/>
-      </p:nvGrpSpPr>
-      <p:grpSpPr>
-        <a:xfrm>
-          <a:off x="0" y="0"/>
-          <a:ext cx="0" cy="0"/>
-          <a:chOff x="0" y="0"/>
-          <a:chExt cx="0" cy="0"/>
-        </a:xfrm>
-      </p:grpSpPr>
-      <p:sp>
-        <p:nvSpPr>
-          <p:cNvPr id="2" name="Title 1"/>
-          <p:cNvSpPr>
-            <a:spLocks noGrp="1"/>
-          </p:cNvSpPr>
-          <p:nvPr>
-            <p:ph type="title"/>
-          </p:nvPr>
-        </p:nvSpPr>
-        <p:spPr/>
-        <p:txBody>
-          <a:bodyPr/>
-          <a:lstStyle/>
-          <a:p>
-            <a:pPr lvl="0" indent="0" marL="0">
-              <a:buNone/>
-            </a:pPr>
-            <a:r>
-              <a:rPr/>
-              <a:t>Can we rely on asymptotic normality? (2/4)</a:t>
+              <a:t>Can we rely on asymptotic normality? (2/3)</a:t>
             </a:r>
           </a:p>
         </p:txBody>
@@ -17537,1133 +21223,20 @@
                         </m:r>
                       </m:e>
                     </m:acc>
-                    <m:r>
-                      <m:rPr>
-                        <m:sty m:val="p"/>
-                      </m:rPr>
-                      <m:t>=</m:t>
-                    </m:r>
-                    <m:f>
-                      <m:fPr>
-                        <m:type m:val="bar"/>
-                      </m:fPr>
-                      <m:num>
-                        <m:r>
-                          <m:t>1</m:t>
-                        </m:r>
-                      </m:num>
-                      <m:den>
-                        <m:r>
-                          <m:t>n</m:t>
-                        </m:r>
-                      </m:den>
-                    </m:f>
-                    <m:nary>
-                      <m:naryPr>
-                        <m:chr m:val="∑"/>
-                        <m:limLoc m:val="undOvr"/>
-                        <m:subHide m:val="0"/>
-                        <m:supHide m:val="0"/>
-                      </m:naryPr>
-                      <m:sub>
-                        <m:r>
-                          <m:t>i</m:t>
-                        </m:r>
-                        <m:r>
-                          <m:rPr>
-                            <m:sty m:val="p"/>
-                          </m:rPr>
-                          <m:t>=</m:t>
-                        </m:r>
-                        <m:r>
-                          <m:t>1</m:t>
-                        </m:r>
-                      </m:sub>
-                      <m:sup>
-                        <m:r>
-                          <m:t>n</m:t>
-                        </m:r>
-                      </m:sup>
-                      <m:e>
-                        <m:sSub>
-                          <m:e>
-                            <m:r>
-                              <m:t>X</m:t>
-                            </m:r>
-                          </m:e>
-                          <m:sub>
-                            <m:r>
-                              <m:t>i</m:t>
-                            </m:r>
-                          </m:sub>
-                        </m:sSub>
-                      </m:e>
-                    </m:nary>
                   </m:oMath>
                 </a14:m>
                 <a:r>
                   <a:rPr/>
-                  <a:t> is approximately normal if</a:t>
+                  <a:t> is approximately normal</a:t>
                 </a:r>
               </a:p>
               <a:p>
                 <a:pPr lvl="1"/>
                 <a:r>
                   <a:rPr/>
-                  <a:t>The </a:t>
-                </a:r>
-                <a14:m>
-                  <m:oMath xmlns:m="http://schemas.openxmlformats.org/officeDocument/2006/math">
-                    <m:sSub>
-                      <m:e>
-                        <m:r>
-                          <m:t>X</m:t>
-                        </m:r>
-                      </m:e>
-                      <m:sub>
-                        <m:r>
-                          <m:t>i</m:t>
-                        </m:r>
-                      </m:sub>
-                    </m:sSub>
-                  </m:oMath>
-                </a14:m>
-                <a:r>
-                  <a:rPr/>
-                  <a:t> all come from the same distribution</a:t>
+                  <a:t>Even if the individual values are not normal</a:t>
                 </a:r>
               </a:p>
-              <a:p>
-                <a:pPr lvl="1"/>
-                <a:r>
-                  <a:rPr/>
-                  <a:t>The </a:t>
-                </a:r>
-                <a14:m>
-                  <m:oMath xmlns:m="http://schemas.openxmlformats.org/officeDocument/2006/math">
-                    <m:sSub>
-                      <m:e>
-                        <m:r>
-                          <m:t>X</m:t>
-                        </m:r>
-                      </m:e>
-                      <m:sub>
-                        <m:r>
-                          <m:t>i</m:t>
-                        </m:r>
-                      </m:sub>
-                    </m:sSub>
-                  </m:oMath>
-                </a14:m>
-                <a:r>
-                  <a:rPr/>
-                  <a:t> are all independent</a:t>
-                </a:r>
-              </a:p>
-              <a:p>
-                <a:pPr lvl="1"/>
-                <a:r>
-                  <a:rPr/>
-                  <a:t>The </a:t>
-                </a:r>
-                <a14:m>
-                  <m:oMath xmlns:m="http://schemas.openxmlformats.org/officeDocument/2006/math">
-                    <m:sSub>
-                      <m:e>
-                        <m:r>
-                          <m:t>X</m:t>
-                        </m:r>
-                      </m:e>
-                      <m:sub>
-                        <m:r>
-                          <m:t>i</m:t>
-                        </m:r>
-                      </m:sub>
-                    </m:sSub>
-                  </m:oMath>
-                </a14:m>
-                <a:r>
-                  <a:rPr/>
-                  <a:t> have a finite second moment</a:t>
-                </a:r>
-              </a:p>
-              <a:p>
-                <a:pPr lvl="0"/>
-                <a:r>
-                  <a:rPr/>
-                  <a:t>A more precise statement</a:t>
-                </a:r>
-              </a:p>
-              <a:p>
-                <a:pPr lvl="1"/>
-                <a14:m>
-                  <m:oMath xmlns:m="http://schemas.openxmlformats.org/officeDocument/2006/math">
-                    <m:r>
-                      <m:t>l</m:t>
-                    </m:r>
-                    <m:r>
-                      <m:t>i</m:t>
-                    </m:r>
-                    <m:sSub>
-                      <m:e>
-                        <m:r>
-                          <m:t>m</m:t>
-                        </m:r>
-                      </m:e>
-                      <m:sub>
-                        <m:r>
-                          <m:t>n</m:t>
-                        </m:r>
-                        <m:r>
-                          <m:rPr>
-                            <m:sty m:val="p"/>
-                          </m:rPr>
-                          <m:t>→</m:t>
-                        </m:r>
-                        <m:r>
-                          <m:rPr>
-                            <m:sty m:val="p"/>
-                          </m:rPr>
-                          <m:t>∞</m:t>
-                        </m:r>
-                      </m:sub>
-                    </m:sSub>
-                    <m:r>
-                      <m:t> </m:t>
-                    </m:r>
-                    <m:f>
-                      <m:fPr>
-                        <m:type m:val="bar"/>
-                      </m:fPr>
-                      <m:num>
-                        <m:acc>
-                          <m:accPr>
-                            <m:chr m:val="‾"/>
-                          </m:accPr>
-                          <m:e>
-                            <m:r>
-                              <m:t>X</m:t>
-                            </m:r>
-                          </m:e>
-                        </m:acc>
-                        <m:r>
-                          <m:rPr>
-                            <m:sty m:val="p"/>
-                          </m:rPr>
-                          <m:t>−</m:t>
-                        </m:r>
-                        <m:r>
-                          <m:t>μ</m:t>
-                        </m:r>
-                      </m:num>
-                      <m:den>
-                        <m:r>
-                          <m:t>σ</m:t>
-                        </m:r>
-                        <m:rad>
-                          <m:radPr>
-                            <m:degHide m:val="1"/>
-                          </m:radPr>
-                          <m:deg/>
-                          <m:e>
-                            <m:r>
-                              <m:t>n</m:t>
-                            </m:r>
-                          </m:e>
-                        </m:rad>
-                      </m:den>
-                    </m:f>
-                    <m:r>
-                      <m:rPr>
-                        <m:sty m:val="p"/>
-                      </m:rPr>
-                      <m:t>=</m:t>
-                    </m:r>
-                    <m:r>
-                      <m:t>N</m:t>
-                    </m:r>
-                    <m:d>
-                      <m:dPr>
-                        <m:begChr m:val="("/>
-                        <m:endChr m:val=")"/>
-                        <m:sepChr m:val=""/>
-                        <m:grow/>
-                      </m:dPr>
-                      <m:e>
-                        <m:r>
-                          <m:t>0</m:t>
-                        </m:r>
-                        <m:r>
-                          <m:rPr>
-                            <m:sty m:val="p"/>
-                          </m:rPr>
-                          <m:t>,</m:t>
-                        </m:r>
-                        <m:r>
-                          <m:t>1</m:t>
-                        </m:r>
-                      </m:e>
-                    </m:d>
-                  </m:oMath>
-                </a14:m>
-              </a:p>
-            </p:txBody>
-          </p:sp>
-        </mc:Choice>
-      </mc:AlternateContent>
-    </p:spTree>
-  </p:cSld>
-</p:sld>
-</file>
-
-<file path=ppt/slides/slide50.xml><?xml version="1.0" encoding="utf-8"?>
-<p:sld xmlns:a="http://schemas.openxmlformats.org/drawingml/2006/main" xmlns:r="http://schemas.openxmlformats.org/officeDocument/2006/relationships" xmlns:p="http://schemas.openxmlformats.org/presentationml/2006/main">
-  <p:cSld>
-    <p:spTree>
-      <p:nvGrpSpPr>
-        <p:cNvPr id="1" name=""/>
-        <p:cNvGrpSpPr/>
-        <p:nvPr/>
-      </p:nvGrpSpPr>
-      <p:grpSpPr>
-        <a:xfrm>
-          <a:off x="0" y="0"/>
-          <a:ext cx="0" cy="0"/>
-          <a:chOff x="0" y="0"/>
-          <a:chExt cx="0" cy="0"/>
-        </a:xfrm>
-      </p:grpSpPr>
-      <p:sp>
-        <p:nvSpPr>
-          <p:cNvPr id="2" name="Title 1"/>
-          <p:cNvSpPr>
-            <a:spLocks noGrp="1"/>
-          </p:cNvSpPr>
-          <p:nvPr>
-            <p:ph type="title"/>
-          </p:nvPr>
-        </p:nvSpPr>
-        <p:spPr/>
-        <p:txBody>
-          <a:bodyPr/>
-          <a:lstStyle/>
-          <a:p>
-            <a:pPr lvl="0" indent="0" marL="0">
-              <a:buNone/>
-            </a:pPr>
-            <a:r>
-              <a:rPr/>
-              <a:t>Bootstrap in SAS (5/10)</a:t>
-            </a:r>
-          </a:p>
-        </p:txBody>
-      </p:sp>
-      <p:sp>
-        <p:nvSpPr>
-          <p:cNvPr id="3" name="Content Placeholder 2"/>
-          <p:cNvSpPr>
-            <a:spLocks noGrp="1"/>
-          </p:cNvSpPr>
-          <p:nvPr>
-            <p:ph idx="1"/>
-          </p:nvPr>
-        </p:nvSpPr>
-        <p:spPr/>
-        <p:txBody>
-          <a:bodyPr/>
-          <a:lstStyle/>
-          <a:p>
-            <a:pPr lvl="0" indent="0">
-              <a:buNone/>
-            </a:pPr>
-            <a:r>
-              <a:rPr>
-                <a:latin typeface="Courier"/>
-              </a:rPr>
-              <a:t>ods output  FitStatistics = t (where = (label2 =  "R-Square"));
-proc reg data = bootsample;
-  by replicate;
-  model read = female math write ses;
-run;
-quit;</a:t>
-            </a:r>
-          </a:p>
-        </p:txBody>
-      </p:sp>
-    </p:spTree>
-  </p:cSld>
-</p:sld>
-</file>
-
-<file path=ppt/slides/slide51.xml><?xml version="1.0" encoding="utf-8"?>
-<p:sld xmlns:a="http://schemas.openxmlformats.org/drawingml/2006/main" xmlns:r="http://schemas.openxmlformats.org/officeDocument/2006/relationships" xmlns:p="http://schemas.openxmlformats.org/presentationml/2006/main">
-  <p:cSld>
-    <p:spTree>
-      <p:nvGrpSpPr>
-        <p:cNvPr id="1" name=""/>
-        <p:cNvGrpSpPr/>
-        <p:nvPr/>
-      </p:nvGrpSpPr>
-      <p:grpSpPr>
-        <a:xfrm>
-          <a:off x="0" y="0"/>
-          <a:ext cx="0" cy="0"/>
-          <a:chOff x="0" y="0"/>
-          <a:chExt cx="0" cy="0"/>
-        </a:xfrm>
-      </p:grpSpPr>
-      <p:sp>
-        <p:nvSpPr>
-          <p:cNvPr id="2" name="Title 1"/>
-          <p:cNvSpPr>
-            <a:spLocks noGrp="1"/>
-          </p:cNvSpPr>
-          <p:nvPr>
-            <p:ph type="title"/>
-          </p:nvPr>
-        </p:nvSpPr>
-        <p:spPr/>
-        <p:txBody>
-          <a:bodyPr/>
-          <a:lstStyle/>
-          <a:p>
-            <a:pPr lvl="0" indent="0" marL="0">
-              <a:buNone/>
-            </a:pPr>
-            <a:r>
-              <a:rPr/>
-              <a:t>Bootstrap in SAS (6/10)</a:t>
-            </a:r>
-          </a:p>
-        </p:txBody>
-      </p:sp>
-      <p:sp>
-        <p:nvSpPr>
-          <p:cNvPr id="3" name="Content Placeholder 2"/>
-          <p:cNvSpPr>
-            <a:spLocks noGrp="1"/>
-          </p:cNvSpPr>
-          <p:nvPr>
-            <p:ph idx="1"/>
-          </p:nvPr>
-        </p:nvSpPr>
-        <p:spPr/>
-        <p:txBody>
-          <a:bodyPr/>
-          <a:lstStyle/>
-          <a:p>
-            <a:pPr lvl="0" indent="0">
-              <a:buNone/>
-            </a:pPr>
-            <a:r>
-              <a:rPr>
-                <a:latin typeface="Courier"/>
-              </a:rPr>
-              <a:t>* converting character type to numeric type;
-data t1;
-  set t;
-  r2 = cvalue2 + 0;
-run;</a:t>
-            </a:r>
-          </a:p>
-        </p:txBody>
-      </p:sp>
-    </p:spTree>
-  </p:cSld>
-</p:sld>
-</file>
-
-<file path=ppt/slides/slide52.xml><?xml version="1.0" encoding="utf-8"?>
-<p:sld xmlns:a="http://schemas.openxmlformats.org/drawingml/2006/main" xmlns:r="http://schemas.openxmlformats.org/officeDocument/2006/relationships" xmlns:p="http://schemas.openxmlformats.org/presentationml/2006/main">
-  <p:cSld>
-    <p:spTree>
-      <p:nvGrpSpPr>
-        <p:cNvPr id="1" name=""/>
-        <p:cNvGrpSpPr/>
-        <p:nvPr/>
-      </p:nvGrpSpPr>
-      <p:grpSpPr>
-        <a:xfrm>
-          <a:off x="0" y="0"/>
-          <a:ext cx="0" cy="0"/>
-          <a:chOff x="0" y="0"/>
-          <a:chExt cx="0" cy="0"/>
-        </a:xfrm>
-      </p:grpSpPr>
-      <p:sp>
-        <p:nvSpPr>
-          <p:cNvPr id="2" name="Title 1"/>
-          <p:cNvSpPr>
-            <a:spLocks noGrp="1"/>
-          </p:cNvSpPr>
-          <p:nvPr>
-            <p:ph type="title"/>
-          </p:nvPr>
-        </p:nvSpPr>
-        <p:spPr/>
-        <p:txBody>
-          <a:bodyPr/>
-          <a:lstStyle/>
-          <a:p>
-            <a:pPr lvl="0" indent="0" marL="0">
-              <a:buNone/>
-            </a:pPr>
-            <a:r>
-              <a:rPr/>
-              <a:t>Bootstrap in SAS (7/10)</a:t>
-            </a:r>
-          </a:p>
-        </p:txBody>
-      </p:sp>
-      <p:sp>
-        <p:nvSpPr>
-          <p:cNvPr id="3" name="Content Placeholder 2"/>
-          <p:cNvSpPr>
-            <a:spLocks noGrp="1"/>
-          </p:cNvSpPr>
-          <p:nvPr>
-            <p:ph idx="1"/>
-          </p:nvPr>
-        </p:nvSpPr>
-        <p:spPr/>
-        <p:txBody>
-          <a:bodyPr/>
-          <a:lstStyle/>
-          <a:p>
-            <a:pPr lvl="0" indent="0">
-              <a:buNone/>
-            </a:pPr>
-            <a:r>
-              <a:rPr>
-                <a:latin typeface="Courier"/>
-              </a:rPr>
-              <a:t>%let alphalev = .05;
-%let a1 = %sysevalf(&amp;alphalev/2*100);
-%let a2 = %sysevalf((1 - &amp;alphalev/2)*100);</a:t>
-            </a:r>
-          </a:p>
-        </p:txBody>
-      </p:sp>
-    </p:spTree>
-  </p:cSld>
-</p:sld>
-</file>
-
-<file path=ppt/slides/slide53.xml><?xml version="1.0" encoding="utf-8"?>
-<p:sld xmlns:a="http://schemas.openxmlformats.org/drawingml/2006/main" xmlns:r="http://schemas.openxmlformats.org/officeDocument/2006/relationships" xmlns:p="http://schemas.openxmlformats.org/presentationml/2006/main">
-  <p:cSld>
-    <p:spTree>
-      <p:nvGrpSpPr>
-        <p:cNvPr id="1" name=""/>
-        <p:cNvGrpSpPr/>
-        <p:nvPr/>
-      </p:nvGrpSpPr>
-      <p:grpSpPr>
-        <a:xfrm>
-          <a:off x="0" y="0"/>
-          <a:ext cx="0" cy="0"/>
-          <a:chOff x="0" y="0"/>
-          <a:chExt cx="0" cy="0"/>
-        </a:xfrm>
-      </p:grpSpPr>
-      <p:sp>
-        <p:nvSpPr>
-          <p:cNvPr id="2" name="Title 1"/>
-          <p:cNvSpPr>
-            <a:spLocks noGrp="1"/>
-          </p:cNvSpPr>
-          <p:nvPr>
-            <p:ph type="title"/>
-          </p:nvPr>
-        </p:nvSpPr>
-        <p:spPr/>
-        <p:txBody>
-          <a:bodyPr/>
-          <a:lstStyle/>
-          <a:p>
-            <a:pPr lvl="0" indent="0" marL="0">
-              <a:buNone/>
-            </a:pPr>
-            <a:r>
-              <a:rPr/>
-              <a:t>Bootstrap in SAS (8/10)</a:t>
-            </a:r>
-          </a:p>
-        </p:txBody>
-      </p:sp>
-      <p:sp>
-        <p:nvSpPr>
-          <p:cNvPr id="3" name="Content Placeholder 2"/>
-          <p:cNvSpPr>
-            <a:spLocks noGrp="1"/>
-          </p:cNvSpPr>
-          <p:nvPr>
-            <p:ph idx="1"/>
-          </p:nvPr>
-        </p:nvSpPr>
-        <p:spPr/>
-        <p:txBody>
-          <a:bodyPr/>
-          <a:lstStyle/>
-          <a:p>
-            <a:pPr lvl="0" indent="0">
-              <a:buNone/>
-            </a:pPr>
-            <a:r>
-              <a:rPr>
-                <a:latin typeface="Courier"/>
-              </a:rPr>
-              <a:t>* creating confidence interval, percentile method;
-proc univariate data = t1 alpha = .05;
-  var r2;
-  output out=pmethod mean = r2hat pctlpts=&amp;a1 &amp;a2 pctlpre = p pctlname = _lb _ub ;
-run;</a:t>
-            </a:r>
-          </a:p>
-        </p:txBody>
-      </p:sp>
-    </p:spTree>
-  </p:cSld>
-</p:sld>
-</file>
-
-<file path=ppt/slides/slide54.xml><?xml version="1.0" encoding="utf-8"?>
-<p:sld xmlns:a="http://schemas.openxmlformats.org/drawingml/2006/main" xmlns:r="http://schemas.openxmlformats.org/officeDocument/2006/relationships" xmlns:p="http://schemas.openxmlformats.org/presentationml/2006/main">
-  <p:cSld>
-    <p:spTree>
-      <p:nvGrpSpPr>
-        <p:cNvPr id="1" name=""/>
-        <p:cNvGrpSpPr/>
-        <p:nvPr/>
-      </p:nvGrpSpPr>
-      <p:grpSpPr>
-        <a:xfrm>
-          <a:off x="0" y="0"/>
-          <a:ext cx="0" cy="0"/>
-          <a:chOff x="0" y="0"/>
-          <a:chExt cx="0" cy="0"/>
-        </a:xfrm>
-      </p:grpSpPr>
-      <p:sp>
-        <p:nvSpPr>
-          <p:cNvPr id="2" name="Title 1"/>
-          <p:cNvSpPr>
-            <a:spLocks noGrp="1"/>
-          </p:cNvSpPr>
-          <p:nvPr>
-            <p:ph type="title"/>
-          </p:nvPr>
-        </p:nvSpPr>
-        <p:spPr/>
-        <p:txBody>
-          <a:bodyPr/>
-          <a:lstStyle/>
-          <a:p>
-            <a:pPr lvl="0" indent="0" marL="0">
-              <a:buNone/>
-            </a:pPr>
-            <a:r>
-              <a:rPr/>
-              <a:t>Bootstrap in SAS (9/10)</a:t>
-            </a:r>
-          </a:p>
-        </p:txBody>
-      </p:sp>
-      <p:sp>
-        <p:nvSpPr>
-          <p:cNvPr id="3" name="Content Placeholder 2"/>
-          <p:cNvSpPr>
-            <a:spLocks noGrp="1"/>
-          </p:cNvSpPr>
-          <p:nvPr>
-            <p:ph idx="1"/>
-          </p:nvPr>
-        </p:nvSpPr>
-        <p:spPr/>
-        <p:txBody>
-          <a:bodyPr/>
-          <a:lstStyle/>
-          <a:p>
-            <a:pPr lvl="0" indent="0">
-              <a:buNone/>
-            </a:pPr>
-            <a:r>
-              <a:rPr>
-                <a:latin typeface="Courier"/>
-              </a:rPr>
-              <a:t>data t2;
-  set pmethod;
-  bias = r2hat - &amp;r2bar;
-  r2 = &amp;r2bar;
-run;
-ods listing;</a:t>
-            </a:r>
-          </a:p>
-        </p:txBody>
-      </p:sp>
-    </p:spTree>
-  </p:cSld>
-</p:sld>
-</file>
-
-<file path=ppt/slides/slide55.xml><?xml version="1.0" encoding="utf-8"?>
-<p:sld xmlns:a="http://schemas.openxmlformats.org/drawingml/2006/main" xmlns:r="http://schemas.openxmlformats.org/officeDocument/2006/relationships" xmlns:p="http://schemas.openxmlformats.org/presentationml/2006/main">
-  <p:cSld>
-    <p:spTree>
-      <p:nvGrpSpPr>
-        <p:cNvPr id="1" name=""/>
-        <p:cNvGrpSpPr/>
-        <p:nvPr/>
-      </p:nvGrpSpPr>
-      <p:grpSpPr>
-        <a:xfrm>
-          <a:off x="0" y="0"/>
-          <a:ext cx="0" cy="0"/>
-          <a:chOff x="0" y="0"/>
-          <a:chExt cx="0" cy="0"/>
-        </a:xfrm>
-      </p:grpSpPr>
-      <p:sp>
-        <p:nvSpPr>
-          <p:cNvPr id="2" name="Title 1"/>
-          <p:cNvSpPr>
-            <a:spLocks noGrp="1"/>
-          </p:cNvSpPr>
-          <p:nvPr>
-            <p:ph type="title"/>
-          </p:nvPr>
-        </p:nvSpPr>
-        <p:spPr/>
-        <p:txBody>
-          <a:bodyPr/>
-          <a:lstStyle/>
-          <a:p>
-            <a:pPr lvl="0" indent="0" marL="0">
-              <a:buNone/>
-            </a:pPr>
-            <a:r>
-              <a:rPr/>
-              <a:t>Bootstrap in SAS (10/10)</a:t>
-            </a:r>
-          </a:p>
-        </p:txBody>
-      </p:sp>
-      <p:sp>
-        <p:nvSpPr>
-          <p:cNvPr id="3" name="Content Placeholder 2"/>
-          <p:cNvSpPr>
-            <a:spLocks noGrp="1"/>
-          </p:cNvSpPr>
-          <p:nvPr>
-            <p:ph idx="1"/>
-          </p:nvPr>
-        </p:nvSpPr>
-        <p:spPr/>
-        <p:txBody>
-          <a:bodyPr/>
-          <a:lstStyle/>
-          <a:p>
-            <a:pPr lvl="0" indent="0">
-              <a:buNone/>
-            </a:pPr>
-            <a:r>
-              <a:rPr>
-                <a:latin typeface="Courier"/>
-              </a:rPr>
-              <a:t>proc print data  = t2;
-  var r2 bias p_lb p_ub;
-run;
-Obs        r2        bias   
- 1     0.5189    .0066164 
-         p_lb      p_ub
-        0.436    0.6017     </a:t>
-            </a:r>
-          </a:p>
-        </p:txBody>
-      </p:sp>
-    </p:spTree>
-  </p:cSld>
-</p:sld>
-</file>
-
-<file path=ppt/slides/slide56.xml><?xml version="1.0" encoding="utf-8"?>
-<p:sld xmlns:a="http://schemas.openxmlformats.org/drawingml/2006/main" xmlns:r="http://schemas.openxmlformats.org/officeDocument/2006/relationships" xmlns:p="http://schemas.openxmlformats.org/presentationml/2006/main">
-  <p:cSld>
-    <p:spTree>
-      <p:nvGrpSpPr>
-        <p:cNvPr id="1" name=""/>
-        <p:cNvGrpSpPr/>
-        <p:nvPr/>
-      </p:nvGrpSpPr>
-      <p:grpSpPr>
-        <a:xfrm>
-          <a:off x="0" y="0"/>
-          <a:ext cx="0" cy="0"/>
-          <a:chOff x="0" y="0"/>
-          <a:chExt cx="0" cy="0"/>
-        </a:xfrm>
-      </p:grpSpPr>
-      <p:sp>
-        <p:nvSpPr>
-          <p:cNvPr id="2" name="Title 1"/>
-          <p:cNvSpPr>
-            <a:spLocks noGrp="1"/>
-          </p:cNvSpPr>
-          <p:nvPr>
-            <p:ph type="title"/>
-          </p:nvPr>
-        </p:nvSpPr>
-        <p:spPr/>
-        <p:txBody>
-          <a:bodyPr/>
-          <a:lstStyle/>
-          <a:p>
-            <a:pPr lvl="0" indent="0" marL="0">
-              <a:buNone/>
-            </a:pPr>
-            <a:r>
-              <a:rPr/>
-              <a:t>Bootstrap in Stata (1/4)</a:t>
-            </a:r>
-          </a:p>
-        </p:txBody>
-      </p:sp>
-      <p:sp>
-        <p:nvSpPr>
-          <p:cNvPr id="3" name="Content Placeholder 2"/>
-          <p:cNvSpPr>
-            <a:spLocks noGrp="1"/>
-          </p:cNvSpPr>
-          <p:nvPr>
-            <p:ph idx="1"/>
-          </p:nvPr>
-        </p:nvSpPr>
-        <p:spPr/>
-        <p:txBody>
-          <a:bodyPr/>
-          <a:lstStyle/>
-          <a:p>
-            <a:pPr lvl="0"/>
-            <a:r>
-              <a:rPr/>
-              <a:t>A bit easier</a:t>
-            </a:r>
-          </a:p>
-          <a:p>
-            <a:pPr lvl="1"/>
-            <a:r>
-              <a:rPr/>
-              <a:t>Built-in bootstrap command</a:t>
-            </a:r>
-          </a:p>
-          <a:p>
-            <a:pPr lvl="1"/>
-            <a:r>
-              <a:rPr/>
-              <a:t>Simpler handling of output</a:t>
-            </a:r>
-          </a:p>
-          <a:p>
-            <a:pPr lvl="0"/>
-            <a:r>
-              <a:rPr/>
-              <a:t>Example taken from UCLA Statistical Methods and Data Analytics site</a:t>
-            </a:r>
-          </a:p>
-        </p:txBody>
-      </p:sp>
-    </p:spTree>
-  </p:cSld>
-</p:sld>
-</file>
-
-<file path=ppt/slides/slide57.xml><?xml version="1.0" encoding="utf-8"?>
-<p:sld xmlns:a="http://schemas.openxmlformats.org/drawingml/2006/main" xmlns:r="http://schemas.openxmlformats.org/officeDocument/2006/relationships" xmlns:p="http://schemas.openxmlformats.org/presentationml/2006/main">
-  <p:cSld>
-    <p:spTree>
-      <p:nvGrpSpPr>
-        <p:cNvPr id="1" name=""/>
-        <p:cNvGrpSpPr/>
-        <p:nvPr/>
-      </p:nvGrpSpPr>
-      <p:grpSpPr>
-        <a:xfrm>
-          <a:off x="0" y="0"/>
-          <a:ext cx="0" cy="0"/>
-          <a:chOff x="0" y="0"/>
-          <a:chExt cx="0" cy="0"/>
-        </a:xfrm>
-      </p:grpSpPr>
-      <p:sp>
-        <p:nvSpPr>
-          <p:cNvPr id="2" name="Title 1"/>
-          <p:cNvSpPr>
-            <a:spLocks noGrp="1"/>
-          </p:cNvSpPr>
-          <p:nvPr>
-            <p:ph type="title"/>
-          </p:nvPr>
-        </p:nvSpPr>
-        <p:spPr/>
-        <p:txBody>
-          <a:bodyPr/>
-          <a:lstStyle/>
-          <a:p>
-            <a:pPr lvl="0" indent="0" marL="0">
-              <a:buNone/>
-            </a:pPr>
-            <a:r>
-              <a:rPr/>
-              <a:t>Bootstrap in Stata (2/4)</a:t>
-            </a:r>
-          </a:p>
-        </p:txBody>
-      </p:sp>
-      <p:sp>
-        <p:nvSpPr>
-          <p:cNvPr id="3" name="Content Placeholder 2"/>
-          <p:cNvSpPr>
-            <a:spLocks noGrp="1"/>
-          </p:cNvSpPr>
-          <p:nvPr>
-            <p:ph idx="1"/>
-          </p:nvPr>
-        </p:nvSpPr>
-        <p:spPr/>
-        <p:txBody>
-          <a:bodyPr/>
-          <a:lstStyle/>
-          <a:p>
-            <a:pPr lvl="0" indent="0">
-              <a:buNone/>
-            </a:pPr>
-            <a:r>
-              <a:rPr>
-                <a:latin typeface="Courier"/>
-              </a:rPr>
-              <a:t>use http://statistics.ats.ucla.edu/stat/stata/notes/hsb2, clear
-regress read female math write ses</a:t>
-            </a:r>
-          </a:p>
-        </p:txBody>
-      </p:sp>
-    </p:spTree>
-  </p:cSld>
-</p:sld>
-</file>
-
-<file path=ppt/slides/slide58.xml><?xml version="1.0" encoding="utf-8"?>
-<p:sld xmlns:a="http://schemas.openxmlformats.org/drawingml/2006/main" xmlns:r="http://schemas.openxmlformats.org/officeDocument/2006/relationships" xmlns:p="http://schemas.openxmlformats.org/presentationml/2006/main">
-  <p:cSld>
-    <p:spTree>
-      <p:nvGrpSpPr>
-        <p:cNvPr id="1" name=""/>
-        <p:cNvGrpSpPr/>
-        <p:nvPr/>
-      </p:nvGrpSpPr>
-      <p:grpSpPr>
-        <a:xfrm>
-          <a:off x="0" y="0"/>
-          <a:ext cx="0" cy="0"/>
-          <a:chOff x="0" y="0"/>
-          <a:chExt cx="0" cy="0"/>
-        </a:xfrm>
-      </p:grpSpPr>
-      <p:sp>
-        <p:nvSpPr>
-          <p:cNvPr id="2" name="Title 1"/>
-          <p:cNvSpPr>
-            <a:spLocks noGrp="1"/>
-          </p:cNvSpPr>
-          <p:nvPr>
-            <p:ph type="title"/>
-          </p:nvPr>
-        </p:nvSpPr>
-        <p:spPr/>
-        <p:txBody>
-          <a:bodyPr/>
-          <a:lstStyle/>
-          <a:p>
-            <a:pPr lvl="0" indent="0" marL="0">
-              <a:buNone/>
-            </a:pPr>
-            <a:r>
-              <a:rPr/>
-              <a:t>Bootstrap in Stata (3/4)</a:t>
-            </a:r>
-          </a:p>
-        </p:txBody>
-      </p:sp>
-      <p:sp>
-        <p:nvSpPr>
-          <p:cNvPr id="3" name="Content Placeholder 2"/>
-          <p:cNvSpPr>
-            <a:spLocks noGrp="1"/>
-          </p:cNvSpPr>
-          <p:nvPr>
-            <p:ph idx="1"/>
-          </p:nvPr>
-        </p:nvSpPr>
-        <p:spPr/>
-        <p:txBody>
-          <a:bodyPr/>
-          <a:lstStyle/>
-          <a:p>
-            <a:pPr lvl="0" indent="0">
-              <a:buNone/>
-            </a:pPr>
-            <a:r>
-              <a:rPr>
-                <a:latin typeface="Courier"/>
-              </a:rPr>
-              <a:t>bootstrap rmse=e(rmse), reps(100) seed(12345): regress read female math write ses</a:t>
-            </a:r>
-          </a:p>
-        </p:txBody>
-      </p:sp>
-    </p:spTree>
-  </p:cSld>
-</p:sld>
-</file>
-
-<file path=ppt/slides/slide59.xml><?xml version="1.0" encoding="utf-8"?>
-<p:sld xmlns:a="http://schemas.openxmlformats.org/drawingml/2006/main" xmlns:r="http://schemas.openxmlformats.org/officeDocument/2006/relationships" xmlns:p="http://schemas.openxmlformats.org/presentationml/2006/main">
-  <p:cSld>
-    <p:spTree>
-      <p:nvGrpSpPr>
-        <p:cNvPr id="1" name=""/>
-        <p:cNvGrpSpPr/>
-        <p:nvPr/>
-      </p:nvGrpSpPr>
-      <p:grpSpPr>
-        <a:xfrm>
-          <a:off x="0" y="0"/>
-          <a:ext cx="0" cy="0"/>
-          <a:chOff x="0" y="0"/>
-          <a:chExt cx="0" cy="0"/>
-        </a:xfrm>
-      </p:grpSpPr>
-      <p:sp>
-        <p:nvSpPr>
-          <p:cNvPr id="2" name="Title 1"/>
-          <p:cNvSpPr>
-            <a:spLocks noGrp="1"/>
-          </p:cNvSpPr>
-          <p:nvPr>
-            <p:ph type="title"/>
-          </p:nvPr>
-        </p:nvSpPr>
-        <p:spPr/>
-        <p:txBody>
-          <a:bodyPr/>
-          <a:lstStyle/>
-          <a:p>
-            <a:pPr lvl="0" indent="0" marL="0">
-              <a:buNone/>
-            </a:pPr>
-            <a:r>
-              <a:rPr/>
-              <a:t>Bootstrap in Stata (4/4)</a:t>
-            </a:r>
-          </a:p>
-        </p:txBody>
-      </p:sp>
-      <p:sp>
-        <p:nvSpPr>
-          <p:cNvPr id="3" name="Content Placeholder 2"/>
-          <p:cNvSpPr>
-            <a:spLocks noGrp="1"/>
-          </p:cNvSpPr>
-          <p:nvPr>
-            <p:ph idx="1"/>
-          </p:nvPr>
-        </p:nvSpPr>
-        <p:spPr/>
-        <p:txBody>
-          <a:bodyPr/>
-          <a:lstStyle/>
-          <a:p>
-            <a:pPr lvl="0" indent="0">
-              <a:buNone/>
-            </a:pPr>
-            <a:r>
-              <a:rPr>
-                <a:latin typeface="Courier"/>
-              </a:rPr>
-              <a:t>                 Observed   Bootstrap 
-                    Coef.   Std. Err. 
-        rmse     7.184202   .2594069  
-                    Normal-based
- z      P&gt;|z|     [95% Conf. Interval]
-27.69   0.000     6.675774     7.69263
-</a:t>
-            </a:r>
-          </a:p>
-        </p:txBody>
-      </p:sp>
-    </p:spTree>
-  </p:cSld>
-</p:sld>
-</file>
-
-<file path=ppt/slides/slide6.xml><?xml version="1.0" encoding="utf-8"?>
-<p:sld xmlns:a="http://schemas.openxmlformats.org/drawingml/2006/main" xmlns:r="http://schemas.openxmlformats.org/officeDocument/2006/relationships" xmlns:p="http://schemas.openxmlformats.org/presentationml/2006/main">
-  <p:cSld>
-    <p:spTree>
-      <p:nvGrpSpPr>
-        <p:cNvPr id="1" name=""/>
-        <p:cNvGrpSpPr/>
-        <p:nvPr/>
-      </p:nvGrpSpPr>
-      <p:grpSpPr>
-        <a:xfrm>
-          <a:off x="0" y="0"/>
-          <a:ext cx="0" cy="0"/>
-          <a:chOff x="0" y="0"/>
-          <a:chExt cx="0" cy="0"/>
-        </a:xfrm>
-      </p:grpSpPr>
-      <p:sp>
-        <p:nvSpPr>
-          <p:cNvPr id="2" name="Title 1"/>
-          <p:cNvSpPr>
-            <a:spLocks noGrp="1"/>
-          </p:cNvSpPr>
-          <p:nvPr>
-            <p:ph type="title"/>
-          </p:nvPr>
-        </p:nvSpPr>
-        <p:spPr/>
-        <p:txBody>
-          <a:bodyPr/>
-          <a:lstStyle/>
-          <a:p>
-            <a:pPr lvl="0" indent="0" marL="0">
-              <a:buNone/>
-            </a:pPr>
-            <a:r>
-              <a:rPr/>
-              <a:t>Can we rely on asymptotic normality? (3/4)</a:t>
-            </a:r>
-          </a:p>
-        </p:txBody>
-      </p:sp>
-      <mc:AlternateContent xmlns:mc="http://schemas.openxmlformats.org/markup-compatibility/2006">
-        <mc:Choice xmlns:a14="http://schemas.microsoft.com/office/drawing/2010/main" Requires="a14">
-          <p:sp>
-            <p:nvSpPr>
-              <p:cNvPr id="3" name="Content Placeholder 2"/>
-              <p:cNvSpPr>
-                <a:spLocks noGrp="1"/>
-              </p:cNvSpPr>
-              <p:nvPr>
-                <p:ph idx="1"/>
-              </p:nvPr>
-            </p:nvSpPr>
-            <p:spPr/>
-            <p:txBody>
-              <a:bodyPr/>
-              <a:lstStyle/>
               <a:p>
                 <a:pPr lvl="0" indent="0" marL="0">
                   <a:buNone/>
@@ -18897,7 +21470,7 @@
 </p:sld>
 </file>
 
-<file path=ppt/slides/slide60.xml><?xml version="1.0" encoding="utf-8"?>
+<file path=ppt/slides/slide9.xml><?xml version="1.0" encoding="utf-8"?>
 <p:sld xmlns:a="http://schemas.openxmlformats.org/drawingml/2006/main" xmlns:r="http://schemas.openxmlformats.org/officeDocument/2006/relationships" xmlns:p="http://schemas.openxmlformats.org/presentationml/2006/main">
   <p:cSld>
     <p:spTree>
@@ -18934,909 +21507,7 @@
             </a:pPr>
             <a:r>
               <a:rPr/>
-              <a:t>Bootstrap in R (1/4)</a:t>
-            </a:r>
-          </a:p>
-        </p:txBody>
-      </p:sp>
-      <p:sp>
-        <p:nvSpPr>
-          <p:cNvPr id="3" name="Content Placeholder 2"/>
-          <p:cNvSpPr>
-            <a:spLocks noGrp="1"/>
-          </p:cNvSpPr>
-          <p:nvPr>
-            <p:ph idx="1"/>
-          </p:nvPr>
-        </p:nvSpPr>
-        <p:spPr/>
-        <p:txBody>
-          <a:bodyPr/>
-          <a:lstStyle/>
-          <a:p>
-            <a:pPr lvl="0"/>
-            <a:r>
-              <a:rPr/>
-              <a:t>Easiest and most flexible choice</a:t>
-            </a:r>
-          </a:p>
-          <a:p>
-            <a:pPr lvl="1"/>
-            <a:r>
-              <a:rPr/>
-              <a:t>Special library</a:t>
-            </a:r>
-          </a:p>
-          <a:p>
-            <a:pPr lvl="1"/>
-            <a:r>
-              <a:rPr/>
-              <a:t>Simple looping stuctures</a:t>
-            </a:r>
-          </a:p>
-          <a:p>
-            <a:pPr lvl="1"/>
-            <a:r>
-              <a:rPr/>
-              <a:t>Easy to extract specific values</a:t>
-            </a:r>
-          </a:p>
-          <a:p>
-            <a:pPr lvl="0"/>
-            <a:r>
-              <a:rPr/>
-              <a:t>Example taken from UCLA Statistical Methods and Data Analytics site</a:t>
-            </a:r>
-          </a:p>
-        </p:txBody>
-      </p:sp>
-    </p:spTree>
-  </p:cSld>
-</p:sld>
-</file>
-
-<file path=ppt/slides/slide61.xml><?xml version="1.0" encoding="utf-8"?>
-<p:sld xmlns:a="http://schemas.openxmlformats.org/drawingml/2006/main" xmlns:r="http://schemas.openxmlformats.org/officeDocument/2006/relationships" xmlns:p="http://schemas.openxmlformats.org/presentationml/2006/main">
-  <p:cSld>
-    <p:spTree>
-      <p:nvGrpSpPr>
-        <p:cNvPr id="1" name=""/>
-        <p:cNvGrpSpPr/>
-        <p:nvPr/>
-      </p:nvGrpSpPr>
-      <p:grpSpPr>
-        <a:xfrm>
-          <a:off x="0" y="0"/>
-          <a:ext cx="0" cy="0"/>
-          <a:chOff x="0" y="0"/>
-          <a:chExt cx="0" cy="0"/>
-        </a:xfrm>
-      </p:grpSpPr>
-      <p:sp>
-        <p:nvSpPr>
-          <p:cNvPr id="2" name="Title 1"/>
-          <p:cNvSpPr>
-            <a:spLocks noGrp="1"/>
-          </p:cNvSpPr>
-          <p:nvPr>
-            <p:ph type="title"/>
-          </p:nvPr>
-        </p:nvSpPr>
-        <p:spPr/>
-        <p:txBody>
-          <a:bodyPr/>
-          <a:lstStyle/>
-          <a:p>
-            <a:pPr lvl="0" indent="0" marL="0">
-              <a:buNone/>
-            </a:pPr>
-            <a:r>
-              <a:rPr/>
-              <a:t>Bootstrap in R (2/4)</a:t>
-            </a:r>
-          </a:p>
-        </p:txBody>
-      </p:sp>
-      <p:sp>
-        <p:nvSpPr>
-          <p:cNvPr id="3" name="Content Placeholder 2"/>
-          <p:cNvSpPr>
-            <a:spLocks noGrp="1"/>
-          </p:cNvSpPr>
-          <p:nvPr>
-            <p:ph idx="1"/>
-          </p:nvPr>
-        </p:nvSpPr>
-        <p:spPr/>
-        <p:txBody>
-          <a:bodyPr/>
-          <a:lstStyle/>
-          <a:p>
-            <a:pPr lvl="0" indent="0">
-              <a:buNone/>
-            </a:pPr>
-            <a:r>
-              <a:rPr>
-                <a:latin typeface="Courier"/>
-              </a:rPr>
-              <a:t>library(boot)
-hsb2 &lt;- read.table("https://stats.idre.ucla.edu/stat/data/hsb2.csv", sep=",", header=T)</a:t>
-            </a:r>
-          </a:p>
-        </p:txBody>
-      </p:sp>
-    </p:spTree>
-  </p:cSld>
-</p:sld>
-</file>
-
-<file path=ppt/slides/slide62.xml><?xml version="1.0" encoding="utf-8"?>
-<p:sld xmlns:a="http://schemas.openxmlformats.org/drawingml/2006/main" xmlns:r="http://schemas.openxmlformats.org/officeDocument/2006/relationships" xmlns:p="http://schemas.openxmlformats.org/presentationml/2006/main">
-  <p:cSld>
-    <p:spTree>
-      <p:nvGrpSpPr>
-        <p:cNvPr id="1" name=""/>
-        <p:cNvGrpSpPr/>
-        <p:nvPr/>
-      </p:nvGrpSpPr>
-      <p:grpSpPr>
-        <a:xfrm>
-          <a:off x="0" y="0"/>
-          <a:ext cx="0" cy="0"/>
-          <a:chOff x="0" y="0"/>
-          <a:chExt cx="0" cy="0"/>
-        </a:xfrm>
-      </p:grpSpPr>
-      <p:sp>
-        <p:nvSpPr>
-          <p:cNvPr id="2" name="Title 1"/>
-          <p:cNvSpPr>
-            <a:spLocks noGrp="1"/>
-          </p:cNvSpPr>
-          <p:nvPr>
-            <p:ph type="title"/>
-          </p:nvPr>
-        </p:nvSpPr>
-        <p:spPr/>
-        <p:txBody>
-          <a:bodyPr/>
-          <a:lstStyle/>
-          <a:p>
-            <a:pPr lvl="0" indent="0" marL="0">
-              <a:buNone/>
-            </a:pPr>
-            <a:r>
-              <a:rPr/>
-              <a:t>Bootstrap in R (3/4)</a:t>
-            </a:r>
-          </a:p>
-        </p:txBody>
-      </p:sp>
-      <p:sp>
-        <p:nvSpPr>
-          <p:cNvPr id="3" name="Content Placeholder 2"/>
-          <p:cNvSpPr>
-            <a:spLocks noGrp="1"/>
-          </p:cNvSpPr>
-          <p:nvPr>
-            <p:ph idx="1"/>
-          </p:nvPr>
-        </p:nvSpPr>
-        <p:spPr/>
-        <p:txBody>
-          <a:bodyPr/>
-          <a:lstStyle/>
-          <a:p>
-            <a:pPr lvl="0" indent="0">
-              <a:buNone/>
-            </a:pPr>
-            <a:r>
-              <a:rPr>
-                <a:latin typeface="Courier"/>
-              </a:rPr>
-              <a:t>fc &lt;- function(d, i){
-    d2 &lt;- d[i,]
-    return(cor(d2$write, d2$math))
-}
-set.seed(626)
-bootcorr &lt;- boot(hsb2, fc, R=500)</a:t>
-            </a:r>
-          </a:p>
-        </p:txBody>
-      </p:sp>
-    </p:spTree>
-  </p:cSld>
-</p:sld>
-</file>
-
-<file path=ppt/slides/slide63.xml><?xml version="1.0" encoding="utf-8"?>
-<p:sld xmlns:a="http://schemas.openxmlformats.org/drawingml/2006/main" xmlns:r="http://schemas.openxmlformats.org/officeDocument/2006/relationships" xmlns:p="http://schemas.openxmlformats.org/presentationml/2006/main">
-  <p:cSld>
-    <p:spTree>
-      <p:nvGrpSpPr>
-        <p:cNvPr id="1" name=""/>
-        <p:cNvGrpSpPr/>
-        <p:nvPr/>
-      </p:nvGrpSpPr>
-      <p:grpSpPr>
-        <a:xfrm>
-          <a:off x="0" y="0"/>
-          <a:ext cx="0" cy="0"/>
-          <a:chOff x="0" y="0"/>
-          <a:chExt cx="0" cy="0"/>
-        </a:xfrm>
-      </p:grpSpPr>
-      <p:sp>
-        <p:nvSpPr>
-          <p:cNvPr id="2" name="Title 1"/>
-          <p:cNvSpPr>
-            <a:spLocks noGrp="1"/>
-          </p:cNvSpPr>
-          <p:nvPr>
-            <p:ph type="title"/>
-          </p:nvPr>
-        </p:nvSpPr>
-        <p:spPr/>
-        <p:txBody>
-          <a:bodyPr/>
-          <a:lstStyle/>
-          <a:p>
-            <a:pPr lvl="0" indent="0" marL="0">
-              <a:buNone/>
-            </a:pPr>
-            <a:r>
-              <a:rPr/>
-              <a:t>Bootstrap in R (4/4)</a:t>
-            </a:r>
-          </a:p>
-        </p:txBody>
-      </p:sp>
-      <p:sp>
-        <p:nvSpPr>
-          <p:cNvPr id="3" name="Content Placeholder 2"/>
-          <p:cNvSpPr>
-            <a:spLocks noGrp="1"/>
-          </p:cNvSpPr>
-          <p:nvPr>
-            <p:ph idx="1"/>
-          </p:nvPr>
-        </p:nvSpPr>
-        <p:spPr/>
-        <p:txBody>
-          <a:bodyPr/>
-          <a:lstStyle/>
-          <a:p>
-            <a:pPr lvl="0" indent="0">
-              <a:buNone/>
-            </a:pPr>
-            <a:r>
-              <a:rPr>
-                <a:latin typeface="Courier"/>
-              </a:rPr>
-              <a:t>Bootstrap Statistics :
-     original       bias    std. error
-t1* 0.6174493 -0.001528707  0.04020362</a:t>
-            </a:r>
-          </a:p>
-        </p:txBody>
-      </p:sp>
-    </p:spTree>
-  </p:cSld>
-</p:sld>
-</file>
-
-<file path=ppt/slides/slide64.xml><?xml version="1.0" encoding="utf-8"?>
-<p:sld xmlns:a="http://schemas.openxmlformats.org/drawingml/2006/main" xmlns:r="http://schemas.openxmlformats.org/officeDocument/2006/relationships" xmlns:p="http://schemas.openxmlformats.org/presentationml/2006/main">
-  <p:cSld>
-    <p:spTree>
-      <p:nvGrpSpPr>
-        <p:cNvPr id="1" name=""/>
-        <p:cNvGrpSpPr/>
-        <p:nvPr/>
-      </p:nvGrpSpPr>
-      <p:grpSpPr>
-        <a:xfrm>
-          <a:off x="0" y="0"/>
-          <a:ext cx="0" cy="0"/>
-          <a:chOff x="0" y="0"/>
-          <a:chExt cx="0" cy="0"/>
-        </a:xfrm>
-      </p:grpSpPr>
-      <p:sp>
-        <p:nvSpPr>
-          <p:cNvPr id="2" name="Title 1"/>
-          <p:cNvSpPr>
-            <a:spLocks noGrp="1"/>
-          </p:cNvSpPr>
-          <p:nvPr>
-            <p:ph type="title"/>
-          </p:nvPr>
-        </p:nvSpPr>
-        <p:spPr/>
-        <p:txBody>
-          <a:bodyPr/>
-          <a:lstStyle/>
-          <a:p>
-            <a:pPr lvl="0" indent="0" marL="0">
-              <a:buNone/>
-            </a:pPr>
-            <a:r>
-              <a:rPr/>
-              <a:t>Break #3</a:t>
-            </a:r>
-          </a:p>
-        </p:txBody>
-      </p:sp>
-      <p:sp>
-        <p:nvSpPr>
-          <p:cNvPr id="3" name="Content Placeholder 2"/>
-          <p:cNvSpPr>
-            <a:spLocks noGrp="1"/>
-          </p:cNvSpPr>
-          <p:nvPr>
-            <p:ph idx="1"/>
-          </p:nvPr>
-        </p:nvSpPr>
-        <p:spPr/>
-        <p:txBody>
-          <a:bodyPr/>
-          <a:lstStyle/>
-          <a:p>
-            <a:pPr lvl="0"/>
-            <a:r>
-              <a:rPr/>
-              <a:t>What have you learned</a:t>
-            </a:r>
-          </a:p>
-          <a:p>
-            <a:pPr lvl="1"/>
-            <a:r>
-              <a:rPr/>
-              <a:t>Software</a:t>
-            </a:r>
-          </a:p>
-          <a:p>
-            <a:pPr lvl="0"/>
-            <a:r>
-              <a:rPr/>
-              <a:t>What’s coming next</a:t>
-            </a:r>
-          </a:p>
-          <a:p>
-            <a:pPr lvl="1"/>
-            <a:r>
-              <a:rPr/>
-              <a:t>Special settings</a:t>
-            </a:r>
-          </a:p>
-        </p:txBody>
-      </p:sp>
-    </p:spTree>
-  </p:cSld>
-</p:sld>
-</file>
-
-<file path=ppt/slides/slide65.xml><?xml version="1.0" encoding="utf-8"?>
-<p:sld xmlns:a="http://schemas.openxmlformats.org/drawingml/2006/main" xmlns:r="http://schemas.openxmlformats.org/officeDocument/2006/relationships" xmlns:p="http://schemas.openxmlformats.org/presentationml/2006/main">
-  <p:cSld>
-    <p:spTree>
-      <p:nvGrpSpPr>
-        <p:cNvPr id="1" name=""/>
-        <p:cNvGrpSpPr/>
-        <p:nvPr/>
-      </p:nvGrpSpPr>
-      <p:grpSpPr>
-        <a:xfrm>
-          <a:off x="0" y="0"/>
-          <a:ext cx="0" cy="0"/>
-          <a:chOff x="0" y="0"/>
-          <a:chExt cx="0" cy="0"/>
-        </a:xfrm>
-      </p:grpSpPr>
-      <p:sp>
-        <p:nvSpPr>
-          <p:cNvPr id="2" name="Title 1"/>
-          <p:cNvSpPr>
-            <a:spLocks noGrp="1"/>
-          </p:cNvSpPr>
-          <p:nvPr>
-            <p:ph type="title"/>
-          </p:nvPr>
-        </p:nvSpPr>
-        <p:spPr/>
-        <p:txBody>
-          <a:bodyPr/>
-          <a:lstStyle/>
-          <a:p>
-            <a:pPr lvl="0" indent="0" marL="0">
-              <a:buNone/>
-            </a:pPr>
-            <a:r>
-              <a:rPr/>
-              <a:t>Special settings</a:t>
-            </a:r>
-          </a:p>
-        </p:txBody>
-      </p:sp>
-      <p:sp>
-        <p:nvSpPr>
-          <p:cNvPr id="3" name="Content Placeholder 2"/>
-          <p:cNvSpPr>
-            <a:spLocks noGrp="1"/>
-          </p:cNvSpPr>
-          <p:nvPr>
-            <p:ph idx="1"/>
-          </p:nvPr>
-        </p:nvSpPr>
-        <p:spPr/>
-        <p:txBody>
-          <a:bodyPr/>
-          <a:lstStyle/>
-          <a:p>
-            <a:pPr lvl="0"/>
-            <a:r>
-              <a:rPr/>
-              <a:t>Multiple groups</a:t>
-            </a:r>
-          </a:p>
-          <a:p>
-            <a:pPr lvl="0"/>
-            <a:r>
-              <a:rPr/>
-              <a:t>Time series</a:t>
-            </a:r>
-          </a:p>
-          <a:p>
-            <a:pPr lvl="0"/>
-            <a:r>
-              <a:rPr/>
-              <a:t>Regression models</a:t>
-            </a:r>
-          </a:p>
-        </p:txBody>
-      </p:sp>
-    </p:spTree>
-  </p:cSld>
-</p:sld>
-</file>
-
-<file path=ppt/slides/slide66.xml><?xml version="1.0" encoding="utf-8"?>
-<p:sld xmlns:a="http://schemas.openxmlformats.org/drawingml/2006/main" xmlns:r="http://schemas.openxmlformats.org/officeDocument/2006/relationships" xmlns:p="http://schemas.openxmlformats.org/presentationml/2006/main">
-  <p:cSld>
-    <p:spTree>
-      <p:nvGrpSpPr>
-        <p:cNvPr id="1" name=""/>
-        <p:cNvGrpSpPr/>
-        <p:nvPr/>
-      </p:nvGrpSpPr>
-      <p:grpSpPr>
-        <a:xfrm>
-          <a:off x="0" y="0"/>
-          <a:ext cx="0" cy="0"/>
-          <a:chOff x="0" y="0"/>
-          <a:chExt cx="0" cy="0"/>
-        </a:xfrm>
-      </p:grpSpPr>
-      <p:sp>
-        <p:nvSpPr>
-          <p:cNvPr id="2" name="Title 1"/>
-          <p:cNvSpPr>
-            <a:spLocks noGrp="1"/>
-          </p:cNvSpPr>
-          <p:nvPr>
-            <p:ph type="title"/>
-          </p:nvPr>
-        </p:nvSpPr>
-        <p:spPr/>
-        <p:txBody>
-          <a:bodyPr/>
-          <a:lstStyle/>
-          <a:p>
-            <a:pPr lvl="0" indent="0" marL="0">
-              <a:buNone/>
-            </a:pPr>
-            <a:r>
-              <a:rPr/>
-              <a:t>Multiple groups</a:t>
-            </a:r>
-          </a:p>
-        </p:txBody>
-      </p:sp>
-      <p:sp>
-        <p:nvSpPr>
-          <p:cNvPr id="3" name="Content Placeholder 2"/>
-          <p:cNvSpPr>
-            <a:spLocks noGrp="1"/>
-          </p:cNvSpPr>
-          <p:nvPr>
-            <p:ph idx="1"/>
-          </p:nvPr>
-        </p:nvSpPr>
-        <p:spPr/>
-        <p:txBody>
-          <a:bodyPr/>
-          <a:lstStyle/>
-          <a:p>
-            <a:pPr lvl="0"/>
-            <a:r>
-              <a:rPr/>
-              <a:t>Do you allow the group sizes to vary?</a:t>
-            </a:r>
-          </a:p>
-          <a:p>
-            <a:pPr lvl="0"/>
-            <a:r>
-              <a:rPr/>
-              <a:t>Stratified bootstrap</a:t>
-            </a:r>
-          </a:p>
-          <a:p>
-            <a:pPr lvl="1"/>
-            <a:r>
-              <a:rPr/>
-              <a:t>Two group example</a:t>
-            </a:r>
-          </a:p>
-        </p:txBody>
-      </p:sp>
-    </p:spTree>
-  </p:cSld>
-</p:sld>
-</file>
-
-<file path=ppt/slides/slide67.xml><?xml version="1.0" encoding="utf-8"?>
-<p:sld xmlns:a="http://schemas.openxmlformats.org/drawingml/2006/main" xmlns:r="http://schemas.openxmlformats.org/officeDocument/2006/relationships" xmlns:p="http://schemas.openxmlformats.org/presentationml/2006/main">
-  <p:cSld>
-    <p:spTree>
-      <p:nvGrpSpPr>
-        <p:cNvPr id="1" name=""/>
-        <p:cNvGrpSpPr/>
-        <p:nvPr/>
-      </p:nvGrpSpPr>
-      <p:grpSpPr>
-        <a:xfrm>
-          <a:off x="0" y="0"/>
-          <a:ext cx="0" cy="0"/>
-          <a:chOff x="0" y="0"/>
-          <a:chExt cx="0" cy="0"/>
-        </a:xfrm>
-      </p:grpSpPr>
-      <p:sp>
-        <p:nvSpPr>
-          <p:cNvPr id="2" name="Title 1"/>
-          <p:cNvSpPr>
-            <a:spLocks noGrp="1"/>
-          </p:cNvSpPr>
-          <p:nvPr>
-            <p:ph type="title"/>
-          </p:nvPr>
-        </p:nvSpPr>
-        <p:spPr/>
-        <p:txBody>
-          <a:bodyPr/>
-          <a:lstStyle/>
-          <a:p>
-            <a:pPr lvl="0" indent="0" marL="0">
-              <a:buNone/>
-            </a:pPr>
-            <a:r>
-              <a:rPr/>
-              <a:t>Time series</a:t>
-            </a:r>
-          </a:p>
-        </p:txBody>
-      </p:sp>
-      <p:sp>
-        <p:nvSpPr>
-          <p:cNvPr id="3" name="Content Placeholder 2"/>
-          <p:cNvSpPr>
-            <a:spLocks noGrp="1"/>
-          </p:cNvSpPr>
-          <p:nvPr>
-            <p:ph idx="1"/>
-          </p:nvPr>
-        </p:nvSpPr>
-        <p:spPr/>
-        <p:txBody>
-          <a:bodyPr/>
-          <a:lstStyle/>
-          <a:p>
-            <a:pPr lvl="0"/>
-            <a:r>
-              <a:rPr/>
-              <a:t>Simple bootstrap destroys important features of time series models</a:t>
-            </a:r>
-          </a:p>
-          <a:p>
-            <a:pPr lvl="1"/>
-            <a:r>
-              <a:rPr/>
-              <a:t>Evenly spaced observations</a:t>
-            </a:r>
-          </a:p>
-          <a:p>
-            <a:pPr lvl="1"/>
-            <a:r>
-              <a:rPr/>
-              <a:t>Serial correlation</a:t>
-            </a:r>
-          </a:p>
-          <a:p>
-            <a:pPr lvl="1"/>
-            <a:r>
-              <a:rPr/>
-              <a:t>Seasonality</a:t>
-            </a:r>
-          </a:p>
-          <a:p>
-            <a:pPr lvl="1"/>
-            <a:r>
-              <a:rPr/>
-              <a:t>Temporal trends</a:t>
-            </a:r>
-          </a:p>
-          <a:p>
-            <a:pPr lvl="0"/>
-            <a:r>
-              <a:rPr/>
-              <a:t>Solutions</a:t>
-            </a:r>
-          </a:p>
-          <a:p>
-            <a:pPr lvl="1"/>
-            <a:r>
-              <a:rPr/>
-              <a:t>Bootstrap blocks of consecutive observations</a:t>
-            </a:r>
-          </a:p>
-          <a:p>
-            <a:pPr lvl="1"/>
-            <a:r>
-              <a:rPr/>
-              <a:t>Detrend/decompose the time series</a:t>
-            </a:r>
-          </a:p>
-        </p:txBody>
-      </p:sp>
-    </p:spTree>
-  </p:cSld>
-</p:sld>
-</file>
-
-<file path=ppt/slides/slide68.xml><?xml version="1.0" encoding="utf-8"?>
-<p:sld xmlns:a="http://schemas.openxmlformats.org/drawingml/2006/main" xmlns:r="http://schemas.openxmlformats.org/officeDocument/2006/relationships" xmlns:p="http://schemas.openxmlformats.org/presentationml/2006/main">
-  <p:cSld>
-    <p:spTree>
-      <p:nvGrpSpPr>
-        <p:cNvPr id="1" name=""/>
-        <p:cNvGrpSpPr/>
-        <p:nvPr/>
-      </p:nvGrpSpPr>
-      <p:grpSpPr>
-        <a:xfrm>
-          <a:off x="0" y="0"/>
-          <a:ext cx="0" cy="0"/>
-          <a:chOff x="0" y="0"/>
-          <a:chExt cx="0" cy="0"/>
-        </a:xfrm>
-      </p:grpSpPr>
-      <p:sp>
-        <p:nvSpPr>
-          <p:cNvPr id="2" name="Title 1"/>
-          <p:cNvSpPr>
-            <a:spLocks noGrp="1"/>
-          </p:cNvSpPr>
-          <p:nvPr>
-            <p:ph type="title"/>
-          </p:nvPr>
-        </p:nvSpPr>
-        <p:spPr/>
-        <p:txBody>
-          <a:bodyPr/>
-          <a:lstStyle/>
-          <a:p>
-            <a:pPr lvl="0" indent="0" marL="0">
-              <a:buNone/>
-            </a:pPr>
-            <a:r>
-              <a:rPr/>
-              <a:t>Regression models</a:t>
-            </a:r>
-          </a:p>
-        </p:txBody>
-      </p:sp>
-      <p:sp>
-        <p:nvSpPr>
-          <p:cNvPr id="3" name="Content Placeholder 2"/>
-          <p:cNvSpPr>
-            <a:spLocks noGrp="1"/>
-          </p:cNvSpPr>
-          <p:nvPr>
-            <p:ph idx="1"/>
-          </p:nvPr>
-        </p:nvSpPr>
-        <p:spPr/>
-        <p:txBody>
-          <a:bodyPr/>
-          <a:lstStyle/>
-          <a:p>
-            <a:pPr lvl="0"/>
-            <a:r>
-              <a:rPr/>
-              <a:t>Subsample may have perfect collinearity</a:t>
-            </a:r>
-          </a:p>
-          <a:p>
-            <a:pPr lvl="0"/>
-            <a:r>
-              <a:rPr/>
-              <a:t>Are the independent variables fixed or random?</a:t>
-            </a:r>
-          </a:p>
-          <a:p>
-            <a:pPr lvl="0"/>
-            <a:r>
-              <a:rPr/>
-              <a:t>Solution: bootstrap residuals</a:t>
-            </a:r>
-          </a:p>
-        </p:txBody>
-      </p:sp>
-    </p:spTree>
-  </p:cSld>
-</p:sld>
-</file>
-
-<file path=ppt/slides/slide69.xml><?xml version="1.0" encoding="utf-8"?>
-<p:sld xmlns:a="http://schemas.openxmlformats.org/drawingml/2006/main" xmlns:r="http://schemas.openxmlformats.org/officeDocument/2006/relationships" xmlns:p="http://schemas.openxmlformats.org/presentationml/2006/main">
-  <p:cSld>
-    <p:spTree>
-      <p:nvGrpSpPr>
-        <p:cNvPr id="1" name=""/>
-        <p:cNvGrpSpPr/>
-        <p:nvPr/>
-      </p:nvGrpSpPr>
-      <p:grpSpPr>
-        <a:xfrm>
-          <a:off x="0" y="0"/>
-          <a:ext cx="0" cy="0"/>
-          <a:chOff x="0" y="0"/>
-          <a:chExt cx="0" cy="0"/>
-        </a:xfrm>
-      </p:grpSpPr>
-      <p:sp>
-        <p:nvSpPr>
-          <p:cNvPr id="2" name="Title 1"/>
-          <p:cNvSpPr>
-            <a:spLocks noGrp="1"/>
-          </p:cNvSpPr>
-          <p:nvPr>
-            <p:ph type="title"/>
-          </p:nvPr>
-        </p:nvSpPr>
-        <p:spPr/>
-        <p:txBody>
-          <a:bodyPr/>
-          <a:lstStyle/>
-          <a:p>
-            <a:pPr lvl="0" indent="0" marL="0">
-              <a:buNone/>
-            </a:pPr>
-            <a:r>
-              <a:rPr/>
-              <a:t>Final bits of advice (1/2)</a:t>
-            </a:r>
-          </a:p>
-        </p:txBody>
-      </p:sp>
-      <p:sp>
-        <p:nvSpPr>
-          <p:cNvPr id="3" name="Content Placeholder 2"/>
-          <p:cNvSpPr>
-            <a:spLocks noGrp="1"/>
-          </p:cNvSpPr>
-          <p:nvPr>
-            <p:ph idx="1"/>
-          </p:nvPr>
-        </p:nvSpPr>
-        <p:spPr/>
-        <p:txBody>
-          <a:bodyPr/>
-          <a:lstStyle/>
-          <a:p>
-            <a:pPr lvl="0"/>
-            <a:r>
-              <a:rPr/>
-              <a:t>Situations where the bootstrap performs poorly</a:t>
-            </a:r>
-          </a:p>
-          <a:p>
-            <a:pPr lvl="1"/>
-            <a:r>
-              <a:rPr/>
-              <a:t>Data from “weird” distributions</a:t>
-            </a:r>
-          </a:p>
-          <a:p>
-            <a:pPr lvl="1"/>
-            <a:r>
-              <a:rPr/>
-              <a:t>Statistics at or near the extremes</a:t>
-            </a:r>
-          </a:p>
-          <a:p>
-            <a:pPr lvl="0"/>
-            <a:r>
-              <a:rPr/>
-              <a:t>Situations where a simple bootstrap performs poorly</a:t>
-            </a:r>
-          </a:p>
-          <a:p>
-            <a:pPr lvl="1"/>
-            <a:r>
-              <a:rPr/>
-              <a:t>Multiple groups with small sample sizes</a:t>
-            </a:r>
-          </a:p>
-          <a:p>
-            <a:pPr lvl="1"/>
-            <a:r>
-              <a:rPr/>
-              <a:t>Time series models</a:t>
-            </a:r>
-          </a:p>
-          <a:p>
-            <a:pPr lvl="1"/>
-            <a:r>
-              <a:rPr/>
-              <a:t>Regression models</a:t>
-            </a:r>
-          </a:p>
-        </p:txBody>
-      </p:sp>
-    </p:spTree>
-  </p:cSld>
-</p:sld>
-</file>
-
-<file path=ppt/slides/slide7.xml><?xml version="1.0" encoding="utf-8"?>
-<p:sld xmlns:a="http://schemas.openxmlformats.org/drawingml/2006/main" xmlns:r="http://schemas.openxmlformats.org/officeDocument/2006/relationships" xmlns:p="http://schemas.openxmlformats.org/presentationml/2006/main">
-  <p:cSld>
-    <p:spTree>
-      <p:nvGrpSpPr>
-        <p:cNvPr id="1" name=""/>
-        <p:cNvGrpSpPr/>
-        <p:nvPr/>
-      </p:nvGrpSpPr>
-      <p:grpSpPr>
-        <a:xfrm>
-          <a:off x="0" y="0"/>
-          <a:ext cx="0" cy="0"/>
-          <a:chOff x="0" y="0"/>
-          <a:chExt cx="0" cy="0"/>
-        </a:xfrm>
-      </p:grpSpPr>
-      <p:sp>
-        <p:nvSpPr>
-          <p:cNvPr id="2" name="Title 1"/>
-          <p:cNvSpPr>
-            <a:spLocks noGrp="1"/>
-          </p:cNvSpPr>
-          <p:nvPr>
-            <p:ph type="title"/>
-          </p:nvPr>
-        </p:nvSpPr>
-        <p:spPr/>
-        <p:txBody>
-          <a:bodyPr/>
-          <a:lstStyle/>
-          <a:p>
-            <a:pPr lvl="0" indent="0" marL="0">
-              <a:buNone/>
-            </a:pPr>
-            <a:r>
-              <a:rPr/>
-              <a:t>Can we rely on asymptotic normality? (4/4)</a:t>
+              <a:t>Can we rely on asymptotic normality? (3/3)</a:t>
             </a:r>
           </a:p>
         </p:txBody>
@@ -20081,1034 +21752,6 @@
                     <m:r>
                       <m:t>30</m:t>
                     </m:r>
-                  </m:oMath>
-                </a14:m>
-              </a:p>
-            </p:txBody>
-          </p:sp>
-        </mc:Choice>
-      </mc:AlternateContent>
-    </p:spTree>
-  </p:cSld>
-</p:sld>
-</file>
-
-<file path=ppt/slides/slide70.xml><?xml version="1.0" encoding="utf-8"?>
-<p:sld xmlns:a="http://schemas.openxmlformats.org/drawingml/2006/main" xmlns:r="http://schemas.openxmlformats.org/officeDocument/2006/relationships" xmlns:p="http://schemas.openxmlformats.org/presentationml/2006/main">
-  <p:cSld>
-    <p:spTree>
-      <p:nvGrpSpPr>
-        <p:cNvPr id="1" name=""/>
-        <p:cNvGrpSpPr/>
-        <p:nvPr/>
-      </p:nvGrpSpPr>
-      <p:grpSpPr>
-        <a:xfrm>
-          <a:off x="0" y="0"/>
-          <a:ext cx="0" cy="0"/>
-          <a:chOff x="0" y="0"/>
-          <a:chExt cx="0" cy="0"/>
-        </a:xfrm>
-      </p:grpSpPr>
-      <p:sp>
-        <p:nvSpPr>
-          <p:cNvPr id="2" name="Title 1"/>
-          <p:cNvSpPr>
-            <a:spLocks noGrp="1"/>
-          </p:cNvSpPr>
-          <p:nvPr>
-            <p:ph type="title"/>
-          </p:nvPr>
-        </p:nvSpPr>
-        <p:spPr/>
-        <p:txBody>
-          <a:bodyPr/>
-          <a:lstStyle/>
-          <a:p>
-            <a:pPr lvl="0" indent="0" marL="0">
-              <a:buNone/>
-            </a:pPr>
-            <a:r>
-              <a:rPr/>
-              <a:t>Final bits of advice (2/2)</a:t>
-            </a:r>
-          </a:p>
-        </p:txBody>
-      </p:sp>
-      <p:sp>
-        <p:nvSpPr>
-          <p:cNvPr id="3" name="Content Placeholder 2"/>
-          <p:cNvSpPr>
-            <a:spLocks noGrp="1"/>
-          </p:cNvSpPr>
-          <p:nvPr>
-            <p:ph idx="1"/>
-          </p:nvPr>
-        </p:nvSpPr>
-        <p:spPr/>
-        <p:txBody>
-          <a:bodyPr/>
-          <a:lstStyle/>
-          <a:p>
-            <a:pPr lvl="0"/>
-            <a:r>
-              <a:rPr/>
-              <a:t>Situations where the bootstrap performs well</a:t>
-            </a:r>
-          </a:p>
-          <a:p>
-            <a:pPr lvl="1"/>
-            <a:r>
-              <a:rPr/>
-              <a:t>Statistics with no known theoretical results</a:t>
-            </a:r>
-          </a:p>
-          <a:p>
-            <a:pPr lvl="1"/>
-            <a:r>
-              <a:rPr/>
-              <a:t>Statistics where approximations are questionable</a:t>
-            </a:r>
-          </a:p>
-          <a:p>
-            <a:pPr lvl="0"/>
-            <a:r>
-              <a:rPr/>
-              <a:t>But you can’t squeeze blood from a turnip.</a:t>
-            </a:r>
-          </a:p>
-          <a:p>
-            <a:pPr lvl="1"/>
-            <a:r>
-              <a:rPr/>
-              <a:t>Very small sample sizes are still very small sample sizes</a:t>
-            </a:r>
-          </a:p>
-        </p:txBody>
-      </p:sp>
-    </p:spTree>
-  </p:cSld>
-</p:sld>
-</file>
-
-<file path=ppt/slides/slide71.xml><?xml version="1.0" encoding="utf-8"?>
-<p:sld xmlns:a="http://schemas.openxmlformats.org/drawingml/2006/main" xmlns:r="http://schemas.openxmlformats.org/officeDocument/2006/relationships" xmlns:p="http://schemas.openxmlformats.org/presentationml/2006/main">
-  <p:cSld>
-    <p:spTree>
-      <p:nvGrpSpPr>
-        <p:cNvPr id="1" name=""/>
-        <p:cNvGrpSpPr/>
-        <p:nvPr/>
-      </p:nvGrpSpPr>
-      <p:grpSpPr>
-        <a:xfrm>
-          <a:off x="0" y="0"/>
-          <a:ext cx="0" cy="0"/>
-          <a:chOff x="0" y="0"/>
-          <a:chExt cx="0" cy="0"/>
-        </a:xfrm>
-      </p:grpSpPr>
-      <p:sp>
-        <p:nvSpPr>
-          <p:cNvPr id="2" name="Title 1"/>
-          <p:cNvSpPr>
-            <a:spLocks noGrp="1"/>
-          </p:cNvSpPr>
-          <p:nvPr>
-            <p:ph type="title"/>
-          </p:nvPr>
-        </p:nvSpPr>
-        <p:spPr/>
-        <p:txBody>
-          <a:bodyPr/>
-          <a:lstStyle/>
-          <a:p>
-            <a:pPr lvl="0" indent="0" marL="0">
-              <a:buNone/>
-            </a:pPr>
-            <a:r>
-              <a:rPr/>
-              <a:t>Summary</a:t>
-            </a:r>
-          </a:p>
-        </p:txBody>
-      </p:sp>
-      <p:sp>
-        <p:nvSpPr>
-          <p:cNvPr id="3" name="Content Placeholder 2"/>
-          <p:cNvSpPr>
-            <a:spLocks noGrp="1"/>
-          </p:cNvSpPr>
-          <p:nvPr>
-            <p:ph idx="1"/>
-          </p:nvPr>
-        </p:nvSpPr>
-        <p:spPr/>
-        <p:txBody>
-          <a:bodyPr/>
-          <a:lstStyle/>
-          <a:p>
-            <a:pPr lvl="0"/>
-            <a:r>
-              <a:rPr/>
-              <a:t>History</a:t>
-            </a:r>
-          </a:p>
-          <a:p>
-            <a:pPr lvl="0"/>
-            <a:r>
-              <a:rPr/>
-              <a:t>Algorithms</a:t>
-            </a:r>
-          </a:p>
-          <a:p>
-            <a:pPr lvl="0"/>
-            <a:r>
-              <a:rPr/>
-              <a:t>Software</a:t>
-            </a:r>
-          </a:p>
-          <a:p>
-            <a:pPr lvl="0"/>
-            <a:r>
-              <a:rPr/>
-              <a:t>Special settings</a:t>
-            </a:r>
-          </a:p>
-        </p:txBody>
-      </p:sp>
-    </p:spTree>
-  </p:cSld>
-</p:sld>
-</file>
-
-<file path=ppt/slides/slide72.xml><?xml version="1.0" encoding="utf-8"?>
-<p:sld xmlns:a="http://schemas.openxmlformats.org/drawingml/2006/main" xmlns:r="http://schemas.openxmlformats.org/officeDocument/2006/relationships" xmlns:p="http://schemas.openxmlformats.org/presentationml/2006/main">
-  <p:cSld>
-    <p:spTree>
-      <p:nvGrpSpPr>
-        <p:cNvPr id="1" name=""/>
-        <p:cNvGrpSpPr/>
-        <p:nvPr/>
-      </p:nvGrpSpPr>
-      <p:grpSpPr>
-        <a:xfrm>
-          <a:off x="0" y="0"/>
-          <a:ext cx="0" cy="0"/>
-          <a:chOff x="0" y="0"/>
-          <a:chExt cx="0" cy="0"/>
-        </a:xfrm>
-      </p:grpSpPr>
-      <p:sp>
-        <p:nvSpPr>
-          <p:cNvPr id="2" name="Title 1"/>
-          <p:cNvSpPr>
-            <a:spLocks noGrp="1"/>
-          </p:cNvSpPr>
-          <p:nvPr>
-            <p:ph type="title"/>
-          </p:nvPr>
-        </p:nvSpPr>
-        <p:spPr/>
-        <p:txBody>
-          <a:bodyPr/>
-          <a:lstStyle/>
-          <a:p>
-            <a:pPr lvl="0" indent="0" marL="0">
-              <a:buNone/>
-            </a:pPr>
-            <a:r>
-              <a:rPr/>
-              <a:t>Bibliography</a:t>
-            </a:r>
-          </a:p>
-        </p:txBody>
-      </p:sp>
-      <p:sp>
-        <p:nvSpPr>
-          <p:cNvPr id="3" name="Content Placeholder 2"/>
-          <p:cNvSpPr>
-            <a:spLocks noGrp="1"/>
-          </p:cNvSpPr>
-          <p:nvPr>
-            <p:ph idx="1"/>
-          </p:nvPr>
-        </p:nvSpPr>
-        <p:spPr/>
-        <p:txBody>
-          <a:bodyPr/>
-          <a:lstStyle/>
-          <a:p>
-            <a:pPr lvl="0" indent="0" marL="0">
-              <a:buNone/>
-            </a:pPr>
-            <a:r>
-              <a:rPr/>
-              <a:t>Persi Diaconis, Bradley Efron. Computer-intensive Methods in Statistics. Scientific American, 1983, 248(5), 116-130.</a:t>
-            </a:r>
-          </a:p>
-          <a:p>
-            <a:pPr lvl="0" indent="0" marL="0">
-              <a:buNone/>
-            </a:pPr>
-            <a:r>
-              <a:rPr/>
-              <a:t>Bradley Efron, Gail Gong. A Leisurely Look at the Bootstrap, Jackknife, and Cross-Validation. The American Statistician, 1983, 37(1), 36-48.</a:t>
-            </a:r>
-          </a:p>
-          <a:p>
-            <a:pPr lvl="0" indent="0" marL="0">
-              <a:buNone/>
-            </a:pPr>
-            <a:r>
-              <a:rPr/>
-              <a:t>Bradley Efron, Robert Tibshirani. Bootstrap Methods for Standard Errors, Confidence Intervals, and Other Measures of Statistical Accuracy. Statistical Science, 1986, 1(1), 54-75.</a:t>
-            </a:r>
-          </a:p>
-        </p:txBody>
-      </p:sp>
-    </p:spTree>
-  </p:cSld>
-</p:sld>
-</file>
-
-<file path=ppt/slides/slide8.xml><?xml version="1.0" encoding="utf-8"?>
-<p:sld xmlns:a="http://schemas.openxmlformats.org/drawingml/2006/main" xmlns:r="http://schemas.openxmlformats.org/officeDocument/2006/relationships" xmlns:p="http://schemas.openxmlformats.org/presentationml/2006/main">
-  <p:cSld>
-    <p:spTree>
-      <p:nvGrpSpPr>
-        <p:cNvPr id="1" name=""/>
-        <p:cNvGrpSpPr/>
-        <p:nvPr/>
-      </p:nvGrpSpPr>
-      <p:grpSpPr>
-        <a:xfrm>
-          <a:off x="0" y="0"/>
-          <a:ext cx="0" cy="0"/>
-          <a:chOff x="0" y="0"/>
-          <a:chExt cx="0" cy="0"/>
-        </a:xfrm>
-      </p:grpSpPr>
-      <p:sp>
-        <p:nvSpPr>
-          <p:cNvPr id="2" name="Title 1"/>
-          <p:cNvSpPr>
-            <a:spLocks noGrp="1"/>
-          </p:cNvSpPr>
-          <p:nvPr>
-            <p:ph type="title"/>
-          </p:nvPr>
-        </p:nvSpPr>
-        <p:spPr/>
-        <p:txBody>
-          <a:bodyPr/>
-          <a:lstStyle/>
-          <a:p>
-            <a:pPr lvl="0" indent="0" marL="0">
-              <a:buNone/>
-            </a:pPr>
-            <a:r>
-              <a:rPr/>
-              <a:t>The jackknife (1/4)</a:t>
-            </a:r>
-          </a:p>
-        </p:txBody>
-      </p:sp>
-      <p:pic>
-        <p:nvPicPr>
-          <p:cNvPr descr="fig:  ../images/jackknife-image.png" id="0" name="Picture 1"/>
-          <p:cNvPicPr>
-            <a:picLocks noGrp="1" noChangeAspect="1"/>
-          </p:cNvPicPr>
-          <p:nvPr/>
-        </p:nvPicPr>
-        <p:blipFill>
-          <a:blip r:embed="rId3"/>
-          <a:stretch>
-            <a:fillRect/>
-          </a:stretch>
-        </p:blipFill>
-        <p:spPr bwMode="auto">
-          <a:xfrm>
-            <a:off x="609600" y="2159000"/>
-            <a:ext cx="10972800" cy="2895600"/>
-          </a:xfrm>
-          <a:prstGeom prst="rect">
-            <a:avLst/>
-          </a:prstGeom>
-          <a:noFill/>
-          <a:ln w="9525">
-            <a:noFill/>
-            <a:headEnd/>
-            <a:tailEnd/>
-          </a:ln>
-        </p:spPr>
-      </p:pic>
-      <p:sp>
-        <p:nvSpPr>
-          <p:cNvPr id="1" name="TextBox 3"/>
-          <p:cNvSpPr txBox="1"/>
-          <p:nvPr/>
-        </p:nvSpPr>
-        <p:spPr>
-          <a:xfrm>
-            <a:off x="609600" y="5613400"/>
-            <a:ext cx="10972800" cy="508000"/>
-          </a:xfrm>
-          <a:prstGeom prst="rect">
-            <a:avLst/>
-          </a:prstGeom>
-          <a:noFill/>
-        </p:spPr>
-        <p:txBody>
-          <a:bodyPr/>
-          <a:lstStyle/>
-          <a:p>
-            <a:pPr lvl="0" indent="0" marL="0" algn="ctr">
-              <a:buNone/>
-            </a:pPr>
-            <a:r>
-              <a:rPr/>
-              <a:t>Figure 2. Image of a jackknife</a:t>
-            </a:r>
-          </a:p>
-        </p:txBody>
-      </p:sp>
-    </p:spTree>
-  </p:cSld>
-</p:sld>
-</file>
-
-<file path=ppt/slides/slide9.xml><?xml version="1.0" encoding="utf-8"?>
-<p:sld xmlns:a="http://schemas.openxmlformats.org/drawingml/2006/main" xmlns:r="http://schemas.openxmlformats.org/officeDocument/2006/relationships" xmlns:p="http://schemas.openxmlformats.org/presentationml/2006/main">
-  <p:cSld>
-    <p:spTree>
-      <p:nvGrpSpPr>
-        <p:cNvPr id="1" name=""/>
-        <p:cNvGrpSpPr/>
-        <p:nvPr/>
-      </p:nvGrpSpPr>
-      <p:grpSpPr>
-        <a:xfrm>
-          <a:off x="0" y="0"/>
-          <a:ext cx="0" cy="0"/>
-          <a:chOff x="0" y="0"/>
-          <a:chExt cx="0" cy="0"/>
-        </a:xfrm>
-      </p:grpSpPr>
-      <p:sp>
-        <p:nvSpPr>
-          <p:cNvPr id="2" name="Title 1"/>
-          <p:cNvSpPr>
-            <a:spLocks noGrp="1"/>
-          </p:cNvSpPr>
-          <p:nvPr>
-            <p:ph type="title"/>
-          </p:nvPr>
-        </p:nvSpPr>
-        <p:spPr/>
-        <p:txBody>
-          <a:bodyPr/>
-          <a:lstStyle/>
-          <a:p>
-            <a:pPr lvl="0" indent="0" marL="0">
-              <a:buNone/>
-            </a:pPr>
-            <a:r>
-              <a:rPr/>
-              <a:t>The jackknife (2/4)</a:t>
-            </a:r>
-          </a:p>
-        </p:txBody>
-      </p:sp>
-      <mc:AlternateContent xmlns:mc="http://schemas.openxmlformats.org/markup-compatibility/2006">
-        <mc:Choice xmlns:a14="http://schemas.microsoft.com/office/drawing/2010/main" Requires="a14">
-          <p:sp>
-            <p:nvSpPr>
-              <p:cNvPr id="3" name="Content Placeholder 2"/>
-              <p:cNvSpPr>
-                <a:spLocks noGrp="1"/>
-              </p:cNvSpPr>
-              <p:nvPr>
-                <p:ph idx="1"/>
-              </p:nvPr>
-            </p:nvSpPr>
-            <p:spPr/>
-            <p:txBody>
-              <a:bodyPr/>
-              <a:lstStyle/>
-              <a:p>
-                <a:pPr lvl="0" indent="0" marL="0">
-                  <a:buNone/>
-                </a:pPr>
-                <a14:m>
-                  <m:oMath xmlns:m="http://schemas.openxmlformats.org/officeDocument/2006/math">
-                    <m:r>
-                      <m:t>X</m:t>
-                    </m:r>
-                    <m:r>
-                      <m:t> </m:t>
-                    </m:r>
-                    <m:r>
-                      <m:t> </m:t>
-                    </m:r>
-                    <m:r>
-                      <m:t> </m:t>
-                    </m:r>
-                    <m:r>
-                      <m:t> </m:t>
-                    </m:r>
-                    <m:r>
-                      <m:t> </m:t>
-                    </m:r>
-                    <m:r>
-                      <m:t> </m:t>
-                    </m:r>
-                    <m:r>
-                      <m:rPr>
-                        <m:sty m:val="p"/>
-                      </m:rPr>
-                      <m:t>=</m:t>
-                    </m:r>
-                    <m:d>
-                      <m:dPr>
-                        <m:begChr m:val="("/>
-                        <m:endChr m:val=")"/>
-                        <m:sepChr m:val=""/>
-                        <m:grow/>
-                      </m:dPr>
-                      <m:e>
-                        <m:r>
-                          <m:t>2</m:t>
-                        </m:r>
-                        <m:r>
-                          <m:rPr>
-                            <m:sty m:val="p"/>
-                          </m:rPr>
-                          <m:t>,</m:t>
-                        </m:r>
-                        <m:r>
-                          <m:t>3</m:t>
-                        </m:r>
-                        <m:r>
-                          <m:rPr>
-                            <m:sty m:val="p"/>
-                          </m:rPr>
-                          <m:t>,</m:t>
-                        </m:r>
-                        <m:r>
-                          <m:t>7</m:t>
-                        </m:r>
-                        <m:r>
-                          <m:rPr>
-                            <m:sty m:val="p"/>
-                          </m:rPr>
-                          <m:t>,</m:t>
-                        </m:r>
-                        <m:r>
-                          <m:t>5</m:t>
-                        </m:r>
-                        <m:r>
-                          <m:rPr>
-                            <m:sty m:val="p"/>
-                          </m:rPr>
-                          <m:t>,</m:t>
-                        </m:r>
-                        <m:r>
-                          <m:t>6</m:t>
-                        </m:r>
-                      </m:e>
-                    </m:d>
-                  </m:oMath>
-                </a14:m>
-              </a:p>
-              <a:p>
-                <a:pPr lvl="0" indent="0" marL="0">
-                  <a:buNone/>
-                </a:pPr>
-                <a14:m>
-                  <m:oMath xmlns:m="http://schemas.openxmlformats.org/officeDocument/2006/math">
-                    <m:r>
-                      <m:t> </m:t>
-                    </m:r>
-                  </m:oMath>
-                </a14:m>
-              </a:p>
-              <a:p>
-                <a:pPr lvl="0" indent="0" marL="0">
-                  <a:buNone/>
-                </a:pPr>
-                <a14:m>
-                  <m:oMath xmlns:m="http://schemas.openxmlformats.org/officeDocument/2006/math">
-                    <m:sSup>
-                      <m:e>
-                        <m:r>
-                          <m:t>X</m:t>
-                        </m:r>
-                      </m:e>
-                      <m:sup>
-                        <m:d>
-                          <m:dPr>
-                            <m:begChr m:val="("/>
-                            <m:endChr m:val=")"/>
-                            <m:sepChr m:val=""/>
-                            <m:grow/>
-                          </m:dPr>
-                          <m:e>
-                            <m:r>
-                              <m:rPr>
-                                <m:sty m:val="p"/>
-                              </m:rPr>
-                              <m:t>−</m:t>
-                            </m:r>
-                            <m:r>
-                              <m:t>1</m:t>
-                            </m:r>
-                          </m:e>
-                        </m:d>
-                      </m:sup>
-                    </m:sSup>
-                    <m:r>
-                      <m:rPr>
-                        <m:sty m:val="p"/>
-                      </m:rPr>
-                      <m:t>=</m:t>
-                    </m:r>
-                    <m:d>
-                      <m:dPr>
-                        <m:begChr m:val="("/>
-                        <m:endChr m:val=")"/>
-                        <m:sepChr m:val=""/>
-                        <m:grow/>
-                      </m:dPr>
-                      <m:e>
-                        <m:r>
-                          <m:t> </m:t>
-                        </m:r>
-                        <m:r>
-                          <m:t> </m:t>
-                        </m:r>
-                        <m:r>
-                          <m:rPr>
-                            <m:sty m:val="p"/>
-                          </m:rPr>
-                          <m:t>,</m:t>
-                        </m:r>
-                        <m:r>
-                          <m:t>3</m:t>
-                        </m:r>
-                        <m:r>
-                          <m:rPr>
-                            <m:sty m:val="p"/>
-                          </m:rPr>
-                          <m:t>,</m:t>
-                        </m:r>
-                        <m:r>
-                          <m:t>7</m:t>
-                        </m:r>
-                        <m:r>
-                          <m:rPr>
-                            <m:sty m:val="p"/>
-                          </m:rPr>
-                          <m:t>,</m:t>
-                        </m:r>
-                        <m:r>
-                          <m:t>5</m:t>
-                        </m:r>
-                        <m:r>
-                          <m:rPr>
-                            <m:sty m:val="p"/>
-                          </m:rPr>
-                          <m:t>,</m:t>
-                        </m:r>
-                        <m:r>
-                          <m:t>6</m:t>
-                        </m:r>
-                      </m:e>
-                    </m:d>
-                  </m:oMath>
-                </a14:m>
-              </a:p>
-              <a:p>
-                <a:pPr lvl="0" indent="0" marL="0">
-                  <a:buNone/>
-                </a:pPr>
-                <a14:m>
-                  <m:oMath xmlns:m="http://schemas.openxmlformats.org/officeDocument/2006/math">
-                    <m:sSup>
-                      <m:e>
-                        <m:r>
-                          <m:t>X</m:t>
-                        </m:r>
-                      </m:e>
-                      <m:sup>
-                        <m:d>
-                          <m:dPr>
-                            <m:begChr m:val="("/>
-                            <m:endChr m:val=")"/>
-                            <m:sepChr m:val=""/>
-                            <m:grow/>
-                          </m:dPr>
-                          <m:e>
-                            <m:r>
-                              <m:rPr>
-                                <m:sty m:val="p"/>
-                              </m:rPr>
-                              <m:t>−</m:t>
-                            </m:r>
-                            <m:r>
-                              <m:t>2</m:t>
-                            </m:r>
-                          </m:e>
-                        </m:d>
-                      </m:sup>
-                    </m:sSup>
-                    <m:r>
-                      <m:rPr>
-                        <m:sty m:val="p"/>
-                      </m:rPr>
-                      <m:t>=</m:t>
-                    </m:r>
-                    <m:d>
-                      <m:dPr>
-                        <m:begChr m:val="("/>
-                        <m:endChr m:val=")"/>
-                        <m:sepChr m:val=""/>
-                        <m:grow/>
-                      </m:dPr>
-                      <m:e>
-                        <m:r>
-                          <m:t>2</m:t>
-                        </m:r>
-                        <m:r>
-                          <m:rPr>
-                            <m:sty m:val="p"/>
-                          </m:rPr>
-                          <m:t>,</m:t>
-                        </m:r>
-                        <m:r>
-                          <m:t> </m:t>
-                        </m:r>
-                        <m:r>
-                          <m:t> </m:t>
-                        </m:r>
-                        <m:r>
-                          <m:rPr>
-                            <m:sty m:val="p"/>
-                          </m:rPr>
-                          <m:t>,</m:t>
-                        </m:r>
-                        <m:r>
-                          <m:t>7</m:t>
-                        </m:r>
-                        <m:r>
-                          <m:rPr>
-                            <m:sty m:val="p"/>
-                          </m:rPr>
-                          <m:t>,</m:t>
-                        </m:r>
-                        <m:r>
-                          <m:t>5</m:t>
-                        </m:r>
-                        <m:r>
-                          <m:rPr>
-                            <m:sty m:val="p"/>
-                          </m:rPr>
-                          <m:t>,</m:t>
-                        </m:r>
-                        <m:r>
-                          <m:t>6</m:t>
-                        </m:r>
-                      </m:e>
-                    </m:d>
-                  </m:oMath>
-                </a14:m>
-              </a:p>
-              <a:p>
-                <a:pPr lvl="0" indent="0" marL="0">
-                  <a:buNone/>
-                </a:pPr>
-                <a14:m>
-                  <m:oMath xmlns:m="http://schemas.openxmlformats.org/officeDocument/2006/math">
-                    <m:sSup>
-                      <m:e>
-                        <m:r>
-                          <m:t>X</m:t>
-                        </m:r>
-                      </m:e>
-                      <m:sup>
-                        <m:d>
-                          <m:dPr>
-                            <m:begChr m:val="("/>
-                            <m:endChr m:val=")"/>
-                            <m:sepChr m:val=""/>
-                            <m:grow/>
-                          </m:dPr>
-                          <m:e>
-                            <m:r>
-                              <m:rPr>
-                                <m:sty m:val="p"/>
-                              </m:rPr>
-                              <m:t>−</m:t>
-                            </m:r>
-                            <m:r>
-                              <m:t>3</m:t>
-                            </m:r>
-                          </m:e>
-                        </m:d>
-                      </m:sup>
-                    </m:sSup>
-                    <m:r>
-                      <m:rPr>
-                        <m:sty m:val="p"/>
-                      </m:rPr>
-                      <m:t>=</m:t>
-                    </m:r>
-                    <m:d>
-                      <m:dPr>
-                        <m:begChr m:val="("/>
-                        <m:endChr m:val=")"/>
-                        <m:sepChr m:val=""/>
-                        <m:grow/>
-                      </m:dPr>
-                      <m:e>
-                        <m:r>
-                          <m:t>2</m:t>
-                        </m:r>
-                        <m:r>
-                          <m:rPr>
-                            <m:sty m:val="p"/>
-                          </m:rPr>
-                          <m:t>,</m:t>
-                        </m:r>
-                        <m:r>
-                          <m:t>3</m:t>
-                        </m:r>
-                        <m:r>
-                          <m:rPr>
-                            <m:sty m:val="p"/>
-                          </m:rPr>
-                          <m:t>,</m:t>
-                        </m:r>
-                        <m:r>
-                          <m:t> </m:t>
-                        </m:r>
-                        <m:r>
-                          <m:t> </m:t>
-                        </m:r>
-                        <m:r>
-                          <m:rPr>
-                            <m:sty m:val="p"/>
-                          </m:rPr>
-                          <m:t>,</m:t>
-                        </m:r>
-                        <m:r>
-                          <m:t>5</m:t>
-                        </m:r>
-                        <m:r>
-                          <m:rPr>
-                            <m:sty m:val="p"/>
-                          </m:rPr>
-                          <m:t>,</m:t>
-                        </m:r>
-                        <m:r>
-                          <m:t>6</m:t>
-                        </m:r>
-                      </m:e>
-                    </m:d>
-                  </m:oMath>
-                </a14:m>
-              </a:p>
-              <a:p>
-                <a:pPr lvl="0" indent="0" marL="0">
-                  <a:buNone/>
-                </a:pPr>
-                <a14:m>
-                  <m:oMath xmlns:m="http://schemas.openxmlformats.org/officeDocument/2006/math">
-                    <m:sSup>
-                      <m:e>
-                        <m:r>
-                          <m:t>X</m:t>
-                        </m:r>
-                      </m:e>
-                      <m:sup>
-                        <m:d>
-                          <m:dPr>
-                            <m:begChr m:val="("/>
-                            <m:endChr m:val=")"/>
-                            <m:sepChr m:val=""/>
-                            <m:grow/>
-                          </m:dPr>
-                          <m:e>
-                            <m:r>
-                              <m:rPr>
-                                <m:sty m:val="p"/>
-                              </m:rPr>
-                              <m:t>−</m:t>
-                            </m:r>
-                            <m:r>
-                              <m:t>4</m:t>
-                            </m:r>
-                          </m:e>
-                        </m:d>
-                      </m:sup>
-                    </m:sSup>
-                    <m:r>
-                      <m:rPr>
-                        <m:sty m:val="p"/>
-                      </m:rPr>
-                      <m:t>=</m:t>
-                    </m:r>
-                    <m:d>
-                      <m:dPr>
-                        <m:begChr m:val="("/>
-                        <m:endChr m:val=")"/>
-                        <m:sepChr m:val=""/>
-                        <m:grow/>
-                      </m:dPr>
-                      <m:e>
-                        <m:r>
-                          <m:t>2</m:t>
-                        </m:r>
-                        <m:r>
-                          <m:rPr>
-                            <m:sty m:val="p"/>
-                          </m:rPr>
-                          <m:t>,</m:t>
-                        </m:r>
-                        <m:r>
-                          <m:t>3</m:t>
-                        </m:r>
-                        <m:r>
-                          <m:rPr>
-                            <m:sty m:val="p"/>
-                          </m:rPr>
-                          <m:t>,</m:t>
-                        </m:r>
-                        <m:r>
-                          <m:t>7</m:t>
-                        </m:r>
-                        <m:r>
-                          <m:rPr>
-                            <m:sty m:val="p"/>
-                          </m:rPr>
-                          <m:t>,</m:t>
-                        </m:r>
-                        <m:r>
-                          <m:t> </m:t>
-                        </m:r>
-                        <m:r>
-                          <m:t> </m:t>
-                        </m:r>
-                        <m:r>
-                          <m:rPr>
-                            <m:sty m:val="p"/>
-                          </m:rPr>
-                          <m:t>,</m:t>
-                        </m:r>
-                        <m:r>
-                          <m:t>6</m:t>
-                        </m:r>
-                      </m:e>
-                    </m:d>
-                  </m:oMath>
-                </a14:m>
-              </a:p>
-              <a:p>
-                <a:pPr lvl="0" indent="0" marL="0">
-                  <a:buNone/>
-                </a:pPr>
-                <a14:m>
-                  <m:oMath xmlns:m="http://schemas.openxmlformats.org/officeDocument/2006/math">
-                    <m:sSup>
-                      <m:e>
-                        <m:r>
-                          <m:t>X</m:t>
-                        </m:r>
-                      </m:e>
-                      <m:sup>
-                        <m:d>
-                          <m:dPr>
-                            <m:begChr m:val="("/>
-                            <m:endChr m:val=")"/>
-                            <m:sepChr m:val=""/>
-                            <m:grow/>
-                          </m:dPr>
-                          <m:e>
-                            <m:r>
-                              <m:rPr>
-                                <m:sty m:val="p"/>
-                              </m:rPr>
-                              <m:t>−</m:t>
-                            </m:r>
-                            <m:r>
-                              <m:t>5</m:t>
-                            </m:r>
-                          </m:e>
-                        </m:d>
-                      </m:sup>
-                    </m:sSup>
-                    <m:r>
-                      <m:rPr>
-                        <m:sty m:val="p"/>
-                      </m:rPr>
-                      <m:t>=</m:t>
-                    </m:r>
-                    <m:d>
-                      <m:dPr>
-                        <m:begChr m:val="("/>
-                        <m:endChr m:val=")"/>
-                        <m:sepChr m:val=""/>
-                        <m:grow/>
-                      </m:dPr>
-                      <m:e>
-                        <m:r>
-                          <m:t>2</m:t>
-                        </m:r>
-                        <m:r>
-                          <m:rPr>
-                            <m:sty m:val="p"/>
-                          </m:rPr>
-                          <m:t>,</m:t>
-                        </m:r>
-                        <m:r>
-                          <m:t>3</m:t>
-                        </m:r>
-                        <m:r>
-                          <m:rPr>
-                            <m:sty m:val="p"/>
-                          </m:rPr>
-                          <m:t>,</m:t>
-                        </m:r>
-                        <m:r>
-                          <m:t>7</m:t>
-                        </m:r>
-                        <m:r>
-                          <m:rPr>
-                            <m:sty m:val="p"/>
-                          </m:rPr>
-                          <m:t>,</m:t>
-                        </m:r>
-                        <m:r>
-                          <m:t>5</m:t>
-                        </m:r>
-                        <m:r>
-                          <m:rPr>
-                            <m:sty m:val="p"/>
-                          </m:rPr>
-                          <m:t>,</m:t>
-                        </m:r>
-                        <m:r>
-                          <m:t> </m:t>
-                        </m:r>
-                        <m:r>
-                          <m:t> </m:t>
-                        </m:r>
-                        <m:r>
-                          <m:t> </m:t>
-                        </m:r>
-                      </m:e>
-                    </m:d>
                   </m:oMath>
                 </a14:m>
               </a:p>

--- a/bootstrap/src/bootstrap-slides.pptx
+++ b/bootstrap/src/bootstrap-slides.pptx
@@ -5,7 +5,7 @@
     <p:sldMasterId id="2147483648" r:id="rId1"/>
   </p:sldMasterIdLst>
   <p:notesMasterIdLst>
-    <p:notesMasterId r:id="rId78"/>
+    <p:notesMasterId r:id="rId80"/>
   </p:notesMasterIdLst>
   <p:sldIdLst>
     <p:sldId id="256" r:id="rId2"/>
@@ -84,6 +84,8 @@
     <p:sldId id="329" r:id="rId75"/>
     <p:sldId id="330" r:id="rId76"/>
     <p:sldId id="331" r:id="rId77"/>
+    <p:sldId id="332" r:id="rId78"/>
+    <p:sldId id="333" r:id="rId79"/>
   </p:sldIdLst>
   <p:sldSz cx="12192000" cy="6858000"/>
   <p:notesSz cx="6858000" cy="9144000"/>
@@ -599,91 +601,7 @@
             </a:pPr>
             <a:r>
               <a:rPr/>
-              <a:t>Here is the abstract that I provided. I am including it here to remind myself what I promised to talk about.</a:t>
-            </a:r>
-          </a:p>
-          <a:p>
-            <a:pPr lvl="0" indent="0" marL="0">
-              <a:buNone/>
-            </a:pPr>
-          </a:p>
-          <a:p>
-            <a:pPr lvl="0" indent="0" marL="0">
-              <a:buNone/>
-            </a:pPr>
-            <a:r>
-              <a:rPr/>
-              <a:t>The bootstrap is a methodology derived by Bradley Efron in the 1980s that provides a reasonable approximation to the sampling distribution of various “difficult” statistics. Difficult statistics are those where there is no mathematical theory to establish a distribution. It is also useful when you don’t trust the mathematical theory because of a small sample size or potential violations of the underlying assumptions. The bootstrap is also a mechanism used by many machine learning algorithms to avoid overfitting. This talk will orient you to the general mechanisms of the bootstrap algorithm and illustrate its application in a couple of simple settings.</a:t>
-            </a:r>
-          </a:p>
-          <a:p>
-            <a:pPr lvl="0" indent="0" marL="0">
-              <a:buNone/>
-            </a:pPr>
-          </a:p>
-          <a:p>
-            <a:pPr lvl="0" indent="0" marL="0">
-              <a:buNone/>
-            </a:pPr>
-            <a:r>
-              <a:rPr/>
-              <a:t>This talk will cover four major areas.</a:t>
-            </a:r>
-          </a:p>
-          <a:p>
-            <a:pPr lvl="0" indent="0" marL="0">
-              <a:buNone/>
-            </a:pPr>
-          </a:p>
-          <a:p>
-            <a:pPr lvl="0" indent="0" marL="0">
-              <a:buNone/>
-            </a:pPr>
-            <a:r>
-              <a:rPr/>
-              <a:t>First, I will provide a historical overview, starting with a simpler method that the bootstrap was based on called the jackknife. Then I will talk about Bradley Efron’s work to develop the bootstrap and establish its theoretical foundations. Then I will mention how bootstrapping has developed into a methodology used in machine learning called bagging.</a:t>
-            </a:r>
-          </a:p>
-          <a:p>
-            <a:pPr lvl="0" indent="0" marL="0">
-              <a:buNone/>
-            </a:pPr>
-          </a:p>
-          <a:p>
-            <a:pPr lvl="0" indent="0" marL="0">
-              <a:buNone/>
-            </a:pPr>
-            <a:r>
-              <a:rPr/>
-              <a:t>I will illustrate the mechanics of the bootstrap: to estimate bias, calculate standard errors, compute confidence intervals, test hypotheses, and to visualize variations in statistical plots.</a:t>
-            </a:r>
-          </a:p>
-          <a:p>
-            <a:pPr lvl="0" indent="0" marL="0">
-              <a:buNone/>
-            </a:pPr>
-          </a:p>
-          <a:p>
-            <a:pPr lvl="0" indent="0" marL="0">
-              <a:buNone/>
-            </a:pPr>
-            <a:r>
-              <a:rPr/>
-              <a:t>Then I will show some sample code on how to implement the bootstrap in SAS, Stata, and R.</a:t>
-            </a:r>
-          </a:p>
-          <a:p>
-            <a:pPr lvl="0" indent="0" marL="0">
-              <a:buNone/>
-            </a:pPr>
-          </a:p>
-          <a:p>
-            <a:pPr lvl="0" indent="0" marL="0">
-              <a:buNone/>
-            </a:pPr>
-            <a:r>
-              <a:rPr/>
-              <a:t>Then I will discuss some special settings where you might consider more complex forms of bootstrapping.</a:t>
+              <a:t>Most of you should be familiar with the components and stages that The Analysis Factor uses to classify their talks. This talk is in Stage 3, Extensions of Linear Models. It covers a pretty broad swath, but might be considered as interpreting results. Perhaps validating results might be a second component.</a:t>
             </a:r>
           </a:p>
         </p:txBody>
@@ -705,7 +623,7 @@
           <a:p>
             <a:fld id="{18BDFEC3-8487-43E8-A154-7C12CBC1FFF2}" type="slidenum">
               <a:rPr lang="en-US"/>
-              <a:t>4</a:t>
+              <a:t>2</a:t>
             </a:fld>
             <a:endParaRPr lang="en-US"/>
           </a:p>
@@ -765,7 +683,21 @@
             </a:pPr>
             <a:r>
               <a:rPr/>
-              <a:t>The average of the jackknife subsamples is a bit less than 1.68. This indicates a small amount of bias, though I would argue that the size of the bias is manageable. The standard deviation of the jackknife subsamples is around 0.3 (I’m rounding liberally here). This standard deviation is a reasonable estimate for the standard error of the mean absolute deviation. So plus or minus two standard errors gives you an approximate confidence interval from 1.0 to 2.2. A fair amount of imprecision, but hardly surprising for a dataset with a total sample size of 5.</a:t>
+              <a:t>For the jackknife, you create subsamples by leaving one data point out.</a:t>
+            </a:r>
+          </a:p>
+          <a:p>
+            <a:pPr lvl="0" indent="0" marL="0">
+              <a:buNone/>
+            </a:pPr>
+          </a:p>
+          <a:p>
+            <a:pPr lvl="0" indent="0" marL="0">
+              <a:buNone/>
+            </a:pPr>
+            <a:r>
+              <a:rPr/>
+              <a:t>The original data set in this small artificial example is 2, 3, 7, 5, 6. The first subsample leaves out the 2. The second subsample leaves out the 3. And so forth. With five data points, you have five subsamples.</a:t>
             </a:r>
           </a:p>
         </p:txBody>
@@ -787,7 +719,7 @@
           <a:p>
             <a:fld id="{18BDFEC3-8487-43E8-A154-7C12CBC1FFF2}" type="slidenum">
               <a:rPr lang="en-US"/>
-              <a:t>15</a:t>
+              <a:t>11</a:t>
             </a:fld>
             <a:endParaRPr lang="en-US"/>
           </a:p>
@@ -847,63 +779,7 @@
             </a:pPr>
             <a:r>
               <a:rPr/>
-              <a:t>This image is from a White House ceremony where Bradley Efron received the President’s National Medal of Science. I was quite shocked when I found this picture a few days ago, and I’ve been trying to call Joe Biden ever since to see where my medal is. Seriously, you have to be a really special statistician to deserve an honor like this.</a:t>
-            </a:r>
-          </a:p>
-          <a:p>
-            <a:pPr lvl="0" indent="0" marL="0">
-              <a:buNone/>
-            </a:pPr>
-          </a:p>
-          <a:p>
-            <a:pPr lvl="0" indent="0" marL="0">
-              <a:buNone/>
-            </a:pPr>
-            <a:r>
-              <a:rPr/>
-              <a:t>Most of the information about Bradley Efron comes from</a:t>
-            </a:r>
-          </a:p>
-          <a:p>
-            <a:pPr lvl="0" indent="0" marL="0">
-              <a:buNone/>
-            </a:pPr>
-          </a:p>
-          <a:p>
-            <a:pPr lvl="0" indent="0" marL="0">
-              <a:buNone/>
-            </a:pPr>
-            <a:r>
-              <a:rPr/>
-              <a:t>Denise LaFontaine. The History of Bootstrapping: Tracing the Development of Resampling With Replacement. The Mathematics Enthusiast 2021, 18(1). Available in pdf format.</a:t>
-            </a:r>
-          </a:p>
-          <a:p>
-            <a:pPr lvl="0" indent="0" marL="0">
-              <a:buNone/>
-            </a:pPr>
-          </a:p>
-          <a:p>
-            <a:pPr lvl="0" indent="0" marL="0">
-              <a:buNone/>
-            </a:pPr>
-            <a:r>
-              <a:rPr/>
-              <a:t>Bradley Efron entered the PhD program in Statistics at Stanford University in 1960. He was influenced by one of the faculty at Stanford, Rupert Miller, who was working on establishing conditions under which the jackknife did or did not perform well. Shortly after graduating, Dr. Efron started working on an approach that would fix some of the shortcomings of the jackknife.</a:t>
-            </a:r>
-          </a:p>
-          <a:p>
-            <a:pPr lvl="0" indent="0" marL="0">
-              <a:buNone/>
-            </a:pPr>
-          </a:p>
-          <a:p>
-            <a:pPr lvl="0" indent="0" marL="0">
-              <a:buNone/>
-            </a:pPr>
-            <a:r>
-              <a:rPr/>
-              <a:t>It turns out that the jackknife works in a variety of settings, but fails badly for certain statistics like the median and the interquartile range. The bootstrap handles all the cases that the jackknife handles but also handles quite a few that the jackknife can’t.</a:t>
+              <a:t>Then calculate a statistic (in this case, the mean absolute deviation). Do it first for the entire sample. Here are the actual calculations.</a:t>
             </a:r>
           </a:p>
         </p:txBody>
@@ -925,7 +801,7 @@
           <a:p>
             <a:fld id="{18BDFEC3-8487-43E8-A154-7C12CBC1FFF2}" type="slidenum">
               <a:rPr lang="en-US"/>
-              <a:t>16</a:t>
+              <a:t>12</a:t>
             </a:fld>
             <a:endParaRPr lang="en-US"/>
           </a:p>
@@ -985,49 +861,7 @@
             </a:pPr>
             <a:r>
               <a:rPr/>
-              <a:t>Bradley Efron decided to create subsamples by sampling from the full data set, but with replacement.</a:t>
-            </a:r>
-          </a:p>
-          <a:p>
-            <a:pPr lvl="0" indent="0" marL="0">
-              <a:buNone/>
-            </a:pPr>
-          </a:p>
-          <a:p>
-            <a:pPr lvl="0" indent="0" marL="0">
-              <a:buNone/>
-            </a:pPr>
-            <a:r>
-              <a:rPr/>
-              <a:t>Sampling with replacement means that the first data value selected gets tossed back into the pool and is available for selection later on. It might get selected a second, or even a third time. A consequence of this is that one or more of the original values might not make it into the bootstrap sample. If one data value is hogging two or three spots, that squeezes out room for another data value.</a:t>
-            </a:r>
-          </a:p>
-          <a:p>
-            <a:pPr lvl="0" indent="0" marL="0">
-              <a:buNone/>
-            </a:pPr>
-          </a:p>
-          <a:p>
-            <a:pPr lvl="0" indent="0" marL="0">
-              <a:buNone/>
-            </a:pPr>
-            <a:r>
-              <a:rPr/>
-              <a:t>The first bootstrap sample picks the 5 twice and skips over the 6. The second bootstrap sample picks the 5 twice and the 7 twice and skips over the 2 and the 6.</a:t>
-            </a:r>
-          </a:p>
-          <a:p>
-            <a:pPr lvl="0" indent="0" marL="0">
-              <a:buNone/>
-            </a:pPr>
-          </a:p>
-          <a:p>
-            <a:pPr lvl="0" indent="0" marL="0">
-              <a:buNone/>
-            </a:pPr>
-            <a:r>
-              <a:rPr/>
-              <a:t>One big advantage of the bootstrap samples is that you can do this hundreds or even thousands of times.</a:t>
+              <a:t>Then repeat the calculation with the first observation left out. Notice that we are dividing now by four rather than by five.</a:t>
             </a:r>
           </a:p>
         </p:txBody>
@@ -1049,7 +883,7 @@
           <a:p>
             <a:fld id="{18BDFEC3-8487-43E8-A154-7C12CBC1FFF2}" type="slidenum">
               <a:rPr lang="en-US"/>
-              <a:t>17</a:t>
+              <a:t>13</a:t>
             </a:fld>
             <a:endParaRPr lang="en-US"/>
           </a:p>
@@ -1109,7 +943,7 @@
             </a:pPr>
             <a:r>
               <a:rPr/>
-              <a:t>Here’s what you might do with the bootstrap samples. Suppose we are interested in the behavior of the mean absolute deviation for this particular dataset. You can calculate that statistic for each bootstrap sample. It is 1.52 for the first bootstrap sample, 1.28 for the second bootstrap sample, and so forth. Notice how much this statistic varies from one sample to the next.</a:t>
+              <a:t>Here are the results for the remaining jackknife sample. Notice that there is some variation in the results from one jackknife subsample to another.</a:t>
             </a:r>
           </a:p>
         </p:txBody>
@@ -1131,7 +965,7 @@
           <a:p>
             <a:fld id="{18BDFEC3-8487-43E8-A154-7C12CBC1FFF2}" type="slidenum">
               <a:rPr lang="en-US"/>
-              <a:t>18</a:t>
+              <a:t>14</a:t>
             </a:fld>
             <a:endParaRPr lang="en-US"/>
           </a:p>
@@ -1191,21 +1025,7 @@
             </a:pPr>
             <a:r>
               <a:rPr/>
-              <a:t>The average across all the bootstrap samples is a bit smaller than the estimate for the original data. This indicates, as we noticed before with the jackknife, a small amount of bias.</a:t>
-            </a:r>
-          </a:p>
-          <a:p>
-            <a:pPr lvl="0" indent="0" marL="0">
-              <a:buNone/>
-            </a:pPr>
-          </a:p>
-          <a:p>
-            <a:pPr lvl="0" indent="0" marL="0">
-              <a:buNone/>
-            </a:pPr>
-            <a:r>
-              <a:rPr/>
-              <a:t>The standard deviation from the bootstrap mean absolute deviations is an estimate of the standard error of that statistic. It is fairly large, but as noted earlier, not too much of a surprise.</a:t>
+              <a:t>The average of the jackknife subsamples is a bit less than 1.68. This indicates a small amount of bias, though I would argue that the size of the bias is manageable. The standard deviation of the jackknife subsamples is around 0.3 (I’m rounding liberally here). This standard deviation is a reasonable estimate for the standard error of the mean absolute deviation. So plus or minus two standard errors gives you an approximate confidence interval from 1.0 to 2.2. A fair amount of imprecision, but hardly surprising for a dataset with a total sample size of 5.</a:t>
             </a:r>
           </a:p>
         </p:txBody>
@@ -1227,7 +1047,7 @@
           <a:p>
             <a:fld id="{18BDFEC3-8487-43E8-A154-7C12CBC1FFF2}" type="slidenum">
               <a:rPr lang="en-US"/>
-              <a:t>19</a:t>
+              <a:t>15</a:t>
             </a:fld>
             <a:endParaRPr lang="en-US"/>
           </a:p>
@@ -1287,7 +1107,63 @@
             </a:pPr>
             <a:r>
               <a:rPr/>
-              <a:t>This is a histogram of the 500 bootstrapped estimates of the mean absolute deviation. Notice that it is “patchy” and does not follow a smooth bell shaped curve. This is an important issue that we will address when computing confidence intervals.</a:t>
+              <a:t>This image is from a White House ceremony where Bradley Efron received the President’s National Medal of Science. I was quite shocked when I found this picture a few days ago, and I’ve been trying to call Joe Biden ever since to see where my medal is. Seriously, you have to be a really special statistician to deserve an honor like this.</a:t>
+            </a:r>
+          </a:p>
+          <a:p>
+            <a:pPr lvl="0" indent="0" marL="0">
+              <a:buNone/>
+            </a:pPr>
+          </a:p>
+          <a:p>
+            <a:pPr lvl="0" indent="0" marL="0">
+              <a:buNone/>
+            </a:pPr>
+            <a:r>
+              <a:rPr/>
+              <a:t>Most of the information about Bradley Efron comes from</a:t>
+            </a:r>
+          </a:p>
+          <a:p>
+            <a:pPr lvl="0" indent="0" marL="0">
+              <a:buNone/>
+            </a:pPr>
+          </a:p>
+          <a:p>
+            <a:pPr lvl="0" indent="0" marL="0">
+              <a:buNone/>
+            </a:pPr>
+            <a:r>
+              <a:rPr/>
+              <a:t>Denise LaFontaine. The History of Bootstrapping: Tracing the Development of Resampling With Replacement. The Mathematics Enthusiast 2021, 18(1). Available in pdf format.</a:t>
+            </a:r>
+          </a:p>
+          <a:p>
+            <a:pPr lvl="0" indent="0" marL="0">
+              <a:buNone/>
+            </a:pPr>
+          </a:p>
+          <a:p>
+            <a:pPr lvl="0" indent="0" marL="0">
+              <a:buNone/>
+            </a:pPr>
+            <a:r>
+              <a:rPr/>
+              <a:t>Bradley Efron entered the PhD program in Statistics at Stanford University in 1960. He was influenced by one of the faculty at Stanford, Rupert Miller, who was working on establishing conditions under which the jackknife did or did not perform well. Shortly after graduating, Dr. Efron started working on an approach that would fix some of the shortcomings of the jackknife.</a:t>
+            </a:r>
+          </a:p>
+          <a:p>
+            <a:pPr lvl="0" indent="0" marL="0">
+              <a:buNone/>
+            </a:pPr>
+          </a:p>
+          <a:p>
+            <a:pPr lvl="0" indent="0" marL="0">
+              <a:buNone/>
+            </a:pPr>
+            <a:r>
+              <a:rPr/>
+              <a:t>It turns out that the jackknife works in a variety of settings, but fails badly for certain statistics like the median and the interquartile range. The bootstrap handles all the cases that the jackknife handles but also handles quite a few that the jackknife can’t.</a:t>
             </a:r>
           </a:p>
         </p:txBody>
@@ -1309,7 +1185,7 @@
           <a:p>
             <a:fld id="{18BDFEC3-8487-43E8-A154-7C12CBC1FFF2}" type="slidenum">
               <a:rPr lang="en-US"/>
-              <a:t>20</a:t>
+              <a:t>16</a:t>
             </a:fld>
             <a:endParaRPr lang="en-US"/>
           </a:p>
@@ -1369,77 +1245,49 @@
             </a:pPr>
             <a:r>
               <a:rPr/>
-              <a:t>Suppose we have inside knowledge about the true probabilities for the data in our sample. Here is a cumulative distribution function that can generate data for a particular distribution.</a:t>
-            </a:r>
-          </a:p>
-          <a:p>
-            <a:pPr lvl="0" indent="0" marL="0">
-              <a:buNone/>
-            </a:pPr>
-          </a:p>
-          <a:p>
-            <a:pPr lvl="0" indent="0" marL="0">
-              <a:buNone/>
-            </a:pPr>
-            <a:r>
-              <a:rPr/>
-              <a:t>The cumulative distribution allows you to compute the cumulative probability for any data value. Select the data value on the X axis, project up to the curve and slide horizontally to read the cumulative probability on the Y axis.</a:t>
-            </a:r>
-          </a:p>
-          <a:p>
-            <a:pPr lvl="0" indent="0" marL="0">
-              <a:buNone/>
-            </a:pPr>
-          </a:p>
-          <a:p>
-            <a:pPr lvl="0" indent="0" marL="0">
-              <a:buNone/>
-            </a:pPr>
-            <a:r>
-              <a:rPr/>
-              <a:t>You can also invert the process to get a percentile. Select a percentile level on the Y-axis, project horizontally until you intersect the curve, then drop down to the X-axis to get the percentile.</a:t>
-            </a:r>
-          </a:p>
-          <a:p>
-            <a:pPr lvl="0" indent="0" marL="0">
-              <a:buNone/>
-            </a:pPr>
-          </a:p>
-          <a:p>
-            <a:pPr lvl="0" indent="0" marL="0">
-              <a:buNone/>
-            </a:pPr>
-            <a:r>
-              <a:rPr/>
-              <a:t>To get the median, for example, find 0.5 on the y-axis, project over to the curve and down to about 4.</a:t>
-            </a:r>
-          </a:p>
-          <a:p>
-            <a:pPr lvl="0" indent="0" marL="0">
-              <a:buNone/>
-            </a:pPr>
-          </a:p>
-          <a:p>
-            <a:pPr lvl="0" indent="0" marL="0">
-              <a:buNone/>
-            </a:pPr>
-            <a:r>
-              <a:rPr/>
-              <a:t>It’s subtle, but notice that the curve is a just a bit lopsided, indicating a tiny amount of a skewness in this data.</a:t>
-            </a:r>
-          </a:p>
-          <a:p>
-            <a:pPr lvl="0" indent="0" marL="0">
-              <a:buNone/>
-            </a:pPr>
-          </a:p>
-          <a:p>
-            <a:pPr lvl="0" indent="0" marL="0">
-              <a:buNone/>
-            </a:pPr>
-            <a:r>
-              <a:rPr/>
-              <a:t>If you had inside knowledge, enough to specify the cumulative distribution function, you could generate random samples from this distribution and calculate statistics on those random samples. It is a basic tool in Statistics known as Monte Carlo simulation.</a:t>
+              <a:t>Bradley Efron decided to create subsamples by sampling from the full data set, but with replacement.</a:t>
+            </a:r>
+          </a:p>
+          <a:p>
+            <a:pPr lvl="0" indent="0" marL="0">
+              <a:buNone/>
+            </a:pPr>
+          </a:p>
+          <a:p>
+            <a:pPr lvl="0" indent="0" marL="0">
+              <a:buNone/>
+            </a:pPr>
+            <a:r>
+              <a:rPr/>
+              <a:t>Sampling with replacement means that the first data value selected gets tossed back into the pool and is available for selection later on. It might get selected a second, or even a third time. A consequence of this is that one or more of the original values might not make it into the bootstrap sample. If one data value is hogging two or three spots, that squeezes out room for another data value.</a:t>
+            </a:r>
+          </a:p>
+          <a:p>
+            <a:pPr lvl="0" indent="0" marL="0">
+              <a:buNone/>
+            </a:pPr>
+          </a:p>
+          <a:p>
+            <a:pPr lvl="0" indent="0" marL="0">
+              <a:buNone/>
+            </a:pPr>
+            <a:r>
+              <a:rPr/>
+              <a:t>The first bootstrap sample picks the 5 twice and skips over the 6. The second bootstrap sample picks the 5 twice and the 7 twice and skips over the 2 and the 6.</a:t>
+            </a:r>
+          </a:p>
+          <a:p>
+            <a:pPr lvl="0" indent="0" marL="0">
+              <a:buNone/>
+            </a:pPr>
+          </a:p>
+          <a:p>
+            <a:pPr lvl="0" indent="0" marL="0">
+              <a:buNone/>
+            </a:pPr>
+            <a:r>
+              <a:rPr/>
+              <a:t>One big advantage of the bootstrap samples is that you can do this hundreds or even thousands of times.</a:t>
             </a:r>
           </a:p>
         </p:txBody>
@@ -1461,7 +1309,7 @@
           <a:p>
             <a:fld id="{18BDFEC3-8487-43E8-A154-7C12CBC1FFF2}" type="slidenum">
               <a:rPr lang="en-US"/>
-              <a:t>21</a:t>
+              <a:t>17</a:t>
             </a:fld>
             <a:endParaRPr lang="en-US"/>
           </a:p>
@@ -1521,35 +1369,21 @@
             </a:pPr>
             <a:r>
               <a:rPr/>
-              <a:t>The simplest way to generate random variables from a specific cumulative density function is to select values on the y-axis from a random variable uniformly distributed on the interval 0 to 1. Project those values horizontally until they intersect the curve and then drop down to the X-axis. What you’re doing is picking random percentiles from the distribution.</a:t>
-            </a:r>
-          </a:p>
-          <a:p>
-            <a:pPr lvl="0" indent="0" marL="0">
-              <a:buNone/>
-            </a:pPr>
-          </a:p>
-          <a:p>
-            <a:pPr lvl="0" indent="0" marL="0">
-              <a:buNone/>
-            </a:pPr>
-            <a:r>
-              <a:rPr/>
-              <a:t>So grab n uniform random variables, convert them into percentiles from the cumulative distribution function, and then calculate some statistic like the mean absolute deviation. Get another set of n uniform random variables and repeat the process. With computers as fast as they are today, you could do this a few hundred or even a few thousand times and not break a sweat.</a:t>
-            </a:r>
-          </a:p>
-          <a:p>
-            <a:pPr lvl="0" indent="0" marL="0">
-              <a:buNone/>
-            </a:pPr>
-          </a:p>
-          <a:p>
-            <a:pPr lvl="0" indent="0" marL="0">
-              <a:buNone/>
-            </a:pPr>
-            <a:r>
-              <a:rPr/>
-              <a:t>Of course, most of the time, you can’t run this Monte Carlo simulation without making some strong assumptions. If you have a particular set of data, do you ever really know what the cumulative distribution function is that created this data? Even if you were lucky enough to have some inside information–that it was associated with a normal random variable, for example–you wouldn’t know which normal. You wouldn’t know the mu and you wouldn’t know the sigma.</a:t>
+              <a:t>Here are the calculations for the mean absolute deviation for the first bootstrap sample.</a:t>
+            </a:r>
+          </a:p>
+          <a:p>
+            <a:pPr lvl="0" indent="0" marL="0">
+              <a:buNone/>
+            </a:pPr>
+          </a:p>
+          <a:p>
+            <a:pPr lvl="0" indent="0" marL="0">
+              <a:buNone/>
+            </a:pPr>
+            <a:r>
+              <a:rPr/>
+              <a:t>This is not difficult, but you need to repeat the calculations 499 more times.</a:t>
             </a:r>
           </a:p>
         </p:txBody>
@@ -1571,7 +1405,7 @@
           <a:p>
             <a:fld id="{18BDFEC3-8487-43E8-A154-7C12CBC1FFF2}" type="slidenum">
               <a:rPr lang="en-US"/>
-              <a:t>22</a:t>
+              <a:t>18</a:t>
             </a:fld>
             <a:endParaRPr lang="en-US"/>
           </a:p>
@@ -1631,35 +1465,7 @@
             </a:pPr>
             <a:r>
               <a:rPr/>
-              <a:t>You can get a good approximation to the cumulative distribution function using the data. Draw a step function with a jump of 1/n at each data point where n is the number of data points.</a:t>
-            </a:r>
-          </a:p>
-          <a:p>
-            <a:pPr lvl="0" indent="0" marL="0">
-              <a:buNone/>
-            </a:pPr>
-          </a:p>
-          <a:p>
-            <a:pPr lvl="0" indent="0" marL="0">
-              <a:buNone/>
-            </a:pPr>
-            <a:r>
-              <a:rPr/>
-              <a:t>This step function is known as the empirical cumulative distribution function.</a:t>
-            </a:r>
-          </a:p>
-          <a:p>
-            <a:pPr lvl="0" indent="0" marL="0">
-              <a:buNone/>
-            </a:pPr>
-          </a:p>
-          <a:p>
-            <a:pPr lvl="0" indent="0" marL="0">
-              <a:buNone/>
-            </a:pPr>
-            <a:r>
-              <a:rPr/>
-              <a:t>The empirical cumulative distribution function does a pretty good job. It is unbiased and converges to the true cumulative distribution function as the sample size increases.</a:t>
+              <a:t>Here’s what you might do with the bootstrap samples. Suppose you are interested in the behavior of the mean absolute deviation for this particular dataset. You can calculate that statistic for each bootstrap sample. It is 1.52 for the first bootstrap sample, 1.28 for the second bootstrap sample, and so forth. Notice how much this statistic varies from one sample to the next.</a:t>
             </a:r>
           </a:p>
         </p:txBody>
@@ -1681,7 +1487,7 @@
           <a:p>
             <a:fld id="{18BDFEC3-8487-43E8-A154-7C12CBC1FFF2}" type="slidenum">
               <a:rPr lang="en-US"/>
-              <a:t>23</a:t>
+              <a:t>19</a:t>
             </a:fld>
             <a:endParaRPr lang="en-US"/>
           </a:p>
@@ -1741,35 +1547,21 @@
             </a:pPr>
             <a:r>
               <a:rPr/>
-              <a:t>If you can’t generate random variables from the true cumulative distribution function, then a good approximation would be to generate random variables from the empirical cumulative distribution function. Generate values on the Y-axis that are uniformly distributed on the interval 0 to 1, project over horizontally and then drop down to the X-axis.</a:t>
-            </a:r>
-          </a:p>
-          <a:p>
-            <a:pPr lvl="0" indent="0" marL="0">
-              <a:buNone/>
-            </a:pPr>
-          </a:p>
-          <a:p>
-            <a:pPr lvl="0" indent="0" marL="0">
-              <a:buNone/>
-            </a:pPr>
-            <a:r>
-              <a:rPr/>
-              <a:t>What you’re doing here is sampling from the data with replacement. So, at least intuitively, this is equivalent to an approximate Monte Carlo simulation based on the empirical cumulative distribution function.</a:t>
-            </a:r>
-          </a:p>
-          <a:p>
-            <a:pPr lvl="0" indent="0" marL="0">
-              <a:buNone/>
-            </a:pPr>
-          </a:p>
-          <a:p>
-            <a:pPr lvl="0" indent="0" marL="0">
-              <a:buNone/>
-            </a:pPr>
-            <a:r>
-              <a:rPr/>
-              <a:t>Notice in this example that some of the data values appear two or more times and others are not selected at all. Because it is done randomly, you get a reasonable set of simulated values, even without knowing the true underlying cumulative distribution function.</a:t>
+              <a:t>The average across all the bootstrap samples is a bit smaller than the estimate for the original data. This indicates, as you noticed before with the jackknife, a small amount of bias.</a:t>
+            </a:r>
+          </a:p>
+          <a:p>
+            <a:pPr lvl="0" indent="0" marL="0">
+              <a:buNone/>
+            </a:pPr>
+          </a:p>
+          <a:p>
+            <a:pPr lvl="0" indent="0" marL="0">
+              <a:buNone/>
+            </a:pPr>
+            <a:r>
+              <a:rPr/>
+              <a:t>The standard deviation from the bootstrap mean absolute deviations is an estimate of the standard error of that statistic. It is fairly large, but as noted earlier, not too much of a surprise.</a:t>
             </a:r>
           </a:p>
         </p:txBody>
@@ -1791,7 +1583,7 @@
           <a:p>
             <a:fld id="{18BDFEC3-8487-43E8-A154-7C12CBC1FFF2}" type="slidenum">
               <a:rPr lang="en-US"/>
-              <a:t>24</a:t>
+              <a:t>20</a:t>
             </a:fld>
             <a:endParaRPr lang="en-US"/>
           </a:p>
@@ -1851,21 +1643,21 @@
             </a:pPr>
             <a:r>
               <a:rPr/>
-              <a:t>I want to provide a bit of historical context. Before the bootstrap came along, researchers relied on a variety of mathematical theorems like the Central Limit Theorem and extensions to the Central Limit Theorem to estimate bias, calculate standard errors, produce confidence intervals, and test hypotheses.</a:t>
-            </a:r>
-          </a:p>
-          <a:p>
-            <a:pPr lvl="0" indent="0" marL="0">
-              <a:buNone/>
-            </a:pPr>
-          </a:p>
-          <a:p>
-            <a:pPr lvl="0" indent="0" marL="0">
-              <a:buNone/>
-            </a:pPr>
-            <a:r>
-              <a:rPr/>
-              <a:t>The bootstrap represents an early attempt to use the power of computer simulation to estimate bias, calculate standard errors, produce confidence intervals, and test hypotheses. The bootstrap provides these answers in many settings where you can’t find a version of the Central Limit Theorem that would apply or when you don’t trust the approximation. I’ll provide a brief overview of the jackknife, an earlier approach that the bootstrap was based on. Then I’ll talk about Bradley Efron’s work in the 1970’s and 1980’s to develop the bootstrap and to establish the mathematical principles that make the bootstrap work in so many different areas. Finally, I will talk about how bootstrapping came to be relied on in various machine learning algorithms.</a:t>
+              <a:t>Much of the material about bootstraps is either very specific to one problem or very mathematical. Althoug a few formulas are needed, I will try to avoid too much mathematics. I also want to give an appreciation of the broad range of areas where the bootstrap is appropriate. If you want to implement the bootstrap yourself, you need some basic programming skills, and I will talk about those skills. But if the programming is beyond you, don’t fret because bootstrapping is automated for several commonly used settings.</a:t>
+            </a:r>
+          </a:p>
+          <a:p>
+            <a:pPr lvl="0" indent="0" marL="0">
+              <a:buNone/>
+            </a:pPr>
+          </a:p>
+          <a:p>
+            <a:pPr lvl="0" indent="0" marL="0">
+              <a:buNone/>
+            </a:pPr>
+            <a:r>
+              <a:rPr/>
+              <a:t>It’s not possible to cover every possible application of the bootstrap today. I hope just to get you a bit more comfortable with the methodology in general.</a:t>
             </a:r>
           </a:p>
         </p:txBody>
@@ -1887,7 +1679,7 @@
           <a:p>
             <a:fld id="{18BDFEC3-8487-43E8-A154-7C12CBC1FFF2}" type="slidenum">
               <a:rPr lang="en-US"/>
-              <a:t>6</a:t>
+              <a:t>3</a:t>
             </a:fld>
             <a:endParaRPr lang="en-US"/>
           </a:p>
@@ -1947,35 +1739,7 @@
             </a:pPr>
             <a:r>
               <a:rPr/>
-              <a:t>The name bootstrap comes from the saying “Lift yourself up by your bootstraps”. It is a reference to getting something done without any help. This is analogous to the statistical bootstrap. It produces results with just the data at hand and no outside help from an assumed distribution.</a:t>
-            </a:r>
-          </a:p>
-          <a:p>
-            <a:pPr lvl="0" indent="0" marL="0">
-              <a:buNone/>
-            </a:pPr>
-          </a:p>
-          <a:p>
-            <a:pPr lvl="0" indent="0" marL="0">
-              <a:buNone/>
-            </a:pPr>
-            <a:r>
-              <a:rPr/>
-              <a:t>But the image of lifting yourself into the air by yanking on a loop of your shoe is also an analogy to doing something that seems impossible. The Useless Etymology website has a nice discussion of this saying, and the image you see here is taken from their website.</a:t>
-            </a:r>
-          </a:p>
-          <a:p>
-            <a:pPr lvl="0" indent="0" marL="0">
-              <a:buNone/>
-            </a:pPr>
-          </a:p>
-          <a:p>
-            <a:pPr lvl="0" indent="0" marL="0">
-              <a:buNone/>
-            </a:pPr>
-            <a:r>
-              <a:rPr/>
-              <a:t>The origin of this phrase “Lift yourself up by your bootstraps” is unclear. Several web pages trace this phrase back to a book, The Surprising Adventures of Baron Munchausen. This was a litany of tall tales somewhat akin to the Paul Bunyan character in American folklore. One of the improbable tasks that Baron Munchausen did was lifting himself out of a deep well by pulling on his bootstraps.</a:t>
+              <a:t>This is a histogram of the 500 bootstrapped estimates of the mean absolute deviation. Notice that it is “patchy” and does not follow a smooth bell shaped curve. This is an important issue that you will address when computing confidence intervals.</a:t>
             </a:r>
           </a:p>
         </p:txBody>
@@ -1997,7 +1761,7 @@
           <a:p>
             <a:fld id="{18BDFEC3-8487-43E8-A154-7C12CBC1FFF2}" type="slidenum">
               <a:rPr lang="en-US"/>
-              <a:t>25</a:t>
+              <a:t>21</a:t>
             </a:fld>
             <a:endParaRPr lang="en-US"/>
           </a:p>
@@ -2057,21 +1821,77 @@
             </a:pPr>
             <a:r>
               <a:rPr/>
-              <a:t>I want to briefly address bagging, an important application of the bootstrap to machine learning. Bagging is a portmanteau, a combination and shortening of two words: bootstrap aggregation.</a:t>
-            </a:r>
-          </a:p>
-          <a:p>
-            <a:pPr lvl="0" indent="0" marL="0">
-              <a:buNone/>
-            </a:pPr>
-          </a:p>
-          <a:p>
-            <a:pPr lvl="0" indent="0" marL="0">
-              <a:buNone/>
-            </a:pPr>
-            <a:r>
-              <a:rPr/>
-              <a:t>The basic building block for bagging in the random forest model is the CART model. CART is an acronym for Classification and Regression Trees.</a:t>
+              <a:t>Suppose you have inside knowledge about the true probabilities for the data in our sample. Here is a cumulative distribution function that can generate data for a particular distribution.</a:t>
+            </a:r>
+          </a:p>
+          <a:p>
+            <a:pPr lvl="0" indent="0" marL="0">
+              <a:buNone/>
+            </a:pPr>
+          </a:p>
+          <a:p>
+            <a:pPr lvl="0" indent="0" marL="0">
+              <a:buNone/>
+            </a:pPr>
+            <a:r>
+              <a:rPr/>
+              <a:t>The cumulative distribution allows you to compute the cumulative probability for any data value. Select the data value on the X axis, project up to the curve and slide horizontally to read the cumulative probability on the Y axis.</a:t>
+            </a:r>
+          </a:p>
+          <a:p>
+            <a:pPr lvl="0" indent="0" marL="0">
+              <a:buNone/>
+            </a:pPr>
+          </a:p>
+          <a:p>
+            <a:pPr lvl="0" indent="0" marL="0">
+              <a:buNone/>
+            </a:pPr>
+            <a:r>
+              <a:rPr/>
+              <a:t>You can also invert the process to get a percentile. Select a percentile level on the Y-axis, project horizontally until you intersect the curve, then drop down to the X-axis to get the percentile.</a:t>
+            </a:r>
+          </a:p>
+          <a:p>
+            <a:pPr lvl="0" indent="0" marL="0">
+              <a:buNone/>
+            </a:pPr>
+          </a:p>
+          <a:p>
+            <a:pPr lvl="0" indent="0" marL="0">
+              <a:buNone/>
+            </a:pPr>
+            <a:r>
+              <a:rPr/>
+              <a:t>To get the median, for example, find 0.5 on the y-axis, project over to the curve and down to about 4.</a:t>
+            </a:r>
+          </a:p>
+          <a:p>
+            <a:pPr lvl="0" indent="0" marL="0">
+              <a:buNone/>
+            </a:pPr>
+          </a:p>
+          <a:p>
+            <a:pPr lvl="0" indent="0" marL="0">
+              <a:buNone/>
+            </a:pPr>
+            <a:r>
+              <a:rPr/>
+              <a:t>It’s subtle, but notice that the curve is a just a bit lopsided, indicating a tiny amount of a skewness in this data.</a:t>
+            </a:r>
+          </a:p>
+          <a:p>
+            <a:pPr lvl="0" indent="0" marL="0">
+              <a:buNone/>
+            </a:pPr>
+          </a:p>
+          <a:p>
+            <a:pPr lvl="0" indent="0" marL="0">
+              <a:buNone/>
+            </a:pPr>
+            <a:r>
+              <a:rPr/>
+              <a:t>If you had inside knowledge, enough to specify the cumulative distribution function, you could generate random samples from this distribution and calculate statistics on those random samples. It is a basic tool in Statistics known as Monte Carlo simulation.</a:t>
             </a:r>
           </a:p>
         </p:txBody>
@@ -2093,7 +1913,7 @@
           <a:p>
             <a:fld id="{18BDFEC3-8487-43E8-A154-7C12CBC1FFF2}" type="slidenum">
               <a:rPr lang="en-US"/>
-              <a:t>26</a:t>
+              <a:t>22</a:t>
             </a:fld>
             <a:endParaRPr lang="en-US"/>
           </a:p>
@@ -2153,35 +1973,35 @@
             </a:pPr>
             <a:r>
               <a:rPr/>
-              <a:t>A regression tree is a model used for continuous outcomes. It finds optimal splits of the data that create subgroups where the outcome variable shows very little variation. This is an example from the Statology blog on how to fit CART models.</a:t>
-            </a:r>
-          </a:p>
-          <a:p>
-            <a:pPr lvl="0" indent="0" marL="0">
-              <a:buNone/>
-            </a:pPr>
-          </a:p>
-          <a:p>
-            <a:pPr lvl="0" indent="0" marL="0">
-              <a:buNone/>
-            </a:pPr>
-            <a:r>
-              <a:rPr/>
-              <a:t>Zach Bobbitt. How to Fit Classification and Regression Trees in R. Statology blog, 2020-11-22. Available in html format.</a:t>
-            </a:r>
-          </a:p>
-          <a:p>
-            <a:pPr lvl="0" indent="0" marL="0">
-              <a:buNone/>
-            </a:pPr>
-          </a:p>
-          <a:p>
-            <a:pPr lvl="0" indent="0" marL="0">
-              <a:buNone/>
-            </a:pPr>
-            <a:r>
-              <a:rPr/>
-              <a:t>The graph shows a prediction model for baseball player salaries. If the numbers seem low, it is because the data comes form 1987. The first split is between years in the league. If it is less than 4.5, the node to the left shows a mean salary of 225.83 thousand dollars. If it is greater than 4.5, the node to the right shows an additional split: were the number of home runs less than 16.5, then another split is the number of home runs also less than 8.5 then the mean salary is 502.81 thousand dollars. I won’t go through every branch, but each of the final nodes is a combination of splits involving years in the league or home runs.</a:t>
+              <a:t>The simplest way to generate random variables from a specific cumulative density function is to select values on the y-axis from a random variable uniformly distributed on the interval 0 to 1. Project those values horizontally until they intersect the curve and then drop down to the X-axis. What you’re doing is picking random percentiles from the distribution.</a:t>
+            </a:r>
+          </a:p>
+          <a:p>
+            <a:pPr lvl="0" indent="0" marL="0">
+              <a:buNone/>
+            </a:pPr>
+          </a:p>
+          <a:p>
+            <a:pPr lvl="0" indent="0" marL="0">
+              <a:buNone/>
+            </a:pPr>
+            <a:r>
+              <a:rPr/>
+              <a:t>So grab n uniform random variables, convert them into percentiles from the cumulative distribution function, and then calculate some statistic like the mean absolute deviation. Get another set of n uniform random variables and repeat the process. With computers as fast as they are today, you could do this a few hundred or even a few thousand times and not break a sweat.</a:t>
+            </a:r>
+          </a:p>
+          <a:p>
+            <a:pPr lvl="0" indent="0" marL="0">
+              <a:buNone/>
+            </a:pPr>
+          </a:p>
+          <a:p>
+            <a:pPr lvl="0" indent="0" marL="0">
+              <a:buNone/>
+            </a:pPr>
+            <a:r>
+              <a:rPr/>
+              <a:t>Of course, most of the time, you can’t run this Monte Carlo simulation without making some strong assumptions. If you have a particular set of data, do you ever really know what the cumulative distribution function is that created this data? Even if you were lucky enough to have some inside information–that it was associated with a normal random variable, for example–you wouldn’t know which normal. You wouldn’t know the mu and you wouldn’t know the sigma.</a:t>
             </a:r>
           </a:p>
         </p:txBody>
@@ -2203,7 +2023,7 @@
           <a:p>
             <a:fld id="{18BDFEC3-8487-43E8-A154-7C12CBC1FFF2}" type="slidenum">
               <a:rPr lang="en-US"/>
-              <a:t>27</a:t>
+              <a:t>24</a:t>
             </a:fld>
             <a:endParaRPr lang="en-US"/>
           </a:p>
@@ -2263,77 +2083,35 @@
             </a:pPr>
             <a:r>
               <a:rPr/>
-              <a:t>This is an example of a classification tree. You use a classification tree when you are predicting a binary outcome.</a:t>
-            </a:r>
-          </a:p>
-          <a:p>
-            <a:pPr lvl="0" indent="0" marL="0">
-              <a:buNone/>
-            </a:pPr>
-          </a:p>
-          <a:p>
-            <a:pPr lvl="0" indent="0" marL="0">
-              <a:buNone/>
-            </a:pPr>
-            <a:r>
-              <a:rPr/>
-              <a:t>This is an example from the Wikipedia page on decision tree learning. It is work by Gilgoldm and published under a Creative Commons open source license (CC BY-SA 4.0) and is available for download here.</a:t>
-            </a:r>
-          </a:p>
-          <a:p>
-            <a:pPr lvl="0" indent="0" marL="0">
-              <a:buNone/>
-            </a:pPr>
-          </a:p>
-          <a:p>
-            <a:pPr lvl="0" indent="0" marL="0">
-              <a:buNone/>
-            </a:pPr>
-            <a:r>
-              <a:rPr/>
-              <a:t>This classification tree creates splits that lead to probabilities that are homogenous (close to either 0 or 1). This tree looks at survival of passengers on the Titanic. The Titanic was a massive passenger ship, especially massive for its time. It was so big that it was considered unsinkable. It first sailed across the Atlantic in 1912, hit an iceberg, and sank like a stone. Many of the passengers died, but the deaths were not distributed evenly across all demographic groups.</a:t>
-            </a:r>
-          </a:p>
-          <a:p>
-            <a:pPr lvl="0" indent="0" marL="0">
-              <a:buNone/>
-            </a:pPr>
-          </a:p>
-          <a:p>
-            <a:pPr lvl="0" indent="0" marL="0">
-              <a:buNone/>
-            </a:pPr>
-            <a:r>
-              <a:rPr/>
-              <a:t>The classification tree for survival first splits by gender. For females, you can’t improve things too much by splitting further. This group has a 0.73 survival probability and it represents 36% of the total data. For males, you can improve the homogeneity of the outcome by looking at age and the number of siblings. For males, being young (under 9.5 years of age) and not being part of a big family (two or fewer siblings) leads to a suvival probability of 0.89. But this is a small subset of the passengers, only 2% of the total.</a:t>
-            </a:r>
-          </a:p>
-          <a:p>
-            <a:pPr lvl="0" indent="0" marL="0">
-              <a:buNone/>
-            </a:pPr>
-          </a:p>
-          <a:p>
-            <a:pPr lvl="0" indent="0" marL="0">
-              <a:buNone/>
-            </a:pPr>
-            <a:r>
-              <a:rPr/>
-              <a:t>Both classification trees and regression trees have a tendency to overfit the data. They are also highly sensitive to small changes in the data. In fact, I would have a hard time recommending the use of these models at all.</a:t>
-            </a:r>
-          </a:p>
-          <a:p>
-            <a:pPr lvl="0" indent="0" marL="0">
-              <a:buNone/>
-            </a:pPr>
-          </a:p>
-          <a:p>
-            <a:pPr lvl="0" indent="0" marL="0">
-              <a:buNone/>
-            </a:pPr>
-            <a:r>
-              <a:rPr/>
-              <a:t>There is an approach, however, that largely overcomes these concerns. It is called an ensemble approach. You combine multiple regression or classification trees into a “forest.” And you do this with the help of the bootstrap.</a:t>
+              <a:t>You can get a good approximation to the cumulative distribution function using the data. Draw a step function with a jump of 1/n at each data point where n is the number of data points.</a:t>
+            </a:r>
+          </a:p>
+          <a:p>
+            <a:pPr lvl="0" indent="0" marL="0">
+              <a:buNone/>
+            </a:pPr>
+          </a:p>
+          <a:p>
+            <a:pPr lvl="0" indent="0" marL="0">
+              <a:buNone/>
+            </a:pPr>
+            <a:r>
+              <a:rPr/>
+              <a:t>This step function is known as the empirical cumulative distribution function.</a:t>
+            </a:r>
+          </a:p>
+          <a:p>
+            <a:pPr lvl="0" indent="0" marL="0">
+              <a:buNone/>
+            </a:pPr>
+          </a:p>
+          <a:p>
+            <a:pPr lvl="0" indent="0" marL="0">
+              <a:buNone/>
+            </a:pPr>
+            <a:r>
+              <a:rPr/>
+              <a:t>The empirical cumulative distribution function does a pretty good job. It is unbiased and converges to the true cumulative distribution function as the sample size increases.</a:t>
             </a:r>
           </a:p>
         </p:txBody>
@@ -2355,7 +2133,7 @@
           <a:p>
             <a:fld id="{18BDFEC3-8487-43E8-A154-7C12CBC1FFF2}" type="slidenum">
               <a:rPr lang="en-US"/>
-              <a:t>28</a:t>
+              <a:t>26</a:t>
             </a:fld>
             <a:endParaRPr lang="en-US"/>
           </a:p>
@@ -2415,35 +2193,35 @@
             </a:pPr>
             <a:r>
               <a:rPr/>
-              <a:t>In bagging, you fit a model (in the case of Random Forests, you fit a CART model) to a few hundred or thousand bootstrap samples. Get predicted values for each model. Average those predicted values across all the bootstrap samples.</a:t>
-            </a:r>
-          </a:p>
-          <a:p>
-            <a:pPr lvl="0" indent="0" marL="0">
-              <a:buNone/>
-            </a:pPr>
-          </a:p>
-          <a:p>
-            <a:pPr lvl="0" indent="0" marL="0">
-              <a:buNone/>
-            </a:pPr>
-            <a:r>
-              <a:rPr/>
-              <a:t>There are some additional enhancements to the Random Forest models, but the key element is the bagging step.</a:t>
-            </a:r>
-          </a:p>
-          <a:p>
-            <a:pPr lvl="0" indent="0" marL="0">
-              <a:buNone/>
-            </a:pPr>
-          </a:p>
-          <a:p>
-            <a:pPr lvl="0" indent="0" marL="0">
-              <a:buNone/>
-            </a:pPr>
-            <a:r>
-              <a:rPr/>
-              <a:t>Note: Each bootstrap sample might produce a different set of independent variables, so you can’t say anything directly about which variables help the most in predicting the outcome. You can’t get p-values or confidence intervals for individual independent variables. There are some indirect ways to assess this, but I will not talk about these.</a:t>
+              <a:t>If you can’t generate random variables from the true cumulative distribution function, then a good approximation would be to generate random variables from the empirical cumulative distribution function. Generate values on the Y-axis that are uniformly distributed on the interval 0 to 1, project over horizontally and then drop down to the X-axis.</a:t>
+            </a:r>
+          </a:p>
+          <a:p>
+            <a:pPr lvl="0" indent="0" marL="0">
+              <a:buNone/>
+            </a:pPr>
+          </a:p>
+          <a:p>
+            <a:pPr lvl="0" indent="0" marL="0">
+              <a:buNone/>
+            </a:pPr>
+            <a:r>
+              <a:rPr/>
+              <a:t>What you’re doing here is sampling from the data with replacement. So, at least intuitively, this is equivalent to an approximate Monte Carlo simulation based on the empirical cumulative distribution function.</a:t>
+            </a:r>
+          </a:p>
+          <a:p>
+            <a:pPr lvl="0" indent="0" marL="0">
+              <a:buNone/>
+            </a:pPr>
+          </a:p>
+          <a:p>
+            <a:pPr lvl="0" indent="0" marL="0">
+              <a:buNone/>
+            </a:pPr>
+            <a:r>
+              <a:rPr/>
+              <a:t>Notice in this example that some of the data values appear two or more times and others are not selected at all. Because it is done randomly, you get a reasonable set of simulated values, even without knowing the true underlying cumulative distribution function.</a:t>
             </a:r>
           </a:p>
         </p:txBody>
@@ -2465,7 +2243,7 @@
           <a:p>
             <a:fld id="{18BDFEC3-8487-43E8-A154-7C12CBC1FFF2}" type="slidenum">
               <a:rPr lang="en-US"/>
-              <a:t>29</a:t>
+              <a:t>27</a:t>
             </a:fld>
             <a:endParaRPr lang="en-US"/>
           </a:p>
@@ -2525,7 +2303,35 @@
             </a:pPr>
             <a:r>
               <a:rPr/>
-              <a:t>I want to show the algorithms used in bootstrapping. These fall into five categories: estimating bias, calculating standard errors, computing confidence intervals, testing hypotheses, and visualization. I also want to provide some guidance on how many bootstrap samples you need.</a:t>
+              <a:t>The name bootstrap comes from the saying “Lift yourself up by your bootstraps”. It is a reference to getting something done without any help. This is analogous to the statistical bootstrap. It produces results with just the data at hand and no outside help from an assumed distribution.</a:t>
+            </a:r>
+          </a:p>
+          <a:p>
+            <a:pPr lvl="0" indent="0" marL="0">
+              <a:buNone/>
+            </a:pPr>
+          </a:p>
+          <a:p>
+            <a:pPr lvl="0" indent="0" marL="0">
+              <a:buNone/>
+            </a:pPr>
+            <a:r>
+              <a:rPr/>
+              <a:t>But the image of lifting yourself into the air by yanking on a loop of your shoe is also an analogy to doing something that seems impossible. The Useless Etymology website has a nice discussion of this saying, and the image you see here is taken from their website.</a:t>
+            </a:r>
+          </a:p>
+          <a:p>
+            <a:pPr lvl="0" indent="0" marL="0">
+              <a:buNone/>
+            </a:pPr>
+          </a:p>
+          <a:p>
+            <a:pPr lvl="0" indent="0" marL="0">
+              <a:buNone/>
+            </a:pPr>
+            <a:r>
+              <a:rPr/>
+              <a:t>The origin of this phrase “Lift yourself up by your bootstraps” is unclear. Several web pages trace this phrase back to a book, The Surprising Adventures of Baron Munchausen. This was a litany of tall tales somewhat akin to the Paul Bunyan character in American folklore. One of the improbable tasks that Baron Munchausen did was lifting himself out of a deep well by pulling on his bootstraps.</a:t>
             </a:r>
           </a:p>
         </p:txBody>
@@ -2547,7 +2353,7 @@
           <a:p>
             <a:fld id="{18BDFEC3-8487-43E8-A154-7C12CBC1FFF2}" type="slidenum">
               <a:rPr lang="en-US"/>
-              <a:t>31</a:t>
+              <a:t>28</a:t>
             </a:fld>
             <a:endParaRPr lang="en-US"/>
           </a:p>
@@ -2607,21 +2413,21 @@
             </a:pPr>
             <a:r>
               <a:rPr/>
-              <a:t>For all of the proposed uses of the bootstrap, you start with an estimate based on the full dataset. Call that estimate theta-hat.</a:t>
-            </a:r>
-          </a:p>
-          <a:p>
-            <a:pPr lvl="0" indent="0" marL="0">
-              <a:buNone/>
-            </a:pPr>
-          </a:p>
-          <a:p>
-            <a:pPr lvl="0" indent="0" marL="0">
-              <a:buNone/>
-            </a:pPr>
-            <a:r>
-              <a:rPr/>
-              <a:t>Then for each bootstrap sample, you calculate the same estimate. Call these theta-hat superscript 1, theta-hat superscript 2, all the way through to theta-hat superscript B, where B is the number of bootstrap samples.</a:t>
+              <a:t>I want to briefly address bagging, an important application of the bootstrap to machine learning. Bagging is a portmanteau, a combination and shortening of two words: bootstrap aggregation.</a:t>
+            </a:r>
+          </a:p>
+          <a:p>
+            <a:pPr lvl="0" indent="0" marL="0">
+              <a:buNone/>
+            </a:pPr>
+          </a:p>
+          <a:p>
+            <a:pPr lvl="0" indent="0" marL="0">
+              <a:buNone/>
+            </a:pPr>
+            <a:r>
+              <a:rPr/>
+              <a:t>The basic building block for bagging in the random forest model is the CART model. CART is an acronym for Classification and Regression Trees.</a:t>
             </a:r>
           </a:p>
         </p:txBody>
@@ -2643,7 +2449,7 @@
           <a:p>
             <a:fld id="{18BDFEC3-8487-43E8-A154-7C12CBC1FFF2}" type="slidenum">
               <a:rPr lang="en-US"/>
-              <a:t>32</a:t>
+              <a:t>29</a:t>
             </a:fld>
             <a:endParaRPr lang="en-US"/>
           </a:p>
@@ -2703,49 +2509,21 @@
             </a:pPr>
             <a:r>
               <a:rPr/>
-              <a:t>To estimate bias, see how much the average of the bootstrapped estimates differs from the estimate based on the full sample.</a:t>
-            </a:r>
-          </a:p>
-          <a:p>
-            <a:pPr lvl="0" indent="0" marL="0">
-              <a:buNone/>
-            </a:pPr>
-          </a:p>
-          <a:p>
-            <a:pPr lvl="0" indent="0" marL="0">
-              <a:buNone/>
-            </a:pPr>
-            <a:r>
-              <a:rPr/>
-              <a:t>For what it’s worth, many people (including myself) consider concerns about bias to be overblown. There are times when a biased estimate can be quite serious, especially if the bias is caused by a flaw in the sampling process. But debates about whether you should divide n versus n-1 in the formula for variance are a bit silly.</a:t>
-            </a:r>
-          </a:p>
-          <a:p>
-            <a:pPr lvl="0" indent="0" marL="0">
-              <a:buNone/>
-            </a:pPr>
-          </a:p>
-          <a:p>
-            <a:pPr lvl="0" indent="0" marL="0">
-              <a:buNone/>
-            </a:pPr>
-            <a:r>
-              <a:rPr/>
-              <a:t>Furthermore, a small amount of bias in an estimator may be worth it if you can get less sampling error in return.</a:t>
-            </a:r>
-          </a:p>
-          <a:p>
-            <a:pPr lvl="0" indent="0" marL="0">
-              <a:buNone/>
-            </a:pPr>
-          </a:p>
-          <a:p>
-            <a:pPr lvl="0" indent="0" marL="0">
-              <a:buNone/>
-            </a:pPr>
-            <a:r>
-              <a:rPr/>
-              <a:t>There’s no correct answer about if and when you should adjust for bias, but I am presenting it here as a simple application of the bootstrap. In all candor, the use of the bootstrap for calculating standard errors, computing confidence intervals, and testing hypotheses are far more common uses of the bootstrap.</a:t>
+              <a:t>Here are the results from a bootstrap sample. Notice how the regression tree from the bootstrap sample differs slightly from the regression tree from the original sample.</a:t>
+            </a:r>
+          </a:p>
+          <a:p>
+            <a:pPr lvl="0" indent="0" marL="0">
+              <a:buNone/>
+            </a:pPr>
+          </a:p>
+          <a:p>
+            <a:pPr lvl="0" indent="0" marL="0">
+              <a:buNone/>
+            </a:pPr>
+            <a:r>
+              <a:rPr/>
+              <a:t>The regression tree might have different cut points. It might have only a single cut point or maybe three or more cut points.</a:t>
             </a:r>
           </a:p>
         </p:txBody>
@@ -2767,7 +2545,7 @@
           <a:p>
             <a:fld id="{18BDFEC3-8487-43E8-A154-7C12CBC1FFF2}" type="slidenum">
               <a:rPr lang="en-US"/>
-              <a:t>33</a:t>
+              <a:t>31</a:t>
             </a:fld>
             <a:endParaRPr lang="en-US"/>
           </a:p>
@@ -2827,35 +2605,21 @@
             </a:pPr>
             <a:r>
               <a:rPr/>
-              <a:t>You can use the standard deviation of the bootstrapped estimates as an estimate of the standard error of your statistic.</a:t>
-            </a:r>
-          </a:p>
-          <a:p>
-            <a:pPr lvl="0" indent="0" marL="0">
-              <a:buNone/>
-            </a:pPr>
-          </a:p>
-          <a:p>
-            <a:pPr lvl="0" indent="0" marL="0">
-              <a:buNone/>
-            </a:pPr>
-            <a:r>
-              <a:rPr/>
-              <a:t>We’ll talk next about confidence intervals and hypothesis tests. But the question arises: why would you want a bootstrap estimate of the standard error if not to use it in a confidence interval or a hypothesis test?</a:t>
-            </a:r>
-          </a:p>
-          <a:p>
-            <a:pPr lvl="0" indent="0" marL="0">
-              <a:buNone/>
-            </a:pPr>
-          </a:p>
-          <a:p>
-            <a:pPr lvl="0" indent="0" marL="0">
-              <a:buNone/>
-            </a:pPr>
-            <a:r>
-              <a:rPr/>
-              <a:t>Perhaps there is some value in getting the standard error using a classic approach and comparing it to the bootstrap estimate of the standard error. If the two are close, that gives you some reassurance that the classic approach is appropriate. If they differ, then examine things like whether the sample size is large enough to justify the normal approximation or if one of the assumptions that you need is questionable.</a:t>
+              <a:t>Here are what the results look like for multiple bootstrap samples.</a:t>
+            </a:r>
+          </a:p>
+          <a:p>
+            <a:pPr lvl="0" indent="0" marL="0">
+              <a:buNone/>
+            </a:pPr>
+          </a:p>
+          <a:p>
+            <a:pPr lvl="0" indent="0" marL="0">
+              <a:buNone/>
+            </a:pPr>
+            <a:r>
+              <a:rPr/>
+              <a:t>You would average the predicted values across all the bootstrap predictions to get a final average prediction.</a:t>
             </a:r>
           </a:p>
         </p:txBody>
@@ -2877,7 +2641,7 @@
           <a:p>
             <a:fld id="{18BDFEC3-8487-43E8-A154-7C12CBC1FFF2}" type="slidenum">
               <a:rPr lang="en-US"/>
-              <a:t>34</a:t>
+              <a:t>32</a:t>
             </a:fld>
             <a:endParaRPr lang="en-US"/>
           </a:p>
@@ -2937,7 +2701,63 @@
             </a:pPr>
             <a:r>
               <a:rPr/>
-              <a:t>The most frequent use of the bootstrap, by far, is the creation of confidence intervals. There are many ways to do this, but three of the most common approaches are a classical interval using the bootstrap standard error, an interval that relies on percentiles from the bootstrap distribution, and some corrections that improve the accuracy of percentile confidence interval.</a:t>
+              <a:t>There are some additional enhancements to the Random Forest models, but the key element is the bagging step.</a:t>
+            </a:r>
+          </a:p>
+          <a:p>
+            <a:pPr lvl="0" indent="0" marL="0">
+              <a:buNone/>
+            </a:pPr>
+          </a:p>
+          <a:p>
+            <a:pPr lvl="0" indent="0" marL="0">
+              <a:buNone/>
+            </a:pPr>
+            <a:r>
+              <a:rPr/>
+              <a:t>The regression tree itself has discrete jumps, so it is a bit artificial. But when you average across multiple trees, each having differing locations for the cut points and possibly a different number of cutpoints, this can end up producing a fairly broad range of nonlinearities.</a:t>
+            </a:r>
+          </a:p>
+          <a:p>
+            <a:pPr lvl="0" indent="0" marL="0">
+              <a:buNone/>
+            </a:pPr>
+          </a:p>
+          <a:p>
+            <a:pPr lvl="0" indent="0" marL="0">
+              <a:buNone/>
+            </a:pPr>
+            <a:r>
+              <a:rPr/>
+              <a:t>This example is a bit simplistic, but regression trees are very good at identifying interactions, and this becomes another strong feature of random forests.</a:t>
+            </a:r>
+          </a:p>
+          <a:p>
+            <a:pPr lvl="0" indent="0" marL="0">
+              <a:buNone/>
+            </a:pPr>
+          </a:p>
+          <a:p>
+            <a:pPr lvl="0" indent="0" marL="0">
+              <a:buNone/>
+            </a:pPr>
+            <a:r>
+              <a:rPr/>
+              <a:t>Finally, the random forest is really good at avoiding overfitting.</a:t>
+            </a:r>
+          </a:p>
+          <a:p>
+            <a:pPr lvl="0" indent="0" marL="0">
+              <a:buNone/>
+            </a:pPr>
+          </a:p>
+          <a:p>
+            <a:pPr lvl="0" indent="0" marL="0">
+              <a:buNone/>
+            </a:pPr>
+            <a:r>
+              <a:rPr/>
+              <a:t>Note: Each bootstrap sample might produce a different set of independent variables, so you can’t say anything directly about which variables help the most in predicting the outcome. You can’t get p-values or confidence intervals for individual independent variables. There are some indirect ways to assess this, but I will not talk about these.</a:t>
             </a:r>
           </a:p>
         </p:txBody>
@@ -2959,7 +2779,7 @@
           <a:p>
             <a:fld id="{18BDFEC3-8487-43E8-A154-7C12CBC1FFF2}" type="slidenum">
               <a:rPr lang="en-US"/>
-              <a:t>35</a:t>
+              <a:t>33</a:t>
             </a:fld>
             <a:endParaRPr lang="en-US"/>
           </a:p>
@@ -3019,7 +2839,63 @@
             </a:pPr>
             <a:r>
               <a:rPr/>
-              <a:t>I need to start with a book that I used when I was in graduate school. The title is “Approximation Theorems in Mathematical Statistics” by Robert Serfling. It was all about the variety of ways to show that some statistic followed an asymptotic normal distribution.</a:t>
+              <a:t>This talk will cover four major areas.</a:t>
+            </a:r>
+          </a:p>
+          <a:p>
+            <a:pPr lvl="0" indent="0" marL="0">
+              <a:buNone/>
+            </a:pPr>
+          </a:p>
+          <a:p>
+            <a:pPr lvl="0" indent="0" marL="0">
+              <a:buNone/>
+            </a:pPr>
+            <a:r>
+              <a:rPr/>
+              <a:t>First, I will provide a historical overview, starting with a simpler method that the bootstrap was based on called the jackknife. Then I will talk about Bradley Efron’s work to develop the bootstrap and establish its theoretical foundations. Then I will mention how bootstrapping has developed into a methodology used in machine learning called bagging.</a:t>
+            </a:r>
+          </a:p>
+          <a:p>
+            <a:pPr lvl="0" indent="0" marL="0">
+              <a:buNone/>
+            </a:pPr>
+          </a:p>
+          <a:p>
+            <a:pPr lvl="0" indent="0" marL="0">
+              <a:buNone/>
+            </a:pPr>
+            <a:r>
+              <a:rPr/>
+              <a:t>I will illustrate the mechanics of the bootstrap: to estimate bias, calculate standard errors, compute confidence intervals, test hypotheses, and to visualize variations in statistical plots.</a:t>
+            </a:r>
+          </a:p>
+          <a:p>
+            <a:pPr lvl="0" indent="0" marL="0">
+              <a:buNone/>
+            </a:pPr>
+          </a:p>
+          <a:p>
+            <a:pPr lvl="0" indent="0" marL="0">
+              <a:buNone/>
+            </a:pPr>
+            <a:r>
+              <a:rPr/>
+              <a:t>Then I will show some sample code on how to implement the bootstrap in SAS, Stata, and R.</a:t>
+            </a:r>
+          </a:p>
+          <a:p>
+            <a:pPr lvl="0" indent="0" marL="0">
+              <a:buNone/>
+            </a:pPr>
+          </a:p>
+          <a:p>
+            <a:pPr lvl="0" indent="0" marL="0">
+              <a:buNone/>
+            </a:pPr>
+            <a:r>
+              <a:rPr/>
+              <a:t>Then I will discuss some special settings where you might consider more complex forms of bootstrapping.</a:t>
             </a:r>
           </a:p>
         </p:txBody>
@@ -3041,7 +2917,7 @@
           <a:p>
             <a:fld id="{18BDFEC3-8487-43E8-A154-7C12CBC1FFF2}" type="slidenum">
               <a:rPr lang="en-US"/>
-              <a:t>7</a:t>
+              <a:t>4</a:t>
             </a:fld>
             <a:endParaRPr lang="en-US"/>
           </a:p>
@@ -3101,35 +2977,7 @@
             </a:pPr>
             <a:r>
               <a:rPr/>
-              <a:t>Once you have a standard error, the simplest confidence interval is going use the bootstrap estimate plus or minus a percentile from the standard normal distribution times the bootstrap standard deviation.</a:t>
-            </a:r>
-          </a:p>
-          <a:p>
-            <a:pPr lvl="0" indent="0" marL="0">
-              <a:buNone/>
-            </a:pPr>
-          </a:p>
-          <a:p>
-            <a:pPr lvl="0" indent="0" marL="0">
-              <a:buNone/>
-            </a:pPr>
-            <a:r>
-              <a:rPr/>
-              <a:t>There is some controversy about whether you should use a t distribution here. I personally do not recommend it, because it is unclear what the degrees of freedom should be.</a:t>
-            </a:r>
-          </a:p>
-          <a:p>
-            <a:pPr lvl="0" indent="0" marL="0">
-              <a:buNone/>
-            </a:pPr>
-          </a:p>
-          <a:p>
-            <a:pPr lvl="0" indent="0" marL="0">
-              <a:buNone/>
-            </a:pPr>
-            <a:r>
-              <a:rPr/>
-              <a:t>Other approaches may be preferred. The classic interval makes a pretty strong assumption. It assumes that the sampling distribution of the estimate is symmetric. Even so, the classical approach is still reasonable.</a:t>
+              <a:t>I want to show the algorithms used in bootstrapping. These fall into five categories: estimating bias, calculating standard errors, computing confidence intervals, testing hypotheses, and visualization. I also want to provide some guidance on how many bootstrap samples you need.</a:t>
             </a:r>
           </a:p>
         </p:txBody>
@@ -3151,7 +2999,7 @@
           <a:p>
             <a:fld id="{18BDFEC3-8487-43E8-A154-7C12CBC1FFF2}" type="slidenum">
               <a:rPr lang="en-US"/>
-              <a:t>36</a:t>
+              <a:t>35</a:t>
             </a:fld>
             <a:endParaRPr lang="en-US"/>
           </a:p>
@@ -3211,21 +3059,21 @@
             </a:pPr>
             <a:r>
               <a:rPr/>
-              <a:t>An even simpler approach is to take percentiles directly from the bootstrap sample. For this, you need a pretty large number of bootstrap samples. Although some sources say that a few hundred might be okay, I would recommend at least a thousand.</a:t>
-            </a:r>
-          </a:p>
-          <a:p>
-            <a:pPr lvl="0" indent="0" marL="0">
-              <a:buNone/>
-            </a:pPr>
-          </a:p>
-          <a:p>
-            <a:pPr lvl="0" indent="0" marL="0">
-              <a:buNone/>
-            </a:pPr>
-            <a:r>
-              <a:rPr/>
-              <a:t>With a thousand bootstrap samples, you would select the 25th and 975th observations, after sorting the data.</a:t>
+              <a:t>For all of the proposed uses of the bootstrap, you start with an estimate based on the full dataset. Call that estimate theta-hat.</a:t>
+            </a:r>
+          </a:p>
+          <a:p>
+            <a:pPr lvl="0" indent="0" marL="0">
+              <a:buNone/>
+            </a:pPr>
+          </a:p>
+          <a:p>
+            <a:pPr lvl="0" indent="0" marL="0">
+              <a:buNone/>
+            </a:pPr>
+            <a:r>
+              <a:rPr/>
+              <a:t>Then for each bootstrap sample, you calculate the same estimate. Call these theta-hat superscript 1, theta-hat superscript 2, all the way through to theta-hat superscript B, where B is the number of bootstrap samples.</a:t>
             </a:r>
           </a:p>
         </p:txBody>
@@ -3247,7 +3095,7 @@
           <a:p>
             <a:fld id="{18BDFEC3-8487-43E8-A154-7C12CBC1FFF2}" type="slidenum">
               <a:rPr lang="en-US"/>
-              <a:t>37</a:t>
+              <a:t>36</a:t>
             </a:fld>
             <a:endParaRPr lang="en-US"/>
           </a:p>
@@ -3307,119 +3155,49 @@
             </a:pPr>
             <a:r>
               <a:rPr/>
-              <a:t>You can improve on the percentile confidence interval, but the work is tricky.</a:t>
-            </a:r>
-          </a:p>
-          <a:p>
-            <a:pPr lvl="0" indent="0" marL="0">
-              <a:buNone/>
-            </a:pPr>
-          </a:p>
-          <a:p>
-            <a:pPr lvl="0" indent="0" marL="0">
-              <a:buNone/>
-            </a:pPr>
-            <a:r>
-              <a:rPr/>
-              <a:t>So tricky that every reference that I reviewed showed these equations and immediately apologized for their complexity. There appears to be little intuition that you can discern from these formulas. The formula for z-hat-0 is a bit easier to follow, perhaps. It is an adjustment for bias.</a:t>
-            </a:r>
-          </a:p>
-          <a:p>
-            <a:pPr lvl="0" indent="0" marL="0">
-              <a:buNone/>
-            </a:pPr>
-          </a:p>
-          <a:p>
-            <a:pPr lvl="0" indent="0" marL="0">
-              <a:buNone/>
-            </a:pPr>
-            <a:r>
-              <a:rPr/>
-              <a:t>The H function effectively counts the number of bootstrap estimates that are less than the estimate based on the original data. Divide by the number of bootstrap samples to get a proportion. Phi inverse converts this proportion into a percentile from a standard normal distribution. If exactly half of the bootstrap estimates are greater than the estimate based on the original data, then you get a big fat zero which means no bias adjustment.</a:t>
-            </a:r>
-          </a:p>
-          <a:p>
-            <a:pPr lvl="0" indent="0" marL="0">
-              <a:buNone/>
-            </a:pPr>
-          </a:p>
-          <a:p>
-            <a:pPr lvl="0" indent="0" marL="0">
-              <a:buNone/>
-            </a:pPr>
-            <a:r>
-              <a:rPr/>
-              <a:t>The formula for a-hat is a bit harder to follow. Notice that it involves deviations from the mean raised to the third power, which seems to be akin to a measure of skewness.</a:t>
-            </a:r>
-          </a:p>
-          <a:p>
-            <a:pPr lvl="0" indent="0" marL="0">
-              <a:buNone/>
-            </a:pPr>
-          </a:p>
-          <a:p>
-            <a:pPr lvl="0" indent="0" marL="0">
-              <a:buNone/>
-            </a:pPr>
-            <a:r>
-              <a:rPr/>
-              <a:t>Dr. Efron refers to it as an acceleration, because it relates to the second derivative of the score function.</a:t>
-            </a:r>
-          </a:p>
-          <a:p>
-            <a:pPr lvl="0" indent="0" marL="0">
-              <a:buNone/>
-            </a:pPr>
-          </a:p>
-          <a:p>
-            <a:pPr lvl="0" indent="0" marL="0">
-              <a:buNone/>
-            </a:pPr>
-            <a:r>
-              <a:rPr/>
-              <a:t>Remember that in Calculus, the first derivative is analogous to speed and the second derivative is analogous to acceleration.</a:t>
-            </a:r>
-          </a:p>
-          <a:p>
-            <a:pPr lvl="0" indent="0" marL="0">
-              <a:buNone/>
-            </a:pPr>
-          </a:p>
-          <a:p>
-            <a:pPr lvl="0" indent="0" marL="0">
-              <a:buNone/>
-            </a:pPr>
-            <a:r>
-              <a:rPr/>
-              <a:t>Don’t ask me what the score function represents. Also don’t ask me why the acceleration relies on a jackknife sample rather than a bootstrap sample.</a:t>
-            </a:r>
-          </a:p>
-          <a:p>
-            <a:pPr lvl="0" indent="0" marL="0">
-              <a:buNone/>
-            </a:pPr>
-          </a:p>
-          <a:p>
-            <a:pPr lvl="0" indent="0" marL="0">
-              <a:buNone/>
-            </a:pPr>
-            <a:r>
-              <a:rPr/>
-              <a:t>If z-hat-sub-0 is equal to zero, there is no adjustment to the confidence interval based on bias.</a:t>
-            </a:r>
-          </a:p>
-          <a:p>
-            <a:pPr lvl="0" indent="0" marL="0">
-              <a:buNone/>
-            </a:pPr>
-          </a:p>
-          <a:p>
-            <a:pPr lvl="0" indent="0" marL="0">
-              <a:buNone/>
-            </a:pPr>
-            <a:r>
-              <a:rPr/>
-              <a:t>If the jackknife estimates are perfectly symmetric, then a-hat is a big fat zero, meaning no adjustment to the confidence interval based on skewness.</a:t>
+              <a:t>To estimate bias, see how much the average of the bootstrapped estimates differs from the estimate based on the full sample.</a:t>
+            </a:r>
+          </a:p>
+          <a:p>
+            <a:pPr lvl="0" indent="0" marL="0">
+              <a:buNone/>
+            </a:pPr>
+          </a:p>
+          <a:p>
+            <a:pPr lvl="0" indent="0" marL="0">
+              <a:buNone/>
+            </a:pPr>
+            <a:r>
+              <a:rPr/>
+              <a:t>For what it’s worth, many people (including myself) consider concerns about bias to be overblown. There are times when a biased estimate can be quite serious, especially if the bias is caused by a flaw in the sampling process. But debates about whether you should divide n versus n-1 in the formula for variance are a bit silly.</a:t>
+            </a:r>
+          </a:p>
+          <a:p>
+            <a:pPr lvl="0" indent="0" marL="0">
+              <a:buNone/>
+            </a:pPr>
+          </a:p>
+          <a:p>
+            <a:pPr lvl="0" indent="0" marL="0">
+              <a:buNone/>
+            </a:pPr>
+            <a:r>
+              <a:rPr/>
+              <a:t>Furthermore, a small amount of bias in an estimator may be worth it if you can get less sampling error in return.</a:t>
+            </a:r>
+          </a:p>
+          <a:p>
+            <a:pPr lvl="0" indent="0" marL="0">
+              <a:buNone/>
+            </a:pPr>
+          </a:p>
+          <a:p>
+            <a:pPr lvl="0" indent="0" marL="0">
+              <a:buNone/>
+            </a:pPr>
+            <a:r>
+              <a:rPr/>
+              <a:t>There’s no correct answer about if and when you should adjust for bias, but I am presenting it here as a simple application of the bootstrap. In all candor, the use of the bootstrap for calculating standard errors, computing confidence intervals, and testing hypotheses are far more common uses of the bootstrap.</a:t>
             </a:r>
           </a:p>
         </p:txBody>
@@ -3441,7 +3219,7 @@
           <a:p>
             <a:fld id="{18BDFEC3-8487-43E8-A154-7C12CBC1FFF2}" type="slidenum">
               <a:rPr lang="en-US"/>
-              <a:t>38</a:t>
+              <a:t>37</a:t>
             </a:fld>
             <a:endParaRPr lang="en-US"/>
           </a:p>
@@ -3501,7 +3279,35 @@
             </a:pPr>
             <a:r>
               <a:rPr/>
-              <a:t>The percentiles that you select from the bootstrap distribution are no longer at alpha/2 and 1-alpha/2, but are moved to account for bias and skewness in the bootstrap distribution.</a:t>
+              <a:t>You can use the standard deviation of the bootstrapped estimates as an estimate of the standard error of your statistic.</a:t>
+            </a:r>
+          </a:p>
+          <a:p>
+            <a:pPr lvl="0" indent="0" marL="0">
+              <a:buNone/>
+            </a:pPr>
+          </a:p>
+          <a:p>
+            <a:pPr lvl="0" indent="0" marL="0">
+              <a:buNone/>
+            </a:pPr>
+            <a:r>
+              <a:rPr/>
+              <a:t>We’ll talk next about confidence intervals and hypothesis tests. But the question arises: why would you want a bootstrap estimate of the standard error if not to use it in a confidence interval or a hypothesis test?</a:t>
+            </a:r>
+          </a:p>
+          <a:p>
+            <a:pPr lvl="0" indent="0" marL="0">
+              <a:buNone/>
+            </a:pPr>
+          </a:p>
+          <a:p>
+            <a:pPr lvl="0" indent="0" marL="0">
+              <a:buNone/>
+            </a:pPr>
+            <a:r>
+              <a:rPr/>
+              <a:t>Perhaps there is some value in getting the standard error using a classic approach and comparing it to the bootstrap estimate of the standard error. If the two are close, that gives you some reassurance that the classic approach is appropriate. If they differ, then examine things like whether the sample size is large enough to justify the normal approximation or if one of the assumptions that you need is questionable.</a:t>
             </a:r>
           </a:p>
         </p:txBody>
@@ -3523,7 +3329,7 @@
           <a:p>
             <a:fld id="{18BDFEC3-8487-43E8-A154-7C12CBC1FFF2}" type="slidenum">
               <a:rPr lang="en-US"/>
-              <a:t>39</a:t>
+              <a:t>38</a:t>
             </a:fld>
             <a:endParaRPr lang="en-US"/>
           </a:p>
@@ -3583,7 +3389,7 @@
             </a:pPr>
             <a:r>
               <a:rPr/>
-              <a:t>Here’s a picture showing what the unadjusted percentiles look like for a 90% confidence interval. Z-0-hat is zero, so no bias adjustment and a-hat is also zero, so no adjustment for skewness. You would just choose the 5th and 95th percentiles of the bootstrapped estimates.</a:t>
+              <a:t>The most frequent use of the bootstrap, by far, is the creation of confidence intervals. There are many ways to do this, but three of the most common approaches are a classical interval using the bootstrap standard error, an interval that relies on percentiles from the bootstrap distribution, and some corrections that improve the accuracy of percentile confidence interval.</a:t>
             </a:r>
           </a:p>
         </p:txBody>
@@ -3605,7 +3411,7 @@
           <a:p>
             <a:fld id="{18BDFEC3-8487-43E8-A154-7C12CBC1FFF2}" type="slidenum">
               <a:rPr lang="en-US"/>
-              <a:t>40</a:t>
+              <a:t>39</a:t>
             </a:fld>
             <a:endParaRPr lang="en-US"/>
           </a:p>
@@ -3665,7 +3471,35 @@
             </a:pPr>
             <a:r>
               <a:rPr/>
-              <a:t>A bias adjustments shifts the z values to the left or the right. In this hypothetical case, the z values are shifted left by 0.2 units, and instead of using the instead of the 5th and the 95th percentiles, you would use would be the 3.3 percentile and the 92.6 percentile.</a:t>
+              <a:t>Once you have a standard error, the simplest confidence interval is going use the bootstrap estimate plus or minus a percentile from the standard normal distribution times the bootstrap standard deviation.</a:t>
+            </a:r>
+          </a:p>
+          <a:p>
+            <a:pPr lvl="0" indent="0" marL="0">
+              <a:buNone/>
+            </a:pPr>
+          </a:p>
+          <a:p>
+            <a:pPr lvl="0" indent="0" marL="0">
+              <a:buNone/>
+            </a:pPr>
+            <a:r>
+              <a:rPr/>
+              <a:t>There is some controversy about whether you should use a t distribution here. I personally do not recommend it, because it is unclear what the degrees of freedom should be.</a:t>
+            </a:r>
+          </a:p>
+          <a:p>
+            <a:pPr lvl="0" indent="0" marL="0">
+              <a:buNone/>
+            </a:pPr>
+          </a:p>
+          <a:p>
+            <a:pPr lvl="0" indent="0" marL="0">
+              <a:buNone/>
+            </a:pPr>
+            <a:r>
+              <a:rPr/>
+              <a:t>Other approaches may be preferred. The classic interval makes a pretty strong assumption. It assumes that the sampling distribution of the estimate is symmetric. Even so, the classical approach is still reasonable.</a:t>
             </a:r>
           </a:p>
         </p:txBody>
@@ -3687,7 +3521,7 @@
           <a:p>
             <a:fld id="{18BDFEC3-8487-43E8-A154-7C12CBC1FFF2}" type="slidenum">
               <a:rPr lang="en-US"/>
-              <a:t>41</a:t>
+              <a:t>40</a:t>
             </a:fld>
             <a:endParaRPr lang="en-US"/>
           </a:p>
@@ -3747,21 +3581,21 @@
             </a:pPr>
             <a:r>
               <a:rPr/>
-              <a:t>An adjustment for skewness also shifts the z values to the left or the right, though the shift is stronger on one side versus the other. In this hypothetical case, you would use would be the 2.9 percentile and the 92.7 percentile.</a:t>
-            </a:r>
-          </a:p>
-          <a:p>
-            <a:pPr lvl="0" indent="0" marL="0">
-              <a:buNone/>
-            </a:pPr>
-          </a:p>
-          <a:p>
-            <a:pPr lvl="0" indent="0" marL="0">
-              <a:buNone/>
-            </a:pPr>
-            <a:r>
-              <a:rPr/>
-              <a:t>These formulas are messy, and easy to get wrong, so I would recommend if you are programming from scratch that you stick one of the simpler approaches.</a:t>
+              <a:t>An even simpler approach is to take percentiles directly from the bootstrap sample. For this, you need a pretty large number of bootstrap samples. Although some sources say that a few hundred might be okay, I would recommend at least a thousand.</a:t>
+            </a:r>
+          </a:p>
+          <a:p>
+            <a:pPr lvl="0" indent="0" marL="0">
+              <a:buNone/>
+            </a:pPr>
+          </a:p>
+          <a:p>
+            <a:pPr lvl="0" indent="0" marL="0">
+              <a:buNone/>
+            </a:pPr>
+            <a:r>
+              <a:rPr/>
+              <a:t>With a thousand bootstrap samples, you would select the 25th and 975th observations, after sorting the data.</a:t>
             </a:r>
           </a:p>
         </p:txBody>
@@ -3783,7 +3617,7 @@
           <a:p>
             <a:fld id="{18BDFEC3-8487-43E8-A154-7C12CBC1FFF2}" type="slidenum">
               <a:rPr lang="en-US"/>
-              <a:t>42</a:t>
+              <a:t>41</a:t>
             </a:fld>
             <a:endParaRPr lang="en-US"/>
           </a:p>
@@ -3843,21 +3677,105 @@
             </a:pPr>
             <a:r>
               <a:rPr/>
-              <a:t>To test a hypothesis, count the proportion of bootstrap values that agree with the null hypothesis. If it is less than alpha, then you reject the null hypothesis. Extension to two sided hypotheses is not difficult.</a:t>
-            </a:r>
-          </a:p>
-          <a:p>
-            <a:pPr lvl="0" indent="0" marL="0">
-              <a:buNone/>
-            </a:pPr>
-          </a:p>
-          <a:p>
-            <a:pPr lvl="0" indent="0" marL="0">
-              <a:buNone/>
-            </a:pPr>
-            <a:r>
-              <a:rPr/>
-              <a:t>You could also look at any one of the bootstrap confidence intervals and see whether that interval includes or excludes the null value.</a:t>
+              <a:t>There bootstrap standard error intervals and the percentile intervals work reasonably well, but you can improve significantly on the percentile interval using an approach known as bias correction and acceleration.</a:t>
+            </a:r>
+          </a:p>
+          <a:p>
+            <a:pPr lvl="0" indent="0" marL="0">
+              <a:buNone/>
+            </a:pPr>
+          </a:p>
+          <a:p>
+            <a:pPr lvl="0" indent="0" marL="0">
+              <a:buNone/>
+            </a:pPr>
+            <a:r>
+              <a:rPr/>
+              <a:t>The work is tricky–So tricky that every reference that I reviewed showed these equations and immediately apologized for their complexity.</a:t>
+            </a:r>
+          </a:p>
+          <a:p>
+            <a:pPr lvl="0" indent="0" marL="0">
+              <a:buNone/>
+            </a:pPr>
+          </a:p>
+          <a:p>
+            <a:pPr lvl="0" indent="0" marL="0">
+              <a:buNone/>
+            </a:pPr>
+            <a:r>
+              <a:rPr/>
+              <a:t>The bootstrap is good at identifying bias. It also allows you to look for skewness. The BCa approach shifts the percentiles to account for bias and skewness.</a:t>
+            </a:r>
+          </a:p>
+          <a:p>
+            <a:pPr lvl="0" indent="0" marL="0">
+              <a:buNone/>
+            </a:pPr>
+          </a:p>
+          <a:p>
+            <a:pPr lvl="0" indent="0" marL="0">
+              <a:buNone/>
+            </a:pPr>
+            <a:r>
+              <a:rPr/>
+              <a:t>It’s a bit counter-intuitive, because the percentile intervals already adjust for bias and skewness, but shifting the percentiles can improve things even more.</a:t>
+            </a:r>
+          </a:p>
+          <a:p>
+            <a:pPr lvl="0" indent="0" marL="0">
+              <a:buNone/>
+            </a:pPr>
+          </a:p>
+          <a:p>
+            <a:pPr lvl="0" indent="0" marL="0">
+              <a:buNone/>
+            </a:pPr>
+            <a:r>
+              <a:rPr/>
+              <a:t>It’s hard to define what “improve” means, but I’ll try. When you compute a 90% confidence interval, you expect that coverage probability is 90%. That means that 90% of the samples from the same underlying population with the same size as your sample will produce bootstrap confidence intervals that contain the population mean.</a:t>
+            </a:r>
+          </a:p>
+          <a:p>
+            <a:pPr lvl="0" indent="0" marL="0">
+              <a:buNone/>
+            </a:pPr>
+          </a:p>
+          <a:p>
+            <a:pPr lvl="0" indent="0" marL="0">
+              <a:buNone/>
+            </a:pPr>
+            <a:r>
+              <a:rPr/>
+              <a:t>This 90% is only accurate for a sample size of infinity. For smaller sample sizes this is only approximate. The bigger the sample size the better the approximation.</a:t>
+            </a:r>
+          </a:p>
+          <a:p>
+            <a:pPr lvl="0" indent="0" marL="0">
+              <a:buNone/>
+            </a:pPr>
+          </a:p>
+          <a:p>
+            <a:pPr lvl="0" indent="0" marL="0">
+              <a:buNone/>
+            </a:pPr>
+            <a:r>
+              <a:rPr/>
+              <a:t>Note that the approximation is based on the size of the original sample and not the number of bootstrap samples that you take.</a:t>
+            </a:r>
+          </a:p>
+          <a:p>
+            <a:pPr lvl="0" indent="0" marL="0">
+              <a:buNone/>
+            </a:pPr>
+          </a:p>
+          <a:p>
+            <a:pPr lvl="0" indent="0" marL="0">
+              <a:buNone/>
+            </a:pPr>
+            <a:r>
+              <a:rPr/>
+              <a:t>The rate that the approximate coverage probability converges to the true coverage probability is a lot faster with the BCa adjustment. A lot faster.</a:t>
             </a:r>
           </a:p>
         </p:txBody>
@@ -3879,7 +3797,7 @@
           <a:p>
             <a:fld id="{18BDFEC3-8487-43E8-A154-7C12CBC1FFF2}" type="slidenum">
               <a:rPr lang="en-US"/>
-              <a:t>43</a:t>
+              <a:t>42</a:t>
             </a:fld>
             <a:endParaRPr lang="en-US"/>
           </a:p>
@@ -3939,21 +3857,21 @@
             </a:pPr>
             <a:r>
               <a:rPr/>
-              <a:t>This image comes from a 1986 publication in Statistical Science by Bradley Efron and Robert Tibshirani.</a:t>
-            </a:r>
-          </a:p>
-          <a:p>
-            <a:pPr lvl="0" indent="0" marL="0">
-              <a:buNone/>
-            </a:pPr>
-          </a:p>
-          <a:p>
-            <a:pPr lvl="0" indent="0" marL="0">
-              <a:buNone/>
-            </a:pPr>
-            <a:r>
-              <a:rPr/>
-              <a:t>There are two curves shown here which show two different ways of measuring risk as a function of age. One estimate shows a flat level (same amount of risk) for anyone under 45 and the other shows an increase in risk for patients under 30. Which one is correct? The bootstrap can help answer this question.</a:t>
+              <a:t>To test a hypothesis, count the proportion of bootstrap values that agree with the null hypothesis. If it is less than alpha, then you reject the null hypothesis. Extension to two sided hypotheses is not difficult.</a:t>
+            </a:r>
+          </a:p>
+          <a:p>
+            <a:pPr lvl="0" indent="0" marL="0">
+              <a:buNone/>
+            </a:pPr>
+          </a:p>
+          <a:p>
+            <a:pPr lvl="0" indent="0" marL="0">
+              <a:buNone/>
+            </a:pPr>
+            <a:r>
+              <a:rPr/>
+              <a:t>You could also look at any one of the bootstrap confidence intervals and see whether that interval includes or excludes the null value.</a:t>
             </a:r>
           </a:p>
         </p:txBody>
@@ -3975,7 +3893,7 @@
           <a:p>
             <a:fld id="{18BDFEC3-8487-43E8-A154-7C12CBC1FFF2}" type="slidenum">
               <a:rPr lang="en-US"/>
-              <a:t>44</a:t>
+              <a:t>43</a:t>
             </a:fld>
             <a:endParaRPr lang="en-US"/>
           </a:p>
@@ -4035,21 +3953,21 @@
             </a:pPr>
             <a:r>
               <a:rPr/>
-              <a:t>The bootstrap curves show a few with an increase in risk at younger ages, but more showing a flat curve (same level of risk) and a few showing a further decrease in risk. So there is little evidence that risk increases for patients under 30.</a:t>
-            </a:r>
-          </a:p>
-          <a:p>
-            <a:pPr lvl="0" indent="0" marL="0">
-              <a:buNone/>
-            </a:pPr>
-          </a:p>
-          <a:p>
-            <a:pPr lvl="0" indent="0" marL="0">
-              <a:buNone/>
-            </a:pPr>
-            <a:r>
-              <a:rPr/>
-              <a:t>In contrast, every single bootstrap sample shows an increase in risk after 45 years of age. That trend is well supported by the data.</a:t>
+              <a:t>This image comes from a 1986 publication in Statistical Science by Bradley Efron and Robert Tibshirani.</a:t>
+            </a:r>
+          </a:p>
+          <a:p>
+            <a:pPr lvl="0" indent="0" marL="0">
+              <a:buNone/>
+            </a:pPr>
+          </a:p>
+          <a:p>
+            <a:pPr lvl="0" indent="0" marL="0">
+              <a:buNone/>
+            </a:pPr>
+            <a:r>
+              <a:rPr/>
+              <a:t>There are two curves shown here which show two different ways of measuring risk as a function of age. One estimate shows a flat level (same amount of risk) for anyone under 45 and the other shows an increase in risk for patients under 30. Which one is correct? The bootstrap can help answer this question.</a:t>
             </a:r>
           </a:p>
         </p:txBody>
@@ -4071,7 +3989,7 @@
           <a:p>
             <a:fld id="{18BDFEC3-8487-43E8-A154-7C12CBC1FFF2}" type="slidenum">
               <a:rPr lang="en-US"/>
-              <a:t>45</a:t>
+              <a:t>44</a:t>
             </a:fld>
             <a:endParaRPr lang="en-US"/>
           </a:p>
@@ -4131,35 +4049,7 @@
             </a:pPr>
             <a:r>
               <a:rPr/>
-              <a:t>I’m sure you’re all familiar with the Central Limit Theorem. It’s the granddaddy of all approximation theorems. It states that the average of independent identically distributed random variables is approximately normal.</a:t>
-            </a:r>
-          </a:p>
-          <a:p>
-            <a:pPr lvl="0" indent="0" marL="0">
-              <a:buNone/>
-            </a:pPr>
-          </a:p>
-          <a:p>
-            <a:pPr lvl="0" indent="0" marL="0">
-              <a:buNone/>
-            </a:pPr>
-            <a:r>
-              <a:rPr/>
-              <a:t>The rule of thumb is that you can trust the normal approximation when the sample size is greater than 30. There is a lot that you can quibble about with respect to the cut-off of 30, but we’re not going to get too fussy about this.</a:t>
-            </a:r>
-          </a:p>
-          <a:p>
-            <a:pPr lvl="0" indent="0" marL="0">
-              <a:buNone/>
-            </a:pPr>
-          </a:p>
-          <a:p>
-            <a:pPr lvl="0" indent="0" marL="0">
-              <a:buNone/>
-            </a:pPr>
-            <a:r>
-              <a:rPr/>
-              <a:t>You can also show easily that the expected value of the sample mean is mu (the sample mean is an unbiased estimate of the population mean) and that the variance of the sample mean is the variance of an individual X value divided by the sample size n. Equivalently, the standard error of X-bar is the standard deviation of an individual value divided by the square root of the sample size.</a:t>
+              <a:t>Let’s start with a historical overview.</a:t>
             </a:r>
           </a:p>
         </p:txBody>
@@ -4181,7 +4071,7 @@
           <a:p>
             <a:fld id="{18BDFEC3-8487-43E8-A154-7C12CBC1FFF2}" type="slidenum">
               <a:rPr lang="en-US"/>
-              <a:t>8</a:t>
+              <a:t>5</a:t>
             </a:fld>
             <a:endParaRPr lang="en-US"/>
           </a:p>
@@ -4241,21 +4131,21 @@
             </a:pPr>
             <a:r>
               <a:rPr/>
-              <a:t>This figure is from a Scientific American article on the bootstrap.</a:t>
-            </a:r>
-          </a:p>
-          <a:p>
-            <a:pPr lvl="0" indent="0" marL="0">
-              <a:buNone/>
-            </a:pPr>
-          </a:p>
-          <a:p>
-            <a:pPr lvl="0" indent="0" marL="0">
-              <a:buNone/>
-            </a:pPr>
-            <a:r>
-              <a:rPr/>
-              <a:t>It shows countour curves fir to the map of the eastern United States. The upper left panel uses contours from the original data and the remaining panels represent contours drawn from bootstrap samples. It’s a bit hard to read at this resolution, but it looks like the contours are reasonably stable.</a:t>
+              <a:t>The bootstrap curves show a few with an increase in risk at younger ages, but more showing a flat curve (same level of risk) and a few showing a further decrease in risk. So there is little evidence that risk increases for patients under 30.</a:t>
+            </a:r>
+          </a:p>
+          <a:p>
+            <a:pPr lvl="0" indent="0" marL="0">
+              <a:buNone/>
+            </a:pPr>
+          </a:p>
+          <a:p>
+            <a:pPr lvl="0" indent="0" marL="0">
+              <a:buNone/>
+            </a:pPr>
+            <a:r>
+              <a:rPr/>
+              <a:t>In contrast, every single bootstrap sample shows an increase in risk after 45 years of age. That trend is well supported by the data.</a:t>
             </a:r>
           </a:p>
         </p:txBody>
@@ -4277,7 +4167,7 @@
           <a:p>
             <a:fld id="{18BDFEC3-8487-43E8-A154-7C12CBC1FFF2}" type="slidenum">
               <a:rPr lang="en-US"/>
-              <a:t>46</a:t>
+              <a:t>45</a:t>
             </a:fld>
             <a:endParaRPr lang="en-US"/>
           </a:p>
@@ -4337,21 +4227,21 @@
             </a:pPr>
             <a:r>
               <a:rPr/>
-              <a:t>Although there are no formal justifications, there is general consensus in the research community that you would need about 50 to 100 bootstrap samples to estimate bais or compute a standard error. You need an order of magnitude more bootstrap samples (500 to 1,000) if you are computing confidence intervals or hypothesis tests.</a:t>
-            </a:r>
-          </a:p>
-          <a:p>
-            <a:pPr lvl="0" indent="0" marL="0">
-              <a:buNone/>
-            </a:pPr>
-          </a:p>
-          <a:p>
-            <a:pPr lvl="0" indent="0" marL="0">
-              <a:buNone/>
-            </a:pPr>
-            <a:r>
-              <a:rPr/>
-              <a:t>I have not seen any guidance on visualizations, but from a practical perspective you want to avoid so many bootstrap samples that the family of curves looks like a big black splotch. Around 10 to 50 seems to me to be about right.</a:t>
+              <a:t>This figure is from a Scientific American article on the bootstrap.</a:t>
+            </a:r>
+          </a:p>
+          <a:p>
+            <a:pPr lvl="0" indent="0" marL="0">
+              <a:buNone/>
+            </a:pPr>
+          </a:p>
+          <a:p>
+            <a:pPr lvl="0" indent="0" marL="0">
+              <a:buNone/>
+            </a:pPr>
+            <a:r>
+              <a:rPr/>
+              <a:t>It shows countour curves fir to the map of the eastern United States. The upper left panel uses contours from the original data and the remaining panels represent contours drawn from bootstrap samples. It’s a bit hard to read at this resolution, but it looks like the contours are reasonably stable.</a:t>
             </a:r>
           </a:p>
         </p:txBody>
@@ -4373,7 +4263,7 @@
           <a:p>
             <a:fld id="{18BDFEC3-8487-43E8-A154-7C12CBC1FFF2}" type="slidenum">
               <a:rPr lang="en-US"/>
-              <a:t>47</a:t>
+              <a:t>46</a:t>
             </a:fld>
             <a:endParaRPr lang="en-US"/>
           </a:p>
@@ -4433,7 +4323,21 @@
             </a:pPr>
             <a:r>
               <a:rPr/>
-              <a:t>You just saw the general algorithms for estimating bias, calculating standard errors, computing confidence intervals, testing hypotheses, and evaluating visualizations. Next you will see software applications in SAS, Stata, and R.</a:t>
+              <a:t>Although there are no formal justifications, there is general consensus in the research community that you would need about 50 to 100 bootstrap samples to estimate bais or compute a standard error. You need an order of magnitude more bootstrap samples (500 to 1,000) if you are computing confidence intervals or hypothesis tests.</a:t>
+            </a:r>
+          </a:p>
+          <a:p>
+            <a:pPr lvl="0" indent="0" marL="0">
+              <a:buNone/>
+            </a:pPr>
+          </a:p>
+          <a:p>
+            <a:pPr lvl="0" indent="0" marL="0">
+              <a:buNone/>
+            </a:pPr>
+            <a:r>
+              <a:rPr/>
+              <a:t>I have not seen any guidance on visualizations, but from a practical perspective you want to avoid so many bootstrap samples that the family of curves looks like a big black splotch. Around 10 to 50 seems to me to be about right.</a:t>
             </a:r>
           </a:p>
         </p:txBody>
@@ -4455,7 +4359,7 @@
           <a:p>
             <a:fld id="{18BDFEC3-8487-43E8-A154-7C12CBC1FFF2}" type="slidenum">
               <a:rPr lang="en-US"/>
-              <a:t>48</a:t>
+              <a:t>47</a:t>
             </a:fld>
             <a:endParaRPr lang="en-US"/>
           </a:p>
@@ -4515,35 +4419,7 @@
             </a:pPr>
             <a:r>
               <a:rPr/>
-              <a:t>If you want to program a bootstrap, you need to have enough familiarity with your statistical software to run a loop and extract specific values from the output. Looping in SAS, Stata, and R can be done explicitly, but often the code is simpler if you take advantage of some implicit looping.</a:t>
-            </a:r>
-          </a:p>
-          <a:p>
-            <a:pPr lvl="0" indent="0" marL="0">
-              <a:buNone/>
-            </a:pPr>
-          </a:p>
-          <a:p>
-            <a:pPr lvl="0" indent="0" marL="0">
-              <a:buNone/>
-            </a:pPr>
-            <a:r>
-              <a:rPr/>
-              <a:t>If the examples that follow seem a bit frightening, you might want to only use bootstraps that are completely automated for you. The advantage of the code shown on the following slides is that it allows you to apply a bootstrap in cases that are a little bit off in left field. In other words, cases that are different enough that no one has taken the trouble to fully automate them.</a:t>
-            </a:r>
-          </a:p>
-          <a:p>
-            <a:pPr lvl="0" indent="0" marL="0">
-              <a:buNone/>
-            </a:pPr>
-          </a:p>
-          <a:p>
-            <a:pPr lvl="0" indent="0" marL="0">
-              <a:buNone/>
-            </a:pPr>
-            <a:r>
-              <a:rPr/>
-              <a:t>I want to show briefly, how to do a simple bootstrap in SAS, Stata, and R. It may be possible to do this in SPSS, but I am not familiar enough with SPSS to outline how the approach might work.</a:t>
+              <a:t>You just saw the general algorithms for estimating bias, calculating standard errors, computing confidence intervals, testing hypotheses, and evaluating visualizations. Next you will see software applications in SAS, Stata, and R.</a:t>
             </a:r>
           </a:p>
         </p:txBody>
@@ -4565,7 +4441,7 @@
           <a:p>
             <a:fld id="{18BDFEC3-8487-43E8-A154-7C12CBC1FFF2}" type="slidenum">
               <a:rPr lang="en-US"/>
-              <a:t>49</a:t>
+              <a:t>48</a:t>
             </a:fld>
             <a:endParaRPr lang="en-US"/>
           </a:p>
@@ -4625,35 +4501,35 @@
             </a:pPr>
             <a:r>
               <a:rPr/>
-              <a:t>This example is taken from the UCLA Statistical Methods and Data Analytics site. It pops up easily on a simple google search. Try the search terms “ucla,” “bootstrap,” and “sas.”</a:t>
-            </a:r>
-          </a:p>
-          <a:p>
-            <a:pPr lvl="0" indent="0" marL="0">
-              <a:buNone/>
-            </a:pPr>
-          </a:p>
-          <a:p>
-            <a:pPr lvl="0" indent="0" marL="0">
-              <a:buNone/>
-            </a:pPr>
-            <a:r>
-              <a:rPr/>
-              <a:t>The first statement tells SAS that it should take the output from the following procedure, pull out a particular number from the output called “FitStatistics” and store it in a dataset with the name t0.</a:t>
-            </a:r>
-          </a:p>
-          <a:p>
-            <a:pPr lvl="0" indent="0" marL="0">
-              <a:buNone/>
-            </a:pPr>
-          </a:p>
-          <a:p>
-            <a:pPr lvl="0" indent="0" marL="0">
-              <a:buNone/>
-            </a:pPr>
-            <a:r>
-              <a:rPr/>
-              <a:t>I’m guess that the “quit” statement is important here because of the way you are handling output with the ods statement.</a:t>
+              <a:t>If you want to program a bootstrap, you need to have enough familiarity with your statistical software to run a loop and extract specific values from the output. Looping in SAS, Stata, and R can be done explicitly, but often the code is simpler if you take advantage of some implicit looping.</a:t>
+            </a:r>
+          </a:p>
+          <a:p>
+            <a:pPr lvl="0" indent="0" marL="0">
+              <a:buNone/>
+            </a:pPr>
+          </a:p>
+          <a:p>
+            <a:pPr lvl="0" indent="0" marL="0">
+              <a:buNone/>
+            </a:pPr>
+            <a:r>
+              <a:rPr/>
+              <a:t>If the examples that follow seem a bit frightening, you might want to only use bootstraps that are completely automated for you. The advantage of the code shown on the following slides is that it allows you to apply a bootstrap in cases that are a little bit off in left field. In other words, cases that are different enough that no one has taken the trouble to fully automate them.</a:t>
+            </a:r>
+          </a:p>
+          <a:p>
+            <a:pPr lvl="0" indent="0" marL="0">
+              <a:buNone/>
+            </a:pPr>
+          </a:p>
+          <a:p>
+            <a:pPr lvl="0" indent="0" marL="0">
+              <a:buNone/>
+            </a:pPr>
+            <a:r>
+              <a:rPr/>
+              <a:t>I want to show briefly, how to do a simple bootstrap in SAS, Stata, and R. It may be possible to do this in SPSS, but I am not familiar enough with SPSS to outline how the approach might work.</a:t>
             </a:r>
           </a:p>
         </p:txBody>
@@ -4675,7 +4551,7 @@
           <a:p>
             <a:fld id="{18BDFEC3-8487-43E8-A154-7C12CBC1FFF2}" type="slidenum">
               <a:rPr lang="en-US"/>
-              <a:t>50</a:t>
+              <a:t>49</a:t>
             </a:fld>
             <a:endParaRPr lang="en-US"/>
           </a:p>
@@ -4735,7 +4611,35 @@
             </a:pPr>
             <a:r>
               <a:rPr/>
-              <a:t>The data step here creates a dataset with the sole purpose of moving the r-squared value from a dataset to a macro variable. The key function here is symput and if you are not familiar with it, check out the SAS documentation.</a:t>
+              <a:t>This example is taken from the UCLA Statistical Methods and Data Analytics site. It pops up easily on a simple google search. Try the search terms “ucla,” “bootstrap,” and “sas.”</a:t>
+            </a:r>
+          </a:p>
+          <a:p>
+            <a:pPr lvl="0" indent="0" marL="0">
+              <a:buNone/>
+            </a:pPr>
+          </a:p>
+          <a:p>
+            <a:pPr lvl="0" indent="0" marL="0">
+              <a:buNone/>
+            </a:pPr>
+            <a:r>
+              <a:rPr/>
+              <a:t>The first statement tells SAS that it should take the output from the following procedure, pull out a particular number from the output called “FitStatistics” and store it in a dataset with the name t0.</a:t>
+            </a:r>
+          </a:p>
+          <a:p>
+            <a:pPr lvl="0" indent="0" marL="0">
+              <a:buNone/>
+            </a:pPr>
+          </a:p>
+          <a:p>
+            <a:pPr lvl="0" indent="0" marL="0">
+              <a:buNone/>
+            </a:pPr>
+            <a:r>
+              <a:rPr/>
+              <a:t>I’m guess that the “quit” statement is important here because of the way you are handling output with the ods statement.</a:t>
             </a:r>
           </a:p>
         </p:txBody>
@@ -4757,7 +4661,7 @@
           <a:p>
             <a:fld id="{18BDFEC3-8487-43E8-A154-7C12CBC1FFF2}" type="slidenum">
               <a:rPr lang="en-US"/>
-              <a:t>51</a:t>
+              <a:t>50</a:t>
             </a:fld>
             <a:endParaRPr lang="en-US"/>
           </a:p>
@@ -4817,7 +4721,7 @@
             </a:pPr>
             <a:r>
               <a:rPr/>
-              <a:t>Although you could use a loop here, the surveyselect procedure allows you to create 500 bootstrap samples and store them all in a single dataset.</a:t>
+              <a:t>The data step here creates a dataset with the sole purpose of moving the r-squared value from a dataset to a macro variable. The key function here is symput and if you are not familiar with it, check out the SAS documentation.</a:t>
             </a:r>
           </a:p>
         </p:txBody>
@@ -4839,7 +4743,7 @@
           <a:p>
             <a:fld id="{18BDFEC3-8487-43E8-A154-7C12CBC1FFF2}" type="slidenum">
               <a:rPr lang="en-US"/>
-              <a:t>52</a:t>
+              <a:t>51</a:t>
             </a:fld>
             <a:endParaRPr lang="en-US"/>
           </a:p>
@@ -4899,7 +4803,7 @@
             </a:pPr>
             <a:r>
               <a:rPr/>
-              <a:t>Here is part of the output from surveyselect. The original dataset has 200 observations. We are creating 500 replicates using sampling with replacement. That creates a dataset of 100,000 observations.</a:t>
+              <a:t>Although you could use a loop here, the surveyselect procedure allows you to create 500 bootstrap samples and store them all in a single dataset.</a:t>
             </a:r>
           </a:p>
         </p:txBody>
@@ -4921,7 +4825,7 @@
           <a:p>
             <a:fld id="{18BDFEC3-8487-43E8-A154-7C12CBC1FFF2}" type="slidenum">
               <a:rPr lang="en-US"/>
-              <a:t>53</a:t>
+              <a:t>52</a:t>
             </a:fld>
             <a:endParaRPr lang="en-US"/>
           </a:p>
@@ -4981,21 +4885,7 @@
             </a:pPr>
             <a:r>
               <a:rPr/>
-              <a:t>The ods statement on the first line of code on this slide tells SAS to look at the output from the following procedure and store the result in a dataset called t.</a:t>
-            </a:r>
-          </a:p>
-          <a:p>
-            <a:pPr lvl="0" indent="0" marL="0">
-              <a:buNone/>
-            </a:pPr>
-          </a:p>
-          <a:p>
-            <a:pPr lvl="0" indent="0" marL="0">
-              <a:buNone/>
-            </a:pPr>
-            <a:r>
-              <a:rPr/>
-              <a:t>The “by replicate” statement tells SAS to run a separate regression for each bootstrap sample.</a:t>
+              <a:t>Here is part of the output from surveyselect. The original dataset has 200 observations. You are creating 500 replicates using sampling with replacement. That creates a dataset of 100,000 observations.</a:t>
             </a:r>
           </a:p>
         </p:txBody>
@@ -5017,7 +4907,7 @@
           <a:p>
             <a:fld id="{18BDFEC3-8487-43E8-A154-7C12CBC1FFF2}" type="slidenum">
               <a:rPr lang="en-US"/>
-              <a:t>54</a:t>
+              <a:t>53</a:t>
             </a:fld>
             <a:endParaRPr lang="en-US"/>
           </a:p>
@@ -5077,7 +4967,21 @@
             </a:pPr>
             <a:r>
               <a:rPr/>
-              <a:t>The output stored in the dataset, however, is a string, and you have to convert it to a numeric value by adding zero. This is a classic SAS hack.</a:t>
+              <a:t>The ods statement on the first line of code on this slide tells SAS to look at the output from the following procedure and store the result in a dataset called t.</a:t>
+            </a:r>
+          </a:p>
+          <a:p>
+            <a:pPr lvl="0" indent="0" marL="0">
+              <a:buNone/>
+            </a:pPr>
+          </a:p>
+          <a:p>
+            <a:pPr lvl="0" indent="0" marL="0">
+              <a:buNone/>
+            </a:pPr>
+            <a:r>
+              <a:rPr/>
+              <a:t>The “by replicate” statement tells SAS to run a separate regression for each bootstrap sample.</a:t>
             </a:r>
           </a:p>
         </p:txBody>
@@ -5099,7 +5003,7 @@
           <a:p>
             <a:fld id="{18BDFEC3-8487-43E8-A154-7C12CBC1FFF2}" type="slidenum">
               <a:rPr lang="en-US"/>
-              <a:t>55</a:t>
+              <a:t>54</a:t>
             </a:fld>
             <a:endParaRPr lang="en-US"/>
           </a:p>
@@ -5159,105 +5063,21 @@
             </a:pPr>
             <a:r>
               <a:rPr/>
-              <a:t>What about more complex settings?</a:t>
-            </a:r>
-          </a:p>
-          <a:p>
-            <a:pPr lvl="0" indent="0" marL="0">
-              <a:buNone/>
-            </a:pPr>
-          </a:p>
-          <a:p>
-            <a:pPr lvl="0" indent="0" marL="0">
-              <a:buNone/>
-            </a:pPr>
-            <a:r>
-              <a:rPr/>
-              <a:t>What if you are measuring the mean absolute deviation (the average of the absolute values of each individual value minus the sample mean) or the interquartile range (the difference between the 75th percentile and the 25th percentile).</a:t>
-            </a:r>
-          </a:p>
-          <a:p>
-            <a:pPr lvl="0" indent="0" marL="0">
-              <a:buNone/>
-            </a:pPr>
-          </a:p>
-          <a:p>
-            <a:pPr lvl="0" indent="0" marL="0">
-              <a:buNone/>
-            </a:pPr>
-            <a:r>
-              <a:rPr/>
-              <a:t>If you are really clever and if you understand all the approximation theorems in Robert Serfling’s book, you will know how to establish an approximation to these statistics (usually a normal approximation, but sometimes there are other distributions like the chi-square distribution that represent a good approximation).</a:t>
-            </a:r>
-          </a:p>
-          <a:p>
-            <a:pPr lvl="0" indent="0" marL="0">
-              <a:buNone/>
-            </a:pPr>
-          </a:p>
-          <a:p>
-            <a:pPr lvl="0" indent="0" marL="0">
-              <a:buNone/>
-            </a:pPr>
-            <a:r>
-              <a:rPr/>
-              <a:t>But there are lots of settings where even Dr. Serfling’s hard work will still leave you high and dry. Some statistics are just so messy that no one can figure out an asymptotic approximation.</a:t>
-            </a:r>
-          </a:p>
-          <a:p>
-            <a:pPr lvl="0" indent="0" marL="0">
-              <a:buNone/>
-            </a:pPr>
-          </a:p>
-          <a:p>
-            <a:pPr lvl="0" indent="0" marL="0">
-              <a:buNone/>
-            </a:pPr>
-            <a:r>
-              <a:rPr/>
-              <a:t>But an even more fundamental question is what do you do when the sample size is not large enough to justify the use of the Central Limit Theorem? I put down n&lt;30 here, but in some settings (well behaved distributions without much skewness and only a weak tendency to produce outliers), you might get by with only 10 observations. Other times (extremely skewed distributions and/or a strong tendency to produce outliers), even a sample size of 300 is inadequate to assume an approximately normal distribution.</a:t>
-            </a:r>
-          </a:p>
-          <a:p>
-            <a:pPr lvl="0" indent="0" marL="0">
-              <a:buNone/>
-            </a:pPr>
-          </a:p>
-          <a:p>
-            <a:pPr lvl="0" indent="0" marL="0">
-              <a:buNone/>
-            </a:pPr>
-            <a:r>
-              <a:rPr/>
-              <a:t>It turns out that you can use simulations involving the data itself to establish an underlying distribution.</a:t>
-            </a:r>
-          </a:p>
-          <a:p>
-            <a:pPr lvl="0" indent="0" marL="0">
-              <a:buNone/>
-            </a:pPr>
-          </a:p>
-          <a:p>
-            <a:pPr lvl="0" indent="0" marL="0">
-              <a:buNone/>
-            </a:pPr>
-            <a:r>
-              <a:rPr/>
-              <a:t>You might find, after applying the bootstrap, that the normal distribution is a reasonable approximation. If so, great! Consider the bootstrap to be a sensitivity check that you passed with flying colors.</a:t>
-            </a:r>
-          </a:p>
-          <a:p>
-            <a:pPr lvl="0" indent="0" marL="0">
-              <a:buNone/>
-            </a:pPr>
-          </a:p>
-          <a:p>
-            <a:pPr lvl="0" indent="0" marL="0">
-              <a:buNone/>
-            </a:pPr>
-            <a:r>
-              <a:rPr/>
-              <a:t>If the results of the bootstrap are markedly different from the results assuming approximate normality, then investigate further. But you can almost always rely on the bootstrap results to provide valid confidence intervals and hypothesis tests. Although there are a few settings where you shouldn’t rely on a bootstrap approach, it is a credible approach for a surprisingly broad range of settings.</a:t>
+              <a:t>Before the bootstrap came along, researchers relied on a variety of mathematical theorems like the Central Limit Theorem and extensions to the Central Limit Theorem to estimate bias, calculate standard errors, produce confidence intervals, and test hypotheses.</a:t>
+            </a:r>
+          </a:p>
+          <a:p>
+            <a:pPr lvl="0" indent="0" marL="0">
+              <a:buNone/>
+            </a:pPr>
+          </a:p>
+          <a:p>
+            <a:pPr lvl="0" indent="0" marL="0">
+              <a:buNone/>
+            </a:pPr>
+            <a:r>
+              <a:rPr/>
+              <a:t>The bootstrap represents an early attempt to use the power of computer simulation to estimate bias, calculate standard errors, produce confidence intervals, and test hypotheses. The bootstrap provides these answers in many settings where you can’t find a version of the Central Limit Theorem that would apply or when you don’t trust the approximation. I’ll provide a brief overview of the jackknife, an earlier approach that the bootstrap was based on. Then I’ll talk about Bradley Efron’s work in the 1970’s and 1980’s to develop the bootstrap and to establish the mathematical principles that make the bootstrap work in so many different areas. Finally, I will talk about how bootstrapping came to be relied on in various machine learning algorithms.</a:t>
             </a:r>
           </a:p>
         </p:txBody>
@@ -5279,7 +5099,7 @@
           <a:p>
             <a:fld id="{18BDFEC3-8487-43E8-A154-7C12CBC1FFF2}" type="slidenum">
               <a:rPr lang="en-US"/>
-              <a:t>9</a:t>
+              <a:t>6</a:t>
             </a:fld>
             <a:endParaRPr lang="en-US"/>
           </a:p>
@@ -5339,7 +5159,7 @@
             </a:pPr>
             <a:r>
               <a:rPr/>
-              <a:t>The first three lines are just a fancy way of getting from a 0.05 alpha level to selecting the 2.5 percentile and the 97.5 percentile.</a:t>
+              <a:t>The output stored in the dataset, however, is a string, and you have to convert it to a numeric value by adding zero. This is a classic SAS hack.</a:t>
             </a:r>
           </a:p>
         </p:txBody>
@@ -5361,7 +5181,7 @@
           <a:p>
             <a:fld id="{18BDFEC3-8487-43E8-A154-7C12CBC1FFF2}" type="slidenum">
               <a:rPr lang="en-US"/>
-              <a:t>56</a:t>
+              <a:t>55</a:t>
             </a:fld>
             <a:endParaRPr lang="en-US"/>
           </a:p>
@@ -5421,21 +5241,7 @@
             </a:pPr>
             <a:r>
               <a:rPr/>
-              <a:t>proc univariate produces the mean as well as the 2.5 and 97.5 percentiles. The pctlpre and pctlname make the variable names of the output dataset look nice.</a:t>
-            </a:r>
-          </a:p>
-          <a:p>
-            <a:pPr lvl="0" indent="0" marL="0">
-              <a:buNone/>
-            </a:pPr>
-          </a:p>
-          <a:p>
-            <a:pPr lvl="0" indent="0" marL="0">
-              <a:buNone/>
-            </a:pPr>
-            <a:r>
-              <a:rPr/>
-              <a:t>Although the folks at UCLA take great pains to make everything look nice, they should have used a noprint option for proc univariate to keep the output cleaner.</a:t>
+              <a:t>The first three lines are just a fancy way of getting from a 0.05 alpha level to selecting the 2.5 percentile and the 97.5 percentile.</a:t>
             </a:r>
           </a:p>
         </p:txBody>
@@ -5457,7 +5263,7 @@
           <a:p>
             <a:fld id="{18BDFEC3-8487-43E8-A154-7C12CBC1FFF2}" type="slidenum">
               <a:rPr lang="en-US"/>
-              <a:t>57</a:t>
+              <a:t>56</a:t>
             </a:fld>
             <a:endParaRPr lang="en-US"/>
           </a:p>
@@ -5517,7 +5323,21 @@
             </a:pPr>
             <a:r>
               <a:rPr/>
-              <a:t>That &amp;r2bar is a macro variable of the estimate of R-squared from the original dataset. You subtract it from the mean of the bootstrap samples (r2hat) to get the estimated bias.</a:t>
+              <a:t>proc univariate produces the mean as well as the 2.5 and 97.5 percentiles. The pctlpre and pctlname make the variable names of the output dataset look nice.</a:t>
+            </a:r>
+          </a:p>
+          <a:p>
+            <a:pPr lvl="0" indent="0" marL="0">
+              <a:buNone/>
+            </a:pPr>
+          </a:p>
+          <a:p>
+            <a:pPr lvl="0" indent="0" marL="0">
+              <a:buNone/>
+            </a:pPr>
+            <a:r>
+              <a:rPr/>
+              <a:t>Although the folks at UCLA take great pains to make everything look nice, they should have used a noprint option for proc univariate to keep the output cleaner.</a:t>
             </a:r>
           </a:p>
         </p:txBody>
@@ -5539,7 +5359,7 @@
           <a:p>
             <a:fld id="{18BDFEC3-8487-43E8-A154-7C12CBC1FFF2}" type="slidenum">
               <a:rPr lang="en-US"/>
-              <a:t>58</a:t>
+              <a:t>57</a:t>
             </a:fld>
             <a:endParaRPr lang="en-US"/>
           </a:p>
@@ -5599,35 +5419,7 @@
             </a:pPr>
             <a:r>
               <a:rPr/>
-              <a:t>After all this careful work, you now have the original estimate of R-squared (52% after rounding), the estimated bias (less than 1%) and the confidence interval (44% to 60%).</a:t>
-            </a:r>
-          </a:p>
-          <a:p>
-            <a:pPr lvl="0" indent="0" marL="0">
-              <a:buNone/>
-            </a:pPr>
-          </a:p>
-          <a:p>
-            <a:pPr lvl="0" indent="0" marL="0">
-              <a:buNone/>
-            </a:pPr>
-            <a:r>
-              <a:rPr/>
-              <a:t>As a quick recap, knowledge of the output delivery system (ods) and macro variables were critical. Thankfully, you did not need a loop here, but familiarity with looping mechanisms in SAS is probably worth knowing for other bootstrap examples.</a:t>
-            </a:r>
-          </a:p>
-          <a:p>
-            <a:pPr lvl="0" indent="0" marL="0">
-              <a:buNone/>
-            </a:pPr>
-          </a:p>
-          <a:p>
-            <a:pPr lvl="0" indent="0" marL="0">
-              <a:buNone/>
-            </a:pPr>
-            <a:r>
-              <a:rPr/>
-              <a:t>If you want to learn more, Rick Wicklin of SAS Institute has a nice series of blog posts. Start with this one.</a:t>
+              <a:t>That &amp;r2bar is a macro variable of the estimate of R-squared from the original dataset. You subtract it from the mean of the bootstrap samples (r2hat) to get the estimated bias.</a:t>
             </a:r>
           </a:p>
         </p:txBody>
@@ -5649,7 +5441,7 @@
           <a:p>
             <a:fld id="{18BDFEC3-8487-43E8-A154-7C12CBC1FFF2}" type="slidenum">
               <a:rPr lang="en-US"/>
-              <a:t>59</a:t>
+              <a:t>58</a:t>
             </a:fld>
             <a:endParaRPr lang="en-US"/>
           </a:p>
@@ -5709,21 +5501,35 @@
             </a:pPr>
             <a:r>
               <a:rPr/>
-              <a:t>I am not an expert on Stata, but it was created in 1985 about two decades later than SAS. So it did not have any holdovers from the restricted options available in the age of IBM mainframe computers.</a:t>
-            </a:r>
-          </a:p>
-          <a:p>
-            <a:pPr lvl="0" indent="0" marL="0">
-              <a:buNone/>
-            </a:pPr>
-          </a:p>
-          <a:p>
-            <a:pPr lvl="0" indent="0" marL="0">
-              <a:buNone/>
-            </a:pPr>
-            <a:r>
-              <a:rPr/>
-              <a:t>This example is taken from the UCLA Statistical Methods and Data Analytics site. It pops up easily on a simple google search. Try using the search terms “ucla,” “bootstrap,” and “stata.”</a:t>
+              <a:t>After all this careful work, you now have the original estimate of R-squared (52% after rounding), the estimated bias (less than 1%) and the confidence interval (44% to 60%).</a:t>
+            </a:r>
+          </a:p>
+          <a:p>
+            <a:pPr lvl="0" indent="0" marL="0">
+              <a:buNone/>
+            </a:pPr>
+          </a:p>
+          <a:p>
+            <a:pPr lvl="0" indent="0" marL="0">
+              <a:buNone/>
+            </a:pPr>
+            <a:r>
+              <a:rPr/>
+              <a:t>As a quick recap, knowledge of the output delivery system (ods) and macro variables were critical. Thankfully, you did not need a loop here, but familiarity with looping mechanisms in SAS is probably worth knowing for other bootstrap examples.</a:t>
+            </a:r>
+          </a:p>
+          <a:p>
+            <a:pPr lvl="0" indent="0" marL="0">
+              <a:buNone/>
+            </a:pPr>
+          </a:p>
+          <a:p>
+            <a:pPr lvl="0" indent="0" marL="0">
+              <a:buNone/>
+            </a:pPr>
+            <a:r>
+              <a:rPr/>
+              <a:t>If you want to learn more, Rick Wicklin of SAS Institute has a nice series of blog posts. Start with this one.</a:t>
             </a:r>
           </a:p>
         </p:txBody>
@@ -5745,7 +5551,7 @@
           <a:p>
             <a:fld id="{18BDFEC3-8487-43E8-A154-7C12CBC1FFF2}" type="slidenum">
               <a:rPr lang="en-US"/>
-              <a:t>60</a:t>
+              <a:t>59</a:t>
             </a:fld>
             <a:endParaRPr lang="en-US"/>
           </a:p>
@@ -5805,7 +5611,21 @@
             </a:pPr>
             <a:r>
               <a:rPr/>
-              <a:t>Here is the Stata code to get the estimates from the original data.</a:t>
+              <a:t>I am not an expert on Stata, but it was created in 1985 about two decades later than SAS. So it did not have any holdovers from the restricted options available in the age of IBM mainframe computers.</a:t>
+            </a:r>
+          </a:p>
+          <a:p>
+            <a:pPr lvl="0" indent="0" marL="0">
+              <a:buNone/>
+            </a:pPr>
+          </a:p>
+          <a:p>
+            <a:pPr lvl="0" indent="0" marL="0">
+              <a:buNone/>
+            </a:pPr>
+            <a:r>
+              <a:rPr/>
+              <a:t>This example is taken from the UCLA Statistical Methods and Data Analytics site. It pops up easily on a simple google search. Try using the search terms “ucla,” “bootstrap,” and “stata.”</a:t>
             </a:r>
           </a:p>
         </p:txBody>
@@ -5827,7 +5647,7 @@
           <a:p>
             <a:fld id="{18BDFEC3-8487-43E8-A154-7C12CBC1FFF2}" type="slidenum">
               <a:rPr lang="en-US"/>
-              <a:t>61</a:t>
+              <a:t>60</a:t>
             </a:fld>
             <a:endParaRPr lang="en-US"/>
           </a:p>
@@ -5887,7 +5707,7 @@
             </a:pPr>
             <a:r>
               <a:rPr/>
-              <a:t>Stata has a bootstrap function built-in. It is both a good thing and a bad thing. It is good in that it simplifies your code. It is bad in that it can only bootstrap on prespecified parts of the output. In fairness, this is also a limitation with the output delivery system in SAS. Both systems are pretty good at letting you pick out the pieces of the output that you are most interested in.</a:t>
+              <a:t>Here is the Stata code to get the estimates from the original data.</a:t>
             </a:r>
           </a:p>
         </p:txBody>
@@ -5909,7 +5729,7 @@
           <a:p>
             <a:fld id="{18BDFEC3-8487-43E8-A154-7C12CBC1FFF2}" type="slidenum">
               <a:rPr lang="en-US"/>
-              <a:t>62</a:t>
+              <a:t>61</a:t>
             </a:fld>
             <a:endParaRPr lang="en-US"/>
           </a:p>
@@ -5969,21 +5789,7 @@
             </a:pPr>
             <a:r>
               <a:rPr/>
-              <a:t>Here is the output. By default, it provides a confidence interval based on the bootstrap standard error, but you can get other confidence intervals as well.</a:t>
-            </a:r>
-          </a:p>
-          <a:p>
-            <a:pPr lvl="0" indent="0" marL="0">
-              <a:buNone/>
-            </a:pPr>
-          </a:p>
-          <a:p>
-            <a:pPr lvl="0" indent="0" marL="0">
-              <a:buNone/>
-            </a:pPr>
-            <a:r>
-              <a:rPr/>
-              <a:t>In this example, the original data produced a root mean squared error of 7.2 and the bootstrap 95% confidence interval goes from 6.7 to 7.7.</a:t>
+              <a:t>Stata has a bootstrap function built-in. It is both a good thing and a bad thing. It is good in that it simplifies your code. It is bad in that it can only bootstrap on prespecified parts of the output. In fairness, this is also a limitation with the output delivery system in SAS. Both systems are pretty good at letting you pick out the pieces of the output that you are most interested in.</a:t>
             </a:r>
           </a:p>
         </p:txBody>
@@ -6005,7 +5811,7 @@
           <a:p>
             <a:fld id="{18BDFEC3-8487-43E8-A154-7C12CBC1FFF2}" type="slidenum">
               <a:rPr lang="en-US"/>
-              <a:t>63</a:t>
+              <a:t>62</a:t>
             </a:fld>
             <a:endParaRPr lang="en-US"/>
           </a:p>
@@ -6065,35 +5871,21 @@
             </a:pPr>
             <a:r>
               <a:rPr/>
-              <a:t>R was created in 1999, and relied on a modular approach that makes it ideal for bootstrapping. There is a special library that works for most cases, even some very exotic ones. Looping in R is easy as is extracting specific values.</a:t>
-            </a:r>
-          </a:p>
-          <a:p>
-            <a:pPr lvl="0" indent="0" marL="0">
-              <a:buNone/>
-            </a:pPr>
-          </a:p>
-          <a:p>
-            <a:pPr lvl="0" indent="0" marL="0">
-              <a:buNone/>
-            </a:pPr>
-            <a:r>
-              <a:rPr/>
-              <a:t>Again, I am using an example from the UCLA Statistical Methods and Data Analytics site. It pops up easily on a simple google search. Try using the search terms “ucla,” “bootstrap,” and “r”.</a:t>
-            </a:r>
-          </a:p>
-          <a:p>
-            <a:pPr lvl="0" indent="0" marL="0">
-              <a:buNone/>
-            </a:pPr>
-          </a:p>
-          <a:p>
-            <a:pPr lvl="0" indent="0" marL="0">
-              <a:buNone/>
-            </a:pPr>
-            <a:r>
-              <a:rPr/>
-              <a:t>By the way, one disadvantage of the R programming language is that a google search just using the term “r” is going to bring up a bunch of things related to the letter “r” other than just the R programming language. You don’t have as much trouble with SAS, although you might be routed to the Scandinavian Airlines website. Stockholm, anyone?</a:t>
+              <a:t>Here is the output. By default, it provides a confidence interval based on the bootstrap standard error, but you can get other confidence intervals as well.</a:t>
+            </a:r>
+          </a:p>
+          <a:p>
+            <a:pPr lvl="0" indent="0" marL="0">
+              <a:buNone/>
+            </a:pPr>
+          </a:p>
+          <a:p>
+            <a:pPr lvl="0" indent="0" marL="0">
+              <a:buNone/>
+            </a:pPr>
+            <a:r>
+              <a:rPr/>
+              <a:t>In this example, the original data produced a root mean squared error of 7.2 and the bootstrap 95% confidence interval goes from 6.7 to 7.7.</a:t>
             </a:r>
           </a:p>
         </p:txBody>
@@ -6115,7 +5907,7 @@
           <a:p>
             <a:fld id="{18BDFEC3-8487-43E8-A154-7C12CBC1FFF2}" type="slidenum">
               <a:rPr lang="en-US"/>
-              <a:t>64</a:t>
+              <a:t>63</a:t>
             </a:fld>
             <a:endParaRPr lang="en-US"/>
           </a:p>
@@ -6175,7 +5967,35 @@
             </a:pPr>
             <a:r>
               <a:rPr/>
-              <a:t>You can read the data directly from the web.</a:t>
+              <a:t>R was created in 1999, and relied on a modular approach that makes it ideal for bootstrapping. There is a special library that works for most cases, even some very exotic ones. Looping in R is easy as is extracting specific values.</a:t>
+            </a:r>
+          </a:p>
+          <a:p>
+            <a:pPr lvl="0" indent="0" marL="0">
+              <a:buNone/>
+            </a:pPr>
+          </a:p>
+          <a:p>
+            <a:pPr lvl="0" indent="0" marL="0">
+              <a:buNone/>
+            </a:pPr>
+            <a:r>
+              <a:rPr/>
+              <a:t>Again, I am using an example from the UCLA Statistical Methods and Data Analytics site. It pops up easily on a simple google search. Try using the search terms “ucla,” “bootstrap,” and “r”.</a:t>
+            </a:r>
+          </a:p>
+          <a:p>
+            <a:pPr lvl="0" indent="0" marL="0">
+              <a:buNone/>
+            </a:pPr>
+          </a:p>
+          <a:p>
+            <a:pPr lvl="0" indent="0" marL="0">
+              <a:buNone/>
+            </a:pPr>
+            <a:r>
+              <a:rPr/>
+              <a:t>By the way, one disadvantage of the R programming language is that a google search just using the term “r” is going to bring up a bunch of things related to the letter “r” other than just the R programming language. You don’t have as much trouble with SAS, although you might be routed to the Scandinavian Airlines website. Stockholm, anyone?</a:t>
             </a:r>
           </a:p>
         </p:txBody>
@@ -6197,7 +6017,7 @@
           <a:p>
             <a:fld id="{18BDFEC3-8487-43E8-A154-7C12CBC1FFF2}" type="slidenum">
               <a:rPr lang="en-US"/>
-              <a:t>65</a:t>
+              <a:t>64</a:t>
             </a:fld>
             <a:endParaRPr lang="en-US"/>
           </a:p>
@@ -6257,21 +6077,7 @@
             </a:pPr>
             <a:r>
               <a:rPr/>
-              <a:t>To understand the bootstrap, you need to understand the approach that it was intended to improve upon, the jackknife.</a:t>
-            </a:r>
-          </a:p>
-          <a:p>
-            <a:pPr lvl="0" indent="0" marL="0">
-              <a:buNone/>
-            </a:pPr>
-          </a:p>
-          <a:p>
-            <a:pPr lvl="0" indent="0" marL="0">
-              <a:buNone/>
-            </a:pPr>
-            <a:r>
-              <a:rPr/>
-              <a:t>The jackknife was first developed in 1949 by Maurice Quenouille and was extended to a more general setting by John Tukey in the 1950s. Dr. Tukey was fond of giving clever names to various statistical terms. He was the one, for example, who coined the term “bit” as a shorted form of binary digit. He chose the name “jackknife” for the Quenouille approach because the jackknife is an all-purpose tool.</a:t>
+              <a:t>I need to start with a book that I used when I was in graduate school. The title is “Approximation Theorems in Mathematical Statistics” by Robert Serfling. It was all about the variety of ways to show that some statistic followed an asymptotic normal distribution.</a:t>
             </a:r>
           </a:p>
         </p:txBody>
@@ -6293,7 +6099,7 @@
           <a:p>
             <a:fld id="{18BDFEC3-8487-43E8-A154-7C12CBC1FFF2}" type="slidenum">
               <a:rPr lang="en-US"/>
-              <a:t>10</a:t>
+              <a:t>7</a:t>
             </a:fld>
             <a:endParaRPr lang="en-US"/>
           </a:p>
@@ -6353,21 +6159,7 @@
             </a:pPr>
             <a:r>
               <a:rPr/>
-              <a:t>Define a function that takes your dataset and returns a single number. In this example, the single number is the correlation between two measures of knowledge. Plug this function into the boot function. This will prepare R=500 bootstrap samples and apply them to the function you just defined.</a:t>
-            </a:r>
-          </a:p>
-          <a:p>
-            <a:pPr lvl="0" indent="0" marL="0">
-              <a:buNone/>
-            </a:pPr>
-          </a:p>
-          <a:p>
-            <a:pPr lvl="0" indent="0" marL="0">
-              <a:buNone/>
-            </a:pPr>
-            <a:r>
-              <a:rPr/>
-              <a:t>By the way, I get a lot of questions: should I learn R or Python or SAS or Stata or something else. There’s very little reason to prefer one over the other, but here’s a small thing. In R, you can use a function like “boot” and have it evaluate another function like “hsb2.” This seamless integration of functions within functions provides a powerful yet easy to use approach for handling complex settings.</a:t>
+              <a:t>You can read the data directly from the web.</a:t>
             </a:r>
           </a:p>
         </p:txBody>
@@ -6389,7 +6181,7 @@
           <a:p>
             <a:fld id="{18BDFEC3-8487-43E8-A154-7C12CBC1FFF2}" type="slidenum">
               <a:rPr lang="en-US"/>
-              <a:t>66</a:t>
+              <a:t>65</a:t>
             </a:fld>
             <a:endParaRPr lang="en-US"/>
           </a:p>
@@ -6449,21 +6241,21 @@
             </a:pPr>
             <a:r>
               <a:rPr/>
-              <a:t>Here are the results. The correlation from the orginal data is 0.62 (I’m rounding here). There is almost no bias and the standard error demonstrates that there is very little sampling error.</a:t>
-            </a:r>
-          </a:p>
-          <a:p>
-            <a:pPr lvl="0" indent="0" marL="0">
-              <a:buNone/>
-            </a:pPr>
-          </a:p>
-          <a:p>
-            <a:pPr lvl="0" indent="0" marL="0">
-              <a:buNone/>
-            </a:pPr>
-            <a:r>
-              <a:rPr/>
-              <a:t>You can get confidence intervals and hypothesis tests fairly easily as well. Go the the UCLA site for details.</a:t>
+              <a:t>Define a function that takes your dataset and returns a single number. In this example, the single number is the correlation between two measures of knowledge. Plug this function into the boot function. This will prepare R=500 bootstrap samples and apply them to the function you just defined.</a:t>
+            </a:r>
+          </a:p>
+          <a:p>
+            <a:pPr lvl="0" indent="0" marL="0">
+              <a:buNone/>
+            </a:pPr>
+          </a:p>
+          <a:p>
+            <a:pPr lvl="0" indent="0" marL="0">
+              <a:buNone/>
+            </a:pPr>
+            <a:r>
+              <a:rPr/>
+              <a:t>By the way, I get a lot of questions: should I learn R or Python or SAS or Stata or something else. There’s very little reason to prefer one over the other, but here’s a small thing. In R, you can use a function like “boot” and have it evaluate another function like “hsb2.” This seamless integration of functions within functions provides a powerful yet easy to use approach for handling complex settings.</a:t>
             </a:r>
           </a:p>
         </p:txBody>
@@ -6485,7 +6277,7 @@
           <a:p>
             <a:fld id="{18BDFEC3-8487-43E8-A154-7C12CBC1FFF2}" type="slidenum">
               <a:rPr lang="en-US"/>
-              <a:t>67</a:t>
+              <a:t>66</a:t>
             </a:fld>
             <a:endParaRPr lang="en-US"/>
           </a:p>
@@ -6545,7 +6337,21 @@
             </a:pPr>
             <a:r>
               <a:rPr/>
-              <a:t>So you’ve seen how to apply the bootstrap in SAS, Stata, and R. Next, I want to discuss special settings where you might want to modify the bootstrap approach.</a:t>
+              <a:t>Here are the results. The correlation from the orginal data is 0.62 (I’m rounding here). There is almost no bias and the standard error demonstrates that there is very little sampling error.</a:t>
+            </a:r>
+          </a:p>
+          <a:p>
+            <a:pPr lvl="0" indent="0" marL="0">
+              <a:buNone/>
+            </a:pPr>
+          </a:p>
+          <a:p>
+            <a:pPr lvl="0" indent="0" marL="0">
+              <a:buNone/>
+            </a:pPr>
+            <a:r>
+              <a:rPr/>
+              <a:t>You can get confidence intervals and hypothesis tests fairly easily as well. Go the the UCLA site for details.</a:t>
             </a:r>
           </a:p>
         </p:txBody>
@@ -6567,7 +6373,7 @@
           <a:p>
             <a:fld id="{18BDFEC3-8487-43E8-A154-7C12CBC1FFF2}" type="slidenum">
               <a:rPr lang="en-US"/>
-              <a:t>68</a:t>
+              <a:t>67</a:t>
             </a:fld>
             <a:endParaRPr lang="en-US"/>
           </a:p>
@@ -6627,63 +6433,35 @@
             </a:pPr>
             <a:r>
               <a:rPr/>
-              <a:t>In more complex settings, you need to consider some modifications to the bootstrap. I have almost no experience in these settings and there is scant guidance in the published literature and on the web.</a:t>
-            </a:r>
-          </a:p>
-          <a:p>
-            <a:pPr lvl="0" indent="0" marL="0">
-              <a:buNone/>
-            </a:pPr>
-          </a:p>
-          <a:p>
-            <a:pPr lvl="0" indent="0" marL="0">
-              <a:buNone/>
-            </a:pPr>
-            <a:r>
-              <a:rPr/>
-              <a:t>If you find yourself in one of these settings, I would encourage you to find a few publications that use the bootstrap in a setting reasonably similar to yours and emulate their approach.</a:t>
-            </a:r>
-          </a:p>
-          <a:p>
-            <a:pPr lvl="0" indent="0" marL="0">
-              <a:buNone/>
-            </a:pPr>
-          </a:p>
-          <a:p>
-            <a:pPr lvl="0" indent="0" marL="0">
-              <a:buNone/>
-            </a:pPr>
-            <a:r>
-              <a:rPr/>
-              <a:t>I call this the “lemming school of research” which is a reference to the warning about peer pressure that almost every parent has nagged their children with (“If all your friends jumped off a cliff, would you jump off the cliff as well?”).</a:t>
-            </a:r>
-          </a:p>
-          <a:p>
-            <a:pPr lvl="0" indent="0" marL="0">
-              <a:buNone/>
-            </a:pPr>
-          </a:p>
-          <a:p>
-            <a:pPr lvl="0" indent="0" marL="0">
-              <a:buNone/>
-            </a:pPr>
-            <a:r>
-              <a:rPr/>
-              <a:t>It actually is not as bad as I make it sound. If a certain methodology has survived the peer reviewe process, that gives you a bit more confidence that you can survive the peer review process as well if you emulate their approach. There are no guarantees, of course, but this is perhaps an illustration of a more positive message: “there is safety in numbers.”</a:t>
-            </a:r>
-          </a:p>
-          <a:p>
-            <a:pPr lvl="0" indent="0" marL="0">
-              <a:buNone/>
-            </a:pPr>
-          </a:p>
-          <a:p>
-            <a:pPr lvl="0" indent="0" marL="0">
-              <a:buNone/>
-            </a:pPr>
-            <a:r>
-              <a:rPr/>
-              <a:t>The three settings I want to discuss are multiple groups, time series, and regression models.</a:t>
+              <a:t>SPSS has a special add-on for bootstrapping. Thanks to Karen Grace-Martin for finding this. It is a separate license from SPSS, so you may or may not have it. I did not get a chance to investigate this in any detail, but it looks to work similarly to Stata. You find a place with standard errors and/or confidence intervals are computed in the main SPSS package and if you have the add-on package, you can request that the traditional standard errors and confidence intervals be replaced with bootstrap standard errors and confidence intervals.</a:t>
+            </a:r>
+          </a:p>
+          <a:p>
+            <a:pPr lvl="0" indent="0" marL="0">
+              <a:buNone/>
+            </a:pPr>
+          </a:p>
+          <a:p>
+            <a:pPr lvl="0" indent="0" marL="0">
+              <a:buNone/>
+            </a:pPr>
+            <a:r>
+              <a:rPr/>
+              <a:t>According to their website, you can use this module to “etimate standard errors and confidence intervals of a population parameter such as a mean, median, proportion, odds ratio, correlation coefficient, regression coefficient or others. Control the numbers of bootstrap samples, set a random number seed and indicate whether a simple or stratified method is appropriate.”</a:t>
+            </a:r>
+          </a:p>
+          <a:p>
+            <a:pPr lvl="0" indent="0" marL="0">
+              <a:buNone/>
+            </a:pPr>
+          </a:p>
+          <a:p>
+            <a:pPr lvl="0" indent="0" marL="0">
+              <a:buNone/>
+            </a:pPr>
+            <a:r>
+              <a:rPr/>
+              <a:t>You could also use the Python or R add-ons to SPSS to run a bootstrap. I am not familiar enough with either to show an example.</a:t>
             </a:r>
           </a:p>
         </p:txBody>
@@ -6765,77 +6543,7 @@
             </a:pPr>
             <a:r>
               <a:rPr/>
-              <a:t>Suppose you have two or more groups and want to estimate a statistic across all of the groups. For example, you have a treatment and a control group and you want to estimate the difference in medians between the two groups.</a:t>
-            </a:r>
-          </a:p>
-          <a:p>
-            <a:pPr lvl="0" indent="0" marL="0">
-              <a:buNone/>
-            </a:pPr>
-          </a:p>
-          <a:p>
-            <a:pPr lvl="0" indent="0" marL="0">
-              <a:buNone/>
-            </a:pPr>
-            <a:r>
-              <a:rPr/>
-              <a:t>You have two options. The first is to apply a simple bootstrap. This allows the relative sizes in the groups to vary. If one of the groups has a small relative sample size, then you run a slight risk having zero observations in that group for one or more of your bootstrap samples.</a:t>
-            </a:r>
-          </a:p>
-          <a:p>
-            <a:pPr lvl="0" indent="0" marL="0">
-              <a:buNone/>
-            </a:pPr>
-          </a:p>
-          <a:p>
-            <a:pPr lvl="0" indent="0" marL="0">
-              <a:buNone/>
-            </a:pPr>
-            <a:r>
-              <a:rPr/>
-              <a:t>If the group sizes are all reasonably large, this is not a serious problem.</a:t>
-            </a:r>
-          </a:p>
-          <a:p>
-            <a:pPr lvl="0" indent="0" marL="0">
-              <a:buNone/>
-            </a:pPr>
-          </a:p>
-          <a:p>
-            <a:pPr lvl="0" indent="0" marL="0">
-              <a:buNone/>
-            </a:pPr>
-            <a:r>
-              <a:rPr/>
-              <a:t>An alternative is to use a stratified bootstrap sample. It’s easy enough to envision with two groups. Let’s say that the two groups have sample sizes n1 and n2. Sample n1 observation with replacement from the first group, sample with n2 observations with replacement from the second group and then combine.</a:t>
-            </a:r>
-          </a:p>
-          <a:p>
-            <a:pPr lvl="0" indent="0" marL="0">
-              <a:buNone/>
-            </a:pPr>
-          </a:p>
-          <a:p>
-            <a:pPr lvl="0" indent="0" marL="0">
-              <a:buNone/>
-            </a:pPr>
-            <a:r>
-              <a:rPr/>
-              <a:t>The stratified bootstrap answers a different question than the simple bootstrap. The simple bootstrap calculates uncertainty in a setting where you are collecting a single sample and that sample has a random number of subjects in each group. The stratified bootstrap calculates uncertainty where you are collecting samples from multiple groups, each with a fixed quota.</a:t>
-            </a:r>
-          </a:p>
-          <a:p>
-            <a:pPr lvl="0" indent="0" marL="0">
-              <a:buNone/>
-            </a:pPr>
-          </a:p>
-          <a:p>
-            <a:pPr lvl="0" indent="0" marL="0">
-              <a:buNone/>
-            </a:pPr>
-            <a:r>
-              <a:rPr/>
-              <a:t>Is this a huge difference? I’m not sure, but my guess is that it is not all that important except when one or more of the group sizes is small. By small, I mean 10 or less. I should note, however, that I have not seen an “official” guidance on this question.</a:t>
+              <a:t>So you’ve seen how to apply the bootstrap in SAS, Stata, and R. Next, I want to discuss special settings where you might want to modify the bootstrap approach.</a:t>
             </a:r>
           </a:p>
         </p:txBody>
@@ -6917,63 +6625,63 @@
             </a:pPr>
             <a:r>
               <a:rPr/>
-              <a:t>There are special features of time series data that make them difficult to use with a simple bootstrap. The first and most obvious feature is that most time series have even spacing, a nice neatly ordered pattern over time. A bootstrap sample is going to have gaps in some places and multiple observations at the same time point.</a:t>
-            </a:r>
-          </a:p>
-          <a:p>
-            <a:pPr lvl="0" indent="0" marL="0">
-              <a:buNone/>
-            </a:pPr>
-          </a:p>
-          <a:p>
-            <a:pPr lvl="0" indent="0" marL="0">
-              <a:buNone/>
-            </a:pPr>
-            <a:r>
-              <a:rPr/>
-              <a:t>Most time series also exhibit serial correlation, seasonality, and/or temporal trends. These features are either seriously distorted or totally destroyed in a bootstrap sample.</a:t>
-            </a:r>
-          </a:p>
-          <a:p>
-            <a:pPr lvl="0" indent="0" marL="0">
-              <a:buNone/>
-            </a:pPr>
-          </a:p>
-          <a:p>
-            <a:pPr lvl="0" indent="0" marL="0">
-              <a:buNone/>
-            </a:pPr>
-            <a:r>
-              <a:rPr/>
-              <a:t>There are several possible solutions. One is to bootstrap consecutive blocks of observations. This preserves time series features within a block and appears to perform reasonably well.</a:t>
-            </a:r>
-          </a:p>
-          <a:p>
-            <a:pPr lvl="0" indent="0" marL="0">
-              <a:buNone/>
-            </a:pPr>
-          </a:p>
-          <a:p>
-            <a:pPr lvl="0" indent="0" marL="0">
-              <a:buNone/>
-            </a:pPr>
-            <a:r>
-              <a:rPr/>
-              <a:t>A second option is to remove any trend and decompose the time series into independent components, take a bootstrap sample of the independent components, and then recompose a new series from the bootstrap sample.</a:t>
-            </a:r>
-          </a:p>
-          <a:p>
-            <a:pPr lvl="0" indent="0" marL="0">
-              <a:buNone/>
-            </a:pPr>
-          </a:p>
-          <a:p>
-            <a:pPr lvl="0" indent="0" marL="0">
-              <a:buNone/>
-            </a:pPr>
-            <a:r>
-              <a:rPr/>
-              <a:t>The approach you take largely depends on the context of your problem and what statistic you are trying to characterize. For example, if you detrend the data and remove seasonality, then any bootstrapped estimate from the reconstructed time series will be fine if it is modeling a feature of the data other than the trend or seasonality.</a:t>
+              <a:t>In more complex settings, you need to consider some modifications to the bootstrap. I have almost no experience in these settings and there is scant guidance in the published literature and on the web.</a:t>
+            </a:r>
+          </a:p>
+          <a:p>
+            <a:pPr lvl="0" indent="0" marL="0">
+              <a:buNone/>
+            </a:pPr>
+          </a:p>
+          <a:p>
+            <a:pPr lvl="0" indent="0" marL="0">
+              <a:buNone/>
+            </a:pPr>
+            <a:r>
+              <a:rPr/>
+              <a:t>If you find yourself in one of these settings, I would encourage you to find a few publications that use the bootstrap in a setting reasonably similar to yours and emulate their approach.</a:t>
+            </a:r>
+          </a:p>
+          <a:p>
+            <a:pPr lvl="0" indent="0" marL="0">
+              <a:buNone/>
+            </a:pPr>
+          </a:p>
+          <a:p>
+            <a:pPr lvl="0" indent="0" marL="0">
+              <a:buNone/>
+            </a:pPr>
+            <a:r>
+              <a:rPr/>
+              <a:t>I call this the “lemming school of research” which is a reference to the warning about peer pressure that almost every parent has nagged their children with (“If all your friends jumped off a cliff, would you jump off the cliff as well?”).</a:t>
+            </a:r>
+          </a:p>
+          <a:p>
+            <a:pPr lvl="0" indent="0" marL="0">
+              <a:buNone/>
+            </a:pPr>
+          </a:p>
+          <a:p>
+            <a:pPr lvl="0" indent="0" marL="0">
+              <a:buNone/>
+            </a:pPr>
+            <a:r>
+              <a:rPr/>
+              <a:t>It actually is not as bad as I make it sound. If a certain methodology has survived the peer review process, that gives you a bit more confidence that you can survive the peer review process as well if you emulate their approach. There are no guarantees, of course, but this is perhaps an illustration of a more positive message: “there is safety in numbers.”</a:t>
+            </a:r>
+          </a:p>
+          <a:p>
+            <a:pPr lvl="0" indent="0" marL="0">
+              <a:buNone/>
+            </a:pPr>
+          </a:p>
+          <a:p>
+            <a:pPr lvl="0" indent="0" marL="0">
+              <a:buNone/>
+            </a:pPr>
+            <a:r>
+              <a:rPr/>
+              <a:t>The three settings I want to discuss are multiple groups, time series, and regression models.</a:t>
             </a:r>
           </a:p>
         </p:txBody>
@@ -7055,49 +6763,77 @@
             </a:pPr>
             <a:r>
               <a:rPr/>
-              <a:t>The regression model has some of the same issues as the setting with multiple groups described earlier. If some of the independent variables are very strongly correlated, you might end up with a setting where the correlation is exactly 1 for one or more of the bootstrap samples. This is not a serious issue unless you have both a strong correlation and a small sample size.</a:t>
-            </a:r>
-          </a:p>
-          <a:p>
-            <a:pPr lvl="0" indent="0" marL="0">
-              <a:buNone/>
-            </a:pPr>
-          </a:p>
-          <a:p>
-            <a:pPr lvl="0" indent="0" marL="0">
-              <a:buNone/>
-            </a:pPr>
-            <a:r>
-              <a:rPr/>
-              <a:t>But another consideration is that the bootstrap sample treats the independent variables as if they are selected randomly along with the dependent variable. This may be the case, but there are some datasets where the X values are fixed in advance and the dependent variable is the only thing being sampled.</a:t>
-            </a:r>
-          </a:p>
-          <a:p>
-            <a:pPr lvl="0" indent="0" marL="0">
-              <a:buNone/>
-            </a:pPr>
-          </a:p>
-          <a:p>
-            <a:pPr lvl="0" indent="0" marL="0">
-              <a:buNone/>
-            </a:pPr>
-            <a:r>
-              <a:rPr/>
-              <a:t>One possible solution is to compute the residuals and reconstruct a new dependent variable from the bootstrapped residuals.</a:t>
-            </a:r>
-          </a:p>
-          <a:p>
-            <a:pPr lvl="0" indent="0" marL="0">
-              <a:buNone/>
-            </a:pPr>
-          </a:p>
-          <a:p>
-            <a:pPr lvl="0" indent="0" marL="0">
-              <a:buNone/>
-            </a:pPr>
-            <a:r>
-              <a:rPr/>
-              <a:t>Context is important here. If you bootstrap the residuals, you can’t use the reconstructed dependent variable as an estimate of the regression slopes themselves. You could use them to reconstruct a statistic that is independent of those slopes.</a:t>
+              <a:t>Suppose you have two or more groups and want to estimate a statistic across all of the groups. For example, you have a treatment and a control group and you want to estimate the difference in medians between the two groups.</a:t>
+            </a:r>
+          </a:p>
+          <a:p>
+            <a:pPr lvl="0" indent="0" marL="0">
+              <a:buNone/>
+            </a:pPr>
+          </a:p>
+          <a:p>
+            <a:pPr lvl="0" indent="0" marL="0">
+              <a:buNone/>
+            </a:pPr>
+            <a:r>
+              <a:rPr/>
+              <a:t>You have two options. The first is to apply a simple bootstrap. This allows the relative sizes in the groups to vary. If one of the groups has a small relative sample size, then you run a slight risk having zero observations in that group for one or more of your bootstrap samples.</a:t>
+            </a:r>
+          </a:p>
+          <a:p>
+            <a:pPr lvl="0" indent="0" marL="0">
+              <a:buNone/>
+            </a:pPr>
+          </a:p>
+          <a:p>
+            <a:pPr lvl="0" indent="0" marL="0">
+              <a:buNone/>
+            </a:pPr>
+            <a:r>
+              <a:rPr/>
+              <a:t>If the group sizes are all reasonably large, this is not a serious problem.</a:t>
+            </a:r>
+          </a:p>
+          <a:p>
+            <a:pPr lvl="0" indent="0" marL="0">
+              <a:buNone/>
+            </a:pPr>
+          </a:p>
+          <a:p>
+            <a:pPr lvl="0" indent="0" marL="0">
+              <a:buNone/>
+            </a:pPr>
+            <a:r>
+              <a:rPr/>
+              <a:t>An alternative is to use a stratified bootstrap sample. It’s easy enough to envision with two groups. Let’s say that the two groups have sample sizes n1 and n2. Sample n1 observation with replacement from the first group, sample with n2 observations with replacement from the second group and then combine.</a:t>
+            </a:r>
+          </a:p>
+          <a:p>
+            <a:pPr lvl="0" indent="0" marL="0">
+              <a:buNone/>
+            </a:pPr>
+          </a:p>
+          <a:p>
+            <a:pPr lvl="0" indent="0" marL="0">
+              <a:buNone/>
+            </a:pPr>
+            <a:r>
+              <a:rPr/>
+              <a:t>The stratified bootstrap answers a different question than the simple bootstrap. The simple bootstrap calculates uncertainty in a setting where you are collecting a single sample and that sample has a random number of subjects in each group. The stratified bootstrap calculates uncertainty where you are collecting samples from multiple groups, each with a fixed quota.</a:t>
+            </a:r>
+          </a:p>
+          <a:p>
+            <a:pPr lvl="0" indent="0" marL="0">
+              <a:buNone/>
+            </a:pPr>
+          </a:p>
+          <a:p>
+            <a:pPr lvl="0" indent="0" marL="0">
+              <a:buNone/>
+            </a:pPr>
+            <a:r>
+              <a:rPr/>
+              <a:t>Is this a huge difference? I’m not sure, but my guess is that it is not all that important except when one or more of the group sizes is small. By small, I mean 10 or less. I should note, however, that I have not seen an “official” guidance on this question.</a:t>
             </a:r>
           </a:p>
         </p:txBody>
@@ -7179,21 +6915,63 @@
             </a:pPr>
             <a:r>
               <a:rPr/>
-              <a:t>Although the bootstrap works in a very broad range of settings, it can fail miserably in certain cases. Weird distributions like the Cauchy distribution which have no finite moment are going to cause problems. Also troublesome are statistics at or near the extremes of the data. The range, for example, is a statistic where the bootstrap does not perform well.</a:t>
-            </a:r>
-          </a:p>
-          <a:p>
-            <a:pPr lvl="0" indent="0" marL="0">
-              <a:buNone/>
-            </a:pPr>
-          </a:p>
-          <a:p>
-            <a:pPr lvl="0" indent="0" marL="0">
-              <a:buNone/>
-            </a:pPr>
-            <a:r>
-              <a:rPr/>
-              <a:t>We’ve also talked about settings where a simple bootstrap does not perform well and may need some modification. This includes setting with multiple groups and small sample sizes, time series models, and regression models.</a:t>
+              <a:t>There are special features of time series data that make them difficult to use with a simple bootstrap. The first and most obvious feature is that most time series have even spacing, a nice neatly ordered pattern over time. A bootstrap sample is going to have gaps in some places and multiple observations at the same time point.</a:t>
+            </a:r>
+          </a:p>
+          <a:p>
+            <a:pPr lvl="0" indent="0" marL="0">
+              <a:buNone/>
+            </a:pPr>
+          </a:p>
+          <a:p>
+            <a:pPr lvl="0" indent="0" marL="0">
+              <a:buNone/>
+            </a:pPr>
+            <a:r>
+              <a:rPr/>
+              <a:t>Most time series also exhibit serial correlation, seasonality, and/or temporal trends. These features are either seriously distorted or totally destroyed in a bootstrap sample.</a:t>
+            </a:r>
+          </a:p>
+          <a:p>
+            <a:pPr lvl="0" indent="0" marL="0">
+              <a:buNone/>
+            </a:pPr>
+          </a:p>
+          <a:p>
+            <a:pPr lvl="0" indent="0" marL="0">
+              <a:buNone/>
+            </a:pPr>
+            <a:r>
+              <a:rPr/>
+              <a:t>There are several possible solutions. One is to bootstrap consecutive blocks of observations. This preserves time series features within a block and appears to perform reasonably well.</a:t>
+            </a:r>
+          </a:p>
+          <a:p>
+            <a:pPr lvl="0" indent="0" marL="0">
+              <a:buNone/>
+            </a:pPr>
+          </a:p>
+          <a:p>
+            <a:pPr lvl="0" indent="0" marL="0">
+              <a:buNone/>
+            </a:pPr>
+            <a:r>
+              <a:rPr/>
+              <a:t>A second option is to remove any trend and decompose the time series into independent components, take a bootstrap sample of the independent components, and then recompose a new series from the bootstrap sample.</a:t>
+            </a:r>
+          </a:p>
+          <a:p>
+            <a:pPr lvl="0" indent="0" marL="0">
+              <a:buNone/>
+            </a:pPr>
+          </a:p>
+          <a:p>
+            <a:pPr lvl="0" indent="0" marL="0">
+              <a:buNone/>
+            </a:pPr>
+            <a:r>
+              <a:rPr/>
+              <a:t>The approach you take largely depends on the context of your problem and what statistic you are trying to characterize. For example, if you detrend the data and remove seasonality, then any bootstrapped estimate from the reconstructed time series will be fine if it is modeling a feature of the data other than the trend or seasonality.</a:t>
             </a:r>
           </a:p>
         </p:txBody>
@@ -7275,21 +7053,49 @@
             </a:pPr>
             <a:r>
               <a:rPr/>
-              <a:t>The bootstrap performs well in settings where you do not have any theoretical results to guide your work. It also works well when the normal approximations that you rely on are questionable, either because the sample size is small or because the underlying distribution of the data is troublesome. By troublesome, I mean extreme skew or high probability of producing outliers. Both will tend to slow down the asymptotic approximation to normality.</a:t>
-            </a:r>
-          </a:p>
-          <a:p>
-            <a:pPr lvl="0" indent="0" marL="0">
-              <a:buNone/>
-            </a:pPr>
-          </a:p>
-          <a:p>
-            <a:pPr lvl="0" indent="0" marL="0">
-              <a:buNone/>
-            </a:pPr>
-            <a:r>
-              <a:rPr/>
-              <a:t>Keep in mind, though, that the bootstrap can’t compensate for a limited sample size. The confidence intervals may be valid, but often they will be so wide as to be meaningless. There’s a saying that you can’t squeeze blood from a turnip. That’s an attempt to explain that you can’t get something from nothing.</a:t>
+              <a:t>The regression model has some of the same issues as the setting with multiple groups described earlier. If some of the independent variables are very strongly correlated, you might end up with a setting where the correlation is exactly 1 for one or more of the bootstrap samples. This is not a serious issue unless you have both a strong correlation and a small sample size.</a:t>
+            </a:r>
+          </a:p>
+          <a:p>
+            <a:pPr lvl="0" indent="0" marL="0">
+              <a:buNone/>
+            </a:pPr>
+          </a:p>
+          <a:p>
+            <a:pPr lvl="0" indent="0" marL="0">
+              <a:buNone/>
+            </a:pPr>
+            <a:r>
+              <a:rPr/>
+              <a:t>But another consideration is that the bootstrap sample treats the independent variables as if they are selected randomly along with the dependent variable. This may be the case, but there are some datasets where the X values are fixed in advance and the dependent variable is the only thing being sampled.</a:t>
+            </a:r>
+          </a:p>
+          <a:p>
+            <a:pPr lvl="0" indent="0" marL="0">
+              <a:buNone/>
+            </a:pPr>
+          </a:p>
+          <a:p>
+            <a:pPr lvl="0" indent="0" marL="0">
+              <a:buNone/>
+            </a:pPr>
+            <a:r>
+              <a:rPr/>
+              <a:t>One possible solution is to compute the residuals and reconstruct a new dependent variable from the bootstrapped residuals.</a:t>
+            </a:r>
+          </a:p>
+          <a:p>
+            <a:pPr lvl="0" indent="0" marL="0">
+              <a:buNone/>
+            </a:pPr>
+          </a:p>
+          <a:p>
+            <a:pPr lvl="0" indent="0" marL="0">
+              <a:buNone/>
+            </a:pPr>
+            <a:r>
+              <a:rPr/>
+              <a:t>Context is important here. If you bootstrap the residuals, you can’t use the reconstructed dependent variable as an estimate of the regression slopes themselves. You could use them to reconstruct a statistic that is independent of those slopes.</a:t>
             </a:r>
           </a:p>
         </p:txBody>
@@ -7371,21 +7177,21 @@
             </a:pPr>
             <a:r>
               <a:rPr/>
-              <a:t>So we’ve covered the history of the bootstrap, illustrated some algorithms, showed how to compute a bootstrap in SAS, Stata, and R, and discussed some special issues where you might want to modify the bootstrap approach.</a:t>
-            </a:r>
-          </a:p>
-          <a:p>
-            <a:pPr lvl="0" indent="0" marL="0">
-              <a:buNone/>
-            </a:pPr>
-          </a:p>
-          <a:p>
-            <a:pPr lvl="0" indent="0" marL="0">
-              <a:buNone/>
-            </a:pPr>
-            <a:r>
-              <a:rPr/>
-              <a:t>I’d be glad to take any questions you might have.</a:t>
+              <a:t>Although the bootstrap works in a very broad range of settings, it can fail miserably in certain cases. Weird distributions like the Cauchy distribution which have no finite moment are going to cause problems. Also troublesome are statistics at or near the extremes of the data. The range, for example, is a statistic where the bootstrap does not perform well.</a:t>
+            </a:r>
+          </a:p>
+          <a:p>
+            <a:pPr lvl="0" indent="0" marL="0">
+              <a:buNone/>
+            </a:pPr>
+          </a:p>
+          <a:p>
+            <a:pPr lvl="0" indent="0" marL="0">
+              <a:buNone/>
+            </a:pPr>
+            <a:r>
+              <a:rPr/>
+              <a:t>We’ve also talked about settings where a simple bootstrap does not perform well and may need some modification. This includes setting with multiple groups and small sample sizes, time series models, and regression models.</a:t>
             </a:r>
           </a:p>
         </p:txBody>
@@ -7467,21 +7273,35 @@
             </a:pPr>
             <a:r>
               <a:rPr/>
-              <a:t>For the jackknife, you create subsamples by leaving one data point out.</a:t>
-            </a:r>
-          </a:p>
-          <a:p>
-            <a:pPr lvl="0" indent="0" marL="0">
-              <a:buNone/>
-            </a:pPr>
-          </a:p>
-          <a:p>
-            <a:pPr lvl="0" indent="0" marL="0">
-              <a:buNone/>
-            </a:pPr>
-            <a:r>
-              <a:rPr/>
-              <a:t>The original data set in this small artificial example is 2, 3, 7, 5, 6. The first subsample leaves out the 2. The second subsample leaves out the 3. And so forth. With five data points, you have five subsamples.</a:t>
+              <a:t>I’m sure you’re all familiar with the Central Limit Theorem. It’s the granddaddy of all approximation theorems. It states that the average of independent identically distributed random variables is approximately normal.</a:t>
+            </a:r>
+          </a:p>
+          <a:p>
+            <a:pPr lvl="0" indent="0" marL="0">
+              <a:buNone/>
+            </a:pPr>
+          </a:p>
+          <a:p>
+            <a:pPr lvl="0" indent="0" marL="0">
+              <a:buNone/>
+            </a:pPr>
+            <a:r>
+              <a:rPr/>
+              <a:t>The rule of thumb is that you can trust the normal approximation when the sample size is greater than 30. There is a lot that you can quibble about with respect to the cut-off of 30, but we’re not going to get too fussy about this.</a:t>
+            </a:r>
+          </a:p>
+          <a:p>
+            <a:pPr lvl="0" indent="0" marL="0">
+              <a:buNone/>
+            </a:pPr>
+          </a:p>
+          <a:p>
+            <a:pPr lvl="0" indent="0" marL="0">
+              <a:buNone/>
+            </a:pPr>
+            <a:r>
+              <a:rPr/>
+              <a:t>You can also show easily that the expected value of the sample mean is mu (the sample mean is an unbiased estimate of the population mean) and that the variance of the sample mean is the variance of an individual X value divided by the sample size n. Equivalently, the standard error of X-bar is the standard deviation of an individual value divided by the square root of the sample size.</a:t>
             </a:r>
           </a:p>
         </p:txBody>
@@ -7503,7 +7323,7 @@
           <a:p>
             <a:fld id="{18BDFEC3-8487-43E8-A154-7C12CBC1FFF2}" type="slidenum">
               <a:rPr lang="en-US"/>
-              <a:t>11</a:t>
+              <a:t>8</a:t>
             </a:fld>
             <a:endParaRPr lang="en-US"/>
           </a:p>
@@ -7563,35 +7383,21 @@
             </a:pPr>
             <a:r>
               <a:rPr/>
-              <a:t>https://www.vanderbilt.edu/psychological_sciences/graduate/programs/quantitative-methods/quantitative-content/diaconis_efron_1983.pdf</a:t>
-            </a:r>
-          </a:p>
-          <a:p>
-            <a:pPr lvl="0" indent="0" marL="0">
-              <a:buNone/>
-            </a:pPr>
-          </a:p>
-          <a:p>
-            <a:pPr lvl="0" indent="0" marL="0">
-              <a:buNone/>
-            </a:pPr>
-            <a:r>
-              <a:rPr/>
-              <a:t>http://users.cla.umn.edu/~nwaller/prelim/efronbootjackcrossv.pdf</a:t>
-            </a:r>
-          </a:p>
-          <a:p>
-            <a:pPr lvl="0" indent="0" marL="0">
-              <a:buNone/>
-            </a:pPr>
-          </a:p>
-          <a:p>
-            <a:pPr lvl="0" indent="0" marL="0">
-              <a:buNone/>
-            </a:pPr>
-            <a:r>
-              <a:rPr/>
-              <a:t>http://www.nielsen.sites.oasis.unc.edu/soci709/cdocs/efron.pdf</a:t>
+              <a:t>The bootstrap performs well in settings where you do not have any theoretical results to guide your work. It also works well when the normal approximations that you rely on are questionable, either because the sample size is small or because the underlying distribution of the data is troublesome. By troublesome, I mean extreme skew or high probability of producing outliers. Both will tend to slow down the asymptotic approximation to normality.</a:t>
+            </a:r>
+          </a:p>
+          <a:p>
+            <a:pPr lvl="0" indent="0" marL="0">
+              <a:buNone/>
+            </a:pPr>
+          </a:p>
+          <a:p>
+            <a:pPr lvl="0" indent="0" marL="0">
+              <a:buNone/>
+            </a:pPr>
+            <a:r>
+              <a:rPr/>
+              <a:t>Keep in mind, though, that the bootstrap can’t compensate for a limited sample size. The confidence intervals may be valid, but often they will be so wide as to be meaningless. There’s a saying that you can’t squeeze blood from a turnip. That’s an attempt to explain that you can’t get something from nothing.</a:t>
             </a:r>
           </a:p>
         </p:txBody>
@@ -7614,6 +7420,212 @@
             <a:fld id="{18BDFEC3-8487-43E8-A154-7C12CBC1FFF2}" type="slidenum">
               <a:rPr lang="en-US"/>
               <a:t>76</a:t>
+            </a:fld>
+            <a:endParaRPr lang="en-US"/>
+          </a:p>
+        </p:txBody>
+      </p:sp>
+    </p:spTree>
+  </p:cSld>
+</p:notes>
+</file>
+
+<file path=ppt/notesSlides/notesSlide71.xml><?xml version="1.0" encoding="utf-8"?>
+<p:notes xmlns:a="http://schemas.openxmlformats.org/drawingml/2006/main" xmlns:r="http://schemas.openxmlformats.org/officeDocument/2006/relationships" xmlns:p="http://schemas.openxmlformats.org/presentationml/2006/main">
+  <p:cSld>
+    <p:spTree>
+      <p:nvGrpSpPr>
+        <p:cNvPr id="1" name=""/>
+        <p:cNvGrpSpPr/>
+        <p:nvPr/>
+      </p:nvGrpSpPr>
+      <p:grpSpPr>
+        <a:xfrm>
+          <a:off x="0" y="0"/>
+          <a:ext cx="0" cy="0"/>
+          <a:chOff x="0" y="0"/>
+          <a:chExt cx="0" cy="0"/>
+        </a:xfrm>
+      </p:grpSpPr>
+      <p:sp>
+        <p:nvSpPr>
+          <p:cNvPr id="2" name="Slide Image Placeholder 1"/>
+          <p:cNvSpPr>
+            <a:spLocks noGrp="1" noRot="1" noChangeAspect="1"/>
+          </p:cNvSpPr>
+          <p:nvPr>
+            <p:ph type="sldImg"/>
+          </p:nvPr>
+        </p:nvSpPr>
+        <p:spPr/>
+      </p:sp>
+      <p:sp>
+        <p:nvSpPr>
+          <p:cNvPr id="3" name="Notes Placeholder 2"/>
+          <p:cNvSpPr>
+            <a:spLocks noGrp="1"/>
+          </p:cNvSpPr>
+          <p:nvPr>
+            <p:ph type="body" idx="1"/>
+          </p:nvPr>
+        </p:nvSpPr>
+        <p:spPr/>
+        <p:txBody>
+          <a:bodyPr/>
+          <a:lstStyle/>
+          <a:p>
+            <a:pPr lvl="0" indent="0" marL="0">
+              <a:buNone/>
+            </a:pPr>
+            <a:r>
+              <a:rPr/>
+              <a:t>So we’ve covered the history of the bootstrap, illustrated some algorithms, showed how to compute a bootstrap in SAS, Stata, and R, and discussed some special issues where you might want to modify the bootstrap approach.</a:t>
+            </a:r>
+          </a:p>
+          <a:p>
+            <a:pPr lvl="0" indent="0" marL="0">
+              <a:buNone/>
+            </a:pPr>
+          </a:p>
+          <a:p>
+            <a:pPr lvl="0" indent="0" marL="0">
+              <a:buNone/>
+            </a:pPr>
+            <a:r>
+              <a:rPr/>
+              <a:t>I’d be glad to take any questions you might have.</a:t>
+            </a:r>
+          </a:p>
+        </p:txBody>
+      </p:sp>
+      <p:sp>
+        <p:nvSpPr>
+          <p:cNvPr id="4" name="Slide Number Placeholder 3"/>
+          <p:cNvSpPr>
+            <a:spLocks noGrp="1"/>
+          </p:cNvSpPr>
+          <p:nvPr>
+            <p:ph type="sldNum" sz="quarter" idx="10"/>
+          </p:nvPr>
+        </p:nvSpPr>
+        <p:spPr/>
+        <p:txBody>
+          <a:bodyPr/>
+          <a:lstStyle/>
+          <a:p>
+            <a:fld id="{18BDFEC3-8487-43E8-A154-7C12CBC1FFF2}" type="slidenum">
+              <a:rPr lang="en-US"/>
+              <a:t>77</a:t>
+            </a:fld>
+            <a:endParaRPr lang="en-US"/>
+          </a:p>
+        </p:txBody>
+      </p:sp>
+    </p:spTree>
+  </p:cSld>
+</p:notes>
+</file>
+
+<file path=ppt/notesSlides/notesSlide72.xml><?xml version="1.0" encoding="utf-8"?>
+<p:notes xmlns:a="http://schemas.openxmlformats.org/drawingml/2006/main" xmlns:r="http://schemas.openxmlformats.org/officeDocument/2006/relationships" xmlns:p="http://schemas.openxmlformats.org/presentationml/2006/main">
+  <p:cSld>
+    <p:spTree>
+      <p:nvGrpSpPr>
+        <p:cNvPr id="1" name=""/>
+        <p:cNvGrpSpPr/>
+        <p:nvPr/>
+      </p:nvGrpSpPr>
+      <p:grpSpPr>
+        <a:xfrm>
+          <a:off x="0" y="0"/>
+          <a:ext cx="0" cy="0"/>
+          <a:chOff x="0" y="0"/>
+          <a:chExt cx="0" cy="0"/>
+        </a:xfrm>
+      </p:grpSpPr>
+      <p:sp>
+        <p:nvSpPr>
+          <p:cNvPr id="2" name="Slide Image Placeholder 1"/>
+          <p:cNvSpPr>
+            <a:spLocks noGrp="1" noRot="1" noChangeAspect="1"/>
+          </p:cNvSpPr>
+          <p:nvPr>
+            <p:ph type="sldImg"/>
+          </p:nvPr>
+        </p:nvSpPr>
+        <p:spPr/>
+      </p:sp>
+      <p:sp>
+        <p:nvSpPr>
+          <p:cNvPr id="3" name="Notes Placeholder 2"/>
+          <p:cNvSpPr>
+            <a:spLocks noGrp="1"/>
+          </p:cNvSpPr>
+          <p:nvPr>
+            <p:ph type="body" idx="1"/>
+          </p:nvPr>
+        </p:nvSpPr>
+        <p:spPr/>
+        <p:txBody>
+          <a:bodyPr/>
+          <a:lstStyle/>
+          <a:p>
+            <a:pPr lvl="0" indent="0" marL="0">
+              <a:buNone/>
+            </a:pPr>
+            <a:r>
+              <a:rPr/>
+              <a:t>https://www.vanderbilt.edu/psychological_sciences/graduate/programs/quantitative-methods/quantitative-content/diaconis_efron_1983.pdf</a:t>
+            </a:r>
+          </a:p>
+          <a:p>
+            <a:pPr lvl="0" indent="0" marL="0">
+              <a:buNone/>
+            </a:pPr>
+          </a:p>
+          <a:p>
+            <a:pPr lvl="0" indent="0" marL="0">
+              <a:buNone/>
+            </a:pPr>
+            <a:r>
+              <a:rPr/>
+              <a:t>http://users.cla.umn.edu/~nwaller/prelim/efronbootjackcrossv.pdf</a:t>
+            </a:r>
+          </a:p>
+          <a:p>
+            <a:pPr lvl="0" indent="0" marL="0">
+              <a:buNone/>
+            </a:pPr>
+          </a:p>
+          <a:p>
+            <a:pPr lvl="0" indent="0" marL="0">
+              <a:buNone/>
+            </a:pPr>
+            <a:r>
+              <a:rPr/>
+              <a:t>http://www.nielsen.sites.oasis.unc.edu/soci709/cdocs/efron.pdf</a:t>
+            </a:r>
+          </a:p>
+        </p:txBody>
+      </p:sp>
+      <p:sp>
+        <p:nvSpPr>
+          <p:cNvPr id="4" name="Slide Number Placeholder 3"/>
+          <p:cNvSpPr>
+            <a:spLocks noGrp="1"/>
+          </p:cNvSpPr>
+          <p:nvPr>
+            <p:ph type="sldNum" sz="quarter" idx="10"/>
+          </p:nvPr>
+        </p:nvSpPr>
+        <p:spPr/>
+        <p:txBody>
+          <a:bodyPr/>
+          <a:lstStyle/>
+          <a:p>
+            <a:fld id="{18BDFEC3-8487-43E8-A154-7C12CBC1FFF2}" type="slidenum">
+              <a:rPr lang="en-US"/>
+              <a:t>78</a:t>
             </a:fld>
             <a:endParaRPr lang="en-US"/>
           </a:p>
@@ -7673,7 +7685,105 @@
             </a:pPr>
             <a:r>
               <a:rPr/>
-              <a:t>Then calculate a statistic (in this case, the mean absolute deviation). Do it first for the entire sample. Here are the actual calculations.</a:t>
+              <a:t>What about more complex settings?</a:t>
+            </a:r>
+          </a:p>
+          <a:p>
+            <a:pPr lvl="0" indent="0" marL="0">
+              <a:buNone/>
+            </a:pPr>
+          </a:p>
+          <a:p>
+            <a:pPr lvl="0" indent="0" marL="0">
+              <a:buNone/>
+            </a:pPr>
+            <a:r>
+              <a:rPr/>
+              <a:t>What if you are measuring the mean absolute deviation (the average of the absolute values of each individual value minus the sample mean) or the interquartile range (the difference between the 75th percentile and the 25th percentile).</a:t>
+            </a:r>
+          </a:p>
+          <a:p>
+            <a:pPr lvl="0" indent="0" marL="0">
+              <a:buNone/>
+            </a:pPr>
+          </a:p>
+          <a:p>
+            <a:pPr lvl="0" indent="0" marL="0">
+              <a:buNone/>
+            </a:pPr>
+            <a:r>
+              <a:rPr/>
+              <a:t>If you are really clever and if you understand all the approximation theorems in Robert Serfling’s book, you will know how to establish an approximation to these statistics (usually a normal approximation, but sometimes there are other distributions like the chi-square distribution that represent a good approximation).</a:t>
+            </a:r>
+          </a:p>
+          <a:p>
+            <a:pPr lvl="0" indent="0" marL="0">
+              <a:buNone/>
+            </a:pPr>
+          </a:p>
+          <a:p>
+            <a:pPr lvl="0" indent="0" marL="0">
+              <a:buNone/>
+            </a:pPr>
+            <a:r>
+              <a:rPr/>
+              <a:t>But there are lots of settings where even Dr. Serfling’s hard work will still leave you high and dry. Some statistics are just so messy that no one can figure out an asymptotic approximation.</a:t>
+            </a:r>
+          </a:p>
+          <a:p>
+            <a:pPr lvl="0" indent="0" marL="0">
+              <a:buNone/>
+            </a:pPr>
+          </a:p>
+          <a:p>
+            <a:pPr lvl="0" indent="0" marL="0">
+              <a:buNone/>
+            </a:pPr>
+            <a:r>
+              <a:rPr/>
+              <a:t>But an even more fundamental question is what do you do when the sample size is not large enough to justify the use of the Central Limit Theorem? I put down n&lt;30 here, but in some settings (well behaved distributions without much skewness and only a weak tendency to produce outliers), you might get by with only 10 observations. Other times (extremely skewed distributions and/or a strong tendency to produce outliers), even a sample size of 300 is inadequate to assume an approximately normal distribution.</a:t>
+            </a:r>
+          </a:p>
+          <a:p>
+            <a:pPr lvl="0" indent="0" marL="0">
+              <a:buNone/>
+            </a:pPr>
+          </a:p>
+          <a:p>
+            <a:pPr lvl="0" indent="0" marL="0">
+              <a:buNone/>
+            </a:pPr>
+            <a:r>
+              <a:rPr/>
+              <a:t>It turns out that you can use simulations involving the data itself to establish an underlying distribution.</a:t>
+            </a:r>
+          </a:p>
+          <a:p>
+            <a:pPr lvl="0" indent="0" marL="0">
+              <a:buNone/>
+            </a:pPr>
+          </a:p>
+          <a:p>
+            <a:pPr lvl="0" indent="0" marL="0">
+              <a:buNone/>
+            </a:pPr>
+            <a:r>
+              <a:rPr/>
+              <a:t>You might find, after applying the bootstrap, that the normal distribution is a reasonable approximation. If so, great! Consider the bootstrap to be a sensitivity check that you passed with flying colors.</a:t>
+            </a:r>
+          </a:p>
+          <a:p>
+            <a:pPr lvl="0" indent="0" marL="0">
+              <a:buNone/>
+            </a:pPr>
+          </a:p>
+          <a:p>
+            <a:pPr lvl="0" indent="0" marL="0">
+              <a:buNone/>
+            </a:pPr>
+            <a:r>
+              <a:rPr/>
+              <a:t>If the results of the bootstrap are markedly different from the results assuming approximate normality, then investigate further. But you can almost always rely on the bootstrap results to provide valid confidence intervals and hypothesis tests. Although there are a few settings where you shouldn’t rely on a bootstrap approach, it is a credible approach for a surprisingly broad range of settings.</a:t>
             </a:r>
           </a:p>
         </p:txBody>
@@ -7695,7 +7805,7 @@
           <a:p>
             <a:fld id="{18BDFEC3-8487-43E8-A154-7C12CBC1FFF2}" type="slidenum">
               <a:rPr lang="en-US"/>
-              <a:t>12</a:t>
+              <a:t>9</a:t>
             </a:fld>
             <a:endParaRPr lang="en-US"/>
           </a:p>
@@ -7755,7 +7865,21 @@
             </a:pPr>
             <a:r>
               <a:rPr/>
-              <a:t>Here are the results for the remaining jackknife sample. Notice that there is some variation in the results from one jackknife subsample to another.</a:t>
+              <a:t>To understand the bootstrap, you need to understand the approach that it was intended to improve upon, the jackknife.</a:t>
+            </a:r>
+          </a:p>
+          <a:p>
+            <a:pPr lvl="0" indent="0" marL="0">
+              <a:buNone/>
+            </a:pPr>
+          </a:p>
+          <a:p>
+            <a:pPr lvl="0" indent="0" marL="0">
+              <a:buNone/>
+            </a:pPr>
+            <a:r>
+              <a:rPr/>
+              <a:t>The jackknife was first developed in 1949 by Maurice Quenouille and was extended to a more general setting by John Tukey in the 1950s. Dr. Tukey was fond of giving clever names to various statistical terms. He was the one, for example, who coined the term “bit” as a shorted form of binary digit. He chose the name “jackknife” for the Quenouille approach because the jackknife is an all-purpose tool.</a:t>
             </a:r>
           </a:p>
         </p:txBody>
@@ -7777,7 +7901,7 @@
           <a:p>
             <a:fld id="{18BDFEC3-8487-43E8-A154-7C12CBC1FFF2}" type="slidenum">
               <a:rPr lang="en-US"/>
-              <a:t>14</a:t>
+              <a:t>10</a:t>
             </a:fld>
             <a:endParaRPr lang="en-US"/>
           </a:p>
@@ -11686,34 +11810,7 @@
                 </a:pPr>
                 <a:r>
                   <a:rPr/>
-                  <a:t>Note that </a:t>
-                </a:r>
-                <a14:m>
-                  <m:oMath xmlns:m="http://schemas.openxmlformats.org/officeDocument/2006/math">
-                    <m:acc>
-                      <m:accPr>
-                        <m:chr m:val="‾"/>
-                      </m:accPr>
-                      <m:e>
-                        <m:r>
-                          <m:t>X</m:t>
-                        </m:r>
-                      </m:e>
-                    </m:acc>
-                    <m:r>
-                      <m:rPr>
-                        <m:sty m:val="p"/>
-                      </m:rPr>
-                      <m:t>=</m:t>
-                    </m:r>
-                    <m:r>
-                      <m:t>4.6</m:t>
-                    </m:r>
-                  </m:oMath>
-                </a14:m>
-                <a:r>
-                  <a:rPr/>
-                  <a:t>.</a:t>
+                  <a:t>Note that mean (3, 7, 5, 6) = 4.6.</a:t>
                 </a:r>
               </a:p>
               <a:p>
@@ -11734,21 +11831,17 @@
                 </a:pPr>
                 <a14:m>
                   <m:oMath xmlns:m="http://schemas.openxmlformats.org/officeDocument/2006/math">
-                    <m:f>
-                      <m:fPr>
-                        <m:type m:val="bar"/>
-                      </m:fPr>
-                      <m:num>
-                        <m:r>
-                          <m:t>1</m:t>
-                        </m:r>
-                      </m:num>
-                      <m:den>
-                        <m:r>
-                          <m:t>5</m:t>
-                        </m:r>
-                      </m:den>
-                    </m:f>
+                    <m:r>
+                      <m:t> </m:t>
+                    </m:r>
+                  </m:oMath>
+                </a14:m>
+                <a:r>
+                  <a:rPr/>
+                  <a:t> </a:t>
+                </a:r>
+                <a14:m>
+                  <m:oMath xmlns:m="http://schemas.openxmlformats.org/officeDocument/2006/math">
                     <m:d>
                       <m:dPr>
                         <m:begChr m:val="("/>
@@ -11893,6 +11986,15 @@
                         </m:d>
                       </m:e>
                     </m:d>
+                    <m:r>
+                      <m:rPr>
+                        <m:sty m:val="p"/>
+                      </m:rPr>
+                      <m:t>/</m:t>
+                    </m:r>
+                    <m:r>
+                      <m:t>5</m:t>
+                    </m:r>
                   </m:oMath>
                 </a14:m>
               </a:p>
@@ -11907,28 +12009,12 @@
                     </m:r>
                   </m:oMath>
                 </a14:m>
-              </a:p>
-              <a:p>
-                <a:pPr lvl="0" indent="0" marL="0">
-                  <a:buNone/>
-                </a:pPr>
+                <a:r>
+                  <a:rPr/>
+                  <a:t> </a:t>
+                </a:r>
                 <a14:m>
                   <m:oMath xmlns:m="http://schemas.openxmlformats.org/officeDocument/2006/math">
-                    <m:f>
-                      <m:fPr>
-                        <m:type m:val="bar"/>
-                      </m:fPr>
-                      <m:num>
-                        <m:r>
-                          <m:t>1</m:t>
-                        </m:r>
-                      </m:num>
-                      <m:den>
-                        <m:r>
-                          <m:t>5</m:t>
-                        </m:r>
-                      </m:den>
-                    </m:f>
                     <m:d>
                       <m:dPr>
                         <m:begChr m:val="("/>
@@ -11978,6 +12064,15 @@
                         </m:r>
                       </m:e>
                     </m:d>
+                    <m:r>
+                      <m:rPr>
+                        <m:sty m:val="p"/>
+                      </m:rPr>
+                      <m:t>/</m:t>
+                    </m:r>
+                    <m:r>
+                      <m:t>5</m:t>
+                    </m:r>
                   </m:oMath>
                 </a14:m>
               </a:p>
@@ -11992,6 +12087,26 @@
                     </m:r>
                   </m:oMath>
                 </a14:m>
+                <a:r>
+                  <a:rPr/>
+                  <a:t> </a:t>
+                </a:r>
+                <a14:m>
+                  <m:oMath xmlns:m="http://schemas.openxmlformats.org/officeDocument/2006/math">
+                    <m:r>
+                      <m:t>8.4</m:t>
+                    </m:r>
+                    <m:r>
+                      <m:rPr>
+                        <m:sty m:val="p"/>
+                      </m:rPr>
+                      <m:t>/</m:t>
+                    </m:r>
+                    <m:r>
+                      <m:t>5</m:t>
+                    </m:r>
+                  </m:oMath>
+                </a14:m>
               </a:p>
               <a:p>
                 <a:pPr lvl="0" indent="0" marL="0">
@@ -12002,14 +12117,11 @@
                     <m:r>
                       <m:t> </m:t>
                     </m:r>
-                    <m:r>
-                      <m:t> </m:t>
-                    </m:r>
                   </m:oMath>
                 </a14:m>
                 <a:r>
                   <a:rPr/>
-                  <a:t> = 1.68</a:t>
+                  <a:t> 1.68</a:t>
                 </a:r>
               </a:p>
             </p:txBody>
@@ -12102,7 +12214,7 @@
                 </a14:m>
                 <a:r>
                   <a:rPr/>
-                  <a:t> (3, 7, 5, 6) = 1.25</a:t>
+                  <a:t> (3, 7, 5, 6)</a:t>
                 </a:r>
               </a:p>
               <a:p>
@@ -12120,21 +12232,29 @@
                 </a:pPr>
                 <a14:m>
                   <m:oMath xmlns:m="http://schemas.openxmlformats.org/officeDocument/2006/math">
-                    <m:f>
-                      <m:fPr>
-                        <m:type m:val="bar"/>
-                      </m:fPr>
-                      <m:num>
-                        <m:r>
-                          <m:t>1</m:t>
-                        </m:r>
-                      </m:num>
-                      <m:den>
-                        <m:r>
-                          <m:t>4</m:t>
-                        </m:r>
-                      </m:den>
-                    </m:f>
+                    <m:r>
+                      <m:t> </m:t>
+                    </m:r>
+                  </m:oMath>
+                </a14:m>
+              </a:p>
+              <a:p>
+                <a:pPr lvl="0" indent="0" marL="0">
+                  <a:buNone/>
+                </a:pPr>
+                <a14:m>
+                  <m:oMath xmlns:m="http://schemas.openxmlformats.org/officeDocument/2006/math">
+                    <m:r>
+                      <m:t> </m:t>
+                    </m:r>
+                  </m:oMath>
+                </a14:m>
+                <a:r>
+                  <a:rPr/>
+                  <a:t> </a:t>
+                </a:r>
+                <a14:m>
+                  <m:oMath xmlns:m="http://schemas.openxmlformats.org/officeDocument/2006/math">
                     <m:d>
                       <m:dPr>
                         <m:begChr m:val="("/>
@@ -12251,6 +12371,15 @@
                         </m:d>
                       </m:e>
                     </m:d>
+                    <m:r>
+                      <m:rPr>
+                        <m:sty m:val="p"/>
+                      </m:rPr>
+                      <m:t>/</m:t>
+                    </m:r>
+                    <m:r>
+                      <m:t>4</m:t>
+                    </m:r>
                   </m:oMath>
                 </a14:m>
                 <a:r>
@@ -12269,28 +12398,12 @@
                     </m:r>
                   </m:oMath>
                 </a14:m>
-              </a:p>
-              <a:p>
-                <a:pPr lvl="0" indent="0" marL="0">
-                  <a:buNone/>
-                </a:pPr>
+                <a:r>
+                  <a:rPr/>
+                  <a:t> </a:t>
+                </a:r>
                 <a14:m>
                   <m:oMath xmlns:m="http://schemas.openxmlformats.org/officeDocument/2006/math">
-                    <m:f>
-                      <m:fPr>
-                        <m:type m:val="bar"/>
-                      </m:fPr>
-                      <m:num>
-                        <m:r>
-                          <m:t>1</m:t>
-                        </m:r>
-                      </m:num>
-                      <m:den>
-                        <m:r>
-                          <m:t>5</m:t>
-                        </m:r>
-                      </m:den>
-                    </m:f>
                     <m:d>
                       <m:dPr>
                         <m:begChr m:val="("/>
@@ -12331,6 +12444,15 @@
                         </m:r>
                       </m:e>
                     </m:d>
+                    <m:r>
+                      <m:rPr>
+                        <m:sty m:val="p"/>
+                      </m:rPr>
+                      <m:t>/</m:t>
+                    </m:r>
+                    <m:r>
+                      <m:t>4</m:t>
+                    </m:r>
                   </m:oMath>
                 </a14:m>
               </a:p>
@@ -12345,6 +12467,26 @@
                     </m:r>
                   </m:oMath>
                 </a14:m>
+                <a:r>
+                  <a:rPr/>
+                  <a:t> </a:t>
+                </a:r>
+                <a14:m>
+                  <m:oMath xmlns:m="http://schemas.openxmlformats.org/officeDocument/2006/math">
+                    <m:r>
+                      <m:t>5</m:t>
+                    </m:r>
+                    <m:r>
+                      <m:rPr>
+                        <m:sty m:val="p"/>
+                      </m:rPr>
+                      <m:t>/</m:t>
+                    </m:r>
+                    <m:r>
+                      <m:t>4</m:t>
+                    </m:r>
+                  </m:oMath>
+                </a14:m>
               </a:p>
               <a:p>
                 <a:pPr lvl="0" indent="0" marL="0">
@@ -12355,14 +12497,11 @@
                     <m:r>
                       <m:t> </m:t>
                     </m:r>
-                    <m:r>
-                      <m:t> </m:t>
-                    </m:r>
                   </m:oMath>
                 </a14:m>
                 <a:r>
                   <a:rPr/>
-                  <a:t> = 1.25</a:t>
+                  <a:t> 1.25</a:t>
                 </a:r>
               </a:p>
             </p:txBody>
@@ -12650,7 +12789,7 @@
             </a:pPr>
             <a:r>
               <a:rPr/>
-              <a:t>Bradley Efron’s contribution (1/5)</a:t>
+              <a:t>Bradley Efron’s contribution (1/6)</a:t>
             </a:r>
           </a:p>
         </p:txBody>
@@ -12757,7 +12896,7 @@
             </a:pPr>
             <a:r>
               <a:rPr/>
-              <a:t>Bradley Efron’s contribution (2/5)</a:t>
+              <a:t>Bradley Efron’s contribution (2/6)</a:t>
             </a:r>
           </a:p>
         </p:txBody>
@@ -12883,72 +13022,377 @@
             </a:pPr>
             <a:r>
               <a:rPr/>
-              <a:t>Bradley Efron’s contribution (3/5)</a:t>
-            </a:r>
-          </a:p>
-        </p:txBody>
-      </p:sp>
-      <p:sp>
-        <p:nvSpPr>
-          <p:cNvPr id="3" name="Content Placeholder 2"/>
-          <p:cNvSpPr>
-            <a:spLocks noGrp="1"/>
-          </p:cNvSpPr>
-          <p:nvPr>
-            <p:ph idx="1"/>
-          </p:nvPr>
-        </p:nvSpPr>
-        <p:spPr/>
-        <p:txBody>
-          <a:bodyPr/>
-          <a:lstStyle/>
-          <a:p>
-            <a:pPr lvl="0" indent="0" marL="0">
-              <a:buNone/>
-            </a:pPr>
-            <a:r>
-              <a:rPr/>
-              <a:t>MAD(7, 2, 5, 3, 5) = 1.52</a:t>
-            </a:r>
-          </a:p>
-          <a:p>
-            <a:pPr lvl="0" indent="0" marL="0">
-              <a:buNone/>
-            </a:pPr>
-            <a:r>
-              <a:rPr/>
-              <a:t>MAD(5, 7, 3, 5, 7) = 1.28</a:t>
-            </a:r>
-          </a:p>
-          <a:p>
-            <a:pPr lvl="0" indent="0" marL="0">
-              <a:buNone/>
-            </a:pPr>
-            <a:r>
-              <a:rPr/>
-              <a:t>MAD(7, 2, 2, 2, 2) = 1.6</a:t>
-            </a:r>
-          </a:p>
-          <a:p>
-            <a:pPr lvl="0" indent="0" marL="0">
-              <a:buNone/>
-            </a:pPr>
-            <a:r>
-              <a:rPr/>
-              <a:t>…</a:t>
-            </a:r>
-          </a:p>
-          <a:p>
-            <a:pPr lvl="0" indent="0" marL="0">
-              <a:buNone/>
-            </a:pPr>
-            <a:r>
-              <a:rPr/>
-              <a:t>MAD(7, 7, 3, 2, 7) = 2.16</a:t>
-            </a:r>
-          </a:p>
-        </p:txBody>
-      </p:sp>
+              <a:t>Bradley Efron’s contribution (3/6)</a:t>
+            </a:r>
+          </a:p>
+        </p:txBody>
+      </p:sp>
+      <mc:AlternateContent xmlns:mc="http://schemas.openxmlformats.org/markup-compatibility/2006">
+        <mc:Choice xmlns:a14="http://schemas.microsoft.com/office/drawing/2010/main" Requires="a14">
+          <p:sp>
+            <p:nvSpPr>
+              <p:cNvPr id="3" name="Content Placeholder 2"/>
+              <p:cNvSpPr>
+                <a:spLocks noGrp="1"/>
+              </p:cNvSpPr>
+              <p:nvPr>
+                <p:ph idx="1"/>
+              </p:nvPr>
+            </p:nvSpPr>
+            <p:spPr/>
+            <p:txBody>
+              <a:bodyPr/>
+              <a:lstStyle/>
+              <a:p>
+                <a:pPr lvl="0" indent="0" marL="0">
+                  <a:buNone/>
+                </a:pPr>
+                <a:r>
+                  <a:rPr/>
+                  <a:t>Calculate </a:t>
+                </a:r>
+                <a14:m>
+                  <m:oMath xmlns:m="http://schemas.openxmlformats.org/officeDocument/2006/math">
+                    <m:r>
+                      <m:t>M</m:t>
+                    </m:r>
+                    <m:r>
+                      <m:t>A</m:t>
+                    </m:r>
+                    <m:r>
+                      <m:t>D</m:t>
+                    </m:r>
+                  </m:oMath>
+                </a14:m>
+                <a:r>
+                  <a:rPr/>
+                  <a:t> (7, 2, 5, 3, 5)</a:t>
+                </a:r>
+              </a:p>
+              <a:p>
+                <a:pPr lvl="0" indent="0" marL="0">
+                  <a:buNone/>
+                </a:pPr>
+                <a:r>
+                  <a:rPr/>
+                  <a:t>Note that mean (7, 2, 5, 3, 5) = 4.4.</a:t>
+                </a:r>
+              </a:p>
+              <a:p>
+                <a:pPr lvl="0" indent="0" marL="0">
+                  <a:buNone/>
+                </a:pPr>
+                <a14:m>
+                  <m:oMath xmlns:m="http://schemas.openxmlformats.org/officeDocument/2006/math">
+                    <m:r>
+                      <m:t> </m:t>
+                    </m:r>
+                  </m:oMath>
+                </a14:m>
+              </a:p>
+              <a:p>
+                <a:pPr lvl="0" indent="0" marL="0">
+                  <a:buNone/>
+                </a:pPr>
+                <a14:m>
+                  <m:oMath xmlns:m="http://schemas.openxmlformats.org/officeDocument/2006/math">
+                    <m:r>
+                      <m:t> </m:t>
+                    </m:r>
+                  </m:oMath>
+                </a14:m>
+                <a:r>
+                  <a:rPr/>
+                  <a:t> </a:t>
+                </a:r>
+                <a14:m>
+                  <m:oMath xmlns:m="http://schemas.openxmlformats.org/officeDocument/2006/math">
+                    <m:d>
+                      <m:dPr>
+                        <m:begChr m:val="("/>
+                        <m:endChr m:val=")"/>
+                        <m:sepChr m:val=""/>
+                        <m:grow/>
+                      </m:dPr>
+                      <m:e>
+                        <m:d>
+                          <m:dPr>
+                            <m:begChr m:val="|"/>
+                            <m:endChr m:val="|"/>
+                            <m:sepChr m:val=""/>
+                            <m:grow/>
+                          </m:dPr>
+                          <m:e>
+                            <m:r>
+                              <m:t>7</m:t>
+                            </m:r>
+                            <m:r>
+                              <m:rPr>
+                                <m:sty m:val="p"/>
+                              </m:rPr>
+                              <m:t>−</m:t>
+                            </m:r>
+                            <m:r>
+                              <m:t>4.4</m:t>
+                            </m:r>
+                          </m:e>
+                        </m:d>
+                        <m:r>
+                          <m:rPr>
+                            <m:sty m:val="p"/>
+                          </m:rPr>
+                          <m:t>+</m:t>
+                        </m:r>
+                        <m:d>
+                          <m:dPr>
+                            <m:begChr m:val="|"/>
+                            <m:endChr m:val="|"/>
+                            <m:sepChr m:val=""/>
+                            <m:grow/>
+                          </m:dPr>
+                          <m:e>
+                            <m:r>
+                              <m:t>2</m:t>
+                            </m:r>
+                            <m:r>
+                              <m:rPr>
+                                <m:sty m:val="p"/>
+                              </m:rPr>
+                              <m:t>−</m:t>
+                            </m:r>
+                            <m:r>
+                              <m:t>4.4</m:t>
+                            </m:r>
+                          </m:e>
+                        </m:d>
+                        <m:r>
+                          <m:rPr>
+                            <m:sty m:val="p"/>
+                          </m:rPr>
+                          <m:t>+</m:t>
+                        </m:r>
+                        <m:d>
+                          <m:dPr>
+                            <m:begChr m:val="|"/>
+                            <m:endChr m:val="|"/>
+                            <m:sepChr m:val=""/>
+                            <m:grow/>
+                          </m:dPr>
+                          <m:e>
+                            <m:r>
+                              <m:t>5</m:t>
+                            </m:r>
+                            <m:r>
+                              <m:rPr>
+                                <m:sty m:val="p"/>
+                              </m:rPr>
+                              <m:t>−</m:t>
+                            </m:r>
+                            <m:r>
+                              <m:t>4.4</m:t>
+                            </m:r>
+                          </m:e>
+                        </m:d>
+                        <m:r>
+                          <m:rPr>
+                            <m:sty m:val="p"/>
+                          </m:rPr>
+                          <m:t>+</m:t>
+                        </m:r>
+                        <m:d>
+                          <m:dPr>
+                            <m:begChr m:val="|"/>
+                            <m:endChr m:val="|"/>
+                            <m:sepChr m:val=""/>
+                            <m:grow/>
+                          </m:dPr>
+                          <m:e>
+                            <m:r>
+                              <m:t>3</m:t>
+                            </m:r>
+                            <m:r>
+                              <m:rPr>
+                                <m:sty m:val="p"/>
+                              </m:rPr>
+                              <m:t>−</m:t>
+                            </m:r>
+                            <m:r>
+                              <m:t>4.4</m:t>
+                            </m:r>
+                          </m:e>
+                        </m:d>
+                        <m:r>
+                          <m:rPr>
+                            <m:sty m:val="p"/>
+                          </m:rPr>
+                          <m:t>+</m:t>
+                        </m:r>
+                        <m:d>
+                          <m:dPr>
+                            <m:begChr m:val="|"/>
+                            <m:endChr m:val="|"/>
+                            <m:sepChr m:val=""/>
+                            <m:grow/>
+                          </m:dPr>
+                          <m:e>
+                            <m:r>
+                              <m:t>5</m:t>
+                            </m:r>
+                            <m:r>
+                              <m:rPr>
+                                <m:sty m:val="p"/>
+                              </m:rPr>
+                              <m:t>−</m:t>
+                            </m:r>
+                            <m:r>
+                              <m:t>4.4</m:t>
+                            </m:r>
+                          </m:e>
+                        </m:d>
+                      </m:e>
+                    </m:d>
+                    <m:r>
+                      <m:rPr>
+                        <m:sty m:val="p"/>
+                      </m:rPr>
+                      <m:t>/</m:t>
+                    </m:r>
+                    <m:r>
+                      <m:t>5</m:t>
+                    </m:r>
+                  </m:oMath>
+                </a14:m>
+              </a:p>
+              <a:p>
+                <a:pPr lvl="0" indent="0" marL="0">
+                  <a:buNone/>
+                </a:pPr>
+                <a14:m>
+                  <m:oMath xmlns:m="http://schemas.openxmlformats.org/officeDocument/2006/math">
+                    <m:r>
+                      <m:t> </m:t>
+                    </m:r>
+                  </m:oMath>
+                </a14:m>
+                <a:r>
+                  <a:rPr/>
+                  <a:t> </a:t>
+                </a:r>
+                <a14:m>
+                  <m:oMath xmlns:m="http://schemas.openxmlformats.org/officeDocument/2006/math">
+                    <m:d>
+                      <m:dPr>
+                        <m:begChr m:val="("/>
+                        <m:endChr m:val=")"/>
+                        <m:sepChr m:val=""/>
+                        <m:grow/>
+                      </m:dPr>
+                      <m:e>
+                        <m:r>
+                          <m:t>2.6</m:t>
+                        </m:r>
+                        <m:r>
+                          <m:rPr>
+                            <m:sty m:val="p"/>
+                          </m:rPr>
+                          <m:t>+</m:t>
+                        </m:r>
+                        <m:r>
+                          <m:t>2.4</m:t>
+                        </m:r>
+                        <m:r>
+                          <m:rPr>
+                            <m:sty m:val="p"/>
+                          </m:rPr>
+                          <m:t>+</m:t>
+                        </m:r>
+                        <m:r>
+                          <m:t>0.6</m:t>
+                        </m:r>
+                        <m:r>
+                          <m:rPr>
+                            <m:sty m:val="p"/>
+                          </m:rPr>
+                          <m:t>+</m:t>
+                        </m:r>
+                        <m:r>
+                          <m:t>1.4</m:t>
+                        </m:r>
+                        <m:r>
+                          <m:rPr>
+                            <m:sty m:val="p"/>
+                          </m:rPr>
+                          <m:t>+</m:t>
+                        </m:r>
+                        <m:r>
+                          <m:t>0.6</m:t>
+                        </m:r>
+                      </m:e>
+                    </m:d>
+                    <m:r>
+                      <m:rPr>
+                        <m:sty m:val="p"/>
+                      </m:rPr>
+                      <m:t>/</m:t>
+                    </m:r>
+                    <m:r>
+                      <m:t>5</m:t>
+                    </m:r>
+                  </m:oMath>
+                </a14:m>
+              </a:p>
+              <a:p>
+                <a:pPr lvl="0" indent="0" marL="0">
+                  <a:buNone/>
+                </a:pPr>
+                <a14:m>
+                  <m:oMath xmlns:m="http://schemas.openxmlformats.org/officeDocument/2006/math">
+                    <m:r>
+                      <m:t> </m:t>
+                    </m:r>
+                  </m:oMath>
+                </a14:m>
+                <a:r>
+                  <a:rPr/>
+                  <a:t> </a:t>
+                </a:r>
+                <a14:m>
+                  <m:oMath xmlns:m="http://schemas.openxmlformats.org/officeDocument/2006/math">
+                    <m:r>
+                      <m:t>7.6</m:t>
+                    </m:r>
+                    <m:r>
+                      <m:rPr>
+                        <m:sty m:val="p"/>
+                      </m:rPr>
+                      <m:t>/</m:t>
+                    </m:r>
+                    <m:r>
+                      <m:t>5</m:t>
+                    </m:r>
+                  </m:oMath>
+                </a14:m>
+              </a:p>
+              <a:p>
+                <a:pPr lvl="0" indent="0" marL="0">
+                  <a:buNone/>
+                </a:pPr>
+                <a14:m>
+                  <m:oMath xmlns:m="http://schemas.openxmlformats.org/officeDocument/2006/math">
+                    <m:r>
+                      <m:t> </m:t>
+                    </m:r>
+                  </m:oMath>
+                </a14:m>
+                <a:r>
+                  <a:rPr/>
+                  <a:t> 1.52</a:t>
+                </a:r>
+              </a:p>
+            </p:txBody>
+          </p:sp>
+        </mc:Choice>
+      </mc:AlternateContent>
     </p:spTree>
   </p:cSld>
 </p:sld>
@@ -12991,7 +13435,7 @@
             </a:pPr>
             <a:r>
               <a:rPr/>
-              <a:t>Bradley Efron’s contribution (4/5)</a:t>
+              <a:t>Bradley Efron’s contribution (4/6)</a:t>
             </a:r>
           </a:p>
         </p:txBody>
@@ -13011,24 +13455,39 @@
           <a:bodyPr/>
           <a:lstStyle/>
           <a:p>
-            <a:pPr lvl="0"/>
-            <a:r>
-              <a:rPr/>
-              <a:t>MAD (Full sample) = 1.68</a:t>
-            </a:r>
-          </a:p>
-          <a:p>
-            <a:pPr lvl="0"/>
-            <a:r>
-              <a:rPr/>
-              <a:t>Average MAD (Bootstrap samples) = 1.405</a:t>
-            </a:r>
-          </a:p>
-          <a:p>
-            <a:pPr lvl="0"/>
-            <a:r>
-              <a:rPr/>
-              <a:t>Standard deviation MAD (Bootstrap samples) = 0.461</a:t>
+            <a:pPr lvl="0" indent="0" marL="0">
+              <a:buNone/>
+            </a:pPr>
+            <a:r>
+              <a:rPr/>
+              <a:t>MAD(5, 7, 3, 5, 7) = 1.28</a:t>
+            </a:r>
+          </a:p>
+          <a:p>
+            <a:pPr lvl="0" indent="0" marL="0">
+              <a:buNone/>
+            </a:pPr>
+            <a:r>
+              <a:rPr/>
+              <a:t>MAD(7, 2, 2, 2, 2) = 1.6</a:t>
+            </a:r>
+          </a:p>
+          <a:p>
+            <a:pPr lvl="0" indent="0" marL="0">
+              <a:buNone/>
+            </a:pPr>
+            <a:r>
+              <a:rPr/>
+              <a:t>…</a:t>
+            </a:r>
+          </a:p>
+          <a:p>
+            <a:pPr lvl="0" indent="0" marL="0">
+              <a:buNone/>
+            </a:pPr>
+            <a:r>
+              <a:rPr/>
+              <a:t>MAD(7, 7, 3, 2, 7) = 2.16</a:t>
             </a:r>
           </a:p>
         </p:txBody>
@@ -13089,7 +13548,7 @@
           <p:nvPr/>
         </p:nvPicPr>
         <p:blipFill>
-          <a:blip r:embed="rId2"/>
+          <a:blip r:embed="rId3"/>
           <a:stretch>
             <a:fillRect/>
           </a:stretch>
@@ -13152,7 +13611,91 @@
             </a:pPr>
             <a:r>
               <a:rPr/>
-              <a:t>Bradley Efron’s contribution (5/5)</a:t>
+              <a:t>Bradley Efron’s contribution (5/6)</a:t>
+            </a:r>
+          </a:p>
+        </p:txBody>
+      </p:sp>
+      <p:sp>
+        <p:nvSpPr>
+          <p:cNvPr id="3" name="Content Placeholder 2"/>
+          <p:cNvSpPr>
+            <a:spLocks noGrp="1"/>
+          </p:cNvSpPr>
+          <p:nvPr>
+            <p:ph idx="1"/>
+          </p:nvPr>
+        </p:nvSpPr>
+        <p:spPr/>
+        <p:txBody>
+          <a:bodyPr/>
+          <a:lstStyle/>
+          <a:p>
+            <a:pPr lvl="0"/>
+            <a:r>
+              <a:rPr/>
+              <a:t>MAD (Full sample) = 1.68</a:t>
+            </a:r>
+          </a:p>
+          <a:p>
+            <a:pPr lvl="0"/>
+            <a:r>
+              <a:rPr/>
+              <a:t>Average MAD (Bootstrap samples) = 1.405</a:t>
+            </a:r>
+          </a:p>
+          <a:p>
+            <a:pPr lvl="0"/>
+            <a:r>
+              <a:rPr/>
+              <a:t>Standard deviation MAD (Bootstrap samples) = 0.461</a:t>
+            </a:r>
+          </a:p>
+        </p:txBody>
+      </p:sp>
+    </p:spTree>
+  </p:cSld>
+</p:sld>
+</file>
+
+<file path=ppt/slides/slide21.xml><?xml version="1.0" encoding="utf-8"?>
+<p:sld xmlns:a="http://schemas.openxmlformats.org/drawingml/2006/main" xmlns:r="http://schemas.openxmlformats.org/officeDocument/2006/relationships" xmlns:p="http://schemas.openxmlformats.org/presentationml/2006/main">
+  <p:cSld>
+    <p:spTree>
+      <p:nvGrpSpPr>
+        <p:cNvPr id="1" name=""/>
+        <p:cNvGrpSpPr/>
+        <p:nvPr/>
+      </p:nvGrpSpPr>
+      <p:grpSpPr>
+        <a:xfrm>
+          <a:off x="0" y="0"/>
+          <a:ext cx="0" cy="0"/>
+          <a:chOff x="0" y="0"/>
+          <a:chExt cx="0" cy="0"/>
+        </a:xfrm>
+      </p:grpSpPr>
+      <p:sp>
+        <p:nvSpPr>
+          <p:cNvPr id="2" name="Title 1"/>
+          <p:cNvSpPr>
+            <a:spLocks noGrp="1"/>
+          </p:cNvSpPr>
+          <p:nvPr>
+            <p:ph type="title"/>
+          </p:nvPr>
+        </p:nvSpPr>
+        <p:spPr/>
+        <p:txBody>
+          <a:bodyPr/>
+          <a:lstStyle/>
+          <a:p>
+            <a:pPr lvl="0" indent="0" marL="0">
+              <a:buNone/>
+            </a:pPr>
+            <a:r>
+              <a:rPr/>
+              <a:t>Bradley Efron’s contribution (6/6)</a:t>
             </a:r>
           </a:p>
         </p:txBody>
@@ -13222,7 +13765,7 @@
 </p:sld>
 </file>
 
-<file path=ppt/slides/slide21.xml><?xml version="1.0" encoding="utf-8"?>
+<file path=ppt/slides/slide22.xml><?xml version="1.0" encoding="utf-8"?>
 <p:sld xmlns:a="http://schemas.openxmlformats.org/drawingml/2006/main" xmlns:r="http://schemas.openxmlformats.org/officeDocument/2006/relationships" xmlns:p="http://schemas.openxmlformats.org/presentationml/2006/main">
   <p:cSld>
     <p:spTree>
@@ -13259,7 +13802,7 @@
             </a:pPr>
             <a:r>
               <a:rPr/>
-              <a:t>A bit of intuition about the bootstrap (1/4)</a:t>
+              <a:t>A bit of intuition about the bootstrap (1/6)</a:t>
             </a:r>
           </a:p>
         </p:txBody>
@@ -13329,7 +13872,7 @@
 </p:sld>
 </file>
 
-<file path=ppt/slides/slide22.xml><?xml version="1.0" encoding="utf-8"?>
+<file path=ppt/slides/slide23.xml><?xml version="1.0" encoding="utf-8"?>
 <p:sld xmlns:a="http://schemas.openxmlformats.org/drawingml/2006/main" xmlns:r="http://schemas.openxmlformats.org/officeDocument/2006/relationships" xmlns:p="http://schemas.openxmlformats.org/presentationml/2006/main">
   <p:cSld>
     <p:spTree>
@@ -13366,7 +13909,114 @@
             </a:pPr>
             <a:r>
               <a:rPr/>
-              <a:t>A bit of intuition about the bootstrap (2/4)</a:t>
+              <a:t>A bit of intuition about the bootstrap (2/6)</a:t>
+            </a:r>
+          </a:p>
+        </p:txBody>
+      </p:sp>
+      <p:pic>
+        <p:nvPicPr>
+          <p:cNvPr descr="fig:  ../images/intuitionx.png" id="0" name="Picture 1"/>
+          <p:cNvPicPr>
+            <a:picLocks noGrp="1" noChangeAspect="1"/>
+          </p:cNvPicPr>
+          <p:nvPr/>
+        </p:nvPicPr>
+        <p:blipFill>
+          <a:blip r:embed="rId2"/>
+          <a:stretch>
+            <a:fillRect/>
+          </a:stretch>
+        </p:blipFill>
+        <p:spPr bwMode="auto">
+          <a:xfrm>
+            <a:off x="2082800" y="1600200"/>
+            <a:ext cx="8026400" cy="4013200"/>
+          </a:xfrm>
+          <a:prstGeom prst="rect">
+            <a:avLst/>
+          </a:prstGeom>
+          <a:noFill/>
+          <a:ln w="9525">
+            <a:noFill/>
+            <a:headEnd/>
+            <a:tailEnd/>
+          </a:ln>
+        </p:spPr>
+      </p:pic>
+      <p:sp>
+        <p:nvSpPr>
+          <p:cNvPr id="1" name="TextBox 3"/>
+          <p:cNvSpPr txBox="1"/>
+          <p:nvPr/>
+        </p:nvSpPr>
+        <p:spPr>
+          <a:xfrm>
+            <a:off x="609600" y="5613400"/>
+            <a:ext cx="10972800" cy="508000"/>
+          </a:xfrm>
+          <a:prstGeom prst="rect">
+            <a:avLst/>
+          </a:prstGeom>
+          <a:noFill/>
+        </p:spPr>
+        <p:txBody>
+          <a:bodyPr/>
+          <a:lstStyle/>
+          <a:p>
+            <a:pPr lvl="0" indent="0" marL="0" algn="ctr">
+              <a:buNone/>
+            </a:pPr>
+            <a:r>
+              <a:rPr/>
+              <a:t>Figure 6. An alternative cumulative density function</a:t>
+            </a:r>
+          </a:p>
+        </p:txBody>
+      </p:sp>
+    </p:spTree>
+  </p:cSld>
+</p:sld>
+</file>
+
+<file path=ppt/slides/slide24.xml><?xml version="1.0" encoding="utf-8"?>
+<p:sld xmlns:a="http://schemas.openxmlformats.org/drawingml/2006/main" xmlns:r="http://schemas.openxmlformats.org/officeDocument/2006/relationships" xmlns:p="http://schemas.openxmlformats.org/presentationml/2006/main">
+  <p:cSld>
+    <p:spTree>
+      <p:nvGrpSpPr>
+        <p:cNvPr id="1" name=""/>
+        <p:cNvGrpSpPr/>
+        <p:nvPr/>
+      </p:nvGrpSpPr>
+      <p:grpSpPr>
+        <a:xfrm>
+          <a:off x="0" y="0"/>
+          <a:ext cx="0" cy="0"/>
+          <a:chOff x="0" y="0"/>
+          <a:chExt cx="0" cy="0"/>
+        </a:xfrm>
+      </p:grpSpPr>
+      <p:sp>
+        <p:nvSpPr>
+          <p:cNvPr id="2" name="Title 1"/>
+          <p:cNvSpPr>
+            <a:spLocks noGrp="1"/>
+          </p:cNvSpPr>
+          <p:nvPr>
+            <p:ph type="title"/>
+          </p:nvPr>
+        </p:nvSpPr>
+        <p:spPr/>
+        <p:txBody>
+          <a:bodyPr/>
+          <a:lstStyle/>
+          <a:p>
+            <a:pPr lvl="0" indent="0" marL="0">
+              <a:buNone/>
+            </a:pPr>
+            <a:r>
+              <a:rPr/>
+              <a:t>A bit of intuition about the bootstrap (3/6)</a:t>
             </a:r>
           </a:p>
         </p:txBody>
@@ -13426,7 +14076,7 @@
             </a:pPr>
             <a:r>
               <a:rPr/>
-              <a:t>Figure 6. Using random uniform values to simulate data from a cumulative distribution function</a:t>
+              <a:t>Figure 7. Using random uniform values to simulate data from a cumulative distribution function</a:t>
             </a:r>
           </a:p>
         </p:txBody>
@@ -13436,7 +14086,7 @@
 </p:sld>
 </file>
 
-<file path=ppt/slides/slide23.xml><?xml version="1.0" encoding="utf-8"?>
+<file path=ppt/slides/slide25.xml><?xml version="1.0" encoding="utf-8"?>
 <p:sld xmlns:a="http://schemas.openxmlformats.org/drawingml/2006/main" xmlns:r="http://schemas.openxmlformats.org/officeDocument/2006/relationships" xmlns:p="http://schemas.openxmlformats.org/presentationml/2006/main">
   <p:cSld>
     <p:spTree>
@@ -13473,7 +14123,114 @@
             </a:pPr>
             <a:r>
               <a:rPr/>
-              <a:t>A bit of intuition about the bootstrap (3/4)</a:t>
+              <a:t>A bit of intuition about the bootstrap (4/6)</a:t>
+            </a:r>
+          </a:p>
+        </p:txBody>
+      </p:sp>
+      <p:pic>
+        <p:nvPicPr>
+          <p:cNvPr descr="fig:  ../images/intuitiony.png" id="0" name="Picture 1"/>
+          <p:cNvPicPr>
+            <a:picLocks noGrp="1" noChangeAspect="1"/>
+          </p:cNvPicPr>
+          <p:nvPr/>
+        </p:nvPicPr>
+        <p:blipFill>
+          <a:blip r:embed="rId2"/>
+          <a:stretch>
+            <a:fillRect/>
+          </a:stretch>
+        </p:blipFill>
+        <p:spPr bwMode="auto">
+          <a:xfrm>
+            <a:off x="2082800" y="1600200"/>
+            <a:ext cx="8026400" cy="4013200"/>
+          </a:xfrm>
+          <a:prstGeom prst="rect">
+            <a:avLst/>
+          </a:prstGeom>
+          <a:noFill/>
+          <a:ln w="9525">
+            <a:noFill/>
+            <a:headEnd/>
+            <a:tailEnd/>
+          </a:ln>
+        </p:spPr>
+      </p:pic>
+      <p:sp>
+        <p:nvSpPr>
+          <p:cNvPr id="1" name="TextBox 3"/>
+          <p:cNvSpPr txBox="1"/>
+          <p:nvPr/>
+        </p:nvSpPr>
+        <p:spPr>
+          <a:xfrm>
+            <a:off x="609600" y="5613400"/>
+            <a:ext cx="10972800" cy="508000"/>
+          </a:xfrm>
+          <a:prstGeom prst="rect">
+            <a:avLst/>
+          </a:prstGeom>
+          <a:noFill/>
+        </p:spPr>
+        <p:txBody>
+          <a:bodyPr/>
+          <a:lstStyle/>
+          <a:p>
+            <a:pPr lvl="0" indent="0" marL="0" algn="ctr">
+              <a:buNone/>
+            </a:pPr>
+            <a:r>
+              <a:rPr/>
+              <a:t>Figure 8. Using random uniform values to simulate data from an alternative cumulative distribution function</a:t>
+            </a:r>
+          </a:p>
+        </p:txBody>
+      </p:sp>
+    </p:spTree>
+  </p:cSld>
+</p:sld>
+</file>
+
+<file path=ppt/slides/slide26.xml><?xml version="1.0" encoding="utf-8"?>
+<p:sld xmlns:a="http://schemas.openxmlformats.org/drawingml/2006/main" xmlns:r="http://schemas.openxmlformats.org/officeDocument/2006/relationships" xmlns:p="http://schemas.openxmlformats.org/presentationml/2006/main">
+  <p:cSld>
+    <p:spTree>
+      <p:nvGrpSpPr>
+        <p:cNvPr id="1" name=""/>
+        <p:cNvGrpSpPr/>
+        <p:nvPr/>
+      </p:nvGrpSpPr>
+      <p:grpSpPr>
+        <a:xfrm>
+          <a:off x="0" y="0"/>
+          <a:ext cx="0" cy="0"/>
+          <a:chOff x="0" y="0"/>
+          <a:chExt cx="0" cy="0"/>
+        </a:xfrm>
+      </p:grpSpPr>
+      <p:sp>
+        <p:nvSpPr>
+          <p:cNvPr id="2" name="Title 1"/>
+          <p:cNvSpPr>
+            <a:spLocks noGrp="1"/>
+          </p:cNvSpPr>
+          <p:nvPr>
+            <p:ph type="title"/>
+          </p:nvPr>
+        </p:nvSpPr>
+        <p:spPr/>
+        <p:txBody>
+          <a:bodyPr/>
+          <a:lstStyle/>
+          <a:p>
+            <a:pPr lvl="0" indent="0" marL="0">
+              <a:buNone/>
+            </a:pPr>
+            <a:r>
+              <a:rPr/>
+              <a:t>A bit of intuition about the bootstrap (5/6)</a:t>
             </a:r>
           </a:p>
         </p:txBody>
@@ -13533,7 +14290,7 @@
             </a:pPr>
             <a:r>
               <a:rPr/>
-              <a:t>Figure 7. Estimate of cumulative density function from the data</a:t>
+              <a:t>Figure 9. Estimate of cumulative density function from the data</a:t>
             </a:r>
           </a:p>
         </p:txBody>
@@ -13543,7 +14300,7 @@
 </p:sld>
 </file>
 
-<file path=ppt/slides/slide24.xml><?xml version="1.0" encoding="utf-8"?>
+<file path=ppt/slides/slide27.xml><?xml version="1.0" encoding="utf-8"?>
 <p:sld xmlns:a="http://schemas.openxmlformats.org/drawingml/2006/main" xmlns:r="http://schemas.openxmlformats.org/officeDocument/2006/relationships" xmlns:p="http://schemas.openxmlformats.org/presentationml/2006/main">
   <p:cSld>
     <p:spTree>
@@ -13580,7 +14337,7 @@
             </a:pPr>
             <a:r>
               <a:rPr/>
-              <a:t>A bit of intuition about the bootstrap (4/4)</a:t>
+              <a:t>A bit of intuition about the bootstrap (6/6)</a:t>
             </a:r>
           </a:p>
         </p:txBody>
@@ -13640,7 +14397,7 @@
             </a:pPr>
             <a:r>
               <a:rPr/>
-              <a:t>Figure 8. Random uniform values converted into a bootstrap</a:t>
+              <a:t>Figure 10. Random uniform values converted into a bootstrap</a:t>
             </a:r>
           </a:p>
         </p:txBody>
@@ -13650,7 +14407,7 @@
 </p:sld>
 </file>
 
-<file path=ppt/slides/slide25.xml><?xml version="1.0" encoding="utf-8"?>
+<file path=ppt/slides/slide28.xml><?xml version="1.0" encoding="utf-8"?>
 <p:sld xmlns:a="http://schemas.openxmlformats.org/drawingml/2006/main" xmlns:r="http://schemas.openxmlformats.org/officeDocument/2006/relationships" xmlns:p="http://schemas.openxmlformats.org/presentationml/2006/main">
   <p:cSld>
     <p:spTree>
@@ -13747,319 +14504,7 @@
             </a:pPr>
             <a:r>
               <a:rPr/>
-              <a:t>Figure 9. Image of a bootstrap</a:t>
-            </a:r>
-          </a:p>
-        </p:txBody>
-      </p:sp>
-    </p:spTree>
-  </p:cSld>
-</p:sld>
-</file>
-
-<file path=ppt/slides/slide26.xml><?xml version="1.0" encoding="utf-8"?>
-<p:sld xmlns:a="http://schemas.openxmlformats.org/drawingml/2006/main" xmlns:r="http://schemas.openxmlformats.org/officeDocument/2006/relationships" xmlns:p="http://schemas.openxmlformats.org/presentationml/2006/main">
-  <p:cSld>
-    <p:spTree>
-      <p:nvGrpSpPr>
-        <p:cNvPr id="1" name=""/>
-        <p:cNvGrpSpPr/>
-        <p:nvPr/>
-      </p:nvGrpSpPr>
-      <p:grpSpPr>
-        <a:xfrm>
-          <a:off x="0" y="0"/>
-          <a:ext cx="0" cy="0"/>
-          <a:chOff x="0" y="0"/>
-          <a:chExt cx="0" cy="0"/>
-        </a:xfrm>
-      </p:grpSpPr>
-      <p:sp>
-        <p:nvSpPr>
-          <p:cNvPr id="2" name="Title 1"/>
-          <p:cNvSpPr>
-            <a:spLocks noGrp="1"/>
-          </p:cNvSpPr>
-          <p:nvPr>
-            <p:ph type="title"/>
-          </p:nvPr>
-        </p:nvSpPr>
-        <p:spPr/>
-        <p:txBody>
-          <a:bodyPr/>
-          <a:lstStyle/>
-          <a:p>
-            <a:pPr lvl="0" indent="0" marL="0">
-              <a:buNone/>
-            </a:pPr>
-            <a:r>
-              <a:rPr/>
-              <a:t>Bagging (1/4)</a:t>
-            </a:r>
-          </a:p>
-        </p:txBody>
-      </p:sp>
-      <p:sp>
-        <p:nvSpPr>
-          <p:cNvPr id="3" name="Content Placeholder 2"/>
-          <p:cNvSpPr>
-            <a:spLocks noGrp="1"/>
-          </p:cNvSpPr>
-          <p:nvPr>
-            <p:ph idx="1"/>
-          </p:nvPr>
-        </p:nvSpPr>
-        <p:spPr/>
-        <p:txBody>
-          <a:bodyPr/>
-          <a:lstStyle/>
-          <a:p>
-            <a:pPr lvl="0"/>
-            <a:r>
-              <a:rPr/>
-              <a:t>Portmanteau for bootstrap aggregation</a:t>
-            </a:r>
-          </a:p>
-          <a:p>
-            <a:pPr lvl="1"/>
-            <a:r>
-              <a:rPr/>
-              <a:t>Used in random forests</a:t>
-            </a:r>
-          </a:p>
-          <a:p>
-            <a:pPr lvl="0"/>
-            <a:r>
-              <a:rPr/>
-              <a:t>Developed by Leo Breiman in 1996</a:t>
-            </a:r>
-          </a:p>
-          <a:p>
-            <a:pPr lvl="0"/>
-            <a:r>
-              <a:rPr/>
-              <a:t>Start with CART model</a:t>
-            </a:r>
-          </a:p>
-          <a:p>
-            <a:pPr lvl="1"/>
-            <a:r>
-              <a:rPr/>
-              <a:t>Classification And Regression Tree</a:t>
-            </a:r>
-          </a:p>
-        </p:txBody>
-      </p:sp>
-    </p:spTree>
-  </p:cSld>
-</p:sld>
-</file>
-
-<file path=ppt/slides/slide27.xml><?xml version="1.0" encoding="utf-8"?>
-<p:sld xmlns:a="http://schemas.openxmlformats.org/drawingml/2006/main" xmlns:r="http://schemas.openxmlformats.org/officeDocument/2006/relationships" xmlns:p="http://schemas.openxmlformats.org/presentationml/2006/main">
-  <p:cSld>
-    <p:spTree>
-      <p:nvGrpSpPr>
-        <p:cNvPr id="1" name=""/>
-        <p:cNvGrpSpPr/>
-        <p:nvPr/>
-      </p:nvGrpSpPr>
-      <p:grpSpPr>
-        <a:xfrm>
-          <a:off x="0" y="0"/>
-          <a:ext cx="0" cy="0"/>
-          <a:chOff x="0" y="0"/>
-          <a:chExt cx="0" cy="0"/>
-        </a:xfrm>
-      </p:grpSpPr>
-      <p:sp>
-        <p:nvSpPr>
-          <p:cNvPr id="2" name="Title 1"/>
-          <p:cNvSpPr>
-            <a:spLocks noGrp="1"/>
-          </p:cNvSpPr>
-          <p:nvPr>
-            <p:ph type="title"/>
-          </p:nvPr>
-        </p:nvSpPr>
-        <p:spPr/>
-        <p:txBody>
-          <a:bodyPr/>
-          <a:lstStyle/>
-          <a:p>
-            <a:pPr lvl="0" indent="0" marL="0">
-              <a:buNone/>
-            </a:pPr>
-            <a:r>
-              <a:rPr/>
-              <a:t>Bagging (2/4)</a:t>
-            </a:r>
-          </a:p>
-        </p:txBody>
-      </p:sp>
-      <p:pic>
-        <p:nvPicPr>
-          <p:cNvPr descr="fig:  ../images/regression-tree.png" id="0" name="Picture 1"/>
-          <p:cNvPicPr>
-            <a:picLocks noGrp="1" noChangeAspect="1"/>
-          </p:cNvPicPr>
-          <p:nvPr/>
-        </p:nvPicPr>
-        <p:blipFill>
-          <a:blip r:embed="rId3"/>
-          <a:stretch>
-            <a:fillRect/>
-          </a:stretch>
-        </p:blipFill>
-        <p:spPr bwMode="auto">
-          <a:xfrm>
-            <a:off x="3479800" y="1600200"/>
-            <a:ext cx="5245100" cy="4013200"/>
-          </a:xfrm>
-          <a:prstGeom prst="rect">
-            <a:avLst/>
-          </a:prstGeom>
-          <a:noFill/>
-          <a:ln w="9525">
-            <a:noFill/>
-            <a:headEnd/>
-            <a:tailEnd/>
-          </a:ln>
-        </p:spPr>
-      </p:pic>
-      <p:sp>
-        <p:nvSpPr>
-          <p:cNvPr id="1" name="TextBox 3"/>
-          <p:cNvSpPr txBox="1"/>
-          <p:nvPr/>
-        </p:nvSpPr>
-        <p:spPr>
-          <a:xfrm>
-            <a:off x="609600" y="5613400"/>
-            <a:ext cx="10972800" cy="508000"/>
-          </a:xfrm>
-          <a:prstGeom prst="rect">
-            <a:avLst/>
-          </a:prstGeom>
-          <a:noFill/>
-        </p:spPr>
-        <p:txBody>
-          <a:bodyPr/>
-          <a:lstStyle/>
-          <a:p>
-            <a:pPr lvl="0" indent="0" marL="0" algn="ctr">
-              <a:buNone/>
-            </a:pPr>
-            <a:r>
-              <a:rPr/>
-              <a:t>Figure 10. Illustration of a regression tree</a:t>
-            </a:r>
-          </a:p>
-        </p:txBody>
-      </p:sp>
-    </p:spTree>
-  </p:cSld>
-</p:sld>
-</file>
-
-<file path=ppt/slides/slide28.xml><?xml version="1.0" encoding="utf-8"?>
-<p:sld xmlns:a="http://schemas.openxmlformats.org/drawingml/2006/main" xmlns:r="http://schemas.openxmlformats.org/officeDocument/2006/relationships" xmlns:p="http://schemas.openxmlformats.org/presentationml/2006/main">
-  <p:cSld>
-    <p:spTree>
-      <p:nvGrpSpPr>
-        <p:cNvPr id="1" name=""/>
-        <p:cNvGrpSpPr/>
-        <p:nvPr/>
-      </p:nvGrpSpPr>
-      <p:grpSpPr>
-        <a:xfrm>
-          <a:off x="0" y="0"/>
-          <a:ext cx="0" cy="0"/>
-          <a:chOff x="0" y="0"/>
-          <a:chExt cx="0" cy="0"/>
-        </a:xfrm>
-      </p:grpSpPr>
-      <p:sp>
-        <p:nvSpPr>
-          <p:cNvPr id="2" name="Title 1"/>
-          <p:cNvSpPr>
-            <a:spLocks noGrp="1"/>
-          </p:cNvSpPr>
-          <p:nvPr>
-            <p:ph type="title"/>
-          </p:nvPr>
-        </p:nvSpPr>
-        <p:spPr/>
-        <p:txBody>
-          <a:bodyPr/>
-          <a:lstStyle/>
-          <a:p>
-            <a:pPr lvl="0" indent="0" marL="0">
-              <a:buNone/>
-            </a:pPr>
-            <a:r>
-              <a:rPr/>
-              <a:t>Bagging (3/4)</a:t>
-            </a:r>
-          </a:p>
-        </p:txBody>
-      </p:sp>
-      <p:pic>
-        <p:nvPicPr>
-          <p:cNvPr descr="fig:  ../images/classification-tree.jpg" id="0" name="Picture 1"/>
-          <p:cNvPicPr>
-            <a:picLocks noGrp="1" noChangeAspect="1"/>
-          </p:cNvPicPr>
-          <p:nvPr/>
-        </p:nvPicPr>
-        <p:blipFill>
-          <a:blip r:embed="rId3"/>
-          <a:stretch>
-            <a:fillRect/>
-          </a:stretch>
-        </p:blipFill>
-        <p:spPr bwMode="auto">
-          <a:xfrm>
-            <a:off x="4152900" y="1600200"/>
-            <a:ext cx="3873500" cy="4013200"/>
-          </a:xfrm>
-          <a:prstGeom prst="rect">
-            <a:avLst/>
-          </a:prstGeom>
-          <a:noFill/>
-          <a:ln w="9525">
-            <a:noFill/>
-            <a:headEnd/>
-            <a:tailEnd/>
-          </a:ln>
-        </p:spPr>
-      </p:pic>
-      <p:sp>
-        <p:nvSpPr>
-          <p:cNvPr id="1" name="TextBox 3"/>
-          <p:cNvSpPr txBox="1"/>
-          <p:nvPr/>
-        </p:nvSpPr>
-        <p:spPr>
-          <a:xfrm>
-            <a:off x="609600" y="5613400"/>
-            <a:ext cx="10972800" cy="508000"/>
-          </a:xfrm>
-          <a:prstGeom prst="rect">
-            <a:avLst/>
-          </a:prstGeom>
-          <a:noFill/>
-        </p:spPr>
-        <p:txBody>
-          <a:bodyPr/>
-          <a:lstStyle/>
-          <a:p>
-            <a:pPr lvl="0" indent="0" marL="0" algn="ctr">
-              <a:buNone/>
-            </a:pPr>
-            <a:r>
-              <a:rPr/>
-              <a:t>Figure 11. Image of a classification tree</a:t>
+              <a:t>Figure 11. Image of a bootstrap</a:t>
             </a:r>
           </a:p>
         </p:txBody>
@@ -14106,287 +14551,62 @@
             </a:pPr>
             <a:r>
               <a:rPr/>
-              <a:t>Bagging (4/4)</a:t>
-            </a:r>
-          </a:p>
-        </p:txBody>
-      </p:sp>
-      <mc:AlternateContent xmlns:mc="http://schemas.openxmlformats.org/markup-compatibility/2006">
-        <mc:Choice xmlns:a14="http://schemas.microsoft.com/office/drawing/2010/main" Requires="a14">
-          <p:sp>
-            <p:nvSpPr>
-              <p:cNvPr id="3" name="Content Placeholder 2"/>
-              <p:cNvSpPr>
-                <a:spLocks noGrp="1"/>
-              </p:cNvSpPr>
-              <p:nvPr>
-                <p:ph idx="1"/>
-              </p:nvPr>
-            </p:nvSpPr>
-            <p:spPr/>
-            <p:txBody>
-              <a:bodyPr/>
-              <a:lstStyle/>
-              <a:p>
-                <a:pPr lvl="0" indent="0" marL="0">
-                  <a:buNone/>
-                </a:pPr>
-                <a:r>
-                  <a:rPr/>
-                  <a:t>Bootstrap sample b=1: CART model predictions, </a:t>
-                </a:r>
-                <a14:m>
-                  <m:oMath xmlns:m="http://schemas.openxmlformats.org/officeDocument/2006/math">
-                    <m:sSub>
-                      <m:e>
-                        <m:acc>
-                          <m:accPr>
-                            <m:chr m:val="̂"/>
-                          </m:accPr>
-                          <m:e>
-                            <m:r>
-                              <m:t>Y</m:t>
-                            </m:r>
-                          </m:e>
-                        </m:acc>
-                      </m:e>
-                      <m:sub>
-                        <m:d>
-                          <m:dPr>
-                            <m:begChr m:val="("/>
-                            <m:endChr m:val=")"/>
-                            <m:sepChr m:val=""/>
-                            <m:grow/>
-                          </m:dPr>
-                          <m:e>
-                            <m:r>
-                              <m:t>1</m:t>
-                            </m:r>
-                          </m:e>
-                        </m:d>
-                      </m:sub>
-                    </m:sSub>
-                  </m:oMath>
-                </a14:m>
-              </a:p>
-              <a:p>
-                <a:pPr lvl="0" indent="0" marL="0">
-                  <a:buNone/>
-                </a:pPr>
-                <a:r>
-                  <a:rPr/>
-                  <a:t>Bootstrap sample b=2: CART model predictions, </a:t>
-                </a:r>
-                <a14:m>
-                  <m:oMath xmlns:m="http://schemas.openxmlformats.org/officeDocument/2006/math">
-                    <m:sSub>
-                      <m:e>
-                        <m:acc>
-                          <m:accPr>
-                            <m:chr m:val="̂"/>
-                          </m:accPr>
-                          <m:e>
-                            <m:r>
-                              <m:t>Y</m:t>
-                            </m:r>
-                          </m:e>
-                        </m:acc>
-                      </m:e>
-                      <m:sub>
-                        <m:d>
-                          <m:dPr>
-                            <m:begChr m:val="("/>
-                            <m:endChr m:val=")"/>
-                            <m:sepChr m:val=""/>
-                            <m:grow/>
-                          </m:dPr>
-                          <m:e>
-                            <m:r>
-                              <m:t>2</m:t>
-                            </m:r>
-                          </m:e>
-                        </m:d>
-                      </m:sub>
-                    </m:sSub>
-                  </m:oMath>
-                </a14:m>
-              </a:p>
-              <a:p>
-                <a:pPr lvl="0" indent="0" marL="0">
-                  <a:buNone/>
-                </a:pPr>
-                <a:r>
-                  <a:rPr/>
-                  <a:t>Bootstrap sample b=3: CART model predictions, </a:t>
-                </a:r>
-                <a14:m>
-                  <m:oMath xmlns:m="http://schemas.openxmlformats.org/officeDocument/2006/math">
-                    <m:sSub>
-                      <m:e>
-                        <m:acc>
-                          <m:accPr>
-                            <m:chr m:val="̂"/>
-                          </m:accPr>
-                          <m:e>
-                            <m:r>
-                              <m:t>Y</m:t>
-                            </m:r>
-                          </m:e>
-                        </m:acc>
-                      </m:e>
-                      <m:sub>
-                        <m:d>
-                          <m:dPr>
-                            <m:begChr m:val="("/>
-                            <m:endChr m:val=")"/>
-                            <m:sepChr m:val=""/>
-                            <m:grow/>
-                          </m:dPr>
-                          <m:e>
-                            <m:r>
-                              <m:t>3</m:t>
-                            </m:r>
-                          </m:e>
-                        </m:d>
-                      </m:sub>
-                    </m:sSub>
-                  </m:oMath>
-                </a14:m>
-              </a:p>
-              <a:p>
-                <a:pPr lvl="0" indent="0" marL="0">
-                  <a:buNone/>
-                </a:pPr>
-                <a:r>
-                  <a:rPr/>
-                  <a:t>…</a:t>
-                </a:r>
-              </a:p>
-              <a:p>
-                <a:pPr lvl="0" indent="0" marL="0">
-                  <a:buNone/>
-                </a:pPr>
-                <a:r>
-                  <a:rPr/>
-                  <a:t>Bootstrap sample b=B: CART model predictions, </a:t>
-                </a:r>
-                <a14:m>
-                  <m:oMath xmlns:m="http://schemas.openxmlformats.org/officeDocument/2006/math">
-                    <m:sSub>
-                      <m:e>
-                        <m:acc>
-                          <m:accPr>
-                            <m:chr m:val="̂"/>
-                          </m:accPr>
-                          <m:e>
-                            <m:r>
-                              <m:t>Y</m:t>
-                            </m:r>
-                          </m:e>
-                        </m:acc>
-                      </m:e>
-                      <m:sub>
-                        <m:d>
-                          <m:dPr>
-                            <m:begChr m:val="("/>
-                            <m:endChr m:val=")"/>
-                            <m:sepChr m:val=""/>
-                            <m:grow/>
-                          </m:dPr>
-                          <m:e>
-                            <m:r>
-                              <m:t>B</m:t>
-                            </m:r>
-                          </m:e>
-                        </m:d>
-                      </m:sub>
-                    </m:sSub>
-                  </m:oMath>
-                </a14:m>
-              </a:p>
-              <a:p>
-                <a:pPr lvl="0" indent="0" marL="0">
-                  <a:buNone/>
-                </a:pPr>
-                <a:r>
-                  <a:rPr/>
-                  <a:t>Final prediction: </a:t>
-                </a:r>
-                <a14:m>
-                  <m:oMath xmlns:m="http://schemas.openxmlformats.org/officeDocument/2006/math">
-                    <m:f>
-                      <m:fPr>
-                        <m:type m:val="bar"/>
-                      </m:fPr>
-                      <m:num>
-                        <m:r>
-                          <m:t>1</m:t>
-                        </m:r>
-                      </m:num>
-                      <m:den>
-                        <m:r>
-                          <m:t>B</m:t>
-                        </m:r>
-                      </m:den>
-                    </m:f>
-                    <m:nary>
-                      <m:naryPr>
-                        <m:chr m:val="∑"/>
-                        <m:limLoc m:val="undOvr"/>
-                        <m:subHide m:val="0"/>
-                        <m:supHide m:val="0"/>
-                      </m:naryPr>
-                      <m:sub>
-                        <m:r>
-                          <m:t>b</m:t>
-                        </m:r>
-                        <m:r>
-                          <m:rPr>
-                            <m:sty m:val="p"/>
-                          </m:rPr>
-                          <m:t>=</m:t>
-                        </m:r>
-                        <m:r>
-                          <m:t>1</m:t>
-                        </m:r>
-                      </m:sub>
-                      <m:sup>
-                        <m:r>
-                          <m:t>B</m:t>
-                        </m:r>
-                      </m:sup>
-                      <m:e>
-                        <m:r>
-                          <m:t> </m:t>
-                        </m:r>
-                      </m:e>
-                    </m:nary>
-                    <m:sSub>
-                      <m:e>
-                        <m:acc>
-                          <m:accPr>
-                            <m:chr m:val="̂"/>
-                          </m:accPr>
-                          <m:e>
-                            <m:r>
-                              <m:t>Y</m:t>
-                            </m:r>
-                          </m:e>
-                        </m:acc>
-                      </m:e>
-                      <m:sub>
-                        <m:r>
-                          <m:t>b</m:t>
-                        </m:r>
-                      </m:sub>
-                    </m:sSub>
-                  </m:oMath>
-                </a14:m>
-              </a:p>
-            </p:txBody>
-          </p:sp>
-        </mc:Choice>
-      </mc:AlternateContent>
+              <a:t>Random Forests/Bagging (1/5)</a:t>
+            </a:r>
+          </a:p>
+        </p:txBody>
+      </p:sp>
+      <p:sp>
+        <p:nvSpPr>
+          <p:cNvPr id="3" name="Content Placeholder 2"/>
+          <p:cNvSpPr>
+            <a:spLocks noGrp="1"/>
+          </p:cNvSpPr>
+          <p:nvPr>
+            <p:ph idx="1"/>
+          </p:nvPr>
+        </p:nvSpPr>
+        <p:spPr/>
+        <p:txBody>
+          <a:bodyPr/>
+          <a:lstStyle/>
+          <a:p>
+            <a:pPr lvl="0"/>
+            <a:r>
+              <a:rPr/>
+              <a:t>Portmanteau for bootstrap aggregation</a:t>
+            </a:r>
+          </a:p>
+          <a:p>
+            <a:pPr lvl="1"/>
+            <a:r>
+              <a:rPr/>
+              <a:t>Used in random forests</a:t>
+            </a:r>
+          </a:p>
+          <a:p>
+            <a:pPr lvl="0"/>
+            <a:r>
+              <a:rPr/>
+              <a:t>Developed by Leo Breiman in 1996</a:t>
+            </a:r>
+          </a:p>
+          <a:p>
+            <a:pPr lvl="0"/>
+            <a:r>
+              <a:rPr/>
+              <a:t>Start with CART model</a:t>
+            </a:r>
+          </a:p>
+          <a:p>
+            <a:pPr lvl="1"/>
+            <a:r>
+              <a:rPr/>
+              <a:t>Classification And Regression Tree</a:t>
+            </a:r>
+          </a:p>
+        </p:txBody>
+      </p:sp>
     </p:spTree>
   </p:cSld>
 </p:sld>
@@ -14531,51 +14751,67 @@
             </a:pPr>
             <a:r>
               <a:rPr/>
-              <a:t>Break #1</a:t>
-            </a:r>
-          </a:p>
-        </p:txBody>
-      </p:sp>
-      <p:sp>
-        <p:nvSpPr>
-          <p:cNvPr id="3" name="Content Placeholder 2"/>
-          <p:cNvSpPr>
-            <a:spLocks noGrp="1"/>
-          </p:cNvSpPr>
-          <p:nvPr>
-            <p:ph idx="1"/>
-          </p:nvPr>
-        </p:nvSpPr>
-        <p:spPr/>
-        <p:txBody>
-          <a:bodyPr/>
-          <a:lstStyle/>
-          <a:p>
-            <a:pPr lvl="0"/>
-            <a:r>
-              <a:rPr/>
-              <a:t>What have you learned</a:t>
-            </a:r>
-          </a:p>
-          <a:p>
-            <a:pPr lvl="1"/>
-            <a:r>
-              <a:rPr/>
-              <a:t>History of the bootstrap</a:t>
-            </a:r>
-          </a:p>
-          <a:p>
-            <a:pPr lvl="0"/>
-            <a:r>
-              <a:rPr/>
-              <a:t>What’s coming next</a:t>
-            </a:r>
-          </a:p>
-          <a:p>
-            <a:pPr lvl="1"/>
-            <a:r>
-              <a:rPr/>
-              <a:t>Algorithms</a:t>
+              <a:t>Random Forests/Bagging (2/5)</a:t>
+            </a:r>
+          </a:p>
+        </p:txBody>
+      </p:sp>
+      <p:pic>
+        <p:nvPicPr>
+          <p:cNvPr descr="fig:  ../images/bag1.png" id="0" name="Picture 1"/>
+          <p:cNvPicPr>
+            <a:picLocks noGrp="1" noChangeAspect="1"/>
+          </p:cNvPicPr>
+          <p:nvPr/>
+        </p:nvPicPr>
+        <p:blipFill>
+          <a:blip r:embed="rId2"/>
+          <a:stretch>
+            <a:fillRect/>
+          </a:stretch>
+        </p:blipFill>
+        <p:spPr bwMode="auto">
+          <a:xfrm>
+            <a:off x="2082800" y="1600200"/>
+            <a:ext cx="8026400" cy="4013200"/>
+          </a:xfrm>
+          <a:prstGeom prst="rect">
+            <a:avLst/>
+          </a:prstGeom>
+          <a:noFill/>
+          <a:ln w="9525">
+            <a:noFill/>
+            <a:headEnd/>
+            <a:tailEnd/>
+          </a:ln>
+        </p:spPr>
+      </p:pic>
+      <p:sp>
+        <p:nvSpPr>
+          <p:cNvPr id="1" name="TextBox 3"/>
+          <p:cNvSpPr txBox="1"/>
+          <p:nvPr/>
+        </p:nvSpPr>
+        <p:spPr>
+          <a:xfrm>
+            <a:off x="609600" y="5613400"/>
+            <a:ext cx="10972800" cy="508000"/>
+          </a:xfrm>
+          <a:prstGeom prst="rect">
+            <a:avLst/>
+          </a:prstGeom>
+          <a:noFill/>
+        </p:spPr>
+        <p:txBody>
+          <a:bodyPr/>
+          <a:lstStyle/>
+          <a:p>
+            <a:pPr lvl="0" indent="0" marL="0" algn="ctr">
+              <a:buNone/>
+            </a:pPr>
+            <a:r>
+              <a:rPr/>
+              <a:t>Figure 11. Regression tree predictions from a single model</a:t>
             </a:r>
           </a:p>
         </p:txBody>
@@ -14622,65 +14858,67 @@
             </a:pPr>
             <a:r>
               <a:rPr/>
-              <a:t>Algorithms</a:t>
-            </a:r>
-          </a:p>
-        </p:txBody>
-      </p:sp>
-      <p:sp>
-        <p:nvSpPr>
-          <p:cNvPr id="3" name="Content Placeholder 2"/>
-          <p:cNvSpPr>
-            <a:spLocks noGrp="1"/>
-          </p:cNvSpPr>
-          <p:nvPr>
-            <p:ph idx="1"/>
-          </p:nvPr>
-        </p:nvSpPr>
-        <p:spPr/>
-        <p:txBody>
-          <a:bodyPr/>
-          <a:lstStyle/>
-          <a:p>
-            <a:pPr lvl="0"/>
-            <a:r>
-              <a:rPr/>
-              <a:t>Estimate bias</a:t>
-            </a:r>
-          </a:p>
-          <a:p>
-            <a:pPr lvl="0"/>
-            <a:r>
-              <a:rPr/>
-              <a:t>Calculate standard errors</a:t>
-            </a:r>
-          </a:p>
-          <a:p>
-            <a:pPr lvl="0"/>
-            <a:r>
-              <a:rPr/>
-              <a:t>Compute confidence intervals</a:t>
-            </a:r>
-          </a:p>
-          <a:p>
-            <a:pPr lvl="0"/>
-            <a:r>
-              <a:rPr/>
-              <a:t>Test hypotheses</a:t>
-            </a:r>
-          </a:p>
-          <a:p>
-            <a:pPr lvl="0"/>
-            <a:r>
-              <a:rPr/>
-              <a:t>Visualizations</a:t>
-            </a:r>
-          </a:p>
-          <a:p>
-            <a:pPr lvl="0"/>
-            <a:r>
-              <a:rPr/>
-              <a:t>How many bootstraps</a:t>
+              <a:t>Random Forests/Bagging (3/5)</a:t>
+            </a:r>
+          </a:p>
+        </p:txBody>
+      </p:sp>
+      <p:pic>
+        <p:nvPicPr>
+          <p:cNvPr descr="fig:  ../images/bag2.png" id="0" name="Picture 1"/>
+          <p:cNvPicPr>
+            <a:picLocks noGrp="1" noChangeAspect="1"/>
+          </p:cNvPicPr>
+          <p:nvPr/>
+        </p:nvPicPr>
+        <p:blipFill>
+          <a:blip r:embed="rId3"/>
+          <a:stretch>
+            <a:fillRect/>
+          </a:stretch>
+        </p:blipFill>
+        <p:spPr bwMode="auto">
+          <a:xfrm>
+            <a:off x="2082800" y="1600200"/>
+            <a:ext cx="8026400" cy="4013200"/>
+          </a:xfrm>
+          <a:prstGeom prst="rect">
+            <a:avLst/>
+          </a:prstGeom>
+          <a:noFill/>
+          <a:ln w="9525">
+            <a:noFill/>
+            <a:headEnd/>
+            <a:tailEnd/>
+          </a:ln>
+        </p:spPr>
+      </p:pic>
+      <p:sp>
+        <p:nvSpPr>
+          <p:cNvPr id="1" name="TextBox 3"/>
+          <p:cNvSpPr txBox="1"/>
+          <p:nvPr/>
+        </p:nvSpPr>
+        <p:spPr>
+          <a:xfrm>
+            <a:off x="609600" y="5613400"/>
+            <a:ext cx="10972800" cy="508000"/>
+          </a:xfrm>
+          <a:prstGeom prst="rect">
+            <a:avLst/>
+          </a:prstGeom>
+          <a:noFill/>
+        </p:spPr>
+        <p:txBody>
+          <a:bodyPr/>
+          <a:lstStyle/>
+          <a:p>
+            <a:pPr lvl="0" indent="0" marL="0" algn="ctr">
+              <a:buNone/>
+            </a:pPr>
+            <a:r>
+              <a:rPr/>
+              <a:t>Figure 12. Regression tree predictions from a bootstrap sample</a:t>
             </a:r>
           </a:p>
         </p:txBody>
@@ -14691,6 +14929,402 @@
 </file>
 
 <file path=ppt/slides/slide32.xml><?xml version="1.0" encoding="utf-8"?>
+<p:sld xmlns:a="http://schemas.openxmlformats.org/drawingml/2006/main" xmlns:r="http://schemas.openxmlformats.org/officeDocument/2006/relationships" xmlns:p="http://schemas.openxmlformats.org/presentationml/2006/main">
+  <p:cSld>
+    <p:spTree>
+      <p:nvGrpSpPr>
+        <p:cNvPr id="1" name=""/>
+        <p:cNvGrpSpPr/>
+        <p:nvPr/>
+      </p:nvGrpSpPr>
+      <p:grpSpPr>
+        <a:xfrm>
+          <a:off x="0" y="0"/>
+          <a:ext cx="0" cy="0"/>
+          <a:chOff x="0" y="0"/>
+          <a:chExt cx="0" cy="0"/>
+        </a:xfrm>
+      </p:grpSpPr>
+      <p:sp>
+        <p:nvSpPr>
+          <p:cNvPr id="2" name="Title 1"/>
+          <p:cNvSpPr>
+            <a:spLocks noGrp="1"/>
+          </p:cNvSpPr>
+          <p:nvPr>
+            <p:ph type="title"/>
+          </p:nvPr>
+        </p:nvSpPr>
+        <p:spPr/>
+        <p:txBody>
+          <a:bodyPr/>
+          <a:lstStyle/>
+          <a:p>
+            <a:pPr lvl="0" indent="0" marL="0">
+              <a:buNone/>
+            </a:pPr>
+            <a:r>
+              <a:rPr/>
+              <a:t>Random Forests/Bagging (4/5)</a:t>
+            </a:r>
+          </a:p>
+        </p:txBody>
+      </p:sp>
+      <p:pic>
+        <p:nvPicPr>
+          <p:cNvPr descr="fig:  ../images/bag3.png" id="0" name="Picture 1"/>
+          <p:cNvPicPr>
+            <a:picLocks noGrp="1" noChangeAspect="1"/>
+          </p:cNvPicPr>
+          <p:nvPr/>
+        </p:nvPicPr>
+        <p:blipFill>
+          <a:blip r:embed="rId3"/>
+          <a:stretch>
+            <a:fillRect/>
+          </a:stretch>
+        </p:blipFill>
+        <p:spPr bwMode="auto">
+          <a:xfrm>
+            <a:off x="2082800" y="1600200"/>
+            <a:ext cx="8026400" cy="4013200"/>
+          </a:xfrm>
+          <a:prstGeom prst="rect">
+            <a:avLst/>
+          </a:prstGeom>
+          <a:noFill/>
+          <a:ln w="9525">
+            <a:noFill/>
+            <a:headEnd/>
+            <a:tailEnd/>
+          </a:ln>
+        </p:spPr>
+      </p:pic>
+      <p:sp>
+        <p:nvSpPr>
+          <p:cNvPr id="1" name="TextBox 3"/>
+          <p:cNvSpPr txBox="1"/>
+          <p:nvPr/>
+        </p:nvSpPr>
+        <p:spPr>
+          <a:xfrm>
+            <a:off x="609600" y="5613400"/>
+            <a:ext cx="10972800" cy="508000"/>
+          </a:xfrm>
+          <a:prstGeom prst="rect">
+            <a:avLst/>
+          </a:prstGeom>
+          <a:noFill/>
+        </p:spPr>
+        <p:txBody>
+          <a:bodyPr/>
+          <a:lstStyle/>
+          <a:p>
+            <a:pPr lvl="0" indent="0" marL="0" algn="ctr">
+              <a:buNone/>
+            </a:pPr>
+            <a:r>
+              <a:rPr/>
+              <a:t>Figure 13. Regression tree predictions from multiple bootstrap samples</a:t>
+            </a:r>
+          </a:p>
+        </p:txBody>
+      </p:sp>
+    </p:spTree>
+  </p:cSld>
+</p:sld>
+</file>
+
+<file path=ppt/slides/slide33.xml><?xml version="1.0" encoding="utf-8"?>
+<p:sld xmlns:a="http://schemas.openxmlformats.org/drawingml/2006/main" xmlns:r="http://schemas.openxmlformats.org/officeDocument/2006/relationships" xmlns:p="http://schemas.openxmlformats.org/presentationml/2006/main">
+  <p:cSld>
+    <p:spTree>
+      <p:nvGrpSpPr>
+        <p:cNvPr id="1" name=""/>
+        <p:cNvGrpSpPr/>
+        <p:nvPr/>
+      </p:nvGrpSpPr>
+      <p:grpSpPr>
+        <a:xfrm>
+          <a:off x="0" y="0"/>
+          <a:ext cx="0" cy="0"/>
+          <a:chOff x="0" y="0"/>
+          <a:chExt cx="0" cy="0"/>
+        </a:xfrm>
+      </p:grpSpPr>
+      <p:sp>
+        <p:nvSpPr>
+          <p:cNvPr id="2" name="Title 1"/>
+          <p:cNvSpPr>
+            <a:spLocks noGrp="1"/>
+          </p:cNvSpPr>
+          <p:nvPr>
+            <p:ph type="title"/>
+          </p:nvPr>
+        </p:nvSpPr>
+        <p:spPr/>
+        <p:txBody>
+          <a:bodyPr/>
+          <a:lstStyle/>
+          <a:p>
+            <a:pPr lvl="0" indent="0" marL="0">
+              <a:buNone/>
+            </a:pPr>
+            <a:r>
+              <a:rPr/>
+              <a:t>Random Forests/Bagging (5/5)</a:t>
+            </a:r>
+          </a:p>
+        </p:txBody>
+      </p:sp>
+      <p:sp>
+        <p:nvSpPr>
+          <p:cNvPr id="3" name="Content Placeholder 2"/>
+          <p:cNvSpPr>
+            <a:spLocks noGrp="1"/>
+          </p:cNvSpPr>
+          <p:nvPr>
+            <p:ph idx="1"/>
+          </p:nvPr>
+        </p:nvSpPr>
+        <p:spPr/>
+        <p:txBody>
+          <a:bodyPr/>
+          <a:lstStyle/>
+          <a:p>
+            <a:pPr lvl="0" indent="0" marL="0">
+              <a:buNone/>
+            </a:pPr>
+            <a:r>
+              <a:rPr/>
+              <a:t>Random forests are very good at</a:t>
+            </a:r>
+          </a:p>
+          <a:p>
+            <a:pPr lvl="0"/>
+            <a:r>
+              <a:rPr/>
+              <a:t>Modeling nonlinearities</a:t>
+            </a:r>
+          </a:p>
+          <a:p>
+            <a:pPr lvl="0"/>
+            <a:r>
+              <a:rPr/>
+              <a:t>Modeling interactions</a:t>
+            </a:r>
+          </a:p>
+          <a:p>
+            <a:pPr lvl="0"/>
+            <a:r>
+              <a:rPr/>
+              <a:t>Avoiding overfitting</a:t>
+            </a:r>
+          </a:p>
+        </p:txBody>
+      </p:sp>
+    </p:spTree>
+  </p:cSld>
+</p:sld>
+</file>
+
+<file path=ppt/slides/slide34.xml><?xml version="1.0" encoding="utf-8"?>
+<p:sld xmlns:a="http://schemas.openxmlformats.org/drawingml/2006/main" xmlns:r="http://schemas.openxmlformats.org/officeDocument/2006/relationships" xmlns:p="http://schemas.openxmlformats.org/presentationml/2006/main">
+  <p:cSld>
+    <p:spTree>
+      <p:nvGrpSpPr>
+        <p:cNvPr id="1" name=""/>
+        <p:cNvGrpSpPr/>
+        <p:nvPr/>
+      </p:nvGrpSpPr>
+      <p:grpSpPr>
+        <a:xfrm>
+          <a:off x="0" y="0"/>
+          <a:ext cx="0" cy="0"/>
+          <a:chOff x="0" y="0"/>
+          <a:chExt cx="0" cy="0"/>
+        </a:xfrm>
+      </p:grpSpPr>
+      <p:sp>
+        <p:nvSpPr>
+          <p:cNvPr id="2" name="Title 1"/>
+          <p:cNvSpPr>
+            <a:spLocks noGrp="1"/>
+          </p:cNvSpPr>
+          <p:nvPr>
+            <p:ph type="title"/>
+          </p:nvPr>
+        </p:nvSpPr>
+        <p:spPr/>
+        <p:txBody>
+          <a:bodyPr/>
+          <a:lstStyle/>
+          <a:p>
+            <a:pPr lvl="0" indent="0" marL="0">
+              <a:buNone/>
+            </a:pPr>
+            <a:r>
+              <a:rPr/>
+              <a:t>Break #1</a:t>
+            </a:r>
+          </a:p>
+        </p:txBody>
+      </p:sp>
+      <p:sp>
+        <p:nvSpPr>
+          <p:cNvPr id="3" name="Content Placeholder 2"/>
+          <p:cNvSpPr>
+            <a:spLocks noGrp="1"/>
+          </p:cNvSpPr>
+          <p:nvPr>
+            <p:ph idx="1"/>
+          </p:nvPr>
+        </p:nvSpPr>
+        <p:spPr/>
+        <p:txBody>
+          <a:bodyPr/>
+          <a:lstStyle/>
+          <a:p>
+            <a:pPr lvl="0"/>
+            <a:r>
+              <a:rPr/>
+              <a:t>What have you learned</a:t>
+            </a:r>
+          </a:p>
+          <a:p>
+            <a:pPr lvl="1"/>
+            <a:r>
+              <a:rPr/>
+              <a:t>History of the bootstrap</a:t>
+            </a:r>
+          </a:p>
+          <a:p>
+            <a:pPr lvl="0"/>
+            <a:r>
+              <a:rPr/>
+              <a:t>What’s coming next</a:t>
+            </a:r>
+          </a:p>
+          <a:p>
+            <a:pPr lvl="1"/>
+            <a:r>
+              <a:rPr/>
+              <a:t>Algorithms</a:t>
+            </a:r>
+          </a:p>
+        </p:txBody>
+      </p:sp>
+    </p:spTree>
+  </p:cSld>
+</p:sld>
+</file>
+
+<file path=ppt/slides/slide35.xml><?xml version="1.0" encoding="utf-8"?>
+<p:sld xmlns:a="http://schemas.openxmlformats.org/drawingml/2006/main" xmlns:r="http://schemas.openxmlformats.org/officeDocument/2006/relationships" xmlns:p="http://schemas.openxmlformats.org/presentationml/2006/main">
+  <p:cSld>
+    <p:spTree>
+      <p:nvGrpSpPr>
+        <p:cNvPr id="1" name=""/>
+        <p:cNvGrpSpPr/>
+        <p:nvPr/>
+      </p:nvGrpSpPr>
+      <p:grpSpPr>
+        <a:xfrm>
+          <a:off x="0" y="0"/>
+          <a:ext cx="0" cy="0"/>
+          <a:chOff x="0" y="0"/>
+          <a:chExt cx="0" cy="0"/>
+        </a:xfrm>
+      </p:grpSpPr>
+      <p:sp>
+        <p:nvSpPr>
+          <p:cNvPr id="2" name="Title 1"/>
+          <p:cNvSpPr>
+            <a:spLocks noGrp="1"/>
+          </p:cNvSpPr>
+          <p:nvPr>
+            <p:ph type="title"/>
+          </p:nvPr>
+        </p:nvSpPr>
+        <p:spPr/>
+        <p:txBody>
+          <a:bodyPr/>
+          <a:lstStyle/>
+          <a:p>
+            <a:pPr lvl="0" indent="0" marL="0">
+              <a:buNone/>
+            </a:pPr>
+            <a:r>
+              <a:rPr/>
+              <a:t>Algorithms</a:t>
+            </a:r>
+          </a:p>
+        </p:txBody>
+      </p:sp>
+      <p:sp>
+        <p:nvSpPr>
+          <p:cNvPr id="3" name="Content Placeholder 2"/>
+          <p:cNvSpPr>
+            <a:spLocks noGrp="1"/>
+          </p:cNvSpPr>
+          <p:nvPr>
+            <p:ph idx="1"/>
+          </p:nvPr>
+        </p:nvSpPr>
+        <p:spPr/>
+        <p:txBody>
+          <a:bodyPr/>
+          <a:lstStyle/>
+          <a:p>
+            <a:pPr lvl="0"/>
+            <a:r>
+              <a:rPr/>
+              <a:t>Estimate bias</a:t>
+            </a:r>
+          </a:p>
+          <a:p>
+            <a:pPr lvl="0"/>
+            <a:r>
+              <a:rPr/>
+              <a:t>Calculate standard errors</a:t>
+            </a:r>
+          </a:p>
+          <a:p>
+            <a:pPr lvl="0"/>
+            <a:r>
+              <a:rPr/>
+              <a:t>Compute confidence intervals</a:t>
+            </a:r>
+          </a:p>
+          <a:p>
+            <a:pPr lvl="0"/>
+            <a:r>
+              <a:rPr/>
+              <a:t>Test hypotheses</a:t>
+            </a:r>
+          </a:p>
+          <a:p>
+            <a:pPr lvl="0"/>
+            <a:r>
+              <a:rPr/>
+              <a:t>Visualizations</a:t>
+            </a:r>
+          </a:p>
+          <a:p>
+            <a:pPr lvl="0"/>
+            <a:r>
+              <a:rPr/>
+              <a:t>How many bootstraps</a:t>
+            </a:r>
+          </a:p>
+        </p:txBody>
+      </p:sp>
+    </p:spTree>
+  </p:cSld>
+</p:sld>
+</file>
+
+<file path=ppt/slides/slide36.xml><?xml version="1.0" encoding="utf-8"?>
 <p:sld xmlns:a="http://schemas.openxmlformats.org/drawingml/2006/main" xmlns:r="http://schemas.openxmlformats.org/officeDocument/2006/relationships" xmlns:p="http://schemas.openxmlformats.org/presentationml/2006/main">
   <p:cSld>
     <p:spTree>
@@ -15438,7 +16072,7 @@
 </p:sld>
 </file>
 
-<file path=ppt/slides/slide33.xml><?xml version="1.0" encoding="utf-8"?>
+<file path=ppt/slides/slide37.xml><?xml version="1.0" encoding="utf-8"?>
 <p:sld xmlns:a="http://schemas.openxmlformats.org/drawingml/2006/main" xmlns:r="http://schemas.openxmlformats.org/officeDocument/2006/relationships" xmlns:p="http://schemas.openxmlformats.org/presentationml/2006/main">
   <p:cSld>
     <p:spTree>
@@ -15645,7 +16279,7 @@
 </p:sld>
 </file>
 
-<file path=ppt/slides/slide34.xml><?xml version="1.0" encoding="utf-8"?>
+<file path=ppt/slides/slide38.xml><?xml version="1.0" encoding="utf-8"?>
 <p:sld xmlns:a="http://schemas.openxmlformats.org/drawingml/2006/main" xmlns:r="http://schemas.openxmlformats.org/officeDocument/2006/relationships" xmlns:p="http://schemas.openxmlformats.org/presentationml/2006/main">
   <p:cSld>
     <p:spTree>
@@ -15879,7 +16513,7 @@
 </p:sld>
 </file>
 
-<file path=ppt/slides/slide35.xml><?xml version="1.0" encoding="utf-8"?>
+<file path=ppt/slides/slide39.xml><?xml version="1.0" encoding="utf-8"?>
 <p:sld xmlns:a="http://schemas.openxmlformats.org/drawingml/2006/main" xmlns:r="http://schemas.openxmlformats.org/officeDocument/2006/relationships" xmlns:p="http://schemas.openxmlformats.org/presentationml/2006/main">
   <p:cSld>
     <p:spTree>
@@ -15963,7 +16597,98 @@
 </p:sld>
 </file>
 
-<file path=ppt/slides/slide36.xml><?xml version="1.0" encoding="utf-8"?>
+<file path=ppt/slides/slide4.xml><?xml version="1.0" encoding="utf-8"?>
+<p:sld xmlns:a="http://schemas.openxmlformats.org/drawingml/2006/main" xmlns:r="http://schemas.openxmlformats.org/officeDocument/2006/relationships" xmlns:p="http://schemas.openxmlformats.org/presentationml/2006/main">
+  <p:cSld>
+    <p:spTree>
+      <p:nvGrpSpPr>
+        <p:cNvPr id="1" name=""/>
+        <p:cNvGrpSpPr/>
+        <p:nvPr/>
+      </p:nvGrpSpPr>
+      <p:grpSpPr>
+        <a:xfrm>
+          <a:off x="0" y="0"/>
+          <a:ext cx="0" cy="0"/>
+          <a:chOff x="0" y="0"/>
+          <a:chExt cx="0" cy="0"/>
+        </a:xfrm>
+      </p:grpSpPr>
+      <p:sp>
+        <p:nvSpPr>
+          <p:cNvPr id="2" name="Title 1"/>
+          <p:cNvSpPr>
+            <a:spLocks noGrp="1"/>
+          </p:cNvSpPr>
+          <p:nvPr>
+            <p:ph type="title"/>
+          </p:nvPr>
+        </p:nvSpPr>
+        <p:spPr/>
+        <p:txBody>
+          <a:bodyPr/>
+          <a:lstStyle/>
+          <a:p>
+            <a:pPr lvl="0" indent="0" marL="0">
+              <a:buNone/>
+            </a:pPr>
+            <a:r>
+              <a:rPr/>
+              <a:t>What you’ll learn today</a:t>
+            </a:r>
+          </a:p>
+        </p:txBody>
+      </p:sp>
+      <p:sp>
+        <p:nvSpPr>
+          <p:cNvPr id="3" name="Content Placeholder 2"/>
+          <p:cNvSpPr>
+            <a:spLocks noGrp="1"/>
+          </p:cNvSpPr>
+          <p:nvPr>
+            <p:ph idx="1"/>
+          </p:nvPr>
+        </p:nvSpPr>
+        <p:spPr/>
+        <p:txBody>
+          <a:bodyPr/>
+          <a:lstStyle/>
+          <a:p>
+            <a:pPr lvl="0"/>
+            <a:r>
+              <a:rPr/>
+              <a:t>History</a:t>
+            </a:r>
+          </a:p>
+          <a:p>
+            <a:pPr lvl="0"/>
+            <a:r>
+              <a:rPr/>
+              <a:t>Algorithms</a:t>
+            </a:r>
+          </a:p>
+          <a:p>
+            <a:pPr lvl="0"/>
+            <a:r>
+              <a:rPr/>
+              <a:t>Software</a:t>
+            </a:r>
+          </a:p>
+          <a:p>
+            <a:pPr lvl="0"/>
+            <a:r>
+              <a:rPr/>
+              <a:t>Special settings</a:t>
+            </a:r>
+          </a:p>
+        </p:txBody>
+      </p:sp>
+    </p:spTree>
+  </p:cSld>
+</p:sld>
+</file>
+
+<file path=ppt/slides/slide40.xml><?xml version="1.0" encoding="utf-8"?>
 <p:sld xmlns:a="http://schemas.openxmlformats.org/drawingml/2006/main" xmlns:r="http://schemas.openxmlformats.org/officeDocument/2006/relationships" xmlns:p="http://schemas.openxmlformats.org/presentationml/2006/main">
   <p:cSld>
     <p:spTree>
@@ -16145,1409 +16870,6 @@
 </p:sld>
 </file>
 
-<file path=ppt/slides/slide37.xml><?xml version="1.0" encoding="utf-8"?>
-<p:sld xmlns:a="http://schemas.openxmlformats.org/drawingml/2006/main" xmlns:r="http://schemas.openxmlformats.org/officeDocument/2006/relationships" xmlns:p="http://schemas.openxmlformats.org/presentationml/2006/main">
-  <p:cSld>
-    <p:spTree>
-      <p:nvGrpSpPr>
-        <p:cNvPr id="1" name=""/>
-        <p:cNvGrpSpPr/>
-        <p:nvPr/>
-      </p:nvGrpSpPr>
-      <p:grpSpPr>
-        <a:xfrm>
-          <a:off x="0" y="0"/>
-          <a:ext cx="0" cy="0"/>
-          <a:chOff x="0" y="0"/>
-          <a:chExt cx="0" cy="0"/>
-        </a:xfrm>
-      </p:grpSpPr>
-      <p:sp>
-        <p:nvSpPr>
-          <p:cNvPr id="2" name="Title 1"/>
-          <p:cNvSpPr>
-            <a:spLocks noGrp="1"/>
-          </p:cNvSpPr>
-          <p:nvPr>
-            <p:ph type="title"/>
-          </p:nvPr>
-        </p:nvSpPr>
-        <p:spPr/>
-        <p:txBody>
-          <a:bodyPr/>
-          <a:lstStyle/>
-          <a:p>
-            <a:pPr lvl="0" indent="0" marL="0">
-              <a:buNone/>
-            </a:pPr>
-            <a:r>
-              <a:rPr/>
-              <a:t>Compute confidence intervals, percentiles</a:t>
-            </a:r>
-          </a:p>
-        </p:txBody>
-      </p:sp>
-      <p:sp>
-        <p:nvSpPr>
-          <p:cNvPr id="3" name="Content Placeholder 2"/>
-          <p:cNvSpPr>
-            <a:spLocks noGrp="1"/>
-          </p:cNvSpPr>
-          <p:nvPr>
-            <p:ph idx="1"/>
-          </p:nvPr>
-        </p:nvSpPr>
-        <p:spPr/>
-        <p:txBody>
-          <a:bodyPr/>
-          <a:lstStyle/>
-          <a:p>
-            <a:pPr lvl="0"/>
-            <a:r>
-              <a:rPr/>
-              <a:t>Take percentiles directly from the bootstrap sample</a:t>
-            </a:r>
-          </a:p>
-          <a:p>
-            <a:pPr lvl="1"/>
-            <a:r>
-              <a:rPr/>
-              <a:t>Example, B=1000</a:t>
-            </a:r>
-          </a:p>
-          <a:p>
-            <a:pPr lvl="2"/>
-            <a:r>
-              <a:rPr/>
-              <a:t>Select the 25th and 975 observations in sorted order</a:t>
-            </a:r>
-          </a:p>
-        </p:txBody>
-      </p:sp>
-    </p:spTree>
-  </p:cSld>
-</p:sld>
-</file>
-
-<file path=ppt/slides/slide38.xml><?xml version="1.0" encoding="utf-8"?>
-<p:sld xmlns:a="http://schemas.openxmlformats.org/drawingml/2006/main" xmlns:r="http://schemas.openxmlformats.org/officeDocument/2006/relationships" xmlns:p="http://schemas.openxmlformats.org/presentationml/2006/main">
-  <p:cSld>
-    <p:spTree>
-      <p:nvGrpSpPr>
-        <p:cNvPr id="1" name=""/>
-        <p:cNvGrpSpPr/>
-        <p:nvPr/>
-      </p:nvGrpSpPr>
-      <p:grpSpPr>
-        <a:xfrm>
-          <a:off x="0" y="0"/>
-          <a:ext cx="0" cy="0"/>
-          <a:chOff x="0" y="0"/>
-          <a:chExt cx="0" cy="0"/>
-        </a:xfrm>
-      </p:grpSpPr>
-      <p:sp>
-        <p:nvSpPr>
-          <p:cNvPr id="2" name="Title 1"/>
-          <p:cNvSpPr>
-            <a:spLocks noGrp="1"/>
-          </p:cNvSpPr>
-          <p:nvPr>
-            <p:ph type="title"/>
-          </p:nvPr>
-        </p:nvSpPr>
-        <p:spPr/>
-        <p:txBody>
-          <a:bodyPr/>
-          <a:lstStyle/>
-          <a:p>
-            <a:pPr lvl="0" indent="0" marL="0">
-              <a:buNone/>
-            </a:pPr>
-            <a:r>
-              <a:rPr/>
-              <a:t>Compute confidence intervals, BCa (1/5)</a:t>
-            </a:r>
-          </a:p>
-        </p:txBody>
-      </p:sp>
-      <mc:AlternateContent xmlns:mc="http://schemas.openxmlformats.org/markup-compatibility/2006">
-        <mc:Choice xmlns:a14="http://schemas.microsoft.com/office/drawing/2010/main" Requires="a14">
-          <p:sp>
-            <p:nvSpPr>
-              <p:cNvPr id="3" name="Content Placeholder 2"/>
-              <p:cNvSpPr>
-                <a:spLocks noGrp="1"/>
-              </p:cNvSpPr>
-              <p:nvPr>
-                <p:ph idx="1"/>
-              </p:nvPr>
-            </p:nvSpPr>
-            <p:spPr/>
-            <p:txBody>
-              <a:bodyPr/>
-              <a:lstStyle/>
-              <a:p>
-                <a:pPr lvl="0"/>
-                <a:r>
-                  <a:rPr/>
-                  <a:t>Bias adjustment (using bootstrap estimates)</a:t>
-                </a:r>
-              </a:p>
-              <a:p>
-                <a:pPr lvl="1"/>
-                <a14:m>
-                  <m:oMath xmlns:m="http://schemas.openxmlformats.org/officeDocument/2006/math">
-                    <m:sSub>
-                      <m:e>
-                        <m:acc>
-                          <m:accPr>
-                            <m:chr m:val="̂"/>
-                          </m:accPr>
-                          <m:e>
-                            <m:r>
-                              <m:t>z</m:t>
-                            </m:r>
-                          </m:e>
-                        </m:acc>
-                      </m:e>
-                      <m:sub>
-                        <m:r>
-                          <m:t>0</m:t>
-                        </m:r>
-                      </m:sub>
-                    </m:sSub>
-                    <m:r>
-                      <m:rPr>
-                        <m:sty m:val="p"/>
-                      </m:rPr>
-                      <m:t>=</m:t>
-                    </m:r>
-                    <m:sSup>
-                      <m:e>
-                        <m:r>
-                          <m:t>Φ</m:t>
-                        </m:r>
-                      </m:e>
-                      <m:sup>
-                        <m:r>
-                          <m:rPr>
-                            <m:sty m:val="p"/>
-                          </m:rPr>
-                          <m:t>−</m:t>
-                        </m:r>
-                        <m:r>
-                          <m:t>1</m:t>
-                        </m:r>
-                      </m:sup>
-                    </m:sSup>
-                    <m:r>
-                      <m:rPr>
-                        <m:sty m:val="p"/>
-                      </m:rPr>
-                      <m:t>(</m:t>
-                    </m:r>
-                    <m:f>
-                      <m:fPr>
-                        <m:type m:val="bar"/>
-                      </m:fPr>
-                      <m:num>
-                        <m:r>
-                          <m:t>1</m:t>
-                        </m:r>
-                      </m:num>
-                      <m:den>
-                        <m:r>
-                          <m:t>B</m:t>
-                        </m:r>
-                      </m:den>
-                    </m:f>
-                    <m:d>
-                      <m:dPr>
-                        <m:begChr m:val="("/>
-                        <m:endChr m:val=")"/>
-                        <m:sepChr m:val=""/>
-                        <m:grow/>
-                      </m:dPr>
-                      <m:e>
-                        <m:r>
-                          <m:t>H</m:t>
-                        </m:r>
-                        <m:d>
-                          <m:dPr>
-                            <m:begChr m:val="("/>
-                            <m:endChr m:val=")"/>
-                            <m:sepChr m:val=""/>
-                            <m:grow/>
-                          </m:dPr>
-                          <m:e>
-                            <m:acc>
-                              <m:accPr>
-                                <m:chr m:val="̂"/>
-                              </m:accPr>
-                              <m:e>
-                                <m:r>
-                                  <m:t>θ</m:t>
-                                </m:r>
-                              </m:e>
-                            </m:acc>
-                            <m:r>
-                              <m:rPr>
-                                <m:sty m:val="p"/>
-                              </m:rPr>
-                              <m:t>−</m:t>
-                            </m:r>
-                            <m:sSup>
-                              <m:e>
-                                <m:acc>
-                                  <m:accPr>
-                                    <m:chr m:val="̂"/>
-                                  </m:accPr>
-                                  <m:e>
-                                    <m:r>
-                                      <m:t>θ</m:t>
-                                    </m:r>
-                                  </m:e>
-                                </m:acc>
-                              </m:e>
-                              <m:sup>
-                                <m:d>
-                                  <m:dPr>
-                                    <m:begChr m:val="("/>
-                                    <m:endChr m:val=")"/>
-                                    <m:sepChr m:val=""/>
-                                    <m:grow/>
-                                  </m:dPr>
-                                  <m:e>
-                                    <m:r>
-                                      <m:t>b</m:t>
-                                    </m:r>
-                                  </m:e>
-                                </m:d>
-                              </m:sup>
-                            </m:sSup>
-                          </m:e>
-                        </m:d>
-                      </m:e>
-                    </m:d>
-                  </m:oMath>
-                </a14:m>
-                <a:r>
-                  <a:rPr/>
-                  <a:t> where</a:t>
-                </a:r>
-              </a:p>
-              <a:p>
-                <a:pPr lvl="2"/>
-                <a:r>
-                  <a:rPr/>
-                  <a:t>H(x)=1 for </a:t>
-                </a:r>
-                <a14:m>
-                  <m:oMath xmlns:m="http://schemas.openxmlformats.org/officeDocument/2006/math">
-                    <m:r>
-                      <m:t>x</m:t>
-                    </m:r>
-                    <m:r>
-                      <m:rPr>
-                        <m:sty m:val="p"/>
-                      </m:rPr>
-                      <m:t>≥</m:t>
-                    </m:r>
-                    <m:r>
-                      <m:t>0</m:t>
-                    </m:r>
-                  </m:oMath>
-                </a14:m>
-                <a:r>
-                  <a:rPr/>
-                  <a:t>, 0 for </a:t>
-                </a:r>
-                <a14:m>
-                  <m:oMath xmlns:m="http://schemas.openxmlformats.org/officeDocument/2006/math">
-                    <m:r>
-                      <m:t>x</m:t>
-                    </m:r>
-                    <m:r>
-                      <m:rPr>
-                        <m:sty m:val="p"/>
-                      </m:rPr>
-                      <m:t>&lt;</m:t>
-                    </m:r>
-                    <m:r>
-                      <m:t>0</m:t>
-                    </m:r>
-                  </m:oMath>
-                </a14:m>
-                <a:r>
-                  <a:rPr/>
-                  <a:t>.</a:t>
-                </a:r>
-              </a:p>
-              <a:p>
-                <a:pPr lvl="2"/>
-                <a14:m>
-                  <m:oMath xmlns:m="http://schemas.openxmlformats.org/officeDocument/2006/math">
-                    <m:sSup>
-                      <m:e>
-                        <m:r>
-                          <m:t>Φ</m:t>
-                        </m:r>
-                      </m:e>
-                      <m:sup>
-                        <m:r>
-                          <m:rPr>
-                            <m:sty m:val="p"/>
-                          </m:rPr>
-                          <m:t>−</m:t>
-                        </m:r>
-                        <m:r>
-                          <m:t>1</m:t>
-                        </m:r>
-                      </m:sup>
-                    </m:sSup>
-                  </m:oMath>
-                </a14:m>
-                <a:r>
-                  <a:rPr/>
-                  <a:t> is the percentile function for the standard normal distribution</a:t>
-                </a:r>
-              </a:p>
-              <a:p>
-                <a:pPr lvl="0"/>
-                <a:r>
-                  <a:rPr/>
-                  <a:t>Acceleration (using jackknife)</a:t>
-                </a:r>
-              </a:p>
-              <a:p>
-                <a:pPr lvl="1"/>
-                <a14:m>
-                  <m:oMath xmlns:m="http://schemas.openxmlformats.org/officeDocument/2006/math">
-                    <m:acc>
-                      <m:accPr>
-                        <m:chr m:val="̂"/>
-                      </m:accPr>
-                      <m:e>
-                        <m:r>
-                          <m:t>a</m:t>
-                        </m:r>
-                      </m:e>
-                    </m:acc>
-                    <m:r>
-                      <m:rPr>
-                        <m:sty m:val="p"/>
-                      </m:rPr>
-                      <m:t>=</m:t>
-                    </m:r>
-                    <m:f>
-                      <m:fPr>
-                        <m:type m:val="bar"/>
-                      </m:fPr>
-                      <m:num>
-                        <m:nary>
-                          <m:naryPr>
-                            <m:chr m:val="∑"/>
-                            <m:limLoc m:val="undOvr"/>
-                            <m:subHide m:val="0"/>
-                            <m:supHide m:val="0"/>
-                          </m:naryPr>
-                          <m:sub>
-                            <m:r>
-                              <m:t>i</m:t>
-                            </m:r>
-                            <m:r>
-                              <m:rPr>
-                                <m:sty m:val="p"/>
-                              </m:rPr>
-                              <m:t>=</m:t>
-                            </m:r>
-                            <m:r>
-                              <m:t>1</m:t>
-                            </m:r>
-                          </m:sub>
-                          <m:sup>
-                            <m:r>
-                              <m:t>n</m:t>
-                            </m:r>
-                          </m:sup>
-                          <m:e>
-                            <m:sSup>
-                              <m:e>
-                                <m:d>
-                                  <m:dPr>
-                                    <m:begChr m:val="("/>
-                                    <m:endChr m:val=")"/>
-                                    <m:sepChr m:val=""/>
-                                    <m:grow/>
-                                  </m:dPr>
-                                  <m:e>
-                                    <m:sSub>
-                                      <m:e>
-                                        <m:acc>
-                                          <m:accPr>
-                                            <m:chr m:val="̂"/>
-                                          </m:accPr>
-                                          <m:e>
-                                            <m:r>
-                                              <m:t>θ</m:t>
-                                            </m:r>
-                                          </m:e>
-                                        </m:acc>
-                                      </m:e>
-                                      <m:sub>
-                                        <m:d>
-                                          <m:dPr>
-                                            <m:begChr m:val="("/>
-                                            <m:endChr m:val=")"/>
-                                            <m:sepChr m:val=""/>
-                                            <m:grow/>
-                                          </m:dPr>
-                                          <m:e>
-                                            <m:r>
-                                              <m:rPr>
-                                                <m:sty m:val="p"/>
-                                              </m:rPr>
-                                              <m:t>.</m:t>
-                                            </m:r>
-                                          </m:e>
-                                        </m:d>
-                                      </m:sub>
-                                    </m:sSub>
-                                    <m:r>
-                                      <m:rPr>
-                                        <m:sty m:val="p"/>
-                                      </m:rPr>
-                                      <m:t>−</m:t>
-                                    </m:r>
-                                    <m:sSub>
-                                      <m:e>
-                                        <m:acc>
-                                          <m:accPr>
-                                            <m:chr m:val="̂"/>
-                                          </m:accPr>
-                                          <m:e>
-                                            <m:r>
-                                              <m:t>θ</m:t>
-                                            </m:r>
-                                          </m:e>
-                                        </m:acc>
-                                      </m:e>
-                                      <m:sub>
-                                        <m:d>
-                                          <m:dPr>
-                                            <m:begChr m:val="("/>
-                                            <m:endChr m:val=")"/>
-                                            <m:sepChr m:val=""/>
-                                            <m:grow/>
-                                          </m:dPr>
-                                          <m:e>
-                                            <m:r>
-                                              <m:t>i</m:t>
-                                            </m:r>
-                                          </m:e>
-                                        </m:d>
-                                      </m:sub>
-                                    </m:sSub>
-                                  </m:e>
-                                </m:d>
-                              </m:e>
-                              <m:sup>
-                                <m:r>
-                                  <m:t>3</m:t>
-                                </m:r>
-                              </m:sup>
-                            </m:sSup>
-                          </m:e>
-                        </m:nary>
-                      </m:num>
-                      <m:den>
-                        <m:r>
-                          <m:t>6</m:t>
-                        </m:r>
-                        <m:sSup>
-                          <m:e>
-                            <m:d>
-                              <m:dPr>
-                                <m:begChr m:val="("/>
-                                <m:endChr m:val=")"/>
-                                <m:sepChr m:val=""/>
-                                <m:grow/>
-                              </m:dPr>
-                              <m:e>
-                                <m:nary>
-                                  <m:naryPr>
-                                    <m:chr m:val="∑"/>
-                                    <